--- a/img/celle.pptx
+++ b/img/celle.pptx
@@ -6,7 +6,7 @@
     <p:sldMasterId id="2147483660" r:id="rId2"/>
   </p:sldMasterIdLst>
   <p:notesMasterIdLst>
-    <p:notesMasterId r:id="rId18"/>
+    <p:notesMasterId r:id="rId22"/>
   </p:notesMasterIdLst>
   <p:sldIdLst>
     <p:sldId id="256" r:id="rId3"/>
@@ -24,6 +24,10 @@
     <p:sldId id="270" r:id="rId15"/>
     <p:sldId id="271" r:id="rId16"/>
     <p:sldId id="267" r:id="rId17"/>
+    <p:sldId id="272" r:id="rId18"/>
+    <p:sldId id="275" r:id="rId19"/>
+    <p:sldId id="276" r:id="rId20"/>
+    <p:sldId id="274" r:id="rId21"/>
   </p:sldIdLst>
   <p:sldSz cx="12192000" cy="6858000"/>
   <p:notesSz cx="6858000" cy="9144000"/>
@@ -212,7 +216,7 @@
           <a:p>
             <a:fld id="{76BCBF0C-CE44-499E-BCEB-7948FB131314}" type="datetimeFigureOut">
               <a:rPr lang="it-IT" smtClean="0"/>
-              <a:t>10/02/2019</a:t>
+              <a:t>14/02/2019</a:t>
             </a:fld>
             <a:endParaRPr lang="it-IT"/>
           </a:p>
@@ -626,7 +630,7 @@
           <a:p>
             <a:fld id="{73B341DB-7226-48ED-93C6-4CA0570B6B59}" type="datetimeFigureOut">
               <a:rPr lang="it-IT" smtClean="0"/>
-              <a:t>10/02/2019</a:t>
+              <a:t>14/02/2019</a:t>
             </a:fld>
             <a:endParaRPr lang="it-IT"/>
           </a:p>
@@ -824,7 +828,7 @@
           <a:p>
             <a:fld id="{73B341DB-7226-48ED-93C6-4CA0570B6B59}" type="datetimeFigureOut">
               <a:rPr lang="it-IT" smtClean="0"/>
-              <a:t>10/02/2019</a:t>
+              <a:t>14/02/2019</a:t>
             </a:fld>
             <a:endParaRPr lang="it-IT"/>
           </a:p>
@@ -1032,7 +1036,7 @@
           <a:p>
             <a:fld id="{73B341DB-7226-48ED-93C6-4CA0570B6B59}" type="datetimeFigureOut">
               <a:rPr lang="it-IT" smtClean="0"/>
-              <a:t>10/02/2019</a:t>
+              <a:t>14/02/2019</a:t>
             </a:fld>
             <a:endParaRPr lang="it-IT"/>
           </a:p>
@@ -1252,7 +1256,7 @@
           <a:p>
             <a:fld id="{6A95F648-2F94-41D1-A59D-39CB3696F9AB}" type="datetimeFigureOut">
               <a:rPr lang="it-IT" smtClean="0"/>
-              <a:t>10/02/2019</a:t>
+              <a:t>14/02/2019</a:t>
             </a:fld>
             <a:endParaRPr lang="it-IT"/>
           </a:p>
@@ -1450,7 +1454,7 @@
           <a:p>
             <a:fld id="{6A95F648-2F94-41D1-A59D-39CB3696F9AB}" type="datetimeFigureOut">
               <a:rPr lang="it-IT" smtClean="0"/>
-              <a:t>10/02/2019</a:t>
+              <a:t>14/02/2019</a:t>
             </a:fld>
             <a:endParaRPr lang="it-IT"/>
           </a:p>
@@ -1725,7 +1729,7 @@
           <a:p>
             <a:fld id="{6A95F648-2F94-41D1-A59D-39CB3696F9AB}" type="datetimeFigureOut">
               <a:rPr lang="it-IT" smtClean="0"/>
-              <a:t>10/02/2019</a:t>
+              <a:t>14/02/2019</a:t>
             </a:fld>
             <a:endParaRPr lang="it-IT"/>
           </a:p>
@@ -1990,7 +1994,7 @@
           <a:p>
             <a:fld id="{6A95F648-2F94-41D1-A59D-39CB3696F9AB}" type="datetimeFigureOut">
               <a:rPr lang="it-IT" smtClean="0"/>
-              <a:t>10/02/2019</a:t>
+              <a:t>14/02/2019</a:t>
             </a:fld>
             <a:endParaRPr lang="it-IT"/>
           </a:p>
@@ -2402,7 +2406,7 @@
           <a:p>
             <a:fld id="{6A95F648-2F94-41D1-A59D-39CB3696F9AB}" type="datetimeFigureOut">
               <a:rPr lang="it-IT" smtClean="0"/>
-              <a:t>10/02/2019</a:t>
+              <a:t>14/02/2019</a:t>
             </a:fld>
             <a:endParaRPr lang="it-IT"/>
           </a:p>
@@ -2543,7 +2547,7 @@
           <a:p>
             <a:fld id="{6A95F648-2F94-41D1-A59D-39CB3696F9AB}" type="datetimeFigureOut">
               <a:rPr lang="it-IT" smtClean="0"/>
-              <a:t>10/02/2019</a:t>
+              <a:t>14/02/2019</a:t>
             </a:fld>
             <a:endParaRPr lang="it-IT"/>
           </a:p>
@@ -2656,7 +2660,7 @@
           <a:p>
             <a:fld id="{6A95F648-2F94-41D1-A59D-39CB3696F9AB}" type="datetimeFigureOut">
               <a:rPr lang="it-IT" smtClean="0"/>
-              <a:t>10/02/2019</a:t>
+              <a:t>14/02/2019</a:t>
             </a:fld>
             <a:endParaRPr lang="it-IT"/>
           </a:p>
@@ -2967,7 +2971,7 @@
           <a:p>
             <a:fld id="{6A95F648-2F94-41D1-A59D-39CB3696F9AB}" type="datetimeFigureOut">
               <a:rPr lang="it-IT" smtClean="0"/>
-              <a:t>10/02/2019</a:t>
+              <a:t>14/02/2019</a:t>
             </a:fld>
             <a:endParaRPr lang="it-IT"/>
           </a:p>
@@ -3165,7 +3169,7 @@
           <a:p>
             <a:fld id="{73B341DB-7226-48ED-93C6-4CA0570B6B59}" type="datetimeFigureOut">
               <a:rPr lang="it-IT" smtClean="0"/>
-              <a:t>10/02/2019</a:t>
+              <a:t>14/02/2019</a:t>
             </a:fld>
             <a:endParaRPr lang="it-IT"/>
           </a:p>
@@ -3453,7 +3457,7 @@
           <a:p>
             <a:fld id="{6A95F648-2F94-41D1-A59D-39CB3696F9AB}" type="datetimeFigureOut">
               <a:rPr lang="it-IT" smtClean="0"/>
-              <a:t>10/02/2019</a:t>
+              <a:t>14/02/2019</a:t>
             </a:fld>
             <a:endParaRPr lang="it-IT"/>
           </a:p>
@@ -3651,7 +3655,7 @@
           <a:p>
             <a:fld id="{6A95F648-2F94-41D1-A59D-39CB3696F9AB}" type="datetimeFigureOut">
               <a:rPr lang="it-IT" smtClean="0"/>
-              <a:t>10/02/2019</a:t>
+              <a:t>14/02/2019</a:t>
             </a:fld>
             <a:endParaRPr lang="it-IT"/>
           </a:p>
@@ -3859,7 +3863,7 @@
           <a:p>
             <a:fld id="{6A95F648-2F94-41D1-A59D-39CB3696F9AB}" type="datetimeFigureOut">
               <a:rPr lang="it-IT" smtClean="0"/>
-              <a:t>10/02/2019</a:t>
+              <a:t>14/02/2019</a:t>
             </a:fld>
             <a:endParaRPr lang="it-IT"/>
           </a:p>
@@ -4134,7 +4138,7 @@
           <a:p>
             <a:fld id="{73B341DB-7226-48ED-93C6-4CA0570B6B59}" type="datetimeFigureOut">
               <a:rPr lang="it-IT" smtClean="0"/>
-              <a:t>10/02/2019</a:t>
+              <a:t>14/02/2019</a:t>
             </a:fld>
             <a:endParaRPr lang="it-IT"/>
           </a:p>
@@ -4399,7 +4403,7 @@
           <a:p>
             <a:fld id="{73B341DB-7226-48ED-93C6-4CA0570B6B59}" type="datetimeFigureOut">
               <a:rPr lang="it-IT" smtClean="0"/>
-              <a:t>10/02/2019</a:t>
+              <a:t>14/02/2019</a:t>
             </a:fld>
             <a:endParaRPr lang="it-IT"/>
           </a:p>
@@ -4811,7 +4815,7 @@
           <a:p>
             <a:fld id="{73B341DB-7226-48ED-93C6-4CA0570B6B59}" type="datetimeFigureOut">
               <a:rPr lang="it-IT" smtClean="0"/>
-              <a:t>10/02/2019</a:t>
+              <a:t>14/02/2019</a:t>
             </a:fld>
             <a:endParaRPr lang="it-IT"/>
           </a:p>
@@ -4952,7 +4956,7 @@
           <a:p>
             <a:fld id="{73B341DB-7226-48ED-93C6-4CA0570B6B59}" type="datetimeFigureOut">
               <a:rPr lang="it-IT" smtClean="0"/>
-              <a:t>10/02/2019</a:t>
+              <a:t>14/02/2019</a:t>
             </a:fld>
             <a:endParaRPr lang="it-IT"/>
           </a:p>
@@ -5065,7 +5069,7 @@
           <a:p>
             <a:fld id="{73B341DB-7226-48ED-93C6-4CA0570B6B59}" type="datetimeFigureOut">
               <a:rPr lang="it-IT" smtClean="0"/>
-              <a:t>10/02/2019</a:t>
+              <a:t>14/02/2019</a:t>
             </a:fld>
             <a:endParaRPr lang="it-IT"/>
           </a:p>
@@ -5376,7 +5380,7 @@
           <a:p>
             <a:fld id="{73B341DB-7226-48ED-93C6-4CA0570B6B59}" type="datetimeFigureOut">
               <a:rPr lang="it-IT" smtClean="0"/>
-              <a:t>10/02/2019</a:t>
+              <a:t>14/02/2019</a:t>
             </a:fld>
             <a:endParaRPr lang="it-IT"/>
           </a:p>
@@ -5664,7 +5668,7 @@
           <a:p>
             <a:fld id="{73B341DB-7226-48ED-93C6-4CA0570B6B59}" type="datetimeFigureOut">
               <a:rPr lang="it-IT" smtClean="0"/>
-              <a:t>10/02/2019</a:t>
+              <a:t>14/02/2019</a:t>
             </a:fld>
             <a:endParaRPr lang="it-IT"/>
           </a:p>
@@ -5905,7 +5909,7 @@
           <a:p>
             <a:fld id="{73B341DB-7226-48ED-93C6-4CA0570B6B59}" type="datetimeFigureOut">
               <a:rPr lang="it-IT" smtClean="0"/>
-              <a:t>10/02/2019</a:t>
+              <a:t>14/02/2019</a:t>
             </a:fld>
             <a:endParaRPr lang="it-IT"/>
           </a:p>
@@ -6473,7 +6477,7 @@
           <a:p>
             <a:fld id="{6A95F648-2F94-41D1-A59D-39CB3696F9AB}" type="datetimeFigureOut">
               <a:rPr lang="it-IT" smtClean="0"/>
-              <a:t>10/02/2019</a:t>
+              <a:t>14/02/2019</a:t>
             </a:fld>
             <a:endParaRPr lang="it-IT"/>
           </a:p>
@@ -8884,8 +8888,8 @@
           </p:sp>
         </mc:Fallback>
       </mc:AlternateContent>
-      <mc:AlternateContent xmlns:mc="http://schemas.openxmlformats.org/markup-compatibility/2006">
-        <mc:Choice xmlns:a14="http://schemas.microsoft.com/office/drawing/2010/main" Requires="a14">
+      <mc:AlternateContent xmlns:mc="http://schemas.openxmlformats.org/markup-compatibility/2006" xmlns:a14="http://schemas.microsoft.com/office/drawing/2010/main">
+        <mc:Choice Requires="a14">
           <p:sp>
             <p:nvSpPr>
               <p:cNvPr id="45" name="CasellaDiTesto 44">
@@ -8957,7 +8961,7 @@
             </p:txBody>
           </p:sp>
         </mc:Choice>
-        <mc:Fallback>
+        <mc:Fallback xmlns="">
           <p:sp>
             <p:nvSpPr>
               <p:cNvPr id="45" name="CasellaDiTesto 44">
@@ -20229,6 +20233,3011 @@
     <p:extLst>
       <p:ext uri="{BB962C8B-B14F-4D97-AF65-F5344CB8AC3E}">
         <p14:creationId xmlns:p14="http://schemas.microsoft.com/office/powerpoint/2010/main" val="2883914565"/>
+      </p:ext>
+    </p:extLst>
+  </p:cSld>
+  <p:clrMapOvr>
+    <a:masterClrMapping/>
+  </p:clrMapOvr>
+</p:sld>
+</file>
+
+<file path=ppt/slides/slide16.xml><?xml version="1.0" encoding="utf-8"?>
+<p:sld xmlns:a="http://schemas.openxmlformats.org/drawingml/2006/main" xmlns:r="http://schemas.openxmlformats.org/officeDocument/2006/relationships" xmlns:p="http://schemas.openxmlformats.org/presentationml/2006/main">
+  <p:cSld>
+    <p:spTree>
+      <p:nvGrpSpPr>
+        <p:cNvPr id="1" name=""/>
+        <p:cNvGrpSpPr/>
+        <p:nvPr/>
+      </p:nvGrpSpPr>
+      <p:grpSpPr>
+        <a:xfrm>
+          <a:off x="0" y="0"/>
+          <a:ext cx="0" cy="0"/>
+          <a:chOff x="0" y="0"/>
+          <a:chExt cx="0" cy="0"/>
+        </a:xfrm>
+      </p:grpSpPr>
+      <p:sp>
+        <p:nvSpPr>
+          <p:cNvPr id="4" name="Rettangolo 3">
+            <a:extLst>
+              <a:ext uri="{FF2B5EF4-FFF2-40B4-BE49-F238E27FC236}">
+                <a16:creationId xmlns:a16="http://schemas.microsoft.com/office/drawing/2014/main" id="{AFB5874D-EF80-44AA-947E-EF41029CBAFE}"/>
+              </a:ext>
+            </a:extLst>
+          </p:cNvPr>
+          <p:cNvSpPr/>
+          <p:nvPr/>
+        </p:nvSpPr>
+        <p:spPr>
+          <a:xfrm>
+            <a:off x="1440000" y="1440000"/>
+            <a:ext cx="2880000" cy="720000"/>
+          </a:xfrm>
+          <a:prstGeom prst="rect">
+            <a:avLst/>
+          </a:prstGeom>
+          <a:solidFill>
+            <a:schemeClr val="accent5">
+              <a:lumMod val="20000"/>
+              <a:lumOff val="80000"/>
+            </a:schemeClr>
+          </a:solidFill>
+        </p:spPr>
+        <p:style>
+          <a:lnRef idx="2">
+            <a:schemeClr val="dk1"/>
+          </a:lnRef>
+          <a:fillRef idx="1">
+            <a:schemeClr val="lt1"/>
+          </a:fillRef>
+          <a:effectRef idx="0">
+            <a:schemeClr val="dk1"/>
+          </a:effectRef>
+          <a:fontRef idx="minor">
+            <a:schemeClr val="dk1"/>
+          </a:fontRef>
+        </p:style>
+        <p:txBody>
+          <a:bodyPr rtlCol="0" anchor="ctr"/>
+          <a:lstStyle/>
+          <a:p>
+            <a:pPr algn="ctr"/>
+            <a:endParaRPr lang="it-IT"/>
+          </a:p>
+        </p:txBody>
+      </p:sp>
+      <p:cxnSp>
+        <p:nvCxnSpPr>
+          <p:cNvPr id="7" name="Connettore diritto 6">
+            <a:extLst>
+              <a:ext uri="{FF2B5EF4-FFF2-40B4-BE49-F238E27FC236}">
+                <a16:creationId xmlns:a16="http://schemas.microsoft.com/office/drawing/2014/main" id="{968C8501-EB46-4D62-8197-F723EF8E231B}"/>
+              </a:ext>
+            </a:extLst>
+          </p:cNvPr>
+          <p:cNvCxnSpPr/>
+          <p:nvPr/>
+        </p:nvCxnSpPr>
+        <p:spPr>
+          <a:xfrm>
+            <a:off x="1440000" y="2520000"/>
+            <a:ext cx="2880000" cy="0"/>
+          </a:xfrm>
+          <a:prstGeom prst="line">
+            <a:avLst/>
+          </a:prstGeom>
+          <a:ln w="12700">
+            <a:solidFill>
+              <a:schemeClr val="bg1">
+                <a:lumMod val="85000"/>
+              </a:schemeClr>
+            </a:solidFill>
+          </a:ln>
+        </p:spPr>
+        <p:style>
+          <a:lnRef idx="1">
+            <a:schemeClr val="dk1"/>
+          </a:lnRef>
+          <a:fillRef idx="0">
+            <a:schemeClr val="dk1"/>
+          </a:fillRef>
+          <a:effectRef idx="0">
+            <a:schemeClr val="dk1"/>
+          </a:effectRef>
+          <a:fontRef idx="minor">
+            <a:schemeClr val="tx1"/>
+          </a:fontRef>
+        </p:style>
+      </p:cxnSp>
+      <p:grpSp>
+        <p:nvGrpSpPr>
+          <p:cNvPr id="40" name="Gruppo 39">
+            <a:extLst>
+              <a:ext uri="{FF2B5EF4-FFF2-40B4-BE49-F238E27FC236}">
+                <a16:creationId xmlns:a16="http://schemas.microsoft.com/office/drawing/2014/main" id="{1017346B-6938-4B53-AE6B-3DD6B491AD29}"/>
+              </a:ext>
+            </a:extLst>
+          </p:cNvPr>
+          <p:cNvGrpSpPr/>
+          <p:nvPr/>
+        </p:nvGrpSpPr>
+        <p:grpSpPr>
+          <a:xfrm>
+            <a:off x="1440000" y="2880000"/>
+            <a:ext cx="3119968" cy="720000"/>
+            <a:chOff x="1440000" y="2880000"/>
+            <a:chExt cx="3119968" cy="720000"/>
+          </a:xfrm>
+        </p:grpSpPr>
+        <p:sp>
+          <p:nvSpPr>
+            <p:cNvPr id="38" name="Trapezio 37">
+              <a:extLst>
+                <a:ext uri="{FF2B5EF4-FFF2-40B4-BE49-F238E27FC236}">
+                  <a16:creationId xmlns:a16="http://schemas.microsoft.com/office/drawing/2014/main" id="{C72CB81C-018B-4D12-8FA9-81966C55EABA}"/>
+                </a:ext>
+              </a:extLst>
+            </p:cNvPr>
+            <p:cNvSpPr/>
+            <p:nvPr/>
+          </p:nvSpPr>
+          <p:spPr>
+            <a:xfrm rot="8100000">
+              <a:off x="3541168" y="3202768"/>
+              <a:ext cx="1018800" cy="255600"/>
+            </a:xfrm>
+            <a:prstGeom prst="trapezoid">
+              <a:avLst>
+                <a:gd name="adj" fmla="val 102258"/>
+              </a:avLst>
+            </a:prstGeom>
+            <a:ln w="6350">
+              <a:solidFill>
+                <a:schemeClr val="bg1">
+                  <a:lumMod val="85000"/>
+                </a:schemeClr>
+              </a:solidFill>
+            </a:ln>
+          </p:spPr>
+          <p:style>
+            <a:lnRef idx="2">
+              <a:schemeClr val="dk1"/>
+            </a:lnRef>
+            <a:fillRef idx="1">
+              <a:schemeClr val="lt1"/>
+            </a:fillRef>
+            <a:effectRef idx="0">
+              <a:schemeClr val="dk1"/>
+            </a:effectRef>
+            <a:fontRef idx="minor">
+              <a:schemeClr val="dk1"/>
+            </a:fontRef>
+          </p:style>
+          <p:txBody>
+            <a:bodyPr rtlCol="0" anchor="ctr"/>
+            <a:lstStyle/>
+            <a:p>
+              <a:pPr algn="ctr"/>
+              <a:endParaRPr lang="it-IT"/>
+            </a:p>
+          </p:txBody>
+        </p:sp>
+        <p:grpSp>
+          <p:nvGrpSpPr>
+            <p:cNvPr id="39" name="Gruppo 38">
+              <a:extLst>
+                <a:ext uri="{FF2B5EF4-FFF2-40B4-BE49-F238E27FC236}">
+                  <a16:creationId xmlns:a16="http://schemas.microsoft.com/office/drawing/2014/main" id="{59678D40-F3F0-4371-AF87-A96D4794F3A5}"/>
+                </a:ext>
+              </a:extLst>
+            </p:cNvPr>
+            <p:cNvGrpSpPr/>
+            <p:nvPr/>
+          </p:nvGrpSpPr>
+          <p:grpSpPr>
+            <a:xfrm>
+              <a:off x="1440000" y="2880000"/>
+              <a:ext cx="2880000" cy="720000"/>
+              <a:chOff x="1440000" y="2880000"/>
+              <a:chExt cx="2880000" cy="720000"/>
+            </a:xfrm>
+          </p:grpSpPr>
+          <p:cxnSp>
+            <p:nvCxnSpPr>
+              <p:cNvPr id="26" name="Connettore diritto 25">
+                <a:extLst>
+                  <a:ext uri="{FF2B5EF4-FFF2-40B4-BE49-F238E27FC236}">
+                    <a16:creationId xmlns:a16="http://schemas.microsoft.com/office/drawing/2014/main" id="{3CD2C60A-9BDD-4343-B7E1-7F4BF68C7456}"/>
+                  </a:ext>
+                </a:extLst>
+              </p:cNvPr>
+              <p:cNvCxnSpPr>
+                <a:cxnSpLocks/>
+              </p:cNvCxnSpPr>
+              <p:nvPr/>
+            </p:nvCxnSpPr>
+            <p:spPr>
+              <a:xfrm flipH="1">
+                <a:off x="3960000" y="3240000"/>
+                <a:ext cx="360000" cy="360000"/>
+              </a:xfrm>
+              <a:prstGeom prst="line">
+                <a:avLst/>
+              </a:prstGeom>
+              <a:ln>
+                <a:solidFill>
+                  <a:schemeClr val="bg1">
+                    <a:lumMod val="85000"/>
+                  </a:schemeClr>
+                </a:solidFill>
+              </a:ln>
+            </p:spPr>
+            <p:style>
+              <a:lnRef idx="1">
+                <a:schemeClr val="accent1"/>
+              </a:lnRef>
+              <a:fillRef idx="0">
+                <a:schemeClr val="accent1"/>
+              </a:fillRef>
+              <a:effectRef idx="0">
+                <a:schemeClr val="accent1"/>
+              </a:effectRef>
+              <a:fontRef idx="minor">
+                <a:schemeClr val="tx1"/>
+              </a:fontRef>
+            </p:style>
+          </p:cxnSp>
+          <p:sp>
+            <p:nvSpPr>
+              <p:cNvPr id="32" name="Parallelogramma 31">
+                <a:extLst>
+                  <a:ext uri="{FF2B5EF4-FFF2-40B4-BE49-F238E27FC236}">
+                    <a16:creationId xmlns:a16="http://schemas.microsoft.com/office/drawing/2014/main" id="{36BD2991-4381-41B7-86CA-9690E40789B1}"/>
+                  </a:ext>
+                </a:extLst>
+              </p:cNvPr>
+              <p:cNvSpPr>
+                <a:spLocks/>
+              </p:cNvSpPr>
+              <p:nvPr/>
+            </p:nvSpPr>
+            <p:spPr>
+              <a:xfrm>
+                <a:off x="1440000" y="2880000"/>
+                <a:ext cx="1080000" cy="720000"/>
+              </a:xfrm>
+              <a:prstGeom prst="parallelogram">
+                <a:avLst>
+                  <a:gd name="adj" fmla="val 99999"/>
+                </a:avLst>
+              </a:prstGeom>
+              <a:ln w="6350">
+                <a:solidFill>
+                  <a:schemeClr val="bg1">
+                    <a:lumMod val="85000"/>
+                  </a:schemeClr>
+                </a:solidFill>
+              </a:ln>
+            </p:spPr>
+            <p:style>
+              <a:lnRef idx="2">
+                <a:schemeClr val="dk1"/>
+              </a:lnRef>
+              <a:fillRef idx="1">
+                <a:schemeClr val="lt1"/>
+              </a:fillRef>
+              <a:effectRef idx="0">
+                <a:schemeClr val="dk1"/>
+              </a:effectRef>
+              <a:fontRef idx="minor">
+                <a:schemeClr val="dk1"/>
+              </a:fontRef>
+            </p:style>
+            <p:txBody>
+              <a:bodyPr rtlCol="0" anchor="ctr"/>
+              <a:lstStyle/>
+              <a:p>
+                <a:pPr algn="ctr"/>
+                <a:endParaRPr lang="it-IT"/>
+              </a:p>
+            </p:txBody>
+          </p:sp>
+          <p:sp>
+            <p:nvSpPr>
+              <p:cNvPr id="33" name="Parallelogramma 32">
+                <a:extLst>
+                  <a:ext uri="{FF2B5EF4-FFF2-40B4-BE49-F238E27FC236}">
+                    <a16:creationId xmlns:a16="http://schemas.microsoft.com/office/drawing/2014/main" id="{AAE07D06-E0D5-4AC6-9287-1331B1C391D1}"/>
+                  </a:ext>
+                </a:extLst>
+              </p:cNvPr>
+              <p:cNvSpPr>
+                <a:spLocks/>
+              </p:cNvSpPr>
+              <p:nvPr/>
+            </p:nvSpPr>
+            <p:spPr>
+              <a:xfrm>
+                <a:off x="1800000" y="2880000"/>
+                <a:ext cx="1080000" cy="720000"/>
+              </a:xfrm>
+              <a:prstGeom prst="parallelogram">
+                <a:avLst>
+                  <a:gd name="adj" fmla="val 99999"/>
+                </a:avLst>
+              </a:prstGeom>
+              <a:ln w="6350">
+                <a:solidFill>
+                  <a:schemeClr val="bg1">
+                    <a:lumMod val="85000"/>
+                  </a:schemeClr>
+                </a:solidFill>
+              </a:ln>
+            </p:spPr>
+            <p:style>
+              <a:lnRef idx="2">
+                <a:schemeClr val="dk1"/>
+              </a:lnRef>
+              <a:fillRef idx="1">
+                <a:schemeClr val="lt1"/>
+              </a:fillRef>
+              <a:effectRef idx="0">
+                <a:schemeClr val="dk1"/>
+              </a:effectRef>
+              <a:fontRef idx="minor">
+                <a:schemeClr val="dk1"/>
+              </a:fontRef>
+            </p:style>
+            <p:txBody>
+              <a:bodyPr rtlCol="0" anchor="ctr"/>
+              <a:lstStyle/>
+              <a:p>
+                <a:pPr algn="ctr"/>
+                <a:endParaRPr lang="it-IT"/>
+              </a:p>
+            </p:txBody>
+          </p:sp>
+          <p:sp>
+            <p:nvSpPr>
+              <p:cNvPr id="34" name="Parallelogramma 33">
+                <a:extLst>
+                  <a:ext uri="{FF2B5EF4-FFF2-40B4-BE49-F238E27FC236}">
+                    <a16:creationId xmlns:a16="http://schemas.microsoft.com/office/drawing/2014/main" id="{A126DC85-DD00-4B04-B8AF-F7E20B67255B}"/>
+                  </a:ext>
+                </a:extLst>
+              </p:cNvPr>
+              <p:cNvSpPr>
+                <a:spLocks/>
+              </p:cNvSpPr>
+              <p:nvPr/>
+            </p:nvSpPr>
+            <p:spPr>
+              <a:xfrm>
+                <a:off x="2520000" y="2880000"/>
+                <a:ext cx="1080000" cy="720000"/>
+              </a:xfrm>
+              <a:prstGeom prst="parallelogram">
+                <a:avLst>
+                  <a:gd name="adj" fmla="val 99999"/>
+                </a:avLst>
+              </a:prstGeom>
+              <a:ln w="6350">
+                <a:solidFill>
+                  <a:schemeClr val="bg1">
+                    <a:lumMod val="85000"/>
+                  </a:schemeClr>
+                </a:solidFill>
+              </a:ln>
+            </p:spPr>
+            <p:style>
+              <a:lnRef idx="2">
+                <a:schemeClr val="dk1"/>
+              </a:lnRef>
+              <a:fillRef idx="1">
+                <a:schemeClr val="lt1"/>
+              </a:fillRef>
+              <a:effectRef idx="0">
+                <a:schemeClr val="dk1"/>
+              </a:effectRef>
+              <a:fontRef idx="minor">
+                <a:schemeClr val="dk1"/>
+              </a:fontRef>
+            </p:style>
+            <p:txBody>
+              <a:bodyPr rtlCol="0" anchor="ctr"/>
+              <a:lstStyle/>
+              <a:p>
+                <a:pPr algn="ctr"/>
+                <a:endParaRPr lang="it-IT"/>
+              </a:p>
+            </p:txBody>
+          </p:sp>
+          <p:sp>
+            <p:nvSpPr>
+              <p:cNvPr id="36" name="Triangolo rettangolo 35">
+                <a:extLst>
+                  <a:ext uri="{FF2B5EF4-FFF2-40B4-BE49-F238E27FC236}">
+                    <a16:creationId xmlns:a16="http://schemas.microsoft.com/office/drawing/2014/main" id="{48650062-DE27-4055-AC8C-81E84FF78846}"/>
+                  </a:ext>
+                </a:extLst>
+              </p:cNvPr>
+              <p:cNvSpPr/>
+              <p:nvPr/>
+            </p:nvSpPr>
+            <p:spPr>
+              <a:xfrm rot="5400000">
+                <a:off x="1440000" y="2880000"/>
+                <a:ext cx="360000" cy="360000"/>
+              </a:xfrm>
+              <a:prstGeom prst="rtTriangle">
+                <a:avLst/>
+              </a:prstGeom>
+              <a:ln w="6350">
+                <a:solidFill>
+                  <a:schemeClr val="bg1">
+                    <a:lumMod val="85000"/>
+                  </a:schemeClr>
+                </a:solidFill>
+              </a:ln>
+            </p:spPr>
+            <p:style>
+              <a:lnRef idx="2">
+                <a:schemeClr val="dk1"/>
+              </a:lnRef>
+              <a:fillRef idx="1">
+                <a:schemeClr val="lt1"/>
+              </a:fillRef>
+              <a:effectRef idx="0">
+                <a:schemeClr val="dk1"/>
+              </a:effectRef>
+              <a:fontRef idx="minor">
+                <a:schemeClr val="dk1"/>
+              </a:fontRef>
+            </p:style>
+            <p:txBody>
+              <a:bodyPr rtlCol="0" anchor="ctr"/>
+              <a:lstStyle/>
+              <a:p>
+                <a:pPr algn="ctr"/>
+                <a:endParaRPr lang="it-IT"/>
+              </a:p>
+            </p:txBody>
+          </p:sp>
+          <p:sp>
+            <p:nvSpPr>
+              <p:cNvPr id="37" name="Parallelogramma 36">
+                <a:extLst>
+                  <a:ext uri="{FF2B5EF4-FFF2-40B4-BE49-F238E27FC236}">
+                    <a16:creationId xmlns:a16="http://schemas.microsoft.com/office/drawing/2014/main" id="{0AF42239-9121-43E6-8505-AC474381C9EF}"/>
+                  </a:ext>
+                </a:extLst>
+              </p:cNvPr>
+              <p:cNvSpPr>
+                <a:spLocks/>
+              </p:cNvSpPr>
+              <p:nvPr/>
+            </p:nvSpPr>
+            <p:spPr>
+              <a:xfrm>
+                <a:off x="2880000" y="2880000"/>
+                <a:ext cx="1080000" cy="720000"/>
+              </a:xfrm>
+              <a:prstGeom prst="parallelogram">
+                <a:avLst>
+                  <a:gd name="adj" fmla="val 99999"/>
+                </a:avLst>
+              </a:prstGeom>
+              <a:ln w="6350">
+                <a:solidFill>
+                  <a:schemeClr val="bg1">
+                    <a:lumMod val="85000"/>
+                  </a:schemeClr>
+                </a:solidFill>
+              </a:ln>
+            </p:spPr>
+            <p:style>
+              <a:lnRef idx="2">
+                <a:schemeClr val="dk1"/>
+              </a:lnRef>
+              <a:fillRef idx="1">
+                <a:schemeClr val="lt1"/>
+              </a:fillRef>
+              <a:effectRef idx="0">
+                <a:schemeClr val="dk1"/>
+              </a:effectRef>
+              <a:fontRef idx="minor">
+                <a:schemeClr val="dk1"/>
+              </a:fontRef>
+            </p:style>
+            <p:txBody>
+              <a:bodyPr rtlCol="0" anchor="ctr"/>
+              <a:lstStyle/>
+              <a:p>
+                <a:pPr algn="ctr"/>
+                <a:endParaRPr lang="it-IT"/>
+              </a:p>
+            </p:txBody>
+          </p:sp>
+          <p:sp>
+            <p:nvSpPr>
+              <p:cNvPr id="5" name="Rettangolo 4">
+                <a:extLst>
+                  <a:ext uri="{FF2B5EF4-FFF2-40B4-BE49-F238E27FC236}">
+                    <a16:creationId xmlns:a16="http://schemas.microsoft.com/office/drawing/2014/main" id="{A2866499-10D0-4275-8C25-6D6A8FA1F309}"/>
+                  </a:ext>
+                </a:extLst>
+              </p:cNvPr>
+              <p:cNvSpPr/>
+              <p:nvPr/>
+            </p:nvSpPr>
+            <p:spPr>
+              <a:xfrm>
+                <a:off x="1440000" y="2880000"/>
+                <a:ext cx="2880000" cy="720000"/>
+              </a:xfrm>
+              <a:prstGeom prst="rect">
+                <a:avLst/>
+              </a:prstGeom>
+              <a:noFill/>
+              <a:ln>
+                <a:solidFill>
+                  <a:schemeClr val="bg1">
+                    <a:lumMod val="85000"/>
+                  </a:schemeClr>
+                </a:solidFill>
+              </a:ln>
+            </p:spPr>
+            <p:style>
+              <a:lnRef idx="2">
+                <a:schemeClr val="dk1"/>
+              </a:lnRef>
+              <a:fillRef idx="1">
+                <a:schemeClr val="lt1"/>
+              </a:fillRef>
+              <a:effectRef idx="0">
+                <a:schemeClr val="dk1"/>
+              </a:effectRef>
+              <a:fontRef idx="minor">
+                <a:schemeClr val="dk1"/>
+              </a:fontRef>
+            </p:style>
+            <p:txBody>
+              <a:bodyPr rtlCol="0" anchor="ctr"/>
+              <a:lstStyle/>
+              <a:p>
+                <a:pPr algn="ctr"/>
+                <a:endParaRPr lang="it-IT"/>
+              </a:p>
+            </p:txBody>
+          </p:sp>
+        </p:grpSp>
+      </p:grpSp>
+      <p:sp>
+        <p:nvSpPr>
+          <p:cNvPr id="70" name="Arco 69">
+            <a:extLst>
+              <a:ext uri="{FF2B5EF4-FFF2-40B4-BE49-F238E27FC236}">
+                <a16:creationId xmlns:a16="http://schemas.microsoft.com/office/drawing/2014/main" id="{8547B36D-0989-4538-BFA4-898357B07E3B}"/>
+              </a:ext>
+            </a:extLst>
+          </p:cNvPr>
+          <p:cNvSpPr/>
+          <p:nvPr/>
+        </p:nvSpPr>
+        <p:spPr>
+          <a:xfrm rot="10800000" flipH="1">
+            <a:off x="133350" y="983681"/>
+            <a:ext cx="4186650" cy="1176319"/>
+          </a:xfrm>
+          <a:prstGeom prst="arc">
+            <a:avLst>
+              <a:gd name="adj1" fmla="val 16128148"/>
+              <a:gd name="adj2" fmla="val 21567144"/>
+            </a:avLst>
+          </a:prstGeom>
+          <a:ln w="6350">
+            <a:solidFill>
+              <a:schemeClr val="tx1"/>
+            </a:solidFill>
+          </a:ln>
+        </p:spPr>
+        <p:style>
+          <a:lnRef idx="1">
+            <a:schemeClr val="accent1"/>
+          </a:lnRef>
+          <a:fillRef idx="0">
+            <a:schemeClr val="accent1"/>
+          </a:fillRef>
+          <a:effectRef idx="0">
+            <a:schemeClr val="accent1"/>
+          </a:effectRef>
+          <a:fontRef idx="minor">
+            <a:schemeClr val="tx1"/>
+          </a:fontRef>
+        </p:style>
+        <p:txBody>
+          <a:bodyPr rtlCol="0" anchor="ctr"/>
+          <a:lstStyle/>
+          <a:p>
+            <a:pPr algn="ctr"/>
+            <a:endParaRPr lang="it-IT"/>
+          </a:p>
+        </p:txBody>
+      </p:sp>
+      <p:cxnSp>
+        <p:nvCxnSpPr>
+          <p:cNvPr id="72" name="Connettore 2 71">
+            <a:extLst>
+              <a:ext uri="{FF2B5EF4-FFF2-40B4-BE49-F238E27FC236}">
+                <a16:creationId xmlns:a16="http://schemas.microsoft.com/office/drawing/2014/main" id="{6D31E893-4879-4C18-9A77-1A76446B8DCC}"/>
+              </a:ext>
+            </a:extLst>
+          </p:cNvPr>
+          <p:cNvCxnSpPr>
+            <a:cxnSpLocks/>
+          </p:cNvCxnSpPr>
+          <p:nvPr/>
+        </p:nvCxnSpPr>
+        <p:spPr>
+          <a:xfrm flipV="1">
+            <a:off x="1440000" y="1620000"/>
+            <a:ext cx="2878790" cy="0"/>
+          </a:xfrm>
+          <a:prstGeom prst="straightConnector1">
+            <a:avLst/>
+          </a:prstGeom>
+          <a:ln w="6350">
+            <a:headEnd w="sm" len="med"/>
+            <a:tailEnd type="triangle" w="sm" len="med"/>
+          </a:ln>
+        </p:spPr>
+        <p:style>
+          <a:lnRef idx="1">
+            <a:schemeClr val="dk1"/>
+          </a:lnRef>
+          <a:fillRef idx="0">
+            <a:schemeClr val="dk1"/>
+          </a:fillRef>
+          <a:effectRef idx="0">
+            <a:schemeClr val="dk1"/>
+          </a:effectRef>
+          <a:fontRef idx="minor">
+            <a:schemeClr val="tx1"/>
+          </a:fontRef>
+        </p:style>
+      </p:cxnSp>
+      <p:cxnSp>
+        <p:nvCxnSpPr>
+          <p:cNvPr id="75" name="Connettore 2 74">
+            <a:extLst>
+              <a:ext uri="{FF2B5EF4-FFF2-40B4-BE49-F238E27FC236}">
+                <a16:creationId xmlns:a16="http://schemas.microsoft.com/office/drawing/2014/main" id="{5656CC5D-CED6-4A51-8CBD-A56E08FC1162}"/>
+              </a:ext>
+            </a:extLst>
+          </p:cNvPr>
+          <p:cNvCxnSpPr>
+            <a:cxnSpLocks/>
+          </p:cNvCxnSpPr>
+          <p:nvPr/>
+        </p:nvCxnSpPr>
+        <p:spPr>
+          <a:xfrm>
+            <a:off x="1440000" y="1800000"/>
+            <a:ext cx="2718000" cy="0"/>
+          </a:xfrm>
+          <a:prstGeom prst="straightConnector1">
+            <a:avLst/>
+          </a:prstGeom>
+          <a:ln w="6350">
+            <a:headEnd w="sm" len="med"/>
+            <a:tailEnd type="triangle" w="sm" len="med"/>
+          </a:ln>
+        </p:spPr>
+        <p:style>
+          <a:lnRef idx="1">
+            <a:schemeClr val="dk1"/>
+          </a:lnRef>
+          <a:fillRef idx="0">
+            <a:schemeClr val="dk1"/>
+          </a:fillRef>
+          <a:effectRef idx="0">
+            <a:schemeClr val="dk1"/>
+          </a:effectRef>
+          <a:fontRef idx="minor">
+            <a:schemeClr val="tx1"/>
+          </a:fontRef>
+        </p:style>
+      </p:cxnSp>
+      <p:cxnSp>
+        <p:nvCxnSpPr>
+          <p:cNvPr id="78" name="Connettore 2 77">
+            <a:extLst>
+              <a:ext uri="{FF2B5EF4-FFF2-40B4-BE49-F238E27FC236}">
+                <a16:creationId xmlns:a16="http://schemas.microsoft.com/office/drawing/2014/main" id="{68282A5A-57ED-4BBA-94B0-3A41E6F2A8FF}"/>
+              </a:ext>
+            </a:extLst>
+          </p:cNvPr>
+          <p:cNvCxnSpPr>
+            <a:cxnSpLocks/>
+          </p:cNvCxnSpPr>
+          <p:nvPr/>
+        </p:nvCxnSpPr>
+        <p:spPr>
+          <a:xfrm>
+            <a:off x="1439999" y="1980000"/>
+            <a:ext cx="2268000" cy="0"/>
+          </a:xfrm>
+          <a:prstGeom prst="straightConnector1">
+            <a:avLst/>
+          </a:prstGeom>
+          <a:ln w="6350">
+            <a:headEnd w="sm" len="med"/>
+            <a:tailEnd type="triangle" w="sm" len="med"/>
+          </a:ln>
+        </p:spPr>
+        <p:style>
+          <a:lnRef idx="1">
+            <a:schemeClr val="dk1"/>
+          </a:lnRef>
+          <a:fillRef idx="0">
+            <a:schemeClr val="dk1"/>
+          </a:fillRef>
+          <a:effectRef idx="0">
+            <a:schemeClr val="dk1"/>
+          </a:effectRef>
+          <a:fontRef idx="minor">
+            <a:schemeClr val="tx1"/>
+          </a:fontRef>
+        </p:style>
+      </p:cxnSp>
+    </p:spTree>
+    <p:extLst>
+      <p:ext uri="{BB962C8B-B14F-4D97-AF65-F5344CB8AC3E}">
+        <p14:creationId xmlns:p14="http://schemas.microsoft.com/office/powerpoint/2010/main" val="2039644643"/>
+      </p:ext>
+    </p:extLst>
+  </p:cSld>
+  <p:clrMapOvr>
+    <a:masterClrMapping/>
+  </p:clrMapOvr>
+</p:sld>
+</file>
+
+<file path=ppt/slides/slide17.xml><?xml version="1.0" encoding="utf-8"?>
+<p:sld xmlns:a="http://schemas.openxmlformats.org/drawingml/2006/main" xmlns:r="http://schemas.openxmlformats.org/officeDocument/2006/relationships" xmlns:p="http://schemas.openxmlformats.org/presentationml/2006/main">
+  <p:cSld>
+    <p:spTree>
+      <p:nvGrpSpPr>
+        <p:cNvPr id="1" name=""/>
+        <p:cNvGrpSpPr/>
+        <p:nvPr/>
+      </p:nvGrpSpPr>
+      <p:grpSpPr>
+        <a:xfrm>
+          <a:off x="0" y="0"/>
+          <a:ext cx="0" cy="0"/>
+          <a:chOff x="0" y="0"/>
+          <a:chExt cx="0" cy="0"/>
+        </a:xfrm>
+      </p:grpSpPr>
+      <p:sp>
+        <p:nvSpPr>
+          <p:cNvPr id="4" name="Rettangolo 3">
+            <a:extLst>
+              <a:ext uri="{FF2B5EF4-FFF2-40B4-BE49-F238E27FC236}">
+                <a16:creationId xmlns:a16="http://schemas.microsoft.com/office/drawing/2014/main" id="{AFB5874D-EF80-44AA-947E-EF41029CBAFE}"/>
+              </a:ext>
+            </a:extLst>
+          </p:cNvPr>
+          <p:cNvSpPr/>
+          <p:nvPr/>
+        </p:nvSpPr>
+        <p:spPr>
+          <a:xfrm>
+            <a:off x="1440000" y="1440000"/>
+            <a:ext cx="2880000" cy="720000"/>
+          </a:xfrm>
+          <a:prstGeom prst="rect">
+            <a:avLst/>
+          </a:prstGeom>
+          <a:solidFill>
+            <a:schemeClr val="bg1"/>
+          </a:solidFill>
+          <a:ln>
+            <a:solidFill>
+              <a:schemeClr val="bg1">
+                <a:lumMod val="85000"/>
+              </a:schemeClr>
+            </a:solidFill>
+          </a:ln>
+        </p:spPr>
+        <p:style>
+          <a:lnRef idx="2">
+            <a:schemeClr val="dk1"/>
+          </a:lnRef>
+          <a:fillRef idx="1">
+            <a:schemeClr val="lt1"/>
+          </a:fillRef>
+          <a:effectRef idx="0">
+            <a:schemeClr val="dk1"/>
+          </a:effectRef>
+          <a:fontRef idx="minor">
+            <a:schemeClr val="dk1"/>
+          </a:fontRef>
+        </p:style>
+        <p:txBody>
+          <a:bodyPr rtlCol="0" anchor="ctr"/>
+          <a:lstStyle/>
+          <a:p>
+            <a:pPr algn="ctr"/>
+            <a:endParaRPr lang="it-IT"/>
+          </a:p>
+        </p:txBody>
+      </p:sp>
+      <p:cxnSp>
+        <p:nvCxnSpPr>
+          <p:cNvPr id="7" name="Connettore diritto 6">
+            <a:extLst>
+              <a:ext uri="{FF2B5EF4-FFF2-40B4-BE49-F238E27FC236}">
+                <a16:creationId xmlns:a16="http://schemas.microsoft.com/office/drawing/2014/main" id="{968C8501-EB46-4D62-8197-F723EF8E231B}"/>
+              </a:ext>
+            </a:extLst>
+          </p:cNvPr>
+          <p:cNvCxnSpPr/>
+          <p:nvPr/>
+        </p:nvCxnSpPr>
+        <p:spPr>
+          <a:xfrm>
+            <a:off x="1440000" y="2520000"/>
+            <a:ext cx="2880000" cy="0"/>
+          </a:xfrm>
+          <a:prstGeom prst="line">
+            <a:avLst/>
+          </a:prstGeom>
+          <a:ln w="12700"/>
+        </p:spPr>
+        <p:style>
+          <a:lnRef idx="1">
+            <a:schemeClr val="dk1"/>
+          </a:lnRef>
+          <a:fillRef idx="0">
+            <a:schemeClr val="dk1"/>
+          </a:fillRef>
+          <a:effectRef idx="0">
+            <a:schemeClr val="dk1"/>
+          </a:effectRef>
+          <a:fontRef idx="minor">
+            <a:schemeClr val="tx1"/>
+          </a:fontRef>
+        </p:style>
+      </p:cxnSp>
+      <p:cxnSp>
+        <p:nvCxnSpPr>
+          <p:cNvPr id="15" name="Connettore 2 14">
+            <a:extLst>
+              <a:ext uri="{FF2B5EF4-FFF2-40B4-BE49-F238E27FC236}">
+                <a16:creationId xmlns:a16="http://schemas.microsoft.com/office/drawing/2014/main" id="{C7879C29-1CA9-4779-9610-B8443E681323}"/>
+              </a:ext>
+            </a:extLst>
+          </p:cNvPr>
+          <p:cNvCxnSpPr/>
+          <p:nvPr/>
+        </p:nvCxnSpPr>
+        <p:spPr>
+          <a:xfrm flipV="1">
+            <a:off x="2700000" y="2250000"/>
+            <a:ext cx="0" cy="540000"/>
+          </a:xfrm>
+          <a:prstGeom prst="straightConnector1">
+            <a:avLst/>
+          </a:prstGeom>
+          <a:ln w="25400">
+            <a:solidFill>
+              <a:srgbClr val="FF0000"/>
+            </a:solidFill>
+            <a:headEnd w="lg" len="med"/>
+            <a:tailEnd type="triangle" w="lg" len="lg"/>
+          </a:ln>
+        </p:spPr>
+        <p:style>
+          <a:lnRef idx="1">
+            <a:schemeClr val="accent1"/>
+          </a:lnRef>
+          <a:fillRef idx="0">
+            <a:schemeClr val="accent1"/>
+          </a:fillRef>
+          <a:effectRef idx="0">
+            <a:schemeClr val="accent1"/>
+          </a:effectRef>
+          <a:fontRef idx="minor">
+            <a:schemeClr val="tx1"/>
+          </a:fontRef>
+        </p:style>
+      </p:cxnSp>
+      <p:cxnSp>
+        <p:nvCxnSpPr>
+          <p:cNvPr id="16" name="Connettore 2 15">
+            <a:extLst>
+              <a:ext uri="{FF2B5EF4-FFF2-40B4-BE49-F238E27FC236}">
+                <a16:creationId xmlns:a16="http://schemas.microsoft.com/office/drawing/2014/main" id="{CDCED0DE-53FB-4B5F-B85A-9E25C0F1E33E}"/>
+              </a:ext>
+            </a:extLst>
+          </p:cNvPr>
+          <p:cNvCxnSpPr/>
+          <p:nvPr/>
+        </p:nvCxnSpPr>
+        <p:spPr>
+          <a:xfrm flipV="1">
+            <a:off x="3060000" y="2250000"/>
+            <a:ext cx="0" cy="540000"/>
+          </a:xfrm>
+          <a:prstGeom prst="straightConnector1">
+            <a:avLst/>
+          </a:prstGeom>
+          <a:ln w="25400">
+            <a:solidFill>
+              <a:srgbClr val="FF0000"/>
+            </a:solidFill>
+            <a:headEnd type="triangle" w="lg" len="lg"/>
+            <a:tailEnd type="none"/>
+          </a:ln>
+        </p:spPr>
+        <p:style>
+          <a:lnRef idx="1">
+            <a:schemeClr val="accent1"/>
+          </a:lnRef>
+          <a:fillRef idx="0">
+            <a:schemeClr val="accent1"/>
+          </a:fillRef>
+          <a:effectRef idx="0">
+            <a:schemeClr val="accent1"/>
+          </a:effectRef>
+          <a:fontRef idx="minor">
+            <a:schemeClr val="tx1"/>
+          </a:fontRef>
+        </p:style>
+      </p:cxnSp>
+      <p:cxnSp>
+        <p:nvCxnSpPr>
+          <p:cNvPr id="26" name="Connettore diritto 25">
+            <a:extLst>
+              <a:ext uri="{FF2B5EF4-FFF2-40B4-BE49-F238E27FC236}">
+                <a16:creationId xmlns:a16="http://schemas.microsoft.com/office/drawing/2014/main" id="{3CD2C60A-9BDD-4343-B7E1-7F4BF68C7456}"/>
+              </a:ext>
+            </a:extLst>
+          </p:cNvPr>
+          <p:cNvCxnSpPr>
+            <a:cxnSpLocks/>
+          </p:cNvCxnSpPr>
+          <p:nvPr/>
+        </p:nvCxnSpPr>
+        <p:spPr>
+          <a:xfrm flipH="1">
+            <a:off x="3960000" y="3240000"/>
+            <a:ext cx="360000" cy="360000"/>
+          </a:xfrm>
+          <a:prstGeom prst="line">
+            <a:avLst/>
+          </a:prstGeom>
+          <a:ln>
+            <a:solidFill>
+              <a:schemeClr val="bg1">
+                <a:lumMod val="85000"/>
+              </a:schemeClr>
+            </a:solidFill>
+          </a:ln>
+        </p:spPr>
+        <p:style>
+          <a:lnRef idx="1">
+            <a:schemeClr val="accent1"/>
+          </a:lnRef>
+          <a:fillRef idx="0">
+            <a:schemeClr val="accent1"/>
+          </a:fillRef>
+          <a:effectRef idx="0">
+            <a:schemeClr val="accent1"/>
+          </a:effectRef>
+          <a:fontRef idx="minor">
+            <a:schemeClr val="tx1"/>
+          </a:fontRef>
+        </p:style>
+      </p:cxnSp>
+      <p:sp>
+        <p:nvSpPr>
+          <p:cNvPr id="32" name="Parallelogramma 31">
+            <a:extLst>
+              <a:ext uri="{FF2B5EF4-FFF2-40B4-BE49-F238E27FC236}">
+                <a16:creationId xmlns:a16="http://schemas.microsoft.com/office/drawing/2014/main" id="{36BD2991-4381-41B7-86CA-9690E40789B1}"/>
+              </a:ext>
+            </a:extLst>
+          </p:cNvPr>
+          <p:cNvSpPr>
+            <a:spLocks/>
+          </p:cNvSpPr>
+          <p:nvPr/>
+        </p:nvSpPr>
+        <p:spPr>
+          <a:xfrm>
+            <a:off x="1440000" y="2880000"/>
+            <a:ext cx="1080000" cy="720000"/>
+          </a:xfrm>
+          <a:prstGeom prst="parallelogram">
+            <a:avLst>
+              <a:gd name="adj" fmla="val 99999"/>
+            </a:avLst>
+          </a:prstGeom>
+          <a:ln w="6350">
+            <a:solidFill>
+              <a:schemeClr val="bg1">
+                <a:lumMod val="85000"/>
+              </a:schemeClr>
+            </a:solidFill>
+          </a:ln>
+        </p:spPr>
+        <p:style>
+          <a:lnRef idx="2">
+            <a:schemeClr val="dk1"/>
+          </a:lnRef>
+          <a:fillRef idx="1">
+            <a:schemeClr val="lt1"/>
+          </a:fillRef>
+          <a:effectRef idx="0">
+            <a:schemeClr val="dk1"/>
+          </a:effectRef>
+          <a:fontRef idx="minor">
+            <a:schemeClr val="dk1"/>
+          </a:fontRef>
+        </p:style>
+        <p:txBody>
+          <a:bodyPr rtlCol="0" anchor="ctr"/>
+          <a:lstStyle/>
+          <a:p>
+            <a:pPr algn="ctr"/>
+            <a:endParaRPr lang="it-IT"/>
+          </a:p>
+        </p:txBody>
+      </p:sp>
+      <p:sp>
+        <p:nvSpPr>
+          <p:cNvPr id="33" name="Parallelogramma 32">
+            <a:extLst>
+              <a:ext uri="{FF2B5EF4-FFF2-40B4-BE49-F238E27FC236}">
+                <a16:creationId xmlns:a16="http://schemas.microsoft.com/office/drawing/2014/main" id="{AAE07D06-E0D5-4AC6-9287-1331B1C391D1}"/>
+              </a:ext>
+            </a:extLst>
+          </p:cNvPr>
+          <p:cNvSpPr>
+            <a:spLocks/>
+          </p:cNvSpPr>
+          <p:nvPr/>
+        </p:nvSpPr>
+        <p:spPr>
+          <a:xfrm>
+            <a:off x="1800000" y="2880000"/>
+            <a:ext cx="1080000" cy="720000"/>
+          </a:xfrm>
+          <a:prstGeom prst="parallelogram">
+            <a:avLst>
+              <a:gd name="adj" fmla="val 99999"/>
+            </a:avLst>
+          </a:prstGeom>
+          <a:ln w="6350">
+            <a:solidFill>
+              <a:schemeClr val="bg1">
+                <a:lumMod val="85000"/>
+              </a:schemeClr>
+            </a:solidFill>
+          </a:ln>
+        </p:spPr>
+        <p:style>
+          <a:lnRef idx="2">
+            <a:schemeClr val="dk1"/>
+          </a:lnRef>
+          <a:fillRef idx="1">
+            <a:schemeClr val="lt1"/>
+          </a:fillRef>
+          <a:effectRef idx="0">
+            <a:schemeClr val="dk1"/>
+          </a:effectRef>
+          <a:fontRef idx="minor">
+            <a:schemeClr val="dk1"/>
+          </a:fontRef>
+        </p:style>
+        <p:txBody>
+          <a:bodyPr rtlCol="0" anchor="ctr"/>
+          <a:lstStyle/>
+          <a:p>
+            <a:pPr algn="ctr"/>
+            <a:endParaRPr lang="it-IT"/>
+          </a:p>
+        </p:txBody>
+      </p:sp>
+      <p:sp>
+        <p:nvSpPr>
+          <p:cNvPr id="34" name="Parallelogramma 33">
+            <a:extLst>
+              <a:ext uri="{FF2B5EF4-FFF2-40B4-BE49-F238E27FC236}">
+                <a16:creationId xmlns:a16="http://schemas.microsoft.com/office/drawing/2014/main" id="{A126DC85-DD00-4B04-B8AF-F7E20B67255B}"/>
+              </a:ext>
+            </a:extLst>
+          </p:cNvPr>
+          <p:cNvSpPr>
+            <a:spLocks/>
+          </p:cNvSpPr>
+          <p:nvPr/>
+        </p:nvSpPr>
+        <p:spPr>
+          <a:xfrm>
+            <a:off x="2520000" y="2880000"/>
+            <a:ext cx="1080000" cy="720000"/>
+          </a:xfrm>
+          <a:prstGeom prst="parallelogram">
+            <a:avLst>
+              <a:gd name="adj" fmla="val 99999"/>
+            </a:avLst>
+          </a:prstGeom>
+          <a:ln w="6350">
+            <a:solidFill>
+              <a:schemeClr val="bg1">
+                <a:lumMod val="85000"/>
+              </a:schemeClr>
+            </a:solidFill>
+          </a:ln>
+        </p:spPr>
+        <p:style>
+          <a:lnRef idx="2">
+            <a:schemeClr val="dk1"/>
+          </a:lnRef>
+          <a:fillRef idx="1">
+            <a:schemeClr val="lt1"/>
+          </a:fillRef>
+          <a:effectRef idx="0">
+            <a:schemeClr val="dk1"/>
+          </a:effectRef>
+          <a:fontRef idx="minor">
+            <a:schemeClr val="dk1"/>
+          </a:fontRef>
+        </p:style>
+        <p:txBody>
+          <a:bodyPr rtlCol="0" anchor="ctr"/>
+          <a:lstStyle/>
+          <a:p>
+            <a:pPr algn="ctr"/>
+            <a:endParaRPr lang="it-IT"/>
+          </a:p>
+        </p:txBody>
+      </p:sp>
+      <p:sp>
+        <p:nvSpPr>
+          <p:cNvPr id="36" name="Triangolo rettangolo 35">
+            <a:extLst>
+              <a:ext uri="{FF2B5EF4-FFF2-40B4-BE49-F238E27FC236}">
+                <a16:creationId xmlns:a16="http://schemas.microsoft.com/office/drawing/2014/main" id="{48650062-DE27-4055-AC8C-81E84FF78846}"/>
+              </a:ext>
+            </a:extLst>
+          </p:cNvPr>
+          <p:cNvSpPr/>
+          <p:nvPr/>
+        </p:nvSpPr>
+        <p:spPr>
+          <a:xfrm rot="5400000">
+            <a:off x="1440000" y="2880000"/>
+            <a:ext cx="360000" cy="360000"/>
+          </a:xfrm>
+          <a:prstGeom prst="rtTriangle">
+            <a:avLst/>
+          </a:prstGeom>
+          <a:ln w="6350">
+            <a:solidFill>
+              <a:schemeClr val="bg1">
+                <a:lumMod val="85000"/>
+              </a:schemeClr>
+            </a:solidFill>
+          </a:ln>
+        </p:spPr>
+        <p:style>
+          <a:lnRef idx="2">
+            <a:schemeClr val="dk1"/>
+          </a:lnRef>
+          <a:fillRef idx="1">
+            <a:schemeClr val="lt1"/>
+          </a:fillRef>
+          <a:effectRef idx="0">
+            <a:schemeClr val="dk1"/>
+          </a:effectRef>
+          <a:fontRef idx="minor">
+            <a:schemeClr val="dk1"/>
+          </a:fontRef>
+        </p:style>
+        <p:txBody>
+          <a:bodyPr rtlCol="0" anchor="ctr"/>
+          <a:lstStyle/>
+          <a:p>
+            <a:pPr algn="ctr"/>
+            <a:endParaRPr lang="it-IT"/>
+          </a:p>
+        </p:txBody>
+      </p:sp>
+      <p:sp>
+        <p:nvSpPr>
+          <p:cNvPr id="37" name="Parallelogramma 36">
+            <a:extLst>
+              <a:ext uri="{FF2B5EF4-FFF2-40B4-BE49-F238E27FC236}">
+                <a16:creationId xmlns:a16="http://schemas.microsoft.com/office/drawing/2014/main" id="{0AF42239-9121-43E6-8505-AC474381C9EF}"/>
+              </a:ext>
+            </a:extLst>
+          </p:cNvPr>
+          <p:cNvSpPr>
+            <a:spLocks/>
+          </p:cNvSpPr>
+          <p:nvPr/>
+        </p:nvSpPr>
+        <p:spPr>
+          <a:xfrm>
+            <a:off x="2880000" y="2880000"/>
+            <a:ext cx="1080000" cy="720000"/>
+          </a:xfrm>
+          <a:prstGeom prst="parallelogram">
+            <a:avLst>
+              <a:gd name="adj" fmla="val 99999"/>
+            </a:avLst>
+          </a:prstGeom>
+          <a:ln w="6350">
+            <a:solidFill>
+              <a:schemeClr val="bg1">
+                <a:lumMod val="85000"/>
+              </a:schemeClr>
+            </a:solidFill>
+          </a:ln>
+        </p:spPr>
+        <p:style>
+          <a:lnRef idx="2">
+            <a:schemeClr val="dk1"/>
+          </a:lnRef>
+          <a:fillRef idx="1">
+            <a:schemeClr val="lt1"/>
+          </a:fillRef>
+          <a:effectRef idx="0">
+            <a:schemeClr val="dk1"/>
+          </a:effectRef>
+          <a:fontRef idx="minor">
+            <a:schemeClr val="dk1"/>
+          </a:fontRef>
+        </p:style>
+        <p:txBody>
+          <a:bodyPr rtlCol="0" anchor="ctr"/>
+          <a:lstStyle/>
+          <a:p>
+            <a:pPr algn="ctr"/>
+            <a:endParaRPr lang="it-IT"/>
+          </a:p>
+        </p:txBody>
+      </p:sp>
+      <p:sp>
+        <p:nvSpPr>
+          <p:cNvPr id="38" name="Trapezio 37">
+            <a:extLst>
+              <a:ext uri="{FF2B5EF4-FFF2-40B4-BE49-F238E27FC236}">
+                <a16:creationId xmlns:a16="http://schemas.microsoft.com/office/drawing/2014/main" id="{C72CB81C-018B-4D12-8FA9-81966C55EABA}"/>
+              </a:ext>
+            </a:extLst>
+          </p:cNvPr>
+          <p:cNvSpPr/>
+          <p:nvPr/>
+        </p:nvSpPr>
+        <p:spPr>
+          <a:xfrm rot="8100000">
+            <a:off x="3541168" y="3202768"/>
+            <a:ext cx="1018800" cy="255600"/>
+          </a:xfrm>
+          <a:prstGeom prst="trapezoid">
+            <a:avLst>
+              <a:gd name="adj" fmla="val 102258"/>
+            </a:avLst>
+          </a:prstGeom>
+          <a:solidFill>
+            <a:schemeClr val="bg1"/>
+          </a:solidFill>
+          <a:ln w="6350">
+            <a:solidFill>
+              <a:schemeClr val="bg1">
+                <a:lumMod val="85000"/>
+              </a:schemeClr>
+            </a:solidFill>
+          </a:ln>
+        </p:spPr>
+        <p:style>
+          <a:lnRef idx="2">
+            <a:schemeClr val="dk1"/>
+          </a:lnRef>
+          <a:fillRef idx="1">
+            <a:schemeClr val="lt1"/>
+          </a:fillRef>
+          <a:effectRef idx="0">
+            <a:schemeClr val="dk1"/>
+          </a:effectRef>
+          <a:fontRef idx="minor">
+            <a:schemeClr val="dk1"/>
+          </a:fontRef>
+        </p:style>
+        <p:txBody>
+          <a:bodyPr rtlCol="0" anchor="ctr"/>
+          <a:lstStyle/>
+          <a:p>
+            <a:pPr algn="ctr"/>
+            <a:endParaRPr lang="it-IT"/>
+          </a:p>
+        </p:txBody>
+      </p:sp>
+      <p:sp>
+        <p:nvSpPr>
+          <p:cNvPr id="5" name="Rettangolo 4">
+            <a:extLst>
+              <a:ext uri="{FF2B5EF4-FFF2-40B4-BE49-F238E27FC236}">
+                <a16:creationId xmlns:a16="http://schemas.microsoft.com/office/drawing/2014/main" id="{A2866499-10D0-4275-8C25-6D6A8FA1F309}"/>
+              </a:ext>
+            </a:extLst>
+          </p:cNvPr>
+          <p:cNvSpPr/>
+          <p:nvPr/>
+        </p:nvSpPr>
+        <p:spPr>
+          <a:xfrm>
+            <a:off x="1440000" y="2880000"/>
+            <a:ext cx="2880000" cy="720000"/>
+          </a:xfrm>
+          <a:prstGeom prst="rect">
+            <a:avLst/>
+          </a:prstGeom>
+          <a:noFill/>
+          <a:ln>
+            <a:solidFill>
+              <a:schemeClr val="bg1">
+                <a:lumMod val="85000"/>
+              </a:schemeClr>
+            </a:solidFill>
+          </a:ln>
+        </p:spPr>
+        <p:style>
+          <a:lnRef idx="2">
+            <a:schemeClr val="dk1"/>
+          </a:lnRef>
+          <a:fillRef idx="1">
+            <a:schemeClr val="lt1"/>
+          </a:fillRef>
+          <a:effectRef idx="0">
+            <a:schemeClr val="dk1"/>
+          </a:effectRef>
+          <a:fontRef idx="minor">
+            <a:schemeClr val="dk1"/>
+          </a:fontRef>
+        </p:style>
+        <p:txBody>
+          <a:bodyPr rtlCol="0" anchor="ctr"/>
+          <a:lstStyle/>
+          <a:p>
+            <a:pPr algn="ctr"/>
+            <a:endParaRPr lang="it-IT"/>
+          </a:p>
+        </p:txBody>
+      </p:sp>
+      <p:sp>
+        <p:nvSpPr>
+          <p:cNvPr id="14" name="Arco 13">
+            <a:extLst>
+              <a:ext uri="{FF2B5EF4-FFF2-40B4-BE49-F238E27FC236}">
+                <a16:creationId xmlns:a16="http://schemas.microsoft.com/office/drawing/2014/main" id="{F09AE7F0-464E-406D-94C0-D73A462F593F}"/>
+              </a:ext>
+            </a:extLst>
+          </p:cNvPr>
+          <p:cNvSpPr/>
+          <p:nvPr/>
+        </p:nvSpPr>
+        <p:spPr>
+          <a:xfrm rot="10800000" flipH="1">
+            <a:off x="133350" y="983681"/>
+            <a:ext cx="4186650" cy="1176319"/>
+          </a:xfrm>
+          <a:prstGeom prst="arc">
+            <a:avLst>
+              <a:gd name="adj1" fmla="val 16128148"/>
+              <a:gd name="adj2" fmla="val 21567144"/>
+            </a:avLst>
+          </a:prstGeom>
+          <a:ln w="6350">
+            <a:solidFill>
+              <a:schemeClr val="bg1">
+                <a:lumMod val="85000"/>
+              </a:schemeClr>
+            </a:solidFill>
+          </a:ln>
+        </p:spPr>
+        <p:style>
+          <a:lnRef idx="1">
+            <a:schemeClr val="accent1"/>
+          </a:lnRef>
+          <a:fillRef idx="0">
+            <a:schemeClr val="accent1"/>
+          </a:fillRef>
+          <a:effectRef idx="0">
+            <a:schemeClr val="accent1"/>
+          </a:effectRef>
+          <a:fontRef idx="minor">
+            <a:schemeClr val="tx1"/>
+          </a:fontRef>
+        </p:style>
+        <p:txBody>
+          <a:bodyPr rtlCol="0" anchor="ctr"/>
+          <a:lstStyle/>
+          <a:p>
+            <a:pPr algn="ctr"/>
+            <a:endParaRPr lang="it-IT"/>
+          </a:p>
+        </p:txBody>
+      </p:sp>
+      <p:cxnSp>
+        <p:nvCxnSpPr>
+          <p:cNvPr id="17" name="Connettore 2 16">
+            <a:extLst>
+              <a:ext uri="{FF2B5EF4-FFF2-40B4-BE49-F238E27FC236}">
+                <a16:creationId xmlns:a16="http://schemas.microsoft.com/office/drawing/2014/main" id="{AE3B47E4-5BB5-46CE-9849-33DD23A3FF8E}"/>
+              </a:ext>
+            </a:extLst>
+          </p:cNvPr>
+          <p:cNvCxnSpPr>
+            <a:cxnSpLocks/>
+          </p:cNvCxnSpPr>
+          <p:nvPr/>
+        </p:nvCxnSpPr>
+        <p:spPr>
+          <a:xfrm flipV="1">
+            <a:off x="1440000" y="1620000"/>
+            <a:ext cx="2878790" cy="0"/>
+          </a:xfrm>
+          <a:prstGeom prst="straightConnector1">
+            <a:avLst/>
+          </a:prstGeom>
+          <a:ln w="6350">
+            <a:solidFill>
+              <a:schemeClr val="bg1">
+                <a:lumMod val="85000"/>
+              </a:schemeClr>
+            </a:solidFill>
+            <a:headEnd w="sm" len="med"/>
+            <a:tailEnd type="triangle" w="sm" len="med"/>
+          </a:ln>
+        </p:spPr>
+        <p:style>
+          <a:lnRef idx="1">
+            <a:schemeClr val="dk1"/>
+          </a:lnRef>
+          <a:fillRef idx="0">
+            <a:schemeClr val="dk1"/>
+          </a:fillRef>
+          <a:effectRef idx="0">
+            <a:schemeClr val="dk1"/>
+          </a:effectRef>
+          <a:fontRef idx="minor">
+            <a:schemeClr val="tx1"/>
+          </a:fontRef>
+        </p:style>
+      </p:cxnSp>
+      <p:cxnSp>
+        <p:nvCxnSpPr>
+          <p:cNvPr id="18" name="Connettore 2 17">
+            <a:extLst>
+              <a:ext uri="{FF2B5EF4-FFF2-40B4-BE49-F238E27FC236}">
+                <a16:creationId xmlns:a16="http://schemas.microsoft.com/office/drawing/2014/main" id="{46A89340-AAD0-4AAC-AAE8-373975150919}"/>
+              </a:ext>
+            </a:extLst>
+          </p:cNvPr>
+          <p:cNvCxnSpPr>
+            <a:cxnSpLocks/>
+          </p:cNvCxnSpPr>
+          <p:nvPr/>
+        </p:nvCxnSpPr>
+        <p:spPr>
+          <a:xfrm>
+            <a:off x="1440000" y="1800000"/>
+            <a:ext cx="2718000" cy="0"/>
+          </a:xfrm>
+          <a:prstGeom prst="straightConnector1">
+            <a:avLst/>
+          </a:prstGeom>
+          <a:ln w="6350">
+            <a:solidFill>
+              <a:schemeClr val="bg1">
+                <a:lumMod val="85000"/>
+              </a:schemeClr>
+            </a:solidFill>
+            <a:headEnd w="sm" len="med"/>
+            <a:tailEnd type="triangle" w="sm" len="med"/>
+          </a:ln>
+        </p:spPr>
+        <p:style>
+          <a:lnRef idx="1">
+            <a:schemeClr val="dk1"/>
+          </a:lnRef>
+          <a:fillRef idx="0">
+            <a:schemeClr val="dk1"/>
+          </a:fillRef>
+          <a:effectRef idx="0">
+            <a:schemeClr val="dk1"/>
+          </a:effectRef>
+          <a:fontRef idx="minor">
+            <a:schemeClr val="tx1"/>
+          </a:fontRef>
+        </p:style>
+      </p:cxnSp>
+      <p:cxnSp>
+        <p:nvCxnSpPr>
+          <p:cNvPr id="19" name="Connettore 2 18">
+            <a:extLst>
+              <a:ext uri="{FF2B5EF4-FFF2-40B4-BE49-F238E27FC236}">
+                <a16:creationId xmlns:a16="http://schemas.microsoft.com/office/drawing/2014/main" id="{A307914B-AFEC-48E3-9369-4B5BBCF639E2}"/>
+              </a:ext>
+            </a:extLst>
+          </p:cNvPr>
+          <p:cNvCxnSpPr>
+            <a:cxnSpLocks/>
+          </p:cNvCxnSpPr>
+          <p:nvPr/>
+        </p:nvCxnSpPr>
+        <p:spPr>
+          <a:xfrm>
+            <a:off x="1439999" y="1980000"/>
+            <a:ext cx="2268000" cy="0"/>
+          </a:xfrm>
+          <a:prstGeom prst="straightConnector1">
+            <a:avLst/>
+          </a:prstGeom>
+          <a:ln w="6350">
+            <a:solidFill>
+              <a:schemeClr val="bg1">
+                <a:lumMod val="85000"/>
+              </a:schemeClr>
+            </a:solidFill>
+            <a:headEnd w="sm" len="med"/>
+            <a:tailEnd type="triangle" w="sm" len="med"/>
+          </a:ln>
+        </p:spPr>
+        <p:style>
+          <a:lnRef idx="1">
+            <a:schemeClr val="dk1"/>
+          </a:lnRef>
+          <a:fillRef idx="0">
+            <a:schemeClr val="dk1"/>
+          </a:fillRef>
+          <a:effectRef idx="0">
+            <a:schemeClr val="dk1"/>
+          </a:effectRef>
+          <a:fontRef idx="minor">
+            <a:schemeClr val="tx1"/>
+          </a:fontRef>
+        </p:style>
+      </p:cxnSp>
+    </p:spTree>
+    <p:extLst>
+      <p:ext uri="{BB962C8B-B14F-4D97-AF65-F5344CB8AC3E}">
+        <p14:creationId xmlns:p14="http://schemas.microsoft.com/office/powerpoint/2010/main" val="1734765310"/>
+      </p:ext>
+    </p:extLst>
+  </p:cSld>
+  <p:clrMapOvr>
+    <a:masterClrMapping/>
+  </p:clrMapOvr>
+</p:sld>
+</file>
+
+<file path=ppt/slides/slide18.xml><?xml version="1.0" encoding="utf-8"?>
+<p:sld xmlns:a="http://schemas.openxmlformats.org/drawingml/2006/main" xmlns:r="http://schemas.openxmlformats.org/officeDocument/2006/relationships" xmlns:p="http://schemas.openxmlformats.org/presentationml/2006/main">
+  <p:cSld>
+    <p:spTree>
+      <p:nvGrpSpPr>
+        <p:cNvPr id="1" name=""/>
+        <p:cNvGrpSpPr/>
+        <p:nvPr/>
+      </p:nvGrpSpPr>
+      <p:grpSpPr>
+        <a:xfrm>
+          <a:off x="0" y="0"/>
+          <a:ext cx="0" cy="0"/>
+          <a:chOff x="0" y="0"/>
+          <a:chExt cx="0" cy="0"/>
+        </a:xfrm>
+      </p:grpSpPr>
+      <p:sp>
+        <p:nvSpPr>
+          <p:cNvPr id="20" name="Triangolo rettangolo 19">
+            <a:extLst>
+              <a:ext uri="{FF2B5EF4-FFF2-40B4-BE49-F238E27FC236}">
+                <a16:creationId xmlns:a16="http://schemas.microsoft.com/office/drawing/2014/main" id="{7A2B1C96-51B5-4D01-AD53-4FC01D7927A0}"/>
+              </a:ext>
+            </a:extLst>
+          </p:cNvPr>
+          <p:cNvSpPr/>
+          <p:nvPr/>
+        </p:nvSpPr>
+        <p:spPr>
+          <a:xfrm rot="-5400000">
+            <a:off x="3958790" y="3239998"/>
+            <a:ext cx="360000" cy="360000"/>
+          </a:xfrm>
+          <a:prstGeom prst="rtTriangle">
+            <a:avLst/>
+          </a:prstGeom>
+          <a:solidFill>
+            <a:schemeClr val="bg1">
+              <a:lumMod val="65000"/>
+            </a:schemeClr>
+          </a:solidFill>
+          <a:ln w="6350"/>
+        </p:spPr>
+        <p:style>
+          <a:lnRef idx="2">
+            <a:schemeClr val="dk1"/>
+          </a:lnRef>
+          <a:fillRef idx="1">
+            <a:schemeClr val="lt1"/>
+          </a:fillRef>
+          <a:effectRef idx="0">
+            <a:schemeClr val="dk1"/>
+          </a:effectRef>
+          <a:fontRef idx="minor">
+            <a:schemeClr val="dk1"/>
+          </a:fontRef>
+        </p:style>
+        <p:txBody>
+          <a:bodyPr rtlCol="0" anchor="ctr"/>
+          <a:lstStyle/>
+          <a:p>
+            <a:pPr algn="ctr"/>
+            <a:endParaRPr lang="it-IT"/>
+          </a:p>
+        </p:txBody>
+      </p:sp>
+      <p:sp>
+        <p:nvSpPr>
+          <p:cNvPr id="4" name="Rettangolo 3">
+            <a:extLst>
+              <a:ext uri="{FF2B5EF4-FFF2-40B4-BE49-F238E27FC236}">
+                <a16:creationId xmlns:a16="http://schemas.microsoft.com/office/drawing/2014/main" id="{AFB5874D-EF80-44AA-947E-EF41029CBAFE}"/>
+              </a:ext>
+            </a:extLst>
+          </p:cNvPr>
+          <p:cNvSpPr/>
+          <p:nvPr/>
+        </p:nvSpPr>
+        <p:spPr>
+          <a:xfrm>
+            <a:off x="1440000" y="1440000"/>
+            <a:ext cx="2880000" cy="720000"/>
+          </a:xfrm>
+          <a:prstGeom prst="rect">
+            <a:avLst/>
+          </a:prstGeom>
+          <a:solidFill>
+            <a:schemeClr val="bg1"/>
+          </a:solidFill>
+          <a:ln>
+            <a:solidFill>
+              <a:schemeClr val="bg1">
+                <a:lumMod val="85000"/>
+              </a:schemeClr>
+            </a:solidFill>
+          </a:ln>
+        </p:spPr>
+        <p:style>
+          <a:lnRef idx="2">
+            <a:schemeClr val="dk1"/>
+          </a:lnRef>
+          <a:fillRef idx="1">
+            <a:schemeClr val="lt1"/>
+          </a:fillRef>
+          <a:effectRef idx="0">
+            <a:schemeClr val="dk1"/>
+          </a:effectRef>
+          <a:fontRef idx="minor">
+            <a:schemeClr val="dk1"/>
+          </a:fontRef>
+        </p:style>
+        <p:txBody>
+          <a:bodyPr rtlCol="0" anchor="ctr"/>
+          <a:lstStyle/>
+          <a:p>
+            <a:pPr algn="ctr"/>
+            <a:endParaRPr lang="it-IT"/>
+          </a:p>
+        </p:txBody>
+      </p:sp>
+      <p:cxnSp>
+        <p:nvCxnSpPr>
+          <p:cNvPr id="7" name="Connettore diritto 6">
+            <a:extLst>
+              <a:ext uri="{FF2B5EF4-FFF2-40B4-BE49-F238E27FC236}">
+                <a16:creationId xmlns:a16="http://schemas.microsoft.com/office/drawing/2014/main" id="{968C8501-EB46-4D62-8197-F723EF8E231B}"/>
+              </a:ext>
+            </a:extLst>
+          </p:cNvPr>
+          <p:cNvCxnSpPr/>
+          <p:nvPr/>
+        </p:nvCxnSpPr>
+        <p:spPr>
+          <a:xfrm>
+            <a:off x="1440000" y="2520000"/>
+            <a:ext cx="2880000" cy="0"/>
+          </a:xfrm>
+          <a:prstGeom prst="line">
+            <a:avLst/>
+          </a:prstGeom>
+          <a:ln w="12700">
+            <a:solidFill>
+              <a:schemeClr val="bg1">
+                <a:lumMod val="85000"/>
+              </a:schemeClr>
+            </a:solidFill>
+          </a:ln>
+        </p:spPr>
+        <p:style>
+          <a:lnRef idx="1">
+            <a:schemeClr val="dk1"/>
+          </a:lnRef>
+          <a:fillRef idx="0">
+            <a:schemeClr val="dk1"/>
+          </a:fillRef>
+          <a:effectRef idx="0">
+            <a:schemeClr val="dk1"/>
+          </a:effectRef>
+          <a:fontRef idx="minor">
+            <a:schemeClr val="tx1"/>
+          </a:fontRef>
+        </p:style>
+      </p:cxnSp>
+      <p:cxnSp>
+        <p:nvCxnSpPr>
+          <p:cNvPr id="26" name="Connettore diritto 25">
+            <a:extLst>
+              <a:ext uri="{FF2B5EF4-FFF2-40B4-BE49-F238E27FC236}">
+                <a16:creationId xmlns:a16="http://schemas.microsoft.com/office/drawing/2014/main" id="{3CD2C60A-9BDD-4343-B7E1-7F4BF68C7456}"/>
+              </a:ext>
+            </a:extLst>
+          </p:cNvPr>
+          <p:cNvCxnSpPr>
+            <a:cxnSpLocks/>
+          </p:cNvCxnSpPr>
+          <p:nvPr/>
+        </p:nvCxnSpPr>
+        <p:spPr>
+          <a:xfrm flipH="1">
+            <a:off x="3960000" y="3240000"/>
+            <a:ext cx="360000" cy="360000"/>
+          </a:xfrm>
+          <a:prstGeom prst="line">
+            <a:avLst/>
+          </a:prstGeom>
+          <a:ln>
+            <a:solidFill>
+              <a:schemeClr val="tx1"/>
+            </a:solidFill>
+          </a:ln>
+        </p:spPr>
+        <p:style>
+          <a:lnRef idx="1">
+            <a:schemeClr val="accent1"/>
+          </a:lnRef>
+          <a:fillRef idx="0">
+            <a:schemeClr val="accent1"/>
+          </a:fillRef>
+          <a:effectRef idx="0">
+            <a:schemeClr val="accent1"/>
+          </a:effectRef>
+          <a:fontRef idx="minor">
+            <a:schemeClr val="tx1"/>
+          </a:fontRef>
+        </p:style>
+      </p:cxnSp>
+      <p:sp>
+        <p:nvSpPr>
+          <p:cNvPr id="32" name="Parallelogramma 31">
+            <a:extLst>
+              <a:ext uri="{FF2B5EF4-FFF2-40B4-BE49-F238E27FC236}">
+                <a16:creationId xmlns:a16="http://schemas.microsoft.com/office/drawing/2014/main" id="{36BD2991-4381-41B7-86CA-9690E40789B1}"/>
+              </a:ext>
+            </a:extLst>
+          </p:cNvPr>
+          <p:cNvSpPr>
+            <a:spLocks/>
+          </p:cNvSpPr>
+          <p:nvPr/>
+        </p:nvSpPr>
+        <p:spPr>
+          <a:xfrm>
+            <a:off x="1440000" y="2880000"/>
+            <a:ext cx="1080000" cy="720000"/>
+          </a:xfrm>
+          <a:prstGeom prst="parallelogram">
+            <a:avLst>
+              <a:gd name="adj" fmla="val 99999"/>
+            </a:avLst>
+          </a:prstGeom>
+          <a:solidFill>
+            <a:schemeClr val="accent1">
+              <a:lumMod val="75000"/>
+            </a:schemeClr>
+          </a:solidFill>
+          <a:ln w="6350"/>
+        </p:spPr>
+        <p:style>
+          <a:lnRef idx="2">
+            <a:schemeClr val="dk1"/>
+          </a:lnRef>
+          <a:fillRef idx="1">
+            <a:schemeClr val="lt1"/>
+          </a:fillRef>
+          <a:effectRef idx="0">
+            <a:schemeClr val="dk1"/>
+          </a:effectRef>
+          <a:fontRef idx="minor">
+            <a:schemeClr val="dk1"/>
+          </a:fontRef>
+        </p:style>
+        <p:txBody>
+          <a:bodyPr rtlCol="0" anchor="ctr"/>
+          <a:lstStyle/>
+          <a:p>
+            <a:pPr algn="ctr"/>
+            <a:endParaRPr lang="it-IT"/>
+          </a:p>
+        </p:txBody>
+      </p:sp>
+      <p:sp>
+        <p:nvSpPr>
+          <p:cNvPr id="33" name="Parallelogramma 32">
+            <a:extLst>
+              <a:ext uri="{FF2B5EF4-FFF2-40B4-BE49-F238E27FC236}">
+                <a16:creationId xmlns:a16="http://schemas.microsoft.com/office/drawing/2014/main" id="{AAE07D06-E0D5-4AC6-9287-1331B1C391D1}"/>
+              </a:ext>
+            </a:extLst>
+          </p:cNvPr>
+          <p:cNvSpPr>
+            <a:spLocks/>
+          </p:cNvSpPr>
+          <p:nvPr/>
+        </p:nvSpPr>
+        <p:spPr>
+          <a:xfrm>
+            <a:off x="1800000" y="2880000"/>
+            <a:ext cx="1080000" cy="720000"/>
+          </a:xfrm>
+          <a:prstGeom prst="parallelogram">
+            <a:avLst>
+              <a:gd name="adj" fmla="val 99999"/>
+            </a:avLst>
+          </a:prstGeom>
+          <a:solidFill>
+            <a:schemeClr val="bg1">
+              <a:lumMod val="65000"/>
+            </a:schemeClr>
+          </a:solidFill>
+          <a:ln w="6350"/>
+        </p:spPr>
+        <p:style>
+          <a:lnRef idx="2">
+            <a:schemeClr val="dk1"/>
+          </a:lnRef>
+          <a:fillRef idx="1">
+            <a:schemeClr val="lt1"/>
+          </a:fillRef>
+          <a:effectRef idx="0">
+            <a:schemeClr val="dk1"/>
+          </a:effectRef>
+          <a:fontRef idx="minor">
+            <a:schemeClr val="dk1"/>
+          </a:fontRef>
+        </p:style>
+        <p:txBody>
+          <a:bodyPr rtlCol="0" anchor="ctr"/>
+          <a:lstStyle/>
+          <a:p>
+            <a:pPr algn="ctr"/>
+            <a:endParaRPr lang="it-IT"/>
+          </a:p>
+        </p:txBody>
+      </p:sp>
+      <p:sp>
+        <p:nvSpPr>
+          <p:cNvPr id="34" name="Parallelogramma 33">
+            <a:extLst>
+              <a:ext uri="{FF2B5EF4-FFF2-40B4-BE49-F238E27FC236}">
+                <a16:creationId xmlns:a16="http://schemas.microsoft.com/office/drawing/2014/main" id="{A126DC85-DD00-4B04-B8AF-F7E20B67255B}"/>
+              </a:ext>
+            </a:extLst>
+          </p:cNvPr>
+          <p:cNvSpPr>
+            <a:spLocks/>
+          </p:cNvSpPr>
+          <p:nvPr/>
+        </p:nvSpPr>
+        <p:spPr>
+          <a:xfrm>
+            <a:off x="2520000" y="2880000"/>
+            <a:ext cx="1080000" cy="720000"/>
+          </a:xfrm>
+          <a:prstGeom prst="parallelogram">
+            <a:avLst>
+              <a:gd name="adj" fmla="val 99999"/>
+            </a:avLst>
+          </a:prstGeom>
+          <a:solidFill>
+            <a:schemeClr val="accent1">
+              <a:lumMod val="75000"/>
+            </a:schemeClr>
+          </a:solidFill>
+          <a:ln w="6350"/>
+        </p:spPr>
+        <p:style>
+          <a:lnRef idx="2">
+            <a:schemeClr val="dk1"/>
+          </a:lnRef>
+          <a:fillRef idx="1">
+            <a:schemeClr val="lt1"/>
+          </a:fillRef>
+          <a:effectRef idx="0">
+            <a:schemeClr val="dk1"/>
+          </a:effectRef>
+          <a:fontRef idx="minor">
+            <a:schemeClr val="dk1"/>
+          </a:fontRef>
+        </p:style>
+        <p:txBody>
+          <a:bodyPr rtlCol="0" anchor="ctr"/>
+          <a:lstStyle/>
+          <a:p>
+            <a:pPr algn="ctr"/>
+            <a:endParaRPr lang="it-IT"/>
+          </a:p>
+        </p:txBody>
+      </p:sp>
+      <p:sp>
+        <p:nvSpPr>
+          <p:cNvPr id="36" name="Triangolo rettangolo 35">
+            <a:extLst>
+              <a:ext uri="{FF2B5EF4-FFF2-40B4-BE49-F238E27FC236}">
+                <a16:creationId xmlns:a16="http://schemas.microsoft.com/office/drawing/2014/main" id="{48650062-DE27-4055-AC8C-81E84FF78846}"/>
+              </a:ext>
+            </a:extLst>
+          </p:cNvPr>
+          <p:cNvSpPr/>
+          <p:nvPr/>
+        </p:nvSpPr>
+        <p:spPr>
+          <a:xfrm rot="5400000">
+            <a:off x="1440000" y="2880000"/>
+            <a:ext cx="360000" cy="360000"/>
+          </a:xfrm>
+          <a:prstGeom prst="rtTriangle">
+            <a:avLst/>
+          </a:prstGeom>
+          <a:solidFill>
+            <a:schemeClr val="bg1">
+              <a:lumMod val="65000"/>
+            </a:schemeClr>
+          </a:solidFill>
+          <a:ln w="6350"/>
+        </p:spPr>
+        <p:style>
+          <a:lnRef idx="2">
+            <a:schemeClr val="dk1"/>
+          </a:lnRef>
+          <a:fillRef idx="1">
+            <a:schemeClr val="lt1"/>
+          </a:fillRef>
+          <a:effectRef idx="0">
+            <a:schemeClr val="dk1"/>
+          </a:effectRef>
+          <a:fontRef idx="minor">
+            <a:schemeClr val="dk1"/>
+          </a:fontRef>
+        </p:style>
+        <p:txBody>
+          <a:bodyPr rtlCol="0" anchor="ctr"/>
+          <a:lstStyle/>
+          <a:p>
+            <a:pPr algn="ctr"/>
+            <a:endParaRPr lang="it-IT"/>
+          </a:p>
+        </p:txBody>
+      </p:sp>
+      <p:sp>
+        <p:nvSpPr>
+          <p:cNvPr id="37" name="Parallelogramma 36">
+            <a:extLst>
+              <a:ext uri="{FF2B5EF4-FFF2-40B4-BE49-F238E27FC236}">
+                <a16:creationId xmlns:a16="http://schemas.microsoft.com/office/drawing/2014/main" id="{0AF42239-9121-43E6-8505-AC474381C9EF}"/>
+              </a:ext>
+            </a:extLst>
+          </p:cNvPr>
+          <p:cNvSpPr>
+            <a:spLocks/>
+          </p:cNvSpPr>
+          <p:nvPr/>
+        </p:nvSpPr>
+        <p:spPr>
+          <a:xfrm>
+            <a:off x="2880000" y="2880000"/>
+            <a:ext cx="1080000" cy="720000"/>
+          </a:xfrm>
+          <a:prstGeom prst="parallelogram">
+            <a:avLst>
+              <a:gd name="adj" fmla="val 99999"/>
+            </a:avLst>
+          </a:prstGeom>
+          <a:solidFill>
+            <a:schemeClr val="bg1">
+              <a:lumMod val="65000"/>
+            </a:schemeClr>
+          </a:solidFill>
+          <a:ln w="6350"/>
+        </p:spPr>
+        <p:style>
+          <a:lnRef idx="2">
+            <a:schemeClr val="dk1"/>
+          </a:lnRef>
+          <a:fillRef idx="1">
+            <a:schemeClr val="lt1"/>
+          </a:fillRef>
+          <a:effectRef idx="0">
+            <a:schemeClr val="dk1"/>
+          </a:effectRef>
+          <a:fontRef idx="minor">
+            <a:schemeClr val="dk1"/>
+          </a:fontRef>
+        </p:style>
+        <p:txBody>
+          <a:bodyPr rtlCol="0" anchor="ctr"/>
+          <a:lstStyle/>
+          <a:p>
+            <a:pPr algn="ctr"/>
+            <a:endParaRPr lang="it-IT"/>
+          </a:p>
+        </p:txBody>
+      </p:sp>
+      <p:sp>
+        <p:nvSpPr>
+          <p:cNvPr id="38" name="Trapezio 37">
+            <a:extLst>
+              <a:ext uri="{FF2B5EF4-FFF2-40B4-BE49-F238E27FC236}">
+                <a16:creationId xmlns:a16="http://schemas.microsoft.com/office/drawing/2014/main" id="{C72CB81C-018B-4D12-8FA9-81966C55EABA}"/>
+              </a:ext>
+            </a:extLst>
+          </p:cNvPr>
+          <p:cNvSpPr/>
+          <p:nvPr/>
+        </p:nvSpPr>
+        <p:spPr>
+          <a:xfrm rot="8100000">
+            <a:off x="3541168" y="3202768"/>
+            <a:ext cx="1018800" cy="255600"/>
+          </a:xfrm>
+          <a:prstGeom prst="trapezoid">
+            <a:avLst>
+              <a:gd name="adj" fmla="val 102258"/>
+            </a:avLst>
+          </a:prstGeom>
+          <a:solidFill>
+            <a:schemeClr val="accent1">
+              <a:lumMod val="75000"/>
+            </a:schemeClr>
+          </a:solidFill>
+          <a:ln w="6350"/>
+        </p:spPr>
+        <p:style>
+          <a:lnRef idx="2">
+            <a:schemeClr val="dk1"/>
+          </a:lnRef>
+          <a:fillRef idx="1">
+            <a:schemeClr val="lt1"/>
+          </a:fillRef>
+          <a:effectRef idx="0">
+            <a:schemeClr val="dk1"/>
+          </a:effectRef>
+          <a:fontRef idx="minor">
+            <a:schemeClr val="dk1"/>
+          </a:fontRef>
+        </p:style>
+        <p:txBody>
+          <a:bodyPr rtlCol="0" anchor="ctr"/>
+          <a:lstStyle/>
+          <a:p>
+            <a:pPr algn="ctr"/>
+            <a:endParaRPr lang="it-IT"/>
+          </a:p>
+        </p:txBody>
+      </p:sp>
+      <p:sp>
+        <p:nvSpPr>
+          <p:cNvPr id="5" name="Rettangolo 4">
+            <a:extLst>
+              <a:ext uri="{FF2B5EF4-FFF2-40B4-BE49-F238E27FC236}">
+                <a16:creationId xmlns:a16="http://schemas.microsoft.com/office/drawing/2014/main" id="{A2866499-10D0-4275-8C25-6D6A8FA1F309}"/>
+              </a:ext>
+            </a:extLst>
+          </p:cNvPr>
+          <p:cNvSpPr/>
+          <p:nvPr/>
+        </p:nvSpPr>
+        <p:spPr>
+          <a:xfrm>
+            <a:off x="1440000" y="2880000"/>
+            <a:ext cx="2880000" cy="720000"/>
+          </a:xfrm>
+          <a:prstGeom prst="rect">
+            <a:avLst/>
+          </a:prstGeom>
+          <a:noFill/>
+          <a:ln>
+            <a:solidFill>
+              <a:schemeClr val="dk1">
+                <a:alpha val="91000"/>
+              </a:schemeClr>
+            </a:solidFill>
+          </a:ln>
+        </p:spPr>
+        <p:style>
+          <a:lnRef idx="2">
+            <a:schemeClr val="dk1"/>
+          </a:lnRef>
+          <a:fillRef idx="1">
+            <a:schemeClr val="lt1"/>
+          </a:fillRef>
+          <a:effectRef idx="0">
+            <a:schemeClr val="dk1"/>
+          </a:effectRef>
+          <a:fontRef idx="minor">
+            <a:schemeClr val="dk1"/>
+          </a:fontRef>
+        </p:style>
+        <p:txBody>
+          <a:bodyPr rtlCol="0" anchor="ctr"/>
+          <a:lstStyle/>
+          <a:p>
+            <a:pPr algn="ctr"/>
+            <a:endParaRPr lang="it-IT"/>
+          </a:p>
+        </p:txBody>
+      </p:sp>
+      <p:sp>
+        <p:nvSpPr>
+          <p:cNvPr id="14" name="Arco 13">
+            <a:extLst>
+              <a:ext uri="{FF2B5EF4-FFF2-40B4-BE49-F238E27FC236}">
+                <a16:creationId xmlns:a16="http://schemas.microsoft.com/office/drawing/2014/main" id="{8BAE020B-DB8A-4336-874B-EC6FD646ED00}"/>
+              </a:ext>
+            </a:extLst>
+          </p:cNvPr>
+          <p:cNvSpPr/>
+          <p:nvPr/>
+        </p:nvSpPr>
+        <p:spPr>
+          <a:xfrm rot="10800000" flipH="1">
+            <a:off x="133350" y="983681"/>
+            <a:ext cx="4186650" cy="1176319"/>
+          </a:xfrm>
+          <a:prstGeom prst="arc">
+            <a:avLst>
+              <a:gd name="adj1" fmla="val 16128148"/>
+              <a:gd name="adj2" fmla="val 21567144"/>
+            </a:avLst>
+          </a:prstGeom>
+          <a:ln w="6350">
+            <a:solidFill>
+              <a:schemeClr val="bg1">
+                <a:lumMod val="85000"/>
+              </a:schemeClr>
+            </a:solidFill>
+          </a:ln>
+        </p:spPr>
+        <p:style>
+          <a:lnRef idx="1">
+            <a:schemeClr val="accent1"/>
+          </a:lnRef>
+          <a:fillRef idx="0">
+            <a:schemeClr val="accent1"/>
+          </a:fillRef>
+          <a:effectRef idx="0">
+            <a:schemeClr val="accent1"/>
+          </a:effectRef>
+          <a:fontRef idx="minor">
+            <a:schemeClr val="tx1"/>
+          </a:fontRef>
+        </p:style>
+        <p:txBody>
+          <a:bodyPr rtlCol="0" anchor="ctr"/>
+          <a:lstStyle/>
+          <a:p>
+            <a:pPr algn="ctr"/>
+            <a:endParaRPr lang="it-IT"/>
+          </a:p>
+        </p:txBody>
+      </p:sp>
+      <p:cxnSp>
+        <p:nvCxnSpPr>
+          <p:cNvPr id="17" name="Connettore 2 16">
+            <a:extLst>
+              <a:ext uri="{FF2B5EF4-FFF2-40B4-BE49-F238E27FC236}">
+                <a16:creationId xmlns:a16="http://schemas.microsoft.com/office/drawing/2014/main" id="{321507BA-D4D9-47E3-ABD9-8325DA602045}"/>
+              </a:ext>
+            </a:extLst>
+          </p:cNvPr>
+          <p:cNvCxnSpPr>
+            <a:cxnSpLocks/>
+          </p:cNvCxnSpPr>
+          <p:nvPr/>
+        </p:nvCxnSpPr>
+        <p:spPr>
+          <a:xfrm flipV="1">
+            <a:off x="1440000" y="1620000"/>
+            <a:ext cx="2878790" cy="0"/>
+          </a:xfrm>
+          <a:prstGeom prst="straightConnector1">
+            <a:avLst/>
+          </a:prstGeom>
+          <a:ln w="6350">
+            <a:solidFill>
+              <a:schemeClr val="bg1">
+                <a:lumMod val="85000"/>
+              </a:schemeClr>
+            </a:solidFill>
+            <a:headEnd w="sm" len="med"/>
+            <a:tailEnd type="triangle" w="sm" len="med"/>
+          </a:ln>
+        </p:spPr>
+        <p:style>
+          <a:lnRef idx="1">
+            <a:schemeClr val="dk1"/>
+          </a:lnRef>
+          <a:fillRef idx="0">
+            <a:schemeClr val="dk1"/>
+          </a:fillRef>
+          <a:effectRef idx="0">
+            <a:schemeClr val="dk1"/>
+          </a:effectRef>
+          <a:fontRef idx="minor">
+            <a:schemeClr val="tx1"/>
+          </a:fontRef>
+        </p:style>
+      </p:cxnSp>
+      <p:cxnSp>
+        <p:nvCxnSpPr>
+          <p:cNvPr id="18" name="Connettore 2 17">
+            <a:extLst>
+              <a:ext uri="{FF2B5EF4-FFF2-40B4-BE49-F238E27FC236}">
+                <a16:creationId xmlns:a16="http://schemas.microsoft.com/office/drawing/2014/main" id="{C5AD0AC0-5573-4269-9868-FEC5ED07380D}"/>
+              </a:ext>
+            </a:extLst>
+          </p:cNvPr>
+          <p:cNvCxnSpPr>
+            <a:cxnSpLocks/>
+          </p:cNvCxnSpPr>
+          <p:nvPr/>
+        </p:nvCxnSpPr>
+        <p:spPr>
+          <a:xfrm>
+            <a:off x="1440000" y="1800000"/>
+            <a:ext cx="2718000" cy="0"/>
+          </a:xfrm>
+          <a:prstGeom prst="straightConnector1">
+            <a:avLst/>
+          </a:prstGeom>
+          <a:ln w="6350">
+            <a:solidFill>
+              <a:schemeClr val="bg1">
+                <a:lumMod val="85000"/>
+              </a:schemeClr>
+            </a:solidFill>
+            <a:headEnd w="sm" len="med"/>
+            <a:tailEnd type="triangle" w="sm" len="med"/>
+          </a:ln>
+        </p:spPr>
+        <p:style>
+          <a:lnRef idx="1">
+            <a:schemeClr val="dk1"/>
+          </a:lnRef>
+          <a:fillRef idx="0">
+            <a:schemeClr val="dk1"/>
+          </a:fillRef>
+          <a:effectRef idx="0">
+            <a:schemeClr val="dk1"/>
+          </a:effectRef>
+          <a:fontRef idx="minor">
+            <a:schemeClr val="tx1"/>
+          </a:fontRef>
+        </p:style>
+      </p:cxnSp>
+      <p:cxnSp>
+        <p:nvCxnSpPr>
+          <p:cNvPr id="19" name="Connettore 2 18">
+            <a:extLst>
+              <a:ext uri="{FF2B5EF4-FFF2-40B4-BE49-F238E27FC236}">
+                <a16:creationId xmlns:a16="http://schemas.microsoft.com/office/drawing/2014/main" id="{4472D06B-D51E-4AEE-B578-4390592E5AC7}"/>
+              </a:ext>
+            </a:extLst>
+          </p:cNvPr>
+          <p:cNvCxnSpPr>
+            <a:cxnSpLocks/>
+          </p:cNvCxnSpPr>
+          <p:nvPr/>
+        </p:nvCxnSpPr>
+        <p:spPr>
+          <a:xfrm>
+            <a:off x="1439999" y="1980000"/>
+            <a:ext cx="2268000" cy="0"/>
+          </a:xfrm>
+          <a:prstGeom prst="straightConnector1">
+            <a:avLst/>
+          </a:prstGeom>
+          <a:ln w="6350">
+            <a:solidFill>
+              <a:schemeClr val="bg1">
+                <a:lumMod val="85000"/>
+              </a:schemeClr>
+            </a:solidFill>
+            <a:headEnd w="sm" len="med"/>
+            <a:tailEnd type="triangle" w="sm" len="med"/>
+          </a:ln>
+        </p:spPr>
+        <p:style>
+          <a:lnRef idx="1">
+            <a:schemeClr val="dk1"/>
+          </a:lnRef>
+          <a:fillRef idx="0">
+            <a:schemeClr val="dk1"/>
+          </a:fillRef>
+          <a:effectRef idx="0">
+            <a:schemeClr val="dk1"/>
+          </a:effectRef>
+          <a:fontRef idx="minor">
+            <a:schemeClr val="tx1"/>
+          </a:fontRef>
+        </p:style>
+      </p:cxnSp>
+    </p:spTree>
+    <p:extLst>
+      <p:ext uri="{BB962C8B-B14F-4D97-AF65-F5344CB8AC3E}">
+        <p14:creationId xmlns:p14="http://schemas.microsoft.com/office/powerpoint/2010/main" val="413652419"/>
+      </p:ext>
+    </p:extLst>
+  </p:cSld>
+  <p:clrMapOvr>
+    <a:masterClrMapping/>
+  </p:clrMapOvr>
+</p:sld>
+</file>
+
+<file path=ppt/slides/slide19.xml><?xml version="1.0" encoding="utf-8"?>
+<p:sld xmlns:a="http://schemas.openxmlformats.org/drawingml/2006/main" xmlns:r="http://schemas.openxmlformats.org/officeDocument/2006/relationships" xmlns:p="http://schemas.openxmlformats.org/presentationml/2006/main">
+  <p:cSld>
+    <p:spTree>
+      <p:nvGrpSpPr>
+        <p:cNvPr id="1" name=""/>
+        <p:cNvGrpSpPr/>
+        <p:nvPr/>
+      </p:nvGrpSpPr>
+      <p:grpSpPr>
+        <a:xfrm>
+          <a:off x="0" y="0"/>
+          <a:ext cx="0" cy="0"/>
+          <a:chOff x="0" y="0"/>
+          <a:chExt cx="0" cy="0"/>
+        </a:xfrm>
+      </p:grpSpPr>
+      <p:sp>
+        <p:nvSpPr>
+          <p:cNvPr id="4" name="Rettangolo 3">
+            <a:extLst>
+              <a:ext uri="{FF2B5EF4-FFF2-40B4-BE49-F238E27FC236}">
+                <a16:creationId xmlns:a16="http://schemas.microsoft.com/office/drawing/2014/main" id="{AFB5874D-EF80-44AA-947E-EF41029CBAFE}"/>
+              </a:ext>
+            </a:extLst>
+          </p:cNvPr>
+          <p:cNvSpPr/>
+          <p:nvPr/>
+        </p:nvSpPr>
+        <p:spPr>
+          <a:xfrm>
+            <a:off x="1440000" y="1440000"/>
+            <a:ext cx="2880000" cy="720000"/>
+          </a:xfrm>
+          <a:prstGeom prst="rect">
+            <a:avLst/>
+          </a:prstGeom>
+          <a:solidFill>
+            <a:schemeClr val="accent5">
+              <a:lumMod val="20000"/>
+              <a:lumOff val="80000"/>
+            </a:schemeClr>
+          </a:solidFill>
+        </p:spPr>
+        <p:style>
+          <a:lnRef idx="2">
+            <a:schemeClr val="dk1"/>
+          </a:lnRef>
+          <a:fillRef idx="1">
+            <a:schemeClr val="lt1"/>
+          </a:fillRef>
+          <a:effectRef idx="0">
+            <a:schemeClr val="dk1"/>
+          </a:effectRef>
+          <a:fontRef idx="minor">
+            <a:schemeClr val="dk1"/>
+          </a:fontRef>
+        </p:style>
+        <p:txBody>
+          <a:bodyPr rtlCol="0" anchor="ctr"/>
+          <a:lstStyle/>
+          <a:p>
+            <a:pPr algn="ctr"/>
+            <a:endParaRPr lang="it-IT"/>
+          </a:p>
+        </p:txBody>
+      </p:sp>
+      <p:cxnSp>
+        <p:nvCxnSpPr>
+          <p:cNvPr id="7" name="Connettore diritto 6">
+            <a:extLst>
+              <a:ext uri="{FF2B5EF4-FFF2-40B4-BE49-F238E27FC236}">
+                <a16:creationId xmlns:a16="http://schemas.microsoft.com/office/drawing/2014/main" id="{968C8501-EB46-4D62-8197-F723EF8E231B}"/>
+              </a:ext>
+            </a:extLst>
+          </p:cNvPr>
+          <p:cNvCxnSpPr/>
+          <p:nvPr/>
+        </p:nvCxnSpPr>
+        <p:spPr>
+          <a:xfrm>
+            <a:off x="1440000" y="2520000"/>
+            <a:ext cx="2880000" cy="0"/>
+          </a:xfrm>
+          <a:prstGeom prst="line">
+            <a:avLst/>
+          </a:prstGeom>
+          <a:ln w="12700"/>
+        </p:spPr>
+        <p:style>
+          <a:lnRef idx="1">
+            <a:schemeClr val="dk1"/>
+          </a:lnRef>
+          <a:fillRef idx="0">
+            <a:schemeClr val="dk1"/>
+          </a:fillRef>
+          <a:effectRef idx="0">
+            <a:schemeClr val="dk1"/>
+          </a:effectRef>
+          <a:fontRef idx="minor">
+            <a:schemeClr val="tx1"/>
+          </a:fontRef>
+        </p:style>
+      </p:cxnSp>
+      <p:cxnSp>
+        <p:nvCxnSpPr>
+          <p:cNvPr id="15" name="Connettore 2 14">
+            <a:extLst>
+              <a:ext uri="{FF2B5EF4-FFF2-40B4-BE49-F238E27FC236}">
+                <a16:creationId xmlns:a16="http://schemas.microsoft.com/office/drawing/2014/main" id="{C7879C29-1CA9-4779-9610-B8443E681323}"/>
+              </a:ext>
+            </a:extLst>
+          </p:cNvPr>
+          <p:cNvCxnSpPr/>
+          <p:nvPr/>
+        </p:nvCxnSpPr>
+        <p:spPr>
+          <a:xfrm flipV="1">
+            <a:off x="2700000" y="2250000"/>
+            <a:ext cx="0" cy="540000"/>
+          </a:xfrm>
+          <a:prstGeom prst="straightConnector1">
+            <a:avLst/>
+          </a:prstGeom>
+          <a:ln w="25400">
+            <a:solidFill>
+              <a:schemeClr val="tx1"/>
+            </a:solidFill>
+            <a:headEnd w="lg" len="med"/>
+            <a:tailEnd type="triangle" w="lg" len="lg"/>
+          </a:ln>
+        </p:spPr>
+        <p:style>
+          <a:lnRef idx="1">
+            <a:schemeClr val="accent1"/>
+          </a:lnRef>
+          <a:fillRef idx="0">
+            <a:schemeClr val="accent1"/>
+          </a:fillRef>
+          <a:effectRef idx="0">
+            <a:schemeClr val="accent1"/>
+          </a:effectRef>
+          <a:fontRef idx="minor">
+            <a:schemeClr val="tx1"/>
+          </a:fontRef>
+        </p:style>
+      </p:cxnSp>
+      <p:cxnSp>
+        <p:nvCxnSpPr>
+          <p:cNvPr id="16" name="Connettore 2 15">
+            <a:extLst>
+              <a:ext uri="{FF2B5EF4-FFF2-40B4-BE49-F238E27FC236}">
+                <a16:creationId xmlns:a16="http://schemas.microsoft.com/office/drawing/2014/main" id="{CDCED0DE-53FB-4B5F-B85A-9E25C0F1E33E}"/>
+              </a:ext>
+            </a:extLst>
+          </p:cNvPr>
+          <p:cNvCxnSpPr/>
+          <p:nvPr/>
+        </p:nvCxnSpPr>
+        <p:spPr>
+          <a:xfrm flipV="1">
+            <a:off x="3060000" y="2250000"/>
+            <a:ext cx="0" cy="540000"/>
+          </a:xfrm>
+          <a:prstGeom prst="straightConnector1">
+            <a:avLst/>
+          </a:prstGeom>
+          <a:ln w="25400">
+            <a:solidFill>
+              <a:schemeClr val="tx1"/>
+            </a:solidFill>
+            <a:headEnd type="triangle" w="lg" len="lg"/>
+            <a:tailEnd type="none"/>
+          </a:ln>
+        </p:spPr>
+        <p:style>
+          <a:lnRef idx="1">
+            <a:schemeClr val="accent1"/>
+          </a:lnRef>
+          <a:fillRef idx="0">
+            <a:schemeClr val="accent1"/>
+          </a:fillRef>
+          <a:effectRef idx="0">
+            <a:schemeClr val="accent1"/>
+          </a:effectRef>
+          <a:fontRef idx="minor">
+            <a:schemeClr val="tx1"/>
+          </a:fontRef>
+        </p:style>
+      </p:cxnSp>
+      <p:sp>
+        <p:nvSpPr>
+          <p:cNvPr id="5" name="Rettangolo 4">
+            <a:extLst>
+              <a:ext uri="{FF2B5EF4-FFF2-40B4-BE49-F238E27FC236}">
+                <a16:creationId xmlns:a16="http://schemas.microsoft.com/office/drawing/2014/main" id="{A2866499-10D0-4275-8C25-6D6A8FA1F309}"/>
+              </a:ext>
+            </a:extLst>
+          </p:cNvPr>
+          <p:cNvSpPr/>
+          <p:nvPr/>
+        </p:nvSpPr>
+        <p:spPr>
+          <a:xfrm>
+            <a:off x="1440000" y="2880000"/>
+            <a:ext cx="2880000" cy="720000"/>
+          </a:xfrm>
+          <a:prstGeom prst="rect">
+            <a:avLst/>
+          </a:prstGeom>
+          <a:noFill/>
+          <a:ln>
+            <a:solidFill>
+              <a:schemeClr val="dk1">
+                <a:alpha val="91000"/>
+              </a:schemeClr>
+            </a:solidFill>
+          </a:ln>
+        </p:spPr>
+        <p:style>
+          <a:lnRef idx="2">
+            <a:schemeClr val="dk1"/>
+          </a:lnRef>
+          <a:fillRef idx="1">
+            <a:schemeClr val="lt1"/>
+          </a:fillRef>
+          <a:effectRef idx="0">
+            <a:schemeClr val="dk1"/>
+          </a:effectRef>
+          <a:fontRef idx="minor">
+            <a:schemeClr val="dk1"/>
+          </a:fontRef>
+        </p:style>
+        <p:txBody>
+          <a:bodyPr rtlCol="0" anchor="ctr"/>
+          <a:lstStyle/>
+          <a:p>
+            <a:pPr algn="ctr"/>
+            <a:endParaRPr lang="it-IT"/>
+          </a:p>
+        </p:txBody>
+      </p:sp>
+      <p:cxnSp>
+        <p:nvCxnSpPr>
+          <p:cNvPr id="18" name="Connettore diritto 17">
+            <a:extLst>
+              <a:ext uri="{FF2B5EF4-FFF2-40B4-BE49-F238E27FC236}">
+                <a16:creationId xmlns:a16="http://schemas.microsoft.com/office/drawing/2014/main" id="{0B4D5350-DBC3-451E-A7B0-ABCE942BA35D}"/>
+              </a:ext>
+            </a:extLst>
+          </p:cNvPr>
+          <p:cNvCxnSpPr>
+            <a:endCxn id="5" idx="1"/>
+          </p:cNvCxnSpPr>
+          <p:nvPr/>
+        </p:nvCxnSpPr>
+        <p:spPr>
+          <a:xfrm flipH="1">
+            <a:off x="1440000" y="2880000"/>
+            <a:ext cx="359999" cy="360000"/>
+          </a:xfrm>
+          <a:prstGeom prst="line">
+            <a:avLst/>
+          </a:prstGeom>
+          <a:ln>
+            <a:solidFill>
+              <a:schemeClr val="tx1"/>
+            </a:solidFill>
+          </a:ln>
+        </p:spPr>
+        <p:style>
+          <a:lnRef idx="1">
+            <a:schemeClr val="accent1"/>
+          </a:lnRef>
+          <a:fillRef idx="0">
+            <a:schemeClr val="accent1"/>
+          </a:fillRef>
+          <a:effectRef idx="0">
+            <a:schemeClr val="accent1"/>
+          </a:effectRef>
+          <a:fontRef idx="minor">
+            <a:schemeClr val="tx1"/>
+          </a:fontRef>
+        </p:style>
+      </p:cxnSp>
+      <p:cxnSp>
+        <p:nvCxnSpPr>
+          <p:cNvPr id="19" name="Connettore diritto 18">
+            <a:extLst>
+              <a:ext uri="{FF2B5EF4-FFF2-40B4-BE49-F238E27FC236}">
+                <a16:creationId xmlns:a16="http://schemas.microsoft.com/office/drawing/2014/main" id="{B640B39F-ED65-4093-B4DC-548D41827E40}"/>
+              </a:ext>
+            </a:extLst>
+          </p:cNvPr>
+          <p:cNvCxnSpPr>
+            <a:cxnSpLocks/>
+          </p:cNvCxnSpPr>
+          <p:nvPr/>
+        </p:nvCxnSpPr>
+        <p:spPr>
+          <a:xfrm flipH="1">
+            <a:off x="1439999" y="2880000"/>
+            <a:ext cx="720000" cy="720000"/>
+          </a:xfrm>
+          <a:prstGeom prst="line">
+            <a:avLst/>
+          </a:prstGeom>
+          <a:ln>
+            <a:solidFill>
+              <a:schemeClr val="tx1"/>
+            </a:solidFill>
+          </a:ln>
+        </p:spPr>
+        <p:style>
+          <a:lnRef idx="1">
+            <a:schemeClr val="accent1"/>
+          </a:lnRef>
+          <a:fillRef idx="0">
+            <a:schemeClr val="accent1"/>
+          </a:fillRef>
+          <a:effectRef idx="0">
+            <a:schemeClr val="accent1"/>
+          </a:effectRef>
+          <a:fontRef idx="minor">
+            <a:schemeClr val="tx1"/>
+          </a:fontRef>
+        </p:style>
+      </p:cxnSp>
+      <p:cxnSp>
+        <p:nvCxnSpPr>
+          <p:cNvPr id="22" name="Connettore diritto 21">
+            <a:extLst>
+              <a:ext uri="{FF2B5EF4-FFF2-40B4-BE49-F238E27FC236}">
+                <a16:creationId xmlns:a16="http://schemas.microsoft.com/office/drawing/2014/main" id="{21FE6B1C-781C-428D-8CB2-C99824462BED}"/>
+              </a:ext>
+            </a:extLst>
+          </p:cNvPr>
+          <p:cNvCxnSpPr/>
+          <p:nvPr/>
+        </p:nvCxnSpPr>
+        <p:spPr>
+          <a:xfrm flipH="1">
+            <a:off x="1728000" y="2880000"/>
+            <a:ext cx="720000" cy="720000"/>
+          </a:xfrm>
+          <a:prstGeom prst="line">
+            <a:avLst/>
+          </a:prstGeom>
+          <a:ln>
+            <a:solidFill>
+              <a:schemeClr val="tx1"/>
+            </a:solidFill>
+          </a:ln>
+        </p:spPr>
+        <p:style>
+          <a:lnRef idx="1">
+            <a:schemeClr val="accent1"/>
+          </a:lnRef>
+          <a:fillRef idx="0">
+            <a:schemeClr val="accent1"/>
+          </a:fillRef>
+          <a:effectRef idx="0">
+            <a:schemeClr val="accent1"/>
+          </a:effectRef>
+          <a:fontRef idx="minor">
+            <a:schemeClr val="tx1"/>
+          </a:fontRef>
+        </p:style>
+      </p:cxnSp>
+      <p:cxnSp>
+        <p:nvCxnSpPr>
+          <p:cNvPr id="23" name="Connettore diritto 22">
+            <a:extLst>
+              <a:ext uri="{FF2B5EF4-FFF2-40B4-BE49-F238E27FC236}">
+                <a16:creationId xmlns:a16="http://schemas.microsoft.com/office/drawing/2014/main" id="{B08403DD-4FA8-4A25-8A8E-920FB273BDC3}"/>
+              </a:ext>
+            </a:extLst>
+          </p:cNvPr>
+          <p:cNvCxnSpPr/>
+          <p:nvPr/>
+        </p:nvCxnSpPr>
+        <p:spPr>
+          <a:xfrm flipH="1">
+            <a:off x="2224489" y="2880000"/>
+            <a:ext cx="720000" cy="720000"/>
+          </a:xfrm>
+          <a:prstGeom prst="line">
+            <a:avLst/>
+          </a:prstGeom>
+          <a:ln>
+            <a:solidFill>
+              <a:schemeClr val="tx1"/>
+            </a:solidFill>
+          </a:ln>
+        </p:spPr>
+        <p:style>
+          <a:lnRef idx="1">
+            <a:schemeClr val="accent1"/>
+          </a:lnRef>
+          <a:fillRef idx="0">
+            <a:schemeClr val="accent1"/>
+          </a:fillRef>
+          <a:effectRef idx="0">
+            <a:schemeClr val="accent1"/>
+          </a:effectRef>
+          <a:fontRef idx="minor">
+            <a:schemeClr val="tx1"/>
+          </a:fontRef>
+        </p:style>
+      </p:cxnSp>
+      <p:cxnSp>
+        <p:nvCxnSpPr>
+          <p:cNvPr id="24" name="Connettore diritto 23">
+            <a:extLst>
+              <a:ext uri="{FF2B5EF4-FFF2-40B4-BE49-F238E27FC236}">
+                <a16:creationId xmlns:a16="http://schemas.microsoft.com/office/drawing/2014/main" id="{5E2F94F6-E31E-4C2C-B2E4-A090CD2BC01E}"/>
+              </a:ext>
+            </a:extLst>
+          </p:cNvPr>
+          <p:cNvCxnSpPr/>
+          <p:nvPr/>
+        </p:nvCxnSpPr>
+        <p:spPr>
+          <a:xfrm flipH="1">
+            <a:off x="2504416" y="2880000"/>
+            <a:ext cx="720000" cy="720000"/>
+          </a:xfrm>
+          <a:prstGeom prst="line">
+            <a:avLst/>
+          </a:prstGeom>
+          <a:ln>
+            <a:solidFill>
+              <a:schemeClr val="tx1"/>
+            </a:solidFill>
+          </a:ln>
+        </p:spPr>
+        <p:style>
+          <a:lnRef idx="1">
+            <a:schemeClr val="accent1"/>
+          </a:lnRef>
+          <a:fillRef idx="0">
+            <a:schemeClr val="accent1"/>
+          </a:fillRef>
+          <a:effectRef idx="0">
+            <a:schemeClr val="accent1"/>
+          </a:effectRef>
+          <a:fontRef idx="minor">
+            <a:schemeClr val="tx1"/>
+          </a:fontRef>
+        </p:style>
+      </p:cxnSp>
+      <p:cxnSp>
+        <p:nvCxnSpPr>
+          <p:cNvPr id="25" name="Connettore diritto 24">
+            <a:extLst>
+              <a:ext uri="{FF2B5EF4-FFF2-40B4-BE49-F238E27FC236}">
+                <a16:creationId xmlns:a16="http://schemas.microsoft.com/office/drawing/2014/main" id="{8167AD55-188B-446C-9B01-FEA490AB020A}"/>
+              </a:ext>
+            </a:extLst>
+          </p:cNvPr>
+          <p:cNvCxnSpPr/>
+          <p:nvPr/>
+        </p:nvCxnSpPr>
+        <p:spPr>
+          <a:xfrm flipH="1">
+            <a:off x="2972268" y="2880000"/>
+            <a:ext cx="720000" cy="720000"/>
+          </a:xfrm>
+          <a:prstGeom prst="line">
+            <a:avLst/>
+          </a:prstGeom>
+          <a:ln>
+            <a:solidFill>
+              <a:schemeClr val="tx1"/>
+            </a:solidFill>
+          </a:ln>
+        </p:spPr>
+        <p:style>
+          <a:lnRef idx="1">
+            <a:schemeClr val="accent1"/>
+          </a:lnRef>
+          <a:fillRef idx="0">
+            <a:schemeClr val="accent1"/>
+          </a:fillRef>
+          <a:effectRef idx="0">
+            <a:schemeClr val="accent1"/>
+          </a:effectRef>
+          <a:fontRef idx="minor">
+            <a:schemeClr val="tx1"/>
+          </a:fontRef>
+        </p:style>
+      </p:cxnSp>
+      <p:cxnSp>
+        <p:nvCxnSpPr>
+          <p:cNvPr id="26" name="Connettore diritto 25">
+            <a:extLst>
+              <a:ext uri="{FF2B5EF4-FFF2-40B4-BE49-F238E27FC236}">
+                <a16:creationId xmlns:a16="http://schemas.microsoft.com/office/drawing/2014/main" id="{3CD2C60A-9BDD-4343-B7E1-7F4BF68C7456}"/>
+              </a:ext>
+            </a:extLst>
+          </p:cNvPr>
+          <p:cNvCxnSpPr>
+            <a:cxnSpLocks/>
+          </p:cNvCxnSpPr>
+          <p:nvPr/>
+        </p:nvCxnSpPr>
+        <p:spPr>
+          <a:xfrm flipH="1">
+            <a:off x="3960000" y="3240000"/>
+            <a:ext cx="360000" cy="360000"/>
+          </a:xfrm>
+          <a:prstGeom prst="line">
+            <a:avLst/>
+          </a:prstGeom>
+          <a:ln>
+            <a:solidFill>
+              <a:schemeClr val="tx1"/>
+            </a:solidFill>
+          </a:ln>
+        </p:spPr>
+        <p:style>
+          <a:lnRef idx="1">
+            <a:schemeClr val="accent1"/>
+          </a:lnRef>
+          <a:fillRef idx="0">
+            <a:schemeClr val="accent1"/>
+          </a:fillRef>
+          <a:effectRef idx="0">
+            <a:schemeClr val="accent1"/>
+          </a:effectRef>
+          <a:fontRef idx="minor">
+            <a:schemeClr val="tx1"/>
+          </a:fontRef>
+        </p:style>
+      </p:cxnSp>
+      <p:cxnSp>
+        <p:nvCxnSpPr>
+          <p:cNvPr id="28" name="Connettore diritto 27">
+            <a:extLst>
+              <a:ext uri="{FF2B5EF4-FFF2-40B4-BE49-F238E27FC236}">
+                <a16:creationId xmlns:a16="http://schemas.microsoft.com/office/drawing/2014/main" id="{4BDCE460-D0EC-499B-875D-1FBC2CCDEA1A}"/>
+              </a:ext>
+            </a:extLst>
+          </p:cNvPr>
+          <p:cNvCxnSpPr/>
+          <p:nvPr/>
+        </p:nvCxnSpPr>
+        <p:spPr>
+          <a:xfrm flipH="1">
+            <a:off x="3240000" y="2880000"/>
+            <a:ext cx="720000" cy="720000"/>
+          </a:xfrm>
+          <a:prstGeom prst="line">
+            <a:avLst/>
+          </a:prstGeom>
+          <a:ln>
+            <a:solidFill>
+              <a:schemeClr val="tx1"/>
+            </a:solidFill>
+          </a:ln>
+        </p:spPr>
+        <p:style>
+          <a:lnRef idx="1">
+            <a:schemeClr val="accent1"/>
+          </a:lnRef>
+          <a:fillRef idx="0">
+            <a:schemeClr val="accent1"/>
+          </a:fillRef>
+          <a:effectRef idx="0">
+            <a:schemeClr val="accent1"/>
+          </a:effectRef>
+          <a:fontRef idx="minor">
+            <a:schemeClr val="tx1"/>
+          </a:fontRef>
+        </p:style>
+      </p:cxnSp>
+      <p:cxnSp>
+        <p:nvCxnSpPr>
+          <p:cNvPr id="31" name="Connettore diritto 30">
+            <a:extLst>
+              <a:ext uri="{FF2B5EF4-FFF2-40B4-BE49-F238E27FC236}">
+                <a16:creationId xmlns:a16="http://schemas.microsoft.com/office/drawing/2014/main" id="{62CABCD2-799D-4787-B5D9-8B38C9F96B5F}"/>
+              </a:ext>
+            </a:extLst>
+          </p:cNvPr>
+          <p:cNvCxnSpPr/>
+          <p:nvPr/>
+        </p:nvCxnSpPr>
+        <p:spPr>
+          <a:xfrm flipH="1">
+            <a:off x="3600000" y="2880000"/>
+            <a:ext cx="720000" cy="720000"/>
+          </a:xfrm>
+          <a:prstGeom prst="line">
+            <a:avLst/>
+          </a:prstGeom>
+          <a:ln>
+            <a:solidFill>
+              <a:schemeClr val="tx1"/>
+            </a:solidFill>
+          </a:ln>
+        </p:spPr>
+        <p:style>
+          <a:lnRef idx="1">
+            <a:schemeClr val="accent1"/>
+          </a:lnRef>
+          <a:fillRef idx="0">
+            <a:schemeClr val="accent1"/>
+          </a:fillRef>
+          <a:effectRef idx="0">
+            <a:schemeClr val="accent1"/>
+          </a:effectRef>
+          <a:fontRef idx="minor">
+            <a:schemeClr val="tx1"/>
+          </a:fontRef>
+        </p:style>
+      </p:cxnSp>
+    </p:spTree>
+    <p:extLst>
+      <p:ext uri="{BB962C8B-B14F-4D97-AF65-F5344CB8AC3E}">
+        <p14:creationId xmlns:p14="http://schemas.microsoft.com/office/powerpoint/2010/main" val="893338493"/>
       </p:ext>
     </p:extLst>
   </p:cSld>
@@ -27187,8 +30196,8 @@
             </a:p>
           </p:txBody>
         </p:sp>
-        <mc:AlternateContent xmlns:mc="http://schemas.openxmlformats.org/markup-compatibility/2006">
-          <mc:Choice xmlns:a14="http://schemas.microsoft.com/office/drawing/2010/main" Requires="a14">
+        <mc:AlternateContent xmlns:mc="http://schemas.openxmlformats.org/markup-compatibility/2006" xmlns:a14="http://schemas.microsoft.com/office/drawing/2010/main">
+          <mc:Choice Requires="a14">
             <p:sp>
               <p:nvSpPr>
                 <p:cNvPr id="61" name="CasellaDiTesto 60">
@@ -27260,7 +30269,7 @@
               </p:txBody>
             </p:sp>
           </mc:Choice>
-          <mc:Fallback>
+          <mc:Fallback xmlns="">
             <p:sp>
               <p:nvSpPr>
                 <p:cNvPr id="61" name="CasellaDiTesto 60">
@@ -27305,8 +30314,8 @@
             </p:sp>
           </mc:Fallback>
         </mc:AlternateContent>
-        <mc:AlternateContent xmlns:mc="http://schemas.openxmlformats.org/markup-compatibility/2006">
-          <mc:Choice xmlns:a14="http://schemas.microsoft.com/office/drawing/2010/main" Requires="a14">
+        <mc:AlternateContent xmlns:mc="http://schemas.openxmlformats.org/markup-compatibility/2006" xmlns:a14="http://schemas.microsoft.com/office/drawing/2010/main">
+          <mc:Choice Requires="a14">
             <p:sp>
               <p:nvSpPr>
                 <p:cNvPr id="62" name="CasellaDiTesto 61">
@@ -27378,7 +30387,7 @@
               </p:txBody>
             </p:sp>
           </mc:Choice>
-          <mc:Fallback>
+          <mc:Fallback xmlns="">
             <p:sp>
               <p:nvSpPr>
                 <p:cNvPr id="62" name="CasellaDiTesto 61">
@@ -27423,8 +30432,8 @@
             </p:sp>
           </mc:Fallback>
         </mc:AlternateContent>
-        <mc:AlternateContent xmlns:mc="http://schemas.openxmlformats.org/markup-compatibility/2006">
-          <mc:Choice xmlns:a14="http://schemas.microsoft.com/office/drawing/2010/main" Requires="a14">
+        <mc:AlternateContent xmlns:mc="http://schemas.openxmlformats.org/markup-compatibility/2006" xmlns:a14="http://schemas.microsoft.com/office/drawing/2010/main">
+          <mc:Choice Requires="a14">
             <p:sp>
               <p:nvSpPr>
                 <p:cNvPr id="63" name="CasellaDiTesto 62">
@@ -27496,7 +30505,7 @@
               </p:txBody>
             </p:sp>
           </mc:Choice>
-          <mc:Fallback>
+          <mc:Fallback xmlns="">
             <p:sp>
               <p:nvSpPr>
                 <p:cNvPr id="63" name="CasellaDiTesto 62">
@@ -27541,8 +30550,8 @@
             </p:sp>
           </mc:Fallback>
         </mc:AlternateContent>
-        <mc:AlternateContent xmlns:mc="http://schemas.openxmlformats.org/markup-compatibility/2006">
-          <mc:Choice xmlns:a14="http://schemas.microsoft.com/office/drawing/2010/main" Requires="a14">
+        <mc:AlternateContent xmlns:mc="http://schemas.openxmlformats.org/markup-compatibility/2006" xmlns:a14="http://schemas.microsoft.com/office/drawing/2010/main">
+          <mc:Choice Requires="a14">
             <p:sp>
               <p:nvSpPr>
                 <p:cNvPr id="64" name="CasellaDiTesto 63">
@@ -27614,7 +30623,7 @@
               </p:txBody>
             </p:sp>
           </mc:Choice>
-          <mc:Fallback>
+          <mc:Fallback xmlns="">
             <p:sp>
               <p:nvSpPr>
                 <p:cNvPr id="64" name="CasellaDiTesto 63">

--- a/img/celle.pptx
+++ b/img/celle.pptx
@@ -216,7 +216,7 @@
           <a:p>
             <a:fld id="{76BCBF0C-CE44-499E-BCEB-7948FB131314}" type="datetimeFigureOut">
               <a:rPr lang="it-IT" smtClean="0"/>
-              <a:t>14/02/2019</a:t>
+              <a:t>15/02/2019</a:t>
             </a:fld>
             <a:endParaRPr lang="it-IT"/>
           </a:p>
@@ -630,7 +630,7 @@
           <a:p>
             <a:fld id="{73B341DB-7226-48ED-93C6-4CA0570B6B59}" type="datetimeFigureOut">
               <a:rPr lang="it-IT" smtClean="0"/>
-              <a:t>14/02/2019</a:t>
+              <a:t>15/02/2019</a:t>
             </a:fld>
             <a:endParaRPr lang="it-IT"/>
           </a:p>
@@ -828,7 +828,7 @@
           <a:p>
             <a:fld id="{73B341DB-7226-48ED-93C6-4CA0570B6B59}" type="datetimeFigureOut">
               <a:rPr lang="it-IT" smtClean="0"/>
-              <a:t>14/02/2019</a:t>
+              <a:t>15/02/2019</a:t>
             </a:fld>
             <a:endParaRPr lang="it-IT"/>
           </a:p>
@@ -1036,7 +1036,7 @@
           <a:p>
             <a:fld id="{73B341DB-7226-48ED-93C6-4CA0570B6B59}" type="datetimeFigureOut">
               <a:rPr lang="it-IT" smtClean="0"/>
-              <a:t>14/02/2019</a:t>
+              <a:t>15/02/2019</a:t>
             </a:fld>
             <a:endParaRPr lang="it-IT"/>
           </a:p>
@@ -1256,7 +1256,7 @@
           <a:p>
             <a:fld id="{6A95F648-2F94-41D1-A59D-39CB3696F9AB}" type="datetimeFigureOut">
               <a:rPr lang="it-IT" smtClean="0"/>
-              <a:t>14/02/2019</a:t>
+              <a:t>15/02/2019</a:t>
             </a:fld>
             <a:endParaRPr lang="it-IT"/>
           </a:p>
@@ -1454,7 +1454,7 @@
           <a:p>
             <a:fld id="{6A95F648-2F94-41D1-A59D-39CB3696F9AB}" type="datetimeFigureOut">
               <a:rPr lang="it-IT" smtClean="0"/>
-              <a:t>14/02/2019</a:t>
+              <a:t>15/02/2019</a:t>
             </a:fld>
             <a:endParaRPr lang="it-IT"/>
           </a:p>
@@ -1729,7 +1729,7 @@
           <a:p>
             <a:fld id="{6A95F648-2F94-41D1-A59D-39CB3696F9AB}" type="datetimeFigureOut">
               <a:rPr lang="it-IT" smtClean="0"/>
-              <a:t>14/02/2019</a:t>
+              <a:t>15/02/2019</a:t>
             </a:fld>
             <a:endParaRPr lang="it-IT"/>
           </a:p>
@@ -1994,7 +1994,7 @@
           <a:p>
             <a:fld id="{6A95F648-2F94-41D1-A59D-39CB3696F9AB}" type="datetimeFigureOut">
               <a:rPr lang="it-IT" smtClean="0"/>
-              <a:t>14/02/2019</a:t>
+              <a:t>15/02/2019</a:t>
             </a:fld>
             <a:endParaRPr lang="it-IT"/>
           </a:p>
@@ -2406,7 +2406,7 @@
           <a:p>
             <a:fld id="{6A95F648-2F94-41D1-A59D-39CB3696F9AB}" type="datetimeFigureOut">
               <a:rPr lang="it-IT" smtClean="0"/>
-              <a:t>14/02/2019</a:t>
+              <a:t>15/02/2019</a:t>
             </a:fld>
             <a:endParaRPr lang="it-IT"/>
           </a:p>
@@ -2547,7 +2547,7 @@
           <a:p>
             <a:fld id="{6A95F648-2F94-41D1-A59D-39CB3696F9AB}" type="datetimeFigureOut">
               <a:rPr lang="it-IT" smtClean="0"/>
-              <a:t>14/02/2019</a:t>
+              <a:t>15/02/2019</a:t>
             </a:fld>
             <a:endParaRPr lang="it-IT"/>
           </a:p>
@@ -2660,7 +2660,7 @@
           <a:p>
             <a:fld id="{6A95F648-2F94-41D1-A59D-39CB3696F9AB}" type="datetimeFigureOut">
               <a:rPr lang="it-IT" smtClean="0"/>
-              <a:t>14/02/2019</a:t>
+              <a:t>15/02/2019</a:t>
             </a:fld>
             <a:endParaRPr lang="it-IT"/>
           </a:p>
@@ -2971,7 +2971,7 @@
           <a:p>
             <a:fld id="{6A95F648-2F94-41D1-A59D-39CB3696F9AB}" type="datetimeFigureOut">
               <a:rPr lang="it-IT" smtClean="0"/>
-              <a:t>14/02/2019</a:t>
+              <a:t>15/02/2019</a:t>
             </a:fld>
             <a:endParaRPr lang="it-IT"/>
           </a:p>
@@ -3169,7 +3169,7 @@
           <a:p>
             <a:fld id="{73B341DB-7226-48ED-93C6-4CA0570B6B59}" type="datetimeFigureOut">
               <a:rPr lang="it-IT" smtClean="0"/>
-              <a:t>14/02/2019</a:t>
+              <a:t>15/02/2019</a:t>
             </a:fld>
             <a:endParaRPr lang="it-IT"/>
           </a:p>
@@ -3457,7 +3457,7 @@
           <a:p>
             <a:fld id="{6A95F648-2F94-41D1-A59D-39CB3696F9AB}" type="datetimeFigureOut">
               <a:rPr lang="it-IT" smtClean="0"/>
-              <a:t>14/02/2019</a:t>
+              <a:t>15/02/2019</a:t>
             </a:fld>
             <a:endParaRPr lang="it-IT"/>
           </a:p>
@@ -3655,7 +3655,7 @@
           <a:p>
             <a:fld id="{6A95F648-2F94-41D1-A59D-39CB3696F9AB}" type="datetimeFigureOut">
               <a:rPr lang="it-IT" smtClean="0"/>
-              <a:t>14/02/2019</a:t>
+              <a:t>15/02/2019</a:t>
             </a:fld>
             <a:endParaRPr lang="it-IT"/>
           </a:p>
@@ -3863,7 +3863,7 @@
           <a:p>
             <a:fld id="{6A95F648-2F94-41D1-A59D-39CB3696F9AB}" type="datetimeFigureOut">
               <a:rPr lang="it-IT" smtClean="0"/>
-              <a:t>14/02/2019</a:t>
+              <a:t>15/02/2019</a:t>
             </a:fld>
             <a:endParaRPr lang="it-IT"/>
           </a:p>
@@ -4138,7 +4138,7 @@
           <a:p>
             <a:fld id="{73B341DB-7226-48ED-93C6-4CA0570B6B59}" type="datetimeFigureOut">
               <a:rPr lang="it-IT" smtClean="0"/>
-              <a:t>14/02/2019</a:t>
+              <a:t>15/02/2019</a:t>
             </a:fld>
             <a:endParaRPr lang="it-IT"/>
           </a:p>
@@ -4403,7 +4403,7 @@
           <a:p>
             <a:fld id="{73B341DB-7226-48ED-93C6-4CA0570B6B59}" type="datetimeFigureOut">
               <a:rPr lang="it-IT" smtClean="0"/>
-              <a:t>14/02/2019</a:t>
+              <a:t>15/02/2019</a:t>
             </a:fld>
             <a:endParaRPr lang="it-IT"/>
           </a:p>
@@ -4815,7 +4815,7 @@
           <a:p>
             <a:fld id="{73B341DB-7226-48ED-93C6-4CA0570B6B59}" type="datetimeFigureOut">
               <a:rPr lang="it-IT" smtClean="0"/>
-              <a:t>14/02/2019</a:t>
+              <a:t>15/02/2019</a:t>
             </a:fld>
             <a:endParaRPr lang="it-IT"/>
           </a:p>
@@ -4956,7 +4956,7 @@
           <a:p>
             <a:fld id="{73B341DB-7226-48ED-93C6-4CA0570B6B59}" type="datetimeFigureOut">
               <a:rPr lang="it-IT" smtClean="0"/>
-              <a:t>14/02/2019</a:t>
+              <a:t>15/02/2019</a:t>
             </a:fld>
             <a:endParaRPr lang="it-IT"/>
           </a:p>
@@ -5069,7 +5069,7 @@
           <a:p>
             <a:fld id="{73B341DB-7226-48ED-93C6-4CA0570B6B59}" type="datetimeFigureOut">
               <a:rPr lang="it-IT" smtClean="0"/>
-              <a:t>14/02/2019</a:t>
+              <a:t>15/02/2019</a:t>
             </a:fld>
             <a:endParaRPr lang="it-IT"/>
           </a:p>
@@ -5380,7 +5380,7 @@
           <a:p>
             <a:fld id="{73B341DB-7226-48ED-93C6-4CA0570B6B59}" type="datetimeFigureOut">
               <a:rPr lang="it-IT" smtClean="0"/>
-              <a:t>14/02/2019</a:t>
+              <a:t>15/02/2019</a:t>
             </a:fld>
             <a:endParaRPr lang="it-IT"/>
           </a:p>
@@ -5668,7 +5668,7 @@
           <a:p>
             <a:fld id="{73B341DB-7226-48ED-93C6-4CA0570B6B59}" type="datetimeFigureOut">
               <a:rPr lang="it-IT" smtClean="0"/>
-              <a:t>14/02/2019</a:t>
+              <a:t>15/02/2019</a:t>
             </a:fld>
             <a:endParaRPr lang="it-IT"/>
           </a:p>
@@ -5909,7 +5909,7 @@
           <a:p>
             <a:fld id="{73B341DB-7226-48ED-93C6-4CA0570B6B59}" type="datetimeFigureOut">
               <a:rPr lang="it-IT" smtClean="0"/>
-              <a:t>14/02/2019</a:t>
+              <a:t>15/02/2019</a:t>
             </a:fld>
             <a:endParaRPr lang="it-IT"/>
           </a:p>
@@ -6477,7 +6477,7 @@
           <a:p>
             <a:fld id="{6A95F648-2F94-41D1-A59D-39CB3696F9AB}" type="datetimeFigureOut">
               <a:rPr lang="it-IT" smtClean="0"/>
-              <a:t>14/02/2019</a:t>
+              <a:t>15/02/2019</a:t>
             </a:fld>
             <a:endParaRPr lang="it-IT"/>
           </a:p>
@@ -25485,86 +25485,6 @@
       </p:sp>
       <p:cxnSp>
         <p:nvCxnSpPr>
-          <p:cNvPr id="4" name="Connettore 2 3">
-            <a:extLst>
-              <a:ext uri="{FF2B5EF4-FFF2-40B4-BE49-F238E27FC236}">
-                <a16:creationId xmlns:a16="http://schemas.microsoft.com/office/drawing/2014/main" id="{C760E5D2-37B6-435D-9469-7641F049A8D0}"/>
-              </a:ext>
-            </a:extLst>
-          </p:cNvPr>
-          <p:cNvCxnSpPr/>
-          <p:nvPr/>
-        </p:nvCxnSpPr>
-        <p:spPr>
-          <a:xfrm>
-            <a:off x="1800000" y="1980000"/>
-            <a:ext cx="1980000" cy="0"/>
-          </a:xfrm>
-          <a:prstGeom prst="straightConnector1">
-            <a:avLst/>
-          </a:prstGeom>
-          <a:ln w="12700">
-            <a:headEnd type="triangle"/>
-            <a:tailEnd type="triangle"/>
-          </a:ln>
-        </p:spPr>
-        <p:style>
-          <a:lnRef idx="1">
-            <a:schemeClr val="dk1"/>
-          </a:lnRef>
-          <a:fillRef idx="0">
-            <a:schemeClr val="dk1"/>
-          </a:fillRef>
-          <a:effectRef idx="0">
-            <a:schemeClr val="dk1"/>
-          </a:effectRef>
-          <a:fontRef idx="minor">
-            <a:schemeClr val="tx1"/>
-          </a:fontRef>
-        </p:style>
-      </p:cxnSp>
-      <p:cxnSp>
-        <p:nvCxnSpPr>
-          <p:cNvPr id="29" name="Connettore 2 28">
-            <a:extLst>
-              <a:ext uri="{FF2B5EF4-FFF2-40B4-BE49-F238E27FC236}">
-                <a16:creationId xmlns:a16="http://schemas.microsoft.com/office/drawing/2014/main" id="{659CAEBD-4950-4E4A-9E4F-7B557642D29F}"/>
-              </a:ext>
-            </a:extLst>
-          </p:cNvPr>
-          <p:cNvCxnSpPr/>
-          <p:nvPr/>
-        </p:nvCxnSpPr>
-        <p:spPr>
-          <a:xfrm>
-            <a:off x="3780000" y="1980000"/>
-            <a:ext cx="1620000" cy="0"/>
-          </a:xfrm>
-          <a:prstGeom prst="straightConnector1">
-            <a:avLst/>
-          </a:prstGeom>
-          <a:ln w="12700">
-            <a:headEnd type="triangle"/>
-            <a:tailEnd type="triangle"/>
-          </a:ln>
-        </p:spPr>
-        <p:style>
-          <a:lnRef idx="1">
-            <a:schemeClr val="dk1"/>
-          </a:lnRef>
-          <a:fillRef idx="0">
-            <a:schemeClr val="dk1"/>
-          </a:fillRef>
-          <a:effectRef idx="0">
-            <a:schemeClr val="dk1"/>
-          </a:effectRef>
-          <a:fontRef idx="minor">
-            <a:schemeClr val="tx1"/>
-          </a:fontRef>
-        </p:style>
-      </p:cxnSp>
-      <p:cxnSp>
-        <p:nvCxnSpPr>
           <p:cNvPr id="23" name="Connettore diritto 22">
             <a:extLst>
               <a:ext uri="{FF2B5EF4-FFF2-40B4-BE49-F238E27FC236}">
@@ -25967,46 +25887,6 @@
           </a:prstGeom>
           <a:ln w="12700" cap="sq">
             <a:prstDash val="dash"/>
-          </a:ln>
-        </p:spPr>
-        <p:style>
-          <a:lnRef idx="1">
-            <a:schemeClr val="dk1"/>
-          </a:lnRef>
-          <a:fillRef idx="0">
-            <a:schemeClr val="dk1"/>
-          </a:fillRef>
-          <a:effectRef idx="0">
-            <a:schemeClr val="dk1"/>
-          </a:effectRef>
-          <a:fontRef idx="minor">
-            <a:schemeClr val="tx1"/>
-          </a:fontRef>
-        </p:style>
-      </p:cxnSp>
-      <p:cxnSp>
-        <p:nvCxnSpPr>
-          <p:cNvPr id="41" name="Connettore 2 40">
-            <a:extLst>
-              <a:ext uri="{FF2B5EF4-FFF2-40B4-BE49-F238E27FC236}">
-                <a16:creationId xmlns:a16="http://schemas.microsoft.com/office/drawing/2014/main" id="{5C00A0A3-F853-4F29-ADAA-159B0E1822DE}"/>
-              </a:ext>
-            </a:extLst>
-          </p:cNvPr>
-          <p:cNvCxnSpPr/>
-          <p:nvPr/>
-        </p:nvCxnSpPr>
-        <p:spPr>
-          <a:xfrm>
-            <a:off x="5400000" y="1980000"/>
-            <a:ext cx="1440000" cy="0"/>
-          </a:xfrm>
-          <a:prstGeom prst="straightConnector1">
-            <a:avLst/>
-          </a:prstGeom>
-          <a:ln w="12700">
-            <a:headEnd type="triangle"/>
-            <a:tailEnd type="triangle"/>
           </a:ln>
         </p:spPr>
         <p:style>
@@ -26417,6 +26297,126 @@
           </p:sp>
         </mc:Fallback>
       </mc:AlternateContent>
+      <p:cxnSp>
+        <p:nvCxnSpPr>
+          <p:cNvPr id="41" name="Connettore 2 40">
+            <a:extLst>
+              <a:ext uri="{FF2B5EF4-FFF2-40B4-BE49-F238E27FC236}">
+                <a16:creationId xmlns:a16="http://schemas.microsoft.com/office/drawing/2014/main" id="{5C00A0A3-F853-4F29-ADAA-159B0E1822DE}"/>
+              </a:ext>
+            </a:extLst>
+          </p:cNvPr>
+          <p:cNvCxnSpPr/>
+          <p:nvPr/>
+        </p:nvCxnSpPr>
+        <p:spPr>
+          <a:xfrm>
+            <a:off x="5400000" y="1980000"/>
+            <a:ext cx="1440000" cy="0"/>
+          </a:xfrm>
+          <a:prstGeom prst="straightConnector1">
+            <a:avLst/>
+          </a:prstGeom>
+          <a:ln w="12700">
+            <a:headEnd type="triangle"/>
+            <a:tailEnd type="triangle"/>
+          </a:ln>
+        </p:spPr>
+        <p:style>
+          <a:lnRef idx="1">
+            <a:schemeClr val="dk1"/>
+          </a:lnRef>
+          <a:fillRef idx="0">
+            <a:schemeClr val="dk1"/>
+          </a:fillRef>
+          <a:effectRef idx="0">
+            <a:schemeClr val="dk1"/>
+          </a:effectRef>
+          <a:fontRef idx="minor">
+            <a:schemeClr val="tx1"/>
+          </a:fontRef>
+        </p:style>
+      </p:cxnSp>
+      <p:cxnSp>
+        <p:nvCxnSpPr>
+          <p:cNvPr id="29" name="Connettore 2 28">
+            <a:extLst>
+              <a:ext uri="{FF2B5EF4-FFF2-40B4-BE49-F238E27FC236}">
+                <a16:creationId xmlns:a16="http://schemas.microsoft.com/office/drawing/2014/main" id="{659CAEBD-4950-4E4A-9E4F-7B557642D29F}"/>
+              </a:ext>
+            </a:extLst>
+          </p:cNvPr>
+          <p:cNvCxnSpPr/>
+          <p:nvPr/>
+        </p:nvCxnSpPr>
+        <p:spPr>
+          <a:xfrm>
+            <a:off x="3780000" y="1980000"/>
+            <a:ext cx="1620000" cy="0"/>
+          </a:xfrm>
+          <a:prstGeom prst="straightConnector1">
+            <a:avLst/>
+          </a:prstGeom>
+          <a:ln w="12700">
+            <a:headEnd type="triangle"/>
+            <a:tailEnd type="triangle"/>
+          </a:ln>
+        </p:spPr>
+        <p:style>
+          <a:lnRef idx="1">
+            <a:schemeClr val="dk1"/>
+          </a:lnRef>
+          <a:fillRef idx="0">
+            <a:schemeClr val="dk1"/>
+          </a:fillRef>
+          <a:effectRef idx="0">
+            <a:schemeClr val="dk1"/>
+          </a:effectRef>
+          <a:fontRef idx="minor">
+            <a:schemeClr val="tx1"/>
+          </a:fontRef>
+        </p:style>
+      </p:cxnSp>
+      <p:cxnSp>
+        <p:nvCxnSpPr>
+          <p:cNvPr id="4" name="Connettore 2 3">
+            <a:extLst>
+              <a:ext uri="{FF2B5EF4-FFF2-40B4-BE49-F238E27FC236}">
+                <a16:creationId xmlns:a16="http://schemas.microsoft.com/office/drawing/2014/main" id="{C760E5D2-37B6-435D-9469-7641F049A8D0}"/>
+              </a:ext>
+            </a:extLst>
+          </p:cNvPr>
+          <p:cNvCxnSpPr/>
+          <p:nvPr/>
+        </p:nvCxnSpPr>
+        <p:spPr>
+          <a:xfrm>
+            <a:off x="1800000" y="1980000"/>
+            <a:ext cx="1980000" cy="0"/>
+          </a:xfrm>
+          <a:prstGeom prst="straightConnector1">
+            <a:avLst/>
+          </a:prstGeom>
+          <a:ln w="12700">
+            <a:headEnd type="triangle"/>
+            <a:tailEnd type="triangle"/>
+          </a:ln>
+        </p:spPr>
+        <p:style>
+          <a:lnRef idx="1">
+            <a:schemeClr val="dk1"/>
+          </a:lnRef>
+          <a:fillRef idx="0">
+            <a:schemeClr val="dk1"/>
+          </a:fillRef>
+          <a:effectRef idx="0">
+            <a:schemeClr val="dk1"/>
+          </a:effectRef>
+          <a:fontRef idx="minor">
+            <a:schemeClr val="tx1"/>
+          </a:fontRef>
+        </p:style>
+      </p:cxnSp>
     </p:spTree>
     <p:extLst>
       <p:ext uri="{BB962C8B-B14F-4D97-AF65-F5344CB8AC3E}">

--- a/img/celle.pptx
+++ b/img/celle.pptx
@@ -6,7 +6,7 @@
     <p:sldMasterId id="2147483660" r:id="rId2"/>
   </p:sldMasterIdLst>
   <p:notesMasterIdLst>
-    <p:notesMasterId r:id="rId22"/>
+    <p:notesMasterId r:id="rId24"/>
   </p:notesMasterIdLst>
   <p:sldIdLst>
     <p:sldId id="256" r:id="rId3"/>
@@ -24,10 +24,12 @@
     <p:sldId id="270" r:id="rId15"/>
     <p:sldId id="271" r:id="rId16"/>
     <p:sldId id="267" r:id="rId17"/>
-    <p:sldId id="272" r:id="rId18"/>
-    <p:sldId id="275" r:id="rId19"/>
-    <p:sldId id="276" r:id="rId20"/>
-    <p:sldId id="274" r:id="rId21"/>
+    <p:sldId id="278" r:id="rId18"/>
+    <p:sldId id="277" r:id="rId19"/>
+    <p:sldId id="272" r:id="rId20"/>
+    <p:sldId id="275" r:id="rId21"/>
+    <p:sldId id="276" r:id="rId22"/>
+    <p:sldId id="274" r:id="rId23"/>
   </p:sldIdLst>
   <p:sldSz cx="12192000" cy="6858000"/>
   <p:notesSz cx="6858000" cy="9144000"/>
@@ -216,7 +218,7 @@
           <a:p>
             <a:fld id="{76BCBF0C-CE44-499E-BCEB-7948FB131314}" type="datetimeFigureOut">
               <a:rPr lang="it-IT" smtClean="0"/>
-              <a:t>15/02/2019</a:t>
+              <a:t>20/02/2019</a:t>
             </a:fld>
             <a:endParaRPr lang="it-IT"/>
           </a:p>
@@ -630,7 +632,7 @@
           <a:p>
             <a:fld id="{73B341DB-7226-48ED-93C6-4CA0570B6B59}" type="datetimeFigureOut">
               <a:rPr lang="it-IT" smtClean="0"/>
-              <a:t>15/02/2019</a:t>
+              <a:t>20/02/2019</a:t>
             </a:fld>
             <a:endParaRPr lang="it-IT"/>
           </a:p>
@@ -828,7 +830,7 @@
           <a:p>
             <a:fld id="{73B341DB-7226-48ED-93C6-4CA0570B6B59}" type="datetimeFigureOut">
               <a:rPr lang="it-IT" smtClean="0"/>
-              <a:t>15/02/2019</a:t>
+              <a:t>20/02/2019</a:t>
             </a:fld>
             <a:endParaRPr lang="it-IT"/>
           </a:p>
@@ -1036,7 +1038,7 @@
           <a:p>
             <a:fld id="{73B341DB-7226-48ED-93C6-4CA0570B6B59}" type="datetimeFigureOut">
               <a:rPr lang="it-IT" smtClean="0"/>
-              <a:t>15/02/2019</a:t>
+              <a:t>20/02/2019</a:t>
             </a:fld>
             <a:endParaRPr lang="it-IT"/>
           </a:p>
@@ -1256,7 +1258,7 @@
           <a:p>
             <a:fld id="{6A95F648-2F94-41D1-A59D-39CB3696F9AB}" type="datetimeFigureOut">
               <a:rPr lang="it-IT" smtClean="0"/>
-              <a:t>15/02/2019</a:t>
+              <a:t>20/02/2019</a:t>
             </a:fld>
             <a:endParaRPr lang="it-IT"/>
           </a:p>
@@ -1454,7 +1456,7 @@
           <a:p>
             <a:fld id="{6A95F648-2F94-41D1-A59D-39CB3696F9AB}" type="datetimeFigureOut">
               <a:rPr lang="it-IT" smtClean="0"/>
-              <a:t>15/02/2019</a:t>
+              <a:t>20/02/2019</a:t>
             </a:fld>
             <a:endParaRPr lang="it-IT"/>
           </a:p>
@@ -1729,7 +1731,7 @@
           <a:p>
             <a:fld id="{6A95F648-2F94-41D1-A59D-39CB3696F9AB}" type="datetimeFigureOut">
               <a:rPr lang="it-IT" smtClean="0"/>
-              <a:t>15/02/2019</a:t>
+              <a:t>20/02/2019</a:t>
             </a:fld>
             <a:endParaRPr lang="it-IT"/>
           </a:p>
@@ -1994,7 +1996,7 @@
           <a:p>
             <a:fld id="{6A95F648-2F94-41D1-A59D-39CB3696F9AB}" type="datetimeFigureOut">
               <a:rPr lang="it-IT" smtClean="0"/>
-              <a:t>15/02/2019</a:t>
+              <a:t>20/02/2019</a:t>
             </a:fld>
             <a:endParaRPr lang="it-IT"/>
           </a:p>
@@ -2406,7 +2408,7 @@
           <a:p>
             <a:fld id="{6A95F648-2F94-41D1-A59D-39CB3696F9AB}" type="datetimeFigureOut">
               <a:rPr lang="it-IT" smtClean="0"/>
-              <a:t>15/02/2019</a:t>
+              <a:t>20/02/2019</a:t>
             </a:fld>
             <a:endParaRPr lang="it-IT"/>
           </a:p>
@@ -2547,7 +2549,7 @@
           <a:p>
             <a:fld id="{6A95F648-2F94-41D1-A59D-39CB3696F9AB}" type="datetimeFigureOut">
               <a:rPr lang="it-IT" smtClean="0"/>
-              <a:t>15/02/2019</a:t>
+              <a:t>20/02/2019</a:t>
             </a:fld>
             <a:endParaRPr lang="it-IT"/>
           </a:p>
@@ -2660,7 +2662,7 @@
           <a:p>
             <a:fld id="{6A95F648-2F94-41D1-A59D-39CB3696F9AB}" type="datetimeFigureOut">
               <a:rPr lang="it-IT" smtClean="0"/>
-              <a:t>15/02/2019</a:t>
+              <a:t>20/02/2019</a:t>
             </a:fld>
             <a:endParaRPr lang="it-IT"/>
           </a:p>
@@ -2971,7 +2973,7 @@
           <a:p>
             <a:fld id="{6A95F648-2F94-41D1-A59D-39CB3696F9AB}" type="datetimeFigureOut">
               <a:rPr lang="it-IT" smtClean="0"/>
-              <a:t>15/02/2019</a:t>
+              <a:t>20/02/2019</a:t>
             </a:fld>
             <a:endParaRPr lang="it-IT"/>
           </a:p>
@@ -3169,7 +3171,7 @@
           <a:p>
             <a:fld id="{73B341DB-7226-48ED-93C6-4CA0570B6B59}" type="datetimeFigureOut">
               <a:rPr lang="it-IT" smtClean="0"/>
-              <a:t>15/02/2019</a:t>
+              <a:t>20/02/2019</a:t>
             </a:fld>
             <a:endParaRPr lang="it-IT"/>
           </a:p>
@@ -3457,7 +3459,7 @@
           <a:p>
             <a:fld id="{6A95F648-2F94-41D1-A59D-39CB3696F9AB}" type="datetimeFigureOut">
               <a:rPr lang="it-IT" smtClean="0"/>
-              <a:t>15/02/2019</a:t>
+              <a:t>20/02/2019</a:t>
             </a:fld>
             <a:endParaRPr lang="it-IT"/>
           </a:p>
@@ -3655,7 +3657,7 @@
           <a:p>
             <a:fld id="{6A95F648-2F94-41D1-A59D-39CB3696F9AB}" type="datetimeFigureOut">
               <a:rPr lang="it-IT" smtClean="0"/>
-              <a:t>15/02/2019</a:t>
+              <a:t>20/02/2019</a:t>
             </a:fld>
             <a:endParaRPr lang="it-IT"/>
           </a:p>
@@ -3863,7 +3865,7 @@
           <a:p>
             <a:fld id="{6A95F648-2F94-41D1-A59D-39CB3696F9AB}" type="datetimeFigureOut">
               <a:rPr lang="it-IT" smtClean="0"/>
-              <a:t>15/02/2019</a:t>
+              <a:t>20/02/2019</a:t>
             </a:fld>
             <a:endParaRPr lang="it-IT"/>
           </a:p>
@@ -4138,7 +4140,7 @@
           <a:p>
             <a:fld id="{73B341DB-7226-48ED-93C6-4CA0570B6B59}" type="datetimeFigureOut">
               <a:rPr lang="it-IT" smtClean="0"/>
-              <a:t>15/02/2019</a:t>
+              <a:t>20/02/2019</a:t>
             </a:fld>
             <a:endParaRPr lang="it-IT"/>
           </a:p>
@@ -4403,7 +4405,7 @@
           <a:p>
             <a:fld id="{73B341DB-7226-48ED-93C6-4CA0570B6B59}" type="datetimeFigureOut">
               <a:rPr lang="it-IT" smtClean="0"/>
-              <a:t>15/02/2019</a:t>
+              <a:t>20/02/2019</a:t>
             </a:fld>
             <a:endParaRPr lang="it-IT"/>
           </a:p>
@@ -4815,7 +4817,7 @@
           <a:p>
             <a:fld id="{73B341DB-7226-48ED-93C6-4CA0570B6B59}" type="datetimeFigureOut">
               <a:rPr lang="it-IT" smtClean="0"/>
-              <a:t>15/02/2019</a:t>
+              <a:t>20/02/2019</a:t>
             </a:fld>
             <a:endParaRPr lang="it-IT"/>
           </a:p>
@@ -4956,7 +4958,7 @@
           <a:p>
             <a:fld id="{73B341DB-7226-48ED-93C6-4CA0570B6B59}" type="datetimeFigureOut">
               <a:rPr lang="it-IT" smtClean="0"/>
-              <a:t>15/02/2019</a:t>
+              <a:t>20/02/2019</a:t>
             </a:fld>
             <a:endParaRPr lang="it-IT"/>
           </a:p>
@@ -5069,7 +5071,7 @@
           <a:p>
             <a:fld id="{73B341DB-7226-48ED-93C6-4CA0570B6B59}" type="datetimeFigureOut">
               <a:rPr lang="it-IT" smtClean="0"/>
-              <a:t>15/02/2019</a:t>
+              <a:t>20/02/2019</a:t>
             </a:fld>
             <a:endParaRPr lang="it-IT"/>
           </a:p>
@@ -5380,7 +5382,7 @@
           <a:p>
             <a:fld id="{73B341DB-7226-48ED-93C6-4CA0570B6B59}" type="datetimeFigureOut">
               <a:rPr lang="it-IT" smtClean="0"/>
-              <a:t>15/02/2019</a:t>
+              <a:t>20/02/2019</a:t>
             </a:fld>
             <a:endParaRPr lang="it-IT"/>
           </a:p>
@@ -5668,7 +5670,7 @@
           <a:p>
             <a:fld id="{73B341DB-7226-48ED-93C6-4CA0570B6B59}" type="datetimeFigureOut">
               <a:rPr lang="it-IT" smtClean="0"/>
-              <a:t>15/02/2019</a:t>
+              <a:t>20/02/2019</a:t>
             </a:fld>
             <a:endParaRPr lang="it-IT"/>
           </a:p>
@@ -5909,7 +5911,7 @@
           <a:p>
             <a:fld id="{73B341DB-7226-48ED-93C6-4CA0570B6B59}" type="datetimeFigureOut">
               <a:rPr lang="it-IT" smtClean="0"/>
-              <a:t>15/02/2019</a:t>
+              <a:t>20/02/2019</a:t>
             </a:fld>
             <a:endParaRPr lang="it-IT"/>
           </a:p>
@@ -6477,7 +6479,7 @@
           <a:p>
             <a:fld id="{6A95F648-2F94-41D1-A59D-39CB3696F9AB}" type="datetimeFigureOut">
               <a:rPr lang="it-IT" smtClean="0"/>
-              <a:t>15/02/2019</a:t>
+              <a:t>20/02/2019</a:t>
             </a:fld>
             <a:endParaRPr lang="it-IT"/>
           </a:p>
@@ -20259,6 +20261,2547 @@
           <a:chExt cx="0" cy="0"/>
         </a:xfrm>
       </p:grpSpPr>
+      <p:cxnSp>
+        <p:nvCxnSpPr>
+          <p:cNvPr id="5" name="Connettore diritto 4">
+            <a:extLst>
+              <a:ext uri="{FF2B5EF4-FFF2-40B4-BE49-F238E27FC236}">
+                <a16:creationId xmlns:a16="http://schemas.microsoft.com/office/drawing/2014/main" id="{ECCB5C39-7435-478B-848F-75247ED67D84}"/>
+              </a:ext>
+            </a:extLst>
+          </p:cNvPr>
+          <p:cNvCxnSpPr/>
+          <p:nvPr/>
+        </p:nvCxnSpPr>
+        <p:spPr>
+          <a:xfrm>
+            <a:off x="1080000" y="1080000"/>
+            <a:ext cx="5040000" cy="0"/>
+          </a:xfrm>
+          <a:prstGeom prst="line">
+            <a:avLst/>
+          </a:prstGeom>
+          <a:ln w="12700" cap="sq"/>
+        </p:spPr>
+        <p:style>
+          <a:lnRef idx="1">
+            <a:schemeClr val="dk1"/>
+          </a:lnRef>
+          <a:fillRef idx="0">
+            <a:schemeClr val="dk1"/>
+          </a:fillRef>
+          <a:effectRef idx="0">
+            <a:schemeClr val="dk1"/>
+          </a:effectRef>
+          <a:fontRef idx="minor">
+            <a:schemeClr val="tx1"/>
+          </a:fontRef>
+        </p:style>
+      </p:cxnSp>
+      <p:cxnSp>
+        <p:nvCxnSpPr>
+          <p:cNvPr id="6" name="Connettore diritto 5">
+            <a:extLst>
+              <a:ext uri="{FF2B5EF4-FFF2-40B4-BE49-F238E27FC236}">
+                <a16:creationId xmlns:a16="http://schemas.microsoft.com/office/drawing/2014/main" id="{E5610C7F-C982-4B4D-BACC-FD5024ED2B62}"/>
+              </a:ext>
+            </a:extLst>
+          </p:cNvPr>
+          <p:cNvCxnSpPr/>
+          <p:nvPr/>
+        </p:nvCxnSpPr>
+        <p:spPr>
+          <a:xfrm>
+            <a:off x="1080000" y="2520000"/>
+            <a:ext cx="5040000" cy="0"/>
+          </a:xfrm>
+          <a:prstGeom prst="line">
+            <a:avLst/>
+          </a:prstGeom>
+          <a:ln w="12700" cap="sq"/>
+        </p:spPr>
+        <p:style>
+          <a:lnRef idx="1">
+            <a:schemeClr val="dk1"/>
+          </a:lnRef>
+          <a:fillRef idx="0">
+            <a:schemeClr val="dk1"/>
+          </a:fillRef>
+          <a:effectRef idx="0">
+            <a:schemeClr val="dk1"/>
+          </a:effectRef>
+          <a:fontRef idx="minor">
+            <a:schemeClr val="tx1"/>
+          </a:fontRef>
+        </p:style>
+      </p:cxnSp>
+      <p:cxnSp>
+        <p:nvCxnSpPr>
+          <p:cNvPr id="7" name="Connettore diritto 6">
+            <a:extLst>
+              <a:ext uri="{FF2B5EF4-FFF2-40B4-BE49-F238E27FC236}">
+                <a16:creationId xmlns:a16="http://schemas.microsoft.com/office/drawing/2014/main" id="{D1050A1F-DD64-4158-879A-B915737ED1C8}"/>
+              </a:ext>
+            </a:extLst>
+          </p:cNvPr>
+          <p:cNvCxnSpPr/>
+          <p:nvPr/>
+        </p:nvCxnSpPr>
+        <p:spPr>
+          <a:xfrm>
+            <a:off x="1440000" y="720000"/>
+            <a:ext cx="0" cy="2160000"/>
+          </a:xfrm>
+          <a:prstGeom prst="line">
+            <a:avLst/>
+          </a:prstGeom>
+          <a:ln w="12700" cap="sq"/>
+        </p:spPr>
+        <p:style>
+          <a:lnRef idx="1">
+            <a:schemeClr val="dk1"/>
+          </a:lnRef>
+          <a:fillRef idx="0">
+            <a:schemeClr val="dk1"/>
+          </a:fillRef>
+          <a:effectRef idx="0">
+            <a:schemeClr val="dk1"/>
+          </a:effectRef>
+          <a:fontRef idx="minor">
+            <a:schemeClr val="tx1"/>
+          </a:fontRef>
+        </p:style>
+      </p:cxnSp>
+      <p:cxnSp>
+        <p:nvCxnSpPr>
+          <p:cNvPr id="8" name="Connettore diritto 7">
+            <a:extLst>
+              <a:ext uri="{FF2B5EF4-FFF2-40B4-BE49-F238E27FC236}">
+                <a16:creationId xmlns:a16="http://schemas.microsoft.com/office/drawing/2014/main" id="{EEFDB217-9ACD-4C8F-899A-FE4EEBC2BBD5}"/>
+              </a:ext>
+            </a:extLst>
+          </p:cNvPr>
+          <p:cNvCxnSpPr/>
+          <p:nvPr/>
+        </p:nvCxnSpPr>
+        <p:spPr>
+          <a:xfrm>
+            <a:off x="2880000" y="720000"/>
+            <a:ext cx="0" cy="2160000"/>
+          </a:xfrm>
+          <a:prstGeom prst="line">
+            <a:avLst/>
+          </a:prstGeom>
+          <a:ln w="12700" cap="sq"/>
+        </p:spPr>
+        <p:style>
+          <a:lnRef idx="1">
+            <a:schemeClr val="dk1"/>
+          </a:lnRef>
+          <a:fillRef idx="0">
+            <a:schemeClr val="dk1"/>
+          </a:fillRef>
+          <a:effectRef idx="0">
+            <a:schemeClr val="dk1"/>
+          </a:effectRef>
+          <a:fontRef idx="minor">
+            <a:schemeClr val="tx1"/>
+          </a:fontRef>
+        </p:style>
+      </p:cxnSp>
+      <p:cxnSp>
+        <p:nvCxnSpPr>
+          <p:cNvPr id="9" name="Connettore diritto 8">
+            <a:extLst>
+              <a:ext uri="{FF2B5EF4-FFF2-40B4-BE49-F238E27FC236}">
+                <a16:creationId xmlns:a16="http://schemas.microsoft.com/office/drawing/2014/main" id="{48B82A87-D014-485E-8D26-CD5598BBA0FB}"/>
+              </a:ext>
+            </a:extLst>
+          </p:cNvPr>
+          <p:cNvCxnSpPr/>
+          <p:nvPr/>
+        </p:nvCxnSpPr>
+        <p:spPr>
+          <a:xfrm>
+            <a:off x="4320000" y="720000"/>
+            <a:ext cx="0" cy="2160000"/>
+          </a:xfrm>
+          <a:prstGeom prst="line">
+            <a:avLst/>
+          </a:prstGeom>
+          <a:ln w="12700" cap="sq"/>
+        </p:spPr>
+        <p:style>
+          <a:lnRef idx="1">
+            <a:schemeClr val="dk1"/>
+          </a:lnRef>
+          <a:fillRef idx="0">
+            <a:schemeClr val="dk1"/>
+          </a:fillRef>
+          <a:effectRef idx="0">
+            <a:schemeClr val="dk1"/>
+          </a:effectRef>
+          <a:fontRef idx="minor">
+            <a:schemeClr val="tx1"/>
+          </a:fontRef>
+        </p:style>
+      </p:cxnSp>
+      <p:cxnSp>
+        <p:nvCxnSpPr>
+          <p:cNvPr id="10" name="Connettore diritto 9">
+            <a:extLst>
+              <a:ext uri="{FF2B5EF4-FFF2-40B4-BE49-F238E27FC236}">
+                <a16:creationId xmlns:a16="http://schemas.microsoft.com/office/drawing/2014/main" id="{C7E3149C-D2DB-4520-AAF0-5F7BECABDAA5}"/>
+              </a:ext>
+            </a:extLst>
+          </p:cNvPr>
+          <p:cNvCxnSpPr/>
+          <p:nvPr/>
+        </p:nvCxnSpPr>
+        <p:spPr>
+          <a:xfrm>
+            <a:off x="5760000" y="720000"/>
+            <a:ext cx="0" cy="2160000"/>
+          </a:xfrm>
+          <a:prstGeom prst="line">
+            <a:avLst/>
+          </a:prstGeom>
+          <a:ln w="12700" cap="sq"/>
+        </p:spPr>
+        <p:style>
+          <a:lnRef idx="1">
+            <a:schemeClr val="dk1"/>
+          </a:lnRef>
+          <a:fillRef idx="0">
+            <a:schemeClr val="dk1"/>
+          </a:fillRef>
+          <a:effectRef idx="0">
+            <a:schemeClr val="dk1"/>
+          </a:effectRef>
+          <a:fontRef idx="minor">
+            <a:schemeClr val="tx1"/>
+          </a:fontRef>
+        </p:style>
+      </p:cxnSp>
+      <p:cxnSp>
+        <p:nvCxnSpPr>
+          <p:cNvPr id="11" name="Connettore 2 10">
+            <a:extLst>
+              <a:ext uri="{FF2B5EF4-FFF2-40B4-BE49-F238E27FC236}">
+                <a16:creationId xmlns:a16="http://schemas.microsoft.com/office/drawing/2014/main" id="{EA77B616-29CC-45B7-927D-0249E7CD8396}"/>
+              </a:ext>
+            </a:extLst>
+          </p:cNvPr>
+          <p:cNvCxnSpPr/>
+          <p:nvPr/>
+        </p:nvCxnSpPr>
+        <p:spPr>
+          <a:xfrm>
+            <a:off x="1260000" y="1800000"/>
+            <a:ext cx="360000" cy="0"/>
+          </a:xfrm>
+          <a:prstGeom prst="straightConnector1">
+            <a:avLst/>
+          </a:prstGeom>
+          <a:ln w="25400">
+            <a:solidFill>
+              <a:schemeClr val="tx1"/>
+            </a:solidFill>
+            <a:headEnd type="none"/>
+            <a:tailEnd type="arrow"/>
+          </a:ln>
+        </p:spPr>
+        <p:style>
+          <a:lnRef idx="1">
+            <a:schemeClr val="accent1"/>
+          </a:lnRef>
+          <a:fillRef idx="0">
+            <a:schemeClr val="accent1"/>
+          </a:fillRef>
+          <a:effectRef idx="0">
+            <a:schemeClr val="accent1"/>
+          </a:effectRef>
+          <a:fontRef idx="minor">
+            <a:schemeClr val="tx1"/>
+          </a:fontRef>
+        </p:style>
+      </p:cxnSp>
+      <p:cxnSp>
+        <p:nvCxnSpPr>
+          <p:cNvPr id="12" name="Connettore 2 11">
+            <a:extLst>
+              <a:ext uri="{FF2B5EF4-FFF2-40B4-BE49-F238E27FC236}">
+                <a16:creationId xmlns:a16="http://schemas.microsoft.com/office/drawing/2014/main" id="{4AB06AAE-C7BD-4D27-A7DF-DBBDFAFD6E77}"/>
+              </a:ext>
+            </a:extLst>
+          </p:cNvPr>
+          <p:cNvCxnSpPr/>
+          <p:nvPr/>
+        </p:nvCxnSpPr>
+        <p:spPr>
+          <a:xfrm>
+            <a:off x="5580000" y="1800000"/>
+            <a:ext cx="360000" cy="0"/>
+          </a:xfrm>
+          <a:prstGeom prst="straightConnector1">
+            <a:avLst/>
+          </a:prstGeom>
+          <a:ln w="25400">
+            <a:solidFill>
+              <a:schemeClr val="tx1"/>
+            </a:solidFill>
+            <a:headEnd type="none"/>
+            <a:tailEnd type="arrow"/>
+          </a:ln>
+        </p:spPr>
+        <p:style>
+          <a:lnRef idx="1">
+            <a:schemeClr val="accent1"/>
+          </a:lnRef>
+          <a:fillRef idx="0">
+            <a:schemeClr val="accent1"/>
+          </a:fillRef>
+          <a:effectRef idx="0">
+            <a:schemeClr val="accent1"/>
+          </a:effectRef>
+          <a:fontRef idx="minor">
+            <a:schemeClr val="tx1"/>
+          </a:fontRef>
+        </p:style>
+      </p:cxnSp>
+      <p:cxnSp>
+        <p:nvCxnSpPr>
+          <p:cNvPr id="13" name="Connettore 2 12">
+            <a:extLst>
+              <a:ext uri="{FF2B5EF4-FFF2-40B4-BE49-F238E27FC236}">
+                <a16:creationId xmlns:a16="http://schemas.microsoft.com/office/drawing/2014/main" id="{6555B9A9-C559-437C-BC23-1B4627B7C705}"/>
+              </a:ext>
+            </a:extLst>
+          </p:cNvPr>
+          <p:cNvCxnSpPr/>
+          <p:nvPr/>
+        </p:nvCxnSpPr>
+        <p:spPr>
+          <a:xfrm>
+            <a:off x="4140000" y="1800000"/>
+            <a:ext cx="360000" cy="0"/>
+          </a:xfrm>
+          <a:prstGeom prst="straightConnector1">
+            <a:avLst/>
+          </a:prstGeom>
+          <a:ln w="25400">
+            <a:solidFill>
+              <a:schemeClr val="tx1"/>
+            </a:solidFill>
+            <a:headEnd type="none"/>
+            <a:tailEnd type="arrow"/>
+          </a:ln>
+        </p:spPr>
+        <p:style>
+          <a:lnRef idx="1">
+            <a:schemeClr val="accent1"/>
+          </a:lnRef>
+          <a:fillRef idx="0">
+            <a:schemeClr val="accent1"/>
+          </a:fillRef>
+          <a:effectRef idx="0">
+            <a:schemeClr val="accent1"/>
+          </a:effectRef>
+          <a:fontRef idx="minor">
+            <a:schemeClr val="tx1"/>
+          </a:fontRef>
+        </p:style>
+      </p:cxnSp>
+      <p:cxnSp>
+        <p:nvCxnSpPr>
+          <p:cNvPr id="14" name="Connettore 2 13">
+            <a:extLst>
+              <a:ext uri="{FF2B5EF4-FFF2-40B4-BE49-F238E27FC236}">
+                <a16:creationId xmlns:a16="http://schemas.microsoft.com/office/drawing/2014/main" id="{94307FAE-4F82-48F7-8794-915DECA4F0BB}"/>
+              </a:ext>
+            </a:extLst>
+          </p:cNvPr>
+          <p:cNvCxnSpPr/>
+          <p:nvPr/>
+        </p:nvCxnSpPr>
+        <p:spPr>
+          <a:xfrm>
+            <a:off x="2700000" y="1800000"/>
+            <a:ext cx="360000" cy="0"/>
+          </a:xfrm>
+          <a:prstGeom prst="straightConnector1">
+            <a:avLst/>
+          </a:prstGeom>
+          <a:ln w="25400">
+            <a:solidFill>
+              <a:schemeClr val="tx1"/>
+            </a:solidFill>
+            <a:headEnd type="none"/>
+            <a:tailEnd type="arrow"/>
+          </a:ln>
+        </p:spPr>
+        <p:style>
+          <a:lnRef idx="1">
+            <a:schemeClr val="accent1"/>
+          </a:lnRef>
+          <a:fillRef idx="0">
+            <a:schemeClr val="accent1"/>
+          </a:fillRef>
+          <a:effectRef idx="0">
+            <a:schemeClr val="accent1"/>
+          </a:effectRef>
+          <a:fontRef idx="minor">
+            <a:schemeClr val="tx1"/>
+          </a:fontRef>
+        </p:style>
+      </p:cxnSp>
+      <p:cxnSp>
+        <p:nvCxnSpPr>
+          <p:cNvPr id="15" name="Connettore diritto 14">
+            <a:extLst>
+              <a:ext uri="{FF2B5EF4-FFF2-40B4-BE49-F238E27FC236}">
+                <a16:creationId xmlns:a16="http://schemas.microsoft.com/office/drawing/2014/main" id="{078EACC7-AB3D-4525-85AD-2B7E1006AC09}"/>
+              </a:ext>
+            </a:extLst>
+          </p:cNvPr>
+          <p:cNvCxnSpPr/>
+          <p:nvPr/>
+        </p:nvCxnSpPr>
+        <p:spPr>
+          <a:xfrm>
+            <a:off x="2160000" y="1080000"/>
+            <a:ext cx="0" cy="1440000"/>
+          </a:xfrm>
+          <a:prstGeom prst="line">
+            <a:avLst/>
+          </a:prstGeom>
+          <a:ln w="12700" cap="sq">
+            <a:prstDash val="dash"/>
+          </a:ln>
+        </p:spPr>
+        <p:style>
+          <a:lnRef idx="1">
+            <a:schemeClr val="dk1"/>
+          </a:lnRef>
+          <a:fillRef idx="0">
+            <a:schemeClr val="dk1"/>
+          </a:fillRef>
+          <a:effectRef idx="0">
+            <a:schemeClr val="dk1"/>
+          </a:effectRef>
+          <a:fontRef idx="minor">
+            <a:schemeClr val="tx1"/>
+          </a:fontRef>
+        </p:style>
+      </p:cxnSp>
+      <p:cxnSp>
+        <p:nvCxnSpPr>
+          <p:cNvPr id="16" name="Connettore diritto 15">
+            <a:extLst>
+              <a:ext uri="{FF2B5EF4-FFF2-40B4-BE49-F238E27FC236}">
+                <a16:creationId xmlns:a16="http://schemas.microsoft.com/office/drawing/2014/main" id="{541292B3-BCA1-4C07-85FD-A62ACB990914}"/>
+              </a:ext>
+            </a:extLst>
+          </p:cNvPr>
+          <p:cNvCxnSpPr/>
+          <p:nvPr/>
+        </p:nvCxnSpPr>
+        <p:spPr>
+          <a:xfrm>
+            <a:off x="3600000" y="1080000"/>
+            <a:ext cx="0" cy="1440000"/>
+          </a:xfrm>
+          <a:prstGeom prst="line">
+            <a:avLst/>
+          </a:prstGeom>
+          <a:ln w="12700" cap="sq">
+            <a:prstDash val="dash"/>
+          </a:ln>
+        </p:spPr>
+        <p:style>
+          <a:lnRef idx="1">
+            <a:schemeClr val="dk1"/>
+          </a:lnRef>
+          <a:fillRef idx="0">
+            <a:schemeClr val="dk1"/>
+          </a:fillRef>
+          <a:effectRef idx="0">
+            <a:schemeClr val="dk1"/>
+          </a:effectRef>
+          <a:fontRef idx="minor">
+            <a:schemeClr val="tx1"/>
+          </a:fontRef>
+        </p:style>
+      </p:cxnSp>
+      <mc:AlternateContent xmlns:mc="http://schemas.openxmlformats.org/markup-compatibility/2006" xmlns:a14="http://schemas.microsoft.com/office/drawing/2010/main">
+        <mc:Choice Requires="a14">
+          <p:sp>
+            <p:nvSpPr>
+              <p:cNvPr id="2" name="CasellaDiTesto 1">
+                <a:extLst>
+                  <a:ext uri="{FF2B5EF4-FFF2-40B4-BE49-F238E27FC236}">
+                    <a16:creationId xmlns:a16="http://schemas.microsoft.com/office/drawing/2014/main" id="{034ECB12-6C58-48A6-B3E9-DD809B6847A8}"/>
+                  </a:ext>
+                </a:extLst>
+              </p:cNvPr>
+              <p:cNvSpPr txBox="1"/>
+              <p:nvPr/>
+            </p:nvSpPr>
+            <p:spPr>
+              <a:xfrm>
+                <a:off x="2880000" y="1476000"/>
+                <a:ext cx="327461" cy="276999"/>
+              </a:xfrm>
+              <a:prstGeom prst="rect">
+                <a:avLst/>
+              </a:prstGeom>
+              <a:noFill/>
+            </p:spPr>
+            <p:txBody>
+              <a:bodyPr wrap="none" lIns="0" tIns="0" rIns="0" bIns="0" rtlCol="0">
+                <a:spAutoFit/>
+              </a:bodyPr>
+              <a:lstStyle/>
+              <a:p>
+                <a:pPr/>
+                <a14:m>
+                  <m:oMathPara xmlns:m="http://schemas.openxmlformats.org/officeDocument/2006/math">
+                    <m:oMathParaPr>
+                      <m:jc m:val="centerGroup"/>
+                    </m:oMathParaPr>
+                    <m:oMath xmlns:m="http://schemas.openxmlformats.org/officeDocument/2006/math">
+                      <m:sSup>
+                        <m:sSupPr>
+                          <m:ctrlPr>
+                            <a:rPr lang="it-IT" i="1" smtClean="0">
+                              <a:latin typeface="Cambria Math" panose="02040503050406030204" pitchFamily="18" charset="0"/>
+                            </a:rPr>
+                          </m:ctrlPr>
+                        </m:sSupPr>
+                        <m:e>
+                          <m:r>
+                            <a:rPr lang="it-IT" b="0" i="1" smtClean="0">
+                              <a:latin typeface="Cambria Math" panose="02040503050406030204" pitchFamily="18" charset="0"/>
+                            </a:rPr>
+                            <m:t>𝑢</m:t>
+                          </m:r>
+                        </m:e>
+                        <m:sup>
+                          <m:r>
+                            <a:rPr lang="it-IT" b="0" i="1" smtClean="0">
+                              <a:latin typeface="Cambria Math" panose="02040503050406030204" pitchFamily="18" charset="0"/>
+                            </a:rPr>
+                            <m:t>𝑈</m:t>
+                          </m:r>
+                        </m:sup>
+                      </m:sSup>
+                    </m:oMath>
+                  </m:oMathPara>
+                </a14:m>
+                <a:endParaRPr lang="it-IT" dirty="0"/>
+              </a:p>
+            </p:txBody>
+          </p:sp>
+        </mc:Choice>
+        <mc:Fallback xmlns="">
+          <p:sp>
+            <p:nvSpPr>
+              <p:cNvPr id="2" name="CasellaDiTesto 1">
+                <a:extLst>
+                  <a:ext uri="{FF2B5EF4-FFF2-40B4-BE49-F238E27FC236}">
+                    <a16:creationId xmlns:a16="http://schemas.microsoft.com/office/drawing/2014/main" id="{034ECB12-6C58-48A6-B3E9-DD809B6847A8}"/>
+                  </a:ext>
+                </a:extLst>
+              </p:cNvPr>
+              <p:cNvSpPr txBox="1">
+                <a:spLocks noRot="1" noChangeAspect="1" noMove="1" noResize="1" noEditPoints="1" noAdjustHandles="1" noChangeArrowheads="1" noChangeShapeType="1" noTextEdit="1"/>
+              </p:cNvSpPr>
+              <p:nvPr/>
+            </p:nvSpPr>
+            <p:spPr>
+              <a:xfrm>
+                <a:off x="2880000" y="1476000"/>
+                <a:ext cx="327461" cy="276999"/>
+              </a:xfrm>
+              <a:prstGeom prst="rect">
+                <a:avLst/>
+              </a:prstGeom>
+              <a:blipFill>
+                <a:blip r:embed="rId2"/>
+                <a:stretch>
+                  <a:fillRect l="-9259" t="-4348" r="-7407"/>
+                </a:stretch>
+              </a:blipFill>
+            </p:spPr>
+            <p:txBody>
+              <a:bodyPr/>
+              <a:lstStyle/>
+              <a:p>
+                <a:r>
+                  <a:rPr lang="it-IT">
+                    <a:noFill/>
+                  </a:rPr>
+                  <a:t> </a:t>
+                </a:r>
+              </a:p>
+            </p:txBody>
+          </p:sp>
+        </mc:Fallback>
+      </mc:AlternateContent>
+      <mc:AlternateContent xmlns:mc="http://schemas.openxmlformats.org/markup-compatibility/2006" xmlns:a14="http://schemas.microsoft.com/office/drawing/2010/main">
+        <mc:Choice Requires="a14">
+          <p:sp>
+            <p:nvSpPr>
+              <p:cNvPr id="17" name="CasellaDiTesto 16">
+                <a:extLst>
+                  <a:ext uri="{FF2B5EF4-FFF2-40B4-BE49-F238E27FC236}">
+                    <a16:creationId xmlns:a16="http://schemas.microsoft.com/office/drawing/2014/main" id="{24A358DC-1049-4986-AA67-EB7409D547AF}"/>
+                  </a:ext>
+                </a:extLst>
+              </p:cNvPr>
+              <p:cNvSpPr txBox="1"/>
+              <p:nvPr/>
+            </p:nvSpPr>
+            <p:spPr>
+              <a:xfrm>
+                <a:off x="1440000" y="1476000"/>
+                <a:ext cx="433260" cy="276999"/>
+              </a:xfrm>
+              <a:prstGeom prst="rect">
+                <a:avLst/>
+              </a:prstGeom>
+              <a:noFill/>
+            </p:spPr>
+            <p:txBody>
+              <a:bodyPr wrap="none" lIns="0" tIns="0" rIns="0" bIns="0" rtlCol="0">
+                <a:spAutoFit/>
+              </a:bodyPr>
+              <a:lstStyle/>
+              <a:p>
+                <a:pPr/>
+                <a14:m>
+                  <m:oMathPara xmlns:m="http://schemas.openxmlformats.org/officeDocument/2006/math">
+                    <m:oMathParaPr>
+                      <m:jc m:val="centerGroup"/>
+                    </m:oMathParaPr>
+                    <m:oMath xmlns:m="http://schemas.openxmlformats.org/officeDocument/2006/math">
+                      <m:sSup>
+                        <m:sSupPr>
+                          <m:ctrlPr>
+                            <a:rPr lang="it-IT" i="1" smtClean="0">
+                              <a:latin typeface="Cambria Math" panose="02040503050406030204" pitchFamily="18" charset="0"/>
+                            </a:rPr>
+                          </m:ctrlPr>
+                        </m:sSupPr>
+                        <m:e>
+                          <m:r>
+                            <a:rPr lang="it-IT" b="0" i="1" smtClean="0">
+                              <a:latin typeface="Cambria Math" panose="02040503050406030204" pitchFamily="18" charset="0"/>
+                            </a:rPr>
+                            <m:t>𝑢</m:t>
+                          </m:r>
+                        </m:e>
+                        <m:sup>
+                          <m:r>
+                            <a:rPr lang="it-IT" b="0" i="1" smtClean="0">
+                              <a:latin typeface="Cambria Math" panose="02040503050406030204" pitchFamily="18" charset="0"/>
+                            </a:rPr>
+                            <m:t>𝐹𝑈</m:t>
+                          </m:r>
+                        </m:sup>
+                      </m:sSup>
+                    </m:oMath>
+                  </m:oMathPara>
+                </a14:m>
+                <a:endParaRPr lang="it-IT" dirty="0"/>
+              </a:p>
+            </p:txBody>
+          </p:sp>
+        </mc:Choice>
+        <mc:Fallback xmlns="">
+          <p:sp>
+            <p:nvSpPr>
+              <p:cNvPr id="17" name="CasellaDiTesto 16">
+                <a:extLst>
+                  <a:ext uri="{FF2B5EF4-FFF2-40B4-BE49-F238E27FC236}">
+                    <a16:creationId xmlns:a16="http://schemas.microsoft.com/office/drawing/2014/main" id="{24A358DC-1049-4986-AA67-EB7409D547AF}"/>
+                  </a:ext>
+                </a:extLst>
+              </p:cNvPr>
+              <p:cNvSpPr txBox="1">
+                <a:spLocks noRot="1" noChangeAspect="1" noMove="1" noResize="1" noEditPoints="1" noAdjustHandles="1" noChangeArrowheads="1" noChangeShapeType="1" noTextEdit="1"/>
+              </p:cNvSpPr>
+              <p:nvPr/>
+            </p:nvSpPr>
+            <p:spPr>
+              <a:xfrm>
+                <a:off x="1440000" y="1476000"/>
+                <a:ext cx="433260" cy="276999"/>
+              </a:xfrm>
+              <a:prstGeom prst="rect">
+                <a:avLst/>
+              </a:prstGeom>
+              <a:blipFill>
+                <a:blip r:embed="rId3"/>
+                <a:stretch>
+                  <a:fillRect l="-7042" t="-4348" r="-5634"/>
+                </a:stretch>
+              </a:blipFill>
+            </p:spPr>
+            <p:txBody>
+              <a:bodyPr/>
+              <a:lstStyle/>
+              <a:p>
+                <a:r>
+                  <a:rPr lang="it-IT">
+                    <a:noFill/>
+                  </a:rPr>
+                  <a:t> </a:t>
+                </a:r>
+              </a:p>
+            </p:txBody>
+          </p:sp>
+        </mc:Fallback>
+      </mc:AlternateContent>
+      <mc:AlternateContent xmlns:mc="http://schemas.openxmlformats.org/markup-compatibility/2006" xmlns:a14="http://schemas.microsoft.com/office/drawing/2010/main">
+        <mc:Choice Requires="a14">
+          <p:sp>
+            <p:nvSpPr>
+              <p:cNvPr id="18" name="CasellaDiTesto 17">
+                <a:extLst>
+                  <a:ext uri="{FF2B5EF4-FFF2-40B4-BE49-F238E27FC236}">
+                    <a16:creationId xmlns:a16="http://schemas.microsoft.com/office/drawing/2014/main" id="{B84F4E87-28DD-4AAD-B98C-BD8FBF4BC85B}"/>
+                  </a:ext>
+                </a:extLst>
+              </p:cNvPr>
+              <p:cNvSpPr txBox="1"/>
+              <p:nvPr/>
+            </p:nvSpPr>
+            <p:spPr>
+              <a:xfrm>
+                <a:off x="5760000" y="1476000"/>
+                <a:ext cx="431465" cy="276999"/>
+              </a:xfrm>
+              <a:prstGeom prst="rect">
+                <a:avLst/>
+              </a:prstGeom>
+              <a:noFill/>
+            </p:spPr>
+            <p:txBody>
+              <a:bodyPr wrap="none" lIns="0" tIns="0" rIns="0" bIns="0" rtlCol="0">
+                <a:spAutoFit/>
+              </a:bodyPr>
+              <a:lstStyle/>
+              <a:p>
+                <a:pPr/>
+                <a14:m>
+                  <m:oMathPara xmlns:m="http://schemas.openxmlformats.org/officeDocument/2006/math">
+                    <m:oMathParaPr>
+                      <m:jc m:val="centerGroup"/>
+                    </m:oMathParaPr>
+                    <m:oMath xmlns:m="http://schemas.openxmlformats.org/officeDocument/2006/math">
+                      <m:sSup>
+                        <m:sSupPr>
+                          <m:ctrlPr>
+                            <a:rPr lang="it-IT" i="1" smtClean="0">
+                              <a:latin typeface="Cambria Math" panose="02040503050406030204" pitchFamily="18" charset="0"/>
+                            </a:rPr>
+                          </m:ctrlPr>
+                        </m:sSupPr>
+                        <m:e>
+                          <m:r>
+                            <a:rPr lang="it-IT" b="0" i="1" smtClean="0">
+                              <a:latin typeface="Cambria Math" panose="02040503050406030204" pitchFamily="18" charset="0"/>
+                            </a:rPr>
+                            <m:t>𝑢</m:t>
+                          </m:r>
+                        </m:e>
+                        <m:sup>
+                          <m:r>
+                            <a:rPr lang="it-IT" b="0" i="1" smtClean="0">
+                              <a:latin typeface="Cambria Math" panose="02040503050406030204" pitchFamily="18" charset="0"/>
+                            </a:rPr>
+                            <m:t>𝐹𝐷</m:t>
+                          </m:r>
+                        </m:sup>
+                      </m:sSup>
+                    </m:oMath>
+                  </m:oMathPara>
+                </a14:m>
+                <a:endParaRPr lang="it-IT" dirty="0"/>
+              </a:p>
+            </p:txBody>
+          </p:sp>
+        </mc:Choice>
+        <mc:Fallback xmlns="">
+          <p:sp>
+            <p:nvSpPr>
+              <p:cNvPr id="18" name="CasellaDiTesto 17">
+                <a:extLst>
+                  <a:ext uri="{FF2B5EF4-FFF2-40B4-BE49-F238E27FC236}">
+                    <a16:creationId xmlns:a16="http://schemas.microsoft.com/office/drawing/2014/main" id="{B84F4E87-28DD-4AAD-B98C-BD8FBF4BC85B}"/>
+                  </a:ext>
+                </a:extLst>
+              </p:cNvPr>
+              <p:cNvSpPr txBox="1">
+                <a:spLocks noRot="1" noChangeAspect="1" noMove="1" noResize="1" noEditPoints="1" noAdjustHandles="1" noChangeArrowheads="1" noChangeShapeType="1" noTextEdit="1"/>
+              </p:cNvSpPr>
+              <p:nvPr/>
+            </p:nvSpPr>
+            <p:spPr>
+              <a:xfrm>
+                <a:off x="5760000" y="1476000"/>
+                <a:ext cx="431465" cy="276999"/>
+              </a:xfrm>
+              <a:prstGeom prst="rect">
+                <a:avLst/>
+              </a:prstGeom>
+              <a:blipFill>
+                <a:blip r:embed="rId4"/>
+                <a:stretch>
+                  <a:fillRect l="-7042" t="-4348" r="-4225"/>
+                </a:stretch>
+              </a:blipFill>
+            </p:spPr>
+            <p:txBody>
+              <a:bodyPr/>
+              <a:lstStyle/>
+              <a:p>
+                <a:r>
+                  <a:rPr lang="it-IT">
+                    <a:noFill/>
+                  </a:rPr>
+                  <a:t> </a:t>
+                </a:r>
+              </a:p>
+            </p:txBody>
+          </p:sp>
+        </mc:Fallback>
+      </mc:AlternateContent>
+      <mc:AlternateContent xmlns:mc="http://schemas.openxmlformats.org/markup-compatibility/2006" xmlns:a14="http://schemas.microsoft.com/office/drawing/2010/main">
+        <mc:Choice Requires="a14">
+          <p:sp>
+            <p:nvSpPr>
+              <p:cNvPr id="19" name="CasellaDiTesto 18">
+                <a:extLst>
+                  <a:ext uri="{FF2B5EF4-FFF2-40B4-BE49-F238E27FC236}">
+                    <a16:creationId xmlns:a16="http://schemas.microsoft.com/office/drawing/2014/main" id="{C025A578-1E13-4DC9-980F-3F84E078B8C2}"/>
+                  </a:ext>
+                </a:extLst>
+              </p:cNvPr>
+              <p:cNvSpPr txBox="1"/>
+              <p:nvPr/>
+            </p:nvSpPr>
+            <p:spPr>
+              <a:xfrm>
+                <a:off x="4320000" y="1476000"/>
+                <a:ext cx="325667" cy="276999"/>
+              </a:xfrm>
+              <a:prstGeom prst="rect">
+                <a:avLst/>
+              </a:prstGeom>
+              <a:noFill/>
+            </p:spPr>
+            <p:txBody>
+              <a:bodyPr wrap="none" lIns="0" tIns="0" rIns="0" bIns="0" rtlCol="0">
+                <a:spAutoFit/>
+              </a:bodyPr>
+              <a:lstStyle/>
+              <a:p>
+                <a:pPr/>
+                <a14:m>
+                  <m:oMathPara xmlns:m="http://schemas.openxmlformats.org/officeDocument/2006/math">
+                    <m:oMathParaPr>
+                      <m:jc m:val="centerGroup"/>
+                    </m:oMathParaPr>
+                    <m:oMath xmlns:m="http://schemas.openxmlformats.org/officeDocument/2006/math">
+                      <m:sSup>
+                        <m:sSupPr>
+                          <m:ctrlPr>
+                            <a:rPr lang="it-IT" i="1" smtClean="0">
+                              <a:latin typeface="Cambria Math" panose="02040503050406030204" pitchFamily="18" charset="0"/>
+                            </a:rPr>
+                          </m:ctrlPr>
+                        </m:sSupPr>
+                        <m:e>
+                          <m:r>
+                            <a:rPr lang="it-IT" b="0" i="1" smtClean="0">
+                              <a:latin typeface="Cambria Math" panose="02040503050406030204" pitchFamily="18" charset="0"/>
+                            </a:rPr>
+                            <m:t>𝑢</m:t>
+                          </m:r>
+                        </m:e>
+                        <m:sup>
+                          <m:r>
+                            <a:rPr lang="it-IT" b="0" i="1" smtClean="0">
+                              <a:latin typeface="Cambria Math" panose="02040503050406030204" pitchFamily="18" charset="0"/>
+                            </a:rPr>
+                            <m:t>𝐷</m:t>
+                          </m:r>
+                        </m:sup>
+                      </m:sSup>
+                    </m:oMath>
+                  </m:oMathPara>
+                </a14:m>
+                <a:endParaRPr lang="it-IT" dirty="0"/>
+              </a:p>
+            </p:txBody>
+          </p:sp>
+        </mc:Choice>
+        <mc:Fallback xmlns="">
+          <p:sp>
+            <p:nvSpPr>
+              <p:cNvPr id="19" name="CasellaDiTesto 18">
+                <a:extLst>
+                  <a:ext uri="{FF2B5EF4-FFF2-40B4-BE49-F238E27FC236}">
+                    <a16:creationId xmlns:a16="http://schemas.microsoft.com/office/drawing/2014/main" id="{C025A578-1E13-4DC9-980F-3F84E078B8C2}"/>
+                  </a:ext>
+                </a:extLst>
+              </p:cNvPr>
+              <p:cNvSpPr txBox="1">
+                <a:spLocks noRot="1" noChangeAspect="1" noMove="1" noResize="1" noEditPoints="1" noAdjustHandles="1" noChangeArrowheads="1" noChangeShapeType="1" noTextEdit="1"/>
+              </p:cNvSpPr>
+              <p:nvPr/>
+            </p:nvSpPr>
+            <p:spPr>
+              <a:xfrm>
+                <a:off x="4320000" y="1476000"/>
+                <a:ext cx="325667" cy="276999"/>
+              </a:xfrm>
+              <a:prstGeom prst="rect">
+                <a:avLst/>
+              </a:prstGeom>
+              <a:blipFill>
+                <a:blip r:embed="rId5"/>
+                <a:stretch>
+                  <a:fillRect l="-9434" t="-4348" r="-7547"/>
+                </a:stretch>
+              </a:blipFill>
+            </p:spPr>
+            <p:txBody>
+              <a:bodyPr/>
+              <a:lstStyle/>
+              <a:p>
+                <a:r>
+                  <a:rPr lang="it-IT">
+                    <a:noFill/>
+                  </a:rPr>
+                  <a:t> </a:t>
+                </a:r>
+              </a:p>
+            </p:txBody>
+          </p:sp>
+        </mc:Fallback>
+      </mc:AlternateContent>
+      <p:cxnSp>
+        <p:nvCxnSpPr>
+          <p:cNvPr id="20" name="Connettore 2 19">
+            <a:extLst>
+              <a:ext uri="{FF2B5EF4-FFF2-40B4-BE49-F238E27FC236}">
+                <a16:creationId xmlns:a16="http://schemas.microsoft.com/office/drawing/2014/main" id="{D5CB9D1A-A35C-4167-B13E-3338257F9012}"/>
+              </a:ext>
+            </a:extLst>
+          </p:cNvPr>
+          <p:cNvCxnSpPr/>
+          <p:nvPr/>
+        </p:nvCxnSpPr>
+        <p:spPr>
+          <a:xfrm>
+            <a:off x="3420000" y="1800000"/>
+            <a:ext cx="360000" cy="0"/>
+          </a:xfrm>
+          <a:prstGeom prst="straightConnector1">
+            <a:avLst/>
+          </a:prstGeom>
+          <a:ln w="25400">
+            <a:solidFill>
+              <a:schemeClr val="tx1"/>
+            </a:solidFill>
+            <a:headEnd type="none"/>
+            <a:tailEnd type="arrow"/>
+          </a:ln>
+        </p:spPr>
+        <p:style>
+          <a:lnRef idx="1">
+            <a:schemeClr val="accent1"/>
+          </a:lnRef>
+          <a:fillRef idx="0">
+            <a:schemeClr val="accent1"/>
+          </a:fillRef>
+          <a:effectRef idx="0">
+            <a:schemeClr val="accent1"/>
+          </a:effectRef>
+          <a:fontRef idx="minor">
+            <a:schemeClr val="tx1"/>
+          </a:fontRef>
+        </p:style>
+      </p:cxnSp>
+      <mc:AlternateContent xmlns:mc="http://schemas.openxmlformats.org/markup-compatibility/2006" xmlns:a14="http://schemas.microsoft.com/office/drawing/2010/main">
+        <mc:Choice Requires="a14">
+          <p:sp>
+            <p:nvSpPr>
+              <p:cNvPr id="21" name="CasellaDiTesto 20">
+                <a:extLst>
+                  <a:ext uri="{FF2B5EF4-FFF2-40B4-BE49-F238E27FC236}">
+                    <a16:creationId xmlns:a16="http://schemas.microsoft.com/office/drawing/2014/main" id="{217846EF-198A-48C2-A23A-15CA05DC00C5}"/>
+                  </a:ext>
+                </a:extLst>
+              </p:cNvPr>
+              <p:cNvSpPr txBox="1"/>
+              <p:nvPr/>
+            </p:nvSpPr>
+            <p:spPr>
+              <a:xfrm>
+                <a:off x="3600000" y="1476000"/>
+                <a:ext cx="283090" cy="276999"/>
+              </a:xfrm>
+              <a:prstGeom prst="rect">
+                <a:avLst/>
+              </a:prstGeom>
+              <a:noFill/>
+            </p:spPr>
+            <p:txBody>
+              <a:bodyPr wrap="none" lIns="0" tIns="0" rIns="0" bIns="0" rtlCol="0">
+                <a:spAutoFit/>
+              </a:bodyPr>
+              <a:lstStyle/>
+              <a:p>
+                <a:pPr/>
+                <a14:m>
+                  <m:oMathPara xmlns:m="http://schemas.openxmlformats.org/officeDocument/2006/math">
+                    <m:oMathParaPr>
+                      <m:jc m:val="centerGroup"/>
+                    </m:oMathParaPr>
+                    <m:oMath xmlns:m="http://schemas.openxmlformats.org/officeDocument/2006/math">
+                      <m:sSup>
+                        <m:sSupPr>
+                          <m:ctrlPr>
+                            <a:rPr lang="it-IT" i="1" smtClean="0">
+                              <a:latin typeface="Cambria Math" panose="02040503050406030204" pitchFamily="18" charset="0"/>
+                            </a:rPr>
+                          </m:ctrlPr>
+                        </m:sSupPr>
+                        <m:e>
+                          <m:r>
+                            <a:rPr lang="it-IT" b="0" i="1" smtClean="0">
+                              <a:latin typeface="Cambria Math" panose="02040503050406030204" pitchFamily="18" charset="0"/>
+                            </a:rPr>
+                            <m:t>𝑢</m:t>
+                          </m:r>
+                        </m:e>
+                        <m:sup>
+                          <m:r>
+                            <a:rPr lang="it-IT" b="0" i="1" smtClean="0">
+                              <a:latin typeface="Cambria Math" panose="02040503050406030204" pitchFamily="18" charset="0"/>
+                            </a:rPr>
+                            <m:t>∗</m:t>
+                          </m:r>
+                        </m:sup>
+                      </m:sSup>
+                    </m:oMath>
+                  </m:oMathPara>
+                </a14:m>
+                <a:endParaRPr lang="it-IT" dirty="0"/>
+              </a:p>
+            </p:txBody>
+          </p:sp>
+        </mc:Choice>
+        <mc:Fallback xmlns="">
+          <p:sp>
+            <p:nvSpPr>
+              <p:cNvPr id="21" name="CasellaDiTesto 20">
+                <a:extLst>
+                  <a:ext uri="{FF2B5EF4-FFF2-40B4-BE49-F238E27FC236}">
+                    <a16:creationId xmlns:a16="http://schemas.microsoft.com/office/drawing/2014/main" id="{217846EF-198A-48C2-A23A-15CA05DC00C5}"/>
+                  </a:ext>
+                </a:extLst>
+              </p:cNvPr>
+              <p:cNvSpPr txBox="1">
+                <a:spLocks noRot="1" noChangeAspect="1" noMove="1" noResize="1" noEditPoints="1" noAdjustHandles="1" noChangeArrowheads="1" noChangeShapeType="1" noTextEdit="1"/>
+              </p:cNvSpPr>
+              <p:nvPr/>
+            </p:nvSpPr>
+            <p:spPr>
+              <a:xfrm>
+                <a:off x="3600000" y="1476000"/>
+                <a:ext cx="283090" cy="276999"/>
+              </a:xfrm>
+              <a:prstGeom prst="rect">
+                <a:avLst/>
+              </a:prstGeom>
+              <a:blipFill>
+                <a:blip r:embed="rId6"/>
+                <a:stretch>
+                  <a:fillRect l="-13043" r="-4348"/>
+                </a:stretch>
+              </a:blipFill>
+            </p:spPr>
+            <p:txBody>
+              <a:bodyPr/>
+              <a:lstStyle/>
+              <a:p>
+                <a:r>
+                  <a:rPr lang="it-IT">
+                    <a:noFill/>
+                  </a:rPr>
+                  <a:t> </a:t>
+                </a:r>
+              </a:p>
+            </p:txBody>
+          </p:sp>
+        </mc:Fallback>
+      </mc:AlternateContent>
+    </p:spTree>
+    <p:extLst>
+      <p:ext uri="{BB962C8B-B14F-4D97-AF65-F5344CB8AC3E}">
+        <p14:creationId xmlns:p14="http://schemas.microsoft.com/office/powerpoint/2010/main" val="2763582018"/>
+      </p:ext>
+    </p:extLst>
+  </p:cSld>
+  <p:clrMapOvr>
+    <a:masterClrMapping/>
+  </p:clrMapOvr>
+</p:sld>
+</file>
+
+<file path=ppt/slides/slide17.xml><?xml version="1.0" encoding="utf-8"?>
+<p:sld xmlns:a="http://schemas.openxmlformats.org/drawingml/2006/main" xmlns:r="http://schemas.openxmlformats.org/officeDocument/2006/relationships" xmlns:p="http://schemas.openxmlformats.org/presentationml/2006/main">
+  <p:cSld>
+    <p:spTree>
+      <p:nvGrpSpPr>
+        <p:cNvPr id="1" name=""/>
+        <p:cNvGrpSpPr/>
+        <p:nvPr/>
+      </p:nvGrpSpPr>
+      <p:grpSpPr>
+        <a:xfrm>
+          <a:off x="0" y="0"/>
+          <a:ext cx="0" cy="0"/>
+          <a:chOff x="0" y="0"/>
+          <a:chExt cx="0" cy="0"/>
+        </a:xfrm>
+      </p:grpSpPr>
+      <p:cxnSp>
+        <p:nvCxnSpPr>
+          <p:cNvPr id="5" name="Connettore diritto 4">
+            <a:extLst>
+              <a:ext uri="{FF2B5EF4-FFF2-40B4-BE49-F238E27FC236}">
+                <a16:creationId xmlns:a16="http://schemas.microsoft.com/office/drawing/2014/main" id="{ECCB5C39-7435-478B-848F-75247ED67D84}"/>
+              </a:ext>
+            </a:extLst>
+          </p:cNvPr>
+          <p:cNvCxnSpPr/>
+          <p:nvPr/>
+        </p:nvCxnSpPr>
+        <p:spPr>
+          <a:xfrm>
+            <a:off x="1080000" y="1080000"/>
+            <a:ext cx="3600000" cy="0"/>
+          </a:xfrm>
+          <a:prstGeom prst="line">
+            <a:avLst/>
+          </a:prstGeom>
+          <a:ln w="12700" cap="sq"/>
+        </p:spPr>
+        <p:style>
+          <a:lnRef idx="1">
+            <a:schemeClr val="dk1"/>
+          </a:lnRef>
+          <a:fillRef idx="0">
+            <a:schemeClr val="dk1"/>
+          </a:fillRef>
+          <a:effectRef idx="0">
+            <a:schemeClr val="dk1"/>
+          </a:effectRef>
+          <a:fontRef idx="minor">
+            <a:schemeClr val="tx1"/>
+          </a:fontRef>
+        </p:style>
+      </p:cxnSp>
+      <p:cxnSp>
+        <p:nvCxnSpPr>
+          <p:cNvPr id="6" name="Connettore diritto 5">
+            <a:extLst>
+              <a:ext uri="{FF2B5EF4-FFF2-40B4-BE49-F238E27FC236}">
+                <a16:creationId xmlns:a16="http://schemas.microsoft.com/office/drawing/2014/main" id="{E5610C7F-C982-4B4D-BACC-FD5024ED2B62}"/>
+              </a:ext>
+            </a:extLst>
+          </p:cNvPr>
+          <p:cNvCxnSpPr/>
+          <p:nvPr/>
+        </p:nvCxnSpPr>
+        <p:spPr>
+          <a:xfrm>
+            <a:off x="1080000" y="2520000"/>
+            <a:ext cx="3600000" cy="0"/>
+          </a:xfrm>
+          <a:prstGeom prst="line">
+            <a:avLst/>
+          </a:prstGeom>
+          <a:ln w="12700" cap="sq"/>
+        </p:spPr>
+        <p:style>
+          <a:lnRef idx="1">
+            <a:schemeClr val="dk1"/>
+          </a:lnRef>
+          <a:fillRef idx="0">
+            <a:schemeClr val="dk1"/>
+          </a:fillRef>
+          <a:effectRef idx="0">
+            <a:schemeClr val="dk1"/>
+          </a:effectRef>
+          <a:fontRef idx="minor">
+            <a:schemeClr val="tx1"/>
+          </a:fontRef>
+        </p:style>
+      </p:cxnSp>
+      <p:cxnSp>
+        <p:nvCxnSpPr>
+          <p:cNvPr id="7" name="Connettore diritto 6">
+            <a:extLst>
+              <a:ext uri="{FF2B5EF4-FFF2-40B4-BE49-F238E27FC236}">
+                <a16:creationId xmlns:a16="http://schemas.microsoft.com/office/drawing/2014/main" id="{D1050A1F-DD64-4158-879A-B915737ED1C8}"/>
+              </a:ext>
+            </a:extLst>
+          </p:cNvPr>
+          <p:cNvCxnSpPr/>
+          <p:nvPr/>
+        </p:nvCxnSpPr>
+        <p:spPr>
+          <a:xfrm>
+            <a:off x="1440000" y="720000"/>
+            <a:ext cx="0" cy="2160000"/>
+          </a:xfrm>
+          <a:prstGeom prst="line">
+            <a:avLst/>
+          </a:prstGeom>
+          <a:ln w="12700" cap="sq"/>
+        </p:spPr>
+        <p:style>
+          <a:lnRef idx="1">
+            <a:schemeClr val="dk1"/>
+          </a:lnRef>
+          <a:fillRef idx="0">
+            <a:schemeClr val="dk1"/>
+          </a:fillRef>
+          <a:effectRef idx="0">
+            <a:schemeClr val="dk1"/>
+          </a:effectRef>
+          <a:fontRef idx="minor">
+            <a:schemeClr val="tx1"/>
+          </a:fontRef>
+        </p:style>
+      </p:cxnSp>
+      <p:cxnSp>
+        <p:nvCxnSpPr>
+          <p:cNvPr id="8" name="Connettore diritto 7">
+            <a:extLst>
+              <a:ext uri="{FF2B5EF4-FFF2-40B4-BE49-F238E27FC236}">
+                <a16:creationId xmlns:a16="http://schemas.microsoft.com/office/drawing/2014/main" id="{EEFDB217-9ACD-4C8F-899A-FE4EEBC2BBD5}"/>
+              </a:ext>
+            </a:extLst>
+          </p:cNvPr>
+          <p:cNvCxnSpPr/>
+          <p:nvPr/>
+        </p:nvCxnSpPr>
+        <p:spPr>
+          <a:xfrm>
+            <a:off x="2880000" y="720000"/>
+            <a:ext cx="0" cy="2160000"/>
+          </a:xfrm>
+          <a:prstGeom prst="line">
+            <a:avLst/>
+          </a:prstGeom>
+          <a:ln w="12700" cap="sq"/>
+        </p:spPr>
+        <p:style>
+          <a:lnRef idx="1">
+            <a:schemeClr val="dk1"/>
+          </a:lnRef>
+          <a:fillRef idx="0">
+            <a:schemeClr val="dk1"/>
+          </a:fillRef>
+          <a:effectRef idx="0">
+            <a:schemeClr val="dk1"/>
+          </a:effectRef>
+          <a:fontRef idx="minor">
+            <a:schemeClr val="tx1"/>
+          </a:fontRef>
+        </p:style>
+      </p:cxnSp>
+      <p:cxnSp>
+        <p:nvCxnSpPr>
+          <p:cNvPr id="9" name="Connettore diritto 8">
+            <a:extLst>
+              <a:ext uri="{FF2B5EF4-FFF2-40B4-BE49-F238E27FC236}">
+                <a16:creationId xmlns:a16="http://schemas.microsoft.com/office/drawing/2014/main" id="{48B82A87-D014-485E-8D26-CD5598BBA0FB}"/>
+              </a:ext>
+            </a:extLst>
+          </p:cNvPr>
+          <p:cNvCxnSpPr/>
+          <p:nvPr/>
+        </p:nvCxnSpPr>
+        <p:spPr>
+          <a:xfrm>
+            <a:off x="4320000" y="720000"/>
+            <a:ext cx="0" cy="2160000"/>
+          </a:xfrm>
+          <a:prstGeom prst="line">
+            <a:avLst/>
+          </a:prstGeom>
+          <a:ln w="12700" cap="sq"/>
+        </p:spPr>
+        <p:style>
+          <a:lnRef idx="1">
+            <a:schemeClr val="dk1"/>
+          </a:lnRef>
+          <a:fillRef idx="0">
+            <a:schemeClr val="dk1"/>
+          </a:fillRef>
+          <a:effectRef idx="0">
+            <a:schemeClr val="dk1"/>
+          </a:effectRef>
+          <a:fontRef idx="minor">
+            <a:schemeClr val="tx1"/>
+          </a:fontRef>
+        </p:style>
+      </p:cxnSp>
+      <p:cxnSp>
+        <p:nvCxnSpPr>
+          <p:cNvPr id="14" name="Connettore 2 13">
+            <a:extLst>
+              <a:ext uri="{FF2B5EF4-FFF2-40B4-BE49-F238E27FC236}">
+                <a16:creationId xmlns:a16="http://schemas.microsoft.com/office/drawing/2014/main" id="{94307FAE-4F82-48F7-8794-915DECA4F0BB}"/>
+              </a:ext>
+            </a:extLst>
+          </p:cNvPr>
+          <p:cNvCxnSpPr/>
+          <p:nvPr/>
+        </p:nvCxnSpPr>
+        <p:spPr>
+          <a:xfrm>
+            <a:off x="2700000" y="1800000"/>
+            <a:ext cx="360000" cy="0"/>
+          </a:xfrm>
+          <a:prstGeom prst="straightConnector1">
+            <a:avLst/>
+          </a:prstGeom>
+          <a:ln w="25400">
+            <a:solidFill>
+              <a:schemeClr val="tx1"/>
+            </a:solidFill>
+            <a:headEnd type="none"/>
+            <a:tailEnd type="arrow"/>
+          </a:ln>
+        </p:spPr>
+        <p:style>
+          <a:lnRef idx="1">
+            <a:schemeClr val="accent1"/>
+          </a:lnRef>
+          <a:fillRef idx="0">
+            <a:schemeClr val="accent1"/>
+          </a:fillRef>
+          <a:effectRef idx="0">
+            <a:schemeClr val="accent1"/>
+          </a:effectRef>
+          <a:fontRef idx="minor">
+            <a:schemeClr val="tx1"/>
+          </a:fontRef>
+        </p:style>
+      </p:cxnSp>
+      <p:cxnSp>
+        <p:nvCxnSpPr>
+          <p:cNvPr id="15" name="Connettore diritto 14">
+            <a:extLst>
+              <a:ext uri="{FF2B5EF4-FFF2-40B4-BE49-F238E27FC236}">
+                <a16:creationId xmlns:a16="http://schemas.microsoft.com/office/drawing/2014/main" id="{078EACC7-AB3D-4525-85AD-2B7E1006AC09}"/>
+              </a:ext>
+            </a:extLst>
+          </p:cNvPr>
+          <p:cNvCxnSpPr/>
+          <p:nvPr/>
+        </p:nvCxnSpPr>
+        <p:spPr>
+          <a:xfrm>
+            <a:off x="2160000" y="1080000"/>
+            <a:ext cx="0" cy="1440000"/>
+          </a:xfrm>
+          <a:prstGeom prst="line">
+            <a:avLst/>
+          </a:prstGeom>
+          <a:ln w="12700" cap="sq">
+            <a:prstDash val="dash"/>
+          </a:ln>
+        </p:spPr>
+        <p:style>
+          <a:lnRef idx="1">
+            <a:schemeClr val="dk1"/>
+          </a:lnRef>
+          <a:fillRef idx="0">
+            <a:schemeClr val="dk1"/>
+          </a:fillRef>
+          <a:effectRef idx="0">
+            <a:schemeClr val="dk1"/>
+          </a:effectRef>
+          <a:fontRef idx="minor">
+            <a:schemeClr val="tx1"/>
+          </a:fontRef>
+        </p:style>
+      </p:cxnSp>
+      <p:cxnSp>
+        <p:nvCxnSpPr>
+          <p:cNvPr id="16" name="Connettore diritto 15">
+            <a:extLst>
+              <a:ext uri="{FF2B5EF4-FFF2-40B4-BE49-F238E27FC236}">
+                <a16:creationId xmlns:a16="http://schemas.microsoft.com/office/drawing/2014/main" id="{541292B3-BCA1-4C07-85FD-A62ACB990914}"/>
+              </a:ext>
+            </a:extLst>
+          </p:cNvPr>
+          <p:cNvCxnSpPr/>
+          <p:nvPr/>
+        </p:nvCxnSpPr>
+        <p:spPr>
+          <a:xfrm>
+            <a:off x="3600000" y="1080000"/>
+            <a:ext cx="0" cy="1440000"/>
+          </a:xfrm>
+          <a:prstGeom prst="line">
+            <a:avLst/>
+          </a:prstGeom>
+          <a:ln w="12700" cap="sq">
+            <a:prstDash val="dash"/>
+          </a:ln>
+        </p:spPr>
+        <p:style>
+          <a:lnRef idx="1">
+            <a:schemeClr val="dk1"/>
+          </a:lnRef>
+          <a:fillRef idx="0">
+            <a:schemeClr val="dk1"/>
+          </a:fillRef>
+          <a:effectRef idx="0">
+            <a:schemeClr val="dk1"/>
+          </a:effectRef>
+          <a:fontRef idx="minor">
+            <a:schemeClr val="tx1"/>
+          </a:fontRef>
+        </p:style>
+      </p:cxnSp>
+      <mc:AlternateContent xmlns:mc="http://schemas.openxmlformats.org/markup-compatibility/2006">
+        <mc:Choice xmlns:a14="http://schemas.microsoft.com/office/drawing/2010/main" Requires="a14">
+          <p:sp>
+            <p:nvSpPr>
+              <p:cNvPr id="2" name="CasellaDiTesto 1">
+                <a:extLst>
+                  <a:ext uri="{FF2B5EF4-FFF2-40B4-BE49-F238E27FC236}">
+                    <a16:creationId xmlns:a16="http://schemas.microsoft.com/office/drawing/2014/main" id="{034ECB12-6C58-48A6-B3E9-DD809B6847A8}"/>
+                  </a:ext>
+                </a:extLst>
+              </p:cNvPr>
+              <p:cNvSpPr txBox="1"/>
+              <p:nvPr/>
+            </p:nvSpPr>
+            <p:spPr>
+              <a:xfrm>
+                <a:off x="2898000" y="1476000"/>
+                <a:ext cx="381323" cy="296428"/>
+              </a:xfrm>
+              <a:prstGeom prst="rect">
+                <a:avLst/>
+              </a:prstGeom>
+              <a:noFill/>
+            </p:spPr>
+            <p:txBody>
+              <a:bodyPr wrap="none" lIns="0" tIns="0" rIns="0" bIns="0" rtlCol="0">
+                <a:spAutoFit/>
+              </a:bodyPr>
+              <a:lstStyle/>
+              <a:p>
+                <a:pPr/>
+                <a14:m>
+                  <m:oMathPara xmlns:m="http://schemas.openxmlformats.org/officeDocument/2006/math">
+                    <m:oMathParaPr>
+                      <m:jc m:val="centerGroup"/>
+                    </m:oMathParaPr>
+                    <m:oMath xmlns:m="http://schemas.openxmlformats.org/officeDocument/2006/math">
+                      <m:sSub>
+                        <m:sSubPr>
+                          <m:ctrlPr>
+                            <a:rPr lang="it-IT" b="0" i="1" smtClean="0">
+                              <a:latin typeface="Cambria Math" panose="02040503050406030204" pitchFamily="18" charset="0"/>
+                            </a:rPr>
+                          </m:ctrlPr>
+                        </m:sSubPr>
+                        <m:e>
+                          <m:r>
+                            <a:rPr lang="it-IT" b="0" i="1" smtClean="0">
+                              <a:latin typeface="Cambria Math" panose="02040503050406030204" pitchFamily="18" charset="0"/>
+                            </a:rPr>
+                            <m:t>𝑢</m:t>
+                          </m:r>
+                        </m:e>
+                        <m:sub>
+                          <m:r>
+                            <a:rPr lang="it-IT" b="0" i="1" smtClean="0">
+                              <a:latin typeface="Cambria Math" panose="02040503050406030204" pitchFamily="18" charset="0"/>
+                            </a:rPr>
+                            <m:t>𝑖</m:t>
+                          </m:r>
+                          <m:r>
+                            <a:rPr lang="it-IT" b="0" i="1" smtClean="0">
+                              <a:latin typeface="Cambria Math" panose="02040503050406030204" pitchFamily="18" charset="0"/>
+                            </a:rPr>
+                            <m:t>,</m:t>
+                          </m:r>
+                          <m:r>
+                            <a:rPr lang="it-IT" b="0" i="1" smtClean="0">
+                              <a:latin typeface="Cambria Math" panose="02040503050406030204" pitchFamily="18" charset="0"/>
+                            </a:rPr>
+                            <m:t>𝐽</m:t>
+                          </m:r>
+                        </m:sub>
+                      </m:sSub>
+                    </m:oMath>
+                  </m:oMathPara>
+                </a14:m>
+                <a:endParaRPr lang="it-IT" dirty="0"/>
+              </a:p>
+            </p:txBody>
+          </p:sp>
+        </mc:Choice>
+        <mc:Fallback>
+          <p:sp>
+            <p:nvSpPr>
+              <p:cNvPr id="2" name="CasellaDiTesto 1">
+                <a:extLst>
+                  <a:ext uri="{FF2B5EF4-FFF2-40B4-BE49-F238E27FC236}">
+                    <a16:creationId xmlns:a16="http://schemas.microsoft.com/office/drawing/2014/main" id="{034ECB12-6C58-48A6-B3E9-DD809B6847A8}"/>
+                  </a:ext>
+                </a:extLst>
+              </p:cNvPr>
+              <p:cNvSpPr txBox="1">
+                <a:spLocks noRot="1" noChangeAspect="1" noMove="1" noResize="1" noEditPoints="1" noAdjustHandles="1" noChangeArrowheads="1" noChangeShapeType="1" noTextEdit="1"/>
+              </p:cNvSpPr>
+              <p:nvPr/>
+            </p:nvSpPr>
+            <p:spPr>
+              <a:xfrm>
+                <a:off x="2898000" y="1476000"/>
+                <a:ext cx="381323" cy="296428"/>
+              </a:xfrm>
+              <a:prstGeom prst="rect">
+                <a:avLst/>
+              </a:prstGeom>
+              <a:blipFill>
+                <a:blip r:embed="rId2"/>
+                <a:stretch>
+                  <a:fillRect l="-7937" r="-9524" b="-24490"/>
+                </a:stretch>
+              </a:blipFill>
+            </p:spPr>
+            <p:txBody>
+              <a:bodyPr/>
+              <a:lstStyle/>
+              <a:p>
+                <a:r>
+                  <a:rPr lang="it-IT">
+                    <a:noFill/>
+                  </a:rPr>
+                  <a:t> </a:t>
+                </a:r>
+              </a:p>
+            </p:txBody>
+          </p:sp>
+        </mc:Fallback>
+      </mc:AlternateContent>
+      <p:cxnSp>
+        <p:nvCxnSpPr>
+          <p:cNvPr id="20" name="Connettore 2 19">
+            <a:extLst>
+              <a:ext uri="{FF2B5EF4-FFF2-40B4-BE49-F238E27FC236}">
+                <a16:creationId xmlns:a16="http://schemas.microsoft.com/office/drawing/2014/main" id="{D5CB9D1A-A35C-4167-B13E-3338257F9012}"/>
+              </a:ext>
+            </a:extLst>
+          </p:cNvPr>
+          <p:cNvCxnSpPr/>
+          <p:nvPr/>
+        </p:nvCxnSpPr>
+        <p:spPr>
+          <a:xfrm>
+            <a:off x="2700000" y="1080000"/>
+            <a:ext cx="360000" cy="0"/>
+          </a:xfrm>
+          <a:prstGeom prst="straightConnector1">
+            <a:avLst/>
+          </a:prstGeom>
+          <a:ln w="25400">
+            <a:solidFill>
+              <a:schemeClr val="tx1"/>
+            </a:solidFill>
+            <a:headEnd type="none"/>
+            <a:tailEnd type="arrow"/>
+          </a:ln>
+        </p:spPr>
+        <p:style>
+          <a:lnRef idx="1">
+            <a:schemeClr val="accent1"/>
+          </a:lnRef>
+          <a:fillRef idx="0">
+            <a:schemeClr val="accent1"/>
+          </a:fillRef>
+          <a:effectRef idx="0">
+            <a:schemeClr val="accent1"/>
+          </a:effectRef>
+          <a:fontRef idx="minor">
+            <a:schemeClr val="tx1"/>
+          </a:fontRef>
+        </p:style>
+      </p:cxnSp>
+      <mc:AlternateContent xmlns:mc="http://schemas.openxmlformats.org/markup-compatibility/2006">
+        <mc:Choice xmlns:a14="http://schemas.microsoft.com/office/drawing/2010/main" Requires="a14">
+          <p:sp>
+            <p:nvSpPr>
+              <p:cNvPr id="22" name="CasellaDiTesto 21">
+                <a:extLst>
+                  <a:ext uri="{FF2B5EF4-FFF2-40B4-BE49-F238E27FC236}">
+                    <a16:creationId xmlns:a16="http://schemas.microsoft.com/office/drawing/2014/main" id="{50942409-A941-4111-9E8C-9F703A5F1F14}"/>
+                  </a:ext>
+                </a:extLst>
+              </p:cNvPr>
+              <p:cNvSpPr txBox="1"/>
+              <p:nvPr/>
+            </p:nvSpPr>
+            <p:spPr>
+              <a:xfrm>
+                <a:off x="3618000" y="1656000"/>
+                <a:ext cx="281424" cy="276999"/>
+              </a:xfrm>
+              <a:prstGeom prst="rect">
+                <a:avLst/>
+              </a:prstGeom>
+              <a:noFill/>
+            </p:spPr>
+            <p:txBody>
+              <a:bodyPr wrap="none" lIns="0" tIns="0" rIns="0" bIns="0" rtlCol="0">
+                <a:spAutoFit/>
+              </a:bodyPr>
+              <a:lstStyle/>
+              <a:p>
+                <a:pPr/>
+                <a14:m>
+                  <m:oMathPara xmlns:m="http://schemas.openxmlformats.org/officeDocument/2006/math">
+                    <m:oMathParaPr>
+                      <m:jc m:val="centerGroup"/>
+                    </m:oMathParaPr>
+                    <m:oMath xmlns:m="http://schemas.openxmlformats.org/officeDocument/2006/math">
+                      <m:sSub>
+                        <m:sSubPr>
+                          <m:ctrlPr>
+                            <a:rPr lang="it-IT" b="0" i="1" smtClean="0">
+                              <a:latin typeface="Cambria Math" panose="02040503050406030204" pitchFamily="18" charset="0"/>
+                            </a:rPr>
+                          </m:ctrlPr>
+                        </m:sSubPr>
+                        <m:e>
+                          <m:r>
+                            <a:rPr lang="it-IT" b="0" i="1" smtClean="0">
+                              <a:latin typeface="Cambria Math" panose="02040503050406030204" pitchFamily="18" charset="0"/>
+                            </a:rPr>
+                            <m:t>𝑒</m:t>
+                          </m:r>
+                        </m:e>
+                        <m:sub>
+                          <m:r>
+                            <a:rPr lang="it-IT" b="0" i="1" smtClean="0">
+                              <a:latin typeface="Cambria Math" panose="02040503050406030204" pitchFamily="18" charset="0"/>
+                            </a:rPr>
+                            <m:t>𝑢</m:t>
+                          </m:r>
+                        </m:sub>
+                      </m:sSub>
+                    </m:oMath>
+                  </m:oMathPara>
+                </a14:m>
+                <a:endParaRPr lang="it-IT" dirty="0"/>
+              </a:p>
+            </p:txBody>
+          </p:sp>
+        </mc:Choice>
+        <mc:Fallback>
+          <p:sp>
+            <p:nvSpPr>
+              <p:cNvPr id="22" name="CasellaDiTesto 21">
+                <a:extLst>
+                  <a:ext uri="{FF2B5EF4-FFF2-40B4-BE49-F238E27FC236}">
+                    <a16:creationId xmlns:a16="http://schemas.microsoft.com/office/drawing/2014/main" id="{50942409-A941-4111-9E8C-9F703A5F1F14}"/>
+                  </a:ext>
+                </a:extLst>
+              </p:cNvPr>
+              <p:cNvSpPr txBox="1">
+                <a:spLocks noRot="1" noChangeAspect="1" noMove="1" noResize="1" noEditPoints="1" noAdjustHandles="1" noChangeArrowheads="1" noChangeShapeType="1" noTextEdit="1"/>
+              </p:cNvSpPr>
+              <p:nvPr/>
+            </p:nvSpPr>
+            <p:spPr>
+              <a:xfrm>
+                <a:off x="3618000" y="1656000"/>
+                <a:ext cx="281424" cy="276999"/>
+              </a:xfrm>
+              <a:prstGeom prst="rect">
+                <a:avLst/>
+              </a:prstGeom>
+              <a:blipFill>
+                <a:blip r:embed="rId3"/>
+                <a:stretch>
+                  <a:fillRect l="-13043" r="-2174" b="-11111"/>
+                </a:stretch>
+              </a:blipFill>
+            </p:spPr>
+            <p:txBody>
+              <a:bodyPr/>
+              <a:lstStyle/>
+              <a:p>
+                <a:r>
+                  <a:rPr lang="it-IT">
+                    <a:noFill/>
+                  </a:rPr>
+                  <a:t> </a:t>
+                </a:r>
+              </a:p>
+            </p:txBody>
+          </p:sp>
+        </mc:Fallback>
+      </mc:AlternateContent>
+      <mc:AlternateContent xmlns:mc="http://schemas.openxmlformats.org/markup-compatibility/2006">
+        <mc:Choice xmlns:a14="http://schemas.microsoft.com/office/drawing/2010/main" Requires="a14">
+          <p:sp>
+            <p:nvSpPr>
+              <p:cNvPr id="23" name="CasellaDiTesto 22">
+                <a:extLst>
+                  <a:ext uri="{FF2B5EF4-FFF2-40B4-BE49-F238E27FC236}">
+                    <a16:creationId xmlns:a16="http://schemas.microsoft.com/office/drawing/2014/main" id="{1FA81628-F288-4CDA-8D25-BA77A92584AF}"/>
+                  </a:ext>
+                </a:extLst>
+              </p:cNvPr>
+              <p:cNvSpPr txBox="1"/>
+              <p:nvPr/>
+            </p:nvSpPr>
+            <p:spPr>
+              <a:xfrm>
+                <a:off x="3145037" y="1026030"/>
+                <a:ext cx="307392" cy="276999"/>
+              </a:xfrm>
+              <a:prstGeom prst="rect">
+                <a:avLst/>
+              </a:prstGeom>
+              <a:noFill/>
+            </p:spPr>
+            <p:txBody>
+              <a:bodyPr wrap="none" lIns="0" tIns="0" rIns="0" bIns="0" rtlCol="0">
+                <a:spAutoFit/>
+              </a:bodyPr>
+              <a:lstStyle/>
+              <a:p>
+                <a:pPr/>
+                <a14:m>
+                  <m:oMathPara xmlns:m="http://schemas.openxmlformats.org/officeDocument/2006/math">
+                    <m:oMathParaPr>
+                      <m:jc m:val="centerGroup"/>
+                    </m:oMathParaPr>
+                    <m:oMath xmlns:m="http://schemas.openxmlformats.org/officeDocument/2006/math">
+                      <m:sSub>
+                        <m:sSubPr>
+                          <m:ctrlPr>
+                            <a:rPr lang="it-IT" b="0" i="1" smtClean="0">
+                              <a:latin typeface="Cambria Math" panose="02040503050406030204" pitchFamily="18" charset="0"/>
+                            </a:rPr>
+                          </m:ctrlPr>
+                        </m:sSubPr>
+                        <m:e>
+                          <m:r>
+                            <a:rPr lang="it-IT" b="0" i="1" smtClean="0">
+                              <a:latin typeface="Cambria Math" panose="02040503050406030204" pitchFamily="18" charset="0"/>
+                            </a:rPr>
+                            <m:t>𝑛</m:t>
+                          </m:r>
+                        </m:e>
+                        <m:sub>
+                          <m:r>
+                            <a:rPr lang="it-IT" b="0" i="1" smtClean="0">
+                              <a:latin typeface="Cambria Math" panose="02040503050406030204" pitchFamily="18" charset="0"/>
+                            </a:rPr>
+                            <m:t>𝑢</m:t>
+                          </m:r>
+                        </m:sub>
+                      </m:sSub>
+                    </m:oMath>
+                  </m:oMathPara>
+                </a14:m>
+                <a:endParaRPr lang="it-IT" dirty="0"/>
+              </a:p>
+            </p:txBody>
+          </p:sp>
+        </mc:Choice>
+        <mc:Fallback>
+          <p:sp>
+            <p:nvSpPr>
+              <p:cNvPr id="23" name="CasellaDiTesto 22">
+                <a:extLst>
+                  <a:ext uri="{FF2B5EF4-FFF2-40B4-BE49-F238E27FC236}">
+                    <a16:creationId xmlns:a16="http://schemas.microsoft.com/office/drawing/2014/main" id="{1FA81628-F288-4CDA-8D25-BA77A92584AF}"/>
+                  </a:ext>
+                </a:extLst>
+              </p:cNvPr>
+              <p:cNvSpPr txBox="1">
+                <a:spLocks noRot="1" noChangeAspect="1" noMove="1" noResize="1" noEditPoints="1" noAdjustHandles="1" noChangeArrowheads="1" noChangeShapeType="1" noTextEdit="1"/>
+              </p:cNvSpPr>
+              <p:nvPr/>
+            </p:nvSpPr>
+            <p:spPr>
+              <a:xfrm>
+                <a:off x="3145037" y="1026030"/>
+                <a:ext cx="307392" cy="276999"/>
+              </a:xfrm>
+              <a:prstGeom prst="rect">
+                <a:avLst/>
+              </a:prstGeom>
+              <a:blipFill>
+                <a:blip r:embed="rId4"/>
+                <a:stretch>
+                  <a:fillRect l="-12000" r="-2000" b="-10870"/>
+                </a:stretch>
+              </a:blipFill>
+            </p:spPr>
+            <p:txBody>
+              <a:bodyPr/>
+              <a:lstStyle/>
+              <a:p>
+                <a:r>
+                  <a:rPr lang="it-IT">
+                    <a:noFill/>
+                  </a:rPr>
+                  <a:t> </a:t>
+                </a:r>
+              </a:p>
+            </p:txBody>
+          </p:sp>
+        </mc:Fallback>
+      </mc:AlternateContent>
+      <mc:AlternateContent xmlns:mc="http://schemas.openxmlformats.org/markup-compatibility/2006">
+        <mc:Choice xmlns:a14="http://schemas.microsoft.com/office/drawing/2010/main" Requires="a14">
+          <p:sp>
+            <p:nvSpPr>
+              <p:cNvPr id="24" name="CasellaDiTesto 23">
+                <a:extLst>
+                  <a:ext uri="{FF2B5EF4-FFF2-40B4-BE49-F238E27FC236}">
+                    <a16:creationId xmlns:a16="http://schemas.microsoft.com/office/drawing/2014/main" id="{220D47D2-435F-4612-85ED-994FD3159197}"/>
+                  </a:ext>
+                </a:extLst>
+              </p:cNvPr>
+              <p:cNvSpPr txBox="1"/>
+              <p:nvPr/>
+            </p:nvSpPr>
+            <p:spPr>
+              <a:xfrm>
+                <a:off x="3146400" y="2448000"/>
+                <a:ext cx="271613" cy="276999"/>
+              </a:xfrm>
+              <a:prstGeom prst="rect">
+                <a:avLst/>
+              </a:prstGeom>
+              <a:noFill/>
+            </p:spPr>
+            <p:txBody>
+              <a:bodyPr wrap="none" lIns="0" tIns="0" rIns="0" bIns="0" rtlCol="0">
+                <a:spAutoFit/>
+              </a:bodyPr>
+              <a:lstStyle/>
+              <a:p>
+                <a:pPr/>
+                <a14:m>
+                  <m:oMathPara xmlns:m="http://schemas.openxmlformats.org/officeDocument/2006/math">
+                    <m:oMathParaPr>
+                      <m:jc m:val="centerGroup"/>
+                    </m:oMathParaPr>
+                    <m:oMath xmlns:m="http://schemas.openxmlformats.org/officeDocument/2006/math">
+                      <m:sSub>
+                        <m:sSubPr>
+                          <m:ctrlPr>
+                            <a:rPr lang="it-IT" b="0" i="1" smtClean="0">
+                              <a:latin typeface="Cambria Math" panose="02040503050406030204" pitchFamily="18" charset="0"/>
+                            </a:rPr>
+                          </m:ctrlPr>
+                        </m:sSubPr>
+                        <m:e>
+                          <m:r>
+                            <a:rPr lang="it-IT" b="0" i="1" smtClean="0">
+                              <a:latin typeface="Cambria Math" panose="02040503050406030204" pitchFamily="18" charset="0"/>
+                            </a:rPr>
+                            <m:t>𝑠</m:t>
+                          </m:r>
+                        </m:e>
+                        <m:sub>
+                          <m:r>
+                            <a:rPr lang="it-IT" b="0" i="1" smtClean="0">
+                              <a:latin typeface="Cambria Math" panose="02040503050406030204" pitchFamily="18" charset="0"/>
+                            </a:rPr>
+                            <m:t>𝑢</m:t>
+                          </m:r>
+                        </m:sub>
+                      </m:sSub>
+                    </m:oMath>
+                  </m:oMathPara>
+                </a14:m>
+                <a:endParaRPr lang="it-IT" dirty="0"/>
+              </a:p>
+            </p:txBody>
+          </p:sp>
+        </mc:Choice>
+        <mc:Fallback>
+          <p:sp>
+            <p:nvSpPr>
+              <p:cNvPr id="24" name="CasellaDiTesto 23">
+                <a:extLst>
+                  <a:ext uri="{FF2B5EF4-FFF2-40B4-BE49-F238E27FC236}">
+                    <a16:creationId xmlns:a16="http://schemas.microsoft.com/office/drawing/2014/main" id="{220D47D2-435F-4612-85ED-994FD3159197}"/>
+                  </a:ext>
+                </a:extLst>
+              </p:cNvPr>
+              <p:cNvSpPr txBox="1">
+                <a:spLocks noRot="1" noChangeAspect="1" noMove="1" noResize="1" noEditPoints="1" noAdjustHandles="1" noChangeArrowheads="1" noChangeShapeType="1" noTextEdit="1"/>
+              </p:cNvSpPr>
+              <p:nvPr/>
+            </p:nvSpPr>
+            <p:spPr>
+              <a:xfrm>
+                <a:off x="3146400" y="2448000"/>
+                <a:ext cx="271613" cy="276999"/>
+              </a:xfrm>
+              <a:prstGeom prst="rect">
+                <a:avLst/>
+              </a:prstGeom>
+              <a:blipFill>
+                <a:blip r:embed="rId5"/>
+                <a:stretch>
+                  <a:fillRect l="-11111" r="-4444" b="-11111"/>
+                </a:stretch>
+              </a:blipFill>
+            </p:spPr>
+            <p:txBody>
+              <a:bodyPr/>
+              <a:lstStyle/>
+              <a:p>
+                <a:r>
+                  <a:rPr lang="it-IT">
+                    <a:noFill/>
+                  </a:rPr>
+                  <a:t> </a:t>
+                </a:r>
+              </a:p>
+            </p:txBody>
+          </p:sp>
+        </mc:Fallback>
+      </mc:AlternateContent>
+      <mc:AlternateContent xmlns:mc="http://schemas.openxmlformats.org/markup-compatibility/2006">
+        <mc:Choice xmlns:a14="http://schemas.microsoft.com/office/drawing/2010/main" Requires="a14">
+          <p:sp>
+            <p:nvSpPr>
+              <p:cNvPr id="25" name="CasellaDiTesto 24">
+                <a:extLst>
+                  <a:ext uri="{FF2B5EF4-FFF2-40B4-BE49-F238E27FC236}">
+                    <a16:creationId xmlns:a16="http://schemas.microsoft.com/office/drawing/2014/main" id="{84E7B06E-3BB6-40D6-83CA-BA147159E706}"/>
+                  </a:ext>
+                </a:extLst>
+              </p:cNvPr>
+              <p:cNvSpPr txBox="1"/>
+              <p:nvPr/>
+            </p:nvSpPr>
+            <p:spPr>
+              <a:xfrm>
+                <a:off x="2178641" y="1656000"/>
+                <a:ext cx="329577" cy="276999"/>
+              </a:xfrm>
+              <a:prstGeom prst="rect">
+                <a:avLst/>
+              </a:prstGeom>
+              <a:noFill/>
+            </p:spPr>
+            <p:txBody>
+              <a:bodyPr wrap="none" lIns="0" tIns="0" rIns="0" bIns="0" rtlCol="0">
+                <a:spAutoFit/>
+              </a:bodyPr>
+              <a:lstStyle/>
+              <a:p>
+                <a:pPr/>
+                <a14:m>
+                  <m:oMathPara xmlns:m="http://schemas.openxmlformats.org/officeDocument/2006/math">
+                    <m:oMathParaPr>
+                      <m:jc m:val="centerGroup"/>
+                    </m:oMathParaPr>
+                    <m:oMath xmlns:m="http://schemas.openxmlformats.org/officeDocument/2006/math">
+                      <m:sSub>
+                        <m:sSubPr>
+                          <m:ctrlPr>
+                            <a:rPr lang="it-IT" b="0" i="1" smtClean="0">
+                              <a:latin typeface="Cambria Math" panose="02040503050406030204" pitchFamily="18" charset="0"/>
+                            </a:rPr>
+                          </m:ctrlPr>
+                        </m:sSubPr>
+                        <m:e>
+                          <m:r>
+                            <a:rPr lang="it-IT" b="0" i="1" smtClean="0">
+                              <a:latin typeface="Cambria Math" panose="02040503050406030204" pitchFamily="18" charset="0"/>
+                            </a:rPr>
+                            <m:t>𝑤</m:t>
+                          </m:r>
+                        </m:e>
+                        <m:sub>
+                          <m:r>
+                            <a:rPr lang="it-IT" b="0" i="1" smtClean="0">
+                              <a:latin typeface="Cambria Math" panose="02040503050406030204" pitchFamily="18" charset="0"/>
+                            </a:rPr>
+                            <m:t>𝑢</m:t>
+                          </m:r>
+                        </m:sub>
+                      </m:sSub>
+                    </m:oMath>
+                  </m:oMathPara>
+                </a14:m>
+                <a:endParaRPr lang="it-IT" dirty="0"/>
+              </a:p>
+            </p:txBody>
+          </p:sp>
+        </mc:Choice>
+        <mc:Fallback>
+          <p:sp>
+            <p:nvSpPr>
+              <p:cNvPr id="25" name="CasellaDiTesto 24">
+                <a:extLst>
+                  <a:ext uri="{FF2B5EF4-FFF2-40B4-BE49-F238E27FC236}">
+                    <a16:creationId xmlns:a16="http://schemas.microsoft.com/office/drawing/2014/main" id="{84E7B06E-3BB6-40D6-83CA-BA147159E706}"/>
+                  </a:ext>
+                </a:extLst>
+              </p:cNvPr>
+              <p:cNvSpPr txBox="1">
+                <a:spLocks noRot="1" noChangeAspect="1" noMove="1" noResize="1" noEditPoints="1" noAdjustHandles="1" noChangeArrowheads="1" noChangeShapeType="1" noTextEdit="1"/>
+              </p:cNvSpPr>
+              <p:nvPr/>
+            </p:nvSpPr>
+            <p:spPr>
+              <a:xfrm>
+                <a:off x="2178641" y="1656000"/>
+                <a:ext cx="329577" cy="276999"/>
+              </a:xfrm>
+              <a:prstGeom prst="rect">
+                <a:avLst/>
+              </a:prstGeom>
+              <a:blipFill>
+                <a:blip r:embed="rId6"/>
+                <a:stretch>
+                  <a:fillRect l="-11111" r="-3704" b="-11111"/>
+                </a:stretch>
+              </a:blipFill>
+            </p:spPr>
+            <p:txBody>
+              <a:bodyPr/>
+              <a:lstStyle/>
+              <a:p>
+                <a:r>
+                  <a:rPr lang="it-IT">
+                    <a:noFill/>
+                  </a:rPr>
+                  <a:t> </a:t>
+                </a:r>
+              </a:p>
+            </p:txBody>
+          </p:sp>
+        </mc:Fallback>
+      </mc:AlternateContent>
+      <p:cxnSp>
+        <p:nvCxnSpPr>
+          <p:cNvPr id="26" name="Connettore 2 25">
+            <a:extLst>
+              <a:ext uri="{FF2B5EF4-FFF2-40B4-BE49-F238E27FC236}">
+                <a16:creationId xmlns:a16="http://schemas.microsoft.com/office/drawing/2014/main" id="{B59E9776-002A-4AC6-BAD1-51DBCC3604A4}"/>
+              </a:ext>
+            </a:extLst>
+          </p:cNvPr>
+          <p:cNvCxnSpPr/>
+          <p:nvPr/>
+        </p:nvCxnSpPr>
+        <p:spPr>
+          <a:xfrm>
+            <a:off x="3600000" y="900000"/>
+            <a:ext cx="0" cy="360000"/>
+          </a:xfrm>
+          <a:prstGeom prst="straightConnector1">
+            <a:avLst/>
+          </a:prstGeom>
+          <a:ln w="25400">
+            <a:solidFill>
+              <a:schemeClr val="tx1"/>
+            </a:solidFill>
+            <a:headEnd type="arrow"/>
+            <a:tailEnd type="none"/>
+          </a:ln>
+        </p:spPr>
+        <p:style>
+          <a:lnRef idx="1">
+            <a:schemeClr val="accent1"/>
+          </a:lnRef>
+          <a:fillRef idx="0">
+            <a:schemeClr val="accent1"/>
+          </a:fillRef>
+          <a:effectRef idx="0">
+            <a:schemeClr val="accent1"/>
+          </a:effectRef>
+          <a:fontRef idx="minor">
+            <a:schemeClr val="tx1"/>
+          </a:fontRef>
+        </p:style>
+      </p:cxnSp>
+      <p:cxnSp>
+        <p:nvCxnSpPr>
+          <p:cNvPr id="27" name="Connettore 2 26">
+            <a:extLst>
+              <a:ext uri="{FF2B5EF4-FFF2-40B4-BE49-F238E27FC236}">
+                <a16:creationId xmlns:a16="http://schemas.microsoft.com/office/drawing/2014/main" id="{FD4F9572-4FC6-4380-870E-46094EA59BDB}"/>
+              </a:ext>
+            </a:extLst>
+          </p:cNvPr>
+          <p:cNvCxnSpPr/>
+          <p:nvPr/>
+        </p:nvCxnSpPr>
+        <p:spPr>
+          <a:xfrm>
+            <a:off x="2160000" y="900000"/>
+            <a:ext cx="0" cy="360000"/>
+          </a:xfrm>
+          <a:prstGeom prst="straightConnector1">
+            <a:avLst/>
+          </a:prstGeom>
+          <a:ln w="25400">
+            <a:solidFill>
+              <a:schemeClr val="tx1"/>
+            </a:solidFill>
+            <a:headEnd type="arrow"/>
+            <a:tailEnd type="none"/>
+          </a:ln>
+        </p:spPr>
+        <p:style>
+          <a:lnRef idx="1">
+            <a:schemeClr val="accent1"/>
+          </a:lnRef>
+          <a:fillRef idx="0">
+            <a:schemeClr val="accent1"/>
+          </a:fillRef>
+          <a:effectRef idx="0">
+            <a:schemeClr val="accent1"/>
+          </a:effectRef>
+          <a:fontRef idx="minor">
+            <a:schemeClr val="tx1"/>
+          </a:fontRef>
+        </p:style>
+      </p:cxnSp>
+      <mc:AlternateContent xmlns:mc="http://schemas.openxmlformats.org/markup-compatibility/2006">
+        <mc:Choice xmlns:a14="http://schemas.microsoft.com/office/drawing/2010/main" Requires="a14">
+          <p:sp>
+            <p:nvSpPr>
+              <p:cNvPr id="28" name="CasellaDiTesto 27">
+                <a:extLst>
+                  <a:ext uri="{FF2B5EF4-FFF2-40B4-BE49-F238E27FC236}">
+                    <a16:creationId xmlns:a16="http://schemas.microsoft.com/office/drawing/2014/main" id="{F2D112F0-2133-48E5-B008-CB9AF9B289C6}"/>
+                  </a:ext>
+                </a:extLst>
+              </p:cNvPr>
+              <p:cNvSpPr txBox="1"/>
+              <p:nvPr/>
+            </p:nvSpPr>
+            <p:spPr>
+              <a:xfrm>
+                <a:off x="3672000" y="756000"/>
+                <a:ext cx="595484" cy="299313"/>
+              </a:xfrm>
+              <a:prstGeom prst="rect">
+                <a:avLst/>
+              </a:prstGeom>
+              <a:noFill/>
+            </p:spPr>
+            <p:txBody>
+              <a:bodyPr wrap="none" lIns="0" tIns="0" rIns="0" bIns="0" rtlCol="0">
+                <a:spAutoFit/>
+              </a:bodyPr>
+              <a:lstStyle/>
+              <a:p>
+                <a:pPr/>
+                <a14:m>
+                  <m:oMathPara xmlns:m="http://schemas.openxmlformats.org/officeDocument/2006/math">
+                    <m:oMathParaPr>
+                      <m:jc m:val="centerGroup"/>
+                    </m:oMathParaPr>
+                    <m:oMath xmlns:m="http://schemas.openxmlformats.org/officeDocument/2006/math">
+                      <m:sSub>
+                        <m:sSubPr>
+                          <m:ctrlPr>
+                            <a:rPr lang="it-IT" b="0" i="1" smtClean="0">
+                              <a:latin typeface="Cambria Math" panose="02040503050406030204" pitchFamily="18" charset="0"/>
+                            </a:rPr>
+                          </m:ctrlPr>
+                        </m:sSubPr>
+                        <m:e>
+                          <m:r>
+                            <a:rPr lang="it-IT" b="0" i="1" smtClean="0">
+                              <a:latin typeface="Cambria Math" panose="02040503050406030204" pitchFamily="18" charset="0"/>
+                            </a:rPr>
+                            <m:t>𝑣</m:t>
+                          </m:r>
+                        </m:e>
+                        <m:sub>
+                          <m:r>
+                            <a:rPr lang="it-IT" b="0" i="1" smtClean="0">
+                              <a:latin typeface="Cambria Math" panose="02040503050406030204" pitchFamily="18" charset="0"/>
+                            </a:rPr>
+                            <m:t>𝐼</m:t>
+                          </m:r>
+                          <m:r>
+                            <a:rPr lang="it-IT" b="0" i="1" smtClean="0">
+                              <a:latin typeface="Cambria Math" panose="02040503050406030204" pitchFamily="18" charset="0"/>
+                            </a:rPr>
+                            <m:t>+1,</m:t>
+                          </m:r>
+                          <m:r>
+                            <a:rPr lang="it-IT" b="0" i="1" smtClean="0">
+                              <a:latin typeface="Cambria Math" panose="02040503050406030204" pitchFamily="18" charset="0"/>
+                            </a:rPr>
+                            <m:t>𝑗</m:t>
+                          </m:r>
+                        </m:sub>
+                      </m:sSub>
+                    </m:oMath>
+                  </m:oMathPara>
+                </a14:m>
+                <a:endParaRPr lang="it-IT" dirty="0"/>
+              </a:p>
+            </p:txBody>
+          </p:sp>
+        </mc:Choice>
+        <mc:Fallback>
+          <p:sp>
+            <p:nvSpPr>
+              <p:cNvPr id="28" name="CasellaDiTesto 27">
+                <a:extLst>
+                  <a:ext uri="{FF2B5EF4-FFF2-40B4-BE49-F238E27FC236}">
+                    <a16:creationId xmlns:a16="http://schemas.microsoft.com/office/drawing/2014/main" id="{F2D112F0-2133-48E5-B008-CB9AF9B289C6}"/>
+                  </a:ext>
+                </a:extLst>
+              </p:cNvPr>
+              <p:cNvSpPr txBox="1">
+                <a:spLocks noRot="1" noChangeAspect="1" noMove="1" noResize="1" noEditPoints="1" noAdjustHandles="1" noChangeArrowheads="1" noChangeShapeType="1" noTextEdit="1"/>
+              </p:cNvSpPr>
+              <p:nvPr/>
+            </p:nvSpPr>
+            <p:spPr>
+              <a:xfrm>
+                <a:off x="3672000" y="756000"/>
+                <a:ext cx="595484" cy="299313"/>
+              </a:xfrm>
+              <a:prstGeom prst="rect">
+                <a:avLst/>
+              </a:prstGeom>
+              <a:blipFill>
+                <a:blip r:embed="rId7"/>
+                <a:stretch>
+                  <a:fillRect l="-5102" r="-6122" b="-26531"/>
+                </a:stretch>
+              </a:blipFill>
+            </p:spPr>
+            <p:txBody>
+              <a:bodyPr/>
+              <a:lstStyle/>
+              <a:p>
+                <a:r>
+                  <a:rPr lang="it-IT">
+                    <a:noFill/>
+                  </a:rPr>
+                  <a:t> </a:t>
+                </a:r>
+              </a:p>
+            </p:txBody>
+          </p:sp>
+        </mc:Fallback>
+      </mc:AlternateContent>
+      <mc:AlternateContent xmlns:mc="http://schemas.openxmlformats.org/markup-compatibility/2006">
+        <mc:Choice xmlns:a14="http://schemas.microsoft.com/office/drawing/2010/main" Requires="a14">
+          <p:sp>
+            <p:nvSpPr>
+              <p:cNvPr id="29" name="CasellaDiTesto 28">
+                <a:extLst>
+                  <a:ext uri="{FF2B5EF4-FFF2-40B4-BE49-F238E27FC236}">
+                    <a16:creationId xmlns:a16="http://schemas.microsoft.com/office/drawing/2014/main" id="{9BAF31C2-FC7D-40F0-8DA6-4AD9513F5909}"/>
+                  </a:ext>
+                </a:extLst>
+              </p:cNvPr>
+              <p:cNvSpPr txBox="1"/>
+              <p:nvPr/>
+            </p:nvSpPr>
+            <p:spPr>
+              <a:xfrm>
+                <a:off x="2232000" y="757215"/>
+                <a:ext cx="375872" cy="299313"/>
+              </a:xfrm>
+              <a:prstGeom prst="rect">
+                <a:avLst/>
+              </a:prstGeom>
+              <a:noFill/>
+            </p:spPr>
+            <p:txBody>
+              <a:bodyPr wrap="none" lIns="0" tIns="0" rIns="0" bIns="0" rtlCol="0">
+                <a:spAutoFit/>
+              </a:bodyPr>
+              <a:lstStyle/>
+              <a:p>
+                <a:pPr/>
+                <a14:m>
+                  <m:oMathPara xmlns:m="http://schemas.openxmlformats.org/officeDocument/2006/math">
+                    <m:oMathParaPr>
+                      <m:jc m:val="centerGroup"/>
+                    </m:oMathParaPr>
+                    <m:oMath xmlns:m="http://schemas.openxmlformats.org/officeDocument/2006/math">
+                      <m:sSub>
+                        <m:sSubPr>
+                          <m:ctrlPr>
+                            <a:rPr lang="it-IT" b="0" i="1" smtClean="0">
+                              <a:latin typeface="Cambria Math" panose="02040503050406030204" pitchFamily="18" charset="0"/>
+                            </a:rPr>
+                          </m:ctrlPr>
+                        </m:sSubPr>
+                        <m:e>
+                          <m:r>
+                            <a:rPr lang="it-IT" b="0" i="1" smtClean="0">
+                              <a:latin typeface="Cambria Math" panose="02040503050406030204" pitchFamily="18" charset="0"/>
+                            </a:rPr>
+                            <m:t>𝑣</m:t>
+                          </m:r>
+                        </m:e>
+                        <m:sub>
+                          <m:r>
+                            <a:rPr lang="it-IT" b="0" i="1" smtClean="0">
+                              <a:latin typeface="Cambria Math" panose="02040503050406030204" pitchFamily="18" charset="0"/>
+                            </a:rPr>
+                            <m:t>𝐼</m:t>
+                          </m:r>
+                          <m:r>
+                            <a:rPr lang="it-IT" b="0" i="1" smtClean="0">
+                              <a:latin typeface="Cambria Math" panose="02040503050406030204" pitchFamily="18" charset="0"/>
+                            </a:rPr>
+                            <m:t>,</m:t>
+                          </m:r>
+                          <m:r>
+                            <a:rPr lang="it-IT" b="0" i="1" smtClean="0">
+                              <a:latin typeface="Cambria Math" panose="02040503050406030204" pitchFamily="18" charset="0"/>
+                            </a:rPr>
+                            <m:t>𝑗</m:t>
+                          </m:r>
+                        </m:sub>
+                      </m:sSub>
+                    </m:oMath>
+                  </m:oMathPara>
+                </a14:m>
+                <a:endParaRPr lang="it-IT" dirty="0"/>
+              </a:p>
+            </p:txBody>
+          </p:sp>
+        </mc:Choice>
+        <mc:Fallback>
+          <p:sp>
+            <p:nvSpPr>
+              <p:cNvPr id="29" name="CasellaDiTesto 28">
+                <a:extLst>
+                  <a:ext uri="{FF2B5EF4-FFF2-40B4-BE49-F238E27FC236}">
+                    <a16:creationId xmlns:a16="http://schemas.microsoft.com/office/drawing/2014/main" id="{9BAF31C2-FC7D-40F0-8DA6-4AD9513F5909}"/>
+                  </a:ext>
+                </a:extLst>
+              </p:cNvPr>
+              <p:cNvSpPr txBox="1">
+                <a:spLocks noRot="1" noChangeAspect="1" noMove="1" noResize="1" noEditPoints="1" noAdjustHandles="1" noChangeArrowheads="1" noChangeShapeType="1" noTextEdit="1"/>
+              </p:cNvSpPr>
+              <p:nvPr/>
+            </p:nvSpPr>
+            <p:spPr>
+              <a:xfrm>
+                <a:off x="2232000" y="757215"/>
+                <a:ext cx="375872" cy="299313"/>
+              </a:xfrm>
+              <a:prstGeom prst="rect">
+                <a:avLst/>
+              </a:prstGeom>
+              <a:blipFill>
+                <a:blip r:embed="rId8"/>
+                <a:stretch>
+                  <a:fillRect l="-9677" r="-9677" b="-26531"/>
+                </a:stretch>
+              </a:blipFill>
+            </p:spPr>
+            <p:txBody>
+              <a:bodyPr/>
+              <a:lstStyle/>
+              <a:p>
+                <a:r>
+                  <a:rPr lang="it-IT">
+                    <a:noFill/>
+                  </a:rPr>
+                  <a:t> </a:t>
+                </a:r>
+              </a:p>
+            </p:txBody>
+          </p:sp>
+        </mc:Fallback>
+      </mc:AlternateContent>
+      <mc:AlternateContent xmlns:mc="http://schemas.openxmlformats.org/markup-compatibility/2006">
+        <mc:Choice xmlns:a14="http://schemas.microsoft.com/office/drawing/2010/main" Requires="a14">
+          <p:sp>
+            <p:nvSpPr>
+              <p:cNvPr id="30" name="CasellaDiTesto 29">
+                <a:extLst>
+                  <a:ext uri="{FF2B5EF4-FFF2-40B4-BE49-F238E27FC236}">
+                    <a16:creationId xmlns:a16="http://schemas.microsoft.com/office/drawing/2014/main" id="{98F185A6-0AF5-4526-AC77-50FB6CB2F1D3}"/>
+                  </a:ext>
+                </a:extLst>
+              </p:cNvPr>
+              <p:cNvSpPr txBox="1"/>
+              <p:nvPr/>
+            </p:nvSpPr>
+            <p:spPr>
+              <a:xfrm>
+                <a:off x="2898000" y="754502"/>
+                <a:ext cx="283090" cy="276999"/>
+              </a:xfrm>
+              <a:prstGeom prst="rect">
+                <a:avLst/>
+              </a:prstGeom>
+              <a:noFill/>
+            </p:spPr>
+            <p:txBody>
+              <a:bodyPr wrap="none" lIns="0" tIns="0" rIns="0" bIns="0" rtlCol="0">
+                <a:spAutoFit/>
+              </a:bodyPr>
+              <a:lstStyle/>
+              <a:p>
+                <a:pPr/>
+                <a14:m>
+                  <m:oMathPara xmlns:m="http://schemas.openxmlformats.org/officeDocument/2006/math">
+                    <m:oMathParaPr>
+                      <m:jc m:val="centerGroup"/>
+                    </m:oMathParaPr>
+                    <m:oMath xmlns:m="http://schemas.openxmlformats.org/officeDocument/2006/math">
+                      <m:sSup>
+                        <m:sSupPr>
+                          <m:ctrlPr>
+                            <a:rPr lang="it-IT" b="0" i="1" smtClean="0">
+                              <a:latin typeface="Cambria Math" panose="02040503050406030204" pitchFamily="18" charset="0"/>
+                            </a:rPr>
+                          </m:ctrlPr>
+                        </m:sSupPr>
+                        <m:e>
+                          <m:r>
+                            <a:rPr lang="it-IT" b="0" i="1" smtClean="0">
+                              <a:latin typeface="Cambria Math" panose="02040503050406030204" pitchFamily="18" charset="0"/>
+                            </a:rPr>
+                            <m:t>𝑢</m:t>
+                          </m:r>
+                        </m:e>
+                        <m:sup>
+                          <m:r>
+                            <a:rPr lang="it-IT" b="0" i="1" smtClean="0">
+                              <a:latin typeface="Cambria Math" panose="02040503050406030204" pitchFamily="18" charset="0"/>
+                            </a:rPr>
+                            <m:t>∗</m:t>
+                          </m:r>
+                        </m:sup>
+                      </m:sSup>
+                    </m:oMath>
+                  </m:oMathPara>
+                </a14:m>
+                <a:endParaRPr lang="it-IT" dirty="0"/>
+              </a:p>
+            </p:txBody>
+          </p:sp>
+        </mc:Choice>
+        <mc:Fallback>
+          <p:sp>
+            <p:nvSpPr>
+              <p:cNvPr id="30" name="CasellaDiTesto 29">
+                <a:extLst>
+                  <a:ext uri="{FF2B5EF4-FFF2-40B4-BE49-F238E27FC236}">
+                    <a16:creationId xmlns:a16="http://schemas.microsoft.com/office/drawing/2014/main" id="{98F185A6-0AF5-4526-AC77-50FB6CB2F1D3}"/>
+                  </a:ext>
+                </a:extLst>
+              </p:cNvPr>
+              <p:cNvSpPr txBox="1">
+                <a:spLocks noRot="1" noChangeAspect="1" noMove="1" noResize="1" noEditPoints="1" noAdjustHandles="1" noChangeArrowheads="1" noChangeShapeType="1" noTextEdit="1"/>
+              </p:cNvSpPr>
+              <p:nvPr/>
+            </p:nvSpPr>
+            <p:spPr>
+              <a:xfrm>
+                <a:off x="2898000" y="754502"/>
+                <a:ext cx="283090" cy="276999"/>
+              </a:xfrm>
+              <a:prstGeom prst="rect">
+                <a:avLst/>
+              </a:prstGeom>
+              <a:blipFill>
+                <a:blip r:embed="rId9"/>
+                <a:stretch>
+                  <a:fillRect l="-12766" r="-2128"/>
+                </a:stretch>
+              </a:blipFill>
+            </p:spPr>
+            <p:txBody>
+              <a:bodyPr/>
+              <a:lstStyle/>
+              <a:p>
+                <a:r>
+                  <a:rPr lang="it-IT">
+                    <a:noFill/>
+                  </a:rPr>
+                  <a:t> </a:t>
+                </a:r>
+              </a:p>
+            </p:txBody>
+          </p:sp>
+        </mc:Fallback>
+      </mc:AlternateContent>
+    </p:spTree>
+    <p:extLst>
+      <p:ext uri="{BB962C8B-B14F-4D97-AF65-F5344CB8AC3E}">
+        <p14:creationId xmlns:p14="http://schemas.microsoft.com/office/powerpoint/2010/main" val="2055410884"/>
+      </p:ext>
+    </p:extLst>
+  </p:cSld>
+  <p:clrMapOvr>
+    <a:masterClrMapping/>
+  </p:clrMapOvr>
+</p:sld>
+</file>
+
+<file path=ppt/slides/slide18.xml><?xml version="1.0" encoding="utf-8"?>
+<p:sld xmlns:a="http://schemas.openxmlformats.org/drawingml/2006/main" xmlns:r="http://schemas.openxmlformats.org/officeDocument/2006/relationships" xmlns:p="http://schemas.openxmlformats.org/presentationml/2006/main">
+  <p:cSld>
+    <p:spTree>
+      <p:nvGrpSpPr>
+        <p:cNvPr id="1" name=""/>
+        <p:cNvGrpSpPr/>
+        <p:nvPr/>
+      </p:nvGrpSpPr>
+      <p:grpSpPr>
+        <a:xfrm>
+          <a:off x="0" y="0"/>
+          <a:ext cx="0" cy="0"/>
+          <a:chOff x="0" y="0"/>
+          <a:chExt cx="0" cy="0"/>
+        </a:xfrm>
+      </p:grpSpPr>
       <p:sp>
         <p:nvSpPr>
           <p:cNvPr id="4" name="Rettangolo 3">
@@ -21006,7 +23549,7 @@
 </p:sld>
 </file>
 
-<file path=ppt/slides/slide17.xml><?xml version="1.0" encoding="utf-8"?>
+<file path=ppt/slides/slide19.xml><?xml version="1.0" encoding="utf-8"?>
 <p:sld xmlns:a="http://schemas.openxmlformats.org/drawingml/2006/main" xmlns:r="http://schemas.openxmlformats.org/officeDocument/2006/relationships" xmlns:p="http://schemas.openxmlformats.org/presentationml/2006/main">
   <p:cSld>
     <p:spTree>
@@ -21823,1421 +24366,6 @@
     <p:extLst>
       <p:ext uri="{BB962C8B-B14F-4D97-AF65-F5344CB8AC3E}">
         <p14:creationId xmlns:p14="http://schemas.microsoft.com/office/powerpoint/2010/main" val="1734765310"/>
-      </p:ext>
-    </p:extLst>
-  </p:cSld>
-  <p:clrMapOvr>
-    <a:masterClrMapping/>
-  </p:clrMapOvr>
-</p:sld>
-</file>
-
-<file path=ppt/slides/slide18.xml><?xml version="1.0" encoding="utf-8"?>
-<p:sld xmlns:a="http://schemas.openxmlformats.org/drawingml/2006/main" xmlns:r="http://schemas.openxmlformats.org/officeDocument/2006/relationships" xmlns:p="http://schemas.openxmlformats.org/presentationml/2006/main">
-  <p:cSld>
-    <p:spTree>
-      <p:nvGrpSpPr>
-        <p:cNvPr id="1" name=""/>
-        <p:cNvGrpSpPr/>
-        <p:nvPr/>
-      </p:nvGrpSpPr>
-      <p:grpSpPr>
-        <a:xfrm>
-          <a:off x="0" y="0"/>
-          <a:ext cx="0" cy="0"/>
-          <a:chOff x="0" y="0"/>
-          <a:chExt cx="0" cy="0"/>
-        </a:xfrm>
-      </p:grpSpPr>
-      <p:sp>
-        <p:nvSpPr>
-          <p:cNvPr id="20" name="Triangolo rettangolo 19">
-            <a:extLst>
-              <a:ext uri="{FF2B5EF4-FFF2-40B4-BE49-F238E27FC236}">
-                <a16:creationId xmlns:a16="http://schemas.microsoft.com/office/drawing/2014/main" id="{7A2B1C96-51B5-4D01-AD53-4FC01D7927A0}"/>
-              </a:ext>
-            </a:extLst>
-          </p:cNvPr>
-          <p:cNvSpPr/>
-          <p:nvPr/>
-        </p:nvSpPr>
-        <p:spPr>
-          <a:xfrm rot="-5400000">
-            <a:off x="3958790" y="3239998"/>
-            <a:ext cx="360000" cy="360000"/>
-          </a:xfrm>
-          <a:prstGeom prst="rtTriangle">
-            <a:avLst/>
-          </a:prstGeom>
-          <a:solidFill>
-            <a:schemeClr val="bg1">
-              <a:lumMod val="65000"/>
-            </a:schemeClr>
-          </a:solidFill>
-          <a:ln w="6350"/>
-        </p:spPr>
-        <p:style>
-          <a:lnRef idx="2">
-            <a:schemeClr val="dk1"/>
-          </a:lnRef>
-          <a:fillRef idx="1">
-            <a:schemeClr val="lt1"/>
-          </a:fillRef>
-          <a:effectRef idx="0">
-            <a:schemeClr val="dk1"/>
-          </a:effectRef>
-          <a:fontRef idx="minor">
-            <a:schemeClr val="dk1"/>
-          </a:fontRef>
-        </p:style>
-        <p:txBody>
-          <a:bodyPr rtlCol="0" anchor="ctr"/>
-          <a:lstStyle/>
-          <a:p>
-            <a:pPr algn="ctr"/>
-            <a:endParaRPr lang="it-IT"/>
-          </a:p>
-        </p:txBody>
-      </p:sp>
-      <p:sp>
-        <p:nvSpPr>
-          <p:cNvPr id="4" name="Rettangolo 3">
-            <a:extLst>
-              <a:ext uri="{FF2B5EF4-FFF2-40B4-BE49-F238E27FC236}">
-                <a16:creationId xmlns:a16="http://schemas.microsoft.com/office/drawing/2014/main" id="{AFB5874D-EF80-44AA-947E-EF41029CBAFE}"/>
-              </a:ext>
-            </a:extLst>
-          </p:cNvPr>
-          <p:cNvSpPr/>
-          <p:nvPr/>
-        </p:nvSpPr>
-        <p:spPr>
-          <a:xfrm>
-            <a:off x="1440000" y="1440000"/>
-            <a:ext cx="2880000" cy="720000"/>
-          </a:xfrm>
-          <a:prstGeom prst="rect">
-            <a:avLst/>
-          </a:prstGeom>
-          <a:solidFill>
-            <a:schemeClr val="bg1"/>
-          </a:solidFill>
-          <a:ln>
-            <a:solidFill>
-              <a:schemeClr val="bg1">
-                <a:lumMod val="85000"/>
-              </a:schemeClr>
-            </a:solidFill>
-          </a:ln>
-        </p:spPr>
-        <p:style>
-          <a:lnRef idx="2">
-            <a:schemeClr val="dk1"/>
-          </a:lnRef>
-          <a:fillRef idx="1">
-            <a:schemeClr val="lt1"/>
-          </a:fillRef>
-          <a:effectRef idx="0">
-            <a:schemeClr val="dk1"/>
-          </a:effectRef>
-          <a:fontRef idx="minor">
-            <a:schemeClr val="dk1"/>
-          </a:fontRef>
-        </p:style>
-        <p:txBody>
-          <a:bodyPr rtlCol="0" anchor="ctr"/>
-          <a:lstStyle/>
-          <a:p>
-            <a:pPr algn="ctr"/>
-            <a:endParaRPr lang="it-IT"/>
-          </a:p>
-        </p:txBody>
-      </p:sp>
-      <p:cxnSp>
-        <p:nvCxnSpPr>
-          <p:cNvPr id="7" name="Connettore diritto 6">
-            <a:extLst>
-              <a:ext uri="{FF2B5EF4-FFF2-40B4-BE49-F238E27FC236}">
-                <a16:creationId xmlns:a16="http://schemas.microsoft.com/office/drawing/2014/main" id="{968C8501-EB46-4D62-8197-F723EF8E231B}"/>
-              </a:ext>
-            </a:extLst>
-          </p:cNvPr>
-          <p:cNvCxnSpPr/>
-          <p:nvPr/>
-        </p:nvCxnSpPr>
-        <p:spPr>
-          <a:xfrm>
-            <a:off x="1440000" y="2520000"/>
-            <a:ext cx="2880000" cy="0"/>
-          </a:xfrm>
-          <a:prstGeom prst="line">
-            <a:avLst/>
-          </a:prstGeom>
-          <a:ln w="12700">
-            <a:solidFill>
-              <a:schemeClr val="bg1">
-                <a:lumMod val="85000"/>
-              </a:schemeClr>
-            </a:solidFill>
-          </a:ln>
-        </p:spPr>
-        <p:style>
-          <a:lnRef idx="1">
-            <a:schemeClr val="dk1"/>
-          </a:lnRef>
-          <a:fillRef idx="0">
-            <a:schemeClr val="dk1"/>
-          </a:fillRef>
-          <a:effectRef idx="0">
-            <a:schemeClr val="dk1"/>
-          </a:effectRef>
-          <a:fontRef idx="minor">
-            <a:schemeClr val="tx1"/>
-          </a:fontRef>
-        </p:style>
-      </p:cxnSp>
-      <p:cxnSp>
-        <p:nvCxnSpPr>
-          <p:cNvPr id="26" name="Connettore diritto 25">
-            <a:extLst>
-              <a:ext uri="{FF2B5EF4-FFF2-40B4-BE49-F238E27FC236}">
-                <a16:creationId xmlns:a16="http://schemas.microsoft.com/office/drawing/2014/main" id="{3CD2C60A-9BDD-4343-B7E1-7F4BF68C7456}"/>
-              </a:ext>
-            </a:extLst>
-          </p:cNvPr>
-          <p:cNvCxnSpPr>
-            <a:cxnSpLocks/>
-          </p:cNvCxnSpPr>
-          <p:nvPr/>
-        </p:nvCxnSpPr>
-        <p:spPr>
-          <a:xfrm flipH="1">
-            <a:off x="3960000" y="3240000"/>
-            <a:ext cx="360000" cy="360000"/>
-          </a:xfrm>
-          <a:prstGeom prst="line">
-            <a:avLst/>
-          </a:prstGeom>
-          <a:ln>
-            <a:solidFill>
-              <a:schemeClr val="tx1"/>
-            </a:solidFill>
-          </a:ln>
-        </p:spPr>
-        <p:style>
-          <a:lnRef idx="1">
-            <a:schemeClr val="accent1"/>
-          </a:lnRef>
-          <a:fillRef idx="0">
-            <a:schemeClr val="accent1"/>
-          </a:fillRef>
-          <a:effectRef idx="0">
-            <a:schemeClr val="accent1"/>
-          </a:effectRef>
-          <a:fontRef idx="minor">
-            <a:schemeClr val="tx1"/>
-          </a:fontRef>
-        </p:style>
-      </p:cxnSp>
-      <p:sp>
-        <p:nvSpPr>
-          <p:cNvPr id="32" name="Parallelogramma 31">
-            <a:extLst>
-              <a:ext uri="{FF2B5EF4-FFF2-40B4-BE49-F238E27FC236}">
-                <a16:creationId xmlns:a16="http://schemas.microsoft.com/office/drawing/2014/main" id="{36BD2991-4381-41B7-86CA-9690E40789B1}"/>
-              </a:ext>
-            </a:extLst>
-          </p:cNvPr>
-          <p:cNvSpPr>
-            <a:spLocks/>
-          </p:cNvSpPr>
-          <p:nvPr/>
-        </p:nvSpPr>
-        <p:spPr>
-          <a:xfrm>
-            <a:off x="1440000" y="2880000"/>
-            <a:ext cx="1080000" cy="720000"/>
-          </a:xfrm>
-          <a:prstGeom prst="parallelogram">
-            <a:avLst>
-              <a:gd name="adj" fmla="val 99999"/>
-            </a:avLst>
-          </a:prstGeom>
-          <a:solidFill>
-            <a:schemeClr val="accent1">
-              <a:lumMod val="75000"/>
-            </a:schemeClr>
-          </a:solidFill>
-          <a:ln w="6350"/>
-        </p:spPr>
-        <p:style>
-          <a:lnRef idx="2">
-            <a:schemeClr val="dk1"/>
-          </a:lnRef>
-          <a:fillRef idx="1">
-            <a:schemeClr val="lt1"/>
-          </a:fillRef>
-          <a:effectRef idx="0">
-            <a:schemeClr val="dk1"/>
-          </a:effectRef>
-          <a:fontRef idx="minor">
-            <a:schemeClr val="dk1"/>
-          </a:fontRef>
-        </p:style>
-        <p:txBody>
-          <a:bodyPr rtlCol="0" anchor="ctr"/>
-          <a:lstStyle/>
-          <a:p>
-            <a:pPr algn="ctr"/>
-            <a:endParaRPr lang="it-IT"/>
-          </a:p>
-        </p:txBody>
-      </p:sp>
-      <p:sp>
-        <p:nvSpPr>
-          <p:cNvPr id="33" name="Parallelogramma 32">
-            <a:extLst>
-              <a:ext uri="{FF2B5EF4-FFF2-40B4-BE49-F238E27FC236}">
-                <a16:creationId xmlns:a16="http://schemas.microsoft.com/office/drawing/2014/main" id="{AAE07D06-E0D5-4AC6-9287-1331B1C391D1}"/>
-              </a:ext>
-            </a:extLst>
-          </p:cNvPr>
-          <p:cNvSpPr>
-            <a:spLocks/>
-          </p:cNvSpPr>
-          <p:nvPr/>
-        </p:nvSpPr>
-        <p:spPr>
-          <a:xfrm>
-            <a:off x="1800000" y="2880000"/>
-            <a:ext cx="1080000" cy="720000"/>
-          </a:xfrm>
-          <a:prstGeom prst="parallelogram">
-            <a:avLst>
-              <a:gd name="adj" fmla="val 99999"/>
-            </a:avLst>
-          </a:prstGeom>
-          <a:solidFill>
-            <a:schemeClr val="bg1">
-              <a:lumMod val="65000"/>
-            </a:schemeClr>
-          </a:solidFill>
-          <a:ln w="6350"/>
-        </p:spPr>
-        <p:style>
-          <a:lnRef idx="2">
-            <a:schemeClr val="dk1"/>
-          </a:lnRef>
-          <a:fillRef idx="1">
-            <a:schemeClr val="lt1"/>
-          </a:fillRef>
-          <a:effectRef idx="0">
-            <a:schemeClr val="dk1"/>
-          </a:effectRef>
-          <a:fontRef idx="minor">
-            <a:schemeClr val="dk1"/>
-          </a:fontRef>
-        </p:style>
-        <p:txBody>
-          <a:bodyPr rtlCol="0" anchor="ctr"/>
-          <a:lstStyle/>
-          <a:p>
-            <a:pPr algn="ctr"/>
-            <a:endParaRPr lang="it-IT"/>
-          </a:p>
-        </p:txBody>
-      </p:sp>
-      <p:sp>
-        <p:nvSpPr>
-          <p:cNvPr id="34" name="Parallelogramma 33">
-            <a:extLst>
-              <a:ext uri="{FF2B5EF4-FFF2-40B4-BE49-F238E27FC236}">
-                <a16:creationId xmlns:a16="http://schemas.microsoft.com/office/drawing/2014/main" id="{A126DC85-DD00-4B04-B8AF-F7E20B67255B}"/>
-              </a:ext>
-            </a:extLst>
-          </p:cNvPr>
-          <p:cNvSpPr>
-            <a:spLocks/>
-          </p:cNvSpPr>
-          <p:nvPr/>
-        </p:nvSpPr>
-        <p:spPr>
-          <a:xfrm>
-            <a:off x="2520000" y="2880000"/>
-            <a:ext cx="1080000" cy="720000"/>
-          </a:xfrm>
-          <a:prstGeom prst="parallelogram">
-            <a:avLst>
-              <a:gd name="adj" fmla="val 99999"/>
-            </a:avLst>
-          </a:prstGeom>
-          <a:solidFill>
-            <a:schemeClr val="accent1">
-              <a:lumMod val="75000"/>
-            </a:schemeClr>
-          </a:solidFill>
-          <a:ln w="6350"/>
-        </p:spPr>
-        <p:style>
-          <a:lnRef idx="2">
-            <a:schemeClr val="dk1"/>
-          </a:lnRef>
-          <a:fillRef idx="1">
-            <a:schemeClr val="lt1"/>
-          </a:fillRef>
-          <a:effectRef idx="0">
-            <a:schemeClr val="dk1"/>
-          </a:effectRef>
-          <a:fontRef idx="minor">
-            <a:schemeClr val="dk1"/>
-          </a:fontRef>
-        </p:style>
-        <p:txBody>
-          <a:bodyPr rtlCol="0" anchor="ctr"/>
-          <a:lstStyle/>
-          <a:p>
-            <a:pPr algn="ctr"/>
-            <a:endParaRPr lang="it-IT"/>
-          </a:p>
-        </p:txBody>
-      </p:sp>
-      <p:sp>
-        <p:nvSpPr>
-          <p:cNvPr id="36" name="Triangolo rettangolo 35">
-            <a:extLst>
-              <a:ext uri="{FF2B5EF4-FFF2-40B4-BE49-F238E27FC236}">
-                <a16:creationId xmlns:a16="http://schemas.microsoft.com/office/drawing/2014/main" id="{48650062-DE27-4055-AC8C-81E84FF78846}"/>
-              </a:ext>
-            </a:extLst>
-          </p:cNvPr>
-          <p:cNvSpPr/>
-          <p:nvPr/>
-        </p:nvSpPr>
-        <p:spPr>
-          <a:xfrm rot="5400000">
-            <a:off x="1440000" y="2880000"/>
-            <a:ext cx="360000" cy="360000"/>
-          </a:xfrm>
-          <a:prstGeom prst="rtTriangle">
-            <a:avLst/>
-          </a:prstGeom>
-          <a:solidFill>
-            <a:schemeClr val="bg1">
-              <a:lumMod val="65000"/>
-            </a:schemeClr>
-          </a:solidFill>
-          <a:ln w="6350"/>
-        </p:spPr>
-        <p:style>
-          <a:lnRef idx="2">
-            <a:schemeClr val="dk1"/>
-          </a:lnRef>
-          <a:fillRef idx="1">
-            <a:schemeClr val="lt1"/>
-          </a:fillRef>
-          <a:effectRef idx="0">
-            <a:schemeClr val="dk1"/>
-          </a:effectRef>
-          <a:fontRef idx="minor">
-            <a:schemeClr val="dk1"/>
-          </a:fontRef>
-        </p:style>
-        <p:txBody>
-          <a:bodyPr rtlCol="0" anchor="ctr"/>
-          <a:lstStyle/>
-          <a:p>
-            <a:pPr algn="ctr"/>
-            <a:endParaRPr lang="it-IT"/>
-          </a:p>
-        </p:txBody>
-      </p:sp>
-      <p:sp>
-        <p:nvSpPr>
-          <p:cNvPr id="37" name="Parallelogramma 36">
-            <a:extLst>
-              <a:ext uri="{FF2B5EF4-FFF2-40B4-BE49-F238E27FC236}">
-                <a16:creationId xmlns:a16="http://schemas.microsoft.com/office/drawing/2014/main" id="{0AF42239-9121-43E6-8505-AC474381C9EF}"/>
-              </a:ext>
-            </a:extLst>
-          </p:cNvPr>
-          <p:cNvSpPr>
-            <a:spLocks/>
-          </p:cNvSpPr>
-          <p:nvPr/>
-        </p:nvSpPr>
-        <p:spPr>
-          <a:xfrm>
-            <a:off x="2880000" y="2880000"/>
-            <a:ext cx="1080000" cy="720000"/>
-          </a:xfrm>
-          <a:prstGeom prst="parallelogram">
-            <a:avLst>
-              <a:gd name="adj" fmla="val 99999"/>
-            </a:avLst>
-          </a:prstGeom>
-          <a:solidFill>
-            <a:schemeClr val="bg1">
-              <a:lumMod val="65000"/>
-            </a:schemeClr>
-          </a:solidFill>
-          <a:ln w="6350"/>
-        </p:spPr>
-        <p:style>
-          <a:lnRef idx="2">
-            <a:schemeClr val="dk1"/>
-          </a:lnRef>
-          <a:fillRef idx="1">
-            <a:schemeClr val="lt1"/>
-          </a:fillRef>
-          <a:effectRef idx="0">
-            <a:schemeClr val="dk1"/>
-          </a:effectRef>
-          <a:fontRef idx="minor">
-            <a:schemeClr val="dk1"/>
-          </a:fontRef>
-        </p:style>
-        <p:txBody>
-          <a:bodyPr rtlCol="0" anchor="ctr"/>
-          <a:lstStyle/>
-          <a:p>
-            <a:pPr algn="ctr"/>
-            <a:endParaRPr lang="it-IT"/>
-          </a:p>
-        </p:txBody>
-      </p:sp>
-      <p:sp>
-        <p:nvSpPr>
-          <p:cNvPr id="38" name="Trapezio 37">
-            <a:extLst>
-              <a:ext uri="{FF2B5EF4-FFF2-40B4-BE49-F238E27FC236}">
-                <a16:creationId xmlns:a16="http://schemas.microsoft.com/office/drawing/2014/main" id="{C72CB81C-018B-4D12-8FA9-81966C55EABA}"/>
-              </a:ext>
-            </a:extLst>
-          </p:cNvPr>
-          <p:cNvSpPr/>
-          <p:nvPr/>
-        </p:nvSpPr>
-        <p:spPr>
-          <a:xfrm rot="8100000">
-            <a:off x="3541168" y="3202768"/>
-            <a:ext cx="1018800" cy="255600"/>
-          </a:xfrm>
-          <a:prstGeom prst="trapezoid">
-            <a:avLst>
-              <a:gd name="adj" fmla="val 102258"/>
-            </a:avLst>
-          </a:prstGeom>
-          <a:solidFill>
-            <a:schemeClr val="accent1">
-              <a:lumMod val="75000"/>
-            </a:schemeClr>
-          </a:solidFill>
-          <a:ln w="6350"/>
-        </p:spPr>
-        <p:style>
-          <a:lnRef idx="2">
-            <a:schemeClr val="dk1"/>
-          </a:lnRef>
-          <a:fillRef idx="1">
-            <a:schemeClr val="lt1"/>
-          </a:fillRef>
-          <a:effectRef idx="0">
-            <a:schemeClr val="dk1"/>
-          </a:effectRef>
-          <a:fontRef idx="minor">
-            <a:schemeClr val="dk1"/>
-          </a:fontRef>
-        </p:style>
-        <p:txBody>
-          <a:bodyPr rtlCol="0" anchor="ctr"/>
-          <a:lstStyle/>
-          <a:p>
-            <a:pPr algn="ctr"/>
-            <a:endParaRPr lang="it-IT"/>
-          </a:p>
-        </p:txBody>
-      </p:sp>
-      <p:sp>
-        <p:nvSpPr>
-          <p:cNvPr id="5" name="Rettangolo 4">
-            <a:extLst>
-              <a:ext uri="{FF2B5EF4-FFF2-40B4-BE49-F238E27FC236}">
-                <a16:creationId xmlns:a16="http://schemas.microsoft.com/office/drawing/2014/main" id="{A2866499-10D0-4275-8C25-6D6A8FA1F309}"/>
-              </a:ext>
-            </a:extLst>
-          </p:cNvPr>
-          <p:cNvSpPr/>
-          <p:nvPr/>
-        </p:nvSpPr>
-        <p:spPr>
-          <a:xfrm>
-            <a:off x="1440000" y="2880000"/>
-            <a:ext cx="2880000" cy="720000"/>
-          </a:xfrm>
-          <a:prstGeom prst="rect">
-            <a:avLst/>
-          </a:prstGeom>
-          <a:noFill/>
-          <a:ln>
-            <a:solidFill>
-              <a:schemeClr val="dk1">
-                <a:alpha val="91000"/>
-              </a:schemeClr>
-            </a:solidFill>
-          </a:ln>
-        </p:spPr>
-        <p:style>
-          <a:lnRef idx="2">
-            <a:schemeClr val="dk1"/>
-          </a:lnRef>
-          <a:fillRef idx="1">
-            <a:schemeClr val="lt1"/>
-          </a:fillRef>
-          <a:effectRef idx="0">
-            <a:schemeClr val="dk1"/>
-          </a:effectRef>
-          <a:fontRef idx="minor">
-            <a:schemeClr val="dk1"/>
-          </a:fontRef>
-        </p:style>
-        <p:txBody>
-          <a:bodyPr rtlCol="0" anchor="ctr"/>
-          <a:lstStyle/>
-          <a:p>
-            <a:pPr algn="ctr"/>
-            <a:endParaRPr lang="it-IT"/>
-          </a:p>
-        </p:txBody>
-      </p:sp>
-      <p:sp>
-        <p:nvSpPr>
-          <p:cNvPr id="14" name="Arco 13">
-            <a:extLst>
-              <a:ext uri="{FF2B5EF4-FFF2-40B4-BE49-F238E27FC236}">
-                <a16:creationId xmlns:a16="http://schemas.microsoft.com/office/drawing/2014/main" id="{8BAE020B-DB8A-4336-874B-EC6FD646ED00}"/>
-              </a:ext>
-            </a:extLst>
-          </p:cNvPr>
-          <p:cNvSpPr/>
-          <p:nvPr/>
-        </p:nvSpPr>
-        <p:spPr>
-          <a:xfrm rot="10800000" flipH="1">
-            <a:off x="133350" y="983681"/>
-            <a:ext cx="4186650" cy="1176319"/>
-          </a:xfrm>
-          <a:prstGeom prst="arc">
-            <a:avLst>
-              <a:gd name="adj1" fmla="val 16128148"/>
-              <a:gd name="adj2" fmla="val 21567144"/>
-            </a:avLst>
-          </a:prstGeom>
-          <a:ln w="6350">
-            <a:solidFill>
-              <a:schemeClr val="bg1">
-                <a:lumMod val="85000"/>
-              </a:schemeClr>
-            </a:solidFill>
-          </a:ln>
-        </p:spPr>
-        <p:style>
-          <a:lnRef idx="1">
-            <a:schemeClr val="accent1"/>
-          </a:lnRef>
-          <a:fillRef idx="0">
-            <a:schemeClr val="accent1"/>
-          </a:fillRef>
-          <a:effectRef idx="0">
-            <a:schemeClr val="accent1"/>
-          </a:effectRef>
-          <a:fontRef idx="minor">
-            <a:schemeClr val="tx1"/>
-          </a:fontRef>
-        </p:style>
-        <p:txBody>
-          <a:bodyPr rtlCol="0" anchor="ctr"/>
-          <a:lstStyle/>
-          <a:p>
-            <a:pPr algn="ctr"/>
-            <a:endParaRPr lang="it-IT"/>
-          </a:p>
-        </p:txBody>
-      </p:sp>
-      <p:cxnSp>
-        <p:nvCxnSpPr>
-          <p:cNvPr id="17" name="Connettore 2 16">
-            <a:extLst>
-              <a:ext uri="{FF2B5EF4-FFF2-40B4-BE49-F238E27FC236}">
-                <a16:creationId xmlns:a16="http://schemas.microsoft.com/office/drawing/2014/main" id="{321507BA-D4D9-47E3-ABD9-8325DA602045}"/>
-              </a:ext>
-            </a:extLst>
-          </p:cNvPr>
-          <p:cNvCxnSpPr>
-            <a:cxnSpLocks/>
-          </p:cNvCxnSpPr>
-          <p:nvPr/>
-        </p:nvCxnSpPr>
-        <p:spPr>
-          <a:xfrm flipV="1">
-            <a:off x="1440000" y="1620000"/>
-            <a:ext cx="2878790" cy="0"/>
-          </a:xfrm>
-          <a:prstGeom prst="straightConnector1">
-            <a:avLst/>
-          </a:prstGeom>
-          <a:ln w="6350">
-            <a:solidFill>
-              <a:schemeClr val="bg1">
-                <a:lumMod val="85000"/>
-              </a:schemeClr>
-            </a:solidFill>
-            <a:headEnd w="sm" len="med"/>
-            <a:tailEnd type="triangle" w="sm" len="med"/>
-          </a:ln>
-        </p:spPr>
-        <p:style>
-          <a:lnRef idx="1">
-            <a:schemeClr val="dk1"/>
-          </a:lnRef>
-          <a:fillRef idx="0">
-            <a:schemeClr val="dk1"/>
-          </a:fillRef>
-          <a:effectRef idx="0">
-            <a:schemeClr val="dk1"/>
-          </a:effectRef>
-          <a:fontRef idx="minor">
-            <a:schemeClr val="tx1"/>
-          </a:fontRef>
-        </p:style>
-      </p:cxnSp>
-      <p:cxnSp>
-        <p:nvCxnSpPr>
-          <p:cNvPr id="18" name="Connettore 2 17">
-            <a:extLst>
-              <a:ext uri="{FF2B5EF4-FFF2-40B4-BE49-F238E27FC236}">
-                <a16:creationId xmlns:a16="http://schemas.microsoft.com/office/drawing/2014/main" id="{C5AD0AC0-5573-4269-9868-FEC5ED07380D}"/>
-              </a:ext>
-            </a:extLst>
-          </p:cNvPr>
-          <p:cNvCxnSpPr>
-            <a:cxnSpLocks/>
-          </p:cNvCxnSpPr>
-          <p:nvPr/>
-        </p:nvCxnSpPr>
-        <p:spPr>
-          <a:xfrm>
-            <a:off x="1440000" y="1800000"/>
-            <a:ext cx="2718000" cy="0"/>
-          </a:xfrm>
-          <a:prstGeom prst="straightConnector1">
-            <a:avLst/>
-          </a:prstGeom>
-          <a:ln w="6350">
-            <a:solidFill>
-              <a:schemeClr val="bg1">
-                <a:lumMod val="85000"/>
-              </a:schemeClr>
-            </a:solidFill>
-            <a:headEnd w="sm" len="med"/>
-            <a:tailEnd type="triangle" w="sm" len="med"/>
-          </a:ln>
-        </p:spPr>
-        <p:style>
-          <a:lnRef idx="1">
-            <a:schemeClr val="dk1"/>
-          </a:lnRef>
-          <a:fillRef idx="0">
-            <a:schemeClr val="dk1"/>
-          </a:fillRef>
-          <a:effectRef idx="0">
-            <a:schemeClr val="dk1"/>
-          </a:effectRef>
-          <a:fontRef idx="minor">
-            <a:schemeClr val="tx1"/>
-          </a:fontRef>
-        </p:style>
-      </p:cxnSp>
-      <p:cxnSp>
-        <p:nvCxnSpPr>
-          <p:cNvPr id="19" name="Connettore 2 18">
-            <a:extLst>
-              <a:ext uri="{FF2B5EF4-FFF2-40B4-BE49-F238E27FC236}">
-                <a16:creationId xmlns:a16="http://schemas.microsoft.com/office/drawing/2014/main" id="{4472D06B-D51E-4AEE-B578-4390592E5AC7}"/>
-              </a:ext>
-            </a:extLst>
-          </p:cNvPr>
-          <p:cNvCxnSpPr>
-            <a:cxnSpLocks/>
-          </p:cNvCxnSpPr>
-          <p:nvPr/>
-        </p:nvCxnSpPr>
-        <p:spPr>
-          <a:xfrm>
-            <a:off x="1439999" y="1980000"/>
-            <a:ext cx="2268000" cy="0"/>
-          </a:xfrm>
-          <a:prstGeom prst="straightConnector1">
-            <a:avLst/>
-          </a:prstGeom>
-          <a:ln w="6350">
-            <a:solidFill>
-              <a:schemeClr val="bg1">
-                <a:lumMod val="85000"/>
-              </a:schemeClr>
-            </a:solidFill>
-            <a:headEnd w="sm" len="med"/>
-            <a:tailEnd type="triangle" w="sm" len="med"/>
-          </a:ln>
-        </p:spPr>
-        <p:style>
-          <a:lnRef idx="1">
-            <a:schemeClr val="dk1"/>
-          </a:lnRef>
-          <a:fillRef idx="0">
-            <a:schemeClr val="dk1"/>
-          </a:fillRef>
-          <a:effectRef idx="0">
-            <a:schemeClr val="dk1"/>
-          </a:effectRef>
-          <a:fontRef idx="minor">
-            <a:schemeClr val="tx1"/>
-          </a:fontRef>
-        </p:style>
-      </p:cxnSp>
-    </p:spTree>
-    <p:extLst>
-      <p:ext uri="{BB962C8B-B14F-4D97-AF65-F5344CB8AC3E}">
-        <p14:creationId xmlns:p14="http://schemas.microsoft.com/office/powerpoint/2010/main" val="413652419"/>
-      </p:ext>
-    </p:extLst>
-  </p:cSld>
-  <p:clrMapOvr>
-    <a:masterClrMapping/>
-  </p:clrMapOvr>
-</p:sld>
-</file>
-
-<file path=ppt/slides/slide19.xml><?xml version="1.0" encoding="utf-8"?>
-<p:sld xmlns:a="http://schemas.openxmlformats.org/drawingml/2006/main" xmlns:r="http://schemas.openxmlformats.org/officeDocument/2006/relationships" xmlns:p="http://schemas.openxmlformats.org/presentationml/2006/main">
-  <p:cSld>
-    <p:spTree>
-      <p:nvGrpSpPr>
-        <p:cNvPr id="1" name=""/>
-        <p:cNvGrpSpPr/>
-        <p:nvPr/>
-      </p:nvGrpSpPr>
-      <p:grpSpPr>
-        <a:xfrm>
-          <a:off x="0" y="0"/>
-          <a:ext cx="0" cy="0"/>
-          <a:chOff x="0" y="0"/>
-          <a:chExt cx="0" cy="0"/>
-        </a:xfrm>
-      </p:grpSpPr>
-      <p:sp>
-        <p:nvSpPr>
-          <p:cNvPr id="4" name="Rettangolo 3">
-            <a:extLst>
-              <a:ext uri="{FF2B5EF4-FFF2-40B4-BE49-F238E27FC236}">
-                <a16:creationId xmlns:a16="http://schemas.microsoft.com/office/drawing/2014/main" id="{AFB5874D-EF80-44AA-947E-EF41029CBAFE}"/>
-              </a:ext>
-            </a:extLst>
-          </p:cNvPr>
-          <p:cNvSpPr/>
-          <p:nvPr/>
-        </p:nvSpPr>
-        <p:spPr>
-          <a:xfrm>
-            <a:off x="1440000" y="1440000"/>
-            <a:ext cx="2880000" cy="720000"/>
-          </a:xfrm>
-          <a:prstGeom prst="rect">
-            <a:avLst/>
-          </a:prstGeom>
-          <a:solidFill>
-            <a:schemeClr val="accent5">
-              <a:lumMod val="20000"/>
-              <a:lumOff val="80000"/>
-            </a:schemeClr>
-          </a:solidFill>
-        </p:spPr>
-        <p:style>
-          <a:lnRef idx="2">
-            <a:schemeClr val="dk1"/>
-          </a:lnRef>
-          <a:fillRef idx="1">
-            <a:schemeClr val="lt1"/>
-          </a:fillRef>
-          <a:effectRef idx="0">
-            <a:schemeClr val="dk1"/>
-          </a:effectRef>
-          <a:fontRef idx="minor">
-            <a:schemeClr val="dk1"/>
-          </a:fontRef>
-        </p:style>
-        <p:txBody>
-          <a:bodyPr rtlCol="0" anchor="ctr"/>
-          <a:lstStyle/>
-          <a:p>
-            <a:pPr algn="ctr"/>
-            <a:endParaRPr lang="it-IT"/>
-          </a:p>
-        </p:txBody>
-      </p:sp>
-      <p:cxnSp>
-        <p:nvCxnSpPr>
-          <p:cNvPr id="7" name="Connettore diritto 6">
-            <a:extLst>
-              <a:ext uri="{FF2B5EF4-FFF2-40B4-BE49-F238E27FC236}">
-                <a16:creationId xmlns:a16="http://schemas.microsoft.com/office/drawing/2014/main" id="{968C8501-EB46-4D62-8197-F723EF8E231B}"/>
-              </a:ext>
-            </a:extLst>
-          </p:cNvPr>
-          <p:cNvCxnSpPr/>
-          <p:nvPr/>
-        </p:nvCxnSpPr>
-        <p:spPr>
-          <a:xfrm>
-            <a:off x="1440000" y="2520000"/>
-            <a:ext cx="2880000" cy="0"/>
-          </a:xfrm>
-          <a:prstGeom prst="line">
-            <a:avLst/>
-          </a:prstGeom>
-          <a:ln w="12700"/>
-        </p:spPr>
-        <p:style>
-          <a:lnRef idx="1">
-            <a:schemeClr val="dk1"/>
-          </a:lnRef>
-          <a:fillRef idx="0">
-            <a:schemeClr val="dk1"/>
-          </a:fillRef>
-          <a:effectRef idx="0">
-            <a:schemeClr val="dk1"/>
-          </a:effectRef>
-          <a:fontRef idx="minor">
-            <a:schemeClr val="tx1"/>
-          </a:fontRef>
-        </p:style>
-      </p:cxnSp>
-      <p:cxnSp>
-        <p:nvCxnSpPr>
-          <p:cNvPr id="15" name="Connettore 2 14">
-            <a:extLst>
-              <a:ext uri="{FF2B5EF4-FFF2-40B4-BE49-F238E27FC236}">
-                <a16:creationId xmlns:a16="http://schemas.microsoft.com/office/drawing/2014/main" id="{C7879C29-1CA9-4779-9610-B8443E681323}"/>
-              </a:ext>
-            </a:extLst>
-          </p:cNvPr>
-          <p:cNvCxnSpPr/>
-          <p:nvPr/>
-        </p:nvCxnSpPr>
-        <p:spPr>
-          <a:xfrm flipV="1">
-            <a:off x="2700000" y="2250000"/>
-            <a:ext cx="0" cy="540000"/>
-          </a:xfrm>
-          <a:prstGeom prst="straightConnector1">
-            <a:avLst/>
-          </a:prstGeom>
-          <a:ln w="25400">
-            <a:solidFill>
-              <a:schemeClr val="tx1"/>
-            </a:solidFill>
-            <a:headEnd w="lg" len="med"/>
-            <a:tailEnd type="triangle" w="lg" len="lg"/>
-          </a:ln>
-        </p:spPr>
-        <p:style>
-          <a:lnRef idx="1">
-            <a:schemeClr val="accent1"/>
-          </a:lnRef>
-          <a:fillRef idx="0">
-            <a:schemeClr val="accent1"/>
-          </a:fillRef>
-          <a:effectRef idx="0">
-            <a:schemeClr val="accent1"/>
-          </a:effectRef>
-          <a:fontRef idx="minor">
-            <a:schemeClr val="tx1"/>
-          </a:fontRef>
-        </p:style>
-      </p:cxnSp>
-      <p:cxnSp>
-        <p:nvCxnSpPr>
-          <p:cNvPr id="16" name="Connettore 2 15">
-            <a:extLst>
-              <a:ext uri="{FF2B5EF4-FFF2-40B4-BE49-F238E27FC236}">
-                <a16:creationId xmlns:a16="http://schemas.microsoft.com/office/drawing/2014/main" id="{CDCED0DE-53FB-4B5F-B85A-9E25C0F1E33E}"/>
-              </a:ext>
-            </a:extLst>
-          </p:cNvPr>
-          <p:cNvCxnSpPr/>
-          <p:nvPr/>
-        </p:nvCxnSpPr>
-        <p:spPr>
-          <a:xfrm flipV="1">
-            <a:off x="3060000" y="2250000"/>
-            <a:ext cx="0" cy="540000"/>
-          </a:xfrm>
-          <a:prstGeom prst="straightConnector1">
-            <a:avLst/>
-          </a:prstGeom>
-          <a:ln w="25400">
-            <a:solidFill>
-              <a:schemeClr val="tx1"/>
-            </a:solidFill>
-            <a:headEnd type="triangle" w="lg" len="lg"/>
-            <a:tailEnd type="none"/>
-          </a:ln>
-        </p:spPr>
-        <p:style>
-          <a:lnRef idx="1">
-            <a:schemeClr val="accent1"/>
-          </a:lnRef>
-          <a:fillRef idx="0">
-            <a:schemeClr val="accent1"/>
-          </a:fillRef>
-          <a:effectRef idx="0">
-            <a:schemeClr val="accent1"/>
-          </a:effectRef>
-          <a:fontRef idx="minor">
-            <a:schemeClr val="tx1"/>
-          </a:fontRef>
-        </p:style>
-      </p:cxnSp>
-      <p:sp>
-        <p:nvSpPr>
-          <p:cNvPr id="5" name="Rettangolo 4">
-            <a:extLst>
-              <a:ext uri="{FF2B5EF4-FFF2-40B4-BE49-F238E27FC236}">
-                <a16:creationId xmlns:a16="http://schemas.microsoft.com/office/drawing/2014/main" id="{A2866499-10D0-4275-8C25-6D6A8FA1F309}"/>
-              </a:ext>
-            </a:extLst>
-          </p:cNvPr>
-          <p:cNvSpPr/>
-          <p:nvPr/>
-        </p:nvSpPr>
-        <p:spPr>
-          <a:xfrm>
-            <a:off x="1440000" y="2880000"/>
-            <a:ext cx="2880000" cy="720000"/>
-          </a:xfrm>
-          <a:prstGeom prst="rect">
-            <a:avLst/>
-          </a:prstGeom>
-          <a:noFill/>
-          <a:ln>
-            <a:solidFill>
-              <a:schemeClr val="dk1">
-                <a:alpha val="91000"/>
-              </a:schemeClr>
-            </a:solidFill>
-          </a:ln>
-        </p:spPr>
-        <p:style>
-          <a:lnRef idx="2">
-            <a:schemeClr val="dk1"/>
-          </a:lnRef>
-          <a:fillRef idx="1">
-            <a:schemeClr val="lt1"/>
-          </a:fillRef>
-          <a:effectRef idx="0">
-            <a:schemeClr val="dk1"/>
-          </a:effectRef>
-          <a:fontRef idx="minor">
-            <a:schemeClr val="dk1"/>
-          </a:fontRef>
-        </p:style>
-        <p:txBody>
-          <a:bodyPr rtlCol="0" anchor="ctr"/>
-          <a:lstStyle/>
-          <a:p>
-            <a:pPr algn="ctr"/>
-            <a:endParaRPr lang="it-IT"/>
-          </a:p>
-        </p:txBody>
-      </p:sp>
-      <p:cxnSp>
-        <p:nvCxnSpPr>
-          <p:cNvPr id="18" name="Connettore diritto 17">
-            <a:extLst>
-              <a:ext uri="{FF2B5EF4-FFF2-40B4-BE49-F238E27FC236}">
-                <a16:creationId xmlns:a16="http://schemas.microsoft.com/office/drawing/2014/main" id="{0B4D5350-DBC3-451E-A7B0-ABCE942BA35D}"/>
-              </a:ext>
-            </a:extLst>
-          </p:cNvPr>
-          <p:cNvCxnSpPr>
-            <a:endCxn id="5" idx="1"/>
-          </p:cNvCxnSpPr>
-          <p:nvPr/>
-        </p:nvCxnSpPr>
-        <p:spPr>
-          <a:xfrm flipH="1">
-            <a:off x="1440000" y="2880000"/>
-            <a:ext cx="359999" cy="360000"/>
-          </a:xfrm>
-          <a:prstGeom prst="line">
-            <a:avLst/>
-          </a:prstGeom>
-          <a:ln>
-            <a:solidFill>
-              <a:schemeClr val="tx1"/>
-            </a:solidFill>
-          </a:ln>
-        </p:spPr>
-        <p:style>
-          <a:lnRef idx="1">
-            <a:schemeClr val="accent1"/>
-          </a:lnRef>
-          <a:fillRef idx="0">
-            <a:schemeClr val="accent1"/>
-          </a:fillRef>
-          <a:effectRef idx="0">
-            <a:schemeClr val="accent1"/>
-          </a:effectRef>
-          <a:fontRef idx="minor">
-            <a:schemeClr val="tx1"/>
-          </a:fontRef>
-        </p:style>
-      </p:cxnSp>
-      <p:cxnSp>
-        <p:nvCxnSpPr>
-          <p:cNvPr id="19" name="Connettore diritto 18">
-            <a:extLst>
-              <a:ext uri="{FF2B5EF4-FFF2-40B4-BE49-F238E27FC236}">
-                <a16:creationId xmlns:a16="http://schemas.microsoft.com/office/drawing/2014/main" id="{B640B39F-ED65-4093-B4DC-548D41827E40}"/>
-              </a:ext>
-            </a:extLst>
-          </p:cNvPr>
-          <p:cNvCxnSpPr>
-            <a:cxnSpLocks/>
-          </p:cNvCxnSpPr>
-          <p:nvPr/>
-        </p:nvCxnSpPr>
-        <p:spPr>
-          <a:xfrm flipH="1">
-            <a:off x="1439999" y="2880000"/>
-            <a:ext cx="720000" cy="720000"/>
-          </a:xfrm>
-          <a:prstGeom prst="line">
-            <a:avLst/>
-          </a:prstGeom>
-          <a:ln>
-            <a:solidFill>
-              <a:schemeClr val="tx1"/>
-            </a:solidFill>
-          </a:ln>
-        </p:spPr>
-        <p:style>
-          <a:lnRef idx="1">
-            <a:schemeClr val="accent1"/>
-          </a:lnRef>
-          <a:fillRef idx="0">
-            <a:schemeClr val="accent1"/>
-          </a:fillRef>
-          <a:effectRef idx="0">
-            <a:schemeClr val="accent1"/>
-          </a:effectRef>
-          <a:fontRef idx="minor">
-            <a:schemeClr val="tx1"/>
-          </a:fontRef>
-        </p:style>
-      </p:cxnSp>
-      <p:cxnSp>
-        <p:nvCxnSpPr>
-          <p:cNvPr id="22" name="Connettore diritto 21">
-            <a:extLst>
-              <a:ext uri="{FF2B5EF4-FFF2-40B4-BE49-F238E27FC236}">
-                <a16:creationId xmlns:a16="http://schemas.microsoft.com/office/drawing/2014/main" id="{21FE6B1C-781C-428D-8CB2-C99824462BED}"/>
-              </a:ext>
-            </a:extLst>
-          </p:cNvPr>
-          <p:cNvCxnSpPr/>
-          <p:nvPr/>
-        </p:nvCxnSpPr>
-        <p:spPr>
-          <a:xfrm flipH="1">
-            <a:off x="1728000" y="2880000"/>
-            <a:ext cx="720000" cy="720000"/>
-          </a:xfrm>
-          <a:prstGeom prst="line">
-            <a:avLst/>
-          </a:prstGeom>
-          <a:ln>
-            <a:solidFill>
-              <a:schemeClr val="tx1"/>
-            </a:solidFill>
-          </a:ln>
-        </p:spPr>
-        <p:style>
-          <a:lnRef idx="1">
-            <a:schemeClr val="accent1"/>
-          </a:lnRef>
-          <a:fillRef idx="0">
-            <a:schemeClr val="accent1"/>
-          </a:fillRef>
-          <a:effectRef idx="0">
-            <a:schemeClr val="accent1"/>
-          </a:effectRef>
-          <a:fontRef idx="minor">
-            <a:schemeClr val="tx1"/>
-          </a:fontRef>
-        </p:style>
-      </p:cxnSp>
-      <p:cxnSp>
-        <p:nvCxnSpPr>
-          <p:cNvPr id="23" name="Connettore diritto 22">
-            <a:extLst>
-              <a:ext uri="{FF2B5EF4-FFF2-40B4-BE49-F238E27FC236}">
-                <a16:creationId xmlns:a16="http://schemas.microsoft.com/office/drawing/2014/main" id="{B08403DD-4FA8-4A25-8A8E-920FB273BDC3}"/>
-              </a:ext>
-            </a:extLst>
-          </p:cNvPr>
-          <p:cNvCxnSpPr/>
-          <p:nvPr/>
-        </p:nvCxnSpPr>
-        <p:spPr>
-          <a:xfrm flipH="1">
-            <a:off x="2224489" y="2880000"/>
-            <a:ext cx="720000" cy="720000"/>
-          </a:xfrm>
-          <a:prstGeom prst="line">
-            <a:avLst/>
-          </a:prstGeom>
-          <a:ln>
-            <a:solidFill>
-              <a:schemeClr val="tx1"/>
-            </a:solidFill>
-          </a:ln>
-        </p:spPr>
-        <p:style>
-          <a:lnRef idx="1">
-            <a:schemeClr val="accent1"/>
-          </a:lnRef>
-          <a:fillRef idx="0">
-            <a:schemeClr val="accent1"/>
-          </a:fillRef>
-          <a:effectRef idx="0">
-            <a:schemeClr val="accent1"/>
-          </a:effectRef>
-          <a:fontRef idx="minor">
-            <a:schemeClr val="tx1"/>
-          </a:fontRef>
-        </p:style>
-      </p:cxnSp>
-      <p:cxnSp>
-        <p:nvCxnSpPr>
-          <p:cNvPr id="24" name="Connettore diritto 23">
-            <a:extLst>
-              <a:ext uri="{FF2B5EF4-FFF2-40B4-BE49-F238E27FC236}">
-                <a16:creationId xmlns:a16="http://schemas.microsoft.com/office/drawing/2014/main" id="{5E2F94F6-E31E-4C2C-B2E4-A090CD2BC01E}"/>
-              </a:ext>
-            </a:extLst>
-          </p:cNvPr>
-          <p:cNvCxnSpPr/>
-          <p:nvPr/>
-        </p:nvCxnSpPr>
-        <p:spPr>
-          <a:xfrm flipH="1">
-            <a:off x="2504416" y="2880000"/>
-            <a:ext cx="720000" cy="720000"/>
-          </a:xfrm>
-          <a:prstGeom prst="line">
-            <a:avLst/>
-          </a:prstGeom>
-          <a:ln>
-            <a:solidFill>
-              <a:schemeClr val="tx1"/>
-            </a:solidFill>
-          </a:ln>
-        </p:spPr>
-        <p:style>
-          <a:lnRef idx="1">
-            <a:schemeClr val="accent1"/>
-          </a:lnRef>
-          <a:fillRef idx="0">
-            <a:schemeClr val="accent1"/>
-          </a:fillRef>
-          <a:effectRef idx="0">
-            <a:schemeClr val="accent1"/>
-          </a:effectRef>
-          <a:fontRef idx="minor">
-            <a:schemeClr val="tx1"/>
-          </a:fontRef>
-        </p:style>
-      </p:cxnSp>
-      <p:cxnSp>
-        <p:nvCxnSpPr>
-          <p:cNvPr id="25" name="Connettore diritto 24">
-            <a:extLst>
-              <a:ext uri="{FF2B5EF4-FFF2-40B4-BE49-F238E27FC236}">
-                <a16:creationId xmlns:a16="http://schemas.microsoft.com/office/drawing/2014/main" id="{8167AD55-188B-446C-9B01-FEA490AB020A}"/>
-              </a:ext>
-            </a:extLst>
-          </p:cNvPr>
-          <p:cNvCxnSpPr/>
-          <p:nvPr/>
-        </p:nvCxnSpPr>
-        <p:spPr>
-          <a:xfrm flipH="1">
-            <a:off x="2972268" y="2880000"/>
-            <a:ext cx="720000" cy="720000"/>
-          </a:xfrm>
-          <a:prstGeom prst="line">
-            <a:avLst/>
-          </a:prstGeom>
-          <a:ln>
-            <a:solidFill>
-              <a:schemeClr val="tx1"/>
-            </a:solidFill>
-          </a:ln>
-        </p:spPr>
-        <p:style>
-          <a:lnRef idx="1">
-            <a:schemeClr val="accent1"/>
-          </a:lnRef>
-          <a:fillRef idx="0">
-            <a:schemeClr val="accent1"/>
-          </a:fillRef>
-          <a:effectRef idx="0">
-            <a:schemeClr val="accent1"/>
-          </a:effectRef>
-          <a:fontRef idx="minor">
-            <a:schemeClr val="tx1"/>
-          </a:fontRef>
-        </p:style>
-      </p:cxnSp>
-      <p:cxnSp>
-        <p:nvCxnSpPr>
-          <p:cNvPr id="26" name="Connettore diritto 25">
-            <a:extLst>
-              <a:ext uri="{FF2B5EF4-FFF2-40B4-BE49-F238E27FC236}">
-                <a16:creationId xmlns:a16="http://schemas.microsoft.com/office/drawing/2014/main" id="{3CD2C60A-9BDD-4343-B7E1-7F4BF68C7456}"/>
-              </a:ext>
-            </a:extLst>
-          </p:cNvPr>
-          <p:cNvCxnSpPr>
-            <a:cxnSpLocks/>
-          </p:cNvCxnSpPr>
-          <p:nvPr/>
-        </p:nvCxnSpPr>
-        <p:spPr>
-          <a:xfrm flipH="1">
-            <a:off x="3960000" y="3240000"/>
-            <a:ext cx="360000" cy="360000"/>
-          </a:xfrm>
-          <a:prstGeom prst="line">
-            <a:avLst/>
-          </a:prstGeom>
-          <a:ln>
-            <a:solidFill>
-              <a:schemeClr val="tx1"/>
-            </a:solidFill>
-          </a:ln>
-        </p:spPr>
-        <p:style>
-          <a:lnRef idx="1">
-            <a:schemeClr val="accent1"/>
-          </a:lnRef>
-          <a:fillRef idx="0">
-            <a:schemeClr val="accent1"/>
-          </a:fillRef>
-          <a:effectRef idx="0">
-            <a:schemeClr val="accent1"/>
-          </a:effectRef>
-          <a:fontRef idx="minor">
-            <a:schemeClr val="tx1"/>
-          </a:fontRef>
-        </p:style>
-      </p:cxnSp>
-      <p:cxnSp>
-        <p:nvCxnSpPr>
-          <p:cNvPr id="28" name="Connettore diritto 27">
-            <a:extLst>
-              <a:ext uri="{FF2B5EF4-FFF2-40B4-BE49-F238E27FC236}">
-                <a16:creationId xmlns:a16="http://schemas.microsoft.com/office/drawing/2014/main" id="{4BDCE460-D0EC-499B-875D-1FBC2CCDEA1A}"/>
-              </a:ext>
-            </a:extLst>
-          </p:cNvPr>
-          <p:cNvCxnSpPr/>
-          <p:nvPr/>
-        </p:nvCxnSpPr>
-        <p:spPr>
-          <a:xfrm flipH="1">
-            <a:off x="3240000" y="2880000"/>
-            <a:ext cx="720000" cy="720000"/>
-          </a:xfrm>
-          <a:prstGeom prst="line">
-            <a:avLst/>
-          </a:prstGeom>
-          <a:ln>
-            <a:solidFill>
-              <a:schemeClr val="tx1"/>
-            </a:solidFill>
-          </a:ln>
-        </p:spPr>
-        <p:style>
-          <a:lnRef idx="1">
-            <a:schemeClr val="accent1"/>
-          </a:lnRef>
-          <a:fillRef idx="0">
-            <a:schemeClr val="accent1"/>
-          </a:fillRef>
-          <a:effectRef idx="0">
-            <a:schemeClr val="accent1"/>
-          </a:effectRef>
-          <a:fontRef idx="minor">
-            <a:schemeClr val="tx1"/>
-          </a:fontRef>
-        </p:style>
-      </p:cxnSp>
-      <p:cxnSp>
-        <p:nvCxnSpPr>
-          <p:cNvPr id="31" name="Connettore diritto 30">
-            <a:extLst>
-              <a:ext uri="{FF2B5EF4-FFF2-40B4-BE49-F238E27FC236}">
-                <a16:creationId xmlns:a16="http://schemas.microsoft.com/office/drawing/2014/main" id="{62CABCD2-799D-4787-B5D9-8B38C9F96B5F}"/>
-              </a:ext>
-            </a:extLst>
-          </p:cNvPr>
-          <p:cNvCxnSpPr/>
-          <p:nvPr/>
-        </p:nvCxnSpPr>
-        <p:spPr>
-          <a:xfrm flipH="1">
-            <a:off x="3600000" y="2880000"/>
-            <a:ext cx="720000" cy="720000"/>
-          </a:xfrm>
-          <a:prstGeom prst="line">
-            <a:avLst/>
-          </a:prstGeom>
-          <a:ln>
-            <a:solidFill>
-              <a:schemeClr val="tx1"/>
-            </a:solidFill>
-          </a:ln>
-        </p:spPr>
-        <p:style>
-          <a:lnRef idx="1">
-            <a:schemeClr val="accent1"/>
-          </a:lnRef>
-          <a:fillRef idx="0">
-            <a:schemeClr val="accent1"/>
-          </a:fillRef>
-          <a:effectRef idx="0">
-            <a:schemeClr val="accent1"/>
-          </a:effectRef>
-          <a:fontRef idx="minor">
-            <a:schemeClr val="tx1"/>
-          </a:fontRef>
-        </p:style>
-      </p:cxnSp>
-    </p:spTree>
-    <p:extLst>
-      <p:ext uri="{BB962C8B-B14F-4D97-AF65-F5344CB8AC3E}">
-        <p14:creationId xmlns:p14="http://schemas.microsoft.com/office/powerpoint/2010/main" val="893338493"/>
       </p:ext>
     </p:extLst>
   </p:cSld>
@@ -24711,6 +25839,1421 @@
     <p:extLst>
       <p:ext uri="{BB962C8B-B14F-4D97-AF65-F5344CB8AC3E}">
         <p14:creationId xmlns:p14="http://schemas.microsoft.com/office/powerpoint/2010/main" val="1042373664"/>
+      </p:ext>
+    </p:extLst>
+  </p:cSld>
+  <p:clrMapOvr>
+    <a:masterClrMapping/>
+  </p:clrMapOvr>
+</p:sld>
+</file>
+
+<file path=ppt/slides/slide20.xml><?xml version="1.0" encoding="utf-8"?>
+<p:sld xmlns:a="http://schemas.openxmlformats.org/drawingml/2006/main" xmlns:r="http://schemas.openxmlformats.org/officeDocument/2006/relationships" xmlns:p="http://schemas.openxmlformats.org/presentationml/2006/main">
+  <p:cSld>
+    <p:spTree>
+      <p:nvGrpSpPr>
+        <p:cNvPr id="1" name=""/>
+        <p:cNvGrpSpPr/>
+        <p:nvPr/>
+      </p:nvGrpSpPr>
+      <p:grpSpPr>
+        <a:xfrm>
+          <a:off x="0" y="0"/>
+          <a:ext cx="0" cy="0"/>
+          <a:chOff x="0" y="0"/>
+          <a:chExt cx="0" cy="0"/>
+        </a:xfrm>
+      </p:grpSpPr>
+      <p:sp>
+        <p:nvSpPr>
+          <p:cNvPr id="20" name="Triangolo rettangolo 19">
+            <a:extLst>
+              <a:ext uri="{FF2B5EF4-FFF2-40B4-BE49-F238E27FC236}">
+                <a16:creationId xmlns:a16="http://schemas.microsoft.com/office/drawing/2014/main" id="{7A2B1C96-51B5-4D01-AD53-4FC01D7927A0}"/>
+              </a:ext>
+            </a:extLst>
+          </p:cNvPr>
+          <p:cNvSpPr/>
+          <p:nvPr/>
+        </p:nvSpPr>
+        <p:spPr>
+          <a:xfrm rot="-5400000">
+            <a:off x="3958790" y="3239998"/>
+            <a:ext cx="360000" cy="360000"/>
+          </a:xfrm>
+          <a:prstGeom prst="rtTriangle">
+            <a:avLst/>
+          </a:prstGeom>
+          <a:solidFill>
+            <a:schemeClr val="bg1">
+              <a:lumMod val="65000"/>
+            </a:schemeClr>
+          </a:solidFill>
+          <a:ln w="6350"/>
+        </p:spPr>
+        <p:style>
+          <a:lnRef idx="2">
+            <a:schemeClr val="dk1"/>
+          </a:lnRef>
+          <a:fillRef idx="1">
+            <a:schemeClr val="lt1"/>
+          </a:fillRef>
+          <a:effectRef idx="0">
+            <a:schemeClr val="dk1"/>
+          </a:effectRef>
+          <a:fontRef idx="minor">
+            <a:schemeClr val="dk1"/>
+          </a:fontRef>
+        </p:style>
+        <p:txBody>
+          <a:bodyPr rtlCol="0" anchor="ctr"/>
+          <a:lstStyle/>
+          <a:p>
+            <a:pPr algn="ctr"/>
+            <a:endParaRPr lang="it-IT"/>
+          </a:p>
+        </p:txBody>
+      </p:sp>
+      <p:sp>
+        <p:nvSpPr>
+          <p:cNvPr id="4" name="Rettangolo 3">
+            <a:extLst>
+              <a:ext uri="{FF2B5EF4-FFF2-40B4-BE49-F238E27FC236}">
+                <a16:creationId xmlns:a16="http://schemas.microsoft.com/office/drawing/2014/main" id="{AFB5874D-EF80-44AA-947E-EF41029CBAFE}"/>
+              </a:ext>
+            </a:extLst>
+          </p:cNvPr>
+          <p:cNvSpPr/>
+          <p:nvPr/>
+        </p:nvSpPr>
+        <p:spPr>
+          <a:xfrm>
+            <a:off x="1440000" y="1440000"/>
+            <a:ext cx="2880000" cy="720000"/>
+          </a:xfrm>
+          <a:prstGeom prst="rect">
+            <a:avLst/>
+          </a:prstGeom>
+          <a:solidFill>
+            <a:schemeClr val="bg1"/>
+          </a:solidFill>
+          <a:ln>
+            <a:solidFill>
+              <a:schemeClr val="bg1">
+                <a:lumMod val="85000"/>
+              </a:schemeClr>
+            </a:solidFill>
+          </a:ln>
+        </p:spPr>
+        <p:style>
+          <a:lnRef idx="2">
+            <a:schemeClr val="dk1"/>
+          </a:lnRef>
+          <a:fillRef idx="1">
+            <a:schemeClr val="lt1"/>
+          </a:fillRef>
+          <a:effectRef idx="0">
+            <a:schemeClr val="dk1"/>
+          </a:effectRef>
+          <a:fontRef idx="minor">
+            <a:schemeClr val="dk1"/>
+          </a:fontRef>
+        </p:style>
+        <p:txBody>
+          <a:bodyPr rtlCol="0" anchor="ctr"/>
+          <a:lstStyle/>
+          <a:p>
+            <a:pPr algn="ctr"/>
+            <a:endParaRPr lang="it-IT"/>
+          </a:p>
+        </p:txBody>
+      </p:sp>
+      <p:cxnSp>
+        <p:nvCxnSpPr>
+          <p:cNvPr id="7" name="Connettore diritto 6">
+            <a:extLst>
+              <a:ext uri="{FF2B5EF4-FFF2-40B4-BE49-F238E27FC236}">
+                <a16:creationId xmlns:a16="http://schemas.microsoft.com/office/drawing/2014/main" id="{968C8501-EB46-4D62-8197-F723EF8E231B}"/>
+              </a:ext>
+            </a:extLst>
+          </p:cNvPr>
+          <p:cNvCxnSpPr/>
+          <p:nvPr/>
+        </p:nvCxnSpPr>
+        <p:spPr>
+          <a:xfrm>
+            <a:off x="1440000" y="2520000"/>
+            <a:ext cx="2880000" cy="0"/>
+          </a:xfrm>
+          <a:prstGeom prst="line">
+            <a:avLst/>
+          </a:prstGeom>
+          <a:ln w="12700">
+            <a:solidFill>
+              <a:schemeClr val="bg1">
+                <a:lumMod val="85000"/>
+              </a:schemeClr>
+            </a:solidFill>
+          </a:ln>
+        </p:spPr>
+        <p:style>
+          <a:lnRef idx="1">
+            <a:schemeClr val="dk1"/>
+          </a:lnRef>
+          <a:fillRef idx="0">
+            <a:schemeClr val="dk1"/>
+          </a:fillRef>
+          <a:effectRef idx="0">
+            <a:schemeClr val="dk1"/>
+          </a:effectRef>
+          <a:fontRef idx="minor">
+            <a:schemeClr val="tx1"/>
+          </a:fontRef>
+        </p:style>
+      </p:cxnSp>
+      <p:cxnSp>
+        <p:nvCxnSpPr>
+          <p:cNvPr id="26" name="Connettore diritto 25">
+            <a:extLst>
+              <a:ext uri="{FF2B5EF4-FFF2-40B4-BE49-F238E27FC236}">
+                <a16:creationId xmlns:a16="http://schemas.microsoft.com/office/drawing/2014/main" id="{3CD2C60A-9BDD-4343-B7E1-7F4BF68C7456}"/>
+              </a:ext>
+            </a:extLst>
+          </p:cNvPr>
+          <p:cNvCxnSpPr>
+            <a:cxnSpLocks/>
+          </p:cNvCxnSpPr>
+          <p:nvPr/>
+        </p:nvCxnSpPr>
+        <p:spPr>
+          <a:xfrm flipH="1">
+            <a:off x="3960000" y="3240000"/>
+            <a:ext cx="360000" cy="360000"/>
+          </a:xfrm>
+          <a:prstGeom prst="line">
+            <a:avLst/>
+          </a:prstGeom>
+          <a:ln>
+            <a:solidFill>
+              <a:schemeClr val="tx1"/>
+            </a:solidFill>
+          </a:ln>
+        </p:spPr>
+        <p:style>
+          <a:lnRef idx="1">
+            <a:schemeClr val="accent1"/>
+          </a:lnRef>
+          <a:fillRef idx="0">
+            <a:schemeClr val="accent1"/>
+          </a:fillRef>
+          <a:effectRef idx="0">
+            <a:schemeClr val="accent1"/>
+          </a:effectRef>
+          <a:fontRef idx="minor">
+            <a:schemeClr val="tx1"/>
+          </a:fontRef>
+        </p:style>
+      </p:cxnSp>
+      <p:sp>
+        <p:nvSpPr>
+          <p:cNvPr id="32" name="Parallelogramma 31">
+            <a:extLst>
+              <a:ext uri="{FF2B5EF4-FFF2-40B4-BE49-F238E27FC236}">
+                <a16:creationId xmlns:a16="http://schemas.microsoft.com/office/drawing/2014/main" id="{36BD2991-4381-41B7-86CA-9690E40789B1}"/>
+              </a:ext>
+            </a:extLst>
+          </p:cNvPr>
+          <p:cNvSpPr>
+            <a:spLocks/>
+          </p:cNvSpPr>
+          <p:nvPr/>
+        </p:nvSpPr>
+        <p:spPr>
+          <a:xfrm>
+            <a:off x="1440000" y="2880000"/>
+            <a:ext cx="1080000" cy="720000"/>
+          </a:xfrm>
+          <a:prstGeom prst="parallelogram">
+            <a:avLst>
+              <a:gd name="adj" fmla="val 99999"/>
+            </a:avLst>
+          </a:prstGeom>
+          <a:solidFill>
+            <a:schemeClr val="accent1">
+              <a:lumMod val="75000"/>
+            </a:schemeClr>
+          </a:solidFill>
+          <a:ln w="6350"/>
+        </p:spPr>
+        <p:style>
+          <a:lnRef idx="2">
+            <a:schemeClr val="dk1"/>
+          </a:lnRef>
+          <a:fillRef idx="1">
+            <a:schemeClr val="lt1"/>
+          </a:fillRef>
+          <a:effectRef idx="0">
+            <a:schemeClr val="dk1"/>
+          </a:effectRef>
+          <a:fontRef idx="minor">
+            <a:schemeClr val="dk1"/>
+          </a:fontRef>
+        </p:style>
+        <p:txBody>
+          <a:bodyPr rtlCol="0" anchor="ctr"/>
+          <a:lstStyle/>
+          <a:p>
+            <a:pPr algn="ctr"/>
+            <a:endParaRPr lang="it-IT"/>
+          </a:p>
+        </p:txBody>
+      </p:sp>
+      <p:sp>
+        <p:nvSpPr>
+          <p:cNvPr id="33" name="Parallelogramma 32">
+            <a:extLst>
+              <a:ext uri="{FF2B5EF4-FFF2-40B4-BE49-F238E27FC236}">
+                <a16:creationId xmlns:a16="http://schemas.microsoft.com/office/drawing/2014/main" id="{AAE07D06-E0D5-4AC6-9287-1331B1C391D1}"/>
+              </a:ext>
+            </a:extLst>
+          </p:cNvPr>
+          <p:cNvSpPr>
+            <a:spLocks/>
+          </p:cNvSpPr>
+          <p:nvPr/>
+        </p:nvSpPr>
+        <p:spPr>
+          <a:xfrm>
+            <a:off x="1800000" y="2880000"/>
+            <a:ext cx="1080000" cy="720000"/>
+          </a:xfrm>
+          <a:prstGeom prst="parallelogram">
+            <a:avLst>
+              <a:gd name="adj" fmla="val 99999"/>
+            </a:avLst>
+          </a:prstGeom>
+          <a:solidFill>
+            <a:schemeClr val="bg1">
+              <a:lumMod val="65000"/>
+            </a:schemeClr>
+          </a:solidFill>
+          <a:ln w="6350"/>
+        </p:spPr>
+        <p:style>
+          <a:lnRef idx="2">
+            <a:schemeClr val="dk1"/>
+          </a:lnRef>
+          <a:fillRef idx="1">
+            <a:schemeClr val="lt1"/>
+          </a:fillRef>
+          <a:effectRef idx="0">
+            <a:schemeClr val="dk1"/>
+          </a:effectRef>
+          <a:fontRef idx="minor">
+            <a:schemeClr val="dk1"/>
+          </a:fontRef>
+        </p:style>
+        <p:txBody>
+          <a:bodyPr rtlCol="0" anchor="ctr"/>
+          <a:lstStyle/>
+          <a:p>
+            <a:pPr algn="ctr"/>
+            <a:endParaRPr lang="it-IT"/>
+          </a:p>
+        </p:txBody>
+      </p:sp>
+      <p:sp>
+        <p:nvSpPr>
+          <p:cNvPr id="34" name="Parallelogramma 33">
+            <a:extLst>
+              <a:ext uri="{FF2B5EF4-FFF2-40B4-BE49-F238E27FC236}">
+                <a16:creationId xmlns:a16="http://schemas.microsoft.com/office/drawing/2014/main" id="{A126DC85-DD00-4B04-B8AF-F7E20B67255B}"/>
+              </a:ext>
+            </a:extLst>
+          </p:cNvPr>
+          <p:cNvSpPr>
+            <a:spLocks/>
+          </p:cNvSpPr>
+          <p:nvPr/>
+        </p:nvSpPr>
+        <p:spPr>
+          <a:xfrm>
+            <a:off x="2520000" y="2880000"/>
+            <a:ext cx="1080000" cy="720000"/>
+          </a:xfrm>
+          <a:prstGeom prst="parallelogram">
+            <a:avLst>
+              <a:gd name="adj" fmla="val 99999"/>
+            </a:avLst>
+          </a:prstGeom>
+          <a:solidFill>
+            <a:schemeClr val="accent1">
+              <a:lumMod val="75000"/>
+            </a:schemeClr>
+          </a:solidFill>
+          <a:ln w="6350"/>
+        </p:spPr>
+        <p:style>
+          <a:lnRef idx="2">
+            <a:schemeClr val="dk1"/>
+          </a:lnRef>
+          <a:fillRef idx="1">
+            <a:schemeClr val="lt1"/>
+          </a:fillRef>
+          <a:effectRef idx="0">
+            <a:schemeClr val="dk1"/>
+          </a:effectRef>
+          <a:fontRef idx="minor">
+            <a:schemeClr val="dk1"/>
+          </a:fontRef>
+        </p:style>
+        <p:txBody>
+          <a:bodyPr rtlCol="0" anchor="ctr"/>
+          <a:lstStyle/>
+          <a:p>
+            <a:pPr algn="ctr"/>
+            <a:endParaRPr lang="it-IT"/>
+          </a:p>
+        </p:txBody>
+      </p:sp>
+      <p:sp>
+        <p:nvSpPr>
+          <p:cNvPr id="36" name="Triangolo rettangolo 35">
+            <a:extLst>
+              <a:ext uri="{FF2B5EF4-FFF2-40B4-BE49-F238E27FC236}">
+                <a16:creationId xmlns:a16="http://schemas.microsoft.com/office/drawing/2014/main" id="{48650062-DE27-4055-AC8C-81E84FF78846}"/>
+              </a:ext>
+            </a:extLst>
+          </p:cNvPr>
+          <p:cNvSpPr/>
+          <p:nvPr/>
+        </p:nvSpPr>
+        <p:spPr>
+          <a:xfrm rot="5400000">
+            <a:off x="1440000" y="2880000"/>
+            <a:ext cx="360000" cy="360000"/>
+          </a:xfrm>
+          <a:prstGeom prst="rtTriangle">
+            <a:avLst/>
+          </a:prstGeom>
+          <a:solidFill>
+            <a:schemeClr val="bg1">
+              <a:lumMod val="65000"/>
+            </a:schemeClr>
+          </a:solidFill>
+          <a:ln w="6350"/>
+        </p:spPr>
+        <p:style>
+          <a:lnRef idx="2">
+            <a:schemeClr val="dk1"/>
+          </a:lnRef>
+          <a:fillRef idx="1">
+            <a:schemeClr val="lt1"/>
+          </a:fillRef>
+          <a:effectRef idx="0">
+            <a:schemeClr val="dk1"/>
+          </a:effectRef>
+          <a:fontRef idx="minor">
+            <a:schemeClr val="dk1"/>
+          </a:fontRef>
+        </p:style>
+        <p:txBody>
+          <a:bodyPr rtlCol="0" anchor="ctr"/>
+          <a:lstStyle/>
+          <a:p>
+            <a:pPr algn="ctr"/>
+            <a:endParaRPr lang="it-IT"/>
+          </a:p>
+        </p:txBody>
+      </p:sp>
+      <p:sp>
+        <p:nvSpPr>
+          <p:cNvPr id="37" name="Parallelogramma 36">
+            <a:extLst>
+              <a:ext uri="{FF2B5EF4-FFF2-40B4-BE49-F238E27FC236}">
+                <a16:creationId xmlns:a16="http://schemas.microsoft.com/office/drawing/2014/main" id="{0AF42239-9121-43E6-8505-AC474381C9EF}"/>
+              </a:ext>
+            </a:extLst>
+          </p:cNvPr>
+          <p:cNvSpPr>
+            <a:spLocks/>
+          </p:cNvSpPr>
+          <p:nvPr/>
+        </p:nvSpPr>
+        <p:spPr>
+          <a:xfrm>
+            <a:off x="2880000" y="2880000"/>
+            <a:ext cx="1080000" cy="720000"/>
+          </a:xfrm>
+          <a:prstGeom prst="parallelogram">
+            <a:avLst>
+              <a:gd name="adj" fmla="val 99999"/>
+            </a:avLst>
+          </a:prstGeom>
+          <a:solidFill>
+            <a:schemeClr val="bg1">
+              <a:lumMod val="65000"/>
+            </a:schemeClr>
+          </a:solidFill>
+          <a:ln w="6350"/>
+        </p:spPr>
+        <p:style>
+          <a:lnRef idx="2">
+            <a:schemeClr val="dk1"/>
+          </a:lnRef>
+          <a:fillRef idx="1">
+            <a:schemeClr val="lt1"/>
+          </a:fillRef>
+          <a:effectRef idx="0">
+            <a:schemeClr val="dk1"/>
+          </a:effectRef>
+          <a:fontRef idx="minor">
+            <a:schemeClr val="dk1"/>
+          </a:fontRef>
+        </p:style>
+        <p:txBody>
+          <a:bodyPr rtlCol="0" anchor="ctr"/>
+          <a:lstStyle/>
+          <a:p>
+            <a:pPr algn="ctr"/>
+            <a:endParaRPr lang="it-IT"/>
+          </a:p>
+        </p:txBody>
+      </p:sp>
+      <p:sp>
+        <p:nvSpPr>
+          <p:cNvPr id="38" name="Trapezio 37">
+            <a:extLst>
+              <a:ext uri="{FF2B5EF4-FFF2-40B4-BE49-F238E27FC236}">
+                <a16:creationId xmlns:a16="http://schemas.microsoft.com/office/drawing/2014/main" id="{C72CB81C-018B-4D12-8FA9-81966C55EABA}"/>
+              </a:ext>
+            </a:extLst>
+          </p:cNvPr>
+          <p:cNvSpPr/>
+          <p:nvPr/>
+        </p:nvSpPr>
+        <p:spPr>
+          <a:xfrm rot="8100000">
+            <a:off x="3541168" y="3202768"/>
+            <a:ext cx="1018800" cy="255600"/>
+          </a:xfrm>
+          <a:prstGeom prst="trapezoid">
+            <a:avLst>
+              <a:gd name="adj" fmla="val 102258"/>
+            </a:avLst>
+          </a:prstGeom>
+          <a:solidFill>
+            <a:schemeClr val="accent1">
+              <a:lumMod val="75000"/>
+            </a:schemeClr>
+          </a:solidFill>
+          <a:ln w="6350"/>
+        </p:spPr>
+        <p:style>
+          <a:lnRef idx="2">
+            <a:schemeClr val="dk1"/>
+          </a:lnRef>
+          <a:fillRef idx="1">
+            <a:schemeClr val="lt1"/>
+          </a:fillRef>
+          <a:effectRef idx="0">
+            <a:schemeClr val="dk1"/>
+          </a:effectRef>
+          <a:fontRef idx="minor">
+            <a:schemeClr val="dk1"/>
+          </a:fontRef>
+        </p:style>
+        <p:txBody>
+          <a:bodyPr rtlCol="0" anchor="ctr"/>
+          <a:lstStyle/>
+          <a:p>
+            <a:pPr algn="ctr"/>
+            <a:endParaRPr lang="it-IT"/>
+          </a:p>
+        </p:txBody>
+      </p:sp>
+      <p:sp>
+        <p:nvSpPr>
+          <p:cNvPr id="5" name="Rettangolo 4">
+            <a:extLst>
+              <a:ext uri="{FF2B5EF4-FFF2-40B4-BE49-F238E27FC236}">
+                <a16:creationId xmlns:a16="http://schemas.microsoft.com/office/drawing/2014/main" id="{A2866499-10D0-4275-8C25-6D6A8FA1F309}"/>
+              </a:ext>
+            </a:extLst>
+          </p:cNvPr>
+          <p:cNvSpPr/>
+          <p:nvPr/>
+        </p:nvSpPr>
+        <p:spPr>
+          <a:xfrm>
+            <a:off x="1440000" y="2880000"/>
+            <a:ext cx="2880000" cy="720000"/>
+          </a:xfrm>
+          <a:prstGeom prst="rect">
+            <a:avLst/>
+          </a:prstGeom>
+          <a:noFill/>
+          <a:ln>
+            <a:solidFill>
+              <a:schemeClr val="dk1">
+                <a:alpha val="91000"/>
+              </a:schemeClr>
+            </a:solidFill>
+          </a:ln>
+        </p:spPr>
+        <p:style>
+          <a:lnRef idx="2">
+            <a:schemeClr val="dk1"/>
+          </a:lnRef>
+          <a:fillRef idx="1">
+            <a:schemeClr val="lt1"/>
+          </a:fillRef>
+          <a:effectRef idx="0">
+            <a:schemeClr val="dk1"/>
+          </a:effectRef>
+          <a:fontRef idx="minor">
+            <a:schemeClr val="dk1"/>
+          </a:fontRef>
+        </p:style>
+        <p:txBody>
+          <a:bodyPr rtlCol="0" anchor="ctr"/>
+          <a:lstStyle/>
+          <a:p>
+            <a:pPr algn="ctr"/>
+            <a:endParaRPr lang="it-IT"/>
+          </a:p>
+        </p:txBody>
+      </p:sp>
+      <p:sp>
+        <p:nvSpPr>
+          <p:cNvPr id="14" name="Arco 13">
+            <a:extLst>
+              <a:ext uri="{FF2B5EF4-FFF2-40B4-BE49-F238E27FC236}">
+                <a16:creationId xmlns:a16="http://schemas.microsoft.com/office/drawing/2014/main" id="{8BAE020B-DB8A-4336-874B-EC6FD646ED00}"/>
+              </a:ext>
+            </a:extLst>
+          </p:cNvPr>
+          <p:cNvSpPr/>
+          <p:nvPr/>
+        </p:nvSpPr>
+        <p:spPr>
+          <a:xfrm rot="10800000" flipH="1">
+            <a:off x="133350" y="983681"/>
+            <a:ext cx="4186650" cy="1176319"/>
+          </a:xfrm>
+          <a:prstGeom prst="arc">
+            <a:avLst>
+              <a:gd name="adj1" fmla="val 16128148"/>
+              <a:gd name="adj2" fmla="val 21567144"/>
+            </a:avLst>
+          </a:prstGeom>
+          <a:ln w="6350">
+            <a:solidFill>
+              <a:schemeClr val="bg1">
+                <a:lumMod val="85000"/>
+              </a:schemeClr>
+            </a:solidFill>
+          </a:ln>
+        </p:spPr>
+        <p:style>
+          <a:lnRef idx="1">
+            <a:schemeClr val="accent1"/>
+          </a:lnRef>
+          <a:fillRef idx="0">
+            <a:schemeClr val="accent1"/>
+          </a:fillRef>
+          <a:effectRef idx="0">
+            <a:schemeClr val="accent1"/>
+          </a:effectRef>
+          <a:fontRef idx="minor">
+            <a:schemeClr val="tx1"/>
+          </a:fontRef>
+        </p:style>
+        <p:txBody>
+          <a:bodyPr rtlCol="0" anchor="ctr"/>
+          <a:lstStyle/>
+          <a:p>
+            <a:pPr algn="ctr"/>
+            <a:endParaRPr lang="it-IT"/>
+          </a:p>
+        </p:txBody>
+      </p:sp>
+      <p:cxnSp>
+        <p:nvCxnSpPr>
+          <p:cNvPr id="17" name="Connettore 2 16">
+            <a:extLst>
+              <a:ext uri="{FF2B5EF4-FFF2-40B4-BE49-F238E27FC236}">
+                <a16:creationId xmlns:a16="http://schemas.microsoft.com/office/drawing/2014/main" id="{321507BA-D4D9-47E3-ABD9-8325DA602045}"/>
+              </a:ext>
+            </a:extLst>
+          </p:cNvPr>
+          <p:cNvCxnSpPr>
+            <a:cxnSpLocks/>
+          </p:cNvCxnSpPr>
+          <p:nvPr/>
+        </p:nvCxnSpPr>
+        <p:spPr>
+          <a:xfrm flipV="1">
+            <a:off x="1440000" y="1620000"/>
+            <a:ext cx="2878790" cy="0"/>
+          </a:xfrm>
+          <a:prstGeom prst="straightConnector1">
+            <a:avLst/>
+          </a:prstGeom>
+          <a:ln w="6350">
+            <a:solidFill>
+              <a:schemeClr val="bg1">
+                <a:lumMod val="85000"/>
+              </a:schemeClr>
+            </a:solidFill>
+            <a:headEnd w="sm" len="med"/>
+            <a:tailEnd type="triangle" w="sm" len="med"/>
+          </a:ln>
+        </p:spPr>
+        <p:style>
+          <a:lnRef idx="1">
+            <a:schemeClr val="dk1"/>
+          </a:lnRef>
+          <a:fillRef idx="0">
+            <a:schemeClr val="dk1"/>
+          </a:fillRef>
+          <a:effectRef idx="0">
+            <a:schemeClr val="dk1"/>
+          </a:effectRef>
+          <a:fontRef idx="minor">
+            <a:schemeClr val="tx1"/>
+          </a:fontRef>
+        </p:style>
+      </p:cxnSp>
+      <p:cxnSp>
+        <p:nvCxnSpPr>
+          <p:cNvPr id="18" name="Connettore 2 17">
+            <a:extLst>
+              <a:ext uri="{FF2B5EF4-FFF2-40B4-BE49-F238E27FC236}">
+                <a16:creationId xmlns:a16="http://schemas.microsoft.com/office/drawing/2014/main" id="{C5AD0AC0-5573-4269-9868-FEC5ED07380D}"/>
+              </a:ext>
+            </a:extLst>
+          </p:cNvPr>
+          <p:cNvCxnSpPr>
+            <a:cxnSpLocks/>
+          </p:cNvCxnSpPr>
+          <p:nvPr/>
+        </p:nvCxnSpPr>
+        <p:spPr>
+          <a:xfrm>
+            <a:off x="1440000" y="1800000"/>
+            <a:ext cx="2718000" cy="0"/>
+          </a:xfrm>
+          <a:prstGeom prst="straightConnector1">
+            <a:avLst/>
+          </a:prstGeom>
+          <a:ln w="6350">
+            <a:solidFill>
+              <a:schemeClr val="bg1">
+                <a:lumMod val="85000"/>
+              </a:schemeClr>
+            </a:solidFill>
+            <a:headEnd w="sm" len="med"/>
+            <a:tailEnd type="triangle" w="sm" len="med"/>
+          </a:ln>
+        </p:spPr>
+        <p:style>
+          <a:lnRef idx="1">
+            <a:schemeClr val="dk1"/>
+          </a:lnRef>
+          <a:fillRef idx="0">
+            <a:schemeClr val="dk1"/>
+          </a:fillRef>
+          <a:effectRef idx="0">
+            <a:schemeClr val="dk1"/>
+          </a:effectRef>
+          <a:fontRef idx="minor">
+            <a:schemeClr val="tx1"/>
+          </a:fontRef>
+        </p:style>
+      </p:cxnSp>
+      <p:cxnSp>
+        <p:nvCxnSpPr>
+          <p:cNvPr id="19" name="Connettore 2 18">
+            <a:extLst>
+              <a:ext uri="{FF2B5EF4-FFF2-40B4-BE49-F238E27FC236}">
+                <a16:creationId xmlns:a16="http://schemas.microsoft.com/office/drawing/2014/main" id="{4472D06B-D51E-4AEE-B578-4390592E5AC7}"/>
+              </a:ext>
+            </a:extLst>
+          </p:cNvPr>
+          <p:cNvCxnSpPr>
+            <a:cxnSpLocks/>
+          </p:cNvCxnSpPr>
+          <p:nvPr/>
+        </p:nvCxnSpPr>
+        <p:spPr>
+          <a:xfrm>
+            <a:off x="1439999" y="1980000"/>
+            <a:ext cx="2268000" cy="0"/>
+          </a:xfrm>
+          <a:prstGeom prst="straightConnector1">
+            <a:avLst/>
+          </a:prstGeom>
+          <a:ln w="6350">
+            <a:solidFill>
+              <a:schemeClr val="bg1">
+                <a:lumMod val="85000"/>
+              </a:schemeClr>
+            </a:solidFill>
+            <a:headEnd w="sm" len="med"/>
+            <a:tailEnd type="triangle" w="sm" len="med"/>
+          </a:ln>
+        </p:spPr>
+        <p:style>
+          <a:lnRef idx="1">
+            <a:schemeClr val="dk1"/>
+          </a:lnRef>
+          <a:fillRef idx="0">
+            <a:schemeClr val="dk1"/>
+          </a:fillRef>
+          <a:effectRef idx="0">
+            <a:schemeClr val="dk1"/>
+          </a:effectRef>
+          <a:fontRef idx="minor">
+            <a:schemeClr val="tx1"/>
+          </a:fontRef>
+        </p:style>
+      </p:cxnSp>
+    </p:spTree>
+    <p:extLst>
+      <p:ext uri="{BB962C8B-B14F-4D97-AF65-F5344CB8AC3E}">
+        <p14:creationId xmlns:p14="http://schemas.microsoft.com/office/powerpoint/2010/main" val="413652419"/>
+      </p:ext>
+    </p:extLst>
+  </p:cSld>
+  <p:clrMapOvr>
+    <a:masterClrMapping/>
+  </p:clrMapOvr>
+</p:sld>
+</file>
+
+<file path=ppt/slides/slide21.xml><?xml version="1.0" encoding="utf-8"?>
+<p:sld xmlns:a="http://schemas.openxmlformats.org/drawingml/2006/main" xmlns:r="http://schemas.openxmlformats.org/officeDocument/2006/relationships" xmlns:p="http://schemas.openxmlformats.org/presentationml/2006/main">
+  <p:cSld>
+    <p:spTree>
+      <p:nvGrpSpPr>
+        <p:cNvPr id="1" name=""/>
+        <p:cNvGrpSpPr/>
+        <p:nvPr/>
+      </p:nvGrpSpPr>
+      <p:grpSpPr>
+        <a:xfrm>
+          <a:off x="0" y="0"/>
+          <a:ext cx="0" cy="0"/>
+          <a:chOff x="0" y="0"/>
+          <a:chExt cx="0" cy="0"/>
+        </a:xfrm>
+      </p:grpSpPr>
+      <p:sp>
+        <p:nvSpPr>
+          <p:cNvPr id="4" name="Rettangolo 3">
+            <a:extLst>
+              <a:ext uri="{FF2B5EF4-FFF2-40B4-BE49-F238E27FC236}">
+                <a16:creationId xmlns:a16="http://schemas.microsoft.com/office/drawing/2014/main" id="{AFB5874D-EF80-44AA-947E-EF41029CBAFE}"/>
+              </a:ext>
+            </a:extLst>
+          </p:cNvPr>
+          <p:cNvSpPr/>
+          <p:nvPr/>
+        </p:nvSpPr>
+        <p:spPr>
+          <a:xfrm>
+            <a:off x="1440000" y="1440000"/>
+            <a:ext cx="2880000" cy="720000"/>
+          </a:xfrm>
+          <a:prstGeom prst="rect">
+            <a:avLst/>
+          </a:prstGeom>
+          <a:solidFill>
+            <a:schemeClr val="accent5">
+              <a:lumMod val="20000"/>
+              <a:lumOff val="80000"/>
+            </a:schemeClr>
+          </a:solidFill>
+        </p:spPr>
+        <p:style>
+          <a:lnRef idx="2">
+            <a:schemeClr val="dk1"/>
+          </a:lnRef>
+          <a:fillRef idx="1">
+            <a:schemeClr val="lt1"/>
+          </a:fillRef>
+          <a:effectRef idx="0">
+            <a:schemeClr val="dk1"/>
+          </a:effectRef>
+          <a:fontRef idx="minor">
+            <a:schemeClr val="dk1"/>
+          </a:fontRef>
+        </p:style>
+        <p:txBody>
+          <a:bodyPr rtlCol="0" anchor="ctr"/>
+          <a:lstStyle/>
+          <a:p>
+            <a:pPr algn="ctr"/>
+            <a:endParaRPr lang="it-IT"/>
+          </a:p>
+        </p:txBody>
+      </p:sp>
+      <p:cxnSp>
+        <p:nvCxnSpPr>
+          <p:cNvPr id="7" name="Connettore diritto 6">
+            <a:extLst>
+              <a:ext uri="{FF2B5EF4-FFF2-40B4-BE49-F238E27FC236}">
+                <a16:creationId xmlns:a16="http://schemas.microsoft.com/office/drawing/2014/main" id="{968C8501-EB46-4D62-8197-F723EF8E231B}"/>
+              </a:ext>
+            </a:extLst>
+          </p:cNvPr>
+          <p:cNvCxnSpPr/>
+          <p:nvPr/>
+        </p:nvCxnSpPr>
+        <p:spPr>
+          <a:xfrm>
+            <a:off x="1440000" y="2520000"/>
+            <a:ext cx="2880000" cy="0"/>
+          </a:xfrm>
+          <a:prstGeom prst="line">
+            <a:avLst/>
+          </a:prstGeom>
+          <a:ln w="12700"/>
+        </p:spPr>
+        <p:style>
+          <a:lnRef idx="1">
+            <a:schemeClr val="dk1"/>
+          </a:lnRef>
+          <a:fillRef idx="0">
+            <a:schemeClr val="dk1"/>
+          </a:fillRef>
+          <a:effectRef idx="0">
+            <a:schemeClr val="dk1"/>
+          </a:effectRef>
+          <a:fontRef idx="minor">
+            <a:schemeClr val="tx1"/>
+          </a:fontRef>
+        </p:style>
+      </p:cxnSp>
+      <p:cxnSp>
+        <p:nvCxnSpPr>
+          <p:cNvPr id="15" name="Connettore 2 14">
+            <a:extLst>
+              <a:ext uri="{FF2B5EF4-FFF2-40B4-BE49-F238E27FC236}">
+                <a16:creationId xmlns:a16="http://schemas.microsoft.com/office/drawing/2014/main" id="{C7879C29-1CA9-4779-9610-B8443E681323}"/>
+              </a:ext>
+            </a:extLst>
+          </p:cNvPr>
+          <p:cNvCxnSpPr/>
+          <p:nvPr/>
+        </p:nvCxnSpPr>
+        <p:spPr>
+          <a:xfrm flipV="1">
+            <a:off x="2700000" y="2250000"/>
+            <a:ext cx="0" cy="540000"/>
+          </a:xfrm>
+          <a:prstGeom prst="straightConnector1">
+            <a:avLst/>
+          </a:prstGeom>
+          <a:ln w="25400">
+            <a:solidFill>
+              <a:schemeClr val="tx1"/>
+            </a:solidFill>
+            <a:headEnd w="lg" len="med"/>
+            <a:tailEnd type="triangle" w="lg" len="lg"/>
+          </a:ln>
+        </p:spPr>
+        <p:style>
+          <a:lnRef idx="1">
+            <a:schemeClr val="accent1"/>
+          </a:lnRef>
+          <a:fillRef idx="0">
+            <a:schemeClr val="accent1"/>
+          </a:fillRef>
+          <a:effectRef idx="0">
+            <a:schemeClr val="accent1"/>
+          </a:effectRef>
+          <a:fontRef idx="minor">
+            <a:schemeClr val="tx1"/>
+          </a:fontRef>
+        </p:style>
+      </p:cxnSp>
+      <p:cxnSp>
+        <p:nvCxnSpPr>
+          <p:cNvPr id="16" name="Connettore 2 15">
+            <a:extLst>
+              <a:ext uri="{FF2B5EF4-FFF2-40B4-BE49-F238E27FC236}">
+                <a16:creationId xmlns:a16="http://schemas.microsoft.com/office/drawing/2014/main" id="{CDCED0DE-53FB-4B5F-B85A-9E25C0F1E33E}"/>
+              </a:ext>
+            </a:extLst>
+          </p:cNvPr>
+          <p:cNvCxnSpPr/>
+          <p:nvPr/>
+        </p:nvCxnSpPr>
+        <p:spPr>
+          <a:xfrm flipV="1">
+            <a:off x="3060000" y="2250000"/>
+            <a:ext cx="0" cy="540000"/>
+          </a:xfrm>
+          <a:prstGeom prst="straightConnector1">
+            <a:avLst/>
+          </a:prstGeom>
+          <a:ln w="25400">
+            <a:solidFill>
+              <a:schemeClr val="tx1"/>
+            </a:solidFill>
+            <a:headEnd type="triangle" w="lg" len="lg"/>
+            <a:tailEnd type="none"/>
+          </a:ln>
+        </p:spPr>
+        <p:style>
+          <a:lnRef idx="1">
+            <a:schemeClr val="accent1"/>
+          </a:lnRef>
+          <a:fillRef idx="0">
+            <a:schemeClr val="accent1"/>
+          </a:fillRef>
+          <a:effectRef idx="0">
+            <a:schemeClr val="accent1"/>
+          </a:effectRef>
+          <a:fontRef idx="minor">
+            <a:schemeClr val="tx1"/>
+          </a:fontRef>
+        </p:style>
+      </p:cxnSp>
+      <p:sp>
+        <p:nvSpPr>
+          <p:cNvPr id="5" name="Rettangolo 4">
+            <a:extLst>
+              <a:ext uri="{FF2B5EF4-FFF2-40B4-BE49-F238E27FC236}">
+                <a16:creationId xmlns:a16="http://schemas.microsoft.com/office/drawing/2014/main" id="{A2866499-10D0-4275-8C25-6D6A8FA1F309}"/>
+              </a:ext>
+            </a:extLst>
+          </p:cNvPr>
+          <p:cNvSpPr/>
+          <p:nvPr/>
+        </p:nvSpPr>
+        <p:spPr>
+          <a:xfrm>
+            <a:off x="1440000" y="2880000"/>
+            <a:ext cx="2880000" cy="720000"/>
+          </a:xfrm>
+          <a:prstGeom prst="rect">
+            <a:avLst/>
+          </a:prstGeom>
+          <a:noFill/>
+          <a:ln>
+            <a:solidFill>
+              <a:schemeClr val="dk1">
+                <a:alpha val="91000"/>
+              </a:schemeClr>
+            </a:solidFill>
+          </a:ln>
+        </p:spPr>
+        <p:style>
+          <a:lnRef idx="2">
+            <a:schemeClr val="dk1"/>
+          </a:lnRef>
+          <a:fillRef idx="1">
+            <a:schemeClr val="lt1"/>
+          </a:fillRef>
+          <a:effectRef idx="0">
+            <a:schemeClr val="dk1"/>
+          </a:effectRef>
+          <a:fontRef idx="minor">
+            <a:schemeClr val="dk1"/>
+          </a:fontRef>
+        </p:style>
+        <p:txBody>
+          <a:bodyPr rtlCol="0" anchor="ctr"/>
+          <a:lstStyle/>
+          <a:p>
+            <a:pPr algn="ctr"/>
+            <a:endParaRPr lang="it-IT"/>
+          </a:p>
+        </p:txBody>
+      </p:sp>
+      <p:cxnSp>
+        <p:nvCxnSpPr>
+          <p:cNvPr id="18" name="Connettore diritto 17">
+            <a:extLst>
+              <a:ext uri="{FF2B5EF4-FFF2-40B4-BE49-F238E27FC236}">
+                <a16:creationId xmlns:a16="http://schemas.microsoft.com/office/drawing/2014/main" id="{0B4D5350-DBC3-451E-A7B0-ABCE942BA35D}"/>
+              </a:ext>
+            </a:extLst>
+          </p:cNvPr>
+          <p:cNvCxnSpPr>
+            <a:endCxn id="5" idx="1"/>
+          </p:cNvCxnSpPr>
+          <p:nvPr/>
+        </p:nvCxnSpPr>
+        <p:spPr>
+          <a:xfrm flipH="1">
+            <a:off x="1440000" y="2880000"/>
+            <a:ext cx="359999" cy="360000"/>
+          </a:xfrm>
+          <a:prstGeom prst="line">
+            <a:avLst/>
+          </a:prstGeom>
+          <a:ln>
+            <a:solidFill>
+              <a:schemeClr val="tx1"/>
+            </a:solidFill>
+          </a:ln>
+        </p:spPr>
+        <p:style>
+          <a:lnRef idx="1">
+            <a:schemeClr val="accent1"/>
+          </a:lnRef>
+          <a:fillRef idx="0">
+            <a:schemeClr val="accent1"/>
+          </a:fillRef>
+          <a:effectRef idx="0">
+            <a:schemeClr val="accent1"/>
+          </a:effectRef>
+          <a:fontRef idx="minor">
+            <a:schemeClr val="tx1"/>
+          </a:fontRef>
+        </p:style>
+      </p:cxnSp>
+      <p:cxnSp>
+        <p:nvCxnSpPr>
+          <p:cNvPr id="19" name="Connettore diritto 18">
+            <a:extLst>
+              <a:ext uri="{FF2B5EF4-FFF2-40B4-BE49-F238E27FC236}">
+                <a16:creationId xmlns:a16="http://schemas.microsoft.com/office/drawing/2014/main" id="{B640B39F-ED65-4093-B4DC-548D41827E40}"/>
+              </a:ext>
+            </a:extLst>
+          </p:cNvPr>
+          <p:cNvCxnSpPr>
+            <a:cxnSpLocks/>
+          </p:cNvCxnSpPr>
+          <p:nvPr/>
+        </p:nvCxnSpPr>
+        <p:spPr>
+          <a:xfrm flipH="1">
+            <a:off x="1439999" y="2880000"/>
+            <a:ext cx="720000" cy="720000"/>
+          </a:xfrm>
+          <a:prstGeom prst="line">
+            <a:avLst/>
+          </a:prstGeom>
+          <a:ln>
+            <a:solidFill>
+              <a:schemeClr val="tx1"/>
+            </a:solidFill>
+          </a:ln>
+        </p:spPr>
+        <p:style>
+          <a:lnRef idx="1">
+            <a:schemeClr val="accent1"/>
+          </a:lnRef>
+          <a:fillRef idx="0">
+            <a:schemeClr val="accent1"/>
+          </a:fillRef>
+          <a:effectRef idx="0">
+            <a:schemeClr val="accent1"/>
+          </a:effectRef>
+          <a:fontRef idx="minor">
+            <a:schemeClr val="tx1"/>
+          </a:fontRef>
+        </p:style>
+      </p:cxnSp>
+      <p:cxnSp>
+        <p:nvCxnSpPr>
+          <p:cNvPr id="22" name="Connettore diritto 21">
+            <a:extLst>
+              <a:ext uri="{FF2B5EF4-FFF2-40B4-BE49-F238E27FC236}">
+                <a16:creationId xmlns:a16="http://schemas.microsoft.com/office/drawing/2014/main" id="{21FE6B1C-781C-428D-8CB2-C99824462BED}"/>
+              </a:ext>
+            </a:extLst>
+          </p:cNvPr>
+          <p:cNvCxnSpPr/>
+          <p:nvPr/>
+        </p:nvCxnSpPr>
+        <p:spPr>
+          <a:xfrm flipH="1">
+            <a:off x="1728000" y="2880000"/>
+            <a:ext cx="720000" cy="720000"/>
+          </a:xfrm>
+          <a:prstGeom prst="line">
+            <a:avLst/>
+          </a:prstGeom>
+          <a:ln>
+            <a:solidFill>
+              <a:schemeClr val="tx1"/>
+            </a:solidFill>
+          </a:ln>
+        </p:spPr>
+        <p:style>
+          <a:lnRef idx="1">
+            <a:schemeClr val="accent1"/>
+          </a:lnRef>
+          <a:fillRef idx="0">
+            <a:schemeClr val="accent1"/>
+          </a:fillRef>
+          <a:effectRef idx="0">
+            <a:schemeClr val="accent1"/>
+          </a:effectRef>
+          <a:fontRef idx="minor">
+            <a:schemeClr val="tx1"/>
+          </a:fontRef>
+        </p:style>
+      </p:cxnSp>
+      <p:cxnSp>
+        <p:nvCxnSpPr>
+          <p:cNvPr id="23" name="Connettore diritto 22">
+            <a:extLst>
+              <a:ext uri="{FF2B5EF4-FFF2-40B4-BE49-F238E27FC236}">
+                <a16:creationId xmlns:a16="http://schemas.microsoft.com/office/drawing/2014/main" id="{B08403DD-4FA8-4A25-8A8E-920FB273BDC3}"/>
+              </a:ext>
+            </a:extLst>
+          </p:cNvPr>
+          <p:cNvCxnSpPr/>
+          <p:nvPr/>
+        </p:nvCxnSpPr>
+        <p:spPr>
+          <a:xfrm flipH="1">
+            <a:off x="2224489" y="2880000"/>
+            <a:ext cx="720000" cy="720000"/>
+          </a:xfrm>
+          <a:prstGeom prst="line">
+            <a:avLst/>
+          </a:prstGeom>
+          <a:ln>
+            <a:solidFill>
+              <a:schemeClr val="tx1"/>
+            </a:solidFill>
+          </a:ln>
+        </p:spPr>
+        <p:style>
+          <a:lnRef idx="1">
+            <a:schemeClr val="accent1"/>
+          </a:lnRef>
+          <a:fillRef idx="0">
+            <a:schemeClr val="accent1"/>
+          </a:fillRef>
+          <a:effectRef idx="0">
+            <a:schemeClr val="accent1"/>
+          </a:effectRef>
+          <a:fontRef idx="minor">
+            <a:schemeClr val="tx1"/>
+          </a:fontRef>
+        </p:style>
+      </p:cxnSp>
+      <p:cxnSp>
+        <p:nvCxnSpPr>
+          <p:cNvPr id="24" name="Connettore diritto 23">
+            <a:extLst>
+              <a:ext uri="{FF2B5EF4-FFF2-40B4-BE49-F238E27FC236}">
+                <a16:creationId xmlns:a16="http://schemas.microsoft.com/office/drawing/2014/main" id="{5E2F94F6-E31E-4C2C-B2E4-A090CD2BC01E}"/>
+              </a:ext>
+            </a:extLst>
+          </p:cNvPr>
+          <p:cNvCxnSpPr/>
+          <p:nvPr/>
+        </p:nvCxnSpPr>
+        <p:spPr>
+          <a:xfrm flipH="1">
+            <a:off x="2504416" y="2880000"/>
+            <a:ext cx="720000" cy="720000"/>
+          </a:xfrm>
+          <a:prstGeom prst="line">
+            <a:avLst/>
+          </a:prstGeom>
+          <a:ln>
+            <a:solidFill>
+              <a:schemeClr val="tx1"/>
+            </a:solidFill>
+          </a:ln>
+        </p:spPr>
+        <p:style>
+          <a:lnRef idx="1">
+            <a:schemeClr val="accent1"/>
+          </a:lnRef>
+          <a:fillRef idx="0">
+            <a:schemeClr val="accent1"/>
+          </a:fillRef>
+          <a:effectRef idx="0">
+            <a:schemeClr val="accent1"/>
+          </a:effectRef>
+          <a:fontRef idx="minor">
+            <a:schemeClr val="tx1"/>
+          </a:fontRef>
+        </p:style>
+      </p:cxnSp>
+      <p:cxnSp>
+        <p:nvCxnSpPr>
+          <p:cNvPr id="25" name="Connettore diritto 24">
+            <a:extLst>
+              <a:ext uri="{FF2B5EF4-FFF2-40B4-BE49-F238E27FC236}">
+                <a16:creationId xmlns:a16="http://schemas.microsoft.com/office/drawing/2014/main" id="{8167AD55-188B-446C-9B01-FEA490AB020A}"/>
+              </a:ext>
+            </a:extLst>
+          </p:cNvPr>
+          <p:cNvCxnSpPr/>
+          <p:nvPr/>
+        </p:nvCxnSpPr>
+        <p:spPr>
+          <a:xfrm flipH="1">
+            <a:off x="2972268" y="2880000"/>
+            <a:ext cx="720000" cy="720000"/>
+          </a:xfrm>
+          <a:prstGeom prst="line">
+            <a:avLst/>
+          </a:prstGeom>
+          <a:ln>
+            <a:solidFill>
+              <a:schemeClr val="tx1"/>
+            </a:solidFill>
+          </a:ln>
+        </p:spPr>
+        <p:style>
+          <a:lnRef idx="1">
+            <a:schemeClr val="accent1"/>
+          </a:lnRef>
+          <a:fillRef idx="0">
+            <a:schemeClr val="accent1"/>
+          </a:fillRef>
+          <a:effectRef idx="0">
+            <a:schemeClr val="accent1"/>
+          </a:effectRef>
+          <a:fontRef idx="minor">
+            <a:schemeClr val="tx1"/>
+          </a:fontRef>
+        </p:style>
+      </p:cxnSp>
+      <p:cxnSp>
+        <p:nvCxnSpPr>
+          <p:cNvPr id="26" name="Connettore diritto 25">
+            <a:extLst>
+              <a:ext uri="{FF2B5EF4-FFF2-40B4-BE49-F238E27FC236}">
+                <a16:creationId xmlns:a16="http://schemas.microsoft.com/office/drawing/2014/main" id="{3CD2C60A-9BDD-4343-B7E1-7F4BF68C7456}"/>
+              </a:ext>
+            </a:extLst>
+          </p:cNvPr>
+          <p:cNvCxnSpPr>
+            <a:cxnSpLocks/>
+          </p:cNvCxnSpPr>
+          <p:nvPr/>
+        </p:nvCxnSpPr>
+        <p:spPr>
+          <a:xfrm flipH="1">
+            <a:off x="3960000" y="3240000"/>
+            <a:ext cx="360000" cy="360000"/>
+          </a:xfrm>
+          <a:prstGeom prst="line">
+            <a:avLst/>
+          </a:prstGeom>
+          <a:ln>
+            <a:solidFill>
+              <a:schemeClr val="tx1"/>
+            </a:solidFill>
+          </a:ln>
+        </p:spPr>
+        <p:style>
+          <a:lnRef idx="1">
+            <a:schemeClr val="accent1"/>
+          </a:lnRef>
+          <a:fillRef idx="0">
+            <a:schemeClr val="accent1"/>
+          </a:fillRef>
+          <a:effectRef idx="0">
+            <a:schemeClr val="accent1"/>
+          </a:effectRef>
+          <a:fontRef idx="minor">
+            <a:schemeClr val="tx1"/>
+          </a:fontRef>
+        </p:style>
+      </p:cxnSp>
+      <p:cxnSp>
+        <p:nvCxnSpPr>
+          <p:cNvPr id="28" name="Connettore diritto 27">
+            <a:extLst>
+              <a:ext uri="{FF2B5EF4-FFF2-40B4-BE49-F238E27FC236}">
+                <a16:creationId xmlns:a16="http://schemas.microsoft.com/office/drawing/2014/main" id="{4BDCE460-D0EC-499B-875D-1FBC2CCDEA1A}"/>
+              </a:ext>
+            </a:extLst>
+          </p:cNvPr>
+          <p:cNvCxnSpPr/>
+          <p:nvPr/>
+        </p:nvCxnSpPr>
+        <p:spPr>
+          <a:xfrm flipH="1">
+            <a:off x="3240000" y="2880000"/>
+            <a:ext cx="720000" cy="720000"/>
+          </a:xfrm>
+          <a:prstGeom prst="line">
+            <a:avLst/>
+          </a:prstGeom>
+          <a:ln>
+            <a:solidFill>
+              <a:schemeClr val="tx1"/>
+            </a:solidFill>
+          </a:ln>
+        </p:spPr>
+        <p:style>
+          <a:lnRef idx="1">
+            <a:schemeClr val="accent1"/>
+          </a:lnRef>
+          <a:fillRef idx="0">
+            <a:schemeClr val="accent1"/>
+          </a:fillRef>
+          <a:effectRef idx="0">
+            <a:schemeClr val="accent1"/>
+          </a:effectRef>
+          <a:fontRef idx="minor">
+            <a:schemeClr val="tx1"/>
+          </a:fontRef>
+        </p:style>
+      </p:cxnSp>
+      <p:cxnSp>
+        <p:nvCxnSpPr>
+          <p:cNvPr id="31" name="Connettore diritto 30">
+            <a:extLst>
+              <a:ext uri="{FF2B5EF4-FFF2-40B4-BE49-F238E27FC236}">
+                <a16:creationId xmlns:a16="http://schemas.microsoft.com/office/drawing/2014/main" id="{62CABCD2-799D-4787-B5D9-8B38C9F96B5F}"/>
+              </a:ext>
+            </a:extLst>
+          </p:cNvPr>
+          <p:cNvCxnSpPr/>
+          <p:nvPr/>
+        </p:nvCxnSpPr>
+        <p:spPr>
+          <a:xfrm flipH="1">
+            <a:off x="3600000" y="2880000"/>
+            <a:ext cx="720000" cy="720000"/>
+          </a:xfrm>
+          <a:prstGeom prst="line">
+            <a:avLst/>
+          </a:prstGeom>
+          <a:ln>
+            <a:solidFill>
+              <a:schemeClr val="tx1"/>
+            </a:solidFill>
+          </a:ln>
+        </p:spPr>
+        <p:style>
+          <a:lnRef idx="1">
+            <a:schemeClr val="accent1"/>
+          </a:lnRef>
+          <a:fillRef idx="0">
+            <a:schemeClr val="accent1"/>
+          </a:fillRef>
+          <a:effectRef idx="0">
+            <a:schemeClr val="accent1"/>
+          </a:effectRef>
+          <a:fontRef idx="minor">
+            <a:schemeClr val="tx1"/>
+          </a:fontRef>
+        </p:style>
+      </p:cxnSp>
+    </p:spTree>
+    <p:extLst>
+      <p:ext uri="{BB962C8B-B14F-4D97-AF65-F5344CB8AC3E}">
+        <p14:creationId xmlns:p14="http://schemas.microsoft.com/office/powerpoint/2010/main" val="893338493"/>
       </p:ext>
     </p:extLst>
   </p:cSld>

--- a/img/celle.pptx
+++ b/img/celle.pptx
@@ -218,7 +218,7 @@
           <a:p>
             <a:fld id="{76BCBF0C-CE44-499E-BCEB-7948FB131314}" type="datetimeFigureOut">
               <a:rPr lang="it-IT" smtClean="0"/>
-              <a:t>20/02/2019</a:t>
+              <a:t>21/02/2019</a:t>
             </a:fld>
             <a:endParaRPr lang="it-IT"/>
           </a:p>
@@ -632,7 +632,7 @@
           <a:p>
             <a:fld id="{73B341DB-7226-48ED-93C6-4CA0570B6B59}" type="datetimeFigureOut">
               <a:rPr lang="it-IT" smtClean="0"/>
-              <a:t>20/02/2019</a:t>
+              <a:t>21/02/2019</a:t>
             </a:fld>
             <a:endParaRPr lang="it-IT"/>
           </a:p>
@@ -830,7 +830,7 @@
           <a:p>
             <a:fld id="{73B341DB-7226-48ED-93C6-4CA0570B6B59}" type="datetimeFigureOut">
               <a:rPr lang="it-IT" smtClean="0"/>
-              <a:t>20/02/2019</a:t>
+              <a:t>21/02/2019</a:t>
             </a:fld>
             <a:endParaRPr lang="it-IT"/>
           </a:p>
@@ -1038,7 +1038,7 @@
           <a:p>
             <a:fld id="{73B341DB-7226-48ED-93C6-4CA0570B6B59}" type="datetimeFigureOut">
               <a:rPr lang="it-IT" smtClean="0"/>
-              <a:t>20/02/2019</a:t>
+              <a:t>21/02/2019</a:t>
             </a:fld>
             <a:endParaRPr lang="it-IT"/>
           </a:p>
@@ -1258,7 +1258,7 @@
           <a:p>
             <a:fld id="{6A95F648-2F94-41D1-A59D-39CB3696F9AB}" type="datetimeFigureOut">
               <a:rPr lang="it-IT" smtClean="0"/>
-              <a:t>20/02/2019</a:t>
+              <a:t>21/02/2019</a:t>
             </a:fld>
             <a:endParaRPr lang="it-IT"/>
           </a:p>
@@ -1456,7 +1456,7 @@
           <a:p>
             <a:fld id="{6A95F648-2F94-41D1-A59D-39CB3696F9AB}" type="datetimeFigureOut">
               <a:rPr lang="it-IT" smtClean="0"/>
-              <a:t>20/02/2019</a:t>
+              <a:t>21/02/2019</a:t>
             </a:fld>
             <a:endParaRPr lang="it-IT"/>
           </a:p>
@@ -1731,7 +1731,7 @@
           <a:p>
             <a:fld id="{6A95F648-2F94-41D1-A59D-39CB3696F9AB}" type="datetimeFigureOut">
               <a:rPr lang="it-IT" smtClean="0"/>
-              <a:t>20/02/2019</a:t>
+              <a:t>21/02/2019</a:t>
             </a:fld>
             <a:endParaRPr lang="it-IT"/>
           </a:p>
@@ -1996,7 +1996,7 @@
           <a:p>
             <a:fld id="{6A95F648-2F94-41D1-A59D-39CB3696F9AB}" type="datetimeFigureOut">
               <a:rPr lang="it-IT" smtClean="0"/>
-              <a:t>20/02/2019</a:t>
+              <a:t>21/02/2019</a:t>
             </a:fld>
             <a:endParaRPr lang="it-IT"/>
           </a:p>
@@ -2408,7 +2408,7 @@
           <a:p>
             <a:fld id="{6A95F648-2F94-41D1-A59D-39CB3696F9AB}" type="datetimeFigureOut">
               <a:rPr lang="it-IT" smtClean="0"/>
-              <a:t>20/02/2019</a:t>
+              <a:t>21/02/2019</a:t>
             </a:fld>
             <a:endParaRPr lang="it-IT"/>
           </a:p>
@@ -2549,7 +2549,7 @@
           <a:p>
             <a:fld id="{6A95F648-2F94-41D1-A59D-39CB3696F9AB}" type="datetimeFigureOut">
               <a:rPr lang="it-IT" smtClean="0"/>
-              <a:t>20/02/2019</a:t>
+              <a:t>21/02/2019</a:t>
             </a:fld>
             <a:endParaRPr lang="it-IT"/>
           </a:p>
@@ -2662,7 +2662,7 @@
           <a:p>
             <a:fld id="{6A95F648-2F94-41D1-A59D-39CB3696F9AB}" type="datetimeFigureOut">
               <a:rPr lang="it-IT" smtClean="0"/>
-              <a:t>20/02/2019</a:t>
+              <a:t>21/02/2019</a:t>
             </a:fld>
             <a:endParaRPr lang="it-IT"/>
           </a:p>
@@ -2973,7 +2973,7 @@
           <a:p>
             <a:fld id="{6A95F648-2F94-41D1-A59D-39CB3696F9AB}" type="datetimeFigureOut">
               <a:rPr lang="it-IT" smtClean="0"/>
-              <a:t>20/02/2019</a:t>
+              <a:t>21/02/2019</a:t>
             </a:fld>
             <a:endParaRPr lang="it-IT"/>
           </a:p>
@@ -3171,7 +3171,7 @@
           <a:p>
             <a:fld id="{73B341DB-7226-48ED-93C6-4CA0570B6B59}" type="datetimeFigureOut">
               <a:rPr lang="it-IT" smtClean="0"/>
-              <a:t>20/02/2019</a:t>
+              <a:t>21/02/2019</a:t>
             </a:fld>
             <a:endParaRPr lang="it-IT"/>
           </a:p>
@@ -3459,7 +3459,7 @@
           <a:p>
             <a:fld id="{6A95F648-2F94-41D1-A59D-39CB3696F9AB}" type="datetimeFigureOut">
               <a:rPr lang="it-IT" smtClean="0"/>
-              <a:t>20/02/2019</a:t>
+              <a:t>21/02/2019</a:t>
             </a:fld>
             <a:endParaRPr lang="it-IT"/>
           </a:p>
@@ -3657,7 +3657,7 @@
           <a:p>
             <a:fld id="{6A95F648-2F94-41D1-A59D-39CB3696F9AB}" type="datetimeFigureOut">
               <a:rPr lang="it-IT" smtClean="0"/>
-              <a:t>20/02/2019</a:t>
+              <a:t>21/02/2019</a:t>
             </a:fld>
             <a:endParaRPr lang="it-IT"/>
           </a:p>
@@ -3865,7 +3865,7 @@
           <a:p>
             <a:fld id="{6A95F648-2F94-41D1-A59D-39CB3696F9AB}" type="datetimeFigureOut">
               <a:rPr lang="it-IT" smtClean="0"/>
-              <a:t>20/02/2019</a:t>
+              <a:t>21/02/2019</a:t>
             </a:fld>
             <a:endParaRPr lang="it-IT"/>
           </a:p>
@@ -4140,7 +4140,7 @@
           <a:p>
             <a:fld id="{73B341DB-7226-48ED-93C6-4CA0570B6B59}" type="datetimeFigureOut">
               <a:rPr lang="it-IT" smtClean="0"/>
-              <a:t>20/02/2019</a:t>
+              <a:t>21/02/2019</a:t>
             </a:fld>
             <a:endParaRPr lang="it-IT"/>
           </a:p>
@@ -4405,7 +4405,7 @@
           <a:p>
             <a:fld id="{73B341DB-7226-48ED-93C6-4CA0570B6B59}" type="datetimeFigureOut">
               <a:rPr lang="it-IT" smtClean="0"/>
-              <a:t>20/02/2019</a:t>
+              <a:t>21/02/2019</a:t>
             </a:fld>
             <a:endParaRPr lang="it-IT"/>
           </a:p>
@@ -4817,7 +4817,7 @@
           <a:p>
             <a:fld id="{73B341DB-7226-48ED-93C6-4CA0570B6B59}" type="datetimeFigureOut">
               <a:rPr lang="it-IT" smtClean="0"/>
-              <a:t>20/02/2019</a:t>
+              <a:t>21/02/2019</a:t>
             </a:fld>
             <a:endParaRPr lang="it-IT"/>
           </a:p>
@@ -4958,7 +4958,7 @@
           <a:p>
             <a:fld id="{73B341DB-7226-48ED-93C6-4CA0570B6B59}" type="datetimeFigureOut">
               <a:rPr lang="it-IT" smtClean="0"/>
-              <a:t>20/02/2019</a:t>
+              <a:t>21/02/2019</a:t>
             </a:fld>
             <a:endParaRPr lang="it-IT"/>
           </a:p>
@@ -5071,7 +5071,7 @@
           <a:p>
             <a:fld id="{73B341DB-7226-48ED-93C6-4CA0570B6B59}" type="datetimeFigureOut">
               <a:rPr lang="it-IT" smtClean="0"/>
-              <a:t>20/02/2019</a:t>
+              <a:t>21/02/2019</a:t>
             </a:fld>
             <a:endParaRPr lang="it-IT"/>
           </a:p>
@@ -5382,7 +5382,7 @@
           <a:p>
             <a:fld id="{73B341DB-7226-48ED-93C6-4CA0570B6B59}" type="datetimeFigureOut">
               <a:rPr lang="it-IT" smtClean="0"/>
-              <a:t>20/02/2019</a:t>
+              <a:t>21/02/2019</a:t>
             </a:fld>
             <a:endParaRPr lang="it-IT"/>
           </a:p>
@@ -5670,7 +5670,7 @@
           <a:p>
             <a:fld id="{73B341DB-7226-48ED-93C6-4CA0570B6B59}" type="datetimeFigureOut">
               <a:rPr lang="it-IT" smtClean="0"/>
-              <a:t>20/02/2019</a:t>
+              <a:t>21/02/2019</a:t>
             </a:fld>
             <a:endParaRPr lang="it-IT"/>
           </a:p>
@@ -5911,7 +5911,7 @@
           <a:p>
             <a:fld id="{73B341DB-7226-48ED-93C6-4CA0570B6B59}" type="datetimeFigureOut">
               <a:rPr lang="it-IT" smtClean="0"/>
-              <a:t>20/02/2019</a:t>
+              <a:t>21/02/2019</a:t>
             </a:fld>
             <a:endParaRPr lang="it-IT"/>
           </a:p>
@@ -6479,7 +6479,7 @@
           <a:p>
             <a:fld id="{6A95F648-2F94-41D1-A59D-39CB3696F9AB}" type="datetimeFigureOut">
               <a:rPr lang="it-IT" smtClean="0"/>
-              <a:t>20/02/2019</a:t>
+              <a:t>21/02/2019</a:t>
             </a:fld>
             <a:endParaRPr lang="it-IT"/>
           </a:p>
@@ -21687,8 +21687,8 @@
           </a:fontRef>
         </p:style>
       </p:cxnSp>
-      <mc:AlternateContent xmlns:mc="http://schemas.openxmlformats.org/markup-compatibility/2006">
-        <mc:Choice xmlns:a14="http://schemas.microsoft.com/office/drawing/2010/main" Requires="a14">
+      <mc:AlternateContent xmlns:mc="http://schemas.openxmlformats.org/markup-compatibility/2006" xmlns:a14="http://schemas.microsoft.com/office/drawing/2010/main">
+        <mc:Choice Requires="a14">
           <p:sp>
             <p:nvSpPr>
               <p:cNvPr id="2" name="CasellaDiTesto 1">
@@ -21769,7 +21769,7 @@
             </p:txBody>
           </p:sp>
         </mc:Choice>
-        <mc:Fallback>
+        <mc:Fallback xmlns="">
           <p:sp>
             <p:nvSpPr>
               <p:cNvPr id="2" name="CasellaDiTesto 1">
@@ -21857,8 +21857,8 @@
           </a:fontRef>
         </p:style>
       </p:cxnSp>
-      <mc:AlternateContent xmlns:mc="http://schemas.openxmlformats.org/markup-compatibility/2006">
-        <mc:Choice xmlns:a14="http://schemas.microsoft.com/office/drawing/2010/main" Requires="a14">
+      <mc:AlternateContent xmlns:mc="http://schemas.openxmlformats.org/markup-compatibility/2006" xmlns:a14="http://schemas.microsoft.com/office/drawing/2010/main">
+        <mc:Choice Requires="a14">
           <p:sp>
             <p:nvSpPr>
               <p:cNvPr id="22" name="CasellaDiTesto 21">
@@ -21927,7 +21927,7 @@
             </p:txBody>
           </p:sp>
         </mc:Choice>
-        <mc:Fallback>
+        <mc:Fallback xmlns="">
           <p:sp>
             <p:nvSpPr>
               <p:cNvPr id="22" name="CasellaDiTesto 21">
@@ -21972,8 +21972,8 @@
           </p:sp>
         </mc:Fallback>
       </mc:AlternateContent>
-      <mc:AlternateContent xmlns:mc="http://schemas.openxmlformats.org/markup-compatibility/2006">
-        <mc:Choice xmlns:a14="http://schemas.microsoft.com/office/drawing/2010/main" Requires="a14">
+      <mc:AlternateContent xmlns:mc="http://schemas.openxmlformats.org/markup-compatibility/2006" xmlns:a14="http://schemas.microsoft.com/office/drawing/2010/main">
+        <mc:Choice Requires="a14">
           <p:sp>
             <p:nvSpPr>
               <p:cNvPr id="23" name="CasellaDiTesto 22">
@@ -22042,7 +22042,7 @@
             </p:txBody>
           </p:sp>
         </mc:Choice>
-        <mc:Fallback>
+        <mc:Fallback xmlns="">
           <p:sp>
             <p:nvSpPr>
               <p:cNvPr id="23" name="CasellaDiTesto 22">
@@ -22087,8 +22087,8 @@
           </p:sp>
         </mc:Fallback>
       </mc:AlternateContent>
-      <mc:AlternateContent xmlns:mc="http://schemas.openxmlformats.org/markup-compatibility/2006">
-        <mc:Choice xmlns:a14="http://schemas.microsoft.com/office/drawing/2010/main" Requires="a14">
+      <mc:AlternateContent xmlns:mc="http://schemas.openxmlformats.org/markup-compatibility/2006" xmlns:a14="http://schemas.microsoft.com/office/drawing/2010/main">
+        <mc:Choice Requires="a14">
           <p:sp>
             <p:nvSpPr>
               <p:cNvPr id="24" name="CasellaDiTesto 23">
@@ -22157,7 +22157,7 @@
             </p:txBody>
           </p:sp>
         </mc:Choice>
-        <mc:Fallback>
+        <mc:Fallback xmlns="">
           <p:sp>
             <p:nvSpPr>
               <p:cNvPr id="24" name="CasellaDiTesto 23">
@@ -22202,8 +22202,8 @@
           </p:sp>
         </mc:Fallback>
       </mc:AlternateContent>
-      <mc:AlternateContent xmlns:mc="http://schemas.openxmlformats.org/markup-compatibility/2006">
-        <mc:Choice xmlns:a14="http://schemas.microsoft.com/office/drawing/2010/main" Requires="a14">
+      <mc:AlternateContent xmlns:mc="http://schemas.openxmlformats.org/markup-compatibility/2006" xmlns:a14="http://schemas.microsoft.com/office/drawing/2010/main">
+        <mc:Choice Requires="a14">
           <p:sp>
             <p:nvSpPr>
               <p:cNvPr id="25" name="CasellaDiTesto 24">
@@ -22272,7 +22272,7 @@
             </p:txBody>
           </p:sp>
         </mc:Choice>
-        <mc:Fallback>
+        <mc:Fallback xmlns="">
           <p:sp>
             <p:nvSpPr>
               <p:cNvPr id="25" name="CasellaDiTesto 24">
@@ -22403,8 +22403,8 @@
           </a:fontRef>
         </p:style>
       </p:cxnSp>
-      <mc:AlternateContent xmlns:mc="http://schemas.openxmlformats.org/markup-compatibility/2006">
-        <mc:Choice xmlns:a14="http://schemas.microsoft.com/office/drawing/2010/main" Requires="a14">
+      <mc:AlternateContent xmlns:mc="http://schemas.openxmlformats.org/markup-compatibility/2006" xmlns:a14="http://schemas.microsoft.com/office/drawing/2010/main">
+        <mc:Choice Requires="a14">
           <p:sp>
             <p:nvSpPr>
               <p:cNvPr id="28" name="CasellaDiTesto 27">
@@ -22485,7 +22485,7 @@
             </p:txBody>
           </p:sp>
         </mc:Choice>
-        <mc:Fallback>
+        <mc:Fallback xmlns="">
           <p:sp>
             <p:nvSpPr>
               <p:cNvPr id="28" name="CasellaDiTesto 27">
@@ -22530,8 +22530,8 @@
           </p:sp>
         </mc:Fallback>
       </mc:AlternateContent>
-      <mc:AlternateContent xmlns:mc="http://schemas.openxmlformats.org/markup-compatibility/2006">
-        <mc:Choice xmlns:a14="http://schemas.microsoft.com/office/drawing/2010/main" Requires="a14">
+      <mc:AlternateContent xmlns:mc="http://schemas.openxmlformats.org/markup-compatibility/2006" xmlns:a14="http://schemas.microsoft.com/office/drawing/2010/main">
+        <mc:Choice Requires="a14">
           <p:sp>
             <p:nvSpPr>
               <p:cNvPr id="29" name="CasellaDiTesto 28">
@@ -22612,7 +22612,7 @@
             </p:txBody>
           </p:sp>
         </mc:Choice>
-        <mc:Fallback>
+        <mc:Fallback xmlns="">
           <p:sp>
             <p:nvSpPr>
               <p:cNvPr id="29" name="CasellaDiTesto 28">
@@ -22657,8 +22657,8 @@
           </p:sp>
         </mc:Fallback>
       </mc:AlternateContent>
-      <mc:AlternateContent xmlns:mc="http://schemas.openxmlformats.org/markup-compatibility/2006">
-        <mc:Choice xmlns:a14="http://schemas.microsoft.com/office/drawing/2010/main" Requires="a14">
+      <mc:AlternateContent xmlns:mc="http://schemas.openxmlformats.org/markup-compatibility/2006" xmlns:a14="http://schemas.microsoft.com/office/drawing/2010/main">
+        <mc:Choice Requires="a14">
           <p:sp>
             <p:nvSpPr>
               <p:cNvPr id="30" name="CasellaDiTesto 29">
@@ -22727,7 +22727,7 @@
             </p:txBody>
           </p:sp>
         </mc:Choice>
-        <mc:Fallback>
+        <mc:Fallback xmlns="">
           <p:sp>
             <p:nvSpPr>
               <p:cNvPr id="30" name="CasellaDiTesto 29">
@@ -25075,7 +25075,7 @@
           </a:prstGeom>
           <a:ln w="25400">
             <a:solidFill>
-              <a:srgbClr val="FF0000"/>
+              <a:schemeClr val="tx1"/>
             </a:solidFill>
             <a:headEnd type="none"/>
             <a:tailEnd type="arrow"/>
@@ -25835,6 +25835,54 @@
           </p:sp>
         </mc:Fallback>
       </mc:AlternateContent>
+      <p:sp>
+        <p:nvSpPr>
+          <p:cNvPr id="23" name="Ovale 22">
+            <a:extLst>
+              <a:ext uri="{FF2B5EF4-FFF2-40B4-BE49-F238E27FC236}">
+                <a16:creationId xmlns:a16="http://schemas.microsoft.com/office/drawing/2014/main" id="{F153D927-1965-4B67-9AC0-2EFFBCE4D292}"/>
+              </a:ext>
+            </a:extLst>
+          </p:cNvPr>
+          <p:cNvSpPr>
+            <a:spLocks noChangeAspect="1"/>
+          </p:cNvSpPr>
+          <p:nvPr/>
+        </p:nvSpPr>
+        <p:spPr>
+          <a:xfrm>
+            <a:off x="1756800" y="1756800"/>
+            <a:ext cx="86400" cy="86400"/>
+          </a:xfrm>
+          <a:prstGeom prst="ellipse">
+            <a:avLst/>
+          </a:prstGeom>
+        </p:spPr>
+        <p:style>
+          <a:lnRef idx="2">
+            <a:schemeClr val="dk1">
+              <a:shade val="50000"/>
+            </a:schemeClr>
+          </a:lnRef>
+          <a:fillRef idx="1">
+            <a:schemeClr val="dk1"/>
+          </a:fillRef>
+          <a:effectRef idx="0">
+            <a:schemeClr val="dk1"/>
+          </a:effectRef>
+          <a:fontRef idx="minor">
+            <a:schemeClr val="lt1"/>
+          </a:fontRef>
+        </p:style>
+        <p:txBody>
+          <a:bodyPr rtlCol="0" anchor="ctr"/>
+          <a:lstStyle/>
+          <a:p>
+            <a:pPr algn="ctr"/>
+            <a:endParaRPr lang="it-IT"/>
+          </a:p>
+        </p:txBody>
+      </p:sp>
     </p:spTree>
     <p:extLst>
       <p:ext uri="{BB962C8B-B14F-4D97-AF65-F5344CB8AC3E}">

--- a/img/celle.pptx
+++ b/img/celle.pptx
@@ -6,7 +6,7 @@
     <p:sldMasterId id="2147483660" r:id="rId2"/>
   </p:sldMasterIdLst>
   <p:notesMasterIdLst>
-    <p:notesMasterId r:id="rId24"/>
+    <p:notesMasterId r:id="rId25"/>
   </p:notesMasterIdLst>
   <p:sldIdLst>
     <p:sldId id="256" r:id="rId3"/>
@@ -25,11 +25,12 @@
     <p:sldId id="271" r:id="rId16"/>
     <p:sldId id="267" r:id="rId17"/>
     <p:sldId id="278" r:id="rId18"/>
-    <p:sldId id="277" r:id="rId19"/>
-    <p:sldId id="272" r:id="rId20"/>
-    <p:sldId id="275" r:id="rId21"/>
-    <p:sldId id="276" r:id="rId22"/>
-    <p:sldId id="274" r:id="rId23"/>
+    <p:sldId id="279" r:id="rId19"/>
+    <p:sldId id="277" r:id="rId20"/>
+    <p:sldId id="272" r:id="rId21"/>
+    <p:sldId id="275" r:id="rId22"/>
+    <p:sldId id="276" r:id="rId23"/>
+    <p:sldId id="274" r:id="rId24"/>
   </p:sldIdLst>
   <p:sldSz cx="12192000" cy="6858000"/>
   <p:notesSz cx="6858000" cy="9144000"/>
@@ -218,7 +219,7 @@
           <a:p>
             <a:fld id="{76BCBF0C-CE44-499E-BCEB-7948FB131314}" type="datetimeFigureOut">
               <a:rPr lang="it-IT" smtClean="0"/>
-              <a:t>21/02/2019</a:t>
+              <a:t>22/02/2019</a:t>
             </a:fld>
             <a:endParaRPr lang="it-IT"/>
           </a:p>
@@ -632,7 +633,7 @@
           <a:p>
             <a:fld id="{73B341DB-7226-48ED-93C6-4CA0570B6B59}" type="datetimeFigureOut">
               <a:rPr lang="it-IT" smtClean="0"/>
-              <a:t>21/02/2019</a:t>
+              <a:t>22/02/2019</a:t>
             </a:fld>
             <a:endParaRPr lang="it-IT"/>
           </a:p>
@@ -830,7 +831,7 @@
           <a:p>
             <a:fld id="{73B341DB-7226-48ED-93C6-4CA0570B6B59}" type="datetimeFigureOut">
               <a:rPr lang="it-IT" smtClean="0"/>
-              <a:t>21/02/2019</a:t>
+              <a:t>22/02/2019</a:t>
             </a:fld>
             <a:endParaRPr lang="it-IT"/>
           </a:p>
@@ -1038,7 +1039,7 @@
           <a:p>
             <a:fld id="{73B341DB-7226-48ED-93C6-4CA0570B6B59}" type="datetimeFigureOut">
               <a:rPr lang="it-IT" smtClean="0"/>
-              <a:t>21/02/2019</a:t>
+              <a:t>22/02/2019</a:t>
             </a:fld>
             <a:endParaRPr lang="it-IT"/>
           </a:p>
@@ -1258,7 +1259,7 @@
           <a:p>
             <a:fld id="{6A95F648-2F94-41D1-A59D-39CB3696F9AB}" type="datetimeFigureOut">
               <a:rPr lang="it-IT" smtClean="0"/>
-              <a:t>21/02/2019</a:t>
+              <a:t>22/02/2019</a:t>
             </a:fld>
             <a:endParaRPr lang="it-IT"/>
           </a:p>
@@ -1456,7 +1457,7 @@
           <a:p>
             <a:fld id="{6A95F648-2F94-41D1-A59D-39CB3696F9AB}" type="datetimeFigureOut">
               <a:rPr lang="it-IT" smtClean="0"/>
-              <a:t>21/02/2019</a:t>
+              <a:t>22/02/2019</a:t>
             </a:fld>
             <a:endParaRPr lang="it-IT"/>
           </a:p>
@@ -1731,7 +1732,7 @@
           <a:p>
             <a:fld id="{6A95F648-2F94-41D1-A59D-39CB3696F9AB}" type="datetimeFigureOut">
               <a:rPr lang="it-IT" smtClean="0"/>
-              <a:t>21/02/2019</a:t>
+              <a:t>22/02/2019</a:t>
             </a:fld>
             <a:endParaRPr lang="it-IT"/>
           </a:p>
@@ -1996,7 +1997,7 @@
           <a:p>
             <a:fld id="{6A95F648-2F94-41D1-A59D-39CB3696F9AB}" type="datetimeFigureOut">
               <a:rPr lang="it-IT" smtClean="0"/>
-              <a:t>21/02/2019</a:t>
+              <a:t>22/02/2019</a:t>
             </a:fld>
             <a:endParaRPr lang="it-IT"/>
           </a:p>
@@ -2408,7 +2409,7 @@
           <a:p>
             <a:fld id="{6A95F648-2F94-41D1-A59D-39CB3696F9AB}" type="datetimeFigureOut">
               <a:rPr lang="it-IT" smtClean="0"/>
-              <a:t>21/02/2019</a:t>
+              <a:t>22/02/2019</a:t>
             </a:fld>
             <a:endParaRPr lang="it-IT"/>
           </a:p>
@@ -2549,7 +2550,7 @@
           <a:p>
             <a:fld id="{6A95F648-2F94-41D1-A59D-39CB3696F9AB}" type="datetimeFigureOut">
               <a:rPr lang="it-IT" smtClean="0"/>
-              <a:t>21/02/2019</a:t>
+              <a:t>22/02/2019</a:t>
             </a:fld>
             <a:endParaRPr lang="it-IT"/>
           </a:p>
@@ -2662,7 +2663,7 @@
           <a:p>
             <a:fld id="{6A95F648-2F94-41D1-A59D-39CB3696F9AB}" type="datetimeFigureOut">
               <a:rPr lang="it-IT" smtClean="0"/>
-              <a:t>21/02/2019</a:t>
+              <a:t>22/02/2019</a:t>
             </a:fld>
             <a:endParaRPr lang="it-IT"/>
           </a:p>
@@ -2973,7 +2974,7 @@
           <a:p>
             <a:fld id="{6A95F648-2F94-41D1-A59D-39CB3696F9AB}" type="datetimeFigureOut">
               <a:rPr lang="it-IT" smtClean="0"/>
-              <a:t>21/02/2019</a:t>
+              <a:t>22/02/2019</a:t>
             </a:fld>
             <a:endParaRPr lang="it-IT"/>
           </a:p>
@@ -3171,7 +3172,7 @@
           <a:p>
             <a:fld id="{73B341DB-7226-48ED-93C6-4CA0570B6B59}" type="datetimeFigureOut">
               <a:rPr lang="it-IT" smtClean="0"/>
-              <a:t>21/02/2019</a:t>
+              <a:t>22/02/2019</a:t>
             </a:fld>
             <a:endParaRPr lang="it-IT"/>
           </a:p>
@@ -3459,7 +3460,7 @@
           <a:p>
             <a:fld id="{6A95F648-2F94-41D1-A59D-39CB3696F9AB}" type="datetimeFigureOut">
               <a:rPr lang="it-IT" smtClean="0"/>
-              <a:t>21/02/2019</a:t>
+              <a:t>22/02/2019</a:t>
             </a:fld>
             <a:endParaRPr lang="it-IT"/>
           </a:p>
@@ -3657,7 +3658,7 @@
           <a:p>
             <a:fld id="{6A95F648-2F94-41D1-A59D-39CB3696F9AB}" type="datetimeFigureOut">
               <a:rPr lang="it-IT" smtClean="0"/>
-              <a:t>21/02/2019</a:t>
+              <a:t>22/02/2019</a:t>
             </a:fld>
             <a:endParaRPr lang="it-IT"/>
           </a:p>
@@ -3865,7 +3866,7 @@
           <a:p>
             <a:fld id="{6A95F648-2F94-41D1-A59D-39CB3696F9AB}" type="datetimeFigureOut">
               <a:rPr lang="it-IT" smtClean="0"/>
-              <a:t>21/02/2019</a:t>
+              <a:t>22/02/2019</a:t>
             </a:fld>
             <a:endParaRPr lang="it-IT"/>
           </a:p>
@@ -4140,7 +4141,7 @@
           <a:p>
             <a:fld id="{73B341DB-7226-48ED-93C6-4CA0570B6B59}" type="datetimeFigureOut">
               <a:rPr lang="it-IT" smtClean="0"/>
-              <a:t>21/02/2019</a:t>
+              <a:t>22/02/2019</a:t>
             </a:fld>
             <a:endParaRPr lang="it-IT"/>
           </a:p>
@@ -4405,7 +4406,7 @@
           <a:p>
             <a:fld id="{73B341DB-7226-48ED-93C6-4CA0570B6B59}" type="datetimeFigureOut">
               <a:rPr lang="it-IT" smtClean="0"/>
-              <a:t>21/02/2019</a:t>
+              <a:t>22/02/2019</a:t>
             </a:fld>
             <a:endParaRPr lang="it-IT"/>
           </a:p>
@@ -4817,7 +4818,7 @@
           <a:p>
             <a:fld id="{73B341DB-7226-48ED-93C6-4CA0570B6B59}" type="datetimeFigureOut">
               <a:rPr lang="it-IT" smtClean="0"/>
-              <a:t>21/02/2019</a:t>
+              <a:t>22/02/2019</a:t>
             </a:fld>
             <a:endParaRPr lang="it-IT"/>
           </a:p>
@@ -4958,7 +4959,7 @@
           <a:p>
             <a:fld id="{73B341DB-7226-48ED-93C6-4CA0570B6B59}" type="datetimeFigureOut">
               <a:rPr lang="it-IT" smtClean="0"/>
-              <a:t>21/02/2019</a:t>
+              <a:t>22/02/2019</a:t>
             </a:fld>
             <a:endParaRPr lang="it-IT"/>
           </a:p>
@@ -5071,7 +5072,7 @@
           <a:p>
             <a:fld id="{73B341DB-7226-48ED-93C6-4CA0570B6B59}" type="datetimeFigureOut">
               <a:rPr lang="it-IT" smtClean="0"/>
-              <a:t>21/02/2019</a:t>
+              <a:t>22/02/2019</a:t>
             </a:fld>
             <a:endParaRPr lang="it-IT"/>
           </a:p>
@@ -5382,7 +5383,7 @@
           <a:p>
             <a:fld id="{73B341DB-7226-48ED-93C6-4CA0570B6B59}" type="datetimeFigureOut">
               <a:rPr lang="it-IT" smtClean="0"/>
-              <a:t>21/02/2019</a:t>
+              <a:t>22/02/2019</a:t>
             </a:fld>
             <a:endParaRPr lang="it-IT"/>
           </a:p>
@@ -5670,7 +5671,7 @@
           <a:p>
             <a:fld id="{73B341DB-7226-48ED-93C6-4CA0570B6B59}" type="datetimeFigureOut">
               <a:rPr lang="it-IT" smtClean="0"/>
-              <a:t>21/02/2019</a:t>
+              <a:t>22/02/2019</a:t>
             </a:fld>
             <a:endParaRPr lang="it-IT"/>
           </a:p>
@@ -5911,7 +5912,7 @@
           <a:p>
             <a:fld id="{73B341DB-7226-48ED-93C6-4CA0570B6B59}" type="datetimeFigureOut">
               <a:rPr lang="it-IT" smtClean="0"/>
-              <a:t>21/02/2019</a:t>
+              <a:t>22/02/2019</a:t>
             </a:fld>
             <a:endParaRPr lang="it-IT"/>
           </a:p>
@@ -6479,7 +6480,7 @@
           <a:p>
             <a:fld id="{6A95F648-2F94-41D1-A59D-39CB3696F9AB}" type="datetimeFigureOut">
               <a:rPr lang="it-IT" smtClean="0"/>
-              <a:t>21/02/2019</a:t>
+              <a:t>22/02/2019</a:t>
             </a:fld>
             <a:endParaRPr lang="it-IT"/>
           </a:p>
@@ -21395,6 +21396,1476 @@
         </p:nvCxnSpPr>
         <p:spPr>
           <a:xfrm>
+            <a:off x="2700000" y="1080000"/>
+            <a:ext cx="1800000" cy="0"/>
+          </a:xfrm>
+          <a:prstGeom prst="line">
+            <a:avLst/>
+          </a:prstGeom>
+          <a:ln w="12700" cap="sq"/>
+        </p:spPr>
+        <p:style>
+          <a:lnRef idx="1">
+            <a:schemeClr val="dk1"/>
+          </a:lnRef>
+          <a:fillRef idx="0">
+            <a:schemeClr val="dk1"/>
+          </a:fillRef>
+          <a:effectRef idx="0">
+            <a:schemeClr val="dk1"/>
+          </a:effectRef>
+          <a:fontRef idx="minor">
+            <a:schemeClr val="tx1"/>
+          </a:fontRef>
+        </p:style>
+      </p:cxnSp>
+      <p:cxnSp>
+        <p:nvCxnSpPr>
+          <p:cNvPr id="6" name="Connettore diritto 5">
+            <a:extLst>
+              <a:ext uri="{FF2B5EF4-FFF2-40B4-BE49-F238E27FC236}">
+                <a16:creationId xmlns:a16="http://schemas.microsoft.com/office/drawing/2014/main" id="{E5610C7F-C982-4B4D-BACC-FD5024ED2B62}"/>
+              </a:ext>
+            </a:extLst>
+          </p:cNvPr>
+          <p:cNvCxnSpPr/>
+          <p:nvPr/>
+        </p:nvCxnSpPr>
+        <p:spPr>
+          <a:xfrm>
+            <a:off x="2520000" y="2520000"/>
+            <a:ext cx="2160000" cy="0"/>
+          </a:xfrm>
+          <a:prstGeom prst="line">
+            <a:avLst/>
+          </a:prstGeom>
+          <a:ln w="12700" cap="sq"/>
+        </p:spPr>
+        <p:style>
+          <a:lnRef idx="1">
+            <a:schemeClr val="dk1"/>
+          </a:lnRef>
+          <a:fillRef idx="0">
+            <a:schemeClr val="dk1"/>
+          </a:fillRef>
+          <a:effectRef idx="0">
+            <a:schemeClr val="dk1"/>
+          </a:effectRef>
+          <a:fontRef idx="minor">
+            <a:schemeClr val="tx1"/>
+          </a:fontRef>
+        </p:style>
+      </p:cxnSp>
+      <p:cxnSp>
+        <p:nvCxnSpPr>
+          <p:cNvPr id="8" name="Connettore diritto 7">
+            <a:extLst>
+              <a:ext uri="{FF2B5EF4-FFF2-40B4-BE49-F238E27FC236}">
+                <a16:creationId xmlns:a16="http://schemas.microsoft.com/office/drawing/2014/main" id="{EEFDB217-9ACD-4C8F-899A-FE4EEBC2BBD5}"/>
+              </a:ext>
+            </a:extLst>
+          </p:cNvPr>
+          <p:cNvCxnSpPr/>
+          <p:nvPr/>
+        </p:nvCxnSpPr>
+        <p:spPr>
+          <a:xfrm>
+            <a:off x="2880000" y="900000"/>
+            <a:ext cx="0" cy="3240000"/>
+          </a:xfrm>
+          <a:prstGeom prst="line">
+            <a:avLst/>
+          </a:prstGeom>
+          <a:ln w="12700" cap="sq"/>
+        </p:spPr>
+        <p:style>
+          <a:lnRef idx="1">
+            <a:schemeClr val="dk1"/>
+          </a:lnRef>
+          <a:fillRef idx="0">
+            <a:schemeClr val="dk1"/>
+          </a:fillRef>
+          <a:effectRef idx="0">
+            <a:schemeClr val="dk1"/>
+          </a:effectRef>
+          <a:fontRef idx="minor">
+            <a:schemeClr val="tx1"/>
+          </a:fontRef>
+        </p:style>
+      </p:cxnSp>
+      <p:cxnSp>
+        <p:nvCxnSpPr>
+          <p:cNvPr id="9" name="Connettore diritto 8">
+            <a:extLst>
+              <a:ext uri="{FF2B5EF4-FFF2-40B4-BE49-F238E27FC236}">
+                <a16:creationId xmlns:a16="http://schemas.microsoft.com/office/drawing/2014/main" id="{48B82A87-D014-485E-8D26-CD5598BBA0FB}"/>
+              </a:ext>
+            </a:extLst>
+          </p:cNvPr>
+          <p:cNvCxnSpPr/>
+          <p:nvPr/>
+        </p:nvCxnSpPr>
+        <p:spPr>
+          <a:xfrm>
+            <a:off x="4320000" y="900000"/>
+            <a:ext cx="0" cy="3240000"/>
+          </a:xfrm>
+          <a:prstGeom prst="line">
+            <a:avLst/>
+          </a:prstGeom>
+          <a:ln w="12700" cap="sq"/>
+        </p:spPr>
+        <p:style>
+          <a:lnRef idx="1">
+            <a:schemeClr val="dk1"/>
+          </a:lnRef>
+          <a:fillRef idx="0">
+            <a:schemeClr val="dk1"/>
+          </a:fillRef>
+          <a:effectRef idx="0">
+            <a:schemeClr val="dk1"/>
+          </a:effectRef>
+          <a:fontRef idx="minor">
+            <a:schemeClr val="tx1"/>
+          </a:fontRef>
+        </p:style>
+      </p:cxnSp>
+      <p:cxnSp>
+        <p:nvCxnSpPr>
+          <p:cNvPr id="11" name="Connettore 2 10">
+            <a:extLst>
+              <a:ext uri="{FF2B5EF4-FFF2-40B4-BE49-F238E27FC236}">
+                <a16:creationId xmlns:a16="http://schemas.microsoft.com/office/drawing/2014/main" id="{EA77B616-29CC-45B7-927D-0249E7CD8396}"/>
+              </a:ext>
+            </a:extLst>
+          </p:cNvPr>
+          <p:cNvCxnSpPr/>
+          <p:nvPr/>
+        </p:nvCxnSpPr>
+        <p:spPr>
+          <a:xfrm>
+            <a:off x="2700000" y="2520000"/>
+            <a:ext cx="360000" cy="0"/>
+          </a:xfrm>
+          <a:prstGeom prst="straightConnector1">
+            <a:avLst/>
+          </a:prstGeom>
+          <a:ln w="25400">
+            <a:solidFill>
+              <a:schemeClr val="tx1"/>
+            </a:solidFill>
+            <a:headEnd type="none"/>
+            <a:tailEnd type="arrow"/>
+          </a:ln>
+        </p:spPr>
+        <p:style>
+          <a:lnRef idx="1">
+            <a:schemeClr val="accent1"/>
+          </a:lnRef>
+          <a:fillRef idx="0">
+            <a:schemeClr val="accent1"/>
+          </a:fillRef>
+          <a:effectRef idx="0">
+            <a:schemeClr val="accent1"/>
+          </a:effectRef>
+          <a:fontRef idx="minor">
+            <a:schemeClr val="tx1"/>
+          </a:fontRef>
+        </p:style>
+      </p:cxnSp>
+      <p:cxnSp>
+        <p:nvCxnSpPr>
+          <p:cNvPr id="13" name="Connettore 2 12">
+            <a:extLst>
+              <a:ext uri="{FF2B5EF4-FFF2-40B4-BE49-F238E27FC236}">
+                <a16:creationId xmlns:a16="http://schemas.microsoft.com/office/drawing/2014/main" id="{6555B9A9-C559-437C-BC23-1B4627B7C705}"/>
+              </a:ext>
+            </a:extLst>
+          </p:cNvPr>
+          <p:cNvCxnSpPr/>
+          <p:nvPr/>
+        </p:nvCxnSpPr>
+        <p:spPr>
+          <a:xfrm>
+            <a:off x="4140000" y="1800000"/>
+            <a:ext cx="360000" cy="0"/>
+          </a:xfrm>
+          <a:prstGeom prst="straightConnector1">
+            <a:avLst/>
+          </a:prstGeom>
+          <a:ln w="25400">
+            <a:solidFill>
+              <a:schemeClr val="tx1"/>
+            </a:solidFill>
+            <a:headEnd type="none"/>
+            <a:tailEnd type="arrow"/>
+          </a:ln>
+        </p:spPr>
+        <p:style>
+          <a:lnRef idx="1">
+            <a:schemeClr val="accent1"/>
+          </a:lnRef>
+          <a:fillRef idx="0">
+            <a:schemeClr val="accent1"/>
+          </a:fillRef>
+          <a:effectRef idx="0">
+            <a:schemeClr val="accent1"/>
+          </a:effectRef>
+          <a:fontRef idx="minor">
+            <a:schemeClr val="tx1"/>
+          </a:fontRef>
+        </p:style>
+      </p:cxnSp>
+      <p:cxnSp>
+        <p:nvCxnSpPr>
+          <p:cNvPr id="14" name="Connettore 2 13">
+            <a:extLst>
+              <a:ext uri="{FF2B5EF4-FFF2-40B4-BE49-F238E27FC236}">
+                <a16:creationId xmlns:a16="http://schemas.microsoft.com/office/drawing/2014/main" id="{94307FAE-4F82-48F7-8794-915DECA4F0BB}"/>
+              </a:ext>
+            </a:extLst>
+          </p:cNvPr>
+          <p:cNvCxnSpPr/>
+          <p:nvPr/>
+        </p:nvCxnSpPr>
+        <p:spPr>
+          <a:xfrm>
+            <a:off x="2700000" y="1800000"/>
+            <a:ext cx="360000" cy="0"/>
+          </a:xfrm>
+          <a:prstGeom prst="straightConnector1">
+            <a:avLst/>
+          </a:prstGeom>
+          <a:ln w="25400">
+            <a:solidFill>
+              <a:schemeClr val="tx1"/>
+            </a:solidFill>
+            <a:headEnd type="none"/>
+            <a:tailEnd type="arrow"/>
+          </a:ln>
+        </p:spPr>
+        <p:style>
+          <a:lnRef idx="1">
+            <a:schemeClr val="accent1"/>
+          </a:lnRef>
+          <a:fillRef idx="0">
+            <a:schemeClr val="accent1"/>
+          </a:fillRef>
+          <a:effectRef idx="0">
+            <a:schemeClr val="accent1"/>
+          </a:effectRef>
+          <a:fontRef idx="minor">
+            <a:schemeClr val="tx1"/>
+          </a:fontRef>
+        </p:style>
+      </p:cxnSp>
+      <mc:AlternateContent xmlns:mc="http://schemas.openxmlformats.org/markup-compatibility/2006">
+        <mc:Choice xmlns:a14="http://schemas.microsoft.com/office/drawing/2010/main" Requires="a14">
+          <p:sp>
+            <p:nvSpPr>
+              <p:cNvPr id="2" name="CasellaDiTesto 1">
+                <a:extLst>
+                  <a:ext uri="{FF2B5EF4-FFF2-40B4-BE49-F238E27FC236}">
+                    <a16:creationId xmlns:a16="http://schemas.microsoft.com/office/drawing/2014/main" id="{034ECB12-6C58-48A6-B3E9-DD809B6847A8}"/>
+                  </a:ext>
+                </a:extLst>
+              </p:cNvPr>
+              <p:cNvSpPr txBox="1"/>
+              <p:nvPr/>
+            </p:nvSpPr>
+            <p:spPr>
+              <a:xfrm>
+                <a:off x="2898000" y="1458000"/>
+                <a:ext cx="314124" cy="278602"/>
+              </a:xfrm>
+              <a:prstGeom prst="rect">
+                <a:avLst/>
+              </a:prstGeom>
+              <a:noFill/>
+            </p:spPr>
+            <p:txBody>
+              <a:bodyPr wrap="none" lIns="0" tIns="0" rIns="0" bIns="0" rtlCol="0">
+                <a:spAutoFit/>
+              </a:bodyPr>
+              <a:lstStyle/>
+              <a:p>
+                <a:pPr/>
+                <a14:m>
+                  <m:oMathPara xmlns:m="http://schemas.openxmlformats.org/officeDocument/2006/math">
+                    <m:oMathParaPr>
+                      <m:jc m:val="centerGroup"/>
+                    </m:oMathParaPr>
+                    <m:oMath xmlns:m="http://schemas.openxmlformats.org/officeDocument/2006/math">
+                      <m:sSubSup>
+                        <m:sSubSupPr>
+                          <m:ctrlPr>
+                            <a:rPr lang="it-IT" b="0" i="1" smtClean="0">
+                              <a:latin typeface="Cambria Math" panose="02040503050406030204" pitchFamily="18" charset="0"/>
+                            </a:rPr>
+                          </m:ctrlPr>
+                        </m:sSubSupPr>
+                        <m:e>
+                          <m:r>
+                            <a:rPr lang="it-IT" b="0" i="1" smtClean="0">
+                              <a:latin typeface="Cambria Math" panose="02040503050406030204" pitchFamily="18" charset="0"/>
+                            </a:rPr>
+                            <m:t>𝑢</m:t>
+                          </m:r>
+                        </m:e>
+                        <m:sub>
+                          <m:r>
+                            <m:rPr>
+                              <m:sty m:val="p"/>
+                            </m:rPr>
+                            <a:rPr lang="it-IT" b="0" i="0" smtClean="0">
+                              <a:latin typeface="Cambria Math" panose="02040503050406030204" pitchFamily="18" charset="0"/>
+                            </a:rPr>
+                            <m:t>ff</m:t>
+                          </m:r>
+                        </m:sub>
+                        <m:sup>
+                          <m:r>
+                            <m:rPr>
+                              <m:sty m:val="p"/>
+                            </m:rPr>
+                            <a:rPr lang="it-IT" b="0" i="0" smtClean="0">
+                              <a:latin typeface="Cambria Math" panose="02040503050406030204" pitchFamily="18" charset="0"/>
+                            </a:rPr>
+                            <m:t>c</m:t>
+                          </m:r>
+                        </m:sup>
+                      </m:sSubSup>
+                    </m:oMath>
+                  </m:oMathPara>
+                </a14:m>
+                <a:endParaRPr lang="it-IT" dirty="0"/>
+              </a:p>
+            </p:txBody>
+          </p:sp>
+        </mc:Choice>
+        <mc:Fallback>
+          <p:sp>
+            <p:nvSpPr>
+              <p:cNvPr id="2" name="CasellaDiTesto 1">
+                <a:extLst>
+                  <a:ext uri="{FF2B5EF4-FFF2-40B4-BE49-F238E27FC236}">
+                    <a16:creationId xmlns:a16="http://schemas.microsoft.com/office/drawing/2014/main" id="{034ECB12-6C58-48A6-B3E9-DD809B6847A8}"/>
+                  </a:ext>
+                </a:extLst>
+              </p:cNvPr>
+              <p:cNvSpPr txBox="1">
+                <a:spLocks noRot="1" noChangeAspect="1" noMove="1" noResize="1" noEditPoints="1" noAdjustHandles="1" noChangeArrowheads="1" noChangeShapeType="1" noTextEdit="1"/>
+              </p:cNvSpPr>
+              <p:nvPr/>
+            </p:nvSpPr>
+            <p:spPr>
+              <a:xfrm>
+                <a:off x="2898000" y="1458000"/>
+                <a:ext cx="314124" cy="278602"/>
+              </a:xfrm>
+              <a:prstGeom prst="rect">
+                <a:avLst/>
+              </a:prstGeom>
+              <a:blipFill>
+                <a:blip r:embed="rId2"/>
+                <a:stretch>
+                  <a:fillRect l="-11538" r="-9615" b="-21739"/>
+                </a:stretch>
+              </a:blipFill>
+            </p:spPr>
+            <p:txBody>
+              <a:bodyPr/>
+              <a:lstStyle/>
+              <a:p>
+                <a:r>
+                  <a:rPr lang="it-IT">
+                    <a:noFill/>
+                  </a:rPr>
+                  <a:t> </a:t>
+                </a:r>
+              </a:p>
+            </p:txBody>
+          </p:sp>
+        </mc:Fallback>
+      </mc:AlternateContent>
+      <mc:AlternateContent xmlns:mc="http://schemas.openxmlformats.org/markup-compatibility/2006">
+        <mc:Choice xmlns:a14="http://schemas.microsoft.com/office/drawing/2010/main" Requires="a14">
+          <p:sp>
+            <p:nvSpPr>
+              <p:cNvPr id="17" name="CasellaDiTesto 16">
+                <a:extLst>
+                  <a:ext uri="{FF2B5EF4-FFF2-40B4-BE49-F238E27FC236}">
+                    <a16:creationId xmlns:a16="http://schemas.microsoft.com/office/drawing/2014/main" id="{24A358DC-1049-4986-AA67-EB7409D547AF}"/>
+                  </a:ext>
+                </a:extLst>
+              </p:cNvPr>
+              <p:cNvSpPr txBox="1"/>
+              <p:nvPr/>
+            </p:nvSpPr>
+            <p:spPr>
+              <a:xfrm>
+                <a:off x="3618000" y="2134800"/>
+                <a:ext cx="314765" cy="308802"/>
+              </a:xfrm>
+              <a:prstGeom prst="rect">
+                <a:avLst/>
+              </a:prstGeom>
+              <a:noFill/>
+            </p:spPr>
+            <p:txBody>
+              <a:bodyPr wrap="none" lIns="0" tIns="0" rIns="0" bIns="0" rtlCol="0">
+                <a:spAutoFit/>
+              </a:bodyPr>
+              <a:lstStyle/>
+              <a:p>
+                <a:pPr/>
+                <a14:m>
+                  <m:oMathPara xmlns:m="http://schemas.openxmlformats.org/officeDocument/2006/math">
+                    <m:oMathParaPr>
+                      <m:jc m:val="centerGroup"/>
+                    </m:oMathParaPr>
+                    <m:oMath xmlns:m="http://schemas.openxmlformats.org/officeDocument/2006/math">
+                      <m:sSubSup>
+                        <m:sSubSupPr>
+                          <m:ctrlPr>
+                            <a:rPr lang="it-IT" b="0" i="1" smtClean="0">
+                              <a:latin typeface="Cambria Math" panose="02040503050406030204" pitchFamily="18" charset="0"/>
+                            </a:rPr>
+                          </m:ctrlPr>
+                        </m:sSubSupPr>
+                        <m:e>
+                          <m:r>
+                            <a:rPr lang="it-IT" b="0" i="1" smtClean="0">
+                              <a:latin typeface="Cambria Math" panose="02040503050406030204" pitchFamily="18" charset="0"/>
+                            </a:rPr>
+                            <m:t>𝑣</m:t>
+                          </m:r>
+                        </m:e>
+                        <m:sub>
+                          <m:r>
+                            <m:rPr>
+                              <m:sty m:val="p"/>
+                            </m:rPr>
+                            <a:rPr lang="it-IT" b="0" i="0" smtClean="0">
+                              <a:latin typeface="Cambria Math" panose="02040503050406030204" pitchFamily="18" charset="0"/>
+                            </a:rPr>
+                            <m:t>ff</m:t>
+                          </m:r>
+                        </m:sub>
+                        <m:sup>
+                          <m:r>
+                            <m:rPr>
+                              <m:sty m:val="p"/>
+                            </m:rPr>
+                            <a:rPr lang="it-IT" b="0" i="0" smtClean="0">
+                              <a:latin typeface="Cambria Math" panose="02040503050406030204" pitchFamily="18" charset="0"/>
+                            </a:rPr>
+                            <m:t>if</m:t>
+                          </m:r>
+                        </m:sup>
+                      </m:sSubSup>
+                    </m:oMath>
+                  </m:oMathPara>
+                </a14:m>
+                <a:endParaRPr lang="it-IT" dirty="0"/>
+              </a:p>
+            </p:txBody>
+          </p:sp>
+        </mc:Choice>
+        <mc:Fallback>
+          <p:sp>
+            <p:nvSpPr>
+              <p:cNvPr id="17" name="CasellaDiTesto 16">
+                <a:extLst>
+                  <a:ext uri="{FF2B5EF4-FFF2-40B4-BE49-F238E27FC236}">
+                    <a16:creationId xmlns:a16="http://schemas.microsoft.com/office/drawing/2014/main" id="{24A358DC-1049-4986-AA67-EB7409D547AF}"/>
+                  </a:ext>
+                </a:extLst>
+              </p:cNvPr>
+              <p:cNvSpPr txBox="1">
+                <a:spLocks noRot="1" noChangeAspect="1" noMove="1" noResize="1" noEditPoints="1" noAdjustHandles="1" noChangeArrowheads="1" noChangeShapeType="1" noTextEdit="1"/>
+              </p:cNvSpPr>
+              <p:nvPr/>
+            </p:nvSpPr>
+            <p:spPr>
+              <a:xfrm>
+                <a:off x="3618000" y="2134800"/>
+                <a:ext cx="314765" cy="308802"/>
+              </a:xfrm>
+              <a:prstGeom prst="rect">
+                <a:avLst/>
+              </a:prstGeom>
+              <a:blipFill>
+                <a:blip r:embed="rId3"/>
+                <a:stretch>
+                  <a:fillRect l="-9804" t="-1961" r="-11765" b="-19608"/>
+                </a:stretch>
+              </a:blipFill>
+            </p:spPr>
+            <p:txBody>
+              <a:bodyPr/>
+              <a:lstStyle/>
+              <a:p>
+                <a:r>
+                  <a:rPr lang="it-IT">
+                    <a:noFill/>
+                  </a:rPr>
+                  <a:t> </a:t>
+                </a:r>
+              </a:p>
+            </p:txBody>
+          </p:sp>
+        </mc:Fallback>
+      </mc:AlternateContent>
+      <mc:AlternateContent xmlns:mc="http://schemas.openxmlformats.org/markup-compatibility/2006">
+        <mc:Choice xmlns:a14="http://schemas.microsoft.com/office/drawing/2010/main" Requires="a14">
+          <p:sp>
+            <p:nvSpPr>
+              <p:cNvPr id="19" name="CasellaDiTesto 18">
+                <a:extLst>
+                  <a:ext uri="{FF2B5EF4-FFF2-40B4-BE49-F238E27FC236}">
+                    <a16:creationId xmlns:a16="http://schemas.microsoft.com/office/drawing/2014/main" id="{C025A578-1E13-4DC9-980F-3F84E078B8C2}"/>
+                  </a:ext>
+                </a:extLst>
+              </p:cNvPr>
+              <p:cNvSpPr txBox="1"/>
+              <p:nvPr/>
+            </p:nvSpPr>
+            <p:spPr>
+              <a:xfrm>
+                <a:off x="3618000" y="1458000"/>
+                <a:ext cx="302006" cy="278602"/>
+              </a:xfrm>
+              <a:prstGeom prst="rect">
+                <a:avLst/>
+              </a:prstGeom>
+              <a:noFill/>
+            </p:spPr>
+            <p:txBody>
+              <a:bodyPr wrap="none" lIns="0" tIns="0" rIns="0" bIns="0" rtlCol="0">
+                <a:spAutoFit/>
+              </a:bodyPr>
+              <a:lstStyle/>
+              <a:p>
+                <a:pPr/>
+                <a14:m>
+                  <m:oMathPara xmlns:m="http://schemas.openxmlformats.org/officeDocument/2006/math">
+                    <m:oMathParaPr>
+                      <m:jc m:val="centerGroup"/>
+                    </m:oMathParaPr>
+                    <m:oMath xmlns:m="http://schemas.openxmlformats.org/officeDocument/2006/math">
+                      <m:sSubSup>
+                        <m:sSubSupPr>
+                          <m:ctrlPr>
+                            <a:rPr lang="it-IT" b="0" i="1" smtClean="0">
+                              <a:latin typeface="Cambria Math" panose="02040503050406030204" pitchFamily="18" charset="0"/>
+                            </a:rPr>
+                          </m:ctrlPr>
+                        </m:sSubSupPr>
+                        <m:e>
+                          <m:r>
+                            <a:rPr lang="it-IT" b="0" i="1" smtClean="0">
+                              <a:latin typeface="Cambria Math" panose="02040503050406030204" pitchFamily="18" charset="0"/>
+                            </a:rPr>
+                            <m:t>𝑝</m:t>
+                          </m:r>
+                        </m:e>
+                        <m:sub>
+                          <m:r>
+                            <m:rPr>
+                              <m:sty m:val="p"/>
+                            </m:rPr>
+                            <a:rPr lang="it-IT" b="0" i="0" smtClean="0">
+                              <a:latin typeface="Cambria Math" panose="02040503050406030204" pitchFamily="18" charset="0"/>
+                            </a:rPr>
+                            <m:t>ff</m:t>
+                          </m:r>
+                        </m:sub>
+                        <m:sup>
+                          <m:r>
+                            <m:rPr>
+                              <m:sty m:val="p"/>
+                            </m:rPr>
+                            <a:rPr lang="it-IT" b="0" i="0" smtClean="0">
+                              <a:latin typeface="Cambria Math" panose="02040503050406030204" pitchFamily="18" charset="0"/>
+                            </a:rPr>
+                            <m:t>c</m:t>
+                          </m:r>
+                        </m:sup>
+                      </m:sSubSup>
+                    </m:oMath>
+                  </m:oMathPara>
+                </a14:m>
+                <a:endParaRPr lang="it-IT" dirty="0"/>
+              </a:p>
+            </p:txBody>
+          </p:sp>
+        </mc:Choice>
+        <mc:Fallback>
+          <p:sp>
+            <p:nvSpPr>
+              <p:cNvPr id="19" name="CasellaDiTesto 18">
+                <a:extLst>
+                  <a:ext uri="{FF2B5EF4-FFF2-40B4-BE49-F238E27FC236}">
+                    <a16:creationId xmlns:a16="http://schemas.microsoft.com/office/drawing/2014/main" id="{C025A578-1E13-4DC9-980F-3F84E078B8C2}"/>
+                  </a:ext>
+                </a:extLst>
+              </p:cNvPr>
+              <p:cNvSpPr txBox="1">
+                <a:spLocks noRot="1" noChangeAspect="1" noMove="1" noResize="1" noEditPoints="1" noAdjustHandles="1" noChangeArrowheads="1" noChangeShapeType="1" noTextEdit="1"/>
+              </p:cNvSpPr>
+              <p:nvPr/>
+            </p:nvSpPr>
+            <p:spPr>
+              <a:xfrm>
+                <a:off x="3618000" y="1458000"/>
+                <a:ext cx="302006" cy="278602"/>
+              </a:xfrm>
+              <a:prstGeom prst="rect">
+                <a:avLst/>
+              </a:prstGeom>
+              <a:blipFill>
+                <a:blip r:embed="rId4"/>
+                <a:stretch>
+                  <a:fillRect l="-18367" r="-10204" b="-23913"/>
+                </a:stretch>
+              </a:blipFill>
+            </p:spPr>
+            <p:txBody>
+              <a:bodyPr/>
+              <a:lstStyle/>
+              <a:p>
+                <a:r>
+                  <a:rPr lang="it-IT">
+                    <a:noFill/>
+                  </a:rPr>
+                  <a:t> </a:t>
+                </a:r>
+              </a:p>
+            </p:txBody>
+          </p:sp>
+        </mc:Fallback>
+      </mc:AlternateContent>
+      <p:cxnSp>
+        <p:nvCxnSpPr>
+          <p:cNvPr id="22" name="Connettore diritto 21">
+            <a:extLst>
+              <a:ext uri="{FF2B5EF4-FFF2-40B4-BE49-F238E27FC236}">
+                <a16:creationId xmlns:a16="http://schemas.microsoft.com/office/drawing/2014/main" id="{FDC811F6-E183-4876-A576-F8814BFB9835}"/>
+              </a:ext>
+            </a:extLst>
+          </p:cNvPr>
+          <p:cNvCxnSpPr/>
+          <p:nvPr/>
+        </p:nvCxnSpPr>
+        <p:spPr>
+          <a:xfrm>
+            <a:off x="2700000" y="3960000"/>
+            <a:ext cx="1800000" cy="0"/>
+          </a:xfrm>
+          <a:prstGeom prst="line">
+            <a:avLst/>
+          </a:prstGeom>
+          <a:ln w="12700" cap="sq"/>
+        </p:spPr>
+        <p:style>
+          <a:lnRef idx="1">
+            <a:schemeClr val="dk1"/>
+          </a:lnRef>
+          <a:fillRef idx="0">
+            <a:schemeClr val="dk1"/>
+          </a:fillRef>
+          <a:effectRef idx="0">
+            <a:schemeClr val="dk1"/>
+          </a:effectRef>
+          <a:fontRef idx="minor">
+            <a:schemeClr val="tx1"/>
+          </a:fontRef>
+        </p:style>
+      </p:cxnSp>
+      <p:sp>
+        <p:nvSpPr>
+          <p:cNvPr id="23" name="Ovale 22">
+            <a:extLst>
+              <a:ext uri="{FF2B5EF4-FFF2-40B4-BE49-F238E27FC236}">
+                <a16:creationId xmlns:a16="http://schemas.microsoft.com/office/drawing/2014/main" id="{38D5C17C-EF0A-4E16-B1F8-A4B5A9480667}"/>
+              </a:ext>
+            </a:extLst>
+          </p:cNvPr>
+          <p:cNvSpPr>
+            <a:spLocks noChangeAspect="1"/>
+          </p:cNvSpPr>
+          <p:nvPr/>
+        </p:nvSpPr>
+        <p:spPr>
+          <a:xfrm>
+            <a:off x="3556800" y="1756800"/>
+            <a:ext cx="86400" cy="86400"/>
+          </a:xfrm>
+          <a:prstGeom prst="ellipse">
+            <a:avLst/>
+          </a:prstGeom>
+        </p:spPr>
+        <p:style>
+          <a:lnRef idx="2">
+            <a:schemeClr val="dk1">
+              <a:shade val="50000"/>
+            </a:schemeClr>
+          </a:lnRef>
+          <a:fillRef idx="1">
+            <a:schemeClr val="dk1"/>
+          </a:fillRef>
+          <a:effectRef idx="0">
+            <a:schemeClr val="dk1"/>
+          </a:effectRef>
+          <a:fontRef idx="minor">
+            <a:schemeClr val="lt1"/>
+          </a:fontRef>
+        </p:style>
+        <p:txBody>
+          <a:bodyPr rtlCol="0" anchor="ctr"/>
+          <a:lstStyle/>
+          <a:p>
+            <a:pPr algn="ctr"/>
+            <a:endParaRPr lang="it-IT"/>
+          </a:p>
+        </p:txBody>
+      </p:sp>
+      <p:sp>
+        <p:nvSpPr>
+          <p:cNvPr id="24" name="Ovale 23">
+            <a:extLst>
+              <a:ext uri="{FF2B5EF4-FFF2-40B4-BE49-F238E27FC236}">
+                <a16:creationId xmlns:a16="http://schemas.microsoft.com/office/drawing/2014/main" id="{07AAA24B-A78A-493F-80B3-B9B16445D3B5}"/>
+              </a:ext>
+            </a:extLst>
+          </p:cNvPr>
+          <p:cNvSpPr>
+            <a:spLocks noChangeAspect="1"/>
+          </p:cNvSpPr>
+          <p:nvPr/>
+        </p:nvSpPr>
+        <p:spPr>
+          <a:xfrm>
+            <a:off x="3556800" y="3196800"/>
+            <a:ext cx="86400" cy="86400"/>
+          </a:xfrm>
+          <a:prstGeom prst="ellipse">
+            <a:avLst/>
+          </a:prstGeom>
+        </p:spPr>
+        <p:style>
+          <a:lnRef idx="2">
+            <a:schemeClr val="dk1">
+              <a:shade val="50000"/>
+            </a:schemeClr>
+          </a:lnRef>
+          <a:fillRef idx="1">
+            <a:schemeClr val="dk1"/>
+          </a:fillRef>
+          <a:effectRef idx="0">
+            <a:schemeClr val="dk1"/>
+          </a:effectRef>
+          <a:fontRef idx="minor">
+            <a:schemeClr val="lt1"/>
+          </a:fontRef>
+        </p:style>
+        <p:txBody>
+          <a:bodyPr rtlCol="0" anchor="ctr"/>
+          <a:lstStyle/>
+          <a:p>
+            <a:pPr algn="ctr"/>
+            <a:endParaRPr lang="it-IT"/>
+          </a:p>
+        </p:txBody>
+      </p:sp>
+      <p:sp>
+        <p:nvSpPr>
+          <p:cNvPr id="25" name="Ovale 24">
+            <a:extLst>
+              <a:ext uri="{FF2B5EF4-FFF2-40B4-BE49-F238E27FC236}">
+                <a16:creationId xmlns:a16="http://schemas.microsoft.com/office/drawing/2014/main" id="{D510D97A-E276-4C3E-AB58-0ED5F40761DB}"/>
+              </a:ext>
+            </a:extLst>
+          </p:cNvPr>
+          <p:cNvSpPr>
+            <a:spLocks noChangeAspect="1"/>
+          </p:cNvSpPr>
+          <p:nvPr/>
+        </p:nvSpPr>
+        <p:spPr>
+          <a:xfrm>
+            <a:off x="3556800" y="2476800"/>
+            <a:ext cx="86400" cy="86400"/>
+          </a:xfrm>
+          <a:prstGeom prst="ellipse">
+            <a:avLst/>
+          </a:prstGeom>
+        </p:spPr>
+        <p:style>
+          <a:lnRef idx="2">
+            <a:schemeClr val="dk1">
+              <a:shade val="50000"/>
+            </a:schemeClr>
+          </a:lnRef>
+          <a:fillRef idx="1">
+            <a:schemeClr val="dk1"/>
+          </a:fillRef>
+          <a:effectRef idx="0">
+            <a:schemeClr val="dk1"/>
+          </a:effectRef>
+          <a:fontRef idx="minor">
+            <a:schemeClr val="lt1"/>
+          </a:fontRef>
+        </p:style>
+        <p:txBody>
+          <a:bodyPr rtlCol="0" anchor="ctr"/>
+          <a:lstStyle/>
+          <a:p>
+            <a:pPr algn="ctr"/>
+            <a:endParaRPr lang="it-IT"/>
+          </a:p>
+        </p:txBody>
+      </p:sp>
+      <p:cxnSp>
+        <p:nvCxnSpPr>
+          <p:cNvPr id="26" name="Connettore 2 25">
+            <a:extLst>
+              <a:ext uri="{FF2B5EF4-FFF2-40B4-BE49-F238E27FC236}">
+                <a16:creationId xmlns:a16="http://schemas.microsoft.com/office/drawing/2014/main" id="{334E8EB4-F827-459F-84CB-D7AED8176DEB}"/>
+              </a:ext>
+            </a:extLst>
+          </p:cNvPr>
+          <p:cNvCxnSpPr/>
+          <p:nvPr/>
+        </p:nvCxnSpPr>
+        <p:spPr>
+          <a:xfrm>
+            <a:off x="3600000" y="900000"/>
+            <a:ext cx="0" cy="360000"/>
+          </a:xfrm>
+          <a:prstGeom prst="straightConnector1">
+            <a:avLst/>
+          </a:prstGeom>
+          <a:ln w="25400">
+            <a:solidFill>
+              <a:schemeClr val="tx1"/>
+            </a:solidFill>
+            <a:headEnd type="arrow"/>
+            <a:tailEnd type="none"/>
+          </a:ln>
+        </p:spPr>
+        <p:style>
+          <a:lnRef idx="1">
+            <a:schemeClr val="accent1"/>
+          </a:lnRef>
+          <a:fillRef idx="0">
+            <a:schemeClr val="accent1"/>
+          </a:fillRef>
+          <a:effectRef idx="0">
+            <a:schemeClr val="accent1"/>
+          </a:effectRef>
+          <a:fontRef idx="minor">
+            <a:schemeClr val="tx1"/>
+          </a:fontRef>
+        </p:style>
+      </p:cxnSp>
+      <p:cxnSp>
+        <p:nvCxnSpPr>
+          <p:cNvPr id="27" name="Connettore 2 26">
+            <a:extLst>
+              <a:ext uri="{FF2B5EF4-FFF2-40B4-BE49-F238E27FC236}">
+                <a16:creationId xmlns:a16="http://schemas.microsoft.com/office/drawing/2014/main" id="{397308BC-0B56-4E96-90F1-41383ED84DE5}"/>
+              </a:ext>
+            </a:extLst>
+          </p:cNvPr>
+          <p:cNvCxnSpPr/>
+          <p:nvPr/>
+        </p:nvCxnSpPr>
+        <p:spPr>
+          <a:xfrm>
+            <a:off x="3600000" y="2340000"/>
+            <a:ext cx="0" cy="360000"/>
+          </a:xfrm>
+          <a:prstGeom prst="straightConnector1">
+            <a:avLst/>
+          </a:prstGeom>
+          <a:ln w="25400">
+            <a:solidFill>
+              <a:schemeClr val="tx1"/>
+            </a:solidFill>
+            <a:headEnd type="arrow"/>
+            <a:tailEnd type="none"/>
+          </a:ln>
+        </p:spPr>
+        <p:style>
+          <a:lnRef idx="1">
+            <a:schemeClr val="accent1"/>
+          </a:lnRef>
+          <a:fillRef idx="0">
+            <a:schemeClr val="accent1"/>
+          </a:fillRef>
+          <a:effectRef idx="0">
+            <a:schemeClr val="accent1"/>
+          </a:effectRef>
+          <a:fontRef idx="minor">
+            <a:schemeClr val="tx1"/>
+          </a:fontRef>
+        </p:style>
+      </p:cxnSp>
+      <mc:AlternateContent xmlns:mc="http://schemas.openxmlformats.org/markup-compatibility/2006">
+        <mc:Choice xmlns:a14="http://schemas.microsoft.com/office/drawing/2010/main" Requires="a14">
+          <p:sp>
+            <p:nvSpPr>
+              <p:cNvPr id="28" name="CasellaDiTesto 27">
+                <a:extLst>
+                  <a:ext uri="{FF2B5EF4-FFF2-40B4-BE49-F238E27FC236}">
+                    <a16:creationId xmlns:a16="http://schemas.microsoft.com/office/drawing/2014/main" id="{44118F4D-CE69-4D99-BEE4-9A605709AC7F}"/>
+                  </a:ext>
+                </a:extLst>
+              </p:cNvPr>
+              <p:cNvSpPr txBox="1"/>
+              <p:nvPr/>
+            </p:nvSpPr>
+            <p:spPr>
+              <a:xfrm>
+                <a:off x="2086740" y="2338300"/>
+                <a:ext cx="386644" cy="276999"/>
+              </a:xfrm>
+              <a:prstGeom prst="rect">
+                <a:avLst/>
+              </a:prstGeom>
+              <a:noFill/>
+            </p:spPr>
+            <p:txBody>
+              <a:bodyPr wrap="none" lIns="0" tIns="0" rIns="0" bIns="0" rtlCol="0">
+                <a:spAutoFit/>
+              </a:bodyPr>
+              <a:lstStyle/>
+              <a:p>
+                <a:pPr/>
+                <a14:m>
+                  <m:oMathPara xmlns:m="http://schemas.openxmlformats.org/officeDocument/2006/math">
+                    <m:oMathParaPr>
+                      <m:jc m:val="centerGroup"/>
+                    </m:oMathParaPr>
+                    <m:oMath xmlns:m="http://schemas.openxmlformats.org/officeDocument/2006/math">
+                      <m:sSub>
+                        <m:sSubPr>
+                          <m:ctrlPr>
+                            <a:rPr lang="it-IT" i="1" smtClean="0">
+                              <a:latin typeface="Cambria Math" panose="02040503050406030204" pitchFamily="18" charset="0"/>
+                            </a:rPr>
+                          </m:ctrlPr>
+                        </m:sSubPr>
+                        <m:e>
+                          <m:r>
+                            <m:rPr>
+                              <m:sty m:val="p"/>
+                            </m:rPr>
+                            <a:rPr lang="el-GR" i="1" smtClean="0">
+                              <a:latin typeface="Cambria Math" panose="02040503050406030204" pitchFamily="18" charset="0"/>
+                              <a:ea typeface="Cambria Math" panose="02040503050406030204" pitchFamily="18" charset="0"/>
+                            </a:rPr>
+                            <m:t>Γ</m:t>
+                          </m:r>
+                        </m:e>
+                        <m:sub>
+                          <m:r>
+                            <m:rPr>
+                              <m:sty m:val="p"/>
+                            </m:rPr>
+                            <a:rPr lang="it-IT" b="0" i="0" smtClean="0">
+                              <a:latin typeface="Cambria Math" panose="02040503050406030204" pitchFamily="18" charset="0"/>
+                            </a:rPr>
+                            <m:t>int</m:t>
+                          </m:r>
+                        </m:sub>
+                      </m:sSub>
+                    </m:oMath>
+                  </m:oMathPara>
+                </a14:m>
+                <a:endParaRPr lang="it-IT" dirty="0"/>
+              </a:p>
+            </p:txBody>
+          </p:sp>
+        </mc:Choice>
+        <mc:Fallback>
+          <p:sp>
+            <p:nvSpPr>
+              <p:cNvPr id="28" name="CasellaDiTesto 27">
+                <a:extLst>
+                  <a:ext uri="{FF2B5EF4-FFF2-40B4-BE49-F238E27FC236}">
+                    <a16:creationId xmlns:a16="http://schemas.microsoft.com/office/drawing/2014/main" id="{44118F4D-CE69-4D99-BEE4-9A605709AC7F}"/>
+                  </a:ext>
+                </a:extLst>
+              </p:cNvPr>
+              <p:cNvSpPr txBox="1">
+                <a:spLocks noRot="1" noChangeAspect="1" noMove="1" noResize="1" noEditPoints="1" noAdjustHandles="1" noChangeArrowheads="1" noChangeShapeType="1" noTextEdit="1"/>
+              </p:cNvSpPr>
+              <p:nvPr/>
+            </p:nvSpPr>
+            <p:spPr>
+              <a:xfrm>
+                <a:off x="2086740" y="2338300"/>
+                <a:ext cx="386644" cy="276999"/>
+              </a:xfrm>
+              <a:prstGeom prst="rect">
+                <a:avLst/>
+              </a:prstGeom>
+              <a:blipFill>
+                <a:blip r:embed="rId5"/>
+                <a:stretch>
+                  <a:fillRect l="-12500" r="-7813" b="-17778"/>
+                </a:stretch>
+              </a:blipFill>
+            </p:spPr>
+            <p:txBody>
+              <a:bodyPr/>
+              <a:lstStyle/>
+              <a:p>
+                <a:r>
+                  <a:rPr lang="it-IT">
+                    <a:noFill/>
+                  </a:rPr>
+                  <a:t> </a:t>
+                </a:r>
+              </a:p>
+            </p:txBody>
+          </p:sp>
+        </mc:Fallback>
+      </mc:AlternateContent>
+      <mc:AlternateContent xmlns:mc="http://schemas.openxmlformats.org/markup-compatibility/2006">
+        <mc:Choice xmlns:a14="http://schemas.microsoft.com/office/drawing/2010/main" Requires="a14">
+          <p:sp>
+            <p:nvSpPr>
+              <p:cNvPr id="29" name="CasellaDiTesto 28">
+                <a:extLst>
+                  <a:ext uri="{FF2B5EF4-FFF2-40B4-BE49-F238E27FC236}">
+                    <a16:creationId xmlns:a16="http://schemas.microsoft.com/office/drawing/2014/main" id="{EEC389F2-45A3-4F9F-A12C-056D297903B6}"/>
+                  </a:ext>
+                </a:extLst>
+              </p:cNvPr>
+              <p:cNvSpPr txBox="1"/>
+              <p:nvPr/>
+            </p:nvSpPr>
+            <p:spPr>
+              <a:xfrm>
+                <a:off x="3618000" y="3196800"/>
+                <a:ext cx="442942" cy="301686"/>
+              </a:xfrm>
+              <a:prstGeom prst="rect">
+                <a:avLst/>
+              </a:prstGeom>
+              <a:noFill/>
+            </p:spPr>
+            <p:txBody>
+              <a:bodyPr wrap="none" lIns="0" tIns="0" rIns="0" bIns="0" rtlCol="0">
+                <a:spAutoFit/>
+              </a:bodyPr>
+              <a:lstStyle/>
+              <a:p>
+                <a:pPr/>
+                <a14:m>
+                  <m:oMathPara xmlns:m="http://schemas.openxmlformats.org/officeDocument/2006/math">
+                    <m:oMathParaPr>
+                      <m:jc m:val="centerGroup"/>
+                    </m:oMathParaPr>
+                    <m:oMath xmlns:m="http://schemas.openxmlformats.org/officeDocument/2006/math">
+                      <m:sSubSup>
+                        <m:sSubSupPr>
+                          <m:ctrlPr>
+                            <a:rPr lang="it-IT" b="0" i="1" smtClean="0">
+                              <a:latin typeface="Cambria Math" panose="02040503050406030204" pitchFamily="18" charset="0"/>
+                            </a:rPr>
+                          </m:ctrlPr>
+                        </m:sSubSupPr>
+                        <m:e>
+                          <m:r>
+                            <a:rPr lang="it-IT" b="0" i="1" smtClean="0">
+                              <a:latin typeface="Cambria Math" panose="02040503050406030204" pitchFamily="18" charset="0"/>
+                            </a:rPr>
+                            <m:t>𝑝</m:t>
+                          </m:r>
+                        </m:e>
+                        <m:sub>
+                          <m:r>
+                            <m:rPr>
+                              <m:sty m:val="p"/>
+                            </m:rPr>
+                            <a:rPr lang="it-IT" b="0" i="0" smtClean="0">
+                              <a:latin typeface="Cambria Math" panose="02040503050406030204" pitchFamily="18" charset="0"/>
+                            </a:rPr>
+                            <m:t>pm</m:t>
+                          </m:r>
+                        </m:sub>
+                        <m:sup>
+                          <m:r>
+                            <m:rPr>
+                              <m:sty m:val="p"/>
+                            </m:rPr>
+                            <a:rPr lang="it-IT" b="0" i="0" smtClean="0">
+                              <a:latin typeface="Cambria Math" panose="02040503050406030204" pitchFamily="18" charset="0"/>
+                            </a:rPr>
+                            <m:t>c</m:t>
+                          </m:r>
+                        </m:sup>
+                      </m:sSubSup>
+                    </m:oMath>
+                  </m:oMathPara>
+                </a14:m>
+                <a:endParaRPr lang="it-IT" dirty="0"/>
+              </a:p>
+            </p:txBody>
+          </p:sp>
+        </mc:Choice>
+        <mc:Fallback>
+          <p:sp>
+            <p:nvSpPr>
+              <p:cNvPr id="29" name="CasellaDiTesto 28">
+                <a:extLst>
+                  <a:ext uri="{FF2B5EF4-FFF2-40B4-BE49-F238E27FC236}">
+                    <a16:creationId xmlns:a16="http://schemas.microsoft.com/office/drawing/2014/main" id="{EEC389F2-45A3-4F9F-A12C-056D297903B6}"/>
+                  </a:ext>
+                </a:extLst>
+              </p:cNvPr>
+              <p:cNvSpPr txBox="1">
+                <a:spLocks noRot="1" noChangeAspect="1" noMove="1" noResize="1" noEditPoints="1" noAdjustHandles="1" noChangeArrowheads="1" noChangeShapeType="1" noTextEdit="1"/>
+              </p:cNvSpPr>
+              <p:nvPr/>
+            </p:nvSpPr>
+            <p:spPr>
+              <a:xfrm>
+                <a:off x="3618000" y="3196800"/>
+                <a:ext cx="442942" cy="301686"/>
+              </a:xfrm>
+              <a:prstGeom prst="rect">
+                <a:avLst/>
+              </a:prstGeom>
+              <a:blipFill>
+                <a:blip r:embed="rId6"/>
+                <a:stretch>
+                  <a:fillRect l="-12500" r="-6944" b="-22000"/>
+                </a:stretch>
+              </a:blipFill>
+            </p:spPr>
+            <p:txBody>
+              <a:bodyPr/>
+              <a:lstStyle/>
+              <a:p>
+                <a:r>
+                  <a:rPr lang="it-IT">
+                    <a:noFill/>
+                  </a:rPr>
+                  <a:t> </a:t>
+                </a:r>
+              </a:p>
+            </p:txBody>
+          </p:sp>
+        </mc:Fallback>
+      </mc:AlternateContent>
+      <mc:AlternateContent xmlns:mc="http://schemas.openxmlformats.org/markup-compatibility/2006">
+        <mc:Choice xmlns:a14="http://schemas.microsoft.com/office/drawing/2010/main" Requires="a14">
+          <p:sp>
+            <p:nvSpPr>
+              <p:cNvPr id="30" name="CasellaDiTesto 29">
+                <a:extLst>
+                  <a:ext uri="{FF2B5EF4-FFF2-40B4-BE49-F238E27FC236}">
+                    <a16:creationId xmlns:a16="http://schemas.microsoft.com/office/drawing/2014/main" id="{85579D5B-672B-45F7-8F27-BB94712A5491}"/>
+                  </a:ext>
+                </a:extLst>
+              </p:cNvPr>
+              <p:cNvSpPr txBox="1"/>
+              <p:nvPr/>
+            </p:nvSpPr>
+            <p:spPr>
+              <a:xfrm>
+                <a:off x="3618000" y="2543937"/>
+                <a:ext cx="442942" cy="321242"/>
+              </a:xfrm>
+              <a:prstGeom prst="rect">
+                <a:avLst/>
+              </a:prstGeom>
+              <a:noFill/>
+            </p:spPr>
+            <p:txBody>
+              <a:bodyPr wrap="none" lIns="0" tIns="0" rIns="0" bIns="0" rtlCol="0">
+                <a:spAutoFit/>
+              </a:bodyPr>
+              <a:lstStyle/>
+              <a:p>
+                <a:pPr/>
+                <a14:m>
+                  <m:oMathPara xmlns:m="http://schemas.openxmlformats.org/officeDocument/2006/math">
+                    <m:oMathParaPr>
+                      <m:jc m:val="centerGroup"/>
+                    </m:oMathParaPr>
+                    <m:oMath xmlns:m="http://schemas.openxmlformats.org/officeDocument/2006/math">
+                      <m:sSubSup>
+                        <m:sSubSupPr>
+                          <m:ctrlPr>
+                            <a:rPr lang="it-IT" b="0" i="1" smtClean="0">
+                              <a:latin typeface="Cambria Math" panose="02040503050406030204" pitchFamily="18" charset="0"/>
+                            </a:rPr>
+                          </m:ctrlPr>
+                        </m:sSubSupPr>
+                        <m:e>
+                          <m:r>
+                            <a:rPr lang="it-IT" b="0" i="1" smtClean="0">
+                              <a:latin typeface="Cambria Math" panose="02040503050406030204" pitchFamily="18" charset="0"/>
+                            </a:rPr>
+                            <m:t>𝑝</m:t>
+                          </m:r>
+                        </m:e>
+                        <m:sub>
+                          <m:r>
+                            <m:rPr>
+                              <m:sty m:val="p"/>
+                            </m:rPr>
+                            <a:rPr lang="it-IT" b="0" i="0" smtClean="0">
+                              <a:latin typeface="Cambria Math" panose="02040503050406030204" pitchFamily="18" charset="0"/>
+                            </a:rPr>
+                            <m:t>pm</m:t>
+                          </m:r>
+                        </m:sub>
+                        <m:sup>
+                          <m:r>
+                            <m:rPr>
+                              <m:sty m:val="p"/>
+                            </m:rPr>
+                            <a:rPr lang="it-IT" b="0" i="0" smtClean="0">
+                              <a:latin typeface="Cambria Math" panose="02040503050406030204" pitchFamily="18" charset="0"/>
+                            </a:rPr>
+                            <m:t>if</m:t>
+                          </m:r>
+                        </m:sup>
+                      </m:sSubSup>
+                    </m:oMath>
+                  </m:oMathPara>
+                </a14:m>
+                <a:endParaRPr lang="it-IT" dirty="0"/>
+              </a:p>
+            </p:txBody>
+          </p:sp>
+        </mc:Choice>
+        <mc:Fallback>
+          <p:sp>
+            <p:nvSpPr>
+              <p:cNvPr id="30" name="CasellaDiTesto 29">
+                <a:extLst>
+                  <a:ext uri="{FF2B5EF4-FFF2-40B4-BE49-F238E27FC236}">
+                    <a16:creationId xmlns:a16="http://schemas.microsoft.com/office/drawing/2014/main" id="{85579D5B-672B-45F7-8F27-BB94712A5491}"/>
+                  </a:ext>
+                </a:extLst>
+              </p:cNvPr>
+              <p:cNvSpPr txBox="1">
+                <a:spLocks noRot="1" noChangeAspect="1" noMove="1" noResize="1" noEditPoints="1" noAdjustHandles="1" noChangeArrowheads="1" noChangeShapeType="1" noTextEdit="1"/>
+              </p:cNvSpPr>
+              <p:nvPr/>
+            </p:nvSpPr>
+            <p:spPr>
+              <a:xfrm>
+                <a:off x="3618000" y="2543937"/>
+                <a:ext cx="442942" cy="321242"/>
+              </a:xfrm>
+              <a:prstGeom prst="rect">
+                <a:avLst/>
+              </a:prstGeom>
+              <a:blipFill>
+                <a:blip r:embed="rId7"/>
+                <a:stretch>
+                  <a:fillRect l="-12500" r="-6944" b="-20755"/>
+                </a:stretch>
+              </a:blipFill>
+            </p:spPr>
+            <p:txBody>
+              <a:bodyPr/>
+              <a:lstStyle/>
+              <a:p>
+                <a:r>
+                  <a:rPr lang="it-IT">
+                    <a:noFill/>
+                  </a:rPr>
+                  <a:t> </a:t>
+                </a:r>
+              </a:p>
+            </p:txBody>
+          </p:sp>
+        </mc:Fallback>
+      </mc:AlternateContent>
+      <mc:AlternateContent xmlns:mc="http://schemas.openxmlformats.org/markup-compatibility/2006">
+        <mc:Choice xmlns:a14="http://schemas.microsoft.com/office/drawing/2010/main" Requires="a14">
+          <p:sp>
+            <p:nvSpPr>
+              <p:cNvPr id="31" name="CasellaDiTesto 30">
+                <a:extLst>
+                  <a:ext uri="{FF2B5EF4-FFF2-40B4-BE49-F238E27FC236}">
+                    <a16:creationId xmlns:a16="http://schemas.microsoft.com/office/drawing/2014/main" id="{2289F8DB-F1D6-4A20-9E6F-3F848F5D4C22}"/>
+                  </a:ext>
+                </a:extLst>
+              </p:cNvPr>
+              <p:cNvSpPr txBox="1"/>
+              <p:nvPr/>
+            </p:nvSpPr>
+            <p:spPr>
+              <a:xfrm>
+                <a:off x="2898000" y="2134800"/>
+                <a:ext cx="315150" cy="308802"/>
+              </a:xfrm>
+              <a:prstGeom prst="rect">
+                <a:avLst/>
+              </a:prstGeom>
+              <a:noFill/>
+            </p:spPr>
+            <p:txBody>
+              <a:bodyPr wrap="none" lIns="0" tIns="0" rIns="0" bIns="0" rtlCol="0">
+                <a:spAutoFit/>
+              </a:bodyPr>
+              <a:lstStyle/>
+              <a:p>
+                <a:pPr/>
+                <a14:m>
+                  <m:oMathPara xmlns:m="http://schemas.openxmlformats.org/officeDocument/2006/math">
+                    <m:oMathParaPr>
+                      <m:jc m:val="centerGroup"/>
+                    </m:oMathParaPr>
+                    <m:oMath xmlns:m="http://schemas.openxmlformats.org/officeDocument/2006/math">
+                      <m:sSubSup>
+                        <m:sSubSupPr>
+                          <m:ctrlPr>
+                            <a:rPr lang="it-IT" b="0" i="1" smtClean="0">
+                              <a:latin typeface="Cambria Math" panose="02040503050406030204" pitchFamily="18" charset="0"/>
+                            </a:rPr>
+                          </m:ctrlPr>
+                        </m:sSubSupPr>
+                        <m:e>
+                          <m:r>
+                            <a:rPr lang="it-IT" b="0" i="1" smtClean="0">
+                              <a:latin typeface="Cambria Math" panose="02040503050406030204" pitchFamily="18" charset="0"/>
+                            </a:rPr>
+                            <m:t>𝑢</m:t>
+                          </m:r>
+                        </m:e>
+                        <m:sub>
+                          <m:r>
+                            <m:rPr>
+                              <m:sty m:val="p"/>
+                            </m:rPr>
+                            <a:rPr lang="it-IT" b="0" i="0" smtClean="0">
+                              <a:latin typeface="Cambria Math" panose="02040503050406030204" pitchFamily="18" charset="0"/>
+                            </a:rPr>
+                            <m:t>ff</m:t>
+                          </m:r>
+                        </m:sub>
+                        <m:sup>
+                          <m:r>
+                            <m:rPr>
+                              <m:sty m:val="p"/>
+                            </m:rPr>
+                            <a:rPr lang="it-IT" b="0" i="0" smtClean="0">
+                              <a:latin typeface="Cambria Math" panose="02040503050406030204" pitchFamily="18" charset="0"/>
+                            </a:rPr>
+                            <m:t>if</m:t>
+                          </m:r>
+                        </m:sup>
+                      </m:sSubSup>
+                    </m:oMath>
+                  </m:oMathPara>
+                </a14:m>
+                <a:endParaRPr lang="it-IT" dirty="0"/>
+              </a:p>
+            </p:txBody>
+          </p:sp>
+        </mc:Choice>
+        <mc:Fallback>
+          <p:sp>
+            <p:nvSpPr>
+              <p:cNvPr id="31" name="CasellaDiTesto 30">
+                <a:extLst>
+                  <a:ext uri="{FF2B5EF4-FFF2-40B4-BE49-F238E27FC236}">
+                    <a16:creationId xmlns:a16="http://schemas.microsoft.com/office/drawing/2014/main" id="{2289F8DB-F1D6-4A20-9E6F-3F848F5D4C22}"/>
+                  </a:ext>
+                </a:extLst>
+              </p:cNvPr>
+              <p:cNvSpPr txBox="1">
+                <a:spLocks noRot="1" noChangeAspect="1" noMove="1" noResize="1" noEditPoints="1" noAdjustHandles="1" noChangeArrowheads="1" noChangeShapeType="1" noTextEdit="1"/>
+              </p:cNvSpPr>
+              <p:nvPr/>
+            </p:nvSpPr>
+            <p:spPr>
+              <a:xfrm>
+                <a:off x="2898000" y="2134800"/>
+                <a:ext cx="315150" cy="308802"/>
+              </a:xfrm>
+              <a:prstGeom prst="rect">
+                <a:avLst/>
+              </a:prstGeom>
+              <a:blipFill>
+                <a:blip r:embed="rId8"/>
+                <a:stretch>
+                  <a:fillRect l="-11538" t="-1961" r="-9615" b="-19608"/>
+                </a:stretch>
+              </a:blipFill>
+            </p:spPr>
+            <p:txBody>
+              <a:bodyPr/>
+              <a:lstStyle/>
+              <a:p>
+                <a:r>
+                  <a:rPr lang="it-IT">
+                    <a:noFill/>
+                  </a:rPr>
+                  <a:t> </a:t>
+                </a:r>
+              </a:p>
+            </p:txBody>
+          </p:sp>
+        </mc:Fallback>
+      </mc:AlternateContent>
+    </p:spTree>
+    <p:extLst>
+      <p:ext uri="{BB962C8B-B14F-4D97-AF65-F5344CB8AC3E}">
+        <p14:creationId xmlns:p14="http://schemas.microsoft.com/office/powerpoint/2010/main" val="1514045803"/>
+      </p:ext>
+    </p:extLst>
+  </p:cSld>
+  <p:clrMapOvr>
+    <a:masterClrMapping/>
+  </p:clrMapOvr>
+</p:sld>
+</file>
+
+<file path=ppt/slides/slide18.xml><?xml version="1.0" encoding="utf-8"?>
+<p:sld xmlns:a="http://schemas.openxmlformats.org/drawingml/2006/main" xmlns:r="http://schemas.openxmlformats.org/officeDocument/2006/relationships" xmlns:p="http://schemas.openxmlformats.org/presentationml/2006/main">
+  <p:cSld>
+    <p:spTree>
+      <p:nvGrpSpPr>
+        <p:cNvPr id="1" name=""/>
+        <p:cNvGrpSpPr/>
+        <p:nvPr/>
+      </p:nvGrpSpPr>
+      <p:grpSpPr>
+        <a:xfrm>
+          <a:off x="0" y="0"/>
+          <a:ext cx="0" cy="0"/>
+          <a:chOff x="0" y="0"/>
+          <a:chExt cx="0" cy="0"/>
+        </a:xfrm>
+      </p:grpSpPr>
+      <p:cxnSp>
+        <p:nvCxnSpPr>
+          <p:cNvPr id="5" name="Connettore diritto 4">
+            <a:extLst>
+              <a:ext uri="{FF2B5EF4-FFF2-40B4-BE49-F238E27FC236}">
+                <a16:creationId xmlns:a16="http://schemas.microsoft.com/office/drawing/2014/main" id="{ECCB5C39-7435-478B-848F-75247ED67D84}"/>
+              </a:ext>
+            </a:extLst>
+          </p:cNvPr>
+          <p:cNvCxnSpPr/>
+          <p:nvPr/>
+        </p:nvCxnSpPr>
+        <p:spPr>
+          <a:xfrm>
             <a:off x="1080000" y="1080000"/>
             <a:ext cx="3600000" cy="0"/>
           </a:xfrm>
@@ -22785,7 +24256,7 @@
 </p:sld>
 </file>
 
-<file path=ppt/slides/slide18.xml><?xml version="1.0" encoding="utf-8"?>
+<file path=ppt/slides/slide19.xml><?xml version="1.0" encoding="utf-8"?>
 <p:sld xmlns:a="http://schemas.openxmlformats.org/drawingml/2006/main" xmlns:r="http://schemas.openxmlformats.org/officeDocument/2006/relationships" xmlns:p="http://schemas.openxmlformats.org/presentationml/2006/main">
   <p:cSld>
     <p:spTree>
@@ -23549,832 +25020,6 @@
 </p:sld>
 </file>
 
-<file path=ppt/slides/slide19.xml><?xml version="1.0" encoding="utf-8"?>
-<p:sld xmlns:a="http://schemas.openxmlformats.org/drawingml/2006/main" xmlns:r="http://schemas.openxmlformats.org/officeDocument/2006/relationships" xmlns:p="http://schemas.openxmlformats.org/presentationml/2006/main">
-  <p:cSld>
-    <p:spTree>
-      <p:nvGrpSpPr>
-        <p:cNvPr id="1" name=""/>
-        <p:cNvGrpSpPr/>
-        <p:nvPr/>
-      </p:nvGrpSpPr>
-      <p:grpSpPr>
-        <a:xfrm>
-          <a:off x="0" y="0"/>
-          <a:ext cx="0" cy="0"/>
-          <a:chOff x="0" y="0"/>
-          <a:chExt cx="0" cy="0"/>
-        </a:xfrm>
-      </p:grpSpPr>
-      <p:sp>
-        <p:nvSpPr>
-          <p:cNvPr id="4" name="Rettangolo 3">
-            <a:extLst>
-              <a:ext uri="{FF2B5EF4-FFF2-40B4-BE49-F238E27FC236}">
-                <a16:creationId xmlns:a16="http://schemas.microsoft.com/office/drawing/2014/main" id="{AFB5874D-EF80-44AA-947E-EF41029CBAFE}"/>
-              </a:ext>
-            </a:extLst>
-          </p:cNvPr>
-          <p:cNvSpPr/>
-          <p:nvPr/>
-        </p:nvSpPr>
-        <p:spPr>
-          <a:xfrm>
-            <a:off x="1440000" y="1440000"/>
-            <a:ext cx="2880000" cy="720000"/>
-          </a:xfrm>
-          <a:prstGeom prst="rect">
-            <a:avLst/>
-          </a:prstGeom>
-          <a:solidFill>
-            <a:schemeClr val="bg1"/>
-          </a:solidFill>
-          <a:ln>
-            <a:solidFill>
-              <a:schemeClr val="bg1">
-                <a:lumMod val="85000"/>
-              </a:schemeClr>
-            </a:solidFill>
-          </a:ln>
-        </p:spPr>
-        <p:style>
-          <a:lnRef idx="2">
-            <a:schemeClr val="dk1"/>
-          </a:lnRef>
-          <a:fillRef idx="1">
-            <a:schemeClr val="lt1"/>
-          </a:fillRef>
-          <a:effectRef idx="0">
-            <a:schemeClr val="dk1"/>
-          </a:effectRef>
-          <a:fontRef idx="minor">
-            <a:schemeClr val="dk1"/>
-          </a:fontRef>
-        </p:style>
-        <p:txBody>
-          <a:bodyPr rtlCol="0" anchor="ctr"/>
-          <a:lstStyle/>
-          <a:p>
-            <a:pPr algn="ctr"/>
-            <a:endParaRPr lang="it-IT"/>
-          </a:p>
-        </p:txBody>
-      </p:sp>
-      <p:cxnSp>
-        <p:nvCxnSpPr>
-          <p:cNvPr id="7" name="Connettore diritto 6">
-            <a:extLst>
-              <a:ext uri="{FF2B5EF4-FFF2-40B4-BE49-F238E27FC236}">
-                <a16:creationId xmlns:a16="http://schemas.microsoft.com/office/drawing/2014/main" id="{968C8501-EB46-4D62-8197-F723EF8E231B}"/>
-              </a:ext>
-            </a:extLst>
-          </p:cNvPr>
-          <p:cNvCxnSpPr/>
-          <p:nvPr/>
-        </p:nvCxnSpPr>
-        <p:spPr>
-          <a:xfrm>
-            <a:off x="1440000" y="2520000"/>
-            <a:ext cx="2880000" cy="0"/>
-          </a:xfrm>
-          <a:prstGeom prst="line">
-            <a:avLst/>
-          </a:prstGeom>
-          <a:ln w="12700"/>
-        </p:spPr>
-        <p:style>
-          <a:lnRef idx="1">
-            <a:schemeClr val="dk1"/>
-          </a:lnRef>
-          <a:fillRef idx="0">
-            <a:schemeClr val="dk1"/>
-          </a:fillRef>
-          <a:effectRef idx="0">
-            <a:schemeClr val="dk1"/>
-          </a:effectRef>
-          <a:fontRef idx="minor">
-            <a:schemeClr val="tx1"/>
-          </a:fontRef>
-        </p:style>
-      </p:cxnSp>
-      <p:cxnSp>
-        <p:nvCxnSpPr>
-          <p:cNvPr id="15" name="Connettore 2 14">
-            <a:extLst>
-              <a:ext uri="{FF2B5EF4-FFF2-40B4-BE49-F238E27FC236}">
-                <a16:creationId xmlns:a16="http://schemas.microsoft.com/office/drawing/2014/main" id="{C7879C29-1CA9-4779-9610-B8443E681323}"/>
-              </a:ext>
-            </a:extLst>
-          </p:cNvPr>
-          <p:cNvCxnSpPr/>
-          <p:nvPr/>
-        </p:nvCxnSpPr>
-        <p:spPr>
-          <a:xfrm flipV="1">
-            <a:off x="2700000" y="2250000"/>
-            <a:ext cx="0" cy="540000"/>
-          </a:xfrm>
-          <a:prstGeom prst="straightConnector1">
-            <a:avLst/>
-          </a:prstGeom>
-          <a:ln w="25400">
-            <a:solidFill>
-              <a:srgbClr val="FF0000"/>
-            </a:solidFill>
-            <a:headEnd w="lg" len="med"/>
-            <a:tailEnd type="triangle" w="lg" len="lg"/>
-          </a:ln>
-        </p:spPr>
-        <p:style>
-          <a:lnRef idx="1">
-            <a:schemeClr val="accent1"/>
-          </a:lnRef>
-          <a:fillRef idx="0">
-            <a:schemeClr val="accent1"/>
-          </a:fillRef>
-          <a:effectRef idx="0">
-            <a:schemeClr val="accent1"/>
-          </a:effectRef>
-          <a:fontRef idx="minor">
-            <a:schemeClr val="tx1"/>
-          </a:fontRef>
-        </p:style>
-      </p:cxnSp>
-      <p:cxnSp>
-        <p:nvCxnSpPr>
-          <p:cNvPr id="16" name="Connettore 2 15">
-            <a:extLst>
-              <a:ext uri="{FF2B5EF4-FFF2-40B4-BE49-F238E27FC236}">
-                <a16:creationId xmlns:a16="http://schemas.microsoft.com/office/drawing/2014/main" id="{CDCED0DE-53FB-4B5F-B85A-9E25C0F1E33E}"/>
-              </a:ext>
-            </a:extLst>
-          </p:cNvPr>
-          <p:cNvCxnSpPr/>
-          <p:nvPr/>
-        </p:nvCxnSpPr>
-        <p:spPr>
-          <a:xfrm flipV="1">
-            <a:off x="3060000" y="2250000"/>
-            <a:ext cx="0" cy="540000"/>
-          </a:xfrm>
-          <a:prstGeom prst="straightConnector1">
-            <a:avLst/>
-          </a:prstGeom>
-          <a:ln w="25400">
-            <a:solidFill>
-              <a:srgbClr val="FF0000"/>
-            </a:solidFill>
-            <a:headEnd type="triangle" w="lg" len="lg"/>
-            <a:tailEnd type="none"/>
-          </a:ln>
-        </p:spPr>
-        <p:style>
-          <a:lnRef idx="1">
-            <a:schemeClr val="accent1"/>
-          </a:lnRef>
-          <a:fillRef idx="0">
-            <a:schemeClr val="accent1"/>
-          </a:fillRef>
-          <a:effectRef idx="0">
-            <a:schemeClr val="accent1"/>
-          </a:effectRef>
-          <a:fontRef idx="minor">
-            <a:schemeClr val="tx1"/>
-          </a:fontRef>
-        </p:style>
-      </p:cxnSp>
-      <p:cxnSp>
-        <p:nvCxnSpPr>
-          <p:cNvPr id="26" name="Connettore diritto 25">
-            <a:extLst>
-              <a:ext uri="{FF2B5EF4-FFF2-40B4-BE49-F238E27FC236}">
-                <a16:creationId xmlns:a16="http://schemas.microsoft.com/office/drawing/2014/main" id="{3CD2C60A-9BDD-4343-B7E1-7F4BF68C7456}"/>
-              </a:ext>
-            </a:extLst>
-          </p:cNvPr>
-          <p:cNvCxnSpPr>
-            <a:cxnSpLocks/>
-          </p:cNvCxnSpPr>
-          <p:nvPr/>
-        </p:nvCxnSpPr>
-        <p:spPr>
-          <a:xfrm flipH="1">
-            <a:off x="3960000" y="3240000"/>
-            <a:ext cx="360000" cy="360000"/>
-          </a:xfrm>
-          <a:prstGeom prst="line">
-            <a:avLst/>
-          </a:prstGeom>
-          <a:ln>
-            <a:solidFill>
-              <a:schemeClr val="bg1">
-                <a:lumMod val="85000"/>
-              </a:schemeClr>
-            </a:solidFill>
-          </a:ln>
-        </p:spPr>
-        <p:style>
-          <a:lnRef idx="1">
-            <a:schemeClr val="accent1"/>
-          </a:lnRef>
-          <a:fillRef idx="0">
-            <a:schemeClr val="accent1"/>
-          </a:fillRef>
-          <a:effectRef idx="0">
-            <a:schemeClr val="accent1"/>
-          </a:effectRef>
-          <a:fontRef idx="minor">
-            <a:schemeClr val="tx1"/>
-          </a:fontRef>
-        </p:style>
-      </p:cxnSp>
-      <p:sp>
-        <p:nvSpPr>
-          <p:cNvPr id="32" name="Parallelogramma 31">
-            <a:extLst>
-              <a:ext uri="{FF2B5EF4-FFF2-40B4-BE49-F238E27FC236}">
-                <a16:creationId xmlns:a16="http://schemas.microsoft.com/office/drawing/2014/main" id="{36BD2991-4381-41B7-86CA-9690E40789B1}"/>
-              </a:ext>
-            </a:extLst>
-          </p:cNvPr>
-          <p:cNvSpPr>
-            <a:spLocks/>
-          </p:cNvSpPr>
-          <p:nvPr/>
-        </p:nvSpPr>
-        <p:spPr>
-          <a:xfrm>
-            <a:off x="1440000" y="2880000"/>
-            <a:ext cx="1080000" cy="720000"/>
-          </a:xfrm>
-          <a:prstGeom prst="parallelogram">
-            <a:avLst>
-              <a:gd name="adj" fmla="val 99999"/>
-            </a:avLst>
-          </a:prstGeom>
-          <a:ln w="6350">
-            <a:solidFill>
-              <a:schemeClr val="bg1">
-                <a:lumMod val="85000"/>
-              </a:schemeClr>
-            </a:solidFill>
-          </a:ln>
-        </p:spPr>
-        <p:style>
-          <a:lnRef idx="2">
-            <a:schemeClr val="dk1"/>
-          </a:lnRef>
-          <a:fillRef idx="1">
-            <a:schemeClr val="lt1"/>
-          </a:fillRef>
-          <a:effectRef idx="0">
-            <a:schemeClr val="dk1"/>
-          </a:effectRef>
-          <a:fontRef idx="minor">
-            <a:schemeClr val="dk1"/>
-          </a:fontRef>
-        </p:style>
-        <p:txBody>
-          <a:bodyPr rtlCol="0" anchor="ctr"/>
-          <a:lstStyle/>
-          <a:p>
-            <a:pPr algn="ctr"/>
-            <a:endParaRPr lang="it-IT"/>
-          </a:p>
-        </p:txBody>
-      </p:sp>
-      <p:sp>
-        <p:nvSpPr>
-          <p:cNvPr id="33" name="Parallelogramma 32">
-            <a:extLst>
-              <a:ext uri="{FF2B5EF4-FFF2-40B4-BE49-F238E27FC236}">
-                <a16:creationId xmlns:a16="http://schemas.microsoft.com/office/drawing/2014/main" id="{AAE07D06-E0D5-4AC6-9287-1331B1C391D1}"/>
-              </a:ext>
-            </a:extLst>
-          </p:cNvPr>
-          <p:cNvSpPr>
-            <a:spLocks/>
-          </p:cNvSpPr>
-          <p:nvPr/>
-        </p:nvSpPr>
-        <p:spPr>
-          <a:xfrm>
-            <a:off x="1800000" y="2880000"/>
-            <a:ext cx="1080000" cy="720000"/>
-          </a:xfrm>
-          <a:prstGeom prst="parallelogram">
-            <a:avLst>
-              <a:gd name="adj" fmla="val 99999"/>
-            </a:avLst>
-          </a:prstGeom>
-          <a:ln w="6350">
-            <a:solidFill>
-              <a:schemeClr val="bg1">
-                <a:lumMod val="85000"/>
-              </a:schemeClr>
-            </a:solidFill>
-          </a:ln>
-        </p:spPr>
-        <p:style>
-          <a:lnRef idx="2">
-            <a:schemeClr val="dk1"/>
-          </a:lnRef>
-          <a:fillRef idx="1">
-            <a:schemeClr val="lt1"/>
-          </a:fillRef>
-          <a:effectRef idx="0">
-            <a:schemeClr val="dk1"/>
-          </a:effectRef>
-          <a:fontRef idx="minor">
-            <a:schemeClr val="dk1"/>
-          </a:fontRef>
-        </p:style>
-        <p:txBody>
-          <a:bodyPr rtlCol="0" anchor="ctr"/>
-          <a:lstStyle/>
-          <a:p>
-            <a:pPr algn="ctr"/>
-            <a:endParaRPr lang="it-IT"/>
-          </a:p>
-        </p:txBody>
-      </p:sp>
-      <p:sp>
-        <p:nvSpPr>
-          <p:cNvPr id="34" name="Parallelogramma 33">
-            <a:extLst>
-              <a:ext uri="{FF2B5EF4-FFF2-40B4-BE49-F238E27FC236}">
-                <a16:creationId xmlns:a16="http://schemas.microsoft.com/office/drawing/2014/main" id="{A126DC85-DD00-4B04-B8AF-F7E20B67255B}"/>
-              </a:ext>
-            </a:extLst>
-          </p:cNvPr>
-          <p:cNvSpPr>
-            <a:spLocks/>
-          </p:cNvSpPr>
-          <p:nvPr/>
-        </p:nvSpPr>
-        <p:spPr>
-          <a:xfrm>
-            <a:off x="2520000" y="2880000"/>
-            <a:ext cx="1080000" cy="720000"/>
-          </a:xfrm>
-          <a:prstGeom prst="parallelogram">
-            <a:avLst>
-              <a:gd name="adj" fmla="val 99999"/>
-            </a:avLst>
-          </a:prstGeom>
-          <a:ln w="6350">
-            <a:solidFill>
-              <a:schemeClr val="bg1">
-                <a:lumMod val="85000"/>
-              </a:schemeClr>
-            </a:solidFill>
-          </a:ln>
-        </p:spPr>
-        <p:style>
-          <a:lnRef idx="2">
-            <a:schemeClr val="dk1"/>
-          </a:lnRef>
-          <a:fillRef idx="1">
-            <a:schemeClr val="lt1"/>
-          </a:fillRef>
-          <a:effectRef idx="0">
-            <a:schemeClr val="dk1"/>
-          </a:effectRef>
-          <a:fontRef idx="minor">
-            <a:schemeClr val="dk1"/>
-          </a:fontRef>
-        </p:style>
-        <p:txBody>
-          <a:bodyPr rtlCol="0" anchor="ctr"/>
-          <a:lstStyle/>
-          <a:p>
-            <a:pPr algn="ctr"/>
-            <a:endParaRPr lang="it-IT"/>
-          </a:p>
-        </p:txBody>
-      </p:sp>
-      <p:sp>
-        <p:nvSpPr>
-          <p:cNvPr id="36" name="Triangolo rettangolo 35">
-            <a:extLst>
-              <a:ext uri="{FF2B5EF4-FFF2-40B4-BE49-F238E27FC236}">
-                <a16:creationId xmlns:a16="http://schemas.microsoft.com/office/drawing/2014/main" id="{48650062-DE27-4055-AC8C-81E84FF78846}"/>
-              </a:ext>
-            </a:extLst>
-          </p:cNvPr>
-          <p:cNvSpPr/>
-          <p:nvPr/>
-        </p:nvSpPr>
-        <p:spPr>
-          <a:xfrm rot="5400000">
-            <a:off x="1440000" y="2880000"/>
-            <a:ext cx="360000" cy="360000"/>
-          </a:xfrm>
-          <a:prstGeom prst="rtTriangle">
-            <a:avLst/>
-          </a:prstGeom>
-          <a:ln w="6350">
-            <a:solidFill>
-              <a:schemeClr val="bg1">
-                <a:lumMod val="85000"/>
-              </a:schemeClr>
-            </a:solidFill>
-          </a:ln>
-        </p:spPr>
-        <p:style>
-          <a:lnRef idx="2">
-            <a:schemeClr val="dk1"/>
-          </a:lnRef>
-          <a:fillRef idx="1">
-            <a:schemeClr val="lt1"/>
-          </a:fillRef>
-          <a:effectRef idx="0">
-            <a:schemeClr val="dk1"/>
-          </a:effectRef>
-          <a:fontRef idx="minor">
-            <a:schemeClr val="dk1"/>
-          </a:fontRef>
-        </p:style>
-        <p:txBody>
-          <a:bodyPr rtlCol="0" anchor="ctr"/>
-          <a:lstStyle/>
-          <a:p>
-            <a:pPr algn="ctr"/>
-            <a:endParaRPr lang="it-IT"/>
-          </a:p>
-        </p:txBody>
-      </p:sp>
-      <p:sp>
-        <p:nvSpPr>
-          <p:cNvPr id="37" name="Parallelogramma 36">
-            <a:extLst>
-              <a:ext uri="{FF2B5EF4-FFF2-40B4-BE49-F238E27FC236}">
-                <a16:creationId xmlns:a16="http://schemas.microsoft.com/office/drawing/2014/main" id="{0AF42239-9121-43E6-8505-AC474381C9EF}"/>
-              </a:ext>
-            </a:extLst>
-          </p:cNvPr>
-          <p:cNvSpPr>
-            <a:spLocks/>
-          </p:cNvSpPr>
-          <p:nvPr/>
-        </p:nvSpPr>
-        <p:spPr>
-          <a:xfrm>
-            <a:off x="2880000" y="2880000"/>
-            <a:ext cx="1080000" cy="720000"/>
-          </a:xfrm>
-          <a:prstGeom prst="parallelogram">
-            <a:avLst>
-              <a:gd name="adj" fmla="val 99999"/>
-            </a:avLst>
-          </a:prstGeom>
-          <a:ln w="6350">
-            <a:solidFill>
-              <a:schemeClr val="bg1">
-                <a:lumMod val="85000"/>
-              </a:schemeClr>
-            </a:solidFill>
-          </a:ln>
-        </p:spPr>
-        <p:style>
-          <a:lnRef idx="2">
-            <a:schemeClr val="dk1"/>
-          </a:lnRef>
-          <a:fillRef idx="1">
-            <a:schemeClr val="lt1"/>
-          </a:fillRef>
-          <a:effectRef idx="0">
-            <a:schemeClr val="dk1"/>
-          </a:effectRef>
-          <a:fontRef idx="minor">
-            <a:schemeClr val="dk1"/>
-          </a:fontRef>
-        </p:style>
-        <p:txBody>
-          <a:bodyPr rtlCol="0" anchor="ctr"/>
-          <a:lstStyle/>
-          <a:p>
-            <a:pPr algn="ctr"/>
-            <a:endParaRPr lang="it-IT"/>
-          </a:p>
-        </p:txBody>
-      </p:sp>
-      <p:sp>
-        <p:nvSpPr>
-          <p:cNvPr id="38" name="Trapezio 37">
-            <a:extLst>
-              <a:ext uri="{FF2B5EF4-FFF2-40B4-BE49-F238E27FC236}">
-                <a16:creationId xmlns:a16="http://schemas.microsoft.com/office/drawing/2014/main" id="{C72CB81C-018B-4D12-8FA9-81966C55EABA}"/>
-              </a:ext>
-            </a:extLst>
-          </p:cNvPr>
-          <p:cNvSpPr/>
-          <p:nvPr/>
-        </p:nvSpPr>
-        <p:spPr>
-          <a:xfrm rot="8100000">
-            <a:off x="3541168" y="3202768"/>
-            <a:ext cx="1018800" cy="255600"/>
-          </a:xfrm>
-          <a:prstGeom prst="trapezoid">
-            <a:avLst>
-              <a:gd name="adj" fmla="val 102258"/>
-            </a:avLst>
-          </a:prstGeom>
-          <a:solidFill>
-            <a:schemeClr val="bg1"/>
-          </a:solidFill>
-          <a:ln w="6350">
-            <a:solidFill>
-              <a:schemeClr val="bg1">
-                <a:lumMod val="85000"/>
-              </a:schemeClr>
-            </a:solidFill>
-          </a:ln>
-        </p:spPr>
-        <p:style>
-          <a:lnRef idx="2">
-            <a:schemeClr val="dk1"/>
-          </a:lnRef>
-          <a:fillRef idx="1">
-            <a:schemeClr val="lt1"/>
-          </a:fillRef>
-          <a:effectRef idx="0">
-            <a:schemeClr val="dk1"/>
-          </a:effectRef>
-          <a:fontRef idx="minor">
-            <a:schemeClr val="dk1"/>
-          </a:fontRef>
-        </p:style>
-        <p:txBody>
-          <a:bodyPr rtlCol="0" anchor="ctr"/>
-          <a:lstStyle/>
-          <a:p>
-            <a:pPr algn="ctr"/>
-            <a:endParaRPr lang="it-IT"/>
-          </a:p>
-        </p:txBody>
-      </p:sp>
-      <p:sp>
-        <p:nvSpPr>
-          <p:cNvPr id="5" name="Rettangolo 4">
-            <a:extLst>
-              <a:ext uri="{FF2B5EF4-FFF2-40B4-BE49-F238E27FC236}">
-                <a16:creationId xmlns:a16="http://schemas.microsoft.com/office/drawing/2014/main" id="{A2866499-10D0-4275-8C25-6D6A8FA1F309}"/>
-              </a:ext>
-            </a:extLst>
-          </p:cNvPr>
-          <p:cNvSpPr/>
-          <p:nvPr/>
-        </p:nvSpPr>
-        <p:spPr>
-          <a:xfrm>
-            <a:off x="1440000" y="2880000"/>
-            <a:ext cx="2880000" cy="720000"/>
-          </a:xfrm>
-          <a:prstGeom prst="rect">
-            <a:avLst/>
-          </a:prstGeom>
-          <a:noFill/>
-          <a:ln>
-            <a:solidFill>
-              <a:schemeClr val="bg1">
-                <a:lumMod val="85000"/>
-              </a:schemeClr>
-            </a:solidFill>
-          </a:ln>
-        </p:spPr>
-        <p:style>
-          <a:lnRef idx="2">
-            <a:schemeClr val="dk1"/>
-          </a:lnRef>
-          <a:fillRef idx="1">
-            <a:schemeClr val="lt1"/>
-          </a:fillRef>
-          <a:effectRef idx="0">
-            <a:schemeClr val="dk1"/>
-          </a:effectRef>
-          <a:fontRef idx="minor">
-            <a:schemeClr val="dk1"/>
-          </a:fontRef>
-        </p:style>
-        <p:txBody>
-          <a:bodyPr rtlCol="0" anchor="ctr"/>
-          <a:lstStyle/>
-          <a:p>
-            <a:pPr algn="ctr"/>
-            <a:endParaRPr lang="it-IT"/>
-          </a:p>
-        </p:txBody>
-      </p:sp>
-      <p:sp>
-        <p:nvSpPr>
-          <p:cNvPr id="14" name="Arco 13">
-            <a:extLst>
-              <a:ext uri="{FF2B5EF4-FFF2-40B4-BE49-F238E27FC236}">
-                <a16:creationId xmlns:a16="http://schemas.microsoft.com/office/drawing/2014/main" id="{F09AE7F0-464E-406D-94C0-D73A462F593F}"/>
-              </a:ext>
-            </a:extLst>
-          </p:cNvPr>
-          <p:cNvSpPr/>
-          <p:nvPr/>
-        </p:nvSpPr>
-        <p:spPr>
-          <a:xfrm rot="10800000" flipH="1">
-            <a:off x="133350" y="983681"/>
-            <a:ext cx="4186650" cy="1176319"/>
-          </a:xfrm>
-          <a:prstGeom prst="arc">
-            <a:avLst>
-              <a:gd name="adj1" fmla="val 16128148"/>
-              <a:gd name="adj2" fmla="val 21567144"/>
-            </a:avLst>
-          </a:prstGeom>
-          <a:ln w="6350">
-            <a:solidFill>
-              <a:schemeClr val="bg1">
-                <a:lumMod val="85000"/>
-              </a:schemeClr>
-            </a:solidFill>
-          </a:ln>
-        </p:spPr>
-        <p:style>
-          <a:lnRef idx="1">
-            <a:schemeClr val="accent1"/>
-          </a:lnRef>
-          <a:fillRef idx="0">
-            <a:schemeClr val="accent1"/>
-          </a:fillRef>
-          <a:effectRef idx="0">
-            <a:schemeClr val="accent1"/>
-          </a:effectRef>
-          <a:fontRef idx="minor">
-            <a:schemeClr val="tx1"/>
-          </a:fontRef>
-        </p:style>
-        <p:txBody>
-          <a:bodyPr rtlCol="0" anchor="ctr"/>
-          <a:lstStyle/>
-          <a:p>
-            <a:pPr algn="ctr"/>
-            <a:endParaRPr lang="it-IT"/>
-          </a:p>
-        </p:txBody>
-      </p:sp>
-      <p:cxnSp>
-        <p:nvCxnSpPr>
-          <p:cNvPr id="17" name="Connettore 2 16">
-            <a:extLst>
-              <a:ext uri="{FF2B5EF4-FFF2-40B4-BE49-F238E27FC236}">
-                <a16:creationId xmlns:a16="http://schemas.microsoft.com/office/drawing/2014/main" id="{AE3B47E4-5BB5-46CE-9849-33DD23A3FF8E}"/>
-              </a:ext>
-            </a:extLst>
-          </p:cNvPr>
-          <p:cNvCxnSpPr>
-            <a:cxnSpLocks/>
-          </p:cNvCxnSpPr>
-          <p:nvPr/>
-        </p:nvCxnSpPr>
-        <p:spPr>
-          <a:xfrm flipV="1">
-            <a:off x="1440000" y="1620000"/>
-            <a:ext cx="2878790" cy="0"/>
-          </a:xfrm>
-          <a:prstGeom prst="straightConnector1">
-            <a:avLst/>
-          </a:prstGeom>
-          <a:ln w="6350">
-            <a:solidFill>
-              <a:schemeClr val="bg1">
-                <a:lumMod val="85000"/>
-              </a:schemeClr>
-            </a:solidFill>
-            <a:headEnd w="sm" len="med"/>
-            <a:tailEnd type="triangle" w="sm" len="med"/>
-          </a:ln>
-        </p:spPr>
-        <p:style>
-          <a:lnRef idx="1">
-            <a:schemeClr val="dk1"/>
-          </a:lnRef>
-          <a:fillRef idx="0">
-            <a:schemeClr val="dk1"/>
-          </a:fillRef>
-          <a:effectRef idx="0">
-            <a:schemeClr val="dk1"/>
-          </a:effectRef>
-          <a:fontRef idx="minor">
-            <a:schemeClr val="tx1"/>
-          </a:fontRef>
-        </p:style>
-      </p:cxnSp>
-      <p:cxnSp>
-        <p:nvCxnSpPr>
-          <p:cNvPr id="18" name="Connettore 2 17">
-            <a:extLst>
-              <a:ext uri="{FF2B5EF4-FFF2-40B4-BE49-F238E27FC236}">
-                <a16:creationId xmlns:a16="http://schemas.microsoft.com/office/drawing/2014/main" id="{46A89340-AAD0-4AAC-AAE8-373975150919}"/>
-              </a:ext>
-            </a:extLst>
-          </p:cNvPr>
-          <p:cNvCxnSpPr>
-            <a:cxnSpLocks/>
-          </p:cNvCxnSpPr>
-          <p:nvPr/>
-        </p:nvCxnSpPr>
-        <p:spPr>
-          <a:xfrm>
-            <a:off x="1440000" y="1800000"/>
-            <a:ext cx="2718000" cy="0"/>
-          </a:xfrm>
-          <a:prstGeom prst="straightConnector1">
-            <a:avLst/>
-          </a:prstGeom>
-          <a:ln w="6350">
-            <a:solidFill>
-              <a:schemeClr val="bg1">
-                <a:lumMod val="85000"/>
-              </a:schemeClr>
-            </a:solidFill>
-            <a:headEnd w="sm" len="med"/>
-            <a:tailEnd type="triangle" w="sm" len="med"/>
-          </a:ln>
-        </p:spPr>
-        <p:style>
-          <a:lnRef idx="1">
-            <a:schemeClr val="dk1"/>
-          </a:lnRef>
-          <a:fillRef idx="0">
-            <a:schemeClr val="dk1"/>
-          </a:fillRef>
-          <a:effectRef idx="0">
-            <a:schemeClr val="dk1"/>
-          </a:effectRef>
-          <a:fontRef idx="minor">
-            <a:schemeClr val="tx1"/>
-          </a:fontRef>
-        </p:style>
-      </p:cxnSp>
-      <p:cxnSp>
-        <p:nvCxnSpPr>
-          <p:cNvPr id="19" name="Connettore 2 18">
-            <a:extLst>
-              <a:ext uri="{FF2B5EF4-FFF2-40B4-BE49-F238E27FC236}">
-                <a16:creationId xmlns:a16="http://schemas.microsoft.com/office/drawing/2014/main" id="{A307914B-AFEC-48E3-9369-4B5BBCF639E2}"/>
-              </a:ext>
-            </a:extLst>
-          </p:cNvPr>
-          <p:cNvCxnSpPr>
-            <a:cxnSpLocks/>
-          </p:cNvCxnSpPr>
-          <p:nvPr/>
-        </p:nvCxnSpPr>
-        <p:spPr>
-          <a:xfrm>
-            <a:off x="1439999" y="1980000"/>
-            <a:ext cx="2268000" cy="0"/>
-          </a:xfrm>
-          <a:prstGeom prst="straightConnector1">
-            <a:avLst/>
-          </a:prstGeom>
-          <a:ln w="6350">
-            <a:solidFill>
-              <a:schemeClr val="bg1">
-                <a:lumMod val="85000"/>
-              </a:schemeClr>
-            </a:solidFill>
-            <a:headEnd w="sm" len="med"/>
-            <a:tailEnd type="triangle" w="sm" len="med"/>
-          </a:ln>
-        </p:spPr>
-        <p:style>
-          <a:lnRef idx="1">
-            <a:schemeClr val="dk1"/>
-          </a:lnRef>
-          <a:fillRef idx="0">
-            <a:schemeClr val="dk1"/>
-          </a:fillRef>
-          <a:effectRef idx="0">
-            <a:schemeClr val="dk1"/>
-          </a:effectRef>
-          <a:fontRef idx="minor">
-            <a:schemeClr val="tx1"/>
-          </a:fontRef>
-        </p:style>
-      </p:cxnSp>
-    </p:spTree>
-    <p:extLst>
-      <p:ext uri="{BB962C8B-B14F-4D97-AF65-F5344CB8AC3E}">
-        <p14:creationId xmlns:p14="http://schemas.microsoft.com/office/powerpoint/2010/main" val="1734765310"/>
-      </p:ext>
-    </p:extLst>
-  </p:cSld>
-  <p:clrMapOvr>
-    <a:masterClrMapping/>
-  </p:clrMapOvr>
-</p:sld>
-</file>
-
 <file path=ppt/slides/slide2.xml><?xml version="1.0" encoding="utf-8"?>
 <p:sld xmlns:a="http://schemas.openxmlformats.org/drawingml/2006/main" xmlns:r="http://schemas.openxmlformats.org/officeDocument/2006/relationships" xmlns:p="http://schemas.openxmlformats.org/presentationml/2006/main">
   <p:cSld>
@@ -25915,6 +26560,832 @@
       </p:grpSpPr>
       <p:sp>
         <p:nvSpPr>
+          <p:cNvPr id="4" name="Rettangolo 3">
+            <a:extLst>
+              <a:ext uri="{FF2B5EF4-FFF2-40B4-BE49-F238E27FC236}">
+                <a16:creationId xmlns:a16="http://schemas.microsoft.com/office/drawing/2014/main" id="{AFB5874D-EF80-44AA-947E-EF41029CBAFE}"/>
+              </a:ext>
+            </a:extLst>
+          </p:cNvPr>
+          <p:cNvSpPr/>
+          <p:nvPr/>
+        </p:nvSpPr>
+        <p:spPr>
+          <a:xfrm>
+            <a:off x="1440000" y="1440000"/>
+            <a:ext cx="2880000" cy="720000"/>
+          </a:xfrm>
+          <a:prstGeom prst="rect">
+            <a:avLst/>
+          </a:prstGeom>
+          <a:solidFill>
+            <a:schemeClr val="bg1"/>
+          </a:solidFill>
+          <a:ln>
+            <a:solidFill>
+              <a:schemeClr val="bg1">
+                <a:lumMod val="85000"/>
+              </a:schemeClr>
+            </a:solidFill>
+          </a:ln>
+        </p:spPr>
+        <p:style>
+          <a:lnRef idx="2">
+            <a:schemeClr val="dk1"/>
+          </a:lnRef>
+          <a:fillRef idx="1">
+            <a:schemeClr val="lt1"/>
+          </a:fillRef>
+          <a:effectRef idx="0">
+            <a:schemeClr val="dk1"/>
+          </a:effectRef>
+          <a:fontRef idx="minor">
+            <a:schemeClr val="dk1"/>
+          </a:fontRef>
+        </p:style>
+        <p:txBody>
+          <a:bodyPr rtlCol="0" anchor="ctr"/>
+          <a:lstStyle/>
+          <a:p>
+            <a:pPr algn="ctr"/>
+            <a:endParaRPr lang="it-IT"/>
+          </a:p>
+        </p:txBody>
+      </p:sp>
+      <p:cxnSp>
+        <p:nvCxnSpPr>
+          <p:cNvPr id="7" name="Connettore diritto 6">
+            <a:extLst>
+              <a:ext uri="{FF2B5EF4-FFF2-40B4-BE49-F238E27FC236}">
+                <a16:creationId xmlns:a16="http://schemas.microsoft.com/office/drawing/2014/main" id="{968C8501-EB46-4D62-8197-F723EF8E231B}"/>
+              </a:ext>
+            </a:extLst>
+          </p:cNvPr>
+          <p:cNvCxnSpPr/>
+          <p:nvPr/>
+        </p:nvCxnSpPr>
+        <p:spPr>
+          <a:xfrm>
+            <a:off x="1440000" y="2520000"/>
+            <a:ext cx="2880000" cy="0"/>
+          </a:xfrm>
+          <a:prstGeom prst="line">
+            <a:avLst/>
+          </a:prstGeom>
+          <a:ln w="12700"/>
+        </p:spPr>
+        <p:style>
+          <a:lnRef idx="1">
+            <a:schemeClr val="dk1"/>
+          </a:lnRef>
+          <a:fillRef idx="0">
+            <a:schemeClr val="dk1"/>
+          </a:fillRef>
+          <a:effectRef idx="0">
+            <a:schemeClr val="dk1"/>
+          </a:effectRef>
+          <a:fontRef idx="minor">
+            <a:schemeClr val="tx1"/>
+          </a:fontRef>
+        </p:style>
+      </p:cxnSp>
+      <p:cxnSp>
+        <p:nvCxnSpPr>
+          <p:cNvPr id="15" name="Connettore 2 14">
+            <a:extLst>
+              <a:ext uri="{FF2B5EF4-FFF2-40B4-BE49-F238E27FC236}">
+                <a16:creationId xmlns:a16="http://schemas.microsoft.com/office/drawing/2014/main" id="{C7879C29-1CA9-4779-9610-B8443E681323}"/>
+              </a:ext>
+            </a:extLst>
+          </p:cNvPr>
+          <p:cNvCxnSpPr/>
+          <p:nvPr/>
+        </p:nvCxnSpPr>
+        <p:spPr>
+          <a:xfrm flipV="1">
+            <a:off x="2700000" y="2250000"/>
+            <a:ext cx="0" cy="540000"/>
+          </a:xfrm>
+          <a:prstGeom prst="straightConnector1">
+            <a:avLst/>
+          </a:prstGeom>
+          <a:ln w="25400">
+            <a:solidFill>
+              <a:srgbClr val="FF0000"/>
+            </a:solidFill>
+            <a:headEnd w="lg" len="med"/>
+            <a:tailEnd type="triangle" w="lg" len="lg"/>
+          </a:ln>
+        </p:spPr>
+        <p:style>
+          <a:lnRef idx="1">
+            <a:schemeClr val="accent1"/>
+          </a:lnRef>
+          <a:fillRef idx="0">
+            <a:schemeClr val="accent1"/>
+          </a:fillRef>
+          <a:effectRef idx="0">
+            <a:schemeClr val="accent1"/>
+          </a:effectRef>
+          <a:fontRef idx="minor">
+            <a:schemeClr val="tx1"/>
+          </a:fontRef>
+        </p:style>
+      </p:cxnSp>
+      <p:cxnSp>
+        <p:nvCxnSpPr>
+          <p:cNvPr id="16" name="Connettore 2 15">
+            <a:extLst>
+              <a:ext uri="{FF2B5EF4-FFF2-40B4-BE49-F238E27FC236}">
+                <a16:creationId xmlns:a16="http://schemas.microsoft.com/office/drawing/2014/main" id="{CDCED0DE-53FB-4B5F-B85A-9E25C0F1E33E}"/>
+              </a:ext>
+            </a:extLst>
+          </p:cNvPr>
+          <p:cNvCxnSpPr/>
+          <p:nvPr/>
+        </p:nvCxnSpPr>
+        <p:spPr>
+          <a:xfrm flipV="1">
+            <a:off x="3060000" y="2250000"/>
+            <a:ext cx="0" cy="540000"/>
+          </a:xfrm>
+          <a:prstGeom prst="straightConnector1">
+            <a:avLst/>
+          </a:prstGeom>
+          <a:ln w="25400">
+            <a:solidFill>
+              <a:srgbClr val="FF0000"/>
+            </a:solidFill>
+            <a:headEnd type="triangle" w="lg" len="lg"/>
+            <a:tailEnd type="none"/>
+          </a:ln>
+        </p:spPr>
+        <p:style>
+          <a:lnRef idx="1">
+            <a:schemeClr val="accent1"/>
+          </a:lnRef>
+          <a:fillRef idx="0">
+            <a:schemeClr val="accent1"/>
+          </a:fillRef>
+          <a:effectRef idx="0">
+            <a:schemeClr val="accent1"/>
+          </a:effectRef>
+          <a:fontRef idx="minor">
+            <a:schemeClr val="tx1"/>
+          </a:fontRef>
+        </p:style>
+      </p:cxnSp>
+      <p:cxnSp>
+        <p:nvCxnSpPr>
+          <p:cNvPr id="26" name="Connettore diritto 25">
+            <a:extLst>
+              <a:ext uri="{FF2B5EF4-FFF2-40B4-BE49-F238E27FC236}">
+                <a16:creationId xmlns:a16="http://schemas.microsoft.com/office/drawing/2014/main" id="{3CD2C60A-9BDD-4343-B7E1-7F4BF68C7456}"/>
+              </a:ext>
+            </a:extLst>
+          </p:cNvPr>
+          <p:cNvCxnSpPr>
+            <a:cxnSpLocks/>
+          </p:cNvCxnSpPr>
+          <p:nvPr/>
+        </p:nvCxnSpPr>
+        <p:spPr>
+          <a:xfrm flipH="1">
+            <a:off x="3960000" y="3240000"/>
+            <a:ext cx="360000" cy="360000"/>
+          </a:xfrm>
+          <a:prstGeom prst="line">
+            <a:avLst/>
+          </a:prstGeom>
+          <a:ln>
+            <a:solidFill>
+              <a:schemeClr val="bg1">
+                <a:lumMod val="85000"/>
+              </a:schemeClr>
+            </a:solidFill>
+          </a:ln>
+        </p:spPr>
+        <p:style>
+          <a:lnRef idx="1">
+            <a:schemeClr val="accent1"/>
+          </a:lnRef>
+          <a:fillRef idx="0">
+            <a:schemeClr val="accent1"/>
+          </a:fillRef>
+          <a:effectRef idx="0">
+            <a:schemeClr val="accent1"/>
+          </a:effectRef>
+          <a:fontRef idx="minor">
+            <a:schemeClr val="tx1"/>
+          </a:fontRef>
+        </p:style>
+      </p:cxnSp>
+      <p:sp>
+        <p:nvSpPr>
+          <p:cNvPr id="32" name="Parallelogramma 31">
+            <a:extLst>
+              <a:ext uri="{FF2B5EF4-FFF2-40B4-BE49-F238E27FC236}">
+                <a16:creationId xmlns:a16="http://schemas.microsoft.com/office/drawing/2014/main" id="{36BD2991-4381-41B7-86CA-9690E40789B1}"/>
+              </a:ext>
+            </a:extLst>
+          </p:cNvPr>
+          <p:cNvSpPr>
+            <a:spLocks/>
+          </p:cNvSpPr>
+          <p:nvPr/>
+        </p:nvSpPr>
+        <p:spPr>
+          <a:xfrm>
+            <a:off x="1440000" y="2880000"/>
+            <a:ext cx="1080000" cy="720000"/>
+          </a:xfrm>
+          <a:prstGeom prst="parallelogram">
+            <a:avLst>
+              <a:gd name="adj" fmla="val 99999"/>
+            </a:avLst>
+          </a:prstGeom>
+          <a:ln w="6350">
+            <a:solidFill>
+              <a:schemeClr val="bg1">
+                <a:lumMod val="85000"/>
+              </a:schemeClr>
+            </a:solidFill>
+          </a:ln>
+        </p:spPr>
+        <p:style>
+          <a:lnRef idx="2">
+            <a:schemeClr val="dk1"/>
+          </a:lnRef>
+          <a:fillRef idx="1">
+            <a:schemeClr val="lt1"/>
+          </a:fillRef>
+          <a:effectRef idx="0">
+            <a:schemeClr val="dk1"/>
+          </a:effectRef>
+          <a:fontRef idx="minor">
+            <a:schemeClr val="dk1"/>
+          </a:fontRef>
+        </p:style>
+        <p:txBody>
+          <a:bodyPr rtlCol="0" anchor="ctr"/>
+          <a:lstStyle/>
+          <a:p>
+            <a:pPr algn="ctr"/>
+            <a:endParaRPr lang="it-IT"/>
+          </a:p>
+        </p:txBody>
+      </p:sp>
+      <p:sp>
+        <p:nvSpPr>
+          <p:cNvPr id="33" name="Parallelogramma 32">
+            <a:extLst>
+              <a:ext uri="{FF2B5EF4-FFF2-40B4-BE49-F238E27FC236}">
+                <a16:creationId xmlns:a16="http://schemas.microsoft.com/office/drawing/2014/main" id="{AAE07D06-E0D5-4AC6-9287-1331B1C391D1}"/>
+              </a:ext>
+            </a:extLst>
+          </p:cNvPr>
+          <p:cNvSpPr>
+            <a:spLocks/>
+          </p:cNvSpPr>
+          <p:nvPr/>
+        </p:nvSpPr>
+        <p:spPr>
+          <a:xfrm>
+            <a:off x="1800000" y="2880000"/>
+            <a:ext cx="1080000" cy="720000"/>
+          </a:xfrm>
+          <a:prstGeom prst="parallelogram">
+            <a:avLst>
+              <a:gd name="adj" fmla="val 99999"/>
+            </a:avLst>
+          </a:prstGeom>
+          <a:ln w="6350">
+            <a:solidFill>
+              <a:schemeClr val="bg1">
+                <a:lumMod val="85000"/>
+              </a:schemeClr>
+            </a:solidFill>
+          </a:ln>
+        </p:spPr>
+        <p:style>
+          <a:lnRef idx="2">
+            <a:schemeClr val="dk1"/>
+          </a:lnRef>
+          <a:fillRef idx="1">
+            <a:schemeClr val="lt1"/>
+          </a:fillRef>
+          <a:effectRef idx="0">
+            <a:schemeClr val="dk1"/>
+          </a:effectRef>
+          <a:fontRef idx="minor">
+            <a:schemeClr val="dk1"/>
+          </a:fontRef>
+        </p:style>
+        <p:txBody>
+          <a:bodyPr rtlCol="0" anchor="ctr"/>
+          <a:lstStyle/>
+          <a:p>
+            <a:pPr algn="ctr"/>
+            <a:endParaRPr lang="it-IT"/>
+          </a:p>
+        </p:txBody>
+      </p:sp>
+      <p:sp>
+        <p:nvSpPr>
+          <p:cNvPr id="34" name="Parallelogramma 33">
+            <a:extLst>
+              <a:ext uri="{FF2B5EF4-FFF2-40B4-BE49-F238E27FC236}">
+                <a16:creationId xmlns:a16="http://schemas.microsoft.com/office/drawing/2014/main" id="{A126DC85-DD00-4B04-B8AF-F7E20B67255B}"/>
+              </a:ext>
+            </a:extLst>
+          </p:cNvPr>
+          <p:cNvSpPr>
+            <a:spLocks/>
+          </p:cNvSpPr>
+          <p:nvPr/>
+        </p:nvSpPr>
+        <p:spPr>
+          <a:xfrm>
+            <a:off x="2520000" y="2880000"/>
+            <a:ext cx="1080000" cy="720000"/>
+          </a:xfrm>
+          <a:prstGeom prst="parallelogram">
+            <a:avLst>
+              <a:gd name="adj" fmla="val 99999"/>
+            </a:avLst>
+          </a:prstGeom>
+          <a:ln w="6350">
+            <a:solidFill>
+              <a:schemeClr val="bg1">
+                <a:lumMod val="85000"/>
+              </a:schemeClr>
+            </a:solidFill>
+          </a:ln>
+        </p:spPr>
+        <p:style>
+          <a:lnRef idx="2">
+            <a:schemeClr val="dk1"/>
+          </a:lnRef>
+          <a:fillRef idx="1">
+            <a:schemeClr val="lt1"/>
+          </a:fillRef>
+          <a:effectRef idx="0">
+            <a:schemeClr val="dk1"/>
+          </a:effectRef>
+          <a:fontRef idx="minor">
+            <a:schemeClr val="dk1"/>
+          </a:fontRef>
+        </p:style>
+        <p:txBody>
+          <a:bodyPr rtlCol="0" anchor="ctr"/>
+          <a:lstStyle/>
+          <a:p>
+            <a:pPr algn="ctr"/>
+            <a:endParaRPr lang="it-IT"/>
+          </a:p>
+        </p:txBody>
+      </p:sp>
+      <p:sp>
+        <p:nvSpPr>
+          <p:cNvPr id="36" name="Triangolo rettangolo 35">
+            <a:extLst>
+              <a:ext uri="{FF2B5EF4-FFF2-40B4-BE49-F238E27FC236}">
+                <a16:creationId xmlns:a16="http://schemas.microsoft.com/office/drawing/2014/main" id="{48650062-DE27-4055-AC8C-81E84FF78846}"/>
+              </a:ext>
+            </a:extLst>
+          </p:cNvPr>
+          <p:cNvSpPr/>
+          <p:nvPr/>
+        </p:nvSpPr>
+        <p:spPr>
+          <a:xfrm rot="5400000">
+            <a:off x="1440000" y="2880000"/>
+            <a:ext cx="360000" cy="360000"/>
+          </a:xfrm>
+          <a:prstGeom prst="rtTriangle">
+            <a:avLst/>
+          </a:prstGeom>
+          <a:ln w="6350">
+            <a:solidFill>
+              <a:schemeClr val="bg1">
+                <a:lumMod val="85000"/>
+              </a:schemeClr>
+            </a:solidFill>
+          </a:ln>
+        </p:spPr>
+        <p:style>
+          <a:lnRef idx="2">
+            <a:schemeClr val="dk1"/>
+          </a:lnRef>
+          <a:fillRef idx="1">
+            <a:schemeClr val="lt1"/>
+          </a:fillRef>
+          <a:effectRef idx="0">
+            <a:schemeClr val="dk1"/>
+          </a:effectRef>
+          <a:fontRef idx="minor">
+            <a:schemeClr val="dk1"/>
+          </a:fontRef>
+        </p:style>
+        <p:txBody>
+          <a:bodyPr rtlCol="0" anchor="ctr"/>
+          <a:lstStyle/>
+          <a:p>
+            <a:pPr algn="ctr"/>
+            <a:endParaRPr lang="it-IT"/>
+          </a:p>
+        </p:txBody>
+      </p:sp>
+      <p:sp>
+        <p:nvSpPr>
+          <p:cNvPr id="37" name="Parallelogramma 36">
+            <a:extLst>
+              <a:ext uri="{FF2B5EF4-FFF2-40B4-BE49-F238E27FC236}">
+                <a16:creationId xmlns:a16="http://schemas.microsoft.com/office/drawing/2014/main" id="{0AF42239-9121-43E6-8505-AC474381C9EF}"/>
+              </a:ext>
+            </a:extLst>
+          </p:cNvPr>
+          <p:cNvSpPr>
+            <a:spLocks/>
+          </p:cNvSpPr>
+          <p:nvPr/>
+        </p:nvSpPr>
+        <p:spPr>
+          <a:xfrm>
+            <a:off x="2880000" y="2880000"/>
+            <a:ext cx="1080000" cy="720000"/>
+          </a:xfrm>
+          <a:prstGeom prst="parallelogram">
+            <a:avLst>
+              <a:gd name="adj" fmla="val 99999"/>
+            </a:avLst>
+          </a:prstGeom>
+          <a:ln w="6350">
+            <a:solidFill>
+              <a:schemeClr val="bg1">
+                <a:lumMod val="85000"/>
+              </a:schemeClr>
+            </a:solidFill>
+          </a:ln>
+        </p:spPr>
+        <p:style>
+          <a:lnRef idx="2">
+            <a:schemeClr val="dk1"/>
+          </a:lnRef>
+          <a:fillRef idx="1">
+            <a:schemeClr val="lt1"/>
+          </a:fillRef>
+          <a:effectRef idx="0">
+            <a:schemeClr val="dk1"/>
+          </a:effectRef>
+          <a:fontRef idx="minor">
+            <a:schemeClr val="dk1"/>
+          </a:fontRef>
+        </p:style>
+        <p:txBody>
+          <a:bodyPr rtlCol="0" anchor="ctr"/>
+          <a:lstStyle/>
+          <a:p>
+            <a:pPr algn="ctr"/>
+            <a:endParaRPr lang="it-IT"/>
+          </a:p>
+        </p:txBody>
+      </p:sp>
+      <p:sp>
+        <p:nvSpPr>
+          <p:cNvPr id="38" name="Trapezio 37">
+            <a:extLst>
+              <a:ext uri="{FF2B5EF4-FFF2-40B4-BE49-F238E27FC236}">
+                <a16:creationId xmlns:a16="http://schemas.microsoft.com/office/drawing/2014/main" id="{C72CB81C-018B-4D12-8FA9-81966C55EABA}"/>
+              </a:ext>
+            </a:extLst>
+          </p:cNvPr>
+          <p:cNvSpPr/>
+          <p:nvPr/>
+        </p:nvSpPr>
+        <p:spPr>
+          <a:xfrm rot="8100000">
+            <a:off x="3541168" y="3202768"/>
+            <a:ext cx="1018800" cy="255600"/>
+          </a:xfrm>
+          <a:prstGeom prst="trapezoid">
+            <a:avLst>
+              <a:gd name="adj" fmla="val 102258"/>
+            </a:avLst>
+          </a:prstGeom>
+          <a:solidFill>
+            <a:schemeClr val="bg1"/>
+          </a:solidFill>
+          <a:ln w="6350">
+            <a:solidFill>
+              <a:schemeClr val="bg1">
+                <a:lumMod val="85000"/>
+              </a:schemeClr>
+            </a:solidFill>
+          </a:ln>
+        </p:spPr>
+        <p:style>
+          <a:lnRef idx="2">
+            <a:schemeClr val="dk1"/>
+          </a:lnRef>
+          <a:fillRef idx="1">
+            <a:schemeClr val="lt1"/>
+          </a:fillRef>
+          <a:effectRef idx="0">
+            <a:schemeClr val="dk1"/>
+          </a:effectRef>
+          <a:fontRef idx="minor">
+            <a:schemeClr val="dk1"/>
+          </a:fontRef>
+        </p:style>
+        <p:txBody>
+          <a:bodyPr rtlCol="0" anchor="ctr"/>
+          <a:lstStyle/>
+          <a:p>
+            <a:pPr algn="ctr"/>
+            <a:endParaRPr lang="it-IT"/>
+          </a:p>
+        </p:txBody>
+      </p:sp>
+      <p:sp>
+        <p:nvSpPr>
+          <p:cNvPr id="5" name="Rettangolo 4">
+            <a:extLst>
+              <a:ext uri="{FF2B5EF4-FFF2-40B4-BE49-F238E27FC236}">
+                <a16:creationId xmlns:a16="http://schemas.microsoft.com/office/drawing/2014/main" id="{A2866499-10D0-4275-8C25-6D6A8FA1F309}"/>
+              </a:ext>
+            </a:extLst>
+          </p:cNvPr>
+          <p:cNvSpPr/>
+          <p:nvPr/>
+        </p:nvSpPr>
+        <p:spPr>
+          <a:xfrm>
+            <a:off x="1440000" y="2880000"/>
+            <a:ext cx="2880000" cy="720000"/>
+          </a:xfrm>
+          <a:prstGeom prst="rect">
+            <a:avLst/>
+          </a:prstGeom>
+          <a:noFill/>
+          <a:ln>
+            <a:solidFill>
+              <a:schemeClr val="bg1">
+                <a:lumMod val="85000"/>
+              </a:schemeClr>
+            </a:solidFill>
+          </a:ln>
+        </p:spPr>
+        <p:style>
+          <a:lnRef idx="2">
+            <a:schemeClr val="dk1"/>
+          </a:lnRef>
+          <a:fillRef idx="1">
+            <a:schemeClr val="lt1"/>
+          </a:fillRef>
+          <a:effectRef idx="0">
+            <a:schemeClr val="dk1"/>
+          </a:effectRef>
+          <a:fontRef idx="minor">
+            <a:schemeClr val="dk1"/>
+          </a:fontRef>
+        </p:style>
+        <p:txBody>
+          <a:bodyPr rtlCol="0" anchor="ctr"/>
+          <a:lstStyle/>
+          <a:p>
+            <a:pPr algn="ctr"/>
+            <a:endParaRPr lang="it-IT"/>
+          </a:p>
+        </p:txBody>
+      </p:sp>
+      <p:sp>
+        <p:nvSpPr>
+          <p:cNvPr id="14" name="Arco 13">
+            <a:extLst>
+              <a:ext uri="{FF2B5EF4-FFF2-40B4-BE49-F238E27FC236}">
+                <a16:creationId xmlns:a16="http://schemas.microsoft.com/office/drawing/2014/main" id="{F09AE7F0-464E-406D-94C0-D73A462F593F}"/>
+              </a:ext>
+            </a:extLst>
+          </p:cNvPr>
+          <p:cNvSpPr/>
+          <p:nvPr/>
+        </p:nvSpPr>
+        <p:spPr>
+          <a:xfrm rot="10800000" flipH="1">
+            <a:off x="133350" y="983681"/>
+            <a:ext cx="4186650" cy="1176319"/>
+          </a:xfrm>
+          <a:prstGeom prst="arc">
+            <a:avLst>
+              <a:gd name="adj1" fmla="val 16128148"/>
+              <a:gd name="adj2" fmla="val 21567144"/>
+            </a:avLst>
+          </a:prstGeom>
+          <a:ln w="6350">
+            <a:solidFill>
+              <a:schemeClr val="bg1">
+                <a:lumMod val="85000"/>
+              </a:schemeClr>
+            </a:solidFill>
+          </a:ln>
+        </p:spPr>
+        <p:style>
+          <a:lnRef idx="1">
+            <a:schemeClr val="accent1"/>
+          </a:lnRef>
+          <a:fillRef idx="0">
+            <a:schemeClr val="accent1"/>
+          </a:fillRef>
+          <a:effectRef idx="0">
+            <a:schemeClr val="accent1"/>
+          </a:effectRef>
+          <a:fontRef idx="minor">
+            <a:schemeClr val="tx1"/>
+          </a:fontRef>
+        </p:style>
+        <p:txBody>
+          <a:bodyPr rtlCol="0" anchor="ctr"/>
+          <a:lstStyle/>
+          <a:p>
+            <a:pPr algn="ctr"/>
+            <a:endParaRPr lang="it-IT"/>
+          </a:p>
+        </p:txBody>
+      </p:sp>
+      <p:cxnSp>
+        <p:nvCxnSpPr>
+          <p:cNvPr id="17" name="Connettore 2 16">
+            <a:extLst>
+              <a:ext uri="{FF2B5EF4-FFF2-40B4-BE49-F238E27FC236}">
+                <a16:creationId xmlns:a16="http://schemas.microsoft.com/office/drawing/2014/main" id="{AE3B47E4-5BB5-46CE-9849-33DD23A3FF8E}"/>
+              </a:ext>
+            </a:extLst>
+          </p:cNvPr>
+          <p:cNvCxnSpPr>
+            <a:cxnSpLocks/>
+          </p:cNvCxnSpPr>
+          <p:nvPr/>
+        </p:nvCxnSpPr>
+        <p:spPr>
+          <a:xfrm flipV="1">
+            <a:off x="1440000" y="1620000"/>
+            <a:ext cx="2878790" cy="0"/>
+          </a:xfrm>
+          <a:prstGeom prst="straightConnector1">
+            <a:avLst/>
+          </a:prstGeom>
+          <a:ln w="6350">
+            <a:solidFill>
+              <a:schemeClr val="bg1">
+                <a:lumMod val="85000"/>
+              </a:schemeClr>
+            </a:solidFill>
+            <a:headEnd w="sm" len="med"/>
+            <a:tailEnd type="triangle" w="sm" len="med"/>
+          </a:ln>
+        </p:spPr>
+        <p:style>
+          <a:lnRef idx="1">
+            <a:schemeClr val="dk1"/>
+          </a:lnRef>
+          <a:fillRef idx="0">
+            <a:schemeClr val="dk1"/>
+          </a:fillRef>
+          <a:effectRef idx="0">
+            <a:schemeClr val="dk1"/>
+          </a:effectRef>
+          <a:fontRef idx="minor">
+            <a:schemeClr val="tx1"/>
+          </a:fontRef>
+        </p:style>
+      </p:cxnSp>
+      <p:cxnSp>
+        <p:nvCxnSpPr>
+          <p:cNvPr id="18" name="Connettore 2 17">
+            <a:extLst>
+              <a:ext uri="{FF2B5EF4-FFF2-40B4-BE49-F238E27FC236}">
+                <a16:creationId xmlns:a16="http://schemas.microsoft.com/office/drawing/2014/main" id="{46A89340-AAD0-4AAC-AAE8-373975150919}"/>
+              </a:ext>
+            </a:extLst>
+          </p:cNvPr>
+          <p:cNvCxnSpPr>
+            <a:cxnSpLocks/>
+          </p:cNvCxnSpPr>
+          <p:nvPr/>
+        </p:nvCxnSpPr>
+        <p:spPr>
+          <a:xfrm>
+            <a:off x="1440000" y="1800000"/>
+            <a:ext cx="2718000" cy="0"/>
+          </a:xfrm>
+          <a:prstGeom prst="straightConnector1">
+            <a:avLst/>
+          </a:prstGeom>
+          <a:ln w="6350">
+            <a:solidFill>
+              <a:schemeClr val="bg1">
+                <a:lumMod val="85000"/>
+              </a:schemeClr>
+            </a:solidFill>
+            <a:headEnd w="sm" len="med"/>
+            <a:tailEnd type="triangle" w="sm" len="med"/>
+          </a:ln>
+        </p:spPr>
+        <p:style>
+          <a:lnRef idx="1">
+            <a:schemeClr val="dk1"/>
+          </a:lnRef>
+          <a:fillRef idx="0">
+            <a:schemeClr val="dk1"/>
+          </a:fillRef>
+          <a:effectRef idx="0">
+            <a:schemeClr val="dk1"/>
+          </a:effectRef>
+          <a:fontRef idx="minor">
+            <a:schemeClr val="tx1"/>
+          </a:fontRef>
+        </p:style>
+      </p:cxnSp>
+      <p:cxnSp>
+        <p:nvCxnSpPr>
+          <p:cNvPr id="19" name="Connettore 2 18">
+            <a:extLst>
+              <a:ext uri="{FF2B5EF4-FFF2-40B4-BE49-F238E27FC236}">
+                <a16:creationId xmlns:a16="http://schemas.microsoft.com/office/drawing/2014/main" id="{A307914B-AFEC-48E3-9369-4B5BBCF639E2}"/>
+              </a:ext>
+            </a:extLst>
+          </p:cNvPr>
+          <p:cNvCxnSpPr>
+            <a:cxnSpLocks/>
+          </p:cNvCxnSpPr>
+          <p:nvPr/>
+        </p:nvCxnSpPr>
+        <p:spPr>
+          <a:xfrm>
+            <a:off x="1439999" y="1980000"/>
+            <a:ext cx="2268000" cy="0"/>
+          </a:xfrm>
+          <a:prstGeom prst="straightConnector1">
+            <a:avLst/>
+          </a:prstGeom>
+          <a:ln w="6350">
+            <a:solidFill>
+              <a:schemeClr val="bg1">
+                <a:lumMod val="85000"/>
+              </a:schemeClr>
+            </a:solidFill>
+            <a:headEnd w="sm" len="med"/>
+            <a:tailEnd type="triangle" w="sm" len="med"/>
+          </a:ln>
+        </p:spPr>
+        <p:style>
+          <a:lnRef idx="1">
+            <a:schemeClr val="dk1"/>
+          </a:lnRef>
+          <a:fillRef idx="0">
+            <a:schemeClr val="dk1"/>
+          </a:fillRef>
+          <a:effectRef idx="0">
+            <a:schemeClr val="dk1"/>
+          </a:effectRef>
+          <a:fontRef idx="minor">
+            <a:schemeClr val="tx1"/>
+          </a:fontRef>
+        </p:style>
+      </p:cxnSp>
+    </p:spTree>
+    <p:extLst>
+      <p:ext uri="{BB962C8B-B14F-4D97-AF65-F5344CB8AC3E}">
+        <p14:creationId xmlns:p14="http://schemas.microsoft.com/office/powerpoint/2010/main" val="1734765310"/>
+      </p:ext>
+    </p:extLst>
+  </p:cSld>
+  <p:clrMapOvr>
+    <a:masterClrMapping/>
+  </p:clrMapOvr>
+</p:sld>
+</file>
+
+<file path=ppt/slides/slide21.xml><?xml version="1.0" encoding="utf-8"?>
+<p:sld xmlns:a="http://schemas.openxmlformats.org/drawingml/2006/main" xmlns:r="http://schemas.openxmlformats.org/officeDocument/2006/relationships" xmlns:p="http://schemas.openxmlformats.org/presentationml/2006/main">
+  <p:cSld>
+    <p:spTree>
+      <p:nvGrpSpPr>
+        <p:cNvPr id="1" name=""/>
+        <p:cNvGrpSpPr/>
+        <p:nvPr/>
+      </p:nvGrpSpPr>
+      <p:grpSpPr>
+        <a:xfrm>
+          <a:off x="0" y="0"/>
+          <a:ext cx="0" cy="0"/>
+          <a:chOff x="0" y="0"/>
+          <a:chExt cx="0" cy="0"/>
+        </a:xfrm>
+      </p:grpSpPr>
+      <p:sp>
+        <p:nvSpPr>
           <p:cNvPr id="20" name="Triangolo rettangolo 19">
             <a:extLst>
               <a:ext uri="{FF2B5EF4-FFF2-40B4-BE49-F238E27FC236}">
@@ -26681,7 +28152,7 @@
 </p:sld>
 </file>
 
-<file path=ppt/slides/slide21.xml><?xml version="1.0" encoding="utf-8"?>
+<file path=ppt/slides/slide22.xml><?xml version="1.0" encoding="utf-8"?>
 <p:sld xmlns:a="http://schemas.openxmlformats.org/drawingml/2006/main" xmlns:r="http://schemas.openxmlformats.org/officeDocument/2006/relationships" xmlns:p="http://schemas.openxmlformats.org/presentationml/2006/main">
   <p:cSld>
     <p:spTree>

--- a/img/celle.pptx
+++ b/img/celle.pptx
@@ -219,7 +219,7 @@
           <a:p>
             <a:fld id="{76BCBF0C-CE44-499E-BCEB-7948FB131314}" type="datetimeFigureOut">
               <a:rPr lang="it-IT" smtClean="0"/>
-              <a:t>22/02/2019</a:t>
+              <a:t>26/02/2019</a:t>
             </a:fld>
             <a:endParaRPr lang="it-IT"/>
           </a:p>
@@ -633,7 +633,7 @@
           <a:p>
             <a:fld id="{73B341DB-7226-48ED-93C6-4CA0570B6B59}" type="datetimeFigureOut">
               <a:rPr lang="it-IT" smtClean="0"/>
-              <a:t>22/02/2019</a:t>
+              <a:t>26/02/2019</a:t>
             </a:fld>
             <a:endParaRPr lang="it-IT"/>
           </a:p>
@@ -831,7 +831,7 @@
           <a:p>
             <a:fld id="{73B341DB-7226-48ED-93C6-4CA0570B6B59}" type="datetimeFigureOut">
               <a:rPr lang="it-IT" smtClean="0"/>
-              <a:t>22/02/2019</a:t>
+              <a:t>26/02/2019</a:t>
             </a:fld>
             <a:endParaRPr lang="it-IT"/>
           </a:p>
@@ -1039,7 +1039,7 @@
           <a:p>
             <a:fld id="{73B341DB-7226-48ED-93C6-4CA0570B6B59}" type="datetimeFigureOut">
               <a:rPr lang="it-IT" smtClean="0"/>
-              <a:t>22/02/2019</a:t>
+              <a:t>26/02/2019</a:t>
             </a:fld>
             <a:endParaRPr lang="it-IT"/>
           </a:p>
@@ -1259,7 +1259,7 @@
           <a:p>
             <a:fld id="{6A95F648-2F94-41D1-A59D-39CB3696F9AB}" type="datetimeFigureOut">
               <a:rPr lang="it-IT" smtClean="0"/>
-              <a:t>22/02/2019</a:t>
+              <a:t>26/02/2019</a:t>
             </a:fld>
             <a:endParaRPr lang="it-IT"/>
           </a:p>
@@ -1457,7 +1457,7 @@
           <a:p>
             <a:fld id="{6A95F648-2F94-41D1-A59D-39CB3696F9AB}" type="datetimeFigureOut">
               <a:rPr lang="it-IT" smtClean="0"/>
-              <a:t>22/02/2019</a:t>
+              <a:t>26/02/2019</a:t>
             </a:fld>
             <a:endParaRPr lang="it-IT"/>
           </a:p>
@@ -1732,7 +1732,7 @@
           <a:p>
             <a:fld id="{6A95F648-2F94-41D1-A59D-39CB3696F9AB}" type="datetimeFigureOut">
               <a:rPr lang="it-IT" smtClean="0"/>
-              <a:t>22/02/2019</a:t>
+              <a:t>26/02/2019</a:t>
             </a:fld>
             <a:endParaRPr lang="it-IT"/>
           </a:p>
@@ -1997,7 +1997,7 @@
           <a:p>
             <a:fld id="{6A95F648-2F94-41D1-A59D-39CB3696F9AB}" type="datetimeFigureOut">
               <a:rPr lang="it-IT" smtClean="0"/>
-              <a:t>22/02/2019</a:t>
+              <a:t>26/02/2019</a:t>
             </a:fld>
             <a:endParaRPr lang="it-IT"/>
           </a:p>
@@ -2409,7 +2409,7 @@
           <a:p>
             <a:fld id="{6A95F648-2F94-41D1-A59D-39CB3696F9AB}" type="datetimeFigureOut">
               <a:rPr lang="it-IT" smtClean="0"/>
-              <a:t>22/02/2019</a:t>
+              <a:t>26/02/2019</a:t>
             </a:fld>
             <a:endParaRPr lang="it-IT"/>
           </a:p>
@@ -2550,7 +2550,7 @@
           <a:p>
             <a:fld id="{6A95F648-2F94-41D1-A59D-39CB3696F9AB}" type="datetimeFigureOut">
               <a:rPr lang="it-IT" smtClean="0"/>
-              <a:t>22/02/2019</a:t>
+              <a:t>26/02/2019</a:t>
             </a:fld>
             <a:endParaRPr lang="it-IT"/>
           </a:p>
@@ -2663,7 +2663,7 @@
           <a:p>
             <a:fld id="{6A95F648-2F94-41D1-A59D-39CB3696F9AB}" type="datetimeFigureOut">
               <a:rPr lang="it-IT" smtClean="0"/>
-              <a:t>22/02/2019</a:t>
+              <a:t>26/02/2019</a:t>
             </a:fld>
             <a:endParaRPr lang="it-IT"/>
           </a:p>
@@ -2974,7 +2974,7 @@
           <a:p>
             <a:fld id="{6A95F648-2F94-41D1-A59D-39CB3696F9AB}" type="datetimeFigureOut">
               <a:rPr lang="it-IT" smtClean="0"/>
-              <a:t>22/02/2019</a:t>
+              <a:t>26/02/2019</a:t>
             </a:fld>
             <a:endParaRPr lang="it-IT"/>
           </a:p>
@@ -3172,7 +3172,7 @@
           <a:p>
             <a:fld id="{73B341DB-7226-48ED-93C6-4CA0570B6B59}" type="datetimeFigureOut">
               <a:rPr lang="it-IT" smtClean="0"/>
-              <a:t>22/02/2019</a:t>
+              <a:t>26/02/2019</a:t>
             </a:fld>
             <a:endParaRPr lang="it-IT"/>
           </a:p>
@@ -3460,7 +3460,7 @@
           <a:p>
             <a:fld id="{6A95F648-2F94-41D1-A59D-39CB3696F9AB}" type="datetimeFigureOut">
               <a:rPr lang="it-IT" smtClean="0"/>
-              <a:t>22/02/2019</a:t>
+              <a:t>26/02/2019</a:t>
             </a:fld>
             <a:endParaRPr lang="it-IT"/>
           </a:p>
@@ -3658,7 +3658,7 @@
           <a:p>
             <a:fld id="{6A95F648-2F94-41D1-A59D-39CB3696F9AB}" type="datetimeFigureOut">
               <a:rPr lang="it-IT" smtClean="0"/>
-              <a:t>22/02/2019</a:t>
+              <a:t>26/02/2019</a:t>
             </a:fld>
             <a:endParaRPr lang="it-IT"/>
           </a:p>
@@ -3866,7 +3866,7 @@
           <a:p>
             <a:fld id="{6A95F648-2F94-41D1-A59D-39CB3696F9AB}" type="datetimeFigureOut">
               <a:rPr lang="it-IT" smtClean="0"/>
-              <a:t>22/02/2019</a:t>
+              <a:t>26/02/2019</a:t>
             </a:fld>
             <a:endParaRPr lang="it-IT"/>
           </a:p>
@@ -4141,7 +4141,7 @@
           <a:p>
             <a:fld id="{73B341DB-7226-48ED-93C6-4CA0570B6B59}" type="datetimeFigureOut">
               <a:rPr lang="it-IT" smtClean="0"/>
-              <a:t>22/02/2019</a:t>
+              <a:t>26/02/2019</a:t>
             </a:fld>
             <a:endParaRPr lang="it-IT"/>
           </a:p>
@@ -4406,7 +4406,7 @@
           <a:p>
             <a:fld id="{73B341DB-7226-48ED-93C6-4CA0570B6B59}" type="datetimeFigureOut">
               <a:rPr lang="it-IT" smtClean="0"/>
-              <a:t>22/02/2019</a:t>
+              <a:t>26/02/2019</a:t>
             </a:fld>
             <a:endParaRPr lang="it-IT"/>
           </a:p>
@@ -4818,7 +4818,7 @@
           <a:p>
             <a:fld id="{73B341DB-7226-48ED-93C6-4CA0570B6B59}" type="datetimeFigureOut">
               <a:rPr lang="it-IT" smtClean="0"/>
-              <a:t>22/02/2019</a:t>
+              <a:t>26/02/2019</a:t>
             </a:fld>
             <a:endParaRPr lang="it-IT"/>
           </a:p>
@@ -4959,7 +4959,7 @@
           <a:p>
             <a:fld id="{73B341DB-7226-48ED-93C6-4CA0570B6B59}" type="datetimeFigureOut">
               <a:rPr lang="it-IT" smtClean="0"/>
-              <a:t>22/02/2019</a:t>
+              <a:t>26/02/2019</a:t>
             </a:fld>
             <a:endParaRPr lang="it-IT"/>
           </a:p>
@@ -5072,7 +5072,7 @@
           <a:p>
             <a:fld id="{73B341DB-7226-48ED-93C6-4CA0570B6B59}" type="datetimeFigureOut">
               <a:rPr lang="it-IT" smtClean="0"/>
-              <a:t>22/02/2019</a:t>
+              <a:t>26/02/2019</a:t>
             </a:fld>
             <a:endParaRPr lang="it-IT"/>
           </a:p>
@@ -5383,7 +5383,7 @@
           <a:p>
             <a:fld id="{73B341DB-7226-48ED-93C6-4CA0570B6B59}" type="datetimeFigureOut">
               <a:rPr lang="it-IT" smtClean="0"/>
-              <a:t>22/02/2019</a:t>
+              <a:t>26/02/2019</a:t>
             </a:fld>
             <a:endParaRPr lang="it-IT"/>
           </a:p>
@@ -5671,7 +5671,7 @@
           <a:p>
             <a:fld id="{73B341DB-7226-48ED-93C6-4CA0570B6B59}" type="datetimeFigureOut">
               <a:rPr lang="it-IT" smtClean="0"/>
-              <a:t>22/02/2019</a:t>
+              <a:t>26/02/2019</a:t>
             </a:fld>
             <a:endParaRPr lang="it-IT"/>
           </a:p>
@@ -5912,7 +5912,7 @@
           <a:p>
             <a:fld id="{73B341DB-7226-48ED-93C6-4CA0570B6B59}" type="datetimeFigureOut">
               <a:rPr lang="it-IT" smtClean="0"/>
-              <a:t>22/02/2019</a:t>
+              <a:t>26/02/2019</a:t>
             </a:fld>
             <a:endParaRPr lang="it-IT"/>
           </a:p>
@@ -6480,7 +6480,7 @@
           <a:p>
             <a:fld id="{6A95F648-2F94-41D1-A59D-39CB3696F9AB}" type="datetimeFigureOut">
               <a:rPr lang="it-IT" smtClean="0"/>
-              <a:t>22/02/2019</a:t>
+              <a:t>26/02/2019</a:t>
             </a:fld>
             <a:endParaRPr lang="it-IT"/>
           </a:p>
@@ -7922,8 +7922,8 @@
           </a:fontRef>
         </p:style>
       </p:cxnSp>
-      <mc:AlternateContent xmlns:mc="http://schemas.openxmlformats.org/markup-compatibility/2006" xmlns:a14="http://schemas.microsoft.com/office/drawing/2010/main">
-        <mc:Choice Requires="a14">
+      <mc:AlternateContent xmlns:mc="http://schemas.openxmlformats.org/markup-compatibility/2006">
+        <mc:Choice xmlns:a14="http://schemas.microsoft.com/office/drawing/2010/main" Requires="a14">
           <p:sp>
             <p:nvSpPr>
               <p:cNvPr id="20" name="CasellaDiTesto 19">
@@ -7980,10 +7980,13 @@
                         </m:e>
                         <m:sub>
                           <m:r>
-                            <a:rPr lang="it-IT" sz="2000" b="0" i="1" smtClean="0">
+                            <m:rPr>
+                              <m:sty m:val="p"/>
+                            </m:rPr>
+                            <a:rPr lang="it-IT" sz="2000" b="0" i="0" smtClean="0">
                               <a:latin typeface="Cambria Math" panose="02040503050406030204" pitchFamily="18" charset="0"/>
                             </a:rPr>
-                            <m:t>𝑠𝑦𝑚</m:t>
+                            <m:t>sym</m:t>
                           </m:r>
                         </m:sub>
                       </m:sSub>
@@ -7995,7 +7998,7 @@
             </p:txBody>
           </p:sp>
         </mc:Choice>
-        <mc:Fallback xmlns="">
+        <mc:Fallback>
           <p:sp>
             <p:nvSpPr>
               <p:cNvPr id="20" name="CasellaDiTesto 19">
@@ -8021,7 +8024,7 @@
               <a:blipFill>
                 <a:blip r:embed="rId2"/>
                 <a:stretch>
-                  <a:fillRect l="-840" b="-5714"/>
+                  <a:fillRect b="-7143"/>
                 </a:stretch>
               </a:blipFill>
             </p:spPr>
@@ -8773,8 +8776,8 @@
           </p:sp>
         </mc:Fallback>
       </mc:AlternateContent>
-      <mc:AlternateContent xmlns:mc="http://schemas.openxmlformats.org/markup-compatibility/2006" xmlns:a14="http://schemas.microsoft.com/office/drawing/2010/main">
-        <mc:Choice Requires="a14">
+      <mc:AlternateContent xmlns:mc="http://schemas.openxmlformats.org/markup-compatibility/2006">
+        <mc:Choice xmlns:a14="http://schemas.microsoft.com/office/drawing/2010/main" Requires="a14">
           <p:sp>
             <p:nvSpPr>
               <p:cNvPr id="44" name="CasellaDiTesto 43">
@@ -8831,10 +8834,13 @@
                         </m:e>
                         <m:sub>
                           <m:r>
-                            <a:rPr lang="it-IT" sz="2000" b="0" i="1" smtClean="0">
+                            <m:rPr>
+                              <m:sty m:val="p"/>
+                            </m:rPr>
+                            <a:rPr lang="it-IT" sz="2000" b="0" i="0" smtClean="0">
                               <a:latin typeface="Cambria Math" panose="02040503050406030204" pitchFamily="18" charset="0"/>
                             </a:rPr>
-                            <m:t>𝑖𝑛𝑡</m:t>
+                            <m:t>int</m:t>
                           </m:r>
                         </m:sub>
                       </m:sSub>
@@ -8846,7 +8852,7 @@
             </p:txBody>
           </p:sp>
         </mc:Choice>
-        <mc:Fallback xmlns="">
+        <mc:Fallback>
           <p:sp>
             <p:nvSpPr>
               <p:cNvPr id="44" name="CasellaDiTesto 43">
@@ -8891,8 +8897,8 @@
           </p:sp>
         </mc:Fallback>
       </mc:AlternateContent>
-      <mc:AlternateContent xmlns:mc="http://schemas.openxmlformats.org/markup-compatibility/2006" xmlns:a14="http://schemas.microsoft.com/office/drawing/2010/main">
-        <mc:Choice Requires="a14">
+      <mc:AlternateContent xmlns:mc="http://schemas.openxmlformats.org/markup-compatibility/2006">
+        <mc:Choice xmlns:a14="http://schemas.microsoft.com/office/drawing/2010/main" Requires="a14">
           <p:sp>
             <p:nvSpPr>
               <p:cNvPr id="45" name="CasellaDiTesto 44">
@@ -8949,10 +8955,13 @@
                         </m:e>
                         <m:sub>
                           <m:r>
-                            <a:rPr lang="it-IT" sz="2000" b="0" i="1" smtClean="0">
+                            <m:rPr>
+                              <m:sty m:val="p"/>
+                            </m:rPr>
+                            <a:rPr lang="it-IT" sz="2000" b="0" i="0" smtClean="0">
                               <a:latin typeface="Cambria Math" panose="02040503050406030204" pitchFamily="18" charset="0"/>
                             </a:rPr>
-                            <m:t>𝑏𝑎𝑠𝑒</m:t>
+                            <m:t>base</m:t>
                           </m:r>
                         </m:sub>
                       </m:sSub>
@@ -8964,7 +8973,7 @@
             </p:txBody>
           </p:sp>
         </mc:Choice>
-        <mc:Fallback xmlns="">
+        <mc:Fallback>
           <p:sp>
             <p:nvSpPr>
               <p:cNvPr id="45" name="CasellaDiTesto 44">
@@ -8990,7 +8999,7 @@
               <a:blipFill>
                 <a:blip r:embed="rId6"/>
                 <a:stretch>
-                  <a:fillRect l="-21348" r="-4494" b="-1538"/>
+                  <a:fillRect l="-20225" r="-5618" b="-3077"/>
                 </a:stretch>
               </a:blipFill>
             </p:spPr>
@@ -9009,8 +9018,8 @@
           </p:sp>
         </mc:Fallback>
       </mc:AlternateContent>
-      <mc:AlternateContent xmlns:mc="http://schemas.openxmlformats.org/markup-compatibility/2006" xmlns:a14="http://schemas.microsoft.com/office/drawing/2010/main">
-        <mc:Choice Requires="a14">
+      <mc:AlternateContent xmlns:mc="http://schemas.openxmlformats.org/markup-compatibility/2006">
+        <mc:Choice xmlns:a14="http://schemas.microsoft.com/office/drawing/2010/main" Requires="a14">
           <p:sp>
             <p:nvSpPr>
               <p:cNvPr id="48" name="CasellaDiTesto 47">
@@ -9026,7 +9035,7 @@
             <p:spPr>
               <a:xfrm>
                 <a:off x="6840000" y="1298209"/>
-                <a:ext cx="720000" cy="424732"/>
+                <a:ext cx="720000" cy="400110"/>
               </a:xfrm>
               <a:prstGeom prst="rect">
                 <a:avLst/>
@@ -9067,10 +9076,13 @@
                         </m:e>
                         <m:sub>
                           <m:r>
-                            <a:rPr lang="it-IT" sz="2000" b="0" i="1" smtClean="0">
+                            <m:rPr>
+                              <m:sty m:val="p"/>
+                            </m:rPr>
+                            <a:rPr lang="it-IT" sz="2000" b="0" i="0" smtClean="0">
                               <a:latin typeface="Cambria Math" panose="02040503050406030204" pitchFamily="18" charset="0"/>
                             </a:rPr>
-                            <m:t>𝑓𝑓</m:t>
+                            <m:t>ff</m:t>
                           </m:r>
                         </m:sub>
                       </m:sSub>
@@ -9082,7 +9094,7 @@
             </p:txBody>
           </p:sp>
         </mc:Choice>
-        <mc:Fallback xmlns="">
+        <mc:Fallback>
           <p:sp>
             <p:nvSpPr>
               <p:cNvPr id="48" name="CasellaDiTesto 47">
@@ -9100,7 +9112,7 @@
             <p:spPr>
               <a:xfrm>
                 <a:off x="6840000" y="1298209"/>
-                <a:ext cx="720000" cy="424732"/>
+                <a:ext cx="720000" cy="400110"/>
               </a:xfrm>
               <a:prstGeom prst="rect">
                 <a:avLst/>
@@ -9108,7 +9120,7 @@
               <a:blipFill>
                 <a:blip r:embed="rId7"/>
                 <a:stretch>
-                  <a:fillRect b="-8571"/>
+                  <a:fillRect b="-1515"/>
                 </a:stretch>
               </a:blipFill>
             </p:spPr>
@@ -9127,8 +9139,8 @@
           </p:sp>
         </mc:Fallback>
       </mc:AlternateContent>
-      <mc:AlternateContent xmlns:mc="http://schemas.openxmlformats.org/markup-compatibility/2006" xmlns:a14="http://schemas.microsoft.com/office/drawing/2010/main">
-        <mc:Choice Requires="a14">
+      <mc:AlternateContent xmlns:mc="http://schemas.openxmlformats.org/markup-compatibility/2006">
+        <mc:Choice xmlns:a14="http://schemas.microsoft.com/office/drawing/2010/main" Requires="a14">
           <p:sp>
             <p:nvSpPr>
               <p:cNvPr id="49" name="CasellaDiTesto 48">
@@ -9185,10 +9197,13 @@
                         </m:e>
                         <m:sub>
                           <m:r>
-                            <a:rPr lang="it-IT" sz="2000" b="0" i="1" smtClean="0">
+                            <m:rPr>
+                              <m:sty m:val="p"/>
+                            </m:rPr>
+                            <a:rPr lang="it-IT" sz="2000" b="0" i="0" smtClean="0">
                               <a:latin typeface="Cambria Math" panose="02040503050406030204" pitchFamily="18" charset="0"/>
                             </a:rPr>
-                            <m:t>𝑝𝑚</m:t>
+                            <m:t>pm</m:t>
                           </m:r>
                         </m:sub>
                       </m:sSub>
@@ -9200,7 +9215,7 @@
             </p:txBody>
           </p:sp>
         </mc:Choice>
-        <mc:Fallback xmlns="">
+        <mc:Fallback>
           <p:sp>
             <p:nvSpPr>
               <p:cNvPr id="49" name="CasellaDiTesto 48">
@@ -21659,8 +21674,8 @@
           </a:fontRef>
         </p:style>
       </p:cxnSp>
-      <mc:AlternateContent xmlns:mc="http://schemas.openxmlformats.org/markup-compatibility/2006">
-        <mc:Choice xmlns:a14="http://schemas.microsoft.com/office/drawing/2010/main" Requires="a14">
+      <mc:AlternateContent xmlns:mc="http://schemas.openxmlformats.org/markup-compatibility/2006" xmlns:a14="http://schemas.microsoft.com/office/drawing/2010/main">
+        <mc:Choice Requires="a14">
           <p:sp>
             <p:nvSpPr>
               <p:cNvPr id="2" name="CasellaDiTesto 1">
@@ -21743,7 +21758,7 @@
             </p:txBody>
           </p:sp>
         </mc:Choice>
-        <mc:Fallback>
+        <mc:Fallback xmlns="">
           <p:sp>
             <p:nvSpPr>
               <p:cNvPr id="2" name="CasellaDiTesto 1">
@@ -21788,8 +21803,8 @@
           </p:sp>
         </mc:Fallback>
       </mc:AlternateContent>
-      <mc:AlternateContent xmlns:mc="http://schemas.openxmlformats.org/markup-compatibility/2006">
-        <mc:Choice xmlns:a14="http://schemas.microsoft.com/office/drawing/2010/main" Requires="a14">
+      <mc:AlternateContent xmlns:mc="http://schemas.openxmlformats.org/markup-compatibility/2006" xmlns:a14="http://schemas.microsoft.com/office/drawing/2010/main">
+        <mc:Choice Requires="a14">
           <p:sp>
             <p:nvSpPr>
               <p:cNvPr id="17" name="CasellaDiTesto 16">
@@ -21872,7 +21887,7 @@
             </p:txBody>
           </p:sp>
         </mc:Choice>
-        <mc:Fallback>
+        <mc:Fallback xmlns="">
           <p:sp>
             <p:nvSpPr>
               <p:cNvPr id="17" name="CasellaDiTesto 16">
@@ -21917,8 +21932,8 @@
           </p:sp>
         </mc:Fallback>
       </mc:AlternateContent>
-      <mc:AlternateContent xmlns:mc="http://schemas.openxmlformats.org/markup-compatibility/2006">
-        <mc:Choice xmlns:a14="http://schemas.microsoft.com/office/drawing/2010/main" Requires="a14">
+      <mc:AlternateContent xmlns:mc="http://schemas.openxmlformats.org/markup-compatibility/2006" xmlns:a14="http://schemas.microsoft.com/office/drawing/2010/main">
+        <mc:Choice Requires="a14">
           <p:sp>
             <p:nvSpPr>
               <p:cNvPr id="19" name="CasellaDiTesto 18">
@@ -22001,7 +22016,7 @@
             </p:txBody>
           </p:sp>
         </mc:Choice>
-        <mc:Fallback>
+        <mc:Fallback xmlns="">
           <p:sp>
             <p:nvSpPr>
               <p:cNvPr id="19" name="CasellaDiTesto 18">
@@ -22313,8 +22328,8 @@
           </a:fontRef>
         </p:style>
       </p:cxnSp>
-      <mc:AlternateContent xmlns:mc="http://schemas.openxmlformats.org/markup-compatibility/2006">
-        <mc:Choice xmlns:a14="http://schemas.microsoft.com/office/drawing/2010/main" Requires="a14">
+      <mc:AlternateContent xmlns:mc="http://schemas.openxmlformats.org/markup-compatibility/2006" xmlns:a14="http://schemas.microsoft.com/office/drawing/2010/main">
+        <mc:Choice Requires="a14">
           <p:sp>
             <p:nvSpPr>
               <p:cNvPr id="28" name="CasellaDiTesto 27">
@@ -22390,7 +22405,7 @@
             </p:txBody>
           </p:sp>
         </mc:Choice>
-        <mc:Fallback>
+        <mc:Fallback xmlns="">
           <p:sp>
             <p:nvSpPr>
               <p:cNvPr id="28" name="CasellaDiTesto 27">
@@ -22435,8 +22450,8 @@
           </p:sp>
         </mc:Fallback>
       </mc:AlternateContent>
-      <mc:AlternateContent xmlns:mc="http://schemas.openxmlformats.org/markup-compatibility/2006">
-        <mc:Choice xmlns:a14="http://schemas.microsoft.com/office/drawing/2010/main" Requires="a14">
+      <mc:AlternateContent xmlns:mc="http://schemas.openxmlformats.org/markup-compatibility/2006" xmlns:a14="http://schemas.microsoft.com/office/drawing/2010/main">
+        <mc:Choice Requires="a14">
           <p:sp>
             <p:nvSpPr>
               <p:cNvPr id="29" name="CasellaDiTesto 28">
@@ -22519,7 +22534,7 @@
             </p:txBody>
           </p:sp>
         </mc:Choice>
-        <mc:Fallback>
+        <mc:Fallback xmlns="">
           <p:sp>
             <p:nvSpPr>
               <p:cNvPr id="29" name="CasellaDiTesto 28">
@@ -22564,8 +22579,8 @@
           </p:sp>
         </mc:Fallback>
       </mc:AlternateContent>
-      <mc:AlternateContent xmlns:mc="http://schemas.openxmlformats.org/markup-compatibility/2006">
-        <mc:Choice xmlns:a14="http://schemas.microsoft.com/office/drawing/2010/main" Requires="a14">
+      <mc:AlternateContent xmlns:mc="http://schemas.openxmlformats.org/markup-compatibility/2006" xmlns:a14="http://schemas.microsoft.com/office/drawing/2010/main">
+        <mc:Choice Requires="a14">
           <p:sp>
             <p:nvSpPr>
               <p:cNvPr id="30" name="CasellaDiTesto 29">
@@ -22648,7 +22663,7 @@
             </p:txBody>
           </p:sp>
         </mc:Choice>
-        <mc:Fallback>
+        <mc:Fallback xmlns="">
           <p:sp>
             <p:nvSpPr>
               <p:cNvPr id="30" name="CasellaDiTesto 29">
@@ -22693,8 +22708,8 @@
           </p:sp>
         </mc:Fallback>
       </mc:AlternateContent>
-      <mc:AlternateContent xmlns:mc="http://schemas.openxmlformats.org/markup-compatibility/2006">
-        <mc:Choice xmlns:a14="http://schemas.microsoft.com/office/drawing/2010/main" Requires="a14">
+      <mc:AlternateContent xmlns:mc="http://schemas.openxmlformats.org/markup-compatibility/2006" xmlns:a14="http://schemas.microsoft.com/office/drawing/2010/main">
+        <mc:Choice Requires="a14">
           <p:sp>
             <p:nvSpPr>
               <p:cNvPr id="31" name="CasellaDiTesto 30">
@@ -22777,7 +22792,7 @@
             </p:txBody>
           </p:sp>
         </mc:Choice>
-        <mc:Fallback>
+        <mc:Fallback xmlns="">
           <p:sp>
             <p:nvSpPr>
               <p:cNvPr id="31" name="CasellaDiTesto 30">
@@ -34200,7 +34215,7 @@
           </p:nvSpPr>
           <p:spPr>
             <a:xfrm>
-              <a:off x="4733930" y="1088112"/>
+              <a:off x="4724405" y="1088112"/>
               <a:ext cx="681044" cy="338554"/>
             </a:xfrm>
             <a:prstGeom prst="rect">
@@ -34552,10 +34567,13 @@
                           </m:e>
                           <m:sub>
                             <m:r>
-                              <a:rPr lang="it-IT" b="0" i="1" smtClean="0">
+                              <m:rPr>
+                                <m:sty m:val="p"/>
+                              </m:rPr>
+                              <a:rPr lang="it-IT" b="0" i="0" smtClean="0">
                                 <a:latin typeface="Cambria Math" panose="02040503050406030204" pitchFamily="18" charset="0"/>
                               </a:rPr>
-                              <m:t>𝑜𝑢𝑡</m:t>
+                              <m:t>out</m:t>
                             </m:r>
                           </m:sub>
                         </m:sSub>
@@ -34593,7 +34611,7 @@
                 <a:blipFill>
                   <a:blip r:embed="rId4"/>
                   <a:stretch>
-                    <a:fillRect l="-5618"/>
+                    <a:fillRect l="-4494"/>
                   </a:stretch>
                 </a:blipFill>
               </p:spPr>
@@ -34670,10 +34688,13 @@
                           </m:e>
                           <m:sub>
                             <m:r>
-                              <a:rPr lang="it-IT" b="0" i="1" smtClean="0">
+                              <m:rPr>
+                                <m:sty m:val="p"/>
+                              </m:rPr>
+                              <a:rPr lang="it-IT" b="0" i="0" smtClean="0">
                                 <a:latin typeface="Cambria Math" panose="02040503050406030204" pitchFamily="18" charset="0"/>
                               </a:rPr>
-                              <m:t>𝑖𝑛</m:t>
+                              <m:t>in</m:t>
                             </m:r>
                           </m:sub>
                         </m:sSub>
@@ -36953,8 +36974,8 @@
           </p:sp>
         </mc:Fallback>
       </mc:AlternateContent>
-      <mc:AlternateContent xmlns:mc="http://schemas.openxmlformats.org/markup-compatibility/2006" xmlns:a14="http://schemas.microsoft.com/office/drawing/2010/main">
-        <mc:Choice Requires="a14">
+      <mc:AlternateContent xmlns:mc="http://schemas.openxmlformats.org/markup-compatibility/2006">
+        <mc:Choice xmlns:a14="http://schemas.microsoft.com/office/drawing/2010/main" Requires="a14">
           <p:sp>
             <p:nvSpPr>
               <p:cNvPr id="63" name="CasellaDiTesto 62">
@@ -37011,10 +37032,13 @@
                         </m:e>
                         <m:sub>
                           <m:r>
-                            <a:rPr lang="it-IT" b="0" i="1" smtClean="0">
+                            <m:rPr>
+                              <m:sty m:val="p"/>
+                            </m:rPr>
+                            <a:rPr lang="it-IT" b="0" i="0" smtClean="0">
                               <a:latin typeface="Cambria Math" panose="02040503050406030204" pitchFamily="18" charset="0"/>
                             </a:rPr>
-                            <m:t>𝑜𝑢𝑡</m:t>
+                            <m:t>out</m:t>
                           </m:r>
                         </m:sub>
                       </m:sSub>
@@ -37026,7 +37050,7 @@
             </p:txBody>
           </p:sp>
         </mc:Choice>
-        <mc:Fallback xmlns="">
+        <mc:Fallback>
           <p:sp>
             <p:nvSpPr>
               <p:cNvPr id="63" name="CasellaDiTesto 62">
@@ -37052,7 +37076,7 @@
               <a:blipFill>
                 <a:blip r:embed="rId4"/>
                 <a:stretch>
-                  <a:fillRect l="-5618"/>
+                  <a:fillRect l="-4494"/>
                 </a:stretch>
               </a:blipFill>
             </p:spPr>
@@ -37071,8 +37095,8 @@
           </p:sp>
         </mc:Fallback>
       </mc:AlternateContent>
-      <mc:AlternateContent xmlns:mc="http://schemas.openxmlformats.org/markup-compatibility/2006" xmlns:a14="http://schemas.microsoft.com/office/drawing/2010/main">
-        <mc:Choice Requires="a14">
+      <mc:AlternateContent xmlns:mc="http://schemas.openxmlformats.org/markup-compatibility/2006">
+        <mc:Choice xmlns:a14="http://schemas.microsoft.com/office/drawing/2010/main" Requires="a14">
           <p:sp>
             <p:nvSpPr>
               <p:cNvPr id="64" name="CasellaDiTesto 63">
@@ -37129,10 +37153,13 @@
                         </m:e>
                         <m:sub>
                           <m:r>
-                            <a:rPr lang="it-IT" b="0" i="1" smtClean="0">
+                            <m:rPr>
+                              <m:sty m:val="p"/>
+                            </m:rPr>
+                            <a:rPr lang="it-IT" b="0" i="0" smtClean="0">
                               <a:latin typeface="Cambria Math" panose="02040503050406030204" pitchFamily="18" charset="0"/>
                             </a:rPr>
-                            <m:t>𝑖𝑛</m:t>
+                            <m:t>in</m:t>
                           </m:r>
                         </m:sub>
                       </m:sSub>
@@ -37144,7 +37171,7 @@
             </p:txBody>
           </p:sp>
         </mc:Choice>
-        <mc:Fallback xmlns="">
+        <mc:Fallback>
           <p:sp>
             <p:nvSpPr>
               <p:cNvPr id="64" name="CasellaDiTesto 63">
@@ -37682,8 +37709,8 @@
           </a:fontRef>
         </p:style>
       </p:cxnSp>
-      <mc:AlternateContent xmlns:mc="http://schemas.openxmlformats.org/markup-compatibility/2006" xmlns:a14="http://schemas.microsoft.com/office/drawing/2010/main">
-        <mc:Choice Requires="a14">
+      <mc:AlternateContent xmlns:mc="http://schemas.openxmlformats.org/markup-compatibility/2006">
+        <mc:Choice xmlns:a14="http://schemas.microsoft.com/office/drawing/2010/main" Requires="a14">
           <p:sp>
             <p:nvSpPr>
               <p:cNvPr id="18" name="CasellaDiTesto 17">
@@ -37740,10 +37767,13 @@
                         </m:e>
                         <m:sub>
                           <m:r>
-                            <a:rPr lang="it-IT" b="0" i="1" smtClean="0">
+                            <m:rPr>
+                              <m:sty m:val="p"/>
+                            </m:rPr>
+                            <a:rPr lang="it-IT" b="0" i="0" smtClean="0">
                               <a:latin typeface="Cambria Math" panose="02040503050406030204" pitchFamily="18" charset="0"/>
                             </a:rPr>
-                            <m:t>𝑜𝑢𝑡</m:t>
+                            <m:t>out</m:t>
                           </m:r>
                         </m:sub>
                       </m:sSub>
@@ -37755,7 +37785,7 @@
             </p:txBody>
           </p:sp>
         </mc:Choice>
-        <mc:Fallback xmlns="">
+        <mc:Fallback>
           <p:sp>
             <p:nvSpPr>
               <p:cNvPr id="18" name="CasellaDiTesto 17">
@@ -37781,7 +37811,7 @@
               <a:blipFill>
                 <a:blip r:embed="rId2"/>
                 <a:stretch>
-                  <a:fillRect l="-6818"/>
+                  <a:fillRect l="-5682"/>
                 </a:stretch>
               </a:blipFill>
             </p:spPr>
@@ -37800,8 +37830,8 @@
           </p:sp>
         </mc:Fallback>
       </mc:AlternateContent>
-      <mc:AlternateContent xmlns:mc="http://schemas.openxmlformats.org/markup-compatibility/2006" xmlns:a14="http://schemas.microsoft.com/office/drawing/2010/main">
-        <mc:Choice Requires="a14">
+      <mc:AlternateContent xmlns:mc="http://schemas.openxmlformats.org/markup-compatibility/2006">
+        <mc:Choice xmlns:a14="http://schemas.microsoft.com/office/drawing/2010/main" Requires="a14">
           <p:sp>
             <p:nvSpPr>
               <p:cNvPr id="19" name="CasellaDiTesto 18">
@@ -37858,10 +37888,13 @@
                         </m:e>
                         <m:sub>
                           <m:r>
-                            <a:rPr lang="it-IT" b="0" i="1" smtClean="0">
+                            <m:rPr>
+                              <m:sty m:val="p"/>
+                            </m:rPr>
+                            <a:rPr lang="it-IT" b="0" i="0" smtClean="0">
                               <a:latin typeface="Cambria Math" panose="02040503050406030204" pitchFamily="18" charset="0"/>
                             </a:rPr>
-                            <m:t>𝑖𝑛</m:t>
+                            <m:t>in</m:t>
                           </m:r>
                         </m:sub>
                       </m:sSub>
@@ -37873,7 +37906,7 @@
             </p:txBody>
           </p:sp>
         </mc:Choice>
-        <mc:Fallback xmlns="">
+        <mc:Fallback>
           <p:sp>
             <p:nvSpPr>
               <p:cNvPr id="19" name="CasellaDiTesto 18">
@@ -38827,8 +38860,8 @@
           </a:fontRef>
         </p:style>
       </p:cxnSp>
-      <mc:AlternateContent xmlns:mc="http://schemas.openxmlformats.org/markup-compatibility/2006" xmlns:a14="http://schemas.microsoft.com/office/drawing/2010/main">
-        <mc:Choice Requires="a14">
+      <mc:AlternateContent xmlns:mc="http://schemas.openxmlformats.org/markup-compatibility/2006">
+        <mc:Choice xmlns:a14="http://schemas.microsoft.com/office/drawing/2010/main" Requires="a14">
           <p:sp>
             <p:nvSpPr>
               <p:cNvPr id="18" name="CasellaDiTesto 17">
@@ -38885,10 +38918,13 @@
                         </m:e>
                         <m:sub>
                           <m:r>
-                            <a:rPr lang="it-IT" b="0" i="1" smtClean="0">
+                            <m:rPr>
+                              <m:sty m:val="p"/>
+                            </m:rPr>
+                            <a:rPr lang="it-IT" b="0" i="0" smtClean="0">
                               <a:latin typeface="Cambria Math" panose="02040503050406030204" pitchFamily="18" charset="0"/>
                             </a:rPr>
-                            <m:t>𝑜𝑢𝑡</m:t>
+                            <m:t>out</m:t>
                           </m:r>
                         </m:sub>
                       </m:sSub>
@@ -38900,7 +38936,7 @@
             </p:txBody>
           </p:sp>
         </mc:Choice>
-        <mc:Fallback xmlns="">
+        <mc:Fallback>
           <p:sp>
             <p:nvSpPr>
               <p:cNvPr id="18" name="CasellaDiTesto 17">
@@ -38926,7 +38962,7 @@
               <a:blipFill>
                 <a:blip r:embed="rId2"/>
                 <a:stretch>
-                  <a:fillRect l="-5618"/>
+                  <a:fillRect l="-4494"/>
                 </a:stretch>
               </a:blipFill>
             </p:spPr>
@@ -38945,8 +38981,8 @@
           </p:sp>
         </mc:Fallback>
       </mc:AlternateContent>
-      <mc:AlternateContent xmlns:mc="http://schemas.openxmlformats.org/markup-compatibility/2006" xmlns:a14="http://schemas.microsoft.com/office/drawing/2010/main">
-        <mc:Choice Requires="a14">
+      <mc:AlternateContent xmlns:mc="http://schemas.openxmlformats.org/markup-compatibility/2006">
+        <mc:Choice xmlns:a14="http://schemas.microsoft.com/office/drawing/2010/main" Requires="a14">
           <p:sp>
             <p:nvSpPr>
               <p:cNvPr id="19" name="CasellaDiTesto 18">
@@ -39003,10 +39039,13 @@
                         </m:e>
                         <m:sub>
                           <m:r>
-                            <a:rPr lang="it-IT" b="0" i="1" smtClean="0">
+                            <m:rPr>
+                              <m:sty m:val="p"/>
+                            </m:rPr>
+                            <a:rPr lang="it-IT" b="0" i="0" smtClean="0">
                               <a:latin typeface="Cambria Math" panose="02040503050406030204" pitchFamily="18" charset="0"/>
                             </a:rPr>
-                            <m:t>𝑖𝑛</m:t>
+                            <m:t>in</m:t>
                           </m:r>
                         </m:sub>
                       </m:sSub>
@@ -39018,7 +39057,7 @@
             </p:txBody>
           </p:sp>
         </mc:Choice>
-        <mc:Fallback xmlns="">
+        <mc:Fallback>
           <p:sp>
             <p:nvSpPr>
               <p:cNvPr id="19" name="CasellaDiTesto 18">
@@ -39063,8 +39102,8 @@
           </p:sp>
         </mc:Fallback>
       </mc:AlternateContent>
-      <mc:AlternateContent xmlns:mc="http://schemas.openxmlformats.org/markup-compatibility/2006" xmlns:a14="http://schemas.microsoft.com/office/drawing/2010/main">
-        <mc:Choice Requires="a14">
+      <mc:AlternateContent xmlns:mc="http://schemas.openxmlformats.org/markup-compatibility/2006">
+        <mc:Choice xmlns:a14="http://schemas.microsoft.com/office/drawing/2010/main" Requires="a14">
           <p:sp>
             <p:nvSpPr>
               <p:cNvPr id="20" name="CasellaDiTesto 19">
@@ -39121,10 +39160,13 @@
                         </m:e>
                         <m:sub>
                           <m:r>
-                            <a:rPr lang="it-IT" b="0" i="1" smtClean="0">
+                            <m:rPr>
+                              <m:sty m:val="p"/>
+                            </m:rPr>
+                            <a:rPr lang="it-IT" b="0" i="0" smtClean="0">
                               <a:latin typeface="Cambria Math" panose="02040503050406030204" pitchFamily="18" charset="0"/>
                             </a:rPr>
-                            <m:t>𝑠𝑦𝑚</m:t>
+                            <m:t>sym</m:t>
                           </m:r>
                         </m:sub>
                       </m:sSub>
@@ -39136,7 +39178,7 @@
             </p:txBody>
           </p:sp>
         </mc:Choice>
-        <mc:Fallback xmlns="">
+        <mc:Fallback>
           <p:sp>
             <p:nvSpPr>
               <p:cNvPr id="20" name="CasellaDiTesto 19">
@@ -39162,7 +39204,7 @@
               <a:blipFill>
                 <a:blip r:embed="rId4"/>
                 <a:stretch>
-                  <a:fillRect l="-12500" b="-3125"/>
+                  <a:fillRect l="-11364" b="-6250"/>
                 </a:stretch>
               </a:blipFill>
             </p:spPr>

--- a/img/celle.pptx
+++ b/img/celle.pptx
@@ -219,7 +219,7 @@
           <a:p>
             <a:fld id="{76BCBF0C-CE44-499E-BCEB-7948FB131314}" type="datetimeFigureOut">
               <a:rPr lang="it-IT" smtClean="0"/>
-              <a:t>26/02/2019</a:t>
+              <a:t>03/03/2019</a:t>
             </a:fld>
             <a:endParaRPr lang="it-IT"/>
           </a:p>
@@ -633,7 +633,7 @@
           <a:p>
             <a:fld id="{73B341DB-7226-48ED-93C6-4CA0570B6B59}" type="datetimeFigureOut">
               <a:rPr lang="it-IT" smtClean="0"/>
-              <a:t>26/02/2019</a:t>
+              <a:t>03/03/2019</a:t>
             </a:fld>
             <a:endParaRPr lang="it-IT"/>
           </a:p>
@@ -831,7 +831,7 @@
           <a:p>
             <a:fld id="{73B341DB-7226-48ED-93C6-4CA0570B6B59}" type="datetimeFigureOut">
               <a:rPr lang="it-IT" smtClean="0"/>
-              <a:t>26/02/2019</a:t>
+              <a:t>03/03/2019</a:t>
             </a:fld>
             <a:endParaRPr lang="it-IT"/>
           </a:p>
@@ -1039,7 +1039,7 @@
           <a:p>
             <a:fld id="{73B341DB-7226-48ED-93C6-4CA0570B6B59}" type="datetimeFigureOut">
               <a:rPr lang="it-IT" smtClean="0"/>
-              <a:t>26/02/2019</a:t>
+              <a:t>03/03/2019</a:t>
             </a:fld>
             <a:endParaRPr lang="it-IT"/>
           </a:p>
@@ -1259,7 +1259,7 @@
           <a:p>
             <a:fld id="{6A95F648-2F94-41D1-A59D-39CB3696F9AB}" type="datetimeFigureOut">
               <a:rPr lang="it-IT" smtClean="0"/>
-              <a:t>26/02/2019</a:t>
+              <a:t>03/03/2019</a:t>
             </a:fld>
             <a:endParaRPr lang="it-IT"/>
           </a:p>
@@ -1457,7 +1457,7 @@
           <a:p>
             <a:fld id="{6A95F648-2F94-41D1-A59D-39CB3696F9AB}" type="datetimeFigureOut">
               <a:rPr lang="it-IT" smtClean="0"/>
-              <a:t>26/02/2019</a:t>
+              <a:t>03/03/2019</a:t>
             </a:fld>
             <a:endParaRPr lang="it-IT"/>
           </a:p>
@@ -1732,7 +1732,7 @@
           <a:p>
             <a:fld id="{6A95F648-2F94-41D1-A59D-39CB3696F9AB}" type="datetimeFigureOut">
               <a:rPr lang="it-IT" smtClean="0"/>
-              <a:t>26/02/2019</a:t>
+              <a:t>03/03/2019</a:t>
             </a:fld>
             <a:endParaRPr lang="it-IT"/>
           </a:p>
@@ -1997,7 +1997,7 @@
           <a:p>
             <a:fld id="{6A95F648-2F94-41D1-A59D-39CB3696F9AB}" type="datetimeFigureOut">
               <a:rPr lang="it-IT" smtClean="0"/>
-              <a:t>26/02/2019</a:t>
+              <a:t>03/03/2019</a:t>
             </a:fld>
             <a:endParaRPr lang="it-IT"/>
           </a:p>
@@ -2409,7 +2409,7 @@
           <a:p>
             <a:fld id="{6A95F648-2F94-41D1-A59D-39CB3696F9AB}" type="datetimeFigureOut">
               <a:rPr lang="it-IT" smtClean="0"/>
-              <a:t>26/02/2019</a:t>
+              <a:t>03/03/2019</a:t>
             </a:fld>
             <a:endParaRPr lang="it-IT"/>
           </a:p>
@@ -2550,7 +2550,7 @@
           <a:p>
             <a:fld id="{6A95F648-2F94-41D1-A59D-39CB3696F9AB}" type="datetimeFigureOut">
               <a:rPr lang="it-IT" smtClean="0"/>
-              <a:t>26/02/2019</a:t>
+              <a:t>03/03/2019</a:t>
             </a:fld>
             <a:endParaRPr lang="it-IT"/>
           </a:p>
@@ -2663,7 +2663,7 @@
           <a:p>
             <a:fld id="{6A95F648-2F94-41D1-A59D-39CB3696F9AB}" type="datetimeFigureOut">
               <a:rPr lang="it-IT" smtClean="0"/>
-              <a:t>26/02/2019</a:t>
+              <a:t>03/03/2019</a:t>
             </a:fld>
             <a:endParaRPr lang="it-IT"/>
           </a:p>
@@ -2974,7 +2974,7 @@
           <a:p>
             <a:fld id="{6A95F648-2F94-41D1-A59D-39CB3696F9AB}" type="datetimeFigureOut">
               <a:rPr lang="it-IT" smtClean="0"/>
-              <a:t>26/02/2019</a:t>
+              <a:t>03/03/2019</a:t>
             </a:fld>
             <a:endParaRPr lang="it-IT"/>
           </a:p>
@@ -3172,7 +3172,7 @@
           <a:p>
             <a:fld id="{73B341DB-7226-48ED-93C6-4CA0570B6B59}" type="datetimeFigureOut">
               <a:rPr lang="it-IT" smtClean="0"/>
-              <a:t>26/02/2019</a:t>
+              <a:t>03/03/2019</a:t>
             </a:fld>
             <a:endParaRPr lang="it-IT"/>
           </a:p>
@@ -3460,7 +3460,7 @@
           <a:p>
             <a:fld id="{6A95F648-2F94-41D1-A59D-39CB3696F9AB}" type="datetimeFigureOut">
               <a:rPr lang="it-IT" smtClean="0"/>
-              <a:t>26/02/2019</a:t>
+              <a:t>03/03/2019</a:t>
             </a:fld>
             <a:endParaRPr lang="it-IT"/>
           </a:p>
@@ -3658,7 +3658,7 @@
           <a:p>
             <a:fld id="{6A95F648-2F94-41D1-A59D-39CB3696F9AB}" type="datetimeFigureOut">
               <a:rPr lang="it-IT" smtClean="0"/>
-              <a:t>26/02/2019</a:t>
+              <a:t>03/03/2019</a:t>
             </a:fld>
             <a:endParaRPr lang="it-IT"/>
           </a:p>
@@ -3866,7 +3866,7 @@
           <a:p>
             <a:fld id="{6A95F648-2F94-41D1-A59D-39CB3696F9AB}" type="datetimeFigureOut">
               <a:rPr lang="it-IT" smtClean="0"/>
-              <a:t>26/02/2019</a:t>
+              <a:t>03/03/2019</a:t>
             </a:fld>
             <a:endParaRPr lang="it-IT"/>
           </a:p>
@@ -4141,7 +4141,7 @@
           <a:p>
             <a:fld id="{73B341DB-7226-48ED-93C6-4CA0570B6B59}" type="datetimeFigureOut">
               <a:rPr lang="it-IT" smtClean="0"/>
-              <a:t>26/02/2019</a:t>
+              <a:t>03/03/2019</a:t>
             </a:fld>
             <a:endParaRPr lang="it-IT"/>
           </a:p>
@@ -4406,7 +4406,7 @@
           <a:p>
             <a:fld id="{73B341DB-7226-48ED-93C6-4CA0570B6B59}" type="datetimeFigureOut">
               <a:rPr lang="it-IT" smtClean="0"/>
-              <a:t>26/02/2019</a:t>
+              <a:t>03/03/2019</a:t>
             </a:fld>
             <a:endParaRPr lang="it-IT"/>
           </a:p>
@@ -4818,7 +4818,7 @@
           <a:p>
             <a:fld id="{73B341DB-7226-48ED-93C6-4CA0570B6B59}" type="datetimeFigureOut">
               <a:rPr lang="it-IT" smtClean="0"/>
-              <a:t>26/02/2019</a:t>
+              <a:t>03/03/2019</a:t>
             </a:fld>
             <a:endParaRPr lang="it-IT"/>
           </a:p>
@@ -4959,7 +4959,7 @@
           <a:p>
             <a:fld id="{73B341DB-7226-48ED-93C6-4CA0570B6B59}" type="datetimeFigureOut">
               <a:rPr lang="it-IT" smtClean="0"/>
-              <a:t>26/02/2019</a:t>
+              <a:t>03/03/2019</a:t>
             </a:fld>
             <a:endParaRPr lang="it-IT"/>
           </a:p>
@@ -5072,7 +5072,7 @@
           <a:p>
             <a:fld id="{73B341DB-7226-48ED-93C6-4CA0570B6B59}" type="datetimeFigureOut">
               <a:rPr lang="it-IT" smtClean="0"/>
-              <a:t>26/02/2019</a:t>
+              <a:t>03/03/2019</a:t>
             </a:fld>
             <a:endParaRPr lang="it-IT"/>
           </a:p>
@@ -5383,7 +5383,7 @@
           <a:p>
             <a:fld id="{73B341DB-7226-48ED-93C6-4CA0570B6B59}" type="datetimeFigureOut">
               <a:rPr lang="it-IT" smtClean="0"/>
-              <a:t>26/02/2019</a:t>
+              <a:t>03/03/2019</a:t>
             </a:fld>
             <a:endParaRPr lang="it-IT"/>
           </a:p>
@@ -5671,7 +5671,7 @@
           <a:p>
             <a:fld id="{73B341DB-7226-48ED-93C6-4CA0570B6B59}" type="datetimeFigureOut">
               <a:rPr lang="it-IT" smtClean="0"/>
-              <a:t>26/02/2019</a:t>
+              <a:t>03/03/2019</a:t>
             </a:fld>
             <a:endParaRPr lang="it-IT"/>
           </a:p>
@@ -5912,7 +5912,7 @@
           <a:p>
             <a:fld id="{73B341DB-7226-48ED-93C6-4CA0570B6B59}" type="datetimeFigureOut">
               <a:rPr lang="it-IT" smtClean="0"/>
-              <a:t>26/02/2019</a:t>
+              <a:t>03/03/2019</a:t>
             </a:fld>
             <a:endParaRPr lang="it-IT"/>
           </a:p>
@@ -6480,7 +6480,7 @@
           <a:p>
             <a:fld id="{6A95F648-2F94-41D1-A59D-39CB3696F9AB}" type="datetimeFigureOut">
               <a:rPr lang="it-IT" smtClean="0"/>
-              <a:t>26/02/2019</a:t>
+              <a:t>03/03/2019</a:t>
             </a:fld>
             <a:endParaRPr lang="it-IT"/>
           </a:p>
@@ -7922,8 +7922,8 @@
           </a:fontRef>
         </p:style>
       </p:cxnSp>
-      <mc:AlternateContent xmlns:mc="http://schemas.openxmlformats.org/markup-compatibility/2006">
-        <mc:Choice xmlns:a14="http://schemas.microsoft.com/office/drawing/2010/main" Requires="a14">
+      <mc:AlternateContent xmlns:mc="http://schemas.openxmlformats.org/markup-compatibility/2006" xmlns:a14="http://schemas.microsoft.com/office/drawing/2010/main">
+        <mc:Choice Requires="a14">
           <p:sp>
             <p:nvSpPr>
               <p:cNvPr id="20" name="CasellaDiTesto 19">
@@ -7998,7 +7998,7 @@
             </p:txBody>
           </p:sp>
         </mc:Choice>
-        <mc:Fallback>
+        <mc:Fallback xmlns="">
           <p:sp>
             <p:nvSpPr>
               <p:cNvPr id="20" name="CasellaDiTesto 19">
@@ -8776,8 +8776,8 @@
           </p:sp>
         </mc:Fallback>
       </mc:AlternateContent>
-      <mc:AlternateContent xmlns:mc="http://schemas.openxmlformats.org/markup-compatibility/2006">
-        <mc:Choice xmlns:a14="http://schemas.microsoft.com/office/drawing/2010/main" Requires="a14">
+      <mc:AlternateContent xmlns:mc="http://schemas.openxmlformats.org/markup-compatibility/2006" xmlns:a14="http://schemas.microsoft.com/office/drawing/2010/main">
+        <mc:Choice Requires="a14">
           <p:sp>
             <p:nvSpPr>
               <p:cNvPr id="44" name="CasellaDiTesto 43">
@@ -8852,7 +8852,7 @@
             </p:txBody>
           </p:sp>
         </mc:Choice>
-        <mc:Fallback>
+        <mc:Fallback xmlns="">
           <p:sp>
             <p:nvSpPr>
               <p:cNvPr id="44" name="CasellaDiTesto 43">
@@ -8897,8 +8897,8 @@
           </p:sp>
         </mc:Fallback>
       </mc:AlternateContent>
-      <mc:AlternateContent xmlns:mc="http://schemas.openxmlformats.org/markup-compatibility/2006">
-        <mc:Choice xmlns:a14="http://schemas.microsoft.com/office/drawing/2010/main" Requires="a14">
+      <mc:AlternateContent xmlns:mc="http://schemas.openxmlformats.org/markup-compatibility/2006" xmlns:a14="http://schemas.microsoft.com/office/drawing/2010/main">
+        <mc:Choice Requires="a14">
           <p:sp>
             <p:nvSpPr>
               <p:cNvPr id="45" name="CasellaDiTesto 44">
@@ -8973,7 +8973,7 @@
             </p:txBody>
           </p:sp>
         </mc:Choice>
-        <mc:Fallback>
+        <mc:Fallback xmlns="">
           <p:sp>
             <p:nvSpPr>
               <p:cNvPr id="45" name="CasellaDiTesto 44">
@@ -9018,8 +9018,8 @@
           </p:sp>
         </mc:Fallback>
       </mc:AlternateContent>
-      <mc:AlternateContent xmlns:mc="http://schemas.openxmlformats.org/markup-compatibility/2006">
-        <mc:Choice xmlns:a14="http://schemas.microsoft.com/office/drawing/2010/main" Requires="a14">
+      <mc:AlternateContent xmlns:mc="http://schemas.openxmlformats.org/markup-compatibility/2006" xmlns:a14="http://schemas.microsoft.com/office/drawing/2010/main">
+        <mc:Choice Requires="a14">
           <p:sp>
             <p:nvSpPr>
               <p:cNvPr id="48" name="CasellaDiTesto 47">
@@ -9094,7 +9094,7 @@
             </p:txBody>
           </p:sp>
         </mc:Choice>
-        <mc:Fallback>
+        <mc:Fallback xmlns="">
           <p:sp>
             <p:nvSpPr>
               <p:cNvPr id="48" name="CasellaDiTesto 47">
@@ -9139,8 +9139,8 @@
           </p:sp>
         </mc:Fallback>
       </mc:AlternateContent>
-      <mc:AlternateContent xmlns:mc="http://schemas.openxmlformats.org/markup-compatibility/2006">
-        <mc:Choice xmlns:a14="http://schemas.microsoft.com/office/drawing/2010/main" Requires="a14">
+      <mc:AlternateContent xmlns:mc="http://schemas.openxmlformats.org/markup-compatibility/2006" xmlns:a14="http://schemas.microsoft.com/office/drawing/2010/main">
+        <mc:Choice Requires="a14">
           <p:sp>
             <p:nvSpPr>
               <p:cNvPr id="49" name="CasellaDiTesto 48">
@@ -9215,7 +9215,7 @@
             </p:txBody>
           </p:sp>
         </mc:Choice>
-        <mc:Fallback>
+        <mc:Fallback xmlns="">
           <p:sp>
             <p:nvSpPr>
               <p:cNvPr id="49" name="CasellaDiTesto 48">
@@ -22819,6 +22819,628 @@
                 <a:blip r:embed="rId8"/>
                 <a:stretch>
                   <a:fillRect l="-11538" t="-1961" r="-9615" b="-19608"/>
+                </a:stretch>
+              </a:blipFill>
+            </p:spPr>
+            <p:txBody>
+              <a:bodyPr/>
+              <a:lstStyle/>
+              <a:p>
+                <a:r>
+                  <a:rPr lang="it-IT">
+                    <a:noFill/>
+                  </a:rPr>
+                  <a:t> </a:t>
+                </a:r>
+              </a:p>
+            </p:txBody>
+          </p:sp>
+        </mc:Fallback>
+      </mc:AlternateContent>
+      <p:cxnSp>
+        <p:nvCxnSpPr>
+          <p:cNvPr id="32" name="Connettore diritto 31">
+            <a:extLst>
+              <a:ext uri="{FF2B5EF4-FFF2-40B4-BE49-F238E27FC236}">
+                <a16:creationId xmlns:a16="http://schemas.microsoft.com/office/drawing/2014/main" id="{71EFF2E0-12E0-40CC-B9B2-4837E036A458}"/>
+              </a:ext>
+            </a:extLst>
+          </p:cNvPr>
+          <p:cNvCxnSpPr/>
+          <p:nvPr/>
+        </p:nvCxnSpPr>
+        <p:spPr>
+          <a:xfrm>
+            <a:off x="5040000" y="900000"/>
+            <a:ext cx="0" cy="3240000"/>
+          </a:xfrm>
+          <a:prstGeom prst="line">
+            <a:avLst/>
+          </a:prstGeom>
+          <a:ln w="12700" cap="sq">
+            <a:headEnd type="arrow"/>
+          </a:ln>
+        </p:spPr>
+        <p:style>
+          <a:lnRef idx="1">
+            <a:schemeClr val="dk1"/>
+          </a:lnRef>
+          <a:fillRef idx="0">
+            <a:schemeClr val="dk1"/>
+          </a:fillRef>
+          <a:effectRef idx="0">
+            <a:schemeClr val="dk1"/>
+          </a:effectRef>
+          <a:fontRef idx="minor">
+            <a:schemeClr val="tx1"/>
+          </a:fontRef>
+        </p:style>
+      </p:cxnSp>
+      <p:cxnSp>
+        <p:nvCxnSpPr>
+          <p:cNvPr id="33" name="Connettore diritto 32">
+            <a:extLst>
+              <a:ext uri="{FF2B5EF4-FFF2-40B4-BE49-F238E27FC236}">
+                <a16:creationId xmlns:a16="http://schemas.microsoft.com/office/drawing/2014/main" id="{717C5478-4FE0-454E-930A-8EF7691D8F88}"/>
+              </a:ext>
+            </a:extLst>
+          </p:cNvPr>
+          <p:cNvCxnSpPr/>
+          <p:nvPr/>
+        </p:nvCxnSpPr>
+        <p:spPr>
+          <a:xfrm>
+            <a:off x="5004000" y="1800000"/>
+            <a:ext cx="72000" cy="0"/>
+          </a:xfrm>
+          <a:prstGeom prst="line">
+            <a:avLst/>
+          </a:prstGeom>
+          <a:ln w="12700" cap="sq"/>
+        </p:spPr>
+        <p:style>
+          <a:lnRef idx="1">
+            <a:schemeClr val="dk1"/>
+          </a:lnRef>
+          <a:fillRef idx="0">
+            <a:schemeClr val="dk1"/>
+          </a:fillRef>
+          <a:effectRef idx="0">
+            <a:schemeClr val="dk1"/>
+          </a:effectRef>
+          <a:fontRef idx="minor">
+            <a:schemeClr val="tx1"/>
+          </a:fontRef>
+        </p:style>
+      </p:cxnSp>
+      <p:cxnSp>
+        <p:nvCxnSpPr>
+          <p:cNvPr id="34" name="Connettore diritto 33">
+            <a:extLst>
+              <a:ext uri="{FF2B5EF4-FFF2-40B4-BE49-F238E27FC236}">
+                <a16:creationId xmlns:a16="http://schemas.microsoft.com/office/drawing/2014/main" id="{3E7890C8-45E0-4495-A073-1900DBEE7332}"/>
+              </a:ext>
+            </a:extLst>
+          </p:cNvPr>
+          <p:cNvCxnSpPr/>
+          <p:nvPr/>
+        </p:nvCxnSpPr>
+        <p:spPr>
+          <a:xfrm>
+            <a:off x="5004000" y="2520000"/>
+            <a:ext cx="72000" cy="0"/>
+          </a:xfrm>
+          <a:prstGeom prst="line">
+            <a:avLst/>
+          </a:prstGeom>
+          <a:ln w="12700" cap="sq"/>
+        </p:spPr>
+        <p:style>
+          <a:lnRef idx="1">
+            <a:schemeClr val="dk1"/>
+          </a:lnRef>
+          <a:fillRef idx="0">
+            <a:schemeClr val="dk1"/>
+          </a:fillRef>
+          <a:effectRef idx="0">
+            <a:schemeClr val="dk1"/>
+          </a:effectRef>
+          <a:fontRef idx="minor">
+            <a:schemeClr val="tx1"/>
+          </a:fontRef>
+        </p:style>
+      </p:cxnSp>
+      <p:cxnSp>
+        <p:nvCxnSpPr>
+          <p:cNvPr id="35" name="Connettore diritto 34">
+            <a:extLst>
+              <a:ext uri="{FF2B5EF4-FFF2-40B4-BE49-F238E27FC236}">
+                <a16:creationId xmlns:a16="http://schemas.microsoft.com/office/drawing/2014/main" id="{C778D4F7-16A6-4FEB-B090-F3857F4D27C6}"/>
+              </a:ext>
+            </a:extLst>
+          </p:cNvPr>
+          <p:cNvCxnSpPr/>
+          <p:nvPr/>
+        </p:nvCxnSpPr>
+        <p:spPr>
+          <a:xfrm>
+            <a:off x="5004000" y="3240000"/>
+            <a:ext cx="72000" cy="0"/>
+          </a:xfrm>
+          <a:prstGeom prst="line">
+            <a:avLst/>
+          </a:prstGeom>
+          <a:ln w="12700" cap="sq"/>
+        </p:spPr>
+        <p:style>
+          <a:lnRef idx="1">
+            <a:schemeClr val="dk1"/>
+          </a:lnRef>
+          <a:fillRef idx="0">
+            <a:schemeClr val="dk1"/>
+          </a:fillRef>
+          <a:effectRef idx="0">
+            <a:schemeClr val="dk1"/>
+          </a:effectRef>
+          <a:fontRef idx="minor">
+            <a:schemeClr val="tx1"/>
+          </a:fontRef>
+        </p:style>
+      </p:cxnSp>
+      <mc:AlternateContent xmlns:mc="http://schemas.openxmlformats.org/markup-compatibility/2006" xmlns:a14="http://schemas.microsoft.com/office/drawing/2010/main">
+        <mc:Choice Requires="a14">
+          <p:sp>
+            <p:nvSpPr>
+              <p:cNvPr id="36" name="CasellaDiTesto 35">
+                <a:extLst>
+                  <a:ext uri="{FF2B5EF4-FFF2-40B4-BE49-F238E27FC236}">
+                    <a16:creationId xmlns:a16="http://schemas.microsoft.com/office/drawing/2014/main" id="{BC9BA850-D1B8-4DB0-9948-D60650EEC293}"/>
+                  </a:ext>
+                </a:extLst>
+              </p:cNvPr>
+              <p:cNvSpPr txBox="1"/>
+              <p:nvPr/>
+            </p:nvSpPr>
+            <p:spPr>
+              <a:xfrm>
+                <a:off x="5094000" y="2340000"/>
+                <a:ext cx="317395" cy="290208"/>
+              </a:xfrm>
+              <a:prstGeom prst="rect">
+                <a:avLst/>
+              </a:prstGeom>
+              <a:noFill/>
+            </p:spPr>
+            <p:txBody>
+              <a:bodyPr wrap="none" lIns="0" tIns="0" rIns="0" bIns="0" rtlCol="0">
+                <a:spAutoFit/>
+              </a:bodyPr>
+              <a:lstStyle/>
+              <a:p>
+                <a:pPr/>
+                <a14:m>
+                  <m:oMathPara xmlns:m="http://schemas.openxmlformats.org/officeDocument/2006/math">
+                    <m:oMathParaPr>
+                      <m:jc m:val="centerGroup"/>
+                    </m:oMathParaPr>
+                    <m:oMath xmlns:m="http://schemas.openxmlformats.org/officeDocument/2006/math">
+                      <m:sSup>
+                        <m:sSupPr>
+                          <m:ctrlPr>
+                            <a:rPr lang="it-IT" i="1" smtClean="0">
+                              <a:latin typeface="Cambria Math" panose="02040503050406030204" pitchFamily="18" charset="0"/>
+                            </a:rPr>
+                          </m:ctrlPr>
+                        </m:sSupPr>
+                        <m:e>
+                          <m:r>
+                            <a:rPr lang="it-IT" b="0" i="1" smtClean="0">
+                              <a:latin typeface="Cambria Math" panose="02040503050406030204" pitchFamily="18" charset="0"/>
+                            </a:rPr>
+                            <m:t>𝑦</m:t>
+                          </m:r>
+                        </m:e>
+                        <m:sup>
+                          <m:r>
+                            <m:rPr>
+                              <m:sty m:val="p"/>
+                            </m:rPr>
+                            <a:rPr lang="it-IT" b="0" i="0" smtClean="0">
+                              <a:latin typeface="Cambria Math" panose="02040503050406030204" pitchFamily="18" charset="0"/>
+                            </a:rPr>
+                            <m:t>if</m:t>
+                          </m:r>
+                        </m:sup>
+                      </m:sSup>
+                    </m:oMath>
+                  </m:oMathPara>
+                </a14:m>
+                <a:endParaRPr lang="it-IT" dirty="0"/>
+              </a:p>
+            </p:txBody>
+          </p:sp>
+        </mc:Choice>
+        <mc:Fallback xmlns="">
+          <p:sp>
+            <p:nvSpPr>
+              <p:cNvPr id="36" name="CasellaDiTesto 35">
+                <a:extLst>
+                  <a:ext uri="{FF2B5EF4-FFF2-40B4-BE49-F238E27FC236}">
+                    <a16:creationId xmlns:a16="http://schemas.microsoft.com/office/drawing/2014/main" id="{BC9BA850-D1B8-4DB0-9948-D60650EEC293}"/>
+                  </a:ext>
+                </a:extLst>
+              </p:cNvPr>
+              <p:cNvSpPr txBox="1">
+                <a:spLocks noRot="1" noChangeAspect="1" noMove="1" noResize="1" noEditPoints="1" noAdjustHandles="1" noChangeArrowheads="1" noChangeShapeType="1" noTextEdit="1"/>
+              </p:cNvSpPr>
+              <p:nvPr/>
+            </p:nvSpPr>
+            <p:spPr>
+              <a:xfrm>
+                <a:off x="5094000" y="2340000"/>
+                <a:ext cx="317395" cy="290208"/>
+              </a:xfrm>
+              <a:prstGeom prst="rect">
+                <a:avLst/>
+              </a:prstGeom>
+              <a:blipFill>
+                <a:blip r:embed="rId9"/>
+                <a:stretch>
+                  <a:fillRect l="-19231" t="-4255" r="-7692" b="-27660"/>
+                </a:stretch>
+              </a:blipFill>
+            </p:spPr>
+            <p:txBody>
+              <a:bodyPr/>
+              <a:lstStyle/>
+              <a:p>
+                <a:r>
+                  <a:rPr lang="it-IT">
+                    <a:noFill/>
+                  </a:rPr>
+                  <a:t> </a:t>
+                </a:r>
+              </a:p>
+            </p:txBody>
+          </p:sp>
+        </mc:Fallback>
+      </mc:AlternateContent>
+      <mc:AlternateContent xmlns:mc="http://schemas.openxmlformats.org/markup-compatibility/2006" xmlns:a14="http://schemas.microsoft.com/office/drawing/2010/main">
+        <mc:Choice Requires="a14">
+          <p:sp>
+            <p:nvSpPr>
+              <p:cNvPr id="38" name="CasellaDiTesto 37">
+                <a:extLst>
+                  <a:ext uri="{FF2B5EF4-FFF2-40B4-BE49-F238E27FC236}">
+                    <a16:creationId xmlns:a16="http://schemas.microsoft.com/office/drawing/2014/main" id="{06203175-39AF-4267-9561-F8CC5140C434}"/>
+                  </a:ext>
+                </a:extLst>
+              </p:cNvPr>
+              <p:cNvSpPr txBox="1"/>
+              <p:nvPr/>
+            </p:nvSpPr>
+            <p:spPr>
+              <a:xfrm>
+                <a:off x="5094000" y="3060705"/>
+                <a:ext cx="433324" cy="301686"/>
+              </a:xfrm>
+              <a:prstGeom prst="rect">
+                <a:avLst/>
+              </a:prstGeom>
+              <a:noFill/>
+            </p:spPr>
+            <p:txBody>
+              <a:bodyPr wrap="none" lIns="0" tIns="0" rIns="0" bIns="0" rtlCol="0">
+                <a:spAutoFit/>
+              </a:bodyPr>
+              <a:lstStyle/>
+              <a:p>
+                <a:pPr/>
+                <a14:m>
+                  <m:oMathPara xmlns:m="http://schemas.openxmlformats.org/officeDocument/2006/math">
+                    <m:oMathParaPr>
+                      <m:jc m:val="centerGroup"/>
+                    </m:oMathParaPr>
+                    <m:oMath xmlns:m="http://schemas.openxmlformats.org/officeDocument/2006/math">
+                      <m:sSubSup>
+                        <m:sSubSupPr>
+                          <m:ctrlPr>
+                            <a:rPr lang="it-IT" b="0" i="1" smtClean="0">
+                              <a:latin typeface="Cambria Math" panose="02040503050406030204" pitchFamily="18" charset="0"/>
+                            </a:rPr>
+                          </m:ctrlPr>
+                        </m:sSubSupPr>
+                        <m:e>
+                          <m:r>
+                            <a:rPr lang="it-IT" b="0" i="1" smtClean="0">
+                              <a:latin typeface="Cambria Math" panose="02040503050406030204" pitchFamily="18" charset="0"/>
+                            </a:rPr>
+                            <m:t>𝑦</m:t>
+                          </m:r>
+                        </m:e>
+                        <m:sub>
+                          <m:r>
+                            <m:rPr>
+                              <m:sty m:val="p"/>
+                            </m:rPr>
+                            <a:rPr lang="it-IT" b="0" i="0" smtClean="0">
+                              <a:latin typeface="Cambria Math" panose="02040503050406030204" pitchFamily="18" charset="0"/>
+                            </a:rPr>
+                            <m:t>pm</m:t>
+                          </m:r>
+                        </m:sub>
+                        <m:sup>
+                          <m:r>
+                            <m:rPr>
+                              <m:sty m:val="p"/>
+                            </m:rPr>
+                            <a:rPr lang="it-IT" b="0" i="0" smtClean="0">
+                              <a:latin typeface="Cambria Math" panose="02040503050406030204" pitchFamily="18" charset="0"/>
+                            </a:rPr>
+                            <m:t>c</m:t>
+                          </m:r>
+                        </m:sup>
+                      </m:sSubSup>
+                    </m:oMath>
+                  </m:oMathPara>
+                </a14:m>
+                <a:endParaRPr lang="it-IT" dirty="0"/>
+              </a:p>
+            </p:txBody>
+          </p:sp>
+        </mc:Choice>
+        <mc:Fallback xmlns="">
+          <p:sp>
+            <p:nvSpPr>
+              <p:cNvPr id="38" name="CasellaDiTesto 37">
+                <a:extLst>
+                  <a:ext uri="{FF2B5EF4-FFF2-40B4-BE49-F238E27FC236}">
+                    <a16:creationId xmlns:a16="http://schemas.microsoft.com/office/drawing/2014/main" id="{06203175-39AF-4267-9561-F8CC5140C434}"/>
+                  </a:ext>
+                </a:extLst>
+              </p:cNvPr>
+              <p:cNvSpPr txBox="1">
+                <a:spLocks noRot="1" noChangeAspect="1" noMove="1" noResize="1" noEditPoints="1" noAdjustHandles="1" noChangeArrowheads="1" noChangeShapeType="1" noTextEdit="1"/>
+              </p:cNvSpPr>
+              <p:nvPr/>
+            </p:nvSpPr>
+            <p:spPr>
+              <a:xfrm>
+                <a:off x="5094000" y="3060705"/>
+                <a:ext cx="433324" cy="301686"/>
+              </a:xfrm>
+              <a:prstGeom prst="rect">
+                <a:avLst/>
+              </a:prstGeom>
+              <a:blipFill>
+                <a:blip r:embed="rId10"/>
+                <a:stretch>
+                  <a:fillRect l="-12676" r="-7042" b="-22000"/>
+                </a:stretch>
+              </a:blipFill>
+            </p:spPr>
+            <p:txBody>
+              <a:bodyPr/>
+              <a:lstStyle/>
+              <a:p>
+                <a:r>
+                  <a:rPr lang="it-IT">
+                    <a:noFill/>
+                  </a:rPr>
+                  <a:t> </a:t>
+                </a:r>
+              </a:p>
+            </p:txBody>
+          </p:sp>
+        </mc:Fallback>
+      </mc:AlternateContent>
+      <mc:AlternateContent xmlns:mc="http://schemas.openxmlformats.org/markup-compatibility/2006" xmlns:a14="http://schemas.microsoft.com/office/drawing/2010/main">
+        <mc:Choice Requires="a14">
+          <p:sp>
+            <p:nvSpPr>
+              <p:cNvPr id="39" name="CasellaDiTesto 38">
+                <a:extLst>
+                  <a:ext uri="{FF2B5EF4-FFF2-40B4-BE49-F238E27FC236}">
+                    <a16:creationId xmlns:a16="http://schemas.microsoft.com/office/drawing/2014/main" id="{74C220DF-3243-4AEC-8E80-3AD33161ED4E}"/>
+                  </a:ext>
+                </a:extLst>
+              </p:cNvPr>
+              <p:cNvSpPr txBox="1"/>
+              <p:nvPr/>
+            </p:nvSpPr>
+            <p:spPr>
+              <a:xfrm>
+                <a:off x="5094000" y="1620000"/>
+                <a:ext cx="303929" cy="278602"/>
+              </a:xfrm>
+              <a:prstGeom prst="rect">
+                <a:avLst/>
+              </a:prstGeom>
+              <a:noFill/>
+            </p:spPr>
+            <p:txBody>
+              <a:bodyPr wrap="none" lIns="0" tIns="0" rIns="0" bIns="0" rtlCol="0">
+                <a:spAutoFit/>
+              </a:bodyPr>
+              <a:lstStyle/>
+              <a:p>
+                <a:pPr/>
+                <a14:m>
+                  <m:oMathPara xmlns:m="http://schemas.openxmlformats.org/officeDocument/2006/math">
+                    <m:oMathParaPr>
+                      <m:jc m:val="centerGroup"/>
+                    </m:oMathParaPr>
+                    <m:oMath xmlns:m="http://schemas.openxmlformats.org/officeDocument/2006/math">
+                      <m:sSubSup>
+                        <m:sSubSupPr>
+                          <m:ctrlPr>
+                            <a:rPr lang="it-IT" b="0" i="1" smtClean="0">
+                              <a:latin typeface="Cambria Math" panose="02040503050406030204" pitchFamily="18" charset="0"/>
+                            </a:rPr>
+                          </m:ctrlPr>
+                        </m:sSubSupPr>
+                        <m:e>
+                          <m:r>
+                            <a:rPr lang="it-IT" b="0" i="1" smtClean="0">
+                              <a:latin typeface="Cambria Math" panose="02040503050406030204" pitchFamily="18" charset="0"/>
+                            </a:rPr>
+                            <m:t>𝑦</m:t>
+                          </m:r>
+                        </m:e>
+                        <m:sub>
+                          <m:r>
+                            <m:rPr>
+                              <m:sty m:val="p"/>
+                            </m:rPr>
+                            <a:rPr lang="it-IT" b="0" i="0" smtClean="0">
+                              <a:latin typeface="Cambria Math" panose="02040503050406030204" pitchFamily="18" charset="0"/>
+                            </a:rPr>
+                            <m:t>ff</m:t>
+                          </m:r>
+                        </m:sub>
+                        <m:sup>
+                          <m:r>
+                            <m:rPr>
+                              <m:sty m:val="p"/>
+                            </m:rPr>
+                            <a:rPr lang="it-IT" b="0" i="0" smtClean="0">
+                              <a:latin typeface="Cambria Math" panose="02040503050406030204" pitchFamily="18" charset="0"/>
+                            </a:rPr>
+                            <m:t>c</m:t>
+                          </m:r>
+                        </m:sup>
+                      </m:sSubSup>
+                    </m:oMath>
+                  </m:oMathPara>
+                </a14:m>
+                <a:endParaRPr lang="it-IT" dirty="0"/>
+              </a:p>
+            </p:txBody>
+          </p:sp>
+        </mc:Choice>
+        <mc:Fallback xmlns="">
+          <p:sp>
+            <p:nvSpPr>
+              <p:cNvPr id="39" name="CasellaDiTesto 38">
+                <a:extLst>
+                  <a:ext uri="{FF2B5EF4-FFF2-40B4-BE49-F238E27FC236}">
+                    <a16:creationId xmlns:a16="http://schemas.microsoft.com/office/drawing/2014/main" id="{74C220DF-3243-4AEC-8E80-3AD33161ED4E}"/>
+                  </a:ext>
+                </a:extLst>
+              </p:cNvPr>
+              <p:cNvSpPr txBox="1">
+                <a:spLocks noRot="1" noChangeAspect="1" noMove="1" noResize="1" noEditPoints="1" noAdjustHandles="1" noChangeArrowheads="1" noChangeShapeType="1" noTextEdit="1"/>
+              </p:cNvSpPr>
+              <p:nvPr/>
+            </p:nvSpPr>
+            <p:spPr>
+              <a:xfrm>
+                <a:off x="5094000" y="1620000"/>
+                <a:ext cx="303929" cy="278602"/>
+              </a:xfrm>
+              <a:prstGeom prst="rect">
+                <a:avLst/>
+              </a:prstGeom>
+              <a:blipFill>
+                <a:blip r:embed="rId11"/>
+                <a:stretch>
+                  <a:fillRect l="-20408" r="-10204" b="-26667"/>
+                </a:stretch>
+              </a:blipFill>
+            </p:spPr>
+            <p:txBody>
+              <a:bodyPr/>
+              <a:lstStyle/>
+              <a:p>
+                <a:r>
+                  <a:rPr lang="it-IT">
+                    <a:noFill/>
+                  </a:rPr>
+                  <a:t> </a:t>
+                </a:r>
+              </a:p>
+            </p:txBody>
+          </p:sp>
+        </mc:Fallback>
+      </mc:AlternateContent>
+      <mc:AlternateContent xmlns:mc="http://schemas.openxmlformats.org/markup-compatibility/2006" xmlns:a14="http://schemas.microsoft.com/office/drawing/2010/main">
+        <mc:Choice Requires="a14">
+          <p:sp>
+            <p:nvSpPr>
+              <p:cNvPr id="40" name="CasellaDiTesto 39">
+                <a:extLst>
+                  <a:ext uri="{FF2B5EF4-FFF2-40B4-BE49-F238E27FC236}">
+                    <a16:creationId xmlns:a16="http://schemas.microsoft.com/office/drawing/2014/main" id="{AD00249E-2D4E-4E0A-A861-14061899E9BB}"/>
+                  </a:ext>
+                </a:extLst>
+              </p:cNvPr>
+              <p:cNvSpPr txBox="1"/>
+              <p:nvPr/>
+            </p:nvSpPr>
+            <p:spPr>
+              <a:xfrm>
+                <a:off x="5094000" y="810000"/>
+                <a:ext cx="186718" cy="276999"/>
+              </a:xfrm>
+              <a:prstGeom prst="rect">
+                <a:avLst/>
+              </a:prstGeom>
+              <a:noFill/>
+            </p:spPr>
+            <p:txBody>
+              <a:bodyPr wrap="none" lIns="0" tIns="0" rIns="0" bIns="0" rtlCol="0">
+                <a:spAutoFit/>
+              </a:bodyPr>
+              <a:lstStyle/>
+              <a:p>
+                <a:pPr/>
+                <a14:m>
+                  <m:oMathPara xmlns:m="http://schemas.openxmlformats.org/officeDocument/2006/math">
+                    <m:oMathParaPr>
+                      <m:jc m:val="centerGroup"/>
+                    </m:oMathParaPr>
+                    <m:oMath xmlns:m="http://schemas.openxmlformats.org/officeDocument/2006/math">
+                      <m:r>
+                        <a:rPr lang="it-IT" b="0" i="1" smtClean="0">
+                          <a:latin typeface="Cambria Math" panose="02040503050406030204" pitchFamily="18" charset="0"/>
+                        </a:rPr>
+                        <m:t>𝑦</m:t>
+                      </m:r>
+                    </m:oMath>
+                  </m:oMathPara>
+                </a14:m>
+                <a:endParaRPr lang="it-IT" dirty="0"/>
+              </a:p>
+            </p:txBody>
+          </p:sp>
+        </mc:Choice>
+        <mc:Fallback xmlns="">
+          <p:sp>
+            <p:nvSpPr>
+              <p:cNvPr id="40" name="CasellaDiTesto 39">
+                <a:extLst>
+                  <a:ext uri="{FF2B5EF4-FFF2-40B4-BE49-F238E27FC236}">
+                    <a16:creationId xmlns:a16="http://schemas.microsoft.com/office/drawing/2014/main" id="{AD00249E-2D4E-4E0A-A861-14061899E9BB}"/>
+                  </a:ext>
+                </a:extLst>
+              </p:cNvPr>
+              <p:cNvSpPr txBox="1">
+                <a:spLocks noRot="1" noChangeAspect="1" noMove="1" noResize="1" noEditPoints="1" noAdjustHandles="1" noChangeArrowheads="1" noChangeShapeType="1" noTextEdit="1"/>
+              </p:cNvSpPr>
+              <p:nvPr/>
+            </p:nvSpPr>
+            <p:spPr>
+              <a:xfrm>
+                <a:off x="5094000" y="810000"/>
+                <a:ext cx="186718" cy="276999"/>
+              </a:xfrm>
+              <a:prstGeom prst="rect">
+                <a:avLst/>
+              </a:prstGeom>
+              <a:blipFill>
+                <a:blip r:embed="rId12"/>
+                <a:stretch>
+                  <a:fillRect l="-33333" r="-30000" b="-26667"/>
                 </a:stretch>
               </a:blipFill>
             </p:spPr>
@@ -36974,8 +37596,8 @@
           </p:sp>
         </mc:Fallback>
       </mc:AlternateContent>
-      <mc:AlternateContent xmlns:mc="http://schemas.openxmlformats.org/markup-compatibility/2006">
-        <mc:Choice xmlns:a14="http://schemas.microsoft.com/office/drawing/2010/main" Requires="a14">
+      <mc:AlternateContent xmlns:mc="http://schemas.openxmlformats.org/markup-compatibility/2006" xmlns:a14="http://schemas.microsoft.com/office/drawing/2010/main">
+        <mc:Choice Requires="a14">
           <p:sp>
             <p:nvSpPr>
               <p:cNvPr id="63" name="CasellaDiTesto 62">
@@ -37050,7 +37672,7 @@
             </p:txBody>
           </p:sp>
         </mc:Choice>
-        <mc:Fallback>
+        <mc:Fallback xmlns="">
           <p:sp>
             <p:nvSpPr>
               <p:cNvPr id="63" name="CasellaDiTesto 62">
@@ -37095,8 +37717,8 @@
           </p:sp>
         </mc:Fallback>
       </mc:AlternateContent>
-      <mc:AlternateContent xmlns:mc="http://schemas.openxmlformats.org/markup-compatibility/2006">
-        <mc:Choice xmlns:a14="http://schemas.microsoft.com/office/drawing/2010/main" Requires="a14">
+      <mc:AlternateContent xmlns:mc="http://schemas.openxmlformats.org/markup-compatibility/2006" xmlns:a14="http://schemas.microsoft.com/office/drawing/2010/main">
+        <mc:Choice Requires="a14">
           <p:sp>
             <p:nvSpPr>
               <p:cNvPr id="64" name="CasellaDiTesto 63">
@@ -37171,7 +37793,7 @@
             </p:txBody>
           </p:sp>
         </mc:Choice>
-        <mc:Fallback>
+        <mc:Fallback xmlns="">
           <p:sp>
             <p:nvSpPr>
               <p:cNvPr id="64" name="CasellaDiTesto 63">
@@ -37246,42 +37868,196 @@
           <a:chExt cx="0" cy="0"/>
         </a:xfrm>
       </p:grpSpPr>
-      <p:sp>
-        <p:nvSpPr>
-          <p:cNvPr id="25" name="CasellaDiTesto 24">
-            <a:extLst>
-              <a:ext uri="{FF2B5EF4-FFF2-40B4-BE49-F238E27FC236}">
-                <a16:creationId xmlns:a16="http://schemas.microsoft.com/office/drawing/2014/main" id="{02F7C37E-7914-4D53-A41E-EF9DE6131105}"/>
-              </a:ext>
-            </a:extLst>
-          </p:cNvPr>
-          <p:cNvSpPr txBox="1"/>
-          <p:nvPr/>
-        </p:nvSpPr>
-        <p:spPr>
-          <a:xfrm>
-            <a:off x="1275898" y="1436194"/>
-            <a:ext cx="1063437" cy="338554"/>
-          </a:xfrm>
-          <a:prstGeom prst="rect">
-            <a:avLst/>
-          </a:prstGeom>
-          <a:noFill/>
-        </p:spPr>
-        <p:txBody>
-          <a:bodyPr wrap="square" rtlCol="0">
-            <a:spAutoFit/>
-          </a:bodyPr>
-          <a:lstStyle/>
-          <a:p>
-            <a:pPr algn="ctr"/>
-            <a:r>
-              <a:rPr lang="it-IT" sz="1600" dirty="0"/>
-              <a:t>H = 1 m</a:t>
-            </a:r>
-          </a:p>
-        </p:txBody>
-      </p:sp>
+      <mc:AlternateContent xmlns:mc="http://schemas.openxmlformats.org/markup-compatibility/2006" xmlns:a14="http://schemas.microsoft.com/office/drawing/2010/main">
+        <mc:Choice Requires="a14">
+          <p:sp>
+            <p:nvSpPr>
+              <p:cNvPr id="29" name="CasellaDiTesto 28">
+                <a:extLst>
+                  <a:ext uri="{FF2B5EF4-FFF2-40B4-BE49-F238E27FC236}">
+                    <a16:creationId xmlns:a16="http://schemas.microsoft.com/office/drawing/2014/main" id="{0B804E4A-A91B-4913-B05A-C18AFB97CC44}"/>
+                  </a:ext>
+                </a:extLst>
+              </p:cNvPr>
+              <p:cNvSpPr txBox="1"/>
+              <p:nvPr/>
+            </p:nvSpPr>
+            <p:spPr>
+              <a:xfrm>
+                <a:off x="7341912" y="2026833"/>
+                <a:ext cx="486510" cy="369332"/>
+              </a:xfrm>
+              <a:prstGeom prst="rect">
+                <a:avLst/>
+              </a:prstGeom>
+              <a:noFill/>
+            </p:spPr>
+            <p:txBody>
+              <a:bodyPr wrap="square" rtlCol="0">
+                <a:spAutoFit/>
+              </a:bodyPr>
+              <a:lstStyle/>
+              <a:p>
+                <a:pPr algn="ctr"/>
+                <a14:m>
+                  <m:oMathPara xmlns:m="http://schemas.openxmlformats.org/officeDocument/2006/math">
+                    <m:oMathParaPr>
+                      <m:jc m:val="center"/>
+                    </m:oMathParaPr>
+                    <m:oMath xmlns:m="http://schemas.openxmlformats.org/officeDocument/2006/math">
+                      <m:r>
+                        <a:rPr lang="it-IT" b="0" i="1" smtClean="0">
+                          <a:latin typeface="Cambria Math" panose="02040503050406030204" pitchFamily="18" charset="0"/>
+                        </a:rPr>
+                        <m:t>0</m:t>
+                      </m:r>
+                    </m:oMath>
+                  </m:oMathPara>
+                </a14:m>
+                <a:endParaRPr lang="it-IT" sz="1400" i="1" dirty="0"/>
+              </a:p>
+            </p:txBody>
+          </p:sp>
+        </mc:Choice>
+        <mc:Fallback xmlns="">
+          <p:sp>
+            <p:nvSpPr>
+              <p:cNvPr id="29" name="CasellaDiTesto 28">
+                <a:extLst>
+                  <a:ext uri="{FF2B5EF4-FFF2-40B4-BE49-F238E27FC236}">
+                    <a16:creationId xmlns:a16="http://schemas.microsoft.com/office/drawing/2014/main" id="{0B804E4A-A91B-4913-B05A-C18AFB97CC44}"/>
+                  </a:ext>
+                </a:extLst>
+              </p:cNvPr>
+              <p:cNvSpPr txBox="1">
+                <a:spLocks noRot="1" noChangeAspect="1" noMove="1" noResize="1" noEditPoints="1" noAdjustHandles="1" noChangeArrowheads="1" noChangeShapeType="1" noTextEdit="1"/>
+              </p:cNvSpPr>
+              <p:nvPr/>
+            </p:nvSpPr>
+            <p:spPr>
+              <a:xfrm>
+                <a:off x="7341912" y="2026833"/>
+                <a:ext cx="486510" cy="369332"/>
+              </a:xfrm>
+              <a:prstGeom prst="rect">
+                <a:avLst/>
+              </a:prstGeom>
+              <a:blipFill>
+                <a:blip r:embed="rId7"/>
+                <a:stretch>
+                  <a:fillRect/>
+                </a:stretch>
+              </a:blipFill>
+            </p:spPr>
+            <p:txBody>
+              <a:bodyPr/>
+              <a:lstStyle/>
+              <a:p>
+                <a:r>
+                  <a:rPr lang="it-IT">
+                    <a:noFill/>
+                  </a:rPr>
+                  <a:t> </a:t>
+                </a:r>
+              </a:p>
+            </p:txBody>
+          </p:sp>
+        </mc:Fallback>
+      </mc:AlternateContent>
+      <mc:AlternateContent xmlns:mc="http://schemas.openxmlformats.org/markup-compatibility/2006">
+        <mc:Choice xmlns:a14="http://schemas.microsoft.com/office/drawing/2010/main" Requires="a14">
+          <p:sp>
+            <p:nvSpPr>
+              <p:cNvPr id="25" name="CasellaDiTesto 24">
+                <a:extLst>
+                  <a:ext uri="{FF2B5EF4-FFF2-40B4-BE49-F238E27FC236}">
+                    <a16:creationId xmlns:a16="http://schemas.microsoft.com/office/drawing/2014/main" id="{02F7C37E-7914-4D53-A41E-EF9DE6131105}"/>
+                  </a:ext>
+                </a:extLst>
+              </p:cNvPr>
+              <p:cNvSpPr txBox="1"/>
+              <p:nvPr/>
+            </p:nvSpPr>
+            <p:spPr>
+              <a:xfrm>
+                <a:off x="1275898" y="1436194"/>
+                <a:ext cx="1063437" cy="338554"/>
+              </a:xfrm>
+              <a:prstGeom prst="rect">
+                <a:avLst/>
+              </a:prstGeom>
+              <a:noFill/>
+            </p:spPr>
+            <p:txBody>
+              <a:bodyPr wrap="square" rtlCol="0">
+                <a:spAutoFit/>
+              </a:bodyPr>
+              <a:lstStyle/>
+              <a:p>
+                <a:pPr algn="ctr"/>
+                <a14:m>
+                  <m:oMath xmlns:m="http://schemas.openxmlformats.org/officeDocument/2006/math">
+                    <m:r>
+                      <a:rPr lang="it-IT" sz="1600" b="0" i="1" smtClean="0">
+                        <a:latin typeface="Cambria Math" panose="02040503050406030204" pitchFamily="18" charset="0"/>
+                      </a:rPr>
+                      <m:t>𝐻</m:t>
+                    </m:r>
+                  </m:oMath>
+                </a14:m>
+                <a:r>
+                  <a:rPr lang="it-IT" sz="1600" dirty="0"/>
+                  <a:t> = 1 m</a:t>
+                </a:r>
+              </a:p>
+            </p:txBody>
+          </p:sp>
+        </mc:Choice>
+        <mc:Fallback>
+          <p:sp>
+            <p:nvSpPr>
+              <p:cNvPr id="25" name="CasellaDiTesto 24">
+                <a:extLst>
+                  <a:ext uri="{FF2B5EF4-FFF2-40B4-BE49-F238E27FC236}">
+                    <a16:creationId xmlns:a16="http://schemas.microsoft.com/office/drawing/2014/main" id="{02F7C37E-7914-4D53-A41E-EF9DE6131105}"/>
+                  </a:ext>
+                </a:extLst>
+              </p:cNvPr>
+              <p:cNvSpPr txBox="1">
+                <a:spLocks noRot="1" noChangeAspect="1" noMove="1" noResize="1" noEditPoints="1" noAdjustHandles="1" noChangeArrowheads="1" noChangeShapeType="1" noTextEdit="1"/>
+              </p:cNvSpPr>
+              <p:nvPr/>
+            </p:nvSpPr>
+            <p:spPr>
+              <a:xfrm>
+                <a:off x="1275898" y="1436194"/>
+                <a:ext cx="1063437" cy="338554"/>
+              </a:xfrm>
+              <a:prstGeom prst="rect">
+                <a:avLst/>
+              </a:prstGeom>
+              <a:blipFill>
+                <a:blip r:embed="rId8"/>
+                <a:stretch>
+                  <a:fillRect t="-5455" b="-23636"/>
+                </a:stretch>
+              </a:blipFill>
+            </p:spPr>
+            <p:txBody>
+              <a:bodyPr/>
+              <a:lstStyle/>
+              <a:p>
+                <a:r>
+                  <a:rPr lang="it-IT">
+                    <a:noFill/>
+                  </a:rPr>
+                  <a:t> </a:t>
+                </a:r>
+              </a:p>
+            </p:txBody>
+          </p:sp>
+        </mc:Fallback>
+      </mc:AlternateContent>
       <p:grpSp>
         <p:nvGrpSpPr>
           <p:cNvPr id="13" name="Gruppo 12">
@@ -37709,8 +38485,8 @@
           </a:fontRef>
         </p:style>
       </p:cxnSp>
-      <mc:AlternateContent xmlns:mc="http://schemas.openxmlformats.org/markup-compatibility/2006">
-        <mc:Choice xmlns:a14="http://schemas.microsoft.com/office/drawing/2010/main" Requires="a14">
+      <mc:AlternateContent xmlns:mc="http://schemas.openxmlformats.org/markup-compatibility/2006" xmlns:a14="http://schemas.microsoft.com/office/drawing/2010/main">
+        <mc:Choice Requires="a14">
           <p:sp>
             <p:nvSpPr>
               <p:cNvPr id="18" name="CasellaDiTesto 17">
@@ -37785,7 +38561,7 @@
             </p:txBody>
           </p:sp>
         </mc:Choice>
-        <mc:Fallback>
+        <mc:Fallback xmlns="">
           <p:sp>
             <p:nvSpPr>
               <p:cNvPr id="18" name="CasellaDiTesto 17">
@@ -37830,8 +38606,8 @@
           </p:sp>
         </mc:Fallback>
       </mc:AlternateContent>
-      <mc:AlternateContent xmlns:mc="http://schemas.openxmlformats.org/markup-compatibility/2006">
-        <mc:Choice xmlns:a14="http://schemas.microsoft.com/office/drawing/2010/main" Requires="a14">
+      <mc:AlternateContent xmlns:mc="http://schemas.openxmlformats.org/markup-compatibility/2006" xmlns:a14="http://schemas.microsoft.com/office/drawing/2010/main">
+        <mc:Choice Requires="a14">
           <p:sp>
             <p:nvSpPr>
               <p:cNvPr id="19" name="CasellaDiTesto 18">
@@ -37906,7 +38682,7 @@
             </p:txBody>
           </p:sp>
         </mc:Choice>
-        <mc:Fallback>
+        <mc:Fallback xmlns="">
           <p:sp>
             <p:nvSpPr>
               <p:cNvPr id="19" name="CasellaDiTesto 18">
@@ -38295,6 +39071,462 @@
           </a:p>
         </p:txBody>
       </p:sp>
+      <p:cxnSp>
+        <p:nvCxnSpPr>
+          <p:cNvPr id="26" name="Connettore 2 25">
+            <a:extLst>
+              <a:ext uri="{FF2B5EF4-FFF2-40B4-BE49-F238E27FC236}">
+                <a16:creationId xmlns:a16="http://schemas.microsoft.com/office/drawing/2014/main" id="{979DFE59-BCEA-4B2F-9E21-03963BBC54D0}"/>
+              </a:ext>
+            </a:extLst>
+          </p:cNvPr>
+          <p:cNvCxnSpPr/>
+          <p:nvPr/>
+        </p:nvCxnSpPr>
+        <p:spPr>
+          <a:xfrm>
+            <a:off x="5760000" y="2052000"/>
+            <a:ext cx="3600000" cy="0"/>
+          </a:xfrm>
+          <a:prstGeom prst="straightConnector1">
+            <a:avLst/>
+          </a:prstGeom>
+          <a:ln w="12700">
+            <a:solidFill>
+              <a:schemeClr val="tx1"/>
+            </a:solidFill>
+            <a:headEnd type="none"/>
+            <a:tailEnd type="arrow"/>
+          </a:ln>
+        </p:spPr>
+        <p:style>
+          <a:lnRef idx="1">
+            <a:schemeClr val="accent1"/>
+          </a:lnRef>
+          <a:fillRef idx="0">
+            <a:schemeClr val="accent1"/>
+          </a:fillRef>
+          <a:effectRef idx="0">
+            <a:schemeClr val="accent1"/>
+          </a:effectRef>
+          <a:fontRef idx="minor">
+            <a:schemeClr val="tx1"/>
+          </a:fontRef>
+        </p:style>
+      </p:cxnSp>
+      <p:cxnSp>
+        <p:nvCxnSpPr>
+          <p:cNvPr id="27" name="Connettore diritto 26">
+            <a:extLst>
+              <a:ext uri="{FF2B5EF4-FFF2-40B4-BE49-F238E27FC236}">
+                <a16:creationId xmlns:a16="http://schemas.microsoft.com/office/drawing/2014/main" id="{BFDE2A58-889E-45BC-BA29-E60F6255CFD9}"/>
+              </a:ext>
+            </a:extLst>
+          </p:cNvPr>
+          <p:cNvCxnSpPr/>
+          <p:nvPr/>
+        </p:nvCxnSpPr>
+        <p:spPr>
+          <a:xfrm>
+            <a:off x="7560000" y="2016000"/>
+            <a:ext cx="0" cy="72000"/>
+          </a:xfrm>
+          <a:prstGeom prst="line">
+            <a:avLst/>
+          </a:prstGeom>
+          <a:ln w="12700" cap="sq">
+            <a:solidFill>
+              <a:schemeClr val="tx1"/>
+            </a:solidFill>
+          </a:ln>
+        </p:spPr>
+        <p:style>
+          <a:lnRef idx="1">
+            <a:schemeClr val="accent1"/>
+          </a:lnRef>
+          <a:fillRef idx="0">
+            <a:schemeClr val="accent1"/>
+          </a:fillRef>
+          <a:effectRef idx="0">
+            <a:schemeClr val="accent1"/>
+          </a:effectRef>
+          <a:fontRef idx="minor">
+            <a:schemeClr val="tx1"/>
+          </a:fontRef>
+        </p:style>
+      </p:cxnSp>
+      <mc:AlternateContent xmlns:mc="http://schemas.openxmlformats.org/markup-compatibility/2006" xmlns:a14="http://schemas.microsoft.com/office/drawing/2010/main">
+        <mc:Choice Requires="a14">
+          <p:sp>
+            <p:nvSpPr>
+              <p:cNvPr id="28" name="CasellaDiTesto 27">
+                <a:extLst>
+                  <a:ext uri="{FF2B5EF4-FFF2-40B4-BE49-F238E27FC236}">
+                    <a16:creationId xmlns:a16="http://schemas.microsoft.com/office/drawing/2014/main" id="{1D09F6AC-1F48-4D6D-AFDE-29594D4C01DE}"/>
+                  </a:ext>
+                </a:extLst>
+              </p:cNvPr>
+              <p:cNvSpPr txBox="1"/>
+              <p:nvPr/>
+            </p:nvSpPr>
+            <p:spPr>
+              <a:xfrm>
+                <a:off x="9240440" y="1850556"/>
+                <a:ext cx="540000" cy="369332"/>
+              </a:xfrm>
+              <a:prstGeom prst="rect">
+                <a:avLst/>
+              </a:prstGeom>
+              <a:noFill/>
+            </p:spPr>
+            <p:txBody>
+              <a:bodyPr wrap="square" rtlCol="0">
+                <a:spAutoFit/>
+              </a:bodyPr>
+              <a:lstStyle/>
+              <a:p>
+                <a:pPr algn="ctr"/>
+                <a14:m>
+                  <m:oMathPara xmlns:m="http://schemas.openxmlformats.org/officeDocument/2006/math">
+                    <m:oMathParaPr>
+                      <m:jc m:val="center"/>
+                    </m:oMathParaPr>
+                    <m:oMath xmlns:m="http://schemas.openxmlformats.org/officeDocument/2006/math">
+                      <m:r>
+                        <a:rPr lang="it-IT" b="0" i="1" smtClean="0">
+                          <a:latin typeface="Cambria Math" panose="02040503050406030204" pitchFamily="18" charset="0"/>
+                        </a:rPr>
+                        <m:t>𝑥</m:t>
+                      </m:r>
+                    </m:oMath>
+                  </m:oMathPara>
+                </a14:m>
+                <a:endParaRPr lang="it-IT" sz="1400" i="1" dirty="0"/>
+              </a:p>
+            </p:txBody>
+          </p:sp>
+        </mc:Choice>
+        <mc:Fallback xmlns="">
+          <p:sp>
+            <p:nvSpPr>
+              <p:cNvPr id="28" name="CasellaDiTesto 27">
+                <a:extLst>
+                  <a:ext uri="{FF2B5EF4-FFF2-40B4-BE49-F238E27FC236}">
+                    <a16:creationId xmlns:a16="http://schemas.microsoft.com/office/drawing/2014/main" id="{1D09F6AC-1F48-4D6D-AFDE-29594D4C01DE}"/>
+                  </a:ext>
+                </a:extLst>
+              </p:cNvPr>
+              <p:cNvSpPr txBox="1">
+                <a:spLocks noRot="1" noChangeAspect="1" noMove="1" noResize="1" noEditPoints="1" noAdjustHandles="1" noChangeArrowheads="1" noChangeShapeType="1" noTextEdit="1"/>
+              </p:cNvSpPr>
+              <p:nvPr/>
+            </p:nvSpPr>
+            <p:spPr>
+              <a:xfrm>
+                <a:off x="9240440" y="1850556"/>
+                <a:ext cx="540000" cy="369332"/>
+              </a:xfrm>
+              <a:prstGeom prst="rect">
+                <a:avLst/>
+              </a:prstGeom>
+              <a:blipFill>
+                <a:blip r:embed="rId6"/>
+                <a:stretch>
+                  <a:fillRect/>
+                </a:stretch>
+              </a:blipFill>
+            </p:spPr>
+            <p:txBody>
+              <a:bodyPr/>
+              <a:lstStyle/>
+              <a:p>
+                <a:r>
+                  <a:rPr lang="it-IT">
+                    <a:noFill/>
+                  </a:rPr>
+                  <a:t> </a:t>
+                </a:r>
+              </a:p>
+            </p:txBody>
+          </p:sp>
+        </mc:Fallback>
+      </mc:AlternateContent>
+      <p:cxnSp>
+        <p:nvCxnSpPr>
+          <p:cNvPr id="31" name="Connettore 2 30">
+            <a:extLst>
+              <a:ext uri="{FF2B5EF4-FFF2-40B4-BE49-F238E27FC236}">
+                <a16:creationId xmlns:a16="http://schemas.microsoft.com/office/drawing/2014/main" id="{582B8972-AAC0-46CB-A40B-37236DA95C48}"/>
+              </a:ext>
+            </a:extLst>
+          </p:cNvPr>
+          <p:cNvCxnSpPr/>
+          <p:nvPr/>
+        </p:nvCxnSpPr>
+        <p:spPr>
+          <a:xfrm>
+            <a:off x="11412000" y="180000"/>
+            <a:ext cx="0" cy="1980000"/>
+          </a:xfrm>
+          <a:prstGeom prst="straightConnector1">
+            <a:avLst/>
+          </a:prstGeom>
+          <a:ln w="12700">
+            <a:solidFill>
+              <a:schemeClr val="tx1"/>
+            </a:solidFill>
+            <a:headEnd type="arrow"/>
+            <a:tailEnd type="none"/>
+          </a:ln>
+        </p:spPr>
+        <p:style>
+          <a:lnRef idx="1">
+            <a:schemeClr val="accent1"/>
+          </a:lnRef>
+          <a:fillRef idx="0">
+            <a:schemeClr val="accent1"/>
+          </a:fillRef>
+          <a:effectRef idx="0">
+            <a:schemeClr val="accent1"/>
+          </a:effectRef>
+          <a:fontRef idx="minor">
+            <a:schemeClr val="tx1"/>
+          </a:fontRef>
+        </p:style>
+      </p:cxnSp>
+      <p:cxnSp>
+        <p:nvCxnSpPr>
+          <p:cNvPr id="32" name="Connettore diritto 31">
+            <a:extLst>
+              <a:ext uri="{FF2B5EF4-FFF2-40B4-BE49-F238E27FC236}">
+                <a16:creationId xmlns:a16="http://schemas.microsoft.com/office/drawing/2014/main" id="{00187439-B847-4DF7-96FA-86F32CDA0903}"/>
+              </a:ext>
+            </a:extLst>
+          </p:cNvPr>
+          <p:cNvCxnSpPr/>
+          <p:nvPr/>
+        </p:nvCxnSpPr>
+        <p:spPr>
+          <a:xfrm>
+            <a:off x="11376000" y="1800000"/>
+            <a:ext cx="72000" cy="0"/>
+          </a:xfrm>
+          <a:prstGeom prst="line">
+            <a:avLst/>
+          </a:prstGeom>
+          <a:ln w="12700" cap="sq">
+            <a:solidFill>
+              <a:schemeClr val="tx1"/>
+            </a:solidFill>
+          </a:ln>
+        </p:spPr>
+        <p:style>
+          <a:lnRef idx="1">
+            <a:schemeClr val="accent1"/>
+          </a:lnRef>
+          <a:fillRef idx="0">
+            <a:schemeClr val="accent1"/>
+          </a:fillRef>
+          <a:effectRef idx="0">
+            <a:schemeClr val="accent1"/>
+          </a:effectRef>
+          <a:fontRef idx="minor">
+            <a:schemeClr val="tx1"/>
+          </a:fontRef>
+        </p:style>
+      </p:cxnSp>
+      <mc:AlternateContent xmlns:mc="http://schemas.openxmlformats.org/markup-compatibility/2006">
+        <mc:Choice xmlns:a14="http://schemas.microsoft.com/office/drawing/2010/main" Requires="a14">
+          <p:sp>
+            <p:nvSpPr>
+              <p:cNvPr id="33" name="CasellaDiTesto 32">
+                <a:extLst>
+                  <a:ext uri="{FF2B5EF4-FFF2-40B4-BE49-F238E27FC236}">
+                    <a16:creationId xmlns:a16="http://schemas.microsoft.com/office/drawing/2014/main" id="{6A5C6381-6273-4D0E-9CD3-3E534B97E108}"/>
+                  </a:ext>
+                </a:extLst>
+              </p:cNvPr>
+              <p:cNvSpPr txBox="1"/>
+              <p:nvPr/>
+            </p:nvSpPr>
+            <p:spPr>
+              <a:xfrm>
+                <a:off x="11308002" y="20609"/>
+                <a:ext cx="540000" cy="369332"/>
+              </a:xfrm>
+              <a:prstGeom prst="rect">
+                <a:avLst/>
+              </a:prstGeom>
+              <a:noFill/>
+            </p:spPr>
+            <p:txBody>
+              <a:bodyPr wrap="square" rtlCol="0">
+                <a:spAutoFit/>
+              </a:bodyPr>
+              <a:lstStyle/>
+              <a:p>
+                <a:pPr algn="ctr"/>
+                <a14:m>
+                  <m:oMathPara xmlns:m="http://schemas.openxmlformats.org/officeDocument/2006/math">
+                    <m:oMathParaPr>
+                      <m:jc m:val="center"/>
+                    </m:oMathParaPr>
+                    <m:oMath xmlns:m="http://schemas.openxmlformats.org/officeDocument/2006/math">
+                      <m:r>
+                        <a:rPr lang="it-IT" b="0" i="1" smtClean="0">
+                          <a:latin typeface="Cambria Math" panose="02040503050406030204" pitchFamily="18" charset="0"/>
+                        </a:rPr>
+                        <m:t>𝑦</m:t>
+                      </m:r>
+                    </m:oMath>
+                  </m:oMathPara>
+                </a14:m>
+                <a:endParaRPr lang="it-IT" sz="1400" i="1" dirty="0"/>
+              </a:p>
+            </p:txBody>
+          </p:sp>
+        </mc:Choice>
+        <mc:Fallback>
+          <p:sp>
+            <p:nvSpPr>
+              <p:cNvPr id="33" name="CasellaDiTesto 32">
+                <a:extLst>
+                  <a:ext uri="{FF2B5EF4-FFF2-40B4-BE49-F238E27FC236}">
+                    <a16:creationId xmlns:a16="http://schemas.microsoft.com/office/drawing/2014/main" id="{6A5C6381-6273-4D0E-9CD3-3E534B97E108}"/>
+                  </a:ext>
+                </a:extLst>
+              </p:cNvPr>
+              <p:cNvSpPr txBox="1">
+                <a:spLocks noRot="1" noChangeAspect="1" noMove="1" noResize="1" noEditPoints="1" noAdjustHandles="1" noChangeArrowheads="1" noChangeShapeType="1" noTextEdit="1"/>
+              </p:cNvSpPr>
+              <p:nvPr/>
+            </p:nvSpPr>
+            <p:spPr>
+              <a:xfrm>
+                <a:off x="11308002" y="20609"/>
+                <a:ext cx="540000" cy="369332"/>
+              </a:xfrm>
+              <a:prstGeom prst="rect">
+                <a:avLst/>
+              </a:prstGeom>
+              <a:blipFill>
+                <a:blip r:embed="rId9"/>
+                <a:stretch>
+                  <a:fillRect b="-6557"/>
+                </a:stretch>
+              </a:blipFill>
+            </p:spPr>
+            <p:txBody>
+              <a:bodyPr/>
+              <a:lstStyle/>
+              <a:p>
+                <a:r>
+                  <a:rPr lang="it-IT">
+                    <a:noFill/>
+                  </a:rPr>
+                  <a:t> </a:t>
+                </a:r>
+              </a:p>
+            </p:txBody>
+          </p:sp>
+        </mc:Fallback>
+      </mc:AlternateContent>
+      <mc:AlternateContent xmlns:mc="http://schemas.openxmlformats.org/markup-compatibility/2006">
+        <mc:Choice xmlns:a14="http://schemas.microsoft.com/office/drawing/2010/main" Requires="a14">
+          <p:sp>
+            <p:nvSpPr>
+              <p:cNvPr id="34" name="CasellaDiTesto 33">
+                <a:extLst>
+                  <a:ext uri="{FF2B5EF4-FFF2-40B4-BE49-F238E27FC236}">
+                    <a16:creationId xmlns:a16="http://schemas.microsoft.com/office/drawing/2014/main" id="{142D079E-4F79-475E-8298-DC2FF2D8DEF8}"/>
+                  </a:ext>
+                </a:extLst>
+              </p:cNvPr>
+              <p:cNvSpPr txBox="1"/>
+              <p:nvPr/>
+            </p:nvSpPr>
+            <p:spPr>
+              <a:xfrm>
+                <a:off x="11334805" y="1605471"/>
+                <a:ext cx="486510" cy="369332"/>
+              </a:xfrm>
+              <a:prstGeom prst="rect">
+                <a:avLst/>
+              </a:prstGeom>
+              <a:noFill/>
+            </p:spPr>
+            <p:txBody>
+              <a:bodyPr wrap="square" rtlCol="0">
+                <a:spAutoFit/>
+              </a:bodyPr>
+              <a:lstStyle/>
+              <a:p>
+                <a:pPr algn="ctr"/>
+                <a14:m>
+                  <m:oMathPara xmlns:m="http://schemas.openxmlformats.org/officeDocument/2006/math">
+                    <m:oMathParaPr>
+                      <m:jc m:val="center"/>
+                    </m:oMathParaPr>
+                    <m:oMath xmlns:m="http://schemas.openxmlformats.org/officeDocument/2006/math">
+                      <m:r>
+                        <a:rPr lang="it-IT" b="0" i="1" smtClean="0">
+                          <a:latin typeface="Cambria Math" panose="02040503050406030204" pitchFamily="18" charset="0"/>
+                        </a:rPr>
+                        <m:t>0</m:t>
+                      </m:r>
+                    </m:oMath>
+                  </m:oMathPara>
+                </a14:m>
+                <a:endParaRPr lang="it-IT" sz="1400" i="1" dirty="0"/>
+              </a:p>
+            </p:txBody>
+          </p:sp>
+        </mc:Choice>
+        <mc:Fallback>
+          <p:sp>
+            <p:nvSpPr>
+              <p:cNvPr id="34" name="CasellaDiTesto 33">
+                <a:extLst>
+                  <a:ext uri="{FF2B5EF4-FFF2-40B4-BE49-F238E27FC236}">
+                    <a16:creationId xmlns:a16="http://schemas.microsoft.com/office/drawing/2014/main" id="{142D079E-4F79-475E-8298-DC2FF2D8DEF8}"/>
+                  </a:ext>
+                </a:extLst>
+              </p:cNvPr>
+              <p:cNvSpPr txBox="1">
+                <a:spLocks noRot="1" noChangeAspect="1" noMove="1" noResize="1" noEditPoints="1" noAdjustHandles="1" noChangeArrowheads="1" noChangeShapeType="1" noTextEdit="1"/>
+              </p:cNvSpPr>
+              <p:nvPr/>
+            </p:nvSpPr>
+            <p:spPr>
+              <a:xfrm>
+                <a:off x="11334805" y="1605471"/>
+                <a:ext cx="486510" cy="369332"/>
+              </a:xfrm>
+              <a:prstGeom prst="rect">
+                <a:avLst/>
+              </a:prstGeom>
+              <a:blipFill>
+                <a:blip r:embed="rId10"/>
+                <a:stretch>
+                  <a:fillRect/>
+                </a:stretch>
+              </a:blipFill>
+            </p:spPr>
+            <p:txBody>
+              <a:bodyPr/>
+              <a:lstStyle/>
+              <a:p>
+                <a:r>
+                  <a:rPr lang="it-IT">
+                    <a:noFill/>
+                  </a:rPr>
+                  <a:t> </a:t>
+                </a:r>
+              </a:p>
+            </p:txBody>
+          </p:sp>
+        </mc:Fallback>
+      </mc:AlternateContent>
     </p:spTree>
     <p:extLst>
       <p:ext uri="{BB962C8B-B14F-4D97-AF65-F5344CB8AC3E}">
@@ -38860,8 +40092,8 @@
           </a:fontRef>
         </p:style>
       </p:cxnSp>
-      <mc:AlternateContent xmlns:mc="http://schemas.openxmlformats.org/markup-compatibility/2006">
-        <mc:Choice xmlns:a14="http://schemas.microsoft.com/office/drawing/2010/main" Requires="a14">
+      <mc:AlternateContent xmlns:mc="http://schemas.openxmlformats.org/markup-compatibility/2006" xmlns:a14="http://schemas.microsoft.com/office/drawing/2010/main">
+        <mc:Choice Requires="a14">
           <p:sp>
             <p:nvSpPr>
               <p:cNvPr id="18" name="CasellaDiTesto 17">
@@ -38936,7 +40168,7 @@
             </p:txBody>
           </p:sp>
         </mc:Choice>
-        <mc:Fallback>
+        <mc:Fallback xmlns="">
           <p:sp>
             <p:nvSpPr>
               <p:cNvPr id="18" name="CasellaDiTesto 17">
@@ -38981,8 +40213,8 @@
           </p:sp>
         </mc:Fallback>
       </mc:AlternateContent>
-      <mc:AlternateContent xmlns:mc="http://schemas.openxmlformats.org/markup-compatibility/2006">
-        <mc:Choice xmlns:a14="http://schemas.microsoft.com/office/drawing/2010/main" Requires="a14">
+      <mc:AlternateContent xmlns:mc="http://schemas.openxmlformats.org/markup-compatibility/2006" xmlns:a14="http://schemas.microsoft.com/office/drawing/2010/main">
+        <mc:Choice Requires="a14">
           <p:sp>
             <p:nvSpPr>
               <p:cNvPr id="19" name="CasellaDiTesto 18">
@@ -39057,7 +40289,7 @@
             </p:txBody>
           </p:sp>
         </mc:Choice>
-        <mc:Fallback>
+        <mc:Fallback xmlns="">
           <p:sp>
             <p:nvSpPr>
               <p:cNvPr id="19" name="CasellaDiTesto 18">
@@ -39102,8 +40334,8 @@
           </p:sp>
         </mc:Fallback>
       </mc:AlternateContent>
-      <mc:AlternateContent xmlns:mc="http://schemas.openxmlformats.org/markup-compatibility/2006">
-        <mc:Choice xmlns:a14="http://schemas.microsoft.com/office/drawing/2010/main" Requires="a14">
+      <mc:AlternateContent xmlns:mc="http://schemas.openxmlformats.org/markup-compatibility/2006" xmlns:a14="http://schemas.microsoft.com/office/drawing/2010/main">
+        <mc:Choice Requires="a14">
           <p:sp>
             <p:nvSpPr>
               <p:cNvPr id="20" name="CasellaDiTesto 19">
@@ -39178,7 +40410,7 @@
             </p:txBody>
           </p:sp>
         </mc:Choice>
-        <mc:Fallback>
+        <mc:Fallback xmlns="">
           <p:sp>
             <p:nvSpPr>
               <p:cNvPr id="20" name="CasellaDiTesto 19">

--- a/img/celle.pptx
+++ b/img/celle.pptx
@@ -219,7 +219,7 @@
           <a:p>
             <a:fld id="{76BCBF0C-CE44-499E-BCEB-7948FB131314}" type="datetimeFigureOut">
               <a:rPr lang="it-IT" smtClean="0"/>
-              <a:t>03/03/2019</a:t>
+              <a:t>04/03/2019</a:t>
             </a:fld>
             <a:endParaRPr lang="it-IT"/>
           </a:p>
@@ -633,7 +633,7 @@
           <a:p>
             <a:fld id="{73B341DB-7226-48ED-93C6-4CA0570B6B59}" type="datetimeFigureOut">
               <a:rPr lang="it-IT" smtClean="0"/>
-              <a:t>03/03/2019</a:t>
+              <a:t>04/03/2019</a:t>
             </a:fld>
             <a:endParaRPr lang="it-IT"/>
           </a:p>
@@ -831,7 +831,7 @@
           <a:p>
             <a:fld id="{73B341DB-7226-48ED-93C6-4CA0570B6B59}" type="datetimeFigureOut">
               <a:rPr lang="it-IT" smtClean="0"/>
-              <a:t>03/03/2019</a:t>
+              <a:t>04/03/2019</a:t>
             </a:fld>
             <a:endParaRPr lang="it-IT"/>
           </a:p>
@@ -1039,7 +1039,7 @@
           <a:p>
             <a:fld id="{73B341DB-7226-48ED-93C6-4CA0570B6B59}" type="datetimeFigureOut">
               <a:rPr lang="it-IT" smtClean="0"/>
-              <a:t>03/03/2019</a:t>
+              <a:t>04/03/2019</a:t>
             </a:fld>
             <a:endParaRPr lang="it-IT"/>
           </a:p>
@@ -1259,7 +1259,7 @@
           <a:p>
             <a:fld id="{6A95F648-2F94-41D1-A59D-39CB3696F9AB}" type="datetimeFigureOut">
               <a:rPr lang="it-IT" smtClean="0"/>
-              <a:t>03/03/2019</a:t>
+              <a:t>04/03/2019</a:t>
             </a:fld>
             <a:endParaRPr lang="it-IT"/>
           </a:p>
@@ -1457,7 +1457,7 @@
           <a:p>
             <a:fld id="{6A95F648-2F94-41D1-A59D-39CB3696F9AB}" type="datetimeFigureOut">
               <a:rPr lang="it-IT" smtClean="0"/>
-              <a:t>03/03/2019</a:t>
+              <a:t>04/03/2019</a:t>
             </a:fld>
             <a:endParaRPr lang="it-IT"/>
           </a:p>
@@ -1732,7 +1732,7 @@
           <a:p>
             <a:fld id="{6A95F648-2F94-41D1-A59D-39CB3696F9AB}" type="datetimeFigureOut">
               <a:rPr lang="it-IT" smtClean="0"/>
-              <a:t>03/03/2019</a:t>
+              <a:t>04/03/2019</a:t>
             </a:fld>
             <a:endParaRPr lang="it-IT"/>
           </a:p>
@@ -1997,7 +1997,7 @@
           <a:p>
             <a:fld id="{6A95F648-2F94-41D1-A59D-39CB3696F9AB}" type="datetimeFigureOut">
               <a:rPr lang="it-IT" smtClean="0"/>
-              <a:t>03/03/2019</a:t>
+              <a:t>04/03/2019</a:t>
             </a:fld>
             <a:endParaRPr lang="it-IT"/>
           </a:p>
@@ -2409,7 +2409,7 @@
           <a:p>
             <a:fld id="{6A95F648-2F94-41D1-A59D-39CB3696F9AB}" type="datetimeFigureOut">
               <a:rPr lang="it-IT" smtClean="0"/>
-              <a:t>03/03/2019</a:t>
+              <a:t>04/03/2019</a:t>
             </a:fld>
             <a:endParaRPr lang="it-IT"/>
           </a:p>
@@ -2550,7 +2550,7 @@
           <a:p>
             <a:fld id="{6A95F648-2F94-41D1-A59D-39CB3696F9AB}" type="datetimeFigureOut">
               <a:rPr lang="it-IT" smtClean="0"/>
-              <a:t>03/03/2019</a:t>
+              <a:t>04/03/2019</a:t>
             </a:fld>
             <a:endParaRPr lang="it-IT"/>
           </a:p>
@@ -2663,7 +2663,7 @@
           <a:p>
             <a:fld id="{6A95F648-2F94-41D1-A59D-39CB3696F9AB}" type="datetimeFigureOut">
               <a:rPr lang="it-IT" smtClean="0"/>
-              <a:t>03/03/2019</a:t>
+              <a:t>04/03/2019</a:t>
             </a:fld>
             <a:endParaRPr lang="it-IT"/>
           </a:p>
@@ -2974,7 +2974,7 @@
           <a:p>
             <a:fld id="{6A95F648-2F94-41D1-A59D-39CB3696F9AB}" type="datetimeFigureOut">
               <a:rPr lang="it-IT" smtClean="0"/>
-              <a:t>03/03/2019</a:t>
+              <a:t>04/03/2019</a:t>
             </a:fld>
             <a:endParaRPr lang="it-IT"/>
           </a:p>
@@ -3172,7 +3172,7 @@
           <a:p>
             <a:fld id="{73B341DB-7226-48ED-93C6-4CA0570B6B59}" type="datetimeFigureOut">
               <a:rPr lang="it-IT" smtClean="0"/>
-              <a:t>03/03/2019</a:t>
+              <a:t>04/03/2019</a:t>
             </a:fld>
             <a:endParaRPr lang="it-IT"/>
           </a:p>
@@ -3460,7 +3460,7 @@
           <a:p>
             <a:fld id="{6A95F648-2F94-41D1-A59D-39CB3696F9AB}" type="datetimeFigureOut">
               <a:rPr lang="it-IT" smtClean="0"/>
-              <a:t>03/03/2019</a:t>
+              <a:t>04/03/2019</a:t>
             </a:fld>
             <a:endParaRPr lang="it-IT"/>
           </a:p>
@@ -3658,7 +3658,7 @@
           <a:p>
             <a:fld id="{6A95F648-2F94-41D1-A59D-39CB3696F9AB}" type="datetimeFigureOut">
               <a:rPr lang="it-IT" smtClean="0"/>
-              <a:t>03/03/2019</a:t>
+              <a:t>04/03/2019</a:t>
             </a:fld>
             <a:endParaRPr lang="it-IT"/>
           </a:p>
@@ -3866,7 +3866,7 @@
           <a:p>
             <a:fld id="{6A95F648-2F94-41D1-A59D-39CB3696F9AB}" type="datetimeFigureOut">
               <a:rPr lang="it-IT" smtClean="0"/>
-              <a:t>03/03/2019</a:t>
+              <a:t>04/03/2019</a:t>
             </a:fld>
             <a:endParaRPr lang="it-IT"/>
           </a:p>
@@ -4141,7 +4141,7 @@
           <a:p>
             <a:fld id="{73B341DB-7226-48ED-93C6-4CA0570B6B59}" type="datetimeFigureOut">
               <a:rPr lang="it-IT" smtClean="0"/>
-              <a:t>03/03/2019</a:t>
+              <a:t>04/03/2019</a:t>
             </a:fld>
             <a:endParaRPr lang="it-IT"/>
           </a:p>
@@ -4406,7 +4406,7 @@
           <a:p>
             <a:fld id="{73B341DB-7226-48ED-93C6-4CA0570B6B59}" type="datetimeFigureOut">
               <a:rPr lang="it-IT" smtClean="0"/>
-              <a:t>03/03/2019</a:t>
+              <a:t>04/03/2019</a:t>
             </a:fld>
             <a:endParaRPr lang="it-IT"/>
           </a:p>
@@ -4818,7 +4818,7 @@
           <a:p>
             <a:fld id="{73B341DB-7226-48ED-93C6-4CA0570B6B59}" type="datetimeFigureOut">
               <a:rPr lang="it-IT" smtClean="0"/>
-              <a:t>03/03/2019</a:t>
+              <a:t>04/03/2019</a:t>
             </a:fld>
             <a:endParaRPr lang="it-IT"/>
           </a:p>
@@ -4959,7 +4959,7 @@
           <a:p>
             <a:fld id="{73B341DB-7226-48ED-93C6-4CA0570B6B59}" type="datetimeFigureOut">
               <a:rPr lang="it-IT" smtClean="0"/>
-              <a:t>03/03/2019</a:t>
+              <a:t>04/03/2019</a:t>
             </a:fld>
             <a:endParaRPr lang="it-IT"/>
           </a:p>
@@ -5072,7 +5072,7 @@
           <a:p>
             <a:fld id="{73B341DB-7226-48ED-93C6-4CA0570B6B59}" type="datetimeFigureOut">
               <a:rPr lang="it-IT" smtClean="0"/>
-              <a:t>03/03/2019</a:t>
+              <a:t>04/03/2019</a:t>
             </a:fld>
             <a:endParaRPr lang="it-IT"/>
           </a:p>
@@ -5383,7 +5383,7 @@
           <a:p>
             <a:fld id="{73B341DB-7226-48ED-93C6-4CA0570B6B59}" type="datetimeFigureOut">
               <a:rPr lang="it-IT" smtClean="0"/>
-              <a:t>03/03/2019</a:t>
+              <a:t>04/03/2019</a:t>
             </a:fld>
             <a:endParaRPr lang="it-IT"/>
           </a:p>
@@ -5671,7 +5671,7 @@
           <a:p>
             <a:fld id="{73B341DB-7226-48ED-93C6-4CA0570B6B59}" type="datetimeFigureOut">
               <a:rPr lang="it-IT" smtClean="0"/>
-              <a:t>03/03/2019</a:t>
+              <a:t>04/03/2019</a:t>
             </a:fld>
             <a:endParaRPr lang="it-IT"/>
           </a:p>
@@ -5912,7 +5912,7 @@
           <a:p>
             <a:fld id="{73B341DB-7226-48ED-93C6-4CA0570B6B59}" type="datetimeFigureOut">
               <a:rPr lang="it-IT" smtClean="0"/>
-              <a:t>03/03/2019</a:t>
+              <a:t>04/03/2019</a:t>
             </a:fld>
             <a:endParaRPr lang="it-IT"/>
           </a:p>
@@ -6480,7 +6480,7 @@
           <a:p>
             <a:fld id="{6A95F648-2F94-41D1-A59D-39CB3696F9AB}" type="datetimeFigureOut">
               <a:rPr lang="it-IT" smtClean="0"/>
-              <a:t>03/03/2019</a:t>
+              <a:t>04/03/2019</a:t>
             </a:fld>
             <a:endParaRPr lang="it-IT"/>
           </a:p>
@@ -37964,8 +37964,8 @@
           </p:sp>
         </mc:Fallback>
       </mc:AlternateContent>
-      <mc:AlternateContent xmlns:mc="http://schemas.openxmlformats.org/markup-compatibility/2006">
-        <mc:Choice xmlns:a14="http://schemas.microsoft.com/office/drawing/2010/main" Requires="a14">
+      <mc:AlternateContent xmlns:mc="http://schemas.openxmlformats.org/markup-compatibility/2006" xmlns:a14="http://schemas.microsoft.com/office/drawing/2010/main">
+        <mc:Choice Requires="a14">
           <p:sp>
             <p:nvSpPr>
               <p:cNvPr id="25" name="CasellaDiTesto 24">
@@ -38013,7 +38013,7 @@
             </p:txBody>
           </p:sp>
         </mc:Choice>
-        <mc:Fallback>
+        <mc:Fallback xmlns="">
           <p:sp>
             <p:nvSpPr>
               <p:cNvPr id="25" name="CasellaDiTesto 24">
@@ -39251,92 +39251,113 @@
           </p:sp>
         </mc:Fallback>
       </mc:AlternateContent>
-      <p:cxnSp>
-        <p:nvCxnSpPr>
-          <p:cNvPr id="31" name="Connettore 2 30">
-            <a:extLst>
-              <a:ext uri="{FF2B5EF4-FFF2-40B4-BE49-F238E27FC236}">
-                <a16:creationId xmlns:a16="http://schemas.microsoft.com/office/drawing/2014/main" id="{582B8972-AAC0-46CB-A40B-37236DA95C48}"/>
-              </a:ext>
-            </a:extLst>
-          </p:cNvPr>
-          <p:cNvCxnSpPr/>
+      <p:grpSp>
+        <p:nvGrpSpPr>
+          <p:cNvPr id="2" name="Gruppo 1">
+            <a:extLst>
+              <a:ext uri="{FF2B5EF4-FFF2-40B4-BE49-F238E27FC236}">
+                <a16:creationId xmlns:a16="http://schemas.microsoft.com/office/drawing/2014/main" id="{B60C4727-91BB-4362-BC4C-91E69A79C841}"/>
+              </a:ext>
+            </a:extLst>
+          </p:cNvPr>
+          <p:cNvGrpSpPr/>
           <p:nvPr/>
-        </p:nvCxnSpPr>
-        <p:spPr>
+        </p:nvGrpSpPr>
+        <p:grpSpPr>
           <a:xfrm>
-            <a:off x="11412000" y="180000"/>
-            <a:ext cx="0" cy="1980000"/>
-          </a:xfrm>
-          <a:prstGeom prst="straightConnector1">
-            <a:avLst/>
-          </a:prstGeom>
-          <a:ln w="12700">
-            <a:solidFill>
+            <a:off x="11376000" y="180000"/>
+            <a:ext cx="72000" cy="1980000"/>
+            <a:chOff x="11376000" y="180000"/>
+            <a:chExt cx="72000" cy="1980000"/>
+          </a:xfrm>
+        </p:grpSpPr>
+        <p:cxnSp>
+          <p:nvCxnSpPr>
+            <p:cNvPr id="31" name="Connettore 2 30">
+              <a:extLst>
+                <a:ext uri="{FF2B5EF4-FFF2-40B4-BE49-F238E27FC236}">
+                  <a16:creationId xmlns:a16="http://schemas.microsoft.com/office/drawing/2014/main" id="{582B8972-AAC0-46CB-A40B-37236DA95C48}"/>
+                </a:ext>
+              </a:extLst>
+            </p:cNvPr>
+            <p:cNvCxnSpPr/>
+            <p:nvPr/>
+          </p:nvCxnSpPr>
+          <p:spPr>
+            <a:xfrm>
+              <a:off x="11412000" y="180000"/>
+              <a:ext cx="0" cy="1980000"/>
+            </a:xfrm>
+            <a:prstGeom prst="straightConnector1">
+              <a:avLst/>
+            </a:prstGeom>
+            <a:ln w="12700">
+              <a:solidFill>
+                <a:schemeClr val="tx1"/>
+              </a:solidFill>
+              <a:headEnd type="arrow"/>
+              <a:tailEnd type="none"/>
+            </a:ln>
+          </p:spPr>
+          <p:style>
+            <a:lnRef idx="1">
+              <a:schemeClr val="accent1"/>
+            </a:lnRef>
+            <a:fillRef idx="0">
+              <a:schemeClr val="accent1"/>
+            </a:fillRef>
+            <a:effectRef idx="0">
+              <a:schemeClr val="accent1"/>
+            </a:effectRef>
+            <a:fontRef idx="minor">
               <a:schemeClr val="tx1"/>
-            </a:solidFill>
-            <a:headEnd type="arrow"/>
-            <a:tailEnd type="none"/>
-          </a:ln>
-        </p:spPr>
-        <p:style>
-          <a:lnRef idx="1">
-            <a:schemeClr val="accent1"/>
-          </a:lnRef>
-          <a:fillRef idx="0">
-            <a:schemeClr val="accent1"/>
-          </a:fillRef>
-          <a:effectRef idx="0">
-            <a:schemeClr val="accent1"/>
-          </a:effectRef>
-          <a:fontRef idx="minor">
-            <a:schemeClr val="tx1"/>
-          </a:fontRef>
-        </p:style>
-      </p:cxnSp>
-      <p:cxnSp>
-        <p:nvCxnSpPr>
-          <p:cNvPr id="32" name="Connettore diritto 31">
-            <a:extLst>
-              <a:ext uri="{FF2B5EF4-FFF2-40B4-BE49-F238E27FC236}">
-                <a16:creationId xmlns:a16="http://schemas.microsoft.com/office/drawing/2014/main" id="{00187439-B847-4DF7-96FA-86F32CDA0903}"/>
-              </a:ext>
-            </a:extLst>
-          </p:cNvPr>
-          <p:cNvCxnSpPr/>
-          <p:nvPr/>
-        </p:nvCxnSpPr>
-        <p:spPr>
-          <a:xfrm>
-            <a:off x="11376000" y="1800000"/>
-            <a:ext cx="72000" cy="0"/>
-          </a:xfrm>
-          <a:prstGeom prst="line">
-            <a:avLst/>
-          </a:prstGeom>
-          <a:ln w="12700" cap="sq">
-            <a:solidFill>
+            </a:fontRef>
+          </p:style>
+        </p:cxnSp>
+        <p:cxnSp>
+          <p:nvCxnSpPr>
+            <p:cNvPr id="32" name="Connettore diritto 31">
+              <a:extLst>
+                <a:ext uri="{FF2B5EF4-FFF2-40B4-BE49-F238E27FC236}">
+                  <a16:creationId xmlns:a16="http://schemas.microsoft.com/office/drawing/2014/main" id="{00187439-B847-4DF7-96FA-86F32CDA0903}"/>
+                </a:ext>
+              </a:extLst>
+            </p:cNvPr>
+            <p:cNvCxnSpPr/>
+            <p:nvPr/>
+          </p:nvCxnSpPr>
+          <p:spPr>
+            <a:xfrm>
+              <a:off x="11376000" y="1800000"/>
+              <a:ext cx="72000" cy="0"/>
+            </a:xfrm>
+            <a:prstGeom prst="line">
+              <a:avLst/>
+            </a:prstGeom>
+            <a:ln w="12700" cap="sq">
+              <a:solidFill>
+                <a:schemeClr val="tx1"/>
+              </a:solidFill>
+            </a:ln>
+          </p:spPr>
+          <p:style>
+            <a:lnRef idx="1">
+              <a:schemeClr val="accent1"/>
+            </a:lnRef>
+            <a:fillRef idx="0">
+              <a:schemeClr val="accent1"/>
+            </a:fillRef>
+            <a:effectRef idx="0">
+              <a:schemeClr val="accent1"/>
+            </a:effectRef>
+            <a:fontRef idx="minor">
               <a:schemeClr val="tx1"/>
-            </a:solidFill>
-          </a:ln>
-        </p:spPr>
-        <p:style>
-          <a:lnRef idx="1">
-            <a:schemeClr val="accent1"/>
-          </a:lnRef>
-          <a:fillRef idx="0">
-            <a:schemeClr val="accent1"/>
-          </a:fillRef>
-          <a:effectRef idx="0">
-            <a:schemeClr val="accent1"/>
-          </a:effectRef>
-          <a:fontRef idx="minor">
-            <a:schemeClr val="tx1"/>
-          </a:fontRef>
-        </p:style>
-      </p:cxnSp>
-      <mc:AlternateContent xmlns:mc="http://schemas.openxmlformats.org/markup-compatibility/2006">
-        <mc:Choice xmlns:a14="http://schemas.microsoft.com/office/drawing/2010/main" Requires="a14">
+            </a:fontRef>
+          </p:style>
+        </p:cxnSp>
+      </p:grpSp>
+      <mc:AlternateContent xmlns:mc="http://schemas.openxmlformats.org/markup-compatibility/2006" xmlns:a14="http://schemas.microsoft.com/office/drawing/2010/main">
+        <mc:Choice Requires="a14">
           <p:sp>
             <p:nvSpPr>
               <p:cNvPr id="33" name="CasellaDiTesto 32">
@@ -39386,7 +39407,7 @@
             </p:txBody>
           </p:sp>
         </mc:Choice>
-        <mc:Fallback>
+        <mc:Fallback xmlns="">
           <p:sp>
             <p:nvSpPr>
               <p:cNvPr id="33" name="CasellaDiTesto 32">
@@ -39431,8 +39452,8 @@
           </p:sp>
         </mc:Fallback>
       </mc:AlternateContent>
-      <mc:AlternateContent xmlns:mc="http://schemas.openxmlformats.org/markup-compatibility/2006">
-        <mc:Choice xmlns:a14="http://schemas.microsoft.com/office/drawing/2010/main" Requires="a14">
+      <mc:AlternateContent xmlns:mc="http://schemas.openxmlformats.org/markup-compatibility/2006" xmlns:a14="http://schemas.microsoft.com/office/drawing/2010/main">
+        <mc:Choice Requires="a14">
           <p:sp>
             <p:nvSpPr>
               <p:cNvPr id="34" name="CasellaDiTesto 33">
@@ -39482,7 +39503,7 @@
             </p:txBody>
           </p:sp>
         </mc:Choice>
-        <mc:Fallback>
+        <mc:Fallback xmlns="">
           <p:sp>
             <p:nvSpPr>
               <p:cNvPr id="34" name="CasellaDiTesto 33">
@@ -40108,7 +40129,7 @@
             </p:nvSpPr>
             <p:spPr>
               <a:xfrm>
-                <a:off x="10430609" y="809803"/>
+                <a:off x="9954000" y="809803"/>
                 <a:ext cx="540000" cy="369332"/>
               </a:xfrm>
               <a:prstGeom prst="rect">
@@ -40185,7 +40206,7 @@
             </p:nvSpPr>
             <p:spPr>
               <a:xfrm>
-                <a:off x="10430609" y="809803"/>
+                <a:off x="9954000" y="809803"/>
                 <a:ext cx="540000" cy="369332"/>
               </a:xfrm>
               <a:prstGeom prst="rect">
@@ -40194,7 +40215,7 @@
               <a:blipFill>
                 <a:blip r:embed="rId2"/>
                 <a:stretch>
-                  <a:fillRect l="-4494"/>
+                  <a:fillRect l="-4545"/>
                 </a:stretch>
               </a:blipFill>
             </p:spPr>
@@ -41084,6 +41105,558 @@
           </a:fontRef>
         </p:style>
       </p:cxnSp>
+      <p:cxnSp>
+        <p:nvCxnSpPr>
+          <p:cNvPr id="39" name="Connettore 2 38">
+            <a:extLst>
+              <a:ext uri="{FF2B5EF4-FFF2-40B4-BE49-F238E27FC236}">
+                <a16:creationId xmlns:a16="http://schemas.microsoft.com/office/drawing/2014/main" id="{C99A45B3-287D-426D-A557-E3600A617328}"/>
+              </a:ext>
+            </a:extLst>
+          </p:cNvPr>
+          <p:cNvCxnSpPr/>
+          <p:nvPr/>
+        </p:nvCxnSpPr>
+        <p:spPr>
+          <a:xfrm>
+            <a:off x="10620000" y="252000"/>
+            <a:ext cx="0" cy="1260000"/>
+          </a:xfrm>
+          <a:prstGeom prst="straightConnector1">
+            <a:avLst/>
+          </a:prstGeom>
+          <a:ln w="12700">
+            <a:solidFill>
+              <a:schemeClr val="tx1"/>
+            </a:solidFill>
+            <a:headEnd type="arrow"/>
+            <a:tailEnd type="none"/>
+          </a:ln>
+        </p:spPr>
+        <p:style>
+          <a:lnRef idx="1">
+            <a:schemeClr val="accent1"/>
+          </a:lnRef>
+          <a:fillRef idx="0">
+            <a:schemeClr val="accent1"/>
+          </a:fillRef>
+          <a:effectRef idx="0">
+            <a:schemeClr val="accent1"/>
+          </a:effectRef>
+          <a:fontRef idx="minor">
+            <a:schemeClr val="tx1"/>
+          </a:fontRef>
+        </p:style>
+      </p:cxnSp>
+      <p:cxnSp>
+        <p:nvCxnSpPr>
+          <p:cNvPr id="40" name="Connettore diritto 39">
+            <a:extLst>
+              <a:ext uri="{FF2B5EF4-FFF2-40B4-BE49-F238E27FC236}">
+                <a16:creationId xmlns:a16="http://schemas.microsoft.com/office/drawing/2014/main" id="{FA1E8366-5233-4A85-8CE2-A6441203982A}"/>
+              </a:ext>
+            </a:extLst>
+          </p:cNvPr>
+          <p:cNvCxnSpPr/>
+          <p:nvPr/>
+        </p:nvCxnSpPr>
+        <p:spPr>
+          <a:xfrm>
+            <a:off x="10584000" y="1368000"/>
+            <a:ext cx="72000" cy="0"/>
+          </a:xfrm>
+          <a:prstGeom prst="line">
+            <a:avLst/>
+          </a:prstGeom>
+          <a:ln w="12700" cap="sq">
+            <a:solidFill>
+              <a:schemeClr val="tx1"/>
+            </a:solidFill>
+          </a:ln>
+        </p:spPr>
+        <p:style>
+          <a:lnRef idx="1">
+            <a:schemeClr val="accent1"/>
+          </a:lnRef>
+          <a:fillRef idx="0">
+            <a:schemeClr val="accent1"/>
+          </a:fillRef>
+          <a:effectRef idx="0">
+            <a:schemeClr val="accent1"/>
+          </a:effectRef>
+          <a:fontRef idx="minor">
+            <a:schemeClr val="tx1"/>
+          </a:fontRef>
+        </p:style>
+      </p:cxnSp>
+      <mc:AlternateContent xmlns:mc="http://schemas.openxmlformats.org/markup-compatibility/2006" xmlns:a14="http://schemas.microsoft.com/office/drawing/2010/main">
+        <mc:Choice Requires="a14">
+          <p:sp>
+            <p:nvSpPr>
+              <p:cNvPr id="41" name="CasellaDiTesto 40">
+                <a:extLst>
+                  <a:ext uri="{FF2B5EF4-FFF2-40B4-BE49-F238E27FC236}">
+                    <a16:creationId xmlns:a16="http://schemas.microsoft.com/office/drawing/2014/main" id="{F9EBAB4D-D138-4F72-AA8D-D76707904256}"/>
+                  </a:ext>
+                </a:extLst>
+              </p:cNvPr>
+              <p:cNvSpPr txBox="1"/>
+              <p:nvPr/>
+            </p:nvSpPr>
+            <p:spPr>
+              <a:xfrm>
+                <a:off x="10377611" y="-96988"/>
+                <a:ext cx="540000" cy="369332"/>
+              </a:xfrm>
+              <a:prstGeom prst="rect">
+                <a:avLst/>
+              </a:prstGeom>
+              <a:noFill/>
+            </p:spPr>
+            <p:txBody>
+              <a:bodyPr wrap="square" rtlCol="0">
+                <a:spAutoFit/>
+              </a:bodyPr>
+              <a:lstStyle/>
+              <a:p>
+                <a:pPr algn="ctr"/>
+                <a14:m>
+                  <m:oMathPara xmlns:m="http://schemas.openxmlformats.org/officeDocument/2006/math">
+                    <m:oMathParaPr>
+                      <m:jc m:val="center"/>
+                    </m:oMathParaPr>
+                    <m:oMath xmlns:m="http://schemas.openxmlformats.org/officeDocument/2006/math">
+                      <m:r>
+                        <a:rPr lang="it-IT" b="0" i="1" smtClean="0">
+                          <a:latin typeface="Cambria Math" panose="02040503050406030204" pitchFamily="18" charset="0"/>
+                        </a:rPr>
+                        <m:t>𝑦</m:t>
+                      </m:r>
+                    </m:oMath>
+                  </m:oMathPara>
+                </a14:m>
+                <a:endParaRPr lang="it-IT" sz="1400" i="1" dirty="0"/>
+              </a:p>
+            </p:txBody>
+          </p:sp>
+        </mc:Choice>
+        <mc:Fallback xmlns="">
+          <p:sp>
+            <p:nvSpPr>
+              <p:cNvPr id="41" name="CasellaDiTesto 40">
+                <a:extLst>
+                  <a:ext uri="{FF2B5EF4-FFF2-40B4-BE49-F238E27FC236}">
+                    <a16:creationId xmlns:a16="http://schemas.microsoft.com/office/drawing/2014/main" id="{F9EBAB4D-D138-4F72-AA8D-D76707904256}"/>
+                  </a:ext>
+                </a:extLst>
+              </p:cNvPr>
+              <p:cNvSpPr txBox="1">
+                <a:spLocks noRot="1" noChangeAspect="1" noMove="1" noResize="1" noEditPoints="1" noAdjustHandles="1" noChangeArrowheads="1" noChangeShapeType="1" noTextEdit="1"/>
+              </p:cNvSpPr>
+              <p:nvPr/>
+            </p:nvSpPr>
+            <p:spPr>
+              <a:xfrm>
+                <a:off x="10377611" y="-96988"/>
+                <a:ext cx="540000" cy="369332"/>
+              </a:xfrm>
+              <a:prstGeom prst="rect">
+                <a:avLst/>
+              </a:prstGeom>
+              <a:blipFill>
+                <a:blip r:embed="rId6"/>
+                <a:stretch>
+                  <a:fillRect b="-6557"/>
+                </a:stretch>
+              </a:blipFill>
+            </p:spPr>
+            <p:txBody>
+              <a:bodyPr/>
+              <a:lstStyle/>
+              <a:p>
+                <a:r>
+                  <a:rPr lang="it-IT">
+                    <a:noFill/>
+                  </a:rPr>
+                  <a:t> </a:t>
+                </a:r>
+              </a:p>
+            </p:txBody>
+          </p:sp>
+        </mc:Fallback>
+      </mc:AlternateContent>
+      <mc:AlternateContent xmlns:mc="http://schemas.openxmlformats.org/markup-compatibility/2006" xmlns:a14="http://schemas.microsoft.com/office/drawing/2010/main">
+        <mc:Choice Requires="a14">
+          <p:sp>
+            <p:nvSpPr>
+              <p:cNvPr id="42" name="CasellaDiTesto 41">
+                <a:extLst>
+                  <a:ext uri="{FF2B5EF4-FFF2-40B4-BE49-F238E27FC236}">
+                    <a16:creationId xmlns:a16="http://schemas.microsoft.com/office/drawing/2014/main" id="{6297F5ED-836D-470A-9990-4A434A86F732}"/>
+                  </a:ext>
+                </a:extLst>
+              </p:cNvPr>
+              <p:cNvSpPr txBox="1"/>
+              <p:nvPr/>
+            </p:nvSpPr>
+            <p:spPr>
+              <a:xfrm>
+                <a:off x="10531222" y="1178463"/>
+                <a:ext cx="486510" cy="369332"/>
+              </a:xfrm>
+              <a:prstGeom prst="rect">
+                <a:avLst/>
+              </a:prstGeom>
+              <a:noFill/>
+            </p:spPr>
+            <p:txBody>
+              <a:bodyPr wrap="square" rtlCol="0">
+                <a:spAutoFit/>
+              </a:bodyPr>
+              <a:lstStyle/>
+              <a:p>
+                <a:pPr algn="ctr"/>
+                <a14:m>
+                  <m:oMathPara xmlns:m="http://schemas.openxmlformats.org/officeDocument/2006/math">
+                    <m:oMathParaPr>
+                      <m:jc m:val="center"/>
+                    </m:oMathParaPr>
+                    <m:oMath xmlns:m="http://schemas.openxmlformats.org/officeDocument/2006/math">
+                      <m:r>
+                        <a:rPr lang="it-IT" b="0" i="1" smtClean="0">
+                          <a:latin typeface="Cambria Math" panose="02040503050406030204" pitchFamily="18" charset="0"/>
+                        </a:rPr>
+                        <m:t>0</m:t>
+                      </m:r>
+                    </m:oMath>
+                  </m:oMathPara>
+                </a14:m>
+                <a:endParaRPr lang="it-IT" sz="1400" i="1" dirty="0"/>
+              </a:p>
+            </p:txBody>
+          </p:sp>
+        </mc:Choice>
+        <mc:Fallback xmlns="">
+          <p:sp>
+            <p:nvSpPr>
+              <p:cNvPr id="42" name="CasellaDiTesto 41">
+                <a:extLst>
+                  <a:ext uri="{FF2B5EF4-FFF2-40B4-BE49-F238E27FC236}">
+                    <a16:creationId xmlns:a16="http://schemas.microsoft.com/office/drawing/2014/main" id="{6297F5ED-836D-470A-9990-4A434A86F732}"/>
+                  </a:ext>
+                </a:extLst>
+              </p:cNvPr>
+              <p:cNvSpPr txBox="1">
+                <a:spLocks noRot="1" noChangeAspect="1" noMove="1" noResize="1" noEditPoints="1" noAdjustHandles="1" noChangeArrowheads="1" noChangeShapeType="1" noTextEdit="1"/>
+              </p:cNvSpPr>
+              <p:nvPr/>
+            </p:nvSpPr>
+            <p:spPr>
+              <a:xfrm>
+                <a:off x="10531222" y="1178463"/>
+                <a:ext cx="486510" cy="369332"/>
+              </a:xfrm>
+              <a:prstGeom prst="rect">
+                <a:avLst/>
+              </a:prstGeom>
+              <a:blipFill>
+                <a:blip r:embed="rId7"/>
+                <a:stretch>
+                  <a:fillRect/>
+                </a:stretch>
+              </a:blipFill>
+            </p:spPr>
+            <p:txBody>
+              <a:bodyPr/>
+              <a:lstStyle/>
+              <a:p>
+                <a:r>
+                  <a:rPr lang="it-IT">
+                    <a:noFill/>
+                  </a:rPr>
+                  <a:t> </a:t>
+                </a:r>
+              </a:p>
+            </p:txBody>
+          </p:sp>
+        </mc:Fallback>
+      </mc:AlternateContent>
+      <mc:AlternateContent xmlns:mc="http://schemas.openxmlformats.org/markup-compatibility/2006">
+        <mc:Choice xmlns:a14="http://schemas.microsoft.com/office/drawing/2010/main" Requires="a14">
+          <p:sp>
+            <p:nvSpPr>
+              <p:cNvPr id="38" name="CasellaDiTesto 37">
+                <a:extLst>
+                  <a:ext uri="{FF2B5EF4-FFF2-40B4-BE49-F238E27FC236}">
+                    <a16:creationId xmlns:a16="http://schemas.microsoft.com/office/drawing/2014/main" id="{33B5B7FF-FFEF-4959-B95E-D77C2412BB70}"/>
+                  </a:ext>
+                </a:extLst>
+              </p:cNvPr>
+              <p:cNvSpPr txBox="1"/>
+              <p:nvPr/>
+            </p:nvSpPr>
+            <p:spPr>
+              <a:xfrm>
+                <a:off x="143629" y="1416989"/>
+                <a:ext cx="486510" cy="369332"/>
+              </a:xfrm>
+              <a:prstGeom prst="rect">
+                <a:avLst/>
+              </a:prstGeom>
+              <a:noFill/>
+            </p:spPr>
+            <p:txBody>
+              <a:bodyPr wrap="square" rtlCol="0">
+                <a:spAutoFit/>
+              </a:bodyPr>
+              <a:lstStyle/>
+              <a:p>
+                <a:pPr algn="ctr"/>
+                <a14:m>
+                  <m:oMathPara xmlns:m="http://schemas.openxmlformats.org/officeDocument/2006/math">
+                    <m:oMathParaPr>
+                      <m:jc m:val="center"/>
+                    </m:oMathParaPr>
+                    <m:oMath xmlns:m="http://schemas.openxmlformats.org/officeDocument/2006/math">
+                      <m:r>
+                        <a:rPr lang="it-IT" b="0" i="1" smtClean="0">
+                          <a:latin typeface="Cambria Math" panose="02040503050406030204" pitchFamily="18" charset="0"/>
+                        </a:rPr>
+                        <m:t>0</m:t>
+                      </m:r>
+                    </m:oMath>
+                  </m:oMathPara>
+                </a14:m>
+                <a:endParaRPr lang="it-IT" sz="1400" i="1" dirty="0"/>
+              </a:p>
+            </p:txBody>
+          </p:sp>
+        </mc:Choice>
+        <mc:Fallback>
+          <p:sp>
+            <p:nvSpPr>
+              <p:cNvPr id="38" name="CasellaDiTesto 37">
+                <a:extLst>
+                  <a:ext uri="{FF2B5EF4-FFF2-40B4-BE49-F238E27FC236}">
+                    <a16:creationId xmlns:a16="http://schemas.microsoft.com/office/drawing/2014/main" id="{33B5B7FF-FFEF-4959-B95E-D77C2412BB70}"/>
+                  </a:ext>
+                </a:extLst>
+              </p:cNvPr>
+              <p:cNvSpPr txBox="1">
+                <a:spLocks noRot="1" noChangeAspect="1" noMove="1" noResize="1" noEditPoints="1" noAdjustHandles="1" noChangeArrowheads="1" noChangeShapeType="1" noTextEdit="1"/>
+              </p:cNvSpPr>
+              <p:nvPr/>
+            </p:nvSpPr>
+            <p:spPr>
+              <a:xfrm>
+                <a:off x="143629" y="1416989"/>
+                <a:ext cx="486510" cy="369332"/>
+              </a:xfrm>
+              <a:prstGeom prst="rect">
+                <a:avLst/>
+              </a:prstGeom>
+              <a:blipFill>
+                <a:blip r:embed="rId8"/>
+                <a:stretch>
+                  <a:fillRect/>
+                </a:stretch>
+              </a:blipFill>
+            </p:spPr>
+            <p:txBody>
+              <a:bodyPr/>
+              <a:lstStyle/>
+              <a:p>
+                <a:r>
+                  <a:rPr lang="it-IT">
+                    <a:noFill/>
+                  </a:rPr>
+                  <a:t> </a:t>
+                </a:r>
+              </a:p>
+            </p:txBody>
+          </p:sp>
+        </mc:Fallback>
+      </mc:AlternateContent>
+      <p:cxnSp>
+        <p:nvCxnSpPr>
+          <p:cNvPr id="43" name="Connettore 2 42">
+            <a:extLst>
+              <a:ext uri="{FF2B5EF4-FFF2-40B4-BE49-F238E27FC236}">
+                <a16:creationId xmlns:a16="http://schemas.microsoft.com/office/drawing/2014/main" id="{9E20FFC2-DA5E-461C-BBFD-D0D4397F3B78}"/>
+              </a:ext>
+            </a:extLst>
+          </p:cNvPr>
+          <p:cNvCxnSpPr/>
+          <p:nvPr/>
+        </p:nvCxnSpPr>
+        <p:spPr>
+          <a:xfrm>
+            <a:off x="252000" y="1440000"/>
+            <a:ext cx="1260000" cy="0"/>
+          </a:xfrm>
+          <a:prstGeom prst="straightConnector1">
+            <a:avLst/>
+          </a:prstGeom>
+          <a:ln w="12700">
+            <a:solidFill>
+              <a:schemeClr val="tx1"/>
+            </a:solidFill>
+            <a:headEnd type="none"/>
+            <a:tailEnd type="arrow"/>
+          </a:ln>
+        </p:spPr>
+        <p:style>
+          <a:lnRef idx="1">
+            <a:schemeClr val="accent1"/>
+          </a:lnRef>
+          <a:fillRef idx="0">
+            <a:schemeClr val="accent1"/>
+          </a:fillRef>
+          <a:effectRef idx="0">
+            <a:schemeClr val="accent1"/>
+          </a:effectRef>
+          <a:fontRef idx="minor">
+            <a:schemeClr val="tx1"/>
+          </a:fontRef>
+        </p:style>
+      </p:cxnSp>
+      <p:cxnSp>
+        <p:nvCxnSpPr>
+          <p:cNvPr id="44" name="Connettore diritto 43">
+            <a:extLst>
+              <a:ext uri="{FF2B5EF4-FFF2-40B4-BE49-F238E27FC236}">
+                <a16:creationId xmlns:a16="http://schemas.microsoft.com/office/drawing/2014/main" id="{EEB4B92D-67BC-44E3-B5F1-C3072B0FDD04}"/>
+              </a:ext>
+            </a:extLst>
+          </p:cNvPr>
+          <p:cNvCxnSpPr/>
+          <p:nvPr/>
+        </p:nvCxnSpPr>
+        <p:spPr>
+          <a:xfrm>
+            <a:off x="360000" y="1404000"/>
+            <a:ext cx="0" cy="72000"/>
+          </a:xfrm>
+          <a:prstGeom prst="line">
+            <a:avLst/>
+          </a:prstGeom>
+          <a:ln w="12700" cap="sq">
+            <a:solidFill>
+              <a:schemeClr val="tx1"/>
+            </a:solidFill>
+          </a:ln>
+        </p:spPr>
+        <p:style>
+          <a:lnRef idx="1">
+            <a:schemeClr val="accent1"/>
+          </a:lnRef>
+          <a:fillRef idx="0">
+            <a:schemeClr val="accent1"/>
+          </a:fillRef>
+          <a:effectRef idx="0">
+            <a:schemeClr val="accent1"/>
+          </a:effectRef>
+          <a:fontRef idx="minor">
+            <a:schemeClr val="tx1"/>
+          </a:fontRef>
+        </p:style>
+      </p:cxnSp>
+      <mc:AlternateContent xmlns:mc="http://schemas.openxmlformats.org/markup-compatibility/2006">
+        <mc:Choice xmlns:a14="http://schemas.microsoft.com/office/drawing/2010/main" Requires="a14">
+          <p:sp>
+            <p:nvSpPr>
+              <p:cNvPr id="45" name="CasellaDiTesto 44">
+                <a:extLst>
+                  <a:ext uri="{FF2B5EF4-FFF2-40B4-BE49-F238E27FC236}">
+                    <a16:creationId xmlns:a16="http://schemas.microsoft.com/office/drawing/2014/main" id="{B6F71516-4FDD-4D99-981C-6242CEA5595D}"/>
+                  </a:ext>
+                </a:extLst>
+              </p:cNvPr>
+              <p:cNvSpPr txBox="1"/>
+              <p:nvPr/>
+            </p:nvSpPr>
+            <p:spPr>
+              <a:xfrm>
+                <a:off x="1368000" y="1248567"/>
+                <a:ext cx="540000" cy="369332"/>
+              </a:xfrm>
+              <a:prstGeom prst="rect">
+                <a:avLst/>
+              </a:prstGeom>
+              <a:noFill/>
+            </p:spPr>
+            <p:txBody>
+              <a:bodyPr wrap="square" rtlCol="0">
+                <a:spAutoFit/>
+              </a:bodyPr>
+              <a:lstStyle/>
+              <a:p>
+                <a:pPr algn="ctr"/>
+                <a14:m>
+                  <m:oMathPara xmlns:m="http://schemas.openxmlformats.org/officeDocument/2006/math">
+                    <m:oMathParaPr>
+                      <m:jc m:val="center"/>
+                    </m:oMathParaPr>
+                    <m:oMath xmlns:m="http://schemas.openxmlformats.org/officeDocument/2006/math">
+                      <m:r>
+                        <a:rPr lang="it-IT" b="0" i="1" smtClean="0">
+                          <a:latin typeface="Cambria Math" panose="02040503050406030204" pitchFamily="18" charset="0"/>
+                        </a:rPr>
+                        <m:t>𝑥</m:t>
+                      </m:r>
+                    </m:oMath>
+                  </m:oMathPara>
+                </a14:m>
+                <a:endParaRPr lang="it-IT" sz="1400" i="1" dirty="0"/>
+              </a:p>
+            </p:txBody>
+          </p:sp>
+        </mc:Choice>
+        <mc:Fallback>
+          <p:sp>
+            <p:nvSpPr>
+              <p:cNvPr id="45" name="CasellaDiTesto 44">
+                <a:extLst>
+                  <a:ext uri="{FF2B5EF4-FFF2-40B4-BE49-F238E27FC236}">
+                    <a16:creationId xmlns:a16="http://schemas.microsoft.com/office/drawing/2014/main" id="{B6F71516-4FDD-4D99-981C-6242CEA5595D}"/>
+                  </a:ext>
+                </a:extLst>
+              </p:cNvPr>
+              <p:cNvSpPr txBox="1">
+                <a:spLocks noRot="1" noChangeAspect="1" noMove="1" noResize="1" noEditPoints="1" noAdjustHandles="1" noChangeArrowheads="1" noChangeShapeType="1" noTextEdit="1"/>
+              </p:cNvSpPr>
+              <p:nvPr/>
+            </p:nvSpPr>
+            <p:spPr>
+              <a:xfrm>
+                <a:off x="1368000" y="1248567"/>
+                <a:ext cx="540000" cy="369332"/>
+              </a:xfrm>
+              <a:prstGeom prst="rect">
+                <a:avLst/>
+              </a:prstGeom>
+              <a:blipFill>
+                <a:blip r:embed="rId9"/>
+                <a:stretch>
+                  <a:fillRect/>
+                </a:stretch>
+              </a:blipFill>
+            </p:spPr>
+            <p:txBody>
+              <a:bodyPr/>
+              <a:lstStyle/>
+              <a:p>
+                <a:r>
+                  <a:rPr lang="it-IT">
+                    <a:noFill/>
+                  </a:rPr>
+                  <a:t> </a:t>
+                </a:r>
+              </a:p>
+            </p:txBody>
+          </p:sp>
+        </mc:Fallback>
+      </mc:AlternateContent>
     </p:spTree>
     <p:extLst>
       <p:ext uri="{BB962C8B-B14F-4D97-AF65-F5344CB8AC3E}">

--- a/img/celle.pptx
+++ b/img/celle.pptx
@@ -6,7 +6,7 @@
     <p:sldMasterId id="2147483660" r:id="rId2"/>
   </p:sldMasterIdLst>
   <p:notesMasterIdLst>
-    <p:notesMasterId r:id="rId28"/>
+    <p:notesMasterId r:id="rId29"/>
   </p:notesMasterIdLst>
   <p:sldIdLst>
     <p:sldId id="256" r:id="rId3"/>
@@ -21,19 +21,20 @@
     <p:sldId id="261" r:id="rId12"/>
     <p:sldId id="262" r:id="rId13"/>
     <p:sldId id="263" r:id="rId14"/>
-    <p:sldId id="265" r:id="rId15"/>
-    <p:sldId id="266" r:id="rId16"/>
-    <p:sldId id="270" r:id="rId17"/>
-    <p:sldId id="271" r:id="rId18"/>
-    <p:sldId id="267" r:id="rId19"/>
-    <p:sldId id="278" r:id="rId20"/>
-    <p:sldId id="279" r:id="rId21"/>
-    <p:sldId id="277" r:id="rId22"/>
-    <p:sldId id="272" r:id="rId23"/>
-    <p:sldId id="275" r:id="rId24"/>
-    <p:sldId id="276" r:id="rId25"/>
-    <p:sldId id="274" r:id="rId26"/>
-    <p:sldId id="280" r:id="rId27"/>
+    <p:sldId id="283" r:id="rId15"/>
+    <p:sldId id="265" r:id="rId16"/>
+    <p:sldId id="266" r:id="rId17"/>
+    <p:sldId id="270" r:id="rId18"/>
+    <p:sldId id="271" r:id="rId19"/>
+    <p:sldId id="267" r:id="rId20"/>
+    <p:sldId id="278" r:id="rId21"/>
+    <p:sldId id="279" r:id="rId22"/>
+    <p:sldId id="277" r:id="rId23"/>
+    <p:sldId id="272" r:id="rId24"/>
+    <p:sldId id="275" r:id="rId25"/>
+    <p:sldId id="276" r:id="rId26"/>
+    <p:sldId id="274" r:id="rId27"/>
+    <p:sldId id="280" r:id="rId28"/>
   </p:sldIdLst>
   <p:sldSz cx="12192000" cy="6858000"/>
   <p:notesSz cx="6858000" cy="9144000"/>
@@ -11633,6 +11634,46 @@
           <a:chExt cx="0" cy="0"/>
         </a:xfrm>
       </p:grpSpPr>
+      <p:sp>
+        <p:nvSpPr>
+          <p:cNvPr id="32" name="CasellaDiTesto 31">
+            <a:extLst>
+              <a:ext uri="{FF2B5EF4-FFF2-40B4-BE49-F238E27FC236}">
+                <a16:creationId xmlns:a16="http://schemas.microsoft.com/office/drawing/2014/main" id="{FB09336C-69A5-4E44-8B04-DB7DEA148F4E}"/>
+              </a:ext>
+            </a:extLst>
+          </p:cNvPr>
+          <p:cNvSpPr txBox="1"/>
+          <p:nvPr/>
+        </p:nvSpPr>
+        <p:spPr>
+          <a:xfrm>
+            <a:off x="2837165" y="2273611"/>
+            <a:ext cx="1063437" cy="338554"/>
+          </a:xfrm>
+          <a:prstGeom prst="rect">
+            <a:avLst/>
+          </a:prstGeom>
+          <a:noFill/>
+        </p:spPr>
+        <p:txBody>
+          <a:bodyPr wrap="square" rtlCol="0">
+            <a:spAutoFit/>
+          </a:bodyPr>
+          <a:lstStyle/>
+          <a:p>
+            <a:pPr algn="ctr"/>
+            <a:r>
+              <a:rPr lang="it-IT" sz="1600" i="1" dirty="0"/>
+              <a:t>h</a:t>
+            </a:r>
+            <a:r>
+              <a:rPr lang="it-IT" sz="1600" dirty="0"/>
+              <a:t> = 0.1 m</a:t>
+            </a:r>
+          </a:p>
+        </p:txBody>
+      </p:sp>
       <p:cxnSp>
         <p:nvCxnSpPr>
           <p:cNvPr id="5" name="Connettore diritto 4">
@@ -11744,8 +11785,8 @@
           </a:fontRef>
         </p:style>
       </p:cxnSp>
-      <mc:AlternateContent xmlns:mc="http://schemas.openxmlformats.org/markup-compatibility/2006" xmlns:a14="http://schemas.microsoft.com/office/drawing/2010/main">
-        <mc:Choice Requires="a14">
+      <mc:AlternateContent xmlns:mc="http://schemas.openxmlformats.org/markup-compatibility/2006">
+        <mc:Choice xmlns:a14="http://schemas.microsoft.com/office/drawing/2010/main" Requires="a14">
           <p:sp>
             <p:nvSpPr>
               <p:cNvPr id="20" name="CasellaDiTesto 19">
@@ -11760,7 +11801,7 @@
             </p:nvSpPr>
             <p:spPr>
               <a:xfrm>
-                <a:off x="5580720" y="-34290"/>
+                <a:off x="5580720" y="267714"/>
                 <a:ext cx="720000" cy="424283"/>
               </a:xfrm>
               <a:prstGeom prst="rect">
@@ -11820,7 +11861,7 @@
             </p:txBody>
           </p:sp>
         </mc:Choice>
-        <mc:Fallback xmlns="">
+        <mc:Fallback>
           <p:sp>
             <p:nvSpPr>
               <p:cNvPr id="20" name="CasellaDiTesto 19">
@@ -11837,7 +11878,7 @@
             </p:nvSpPr>
             <p:spPr>
               <a:xfrm>
-                <a:off x="5580720" y="-34290"/>
+                <a:off x="5580720" y="267714"/>
                 <a:ext cx="720000" cy="424283"/>
               </a:xfrm>
               <a:prstGeom prst="rect">
@@ -13082,6 +13123,49 @@
           </p:sp>
         </mc:Fallback>
       </mc:AlternateContent>
+      <p:cxnSp>
+        <p:nvCxnSpPr>
+          <p:cNvPr id="25" name="Connettore 2 24">
+            <a:extLst>
+              <a:ext uri="{FF2B5EF4-FFF2-40B4-BE49-F238E27FC236}">
+                <a16:creationId xmlns:a16="http://schemas.microsoft.com/office/drawing/2014/main" id="{0A02C1CC-AEED-401C-95DD-8A9D8F3991E4}"/>
+              </a:ext>
+            </a:extLst>
+          </p:cNvPr>
+          <p:cNvCxnSpPr/>
+          <p:nvPr/>
+        </p:nvCxnSpPr>
+        <p:spPr>
+          <a:xfrm>
+            <a:off x="2908074" y="2304000"/>
+            <a:ext cx="0" cy="324000"/>
+          </a:xfrm>
+          <a:prstGeom prst="straightConnector1">
+            <a:avLst/>
+          </a:prstGeom>
+          <a:ln w="12700">
+            <a:solidFill>
+              <a:schemeClr val="tx1"/>
+            </a:solidFill>
+            <a:headEnd type="triangle"/>
+            <a:tailEnd type="triangle"/>
+          </a:ln>
+        </p:spPr>
+        <p:style>
+          <a:lnRef idx="1">
+            <a:schemeClr val="accent1"/>
+          </a:lnRef>
+          <a:fillRef idx="0">
+            <a:schemeClr val="accent1"/>
+          </a:fillRef>
+          <a:effectRef idx="0">
+            <a:schemeClr val="accent1"/>
+          </a:effectRef>
+          <a:fontRef idx="minor">
+            <a:schemeClr val="tx1"/>
+          </a:fontRef>
+        </p:style>
+      </p:cxnSp>
     </p:spTree>
     <p:extLst>
       <p:ext uri="{BB962C8B-B14F-4D97-AF65-F5344CB8AC3E}">
@@ -13096,6 +13180,1547 @@
 </file>
 
 <file path=ppt/slides/slide13.xml><?xml version="1.0" encoding="utf-8"?>
+<p:sld xmlns:a="http://schemas.openxmlformats.org/drawingml/2006/main" xmlns:r="http://schemas.openxmlformats.org/officeDocument/2006/relationships" xmlns:p="http://schemas.openxmlformats.org/presentationml/2006/main">
+  <p:cSld>
+    <p:spTree>
+      <p:nvGrpSpPr>
+        <p:cNvPr id="1" name=""/>
+        <p:cNvGrpSpPr/>
+        <p:nvPr/>
+      </p:nvGrpSpPr>
+      <p:grpSpPr>
+        <a:xfrm>
+          <a:off x="0" y="0"/>
+          <a:ext cx="0" cy="0"/>
+          <a:chOff x="0" y="0"/>
+          <a:chExt cx="0" cy="0"/>
+        </a:xfrm>
+      </p:grpSpPr>
+      <mc:AlternateContent xmlns:mc="http://schemas.openxmlformats.org/markup-compatibility/2006">
+        <mc:Choice xmlns:a14="http://schemas.microsoft.com/office/drawing/2010/main" Requires="a14">
+          <p:sp>
+            <p:nvSpPr>
+              <p:cNvPr id="49" name="CasellaDiTesto 48">
+                <a:extLst>
+                  <a:ext uri="{FF2B5EF4-FFF2-40B4-BE49-F238E27FC236}">
+                    <a16:creationId xmlns:a16="http://schemas.microsoft.com/office/drawing/2014/main" id="{12D4378C-A42A-40DB-A3F5-8DB45B736E16}"/>
+                  </a:ext>
+                </a:extLst>
+              </p:cNvPr>
+              <p:cNvSpPr txBox="1"/>
+              <p:nvPr/>
+            </p:nvSpPr>
+            <p:spPr>
+              <a:xfrm>
+                <a:off x="6809399" y="2331237"/>
+                <a:ext cx="720000" cy="423770"/>
+              </a:xfrm>
+              <a:prstGeom prst="rect">
+                <a:avLst/>
+              </a:prstGeom>
+              <a:noFill/>
+            </p:spPr>
+            <p:txBody>
+              <a:bodyPr wrap="square" rtlCol="0">
+                <a:spAutoFit/>
+              </a:bodyPr>
+              <a:lstStyle/>
+              <a:p>
+                <a:pPr algn="ctr"/>
+                <a14:m>
+                  <m:oMathPara xmlns:m="http://schemas.openxmlformats.org/officeDocument/2006/math">
+                    <m:oMathParaPr>
+                      <m:jc m:val="center"/>
+                    </m:oMathParaPr>
+                    <m:oMath xmlns:m="http://schemas.openxmlformats.org/officeDocument/2006/math">
+                      <m:sSub>
+                        <m:sSubPr>
+                          <m:ctrlPr>
+                            <a:rPr lang="el-GR" sz="2000" i="1" smtClean="0">
+                              <a:latin typeface="Cambria Math" panose="02040503050406030204" pitchFamily="18" charset="0"/>
+                            </a:rPr>
+                          </m:ctrlPr>
+                        </m:sSubPr>
+                        <m:e>
+                          <m:r>
+                            <m:rPr>
+                              <m:sty m:val="p"/>
+                            </m:rPr>
+                            <a:rPr lang="el-GR" sz="2000" i="1" smtClean="0">
+                              <a:latin typeface="Cambria Math" panose="02040503050406030204" pitchFamily="18" charset="0"/>
+                            </a:rPr>
+                            <m:t>Ω</m:t>
+                          </m:r>
+                        </m:e>
+                        <m:sub>
+                          <m:r>
+                            <m:rPr>
+                              <m:sty m:val="p"/>
+                            </m:rPr>
+                            <a:rPr lang="it-IT" sz="2000" b="0" i="0" smtClean="0">
+                              <a:latin typeface="Cambria Math" panose="02040503050406030204" pitchFamily="18" charset="0"/>
+                            </a:rPr>
+                            <m:t>pm</m:t>
+                          </m:r>
+                        </m:sub>
+                      </m:sSub>
+                    </m:oMath>
+                  </m:oMathPara>
+                </a14:m>
+                <a:endParaRPr lang="it-IT" sz="1600" i="1" dirty="0"/>
+              </a:p>
+            </p:txBody>
+          </p:sp>
+        </mc:Choice>
+        <mc:Fallback>
+          <p:sp>
+            <p:nvSpPr>
+              <p:cNvPr id="49" name="CasellaDiTesto 48">
+                <a:extLst>
+                  <a:ext uri="{FF2B5EF4-FFF2-40B4-BE49-F238E27FC236}">
+                    <a16:creationId xmlns:a16="http://schemas.microsoft.com/office/drawing/2014/main" id="{12D4378C-A42A-40DB-A3F5-8DB45B736E16}"/>
+                  </a:ext>
+                </a:extLst>
+              </p:cNvPr>
+              <p:cNvSpPr txBox="1">
+                <a:spLocks noRot="1" noChangeAspect="1" noMove="1" noResize="1" noEditPoints="1" noAdjustHandles="1" noChangeArrowheads="1" noChangeShapeType="1" noTextEdit="1"/>
+              </p:cNvSpPr>
+              <p:nvPr/>
+            </p:nvSpPr>
+            <p:spPr>
+              <a:xfrm>
+                <a:off x="6809399" y="2331237"/>
+                <a:ext cx="720000" cy="423770"/>
+              </a:xfrm>
+              <a:prstGeom prst="rect">
+                <a:avLst/>
+              </a:prstGeom>
+              <a:blipFill>
+                <a:blip r:embed="rId2"/>
+                <a:stretch>
+                  <a:fillRect b="-5714"/>
+                </a:stretch>
+              </a:blipFill>
+            </p:spPr>
+            <p:txBody>
+              <a:bodyPr/>
+              <a:lstStyle/>
+              <a:p>
+                <a:r>
+                  <a:rPr lang="it-IT">
+                    <a:noFill/>
+                  </a:rPr>
+                  <a:t> </a:t>
+                </a:r>
+              </a:p>
+            </p:txBody>
+          </p:sp>
+        </mc:Fallback>
+      </mc:AlternateContent>
+      <p:cxnSp>
+        <p:nvCxnSpPr>
+          <p:cNvPr id="5" name="Connettore diritto 4">
+            <a:extLst>
+              <a:ext uri="{FF2B5EF4-FFF2-40B4-BE49-F238E27FC236}">
+                <a16:creationId xmlns:a16="http://schemas.microsoft.com/office/drawing/2014/main" id="{E452E3E4-5917-4DBC-AD34-4A62D67B7B8D}"/>
+              </a:ext>
+            </a:extLst>
+          </p:cNvPr>
+          <p:cNvCxnSpPr/>
+          <p:nvPr/>
+        </p:nvCxnSpPr>
+        <p:spPr>
+          <a:xfrm>
+            <a:off x="1080000" y="360000"/>
+            <a:ext cx="9720000" cy="0"/>
+          </a:xfrm>
+          <a:prstGeom prst="line">
+            <a:avLst/>
+          </a:prstGeom>
+          <a:ln w="12700" cap="sq"/>
+        </p:spPr>
+        <p:style>
+          <a:lnRef idx="1">
+            <a:schemeClr val="dk1"/>
+          </a:lnRef>
+          <a:fillRef idx="0">
+            <a:schemeClr val="dk1"/>
+          </a:fillRef>
+          <a:effectRef idx="0">
+            <a:schemeClr val="dk1"/>
+          </a:effectRef>
+          <a:fontRef idx="minor">
+            <a:schemeClr val="tx1"/>
+          </a:fontRef>
+        </p:style>
+      </p:cxnSp>
+      <p:cxnSp>
+        <p:nvCxnSpPr>
+          <p:cNvPr id="9" name="Connettore diritto 8">
+            <a:extLst>
+              <a:ext uri="{FF2B5EF4-FFF2-40B4-BE49-F238E27FC236}">
+                <a16:creationId xmlns:a16="http://schemas.microsoft.com/office/drawing/2014/main" id="{44E9C63B-2422-4843-8F90-1C07DFF81060}"/>
+              </a:ext>
+            </a:extLst>
+          </p:cNvPr>
+          <p:cNvCxnSpPr/>
+          <p:nvPr/>
+        </p:nvCxnSpPr>
+        <p:spPr>
+          <a:xfrm>
+            <a:off x="1080000" y="2304000"/>
+            <a:ext cx="1620000" cy="0"/>
+          </a:xfrm>
+          <a:prstGeom prst="line">
+            <a:avLst/>
+          </a:prstGeom>
+          <a:ln w="12700" cap="sq"/>
+        </p:spPr>
+        <p:style>
+          <a:lnRef idx="1">
+            <a:schemeClr val="dk1"/>
+          </a:lnRef>
+          <a:fillRef idx="0">
+            <a:schemeClr val="dk1"/>
+          </a:fillRef>
+          <a:effectRef idx="0">
+            <a:schemeClr val="dk1"/>
+          </a:effectRef>
+          <a:fontRef idx="minor">
+            <a:schemeClr val="tx1"/>
+          </a:fontRef>
+        </p:style>
+      </p:cxnSp>
+      <p:cxnSp>
+        <p:nvCxnSpPr>
+          <p:cNvPr id="10" name="Connettore diritto 9">
+            <a:extLst>
+              <a:ext uri="{FF2B5EF4-FFF2-40B4-BE49-F238E27FC236}">
+                <a16:creationId xmlns:a16="http://schemas.microsoft.com/office/drawing/2014/main" id="{A98EC082-797C-4DA4-84AE-2CE9B937620F}"/>
+              </a:ext>
+            </a:extLst>
+          </p:cNvPr>
+          <p:cNvCxnSpPr/>
+          <p:nvPr/>
+        </p:nvCxnSpPr>
+        <p:spPr>
+          <a:xfrm>
+            <a:off x="9180000" y="2304000"/>
+            <a:ext cx="1620000" cy="0"/>
+          </a:xfrm>
+          <a:prstGeom prst="line">
+            <a:avLst/>
+          </a:prstGeom>
+          <a:ln w="12700" cap="sq"/>
+        </p:spPr>
+        <p:style>
+          <a:lnRef idx="1">
+            <a:schemeClr val="dk1"/>
+          </a:lnRef>
+          <a:fillRef idx="0">
+            <a:schemeClr val="dk1"/>
+          </a:fillRef>
+          <a:effectRef idx="0">
+            <a:schemeClr val="dk1"/>
+          </a:effectRef>
+          <a:fontRef idx="minor">
+            <a:schemeClr val="tx1"/>
+          </a:fontRef>
+        </p:style>
+      </p:cxnSp>
+      <mc:AlternateContent xmlns:mc="http://schemas.openxmlformats.org/markup-compatibility/2006">
+        <mc:Choice xmlns:a14="http://schemas.microsoft.com/office/drawing/2010/main" Requires="a14">
+          <p:sp>
+            <p:nvSpPr>
+              <p:cNvPr id="21" name="CasellaDiTesto 20">
+                <a:extLst>
+                  <a:ext uri="{FF2B5EF4-FFF2-40B4-BE49-F238E27FC236}">
+                    <a16:creationId xmlns:a16="http://schemas.microsoft.com/office/drawing/2014/main" id="{0047343E-80C8-417A-BDFE-4E5213855482}"/>
+                  </a:ext>
+                </a:extLst>
+              </p:cNvPr>
+              <p:cNvSpPr txBox="1"/>
+              <p:nvPr/>
+            </p:nvSpPr>
+            <p:spPr>
+              <a:xfrm>
+                <a:off x="2312553" y="2582280"/>
+                <a:ext cx="540000" cy="400110"/>
+              </a:xfrm>
+              <a:prstGeom prst="rect">
+                <a:avLst/>
+              </a:prstGeom>
+              <a:noFill/>
+            </p:spPr>
+            <p:txBody>
+              <a:bodyPr wrap="square" rtlCol="0">
+                <a:spAutoFit/>
+              </a:bodyPr>
+              <a:lstStyle/>
+              <a:p>
+                <a:pPr algn="ctr"/>
+                <a14:m>
+                  <m:oMathPara xmlns:m="http://schemas.openxmlformats.org/officeDocument/2006/math">
+                    <m:oMathParaPr>
+                      <m:jc m:val="center"/>
+                    </m:oMathParaPr>
+                    <m:oMath xmlns:m="http://schemas.openxmlformats.org/officeDocument/2006/math">
+                      <m:sSub>
+                        <m:sSubPr>
+                          <m:ctrlPr>
+                            <a:rPr lang="el-GR" sz="2000" i="1" smtClean="0">
+                              <a:latin typeface="Cambria Math" panose="02040503050406030204" pitchFamily="18" charset="0"/>
+                            </a:rPr>
+                          </m:ctrlPr>
+                        </m:sSubPr>
+                        <m:e>
+                          <m:r>
+                            <m:rPr>
+                              <m:sty m:val="p"/>
+                            </m:rPr>
+                            <a:rPr lang="el-GR" sz="2000" i="1">
+                              <a:latin typeface="Cambria Math" panose="02040503050406030204" pitchFamily="18" charset="0"/>
+                            </a:rPr>
+                            <m:t>Γ</m:t>
+                          </m:r>
+                        </m:e>
+                        <m:sub>
+                          <m:r>
+                            <a:rPr lang="it-IT" sz="2000" b="0" i="1" smtClean="0">
+                              <a:latin typeface="Cambria Math" panose="02040503050406030204" pitchFamily="18" charset="0"/>
+                            </a:rPr>
+                            <m:t>𝑤</m:t>
+                          </m:r>
+                        </m:sub>
+                      </m:sSub>
+                    </m:oMath>
+                  </m:oMathPara>
+                </a14:m>
+                <a:endParaRPr lang="it-IT" sz="1600" i="1" dirty="0"/>
+              </a:p>
+            </p:txBody>
+          </p:sp>
+        </mc:Choice>
+        <mc:Fallback>
+          <p:sp>
+            <p:nvSpPr>
+              <p:cNvPr id="21" name="CasellaDiTesto 20">
+                <a:extLst>
+                  <a:ext uri="{FF2B5EF4-FFF2-40B4-BE49-F238E27FC236}">
+                    <a16:creationId xmlns:a16="http://schemas.microsoft.com/office/drawing/2014/main" id="{0047343E-80C8-417A-BDFE-4E5213855482}"/>
+                  </a:ext>
+                </a:extLst>
+              </p:cNvPr>
+              <p:cNvSpPr txBox="1">
+                <a:spLocks noRot="1" noChangeAspect="1" noMove="1" noResize="1" noEditPoints="1" noAdjustHandles="1" noChangeArrowheads="1" noChangeShapeType="1" noTextEdit="1"/>
+              </p:cNvSpPr>
+              <p:nvPr/>
+            </p:nvSpPr>
+            <p:spPr>
+              <a:xfrm>
+                <a:off x="2312553" y="2582280"/>
+                <a:ext cx="540000" cy="400110"/>
+              </a:xfrm>
+              <a:prstGeom prst="rect">
+                <a:avLst/>
+              </a:prstGeom>
+              <a:blipFill>
+                <a:blip r:embed="rId3"/>
+                <a:stretch>
+                  <a:fillRect/>
+                </a:stretch>
+              </a:blipFill>
+            </p:spPr>
+            <p:txBody>
+              <a:bodyPr/>
+              <a:lstStyle/>
+              <a:p>
+                <a:r>
+                  <a:rPr lang="it-IT">
+                    <a:noFill/>
+                  </a:rPr>
+                  <a:t> </a:t>
+                </a:r>
+              </a:p>
+            </p:txBody>
+          </p:sp>
+        </mc:Fallback>
+      </mc:AlternateContent>
+      <p:cxnSp>
+        <p:nvCxnSpPr>
+          <p:cNvPr id="26" name="Connettore diritto 25">
+            <a:extLst>
+              <a:ext uri="{FF2B5EF4-FFF2-40B4-BE49-F238E27FC236}">
+                <a16:creationId xmlns:a16="http://schemas.microsoft.com/office/drawing/2014/main" id="{9D895C12-F1D8-466B-BC31-C1F6C427659E}"/>
+              </a:ext>
+            </a:extLst>
+          </p:cNvPr>
+          <p:cNvCxnSpPr/>
+          <p:nvPr/>
+        </p:nvCxnSpPr>
+        <p:spPr>
+          <a:xfrm>
+            <a:off x="9180000" y="2304000"/>
+            <a:ext cx="0" cy="972000"/>
+          </a:xfrm>
+          <a:prstGeom prst="line">
+            <a:avLst/>
+          </a:prstGeom>
+          <a:ln w="12700" cap="sq">
+            <a:solidFill>
+              <a:schemeClr val="tx1"/>
+            </a:solidFill>
+          </a:ln>
+        </p:spPr>
+        <p:style>
+          <a:lnRef idx="1">
+            <a:schemeClr val="accent1"/>
+          </a:lnRef>
+          <a:fillRef idx="0">
+            <a:schemeClr val="accent1"/>
+          </a:fillRef>
+          <a:effectRef idx="0">
+            <a:schemeClr val="accent1"/>
+          </a:effectRef>
+          <a:fontRef idx="minor">
+            <a:schemeClr val="tx1"/>
+          </a:fontRef>
+        </p:style>
+      </p:cxnSp>
+      <p:cxnSp>
+        <p:nvCxnSpPr>
+          <p:cNvPr id="28" name="Connettore diritto 27">
+            <a:extLst>
+              <a:ext uri="{FF2B5EF4-FFF2-40B4-BE49-F238E27FC236}">
+                <a16:creationId xmlns:a16="http://schemas.microsoft.com/office/drawing/2014/main" id="{55E41AE5-48A5-4C34-915E-04692A0CB9AD}"/>
+              </a:ext>
+            </a:extLst>
+          </p:cNvPr>
+          <p:cNvCxnSpPr/>
+          <p:nvPr/>
+        </p:nvCxnSpPr>
+        <p:spPr>
+          <a:xfrm>
+            <a:off x="2700000" y="2304000"/>
+            <a:ext cx="0" cy="972000"/>
+          </a:xfrm>
+          <a:prstGeom prst="line">
+            <a:avLst/>
+          </a:prstGeom>
+          <a:ln w="12700" cap="sq">
+            <a:solidFill>
+              <a:schemeClr val="tx1"/>
+            </a:solidFill>
+          </a:ln>
+        </p:spPr>
+        <p:style>
+          <a:lnRef idx="1">
+            <a:schemeClr val="accent1"/>
+          </a:lnRef>
+          <a:fillRef idx="0">
+            <a:schemeClr val="accent1"/>
+          </a:fillRef>
+          <a:effectRef idx="0">
+            <a:schemeClr val="accent1"/>
+          </a:effectRef>
+          <a:fontRef idx="minor">
+            <a:schemeClr val="tx1"/>
+          </a:fontRef>
+        </p:style>
+      </p:cxnSp>
+      <p:cxnSp>
+        <p:nvCxnSpPr>
+          <p:cNvPr id="12" name="Connettore diritto 11">
+            <a:extLst>
+              <a:ext uri="{FF2B5EF4-FFF2-40B4-BE49-F238E27FC236}">
+                <a16:creationId xmlns:a16="http://schemas.microsoft.com/office/drawing/2014/main" id="{9D4A782E-E9AE-485A-9391-31209AB5A40D}"/>
+              </a:ext>
+            </a:extLst>
+          </p:cNvPr>
+          <p:cNvCxnSpPr/>
+          <p:nvPr/>
+        </p:nvCxnSpPr>
+        <p:spPr>
+          <a:xfrm>
+            <a:off x="4320000" y="2304000"/>
+            <a:ext cx="0" cy="972000"/>
+          </a:xfrm>
+          <a:prstGeom prst="line">
+            <a:avLst/>
+          </a:prstGeom>
+          <a:ln w="19050" cap="sq">
+            <a:solidFill>
+              <a:srgbClr val="FF0000"/>
+            </a:solidFill>
+          </a:ln>
+        </p:spPr>
+        <p:style>
+          <a:lnRef idx="1">
+            <a:schemeClr val="accent1"/>
+          </a:lnRef>
+          <a:fillRef idx="0">
+            <a:schemeClr val="accent1"/>
+          </a:fillRef>
+          <a:effectRef idx="0">
+            <a:schemeClr val="accent1"/>
+          </a:effectRef>
+          <a:fontRef idx="minor">
+            <a:schemeClr val="tx1"/>
+          </a:fontRef>
+        </p:style>
+      </p:cxnSp>
+      <p:cxnSp>
+        <p:nvCxnSpPr>
+          <p:cNvPr id="27" name="Connettore diritto 26">
+            <a:extLst>
+              <a:ext uri="{FF2B5EF4-FFF2-40B4-BE49-F238E27FC236}">
+                <a16:creationId xmlns:a16="http://schemas.microsoft.com/office/drawing/2014/main" id="{445D097D-A22D-4217-ACE9-10813839B06B}"/>
+              </a:ext>
+            </a:extLst>
+          </p:cNvPr>
+          <p:cNvCxnSpPr/>
+          <p:nvPr/>
+        </p:nvCxnSpPr>
+        <p:spPr>
+          <a:xfrm>
+            <a:off x="7560000" y="2304000"/>
+            <a:ext cx="0" cy="972000"/>
+          </a:xfrm>
+          <a:prstGeom prst="line">
+            <a:avLst/>
+          </a:prstGeom>
+          <a:ln w="19050" cap="sq">
+            <a:solidFill>
+              <a:srgbClr val="FF0000"/>
+            </a:solidFill>
+          </a:ln>
+        </p:spPr>
+        <p:style>
+          <a:lnRef idx="1">
+            <a:schemeClr val="accent1"/>
+          </a:lnRef>
+          <a:fillRef idx="0">
+            <a:schemeClr val="accent1"/>
+          </a:fillRef>
+          <a:effectRef idx="0">
+            <a:schemeClr val="accent1"/>
+          </a:effectRef>
+          <a:fontRef idx="minor">
+            <a:schemeClr val="tx1"/>
+          </a:fontRef>
+        </p:style>
+      </p:cxnSp>
+      <p:cxnSp>
+        <p:nvCxnSpPr>
+          <p:cNvPr id="29" name="Connettore diritto 28">
+            <a:extLst>
+              <a:ext uri="{FF2B5EF4-FFF2-40B4-BE49-F238E27FC236}">
+                <a16:creationId xmlns:a16="http://schemas.microsoft.com/office/drawing/2014/main" id="{B2C35225-5DE9-4955-A47F-01AE0002E245}"/>
+              </a:ext>
+            </a:extLst>
+          </p:cNvPr>
+          <p:cNvCxnSpPr/>
+          <p:nvPr/>
+        </p:nvCxnSpPr>
+        <p:spPr>
+          <a:xfrm>
+            <a:off x="4320000" y="2304000"/>
+            <a:ext cx="3240000" cy="0"/>
+          </a:xfrm>
+          <a:prstGeom prst="line">
+            <a:avLst/>
+          </a:prstGeom>
+          <a:ln w="19050" cap="sq">
+            <a:solidFill>
+              <a:srgbClr val="FF0000"/>
+            </a:solidFill>
+          </a:ln>
+        </p:spPr>
+        <p:style>
+          <a:lnRef idx="1">
+            <a:schemeClr val="dk1"/>
+          </a:lnRef>
+          <a:fillRef idx="0">
+            <a:schemeClr val="dk1"/>
+          </a:fillRef>
+          <a:effectRef idx="0">
+            <a:schemeClr val="dk1"/>
+          </a:effectRef>
+          <a:fontRef idx="minor">
+            <a:schemeClr val="tx1"/>
+          </a:fontRef>
+        </p:style>
+      </p:cxnSp>
+      <p:cxnSp>
+        <p:nvCxnSpPr>
+          <p:cNvPr id="30" name="Connettore diritto 29">
+            <a:extLst>
+              <a:ext uri="{FF2B5EF4-FFF2-40B4-BE49-F238E27FC236}">
+                <a16:creationId xmlns:a16="http://schemas.microsoft.com/office/drawing/2014/main" id="{BECEF64C-9884-43CE-9CFC-A993FF79C000}"/>
+              </a:ext>
+            </a:extLst>
+          </p:cNvPr>
+          <p:cNvCxnSpPr/>
+          <p:nvPr/>
+        </p:nvCxnSpPr>
+        <p:spPr>
+          <a:xfrm>
+            <a:off x="2700000" y="3276000"/>
+            <a:ext cx="1620000" cy="0"/>
+          </a:xfrm>
+          <a:prstGeom prst="line">
+            <a:avLst/>
+          </a:prstGeom>
+          <a:ln w="12700" cap="sq"/>
+        </p:spPr>
+        <p:style>
+          <a:lnRef idx="1">
+            <a:schemeClr val="dk1"/>
+          </a:lnRef>
+          <a:fillRef idx="0">
+            <a:schemeClr val="dk1"/>
+          </a:fillRef>
+          <a:effectRef idx="0">
+            <a:schemeClr val="dk1"/>
+          </a:effectRef>
+          <a:fontRef idx="minor">
+            <a:schemeClr val="tx1"/>
+          </a:fontRef>
+        </p:style>
+      </p:cxnSp>
+      <p:cxnSp>
+        <p:nvCxnSpPr>
+          <p:cNvPr id="31" name="Connettore diritto 30">
+            <a:extLst>
+              <a:ext uri="{FF2B5EF4-FFF2-40B4-BE49-F238E27FC236}">
+                <a16:creationId xmlns:a16="http://schemas.microsoft.com/office/drawing/2014/main" id="{65FA15EF-FC76-4DDF-A9FC-E47F25A0ADB3}"/>
+              </a:ext>
+            </a:extLst>
+          </p:cNvPr>
+          <p:cNvCxnSpPr/>
+          <p:nvPr/>
+        </p:nvCxnSpPr>
+        <p:spPr>
+          <a:xfrm>
+            <a:off x="7560000" y="3276000"/>
+            <a:ext cx="1620000" cy="0"/>
+          </a:xfrm>
+          <a:prstGeom prst="line">
+            <a:avLst/>
+          </a:prstGeom>
+          <a:ln w="12700" cap="sq"/>
+        </p:spPr>
+        <p:style>
+          <a:lnRef idx="1">
+            <a:schemeClr val="dk1"/>
+          </a:lnRef>
+          <a:fillRef idx="0">
+            <a:schemeClr val="dk1"/>
+          </a:fillRef>
+          <a:effectRef idx="0">
+            <a:schemeClr val="dk1"/>
+          </a:effectRef>
+          <a:fontRef idx="minor">
+            <a:schemeClr val="tx1"/>
+          </a:fontRef>
+        </p:style>
+      </p:cxnSp>
+      <p:cxnSp>
+        <p:nvCxnSpPr>
+          <p:cNvPr id="38" name="Connettore diritto 37">
+            <a:extLst>
+              <a:ext uri="{FF2B5EF4-FFF2-40B4-BE49-F238E27FC236}">
+                <a16:creationId xmlns:a16="http://schemas.microsoft.com/office/drawing/2014/main" id="{B19A5D58-3AF7-478D-9CC0-19189F8F96A7}"/>
+              </a:ext>
+            </a:extLst>
+          </p:cNvPr>
+          <p:cNvCxnSpPr/>
+          <p:nvPr/>
+        </p:nvCxnSpPr>
+        <p:spPr>
+          <a:xfrm>
+            <a:off x="4320000" y="3276000"/>
+            <a:ext cx="3240000" cy="0"/>
+          </a:xfrm>
+          <a:prstGeom prst="line">
+            <a:avLst/>
+          </a:prstGeom>
+          <a:ln w="19050" cap="sq">
+            <a:solidFill>
+              <a:srgbClr val="00B050"/>
+            </a:solidFill>
+          </a:ln>
+        </p:spPr>
+        <p:style>
+          <a:lnRef idx="1">
+            <a:schemeClr val="dk1"/>
+          </a:lnRef>
+          <a:fillRef idx="0">
+            <a:schemeClr val="dk1"/>
+          </a:fillRef>
+          <a:effectRef idx="0">
+            <a:schemeClr val="dk1"/>
+          </a:effectRef>
+          <a:fontRef idx="minor">
+            <a:schemeClr val="tx1"/>
+          </a:fontRef>
+        </p:style>
+      </p:cxnSp>
+      <p:cxnSp>
+        <p:nvCxnSpPr>
+          <p:cNvPr id="39" name="Connettore diritto 38">
+            <a:extLst>
+              <a:ext uri="{FF2B5EF4-FFF2-40B4-BE49-F238E27FC236}">
+                <a16:creationId xmlns:a16="http://schemas.microsoft.com/office/drawing/2014/main" id="{E366008C-B4FF-4653-9516-743E923E98D8}"/>
+              </a:ext>
+            </a:extLst>
+          </p:cNvPr>
+          <p:cNvCxnSpPr/>
+          <p:nvPr/>
+        </p:nvCxnSpPr>
+        <p:spPr>
+          <a:xfrm>
+            <a:off x="10800000" y="2304000"/>
+            <a:ext cx="540000" cy="0"/>
+          </a:xfrm>
+          <a:prstGeom prst="line">
+            <a:avLst/>
+          </a:prstGeom>
+          <a:ln w="12700" cap="sq">
+            <a:prstDash val="dash"/>
+          </a:ln>
+        </p:spPr>
+        <p:style>
+          <a:lnRef idx="1">
+            <a:schemeClr val="dk1"/>
+          </a:lnRef>
+          <a:fillRef idx="0">
+            <a:schemeClr val="dk1"/>
+          </a:fillRef>
+          <a:effectRef idx="0">
+            <a:schemeClr val="dk1"/>
+          </a:effectRef>
+          <a:fontRef idx="minor">
+            <a:schemeClr val="tx1"/>
+          </a:fontRef>
+        </p:style>
+      </p:cxnSp>
+      <p:cxnSp>
+        <p:nvCxnSpPr>
+          <p:cNvPr id="40" name="Connettore diritto 39">
+            <a:extLst>
+              <a:ext uri="{FF2B5EF4-FFF2-40B4-BE49-F238E27FC236}">
+                <a16:creationId xmlns:a16="http://schemas.microsoft.com/office/drawing/2014/main" id="{16C6B173-3E7E-4F85-B48C-8DFCE4E74055}"/>
+              </a:ext>
+            </a:extLst>
+          </p:cNvPr>
+          <p:cNvCxnSpPr/>
+          <p:nvPr/>
+        </p:nvCxnSpPr>
+        <p:spPr>
+          <a:xfrm>
+            <a:off x="10800000" y="360000"/>
+            <a:ext cx="540000" cy="0"/>
+          </a:xfrm>
+          <a:prstGeom prst="line">
+            <a:avLst/>
+          </a:prstGeom>
+          <a:ln w="12700" cap="sq">
+            <a:prstDash val="dash"/>
+          </a:ln>
+        </p:spPr>
+        <p:style>
+          <a:lnRef idx="1">
+            <a:schemeClr val="dk1"/>
+          </a:lnRef>
+          <a:fillRef idx="0">
+            <a:schemeClr val="dk1"/>
+          </a:fillRef>
+          <a:effectRef idx="0">
+            <a:schemeClr val="dk1"/>
+          </a:effectRef>
+          <a:fontRef idx="minor">
+            <a:schemeClr val="tx1"/>
+          </a:fontRef>
+        </p:style>
+      </p:cxnSp>
+      <p:cxnSp>
+        <p:nvCxnSpPr>
+          <p:cNvPr id="41" name="Connettore diritto 40">
+            <a:extLst>
+              <a:ext uri="{FF2B5EF4-FFF2-40B4-BE49-F238E27FC236}">
+                <a16:creationId xmlns:a16="http://schemas.microsoft.com/office/drawing/2014/main" id="{C2672F0D-64E3-4D21-8110-3E4D9521AEBC}"/>
+              </a:ext>
+            </a:extLst>
+          </p:cNvPr>
+          <p:cNvCxnSpPr/>
+          <p:nvPr/>
+        </p:nvCxnSpPr>
+        <p:spPr>
+          <a:xfrm>
+            <a:off x="540000" y="360000"/>
+            <a:ext cx="540000" cy="0"/>
+          </a:xfrm>
+          <a:prstGeom prst="line">
+            <a:avLst/>
+          </a:prstGeom>
+          <a:ln w="12700" cap="sq">
+            <a:prstDash val="dash"/>
+          </a:ln>
+        </p:spPr>
+        <p:style>
+          <a:lnRef idx="1">
+            <a:schemeClr val="dk1"/>
+          </a:lnRef>
+          <a:fillRef idx="0">
+            <a:schemeClr val="dk1"/>
+          </a:fillRef>
+          <a:effectRef idx="0">
+            <a:schemeClr val="dk1"/>
+          </a:effectRef>
+          <a:fontRef idx="minor">
+            <a:schemeClr val="tx1"/>
+          </a:fontRef>
+        </p:style>
+      </p:cxnSp>
+      <p:cxnSp>
+        <p:nvCxnSpPr>
+          <p:cNvPr id="42" name="Connettore diritto 41">
+            <a:extLst>
+              <a:ext uri="{FF2B5EF4-FFF2-40B4-BE49-F238E27FC236}">
+                <a16:creationId xmlns:a16="http://schemas.microsoft.com/office/drawing/2014/main" id="{7DA2048B-06A9-4DAC-88E1-A95860FC1FD5}"/>
+              </a:ext>
+            </a:extLst>
+          </p:cNvPr>
+          <p:cNvCxnSpPr/>
+          <p:nvPr/>
+        </p:nvCxnSpPr>
+        <p:spPr>
+          <a:xfrm>
+            <a:off x="540000" y="2304000"/>
+            <a:ext cx="540000" cy="0"/>
+          </a:xfrm>
+          <a:prstGeom prst="line">
+            <a:avLst/>
+          </a:prstGeom>
+          <a:ln w="12700" cap="sq">
+            <a:prstDash val="dash"/>
+          </a:ln>
+        </p:spPr>
+        <p:style>
+          <a:lnRef idx="1">
+            <a:schemeClr val="dk1"/>
+          </a:lnRef>
+          <a:fillRef idx="0">
+            <a:schemeClr val="dk1"/>
+          </a:fillRef>
+          <a:effectRef idx="0">
+            <a:schemeClr val="dk1"/>
+          </a:effectRef>
+          <a:fontRef idx="minor">
+            <a:schemeClr val="tx1"/>
+          </a:fontRef>
+        </p:style>
+      </p:cxnSp>
+      <mc:AlternateContent xmlns:mc="http://schemas.openxmlformats.org/markup-compatibility/2006">
+        <mc:Choice xmlns:a14="http://schemas.microsoft.com/office/drawing/2010/main" Requires="a14">
+          <p:sp>
+            <p:nvSpPr>
+              <p:cNvPr id="43" name="CasellaDiTesto 42">
+                <a:extLst>
+                  <a:ext uri="{FF2B5EF4-FFF2-40B4-BE49-F238E27FC236}">
+                    <a16:creationId xmlns:a16="http://schemas.microsoft.com/office/drawing/2014/main" id="{7AE1DE62-DE30-4427-AE4D-9058837FEFF2}"/>
+                  </a:ext>
+                </a:extLst>
+              </p:cNvPr>
+              <p:cNvSpPr txBox="1"/>
+              <p:nvPr/>
+            </p:nvSpPr>
+            <p:spPr>
+              <a:xfrm>
+                <a:off x="9101344" y="2582280"/>
+                <a:ext cx="540000" cy="400110"/>
+              </a:xfrm>
+              <a:prstGeom prst="rect">
+                <a:avLst/>
+              </a:prstGeom>
+              <a:noFill/>
+            </p:spPr>
+            <p:txBody>
+              <a:bodyPr wrap="square" rtlCol="0">
+                <a:spAutoFit/>
+              </a:bodyPr>
+              <a:lstStyle/>
+              <a:p>
+                <a:pPr algn="ctr"/>
+                <a14:m>
+                  <m:oMathPara xmlns:m="http://schemas.openxmlformats.org/officeDocument/2006/math">
+                    <m:oMathParaPr>
+                      <m:jc m:val="center"/>
+                    </m:oMathParaPr>
+                    <m:oMath xmlns:m="http://schemas.openxmlformats.org/officeDocument/2006/math">
+                      <m:sSub>
+                        <m:sSubPr>
+                          <m:ctrlPr>
+                            <a:rPr lang="el-GR" sz="2000" i="1" smtClean="0">
+                              <a:latin typeface="Cambria Math" panose="02040503050406030204" pitchFamily="18" charset="0"/>
+                            </a:rPr>
+                          </m:ctrlPr>
+                        </m:sSubPr>
+                        <m:e>
+                          <m:r>
+                            <m:rPr>
+                              <m:sty m:val="p"/>
+                            </m:rPr>
+                            <a:rPr lang="el-GR" sz="2000" i="1">
+                              <a:latin typeface="Cambria Math" panose="02040503050406030204" pitchFamily="18" charset="0"/>
+                            </a:rPr>
+                            <m:t>Γ</m:t>
+                          </m:r>
+                        </m:e>
+                        <m:sub>
+                          <m:r>
+                            <a:rPr lang="it-IT" sz="2000" b="0" i="1" smtClean="0">
+                              <a:latin typeface="Cambria Math" panose="02040503050406030204" pitchFamily="18" charset="0"/>
+                            </a:rPr>
+                            <m:t>𝑤</m:t>
+                          </m:r>
+                        </m:sub>
+                      </m:sSub>
+                    </m:oMath>
+                  </m:oMathPara>
+                </a14:m>
+                <a:endParaRPr lang="it-IT" sz="1600" i="1" dirty="0"/>
+              </a:p>
+            </p:txBody>
+          </p:sp>
+        </mc:Choice>
+        <mc:Fallback>
+          <p:sp>
+            <p:nvSpPr>
+              <p:cNvPr id="43" name="CasellaDiTesto 42">
+                <a:extLst>
+                  <a:ext uri="{FF2B5EF4-FFF2-40B4-BE49-F238E27FC236}">
+                    <a16:creationId xmlns:a16="http://schemas.microsoft.com/office/drawing/2014/main" id="{7AE1DE62-DE30-4427-AE4D-9058837FEFF2}"/>
+                  </a:ext>
+                </a:extLst>
+              </p:cNvPr>
+              <p:cNvSpPr txBox="1">
+                <a:spLocks noRot="1" noChangeAspect="1" noMove="1" noResize="1" noEditPoints="1" noAdjustHandles="1" noChangeArrowheads="1" noChangeShapeType="1" noTextEdit="1"/>
+              </p:cNvSpPr>
+              <p:nvPr/>
+            </p:nvSpPr>
+            <p:spPr>
+              <a:xfrm>
+                <a:off x="9101344" y="2582280"/>
+                <a:ext cx="540000" cy="400110"/>
+              </a:xfrm>
+              <a:prstGeom prst="rect">
+                <a:avLst/>
+              </a:prstGeom>
+              <a:blipFill>
+                <a:blip r:embed="rId4"/>
+                <a:stretch>
+                  <a:fillRect/>
+                </a:stretch>
+              </a:blipFill>
+            </p:spPr>
+            <p:txBody>
+              <a:bodyPr/>
+              <a:lstStyle/>
+              <a:p>
+                <a:r>
+                  <a:rPr lang="it-IT">
+                    <a:noFill/>
+                  </a:rPr>
+                  <a:t> </a:t>
+                </a:r>
+              </a:p>
+            </p:txBody>
+          </p:sp>
+        </mc:Fallback>
+      </mc:AlternateContent>
+      <mc:AlternateContent xmlns:mc="http://schemas.openxmlformats.org/markup-compatibility/2006" xmlns:a14="http://schemas.microsoft.com/office/drawing/2010/main">
+        <mc:Choice Requires="a14">
+          <p:sp>
+            <p:nvSpPr>
+              <p:cNvPr id="44" name="CasellaDiTesto 43">
+                <a:extLst>
+                  <a:ext uri="{FF2B5EF4-FFF2-40B4-BE49-F238E27FC236}">
+                    <a16:creationId xmlns:a16="http://schemas.microsoft.com/office/drawing/2014/main" id="{343D6FBB-3070-49CD-9B29-0936957D059A}"/>
+                  </a:ext>
+                </a:extLst>
+              </p:cNvPr>
+              <p:cNvSpPr txBox="1"/>
+              <p:nvPr/>
+            </p:nvSpPr>
+            <p:spPr>
+              <a:xfrm>
+                <a:off x="5580000" y="1927979"/>
+                <a:ext cx="720000" cy="400110"/>
+              </a:xfrm>
+              <a:prstGeom prst="rect">
+                <a:avLst/>
+              </a:prstGeom>
+              <a:noFill/>
+            </p:spPr>
+            <p:txBody>
+              <a:bodyPr wrap="square" rtlCol="0">
+                <a:spAutoFit/>
+              </a:bodyPr>
+              <a:lstStyle/>
+              <a:p>
+                <a:pPr algn="ctr"/>
+                <a14:m>
+                  <m:oMathPara xmlns:m="http://schemas.openxmlformats.org/officeDocument/2006/math">
+                    <m:oMathParaPr>
+                      <m:jc m:val="center"/>
+                    </m:oMathParaPr>
+                    <m:oMath xmlns:m="http://schemas.openxmlformats.org/officeDocument/2006/math">
+                      <m:sSub>
+                        <m:sSubPr>
+                          <m:ctrlPr>
+                            <a:rPr lang="el-GR" sz="2000" i="1" smtClean="0">
+                              <a:latin typeface="Cambria Math" panose="02040503050406030204" pitchFamily="18" charset="0"/>
+                            </a:rPr>
+                          </m:ctrlPr>
+                        </m:sSubPr>
+                        <m:e>
+                          <m:r>
+                            <m:rPr>
+                              <m:sty m:val="p"/>
+                            </m:rPr>
+                            <a:rPr lang="el-GR" sz="2000" i="1">
+                              <a:latin typeface="Cambria Math" panose="02040503050406030204" pitchFamily="18" charset="0"/>
+                            </a:rPr>
+                            <m:t>Γ</m:t>
+                          </m:r>
+                        </m:e>
+                        <m:sub>
+                          <m:r>
+                            <m:rPr>
+                              <m:sty m:val="p"/>
+                            </m:rPr>
+                            <a:rPr lang="it-IT" sz="2000" b="0" i="0" smtClean="0">
+                              <a:latin typeface="Cambria Math" panose="02040503050406030204" pitchFamily="18" charset="0"/>
+                            </a:rPr>
+                            <m:t>int</m:t>
+                          </m:r>
+                        </m:sub>
+                      </m:sSub>
+                    </m:oMath>
+                  </m:oMathPara>
+                </a14:m>
+                <a:endParaRPr lang="it-IT" sz="1600" i="1" dirty="0"/>
+              </a:p>
+            </p:txBody>
+          </p:sp>
+        </mc:Choice>
+        <mc:Fallback xmlns="">
+          <p:sp>
+            <p:nvSpPr>
+              <p:cNvPr id="44" name="CasellaDiTesto 43">
+                <a:extLst>
+                  <a:ext uri="{FF2B5EF4-FFF2-40B4-BE49-F238E27FC236}">
+                    <a16:creationId xmlns:a16="http://schemas.microsoft.com/office/drawing/2014/main" id="{343D6FBB-3070-49CD-9B29-0936957D059A}"/>
+                  </a:ext>
+                </a:extLst>
+              </p:cNvPr>
+              <p:cNvSpPr txBox="1">
+                <a:spLocks noRot="1" noChangeAspect="1" noMove="1" noResize="1" noEditPoints="1" noAdjustHandles="1" noChangeArrowheads="1" noChangeShapeType="1" noTextEdit="1"/>
+              </p:cNvSpPr>
+              <p:nvPr/>
+            </p:nvSpPr>
+            <p:spPr>
+              <a:xfrm>
+                <a:off x="5580000" y="1927979"/>
+                <a:ext cx="720000" cy="400110"/>
+              </a:xfrm>
+              <a:prstGeom prst="rect">
+                <a:avLst/>
+              </a:prstGeom>
+              <a:blipFill>
+                <a:blip r:embed="rId5"/>
+                <a:stretch>
+                  <a:fillRect b="-1515"/>
+                </a:stretch>
+              </a:blipFill>
+            </p:spPr>
+            <p:txBody>
+              <a:bodyPr/>
+              <a:lstStyle/>
+              <a:p>
+                <a:r>
+                  <a:rPr lang="it-IT">
+                    <a:noFill/>
+                  </a:rPr>
+                  <a:t> </a:t>
+                </a:r>
+              </a:p>
+            </p:txBody>
+          </p:sp>
+        </mc:Fallback>
+      </mc:AlternateContent>
+      <mc:AlternateContent xmlns:mc="http://schemas.openxmlformats.org/markup-compatibility/2006">
+        <mc:Choice xmlns:a14="http://schemas.microsoft.com/office/drawing/2010/main" Requires="a14">
+          <p:sp>
+            <p:nvSpPr>
+              <p:cNvPr id="45" name="CasellaDiTesto 44">
+                <a:extLst>
+                  <a:ext uri="{FF2B5EF4-FFF2-40B4-BE49-F238E27FC236}">
+                    <a16:creationId xmlns:a16="http://schemas.microsoft.com/office/drawing/2014/main" id="{DD31B2E4-0B31-42A2-BC53-2828323D0B65}"/>
+                  </a:ext>
+                </a:extLst>
+              </p:cNvPr>
+              <p:cNvSpPr txBox="1"/>
+              <p:nvPr/>
+            </p:nvSpPr>
+            <p:spPr>
+              <a:xfrm>
+                <a:off x="5670000" y="2912760"/>
+                <a:ext cx="540000" cy="400110"/>
+              </a:xfrm>
+              <a:prstGeom prst="rect">
+                <a:avLst/>
+              </a:prstGeom>
+              <a:noFill/>
+            </p:spPr>
+            <p:txBody>
+              <a:bodyPr wrap="square" rtlCol="0">
+                <a:spAutoFit/>
+              </a:bodyPr>
+              <a:lstStyle/>
+              <a:p>
+                <a:pPr algn="ctr"/>
+                <a14:m>
+                  <m:oMathPara xmlns:m="http://schemas.openxmlformats.org/officeDocument/2006/math">
+                    <m:oMathParaPr>
+                      <m:jc m:val="center"/>
+                    </m:oMathParaPr>
+                    <m:oMath xmlns:m="http://schemas.openxmlformats.org/officeDocument/2006/math">
+                      <m:sSub>
+                        <m:sSubPr>
+                          <m:ctrlPr>
+                            <a:rPr lang="el-GR" sz="2000" i="1" smtClean="0">
+                              <a:latin typeface="Cambria Math" panose="02040503050406030204" pitchFamily="18" charset="0"/>
+                            </a:rPr>
+                          </m:ctrlPr>
+                        </m:sSubPr>
+                        <m:e>
+                          <m:r>
+                            <m:rPr>
+                              <m:sty m:val="p"/>
+                            </m:rPr>
+                            <a:rPr lang="el-GR" sz="2000" i="1">
+                              <a:latin typeface="Cambria Math" panose="02040503050406030204" pitchFamily="18" charset="0"/>
+                            </a:rPr>
+                            <m:t>Γ</m:t>
+                          </m:r>
+                        </m:e>
+                        <m:sub>
+                          <m:r>
+                            <m:rPr>
+                              <m:sty m:val="p"/>
+                            </m:rPr>
+                            <a:rPr lang="it-IT" sz="2000" b="0" i="0" smtClean="0">
+                              <a:latin typeface="Cambria Math" panose="02040503050406030204" pitchFamily="18" charset="0"/>
+                            </a:rPr>
+                            <m:t>base</m:t>
+                          </m:r>
+                        </m:sub>
+                      </m:sSub>
+                    </m:oMath>
+                  </m:oMathPara>
+                </a14:m>
+                <a:endParaRPr lang="it-IT" sz="1600" i="1" dirty="0"/>
+              </a:p>
+            </p:txBody>
+          </p:sp>
+        </mc:Choice>
+        <mc:Fallback>
+          <p:sp>
+            <p:nvSpPr>
+              <p:cNvPr id="45" name="CasellaDiTesto 44">
+                <a:extLst>
+                  <a:ext uri="{FF2B5EF4-FFF2-40B4-BE49-F238E27FC236}">
+                    <a16:creationId xmlns:a16="http://schemas.microsoft.com/office/drawing/2014/main" id="{DD31B2E4-0B31-42A2-BC53-2828323D0B65}"/>
+                  </a:ext>
+                </a:extLst>
+              </p:cNvPr>
+              <p:cNvSpPr txBox="1">
+                <a:spLocks noRot="1" noChangeAspect="1" noMove="1" noResize="1" noEditPoints="1" noAdjustHandles="1" noChangeArrowheads="1" noChangeShapeType="1" noTextEdit="1"/>
+              </p:cNvSpPr>
+              <p:nvPr/>
+            </p:nvSpPr>
+            <p:spPr>
+              <a:xfrm>
+                <a:off x="5670000" y="2912760"/>
+                <a:ext cx="540000" cy="400110"/>
+              </a:xfrm>
+              <a:prstGeom prst="rect">
+                <a:avLst/>
+              </a:prstGeom>
+              <a:blipFill>
+                <a:blip r:embed="rId6"/>
+                <a:stretch>
+                  <a:fillRect l="-20225" r="-5618" b="-3077"/>
+                </a:stretch>
+              </a:blipFill>
+            </p:spPr>
+            <p:txBody>
+              <a:bodyPr/>
+              <a:lstStyle/>
+              <a:p>
+                <a:r>
+                  <a:rPr lang="it-IT">
+                    <a:noFill/>
+                  </a:rPr>
+                  <a:t> </a:t>
+                </a:r>
+              </a:p>
+            </p:txBody>
+          </p:sp>
+        </mc:Fallback>
+      </mc:AlternateContent>
+      <mc:AlternateContent xmlns:mc="http://schemas.openxmlformats.org/markup-compatibility/2006" xmlns:a14="http://schemas.microsoft.com/office/drawing/2010/main">
+        <mc:Choice Requires="a14">
+          <p:sp>
+            <p:nvSpPr>
+              <p:cNvPr id="48" name="CasellaDiTesto 47">
+                <a:extLst>
+                  <a:ext uri="{FF2B5EF4-FFF2-40B4-BE49-F238E27FC236}">
+                    <a16:creationId xmlns:a16="http://schemas.microsoft.com/office/drawing/2014/main" id="{38FF229A-1DC5-43AF-821D-5F7690D9A965}"/>
+                  </a:ext>
+                </a:extLst>
+              </p:cNvPr>
+              <p:cNvSpPr txBox="1"/>
+              <p:nvPr/>
+            </p:nvSpPr>
+            <p:spPr>
+              <a:xfrm>
+                <a:off x="6840000" y="1298209"/>
+                <a:ext cx="720000" cy="400110"/>
+              </a:xfrm>
+              <a:prstGeom prst="rect">
+                <a:avLst/>
+              </a:prstGeom>
+              <a:noFill/>
+            </p:spPr>
+            <p:txBody>
+              <a:bodyPr wrap="square" rtlCol="0">
+                <a:spAutoFit/>
+              </a:bodyPr>
+              <a:lstStyle/>
+              <a:p>
+                <a:pPr algn="ctr"/>
+                <a14:m>
+                  <m:oMathPara xmlns:m="http://schemas.openxmlformats.org/officeDocument/2006/math">
+                    <m:oMathParaPr>
+                      <m:jc m:val="center"/>
+                    </m:oMathParaPr>
+                    <m:oMath xmlns:m="http://schemas.openxmlformats.org/officeDocument/2006/math">
+                      <m:sSub>
+                        <m:sSubPr>
+                          <m:ctrlPr>
+                            <a:rPr lang="el-GR" sz="2000" i="1" smtClean="0">
+                              <a:latin typeface="Cambria Math" panose="02040503050406030204" pitchFamily="18" charset="0"/>
+                            </a:rPr>
+                          </m:ctrlPr>
+                        </m:sSubPr>
+                        <m:e>
+                          <m:r>
+                            <m:rPr>
+                              <m:sty m:val="p"/>
+                            </m:rPr>
+                            <a:rPr lang="el-GR" sz="2000" i="1" smtClean="0">
+                              <a:latin typeface="Cambria Math" panose="02040503050406030204" pitchFamily="18" charset="0"/>
+                            </a:rPr>
+                            <m:t>Ω</m:t>
+                          </m:r>
+                        </m:e>
+                        <m:sub>
+                          <m:r>
+                            <m:rPr>
+                              <m:sty m:val="p"/>
+                            </m:rPr>
+                            <a:rPr lang="it-IT" sz="2000" b="0" i="0" smtClean="0">
+                              <a:latin typeface="Cambria Math" panose="02040503050406030204" pitchFamily="18" charset="0"/>
+                            </a:rPr>
+                            <m:t>ff</m:t>
+                          </m:r>
+                        </m:sub>
+                      </m:sSub>
+                    </m:oMath>
+                  </m:oMathPara>
+                </a14:m>
+                <a:endParaRPr lang="it-IT" sz="1600" i="1" dirty="0"/>
+              </a:p>
+            </p:txBody>
+          </p:sp>
+        </mc:Choice>
+        <mc:Fallback xmlns="">
+          <p:sp>
+            <p:nvSpPr>
+              <p:cNvPr id="48" name="CasellaDiTesto 47">
+                <a:extLst>
+                  <a:ext uri="{FF2B5EF4-FFF2-40B4-BE49-F238E27FC236}">
+                    <a16:creationId xmlns:a16="http://schemas.microsoft.com/office/drawing/2014/main" id="{38FF229A-1DC5-43AF-821D-5F7690D9A965}"/>
+                  </a:ext>
+                </a:extLst>
+              </p:cNvPr>
+              <p:cNvSpPr txBox="1">
+                <a:spLocks noRot="1" noChangeAspect="1" noMove="1" noResize="1" noEditPoints="1" noAdjustHandles="1" noChangeArrowheads="1" noChangeShapeType="1" noTextEdit="1"/>
+              </p:cNvSpPr>
+              <p:nvPr/>
+            </p:nvSpPr>
+            <p:spPr>
+              <a:xfrm>
+                <a:off x="6840000" y="1298209"/>
+                <a:ext cx="720000" cy="400110"/>
+              </a:xfrm>
+              <a:prstGeom prst="rect">
+                <a:avLst/>
+              </a:prstGeom>
+              <a:blipFill>
+                <a:blip r:embed="rId7"/>
+                <a:stretch>
+                  <a:fillRect b="-1515"/>
+                </a:stretch>
+              </a:blipFill>
+            </p:spPr>
+            <p:txBody>
+              <a:bodyPr/>
+              <a:lstStyle/>
+              <a:p>
+                <a:r>
+                  <a:rPr lang="it-IT">
+                    <a:noFill/>
+                  </a:rPr>
+                  <a:t> </a:t>
+                </a:r>
+              </a:p>
+            </p:txBody>
+          </p:sp>
+        </mc:Fallback>
+      </mc:AlternateContent>
+      <p:cxnSp>
+        <p:nvCxnSpPr>
+          <p:cNvPr id="32" name="Connettore 2 31">
+            <a:extLst>
+              <a:ext uri="{FF2B5EF4-FFF2-40B4-BE49-F238E27FC236}">
+                <a16:creationId xmlns:a16="http://schemas.microsoft.com/office/drawing/2014/main" id="{5A785427-3F62-49B4-A831-C0267F83F656}"/>
+              </a:ext>
+            </a:extLst>
+          </p:cNvPr>
+          <p:cNvCxnSpPr/>
+          <p:nvPr/>
+        </p:nvCxnSpPr>
+        <p:spPr>
+          <a:xfrm>
+            <a:off x="2908074" y="2304000"/>
+            <a:ext cx="0" cy="972000"/>
+          </a:xfrm>
+          <a:prstGeom prst="straightConnector1">
+            <a:avLst/>
+          </a:prstGeom>
+          <a:ln w="12700">
+            <a:solidFill>
+              <a:schemeClr val="tx1"/>
+            </a:solidFill>
+            <a:headEnd type="triangle"/>
+            <a:tailEnd type="triangle"/>
+          </a:ln>
+        </p:spPr>
+        <p:style>
+          <a:lnRef idx="1">
+            <a:schemeClr val="accent1"/>
+          </a:lnRef>
+          <a:fillRef idx="0">
+            <a:schemeClr val="accent1"/>
+          </a:fillRef>
+          <a:effectRef idx="0">
+            <a:schemeClr val="accent1"/>
+          </a:effectRef>
+          <a:fontRef idx="minor">
+            <a:schemeClr val="tx1"/>
+          </a:fontRef>
+        </p:style>
+      </p:cxnSp>
+      <p:sp>
+        <p:nvSpPr>
+          <p:cNvPr id="33" name="CasellaDiTesto 32">
+            <a:extLst>
+              <a:ext uri="{FF2B5EF4-FFF2-40B4-BE49-F238E27FC236}">
+                <a16:creationId xmlns:a16="http://schemas.microsoft.com/office/drawing/2014/main" id="{43E3B50D-2FA4-4BAA-BF83-97358942AF69}"/>
+              </a:ext>
+            </a:extLst>
+          </p:cNvPr>
+          <p:cNvSpPr txBox="1"/>
+          <p:nvPr/>
+        </p:nvSpPr>
+        <p:spPr>
+          <a:xfrm>
+            <a:off x="2837165" y="2634338"/>
+            <a:ext cx="1063437" cy="338554"/>
+          </a:xfrm>
+          <a:prstGeom prst="rect">
+            <a:avLst/>
+          </a:prstGeom>
+          <a:noFill/>
+        </p:spPr>
+        <p:txBody>
+          <a:bodyPr wrap="square" rtlCol="0">
+            <a:spAutoFit/>
+          </a:bodyPr>
+          <a:lstStyle/>
+          <a:p>
+            <a:pPr algn="ctr"/>
+            <a:r>
+              <a:rPr lang="it-IT" sz="1600" i="1" dirty="0"/>
+              <a:t>h</a:t>
+            </a:r>
+            <a:r>
+              <a:rPr lang="it-IT" sz="1600" dirty="0"/>
+              <a:t> = 0.3 m</a:t>
+            </a:r>
+          </a:p>
+        </p:txBody>
+      </p:sp>
+      <mc:AlternateContent xmlns:mc="http://schemas.openxmlformats.org/markup-compatibility/2006">
+        <mc:Choice xmlns:a14="http://schemas.microsoft.com/office/drawing/2010/main" Requires="a14">
+          <p:sp>
+            <p:nvSpPr>
+              <p:cNvPr id="34" name="CasellaDiTesto 33">
+                <a:extLst>
+                  <a:ext uri="{FF2B5EF4-FFF2-40B4-BE49-F238E27FC236}">
+                    <a16:creationId xmlns:a16="http://schemas.microsoft.com/office/drawing/2014/main" id="{3C3509A8-B314-4EE0-9E35-A4F65BF4CE44}"/>
+                  </a:ext>
+                </a:extLst>
+              </p:cNvPr>
+              <p:cNvSpPr txBox="1"/>
+              <p:nvPr/>
+            </p:nvSpPr>
+            <p:spPr>
+              <a:xfrm>
+                <a:off x="5580720" y="267714"/>
+                <a:ext cx="720000" cy="424283"/>
+              </a:xfrm>
+              <a:prstGeom prst="rect">
+                <a:avLst/>
+              </a:prstGeom>
+              <a:noFill/>
+            </p:spPr>
+            <p:txBody>
+              <a:bodyPr wrap="square" rtlCol="0">
+                <a:spAutoFit/>
+              </a:bodyPr>
+              <a:lstStyle/>
+              <a:p>
+                <a:pPr algn="ctr"/>
+                <a14:m>
+                  <m:oMathPara xmlns:m="http://schemas.openxmlformats.org/officeDocument/2006/math">
+                    <m:oMathParaPr>
+                      <m:jc m:val="center"/>
+                    </m:oMathParaPr>
+                    <m:oMath xmlns:m="http://schemas.openxmlformats.org/officeDocument/2006/math">
+                      <m:sSub>
+                        <m:sSubPr>
+                          <m:ctrlPr>
+                            <a:rPr lang="el-GR" sz="2000" i="1" smtClean="0">
+                              <a:latin typeface="Cambria Math" panose="02040503050406030204" pitchFamily="18" charset="0"/>
+                            </a:rPr>
+                          </m:ctrlPr>
+                        </m:sSubPr>
+                        <m:e>
+                          <m:r>
+                            <m:rPr>
+                              <m:sty m:val="p"/>
+                            </m:rPr>
+                            <a:rPr lang="el-GR" sz="2000" i="1">
+                              <a:latin typeface="Cambria Math" panose="02040503050406030204" pitchFamily="18" charset="0"/>
+                            </a:rPr>
+                            <m:t>Γ</m:t>
+                          </m:r>
+                        </m:e>
+                        <m:sub>
+                          <m:r>
+                            <m:rPr>
+                              <m:sty m:val="p"/>
+                            </m:rPr>
+                            <a:rPr lang="it-IT" sz="2000" b="0" i="0" smtClean="0">
+                              <a:latin typeface="Cambria Math" panose="02040503050406030204" pitchFamily="18" charset="0"/>
+                            </a:rPr>
+                            <m:t>sym</m:t>
+                          </m:r>
+                        </m:sub>
+                      </m:sSub>
+                    </m:oMath>
+                  </m:oMathPara>
+                </a14:m>
+                <a:endParaRPr lang="it-IT" sz="1600" i="1" dirty="0"/>
+              </a:p>
+            </p:txBody>
+          </p:sp>
+        </mc:Choice>
+        <mc:Fallback>
+          <p:sp>
+            <p:nvSpPr>
+              <p:cNvPr id="34" name="CasellaDiTesto 33">
+                <a:extLst>
+                  <a:ext uri="{FF2B5EF4-FFF2-40B4-BE49-F238E27FC236}">
+                    <a16:creationId xmlns:a16="http://schemas.microsoft.com/office/drawing/2014/main" id="{3C3509A8-B314-4EE0-9E35-A4F65BF4CE44}"/>
+                  </a:ext>
+                </a:extLst>
+              </p:cNvPr>
+              <p:cNvSpPr txBox="1">
+                <a:spLocks noRot="1" noChangeAspect="1" noMove="1" noResize="1" noEditPoints="1" noAdjustHandles="1" noChangeArrowheads="1" noChangeShapeType="1" noTextEdit="1"/>
+              </p:cNvSpPr>
+              <p:nvPr/>
+            </p:nvSpPr>
+            <p:spPr>
+              <a:xfrm>
+                <a:off x="5580720" y="267714"/>
+                <a:ext cx="720000" cy="424283"/>
+              </a:xfrm>
+              <a:prstGeom prst="rect">
+                <a:avLst/>
+              </a:prstGeom>
+              <a:blipFill>
+                <a:blip r:embed="rId8"/>
+                <a:stretch>
+                  <a:fillRect b="-7143"/>
+                </a:stretch>
+              </a:blipFill>
+            </p:spPr>
+            <p:txBody>
+              <a:bodyPr/>
+              <a:lstStyle/>
+              <a:p>
+                <a:r>
+                  <a:rPr lang="it-IT">
+                    <a:noFill/>
+                  </a:rPr>
+                  <a:t> </a:t>
+                </a:r>
+              </a:p>
+            </p:txBody>
+          </p:sp>
+        </mc:Fallback>
+      </mc:AlternateContent>
+    </p:spTree>
+    <p:extLst>
+      <p:ext uri="{BB962C8B-B14F-4D97-AF65-F5344CB8AC3E}">
+        <p14:creationId xmlns:p14="http://schemas.microsoft.com/office/powerpoint/2010/main" val="1234749982"/>
+      </p:ext>
+    </p:extLst>
+  </p:cSld>
+  <p:clrMapOvr>
+    <a:masterClrMapping/>
+  </p:clrMapOvr>
+</p:sld>
+</file>
+
+<file path=ppt/slides/slide14.xml><?xml version="1.0" encoding="utf-8"?>
 <p:sld xmlns:a="http://schemas.openxmlformats.org/drawingml/2006/main" xmlns:r="http://schemas.openxmlformats.org/officeDocument/2006/relationships" xmlns:p="http://schemas.openxmlformats.org/presentationml/2006/main">
   <p:cSld>
     <p:spTree>
@@ -16535,7 +18160,7 @@
 </p:sld>
 </file>
 
-<file path=ppt/slides/slide14.xml><?xml version="1.0" encoding="utf-8"?>
+<file path=ppt/slides/slide15.xml><?xml version="1.0" encoding="utf-8"?>
 <p:sld xmlns:a="http://schemas.openxmlformats.org/drawingml/2006/main" xmlns:r="http://schemas.openxmlformats.org/officeDocument/2006/relationships" xmlns:p="http://schemas.openxmlformats.org/presentationml/2006/main">
   <p:cSld>
     <p:spTree>
@@ -20901,7 +22526,7 @@
 </p:sld>
 </file>
 
-<file path=ppt/slides/slide15.xml><?xml version="1.0" encoding="utf-8"?>
+<file path=ppt/slides/slide16.xml><?xml version="1.0" encoding="utf-8"?>
 <p:sld xmlns:a="http://schemas.openxmlformats.org/drawingml/2006/main" xmlns:r="http://schemas.openxmlformats.org/officeDocument/2006/relationships" xmlns:p="http://schemas.openxmlformats.org/presentationml/2006/main">
   <p:cSld>
     <p:spTree>
@@ -21369,7 +22994,7 @@
 </p:sld>
 </file>
 
-<file path=ppt/slides/slide16.xml><?xml version="1.0" encoding="utf-8"?>
+<file path=ppt/slides/slide17.xml><?xml version="1.0" encoding="utf-8"?>
 <p:sld xmlns:a="http://schemas.openxmlformats.org/drawingml/2006/main" xmlns:r="http://schemas.openxmlformats.org/officeDocument/2006/relationships" xmlns:p="http://schemas.openxmlformats.org/presentationml/2006/main">
   <p:cSld>
     <p:spTree>
@@ -22578,7 +24203,7 @@
 </p:sld>
 </file>
 
-<file path=ppt/slides/slide17.xml><?xml version="1.0" encoding="utf-8"?>
+<file path=ppt/slides/slide18.xml><?xml version="1.0" encoding="utf-8"?>
 <p:sld xmlns:a="http://schemas.openxmlformats.org/drawingml/2006/main" xmlns:r="http://schemas.openxmlformats.org/officeDocument/2006/relationships" xmlns:p="http://schemas.openxmlformats.org/presentationml/2006/main">
   <p:cSld>
     <p:spTree>
@@ -24082,7 +25707,7 @@
 </p:sld>
 </file>
 
-<file path=ppt/slides/slide18.xml><?xml version="1.0" encoding="utf-8"?>
+<file path=ppt/slides/slide19.xml><?xml version="1.0" encoding="utf-8"?>
 <p:sld xmlns:a="http://schemas.openxmlformats.org/drawingml/2006/main" xmlns:r="http://schemas.openxmlformats.org/officeDocument/2006/relationships" xmlns:p="http://schemas.openxmlformats.org/presentationml/2006/main">
   <p:cSld>
     <p:spTree>
@@ -25193,2098 +26818,6 @@
     <p:extLst>
       <p:ext uri="{BB962C8B-B14F-4D97-AF65-F5344CB8AC3E}">
         <p14:creationId xmlns:p14="http://schemas.microsoft.com/office/powerpoint/2010/main" val="2763582018"/>
-      </p:ext>
-    </p:extLst>
-  </p:cSld>
-  <p:clrMapOvr>
-    <a:masterClrMapping/>
-  </p:clrMapOvr>
-</p:sld>
-</file>
-
-<file path=ppt/slides/slide19.xml><?xml version="1.0" encoding="utf-8"?>
-<p:sld xmlns:a="http://schemas.openxmlformats.org/drawingml/2006/main" xmlns:r="http://schemas.openxmlformats.org/officeDocument/2006/relationships" xmlns:p="http://schemas.openxmlformats.org/presentationml/2006/main">
-  <p:cSld>
-    <p:spTree>
-      <p:nvGrpSpPr>
-        <p:cNvPr id="1" name=""/>
-        <p:cNvGrpSpPr/>
-        <p:nvPr/>
-      </p:nvGrpSpPr>
-      <p:grpSpPr>
-        <a:xfrm>
-          <a:off x="0" y="0"/>
-          <a:ext cx="0" cy="0"/>
-          <a:chOff x="0" y="0"/>
-          <a:chExt cx="0" cy="0"/>
-        </a:xfrm>
-      </p:grpSpPr>
-      <p:cxnSp>
-        <p:nvCxnSpPr>
-          <p:cNvPr id="5" name="Connettore diritto 4">
-            <a:extLst>
-              <a:ext uri="{FF2B5EF4-FFF2-40B4-BE49-F238E27FC236}">
-                <a16:creationId xmlns:a16="http://schemas.microsoft.com/office/drawing/2014/main" id="{ECCB5C39-7435-478B-848F-75247ED67D84}"/>
-              </a:ext>
-            </a:extLst>
-          </p:cNvPr>
-          <p:cNvCxnSpPr/>
-          <p:nvPr/>
-        </p:nvCxnSpPr>
-        <p:spPr>
-          <a:xfrm>
-            <a:off x="2700000" y="1080000"/>
-            <a:ext cx="1800000" cy="0"/>
-          </a:xfrm>
-          <a:prstGeom prst="line">
-            <a:avLst/>
-          </a:prstGeom>
-          <a:ln w="12700" cap="sq"/>
-        </p:spPr>
-        <p:style>
-          <a:lnRef idx="1">
-            <a:schemeClr val="dk1"/>
-          </a:lnRef>
-          <a:fillRef idx="0">
-            <a:schemeClr val="dk1"/>
-          </a:fillRef>
-          <a:effectRef idx="0">
-            <a:schemeClr val="dk1"/>
-          </a:effectRef>
-          <a:fontRef idx="minor">
-            <a:schemeClr val="tx1"/>
-          </a:fontRef>
-        </p:style>
-      </p:cxnSp>
-      <p:cxnSp>
-        <p:nvCxnSpPr>
-          <p:cNvPr id="6" name="Connettore diritto 5">
-            <a:extLst>
-              <a:ext uri="{FF2B5EF4-FFF2-40B4-BE49-F238E27FC236}">
-                <a16:creationId xmlns:a16="http://schemas.microsoft.com/office/drawing/2014/main" id="{E5610C7F-C982-4B4D-BACC-FD5024ED2B62}"/>
-              </a:ext>
-            </a:extLst>
-          </p:cNvPr>
-          <p:cNvCxnSpPr/>
-          <p:nvPr/>
-        </p:nvCxnSpPr>
-        <p:spPr>
-          <a:xfrm>
-            <a:off x="2520000" y="2520000"/>
-            <a:ext cx="2160000" cy="0"/>
-          </a:xfrm>
-          <a:prstGeom prst="line">
-            <a:avLst/>
-          </a:prstGeom>
-          <a:ln w="12700" cap="sq"/>
-        </p:spPr>
-        <p:style>
-          <a:lnRef idx="1">
-            <a:schemeClr val="dk1"/>
-          </a:lnRef>
-          <a:fillRef idx="0">
-            <a:schemeClr val="dk1"/>
-          </a:fillRef>
-          <a:effectRef idx="0">
-            <a:schemeClr val="dk1"/>
-          </a:effectRef>
-          <a:fontRef idx="minor">
-            <a:schemeClr val="tx1"/>
-          </a:fontRef>
-        </p:style>
-      </p:cxnSp>
-      <p:cxnSp>
-        <p:nvCxnSpPr>
-          <p:cNvPr id="8" name="Connettore diritto 7">
-            <a:extLst>
-              <a:ext uri="{FF2B5EF4-FFF2-40B4-BE49-F238E27FC236}">
-                <a16:creationId xmlns:a16="http://schemas.microsoft.com/office/drawing/2014/main" id="{EEFDB217-9ACD-4C8F-899A-FE4EEBC2BBD5}"/>
-              </a:ext>
-            </a:extLst>
-          </p:cNvPr>
-          <p:cNvCxnSpPr/>
-          <p:nvPr/>
-        </p:nvCxnSpPr>
-        <p:spPr>
-          <a:xfrm>
-            <a:off x="2880000" y="900000"/>
-            <a:ext cx="0" cy="3240000"/>
-          </a:xfrm>
-          <a:prstGeom prst="line">
-            <a:avLst/>
-          </a:prstGeom>
-          <a:ln w="12700" cap="sq"/>
-        </p:spPr>
-        <p:style>
-          <a:lnRef idx="1">
-            <a:schemeClr val="dk1"/>
-          </a:lnRef>
-          <a:fillRef idx="0">
-            <a:schemeClr val="dk1"/>
-          </a:fillRef>
-          <a:effectRef idx="0">
-            <a:schemeClr val="dk1"/>
-          </a:effectRef>
-          <a:fontRef idx="minor">
-            <a:schemeClr val="tx1"/>
-          </a:fontRef>
-        </p:style>
-      </p:cxnSp>
-      <p:cxnSp>
-        <p:nvCxnSpPr>
-          <p:cNvPr id="9" name="Connettore diritto 8">
-            <a:extLst>
-              <a:ext uri="{FF2B5EF4-FFF2-40B4-BE49-F238E27FC236}">
-                <a16:creationId xmlns:a16="http://schemas.microsoft.com/office/drawing/2014/main" id="{48B82A87-D014-485E-8D26-CD5598BBA0FB}"/>
-              </a:ext>
-            </a:extLst>
-          </p:cNvPr>
-          <p:cNvCxnSpPr/>
-          <p:nvPr/>
-        </p:nvCxnSpPr>
-        <p:spPr>
-          <a:xfrm>
-            <a:off x="4320000" y="900000"/>
-            <a:ext cx="0" cy="3240000"/>
-          </a:xfrm>
-          <a:prstGeom prst="line">
-            <a:avLst/>
-          </a:prstGeom>
-          <a:ln w="12700" cap="sq"/>
-        </p:spPr>
-        <p:style>
-          <a:lnRef idx="1">
-            <a:schemeClr val="dk1"/>
-          </a:lnRef>
-          <a:fillRef idx="0">
-            <a:schemeClr val="dk1"/>
-          </a:fillRef>
-          <a:effectRef idx="0">
-            <a:schemeClr val="dk1"/>
-          </a:effectRef>
-          <a:fontRef idx="minor">
-            <a:schemeClr val="tx1"/>
-          </a:fontRef>
-        </p:style>
-      </p:cxnSp>
-      <p:cxnSp>
-        <p:nvCxnSpPr>
-          <p:cNvPr id="11" name="Connettore 2 10">
-            <a:extLst>
-              <a:ext uri="{FF2B5EF4-FFF2-40B4-BE49-F238E27FC236}">
-                <a16:creationId xmlns:a16="http://schemas.microsoft.com/office/drawing/2014/main" id="{EA77B616-29CC-45B7-927D-0249E7CD8396}"/>
-              </a:ext>
-            </a:extLst>
-          </p:cNvPr>
-          <p:cNvCxnSpPr/>
-          <p:nvPr/>
-        </p:nvCxnSpPr>
-        <p:spPr>
-          <a:xfrm>
-            <a:off x="2700000" y="2520000"/>
-            <a:ext cx="360000" cy="0"/>
-          </a:xfrm>
-          <a:prstGeom prst="straightConnector1">
-            <a:avLst/>
-          </a:prstGeom>
-          <a:ln w="25400">
-            <a:solidFill>
-              <a:schemeClr val="tx1"/>
-            </a:solidFill>
-            <a:headEnd type="none"/>
-            <a:tailEnd type="arrow"/>
-          </a:ln>
-        </p:spPr>
-        <p:style>
-          <a:lnRef idx="1">
-            <a:schemeClr val="accent1"/>
-          </a:lnRef>
-          <a:fillRef idx="0">
-            <a:schemeClr val="accent1"/>
-          </a:fillRef>
-          <a:effectRef idx="0">
-            <a:schemeClr val="accent1"/>
-          </a:effectRef>
-          <a:fontRef idx="minor">
-            <a:schemeClr val="tx1"/>
-          </a:fontRef>
-        </p:style>
-      </p:cxnSp>
-      <p:cxnSp>
-        <p:nvCxnSpPr>
-          <p:cNvPr id="13" name="Connettore 2 12">
-            <a:extLst>
-              <a:ext uri="{FF2B5EF4-FFF2-40B4-BE49-F238E27FC236}">
-                <a16:creationId xmlns:a16="http://schemas.microsoft.com/office/drawing/2014/main" id="{6555B9A9-C559-437C-BC23-1B4627B7C705}"/>
-              </a:ext>
-            </a:extLst>
-          </p:cNvPr>
-          <p:cNvCxnSpPr/>
-          <p:nvPr/>
-        </p:nvCxnSpPr>
-        <p:spPr>
-          <a:xfrm>
-            <a:off x="4140000" y="1800000"/>
-            <a:ext cx="360000" cy="0"/>
-          </a:xfrm>
-          <a:prstGeom prst="straightConnector1">
-            <a:avLst/>
-          </a:prstGeom>
-          <a:ln w="25400">
-            <a:solidFill>
-              <a:schemeClr val="tx1"/>
-            </a:solidFill>
-            <a:headEnd type="none"/>
-            <a:tailEnd type="arrow"/>
-          </a:ln>
-        </p:spPr>
-        <p:style>
-          <a:lnRef idx="1">
-            <a:schemeClr val="accent1"/>
-          </a:lnRef>
-          <a:fillRef idx="0">
-            <a:schemeClr val="accent1"/>
-          </a:fillRef>
-          <a:effectRef idx="0">
-            <a:schemeClr val="accent1"/>
-          </a:effectRef>
-          <a:fontRef idx="minor">
-            <a:schemeClr val="tx1"/>
-          </a:fontRef>
-        </p:style>
-      </p:cxnSp>
-      <p:cxnSp>
-        <p:nvCxnSpPr>
-          <p:cNvPr id="14" name="Connettore 2 13">
-            <a:extLst>
-              <a:ext uri="{FF2B5EF4-FFF2-40B4-BE49-F238E27FC236}">
-                <a16:creationId xmlns:a16="http://schemas.microsoft.com/office/drawing/2014/main" id="{94307FAE-4F82-48F7-8794-915DECA4F0BB}"/>
-              </a:ext>
-            </a:extLst>
-          </p:cNvPr>
-          <p:cNvCxnSpPr/>
-          <p:nvPr/>
-        </p:nvCxnSpPr>
-        <p:spPr>
-          <a:xfrm>
-            <a:off x="2700000" y="1800000"/>
-            <a:ext cx="360000" cy="0"/>
-          </a:xfrm>
-          <a:prstGeom prst="straightConnector1">
-            <a:avLst/>
-          </a:prstGeom>
-          <a:ln w="25400">
-            <a:solidFill>
-              <a:schemeClr val="tx1"/>
-            </a:solidFill>
-            <a:headEnd type="none"/>
-            <a:tailEnd type="arrow"/>
-          </a:ln>
-        </p:spPr>
-        <p:style>
-          <a:lnRef idx="1">
-            <a:schemeClr val="accent1"/>
-          </a:lnRef>
-          <a:fillRef idx="0">
-            <a:schemeClr val="accent1"/>
-          </a:fillRef>
-          <a:effectRef idx="0">
-            <a:schemeClr val="accent1"/>
-          </a:effectRef>
-          <a:fontRef idx="minor">
-            <a:schemeClr val="tx1"/>
-          </a:fontRef>
-        </p:style>
-      </p:cxnSp>
-      <mc:AlternateContent xmlns:mc="http://schemas.openxmlformats.org/markup-compatibility/2006" xmlns:a14="http://schemas.microsoft.com/office/drawing/2010/main">
-        <mc:Choice Requires="a14">
-          <p:sp>
-            <p:nvSpPr>
-              <p:cNvPr id="2" name="CasellaDiTesto 1">
-                <a:extLst>
-                  <a:ext uri="{FF2B5EF4-FFF2-40B4-BE49-F238E27FC236}">
-                    <a16:creationId xmlns:a16="http://schemas.microsoft.com/office/drawing/2014/main" id="{034ECB12-6C58-48A6-B3E9-DD809B6847A8}"/>
-                  </a:ext>
-                </a:extLst>
-              </p:cNvPr>
-              <p:cNvSpPr txBox="1"/>
-              <p:nvPr/>
-            </p:nvSpPr>
-            <p:spPr>
-              <a:xfrm>
-                <a:off x="2898000" y="1458000"/>
-                <a:ext cx="314124" cy="278602"/>
-              </a:xfrm>
-              <a:prstGeom prst="rect">
-                <a:avLst/>
-              </a:prstGeom>
-              <a:noFill/>
-            </p:spPr>
-            <p:txBody>
-              <a:bodyPr wrap="none" lIns="0" tIns="0" rIns="0" bIns="0" rtlCol="0">
-                <a:spAutoFit/>
-              </a:bodyPr>
-              <a:lstStyle/>
-              <a:p>
-                <a:pPr/>
-                <a14:m>
-                  <m:oMathPara xmlns:m="http://schemas.openxmlformats.org/officeDocument/2006/math">
-                    <m:oMathParaPr>
-                      <m:jc m:val="centerGroup"/>
-                    </m:oMathParaPr>
-                    <m:oMath xmlns:m="http://schemas.openxmlformats.org/officeDocument/2006/math">
-                      <m:sSubSup>
-                        <m:sSubSupPr>
-                          <m:ctrlPr>
-                            <a:rPr lang="it-IT" b="0" i="1" smtClean="0">
-                              <a:latin typeface="Cambria Math" panose="02040503050406030204" pitchFamily="18" charset="0"/>
-                            </a:rPr>
-                          </m:ctrlPr>
-                        </m:sSubSupPr>
-                        <m:e>
-                          <m:r>
-                            <a:rPr lang="it-IT" b="0" i="1" smtClean="0">
-                              <a:latin typeface="Cambria Math" panose="02040503050406030204" pitchFamily="18" charset="0"/>
-                            </a:rPr>
-                            <m:t>𝑢</m:t>
-                          </m:r>
-                        </m:e>
-                        <m:sub>
-                          <m:r>
-                            <m:rPr>
-                              <m:sty m:val="p"/>
-                            </m:rPr>
-                            <a:rPr lang="it-IT" b="0" i="0" smtClean="0">
-                              <a:latin typeface="Cambria Math" panose="02040503050406030204" pitchFamily="18" charset="0"/>
-                            </a:rPr>
-                            <m:t>ff</m:t>
-                          </m:r>
-                        </m:sub>
-                        <m:sup>
-                          <m:r>
-                            <m:rPr>
-                              <m:sty m:val="p"/>
-                            </m:rPr>
-                            <a:rPr lang="it-IT" b="0" i="0" smtClean="0">
-                              <a:latin typeface="Cambria Math" panose="02040503050406030204" pitchFamily="18" charset="0"/>
-                            </a:rPr>
-                            <m:t>c</m:t>
-                          </m:r>
-                        </m:sup>
-                      </m:sSubSup>
-                    </m:oMath>
-                  </m:oMathPara>
-                </a14:m>
-                <a:endParaRPr lang="it-IT" dirty="0"/>
-              </a:p>
-            </p:txBody>
-          </p:sp>
-        </mc:Choice>
-        <mc:Fallback xmlns="">
-          <p:sp>
-            <p:nvSpPr>
-              <p:cNvPr id="2" name="CasellaDiTesto 1">
-                <a:extLst>
-                  <a:ext uri="{FF2B5EF4-FFF2-40B4-BE49-F238E27FC236}">
-                    <a16:creationId xmlns:a16="http://schemas.microsoft.com/office/drawing/2014/main" id="{034ECB12-6C58-48A6-B3E9-DD809B6847A8}"/>
-                  </a:ext>
-                </a:extLst>
-              </p:cNvPr>
-              <p:cNvSpPr txBox="1">
-                <a:spLocks noRot="1" noChangeAspect="1" noMove="1" noResize="1" noEditPoints="1" noAdjustHandles="1" noChangeArrowheads="1" noChangeShapeType="1" noTextEdit="1"/>
-              </p:cNvSpPr>
-              <p:nvPr/>
-            </p:nvSpPr>
-            <p:spPr>
-              <a:xfrm>
-                <a:off x="2898000" y="1458000"/>
-                <a:ext cx="314124" cy="278602"/>
-              </a:xfrm>
-              <a:prstGeom prst="rect">
-                <a:avLst/>
-              </a:prstGeom>
-              <a:blipFill>
-                <a:blip r:embed="rId2"/>
-                <a:stretch>
-                  <a:fillRect l="-11538" r="-9615" b="-21739"/>
-                </a:stretch>
-              </a:blipFill>
-            </p:spPr>
-            <p:txBody>
-              <a:bodyPr/>
-              <a:lstStyle/>
-              <a:p>
-                <a:r>
-                  <a:rPr lang="it-IT">
-                    <a:noFill/>
-                  </a:rPr>
-                  <a:t> </a:t>
-                </a:r>
-              </a:p>
-            </p:txBody>
-          </p:sp>
-        </mc:Fallback>
-      </mc:AlternateContent>
-      <mc:AlternateContent xmlns:mc="http://schemas.openxmlformats.org/markup-compatibility/2006" xmlns:a14="http://schemas.microsoft.com/office/drawing/2010/main">
-        <mc:Choice Requires="a14">
-          <p:sp>
-            <p:nvSpPr>
-              <p:cNvPr id="17" name="CasellaDiTesto 16">
-                <a:extLst>
-                  <a:ext uri="{FF2B5EF4-FFF2-40B4-BE49-F238E27FC236}">
-                    <a16:creationId xmlns:a16="http://schemas.microsoft.com/office/drawing/2014/main" id="{24A358DC-1049-4986-AA67-EB7409D547AF}"/>
-                  </a:ext>
-                </a:extLst>
-              </p:cNvPr>
-              <p:cNvSpPr txBox="1"/>
-              <p:nvPr/>
-            </p:nvSpPr>
-            <p:spPr>
-              <a:xfrm>
-                <a:off x="3618000" y="2134800"/>
-                <a:ext cx="314765" cy="308802"/>
-              </a:xfrm>
-              <a:prstGeom prst="rect">
-                <a:avLst/>
-              </a:prstGeom>
-              <a:noFill/>
-            </p:spPr>
-            <p:txBody>
-              <a:bodyPr wrap="none" lIns="0" tIns="0" rIns="0" bIns="0" rtlCol="0">
-                <a:spAutoFit/>
-              </a:bodyPr>
-              <a:lstStyle/>
-              <a:p>
-                <a:pPr/>
-                <a14:m>
-                  <m:oMathPara xmlns:m="http://schemas.openxmlformats.org/officeDocument/2006/math">
-                    <m:oMathParaPr>
-                      <m:jc m:val="centerGroup"/>
-                    </m:oMathParaPr>
-                    <m:oMath xmlns:m="http://schemas.openxmlformats.org/officeDocument/2006/math">
-                      <m:sSubSup>
-                        <m:sSubSupPr>
-                          <m:ctrlPr>
-                            <a:rPr lang="it-IT" b="0" i="1" smtClean="0">
-                              <a:latin typeface="Cambria Math" panose="02040503050406030204" pitchFamily="18" charset="0"/>
-                            </a:rPr>
-                          </m:ctrlPr>
-                        </m:sSubSupPr>
-                        <m:e>
-                          <m:r>
-                            <a:rPr lang="it-IT" b="0" i="1" smtClean="0">
-                              <a:latin typeface="Cambria Math" panose="02040503050406030204" pitchFamily="18" charset="0"/>
-                            </a:rPr>
-                            <m:t>𝑣</m:t>
-                          </m:r>
-                        </m:e>
-                        <m:sub>
-                          <m:r>
-                            <m:rPr>
-                              <m:sty m:val="p"/>
-                            </m:rPr>
-                            <a:rPr lang="it-IT" b="0" i="0" smtClean="0">
-                              <a:latin typeface="Cambria Math" panose="02040503050406030204" pitchFamily="18" charset="0"/>
-                            </a:rPr>
-                            <m:t>ff</m:t>
-                          </m:r>
-                        </m:sub>
-                        <m:sup>
-                          <m:r>
-                            <m:rPr>
-                              <m:sty m:val="p"/>
-                            </m:rPr>
-                            <a:rPr lang="it-IT" b="0" i="0" smtClean="0">
-                              <a:latin typeface="Cambria Math" panose="02040503050406030204" pitchFamily="18" charset="0"/>
-                            </a:rPr>
-                            <m:t>if</m:t>
-                          </m:r>
-                        </m:sup>
-                      </m:sSubSup>
-                    </m:oMath>
-                  </m:oMathPara>
-                </a14:m>
-                <a:endParaRPr lang="it-IT" dirty="0"/>
-              </a:p>
-            </p:txBody>
-          </p:sp>
-        </mc:Choice>
-        <mc:Fallback xmlns="">
-          <p:sp>
-            <p:nvSpPr>
-              <p:cNvPr id="17" name="CasellaDiTesto 16">
-                <a:extLst>
-                  <a:ext uri="{FF2B5EF4-FFF2-40B4-BE49-F238E27FC236}">
-                    <a16:creationId xmlns:a16="http://schemas.microsoft.com/office/drawing/2014/main" id="{24A358DC-1049-4986-AA67-EB7409D547AF}"/>
-                  </a:ext>
-                </a:extLst>
-              </p:cNvPr>
-              <p:cNvSpPr txBox="1">
-                <a:spLocks noRot="1" noChangeAspect="1" noMove="1" noResize="1" noEditPoints="1" noAdjustHandles="1" noChangeArrowheads="1" noChangeShapeType="1" noTextEdit="1"/>
-              </p:cNvSpPr>
-              <p:nvPr/>
-            </p:nvSpPr>
-            <p:spPr>
-              <a:xfrm>
-                <a:off x="3618000" y="2134800"/>
-                <a:ext cx="314765" cy="308802"/>
-              </a:xfrm>
-              <a:prstGeom prst="rect">
-                <a:avLst/>
-              </a:prstGeom>
-              <a:blipFill>
-                <a:blip r:embed="rId3"/>
-                <a:stretch>
-                  <a:fillRect l="-9804" t="-1961" r="-11765" b="-19608"/>
-                </a:stretch>
-              </a:blipFill>
-            </p:spPr>
-            <p:txBody>
-              <a:bodyPr/>
-              <a:lstStyle/>
-              <a:p>
-                <a:r>
-                  <a:rPr lang="it-IT">
-                    <a:noFill/>
-                  </a:rPr>
-                  <a:t> </a:t>
-                </a:r>
-              </a:p>
-            </p:txBody>
-          </p:sp>
-        </mc:Fallback>
-      </mc:AlternateContent>
-      <mc:AlternateContent xmlns:mc="http://schemas.openxmlformats.org/markup-compatibility/2006" xmlns:a14="http://schemas.microsoft.com/office/drawing/2010/main">
-        <mc:Choice Requires="a14">
-          <p:sp>
-            <p:nvSpPr>
-              <p:cNvPr id="19" name="CasellaDiTesto 18">
-                <a:extLst>
-                  <a:ext uri="{FF2B5EF4-FFF2-40B4-BE49-F238E27FC236}">
-                    <a16:creationId xmlns:a16="http://schemas.microsoft.com/office/drawing/2014/main" id="{C025A578-1E13-4DC9-980F-3F84E078B8C2}"/>
-                  </a:ext>
-                </a:extLst>
-              </p:cNvPr>
-              <p:cNvSpPr txBox="1"/>
-              <p:nvPr/>
-            </p:nvSpPr>
-            <p:spPr>
-              <a:xfrm>
-                <a:off x="3618000" y="1458000"/>
-                <a:ext cx="302006" cy="278602"/>
-              </a:xfrm>
-              <a:prstGeom prst="rect">
-                <a:avLst/>
-              </a:prstGeom>
-              <a:noFill/>
-            </p:spPr>
-            <p:txBody>
-              <a:bodyPr wrap="none" lIns="0" tIns="0" rIns="0" bIns="0" rtlCol="0">
-                <a:spAutoFit/>
-              </a:bodyPr>
-              <a:lstStyle/>
-              <a:p>
-                <a:pPr/>
-                <a14:m>
-                  <m:oMathPara xmlns:m="http://schemas.openxmlformats.org/officeDocument/2006/math">
-                    <m:oMathParaPr>
-                      <m:jc m:val="centerGroup"/>
-                    </m:oMathParaPr>
-                    <m:oMath xmlns:m="http://schemas.openxmlformats.org/officeDocument/2006/math">
-                      <m:sSubSup>
-                        <m:sSubSupPr>
-                          <m:ctrlPr>
-                            <a:rPr lang="it-IT" b="0" i="1" smtClean="0">
-                              <a:latin typeface="Cambria Math" panose="02040503050406030204" pitchFamily="18" charset="0"/>
-                            </a:rPr>
-                          </m:ctrlPr>
-                        </m:sSubSupPr>
-                        <m:e>
-                          <m:r>
-                            <a:rPr lang="it-IT" b="0" i="1" smtClean="0">
-                              <a:latin typeface="Cambria Math" panose="02040503050406030204" pitchFamily="18" charset="0"/>
-                            </a:rPr>
-                            <m:t>𝑝</m:t>
-                          </m:r>
-                        </m:e>
-                        <m:sub>
-                          <m:r>
-                            <m:rPr>
-                              <m:sty m:val="p"/>
-                            </m:rPr>
-                            <a:rPr lang="it-IT" b="0" i="0" smtClean="0">
-                              <a:latin typeface="Cambria Math" panose="02040503050406030204" pitchFamily="18" charset="0"/>
-                            </a:rPr>
-                            <m:t>ff</m:t>
-                          </m:r>
-                        </m:sub>
-                        <m:sup>
-                          <m:r>
-                            <m:rPr>
-                              <m:sty m:val="p"/>
-                            </m:rPr>
-                            <a:rPr lang="it-IT" b="0" i="0" smtClean="0">
-                              <a:latin typeface="Cambria Math" panose="02040503050406030204" pitchFamily="18" charset="0"/>
-                            </a:rPr>
-                            <m:t>c</m:t>
-                          </m:r>
-                        </m:sup>
-                      </m:sSubSup>
-                    </m:oMath>
-                  </m:oMathPara>
-                </a14:m>
-                <a:endParaRPr lang="it-IT" dirty="0"/>
-              </a:p>
-            </p:txBody>
-          </p:sp>
-        </mc:Choice>
-        <mc:Fallback xmlns="">
-          <p:sp>
-            <p:nvSpPr>
-              <p:cNvPr id="19" name="CasellaDiTesto 18">
-                <a:extLst>
-                  <a:ext uri="{FF2B5EF4-FFF2-40B4-BE49-F238E27FC236}">
-                    <a16:creationId xmlns:a16="http://schemas.microsoft.com/office/drawing/2014/main" id="{C025A578-1E13-4DC9-980F-3F84E078B8C2}"/>
-                  </a:ext>
-                </a:extLst>
-              </p:cNvPr>
-              <p:cNvSpPr txBox="1">
-                <a:spLocks noRot="1" noChangeAspect="1" noMove="1" noResize="1" noEditPoints="1" noAdjustHandles="1" noChangeArrowheads="1" noChangeShapeType="1" noTextEdit="1"/>
-              </p:cNvSpPr>
-              <p:nvPr/>
-            </p:nvSpPr>
-            <p:spPr>
-              <a:xfrm>
-                <a:off x="3618000" y="1458000"/>
-                <a:ext cx="302006" cy="278602"/>
-              </a:xfrm>
-              <a:prstGeom prst="rect">
-                <a:avLst/>
-              </a:prstGeom>
-              <a:blipFill>
-                <a:blip r:embed="rId4"/>
-                <a:stretch>
-                  <a:fillRect l="-18367" r="-10204" b="-23913"/>
-                </a:stretch>
-              </a:blipFill>
-            </p:spPr>
-            <p:txBody>
-              <a:bodyPr/>
-              <a:lstStyle/>
-              <a:p>
-                <a:r>
-                  <a:rPr lang="it-IT">
-                    <a:noFill/>
-                  </a:rPr>
-                  <a:t> </a:t>
-                </a:r>
-              </a:p>
-            </p:txBody>
-          </p:sp>
-        </mc:Fallback>
-      </mc:AlternateContent>
-      <p:cxnSp>
-        <p:nvCxnSpPr>
-          <p:cNvPr id="22" name="Connettore diritto 21">
-            <a:extLst>
-              <a:ext uri="{FF2B5EF4-FFF2-40B4-BE49-F238E27FC236}">
-                <a16:creationId xmlns:a16="http://schemas.microsoft.com/office/drawing/2014/main" id="{FDC811F6-E183-4876-A576-F8814BFB9835}"/>
-              </a:ext>
-            </a:extLst>
-          </p:cNvPr>
-          <p:cNvCxnSpPr/>
-          <p:nvPr/>
-        </p:nvCxnSpPr>
-        <p:spPr>
-          <a:xfrm>
-            <a:off x="2700000" y="3960000"/>
-            <a:ext cx="1800000" cy="0"/>
-          </a:xfrm>
-          <a:prstGeom prst="line">
-            <a:avLst/>
-          </a:prstGeom>
-          <a:ln w="12700" cap="sq"/>
-        </p:spPr>
-        <p:style>
-          <a:lnRef idx="1">
-            <a:schemeClr val="dk1"/>
-          </a:lnRef>
-          <a:fillRef idx="0">
-            <a:schemeClr val="dk1"/>
-          </a:fillRef>
-          <a:effectRef idx="0">
-            <a:schemeClr val="dk1"/>
-          </a:effectRef>
-          <a:fontRef idx="minor">
-            <a:schemeClr val="tx1"/>
-          </a:fontRef>
-        </p:style>
-      </p:cxnSp>
-      <p:sp>
-        <p:nvSpPr>
-          <p:cNvPr id="23" name="Ovale 22">
-            <a:extLst>
-              <a:ext uri="{FF2B5EF4-FFF2-40B4-BE49-F238E27FC236}">
-                <a16:creationId xmlns:a16="http://schemas.microsoft.com/office/drawing/2014/main" id="{38D5C17C-EF0A-4E16-B1F8-A4B5A9480667}"/>
-              </a:ext>
-            </a:extLst>
-          </p:cNvPr>
-          <p:cNvSpPr>
-            <a:spLocks noChangeAspect="1"/>
-          </p:cNvSpPr>
-          <p:nvPr/>
-        </p:nvSpPr>
-        <p:spPr>
-          <a:xfrm>
-            <a:off x="3556800" y="1756800"/>
-            <a:ext cx="86400" cy="86400"/>
-          </a:xfrm>
-          <a:prstGeom prst="ellipse">
-            <a:avLst/>
-          </a:prstGeom>
-        </p:spPr>
-        <p:style>
-          <a:lnRef idx="2">
-            <a:schemeClr val="dk1">
-              <a:shade val="50000"/>
-            </a:schemeClr>
-          </a:lnRef>
-          <a:fillRef idx="1">
-            <a:schemeClr val="dk1"/>
-          </a:fillRef>
-          <a:effectRef idx="0">
-            <a:schemeClr val="dk1"/>
-          </a:effectRef>
-          <a:fontRef idx="minor">
-            <a:schemeClr val="lt1"/>
-          </a:fontRef>
-        </p:style>
-        <p:txBody>
-          <a:bodyPr rtlCol="0" anchor="ctr"/>
-          <a:lstStyle/>
-          <a:p>
-            <a:pPr algn="ctr"/>
-            <a:endParaRPr lang="it-IT"/>
-          </a:p>
-        </p:txBody>
-      </p:sp>
-      <p:sp>
-        <p:nvSpPr>
-          <p:cNvPr id="24" name="Ovale 23">
-            <a:extLst>
-              <a:ext uri="{FF2B5EF4-FFF2-40B4-BE49-F238E27FC236}">
-                <a16:creationId xmlns:a16="http://schemas.microsoft.com/office/drawing/2014/main" id="{07AAA24B-A78A-493F-80B3-B9B16445D3B5}"/>
-              </a:ext>
-            </a:extLst>
-          </p:cNvPr>
-          <p:cNvSpPr>
-            <a:spLocks noChangeAspect="1"/>
-          </p:cNvSpPr>
-          <p:nvPr/>
-        </p:nvSpPr>
-        <p:spPr>
-          <a:xfrm>
-            <a:off x="3556800" y="3196800"/>
-            <a:ext cx="86400" cy="86400"/>
-          </a:xfrm>
-          <a:prstGeom prst="ellipse">
-            <a:avLst/>
-          </a:prstGeom>
-        </p:spPr>
-        <p:style>
-          <a:lnRef idx="2">
-            <a:schemeClr val="dk1">
-              <a:shade val="50000"/>
-            </a:schemeClr>
-          </a:lnRef>
-          <a:fillRef idx="1">
-            <a:schemeClr val="dk1"/>
-          </a:fillRef>
-          <a:effectRef idx="0">
-            <a:schemeClr val="dk1"/>
-          </a:effectRef>
-          <a:fontRef idx="minor">
-            <a:schemeClr val="lt1"/>
-          </a:fontRef>
-        </p:style>
-        <p:txBody>
-          <a:bodyPr rtlCol="0" anchor="ctr"/>
-          <a:lstStyle/>
-          <a:p>
-            <a:pPr algn="ctr"/>
-            <a:endParaRPr lang="it-IT"/>
-          </a:p>
-        </p:txBody>
-      </p:sp>
-      <p:sp>
-        <p:nvSpPr>
-          <p:cNvPr id="25" name="Ovale 24">
-            <a:extLst>
-              <a:ext uri="{FF2B5EF4-FFF2-40B4-BE49-F238E27FC236}">
-                <a16:creationId xmlns:a16="http://schemas.microsoft.com/office/drawing/2014/main" id="{D510D97A-E276-4C3E-AB58-0ED5F40761DB}"/>
-              </a:ext>
-            </a:extLst>
-          </p:cNvPr>
-          <p:cNvSpPr>
-            <a:spLocks noChangeAspect="1"/>
-          </p:cNvSpPr>
-          <p:nvPr/>
-        </p:nvSpPr>
-        <p:spPr>
-          <a:xfrm>
-            <a:off x="3556800" y="2476800"/>
-            <a:ext cx="86400" cy="86400"/>
-          </a:xfrm>
-          <a:prstGeom prst="ellipse">
-            <a:avLst/>
-          </a:prstGeom>
-        </p:spPr>
-        <p:style>
-          <a:lnRef idx="2">
-            <a:schemeClr val="dk1">
-              <a:shade val="50000"/>
-            </a:schemeClr>
-          </a:lnRef>
-          <a:fillRef idx="1">
-            <a:schemeClr val="dk1"/>
-          </a:fillRef>
-          <a:effectRef idx="0">
-            <a:schemeClr val="dk1"/>
-          </a:effectRef>
-          <a:fontRef idx="minor">
-            <a:schemeClr val="lt1"/>
-          </a:fontRef>
-        </p:style>
-        <p:txBody>
-          <a:bodyPr rtlCol="0" anchor="ctr"/>
-          <a:lstStyle/>
-          <a:p>
-            <a:pPr algn="ctr"/>
-            <a:endParaRPr lang="it-IT"/>
-          </a:p>
-        </p:txBody>
-      </p:sp>
-      <p:cxnSp>
-        <p:nvCxnSpPr>
-          <p:cNvPr id="26" name="Connettore 2 25">
-            <a:extLst>
-              <a:ext uri="{FF2B5EF4-FFF2-40B4-BE49-F238E27FC236}">
-                <a16:creationId xmlns:a16="http://schemas.microsoft.com/office/drawing/2014/main" id="{334E8EB4-F827-459F-84CB-D7AED8176DEB}"/>
-              </a:ext>
-            </a:extLst>
-          </p:cNvPr>
-          <p:cNvCxnSpPr/>
-          <p:nvPr/>
-        </p:nvCxnSpPr>
-        <p:spPr>
-          <a:xfrm>
-            <a:off x="3600000" y="900000"/>
-            <a:ext cx="0" cy="360000"/>
-          </a:xfrm>
-          <a:prstGeom prst="straightConnector1">
-            <a:avLst/>
-          </a:prstGeom>
-          <a:ln w="25400">
-            <a:solidFill>
-              <a:schemeClr val="tx1"/>
-            </a:solidFill>
-            <a:headEnd type="arrow"/>
-            <a:tailEnd type="none"/>
-          </a:ln>
-        </p:spPr>
-        <p:style>
-          <a:lnRef idx="1">
-            <a:schemeClr val="accent1"/>
-          </a:lnRef>
-          <a:fillRef idx="0">
-            <a:schemeClr val="accent1"/>
-          </a:fillRef>
-          <a:effectRef idx="0">
-            <a:schemeClr val="accent1"/>
-          </a:effectRef>
-          <a:fontRef idx="minor">
-            <a:schemeClr val="tx1"/>
-          </a:fontRef>
-        </p:style>
-      </p:cxnSp>
-      <p:cxnSp>
-        <p:nvCxnSpPr>
-          <p:cNvPr id="27" name="Connettore 2 26">
-            <a:extLst>
-              <a:ext uri="{FF2B5EF4-FFF2-40B4-BE49-F238E27FC236}">
-                <a16:creationId xmlns:a16="http://schemas.microsoft.com/office/drawing/2014/main" id="{397308BC-0B56-4E96-90F1-41383ED84DE5}"/>
-              </a:ext>
-            </a:extLst>
-          </p:cNvPr>
-          <p:cNvCxnSpPr/>
-          <p:nvPr/>
-        </p:nvCxnSpPr>
-        <p:spPr>
-          <a:xfrm>
-            <a:off x="3600000" y="2340000"/>
-            <a:ext cx="0" cy="360000"/>
-          </a:xfrm>
-          <a:prstGeom prst="straightConnector1">
-            <a:avLst/>
-          </a:prstGeom>
-          <a:ln w="25400">
-            <a:solidFill>
-              <a:schemeClr val="tx1"/>
-            </a:solidFill>
-            <a:headEnd type="arrow"/>
-            <a:tailEnd type="none"/>
-          </a:ln>
-        </p:spPr>
-        <p:style>
-          <a:lnRef idx="1">
-            <a:schemeClr val="accent1"/>
-          </a:lnRef>
-          <a:fillRef idx="0">
-            <a:schemeClr val="accent1"/>
-          </a:fillRef>
-          <a:effectRef idx="0">
-            <a:schemeClr val="accent1"/>
-          </a:effectRef>
-          <a:fontRef idx="minor">
-            <a:schemeClr val="tx1"/>
-          </a:fontRef>
-        </p:style>
-      </p:cxnSp>
-      <mc:AlternateContent xmlns:mc="http://schemas.openxmlformats.org/markup-compatibility/2006" xmlns:a14="http://schemas.microsoft.com/office/drawing/2010/main">
-        <mc:Choice Requires="a14">
-          <p:sp>
-            <p:nvSpPr>
-              <p:cNvPr id="28" name="CasellaDiTesto 27">
-                <a:extLst>
-                  <a:ext uri="{FF2B5EF4-FFF2-40B4-BE49-F238E27FC236}">
-                    <a16:creationId xmlns:a16="http://schemas.microsoft.com/office/drawing/2014/main" id="{44118F4D-CE69-4D99-BEE4-9A605709AC7F}"/>
-                  </a:ext>
-                </a:extLst>
-              </p:cNvPr>
-              <p:cNvSpPr txBox="1"/>
-              <p:nvPr/>
-            </p:nvSpPr>
-            <p:spPr>
-              <a:xfrm>
-                <a:off x="2086740" y="2338300"/>
-                <a:ext cx="386644" cy="276999"/>
-              </a:xfrm>
-              <a:prstGeom prst="rect">
-                <a:avLst/>
-              </a:prstGeom>
-              <a:noFill/>
-            </p:spPr>
-            <p:txBody>
-              <a:bodyPr wrap="none" lIns="0" tIns="0" rIns="0" bIns="0" rtlCol="0">
-                <a:spAutoFit/>
-              </a:bodyPr>
-              <a:lstStyle/>
-              <a:p>
-                <a:pPr/>
-                <a14:m>
-                  <m:oMathPara xmlns:m="http://schemas.openxmlformats.org/officeDocument/2006/math">
-                    <m:oMathParaPr>
-                      <m:jc m:val="centerGroup"/>
-                    </m:oMathParaPr>
-                    <m:oMath xmlns:m="http://schemas.openxmlformats.org/officeDocument/2006/math">
-                      <m:sSub>
-                        <m:sSubPr>
-                          <m:ctrlPr>
-                            <a:rPr lang="it-IT" i="1" smtClean="0">
-                              <a:latin typeface="Cambria Math" panose="02040503050406030204" pitchFamily="18" charset="0"/>
-                            </a:rPr>
-                          </m:ctrlPr>
-                        </m:sSubPr>
-                        <m:e>
-                          <m:r>
-                            <m:rPr>
-                              <m:sty m:val="p"/>
-                            </m:rPr>
-                            <a:rPr lang="el-GR" i="1" smtClean="0">
-                              <a:latin typeface="Cambria Math" panose="02040503050406030204" pitchFamily="18" charset="0"/>
-                              <a:ea typeface="Cambria Math" panose="02040503050406030204" pitchFamily="18" charset="0"/>
-                            </a:rPr>
-                            <m:t>Γ</m:t>
-                          </m:r>
-                        </m:e>
-                        <m:sub>
-                          <m:r>
-                            <m:rPr>
-                              <m:sty m:val="p"/>
-                            </m:rPr>
-                            <a:rPr lang="it-IT" b="0" i="0" smtClean="0">
-                              <a:latin typeface="Cambria Math" panose="02040503050406030204" pitchFamily="18" charset="0"/>
-                            </a:rPr>
-                            <m:t>int</m:t>
-                          </m:r>
-                        </m:sub>
-                      </m:sSub>
-                    </m:oMath>
-                  </m:oMathPara>
-                </a14:m>
-                <a:endParaRPr lang="it-IT" dirty="0"/>
-              </a:p>
-            </p:txBody>
-          </p:sp>
-        </mc:Choice>
-        <mc:Fallback xmlns="">
-          <p:sp>
-            <p:nvSpPr>
-              <p:cNvPr id="28" name="CasellaDiTesto 27">
-                <a:extLst>
-                  <a:ext uri="{FF2B5EF4-FFF2-40B4-BE49-F238E27FC236}">
-                    <a16:creationId xmlns:a16="http://schemas.microsoft.com/office/drawing/2014/main" id="{44118F4D-CE69-4D99-BEE4-9A605709AC7F}"/>
-                  </a:ext>
-                </a:extLst>
-              </p:cNvPr>
-              <p:cNvSpPr txBox="1">
-                <a:spLocks noRot="1" noChangeAspect="1" noMove="1" noResize="1" noEditPoints="1" noAdjustHandles="1" noChangeArrowheads="1" noChangeShapeType="1" noTextEdit="1"/>
-              </p:cNvSpPr>
-              <p:nvPr/>
-            </p:nvSpPr>
-            <p:spPr>
-              <a:xfrm>
-                <a:off x="2086740" y="2338300"/>
-                <a:ext cx="386644" cy="276999"/>
-              </a:xfrm>
-              <a:prstGeom prst="rect">
-                <a:avLst/>
-              </a:prstGeom>
-              <a:blipFill>
-                <a:blip r:embed="rId5"/>
-                <a:stretch>
-                  <a:fillRect l="-12500" r="-7813" b="-17778"/>
-                </a:stretch>
-              </a:blipFill>
-            </p:spPr>
-            <p:txBody>
-              <a:bodyPr/>
-              <a:lstStyle/>
-              <a:p>
-                <a:r>
-                  <a:rPr lang="it-IT">
-                    <a:noFill/>
-                  </a:rPr>
-                  <a:t> </a:t>
-                </a:r>
-              </a:p>
-            </p:txBody>
-          </p:sp>
-        </mc:Fallback>
-      </mc:AlternateContent>
-      <mc:AlternateContent xmlns:mc="http://schemas.openxmlformats.org/markup-compatibility/2006" xmlns:a14="http://schemas.microsoft.com/office/drawing/2010/main">
-        <mc:Choice Requires="a14">
-          <p:sp>
-            <p:nvSpPr>
-              <p:cNvPr id="29" name="CasellaDiTesto 28">
-                <a:extLst>
-                  <a:ext uri="{FF2B5EF4-FFF2-40B4-BE49-F238E27FC236}">
-                    <a16:creationId xmlns:a16="http://schemas.microsoft.com/office/drawing/2014/main" id="{EEC389F2-45A3-4F9F-A12C-056D297903B6}"/>
-                  </a:ext>
-                </a:extLst>
-              </p:cNvPr>
-              <p:cNvSpPr txBox="1"/>
-              <p:nvPr/>
-            </p:nvSpPr>
-            <p:spPr>
-              <a:xfrm>
-                <a:off x="3618000" y="3196800"/>
-                <a:ext cx="442942" cy="301686"/>
-              </a:xfrm>
-              <a:prstGeom prst="rect">
-                <a:avLst/>
-              </a:prstGeom>
-              <a:noFill/>
-            </p:spPr>
-            <p:txBody>
-              <a:bodyPr wrap="none" lIns="0" tIns="0" rIns="0" bIns="0" rtlCol="0">
-                <a:spAutoFit/>
-              </a:bodyPr>
-              <a:lstStyle/>
-              <a:p>
-                <a:pPr/>
-                <a14:m>
-                  <m:oMathPara xmlns:m="http://schemas.openxmlformats.org/officeDocument/2006/math">
-                    <m:oMathParaPr>
-                      <m:jc m:val="centerGroup"/>
-                    </m:oMathParaPr>
-                    <m:oMath xmlns:m="http://schemas.openxmlformats.org/officeDocument/2006/math">
-                      <m:sSubSup>
-                        <m:sSubSupPr>
-                          <m:ctrlPr>
-                            <a:rPr lang="it-IT" b="0" i="1" smtClean="0">
-                              <a:latin typeface="Cambria Math" panose="02040503050406030204" pitchFamily="18" charset="0"/>
-                            </a:rPr>
-                          </m:ctrlPr>
-                        </m:sSubSupPr>
-                        <m:e>
-                          <m:r>
-                            <a:rPr lang="it-IT" b="0" i="1" smtClean="0">
-                              <a:latin typeface="Cambria Math" panose="02040503050406030204" pitchFamily="18" charset="0"/>
-                            </a:rPr>
-                            <m:t>𝑝</m:t>
-                          </m:r>
-                        </m:e>
-                        <m:sub>
-                          <m:r>
-                            <m:rPr>
-                              <m:sty m:val="p"/>
-                            </m:rPr>
-                            <a:rPr lang="it-IT" b="0" i="0" smtClean="0">
-                              <a:latin typeface="Cambria Math" panose="02040503050406030204" pitchFamily="18" charset="0"/>
-                            </a:rPr>
-                            <m:t>pm</m:t>
-                          </m:r>
-                        </m:sub>
-                        <m:sup>
-                          <m:r>
-                            <m:rPr>
-                              <m:sty m:val="p"/>
-                            </m:rPr>
-                            <a:rPr lang="it-IT" b="0" i="0" smtClean="0">
-                              <a:latin typeface="Cambria Math" panose="02040503050406030204" pitchFamily="18" charset="0"/>
-                            </a:rPr>
-                            <m:t>c</m:t>
-                          </m:r>
-                        </m:sup>
-                      </m:sSubSup>
-                    </m:oMath>
-                  </m:oMathPara>
-                </a14:m>
-                <a:endParaRPr lang="it-IT" dirty="0"/>
-              </a:p>
-            </p:txBody>
-          </p:sp>
-        </mc:Choice>
-        <mc:Fallback xmlns="">
-          <p:sp>
-            <p:nvSpPr>
-              <p:cNvPr id="29" name="CasellaDiTesto 28">
-                <a:extLst>
-                  <a:ext uri="{FF2B5EF4-FFF2-40B4-BE49-F238E27FC236}">
-                    <a16:creationId xmlns:a16="http://schemas.microsoft.com/office/drawing/2014/main" id="{EEC389F2-45A3-4F9F-A12C-056D297903B6}"/>
-                  </a:ext>
-                </a:extLst>
-              </p:cNvPr>
-              <p:cNvSpPr txBox="1">
-                <a:spLocks noRot="1" noChangeAspect="1" noMove="1" noResize="1" noEditPoints="1" noAdjustHandles="1" noChangeArrowheads="1" noChangeShapeType="1" noTextEdit="1"/>
-              </p:cNvSpPr>
-              <p:nvPr/>
-            </p:nvSpPr>
-            <p:spPr>
-              <a:xfrm>
-                <a:off x="3618000" y="3196800"/>
-                <a:ext cx="442942" cy="301686"/>
-              </a:xfrm>
-              <a:prstGeom prst="rect">
-                <a:avLst/>
-              </a:prstGeom>
-              <a:blipFill>
-                <a:blip r:embed="rId6"/>
-                <a:stretch>
-                  <a:fillRect l="-12500" r="-6944" b="-22000"/>
-                </a:stretch>
-              </a:blipFill>
-            </p:spPr>
-            <p:txBody>
-              <a:bodyPr/>
-              <a:lstStyle/>
-              <a:p>
-                <a:r>
-                  <a:rPr lang="it-IT">
-                    <a:noFill/>
-                  </a:rPr>
-                  <a:t> </a:t>
-                </a:r>
-              </a:p>
-            </p:txBody>
-          </p:sp>
-        </mc:Fallback>
-      </mc:AlternateContent>
-      <mc:AlternateContent xmlns:mc="http://schemas.openxmlformats.org/markup-compatibility/2006" xmlns:a14="http://schemas.microsoft.com/office/drawing/2010/main">
-        <mc:Choice Requires="a14">
-          <p:sp>
-            <p:nvSpPr>
-              <p:cNvPr id="30" name="CasellaDiTesto 29">
-                <a:extLst>
-                  <a:ext uri="{FF2B5EF4-FFF2-40B4-BE49-F238E27FC236}">
-                    <a16:creationId xmlns:a16="http://schemas.microsoft.com/office/drawing/2014/main" id="{85579D5B-672B-45F7-8F27-BB94712A5491}"/>
-                  </a:ext>
-                </a:extLst>
-              </p:cNvPr>
-              <p:cNvSpPr txBox="1"/>
-              <p:nvPr/>
-            </p:nvSpPr>
-            <p:spPr>
-              <a:xfrm>
-                <a:off x="3618000" y="2543937"/>
-                <a:ext cx="442942" cy="321242"/>
-              </a:xfrm>
-              <a:prstGeom prst="rect">
-                <a:avLst/>
-              </a:prstGeom>
-              <a:noFill/>
-            </p:spPr>
-            <p:txBody>
-              <a:bodyPr wrap="none" lIns="0" tIns="0" rIns="0" bIns="0" rtlCol="0">
-                <a:spAutoFit/>
-              </a:bodyPr>
-              <a:lstStyle/>
-              <a:p>
-                <a:pPr/>
-                <a14:m>
-                  <m:oMathPara xmlns:m="http://schemas.openxmlformats.org/officeDocument/2006/math">
-                    <m:oMathParaPr>
-                      <m:jc m:val="centerGroup"/>
-                    </m:oMathParaPr>
-                    <m:oMath xmlns:m="http://schemas.openxmlformats.org/officeDocument/2006/math">
-                      <m:sSubSup>
-                        <m:sSubSupPr>
-                          <m:ctrlPr>
-                            <a:rPr lang="it-IT" b="0" i="1" smtClean="0">
-                              <a:latin typeface="Cambria Math" panose="02040503050406030204" pitchFamily="18" charset="0"/>
-                            </a:rPr>
-                          </m:ctrlPr>
-                        </m:sSubSupPr>
-                        <m:e>
-                          <m:r>
-                            <a:rPr lang="it-IT" b="0" i="1" smtClean="0">
-                              <a:latin typeface="Cambria Math" panose="02040503050406030204" pitchFamily="18" charset="0"/>
-                            </a:rPr>
-                            <m:t>𝑝</m:t>
-                          </m:r>
-                        </m:e>
-                        <m:sub>
-                          <m:r>
-                            <m:rPr>
-                              <m:sty m:val="p"/>
-                            </m:rPr>
-                            <a:rPr lang="it-IT" b="0" i="0" smtClean="0">
-                              <a:latin typeface="Cambria Math" panose="02040503050406030204" pitchFamily="18" charset="0"/>
-                            </a:rPr>
-                            <m:t>pm</m:t>
-                          </m:r>
-                        </m:sub>
-                        <m:sup>
-                          <m:r>
-                            <m:rPr>
-                              <m:sty m:val="p"/>
-                            </m:rPr>
-                            <a:rPr lang="it-IT" b="0" i="0" smtClean="0">
-                              <a:latin typeface="Cambria Math" panose="02040503050406030204" pitchFamily="18" charset="0"/>
-                            </a:rPr>
-                            <m:t>if</m:t>
-                          </m:r>
-                        </m:sup>
-                      </m:sSubSup>
-                    </m:oMath>
-                  </m:oMathPara>
-                </a14:m>
-                <a:endParaRPr lang="it-IT" dirty="0"/>
-              </a:p>
-            </p:txBody>
-          </p:sp>
-        </mc:Choice>
-        <mc:Fallback xmlns="">
-          <p:sp>
-            <p:nvSpPr>
-              <p:cNvPr id="30" name="CasellaDiTesto 29">
-                <a:extLst>
-                  <a:ext uri="{FF2B5EF4-FFF2-40B4-BE49-F238E27FC236}">
-                    <a16:creationId xmlns:a16="http://schemas.microsoft.com/office/drawing/2014/main" id="{85579D5B-672B-45F7-8F27-BB94712A5491}"/>
-                  </a:ext>
-                </a:extLst>
-              </p:cNvPr>
-              <p:cNvSpPr txBox="1">
-                <a:spLocks noRot="1" noChangeAspect="1" noMove="1" noResize="1" noEditPoints="1" noAdjustHandles="1" noChangeArrowheads="1" noChangeShapeType="1" noTextEdit="1"/>
-              </p:cNvSpPr>
-              <p:nvPr/>
-            </p:nvSpPr>
-            <p:spPr>
-              <a:xfrm>
-                <a:off x="3618000" y="2543937"/>
-                <a:ext cx="442942" cy="321242"/>
-              </a:xfrm>
-              <a:prstGeom prst="rect">
-                <a:avLst/>
-              </a:prstGeom>
-              <a:blipFill>
-                <a:blip r:embed="rId7"/>
-                <a:stretch>
-                  <a:fillRect l="-12500" r="-6944" b="-20755"/>
-                </a:stretch>
-              </a:blipFill>
-            </p:spPr>
-            <p:txBody>
-              <a:bodyPr/>
-              <a:lstStyle/>
-              <a:p>
-                <a:r>
-                  <a:rPr lang="it-IT">
-                    <a:noFill/>
-                  </a:rPr>
-                  <a:t> </a:t>
-                </a:r>
-              </a:p>
-            </p:txBody>
-          </p:sp>
-        </mc:Fallback>
-      </mc:AlternateContent>
-      <mc:AlternateContent xmlns:mc="http://schemas.openxmlformats.org/markup-compatibility/2006" xmlns:a14="http://schemas.microsoft.com/office/drawing/2010/main">
-        <mc:Choice Requires="a14">
-          <p:sp>
-            <p:nvSpPr>
-              <p:cNvPr id="31" name="CasellaDiTesto 30">
-                <a:extLst>
-                  <a:ext uri="{FF2B5EF4-FFF2-40B4-BE49-F238E27FC236}">
-                    <a16:creationId xmlns:a16="http://schemas.microsoft.com/office/drawing/2014/main" id="{2289F8DB-F1D6-4A20-9E6F-3F848F5D4C22}"/>
-                  </a:ext>
-                </a:extLst>
-              </p:cNvPr>
-              <p:cNvSpPr txBox="1"/>
-              <p:nvPr/>
-            </p:nvSpPr>
-            <p:spPr>
-              <a:xfrm>
-                <a:off x="2898000" y="2134800"/>
-                <a:ext cx="315150" cy="308802"/>
-              </a:xfrm>
-              <a:prstGeom prst="rect">
-                <a:avLst/>
-              </a:prstGeom>
-              <a:noFill/>
-            </p:spPr>
-            <p:txBody>
-              <a:bodyPr wrap="none" lIns="0" tIns="0" rIns="0" bIns="0" rtlCol="0">
-                <a:spAutoFit/>
-              </a:bodyPr>
-              <a:lstStyle/>
-              <a:p>
-                <a:pPr/>
-                <a14:m>
-                  <m:oMathPara xmlns:m="http://schemas.openxmlformats.org/officeDocument/2006/math">
-                    <m:oMathParaPr>
-                      <m:jc m:val="centerGroup"/>
-                    </m:oMathParaPr>
-                    <m:oMath xmlns:m="http://schemas.openxmlformats.org/officeDocument/2006/math">
-                      <m:sSubSup>
-                        <m:sSubSupPr>
-                          <m:ctrlPr>
-                            <a:rPr lang="it-IT" b="0" i="1" smtClean="0">
-                              <a:latin typeface="Cambria Math" panose="02040503050406030204" pitchFamily="18" charset="0"/>
-                            </a:rPr>
-                          </m:ctrlPr>
-                        </m:sSubSupPr>
-                        <m:e>
-                          <m:r>
-                            <a:rPr lang="it-IT" b="0" i="1" smtClean="0">
-                              <a:latin typeface="Cambria Math" panose="02040503050406030204" pitchFamily="18" charset="0"/>
-                            </a:rPr>
-                            <m:t>𝑢</m:t>
-                          </m:r>
-                        </m:e>
-                        <m:sub>
-                          <m:r>
-                            <m:rPr>
-                              <m:sty m:val="p"/>
-                            </m:rPr>
-                            <a:rPr lang="it-IT" b="0" i="0" smtClean="0">
-                              <a:latin typeface="Cambria Math" panose="02040503050406030204" pitchFamily="18" charset="0"/>
-                            </a:rPr>
-                            <m:t>ff</m:t>
-                          </m:r>
-                        </m:sub>
-                        <m:sup>
-                          <m:r>
-                            <m:rPr>
-                              <m:sty m:val="p"/>
-                            </m:rPr>
-                            <a:rPr lang="it-IT" b="0" i="0" smtClean="0">
-                              <a:latin typeface="Cambria Math" panose="02040503050406030204" pitchFamily="18" charset="0"/>
-                            </a:rPr>
-                            <m:t>if</m:t>
-                          </m:r>
-                        </m:sup>
-                      </m:sSubSup>
-                    </m:oMath>
-                  </m:oMathPara>
-                </a14:m>
-                <a:endParaRPr lang="it-IT" dirty="0"/>
-              </a:p>
-            </p:txBody>
-          </p:sp>
-        </mc:Choice>
-        <mc:Fallback xmlns="">
-          <p:sp>
-            <p:nvSpPr>
-              <p:cNvPr id="31" name="CasellaDiTesto 30">
-                <a:extLst>
-                  <a:ext uri="{FF2B5EF4-FFF2-40B4-BE49-F238E27FC236}">
-                    <a16:creationId xmlns:a16="http://schemas.microsoft.com/office/drawing/2014/main" id="{2289F8DB-F1D6-4A20-9E6F-3F848F5D4C22}"/>
-                  </a:ext>
-                </a:extLst>
-              </p:cNvPr>
-              <p:cNvSpPr txBox="1">
-                <a:spLocks noRot="1" noChangeAspect="1" noMove="1" noResize="1" noEditPoints="1" noAdjustHandles="1" noChangeArrowheads="1" noChangeShapeType="1" noTextEdit="1"/>
-              </p:cNvSpPr>
-              <p:nvPr/>
-            </p:nvSpPr>
-            <p:spPr>
-              <a:xfrm>
-                <a:off x="2898000" y="2134800"/>
-                <a:ext cx="315150" cy="308802"/>
-              </a:xfrm>
-              <a:prstGeom prst="rect">
-                <a:avLst/>
-              </a:prstGeom>
-              <a:blipFill>
-                <a:blip r:embed="rId8"/>
-                <a:stretch>
-                  <a:fillRect l="-11538" t="-1961" r="-9615" b="-19608"/>
-                </a:stretch>
-              </a:blipFill>
-            </p:spPr>
-            <p:txBody>
-              <a:bodyPr/>
-              <a:lstStyle/>
-              <a:p>
-                <a:r>
-                  <a:rPr lang="it-IT">
-                    <a:noFill/>
-                  </a:rPr>
-                  <a:t> </a:t>
-                </a:r>
-              </a:p>
-            </p:txBody>
-          </p:sp>
-        </mc:Fallback>
-      </mc:AlternateContent>
-      <p:cxnSp>
-        <p:nvCxnSpPr>
-          <p:cNvPr id="32" name="Connettore diritto 31">
-            <a:extLst>
-              <a:ext uri="{FF2B5EF4-FFF2-40B4-BE49-F238E27FC236}">
-                <a16:creationId xmlns:a16="http://schemas.microsoft.com/office/drawing/2014/main" id="{71EFF2E0-12E0-40CC-B9B2-4837E036A458}"/>
-              </a:ext>
-            </a:extLst>
-          </p:cNvPr>
-          <p:cNvCxnSpPr/>
-          <p:nvPr/>
-        </p:nvCxnSpPr>
-        <p:spPr>
-          <a:xfrm>
-            <a:off x="5040000" y="900000"/>
-            <a:ext cx="0" cy="3240000"/>
-          </a:xfrm>
-          <a:prstGeom prst="line">
-            <a:avLst/>
-          </a:prstGeom>
-          <a:ln w="12700" cap="sq">
-            <a:headEnd type="arrow"/>
-          </a:ln>
-        </p:spPr>
-        <p:style>
-          <a:lnRef idx="1">
-            <a:schemeClr val="dk1"/>
-          </a:lnRef>
-          <a:fillRef idx="0">
-            <a:schemeClr val="dk1"/>
-          </a:fillRef>
-          <a:effectRef idx="0">
-            <a:schemeClr val="dk1"/>
-          </a:effectRef>
-          <a:fontRef idx="minor">
-            <a:schemeClr val="tx1"/>
-          </a:fontRef>
-        </p:style>
-      </p:cxnSp>
-      <p:cxnSp>
-        <p:nvCxnSpPr>
-          <p:cNvPr id="33" name="Connettore diritto 32">
-            <a:extLst>
-              <a:ext uri="{FF2B5EF4-FFF2-40B4-BE49-F238E27FC236}">
-                <a16:creationId xmlns:a16="http://schemas.microsoft.com/office/drawing/2014/main" id="{717C5478-4FE0-454E-930A-8EF7691D8F88}"/>
-              </a:ext>
-            </a:extLst>
-          </p:cNvPr>
-          <p:cNvCxnSpPr/>
-          <p:nvPr/>
-        </p:nvCxnSpPr>
-        <p:spPr>
-          <a:xfrm>
-            <a:off x="5004000" y="1800000"/>
-            <a:ext cx="72000" cy="0"/>
-          </a:xfrm>
-          <a:prstGeom prst="line">
-            <a:avLst/>
-          </a:prstGeom>
-          <a:ln w="12700" cap="sq"/>
-        </p:spPr>
-        <p:style>
-          <a:lnRef idx="1">
-            <a:schemeClr val="dk1"/>
-          </a:lnRef>
-          <a:fillRef idx="0">
-            <a:schemeClr val="dk1"/>
-          </a:fillRef>
-          <a:effectRef idx="0">
-            <a:schemeClr val="dk1"/>
-          </a:effectRef>
-          <a:fontRef idx="minor">
-            <a:schemeClr val="tx1"/>
-          </a:fontRef>
-        </p:style>
-      </p:cxnSp>
-      <p:cxnSp>
-        <p:nvCxnSpPr>
-          <p:cNvPr id="34" name="Connettore diritto 33">
-            <a:extLst>
-              <a:ext uri="{FF2B5EF4-FFF2-40B4-BE49-F238E27FC236}">
-                <a16:creationId xmlns:a16="http://schemas.microsoft.com/office/drawing/2014/main" id="{3E7890C8-45E0-4495-A073-1900DBEE7332}"/>
-              </a:ext>
-            </a:extLst>
-          </p:cNvPr>
-          <p:cNvCxnSpPr/>
-          <p:nvPr/>
-        </p:nvCxnSpPr>
-        <p:spPr>
-          <a:xfrm>
-            <a:off x="5004000" y="2520000"/>
-            <a:ext cx="72000" cy="0"/>
-          </a:xfrm>
-          <a:prstGeom prst="line">
-            <a:avLst/>
-          </a:prstGeom>
-          <a:ln w="12700" cap="sq"/>
-        </p:spPr>
-        <p:style>
-          <a:lnRef idx="1">
-            <a:schemeClr val="dk1"/>
-          </a:lnRef>
-          <a:fillRef idx="0">
-            <a:schemeClr val="dk1"/>
-          </a:fillRef>
-          <a:effectRef idx="0">
-            <a:schemeClr val="dk1"/>
-          </a:effectRef>
-          <a:fontRef idx="minor">
-            <a:schemeClr val="tx1"/>
-          </a:fontRef>
-        </p:style>
-      </p:cxnSp>
-      <p:cxnSp>
-        <p:nvCxnSpPr>
-          <p:cNvPr id="35" name="Connettore diritto 34">
-            <a:extLst>
-              <a:ext uri="{FF2B5EF4-FFF2-40B4-BE49-F238E27FC236}">
-                <a16:creationId xmlns:a16="http://schemas.microsoft.com/office/drawing/2014/main" id="{C778D4F7-16A6-4FEB-B090-F3857F4D27C6}"/>
-              </a:ext>
-            </a:extLst>
-          </p:cNvPr>
-          <p:cNvCxnSpPr/>
-          <p:nvPr/>
-        </p:nvCxnSpPr>
-        <p:spPr>
-          <a:xfrm>
-            <a:off x="5004000" y="3240000"/>
-            <a:ext cx="72000" cy="0"/>
-          </a:xfrm>
-          <a:prstGeom prst="line">
-            <a:avLst/>
-          </a:prstGeom>
-          <a:ln w="12700" cap="sq"/>
-        </p:spPr>
-        <p:style>
-          <a:lnRef idx="1">
-            <a:schemeClr val="dk1"/>
-          </a:lnRef>
-          <a:fillRef idx="0">
-            <a:schemeClr val="dk1"/>
-          </a:fillRef>
-          <a:effectRef idx="0">
-            <a:schemeClr val="dk1"/>
-          </a:effectRef>
-          <a:fontRef idx="minor">
-            <a:schemeClr val="tx1"/>
-          </a:fontRef>
-        </p:style>
-      </p:cxnSp>
-      <mc:AlternateContent xmlns:mc="http://schemas.openxmlformats.org/markup-compatibility/2006" xmlns:a14="http://schemas.microsoft.com/office/drawing/2010/main">
-        <mc:Choice Requires="a14">
-          <p:sp>
-            <p:nvSpPr>
-              <p:cNvPr id="36" name="CasellaDiTesto 35">
-                <a:extLst>
-                  <a:ext uri="{FF2B5EF4-FFF2-40B4-BE49-F238E27FC236}">
-                    <a16:creationId xmlns:a16="http://schemas.microsoft.com/office/drawing/2014/main" id="{BC9BA850-D1B8-4DB0-9948-D60650EEC293}"/>
-                  </a:ext>
-                </a:extLst>
-              </p:cNvPr>
-              <p:cNvSpPr txBox="1"/>
-              <p:nvPr/>
-            </p:nvSpPr>
-            <p:spPr>
-              <a:xfrm>
-                <a:off x="5094000" y="2340000"/>
-                <a:ext cx="317395" cy="290208"/>
-              </a:xfrm>
-              <a:prstGeom prst="rect">
-                <a:avLst/>
-              </a:prstGeom>
-              <a:noFill/>
-            </p:spPr>
-            <p:txBody>
-              <a:bodyPr wrap="none" lIns="0" tIns="0" rIns="0" bIns="0" rtlCol="0">
-                <a:spAutoFit/>
-              </a:bodyPr>
-              <a:lstStyle/>
-              <a:p>
-                <a:pPr/>
-                <a14:m>
-                  <m:oMathPara xmlns:m="http://schemas.openxmlformats.org/officeDocument/2006/math">
-                    <m:oMathParaPr>
-                      <m:jc m:val="centerGroup"/>
-                    </m:oMathParaPr>
-                    <m:oMath xmlns:m="http://schemas.openxmlformats.org/officeDocument/2006/math">
-                      <m:sSup>
-                        <m:sSupPr>
-                          <m:ctrlPr>
-                            <a:rPr lang="it-IT" i="1" smtClean="0">
-                              <a:latin typeface="Cambria Math" panose="02040503050406030204" pitchFamily="18" charset="0"/>
-                            </a:rPr>
-                          </m:ctrlPr>
-                        </m:sSupPr>
-                        <m:e>
-                          <m:r>
-                            <a:rPr lang="it-IT" b="0" i="1" smtClean="0">
-                              <a:latin typeface="Cambria Math" panose="02040503050406030204" pitchFamily="18" charset="0"/>
-                            </a:rPr>
-                            <m:t>𝑦</m:t>
-                          </m:r>
-                        </m:e>
-                        <m:sup>
-                          <m:r>
-                            <m:rPr>
-                              <m:sty m:val="p"/>
-                            </m:rPr>
-                            <a:rPr lang="it-IT" b="0" i="0" smtClean="0">
-                              <a:latin typeface="Cambria Math" panose="02040503050406030204" pitchFamily="18" charset="0"/>
-                            </a:rPr>
-                            <m:t>if</m:t>
-                          </m:r>
-                        </m:sup>
-                      </m:sSup>
-                    </m:oMath>
-                  </m:oMathPara>
-                </a14:m>
-                <a:endParaRPr lang="it-IT" dirty="0"/>
-              </a:p>
-            </p:txBody>
-          </p:sp>
-        </mc:Choice>
-        <mc:Fallback xmlns="">
-          <p:sp>
-            <p:nvSpPr>
-              <p:cNvPr id="36" name="CasellaDiTesto 35">
-                <a:extLst>
-                  <a:ext uri="{FF2B5EF4-FFF2-40B4-BE49-F238E27FC236}">
-                    <a16:creationId xmlns:a16="http://schemas.microsoft.com/office/drawing/2014/main" id="{BC9BA850-D1B8-4DB0-9948-D60650EEC293}"/>
-                  </a:ext>
-                </a:extLst>
-              </p:cNvPr>
-              <p:cNvSpPr txBox="1">
-                <a:spLocks noRot="1" noChangeAspect="1" noMove="1" noResize="1" noEditPoints="1" noAdjustHandles="1" noChangeArrowheads="1" noChangeShapeType="1" noTextEdit="1"/>
-              </p:cNvSpPr>
-              <p:nvPr/>
-            </p:nvSpPr>
-            <p:spPr>
-              <a:xfrm>
-                <a:off x="5094000" y="2340000"/>
-                <a:ext cx="317395" cy="290208"/>
-              </a:xfrm>
-              <a:prstGeom prst="rect">
-                <a:avLst/>
-              </a:prstGeom>
-              <a:blipFill>
-                <a:blip r:embed="rId9"/>
-                <a:stretch>
-                  <a:fillRect l="-19231" t="-4255" r="-7692" b="-27660"/>
-                </a:stretch>
-              </a:blipFill>
-            </p:spPr>
-            <p:txBody>
-              <a:bodyPr/>
-              <a:lstStyle/>
-              <a:p>
-                <a:r>
-                  <a:rPr lang="it-IT">
-                    <a:noFill/>
-                  </a:rPr>
-                  <a:t> </a:t>
-                </a:r>
-              </a:p>
-            </p:txBody>
-          </p:sp>
-        </mc:Fallback>
-      </mc:AlternateContent>
-      <mc:AlternateContent xmlns:mc="http://schemas.openxmlformats.org/markup-compatibility/2006" xmlns:a14="http://schemas.microsoft.com/office/drawing/2010/main">
-        <mc:Choice Requires="a14">
-          <p:sp>
-            <p:nvSpPr>
-              <p:cNvPr id="38" name="CasellaDiTesto 37">
-                <a:extLst>
-                  <a:ext uri="{FF2B5EF4-FFF2-40B4-BE49-F238E27FC236}">
-                    <a16:creationId xmlns:a16="http://schemas.microsoft.com/office/drawing/2014/main" id="{06203175-39AF-4267-9561-F8CC5140C434}"/>
-                  </a:ext>
-                </a:extLst>
-              </p:cNvPr>
-              <p:cNvSpPr txBox="1"/>
-              <p:nvPr/>
-            </p:nvSpPr>
-            <p:spPr>
-              <a:xfrm>
-                <a:off x="5094000" y="3060705"/>
-                <a:ext cx="433324" cy="301686"/>
-              </a:xfrm>
-              <a:prstGeom prst="rect">
-                <a:avLst/>
-              </a:prstGeom>
-              <a:noFill/>
-            </p:spPr>
-            <p:txBody>
-              <a:bodyPr wrap="none" lIns="0" tIns="0" rIns="0" bIns="0" rtlCol="0">
-                <a:spAutoFit/>
-              </a:bodyPr>
-              <a:lstStyle/>
-              <a:p>
-                <a:pPr/>
-                <a14:m>
-                  <m:oMathPara xmlns:m="http://schemas.openxmlformats.org/officeDocument/2006/math">
-                    <m:oMathParaPr>
-                      <m:jc m:val="centerGroup"/>
-                    </m:oMathParaPr>
-                    <m:oMath xmlns:m="http://schemas.openxmlformats.org/officeDocument/2006/math">
-                      <m:sSubSup>
-                        <m:sSubSupPr>
-                          <m:ctrlPr>
-                            <a:rPr lang="it-IT" b="0" i="1" smtClean="0">
-                              <a:latin typeface="Cambria Math" panose="02040503050406030204" pitchFamily="18" charset="0"/>
-                            </a:rPr>
-                          </m:ctrlPr>
-                        </m:sSubSupPr>
-                        <m:e>
-                          <m:r>
-                            <a:rPr lang="it-IT" b="0" i="1" smtClean="0">
-                              <a:latin typeface="Cambria Math" panose="02040503050406030204" pitchFamily="18" charset="0"/>
-                            </a:rPr>
-                            <m:t>𝑦</m:t>
-                          </m:r>
-                        </m:e>
-                        <m:sub>
-                          <m:r>
-                            <m:rPr>
-                              <m:sty m:val="p"/>
-                            </m:rPr>
-                            <a:rPr lang="it-IT" b="0" i="0" smtClean="0">
-                              <a:latin typeface="Cambria Math" panose="02040503050406030204" pitchFamily="18" charset="0"/>
-                            </a:rPr>
-                            <m:t>pm</m:t>
-                          </m:r>
-                        </m:sub>
-                        <m:sup>
-                          <m:r>
-                            <m:rPr>
-                              <m:sty m:val="p"/>
-                            </m:rPr>
-                            <a:rPr lang="it-IT" b="0" i="0" smtClean="0">
-                              <a:latin typeface="Cambria Math" panose="02040503050406030204" pitchFamily="18" charset="0"/>
-                            </a:rPr>
-                            <m:t>c</m:t>
-                          </m:r>
-                        </m:sup>
-                      </m:sSubSup>
-                    </m:oMath>
-                  </m:oMathPara>
-                </a14:m>
-                <a:endParaRPr lang="it-IT" dirty="0"/>
-              </a:p>
-            </p:txBody>
-          </p:sp>
-        </mc:Choice>
-        <mc:Fallback xmlns="">
-          <p:sp>
-            <p:nvSpPr>
-              <p:cNvPr id="38" name="CasellaDiTesto 37">
-                <a:extLst>
-                  <a:ext uri="{FF2B5EF4-FFF2-40B4-BE49-F238E27FC236}">
-                    <a16:creationId xmlns:a16="http://schemas.microsoft.com/office/drawing/2014/main" id="{06203175-39AF-4267-9561-F8CC5140C434}"/>
-                  </a:ext>
-                </a:extLst>
-              </p:cNvPr>
-              <p:cNvSpPr txBox="1">
-                <a:spLocks noRot="1" noChangeAspect="1" noMove="1" noResize="1" noEditPoints="1" noAdjustHandles="1" noChangeArrowheads="1" noChangeShapeType="1" noTextEdit="1"/>
-              </p:cNvSpPr>
-              <p:nvPr/>
-            </p:nvSpPr>
-            <p:spPr>
-              <a:xfrm>
-                <a:off x="5094000" y="3060705"/>
-                <a:ext cx="433324" cy="301686"/>
-              </a:xfrm>
-              <a:prstGeom prst="rect">
-                <a:avLst/>
-              </a:prstGeom>
-              <a:blipFill>
-                <a:blip r:embed="rId10"/>
-                <a:stretch>
-                  <a:fillRect l="-12676" r="-7042" b="-22000"/>
-                </a:stretch>
-              </a:blipFill>
-            </p:spPr>
-            <p:txBody>
-              <a:bodyPr/>
-              <a:lstStyle/>
-              <a:p>
-                <a:r>
-                  <a:rPr lang="it-IT">
-                    <a:noFill/>
-                  </a:rPr>
-                  <a:t> </a:t>
-                </a:r>
-              </a:p>
-            </p:txBody>
-          </p:sp>
-        </mc:Fallback>
-      </mc:AlternateContent>
-      <mc:AlternateContent xmlns:mc="http://schemas.openxmlformats.org/markup-compatibility/2006" xmlns:a14="http://schemas.microsoft.com/office/drawing/2010/main">
-        <mc:Choice Requires="a14">
-          <p:sp>
-            <p:nvSpPr>
-              <p:cNvPr id="39" name="CasellaDiTesto 38">
-                <a:extLst>
-                  <a:ext uri="{FF2B5EF4-FFF2-40B4-BE49-F238E27FC236}">
-                    <a16:creationId xmlns:a16="http://schemas.microsoft.com/office/drawing/2014/main" id="{74C220DF-3243-4AEC-8E80-3AD33161ED4E}"/>
-                  </a:ext>
-                </a:extLst>
-              </p:cNvPr>
-              <p:cNvSpPr txBox="1"/>
-              <p:nvPr/>
-            </p:nvSpPr>
-            <p:spPr>
-              <a:xfrm>
-                <a:off x="5094000" y="1620000"/>
-                <a:ext cx="303929" cy="278602"/>
-              </a:xfrm>
-              <a:prstGeom prst="rect">
-                <a:avLst/>
-              </a:prstGeom>
-              <a:noFill/>
-            </p:spPr>
-            <p:txBody>
-              <a:bodyPr wrap="none" lIns="0" tIns="0" rIns="0" bIns="0" rtlCol="0">
-                <a:spAutoFit/>
-              </a:bodyPr>
-              <a:lstStyle/>
-              <a:p>
-                <a:pPr/>
-                <a14:m>
-                  <m:oMathPara xmlns:m="http://schemas.openxmlformats.org/officeDocument/2006/math">
-                    <m:oMathParaPr>
-                      <m:jc m:val="centerGroup"/>
-                    </m:oMathParaPr>
-                    <m:oMath xmlns:m="http://schemas.openxmlformats.org/officeDocument/2006/math">
-                      <m:sSubSup>
-                        <m:sSubSupPr>
-                          <m:ctrlPr>
-                            <a:rPr lang="it-IT" b="0" i="1" smtClean="0">
-                              <a:latin typeface="Cambria Math" panose="02040503050406030204" pitchFamily="18" charset="0"/>
-                            </a:rPr>
-                          </m:ctrlPr>
-                        </m:sSubSupPr>
-                        <m:e>
-                          <m:r>
-                            <a:rPr lang="it-IT" b="0" i="1" smtClean="0">
-                              <a:latin typeface="Cambria Math" panose="02040503050406030204" pitchFamily="18" charset="0"/>
-                            </a:rPr>
-                            <m:t>𝑦</m:t>
-                          </m:r>
-                        </m:e>
-                        <m:sub>
-                          <m:r>
-                            <m:rPr>
-                              <m:sty m:val="p"/>
-                            </m:rPr>
-                            <a:rPr lang="it-IT" b="0" i="0" smtClean="0">
-                              <a:latin typeface="Cambria Math" panose="02040503050406030204" pitchFamily="18" charset="0"/>
-                            </a:rPr>
-                            <m:t>ff</m:t>
-                          </m:r>
-                        </m:sub>
-                        <m:sup>
-                          <m:r>
-                            <m:rPr>
-                              <m:sty m:val="p"/>
-                            </m:rPr>
-                            <a:rPr lang="it-IT" b="0" i="0" smtClean="0">
-                              <a:latin typeface="Cambria Math" panose="02040503050406030204" pitchFamily="18" charset="0"/>
-                            </a:rPr>
-                            <m:t>c</m:t>
-                          </m:r>
-                        </m:sup>
-                      </m:sSubSup>
-                    </m:oMath>
-                  </m:oMathPara>
-                </a14:m>
-                <a:endParaRPr lang="it-IT" dirty="0"/>
-              </a:p>
-            </p:txBody>
-          </p:sp>
-        </mc:Choice>
-        <mc:Fallback xmlns="">
-          <p:sp>
-            <p:nvSpPr>
-              <p:cNvPr id="39" name="CasellaDiTesto 38">
-                <a:extLst>
-                  <a:ext uri="{FF2B5EF4-FFF2-40B4-BE49-F238E27FC236}">
-                    <a16:creationId xmlns:a16="http://schemas.microsoft.com/office/drawing/2014/main" id="{74C220DF-3243-4AEC-8E80-3AD33161ED4E}"/>
-                  </a:ext>
-                </a:extLst>
-              </p:cNvPr>
-              <p:cNvSpPr txBox="1">
-                <a:spLocks noRot="1" noChangeAspect="1" noMove="1" noResize="1" noEditPoints="1" noAdjustHandles="1" noChangeArrowheads="1" noChangeShapeType="1" noTextEdit="1"/>
-              </p:cNvSpPr>
-              <p:nvPr/>
-            </p:nvSpPr>
-            <p:spPr>
-              <a:xfrm>
-                <a:off x="5094000" y="1620000"/>
-                <a:ext cx="303929" cy="278602"/>
-              </a:xfrm>
-              <a:prstGeom prst="rect">
-                <a:avLst/>
-              </a:prstGeom>
-              <a:blipFill>
-                <a:blip r:embed="rId11"/>
-                <a:stretch>
-                  <a:fillRect l="-20408" r="-10204" b="-26667"/>
-                </a:stretch>
-              </a:blipFill>
-            </p:spPr>
-            <p:txBody>
-              <a:bodyPr/>
-              <a:lstStyle/>
-              <a:p>
-                <a:r>
-                  <a:rPr lang="it-IT">
-                    <a:noFill/>
-                  </a:rPr>
-                  <a:t> </a:t>
-                </a:r>
-              </a:p>
-            </p:txBody>
-          </p:sp>
-        </mc:Fallback>
-      </mc:AlternateContent>
-      <mc:AlternateContent xmlns:mc="http://schemas.openxmlformats.org/markup-compatibility/2006" xmlns:a14="http://schemas.microsoft.com/office/drawing/2010/main">
-        <mc:Choice Requires="a14">
-          <p:sp>
-            <p:nvSpPr>
-              <p:cNvPr id="40" name="CasellaDiTesto 39">
-                <a:extLst>
-                  <a:ext uri="{FF2B5EF4-FFF2-40B4-BE49-F238E27FC236}">
-                    <a16:creationId xmlns:a16="http://schemas.microsoft.com/office/drawing/2014/main" id="{AD00249E-2D4E-4E0A-A861-14061899E9BB}"/>
-                  </a:ext>
-                </a:extLst>
-              </p:cNvPr>
-              <p:cNvSpPr txBox="1"/>
-              <p:nvPr/>
-            </p:nvSpPr>
-            <p:spPr>
-              <a:xfrm>
-                <a:off x="5094000" y="810000"/>
-                <a:ext cx="186718" cy="276999"/>
-              </a:xfrm>
-              <a:prstGeom prst="rect">
-                <a:avLst/>
-              </a:prstGeom>
-              <a:noFill/>
-            </p:spPr>
-            <p:txBody>
-              <a:bodyPr wrap="none" lIns="0" tIns="0" rIns="0" bIns="0" rtlCol="0">
-                <a:spAutoFit/>
-              </a:bodyPr>
-              <a:lstStyle/>
-              <a:p>
-                <a:pPr/>
-                <a14:m>
-                  <m:oMathPara xmlns:m="http://schemas.openxmlformats.org/officeDocument/2006/math">
-                    <m:oMathParaPr>
-                      <m:jc m:val="centerGroup"/>
-                    </m:oMathParaPr>
-                    <m:oMath xmlns:m="http://schemas.openxmlformats.org/officeDocument/2006/math">
-                      <m:r>
-                        <a:rPr lang="it-IT" b="0" i="1" smtClean="0">
-                          <a:latin typeface="Cambria Math" panose="02040503050406030204" pitchFamily="18" charset="0"/>
-                        </a:rPr>
-                        <m:t>𝑦</m:t>
-                      </m:r>
-                    </m:oMath>
-                  </m:oMathPara>
-                </a14:m>
-                <a:endParaRPr lang="it-IT" dirty="0"/>
-              </a:p>
-            </p:txBody>
-          </p:sp>
-        </mc:Choice>
-        <mc:Fallback xmlns="">
-          <p:sp>
-            <p:nvSpPr>
-              <p:cNvPr id="40" name="CasellaDiTesto 39">
-                <a:extLst>
-                  <a:ext uri="{FF2B5EF4-FFF2-40B4-BE49-F238E27FC236}">
-                    <a16:creationId xmlns:a16="http://schemas.microsoft.com/office/drawing/2014/main" id="{AD00249E-2D4E-4E0A-A861-14061899E9BB}"/>
-                  </a:ext>
-                </a:extLst>
-              </p:cNvPr>
-              <p:cNvSpPr txBox="1">
-                <a:spLocks noRot="1" noChangeAspect="1" noMove="1" noResize="1" noEditPoints="1" noAdjustHandles="1" noChangeArrowheads="1" noChangeShapeType="1" noTextEdit="1"/>
-              </p:cNvSpPr>
-              <p:nvPr/>
-            </p:nvSpPr>
-            <p:spPr>
-              <a:xfrm>
-                <a:off x="5094000" y="810000"/>
-                <a:ext cx="186718" cy="276999"/>
-              </a:xfrm>
-              <a:prstGeom prst="rect">
-                <a:avLst/>
-              </a:prstGeom>
-              <a:blipFill>
-                <a:blip r:embed="rId12"/>
-                <a:stretch>
-                  <a:fillRect l="-33333" r="-30000" b="-26667"/>
-                </a:stretch>
-              </a:blipFill>
-            </p:spPr>
-            <p:txBody>
-              <a:bodyPr/>
-              <a:lstStyle/>
-              <a:p>
-                <a:r>
-                  <a:rPr lang="it-IT">
-                    <a:noFill/>
-                  </a:rPr>
-                  <a:t> </a:t>
-                </a:r>
-              </a:p>
-            </p:txBody>
-          </p:sp>
-        </mc:Fallback>
-      </mc:AlternateContent>
-    </p:spTree>
-    <p:extLst>
-      <p:ext uri="{BB962C8B-B14F-4D97-AF65-F5344CB8AC3E}">
-        <p14:creationId xmlns:p14="http://schemas.microsoft.com/office/powerpoint/2010/main" val="1514045803"/>
       </p:ext>
     </p:extLst>
   </p:cSld>
@@ -27890,6 +27423,2098 @@
         </p:nvCxnSpPr>
         <p:spPr>
           <a:xfrm>
+            <a:off x="2700000" y="1080000"/>
+            <a:ext cx="1800000" cy="0"/>
+          </a:xfrm>
+          <a:prstGeom prst="line">
+            <a:avLst/>
+          </a:prstGeom>
+          <a:ln w="12700" cap="sq"/>
+        </p:spPr>
+        <p:style>
+          <a:lnRef idx="1">
+            <a:schemeClr val="dk1"/>
+          </a:lnRef>
+          <a:fillRef idx="0">
+            <a:schemeClr val="dk1"/>
+          </a:fillRef>
+          <a:effectRef idx="0">
+            <a:schemeClr val="dk1"/>
+          </a:effectRef>
+          <a:fontRef idx="minor">
+            <a:schemeClr val="tx1"/>
+          </a:fontRef>
+        </p:style>
+      </p:cxnSp>
+      <p:cxnSp>
+        <p:nvCxnSpPr>
+          <p:cNvPr id="6" name="Connettore diritto 5">
+            <a:extLst>
+              <a:ext uri="{FF2B5EF4-FFF2-40B4-BE49-F238E27FC236}">
+                <a16:creationId xmlns:a16="http://schemas.microsoft.com/office/drawing/2014/main" id="{E5610C7F-C982-4B4D-BACC-FD5024ED2B62}"/>
+              </a:ext>
+            </a:extLst>
+          </p:cNvPr>
+          <p:cNvCxnSpPr/>
+          <p:nvPr/>
+        </p:nvCxnSpPr>
+        <p:spPr>
+          <a:xfrm>
+            <a:off x="2520000" y="2520000"/>
+            <a:ext cx="2160000" cy="0"/>
+          </a:xfrm>
+          <a:prstGeom prst="line">
+            <a:avLst/>
+          </a:prstGeom>
+          <a:ln w="12700" cap="sq"/>
+        </p:spPr>
+        <p:style>
+          <a:lnRef idx="1">
+            <a:schemeClr val="dk1"/>
+          </a:lnRef>
+          <a:fillRef idx="0">
+            <a:schemeClr val="dk1"/>
+          </a:fillRef>
+          <a:effectRef idx="0">
+            <a:schemeClr val="dk1"/>
+          </a:effectRef>
+          <a:fontRef idx="minor">
+            <a:schemeClr val="tx1"/>
+          </a:fontRef>
+        </p:style>
+      </p:cxnSp>
+      <p:cxnSp>
+        <p:nvCxnSpPr>
+          <p:cNvPr id="8" name="Connettore diritto 7">
+            <a:extLst>
+              <a:ext uri="{FF2B5EF4-FFF2-40B4-BE49-F238E27FC236}">
+                <a16:creationId xmlns:a16="http://schemas.microsoft.com/office/drawing/2014/main" id="{EEFDB217-9ACD-4C8F-899A-FE4EEBC2BBD5}"/>
+              </a:ext>
+            </a:extLst>
+          </p:cNvPr>
+          <p:cNvCxnSpPr/>
+          <p:nvPr/>
+        </p:nvCxnSpPr>
+        <p:spPr>
+          <a:xfrm>
+            <a:off x="2880000" y="900000"/>
+            <a:ext cx="0" cy="3240000"/>
+          </a:xfrm>
+          <a:prstGeom prst="line">
+            <a:avLst/>
+          </a:prstGeom>
+          <a:ln w="12700" cap="sq"/>
+        </p:spPr>
+        <p:style>
+          <a:lnRef idx="1">
+            <a:schemeClr val="dk1"/>
+          </a:lnRef>
+          <a:fillRef idx="0">
+            <a:schemeClr val="dk1"/>
+          </a:fillRef>
+          <a:effectRef idx="0">
+            <a:schemeClr val="dk1"/>
+          </a:effectRef>
+          <a:fontRef idx="minor">
+            <a:schemeClr val="tx1"/>
+          </a:fontRef>
+        </p:style>
+      </p:cxnSp>
+      <p:cxnSp>
+        <p:nvCxnSpPr>
+          <p:cNvPr id="9" name="Connettore diritto 8">
+            <a:extLst>
+              <a:ext uri="{FF2B5EF4-FFF2-40B4-BE49-F238E27FC236}">
+                <a16:creationId xmlns:a16="http://schemas.microsoft.com/office/drawing/2014/main" id="{48B82A87-D014-485E-8D26-CD5598BBA0FB}"/>
+              </a:ext>
+            </a:extLst>
+          </p:cNvPr>
+          <p:cNvCxnSpPr/>
+          <p:nvPr/>
+        </p:nvCxnSpPr>
+        <p:spPr>
+          <a:xfrm>
+            <a:off x="4320000" y="900000"/>
+            <a:ext cx="0" cy="3240000"/>
+          </a:xfrm>
+          <a:prstGeom prst="line">
+            <a:avLst/>
+          </a:prstGeom>
+          <a:ln w="12700" cap="sq"/>
+        </p:spPr>
+        <p:style>
+          <a:lnRef idx="1">
+            <a:schemeClr val="dk1"/>
+          </a:lnRef>
+          <a:fillRef idx="0">
+            <a:schemeClr val="dk1"/>
+          </a:fillRef>
+          <a:effectRef idx="0">
+            <a:schemeClr val="dk1"/>
+          </a:effectRef>
+          <a:fontRef idx="minor">
+            <a:schemeClr val="tx1"/>
+          </a:fontRef>
+        </p:style>
+      </p:cxnSp>
+      <p:cxnSp>
+        <p:nvCxnSpPr>
+          <p:cNvPr id="11" name="Connettore 2 10">
+            <a:extLst>
+              <a:ext uri="{FF2B5EF4-FFF2-40B4-BE49-F238E27FC236}">
+                <a16:creationId xmlns:a16="http://schemas.microsoft.com/office/drawing/2014/main" id="{EA77B616-29CC-45B7-927D-0249E7CD8396}"/>
+              </a:ext>
+            </a:extLst>
+          </p:cNvPr>
+          <p:cNvCxnSpPr/>
+          <p:nvPr/>
+        </p:nvCxnSpPr>
+        <p:spPr>
+          <a:xfrm>
+            <a:off x="2700000" y="2520000"/>
+            <a:ext cx="360000" cy="0"/>
+          </a:xfrm>
+          <a:prstGeom prst="straightConnector1">
+            <a:avLst/>
+          </a:prstGeom>
+          <a:ln w="25400">
+            <a:solidFill>
+              <a:schemeClr val="tx1"/>
+            </a:solidFill>
+            <a:headEnd type="none"/>
+            <a:tailEnd type="arrow"/>
+          </a:ln>
+        </p:spPr>
+        <p:style>
+          <a:lnRef idx="1">
+            <a:schemeClr val="accent1"/>
+          </a:lnRef>
+          <a:fillRef idx="0">
+            <a:schemeClr val="accent1"/>
+          </a:fillRef>
+          <a:effectRef idx="0">
+            <a:schemeClr val="accent1"/>
+          </a:effectRef>
+          <a:fontRef idx="minor">
+            <a:schemeClr val="tx1"/>
+          </a:fontRef>
+        </p:style>
+      </p:cxnSp>
+      <p:cxnSp>
+        <p:nvCxnSpPr>
+          <p:cNvPr id="13" name="Connettore 2 12">
+            <a:extLst>
+              <a:ext uri="{FF2B5EF4-FFF2-40B4-BE49-F238E27FC236}">
+                <a16:creationId xmlns:a16="http://schemas.microsoft.com/office/drawing/2014/main" id="{6555B9A9-C559-437C-BC23-1B4627B7C705}"/>
+              </a:ext>
+            </a:extLst>
+          </p:cNvPr>
+          <p:cNvCxnSpPr/>
+          <p:nvPr/>
+        </p:nvCxnSpPr>
+        <p:spPr>
+          <a:xfrm>
+            <a:off x="4140000" y="1800000"/>
+            <a:ext cx="360000" cy="0"/>
+          </a:xfrm>
+          <a:prstGeom prst="straightConnector1">
+            <a:avLst/>
+          </a:prstGeom>
+          <a:ln w="25400">
+            <a:solidFill>
+              <a:schemeClr val="tx1"/>
+            </a:solidFill>
+            <a:headEnd type="none"/>
+            <a:tailEnd type="arrow"/>
+          </a:ln>
+        </p:spPr>
+        <p:style>
+          <a:lnRef idx="1">
+            <a:schemeClr val="accent1"/>
+          </a:lnRef>
+          <a:fillRef idx="0">
+            <a:schemeClr val="accent1"/>
+          </a:fillRef>
+          <a:effectRef idx="0">
+            <a:schemeClr val="accent1"/>
+          </a:effectRef>
+          <a:fontRef idx="minor">
+            <a:schemeClr val="tx1"/>
+          </a:fontRef>
+        </p:style>
+      </p:cxnSp>
+      <p:cxnSp>
+        <p:nvCxnSpPr>
+          <p:cNvPr id="14" name="Connettore 2 13">
+            <a:extLst>
+              <a:ext uri="{FF2B5EF4-FFF2-40B4-BE49-F238E27FC236}">
+                <a16:creationId xmlns:a16="http://schemas.microsoft.com/office/drawing/2014/main" id="{94307FAE-4F82-48F7-8794-915DECA4F0BB}"/>
+              </a:ext>
+            </a:extLst>
+          </p:cNvPr>
+          <p:cNvCxnSpPr/>
+          <p:nvPr/>
+        </p:nvCxnSpPr>
+        <p:spPr>
+          <a:xfrm>
+            <a:off x="2700000" y="1800000"/>
+            <a:ext cx="360000" cy="0"/>
+          </a:xfrm>
+          <a:prstGeom prst="straightConnector1">
+            <a:avLst/>
+          </a:prstGeom>
+          <a:ln w="25400">
+            <a:solidFill>
+              <a:schemeClr val="tx1"/>
+            </a:solidFill>
+            <a:headEnd type="none"/>
+            <a:tailEnd type="arrow"/>
+          </a:ln>
+        </p:spPr>
+        <p:style>
+          <a:lnRef idx="1">
+            <a:schemeClr val="accent1"/>
+          </a:lnRef>
+          <a:fillRef idx="0">
+            <a:schemeClr val="accent1"/>
+          </a:fillRef>
+          <a:effectRef idx="0">
+            <a:schemeClr val="accent1"/>
+          </a:effectRef>
+          <a:fontRef idx="minor">
+            <a:schemeClr val="tx1"/>
+          </a:fontRef>
+        </p:style>
+      </p:cxnSp>
+      <mc:AlternateContent xmlns:mc="http://schemas.openxmlformats.org/markup-compatibility/2006" xmlns:a14="http://schemas.microsoft.com/office/drawing/2010/main">
+        <mc:Choice Requires="a14">
+          <p:sp>
+            <p:nvSpPr>
+              <p:cNvPr id="2" name="CasellaDiTesto 1">
+                <a:extLst>
+                  <a:ext uri="{FF2B5EF4-FFF2-40B4-BE49-F238E27FC236}">
+                    <a16:creationId xmlns:a16="http://schemas.microsoft.com/office/drawing/2014/main" id="{034ECB12-6C58-48A6-B3E9-DD809B6847A8}"/>
+                  </a:ext>
+                </a:extLst>
+              </p:cNvPr>
+              <p:cNvSpPr txBox="1"/>
+              <p:nvPr/>
+            </p:nvSpPr>
+            <p:spPr>
+              <a:xfrm>
+                <a:off x="2898000" y="1458000"/>
+                <a:ext cx="314124" cy="278602"/>
+              </a:xfrm>
+              <a:prstGeom prst="rect">
+                <a:avLst/>
+              </a:prstGeom>
+              <a:noFill/>
+            </p:spPr>
+            <p:txBody>
+              <a:bodyPr wrap="none" lIns="0" tIns="0" rIns="0" bIns="0" rtlCol="0">
+                <a:spAutoFit/>
+              </a:bodyPr>
+              <a:lstStyle/>
+              <a:p>
+                <a:pPr/>
+                <a14:m>
+                  <m:oMathPara xmlns:m="http://schemas.openxmlformats.org/officeDocument/2006/math">
+                    <m:oMathParaPr>
+                      <m:jc m:val="centerGroup"/>
+                    </m:oMathParaPr>
+                    <m:oMath xmlns:m="http://schemas.openxmlformats.org/officeDocument/2006/math">
+                      <m:sSubSup>
+                        <m:sSubSupPr>
+                          <m:ctrlPr>
+                            <a:rPr lang="it-IT" b="0" i="1" smtClean="0">
+                              <a:latin typeface="Cambria Math" panose="02040503050406030204" pitchFamily="18" charset="0"/>
+                            </a:rPr>
+                          </m:ctrlPr>
+                        </m:sSubSupPr>
+                        <m:e>
+                          <m:r>
+                            <a:rPr lang="it-IT" b="0" i="1" smtClean="0">
+                              <a:latin typeface="Cambria Math" panose="02040503050406030204" pitchFamily="18" charset="0"/>
+                            </a:rPr>
+                            <m:t>𝑢</m:t>
+                          </m:r>
+                        </m:e>
+                        <m:sub>
+                          <m:r>
+                            <m:rPr>
+                              <m:sty m:val="p"/>
+                            </m:rPr>
+                            <a:rPr lang="it-IT" b="0" i="0" smtClean="0">
+                              <a:latin typeface="Cambria Math" panose="02040503050406030204" pitchFamily="18" charset="0"/>
+                            </a:rPr>
+                            <m:t>ff</m:t>
+                          </m:r>
+                        </m:sub>
+                        <m:sup>
+                          <m:r>
+                            <m:rPr>
+                              <m:sty m:val="p"/>
+                            </m:rPr>
+                            <a:rPr lang="it-IT" b="0" i="0" smtClean="0">
+                              <a:latin typeface="Cambria Math" panose="02040503050406030204" pitchFamily="18" charset="0"/>
+                            </a:rPr>
+                            <m:t>c</m:t>
+                          </m:r>
+                        </m:sup>
+                      </m:sSubSup>
+                    </m:oMath>
+                  </m:oMathPara>
+                </a14:m>
+                <a:endParaRPr lang="it-IT" dirty="0"/>
+              </a:p>
+            </p:txBody>
+          </p:sp>
+        </mc:Choice>
+        <mc:Fallback xmlns="">
+          <p:sp>
+            <p:nvSpPr>
+              <p:cNvPr id="2" name="CasellaDiTesto 1">
+                <a:extLst>
+                  <a:ext uri="{FF2B5EF4-FFF2-40B4-BE49-F238E27FC236}">
+                    <a16:creationId xmlns:a16="http://schemas.microsoft.com/office/drawing/2014/main" id="{034ECB12-6C58-48A6-B3E9-DD809B6847A8}"/>
+                  </a:ext>
+                </a:extLst>
+              </p:cNvPr>
+              <p:cNvSpPr txBox="1">
+                <a:spLocks noRot="1" noChangeAspect="1" noMove="1" noResize="1" noEditPoints="1" noAdjustHandles="1" noChangeArrowheads="1" noChangeShapeType="1" noTextEdit="1"/>
+              </p:cNvSpPr>
+              <p:nvPr/>
+            </p:nvSpPr>
+            <p:spPr>
+              <a:xfrm>
+                <a:off x="2898000" y="1458000"/>
+                <a:ext cx="314124" cy="278602"/>
+              </a:xfrm>
+              <a:prstGeom prst="rect">
+                <a:avLst/>
+              </a:prstGeom>
+              <a:blipFill>
+                <a:blip r:embed="rId2"/>
+                <a:stretch>
+                  <a:fillRect l="-11538" r="-9615" b="-21739"/>
+                </a:stretch>
+              </a:blipFill>
+            </p:spPr>
+            <p:txBody>
+              <a:bodyPr/>
+              <a:lstStyle/>
+              <a:p>
+                <a:r>
+                  <a:rPr lang="it-IT">
+                    <a:noFill/>
+                  </a:rPr>
+                  <a:t> </a:t>
+                </a:r>
+              </a:p>
+            </p:txBody>
+          </p:sp>
+        </mc:Fallback>
+      </mc:AlternateContent>
+      <mc:AlternateContent xmlns:mc="http://schemas.openxmlformats.org/markup-compatibility/2006" xmlns:a14="http://schemas.microsoft.com/office/drawing/2010/main">
+        <mc:Choice Requires="a14">
+          <p:sp>
+            <p:nvSpPr>
+              <p:cNvPr id="17" name="CasellaDiTesto 16">
+                <a:extLst>
+                  <a:ext uri="{FF2B5EF4-FFF2-40B4-BE49-F238E27FC236}">
+                    <a16:creationId xmlns:a16="http://schemas.microsoft.com/office/drawing/2014/main" id="{24A358DC-1049-4986-AA67-EB7409D547AF}"/>
+                  </a:ext>
+                </a:extLst>
+              </p:cNvPr>
+              <p:cNvSpPr txBox="1"/>
+              <p:nvPr/>
+            </p:nvSpPr>
+            <p:spPr>
+              <a:xfrm>
+                <a:off x="3618000" y="2134800"/>
+                <a:ext cx="314765" cy="308802"/>
+              </a:xfrm>
+              <a:prstGeom prst="rect">
+                <a:avLst/>
+              </a:prstGeom>
+              <a:noFill/>
+            </p:spPr>
+            <p:txBody>
+              <a:bodyPr wrap="none" lIns="0" tIns="0" rIns="0" bIns="0" rtlCol="0">
+                <a:spAutoFit/>
+              </a:bodyPr>
+              <a:lstStyle/>
+              <a:p>
+                <a:pPr/>
+                <a14:m>
+                  <m:oMathPara xmlns:m="http://schemas.openxmlformats.org/officeDocument/2006/math">
+                    <m:oMathParaPr>
+                      <m:jc m:val="centerGroup"/>
+                    </m:oMathParaPr>
+                    <m:oMath xmlns:m="http://schemas.openxmlformats.org/officeDocument/2006/math">
+                      <m:sSubSup>
+                        <m:sSubSupPr>
+                          <m:ctrlPr>
+                            <a:rPr lang="it-IT" b="0" i="1" smtClean="0">
+                              <a:latin typeface="Cambria Math" panose="02040503050406030204" pitchFamily="18" charset="0"/>
+                            </a:rPr>
+                          </m:ctrlPr>
+                        </m:sSubSupPr>
+                        <m:e>
+                          <m:r>
+                            <a:rPr lang="it-IT" b="0" i="1" smtClean="0">
+                              <a:latin typeface="Cambria Math" panose="02040503050406030204" pitchFamily="18" charset="0"/>
+                            </a:rPr>
+                            <m:t>𝑣</m:t>
+                          </m:r>
+                        </m:e>
+                        <m:sub>
+                          <m:r>
+                            <m:rPr>
+                              <m:sty m:val="p"/>
+                            </m:rPr>
+                            <a:rPr lang="it-IT" b="0" i="0" smtClean="0">
+                              <a:latin typeface="Cambria Math" panose="02040503050406030204" pitchFamily="18" charset="0"/>
+                            </a:rPr>
+                            <m:t>ff</m:t>
+                          </m:r>
+                        </m:sub>
+                        <m:sup>
+                          <m:r>
+                            <m:rPr>
+                              <m:sty m:val="p"/>
+                            </m:rPr>
+                            <a:rPr lang="it-IT" b="0" i="0" smtClean="0">
+                              <a:latin typeface="Cambria Math" panose="02040503050406030204" pitchFamily="18" charset="0"/>
+                            </a:rPr>
+                            <m:t>if</m:t>
+                          </m:r>
+                        </m:sup>
+                      </m:sSubSup>
+                    </m:oMath>
+                  </m:oMathPara>
+                </a14:m>
+                <a:endParaRPr lang="it-IT" dirty="0"/>
+              </a:p>
+            </p:txBody>
+          </p:sp>
+        </mc:Choice>
+        <mc:Fallback xmlns="">
+          <p:sp>
+            <p:nvSpPr>
+              <p:cNvPr id="17" name="CasellaDiTesto 16">
+                <a:extLst>
+                  <a:ext uri="{FF2B5EF4-FFF2-40B4-BE49-F238E27FC236}">
+                    <a16:creationId xmlns:a16="http://schemas.microsoft.com/office/drawing/2014/main" id="{24A358DC-1049-4986-AA67-EB7409D547AF}"/>
+                  </a:ext>
+                </a:extLst>
+              </p:cNvPr>
+              <p:cNvSpPr txBox="1">
+                <a:spLocks noRot="1" noChangeAspect="1" noMove="1" noResize="1" noEditPoints="1" noAdjustHandles="1" noChangeArrowheads="1" noChangeShapeType="1" noTextEdit="1"/>
+              </p:cNvSpPr>
+              <p:nvPr/>
+            </p:nvSpPr>
+            <p:spPr>
+              <a:xfrm>
+                <a:off x="3618000" y="2134800"/>
+                <a:ext cx="314765" cy="308802"/>
+              </a:xfrm>
+              <a:prstGeom prst="rect">
+                <a:avLst/>
+              </a:prstGeom>
+              <a:blipFill>
+                <a:blip r:embed="rId3"/>
+                <a:stretch>
+                  <a:fillRect l="-9804" t="-1961" r="-11765" b="-19608"/>
+                </a:stretch>
+              </a:blipFill>
+            </p:spPr>
+            <p:txBody>
+              <a:bodyPr/>
+              <a:lstStyle/>
+              <a:p>
+                <a:r>
+                  <a:rPr lang="it-IT">
+                    <a:noFill/>
+                  </a:rPr>
+                  <a:t> </a:t>
+                </a:r>
+              </a:p>
+            </p:txBody>
+          </p:sp>
+        </mc:Fallback>
+      </mc:AlternateContent>
+      <mc:AlternateContent xmlns:mc="http://schemas.openxmlformats.org/markup-compatibility/2006" xmlns:a14="http://schemas.microsoft.com/office/drawing/2010/main">
+        <mc:Choice Requires="a14">
+          <p:sp>
+            <p:nvSpPr>
+              <p:cNvPr id="19" name="CasellaDiTesto 18">
+                <a:extLst>
+                  <a:ext uri="{FF2B5EF4-FFF2-40B4-BE49-F238E27FC236}">
+                    <a16:creationId xmlns:a16="http://schemas.microsoft.com/office/drawing/2014/main" id="{C025A578-1E13-4DC9-980F-3F84E078B8C2}"/>
+                  </a:ext>
+                </a:extLst>
+              </p:cNvPr>
+              <p:cNvSpPr txBox="1"/>
+              <p:nvPr/>
+            </p:nvSpPr>
+            <p:spPr>
+              <a:xfrm>
+                <a:off x="3618000" y="1458000"/>
+                <a:ext cx="302006" cy="278602"/>
+              </a:xfrm>
+              <a:prstGeom prst="rect">
+                <a:avLst/>
+              </a:prstGeom>
+              <a:noFill/>
+            </p:spPr>
+            <p:txBody>
+              <a:bodyPr wrap="none" lIns="0" tIns="0" rIns="0" bIns="0" rtlCol="0">
+                <a:spAutoFit/>
+              </a:bodyPr>
+              <a:lstStyle/>
+              <a:p>
+                <a:pPr/>
+                <a14:m>
+                  <m:oMathPara xmlns:m="http://schemas.openxmlformats.org/officeDocument/2006/math">
+                    <m:oMathParaPr>
+                      <m:jc m:val="centerGroup"/>
+                    </m:oMathParaPr>
+                    <m:oMath xmlns:m="http://schemas.openxmlformats.org/officeDocument/2006/math">
+                      <m:sSubSup>
+                        <m:sSubSupPr>
+                          <m:ctrlPr>
+                            <a:rPr lang="it-IT" b="0" i="1" smtClean="0">
+                              <a:latin typeface="Cambria Math" panose="02040503050406030204" pitchFamily="18" charset="0"/>
+                            </a:rPr>
+                          </m:ctrlPr>
+                        </m:sSubSupPr>
+                        <m:e>
+                          <m:r>
+                            <a:rPr lang="it-IT" b="0" i="1" smtClean="0">
+                              <a:latin typeface="Cambria Math" panose="02040503050406030204" pitchFamily="18" charset="0"/>
+                            </a:rPr>
+                            <m:t>𝑝</m:t>
+                          </m:r>
+                        </m:e>
+                        <m:sub>
+                          <m:r>
+                            <m:rPr>
+                              <m:sty m:val="p"/>
+                            </m:rPr>
+                            <a:rPr lang="it-IT" b="0" i="0" smtClean="0">
+                              <a:latin typeface="Cambria Math" panose="02040503050406030204" pitchFamily="18" charset="0"/>
+                            </a:rPr>
+                            <m:t>ff</m:t>
+                          </m:r>
+                        </m:sub>
+                        <m:sup>
+                          <m:r>
+                            <m:rPr>
+                              <m:sty m:val="p"/>
+                            </m:rPr>
+                            <a:rPr lang="it-IT" b="0" i="0" smtClean="0">
+                              <a:latin typeface="Cambria Math" panose="02040503050406030204" pitchFamily="18" charset="0"/>
+                            </a:rPr>
+                            <m:t>c</m:t>
+                          </m:r>
+                        </m:sup>
+                      </m:sSubSup>
+                    </m:oMath>
+                  </m:oMathPara>
+                </a14:m>
+                <a:endParaRPr lang="it-IT" dirty="0"/>
+              </a:p>
+            </p:txBody>
+          </p:sp>
+        </mc:Choice>
+        <mc:Fallback xmlns="">
+          <p:sp>
+            <p:nvSpPr>
+              <p:cNvPr id="19" name="CasellaDiTesto 18">
+                <a:extLst>
+                  <a:ext uri="{FF2B5EF4-FFF2-40B4-BE49-F238E27FC236}">
+                    <a16:creationId xmlns:a16="http://schemas.microsoft.com/office/drawing/2014/main" id="{C025A578-1E13-4DC9-980F-3F84E078B8C2}"/>
+                  </a:ext>
+                </a:extLst>
+              </p:cNvPr>
+              <p:cNvSpPr txBox="1">
+                <a:spLocks noRot="1" noChangeAspect="1" noMove="1" noResize="1" noEditPoints="1" noAdjustHandles="1" noChangeArrowheads="1" noChangeShapeType="1" noTextEdit="1"/>
+              </p:cNvSpPr>
+              <p:nvPr/>
+            </p:nvSpPr>
+            <p:spPr>
+              <a:xfrm>
+                <a:off x="3618000" y="1458000"/>
+                <a:ext cx="302006" cy="278602"/>
+              </a:xfrm>
+              <a:prstGeom prst="rect">
+                <a:avLst/>
+              </a:prstGeom>
+              <a:blipFill>
+                <a:blip r:embed="rId4"/>
+                <a:stretch>
+                  <a:fillRect l="-18367" r="-10204" b="-23913"/>
+                </a:stretch>
+              </a:blipFill>
+            </p:spPr>
+            <p:txBody>
+              <a:bodyPr/>
+              <a:lstStyle/>
+              <a:p>
+                <a:r>
+                  <a:rPr lang="it-IT">
+                    <a:noFill/>
+                  </a:rPr>
+                  <a:t> </a:t>
+                </a:r>
+              </a:p>
+            </p:txBody>
+          </p:sp>
+        </mc:Fallback>
+      </mc:AlternateContent>
+      <p:cxnSp>
+        <p:nvCxnSpPr>
+          <p:cNvPr id="22" name="Connettore diritto 21">
+            <a:extLst>
+              <a:ext uri="{FF2B5EF4-FFF2-40B4-BE49-F238E27FC236}">
+                <a16:creationId xmlns:a16="http://schemas.microsoft.com/office/drawing/2014/main" id="{FDC811F6-E183-4876-A576-F8814BFB9835}"/>
+              </a:ext>
+            </a:extLst>
+          </p:cNvPr>
+          <p:cNvCxnSpPr/>
+          <p:nvPr/>
+        </p:nvCxnSpPr>
+        <p:spPr>
+          <a:xfrm>
+            <a:off x="2700000" y="3960000"/>
+            <a:ext cx="1800000" cy="0"/>
+          </a:xfrm>
+          <a:prstGeom prst="line">
+            <a:avLst/>
+          </a:prstGeom>
+          <a:ln w="12700" cap="sq"/>
+        </p:spPr>
+        <p:style>
+          <a:lnRef idx="1">
+            <a:schemeClr val="dk1"/>
+          </a:lnRef>
+          <a:fillRef idx="0">
+            <a:schemeClr val="dk1"/>
+          </a:fillRef>
+          <a:effectRef idx="0">
+            <a:schemeClr val="dk1"/>
+          </a:effectRef>
+          <a:fontRef idx="minor">
+            <a:schemeClr val="tx1"/>
+          </a:fontRef>
+        </p:style>
+      </p:cxnSp>
+      <p:sp>
+        <p:nvSpPr>
+          <p:cNvPr id="23" name="Ovale 22">
+            <a:extLst>
+              <a:ext uri="{FF2B5EF4-FFF2-40B4-BE49-F238E27FC236}">
+                <a16:creationId xmlns:a16="http://schemas.microsoft.com/office/drawing/2014/main" id="{38D5C17C-EF0A-4E16-B1F8-A4B5A9480667}"/>
+              </a:ext>
+            </a:extLst>
+          </p:cNvPr>
+          <p:cNvSpPr>
+            <a:spLocks noChangeAspect="1"/>
+          </p:cNvSpPr>
+          <p:nvPr/>
+        </p:nvSpPr>
+        <p:spPr>
+          <a:xfrm>
+            <a:off x="3556800" y="1756800"/>
+            <a:ext cx="86400" cy="86400"/>
+          </a:xfrm>
+          <a:prstGeom prst="ellipse">
+            <a:avLst/>
+          </a:prstGeom>
+        </p:spPr>
+        <p:style>
+          <a:lnRef idx="2">
+            <a:schemeClr val="dk1">
+              <a:shade val="50000"/>
+            </a:schemeClr>
+          </a:lnRef>
+          <a:fillRef idx="1">
+            <a:schemeClr val="dk1"/>
+          </a:fillRef>
+          <a:effectRef idx="0">
+            <a:schemeClr val="dk1"/>
+          </a:effectRef>
+          <a:fontRef idx="minor">
+            <a:schemeClr val="lt1"/>
+          </a:fontRef>
+        </p:style>
+        <p:txBody>
+          <a:bodyPr rtlCol="0" anchor="ctr"/>
+          <a:lstStyle/>
+          <a:p>
+            <a:pPr algn="ctr"/>
+            <a:endParaRPr lang="it-IT"/>
+          </a:p>
+        </p:txBody>
+      </p:sp>
+      <p:sp>
+        <p:nvSpPr>
+          <p:cNvPr id="24" name="Ovale 23">
+            <a:extLst>
+              <a:ext uri="{FF2B5EF4-FFF2-40B4-BE49-F238E27FC236}">
+                <a16:creationId xmlns:a16="http://schemas.microsoft.com/office/drawing/2014/main" id="{07AAA24B-A78A-493F-80B3-B9B16445D3B5}"/>
+              </a:ext>
+            </a:extLst>
+          </p:cNvPr>
+          <p:cNvSpPr>
+            <a:spLocks noChangeAspect="1"/>
+          </p:cNvSpPr>
+          <p:nvPr/>
+        </p:nvSpPr>
+        <p:spPr>
+          <a:xfrm>
+            <a:off x="3556800" y="3196800"/>
+            <a:ext cx="86400" cy="86400"/>
+          </a:xfrm>
+          <a:prstGeom prst="ellipse">
+            <a:avLst/>
+          </a:prstGeom>
+        </p:spPr>
+        <p:style>
+          <a:lnRef idx="2">
+            <a:schemeClr val="dk1">
+              <a:shade val="50000"/>
+            </a:schemeClr>
+          </a:lnRef>
+          <a:fillRef idx="1">
+            <a:schemeClr val="dk1"/>
+          </a:fillRef>
+          <a:effectRef idx="0">
+            <a:schemeClr val="dk1"/>
+          </a:effectRef>
+          <a:fontRef idx="minor">
+            <a:schemeClr val="lt1"/>
+          </a:fontRef>
+        </p:style>
+        <p:txBody>
+          <a:bodyPr rtlCol="0" anchor="ctr"/>
+          <a:lstStyle/>
+          <a:p>
+            <a:pPr algn="ctr"/>
+            <a:endParaRPr lang="it-IT"/>
+          </a:p>
+        </p:txBody>
+      </p:sp>
+      <p:sp>
+        <p:nvSpPr>
+          <p:cNvPr id="25" name="Ovale 24">
+            <a:extLst>
+              <a:ext uri="{FF2B5EF4-FFF2-40B4-BE49-F238E27FC236}">
+                <a16:creationId xmlns:a16="http://schemas.microsoft.com/office/drawing/2014/main" id="{D510D97A-E276-4C3E-AB58-0ED5F40761DB}"/>
+              </a:ext>
+            </a:extLst>
+          </p:cNvPr>
+          <p:cNvSpPr>
+            <a:spLocks noChangeAspect="1"/>
+          </p:cNvSpPr>
+          <p:nvPr/>
+        </p:nvSpPr>
+        <p:spPr>
+          <a:xfrm>
+            <a:off x="3556800" y="2476800"/>
+            <a:ext cx="86400" cy="86400"/>
+          </a:xfrm>
+          <a:prstGeom prst="ellipse">
+            <a:avLst/>
+          </a:prstGeom>
+        </p:spPr>
+        <p:style>
+          <a:lnRef idx="2">
+            <a:schemeClr val="dk1">
+              <a:shade val="50000"/>
+            </a:schemeClr>
+          </a:lnRef>
+          <a:fillRef idx="1">
+            <a:schemeClr val="dk1"/>
+          </a:fillRef>
+          <a:effectRef idx="0">
+            <a:schemeClr val="dk1"/>
+          </a:effectRef>
+          <a:fontRef idx="minor">
+            <a:schemeClr val="lt1"/>
+          </a:fontRef>
+        </p:style>
+        <p:txBody>
+          <a:bodyPr rtlCol="0" anchor="ctr"/>
+          <a:lstStyle/>
+          <a:p>
+            <a:pPr algn="ctr"/>
+            <a:endParaRPr lang="it-IT"/>
+          </a:p>
+        </p:txBody>
+      </p:sp>
+      <p:cxnSp>
+        <p:nvCxnSpPr>
+          <p:cNvPr id="26" name="Connettore 2 25">
+            <a:extLst>
+              <a:ext uri="{FF2B5EF4-FFF2-40B4-BE49-F238E27FC236}">
+                <a16:creationId xmlns:a16="http://schemas.microsoft.com/office/drawing/2014/main" id="{334E8EB4-F827-459F-84CB-D7AED8176DEB}"/>
+              </a:ext>
+            </a:extLst>
+          </p:cNvPr>
+          <p:cNvCxnSpPr/>
+          <p:nvPr/>
+        </p:nvCxnSpPr>
+        <p:spPr>
+          <a:xfrm>
+            <a:off x="3600000" y="900000"/>
+            <a:ext cx="0" cy="360000"/>
+          </a:xfrm>
+          <a:prstGeom prst="straightConnector1">
+            <a:avLst/>
+          </a:prstGeom>
+          <a:ln w="25400">
+            <a:solidFill>
+              <a:schemeClr val="tx1"/>
+            </a:solidFill>
+            <a:headEnd type="arrow"/>
+            <a:tailEnd type="none"/>
+          </a:ln>
+        </p:spPr>
+        <p:style>
+          <a:lnRef idx="1">
+            <a:schemeClr val="accent1"/>
+          </a:lnRef>
+          <a:fillRef idx="0">
+            <a:schemeClr val="accent1"/>
+          </a:fillRef>
+          <a:effectRef idx="0">
+            <a:schemeClr val="accent1"/>
+          </a:effectRef>
+          <a:fontRef idx="minor">
+            <a:schemeClr val="tx1"/>
+          </a:fontRef>
+        </p:style>
+      </p:cxnSp>
+      <p:cxnSp>
+        <p:nvCxnSpPr>
+          <p:cNvPr id="27" name="Connettore 2 26">
+            <a:extLst>
+              <a:ext uri="{FF2B5EF4-FFF2-40B4-BE49-F238E27FC236}">
+                <a16:creationId xmlns:a16="http://schemas.microsoft.com/office/drawing/2014/main" id="{397308BC-0B56-4E96-90F1-41383ED84DE5}"/>
+              </a:ext>
+            </a:extLst>
+          </p:cNvPr>
+          <p:cNvCxnSpPr/>
+          <p:nvPr/>
+        </p:nvCxnSpPr>
+        <p:spPr>
+          <a:xfrm>
+            <a:off x="3600000" y="2340000"/>
+            <a:ext cx="0" cy="360000"/>
+          </a:xfrm>
+          <a:prstGeom prst="straightConnector1">
+            <a:avLst/>
+          </a:prstGeom>
+          <a:ln w="25400">
+            <a:solidFill>
+              <a:schemeClr val="tx1"/>
+            </a:solidFill>
+            <a:headEnd type="arrow"/>
+            <a:tailEnd type="none"/>
+          </a:ln>
+        </p:spPr>
+        <p:style>
+          <a:lnRef idx="1">
+            <a:schemeClr val="accent1"/>
+          </a:lnRef>
+          <a:fillRef idx="0">
+            <a:schemeClr val="accent1"/>
+          </a:fillRef>
+          <a:effectRef idx="0">
+            <a:schemeClr val="accent1"/>
+          </a:effectRef>
+          <a:fontRef idx="minor">
+            <a:schemeClr val="tx1"/>
+          </a:fontRef>
+        </p:style>
+      </p:cxnSp>
+      <mc:AlternateContent xmlns:mc="http://schemas.openxmlformats.org/markup-compatibility/2006" xmlns:a14="http://schemas.microsoft.com/office/drawing/2010/main">
+        <mc:Choice Requires="a14">
+          <p:sp>
+            <p:nvSpPr>
+              <p:cNvPr id="28" name="CasellaDiTesto 27">
+                <a:extLst>
+                  <a:ext uri="{FF2B5EF4-FFF2-40B4-BE49-F238E27FC236}">
+                    <a16:creationId xmlns:a16="http://schemas.microsoft.com/office/drawing/2014/main" id="{44118F4D-CE69-4D99-BEE4-9A605709AC7F}"/>
+                  </a:ext>
+                </a:extLst>
+              </p:cNvPr>
+              <p:cNvSpPr txBox="1"/>
+              <p:nvPr/>
+            </p:nvSpPr>
+            <p:spPr>
+              <a:xfrm>
+                <a:off x="2086740" y="2338300"/>
+                <a:ext cx="386644" cy="276999"/>
+              </a:xfrm>
+              <a:prstGeom prst="rect">
+                <a:avLst/>
+              </a:prstGeom>
+              <a:noFill/>
+            </p:spPr>
+            <p:txBody>
+              <a:bodyPr wrap="none" lIns="0" tIns="0" rIns="0" bIns="0" rtlCol="0">
+                <a:spAutoFit/>
+              </a:bodyPr>
+              <a:lstStyle/>
+              <a:p>
+                <a:pPr/>
+                <a14:m>
+                  <m:oMathPara xmlns:m="http://schemas.openxmlformats.org/officeDocument/2006/math">
+                    <m:oMathParaPr>
+                      <m:jc m:val="centerGroup"/>
+                    </m:oMathParaPr>
+                    <m:oMath xmlns:m="http://schemas.openxmlformats.org/officeDocument/2006/math">
+                      <m:sSub>
+                        <m:sSubPr>
+                          <m:ctrlPr>
+                            <a:rPr lang="it-IT" i="1" smtClean="0">
+                              <a:latin typeface="Cambria Math" panose="02040503050406030204" pitchFamily="18" charset="0"/>
+                            </a:rPr>
+                          </m:ctrlPr>
+                        </m:sSubPr>
+                        <m:e>
+                          <m:r>
+                            <m:rPr>
+                              <m:sty m:val="p"/>
+                            </m:rPr>
+                            <a:rPr lang="el-GR" i="1" smtClean="0">
+                              <a:latin typeface="Cambria Math" panose="02040503050406030204" pitchFamily="18" charset="0"/>
+                              <a:ea typeface="Cambria Math" panose="02040503050406030204" pitchFamily="18" charset="0"/>
+                            </a:rPr>
+                            <m:t>Γ</m:t>
+                          </m:r>
+                        </m:e>
+                        <m:sub>
+                          <m:r>
+                            <m:rPr>
+                              <m:sty m:val="p"/>
+                            </m:rPr>
+                            <a:rPr lang="it-IT" b="0" i="0" smtClean="0">
+                              <a:latin typeface="Cambria Math" panose="02040503050406030204" pitchFamily="18" charset="0"/>
+                            </a:rPr>
+                            <m:t>int</m:t>
+                          </m:r>
+                        </m:sub>
+                      </m:sSub>
+                    </m:oMath>
+                  </m:oMathPara>
+                </a14:m>
+                <a:endParaRPr lang="it-IT" dirty="0"/>
+              </a:p>
+            </p:txBody>
+          </p:sp>
+        </mc:Choice>
+        <mc:Fallback xmlns="">
+          <p:sp>
+            <p:nvSpPr>
+              <p:cNvPr id="28" name="CasellaDiTesto 27">
+                <a:extLst>
+                  <a:ext uri="{FF2B5EF4-FFF2-40B4-BE49-F238E27FC236}">
+                    <a16:creationId xmlns:a16="http://schemas.microsoft.com/office/drawing/2014/main" id="{44118F4D-CE69-4D99-BEE4-9A605709AC7F}"/>
+                  </a:ext>
+                </a:extLst>
+              </p:cNvPr>
+              <p:cNvSpPr txBox="1">
+                <a:spLocks noRot="1" noChangeAspect="1" noMove="1" noResize="1" noEditPoints="1" noAdjustHandles="1" noChangeArrowheads="1" noChangeShapeType="1" noTextEdit="1"/>
+              </p:cNvSpPr>
+              <p:nvPr/>
+            </p:nvSpPr>
+            <p:spPr>
+              <a:xfrm>
+                <a:off x="2086740" y="2338300"/>
+                <a:ext cx="386644" cy="276999"/>
+              </a:xfrm>
+              <a:prstGeom prst="rect">
+                <a:avLst/>
+              </a:prstGeom>
+              <a:blipFill>
+                <a:blip r:embed="rId5"/>
+                <a:stretch>
+                  <a:fillRect l="-12500" r="-7813" b="-17778"/>
+                </a:stretch>
+              </a:blipFill>
+            </p:spPr>
+            <p:txBody>
+              <a:bodyPr/>
+              <a:lstStyle/>
+              <a:p>
+                <a:r>
+                  <a:rPr lang="it-IT">
+                    <a:noFill/>
+                  </a:rPr>
+                  <a:t> </a:t>
+                </a:r>
+              </a:p>
+            </p:txBody>
+          </p:sp>
+        </mc:Fallback>
+      </mc:AlternateContent>
+      <mc:AlternateContent xmlns:mc="http://schemas.openxmlformats.org/markup-compatibility/2006" xmlns:a14="http://schemas.microsoft.com/office/drawing/2010/main">
+        <mc:Choice Requires="a14">
+          <p:sp>
+            <p:nvSpPr>
+              <p:cNvPr id="29" name="CasellaDiTesto 28">
+                <a:extLst>
+                  <a:ext uri="{FF2B5EF4-FFF2-40B4-BE49-F238E27FC236}">
+                    <a16:creationId xmlns:a16="http://schemas.microsoft.com/office/drawing/2014/main" id="{EEC389F2-45A3-4F9F-A12C-056D297903B6}"/>
+                  </a:ext>
+                </a:extLst>
+              </p:cNvPr>
+              <p:cNvSpPr txBox="1"/>
+              <p:nvPr/>
+            </p:nvSpPr>
+            <p:spPr>
+              <a:xfrm>
+                <a:off x="3618000" y="3196800"/>
+                <a:ext cx="442942" cy="301686"/>
+              </a:xfrm>
+              <a:prstGeom prst="rect">
+                <a:avLst/>
+              </a:prstGeom>
+              <a:noFill/>
+            </p:spPr>
+            <p:txBody>
+              <a:bodyPr wrap="none" lIns="0" tIns="0" rIns="0" bIns="0" rtlCol="0">
+                <a:spAutoFit/>
+              </a:bodyPr>
+              <a:lstStyle/>
+              <a:p>
+                <a:pPr/>
+                <a14:m>
+                  <m:oMathPara xmlns:m="http://schemas.openxmlformats.org/officeDocument/2006/math">
+                    <m:oMathParaPr>
+                      <m:jc m:val="centerGroup"/>
+                    </m:oMathParaPr>
+                    <m:oMath xmlns:m="http://schemas.openxmlformats.org/officeDocument/2006/math">
+                      <m:sSubSup>
+                        <m:sSubSupPr>
+                          <m:ctrlPr>
+                            <a:rPr lang="it-IT" b="0" i="1" smtClean="0">
+                              <a:latin typeface="Cambria Math" panose="02040503050406030204" pitchFamily="18" charset="0"/>
+                            </a:rPr>
+                          </m:ctrlPr>
+                        </m:sSubSupPr>
+                        <m:e>
+                          <m:r>
+                            <a:rPr lang="it-IT" b="0" i="1" smtClean="0">
+                              <a:latin typeface="Cambria Math" panose="02040503050406030204" pitchFamily="18" charset="0"/>
+                            </a:rPr>
+                            <m:t>𝑝</m:t>
+                          </m:r>
+                        </m:e>
+                        <m:sub>
+                          <m:r>
+                            <m:rPr>
+                              <m:sty m:val="p"/>
+                            </m:rPr>
+                            <a:rPr lang="it-IT" b="0" i="0" smtClean="0">
+                              <a:latin typeface="Cambria Math" panose="02040503050406030204" pitchFamily="18" charset="0"/>
+                            </a:rPr>
+                            <m:t>pm</m:t>
+                          </m:r>
+                        </m:sub>
+                        <m:sup>
+                          <m:r>
+                            <m:rPr>
+                              <m:sty m:val="p"/>
+                            </m:rPr>
+                            <a:rPr lang="it-IT" b="0" i="0" smtClean="0">
+                              <a:latin typeface="Cambria Math" panose="02040503050406030204" pitchFamily="18" charset="0"/>
+                            </a:rPr>
+                            <m:t>c</m:t>
+                          </m:r>
+                        </m:sup>
+                      </m:sSubSup>
+                    </m:oMath>
+                  </m:oMathPara>
+                </a14:m>
+                <a:endParaRPr lang="it-IT" dirty="0"/>
+              </a:p>
+            </p:txBody>
+          </p:sp>
+        </mc:Choice>
+        <mc:Fallback xmlns="">
+          <p:sp>
+            <p:nvSpPr>
+              <p:cNvPr id="29" name="CasellaDiTesto 28">
+                <a:extLst>
+                  <a:ext uri="{FF2B5EF4-FFF2-40B4-BE49-F238E27FC236}">
+                    <a16:creationId xmlns:a16="http://schemas.microsoft.com/office/drawing/2014/main" id="{EEC389F2-45A3-4F9F-A12C-056D297903B6}"/>
+                  </a:ext>
+                </a:extLst>
+              </p:cNvPr>
+              <p:cNvSpPr txBox="1">
+                <a:spLocks noRot="1" noChangeAspect="1" noMove="1" noResize="1" noEditPoints="1" noAdjustHandles="1" noChangeArrowheads="1" noChangeShapeType="1" noTextEdit="1"/>
+              </p:cNvSpPr>
+              <p:nvPr/>
+            </p:nvSpPr>
+            <p:spPr>
+              <a:xfrm>
+                <a:off x="3618000" y="3196800"/>
+                <a:ext cx="442942" cy="301686"/>
+              </a:xfrm>
+              <a:prstGeom prst="rect">
+                <a:avLst/>
+              </a:prstGeom>
+              <a:blipFill>
+                <a:blip r:embed="rId6"/>
+                <a:stretch>
+                  <a:fillRect l="-12500" r="-6944" b="-22000"/>
+                </a:stretch>
+              </a:blipFill>
+            </p:spPr>
+            <p:txBody>
+              <a:bodyPr/>
+              <a:lstStyle/>
+              <a:p>
+                <a:r>
+                  <a:rPr lang="it-IT">
+                    <a:noFill/>
+                  </a:rPr>
+                  <a:t> </a:t>
+                </a:r>
+              </a:p>
+            </p:txBody>
+          </p:sp>
+        </mc:Fallback>
+      </mc:AlternateContent>
+      <mc:AlternateContent xmlns:mc="http://schemas.openxmlformats.org/markup-compatibility/2006" xmlns:a14="http://schemas.microsoft.com/office/drawing/2010/main">
+        <mc:Choice Requires="a14">
+          <p:sp>
+            <p:nvSpPr>
+              <p:cNvPr id="30" name="CasellaDiTesto 29">
+                <a:extLst>
+                  <a:ext uri="{FF2B5EF4-FFF2-40B4-BE49-F238E27FC236}">
+                    <a16:creationId xmlns:a16="http://schemas.microsoft.com/office/drawing/2014/main" id="{85579D5B-672B-45F7-8F27-BB94712A5491}"/>
+                  </a:ext>
+                </a:extLst>
+              </p:cNvPr>
+              <p:cNvSpPr txBox="1"/>
+              <p:nvPr/>
+            </p:nvSpPr>
+            <p:spPr>
+              <a:xfrm>
+                <a:off x="3618000" y="2543937"/>
+                <a:ext cx="442942" cy="321242"/>
+              </a:xfrm>
+              <a:prstGeom prst="rect">
+                <a:avLst/>
+              </a:prstGeom>
+              <a:noFill/>
+            </p:spPr>
+            <p:txBody>
+              <a:bodyPr wrap="none" lIns="0" tIns="0" rIns="0" bIns="0" rtlCol="0">
+                <a:spAutoFit/>
+              </a:bodyPr>
+              <a:lstStyle/>
+              <a:p>
+                <a:pPr/>
+                <a14:m>
+                  <m:oMathPara xmlns:m="http://schemas.openxmlformats.org/officeDocument/2006/math">
+                    <m:oMathParaPr>
+                      <m:jc m:val="centerGroup"/>
+                    </m:oMathParaPr>
+                    <m:oMath xmlns:m="http://schemas.openxmlformats.org/officeDocument/2006/math">
+                      <m:sSubSup>
+                        <m:sSubSupPr>
+                          <m:ctrlPr>
+                            <a:rPr lang="it-IT" b="0" i="1" smtClean="0">
+                              <a:latin typeface="Cambria Math" panose="02040503050406030204" pitchFamily="18" charset="0"/>
+                            </a:rPr>
+                          </m:ctrlPr>
+                        </m:sSubSupPr>
+                        <m:e>
+                          <m:r>
+                            <a:rPr lang="it-IT" b="0" i="1" smtClean="0">
+                              <a:latin typeface="Cambria Math" panose="02040503050406030204" pitchFamily="18" charset="0"/>
+                            </a:rPr>
+                            <m:t>𝑝</m:t>
+                          </m:r>
+                        </m:e>
+                        <m:sub>
+                          <m:r>
+                            <m:rPr>
+                              <m:sty m:val="p"/>
+                            </m:rPr>
+                            <a:rPr lang="it-IT" b="0" i="0" smtClean="0">
+                              <a:latin typeface="Cambria Math" panose="02040503050406030204" pitchFamily="18" charset="0"/>
+                            </a:rPr>
+                            <m:t>pm</m:t>
+                          </m:r>
+                        </m:sub>
+                        <m:sup>
+                          <m:r>
+                            <m:rPr>
+                              <m:sty m:val="p"/>
+                            </m:rPr>
+                            <a:rPr lang="it-IT" b="0" i="0" smtClean="0">
+                              <a:latin typeface="Cambria Math" panose="02040503050406030204" pitchFamily="18" charset="0"/>
+                            </a:rPr>
+                            <m:t>if</m:t>
+                          </m:r>
+                        </m:sup>
+                      </m:sSubSup>
+                    </m:oMath>
+                  </m:oMathPara>
+                </a14:m>
+                <a:endParaRPr lang="it-IT" dirty="0"/>
+              </a:p>
+            </p:txBody>
+          </p:sp>
+        </mc:Choice>
+        <mc:Fallback xmlns="">
+          <p:sp>
+            <p:nvSpPr>
+              <p:cNvPr id="30" name="CasellaDiTesto 29">
+                <a:extLst>
+                  <a:ext uri="{FF2B5EF4-FFF2-40B4-BE49-F238E27FC236}">
+                    <a16:creationId xmlns:a16="http://schemas.microsoft.com/office/drawing/2014/main" id="{85579D5B-672B-45F7-8F27-BB94712A5491}"/>
+                  </a:ext>
+                </a:extLst>
+              </p:cNvPr>
+              <p:cNvSpPr txBox="1">
+                <a:spLocks noRot="1" noChangeAspect="1" noMove="1" noResize="1" noEditPoints="1" noAdjustHandles="1" noChangeArrowheads="1" noChangeShapeType="1" noTextEdit="1"/>
+              </p:cNvSpPr>
+              <p:nvPr/>
+            </p:nvSpPr>
+            <p:spPr>
+              <a:xfrm>
+                <a:off x="3618000" y="2543937"/>
+                <a:ext cx="442942" cy="321242"/>
+              </a:xfrm>
+              <a:prstGeom prst="rect">
+                <a:avLst/>
+              </a:prstGeom>
+              <a:blipFill>
+                <a:blip r:embed="rId7"/>
+                <a:stretch>
+                  <a:fillRect l="-12500" r="-6944" b="-20755"/>
+                </a:stretch>
+              </a:blipFill>
+            </p:spPr>
+            <p:txBody>
+              <a:bodyPr/>
+              <a:lstStyle/>
+              <a:p>
+                <a:r>
+                  <a:rPr lang="it-IT">
+                    <a:noFill/>
+                  </a:rPr>
+                  <a:t> </a:t>
+                </a:r>
+              </a:p>
+            </p:txBody>
+          </p:sp>
+        </mc:Fallback>
+      </mc:AlternateContent>
+      <mc:AlternateContent xmlns:mc="http://schemas.openxmlformats.org/markup-compatibility/2006" xmlns:a14="http://schemas.microsoft.com/office/drawing/2010/main">
+        <mc:Choice Requires="a14">
+          <p:sp>
+            <p:nvSpPr>
+              <p:cNvPr id="31" name="CasellaDiTesto 30">
+                <a:extLst>
+                  <a:ext uri="{FF2B5EF4-FFF2-40B4-BE49-F238E27FC236}">
+                    <a16:creationId xmlns:a16="http://schemas.microsoft.com/office/drawing/2014/main" id="{2289F8DB-F1D6-4A20-9E6F-3F848F5D4C22}"/>
+                  </a:ext>
+                </a:extLst>
+              </p:cNvPr>
+              <p:cNvSpPr txBox="1"/>
+              <p:nvPr/>
+            </p:nvSpPr>
+            <p:spPr>
+              <a:xfrm>
+                <a:off x="2898000" y="2134800"/>
+                <a:ext cx="315150" cy="308802"/>
+              </a:xfrm>
+              <a:prstGeom prst="rect">
+                <a:avLst/>
+              </a:prstGeom>
+              <a:noFill/>
+            </p:spPr>
+            <p:txBody>
+              <a:bodyPr wrap="none" lIns="0" tIns="0" rIns="0" bIns="0" rtlCol="0">
+                <a:spAutoFit/>
+              </a:bodyPr>
+              <a:lstStyle/>
+              <a:p>
+                <a:pPr/>
+                <a14:m>
+                  <m:oMathPara xmlns:m="http://schemas.openxmlformats.org/officeDocument/2006/math">
+                    <m:oMathParaPr>
+                      <m:jc m:val="centerGroup"/>
+                    </m:oMathParaPr>
+                    <m:oMath xmlns:m="http://schemas.openxmlformats.org/officeDocument/2006/math">
+                      <m:sSubSup>
+                        <m:sSubSupPr>
+                          <m:ctrlPr>
+                            <a:rPr lang="it-IT" b="0" i="1" smtClean="0">
+                              <a:latin typeface="Cambria Math" panose="02040503050406030204" pitchFamily="18" charset="0"/>
+                            </a:rPr>
+                          </m:ctrlPr>
+                        </m:sSubSupPr>
+                        <m:e>
+                          <m:r>
+                            <a:rPr lang="it-IT" b="0" i="1" smtClean="0">
+                              <a:latin typeface="Cambria Math" panose="02040503050406030204" pitchFamily="18" charset="0"/>
+                            </a:rPr>
+                            <m:t>𝑢</m:t>
+                          </m:r>
+                        </m:e>
+                        <m:sub>
+                          <m:r>
+                            <m:rPr>
+                              <m:sty m:val="p"/>
+                            </m:rPr>
+                            <a:rPr lang="it-IT" b="0" i="0" smtClean="0">
+                              <a:latin typeface="Cambria Math" panose="02040503050406030204" pitchFamily="18" charset="0"/>
+                            </a:rPr>
+                            <m:t>ff</m:t>
+                          </m:r>
+                        </m:sub>
+                        <m:sup>
+                          <m:r>
+                            <m:rPr>
+                              <m:sty m:val="p"/>
+                            </m:rPr>
+                            <a:rPr lang="it-IT" b="0" i="0" smtClean="0">
+                              <a:latin typeface="Cambria Math" panose="02040503050406030204" pitchFamily="18" charset="0"/>
+                            </a:rPr>
+                            <m:t>if</m:t>
+                          </m:r>
+                        </m:sup>
+                      </m:sSubSup>
+                    </m:oMath>
+                  </m:oMathPara>
+                </a14:m>
+                <a:endParaRPr lang="it-IT" dirty="0"/>
+              </a:p>
+            </p:txBody>
+          </p:sp>
+        </mc:Choice>
+        <mc:Fallback xmlns="">
+          <p:sp>
+            <p:nvSpPr>
+              <p:cNvPr id="31" name="CasellaDiTesto 30">
+                <a:extLst>
+                  <a:ext uri="{FF2B5EF4-FFF2-40B4-BE49-F238E27FC236}">
+                    <a16:creationId xmlns:a16="http://schemas.microsoft.com/office/drawing/2014/main" id="{2289F8DB-F1D6-4A20-9E6F-3F848F5D4C22}"/>
+                  </a:ext>
+                </a:extLst>
+              </p:cNvPr>
+              <p:cNvSpPr txBox="1">
+                <a:spLocks noRot="1" noChangeAspect="1" noMove="1" noResize="1" noEditPoints="1" noAdjustHandles="1" noChangeArrowheads="1" noChangeShapeType="1" noTextEdit="1"/>
+              </p:cNvSpPr>
+              <p:nvPr/>
+            </p:nvSpPr>
+            <p:spPr>
+              <a:xfrm>
+                <a:off x="2898000" y="2134800"/>
+                <a:ext cx="315150" cy="308802"/>
+              </a:xfrm>
+              <a:prstGeom prst="rect">
+                <a:avLst/>
+              </a:prstGeom>
+              <a:blipFill>
+                <a:blip r:embed="rId8"/>
+                <a:stretch>
+                  <a:fillRect l="-11538" t="-1961" r="-9615" b="-19608"/>
+                </a:stretch>
+              </a:blipFill>
+            </p:spPr>
+            <p:txBody>
+              <a:bodyPr/>
+              <a:lstStyle/>
+              <a:p>
+                <a:r>
+                  <a:rPr lang="it-IT">
+                    <a:noFill/>
+                  </a:rPr>
+                  <a:t> </a:t>
+                </a:r>
+              </a:p>
+            </p:txBody>
+          </p:sp>
+        </mc:Fallback>
+      </mc:AlternateContent>
+      <p:cxnSp>
+        <p:nvCxnSpPr>
+          <p:cNvPr id="32" name="Connettore diritto 31">
+            <a:extLst>
+              <a:ext uri="{FF2B5EF4-FFF2-40B4-BE49-F238E27FC236}">
+                <a16:creationId xmlns:a16="http://schemas.microsoft.com/office/drawing/2014/main" id="{71EFF2E0-12E0-40CC-B9B2-4837E036A458}"/>
+              </a:ext>
+            </a:extLst>
+          </p:cNvPr>
+          <p:cNvCxnSpPr/>
+          <p:nvPr/>
+        </p:nvCxnSpPr>
+        <p:spPr>
+          <a:xfrm>
+            <a:off x="5040000" y="900000"/>
+            <a:ext cx="0" cy="3240000"/>
+          </a:xfrm>
+          <a:prstGeom prst="line">
+            <a:avLst/>
+          </a:prstGeom>
+          <a:ln w="12700" cap="sq">
+            <a:headEnd type="arrow"/>
+          </a:ln>
+        </p:spPr>
+        <p:style>
+          <a:lnRef idx="1">
+            <a:schemeClr val="dk1"/>
+          </a:lnRef>
+          <a:fillRef idx="0">
+            <a:schemeClr val="dk1"/>
+          </a:fillRef>
+          <a:effectRef idx="0">
+            <a:schemeClr val="dk1"/>
+          </a:effectRef>
+          <a:fontRef idx="minor">
+            <a:schemeClr val="tx1"/>
+          </a:fontRef>
+        </p:style>
+      </p:cxnSp>
+      <p:cxnSp>
+        <p:nvCxnSpPr>
+          <p:cNvPr id="33" name="Connettore diritto 32">
+            <a:extLst>
+              <a:ext uri="{FF2B5EF4-FFF2-40B4-BE49-F238E27FC236}">
+                <a16:creationId xmlns:a16="http://schemas.microsoft.com/office/drawing/2014/main" id="{717C5478-4FE0-454E-930A-8EF7691D8F88}"/>
+              </a:ext>
+            </a:extLst>
+          </p:cNvPr>
+          <p:cNvCxnSpPr/>
+          <p:nvPr/>
+        </p:nvCxnSpPr>
+        <p:spPr>
+          <a:xfrm>
+            <a:off x="5004000" y="1800000"/>
+            <a:ext cx="72000" cy="0"/>
+          </a:xfrm>
+          <a:prstGeom prst="line">
+            <a:avLst/>
+          </a:prstGeom>
+          <a:ln w="12700" cap="sq"/>
+        </p:spPr>
+        <p:style>
+          <a:lnRef idx="1">
+            <a:schemeClr val="dk1"/>
+          </a:lnRef>
+          <a:fillRef idx="0">
+            <a:schemeClr val="dk1"/>
+          </a:fillRef>
+          <a:effectRef idx="0">
+            <a:schemeClr val="dk1"/>
+          </a:effectRef>
+          <a:fontRef idx="minor">
+            <a:schemeClr val="tx1"/>
+          </a:fontRef>
+        </p:style>
+      </p:cxnSp>
+      <p:cxnSp>
+        <p:nvCxnSpPr>
+          <p:cNvPr id="34" name="Connettore diritto 33">
+            <a:extLst>
+              <a:ext uri="{FF2B5EF4-FFF2-40B4-BE49-F238E27FC236}">
+                <a16:creationId xmlns:a16="http://schemas.microsoft.com/office/drawing/2014/main" id="{3E7890C8-45E0-4495-A073-1900DBEE7332}"/>
+              </a:ext>
+            </a:extLst>
+          </p:cNvPr>
+          <p:cNvCxnSpPr/>
+          <p:nvPr/>
+        </p:nvCxnSpPr>
+        <p:spPr>
+          <a:xfrm>
+            <a:off x="5004000" y="2520000"/>
+            <a:ext cx="72000" cy="0"/>
+          </a:xfrm>
+          <a:prstGeom prst="line">
+            <a:avLst/>
+          </a:prstGeom>
+          <a:ln w="12700" cap="sq"/>
+        </p:spPr>
+        <p:style>
+          <a:lnRef idx="1">
+            <a:schemeClr val="dk1"/>
+          </a:lnRef>
+          <a:fillRef idx="0">
+            <a:schemeClr val="dk1"/>
+          </a:fillRef>
+          <a:effectRef idx="0">
+            <a:schemeClr val="dk1"/>
+          </a:effectRef>
+          <a:fontRef idx="minor">
+            <a:schemeClr val="tx1"/>
+          </a:fontRef>
+        </p:style>
+      </p:cxnSp>
+      <p:cxnSp>
+        <p:nvCxnSpPr>
+          <p:cNvPr id="35" name="Connettore diritto 34">
+            <a:extLst>
+              <a:ext uri="{FF2B5EF4-FFF2-40B4-BE49-F238E27FC236}">
+                <a16:creationId xmlns:a16="http://schemas.microsoft.com/office/drawing/2014/main" id="{C778D4F7-16A6-4FEB-B090-F3857F4D27C6}"/>
+              </a:ext>
+            </a:extLst>
+          </p:cNvPr>
+          <p:cNvCxnSpPr/>
+          <p:nvPr/>
+        </p:nvCxnSpPr>
+        <p:spPr>
+          <a:xfrm>
+            <a:off x="5004000" y="3240000"/>
+            <a:ext cx="72000" cy="0"/>
+          </a:xfrm>
+          <a:prstGeom prst="line">
+            <a:avLst/>
+          </a:prstGeom>
+          <a:ln w="12700" cap="sq"/>
+        </p:spPr>
+        <p:style>
+          <a:lnRef idx="1">
+            <a:schemeClr val="dk1"/>
+          </a:lnRef>
+          <a:fillRef idx="0">
+            <a:schemeClr val="dk1"/>
+          </a:fillRef>
+          <a:effectRef idx="0">
+            <a:schemeClr val="dk1"/>
+          </a:effectRef>
+          <a:fontRef idx="minor">
+            <a:schemeClr val="tx1"/>
+          </a:fontRef>
+        </p:style>
+      </p:cxnSp>
+      <mc:AlternateContent xmlns:mc="http://schemas.openxmlformats.org/markup-compatibility/2006" xmlns:a14="http://schemas.microsoft.com/office/drawing/2010/main">
+        <mc:Choice Requires="a14">
+          <p:sp>
+            <p:nvSpPr>
+              <p:cNvPr id="36" name="CasellaDiTesto 35">
+                <a:extLst>
+                  <a:ext uri="{FF2B5EF4-FFF2-40B4-BE49-F238E27FC236}">
+                    <a16:creationId xmlns:a16="http://schemas.microsoft.com/office/drawing/2014/main" id="{BC9BA850-D1B8-4DB0-9948-D60650EEC293}"/>
+                  </a:ext>
+                </a:extLst>
+              </p:cNvPr>
+              <p:cNvSpPr txBox="1"/>
+              <p:nvPr/>
+            </p:nvSpPr>
+            <p:spPr>
+              <a:xfrm>
+                <a:off x="5094000" y="2340000"/>
+                <a:ext cx="317395" cy="290208"/>
+              </a:xfrm>
+              <a:prstGeom prst="rect">
+                <a:avLst/>
+              </a:prstGeom>
+              <a:noFill/>
+            </p:spPr>
+            <p:txBody>
+              <a:bodyPr wrap="none" lIns="0" tIns="0" rIns="0" bIns="0" rtlCol="0">
+                <a:spAutoFit/>
+              </a:bodyPr>
+              <a:lstStyle/>
+              <a:p>
+                <a:pPr/>
+                <a14:m>
+                  <m:oMathPara xmlns:m="http://schemas.openxmlformats.org/officeDocument/2006/math">
+                    <m:oMathParaPr>
+                      <m:jc m:val="centerGroup"/>
+                    </m:oMathParaPr>
+                    <m:oMath xmlns:m="http://schemas.openxmlformats.org/officeDocument/2006/math">
+                      <m:sSup>
+                        <m:sSupPr>
+                          <m:ctrlPr>
+                            <a:rPr lang="it-IT" i="1" smtClean="0">
+                              <a:latin typeface="Cambria Math" panose="02040503050406030204" pitchFamily="18" charset="0"/>
+                            </a:rPr>
+                          </m:ctrlPr>
+                        </m:sSupPr>
+                        <m:e>
+                          <m:r>
+                            <a:rPr lang="it-IT" b="0" i="1" smtClean="0">
+                              <a:latin typeface="Cambria Math" panose="02040503050406030204" pitchFamily="18" charset="0"/>
+                            </a:rPr>
+                            <m:t>𝑦</m:t>
+                          </m:r>
+                        </m:e>
+                        <m:sup>
+                          <m:r>
+                            <m:rPr>
+                              <m:sty m:val="p"/>
+                            </m:rPr>
+                            <a:rPr lang="it-IT" b="0" i="0" smtClean="0">
+                              <a:latin typeface="Cambria Math" panose="02040503050406030204" pitchFamily="18" charset="0"/>
+                            </a:rPr>
+                            <m:t>if</m:t>
+                          </m:r>
+                        </m:sup>
+                      </m:sSup>
+                    </m:oMath>
+                  </m:oMathPara>
+                </a14:m>
+                <a:endParaRPr lang="it-IT" dirty="0"/>
+              </a:p>
+            </p:txBody>
+          </p:sp>
+        </mc:Choice>
+        <mc:Fallback xmlns="">
+          <p:sp>
+            <p:nvSpPr>
+              <p:cNvPr id="36" name="CasellaDiTesto 35">
+                <a:extLst>
+                  <a:ext uri="{FF2B5EF4-FFF2-40B4-BE49-F238E27FC236}">
+                    <a16:creationId xmlns:a16="http://schemas.microsoft.com/office/drawing/2014/main" id="{BC9BA850-D1B8-4DB0-9948-D60650EEC293}"/>
+                  </a:ext>
+                </a:extLst>
+              </p:cNvPr>
+              <p:cNvSpPr txBox="1">
+                <a:spLocks noRot="1" noChangeAspect="1" noMove="1" noResize="1" noEditPoints="1" noAdjustHandles="1" noChangeArrowheads="1" noChangeShapeType="1" noTextEdit="1"/>
+              </p:cNvSpPr>
+              <p:nvPr/>
+            </p:nvSpPr>
+            <p:spPr>
+              <a:xfrm>
+                <a:off x="5094000" y="2340000"/>
+                <a:ext cx="317395" cy="290208"/>
+              </a:xfrm>
+              <a:prstGeom prst="rect">
+                <a:avLst/>
+              </a:prstGeom>
+              <a:blipFill>
+                <a:blip r:embed="rId9"/>
+                <a:stretch>
+                  <a:fillRect l="-19231" t="-4255" r="-7692" b="-27660"/>
+                </a:stretch>
+              </a:blipFill>
+            </p:spPr>
+            <p:txBody>
+              <a:bodyPr/>
+              <a:lstStyle/>
+              <a:p>
+                <a:r>
+                  <a:rPr lang="it-IT">
+                    <a:noFill/>
+                  </a:rPr>
+                  <a:t> </a:t>
+                </a:r>
+              </a:p>
+            </p:txBody>
+          </p:sp>
+        </mc:Fallback>
+      </mc:AlternateContent>
+      <mc:AlternateContent xmlns:mc="http://schemas.openxmlformats.org/markup-compatibility/2006" xmlns:a14="http://schemas.microsoft.com/office/drawing/2010/main">
+        <mc:Choice Requires="a14">
+          <p:sp>
+            <p:nvSpPr>
+              <p:cNvPr id="38" name="CasellaDiTesto 37">
+                <a:extLst>
+                  <a:ext uri="{FF2B5EF4-FFF2-40B4-BE49-F238E27FC236}">
+                    <a16:creationId xmlns:a16="http://schemas.microsoft.com/office/drawing/2014/main" id="{06203175-39AF-4267-9561-F8CC5140C434}"/>
+                  </a:ext>
+                </a:extLst>
+              </p:cNvPr>
+              <p:cNvSpPr txBox="1"/>
+              <p:nvPr/>
+            </p:nvSpPr>
+            <p:spPr>
+              <a:xfrm>
+                <a:off x="5094000" y="3060705"/>
+                <a:ext cx="433324" cy="301686"/>
+              </a:xfrm>
+              <a:prstGeom prst="rect">
+                <a:avLst/>
+              </a:prstGeom>
+              <a:noFill/>
+            </p:spPr>
+            <p:txBody>
+              <a:bodyPr wrap="none" lIns="0" tIns="0" rIns="0" bIns="0" rtlCol="0">
+                <a:spAutoFit/>
+              </a:bodyPr>
+              <a:lstStyle/>
+              <a:p>
+                <a:pPr/>
+                <a14:m>
+                  <m:oMathPara xmlns:m="http://schemas.openxmlformats.org/officeDocument/2006/math">
+                    <m:oMathParaPr>
+                      <m:jc m:val="centerGroup"/>
+                    </m:oMathParaPr>
+                    <m:oMath xmlns:m="http://schemas.openxmlformats.org/officeDocument/2006/math">
+                      <m:sSubSup>
+                        <m:sSubSupPr>
+                          <m:ctrlPr>
+                            <a:rPr lang="it-IT" b="0" i="1" smtClean="0">
+                              <a:latin typeface="Cambria Math" panose="02040503050406030204" pitchFamily="18" charset="0"/>
+                            </a:rPr>
+                          </m:ctrlPr>
+                        </m:sSubSupPr>
+                        <m:e>
+                          <m:r>
+                            <a:rPr lang="it-IT" b="0" i="1" smtClean="0">
+                              <a:latin typeface="Cambria Math" panose="02040503050406030204" pitchFamily="18" charset="0"/>
+                            </a:rPr>
+                            <m:t>𝑦</m:t>
+                          </m:r>
+                        </m:e>
+                        <m:sub>
+                          <m:r>
+                            <m:rPr>
+                              <m:sty m:val="p"/>
+                            </m:rPr>
+                            <a:rPr lang="it-IT" b="0" i="0" smtClean="0">
+                              <a:latin typeface="Cambria Math" panose="02040503050406030204" pitchFamily="18" charset="0"/>
+                            </a:rPr>
+                            <m:t>pm</m:t>
+                          </m:r>
+                        </m:sub>
+                        <m:sup>
+                          <m:r>
+                            <m:rPr>
+                              <m:sty m:val="p"/>
+                            </m:rPr>
+                            <a:rPr lang="it-IT" b="0" i="0" smtClean="0">
+                              <a:latin typeface="Cambria Math" panose="02040503050406030204" pitchFamily="18" charset="0"/>
+                            </a:rPr>
+                            <m:t>c</m:t>
+                          </m:r>
+                        </m:sup>
+                      </m:sSubSup>
+                    </m:oMath>
+                  </m:oMathPara>
+                </a14:m>
+                <a:endParaRPr lang="it-IT" dirty="0"/>
+              </a:p>
+            </p:txBody>
+          </p:sp>
+        </mc:Choice>
+        <mc:Fallback xmlns="">
+          <p:sp>
+            <p:nvSpPr>
+              <p:cNvPr id="38" name="CasellaDiTesto 37">
+                <a:extLst>
+                  <a:ext uri="{FF2B5EF4-FFF2-40B4-BE49-F238E27FC236}">
+                    <a16:creationId xmlns:a16="http://schemas.microsoft.com/office/drawing/2014/main" id="{06203175-39AF-4267-9561-F8CC5140C434}"/>
+                  </a:ext>
+                </a:extLst>
+              </p:cNvPr>
+              <p:cNvSpPr txBox="1">
+                <a:spLocks noRot="1" noChangeAspect="1" noMove="1" noResize="1" noEditPoints="1" noAdjustHandles="1" noChangeArrowheads="1" noChangeShapeType="1" noTextEdit="1"/>
+              </p:cNvSpPr>
+              <p:nvPr/>
+            </p:nvSpPr>
+            <p:spPr>
+              <a:xfrm>
+                <a:off x="5094000" y="3060705"/>
+                <a:ext cx="433324" cy="301686"/>
+              </a:xfrm>
+              <a:prstGeom prst="rect">
+                <a:avLst/>
+              </a:prstGeom>
+              <a:blipFill>
+                <a:blip r:embed="rId10"/>
+                <a:stretch>
+                  <a:fillRect l="-12676" r="-7042" b="-22000"/>
+                </a:stretch>
+              </a:blipFill>
+            </p:spPr>
+            <p:txBody>
+              <a:bodyPr/>
+              <a:lstStyle/>
+              <a:p>
+                <a:r>
+                  <a:rPr lang="it-IT">
+                    <a:noFill/>
+                  </a:rPr>
+                  <a:t> </a:t>
+                </a:r>
+              </a:p>
+            </p:txBody>
+          </p:sp>
+        </mc:Fallback>
+      </mc:AlternateContent>
+      <mc:AlternateContent xmlns:mc="http://schemas.openxmlformats.org/markup-compatibility/2006" xmlns:a14="http://schemas.microsoft.com/office/drawing/2010/main">
+        <mc:Choice Requires="a14">
+          <p:sp>
+            <p:nvSpPr>
+              <p:cNvPr id="39" name="CasellaDiTesto 38">
+                <a:extLst>
+                  <a:ext uri="{FF2B5EF4-FFF2-40B4-BE49-F238E27FC236}">
+                    <a16:creationId xmlns:a16="http://schemas.microsoft.com/office/drawing/2014/main" id="{74C220DF-3243-4AEC-8E80-3AD33161ED4E}"/>
+                  </a:ext>
+                </a:extLst>
+              </p:cNvPr>
+              <p:cNvSpPr txBox="1"/>
+              <p:nvPr/>
+            </p:nvSpPr>
+            <p:spPr>
+              <a:xfrm>
+                <a:off x="5094000" y="1620000"/>
+                <a:ext cx="303929" cy="278602"/>
+              </a:xfrm>
+              <a:prstGeom prst="rect">
+                <a:avLst/>
+              </a:prstGeom>
+              <a:noFill/>
+            </p:spPr>
+            <p:txBody>
+              <a:bodyPr wrap="none" lIns="0" tIns="0" rIns="0" bIns="0" rtlCol="0">
+                <a:spAutoFit/>
+              </a:bodyPr>
+              <a:lstStyle/>
+              <a:p>
+                <a:pPr/>
+                <a14:m>
+                  <m:oMathPara xmlns:m="http://schemas.openxmlformats.org/officeDocument/2006/math">
+                    <m:oMathParaPr>
+                      <m:jc m:val="centerGroup"/>
+                    </m:oMathParaPr>
+                    <m:oMath xmlns:m="http://schemas.openxmlformats.org/officeDocument/2006/math">
+                      <m:sSubSup>
+                        <m:sSubSupPr>
+                          <m:ctrlPr>
+                            <a:rPr lang="it-IT" b="0" i="1" smtClean="0">
+                              <a:latin typeface="Cambria Math" panose="02040503050406030204" pitchFamily="18" charset="0"/>
+                            </a:rPr>
+                          </m:ctrlPr>
+                        </m:sSubSupPr>
+                        <m:e>
+                          <m:r>
+                            <a:rPr lang="it-IT" b="0" i="1" smtClean="0">
+                              <a:latin typeface="Cambria Math" panose="02040503050406030204" pitchFamily="18" charset="0"/>
+                            </a:rPr>
+                            <m:t>𝑦</m:t>
+                          </m:r>
+                        </m:e>
+                        <m:sub>
+                          <m:r>
+                            <m:rPr>
+                              <m:sty m:val="p"/>
+                            </m:rPr>
+                            <a:rPr lang="it-IT" b="0" i="0" smtClean="0">
+                              <a:latin typeface="Cambria Math" panose="02040503050406030204" pitchFamily="18" charset="0"/>
+                            </a:rPr>
+                            <m:t>ff</m:t>
+                          </m:r>
+                        </m:sub>
+                        <m:sup>
+                          <m:r>
+                            <m:rPr>
+                              <m:sty m:val="p"/>
+                            </m:rPr>
+                            <a:rPr lang="it-IT" b="0" i="0" smtClean="0">
+                              <a:latin typeface="Cambria Math" panose="02040503050406030204" pitchFamily="18" charset="0"/>
+                            </a:rPr>
+                            <m:t>c</m:t>
+                          </m:r>
+                        </m:sup>
+                      </m:sSubSup>
+                    </m:oMath>
+                  </m:oMathPara>
+                </a14:m>
+                <a:endParaRPr lang="it-IT" dirty="0"/>
+              </a:p>
+            </p:txBody>
+          </p:sp>
+        </mc:Choice>
+        <mc:Fallback xmlns="">
+          <p:sp>
+            <p:nvSpPr>
+              <p:cNvPr id="39" name="CasellaDiTesto 38">
+                <a:extLst>
+                  <a:ext uri="{FF2B5EF4-FFF2-40B4-BE49-F238E27FC236}">
+                    <a16:creationId xmlns:a16="http://schemas.microsoft.com/office/drawing/2014/main" id="{74C220DF-3243-4AEC-8E80-3AD33161ED4E}"/>
+                  </a:ext>
+                </a:extLst>
+              </p:cNvPr>
+              <p:cNvSpPr txBox="1">
+                <a:spLocks noRot="1" noChangeAspect="1" noMove="1" noResize="1" noEditPoints="1" noAdjustHandles="1" noChangeArrowheads="1" noChangeShapeType="1" noTextEdit="1"/>
+              </p:cNvSpPr>
+              <p:nvPr/>
+            </p:nvSpPr>
+            <p:spPr>
+              <a:xfrm>
+                <a:off x="5094000" y="1620000"/>
+                <a:ext cx="303929" cy="278602"/>
+              </a:xfrm>
+              <a:prstGeom prst="rect">
+                <a:avLst/>
+              </a:prstGeom>
+              <a:blipFill>
+                <a:blip r:embed="rId11"/>
+                <a:stretch>
+                  <a:fillRect l="-20408" r="-10204" b="-26667"/>
+                </a:stretch>
+              </a:blipFill>
+            </p:spPr>
+            <p:txBody>
+              <a:bodyPr/>
+              <a:lstStyle/>
+              <a:p>
+                <a:r>
+                  <a:rPr lang="it-IT">
+                    <a:noFill/>
+                  </a:rPr>
+                  <a:t> </a:t>
+                </a:r>
+              </a:p>
+            </p:txBody>
+          </p:sp>
+        </mc:Fallback>
+      </mc:AlternateContent>
+      <mc:AlternateContent xmlns:mc="http://schemas.openxmlformats.org/markup-compatibility/2006" xmlns:a14="http://schemas.microsoft.com/office/drawing/2010/main">
+        <mc:Choice Requires="a14">
+          <p:sp>
+            <p:nvSpPr>
+              <p:cNvPr id="40" name="CasellaDiTesto 39">
+                <a:extLst>
+                  <a:ext uri="{FF2B5EF4-FFF2-40B4-BE49-F238E27FC236}">
+                    <a16:creationId xmlns:a16="http://schemas.microsoft.com/office/drawing/2014/main" id="{AD00249E-2D4E-4E0A-A861-14061899E9BB}"/>
+                  </a:ext>
+                </a:extLst>
+              </p:cNvPr>
+              <p:cNvSpPr txBox="1"/>
+              <p:nvPr/>
+            </p:nvSpPr>
+            <p:spPr>
+              <a:xfrm>
+                <a:off x="5094000" y="810000"/>
+                <a:ext cx="186718" cy="276999"/>
+              </a:xfrm>
+              <a:prstGeom prst="rect">
+                <a:avLst/>
+              </a:prstGeom>
+              <a:noFill/>
+            </p:spPr>
+            <p:txBody>
+              <a:bodyPr wrap="none" lIns="0" tIns="0" rIns="0" bIns="0" rtlCol="0">
+                <a:spAutoFit/>
+              </a:bodyPr>
+              <a:lstStyle/>
+              <a:p>
+                <a:pPr/>
+                <a14:m>
+                  <m:oMathPara xmlns:m="http://schemas.openxmlformats.org/officeDocument/2006/math">
+                    <m:oMathParaPr>
+                      <m:jc m:val="centerGroup"/>
+                    </m:oMathParaPr>
+                    <m:oMath xmlns:m="http://schemas.openxmlformats.org/officeDocument/2006/math">
+                      <m:r>
+                        <a:rPr lang="it-IT" b="0" i="1" smtClean="0">
+                          <a:latin typeface="Cambria Math" panose="02040503050406030204" pitchFamily="18" charset="0"/>
+                        </a:rPr>
+                        <m:t>𝑦</m:t>
+                      </m:r>
+                    </m:oMath>
+                  </m:oMathPara>
+                </a14:m>
+                <a:endParaRPr lang="it-IT" dirty="0"/>
+              </a:p>
+            </p:txBody>
+          </p:sp>
+        </mc:Choice>
+        <mc:Fallback xmlns="">
+          <p:sp>
+            <p:nvSpPr>
+              <p:cNvPr id="40" name="CasellaDiTesto 39">
+                <a:extLst>
+                  <a:ext uri="{FF2B5EF4-FFF2-40B4-BE49-F238E27FC236}">
+                    <a16:creationId xmlns:a16="http://schemas.microsoft.com/office/drawing/2014/main" id="{AD00249E-2D4E-4E0A-A861-14061899E9BB}"/>
+                  </a:ext>
+                </a:extLst>
+              </p:cNvPr>
+              <p:cNvSpPr txBox="1">
+                <a:spLocks noRot="1" noChangeAspect="1" noMove="1" noResize="1" noEditPoints="1" noAdjustHandles="1" noChangeArrowheads="1" noChangeShapeType="1" noTextEdit="1"/>
+              </p:cNvSpPr>
+              <p:nvPr/>
+            </p:nvSpPr>
+            <p:spPr>
+              <a:xfrm>
+                <a:off x="5094000" y="810000"/>
+                <a:ext cx="186718" cy="276999"/>
+              </a:xfrm>
+              <a:prstGeom prst="rect">
+                <a:avLst/>
+              </a:prstGeom>
+              <a:blipFill>
+                <a:blip r:embed="rId12"/>
+                <a:stretch>
+                  <a:fillRect l="-33333" r="-30000" b="-26667"/>
+                </a:stretch>
+              </a:blipFill>
+            </p:spPr>
+            <p:txBody>
+              <a:bodyPr/>
+              <a:lstStyle/>
+              <a:p>
+                <a:r>
+                  <a:rPr lang="it-IT">
+                    <a:noFill/>
+                  </a:rPr>
+                  <a:t> </a:t>
+                </a:r>
+              </a:p>
+            </p:txBody>
+          </p:sp>
+        </mc:Fallback>
+      </mc:AlternateContent>
+    </p:spTree>
+    <p:extLst>
+      <p:ext uri="{BB962C8B-B14F-4D97-AF65-F5344CB8AC3E}">
+        <p14:creationId xmlns:p14="http://schemas.microsoft.com/office/powerpoint/2010/main" val="1514045803"/>
+      </p:ext>
+    </p:extLst>
+  </p:cSld>
+  <p:clrMapOvr>
+    <a:masterClrMapping/>
+  </p:clrMapOvr>
+</p:sld>
+</file>
+
+<file path=ppt/slides/slide21.xml><?xml version="1.0" encoding="utf-8"?>
+<p:sld xmlns:a="http://schemas.openxmlformats.org/drawingml/2006/main" xmlns:r="http://schemas.openxmlformats.org/officeDocument/2006/relationships" xmlns:p="http://schemas.openxmlformats.org/presentationml/2006/main">
+  <p:cSld>
+    <p:spTree>
+      <p:nvGrpSpPr>
+        <p:cNvPr id="1" name=""/>
+        <p:cNvGrpSpPr/>
+        <p:nvPr/>
+      </p:nvGrpSpPr>
+      <p:grpSpPr>
+        <a:xfrm>
+          <a:off x="0" y="0"/>
+          <a:ext cx="0" cy="0"/>
+          <a:chOff x="0" y="0"/>
+          <a:chExt cx="0" cy="0"/>
+        </a:xfrm>
+      </p:grpSpPr>
+      <p:cxnSp>
+        <p:nvCxnSpPr>
+          <p:cNvPr id="5" name="Connettore diritto 4">
+            <a:extLst>
+              <a:ext uri="{FF2B5EF4-FFF2-40B4-BE49-F238E27FC236}">
+                <a16:creationId xmlns:a16="http://schemas.microsoft.com/office/drawing/2014/main" id="{ECCB5C39-7435-478B-848F-75247ED67D84}"/>
+              </a:ext>
+            </a:extLst>
+          </p:cNvPr>
+          <p:cNvCxnSpPr/>
+          <p:nvPr/>
+        </p:nvCxnSpPr>
+        <p:spPr>
+          <a:xfrm>
             <a:off x="1080000" y="1080000"/>
             <a:ext cx="3600000" cy="0"/>
           </a:xfrm>
@@ -29280,7 +30905,7 @@
 </p:sld>
 </file>
 
-<file path=ppt/slides/slide21.xml><?xml version="1.0" encoding="utf-8"?>
+<file path=ppt/slides/slide22.xml><?xml version="1.0" encoding="utf-8"?>
 <p:sld xmlns:a="http://schemas.openxmlformats.org/drawingml/2006/main" xmlns:r="http://schemas.openxmlformats.org/officeDocument/2006/relationships" xmlns:p="http://schemas.openxmlformats.org/presentationml/2006/main">
   <p:cSld>
     <p:spTree>
@@ -30044,7 +31669,7 @@
 </p:sld>
 </file>
 
-<file path=ppt/slides/slide22.xml><?xml version="1.0" encoding="utf-8"?>
+<file path=ppt/slides/slide23.xml><?xml version="1.0" encoding="utf-8"?>
 <p:sld xmlns:a="http://schemas.openxmlformats.org/drawingml/2006/main" xmlns:r="http://schemas.openxmlformats.org/officeDocument/2006/relationships" xmlns:p="http://schemas.openxmlformats.org/presentationml/2006/main">
   <p:cSld>
     <p:spTree>
@@ -30870,7 +32495,7 @@
 </p:sld>
 </file>
 
-<file path=ppt/slides/slide23.xml><?xml version="1.0" encoding="utf-8"?>
+<file path=ppt/slides/slide24.xml><?xml version="1.0" encoding="utf-8"?>
 <p:sld xmlns:a="http://schemas.openxmlformats.org/drawingml/2006/main" xmlns:r="http://schemas.openxmlformats.org/officeDocument/2006/relationships" xmlns:p="http://schemas.openxmlformats.org/presentationml/2006/main">
   <p:cSld>
     <p:spTree>
@@ -31655,7 +33280,7 @@
 </p:sld>
 </file>
 
-<file path=ppt/slides/slide24.xml><?xml version="1.0" encoding="utf-8"?>
+<file path=ppt/slides/slide25.xml><?xml version="1.0" encoding="utf-8"?>
 <p:sld xmlns:a="http://schemas.openxmlformats.org/drawingml/2006/main" xmlns:r="http://schemas.openxmlformats.org/officeDocument/2006/relationships" xmlns:p="http://schemas.openxmlformats.org/presentationml/2006/main">
   <p:cSld>
     <p:spTree>
@@ -32285,7 +33910,7 @@
 </p:sld>
 </file>
 
-<file path=ppt/slides/slide25.xml><?xml version="1.0" encoding="utf-8"?>
+<file path=ppt/slides/slide26.xml><?xml version="1.0" encoding="utf-8"?>
 <p:sld xmlns:a="http://schemas.openxmlformats.org/drawingml/2006/main" xmlns:r="http://schemas.openxmlformats.org/officeDocument/2006/relationships" xmlns:p="http://schemas.openxmlformats.org/presentationml/2006/main">
   <p:cSld>
     <p:spTree>

--- a/img/celle.pptx
+++ b/img/celle.pptx
@@ -6,7 +6,7 @@
     <p:sldMasterId id="2147483660" r:id="rId2"/>
   </p:sldMasterIdLst>
   <p:notesMasterIdLst>
-    <p:notesMasterId r:id="rId31"/>
+    <p:notesMasterId r:id="rId32"/>
   </p:notesMasterIdLst>
   <p:sldIdLst>
     <p:sldId id="256" r:id="rId3"/>
@@ -22,21 +22,22 @@
     <p:sldId id="260" r:id="rId13"/>
     <p:sldId id="261" r:id="rId14"/>
     <p:sldId id="262" r:id="rId15"/>
-    <p:sldId id="263" r:id="rId16"/>
-    <p:sldId id="283" r:id="rId17"/>
-    <p:sldId id="265" r:id="rId18"/>
-    <p:sldId id="266" r:id="rId19"/>
-    <p:sldId id="270" r:id="rId20"/>
-    <p:sldId id="271" r:id="rId21"/>
-    <p:sldId id="267" r:id="rId22"/>
-    <p:sldId id="278" r:id="rId23"/>
-    <p:sldId id="279" r:id="rId24"/>
-    <p:sldId id="277" r:id="rId25"/>
-    <p:sldId id="272" r:id="rId26"/>
-    <p:sldId id="275" r:id="rId27"/>
-    <p:sldId id="276" r:id="rId28"/>
-    <p:sldId id="274" r:id="rId29"/>
-    <p:sldId id="280" r:id="rId30"/>
+    <p:sldId id="287" r:id="rId16"/>
+    <p:sldId id="263" r:id="rId17"/>
+    <p:sldId id="283" r:id="rId18"/>
+    <p:sldId id="265" r:id="rId19"/>
+    <p:sldId id="266" r:id="rId20"/>
+    <p:sldId id="270" r:id="rId21"/>
+    <p:sldId id="271" r:id="rId22"/>
+    <p:sldId id="267" r:id="rId23"/>
+    <p:sldId id="278" r:id="rId24"/>
+    <p:sldId id="279" r:id="rId25"/>
+    <p:sldId id="277" r:id="rId26"/>
+    <p:sldId id="272" r:id="rId27"/>
+    <p:sldId id="275" r:id="rId28"/>
+    <p:sldId id="276" r:id="rId29"/>
+    <p:sldId id="274" r:id="rId30"/>
+    <p:sldId id="280" r:id="rId31"/>
   </p:sldIdLst>
   <p:sldSz cx="12192000" cy="6858000"/>
   <p:notesSz cx="6858000" cy="9144000"/>
@@ -225,7 +226,7 @@
           <a:p>
             <a:fld id="{76BCBF0C-CE44-499E-BCEB-7948FB131314}" type="datetimeFigureOut">
               <a:rPr lang="it-IT" smtClean="0"/>
-              <a:t>22/03/2019</a:t>
+              <a:t>23/03/2019</a:t>
             </a:fld>
             <a:endParaRPr lang="it-IT"/>
           </a:p>
@@ -639,7 +640,7 @@
           <a:p>
             <a:fld id="{73B341DB-7226-48ED-93C6-4CA0570B6B59}" type="datetimeFigureOut">
               <a:rPr lang="it-IT" smtClean="0"/>
-              <a:t>22/03/2019</a:t>
+              <a:t>23/03/2019</a:t>
             </a:fld>
             <a:endParaRPr lang="it-IT"/>
           </a:p>
@@ -837,7 +838,7 @@
           <a:p>
             <a:fld id="{73B341DB-7226-48ED-93C6-4CA0570B6B59}" type="datetimeFigureOut">
               <a:rPr lang="it-IT" smtClean="0"/>
-              <a:t>22/03/2019</a:t>
+              <a:t>23/03/2019</a:t>
             </a:fld>
             <a:endParaRPr lang="it-IT"/>
           </a:p>
@@ -1045,7 +1046,7 @@
           <a:p>
             <a:fld id="{73B341DB-7226-48ED-93C6-4CA0570B6B59}" type="datetimeFigureOut">
               <a:rPr lang="it-IT" smtClean="0"/>
-              <a:t>22/03/2019</a:t>
+              <a:t>23/03/2019</a:t>
             </a:fld>
             <a:endParaRPr lang="it-IT"/>
           </a:p>
@@ -1265,7 +1266,7 @@
           <a:p>
             <a:fld id="{6A95F648-2F94-41D1-A59D-39CB3696F9AB}" type="datetimeFigureOut">
               <a:rPr lang="it-IT" smtClean="0"/>
-              <a:t>22/03/2019</a:t>
+              <a:t>23/03/2019</a:t>
             </a:fld>
             <a:endParaRPr lang="it-IT"/>
           </a:p>
@@ -1463,7 +1464,7 @@
           <a:p>
             <a:fld id="{6A95F648-2F94-41D1-A59D-39CB3696F9AB}" type="datetimeFigureOut">
               <a:rPr lang="it-IT" smtClean="0"/>
-              <a:t>22/03/2019</a:t>
+              <a:t>23/03/2019</a:t>
             </a:fld>
             <a:endParaRPr lang="it-IT"/>
           </a:p>
@@ -1738,7 +1739,7 @@
           <a:p>
             <a:fld id="{6A95F648-2F94-41D1-A59D-39CB3696F9AB}" type="datetimeFigureOut">
               <a:rPr lang="it-IT" smtClean="0"/>
-              <a:t>22/03/2019</a:t>
+              <a:t>23/03/2019</a:t>
             </a:fld>
             <a:endParaRPr lang="it-IT"/>
           </a:p>
@@ -2003,7 +2004,7 @@
           <a:p>
             <a:fld id="{6A95F648-2F94-41D1-A59D-39CB3696F9AB}" type="datetimeFigureOut">
               <a:rPr lang="it-IT" smtClean="0"/>
-              <a:t>22/03/2019</a:t>
+              <a:t>23/03/2019</a:t>
             </a:fld>
             <a:endParaRPr lang="it-IT"/>
           </a:p>
@@ -2415,7 +2416,7 @@
           <a:p>
             <a:fld id="{6A95F648-2F94-41D1-A59D-39CB3696F9AB}" type="datetimeFigureOut">
               <a:rPr lang="it-IT" smtClean="0"/>
-              <a:t>22/03/2019</a:t>
+              <a:t>23/03/2019</a:t>
             </a:fld>
             <a:endParaRPr lang="it-IT"/>
           </a:p>
@@ -2556,7 +2557,7 @@
           <a:p>
             <a:fld id="{6A95F648-2F94-41D1-A59D-39CB3696F9AB}" type="datetimeFigureOut">
               <a:rPr lang="it-IT" smtClean="0"/>
-              <a:t>22/03/2019</a:t>
+              <a:t>23/03/2019</a:t>
             </a:fld>
             <a:endParaRPr lang="it-IT"/>
           </a:p>
@@ -2669,7 +2670,7 @@
           <a:p>
             <a:fld id="{6A95F648-2F94-41D1-A59D-39CB3696F9AB}" type="datetimeFigureOut">
               <a:rPr lang="it-IT" smtClean="0"/>
-              <a:t>22/03/2019</a:t>
+              <a:t>23/03/2019</a:t>
             </a:fld>
             <a:endParaRPr lang="it-IT"/>
           </a:p>
@@ -2980,7 +2981,7 @@
           <a:p>
             <a:fld id="{6A95F648-2F94-41D1-A59D-39CB3696F9AB}" type="datetimeFigureOut">
               <a:rPr lang="it-IT" smtClean="0"/>
-              <a:t>22/03/2019</a:t>
+              <a:t>23/03/2019</a:t>
             </a:fld>
             <a:endParaRPr lang="it-IT"/>
           </a:p>
@@ -3178,7 +3179,7 @@
           <a:p>
             <a:fld id="{73B341DB-7226-48ED-93C6-4CA0570B6B59}" type="datetimeFigureOut">
               <a:rPr lang="it-IT" smtClean="0"/>
-              <a:t>22/03/2019</a:t>
+              <a:t>23/03/2019</a:t>
             </a:fld>
             <a:endParaRPr lang="it-IT"/>
           </a:p>
@@ -3466,7 +3467,7 @@
           <a:p>
             <a:fld id="{6A95F648-2F94-41D1-A59D-39CB3696F9AB}" type="datetimeFigureOut">
               <a:rPr lang="it-IT" smtClean="0"/>
-              <a:t>22/03/2019</a:t>
+              <a:t>23/03/2019</a:t>
             </a:fld>
             <a:endParaRPr lang="it-IT"/>
           </a:p>
@@ -3664,7 +3665,7 @@
           <a:p>
             <a:fld id="{6A95F648-2F94-41D1-A59D-39CB3696F9AB}" type="datetimeFigureOut">
               <a:rPr lang="it-IT" smtClean="0"/>
-              <a:t>22/03/2019</a:t>
+              <a:t>23/03/2019</a:t>
             </a:fld>
             <a:endParaRPr lang="it-IT"/>
           </a:p>
@@ -3872,7 +3873,7 @@
           <a:p>
             <a:fld id="{6A95F648-2F94-41D1-A59D-39CB3696F9AB}" type="datetimeFigureOut">
               <a:rPr lang="it-IT" smtClean="0"/>
-              <a:t>22/03/2019</a:t>
+              <a:t>23/03/2019</a:t>
             </a:fld>
             <a:endParaRPr lang="it-IT"/>
           </a:p>
@@ -4147,7 +4148,7 @@
           <a:p>
             <a:fld id="{73B341DB-7226-48ED-93C6-4CA0570B6B59}" type="datetimeFigureOut">
               <a:rPr lang="it-IT" smtClean="0"/>
-              <a:t>22/03/2019</a:t>
+              <a:t>23/03/2019</a:t>
             </a:fld>
             <a:endParaRPr lang="it-IT"/>
           </a:p>
@@ -4412,7 +4413,7 @@
           <a:p>
             <a:fld id="{73B341DB-7226-48ED-93C6-4CA0570B6B59}" type="datetimeFigureOut">
               <a:rPr lang="it-IT" smtClean="0"/>
-              <a:t>22/03/2019</a:t>
+              <a:t>23/03/2019</a:t>
             </a:fld>
             <a:endParaRPr lang="it-IT"/>
           </a:p>
@@ -4824,7 +4825,7 @@
           <a:p>
             <a:fld id="{73B341DB-7226-48ED-93C6-4CA0570B6B59}" type="datetimeFigureOut">
               <a:rPr lang="it-IT" smtClean="0"/>
-              <a:t>22/03/2019</a:t>
+              <a:t>23/03/2019</a:t>
             </a:fld>
             <a:endParaRPr lang="it-IT"/>
           </a:p>
@@ -4965,7 +4966,7 @@
           <a:p>
             <a:fld id="{73B341DB-7226-48ED-93C6-4CA0570B6B59}" type="datetimeFigureOut">
               <a:rPr lang="it-IT" smtClean="0"/>
-              <a:t>22/03/2019</a:t>
+              <a:t>23/03/2019</a:t>
             </a:fld>
             <a:endParaRPr lang="it-IT"/>
           </a:p>
@@ -5078,7 +5079,7 @@
           <a:p>
             <a:fld id="{73B341DB-7226-48ED-93C6-4CA0570B6B59}" type="datetimeFigureOut">
               <a:rPr lang="it-IT" smtClean="0"/>
-              <a:t>22/03/2019</a:t>
+              <a:t>23/03/2019</a:t>
             </a:fld>
             <a:endParaRPr lang="it-IT"/>
           </a:p>
@@ -5389,7 +5390,7 @@
           <a:p>
             <a:fld id="{73B341DB-7226-48ED-93C6-4CA0570B6B59}" type="datetimeFigureOut">
               <a:rPr lang="it-IT" smtClean="0"/>
-              <a:t>22/03/2019</a:t>
+              <a:t>23/03/2019</a:t>
             </a:fld>
             <a:endParaRPr lang="it-IT"/>
           </a:p>
@@ -5677,7 +5678,7 @@
           <a:p>
             <a:fld id="{73B341DB-7226-48ED-93C6-4CA0570B6B59}" type="datetimeFigureOut">
               <a:rPr lang="it-IT" smtClean="0"/>
-              <a:t>22/03/2019</a:t>
+              <a:t>23/03/2019</a:t>
             </a:fld>
             <a:endParaRPr lang="it-IT"/>
           </a:p>
@@ -5918,7 +5919,7 @@
           <a:p>
             <a:fld id="{73B341DB-7226-48ED-93C6-4CA0570B6B59}" type="datetimeFigureOut">
               <a:rPr lang="it-IT" smtClean="0"/>
-              <a:t>22/03/2019</a:t>
+              <a:t>23/03/2019</a:t>
             </a:fld>
             <a:endParaRPr lang="it-IT"/>
           </a:p>
@@ -6486,7 +6487,7 @@
           <a:p>
             <a:fld id="{6A95F648-2F94-41D1-A59D-39CB3696F9AB}" type="datetimeFigureOut">
               <a:rPr lang="it-IT" smtClean="0"/>
-              <a:t>22/03/2019</a:t>
+              <a:t>23/03/2019</a:t>
             </a:fld>
             <a:endParaRPr lang="it-IT"/>
           </a:p>
@@ -16587,6 +16588,2067 @@
       </p:grpSpPr>
       <p:sp>
         <p:nvSpPr>
+          <p:cNvPr id="33" name="CasellaDiTesto 32">
+            <a:extLst>
+              <a:ext uri="{FF2B5EF4-FFF2-40B4-BE49-F238E27FC236}">
+                <a16:creationId xmlns:a16="http://schemas.microsoft.com/office/drawing/2014/main" id="{BFBCDCC2-3F58-44C0-AA24-9178A0DAD21C}"/>
+              </a:ext>
+            </a:extLst>
+          </p:cNvPr>
+          <p:cNvSpPr txBox="1"/>
+          <p:nvPr/>
+        </p:nvSpPr>
+        <p:spPr>
+          <a:xfrm>
+            <a:off x="6114600" y="464876"/>
+            <a:ext cx="720000" cy="338554"/>
+          </a:xfrm>
+          <a:prstGeom prst="rect">
+            <a:avLst/>
+          </a:prstGeom>
+          <a:noFill/>
+        </p:spPr>
+        <p:txBody>
+          <a:bodyPr wrap="square" rtlCol="0">
+            <a:spAutoFit/>
+          </a:bodyPr>
+          <a:lstStyle/>
+          <a:p>
+            <a:pPr algn="ctr"/>
+            <a:r>
+              <a:rPr lang="it-IT" sz="1600" dirty="0"/>
+              <a:t>0.5 m</a:t>
+            </a:r>
+          </a:p>
+        </p:txBody>
+      </p:sp>
+      <p:cxnSp>
+        <p:nvCxnSpPr>
+          <p:cNvPr id="5" name="Connettore diritto 4">
+            <a:extLst>
+              <a:ext uri="{FF2B5EF4-FFF2-40B4-BE49-F238E27FC236}">
+                <a16:creationId xmlns:a16="http://schemas.microsoft.com/office/drawing/2014/main" id="{E452E3E4-5917-4DBC-AD34-4A62D67B7B8D}"/>
+              </a:ext>
+            </a:extLst>
+          </p:cNvPr>
+          <p:cNvCxnSpPr/>
+          <p:nvPr/>
+        </p:nvCxnSpPr>
+        <p:spPr>
+          <a:xfrm>
+            <a:off x="360000" y="360000"/>
+            <a:ext cx="7920000" cy="0"/>
+          </a:xfrm>
+          <a:prstGeom prst="line">
+            <a:avLst/>
+          </a:prstGeom>
+          <a:ln w="12700" cap="sq"/>
+        </p:spPr>
+        <p:style>
+          <a:lnRef idx="1">
+            <a:schemeClr val="dk1"/>
+          </a:lnRef>
+          <a:fillRef idx="0">
+            <a:schemeClr val="dk1"/>
+          </a:fillRef>
+          <a:effectRef idx="0">
+            <a:schemeClr val="dk1"/>
+          </a:effectRef>
+          <a:fontRef idx="minor">
+            <a:schemeClr val="tx1"/>
+          </a:fontRef>
+        </p:style>
+      </p:cxnSp>
+      <p:cxnSp>
+        <p:nvCxnSpPr>
+          <p:cNvPr id="7" name="Connettore diritto 6">
+            <a:extLst>
+              <a:ext uri="{FF2B5EF4-FFF2-40B4-BE49-F238E27FC236}">
+                <a16:creationId xmlns:a16="http://schemas.microsoft.com/office/drawing/2014/main" id="{A6748D5F-8E80-4466-80F2-778883C958B0}"/>
+              </a:ext>
+            </a:extLst>
+          </p:cNvPr>
+          <p:cNvCxnSpPr/>
+          <p:nvPr/>
+        </p:nvCxnSpPr>
+        <p:spPr>
+          <a:xfrm>
+            <a:off x="360000" y="360000"/>
+            <a:ext cx="0" cy="864000"/>
+          </a:xfrm>
+          <a:prstGeom prst="line">
+            <a:avLst/>
+          </a:prstGeom>
+          <a:ln w="12700" cap="sq">
+            <a:solidFill>
+              <a:schemeClr val="tx1"/>
+            </a:solidFill>
+          </a:ln>
+        </p:spPr>
+        <p:style>
+          <a:lnRef idx="1">
+            <a:schemeClr val="accent1"/>
+          </a:lnRef>
+          <a:fillRef idx="0">
+            <a:schemeClr val="accent1"/>
+          </a:fillRef>
+          <a:effectRef idx="0">
+            <a:schemeClr val="accent1"/>
+          </a:effectRef>
+          <a:fontRef idx="minor">
+            <a:schemeClr val="tx1"/>
+          </a:fontRef>
+        </p:style>
+      </p:cxnSp>
+      <p:cxnSp>
+        <p:nvCxnSpPr>
+          <p:cNvPr id="8" name="Connettore diritto 7">
+            <a:extLst>
+              <a:ext uri="{FF2B5EF4-FFF2-40B4-BE49-F238E27FC236}">
+                <a16:creationId xmlns:a16="http://schemas.microsoft.com/office/drawing/2014/main" id="{FCA060FE-2D39-4500-AED6-A2017E21CAAB}"/>
+              </a:ext>
+            </a:extLst>
+          </p:cNvPr>
+          <p:cNvCxnSpPr/>
+          <p:nvPr/>
+        </p:nvCxnSpPr>
+        <p:spPr>
+          <a:xfrm>
+            <a:off x="8280000" y="360000"/>
+            <a:ext cx="0" cy="864000"/>
+          </a:xfrm>
+          <a:prstGeom prst="line">
+            <a:avLst/>
+          </a:prstGeom>
+          <a:ln w="12700" cap="sq">
+            <a:solidFill>
+              <a:schemeClr val="tx1"/>
+            </a:solidFill>
+          </a:ln>
+        </p:spPr>
+        <p:style>
+          <a:lnRef idx="1">
+            <a:schemeClr val="accent1"/>
+          </a:lnRef>
+          <a:fillRef idx="0">
+            <a:schemeClr val="accent1"/>
+          </a:fillRef>
+          <a:effectRef idx="0">
+            <a:schemeClr val="accent1"/>
+          </a:effectRef>
+          <a:fontRef idx="minor">
+            <a:schemeClr val="tx1"/>
+          </a:fontRef>
+        </p:style>
+      </p:cxnSp>
+      <p:cxnSp>
+        <p:nvCxnSpPr>
+          <p:cNvPr id="9" name="Connettore diritto 8">
+            <a:extLst>
+              <a:ext uri="{FF2B5EF4-FFF2-40B4-BE49-F238E27FC236}">
+                <a16:creationId xmlns:a16="http://schemas.microsoft.com/office/drawing/2014/main" id="{44E9C63B-2422-4843-8F90-1C07DFF81060}"/>
+              </a:ext>
+            </a:extLst>
+          </p:cNvPr>
+          <p:cNvCxnSpPr/>
+          <p:nvPr/>
+        </p:nvCxnSpPr>
+        <p:spPr>
+          <a:xfrm>
+            <a:off x="360000" y="1224000"/>
+            <a:ext cx="5760000" cy="0"/>
+          </a:xfrm>
+          <a:prstGeom prst="line">
+            <a:avLst/>
+          </a:prstGeom>
+          <a:ln w="12700" cap="sq"/>
+        </p:spPr>
+        <p:style>
+          <a:lnRef idx="1">
+            <a:schemeClr val="dk1"/>
+          </a:lnRef>
+          <a:fillRef idx="0">
+            <a:schemeClr val="dk1"/>
+          </a:fillRef>
+          <a:effectRef idx="0">
+            <a:schemeClr val="dk1"/>
+          </a:effectRef>
+          <a:fontRef idx="minor">
+            <a:schemeClr val="tx1"/>
+          </a:fontRef>
+        </p:style>
+      </p:cxnSp>
+      <p:cxnSp>
+        <p:nvCxnSpPr>
+          <p:cNvPr id="12" name="Connettore diritto 11">
+            <a:extLst>
+              <a:ext uri="{FF2B5EF4-FFF2-40B4-BE49-F238E27FC236}">
+                <a16:creationId xmlns:a16="http://schemas.microsoft.com/office/drawing/2014/main" id="{9D4A782E-E9AE-485A-9391-31209AB5A40D}"/>
+              </a:ext>
+            </a:extLst>
+          </p:cNvPr>
+          <p:cNvCxnSpPr/>
+          <p:nvPr/>
+        </p:nvCxnSpPr>
+        <p:spPr>
+          <a:xfrm>
+            <a:off x="6840000" y="1080000"/>
+            <a:ext cx="0" cy="144000"/>
+          </a:xfrm>
+          <a:prstGeom prst="line">
+            <a:avLst/>
+          </a:prstGeom>
+          <a:ln w="12700" cap="sq">
+            <a:solidFill>
+              <a:srgbClr val="FF0000"/>
+            </a:solidFill>
+          </a:ln>
+        </p:spPr>
+        <p:style>
+          <a:lnRef idx="1">
+            <a:schemeClr val="accent1"/>
+          </a:lnRef>
+          <a:fillRef idx="0">
+            <a:schemeClr val="accent1"/>
+          </a:fillRef>
+          <a:effectRef idx="0">
+            <a:schemeClr val="accent1"/>
+          </a:effectRef>
+          <a:fontRef idx="minor">
+            <a:schemeClr val="tx1"/>
+          </a:fontRef>
+        </p:style>
+      </p:cxnSp>
+      <p:cxnSp>
+        <p:nvCxnSpPr>
+          <p:cNvPr id="14" name="Connettore 2 13">
+            <a:extLst>
+              <a:ext uri="{FF2B5EF4-FFF2-40B4-BE49-F238E27FC236}">
+                <a16:creationId xmlns:a16="http://schemas.microsoft.com/office/drawing/2014/main" id="{5AE849D6-C726-4526-8326-CD22A3AFE0B5}"/>
+              </a:ext>
+            </a:extLst>
+          </p:cNvPr>
+          <p:cNvCxnSpPr/>
+          <p:nvPr/>
+        </p:nvCxnSpPr>
+        <p:spPr>
+          <a:xfrm>
+            <a:off x="360000" y="720000"/>
+            <a:ext cx="5760000" cy="0"/>
+          </a:xfrm>
+          <a:prstGeom prst="straightConnector1">
+            <a:avLst/>
+          </a:prstGeom>
+          <a:ln w="12700">
+            <a:solidFill>
+              <a:schemeClr val="tx1"/>
+            </a:solidFill>
+            <a:headEnd type="triangle"/>
+            <a:tailEnd type="triangle"/>
+          </a:ln>
+        </p:spPr>
+        <p:style>
+          <a:lnRef idx="1">
+            <a:schemeClr val="accent1"/>
+          </a:lnRef>
+          <a:fillRef idx="0">
+            <a:schemeClr val="accent1"/>
+          </a:fillRef>
+          <a:effectRef idx="0">
+            <a:schemeClr val="accent1"/>
+          </a:effectRef>
+          <a:fontRef idx="minor">
+            <a:schemeClr val="tx1"/>
+          </a:fontRef>
+        </p:style>
+      </p:cxnSp>
+      <p:cxnSp>
+        <p:nvCxnSpPr>
+          <p:cNvPr id="16" name="Connettore 2 15">
+            <a:extLst>
+              <a:ext uri="{FF2B5EF4-FFF2-40B4-BE49-F238E27FC236}">
+                <a16:creationId xmlns:a16="http://schemas.microsoft.com/office/drawing/2014/main" id="{F9611C99-F4B3-43AD-9B20-D7F5C718EF1A}"/>
+              </a:ext>
+            </a:extLst>
+          </p:cNvPr>
+          <p:cNvCxnSpPr/>
+          <p:nvPr/>
+        </p:nvCxnSpPr>
+        <p:spPr>
+          <a:xfrm>
+            <a:off x="1440000" y="360000"/>
+            <a:ext cx="0" cy="864000"/>
+          </a:xfrm>
+          <a:prstGeom prst="straightConnector1">
+            <a:avLst/>
+          </a:prstGeom>
+          <a:ln w="12700">
+            <a:solidFill>
+              <a:schemeClr val="tx1"/>
+            </a:solidFill>
+            <a:headEnd type="triangle"/>
+            <a:tailEnd type="triangle"/>
+          </a:ln>
+        </p:spPr>
+        <p:style>
+          <a:lnRef idx="1">
+            <a:schemeClr val="accent1"/>
+          </a:lnRef>
+          <a:fillRef idx="0">
+            <a:schemeClr val="accent1"/>
+          </a:fillRef>
+          <a:effectRef idx="0">
+            <a:schemeClr val="accent1"/>
+          </a:effectRef>
+          <a:fontRef idx="minor">
+            <a:schemeClr val="tx1"/>
+          </a:fontRef>
+        </p:style>
+      </p:cxnSp>
+      <p:cxnSp>
+        <p:nvCxnSpPr>
+          <p:cNvPr id="17" name="Connettore 2 16">
+            <a:extLst>
+              <a:ext uri="{FF2B5EF4-FFF2-40B4-BE49-F238E27FC236}">
+                <a16:creationId xmlns:a16="http://schemas.microsoft.com/office/drawing/2014/main" id="{3C4CB22D-F89F-4AFF-9E4A-6EB304E21FF0}"/>
+              </a:ext>
+            </a:extLst>
+          </p:cNvPr>
+          <p:cNvCxnSpPr/>
+          <p:nvPr/>
+        </p:nvCxnSpPr>
+        <p:spPr>
+          <a:xfrm>
+            <a:off x="5191899" y="1080000"/>
+            <a:ext cx="0" cy="144000"/>
+          </a:xfrm>
+          <a:prstGeom prst="straightConnector1">
+            <a:avLst/>
+          </a:prstGeom>
+          <a:ln>
+            <a:solidFill>
+              <a:schemeClr val="tx1"/>
+            </a:solidFill>
+            <a:headEnd type="triangle"/>
+            <a:tailEnd type="triangle"/>
+          </a:ln>
+        </p:spPr>
+        <p:style>
+          <a:lnRef idx="1">
+            <a:schemeClr val="accent1"/>
+          </a:lnRef>
+          <a:fillRef idx="0">
+            <a:schemeClr val="accent1"/>
+          </a:fillRef>
+          <a:effectRef idx="0">
+            <a:schemeClr val="accent1"/>
+          </a:effectRef>
+          <a:fontRef idx="minor">
+            <a:schemeClr val="tx1"/>
+          </a:fontRef>
+        </p:style>
+      </p:cxnSp>
+      <mc:AlternateContent xmlns:mc="http://schemas.openxmlformats.org/markup-compatibility/2006">
+        <mc:Choice xmlns:a14="http://schemas.microsoft.com/office/drawing/2010/main" Requires="a14">
+          <p:sp>
+            <p:nvSpPr>
+              <p:cNvPr id="18" name="CasellaDiTesto 17">
+                <a:extLst>
+                  <a:ext uri="{FF2B5EF4-FFF2-40B4-BE49-F238E27FC236}">
+                    <a16:creationId xmlns:a16="http://schemas.microsoft.com/office/drawing/2014/main" id="{12C1ED30-8A01-4170-ACC0-408D041CAF54}"/>
+                  </a:ext>
+                </a:extLst>
+              </p:cNvPr>
+              <p:cNvSpPr txBox="1"/>
+              <p:nvPr/>
+            </p:nvSpPr>
+            <p:spPr>
+              <a:xfrm>
+                <a:off x="7825797" y="809803"/>
+                <a:ext cx="540000" cy="369332"/>
+              </a:xfrm>
+              <a:prstGeom prst="rect">
+                <a:avLst/>
+              </a:prstGeom>
+              <a:noFill/>
+            </p:spPr>
+            <p:txBody>
+              <a:bodyPr wrap="square" rtlCol="0">
+                <a:spAutoFit/>
+              </a:bodyPr>
+              <a:lstStyle/>
+              <a:p>
+                <a:pPr algn="ctr"/>
+                <a14:m>
+                  <m:oMathPara xmlns:m="http://schemas.openxmlformats.org/officeDocument/2006/math">
+                    <m:oMathParaPr>
+                      <m:jc m:val="center"/>
+                    </m:oMathParaPr>
+                    <m:oMath xmlns:m="http://schemas.openxmlformats.org/officeDocument/2006/math">
+                      <m:sSub>
+                        <m:sSubPr>
+                          <m:ctrlPr>
+                            <a:rPr lang="el-GR" i="1" smtClean="0">
+                              <a:latin typeface="Cambria Math" panose="02040503050406030204" pitchFamily="18" charset="0"/>
+                            </a:rPr>
+                          </m:ctrlPr>
+                        </m:sSubPr>
+                        <m:e>
+                          <m:r>
+                            <m:rPr>
+                              <m:sty m:val="p"/>
+                            </m:rPr>
+                            <a:rPr lang="el-GR" i="1">
+                              <a:latin typeface="Cambria Math" panose="02040503050406030204" pitchFamily="18" charset="0"/>
+                            </a:rPr>
+                            <m:t>Γ</m:t>
+                          </m:r>
+                        </m:e>
+                        <m:sub>
+                          <m:r>
+                            <m:rPr>
+                              <m:sty m:val="p"/>
+                            </m:rPr>
+                            <a:rPr lang="it-IT" b="0" i="0" smtClean="0">
+                              <a:latin typeface="Cambria Math" panose="02040503050406030204" pitchFamily="18" charset="0"/>
+                            </a:rPr>
+                            <m:t>out</m:t>
+                          </m:r>
+                        </m:sub>
+                      </m:sSub>
+                    </m:oMath>
+                  </m:oMathPara>
+                </a14:m>
+                <a:endParaRPr lang="it-IT" sz="1400" i="1" dirty="0"/>
+              </a:p>
+            </p:txBody>
+          </p:sp>
+        </mc:Choice>
+        <mc:Fallback>
+          <p:sp>
+            <p:nvSpPr>
+              <p:cNvPr id="18" name="CasellaDiTesto 17">
+                <a:extLst>
+                  <a:ext uri="{FF2B5EF4-FFF2-40B4-BE49-F238E27FC236}">
+                    <a16:creationId xmlns:a16="http://schemas.microsoft.com/office/drawing/2014/main" id="{12C1ED30-8A01-4170-ACC0-408D041CAF54}"/>
+                  </a:ext>
+                </a:extLst>
+              </p:cNvPr>
+              <p:cNvSpPr txBox="1">
+                <a:spLocks noRot="1" noChangeAspect="1" noMove="1" noResize="1" noEditPoints="1" noAdjustHandles="1" noChangeArrowheads="1" noChangeShapeType="1" noTextEdit="1"/>
+              </p:cNvSpPr>
+              <p:nvPr/>
+            </p:nvSpPr>
+            <p:spPr>
+              <a:xfrm>
+                <a:off x="7825797" y="809803"/>
+                <a:ext cx="540000" cy="369332"/>
+              </a:xfrm>
+              <a:prstGeom prst="rect">
+                <a:avLst/>
+              </a:prstGeom>
+              <a:blipFill>
+                <a:blip r:embed="rId2"/>
+                <a:stretch>
+                  <a:fillRect l="-5682"/>
+                </a:stretch>
+              </a:blipFill>
+            </p:spPr>
+            <p:txBody>
+              <a:bodyPr/>
+              <a:lstStyle/>
+              <a:p>
+                <a:r>
+                  <a:rPr lang="it-IT">
+                    <a:noFill/>
+                  </a:rPr>
+                  <a:t> </a:t>
+                </a:r>
+              </a:p>
+            </p:txBody>
+          </p:sp>
+        </mc:Fallback>
+      </mc:AlternateContent>
+      <mc:AlternateContent xmlns:mc="http://schemas.openxmlformats.org/markup-compatibility/2006" xmlns:a14="http://schemas.microsoft.com/office/drawing/2010/main">
+        <mc:Choice Requires="a14">
+          <p:sp>
+            <p:nvSpPr>
+              <p:cNvPr id="19" name="CasellaDiTesto 18">
+                <a:extLst>
+                  <a:ext uri="{FF2B5EF4-FFF2-40B4-BE49-F238E27FC236}">
+                    <a16:creationId xmlns:a16="http://schemas.microsoft.com/office/drawing/2014/main" id="{EBE6686A-2FB0-43AC-B4D9-642B05AF4DF9}"/>
+                  </a:ext>
+                </a:extLst>
+              </p:cNvPr>
+              <p:cNvSpPr txBox="1"/>
+              <p:nvPr/>
+            </p:nvSpPr>
+            <p:spPr>
+              <a:xfrm>
+                <a:off x="289404" y="784403"/>
+                <a:ext cx="540000" cy="369332"/>
+              </a:xfrm>
+              <a:prstGeom prst="rect">
+                <a:avLst/>
+              </a:prstGeom>
+              <a:noFill/>
+            </p:spPr>
+            <p:txBody>
+              <a:bodyPr wrap="square" rtlCol="0">
+                <a:spAutoFit/>
+              </a:bodyPr>
+              <a:lstStyle/>
+              <a:p>
+                <a:pPr algn="ctr"/>
+                <a14:m>
+                  <m:oMathPara xmlns:m="http://schemas.openxmlformats.org/officeDocument/2006/math">
+                    <m:oMathParaPr>
+                      <m:jc m:val="center"/>
+                    </m:oMathParaPr>
+                    <m:oMath xmlns:m="http://schemas.openxmlformats.org/officeDocument/2006/math">
+                      <m:sSub>
+                        <m:sSubPr>
+                          <m:ctrlPr>
+                            <a:rPr lang="el-GR" i="1" smtClean="0">
+                              <a:latin typeface="Cambria Math" panose="02040503050406030204" pitchFamily="18" charset="0"/>
+                            </a:rPr>
+                          </m:ctrlPr>
+                        </m:sSubPr>
+                        <m:e>
+                          <m:r>
+                            <m:rPr>
+                              <m:sty m:val="p"/>
+                            </m:rPr>
+                            <a:rPr lang="el-GR" i="1">
+                              <a:latin typeface="Cambria Math" panose="02040503050406030204" pitchFamily="18" charset="0"/>
+                            </a:rPr>
+                            <m:t>Γ</m:t>
+                          </m:r>
+                        </m:e>
+                        <m:sub>
+                          <m:r>
+                            <m:rPr>
+                              <m:sty m:val="p"/>
+                            </m:rPr>
+                            <a:rPr lang="it-IT" b="0" i="0" smtClean="0">
+                              <a:latin typeface="Cambria Math" panose="02040503050406030204" pitchFamily="18" charset="0"/>
+                            </a:rPr>
+                            <m:t>in</m:t>
+                          </m:r>
+                        </m:sub>
+                      </m:sSub>
+                    </m:oMath>
+                  </m:oMathPara>
+                </a14:m>
+                <a:endParaRPr lang="it-IT" sz="1400" i="1" dirty="0"/>
+              </a:p>
+            </p:txBody>
+          </p:sp>
+        </mc:Choice>
+        <mc:Fallback xmlns="">
+          <p:sp>
+            <p:nvSpPr>
+              <p:cNvPr id="19" name="CasellaDiTesto 18">
+                <a:extLst>
+                  <a:ext uri="{FF2B5EF4-FFF2-40B4-BE49-F238E27FC236}">
+                    <a16:creationId xmlns:a16="http://schemas.microsoft.com/office/drawing/2014/main" id="{EBE6686A-2FB0-43AC-B4D9-642B05AF4DF9}"/>
+                  </a:ext>
+                </a:extLst>
+              </p:cNvPr>
+              <p:cNvSpPr txBox="1">
+                <a:spLocks noRot="1" noChangeAspect="1" noMove="1" noResize="1" noEditPoints="1" noAdjustHandles="1" noChangeArrowheads="1" noChangeShapeType="1" noTextEdit="1"/>
+              </p:cNvSpPr>
+              <p:nvPr/>
+            </p:nvSpPr>
+            <p:spPr>
+              <a:xfrm>
+                <a:off x="289404" y="784403"/>
+                <a:ext cx="540000" cy="369332"/>
+              </a:xfrm>
+              <a:prstGeom prst="rect">
+                <a:avLst/>
+              </a:prstGeom>
+              <a:blipFill>
+                <a:blip r:embed="rId3"/>
+                <a:stretch>
+                  <a:fillRect b="-1667"/>
+                </a:stretch>
+              </a:blipFill>
+            </p:spPr>
+            <p:txBody>
+              <a:bodyPr/>
+              <a:lstStyle/>
+              <a:p>
+                <a:r>
+                  <a:rPr lang="it-IT">
+                    <a:noFill/>
+                  </a:rPr>
+                  <a:t> </a:t>
+                </a:r>
+              </a:p>
+            </p:txBody>
+          </p:sp>
+        </mc:Fallback>
+      </mc:AlternateContent>
+      <mc:AlternateContent xmlns:mc="http://schemas.openxmlformats.org/markup-compatibility/2006">
+        <mc:Choice xmlns:a14="http://schemas.microsoft.com/office/drawing/2010/main" Requires="a14">
+          <p:sp>
+            <p:nvSpPr>
+              <p:cNvPr id="20" name="CasellaDiTesto 19">
+                <a:extLst>
+                  <a:ext uri="{FF2B5EF4-FFF2-40B4-BE49-F238E27FC236}">
+                    <a16:creationId xmlns:a16="http://schemas.microsoft.com/office/drawing/2014/main" id="{A0F0FB08-051F-4C68-9860-C0CE1AE286CB}"/>
+                  </a:ext>
+                </a:extLst>
+              </p:cNvPr>
+              <p:cNvSpPr txBox="1"/>
+              <p:nvPr/>
+            </p:nvSpPr>
+            <p:spPr>
+              <a:xfrm>
+                <a:off x="3713228" y="0"/>
+                <a:ext cx="540000" cy="391261"/>
+              </a:xfrm>
+              <a:prstGeom prst="rect">
+                <a:avLst/>
+              </a:prstGeom>
+              <a:noFill/>
+            </p:spPr>
+            <p:txBody>
+              <a:bodyPr wrap="square" rtlCol="0">
+                <a:spAutoFit/>
+              </a:bodyPr>
+              <a:lstStyle/>
+              <a:p>
+                <a:pPr algn="ctr"/>
+                <a14:m>
+                  <m:oMathPara xmlns:m="http://schemas.openxmlformats.org/officeDocument/2006/math">
+                    <m:oMathParaPr>
+                      <m:jc m:val="center"/>
+                    </m:oMathParaPr>
+                    <m:oMath xmlns:m="http://schemas.openxmlformats.org/officeDocument/2006/math">
+                      <m:sSub>
+                        <m:sSubPr>
+                          <m:ctrlPr>
+                            <a:rPr lang="el-GR" i="1" smtClean="0">
+                              <a:latin typeface="Cambria Math" panose="02040503050406030204" pitchFamily="18" charset="0"/>
+                            </a:rPr>
+                          </m:ctrlPr>
+                        </m:sSubPr>
+                        <m:e>
+                          <m:r>
+                            <m:rPr>
+                              <m:sty m:val="p"/>
+                            </m:rPr>
+                            <a:rPr lang="el-GR" i="1">
+                              <a:latin typeface="Cambria Math" panose="02040503050406030204" pitchFamily="18" charset="0"/>
+                            </a:rPr>
+                            <m:t>Γ</m:t>
+                          </m:r>
+                        </m:e>
+                        <m:sub>
+                          <m:r>
+                            <m:rPr>
+                              <m:sty m:val="p"/>
+                            </m:rPr>
+                            <a:rPr lang="it-IT" b="0" i="0" smtClean="0">
+                              <a:latin typeface="Cambria Math" panose="02040503050406030204" pitchFamily="18" charset="0"/>
+                            </a:rPr>
+                            <m:t>sym</m:t>
+                          </m:r>
+                        </m:sub>
+                      </m:sSub>
+                    </m:oMath>
+                  </m:oMathPara>
+                </a14:m>
+                <a:endParaRPr lang="it-IT" sz="1400" i="1" dirty="0"/>
+              </a:p>
+            </p:txBody>
+          </p:sp>
+        </mc:Choice>
+        <mc:Fallback>
+          <p:sp>
+            <p:nvSpPr>
+              <p:cNvPr id="20" name="CasellaDiTesto 19">
+                <a:extLst>
+                  <a:ext uri="{FF2B5EF4-FFF2-40B4-BE49-F238E27FC236}">
+                    <a16:creationId xmlns:a16="http://schemas.microsoft.com/office/drawing/2014/main" id="{A0F0FB08-051F-4C68-9860-C0CE1AE286CB}"/>
+                  </a:ext>
+                </a:extLst>
+              </p:cNvPr>
+              <p:cNvSpPr txBox="1">
+                <a:spLocks noRot="1" noChangeAspect="1" noMove="1" noResize="1" noEditPoints="1" noAdjustHandles="1" noChangeArrowheads="1" noChangeShapeType="1" noTextEdit="1"/>
+              </p:cNvSpPr>
+              <p:nvPr/>
+            </p:nvSpPr>
+            <p:spPr>
+              <a:xfrm>
+                <a:off x="3713228" y="0"/>
+                <a:ext cx="540000" cy="391261"/>
+              </a:xfrm>
+              <a:prstGeom prst="rect">
+                <a:avLst/>
+              </a:prstGeom>
+              <a:blipFill>
+                <a:blip r:embed="rId4"/>
+                <a:stretch>
+                  <a:fillRect l="-10112" b="-6250"/>
+                </a:stretch>
+              </a:blipFill>
+            </p:spPr>
+            <p:txBody>
+              <a:bodyPr/>
+              <a:lstStyle/>
+              <a:p>
+                <a:r>
+                  <a:rPr lang="it-IT">
+                    <a:noFill/>
+                  </a:rPr>
+                  <a:t> </a:t>
+                </a:r>
+              </a:p>
+            </p:txBody>
+          </p:sp>
+        </mc:Fallback>
+      </mc:AlternateContent>
+      <mc:AlternateContent xmlns:mc="http://schemas.openxmlformats.org/markup-compatibility/2006">
+        <mc:Choice xmlns:a14="http://schemas.microsoft.com/office/drawing/2010/main" Requires="a14">
+          <p:sp>
+            <p:nvSpPr>
+              <p:cNvPr id="21" name="CasellaDiTesto 20">
+                <a:extLst>
+                  <a:ext uri="{FF2B5EF4-FFF2-40B4-BE49-F238E27FC236}">
+                    <a16:creationId xmlns:a16="http://schemas.microsoft.com/office/drawing/2014/main" id="{0047343E-80C8-417A-BDFE-4E5213855482}"/>
+                  </a:ext>
+                </a:extLst>
+              </p:cNvPr>
+              <p:cNvSpPr txBox="1"/>
+              <p:nvPr/>
+            </p:nvSpPr>
+            <p:spPr>
+              <a:xfrm>
+                <a:off x="3647481" y="900260"/>
+                <a:ext cx="540000" cy="369332"/>
+              </a:xfrm>
+              <a:prstGeom prst="rect">
+                <a:avLst/>
+              </a:prstGeom>
+              <a:noFill/>
+            </p:spPr>
+            <p:txBody>
+              <a:bodyPr wrap="square" rtlCol="0">
+                <a:spAutoFit/>
+              </a:bodyPr>
+              <a:lstStyle/>
+              <a:p>
+                <a:pPr algn="ctr"/>
+                <a14:m>
+                  <m:oMathPara xmlns:m="http://schemas.openxmlformats.org/officeDocument/2006/math">
+                    <m:oMathParaPr>
+                      <m:jc m:val="center"/>
+                    </m:oMathParaPr>
+                    <m:oMath xmlns:m="http://schemas.openxmlformats.org/officeDocument/2006/math">
+                      <m:sSub>
+                        <m:sSubPr>
+                          <m:ctrlPr>
+                            <a:rPr lang="el-GR" i="1" smtClean="0">
+                              <a:latin typeface="Cambria Math" panose="02040503050406030204" pitchFamily="18" charset="0"/>
+                            </a:rPr>
+                          </m:ctrlPr>
+                        </m:sSubPr>
+                        <m:e>
+                          <m:r>
+                            <m:rPr>
+                              <m:sty m:val="p"/>
+                            </m:rPr>
+                            <a:rPr lang="el-GR" i="1">
+                              <a:latin typeface="Cambria Math" panose="02040503050406030204" pitchFamily="18" charset="0"/>
+                            </a:rPr>
+                            <m:t>Γ</m:t>
+                          </m:r>
+                        </m:e>
+                        <m:sub>
+                          <m:r>
+                            <a:rPr lang="it-IT" b="0" i="1" smtClean="0">
+                              <a:latin typeface="Cambria Math" panose="02040503050406030204" pitchFamily="18" charset="0"/>
+                            </a:rPr>
+                            <m:t>𝑤</m:t>
+                          </m:r>
+                        </m:sub>
+                      </m:sSub>
+                    </m:oMath>
+                  </m:oMathPara>
+                </a14:m>
+                <a:endParaRPr lang="it-IT" sz="1400" i="1" dirty="0"/>
+              </a:p>
+            </p:txBody>
+          </p:sp>
+        </mc:Choice>
+        <mc:Fallback>
+          <p:sp>
+            <p:nvSpPr>
+              <p:cNvPr id="21" name="CasellaDiTesto 20">
+                <a:extLst>
+                  <a:ext uri="{FF2B5EF4-FFF2-40B4-BE49-F238E27FC236}">
+                    <a16:creationId xmlns:a16="http://schemas.microsoft.com/office/drawing/2014/main" id="{0047343E-80C8-417A-BDFE-4E5213855482}"/>
+                  </a:ext>
+                </a:extLst>
+              </p:cNvPr>
+              <p:cNvSpPr txBox="1">
+                <a:spLocks noRot="1" noChangeAspect="1" noMove="1" noResize="1" noEditPoints="1" noAdjustHandles="1" noChangeArrowheads="1" noChangeShapeType="1" noTextEdit="1"/>
+              </p:cNvSpPr>
+              <p:nvPr/>
+            </p:nvSpPr>
+            <p:spPr>
+              <a:xfrm>
+                <a:off x="3647481" y="900260"/>
+                <a:ext cx="540000" cy="369332"/>
+              </a:xfrm>
+              <a:prstGeom prst="rect">
+                <a:avLst/>
+              </a:prstGeom>
+              <a:blipFill>
+                <a:blip r:embed="rId5"/>
+                <a:stretch>
+                  <a:fillRect/>
+                </a:stretch>
+              </a:blipFill>
+            </p:spPr>
+            <p:txBody>
+              <a:bodyPr/>
+              <a:lstStyle/>
+              <a:p>
+                <a:r>
+                  <a:rPr lang="it-IT">
+                    <a:noFill/>
+                  </a:rPr>
+                  <a:t> </a:t>
+                </a:r>
+              </a:p>
+            </p:txBody>
+          </p:sp>
+        </mc:Fallback>
+      </mc:AlternateContent>
+      <p:sp>
+        <p:nvSpPr>
+          <p:cNvPr id="22" name="CasellaDiTesto 21">
+            <a:extLst>
+              <a:ext uri="{FF2B5EF4-FFF2-40B4-BE49-F238E27FC236}">
+                <a16:creationId xmlns:a16="http://schemas.microsoft.com/office/drawing/2014/main" id="{87FD51C1-C924-47C9-A646-5ECCF91E6D61}"/>
+              </a:ext>
+            </a:extLst>
+          </p:cNvPr>
+          <p:cNvSpPr txBox="1"/>
+          <p:nvPr/>
+        </p:nvSpPr>
+        <p:spPr>
+          <a:xfrm>
+            <a:off x="2761800" y="464876"/>
+            <a:ext cx="720000" cy="338554"/>
+          </a:xfrm>
+          <a:prstGeom prst="rect">
+            <a:avLst/>
+          </a:prstGeom>
+          <a:noFill/>
+        </p:spPr>
+        <p:txBody>
+          <a:bodyPr wrap="square" rtlCol="0">
+            <a:spAutoFit/>
+          </a:bodyPr>
+          <a:lstStyle/>
+          <a:p>
+            <a:pPr algn="ctr"/>
+            <a:r>
+              <a:rPr lang="it-IT" sz="1600" dirty="0"/>
+              <a:t>4 m</a:t>
+            </a:r>
+          </a:p>
+        </p:txBody>
+      </p:sp>
+      <p:sp>
+        <p:nvSpPr>
+          <p:cNvPr id="23" name="CasellaDiTesto 22">
+            <a:extLst>
+              <a:ext uri="{FF2B5EF4-FFF2-40B4-BE49-F238E27FC236}">
+                <a16:creationId xmlns:a16="http://schemas.microsoft.com/office/drawing/2014/main" id="{6114D81E-EB67-47F9-8ABE-0C2C637D9E58}"/>
+              </a:ext>
+            </a:extLst>
+          </p:cNvPr>
+          <p:cNvSpPr txBox="1"/>
+          <p:nvPr/>
+        </p:nvSpPr>
+        <p:spPr>
+          <a:xfrm>
+            <a:off x="7201476" y="464145"/>
+            <a:ext cx="720000" cy="338554"/>
+          </a:xfrm>
+          <a:prstGeom prst="rect">
+            <a:avLst/>
+          </a:prstGeom>
+          <a:noFill/>
+        </p:spPr>
+        <p:txBody>
+          <a:bodyPr wrap="square" rtlCol="0">
+            <a:spAutoFit/>
+          </a:bodyPr>
+          <a:lstStyle/>
+          <a:p>
+            <a:pPr algn="ctr"/>
+            <a:r>
+              <a:rPr lang="it-IT" sz="1600" dirty="0"/>
+              <a:t>1 m</a:t>
+            </a:r>
+          </a:p>
+        </p:txBody>
+      </p:sp>
+      <p:sp>
+        <p:nvSpPr>
+          <p:cNvPr id="24" name="CasellaDiTesto 23">
+            <a:extLst>
+              <a:ext uri="{FF2B5EF4-FFF2-40B4-BE49-F238E27FC236}">
+                <a16:creationId xmlns:a16="http://schemas.microsoft.com/office/drawing/2014/main" id="{286A9E45-DC3B-410F-8644-78B01C8C5BE3}"/>
+              </a:ext>
+            </a:extLst>
+          </p:cNvPr>
+          <p:cNvSpPr txBox="1"/>
+          <p:nvPr/>
+        </p:nvSpPr>
+        <p:spPr>
+          <a:xfrm>
+            <a:off x="1390362" y="784269"/>
+            <a:ext cx="654247" cy="338554"/>
+          </a:xfrm>
+          <a:prstGeom prst="rect">
+            <a:avLst/>
+          </a:prstGeom>
+          <a:noFill/>
+        </p:spPr>
+        <p:txBody>
+          <a:bodyPr wrap="square" rtlCol="0">
+            <a:spAutoFit/>
+          </a:bodyPr>
+          <a:lstStyle/>
+          <a:p>
+            <a:pPr algn="ctr"/>
+            <a:r>
+              <a:rPr lang="it-IT" sz="1600" dirty="0"/>
+              <a:t>0.6 m</a:t>
+            </a:r>
+          </a:p>
+        </p:txBody>
+      </p:sp>
+      <p:sp>
+        <p:nvSpPr>
+          <p:cNvPr id="25" name="CasellaDiTesto 24">
+            <a:extLst>
+              <a:ext uri="{FF2B5EF4-FFF2-40B4-BE49-F238E27FC236}">
+                <a16:creationId xmlns:a16="http://schemas.microsoft.com/office/drawing/2014/main" id="{02F7C37E-7914-4D53-A41E-EF9DE6131105}"/>
+              </a:ext>
+            </a:extLst>
+          </p:cNvPr>
+          <p:cNvSpPr txBox="1"/>
+          <p:nvPr/>
+        </p:nvSpPr>
+        <p:spPr>
+          <a:xfrm>
+            <a:off x="5113876" y="961200"/>
+            <a:ext cx="1063437" cy="338554"/>
+          </a:xfrm>
+          <a:prstGeom prst="rect">
+            <a:avLst/>
+          </a:prstGeom>
+          <a:noFill/>
+        </p:spPr>
+        <p:txBody>
+          <a:bodyPr wrap="square" rtlCol="0">
+            <a:spAutoFit/>
+          </a:bodyPr>
+          <a:lstStyle/>
+          <a:p>
+            <a:pPr algn="ctr"/>
+            <a:r>
+              <a:rPr lang="it-IT" sz="1600" i="1" dirty="0"/>
+              <a:t>h</a:t>
+            </a:r>
+            <a:r>
+              <a:rPr lang="it-IT" sz="1600" dirty="0"/>
+              <a:t> = 0.1 m</a:t>
+            </a:r>
+          </a:p>
+        </p:txBody>
+      </p:sp>
+      <p:cxnSp>
+        <p:nvCxnSpPr>
+          <p:cNvPr id="28" name="Connettore diritto 27">
+            <a:extLst>
+              <a:ext uri="{FF2B5EF4-FFF2-40B4-BE49-F238E27FC236}">
+                <a16:creationId xmlns:a16="http://schemas.microsoft.com/office/drawing/2014/main" id="{55E41AE5-48A5-4C34-915E-04692A0CB9AD}"/>
+              </a:ext>
+            </a:extLst>
+          </p:cNvPr>
+          <p:cNvCxnSpPr/>
+          <p:nvPr/>
+        </p:nvCxnSpPr>
+        <p:spPr>
+          <a:xfrm>
+            <a:off x="6120000" y="1080000"/>
+            <a:ext cx="0" cy="144000"/>
+          </a:xfrm>
+          <a:prstGeom prst="line">
+            <a:avLst/>
+          </a:prstGeom>
+          <a:ln w="12700" cap="sq">
+            <a:solidFill>
+              <a:srgbClr val="FF0000"/>
+            </a:solidFill>
+          </a:ln>
+        </p:spPr>
+        <p:style>
+          <a:lnRef idx="1">
+            <a:schemeClr val="accent1"/>
+          </a:lnRef>
+          <a:fillRef idx="0">
+            <a:schemeClr val="accent1"/>
+          </a:fillRef>
+          <a:effectRef idx="0">
+            <a:schemeClr val="accent1"/>
+          </a:effectRef>
+          <a:fontRef idx="minor">
+            <a:schemeClr val="tx1"/>
+          </a:fontRef>
+        </p:style>
+      </p:cxnSp>
+      <p:cxnSp>
+        <p:nvCxnSpPr>
+          <p:cNvPr id="29" name="Connettore diritto 28">
+            <a:extLst>
+              <a:ext uri="{FF2B5EF4-FFF2-40B4-BE49-F238E27FC236}">
+                <a16:creationId xmlns:a16="http://schemas.microsoft.com/office/drawing/2014/main" id="{B2C35225-5DE9-4955-A47F-01AE0002E245}"/>
+              </a:ext>
+            </a:extLst>
+          </p:cNvPr>
+          <p:cNvCxnSpPr/>
+          <p:nvPr/>
+        </p:nvCxnSpPr>
+        <p:spPr>
+          <a:xfrm>
+            <a:off x="6840000" y="1224000"/>
+            <a:ext cx="1440000" cy="0"/>
+          </a:xfrm>
+          <a:prstGeom prst="line">
+            <a:avLst/>
+          </a:prstGeom>
+          <a:ln w="12700" cap="sq"/>
+        </p:spPr>
+        <p:style>
+          <a:lnRef idx="1">
+            <a:schemeClr val="dk1"/>
+          </a:lnRef>
+          <a:fillRef idx="0">
+            <a:schemeClr val="dk1"/>
+          </a:fillRef>
+          <a:effectRef idx="0">
+            <a:schemeClr val="dk1"/>
+          </a:effectRef>
+          <a:fontRef idx="minor">
+            <a:schemeClr val="tx1"/>
+          </a:fontRef>
+        </p:style>
+      </p:cxnSp>
+      <p:cxnSp>
+        <p:nvCxnSpPr>
+          <p:cNvPr id="30" name="Connettore diritto 29">
+            <a:extLst>
+              <a:ext uri="{FF2B5EF4-FFF2-40B4-BE49-F238E27FC236}">
+                <a16:creationId xmlns:a16="http://schemas.microsoft.com/office/drawing/2014/main" id="{BECEF64C-9884-43CE-9CFC-A993FF79C000}"/>
+              </a:ext>
+            </a:extLst>
+          </p:cNvPr>
+          <p:cNvCxnSpPr/>
+          <p:nvPr/>
+        </p:nvCxnSpPr>
+        <p:spPr>
+          <a:xfrm>
+            <a:off x="6120000" y="1080000"/>
+            <a:ext cx="720000" cy="0"/>
+          </a:xfrm>
+          <a:prstGeom prst="line">
+            <a:avLst/>
+          </a:prstGeom>
+          <a:ln w="12700" cap="sq">
+            <a:solidFill>
+              <a:srgbClr val="FF0000"/>
+            </a:solidFill>
+          </a:ln>
+        </p:spPr>
+        <p:style>
+          <a:lnRef idx="1">
+            <a:schemeClr val="dk1"/>
+          </a:lnRef>
+          <a:fillRef idx="0">
+            <a:schemeClr val="dk1"/>
+          </a:fillRef>
+          <a:effectRef idx="0">
+            <a:schemeClr val="dk1"/>
+          </a:effectRef>
+          <a:fontRef idx="minor">
+            <a:schemeClr val="tx1"/>
+          </a:fontRef>
+        </p:style>
+      </p:cxnSp>
+      <p:cxnSp>
+        <p:nvCxnSpPr>
+          <p:cNvPr id="32" name="Connettore 2 31">
+            <a:extLst>
+              <a:ext uri="{FF2B5EF4-FFF2-40B4-BE49-F238E27FC236}">
+                <a16:creationId xmlns:a16="http://schemas.microsoft.com/office/drawing/2014/main" id="{423C7A5D-B3EB-4A17-83F7-31FC68781814}"/>
+              </a:ext>
+            </a:extLst>
+          </p:cNvPr>
+          <p:cNvCxnSpPr/>
+          <p:nvPr/>
+        </p:nvCxnSpPr>
+        <p:spPr>
+          <a:xfrm>
+            <a:off x="6120000" y="720000"/>
+            <a:ext cx="720000" cy="0"/>
+          </a:xfrm>
+          <a:prstGeom prst="straightConnector1">
+            <a:avLst/>
+          </a:prstGeom>
+          <a:ln w="12700">
+            <a:solidFill>
+              <a:schemeClr val="tx1"/>
+            </a:solidFill>
+            <a:headEnd type="triangle"/>
+            <a:tailEnd type="triangle"/>
+          </a:ln>
+        </p:spPr>
+        <p:style>
+          <a:lnRef idx="1">
+            <a:schemeClr val="accent1"/>
+          </a:lnRef>
+          <a:fillRef idx="0">
+            <a:schemeClr val="accent1"/>
+          </a:fillRef>
+          <a:effectRef idx="0">
+            <a:schemeClr val="accent1"/>
+          </a:effectRef>
+          <a:fontRef idx="minor">
+            <a:schemeClr val="tx1"/>
+          </a:fontRef>
+        </p:style>
+      </p:cxnSp>
+      <p:cxnSp>
+        <p:nvCxnSpPr>
+          <p:cNvPr id="36" name="Connettore 2 35">
+            <a:extLst>
+              <a:ext uri="{FF2B5EF4-FFF2-40B4-BE49-F238E27FC236}">
+                <a16:creationId xmlns:a16="http://schemas.microsoft.com/office/drawing/2014/main" id="{A5769590-61B1-47C0-8EB8-2F3512A008E9}"/>
+              </a:ext>
+            </a:extLst>
+          </p:cNvPr>
+          <p:cNvCxnSpPr/>
+          <p:nvPr/>
+        </p:nvCxnSpPr>
+        <p:spPr>
+          <a:xfrm>
+            <a:off x="6840000" y="720000"/>
+            <a:ext cx="1440000" cy="0"/>
+          </a:xfrm>
+          <a:prstGeom prst="straightConnector1">
+            <a:avLst/>
+          </a:prstGeom>
+          <a:ln w="12700">
+            <a:solidFill>
+              <a:schemeClr val="tx1"/>
+            </a:solidFill>
+            <a:headEnd type="triangle"/>
+            <a:tailEnd type="triangle"/>
+          </a:ln>
+        </p:spPr>
+        <p:style>
+          <a:lnRef idx="1">
+            <a:schemeClr val="accent1"/>
+          </a:lnRef>
+          <a:fillRef idx="0">
+            <a:schemeClr val="accent1"/>
+          </a:fillRef>
+          <a:effectRef idx="0">
+            <a:schemeClr val="accent1"/>
+          </a:effectRef>
+          <a:fontRef idx="minor">
+            <a:schemeClr val="tx1"/>
+          </a:fontRef>
+        </p:style>
+      </p:cxnSp>
+      <p:cxnSp>
+        <p:nvCxnSpPr>
+          <p:cNvPr id="39" name="Connettore 2 38">
+            <a:extLst>
+              <a:ext uri="{FF2B5EF4-FFF2-40B4-BE49-F238E27FC236}">
+                <a16:creationId xmlns:a16="http://schemas.microsoft.com/office/drawing/2014/main" id="{C99A45B3-287D-426D-A557-E3600A617328}"/>
+              </a:ext>
+            </a:extLst>
+          </p:cNvPr>
+          <p:cNvCxnSpPr/>
+          <p:nvPr/>
+        </p:nvCxnSpPr>
+        <p:spPr>
+          <a:xfrm>
+            <a:off x="8460000" y="252000"/>
+            <a:ext cx="0" cy="1116000"/>
+          </a:xfrm>
+          <a:prstGeom prst="straightConnector1">
+            <a:avLst/>
+          </a:prstGeom>
+          <a:ln w="12700">
+            <a:solidFill>
+              <a:schemeClr val="tx1"/>
+            </a:solidFill>
+            <a:headEnd type="arrow"/>
+            <a:tailEnd type="none"/>
+          </a:ln>
+        </p:spPr>
+        <p:style>
+          <a:lnRef idx="1">
+            <a:schemeClr val="accent1"/>
+          </a:lnRef>
+          <a:fillRef idx="0">
+            <a:schemeClr val="accent1"/>
+          </a:fillRef>
+          <a:effectRef idx="0">
+            <a:schemeClr val="accent1"/>
+          </a:effectRef>
+          <a:fontRef idx="minor">
+            <a:schemeClr val="tx1"/>
+          </a:fontRef>
+        </p:style>
+      </p:cxnSp>
+      <p:cxnSp>
+        <p:nvCxnSpPr>
+          <p:cNvPr id="40" name="Connettore diritto 39">
+            <a:extLst>
+              <a:ext uri="{FF2B5EF4-FFF2-40B4-BE49-F238E27FC236}">
+                <a16:creationId xmlns:a16="http://schemas.microsoft.com/office/drawing/2014/main" id="{FA1E8366-5233-4A85-8CE2-A6441203982A}"/>
+              </a:ext>
+            </a:extLst>
+          </p:cNvPr>
+          <p:cNvCxnSpPr/>
+          <p:nvPr/>
+        </p:nvCxnSpPr>
+        <p:spPr>
+          <a:xfrm>
+            <a:off x="8424000" y="1224000"/>
+            <a:ext cx="72000" cy="0"/>
+          </a:xfrm>
+          <a:prstGeom prst="line">
+            <a:avLst/>
+          </a:prstGeom>
+          <a:ln w="12700" cap="sq">
+            <a:solidFill>
+              <a:schemeClr val="tx1"/>
+            </a:solidFill>
+          </a:ln>
+        </p:spPr>
+        <p:style>
+          <a:lnRef idx="1">
+            <a:schemeClr val="accent1"/>
+          </a:lnRef>
+          <a:fillRef idx="0">
+            <a:schemeClr val="accent1"/>
+          </a:fillRef>
+          <a:effectRef idx="0">
+            <a:schemeClr val="accent1"/>
+          </a:effectRef>
+          <a:fontRef idx="minor">
+            <a:schemeClr val="tx1"/>
+          </a:fontRef>
+        </p:style>
+      </p:cxnSp>
+      <mc:AlternateContent xmlns:mc="http://schemas.openxmlformats.org/markup-compatibility/2006">
+        <mc:Choice xmlns:a14="http://schemas.microsoft.com/office/drawing/2010/main" Requires="a14">
+          <p:sp>
+            <p:nvSpPr>
+              <p:cNvPr id="41" name="CasellaDiTesto 40">
+                <a:extLst>
+                  <a:ext uri="{FF2B5EF4-FFF2-40B4-BE49-F238E27FC236}">
+                    <a16:creationId xmlns:a16="http://schemas.microsoft.com/office/drawing/2014/main" id="{F9EBAB4D-D138-4F72-AA8D-D76707904256}"/>
+                  </a:ext>
+                </a:extLst>
+              </p:cNvPr>
+              <p:cNvSpPr txBox="1"/>
+              <p:nvPr/>
+            </p:nvSpPr>
+            <p:spPr>
+              <a:xfrm>
+                <a:off x="8218800" y="-96988"/>
+                <a:ext cx="540000" cy="369332"/>
+              </a:xfrm>
+              <a:prstGeom prst="rect">
+                <a:avLst/>
+              </a:prstGeom>
+              <a:noFill/>
+            </p:spPr>
+            <p:txBody>
+              <a:bodyPr wrap="square" rtlCol="0">
+                <a:spAutoFit/>
+              </a:bodyPr>
+              <a:lstStyle/>
+              <a:p>
+                <a:pPr algn="ctr"/>
+                <a14:m>
+                  <m:oMathPara xmlns:m="http://schemas.openxmlformats.org/officeDocument/2006/math">
+                    <m:oMathParaPr>
+                      <m:jc m:val="center"/>
+                    </m:oMathParaPr>
+                    <m:oMath xmlns:m="http://schemas.openxmlformats.org/officeDocument/2006/math">
+                      <m:r>
+                        <a:rPr lang="it-IT" b="0" i="1" smtClean="0">
+                          <a:latin typeface="Cambria Math" panose="02040503050406030204" pitchFamily="18" charset="0"/>
+                        </a:rPr>
+                        <m:t>𝑦</m:t>
+                      </m:r>
+                    </m:oMath>
+                  </m:oMathPara>
+                </a14:m>
+                <a:endParaRPr lang="it-IT" sz="1400" i="1" dirty="0"/>
+              </a:p>
+            </p:txBody>
+          </p:sp>
+        </mc:Choice>
+        <mc:Fallback>
+          <p:sp>
+            <p:nvSpPr>
+              <p:cNvPr id="41" name="CasellaDiTesto 40">
+                <a:extLst>
+                  <a:ext uri="{FF2B5EF4-FFF2-40B4-BE49-F238E27FC236}">
+                    <a16:creationId xmlns:a16="http://schemas.microsoft.com/office/drawing/2014/main" id="{F9EBAB4D-D138-4F72-AA8D-D76707904256}"/>
+                  </a:ext>
+                </a:extLst>
+              </p:cNvPr>
+              <p:cNvSpPr txBox="1">
+                <a:spLocks noRot="1" noChangeAspect="1" noMove="1" noResize="1" noEditPoints="1" noAdjustHandles="1" noChangeArrowheads="1" noChangeShapeType="1" noTextEdit="1"/>
+              </p:cNvSpPr>
+              <p:nvPr/>
+            </p:nvSpPr>
+            <p:spPr>
+              <a:xfrm>
+                <a:off x="8218800" y="-96988"/>
+                <a:ext cx="540000" cy="369332"/>
+              </a:xfrm>
+              <a:prstGeom prst="rect">
+                <a:avLst/>
+              </a:prstGeom>
+              <a:blipFill>
+                <a:blip r:embed="rId6"/>
+                <a:stretch>
+                  <a:fillRect b="-6557"/>
+                </a:stretch>
+              </a:blipFill>
+            </p:spPr>
+            <p:txBody>
+              <a:bodyPr/>
+              <a:lstStyle/>
+              <a:p>
+                <a:r>
+                  <a:rPr lang="it-IT">
+                    <a:noFill/>
+                  </a:rPr>
+                  <a:t> </a:t>
+                </a:r>
+              </a:p>
+            </p:txBody>
+          </p:sp>
+        </mc:Fallback>
+      </mc:AlternateContent>
+      <mc:AlternateContent xmlns:mc="http://schemas.openxmlformats.org/markup-compatibility/2006">
+        <mc:Choice xmlns:a14="http://schemas.microsoft.com/office/drawing/2010/main" Requires="a14">
+          <p:sp>
+            <p:nvSpPr>
+              <p:cNvPr id="42" name="CasellaDiTesto 41">
+                <a:extLst>
+                  <a:ext uri="{FF2B5EF4-FFF2-40B4-BE49-F238E27FC236}">
+                    <a16:creationId xmlns:a16="http://schemas.microsoft.com/office/drawing/2014/main" id="{6297F5ED-836D-470A-9990-4A434A86F732}"/>
+                  </a:ext>
+                </a:extLst>
+              </p:cNvPr>
+              <p:cNvSpPr txBox="1"/>
+              <p:nvPr/>
+            </p:nvSpPr>
+            <p:spPr>
+              <a:xfrm>
+                <a:off x="8361764" y="1033200"/>
+                <a:ext cx="486510" cy="369332"/>
+              </a:xfrm>
+              <a:prstGeom prst="rect">
+                <a:avLst/>
+              </a:prstGeom>
+              <a:noFill/>
+            </p:spPr>
+            <p:txBody>
+              <a:bodyPr wrap="square" rtlCol="0">
+                <a:spAutoFit/>
+              </a:bodyPr>
+              <a:lstStyle/>
+              <a:p>
+                <a:pPr algn="ctr"/>
+                <a14:m>
+                  <m:oMathPara xmlns:m="http://schemas.openxmlformats.org/officeDocument/2006/math">
+                    <m:oMathParaPr>
+                      <m:jc m:val="center"/>
+                    </m:oMathParaPr>
+                    <m:oMath xmlns:m="http://schemas.openxmlformats.org/officeDocument/2006/math">
+                      <m:r>
+                        <a:rPr lang="it-IT" b="0" i="1" smtClean="0">
+                          <a:latin typeface="Cambria Math" panose="02040503050406030204" pitchFamily="18" charset="0"/>
+                        </a:rPr>
+                        <m:t>0</m:t>
+                      </m:r>
+                    </m:oMath>
+                  </m:oMathPara>
+                </a14:m>
+                <a:endParaRPr lang="it-IT" sz="1400" i="1" dirty="0"/>
+              </a:p>
+            </p:txBody>
+          </p:sp>
+        </mc:Choice>
+        <mc:Fallback>
+          <p:sp>
+            <p:nvSpPr>
+              <p:cNvPr id="42" name="CasellaDiTesto 41">
+                <a:extLst>
+                  <a:ext uri="{FF2B5EF4-FFF2-40B4-BE49-F238E27FC236}">
+                    <a16:creationId xmlns:a16="http://schemas.microsoft.com/office/drawing/2014/main" id="{6297F5ED-836D-470A-9990-4A434A86F732}"/>
+                  </a:ext>
+                </a:extLst>
+              </p:cNvPr>
+              <p:cNvSpPr txBox="1">
+                <a:spLocks noRot="1" noChangeAspect="1" noMove="1" noResize="1" noEditPoints="1" noAdjustHandles="1" noChangeArrowheads="1" noChangeShapeType="1" noTextEdit="1"/>
+              </p:cNvSpPr>
+              <p:nvPr/>
+            </p:nvSpPr>
+            <p:spPr>
+              <a:xfrm>
+                <a:off x="8361764" y="1033200"/>
+                <a:ext cx="486510" cy="369332"/>
+              </a:xfrm>
+              <a:prstGeom prst="rect">
+                <a:avLst/>
+              </a:prstGeom>
+              <a:blipFill>
+                <a:blip r:embed="rId7"/>
+                <a:stretch>
+                  <a:fillRect/>
+                </a:stretch>
+              </a:blipFill>
+            </p:spPr>
+            <p:txBody>
+              <a:bodyPr/>
+              <a:lstStyle/>
+              <a:p>
+                <a:r>
+                  <a:rPr lang="it-IT">
+                    <a:noFill/>
+                  </a:rPr>
+                  <a:t> </a:t>
+                </a:r>
+              </a:p>
+            </p:txBody>
+          </p:sp>
+        </mc:Fallback>
+      </mc:AlternateContent>
+      <mc:AlternateContent xmlns:mc="http://schemas.openxmlformats.org/markup-compatibility/2006" xmlns:a14="http://schemas.microsoft.com/office/drawing/2010/main">
+        <mc:Choice Requires="a14">
+          <p:sp>
+            <p:nvSpPr>
+              <p:cNvPr id="38" name="CasellaDiTesto 37">
+                <a:extLst>
+                  <a:ext uri="{FF2B5EF4-FFF2-40B4-BE49-F238E27FC236}">
+                    <a16:creationId xmlns:a16="http://schemas.microsoft.com/office/drawing/2014/main" id="{33B5B7FF-FFEF-4959-B95E-D77C2412BB70}"/>
+                  </a:ext>
+                </a:extLst>
+              </p:cNvPr>
+              <p:cNvSpPr txBox="1"/>
+              <p:nvPr/>
+            </p:nvSpPr>
+            <p:spPr>
+              <a:xfrm>
+                <a:off x="143629" y="1416989"/>
+                <a:ext cx="486510" cy="369332"/>
+              </a:xfrm>
+              <a:prstGeom prst="rect">
+                <a:avLst/>
+              </a:prstGeom>
+              <a:noFill/>
+            </p:spPr>
+            <p:txBody>
+              <a:bodyPr wrap="square" rtlCol="0">
+                <a:spAutoFit/>
+              </a:bodyPr>
+              <a:lstStyle/>
+              <a:p>
+                <a:pPr algn="ctr"/>
+                <a14:m>
+                  <m:oMathPara xmlns:m="http://schemas.openxmlformats.org/officeDocument/2006/math">
+                    <m:oMathParaPr>
+                      <m:jc m:val="center"/>
+                    </m:oMathParaPr>
+                    <m:oMath xmlns:m="http://schemas.openxmlformats.org/officeDocument/2006/math">
+                      <m:r>
+                        <a:rPr lang="it-IT" b="0" i="1" smtClean="0">
+                          <a:latin typeface="Cambria Math" panose="02040503050406030204" pitchFamily="18" charset="0"/>
+                        </a:rPr>
+                        <m:t>0</m:t>
+                      </m:r>
+                    </m:oMath>
+                  </m:oMathPara>
+                </a14:m>
+                <a:endParaRPr lang="it-IT" sz="1400" i="1" dirty="0"/>
+              </a:p>
+            </p:txBody>
+          </p:sp>
+        </mc:Choice>
+        <mc:Fallback xmlns="">
+          <p:sp>
+            <p:nvSpPr>
+              <p:cNvPr id="38" name="CasellaDiTesto 37">
+                <a:extLst>
+                  <a:ext uri="{FF2B5EF4-FFF2-40B4-BE49-F238E27FC236}">
+                    <a16:creationId xmlns:a16="http://schemas.microsoft.com/office/drawing/2014/main" id="{33B5B7FF-FFEF-4959-B95E-D77C2412BB70}"/>
+                  </a:ext>
+                </a:extLst>
+              </p:cNvPr>
+              <p:cNvSpPr txBox="1">
+                <a:spLocks noRot="1" noChangeAspect="1" noMove="1" noResize="1" noEditPoints="1" noAdjustHandles="1" noChangeArrowheads="1" noChangeShapeType="1" noTextEdit="1"/>
+              </p:cNvSpPr>
+              <p:nvPr/>
+            </p:nvSpPr>
+            <p:spPr>
+              <a:xfrm>
+                <a:off x="143629" y="1416989"/>
+                <a:ext cx="486510" cy="369332"/>
+              </a:xfrm>
+              <a:prstGeom prst="rect">
+                <a:avLst/>
+              </a:prstGeom>
+              <a:blipFill>
+                <a:blip r:embed="rId8"/>
+                <a:stretch>
+                  <a:fillRect/>
+                </a:stretch>
+              </a:blipFill>
+            </p:spPr>
+            <p:txBody>
+              <a:bodyPr/>
+              <a:lstStyle/>
+              <a:p>
+                <a:r>
+                  <a:rPr lang="it-IT">
+                    <a:noFill/>
+                  </a:rPr>
+                  <a:t> </a:t>
+                </a:r>
+              </a:p>
+            </p:txBody>
+          </p:sp>
+        </mc:Fallback>
+      </mc:AlternateContent>
+      <p:cxnSp>
+        <p:nvCxnSpPr>
+          <p:cNvPr id="43" name="Connettore 2 42">
+            <a:extLst>
+              <a:ext uri="{FF2B5EF4-FFF2-40B4-BE49-F238E27FC236}">
+                <a16:creationId xmlns:a16="http://schemas.microsoft.com/office/drawing/2014/main" id="{9E20FFC2-DA5E-461C-BBFD-D0D4397F3B78}"/>
+              </a:ext>
+            </a:extLst>
+          </p:cNvPr>
+          <p:cNvCxnSpPr/>
+          <p:nvPr/>
+        </p:nvCxnSpPr>
+        <p:spPr>
+          <a:xfrm>
+            <a:off x="252000" y="1440000"/>
+            <a:ext cx="1260000" cy="0"/>
+          </a:xfrm>
+          <a:prstGeom prst="straightConnector1">
+            <a:avLst/>
+          </a:prstGeom>
+          <a:ln w="12700">
+            <a:solidFill>
+              <a:schemeClr val="tx1"/>
+            </a:solidFill>
+            <a:headEnd type="none"/>
+            <a:tailEnd type="arrow"/>
+          </a:ln>
+        </p:spPr>
+        <p:style>
+          <a:lnRef idx="1">
+            <a:schemeClr val="accent1"/>
+          </a:lnRef>
+          <a:fillRef idx="0">
+            <a:schemeClr val="accent1"/>
+          </a:fillRef>
+          <a:effectRef idx="0">
+            <a:schemeClr val="accent1"/>
+          </a:effectRef>
+          <a:fontRef idx="minor">
+            <a:schemeClr val="tx1"/>
+          </a:fontRef>
+        </p:style>
+      </p:cxnSp>
+      <p:cxnSp>
+        <p:nvCxnSpPr>
+          <p:cNvPr id="44" name="Connettore diritto 43">
+            <a:extLst>
+              <a:ext uri="{FF2B5EF4-FFF2-40B4-BE49-F238E27FC236}">
+                <a16:creationId xmlns:a16="http://schemas.microsoft.com/office/drawing/2014/main" id="{EEB4B92D-67BC-44E3-B5F1-C3072B0FDD04}"/>
+              </a:ext>
+            </a:extLst>
+          </p:cNvPr>
+          <p:cNvCxnSpPr/>
+          <p:nvPr/>
+        </p:nvCxnSpPr>
+        <p:spPr>
+          <a:xfrm>
+            <a:off x="360000" y="1404000"/>
+            <a:ext cx="0" cy="72000"/>
+          </a:xfrm>
+          <a:prstGeom prst="line">
+            <a:avLst/>
+          </a:prstGeom>
+          <a:ln w="12700" cap="sq">
+            <a:solidFill>
+              <a:schemeClr val="tx1"/>
+            </a:solidFill>
+          </a:ln>
+        </p:spPr>
+        <p:style>
+          <a:lnRef idx="1">
+            <a:schemeClr val="accent1"/>
+          </a:lnRef>
+          <a:fillRef idx="0">
+            <a:schemeClr val="accent1"/>
+          </a:fillRef>
+          <a:effectRef idx="0">
+            <a:schemeClr val="accent1"/>
+          </a:effectRef>
+          <a:fontRef idx="minor">
+            <a:schemeClr val="tx1"/>
+          </a:fontRef>
+        </p:style>
+      </p:cxnSp>
+      <mc:AlternateContent xmlns:mc="http://schemas.openxmlformats.org/markup-compatibility/2006" xmlns:a14="http://schemas.microsoft.com/office/drawing/2010/main">
+        <mc:Choice Requires="a14">
+          <p:sp>
+            <p:nvSpPr>
+              <p:cNvPr id="45" name="CasellaDiTesto 44">
+                <a:extLst>
+                  <a:ext uri="{FF2B5EF4-FFF2-40B4-BE49-F238E27FC236}">
+                    <a16:creationId xmlns:a16="http://schemas.microsoft.com/office/drawing/2014/main" id="{B6F71516-4FDD-4D99-981C-6242CEA5595D}"/>
+                  </a:ext>
+                </a:extLst>
+              </p:cNvPr>
+              <p:cNvSpPr txBox="1"/>
+              <p:nvPr/>
+            </p:nvSpPr>
+            <p:spPr>
+              <a:xfrm>
+                <a:off x="1368000" y="1248567"/>
+                <a:ext cx="540000" cy="369332"/>
+              </a:xfrm>
+              <a:prstGeom prst="rect">
+                <a:avLst/>
+              </a:prstGeom>
+              <a:noFill/>
+            </p:spPr>
+            <p:txBody>
+              <a:bodyPr wrap="square" rtlCol="0">
+                <a:spAutoFit/>
+              </a:bodyPr>
+              <a:lstStyle/>
+              <a:p>
+                <a:pPr algn="ctr"/>
+                <a14:m>
+                  <m:oMathPara xmlns:m="http://schemas.openxmlformats.org/officeDocument/2006/math">
+                    <m:oMathParaPr>
+                      <m:jc m:val="center"/>
+                    </m:oMathParaPr>
+                    <m:oMath xmlns:m="http://schemas.openxmlformats.org/officeDocument/2006/math">
+                      <m:r>
+                        <a:rPr lang="it-IT" b="0" i="1" smtClean="0">
+                          <a:latin typeface="Cambria Math" panose="02040503050406030204" pitchFamily="18" charset="0"/>
+                        </a:rPr>
+                        <m:t>𝑥</m:t>
+                      </m:r>
+                    </m:oMath>
+                  </m:oMathPara>
+                </a14:m>
+                <a:endParaRPr lang="it-IT" sz="1400" i="1" dirty="0"/>
+              </a:p>
+            </p:txBody>
+          </p:sp>
+        </mc:Choice>
+        <mc:Fallback xmlns="">
+          <p:sp>
+            <p:nvSpPr>
+              <p:cNvPr id="45" name="CasellaDiTesto 44">
+                <a:extLst>
+                  <a:ext uri="{FF2B5EF4-FFF2-40B4-BE49-F238E27FC236}">
+                    <a16:creationId xmlns:a16="http://schemas.microsoft.com/office/drawing/2014/main" id="{B6F71516-4FDD-4D99-981C-6242CEA5595D}"/>
+                  </a:ext>
+                </a:extLst>
+              </p:cNvPr>
+              <p:cNvSpPr txBox="1">
+                <a:spLocks noRot="1" noChangeAspect="1" noMove="1" noResize="1" noEditPoints="1" noAdjustHandles="1" noChangeArrowheads="1" noChangeShapeType="1" noTextEdit="1"/>
+              </p:cNvSpPr>
+              <p:nvPr/>
+            </p:nvSpPr>
+            <p:spPr>
+              <a:xfrm>
+                <a:off x="1368000" y="1248567"/>
+                <a:ext cx="540000" cy="369332"/>
+              </a:xfrm>
+              <a:prstGeom prst="rect">
+                <a:avLst/>
+              </a:prstGeom>
+              <a:blipFill>
+                <a:blip r:embed="rId9"/>
+                <a:stretch>
+                  <a:fillRect/>
+                </a:stretch>
+              </a:blipFill>
+            </p:spPr>
+            <p:txBody>
+              <a:bodyPr/>
+              <a:lstStyle/>
+              <a:p>
+                <a:r>
+                  <a:rPr lang="it-IT">
+                    <a:noFill/>
+                  </a:rPr>
+                  <a:t> </a:t>
+                </a:r>
+              </a:p>
+            </p:txBody>
+          </p:sp>
+        </mc:Fallback>
+      </mc:AlternateContent>
+      <p:cxnSp>
+        <p:nvCxnSpPr>
+          <p:cNvPr id="46" name="Connettore diritto 45">
+            <a:extLst>
+              <a:ext uri="{FF2B5EF4-FFF2-40B4-BE49-F238E27FC236}">
+                <a16:creationId xmlns:a16="http://schemas.microsoft.com/office/drawing/2014/main" id="{8D1D970B-39B6-490F-9E83-C2D3C9221CE6}"/>
+              </a:ext>
+            </a:extLst>
+          </p:cNvPr>
+          <p:cNvCxnSpPr/>
+          <p:nvPr/>
+        </p:nvCxnSpPr>
+        <p:spPr>
+          <a:xfrm>
+            <a:off x="6120000" y="1224000"/>
+            <a:ext cx="720000" cy="0"/>
+          </a:xfrm>
+          <a:prstGeom prst="line">
+            <a:avLst/>
+          </a:prstGeom>
+          <a:ln w="12700" cap="sq">
+            <a:solidFill>
+              <a:srgbClr val="00B050"/>
+            </a:solidFill>
+          </a:ln>
+        </p:spPr>
+        <p:style>
+          <a:lnRef idx="1">
+            <a:schemeClr val="dk1"/>
+          </a:lnRef>
+          <a:fillRef idx="0">
+            <a:schemeClr val="dk1"/>
+          </a:fillRef>
+          <a:effectRef idx="0">
+            <a:schemeClr val="dk1"/>
+          </a:effectRef>
+          <a:fontRef idx="minor">
+            <a:schemeClr val="tx1"/>
+          </a:fontRef>
+        </p:style>
+      </p:cxnSp>
+      <mc:AlternateContent xmlns:mc="http://schemas.openxmlformats.org/markup-compatibility/2006">
+        <mc:Choice xmlns:a14="http://schemas.microsoft.com/office/drawing/2010/main" Requires="a14">
+          <p:sp>
+            <p:nvSpPr>
+              <p:cNvPr id="47" name="CasellaDiTesto 46">
+                <a:extLst>
+                  <a:ext uri="{FF2B5EF4-FFF2-40B4-BE49-F238E27FC236}">
+                    <a16:creationId xmlns:a16="http://schemas.microsoft.com/office/drawing/2014/main" id="{07DFA70C-DC68-425A-AC23-0E13E4DA7578}"/>
+                  </a:ext>
+                </a:extLst>
+              </p:cNvPr>
+              <p:cNvSpPr txBox="1"/>
+              <p:nvPr/>
+            </p:nvSpPr>
+            <p:spPr>
+              <a:xfrm>
+                <a:off x="6118776" y="751728"/>
+                <a:ext cx="720000" cy="369332"/>
+              </a:xfrm>
+              <a:prstGeom prst="rect">
+                <a:avLst/>
+              </a:prstGeom>
+              <a:noFill/>
+            </p:spPr>
+            <p:txBody>
+              <a:bodyPr wrap="square" rtlCol="0">
+                <a:spAutoFit/>
+              </a:bodyPr>
+              <a:lstStyle/>
+              <a:p>
+                <a:pPr algn="ctr"/>
+                <a14:m>
+                  <m:oMathPara xmlns:m="http://schemas.openxmlformats.org/officeDocument/2006/math">
+                    <m:oMathParaPr>
+                      <m:jc m:val="center"/>
+                    </m:oMathParaPr>
+                    <m:oMath xmlns:m="http://schemas.openxmlformats.org/officeDocument/2006/math">
+                      <m:sSub>
+                        <m:sSubPr>
+                          <m:ctrlPr>
+                            <a:rPr lang="el-GR" i="1" smtClean="0">
+                              <a:latin typeface="Cambria Math" panose="02040503050406030204" pitchFamily="18" charset="0"/>
+                            </a:rPr>
+                          </m:ctrlPr>
+                        </m:sSubPr>
+                        <m:e>
+                          <m:r>
+                            <m:rPr>
+                              <m:sty m:val="p"/>
+                            </m:rPr>
+                            <a:rPr lang="el-GR" i="1">
+                              <a:latin typeface="Cambria Math" panose="02040503050406030204" pitchFamily="18" charset="0"/>
+                            </a:rPr>
+                            <m:t>Γ</m:t>
+                          </m:r>
+                        </m:e>
+                        <m:sub>
+                          <m:r>
+                            <m:rPr>
+                              <m:sty m:val="p"/>
+                            </m:rPr>
+                            <a:rPr lang="it-IT" b="0" i="0" smtClean="0">
+                              <a:latin typeface="Cambria Math" panose="02040503050406030204" pitchFamily="18" charset="0"/>
+                            </a:rPr>
+                            <m:t>int</m:t>
+                          </m:r>
+                        </m:sub>
+                      </m:sSub>
+                    </m:oMath>
+                  </m:oMathPara>
+                </a14:m>
+                <a:endParaRPr lang="it-IT" sz="1600" i="1" dirty="0"/>
+              </a:p>
+            </p:txBody>
+          </p:sp>
+        </mc:Choice>
+        <mc:Fallback>
+          <p:sp>
+            <p:nvSpPr>
+              <p:cNvPr id="47" name="CasellaDiTesto 46">
+                <a:extLst>
+                  <a:ext uri="{FF2B5EF4-FFF2-40B4-BE49-F238E27FC236}">
+                    <a16:creationId xmlns:a16="http://schemas.microsoft.com/office/drawing/2014/main" id="{07DFA70C-DC68-425A-AC23-0E13E4DA7578}"/>
+                  </a:ext>
+                </a:extLst>
+              </p:cNvPr>
+              <p:cNvSpPr txBox="1">
+                <a:spLocks noRot="1" noChangeAspect="1" noMove="1" noResize="1" noEditPoints="1" noAdjustHandles="1" noChangeArrowheads="1" noChangeShapeType="1" noTextEdit="1"/>
+              </p:cNvSpPr>
+              <p:nvPr/>
+            </p:nvSpPr>
+            <p:spPr>
+              <a:xfrm>
+                <a:off x="6118776" y="751728"/>
+                <a:ext cx="720000" cy="369332"/>
+              </a:xfrm>
+              <a:prstGeom prst="rect">
+                <a:avLst/>
+              </a:prstGeom>
+              <a:blipFill>
+                <a:blip r:embed="rId10"/>
+                <a:stretch>
+                  <a:fillRect/>
+                </a:stretch>
+              </a:blipFill>
+            </p:spPr>
+            <p:txBody>
+              <a:bodyPr/>
+              <a:lstStyle/>
+              <a:p>
+                <a:r>
+                  <a:rPr lang="it-IT">
+                    <a:noFill/>
+                  </a:rPr>
+                  <a:t> </a:t>
+                </a:r>
+              </a:p>
+            </p:txBody>
+          </p:sp>
+        </mc:Fallback>
+      </mc:AlternateContent>
+      <mc:AlternateContent xmlns:mc="http://schemas.openxmlformats.org/markup-compatibility/2006">
+        <mc:Choice xmlns:a14="http://schemas.microsoft.com/office/drawing/2010/main" Requires="a14">
+          <p:sp>
+            <p:nvSpPr>
+              <p:cNvPr id="48" name="CasellaDiTesto 47">
+                <a:extLst>
+                  <a:ext uri="{FF2B5EF4-FFF2-40B4-BE49-F238E27FC236}">
+                    <a16:creationId xmlns:a16="http://schemas.microsoft.com/office/drawing/2014/main" id="{EEF43F02-9CEC-40AD-95D0-852A52B53886}"/>
+                  </a:ext>
+                </a:extLst>
+              </p:cNvPr>
+              <p:cNvSpPr txBox="1"/>
+              <p:nvPr/>
+            </p:nvSpPr>
+            <p:spPr>
+              <a:xfrm>
+                <a:off x="6298778" y="1152000"/>
+                <a:ext cx="540000" cy="369332"/>
+              </a:xfrm>
+              <a:prstGeom prst="rect">
+                <a:avLst/>
+              </a:prstGeom>
+              <a:noFill/>
+            </p:spPr>
+            <p:txBody>
+              <a:bodyPr wrap="square" rtlCol="0">
+                <a:spAutoFit/>
+              </a:bodyPr>
+              <a:lstStyle/>
+              <a:p>
+                <a:pPr algn="ctr"/>
+                <a14:m>
+                  <m:oMathPara xmlns:m="http://schemas.openxmlformats.org/officeDocument/2006/math">
+                    <m:oMathParaPr>
+                      <m:jc m:val="center"/>
+                    </m:oMathParaPr>
+                    <m:oMath xmlns:m="http://schemas.openxmlformats.org/officeDocument/2006/math">
+                      <m:sSub>
+                        <m:sSubPr>
+                          <m:ctrlPr>
+                            <a:rPr lang="el-GR" i="1" smtClean="0">
+                              <a:latin typeface="Cambria Math" panose="02040503050406030204" pitchFamily="18" charset="0"/>
+                            </a:rPr>
+                          </m:ctrlPr>
+                        </m:sSubPr>
+                        <m:e>
+                          <m:r>
+                            <m:rPr>
+                              <m:sty m:val="p"/>
+                            </m:rPr>
+                            <a:rPr lang="el-GR" i="1">
+                              <a:latin typeface="Cambria Math" panose="02040503050406030204" pitchFamily="18" charset="0"/>
+                            </a:rPr>
+                            <m:t>Γ</m:t>
+                          </m:r>
+                        </m:e>
+                        <m:sub>
+                          <m:r>
+                            <m:rPr>
+                              <m:sty m:val="p"/>
+                            </m:rPr>
+                            <a:rPr lang="it-IT" b="0" i="0" smtClean="0">
+                              <a:latin typeface="Cambria Math" panose="02040503050406030204" pitchFamily="18" charset="0"/>
+                            </a:rPr>
+                            <m:t>base</m:t>
+                          </m:r>
+                        </m:sub>
+                      </m:sSub>
+                    </m:oMath>
+                  </m:oMathPara>
+                </a14:m>
+                <a:endParaRPr lang="it-IT" sz="1600" i="1" dirty="0"/>
+              </a:p>
+            </p:txBody>
+          </p:sp>
+        </mc:Choice>
+        <mc:Fallback>
+          <p:sp>
+            <p:nvSpPr>
+              <p:cNvPr id="48" name="CasellaDiTesto 47">
+                <a:extLst>
+                  <a:ext uri="{FF2B5EF4-FFF2-40B4-BE49-F238E27FC236}">
+                    <a16:creationId xmlns:a16="http://schemas.microsoft.com/office/drawing/2014/main" id="{EEF43F02-9CEC-40AD-95D0-852A52B53886}"/>
+                  </a:ext>
+                </a:extLst>
+              </p:cNvPr>
+              <p:cNvSpPr txBox="1">
+                <a:spLocks noRot="1" noChangeAspect="1" noMove="1" noResize="1" noEditPoints="1" noAdjustHandles="1" noChangeArrowheads="1" noChangeShapeType="1" noTextEdit="1"/>
+              </p:cNvSpPr>
+              <p:nvPr/>
+            </p:nvSpPr>
+            <p:spPr>
+              <a:xfrm>
+                <a:off x="6298778" y="1152000"/>
+                <a:ext cx="540000" cy="369332"/>
+              </a:xfrm>
+              <a:prstGeom prst="rect">
+                <a:avLst/>
+              </a:prstGeom>
+              <a:blipFill>
+                <a:blip r:embed="rId11"/>
+                <a:stretch>
+                  <a:fillRect l="-13483"/>
+                </a:stretch>
+              </a:blipFill>
+            </p:spPr>
+            <p:txBody>
+              <a:bodyPr/>
+              <a:lstStyle/>
+              <a:p>
+                <a:r>
+                  <a:rPr lang="it-IT">
+                    <a:noFill/>
+                  </a:rPr>
+                  <a:t> </a:t>
+                </a:r>
+              </a:p>
+            </p:txBody>
+          </p:sp>
+        </mc:Fallback>
+      </mc:AlternateContent>
+    </p:spTree>
+    <p:extLst>
+      <p:ext uri="{BB962C8B-B14F-4D97-AF65-F5344CB8AC3E}">
+        <p14:creationId xmlns:p14="http://schemas.microsoft.com/office/powerpoint/2010/main" val="2494552174"/>
+      </p:ext>
+    </p:extLst>
+  </p:cSld>
+  <p:clrMapOvr>
+    <a:masterClrMapping/>
+  </p:clrMapOvr>
+</p:sld>
+</file>
+
+<file path=ppt/slides/slide15.xml><?xml version="1.0" encoding="utf-8"?>
+<p:sld xmlns:a="http://schemas.openxmlformats.org/drawingml/2006/main" xmlns:r="http://schemas.openxmlformats.org/officeDocument/2006/relationships" xmlns:p="http://schemas.openxmlformats.org/presentationml/2006/main">
+  <p:cSld>
+    <p:spTree>
+      <p:nvGrpSpPr>
+        <p:cNvPr id="1" name=""/>
+        <p:cNvGrpSpPr/>
+        <p:nvPr/>
+      </p:nvGrpSpPr>
+      <p:grpSpPr>
+        <a:xfrm>
+          <a:off x="0" y="0"/>
+          <a:ext cx="0" cy="0"/>
+          <a:chOff x="0" y="0"/>
+          <a:chExt cx="0" cy="0"/>
+        </a:xfrm>
+      </p:grpSpPr>
+      <p:sp>
+        <p:nvSpPr>
           <p:cNvPr id="32" name="CasellaDiTesto 31">
             <a:extLst>
               <a:ext uri="{FF2B5EF4-FFF2-40B4-BE49-F238E27FC236}">
@@ -18130,7 +20192,7 @@
 </p:sld>
 </file>
 
-<file path=ppt/slides/slide15.xml><?xml version="1.0" encoding="utf-8"?>
+<file path=ppt/slides/slide16.xml><?xml version="1.0" encoding="utf-8"?>
 <p:sld xmlns:a="http://schemas.openxmlformats.org/drawingml/2006/main" xmlns:r="http://schemas.openxmlformats.org/officeDocument/2006/relationships" xmlns:p="http://schemas.openxmlformats.org/presentationml/2006/main">
   <p:cSld>
     <p:spTree>
@@ -19671,7 +21733,7 @@
 </p:sld>
 </file>
 
-<file path=ppt/slides/slide16.xml><?xml version="1.0" encoding="utf-8"?>
+<file path=ppt/slides/slide17.xml><?xml version="1.0" encoding="utf-8"?>
 <p:sld xmlns:a="http://schemas.openxmlformats.org/drawingml/2006/main" xmlns:r="http://schemas.openxmlformats.org/officeDocument/2006/relationships" xmlns:p="http://schemas.openxmlformats.org/presentationml/2006/main">
   <p:cSld>
     <p:spTree>
@@ -23111,7 +25173,7 @@
 </p:sld>
 </file>
 
-<file path=ppt/slides/slide17.xml><?xml version="1.0" encoding="utf-8"?>
+<file path=ppt/slides/slide18.xml><?xml version="1.0" encoding="utf-8"?>
 <p:sld xmlns:a="http://schemas.openxmlformats.org/drawingml/2006/main" xmlns:r="http://schemas.openxmlformats.org/officeDocument/2006/relationships" xmlns:p="http://schemas.openxmlformats.org/presentationml/2006/main">
   <p:cSld>
     <p:spTree>
@@ -27477,7 +29539,7 @@
 </p:sld>
 </file>
 
-<file path=ppt/slides/slide18.xml><?xml version="1.0" encoding="utf-8"?>
+<file path=ppt/slides/slide19.xml><?xml version="1.0" encoding="utf-8"?>
 <p:sld xmlns:a="http://schemas.openxmlformats.org/drawingml/2006/main" xmlns:r="http://schemas.openxmlformats.org/officeDocument/2006/relationships" xmlns:p="http://schemas.openxmlformats.org/presentationml/2006/main">
   <p:cSld>
     <p:spTree>
@@ -27945,7 +30007,572 @@
 </p:sld>
 </file>
 
-<file path=ppt/slides/slide19.xml><?xml version="1.0" encoding="utf-8"?>
+<file path=ppt/slides/slide2.xml><?xml version="1.0" encoding="utf-8"?>
+<p:sld xmlns:a="http://schemas.openxmlformats.org/drawingml/2006/main" xmlns:r="http://schemas.openxmlformats.org/officeDocument/2006/relationships" xmlns:p="http://schemas.openxmlformats.org/presentationml/2006/main">
+  <p:cSld>
+    <p:spTree>
+      <p:nvGrpSpPr>
+        <p:cNvPr id="1" name=""/>
+        <p:cNvGrpSpPr/>
+        <p:nvPr/>
+      </p:nvGrpSpPr>
+      <p:grpSpPr>
+        <a:xfrm>
+          <a:off x="0" y="0"/>
+          <a:ext cx="0" cy="0"/>
+          <a:chOff x="0" y="0"/>
+          <a:chExt cx="0" cy="0"/>
+        </a:xfrm>
+      </p:grpSpPr>
+      <p:grpSp>
+        <p:nvGrpSpPr>
+          <p:cNvPr id="14" name="Gruppo 13">
+            <a:extLst>
+              <a:ext uri="{FF2B5EF4-FFF2-40B4-BE49-F238E27FC236}">
+                <a16:creationId xmlns:a16="http://schemas.microsoft.com/office/drawing/2014/main" id="{8B812CBD-3474-4169-9F0B-34C79F892890}"/>
+              </a:ext>
+            </a:extLst>
+          </p:cNvPr>
+          <p:cNvGrpSpPr/>
+          <p:nvPr/>
+        </p:nvGrpSpPr>
+        <p:grpSpPr>
+          <a:xfrm>
+            <a:off x="0" y="127901"/>
+            <a:ext cx="12192000" cy="6602198"/>
+            <a:chOff x="0" y="127901"/>
+            <a:chExt cx="12192000" cy="6602198"/>
+          </a:xfrm>
+        </p:grpSpPr>
+        <p:pic>
+          <p:nvPicPr>
+            <p:cNvPr id="5" name="Immagine 4">
+              <a:extLst>
+                <a:ext uri="{FF2B5EF4-FFF2-40B4-BE49-F238E27FC236}">
+                  <a16:creationId xmlns:a16="http://schemas.microsoft.com/office/drawing/2014/main" id="{D9B810F3-CD02-4810-BA5E-D4CDC2EDDD88}"/>
+                </a:ext>
+              </a:extLst>
+            </p:cNvPr>
+            <p:cNvPicPr>
+              <a:picLocks noChangeAspect="1"/>
+            </p:cNvPicPr>
+            <p:nvPr/>
+          </p:nvPicPr>
+          <p:blipFill>
+            <a:blip r:embed="rId2">
+              <a:extLst>
+                <a:ext uri="{28A0092B-C50C-407E-A947-70E740481C1C}">
+                  <a14:useLocalDpi xmlns:a14="http://schemas.microsoft.com/office/drawing/2010/main" val="0"/>
+                </a:ext>
+              </a:extLst>
+            </a:blip>
+            <a:stretch>
+              <a:fillRect/>
+            </a:stretch>
+          </p:blipFill>
+          <p:spPr>
+            <a:xfrm>
+              <a:off x="0" y="127901"/>
+              <a:ext cx="12192000" cy="6602198"/>
+            </a:xfrm>
+            <a:prstGeom prst="rect">
+              <a:avLst/>
+            </a:prstGeom>
+          </p:spPr>
+        </p:pic>
+        <mc:AlternateContent xmlns:mc="http://schemas.openxmlformats.org/markup-compatibility/2006" xmlns:a14="http://schemas.microsoft.com/office/drawing/2010/main">
+          <mc:Choice Requires="a14">
+            <p:sp>
+              <p:nvSpPr>
+                <p:cNvPr id="6" name="CasellaDiTesto 5">
+                  <a:extLst>
+                    <a:ext uri="{FF2B5EF4-FFF2-40B4-BE49-F238E27FC236}">
+                      <a16:creationId xmlns:a16="http://schemas.microsoft.com/office/drawing/2014/main" id="{059B17EF-F48B-441A-82C0-AB30A82947AF}"/>
+                    </a:ext>
+                  </a:extLst>
+                </p:cNvPr>
+                <p:cNvSpPr txBox="1"/>
+                <p:nvPr/>
+              </p:nvSpPr>
+              <p:spPr>
+                <a:xfrm>
+                  <a:off x="8611297" y="1981295"/>
+                  <a:ext cx="386644" cy="313350"/>
+                </a:xfrm>
+                <a:prstGeom prst="rect">
+                  <a:avLst/>
+                </a:prstGeom>
+                <a:solidFill>
+                  <a:schemeClr val="bg1"/>
+                </a:solidFill>
+                <a:effectLst>
+                  <a:softEdge rad="25400"/>
+                </a:effectLst>
+              </p:spPr>
+              <p:txBody>
+                <a:bodyPr wrap="none" lIns="0" tIns="0" rIns="0" bIns="36000" rtlCol="0">
+                  <a:spAutoFit/>
+                </a:bodyPr>
+                <a:lstStyle/>
+                <a:p>
+                  <a:pPr/>
+                  <a14:m>
+                    <m:oMathPara xmlns:m="http://schemas.openxmlformats.org/officeDocument/2006/math">
+                      <m:oMathParaPr>
+                        <m:jc m:val="centerGroup"/>
+                      </m:oMathParaPr>
+                      <m:oMath xmlns:m="http://schemas.openxmlformats.org/officeDocument/2006/math">
+                        <m:sSub>
+                          <m:sSubPr>
+                            <m:ctrlPr>
+                              <a:rPr lang="el-GR" i="1" smtClean="0">
+                                <a:latin typeface="Cambria Math" panose="02040503050406030204" pitchFamily="18" charset="0"/>
+                                <a:ea typeface="Cambria Math" panose="02040503050406030204" pitchFamily="18" charset="0"/>
+                              </a:rPr>
+                            </m:ctrlPr>
+                          </m:sSubPr>
+                          <m:e>
+                            <m:r>
+                              <m:rPr>
+                                <m:sty m:val="p"/>
+                              </m:rPr>
+                              <a:rPr lang="el-GR" i="1" smtClean="0">
+                                <a:latin typeface="Cambria Math" panose="02040503050406030204" pitchFamily="18" charset="0"/>
+                                <a:ea typeface="Cambria Math" panose="02040503050406030204" pitchFamily="18" charset="0"/>
+                              </a:rPr>
+                              <m:t>Γ</m:t>
+                            </m:r>
+                          </m:e>
+                          <m:sub>
+                            <m:r>
+                              <m:rPr>
+                                <m:sty m:val="p"/>
+                              </m:rPr>
+                              <a:rPr lang="it-IT" b="0" i="0" smtClean="0">
+                                <a:latin typeface="Cambria Math" panose="02040503050406030204" pitchFamily="18" charset="0"/>
+                                <a:ea typeface="Cambria Math" panose="02040503050406030204" pitchFamily="18" charset="0"/>
+                              </a:rPr>
+                              <m:t>int</m:t>
+                            </m:r>
+                          </m:sub>
+                        </m:sSub>
+                      </m:oMath>
+                    </m:oMathPara>
+                  </a14:m>
+                  <a:endParaRPr lang="it-IT" dirty="0"/>
+                </a:p>
+              </p:txBody>
+            </p:sp>
+          </mc:Choice>
+          <mc:Fallback xmlns="">
+            <p:sp>
+              <p:nvSpPr>
+                <p:cNvPr id="6" name="CasellaDiTesto 5">
+                  <a:extLst>
+                    <a:ext uri="{FF2B5EF4-FFF2-40B4-BE49-F238E27FC236}">
+                      <a16:creationId xmlns:a16="http://schemas.microsoft.com/office/drawing/2014/main" id="{059B17EF-F48B-441A-82C0-AB30A82947AF}"/>
+                    </a:ext>
+                  </a:extLst>
+                </p:cNvPr>
+                <p:cNvSpPr txBox="1">
+                  <a:spLocks noRot="1" noChangeAspect="1" noMove="1" noResize="1" noEditPoints="1" noAdjustHandles="1" noChangeArrowheads="1" noChangeShapeType="1" noTextEdit="1"/>
+                </p:cNvSpPr>
+                <p:nvPr/>
+              </p:nvSpPr>
+              <p:spPr>
+                <a:xfrm>
+                  <a:off x="8611297" y="1981295"/>
+                  <a:ext cx="386644" cy="313350"/>
+                </a:xfrm>
+                <a:prstGeom prst="rect">
+                  <a:avLst/>
+                </a:prstGeom>
+                <a:blipFill>
+                  <a:blip r:embed="rId3"/>
+                  <a:stretch>
+                    <a:fillRect l="-14286" r="-7937" b="-5882"/>
+                  </a:stretch>
+                </a:blipFill>
+                <a:effectLst>
+                  <a:softEdge rad="25400"/>
+                </a:effectLst>
+              </p:spPr>
+              <p:txBody>
+                <a:bodyPr/>
+                <a:lstStyle/>
+                <a:p>
+                  <a:r>
+                    <a:rPr lang="it-IT">
+                      <a:noFill/>
+                    </a:rPr>
+                    <a:t> </a:t>
+                  </a:r>
+                </a:p>
+              </p:txBody>
+            </p:sp>
+          </mc:Fallback>
+        </mc:AlternateContent>
+        <mc:AlternateContent xmlns:mc="http://schemas.openxmlformats.org/markup-compatibility/2006" xmlns:a14="http://schemas.microsoft.com/office/drawing/2010/main">
+          <mc:Choice Requires="a14">
+            <p:sp>
+              <p:nvSpPr>
+                <p:cNvPr id="7" name="CasellaDiTesto 6">
+                  <a:extLst>
+                    <a:ext uri="{FF2B5EF4-FFF2-40B4-BE49-F238E27FC236}">
+                      <a16:creationId xmlns:a16="http://schemas.microsoft.com/office/drawing/2014/main" id="{81E6A2B8-ED0B-4759-A64F-C91CD7D604D3}"/>
+                    </a:ext>
+                  </a:extLst>
+                </p:cNvPr>
+                <p:cNvSpPr txBox="1"/>
+                <p:nvPr/>
+              </p:nvSpPr>
+              <p:spPr>
+                <a:xfrm>
+                  <a:off x="11776345" y="213399"/>
+                  <a:ext cx="338169" cy="313350"/>
+                </a:xfrm>
+                <a:prstGeom prst="rect">
+                  <a:avLst/>
+                </a:prstGeom>
+                <a:solidFill>
+                  <a:schemeClr val="bg1"/>
+                </a:solidFill>
+                <a:effectLst>
+                  <a:softEdge rad="25400"/>
+                </a:effectLst>
+              </p:spPr>
+              <p:txBody>
+                <a:bodyPr wrap="none" lIns="0" tIns="0" rIns="0" bIns="36000" rtlCol="0">
+                  <a:spAutoFit/>
+                </a:bodyPr>
+                <a:lstStyle/>
+                <a:p>
+                  <a:pPr/>
+                  <a14:m>
+                    <m:oMathPara xmlns:m="http://schemas.openxmlformats.org/officeDocument/2006/math">
+                      <m:oMathParaPr>
+                        <m:jc m:val="centerGroup"/>
+                      </m:oMathParaPr>
+                      <m:oMath xmlns:m="http://schemas.openxmlformats.org/officeDocument/2006/math">
+                        <m:sSub>
+                          <m:sSubPr>
+                            <m:ctrlPr>
+                              <a:rPr lang="el-GR" i="1" smtClean="0">
+                                <a:latin typeface="Cambria Math" panose="02040503050406030204" pitchFamily="18" charset="0"/>
+                                <a:ea typeface="Cambria Math" panose="02040503050406030204" pitchFamily="18" charset="0"/>
+                              </a:rPr>
+                            </m:ctrlPr>
+                          </m:sSubPr>
+                          <m:e>
+                            <m:r>
+                              <m:rPr>
+                                <m:sty m:val="p"/>
+                              </m:rPr>
+                              <a:rPr lang="el-GR" i="1">
+                                <a:latin typeface="Cambria Math" panose="02040503050406030204" pitchFamily="18" charset="0"/>
+                                <a:ea typeface="Cambria Math" panose="02040503050406030204" pitchFamily="18" charset="0"/>
+                              </a:rPr>
+                              <m:t>Ω</m:t>
+                            </m:r>
+                          </m:e>
+                          <m:sub>
+                            <m:r>
+                              <m:rPr>
+                                <m:sty m:val="p"/>
+                              </m:rPr>
+                              <a:rPr lang="it-IT" b="0" i="0" smtClean="0">
+                                <a:latin typeface="Cambria Math" panose="02040503050406030204" pitchFamily="18" charset="0"/>
+                                <a:ea typeface="Cambria Math" panose="02040503050406030204" pitchFamily="18" charset="0"/>
+                              </a:rPr>
+                              <m:t>ff</m:t>
+                            </m:r>
+                          </m:sub>
+                        </m:sSub>
+                      </m:oMath>
+                    </m:oMathPara>
+                  </a14:m>
+                  <a:endParaRPr lang="it-IT" dirty="0"/>
+                </a:p>
+              </p:txBody>
+            </p:sp>
+          </mc:Choice>
+          <mc:Fallback xmlns="">
+            <p:sp>
+              <p:nvSpPr>
+                <p:cNvPr id="7" name="CasellaDiTesto 6">
+                  <a:extLst>
+                    <a:ext uri="{FF2B5EF4-FFF2-40B4-BE49-F238E27FC236}">
+                      <a16:creationId xmlns:a16="http://schemas.microsoft.com/office/drawing/2014/main" id="{81E6A2B8-ED0B-4759-A64F-C91CD7D604D3}"/>
+                    </a:ext>
+                  </a:extLst>
+                </p:cNvPr>
+                <p:cNvSpPr txBox="1">
+                  <a:spLocks noRot="1" noChangeAspect="1" noMove="1" noResize="1" noEditPoints="1" noAdjustHandles="1" noChangeArrowheads="1" noChangeShapeType="1" noTextEdit="1"/>
+                </p:cNvSpPr>
+                <p:nvPr/>
+              </p:nvSpPr>
+              <p:spPr>
+                <a:xfrm>
+                  <a:off x="11776345" y="213399"/>
+                  <a:ext cx="338169" cy="313350"/>
+                </a:xfrm>
+                <a:prstGeom prst="rect">
+                  <a:avLst/>
+                </a:prstGeom>
+                <a:blipFill>
+                  <a:blip r:embed="rId4"/>
+                  <a:stretch>
+                    <a:fillRect l="-16364" r="-9091" b="-5882"/>
+                  </a:stretch>
+                </a:blipFill>
+                <a:effectLst>
+                  <a:softEdge rad="25400"/>
+                </a:effectLst>
+              </p:spPr>
+              <p:txBody>
+                <a:bodyPr/>
+                <a:lstStyle/>
+                <a:p>
+                  <a:r>
+                    <a:rPr lang="it-IT">
+                      <a:noFill/>
+                    </a:rPr>
+                    <a:t> </a:t>
+                  </a:r>
+                </a:p>
+              </p:txBody>
+            </p:sp>
+          </mc:Fallback>
+        </mc:AlternateContent>
+        <mc:AlternateContent xmlns:mc="http://schemas.openxmlformats.org/markup-compatibility/2006" xmlns:a14="http://schemas.microsoft.com/office/drawing/2010/main">
+          <mc:Choice Requires="a14">
+            <p:sp>
+              <p:nvSpPr>
+                <p:cNvPr id="8" name="CasellaDiTesto 7">
+                  <a:extLst>
+                    <a:ext uri="{FF2B5EF4-FFF2-40B4-BE49-F238E27FC236}">
+                      <a16:creationId xmlns:a16="http://schemas.microsoft.com/office/drawing/2014/main" id="{82DB9C2A-36AA-4731-9791-B815F73AAD52}"/>
+                    </a:ext>
+                  </a:extLst>
+                </p:cNvPr>
+                <p:cNvSpPr txBox="1"/>
+                <p:nvPr/>
+              </p:nvSpPr>
+              <p:spPr>
+                <a:xfrm>
+                  <a:off x="11633677" y="5675870"/>
+                  <a:ext cx="480837" cy="338037"/>
+                </a:xfrm>
+                <a:prstGeom prst="rect">
+                  <a:avLst/>
+                </a:prstGeom>
+                <a:solidFill>
+                  <a:schemeClr val="bg1"/>
+                </a:solidFill>
+                <a:effectLst>
+                  <a:softEdge rad="25400"/>
+                </a:effectLst>
+              </p:spPr>
+              <p:txBody>
+                <a:bodyPr wrap="none" lIns="0" tIns="0" rIns="0" bIns="36000" rtlCol="0">
+                  <a:spAutoFit/>
+                </a:bodyPr>
+                <a:lstStyle/>
+                <a:p>
+                  <a:pPr/>
+                  <a14:m>
+                    <m:oMathPara xmlns:m="http://schemas.openxmlformats.org/officeDocument/2006/math">
+                      <m:oMathParaPr>
+                        <m:jc m:val="centerGroup"/>
+                      </m:oMathParaPr>
+                      <m:oMath xmlns:m="http://schemas.openxmlformats.org/officeDocument/2006/math">
+                        <m:sSub>
+                          <m:sSubPr>
+                            <m:ctrlPr>
+                              <a:rPr lang="el-GR" i="1" smtClean="0">
+                                <a:latin typeface="Cambria Math" panose="02040503050406030204" pitchFamily="18" charset="0"/>
+                                <a:ea typeface="Cambria Math" panose="02040503050406030204" pitchFamily="18" charset="0"/>
+                              </a:rPr>
+                            </m:ctrlPr>
+                          </m:sSubPr>
+                          <m:e>
+                            <m:r>
+                              <m:rPr>
+                                <m:sty m:val="p"/>
+                              </m:rPr>
+                              <a:rPr lang="el-GR" i="1">
+                                <a:latin typeface="Cambria Math" panose="02040503050406030204" pitchFamily="18" charset="0"/>
+                                <a:ea typeface="Cambria Math" panose="02040503050406030204" pitchFamily="18" charset="0"/>
+                              </a:rPr>
+                              <m:t>Ω</m:t>
+                            </m:r>
+                          </m:e>
+                          <m:sub>
+                            <m:r>
+                              <m:rPr>
+                                <m:sty m:val="p"/>
+                              </m:rPr>
+                              <a:rPr lang="it-IT" b="0" i="0" smtClean="0">
+                                <a:latin typeface="Cambria Math" panose="02040503050406030204" pitchFamily="18" charset="0"/>
+                                <a:ea typeface="Cambria Math" panose="02040503050406030204" pitchFamily="18" charset="0"/>
+                              </a:rPr>
+                              <m:t>pm</m:t>
+                            </m:r>
+                          </m:sub>
+                        </m:sSub>
+                      </m:oMath>
+                    </m:oMathPara>
+                  </a14:m>
+                  <a:endParaRPr lang="it-IT" dirty="0"/>
+                </a:p>
+              </p:txBody>
+            </p:sp>
+          </mc:Choice>
+          <mc:Fallback xmlns="">
+            <p:sp>
+              <p:nvSpPr>
+                <p:cNvPr id="8" name="CasellaDiTesto 7">
+                  <a:extLst>
+                    <a:ext uri="{FF2B5EF4-FFF2-40B4-BE49-F238E27FC236}">
+                      <a16:creationId xmlns:a16="http://schemas.microsoft.com/office/drawing/2014/main" id="{82DB9C2A-36AA-4731-9791-B815F73AAD52}"/>
+                    </a:ext>
+                  </a:extLst>
+                </p:cNvPr>
+                <p:cNvSpPr txBox="1">
+                  <a:spLocks noRot="1" noChangeAspect="1" noMove="1" noResize="1" noEditPoints="1" noAdjustHandles="1" noChangeArrowheads="1" noChangeShapeType="1" noTextEdit="1"/>
+                </p:cNvSpPr>
+                <p:nvPr/>
+              </p:nvSpPr>
+              <p:spPr>
+                <a:xfrm>
+                  <a:off x="11633677" y="5675870"/>
+                  <a:ext cx="480837" cy="338037"/>
+                </a:xfrm>
+                <a:prstGeom prst="rect">
+                  <a:avLst/>
+                </a:prstGeom>
+                <a:blipFill>
+                  <a:blip r:embed="rId5"/>
+                  <a:stretch>
+                    <a:fillRect l="-10127" r="-7595" b="-8929"/>
+                  </a:stretch>
+                </a:blipFill>
+                <a:effectLst>
+                  <a:softEdge rad="25400"/>
+                </a:effectLst>
+              </p:spPr>
+              <p:txBody>
+                <a:bodyPr/>
+                <a:lstStyle/>
+                <a:p>
+                  <a:r>
+                    <a:rPr lang="it-IT">
+                      <a:noFill/>
+                    </a:rPr>
+                    <a:t> </a:t>
+                  </a:r>
+                </a:p>
+              </p:txBody>
+            </p:sp>
+          </mc:Fallback>
+        </mc:AlternateContent>
+        <p:cxnSp>
+          <p:nvCxnSpPr>
+            <p:cNvPr id="9" name="Connettore diritto 8">
+              <a:extLst>
+                <a:ext uri="{FF2B5EF4-FFF2-40B4-BE49-F238E27FC236}">
+                  <a16:creationId xmlns:a16="http://schemas.microsoft.com/office/drawing/2014/main" id="{F68B01F5-A184-4F0B-9017-35092B4FA318}"/>
+                </a:ext>
+              </a:extLst>
+            </p:cNvPr>
+            <p:cNvCxnSpPr>
+              <a:cxnSpLocks/>
+            </p:cNvCxnSpPr>
+            <p:nvPr/>
+          </p:nvCxnSpPr>
+          <p:spPr>
+            <a:xfrm>
+              <a:off x="9068937" y="873804"/>
+              <a:ext cx="3123063" cy="0"/>
+            </a:xfrm>
+            <a:prstGeom prst="line">
+              <a:avLst/>
+            </a:prstGeom>
+            <a:ln w="28575">
+              <a:prstDash val="dash"/>
+            </a:ln>
+          </p:spPr>
+          <p:style>
+            <a:lnRef idx="1">
+              <a:schemeClr val="dk1"/>
+            </a:lnRef>
+            <a:fillRef idx="0">
+              <a:schemeClr val="dk1"/>
+            </a:fillRef>
+            <a:effectRef idx="0">
+              <a:schemeClr val="dk1"/>
+            </a:effectRef>
+            <a:fontRef idx="minor">
+              <a:schemeClr val="tx1"/>
+            </a:fontRef>
+          </p:style>
+        </p:cxnSp>
+        <p:cxnSp>
+          <p:nvCxnSpPr>
+            <p:cNvPr id="11" name="Connettore diritto 10">
+              <a:extLst>
+                <a:ext uri="{FF2B5EF4-FFF2-40B4-BE49-F238E27FC236}">
+                  <a16:creationId xmlns:a16="http://schemas.microsoft.com/office/drawing/2014/main" id="{A3770720-FC61-40D3-BCF7-E7FCBDE3A234}"/>
+                </a:ext>
+              </a:extLst>
+            </p:cNvPr>
+            <p:cNvCxnSpPr>
+              <a:cxnSpLocks/>
+            </p:cNvCxnSpPr>
+            <p:nvPr/>
+          </p:nvCxnSpPr>
+          <p:spPr>
+            <a:xfrm>
+              <a:off x="9085280" y="880628"/>
+              <a:ext cx="0" cy="5226745"/>
+            </a:xfrm>
+            <a:prstGeom prst="line">
+              <a:avLst/>
+            </a:prstGeom>
+            <a:ln w="28575">
+              <a:prstDash val="dash"/>
+            </a:ln>
+          </p:spPr>
+          <p:style>
+            <a:lnRef idx="1">
+              <a:schemeClr val="dk1"/>
+            </a:lnRef>
+            <a:fillRef idx="0">
+              <a:schemeClr val="dk1"/>
+            </a:fillRef>
+            <a:effectRef idx="0">
+              <a:schemeClr val="dk1"/>
+            </a:effectRef>
+            <a:fontRef idx="minor">
+              <a:schemeClr val="tx1"/>
+            </a:fontRef>
+          </p:style>
+        </p:cxnSp>
+      </p:grpSp>
+    </p:spTree>
+    <p:extLst>
+      <p:ext uri="{BB962C8B-B14F-4D97-AF65-F5344CB8AC3E}">
+        <p14:creationId xmlns:p14="http://schemas.microsoft.com/office/powerpoint/2010/main" val="1180342296"/>
+      </p:ext>
+    </p:extLst>
+  </p:cSld>
+  <p:clrMapOvr>
+    <a:masterClrMapping/>
+  </p:clrMapOvr>
+</p:sld>
+</file>
+
+<file path=ppt/slides/slide20.xml><?xml version="1.0" encoding="utf-8"?>
 <p:sld xmlns:a="http://schemas.openxmlformats.org/drawingml/2006/main" xmlns:r="http://schemas.openxmlformats.org/officeDocument/2006/relationships" xmlns:p="http://schemas.openxmlformats.org/presentationml/2006/main">
   <p:cSld>
     <p:spTree>
@@ -29154,572 +31781,7 @@
 </p:sld>
 </file>
 
-<file path=ppt/slides/slide2.xml><?xml version="1.0" encoding="utf-8"?>
-<p:sld xmlns:a="http://schemas.openxmlformats.org/drawingml/2006/main" xmlns:r="http://schemas.openxmlformats.org/officeDocument/2006/relationships" xmlns:p="http://schemas.openxmlformats.org/presentationml/2006/main">
-  <p:cSld>
-    <p:spTree>
-      <p:nvGrpSpPr>
-        <p:cNvPr id="1" name=""/>
-        <p:cNvGrpSpPr/>
-        <p:nvPr/>
-      </p:nvGrpSpPr>
-      <p:grpSpPr>
-        <a:xfrm>
-          <a:off x="0" y="0"/>
-          <a:ext cx="0" cy="0"/>
-          <a:chOff x="0" y="0"/>
-          <a:chExt cx="0" cy="0"/>
-        </a:xfrm>
-      </p:grpSpPr>
-      <p:grpSp>
-        <p:nvGrpSpPr>
-          <p:cNvPr id="14" name="Gruppo 13">
-            <a:extLst>
-              <a:ext uri="{FF2B5EF4-FFF2-40B4-BE49-F238E27FC236}">
-                <a16:creationId xmlns:a16="http://schemas.microsoft.com/office/drawing/2014/main" id="{8B812CBD-3474-4169-9F0B-34C79F892890}"/>
-              </a:ext>
-            </a:extLst>
-          </p:cNvPr>
-          <p:cNvGrpSpPr/>
-          <p:nvPr/>
-        </p:nvGrpSpPr>
-        <p:grpSpPr>
-          <a:xfrm>
-            <a:off x="0" y="127901"/>
-            <a:ext cx="12192000" cy="6602198"/>
-            <a:chOff x="0" y="127901"/>
-            <a:chExt cx="12192000" cy="6602198"/>
-          </a:xfrm>
-        </p:grpSpPr>
-        <p:pic>
-          <p:nvPicPr>
-            <p:cNvPr id="5" name="Immagine 4">
-              <a:extLst>
-                <a:ext uri="{FF2B5EF4-FFF2-40B4-BE49-F238E27FC236}">
-                  <a16:creationId xmlns:a16="http://schemas.microsoft.com/office/drawing/2014/main" id="{D9B810F3-CD02-4810-BA5E-D4CDC2EDDD88}"/>
-                </a:ext>
-              </a:extLst>
-            </p:cNvPr>
-            <p:cNvPicPr>
-              <a:picLocks noChangeAspect="1"/>
-            </p:cNvPicPr>
-            <p:nvPr/>
-          </p:nvPicPr>
-          <p:blipFill>
-            <a:blip r:embed="rId2">
-              <a:extLst>
-                <a:ext uri="{28A0092B-C50C-407E-A947-70E740481C1C}">
-                  <a14:useLocalDpi xmlns:a14="http://schemas.microsoft.com/office/drawing/2010/main" val="0"/>
-                </a:ext>
-              </a:extLst>
-            </a:blip>
-            <a:stretch>
-              <a:fillRect/>
-            </a:stretch>
-          </p:blipFill>
-          <p:spPr>
-            <a:xfrm>
-              <a:off x="0" y="127901"/>
-              <a:ext cx="12192000" cy="6602198"/>
-            </a:xfrm>
-            <a:prstGeom prst="rect">
-              <a:avLst/>
-            </a:prstGeom>
-          </p:spPr>
-        </p:pic>
-        <mc:AlternateContent xmlns:mc="http://schemas.openxmlformats.org/markup-compatibility/2006">
-          <mc:Choice xmlns:a14="http://schemas.microsoft.com/office/drawing/2010/main" Requires="a14">
-            <p:sp>
-              <p:nvSpPr>
-                <p:cNvPr id="6" name="CasellaDiTesto 5">
-                  <a:extLst>
-                    <a:ext uri="{FF2B5EF4-FFF2-40B4-BE49-F238E27FC236}">
-                      <a16:creationId xmlns:a16="http://schemas.microsoft.com/office/drawing/2014/main" id="{059B17EF-F48B-441A-82C0-AB30A82947AF}"/>
-                    </a:ext>
-                  </a:extLst>
-                </p:cNvPr>
-                <p:cNvSpPr txBox="1"/>
-                <p:nvPr/>
-              </p:nvSpPr>
-              <p:spPr>
-                <a:xfrm>
-                  <a:off x="8611297" y="1981295"/>
-                  <a:ext cx="386644" cy="313350"/>
-                </a:xfrm>
-                <a:prstGeom prst="rect">
-                  <a:avLst/>
-                </a:prstGeom>
-                <a:solidFill>
-                  <a:schemeClr val="bg1"/>
-                </a:solidFill>
-                <a:effectLst>
-                  <a:softEdge rad="25400"/>
-                </a:effectLst>
-              </p:spPr>
-              <p:txBody>
-                <a:bodyPr wrap="none" lIns="0" tIns="0" rIns="0" bIns="36000" rtlCol="0">
-                  <a:spAutoFit/>
-                </a:bodyPr>
-                <a:lstStyle/>
-                <a:p>
-                  <a:pPr/>
-                  <a14:m>
-                    <m:oMathPara xmlns:m="http://schemas.openxmlformats.org/officeDocument/2006/math">
-                      <m:oMathParaPr>
-                        <m:jc m:val="centerGroup"/>
-                      </m:oMathParaPr>
-                      <m:oMath xmlns:m="http://schemas.openxmlformats.org/officeDocument/2006/math">
-                        <m:sSub>
-                          <m:sSubPr>
-                            <m:ctrlPr>
-                              <a:rPr lang="el-GR" i="1" smtClean="0">
-                                <a:latin typeface="Cambria Math" panose="02040503050406030204" pitchFamily="18" charset="0"/>
-                                <a:ea typeface="Cambria Math" panose="02040503050406030204" pitchFamily="18" charset="0"/>
-                              </a:rPr>
-                            </m:ctrlPr>
-                          </m:sSubPr>
-                          <m:e>
-                            <m:r>
-                              <m:rPr>
-                                <m:sty m:val="p"/>
-                              </m:rPr>
-                              <a:rPr lang="el-GR" i="1" smtClean="0">
-                                <a:latin typeface="Cambria Math" panose="02040503050406030204" pitchFamily="18" charset="0"/>
-                                <a:ea typeface="Cambria Math" panose="02040503050406030204" pitchFamily="18" charset="0"/>
-                              </a:rPr>
-                              <m:t>Γ</m:t>
-                            </m:r>
-                          </m:e>
-                          <m:sub>
-                            <m:r>
-                              <m:rPr>
-                                <m:sty m:val="p"/>
-                              </m:rPr>
-                              <a:rPr lang="it-IT" b="0" i="0" smtClean="0">
-                                <a:latin typeface="Cambria Math" panose="02040503050406030204" pitchFamily="18" charset="0"/>
-                                <a:ea typeface="Cambria Math" panose="02040503050406030204" pitchFamily="18" charset="0"/>
-                              </a:rPr>
-                              <m:t>int</m:t>
-                            </m:r>
-                          </m:sub>
-                        </m:sSub>
-                      </m:oMath>
-                    </m:oMathPara>
-                  </a14:m>
-                  <a:endParaRPr lang="it-IT" dirty="0"/>
-                </a:p>
-              </p:txBody>
-            </p:sp>
-          </mc:Choice>
-          <mc:Fallback>
-            <p:sp>
-              <p:nvSpPr>
-                <p:cNvPr id="6" name="CasellaDiTesto 5">
-                  <a:extLst>
-                    <a:ext uri="{FF2B5EF4-FFF2-40B4-BE49-F238E27FC236}">
-                      <a16:creationId xmlns:a16="http://schemas.microsoft.com/office/drawing/2014/main" id="{059B17EF-F48B-441A-82C0-AB30A82947AF}"/>
-                    </a:ext>
-                  </a:extLst>
-                </p:cNvPr>
-                <p:cNvSpPr txBox="1">
-                  <a:spLocks noRot="1" noChangeAspect="1" noMove="1" noResize="1" noEditPoints="1" noAdjustHandles="1" noChangeArrowheads="1" noChangeShapeType="1" noTextEdit="1"/>
-                </p:cNvSpPr>
-                <p:nvPr/>
-              </p:nvSpPr>
-              <p:spPr>
-                <a:xfrm>
-                  <a:off x="8611297" y="1981295"/>
-                  <a:ext cx="386644" cy="313350"/>
-                </a:xfrm>
-                <a:prstGeom prst="rect">
-                  <a:avLst/>
-                </a:prstGeom>
-                <a:blipFill>
-                  <a:blip r:embed="rId3"/>
-                  <a:stretch>
-                    <a:fillRect l="-14286" r="-7937" b="-5882"/>
-                  </a:stretch>
-                </a:blipFill>
-                <a:effectLst>
-                  <a:softEdge rad="25400"/>
-                </a:effectLst>
-              </p:spPr>
-              <p:txBody>
-                <a:bodyPr/>
-                <a:lstStyle/>
-                <a:p>
-                  <a:r>
-                    <a:rPr lang="it-IT">
-                      <a:noFill/>
-                    </a:rPr>
-                    <a:t> </a:t>
-                  </a:r>
-                </a:p>
-              </p:txBody>
-            </p:sp>
-          </mc:Fallback>
-        </mc:AlternateContent>
-        <mc:AlternateContent xmlns:mc="http://schemas.openxmlformats.org/markup-compatibility/2006">
-          <mc:Choice xmlns:a14="http://schemas.microsoft.com/office/drawing/2010/main" Requires="a14">
-            <p:sp>
-              <p:nvSpPr>
-                <p:cNvPr id="7" name="CasellaDiTesto 6">
-                  <a:extLst>
-                    <a:ext uri="{FF2B5EF4-FFF2-40B4-BE49-F238E27FC236}">
-                      <a16:creationId xmlns:a16="http://schemas.microsoft.com/office/drawing/2014/main" id="{81E6A2B8-ED0B-4759-A64F-C91CD7D604D3}"/>
-                    </a:ext>
-                  </a:extLst>
-                </p:cNvPr>
-                <p:cNvSpPr txBox="1"/>
-                <p:nvPr/>
-              </p:nvSpPr>
-              <p:spPr>
-                <a:xfrm>
-                  <a:off x="11776345" y="213399"/>
-                  <a:ext cx="338169" cy="313350"/>
-                </a:xfrm>
-                <a:prstGeom prst="rect">
-                  <a:avLst/>
-                </a:prstGeom>
-                <a:solidFill>
-                  <a:schemeClr val="bg1"/>
-                </a:solidFill>
-                <a:effectLst>
-                  <a:softEdge rad="25400"/>
-                </a:effectLst>
-              </p:spPr>
-              <p:txBody>
-                <a:bodyPr wrap="none" lIns="0" tIns="0" rIns="0" bIns="36000" rtlCol="0">
-                  <a:spAutoFit/>
-                </a:bodyPr>
-                <a:lstStyle/>
-                <a:p>
-                  <a:pPr/>
-                  <a14:m>
-                    <m:oMathPara xmlns:m="http://schemas.openxmlformats.org/officeDocument/2006/math">
-                      <m:oMathParaPr>
-                        <m:jc m:val="centerGroup"/>
-                      </m:oMathParaPr>
-                      <m:oMath xmlns:m="http://schemas.openxmlformats.org/officeDocument/2006/math">
-                        <m:sSub>
-                          <m:sSubPr>
-                            <m:ctrlPr>
-                              <a:rPr lang="el-GR" i="1" smtClean="0">
-                                <a:latin typeface="Cambria Math" panose="02040503050406030204" pitchFamily="18" charset="0"/>
-                                <a:ea typeface="Cambria Math" panose="02040503050406030204" pitchFamily="18" charset="0"/>
-                              </a:rPr>
-                            </m:ctrlPr>
-                          </m:sSubPr>
-                          <m:e>
-                            <m:r>
-                              <m:rPr>
-                                <m:sty m:val="p"/>
-                              </m:rPr>
-                              <a:rPr lang="el-GR" i="1">
-                                <a:latin typeface="Cambria Math" panose="02040503050406030204" pitchFamily="18" charset="0"/>
-                                <a:ea typeface="Cambria Math" panose="02040503050406030204" pitchFamily="18" charset="0"/>
-                              </a:rPr>
-                              <m:t>Ω</m:t>
-                            </m:r>
-                          </m:e>
-                          <m:sub>
-                            <m:r>
-                              <m:rPr>
-                                <m:sty m:val="p"/>
-                              </m:rPr>
-                              <a:rPr lang="it-IT" b="0" i="0" smtClean="0">
-                                <a:latin typeface="Cambria Math" panose="02040503050406030204" pitchFamily="18" charset="0"/>
-                                <a:ea typeface="Cambria Math" panose="02040503050406030204" pitchFamily="18" charset="0"/>
-                              </a:rPr>
-                              <m:t>ff</m:t>
-                            </m:r>
-                          </m:sub>
-                        </m:sSub>
-                      </m:oMath>
-                    </m:oMathPara>
-                  </a14:m>
-                  <a:endParaRPr lang="it-IT" dirty="0"/>
-                </a:p>
-              </p:txBody>
-            </p:sp>
-          </mc:Choice>
-          <mc:Fallback>
-            <p:sp>
-              <p:nvSpPr>
-                <p:cNvPr id="7" name="CasellaDiTesto 6">
-                  <a:extLst>
-                    <a:ext uri="{FF2B5EF4-FFF2-40B4-BE49-F238E27FC236}">
-                      <a16:creationId xmlns:a16="http://schemas.microsoft.com/office/drawing/2014/main" id="{81E6A2B8-ED0B-4759-A64F-C91CD7D604D3}"/>
-                    </a:ext>
-                  </a:extLst>
-                </p:cNvPr>
-                <p:cNvSpPr txBox="1">
-                  <a:spLocks noRot="1" noChangeAspect="1" noMove="1" noResize="1" noEditPoints="1" noAdjustHandles="1" noChangeArrowheads="1" noChangeShapeType="1" noTextEdit="1"/>
-                </p:cNvSpPr>
-                <p:nvPr/>
-              </p:nvSpPr>
-              <p:spPr>
-                <a:xfrm>
-                  <a:off x="11776345" y="213399"/>
-                  <a:ext cx="338169" cy="313350"/>
-                </a:xfrm>
-                <a:prstGeom prst="rect">
-                  <a:avLst/>
-                </a:prstGeom>
-                <a:blipFill>
-                  <a:blip r:embed="rId4"/>
-                  <a:stretch>
-                    <a:fillRect l="-16364" r="-9091" b="-5882"/>
-                  </a:stretch>
-                </a:blipFill>
-                <a:effectLst>
-                  <a:softEdge rad="25400"/>
-                </a:effectLst>
-              </p:spPr>
-              <p:txBody>
-                <a:bodyPr/>
-                <a:lstStyle/>
-                <a:p>
-                  <a:r>
-                    <a:rPr lang="it-IT">
-                      <a:noFill/>
-                    </a:rPr>
-                    <a:t> </a:t>
-                  </a:r>
-                </a:p>
-              </p:txBody>
-            </p:sp>
-          </mc:Fallback>
-        </mc:AlternateContent>
-        <mc:AlternateContent xmlns:mc="http://schemas.openxmlformats.org/markup-compatibility/2006">
-          <mc:Choice xmlns:a14="http://schemas.microsoft.com/office/drawing/2010/main" Requires="a14">
-            <p:sp>
-              <p:nvSpPr>
-                <p:cNvPr id="8" name="CasellaDiTesto 7">
-                  <a:extLst>
-                    <a:ext uri="{FF2B5EF4-FFF2-40B4-BE49-F238E27FC236}">
-                      <a16:creationId xmlns:a16="http://schemas.microsoft.com/office/drawing/2014/main" id="{82DB9C2A-36AA-4731-9791-B815F73AAD52}"/>
-                    </a:ext>
-                  </a:extLst>
-                </p:cNvPr>
-                <p:cNvSpPr txBox="1"/>
-                <p:nvPr/>
-              </p:nvSpPr>
-              <p:spPr>
-                <a:xfrm>
-                  <a:off x="11633677" y="5675870"/>
-                  <a:ext cx="480837" cy="338037"/>
-                </a:xfrm>
-                <a:prstGeom prst="rect">
-                  <a:avLst/>
-                </a:prstGeom>
-                <a:solidFill>
-                  <a:schemeClr val="bg1"/>
-                </a:solidFill>
-                <a:effectLst>
-                  <a:softEdge rad="25400"/>
-                </a:effectLst>
-              </p:spPr>
-              <p:txBody>
-                <a:bodyPr wrap="none" lIns="0" tIns="0" rIns="0" bIns="36000" rtlCol="0">
-                  <a:spAutoFit/>
-                </a:bodyPr>
-                <a:lstStyle/>
-                <a:p>
-                  <a:pPr/>
-                  <a14:m>
-                    <m:oMathPara xmlns:m="http://schemas.openxmlformats.org/officeDocument/2006/math">
-                      <m:oMathParaPr>
-                        <m:jc m:val="centerGroup"/>
-                      </m:oMathParaPr>
-                      <m:oMath xmlns:m="http://schemas.openxmlformats.org/officeDocument/2006/math">
-                        <m:sSub>
-                          <m:sSubPr>
-                            <m:ctrlPr>
-                              <a:rPr lang="el-GR" i="1" smtClean="0">
-                                <a:latin typeface="Cambria Math" panose="02040503050406030204" pitchFamily="18" charset="0"/>
-                                <a:ea typeface="Cambria Math" panose="02040503050406030204" pitchFamily="18" charset="0"/>
-                              </a:rPr>
-                            </m:ctrlPr>
-                          </m:sSubPr>
-                          <m:e>
-                            <m:r>
-                              <m:rPr>
-                                <m:sty m:val="p"/>
-                              </m:rPr>
-                              <a:rPr lang="el-GR" i="1">
-                                <a:latin typeface="Cambria Math" panose="02040503050406030204" pitchFamily="18" charset="0"/>
-                                <a:ea typeface="Cambria Math" panose="02040503050406030204" pitchFamily="18" charset="0"/>
-                              </a:rPr>
-                              <m:t>Ω</m:t>
-                            </m:r>
-                          </m:e>
-                          <m:sub>
-                            <m:r>
-                              <m:rPr>
-                                <m:sty m:val="p"/>
-                              </m:rPr>
-                              <a:rPr lang="it-IT" b="0" i="0" smtClean="0">
-                                <a:latin typeface="Cambria Math" panose="02040503050406030204" pitchFamily="18" charset="0"/>
-                                <a:ea typeface="Cambria Math" panose="02040503050406030204" pitchFamily="18" charset="0"/>
-                              </a:rPr>
-                              <m:t>pm</m:t>
-                            </m:r>
-                          </m:sub>
-                        </m:sSub>
-                      </m:oMath>
-                    </m:oMathPara>
-                  </a14:m>
-                  <a:endParaRPr lang="it-IT" dirty="0"/>
-                </a:p>
-              </p:txBody>
-            </p:sp>
-          </mc:Choice>
-          <mc:Fallback>
-            <p:sp>
-              <p:nvSpPr>
-                <p:cNvPr id="8" name="CasellaDiTesto 7">
-                  <a:extLst>
-                    <a:ext uri="{FF2B5EF4-FFF2-40B4-BE49-F238E27FC236}">
-                      <a16:creationId xmlns:a16="http://schemas.microsoft.com/office/drawing/2014/main" id="{82DB9C2A-36AA-4731-9791-B815F73AAD52}"/>
-                    </a:ext>
-                  </a:extLst>
-                </p:cNvPr>
-                <p:cNvSpPr txBox="1">
-                  <a:spLocks noRot="1" noChangeAspect="1" noMove="1" noResize="1" noEditPoints="1" noAdjustHandles="1" noChangeArrowheads="1" noChangeShapeType="1" noTextEdit="1"/>
-                </p:cNvSpPr>
-                <p:nvPr/>
-              </p:nvSpPr>
-              <p:spPr>
-                <a:xfrm>
-                  <a:off x="11633677" y="5675870"/>
-                  <a:ext cx="480837" cy="338037"/>
-                </a:xfrm>
-                <a:prstGeom prst="rect">
-                  <a:avLst/>
-                </a:prstGeom>
-                <a:blipFill>
-                  <a:blip r:embed="rId5"/>
-                  <a:stretch>
-                    <a:fillRect l="-10127" r="-7595" b="-8929"/>
-                  </a:stretch>
-                </a:blipFill>
-                <a:effectLst>
-                  <a:softEdge rad="25400"/>
-                </a:effectLst>
-              </p:spPr>
-              <p:txBody>
-                <a:bodyPr/>
-                <a:lstStyle/>
-                <a:p>
-                  <a:r>
-                    <a:rPr lang="it-IT">
-                      <a:noFill/>
-                    </a:rPr>
-                    <a:t> </a:t>
-                  </a:r>
-                </a:p>
-              </p:txBody>
-            </p:sp>
-          </mc:Fallback>
-        </mc:AlternateContent>
-        <p:cxnSp>
-          <p:nvCxnSpPr>
-            <p:cNvPr id="9" name="Connettore diritto 8">
-              <a:extLst>
-                <a:ext uri="{FF2B5EF4-FFF2-40B4-BE49-F238E27FC236}">
-                  <a16:creationId xmlns:a16="http://schemas.microsoft.com/office/drawing/2014/main" id="{F68B01F5-A184-4F0B-9017-35092B4FA318}"/>
-                </a:ext>
-              </a:extLst>
-            </p:cNvPr>
-            <p:cNvCxnSpPr>
-              <a:cxnSpLocks/>
-            </p:cNvCxnSpPr>
-            <p:nvPr/>
-          </p:nvCxnSpPr>
-          <p:spPr>
-            <a:xfrm>
-              <a:off x="9068937" y="873804"/>
-              <a:ext cx="3123063" cy="0"/>
-            </a:xfrm>
-            <a:prstGeom prst="line">
-              <a:avLst/>
-            </a:prstGeom>
-            <a:ln w="28575">
-              <a:prstDash val="dash"/>
-            </a:ln>
-          </p:spPr>
-          <p:style>
-            <a:lnRef idx="1">
-              <a:schemeClr val="dk1"/>
-            </a:lnRef>
-            <a:fillRef idx="0">
-              <a:schemeClr val="dk1"/>
-            </a:fillRef>
-            <a:effectRef idx="0">
-              <a:schemeClr val="dk1"/>
-            </a:effectRef>
-            <a:fontRef idx="minor">
-              <a:schemeClr val="tx1"/>
-            </a:fontRef>
-          </p:style>
-        </p:cxnSp>
-        <p:cxnSp>
-          <p:nvCxnSpPr>
-            <p:cNvPr id="11" name="Connettore diritto 10">
-              <a:extLst>
-                <a:ext uri="{FF2B5EF4-FFF2-40B4-BE49-F238E27FC236}">
-                  <a16:creationId xmlns:a16="http://schemas.microsoft.com/office/drawing/2014/main" id="{A3770720-FC61-40D3-BCF7-E7FCBDE3A234}"/>
-                </a:ext>
-              </a:extLst>
-            </p:cNvPr>
-            <p:cNvCxnSpPr>
-              <a:cxnSpLocks/>
-            </p:cNvCxnSpPr>
-            <p:nvPr/>
-          </p:nvCxnSpPr>
-          <p:spPr>
-            <a:xfrm>
-              <a:off x="9085280" y="880628"/>
-              <a:ext cx="0" cy="5226745"/>
-            </a:xfrm>
-            <a:prstGeom prst="line">
-              <a:avLst/>
-            </a:prstGeom>
-            <a:ln w="28575">
-              <a:prstDash val="dash"/>
-            </a:ln>
-          </p:spPr>
-          <p:style>
-            <a:lnRef idx="1">
-              <a:schemeClr val="dk1"/>
-            </a:lnRef>
-            <a:fillRef idx="0">
-              <a:schemeClr val="dk1"/>
-            </a:fillRef>
-            <a:effectRef idx="0">
-              <a:schemeClr val="dk1"/>
-            </a:effectRef>
-            <a:fontRef idx="minor">
-              <a:schemeClr val="tx1"/>
-            </a:fontRef>
-          </p:style>
-        </p:cxnSp>
-      </p:grpSp>
-    </p:spTree>
-    <p:extLst>
-      <p:ext uri="{BB962C8B-B14F-4D97-AF65-F5344CB8AC3E}">
-        <p14:creationId xmlns:p14="http://schemas.microsoft.com/office/powerpoint/2010/main" val="1180342296"/>
-      </p:ext>
-    </p:extLst>
-  </p:cSld>
-  <p:clrMapOvr>
-    <a:masterClrMapping/>
-  </p:clrMapOvr>
-</p:sld>
-</file>
-
-<file path=ppt/slides/slide20.xml><?xml version="1.0" encoding="utf-8"?>
+<file path=ppt/slides/slide21.xml><?xml version="1.0" encoding="utf-8"?>
 <p:sld xmlns:a="http://schemas.openxmlformats.org/drawingml/2006/main" xmlns:r="http://schemas.openxmlformats.org/officeDocument/2006/relationships" xmlns:p="http://schemas.openxmlformats.org/presentationml/2006/main">
   <p:cSld>
     <p:spTree>
@@ -31223,7 +33285,7 @@
 </p:sld>
 </file>
 
-<file path=ppt/slides/slide21.xml><?xml version="1.0" encoding="utf-8"?>
+<file path=ppt/slides/slide22.xml><?xml version="1.0" encoding="utf-8"?>
 <p:sld xmlns:a="http://schemas.openxmlformats.org/drawingml/2006/main" xmlns:r="http://schemas.openxmlformats.org/officeDocument/2006/relationships" xmlns:p="http://schemas.openxmlformats.org/presentationml/2006/main">
   <p:cSld>
     <p:spTree>
@@ -32343,7 +34405,7 @@
 </p:sld>
 </file>
 
-<file path=ppt/slides/slide22.xml><?xml version="1.0" encoding="utf-8"?>
+<file path=ppt/slides/slide23.xml><?xml version="1.0" encoding="utf-8"?>
 <p:sld xmlns:a="http://schemas.openxmlformats.org/drawingml/2006/main" xmlns:r="http://schemas.openxmlformats.org/officeDocument/2006/relationships" xmlns:p="http://schemas.openxmlformats.org/presentationml/2006/main">
   <p:cSld>
     <p:spTree>
@@ -34435,7 +36497,7 @@
 </p:sld>
 </file>
 
-<file path=ppt/slides/slide23.xml><?xml version="1.0" encoding="utf-8"?>
+<file path=ppt/slides/slide24.xml><?xml version="1.0" encoding="utf-8"?>
 <p:sld xmlns:a="http://schemas.openxmlformats.org/drawingml/2006/main" xmlns:r="http://schemas.openxmlformats.org/officeDocument/2006/relationships" xmlns:p="http://schemas.openxmlformats.org/presentationml/2006/main">
   <p:cSld>
     <p:spTree>
@@ -35856,7 +37918,7 @@
 </p:sld>
 </file>
 
-<file path=ppt/slides/slide24.xml><?xml version="1.0" encoding="utf-8"?>
+<file path=ppt/slides/slide25.xml><?xml version="1.0" encoding="utf-8"?>
 <p:sld xmlns:a="http://schemas.openxmlformats.org/drawingml/2006/main" xmlns:r="http://schemas.openxmlformats.org/officeDocument/2006/relationships" xmlns:p="http://schemas.openxmlformats.org/presentationml/2006/main">
   <p:cSld>
     <p:spTree>
@@ -36620,7 +38682,7 @@
 </p:sld>
 </file>
 
-<file path=ppt/slides/slide25.xml><?xml version="1.0" encoding="utf-8"?>
+<file path=ppt/slides/slide26.xml><?xml version="1.0" encoding="utf-8"?>
 <p:sld xmlns:a="http://schemas.openxmlformats.org/drawingml/2006/main" xmlns:r="http://schemas.openxmlformats.org/officeDocument/2006/relationships" xmlns:p="http://schemas.openxmlformats.org/presentationml/2006/main">
   <p:cSld>
     <p:spTree>
@@ -37446,7 +39508,7 @@
 </p:sld>
 </file>
 
-<file path=ppt/slides/slide26.xml><?xml version="1.0" encoding="utf-8"?>
+<file path=ppt/slides/slide27.xml><?xml version="1.0" encoding="utf-8"?>
 <p:sld xmlns:a="http://schemas.openxmlformats.org/drawingml/2006/main" xmlns:r="http://schemas.openxmlformats.org/officeDocument/2006/relationships" xmlns:p="http://schemas.openxmlformats.org/presentationml/2006/main">
   <p:cSld>
     <p:spTree>
@@ -38231,7 +40293,7 @@
 </p:sld>
 </file>
 
-<file path=ppt/slides/slide27.xml><?xml version="1.0" encoding="utf-8"?>
+<file path=ppt/slides/slide28.xml><?xml version="1.0" encoding="utf-8"?>
 <p:sld xmlns:a="http://schemas.openxmlformats.org/drawingml/2006/main" xmlns:r="http://schemas.openxmlformats.org/officeDocument/2006/relationships" xmlns:p="http://schemas.openxmlformats.org/presentationml/2006/main">
   <p:cSld>
     <p:spTree>
@@ -38861,7 +40923,7 @@
 </p:sld>
 </file>
 
-<file path=ppt/slides/slide28.xml><?xml version="1.0" encoding="utf-8"?>
+<file path=ppt/slides/slide29.xml><?xml version="1.0" encoding="utf-8"?>
 <p:sld xmlns:a="http://schemas.openxmlformats.org/drawingml/2006/main" xmlns:r="http://schemas.openxmlformats.org/officeDocument/2006/relationships" xmlns:p="http://schemas.openxmlformats.org/presentationml/2006/main">
   <p:cSld>
     <p:spTree>
@@ -41823,8 +43885,8 @@
             </a:prstGeom>
           </p:spPr>
         </p:pic>
-        <mc:AlternateContent xmlns:mc="http://schemas.openxmlformats.org/markup-compatibility/2006">
-          <mc:Choice xmlns:a14="http://schemas.microsoft.com/office/drawing/2010/main" Requires="a14">
+        <mc:AlternateContent xmlns:mc="http://schemas.openxmlformats.org/markup-compatibility/2006" xmlns:a14="http://schemas.microsoft.com/office/drawing/2010/main">
+          <mc:Choice Requires="a14">
             <p:sp>
               <p:nvSpPr>
                 <p:cNvPr id="6" name="CasellaDiTesto 5">
@@ -41907,7 +43969,7 @@
               </p:txBody>
             </p:sp>
           </mc:Choice>
-          <mc:Fallback>
+          <mc:Fallback xmlns="">
             <p:sp>
               <p:nvSpPr>
                 <p:cNvPr id="6" name="CasellaDiTesto 5">
@@ -41955,8 +44017,8 @@
             </p:sp>
           </mc:Fallback>
         </mc:AlternateContent>
-        <mc:AlternateContent xmlns:mc="http://schemas.openxmlformats.org/markup-compatibility/2006">
-          <mc:Choice xmlns:a14="http://schemas.microsoft.com/office/drawing/2010/main" Requires="a14">
+        <mc:AlternateContent xmlns:mc="http://schemas.openxmlformats.org/markup-compatibility/2006" xmlns:a14="http://schemas.microsoft.com/office/drawing/2010/main">
+          <mc:Choice Requires="a14">
             <p:sp>
               <p:nvSpPr>
                 <p:cNvPr id="7" name="CasellaDiTesto 6">
@@ -42039,7 +44101,7 @@
               </p:txBody>
             </p:sp>
           </mc:Choice>
-          <mc:Fallback>
+          <mc:Fallback xmlns="">
             <p:sp>
               <p:nvSpPr>
                 <p:cNvPr id="7" name="CasellaDiTesto 6">
@@ -42087,8 +44149,8 @@
             </p:sp>
           </mc:Fallback>
         </mc:AlternateContent>
-        <mc:AlternateContent xmlns:mc="http://schemas.openxmlformats.org/markup-compatibility/2006">
-          <mc:Choice xmlns:a14="http://schemas.microsoft.com/office/drawing/2010/main" Requires="a14">
+        <mc:AlternateContent xmlns:mc="http://schemas.openxmlformats.org/markup-compatibility/2006" xmlns:a14="http://schemas.microsoft.com/office/drawing/2010/main">
+          <mc:Choice Requires="a14">
             <p:sp>
               <p:nvSpPr>
                 <p:cNvPr id="8" name="CasellaDiTesto 7">
@@ -42171,7 +44233,7 @@
               </p:txBody>
             </p:sp>
           </mc:Choice>
-          <mc:Fallback>
+          <mc:Fallback xmlns="">
             <p:sp>
               <p:nvSpPr>
                 <p:cNvPr id="8" name="CasellaDiTesto 7">

--- a/img/celle.pptx
+++ b/img/celle.pptx
@@ -6,38 +6,40 @@
     <p:sldMasterId id="2147483660" r:id="rId2"/>
   </p:sldMasterIdLst>
   <p:notesMasterIdLst>
-    <p:notesMasterId r:id="rId32"/>
+    <p:notesMasterId r:id="rId34"/>
   </p:notesMasterIdLst>
   <p:sldIdLst>
     <p:sldId id="256" r:id="rId3"/>
-    <p:sldId id="284" r:id="rId4"/>
-    <p:sldId id="285" r:id="rId5"/>
-    <p:sldId id="282" r:id="rId6"/>
-    <p:sldId id="281" r:id="rId7"/>
-    <p:sldId id="268" r:id="rId8"/>
-    <p:sldId id="269" r:id="rId9"/>
-    <p:sldId id="258" r:id="rId10"/>
-    <p:sldId id="257" r:id="rId11"/>
-    <p:sldId id="259" r:id="rId12"/>
-    <p:sldId id="260" r:id="rId13"/>
-    <p:sldId id="261" r:id="rId14"/>
-    <p:sldId id="262" r:id="rId15"/>
-    <p:sldId id="287" r:id="rId16"/>
-    <p:sldId id="263" r:id="rId17"/>
-    <p:sldId id="283" r:id="rId18"/>
-    <p:sldId id="265" r:id="rId19"/>
-    <p:sldId id="266" r:id="rId20"/>
-    <p:sldId id="270" r:id="rId21"/>
-    <p:sldId id="271" r:id="rId22"/>
-    <p:sldId id="267" r:id="rId23"/>
-    <p:sldId id="278" r:id="rId24"/>
-    <p:sldId id="279" r:id="rId25"/>
-    <p:sldId id="277" r:id="rId26"/>
-    <p:sldId id="272" r:id="rId27"/>
-    <p:sldId id="275" r:id="rId28"/>
-    <p:sldId id="276" r:id="rId29"/>
-    <p:sldId id="274" r:id="rId30"/>
-    <p:sldId id="280" r:id="rId31"/>
+    <p:sldId id="288" r:id="rId4"/>
+    <p:sldId id="289" r:id="rId5"/>
+    <p:sldId id="284" r:id="rId6"/>
+    <p:sldId id="285" r:id="rId7"/>
+    <p:sldId id="282" r:id="rId8"/>
+    <p:sldId id="281" r:id="rId9"/>
+    <p:sldId id="268" r:id="rId10"/>
+    <p:sldId id="269" r:id="rId11"/>
+    <p:sldId id="258" r:id="rId12"/>
+    <p:sldId id="257" r:id="rId13"/>
+    <p:sldId id="259" r:id="rId14"/>
+    <p:sldId id="260" r:id="rId15"/>
+    <p:sldId id="261" r:id="rId16"/>
+    <p:sldId id="262" r:id="rId17"/>
+    <p:sldId id="287" r:id="rId18"/>
+    <p:sldId id="263" r:id="rId19"/>
+    <p:sldId id="283" r:id="rId20"/>
+    <p:sldId id="265" r:id="rId21"/>
+    <p:sldId id="266" r:id="rId22"/>
+    <p:sldId id="270" r:id="rId23"/>
+    <p:sldId id="271" r:id="rId24"/>
+    <p:sldId id="267" r:id="rId25"/>
+    <p:sldId id="278" r:id="rId26"/>
+    <p:sldId id="279" r:id="rId27"/>
+    <p:sldId id="277" r:id="rId28"/>
+    <p:sldId id="272" r:id="rId29"/>
+    <p:sldId id="275" r:id="rId30"/>
+    <p:sldId id="276" r:id="rId31"/>
+    <p:sldId id="274" r:id="rId32"/>
+    <p:sldId id="280" r:id="rId33"/>
   </p:sldIdLst>
   <p:sldSz cx="12192000" cy="6858000"/>
   <p:notesSz cx="6858000" cy="9144000"/>
@@ -226,7 +228,7 @@
           <a:p>
             <a:fld id="{76BCBF0C-CE44-499E-BCEB-7948FB131314}" type="datetimeFigureOut">
               <a:rPr lang="it-IT" smtClean="0"/>
-              <a:t>23/03/2019</a:t>
+              <a:t>25/03/2019</a:t>
             </a:fld>
             <a:endParaRPr lang="it-IT"/>
           </a:p>
@@ -640,7 +642,7 @@
           <a:p>
             <a:fld id="{73B341DB-7226-48ED-93C6-4CA0570B6B59}" type="datetimeFigureOut">
               <a:rPr lang="it-IT" smtClean="0"/>
-              <a:t>23/03/2019</a:t>
+              <a:t>25/03/2019</a:t>
             </a:fld>
             <a:endParaRPr lang="it-IT"/>
           </a:p>
@@ -838,7 +840,7 @@
           <a:p>
             <a:fld id="{73B341DB-7226-48ED-93C6-4CA0570B6B59}" type="datetimeFigureOut">
               <a:rPr lang="it-IT" smtClean="0"/>
-              <a:t>23/03/2019</a:t>
+              <a:t>25/03/2019</a:t>
             </a:fld>
             <a:endParaRPr lang="it-IT"/>
           </a:p>
@@ -1046,7 +1048,7 @@
           <a:p>
             <a:fld id="{73B341DB-7226-48ED-93C6-4CA0570B6B59}" type="datetimeFigureOut">
               <a:rPr lang="it-IT" smtClean="0"/>
-              <a:t>23/03/2019</a:t>
+              <a:t>25/03/2019</a:t>
             </a:fld>
             <a:endParaRPr lang="it-IT"/>
           </a:p>
@@ -1266,7 +1268,7 @@
           <a:p>
             <a:fld id="{6A95F648-2F94-41D1-A59D-39CB3696F9AB}" type="datetimeFigureOut">
               <a:rPr lang="it-IT" smtClean="0"/>
-              <a:t>23/03/2019</a:t>
+              <a:t>25/03/2019</a:t>
             </a:fld>
             <a:endParaRPr lang="it-IT"/>
           </a:p>
@@ -1464,7 +1466,7 @@
           <a:p>
             <a:fld id="{6A95F648-2F94-41D1-A59D-39CB3696F9AB}" type="datetimeFigureOut">
               <a:rPr lang="it-IT" smtClean="0"/>
-              <a:t>23/03/2019</a:t>
+              <a:t>25/03/2019</a:t>
             </a:fld>
             <a:endParaRPr lang="it-IT"/>
           </a:p>
@@ -1739,7 +1741,7 @@
           <a:p>
             <a:fld id="{6A95F648-2F94-41D1-A59D-39CB3696F9AB}" type="datetimeFigureOut">
               <a:rPr lang="it-IT" smtClean="0"/>
-              <a:t>23/03/2019</a:t>
+              <a:t>25/03/2019</a:t>
             </a:fld>
             <a:endParaRPr lang="it-IT"/>
           </a:p>
@@ -2004,7 +2006,7 @@
           <a:p>
             <a:fld id="{6A95F648-2F94-41D1-A59D-39CB3696F9AB}" type="datetimeFigureOut">
               <a:rPr lang="it-IT" smtClean="0"/>
-              <a:t>23/03/2019</a:t>
+              <a:t>25/03/2019</a:t>
             </a:fld>
             <a:endParaRPr lang="it-IT"/>
           </a:p>
@@ -2416,7 +2418,7 @@
           <a:p>
             <a:fld id="{6A95F648-2F94-41D1-A59D-39CB3696F9AB}" type="datetimeFigureOut">
               <a:rPr lang="it-IT" smtClean="0"/>
-              <a:t>23/03/2019</a:t>
+              <a:t>25/03/2019</a:t>
             </a:fld>
             <a:endParaRPr lang="it-IT"/>
           </a:p>
@@ -2557,7 +2559,7 @@
           <a:p>
             <a:fld id="{6A95F648-2F94-41D1-A59D-39CB3696F9AB}" type="datetimeFigureOut">
               <a:rPr lang="it-IT" smtClean="0"/>
-              <a:t>23/03/2019</a:t>
+              <a:t>25/03/2019</a:t>
             </a:fld>
             <a:endParaRPr lang="it-IT"/>
           </a:p>
@@ -2670,7 +2672,7 @@
           <a:p>
             <a:fld id="{6A95F648-2F94-41D1-A59D-39CB3696F9AB}" type="datetimeFigureOut">
               <a:rPr lang="it-IT" smtClean="0"/>
-              <a:t>23/03/2019</a:t>
+              <a:t>25/03/2019</a:t>
             </a:fld>
             <a:endParaRPr lang="it-IT"/>
           </a:p>
@@ -2981,7 +2983,7 @@
           <a:p>
             <a:fld id="{6A95F648-2F94-41D1-A59D-39CB3696F9AB}" type="datetimeFigureOut">
               <a:rPr lang="it-IT" smtClean="0"/>
-              <a:t>23/03/2019</a:t>
+              <a:t>25/03/2019</a:t>
             </a:fld>
             <a:endParaRPr lang="it-IT"/>
           </a:p>
@@ -3179,7 +3181,7 @@
           <a:p>
             <a:fld id="{73B341DB-7226-48ED-93C6-4CA0570B6B59}" type="datetimeFigureOut">
               <a:rPr lang="it-IT" smtClean="0"/>
-              <a:t>23/03/2019</a:t>
+              <a:t>25/03/2019</a:t>
             </a:fld>
             <a:endParaRPr lang="it-IT"/>
           </a:p>
@@ -3467,7 +3469,7 @@
           <a:p>
             <a:fld id="{6A95F648-2F94-41D1-A59D-39CB3696F9AB}" type="datetimeFigureOut">
               <a:rPr lang="it-IT" smtClean="0"/>
-              <a:t>23/03/2019</a:t>
+              <a:t>25/03/2019</a:t>
             </a:fld>
             <a:endParaRPr lang="it-IT"/>
           </a:p>
@@ -3665,7 +3667,7 @@
           <a:p>
             <a:fld id="{6A95F648-2F94-41D1-A59D-39CB3696F9AB}" type="datetimeFigureOut">
               <a:rPr lang="it-IT" smtClean="0"/>
-              <a:t>23/03/2019</a:t>
+              <a:t>25/03/2019</a:t>
             </a:fld>
             <a:endParaRPr lang="it-IT"/>
           </a:p>
@@ -3873,7 +3875,7 @@
           <a:p>
             <a:fld id="{6A95F648-2F94-41D1-A59D-39CB3696F9AB}" type="datetimeFigureOut">
               <a:rPr lang="it-IT" smtClean="0"/>
-              <a:t>23/03/2019</a:t>
+              <a:t>25/03/2019</a:t>
             </a:fld>
             <a:endParaRPr lang="it-IT"/>
           </a:p>
@@ -4148,7 +4150,7 @@
           <a:p>
             <a:fld id="{73B341DB-7226-48ED-93C6-4CA0570B6B59}" type="datetimeFigureOut">
               <a:rPr lang="it-IT" smtClean="0"/>
-              <a:t>23/03/2019</a:t>
+              <a:t>25/03/2019</a:t>
             </a:fld>
             <a:endParaRPr lang="it-IT"/>
           </a:p>
@@ -4413,7 +4415,7 @@
           <a:p>
             <a:fld id="{73B341DB-7226-48ED-93C6-4CA0570B6B59}" type="datetimeFigureOut">
               <a:rPr lang="it-IT" smtClean="0"/>
-              <a:t>23/03/2019</a:t>
+              <a:t>25/03/2019</a:t>
             </a:fld>
             <a:endParaRPr lang="it-IT"/>
           </a:p>
@@ -4825,7 +4827,7 @@
           <a:p>
             <a:fld id="{73B341DB-7226-48ED-93C6-4CA0570B6B59}" type="datetimeFigureOut">
               <a:rPr lang="it-IT" smtClean="0"/>
-              <a:t>23/03/2019</a:t>
+              <a:t>25/03/2019</a:t>
             </a:fld>
             <a:endParaRPr lang="it-IT"/>
           </a:p>
@@ -4966,7 +4968,7 @@
           <a:p>
             <a:fld id="{73B341DB-7226-48ED-93C6-4CA0570B6B59}" type="datetimeFigureOut">
               <a:rPr lang="it-IT" smtClean="0"/>
-              <a:t>23/03/2019</a:t>
+              <a:t>25/03/2019</a:t>
             </a:fld>
             <a:endParaRPr lang="it-IT"/>
           </a:p>
@@ -5079,7 +5081,7 @@
           <a:p>
             <a:fld id="{73B341DB-7226-48ED-93C6-4CA0570B6B59}" type="datetimeFigureOut">
               <a:rPr lang="it-IT" smtClean="0"/>
-              <a:t>23/03/2019</a:t>
+              <a:t>25/03/2019</a:t>
             </a:fld>
             <a:endParaRPr lang="it-IT"/>
           </a:p>
@@ -5390,7 +5392,7 @@
           <a:p>
             <a:fld id="{73B341DB-7226-48ED-93C6-4CA0570B6B59}" type="datetimeFigureOut">
               <a:rPr lang="it-IT" smtClean="0"/>
-              <a:t>23/03/2019</a:t>
+              <a:t>25/03/2019</a:t>
             </a:fld>
             <a:endParaRPr lang="it-IT"/>
           </a:p>
@@ -5678,7 +5680,7 @@
           <a:p>
             <a:fld id="{73B341DB-7226-48ED-93C6-4CA0570B6B59}" type="datetimeFigureOut">
               <a:rPr lang="it-IT" smtClean="0"/>
-              <a:t>23/03/2019</a:t>
+              <a:t>25/03/2019</a:t>
             </a:fld>
             <a:endParaRPr lang="it-IT"/>
           </a:p>
@@ -5919,7 +5921,7 @@
           <a:p>
             <a:fld id="{73B341DB-7226-48ED-93C6-4CA0570B6B59}" type="datetimeFigureOut">
               <a:rPr lang="it-IT" smtClean="0"/>
-              <a:t>23/03/2019</a:t>
+              <a:t>25/03/2019</a:t>
             </a:fld>
             <a:endParaRPr lang="it-IT"/>
           </a:p>
@@ -6487,7 +6489,7 @@
           <a:p>
             <a:fld id="{6A95F648-2F94-41D1-A59D-39CB3696F9AB}" type="datetimeFigureOut">
               <a:rPr lang="it-IT" smtClean="0"/>
-              <a:t>23/03/2019</a:t>
+              <a:t>25/03/2019</a:t>
             </a:fld>
             <a:endParaRPr lang="it-IT"/>
           </a:p>
@@ -7802,6 +7804,1779 @@
 </file>
 
 <file path=ppt/slides/slide10.xml><?xml version="1.0" encoding="utf-8"?>
+<p:sld xmlns:a="http://schemas.openxmlformats.org/drawingml/2006/main" xmlns:r="http://schemas.openxmlformats.org/officeDocument/2006/relationships" xmlns:p="http://schemas.openxmlformats.org/presentationml/2006/main">
+  <p:cSld>
+    <p:spTree>
+      <p:nvGrpSpPr>
+        <p:cNvPr id="1" name=""/>
+        <p:cNvGrpSpPr/>
+        <p:nvPr/>
+      </p:nvGrpSpPr>
+      <p:grpSpPr>
+        <a:xfrm>
+          <a:off x="0" y="0"/>
+          <a:ext cx="0" cy="0"/>
+          <a:chOff x="0" y="0"/>
+          <a:chExt cx="0" cy="0"/>
+        </a:xfrm>
+      </p:grpSpPr>
+      <p:grpSp>
+        <p:nvGrpSpPr>
+          <p:cNvPr id="3" name="Gruppo 2">
+            <a:extLst>
+              <a:ext uri="{FF2B5EF4-FFF2-40B4-BE49-F238E27FC236}">
+                <a16:creationId xmlns:a16="http://schemas.microsoft.com/office/drawing/2014/main" id="{872E7B81-B1D8-4352-85BE-BD2F22FFF37D}"/>
+              </a:ext>
+            </a:extLst>
+          </p:cNvPr>
+          <p:cNvGrpSpPr/>
+          <p:nvPr/>
+        </p:nvGrpSpPr>
+        <p:grpSpPr>
+          <a:xfrm>
+            <a:off x="3223095" y="113803"/>
+            <a:ext cx="6321288" cy="6321287"/>
+            <a:chOff x="1919578" y="651013"/>
+            <a:chExt cx="5555975" cy="5555974"/>
+          </a:xfrm>
+        </p:grpSpPr>
+        <p:sp>
+          <p:nvSpPr>
+            <p:cNvPr id="10" name="Rettangolo 9">
+              <a:extLst>
+                <a:ext uri="{FF2B5EF4-FFF2-40B4-BE49-F238E27FC236}">
+                  <a16:creationId xmlns:a16="http://schemas.microsoft.com/office/drawing/2014/main" id="{3564D526-CE79-47C6-9EE5-B2FDFB221312}"/>
+                </a:ext>
+              </a:extLst>
+            </p:cNvPr>
+            <p:cNvSpPr/>
+            <p:nvPr/>
+          </p:nvSpPr>
+          <p:spPr>
+            <a:xfrm>
+              <a:off x="1919579" y="651013"/>
+              <a:ext cx="2777987" cy="2777987"/>
+            </a:xfrm>
+            <a:prstGeom prst="rect">
+              <a:avLst/>
+            </a:prstGeom>
+            <a:noFill/>
+            <a:ln>
+              <a:solidFill>
+                <a:schemeClr val="tx1"/>
+              </a:solidFill>
+            </a:ln>
+          </p:spPr>
+          <p:style>
+            <a:lnRef idx="2">
+              <a:schemeClr val="accent1">
+                <a:shade val="50000"/>
+              </a:schemeClr>
+            </a:lnRef>
+            <a:fillRef idx="1">
+              <a:schemeClr val="accent1"/>
+            </a:fillRef>
+            <a:effectRef idx="0">
+              <a:schemeClr val="accent1"/>
+            </a:effectRef>
+            <a:fontRef idx="minor">
+              <a:schemeClr val="lt1"/>
+            </a:fontRef>
+          </p:style>
+          <p:txBody>
+            <a:bodyPr rtlCol="0" anchor="ctr"/>
+            <a:lstStyle/>
+            <a:p>
+              <a:pPr algn="ctr"/>
+              <a:endParaRPr lang="it-IT"/>
+            </a:p>
+          </p:txBody>
+        </p:sp>
+        <p:sp>
+          <p:nvSpPr>
+            <p:cNvPr id="27" name="Rettangolo 26">
+              <a:extLst>
+                <a:ext uri="{FF2B5EF4-FFF2-40B4-BE49-F238E27FC236}">
+                  <a16:creationId xmlns:a16="http://schemas.microsoft.com/office/drawing/2014/main" id="{85101526-E3F1-4555-A759-3A46B804B2B2}"/>
+                </a:ext>
+              </a:extLst>
+            </p:cNvPr>
+            <p:cNvSpPr/>
+            <p:nvPr/>
+          </p:nvSpPr>
+          <p:spPr>
+            <a:xfrm>
+              <a:off x="1919578" y="3429000"/>
+              <a:ext cx="2777987" cy="2777987"/>
+            </a:xfrm>
+            <a:prstGeom prst="rect">
+              <a:avLst/>
+            </a:prstGeom>
+            <a:noFill/>
+            <a:ln>
+              <a:solidFill>
+                <a:schemeClr val="tx1"/>
+              </a:solidFill>
+            </a:ln>
+          </p:spPr>
+          <p:style>
+            <a:lnRef idx="2">
+              <a:schemeClr val="accent1">
+                <a:shade val="50000"/>
+              </a:schemeClr>
+            </a:lnRef>
+            <a:fillRef idx="1">
+              <a:schemeClr val="accent1"/>
+            </a:fillRef>
+            <a:effectRef idx="0">
+              <a:schemeClr val="accent1"/>
+            </a:effectRef>
+            <a:fontRef idx="minor">
+              <a:schemeClr val="lt1"/>
+            </a:fontRef>
+          </p:style>
+          <p:txBody>
+            <a:bodyPr rtlCol="0" anchor="ctr"/>
+            <a:lstStyle/>
+            <a:p>
+              <a:pPr algn="ctr"/>
+              <a:endParaRPr lang="it-IT"/>
+            </a:p>
+          </p:txBody>
+        </p:sp>
+        <p:sp>
+          <p:nvSpPr>
+            <p:cNvPr id="29" name="Rettangolo 28">
+              <a:extLst>
+                <a:ext uri="{FF2B5EF4-FFF2-40B4-BE49-F238E27FC236}">
+                  <a16:creationId xmlns:a16="http://schemas.microsoft.com/office/drawing/2014/main" id="{C76FEF86-0F51-48C7-A589-3CB5ABE342E0}"/>
+                </a:ext>
+              </a:extLst>
+            </p:cNvPr>
+            <p:cNvSpPr/>
+            <p:nvPr/>
+          </p:nvSpPr>
+          <p:spPr>
+            <a:xfrm>
+              <a:off x="4697565" y="3429000"/>
+              <a:ext cx="2777987" cy="2777987"/>
+            </a:xfrm>
+            <a:prstGeom prst="rect">
+              <a:avLst/>
+            </a:prstGeom>
+            <a:noFill/>
+            <a:ln>
+              <a:solidFill>
+                <a:schemeClr val="tx1"/>
+              </a:solidFill>
+            </a:ln>
+          </p:spPr>
+          <p:style>
+            <a:lnRef idx="2">
+              <a:schemeClr val="accent1">
+                <a:shade val="50000"/>
+              </a:schemeClr>
+            </a:lnRef>
+            <a:fillRef idx="1">
+              <a:schemeClr val="accent1"/>
+            </a:fillRef>
+            <a:effectRef idx="0">
+              <a:schemeClr val="accent1"/>
+            </a:effectRef>
+            <a:fontRef idx="minor">
+              <a:schemeClr val="lt1"/>
+            </a:fontRef>
+          </p:style>
+          <p:txBody>
+            <a:bodyPr rtlCol="0" anchor="ctr"/>
+            <a:lstStyle/>
+            <a:p>
+              <a:pPr algn="ctr"/>
+              <a:endParaRPr lang="it-IT"/>
+            </a:p>
+          </p:txBody>
+        </p:sp>
+        <p:sp>
+          <p:nvSpPr>
+            <p:cNvPr id="36" name="Rettangolo 35">
+              <a:extLst>
+                <a:ext uri="{FF2B5EF4-FFF2-40B4-BE49-F238E27FC236}">
+                  <a16:creationId xmlns:a16="http://schemas.microsoft.com/office/drawing/2014/main" id="{BF69F4CC-E103-448F-A421-2AAC38F0CEB2}"/>
+                </a:ext>
+              </a:extLst>
+            </p:cNvPr>
+            <p:cNvSpPr/>
+            <p:nvPr/>
+          </p:nvSpPr>
+          <p:spPr>
+            <a:xfrm>
+              <a:off x="4697566" y="651013"/>
+              <a:ext cx="2777987" cy="2777987"/>
+            </a:xfrm>
+            <a:prstGeom prst="rect">
+              <a:avLst/>
+            </a:prstGeom>
+            <a:noFill/>
+            <a:ln>
+              <a:solidFill>
+                <a:schemeClr val="tx1"/>
+              </a:solidFill>
+            </a:ln>
+          </p:spPr>
+          <p:style>
+            <a:lnRef idx="2">
+              <a:schemeClr val="accent1">
+                <a:shade val="50000"/>
+              </a:schemeClr>
+            </a:lnRef>
+            <a:fillRef idx="1">
+              <a:schemeClr val="accent1"/>
+            </a:fillRef>
+            <a:effectRef idx="0">
+              <a:schemeClr val="accent1"/>
+            </a:effectRef>
+            <a:fontRef idx="minor">
+              <a:schemeClr val="lt1"/>
+            </a:fontRef>
+          </p:style>
+          <p:txBody>
+            <a:bodyPr rtlCol="0" anchor="ctr"/>
+            <a:lstStyle/>
+            <a:p>
+              <a:pPr algn="ctr"/>
+              <a:endParaRPr lang="it-IT"/>
+            </a:p>
+          </p:txBody>
+        </p:sp>
+      </p:grpSp>
+      <p:cxnSp>
+        <p:nvCxnSpPr>
+          <p:cNvPr id="5" name="Connettore diritto 4">
+            <a:extLst>
+              <a:ext uri="{FF2B5EF4-FFF2-40B4-BE49-F238E27FC236}">
+                <a16:creationId xmlns:a16="http://schemas.microsoft.com/office/drawing/2014/main" id="{21675BC8-62ED-4381-A697-47A99D9249B0}"/>
+              </a:ext>
+            </a:extLst>
+          </p:cNvPr>
+          <p:cNvCxnSpPr/>
+          <p:nvPr/>
+        </p:nvCxnSpPr>
+        <p:spPr>
+          <a:xfrm>
+            <a:off x="1451610" y="6435091"/>
+            <a:ext cx="9841230" cy="0"/>
+          </a:xfrm>
+          <a:prstGeom prst="line">
+            <a:avLst/>
+          </a:prstGeom>
+        </p:spPr>
+        <p:style>
+          <a:lnRef idx="2">
+            <a:schemeClr val="dk1"/>
+          </a:lnRef>
+          <a:fillRef idx="0">
+            <a:schemeClr val="dk1"/>
+          </a:fillRef>
+          <a:effectRef idx="1">
+            <a:schemeClr val="dk1"/>
+          </a:effectRef>
+          <a:fontRef idx="minor">
+            <a:schemeClr val="tx1"/>
+          </a:fontRef>
+        </p:style>
+      </p:cxnSp>
+      <p:cxnSp>
+        <p:nvCxnSpPr>
+          <p:cNvPr id="7" name="Connettore 2 6">
+            <a:extLst>
+              <a:ext uri="{FF2B5EF4-FFF2-40B4-BE49-F238E27FC236}">
+                <a16:creationId xmlns:a16="http://schemas.microsoft.com/office/drawing/2014/main" id="{5A725ECE-CFE5-4427-8DDC-321CF0C1DC75}"/>
+              </a:ext>
+            </a:extLst>
+          </p:cNvPr>
+          <p:cNvCxnSpPr>
+            <a:cxnSpLocks/>
+          </p:cNvCxnSpPr>
+          <p:nvPr/>
+        </p:nvCxnSpPr>
+        <p:spPr>
+          <a:xfrm>
+            <a:off x="6138000" y="1680210"/>
+            <a:ext cx="540000" cy="0"/>
+          </a:xfrm>
+          <a:prstGeom prst="straightConnector1">
+            <a:avLst/>
+          </a:prstGeom>
+          <a:ln w="38100">
+            <a:tailEnd type="triangle"/>
+          </a:ln>
+        </p:spPr>
+        <p:style>
+          <a:lnRef idx="3">
+            <a:schemeClr val="dk1"/>
+          </a:lnRef>
+          <a:fillRef idx="0">
+            <a:schemeClr val="dk1"/>
+          </a:fillRef>
+          <a:effectRef idx="2">
+            <a:schemeClr val="dk1"/>
+          </a:effectRef>
+          <a:fontRef idx="minor">
+            <a:schemeClr val="tx1"/>
+          </a:fontRef>
+        </p:style>
+      </p:cxnSp>
+      <p:cxnSp>
+        <p:nvCxnSpPr>
+          <p:cNvPr id="37" name="Connettore 2 36">
+            <a:extLst>
+              <a:ext uri="{FF2B5EF4-FFF2-40B4-BE49-F238E27FC236}">
+                <a16:creationId xmlns:a16="http://schemas.microsoft.com/office/drawing/2014/main" id="{C3420678-2091-4435-AB3E-44F7C318B2AD}"/>
+              </a:ext>
+            </a:extLst>
+          </p:cNvPr>
+          <p:cNvCxnSpPr/>
+          <p:nvPr/>
+        </p:nvCxnSpPr>
+        <p:spPr>
+          <a:xfrm>
+            <a:off x="6138000" y="4850130"/>
+            <a:ext cx="540000" cy="0"/>
+          </a:xfrm>
+          <a:prstGeom prst="straightConnector1">
+            <a:avLst/>
+          </a:prstGeom>
+          <a:ln w="38100">
+            <a:tailEnd type="triangle"/>
+          </a:ln>
+        </p:spPr>
+        <p:style>
+          <a:lnRef idx="3">
+            <a:schemeClr val="dk1"/>
+          </a:lnRef>
+          <a:fillRef idx="0">
+            <a:schemeClr val="dk1"/>
+          </a:fillRef>
+          <a:effectRef idx="2">
+            <a:schemeClr val="dk1"/>
+          </a:effectRef>
+          <a:fontRef idx="minor">
+            <a:schemeClr val="tx1"/>
+          </a:fontRef>
+        </p:style>
+      </p:cxnSp>
+      <p:cxnSp>
+        <p:nvCxnSpPr>
+          <p:cNvPr id="38" name="Connettore 2 37">
+            <a:extLst>
+              <a:ext uri="{FF2B5EF4-FFF2-40B4-BE49-F238E27FC236}">
+                <a16:creationId xmlns:a16="http://schemas.microsoft.com/office/drawing/2014/main" id="{41ACAC45-4455-42A8-AE03-517F241A29A8}"/>
+              </a:ext>
+            </a:extLst>
+          </p:cNvPr>
+          <p:cNvCxnSpPr/>
+          <p:nvPr/>
+        </p:nvCxnSpPr>
+        <p:spPr>
+          <a:xfrm>
+            <a:off x="6138000" y="6436857"/>
+            <a:ext cx="540000" cy="0"/>
+          </a:xfrm>
+          <a:prstGeom prst="straightConnector1">
+            <a:avLst/>
+          </a:prstGeom>
+          <a:ln w="38100">
+            <a:solidFill>
+              <a:schemeClr val="dk1">
+                <a:alpha val="99000"/>
+              </a:schemeClr>
+            </a:solidFill>
+            <a:tailEnd type="triangle"/>
+          </a:ln>
+        </p:spPr>
+        <p:style>
+          <a:lnRef idx="3">
+            <a:schemeClr val="dk1"/>
+          </a:lnRef>
+          <a:fillRef idx="0">
+            <a:schemeClr val="dk1"/>
+          </a:fillRef>
+          <a:effectRef idx="2">
+            <a:schemeClr val="dk1"/>
+          </a:effectRef>
+          <a:fontRef idx="minor">
+            <a:schemeClr val="tx1"/>
+          </a:fontRef>
+        </p:style>
+      </p:cxnSp>
+    </p:spTree>
+    <p:extLst>
+      <p:ext uri="{BB962C8B-B14F-4D97-AF65-F5344CB8AC3E}">
+        <p14:creationId xmlns:p14="http://schemas.microsoft.com/office/powerpoint/2010/main" val="546057721"/>
+      </p:ext>
+    </p:extLst>
+  </p:cSld>
+  <p:clrMapOvr>
+    <a:masterClrMapping/>
+  </p:clrMapOvr>
+</p:sld>
+</file>
+
+<file path=ppt/slides/slide11.xml><?xml version="1.0" encoding="utf-8"?>
+<p:sld xmlns:a="http://schemas.openxmlformats.org/drawingml/2006/main" xmlns:r="http://schemas.openxmlformats.org/officeDocument/2006/relationships" xmlns:p="http://schemas.openxmlformats.org/presentationml/2006/main">
+  <p:cSld>
+    <p:spTree>
+      <p:nvGrpSpPr>
+        <p:cNvPr id="1" name=""/>
+        <p:cNvGrpSpPr/>
+        <p:nvPr/>
+      </p:nvGrpSpPr>
+      <p:grpSpPr>
+        <a:xfrm>
+          <a:off x="0" y="0"/>
+          <a:ext cx="0" cy="0"/>
+          <a:chOff x="0" y="0"/>
+          <a:chExt cx="0" cy="0"/>
+        </a:xfrm>
+      </p:grpSpPr>
+      <p:grpSp>
+        <p:nvGrpSpPr>
+          <p:cNvPr id="7" name="Gruppo 6">
+            <a:extLst>
+              <a:ext uri="{FF2B5EF4-FFF2-40B4-BE49-F238E27FC236}">
+                <a16:creationId xmlns:a16="http://schemas.microsoft.com/office/drawing/2014/main" id="{F7356FE6-44F9-4FC1-AF5D-2E613163D1BB}"/>
+              </a:ext>
+            </a:extLst>
+          </p:cNvPr>
+          <p:cNvGrpSpPr/>
+          <p:nvPr/>
+        </p:nvGrpSpPr>
+        <p:grpSpPr>
+          <a:xfrm>
+            <a:off x="1179871" y="2654773"/>
+            <a:ext cx="9411926" cy="1827361"/>
+            <a:chOff x="1179871" y="2654773"/>
+            <a:chExt cx="9411926" cy="1827361"/>
+          </a:xfrm>
+        </p:grpSpPr>
+        <p:grpSp>
+          <p:nvGrpSpPr>
+            <p:cNvPr id="26" name="Gruppo 25">
+              <a:extLst>
+                <a:ext uri="{FF2B5EF4-FFF2-40B4-BE49-F238E27FC236}">
+                  <a16:creationId xmlns:a16="http://schemas.microsoft.com/office/drawing/2014/main" id="{2D6810B6-2C6B-442B-93DE-4A8D29D74893}"/>
+                </a:ext>
+              </a:extLst>
+            </p:cNvPr>
+            <p:cNvGrpSpPr/>
+            <p:nvPr/>
+          </p:nvGrpSpPr>
+          <p:grpSpPr>
+            <a:xfrm>
+              <a:off x="4359964" y="2655320"/>
+              <a:ext cx="4916745" cy="1817288"/>
+              <a:chOff x="2620565" y="1451113"/>
+              <a:chExt cx="8856006" cy="3273287"/>
+            </a:xfrm>
+          </p:grpSpPr>
+          <p:sp>
+            <p:nvSpPr>
+              <p:cNvPr id="9" name="Rettangolo 8">
+                <a:extLst>
+                  <a:ext uri="{FF2B5EF4-FFF2-40B4-BE49-F238E27FC236}">
+                    <a16:creationId xmlns:a16="http://schemas.microsoft.com/office/drawing/2014/main" id="{312E38FE-114C-4538-A669-14C9E214791C}"/>
+                  </a:ext>
+                </a:extLst>
+              </p:cNvPr>
+              <p:cNvSpPr/>
+              <p:nvPr/>
+            </p:nvSpPr>
+            <p:spPr>
+              <a:xfrm>
+                <a:off x="2672866" y="1451113"/>
+                <a:ext cx="5053153" cy="3273287"/>
+              </a:xfrm>
+              <a:prstGeom prst="rect">
+                <a:avLst/>
+              </a:prstGeom>
+              <a:noFill/>
+              <a:ln>
+                <a:solidFill>
+                  <a:schemeClr val="tx1"/>
+                </a:solidFill>
+              </a:ln>
+            </p:spPr>
+            <p:style>
+              <a:lnRef idx="2">
+                <a:schemeClr val="accent1">
+                  <a:shade val="50000"/>
+                </a:schemeClr>
+              </a:lnRef>
+              <a:fillRef idx="1">
+                <a:schemeClr val="accent1"/>
+              </a:fillRef>
+              <a:effectRef idx="0">
+                <a:schemeClr val="accent1"/>
+              </a:effectRef>
+              <a:fontRef idx="minor">
+                <a:schemeClr val="lt1"/>
+              </a:fontRef>
+            </p:style>
+            <p:txBody>
+              <a:bodyPr rtlCol="0" anchor="ctr"/>
+              <a:lstStyle/>
+              <a:p>
+                <a:pPr algn="ctr"/>
+                <a:endParaRPr lang="it-IT"/>
+              </a:p>
+            </p:txBody>
+          </p:sp>
+          <p:sp>
+            <p:nvSpPr>
+              <p:cNvPr id="10" name="Rettangolo 9">
+                <a:extLst>
+                  <a:ext uri="{FF2B5EF4-FFF2-40B4-BE49-F238E27FC236}">
+                    <a16:creationId xmlns:a16="http://schemas.microsoft.com/office/drawing/2014/main" id="{3564D526-CE79-47C6-9EE5-B2FDFB221312}"/>
+                  </a:ext>
+                </a:extLst>
+              </p:cNvPr>
+              <p:cNvSpPr/>
+              <p:nvPr/>
+            </p:nvSpPr>
+            <p:spPr>
+              <a:xfrm>
+                <a:off x="7726019" y="1451113"/>
+                <a:ext cx="3273287" cy="3273287"/>
+              </a:xfrm>
+              <a:prstGeom prst="rect">
+                <a:avLst/>
+              </a:prstGeom>
+              <a:noFill/>
+              <a:ln>
+                <a:solidFill>
+                  <a:schemeClr val="tx1"/>
+                </a:solidFill>
+              </a:ln>
+            </p:spPr>
+            <p:style>
+              <a:lnRef idx="2">
+                <a:schemeClr val="accent1">
+                  <a:shade val="50000"/>
+                </a:schemeClr>
+              </a:lnRef>
+              <a:fillRef idx="1">
+                <a:schemeClr val="accent1"/>
+              </a:fillRef>
+              <a:effectRef idx="0">
+                <a:schemeClr val="accent1"/>
+              </a:effectRef>
+              <a:fontRef idx="minor">
+                <a:schemeClr val="lt1"/>
+              </a:fontRef>
+            </p:style>
+            <p:txBody>
+              <a:bodyPr rtlCol="0" anchor="ctr"/>
+              <a:lstStyle/>
+              <a:p>
+                <a:pPr algn="ctr"/>
+                <a:endParaRPr lang="it-IT"/>
+              </a:p>
+            </p:txBody>
+          </p:sp>
+          <p:sp>
+            <p:nvSpPr>
+              <p:cNvPr id="13" name="Ovale 12">
+                <a:extLst>
+                  <a:ext uri="{FF2B5EF4-FFF2-40B4-BE49-F238E27FC236}">
+                    <a16:creationId xmlns:a16="http://schemas.microsoft.com/office/drawing/2014/main" id="{219D0818-7A21-4AC2-8FDC-C4FA04185824}"/>
+                  </a:ext>
+                </a:extLst>
+              </p:cNvPr>
+              <p:cNvSpPr/>
+              <p:nvPr/>
+            </p:nvSpPr>
+            <p:spPr>
+              <a:xfrm>
+                <a:off x="7663073" y="3028126"/>
+                <a:ext cx="112641" cy="112641"/>
+              </a:xfrm>
+              <a:prstGeom prst="ellipse">
+                <a:avLst/>
+              </a:prstGeom>
+            </p:spPr>
+            <p:style>
+              <a:lnRef idx="2">
+                <a:schemeClr val="dk1">
+                  <a:shade val="50000"/>
+                </a:schemeClr>
+              </a:lnRef>
+              <a:fillRef idx="1">
+                <a:schemeClr val="dk1"/>
+              </a:fillRef>
+              <a:effectRef idx="0">
+                <a:schemeClr val="dk1"/>
+              </a:effectRef>
+              <a:fontRef idx="minor">
+                <a:schemeClr val="lt1"/>
+              </a:fontRef>
+            </p:style>
+            <p:txBody>
+              <a:bodyPr rtlCol="0" anchor="ctr"/>
+              <a:lstStyle/>
+              <a:p>
+                <a:pPr algn="ctr"/>
+                <a:endParaRPr lang="it-IT"/>
+              </a:p>
+            </p:txBody>
+          </p:sp>
+          <p:sp>
+            <p:nvSpPr>
+              <p:cNvPr id="14" name="Ovale 13">
+                <a:extLst>
+                  <a:ext uri="{FF2B5EF4-FFF2-40B4-BE49-F238E27FC236}">
+                    <a16:creationId xmlns:a16="http://schemas.microsoft.com/office/drawing/2014/main" id="{A5B7620C-0992-4847-8FD0-B2CBC7905C47}"/>
+                  </a:ext>
+                </a:extLst>
+              </p:cNvPr>
+              <p:cNvSpPr/>
+              <p:nvPr/>
+            </p:nvSpPr>
+            <p:spPr>
+              <a:xfrm>
+                <a:off x="10946298" y="3018183"/>
+                <a:ext cx="112641" cy="112641"/>
+              </a:xfrm>
+              <a:prstGeom prst="ellipse">
+                <a:avLst/>
+              </a:prstGeom>
+            </p:spPr>
+            <p:style>
+              <a:lnRef idx="2">
+                <a:schemeClr val="dk1">
+                  <a:shade val="50000"/>
+                </a:schemeClr>
+              </a:lnRef>
+              <a:fillRef idx="1">
+                <a:schemeClr val="dk1"/>
+              </a:fillRef>
+              <a:effectRef idx="0">
+                <a:schemeClr val="dk1"/>
+              </a:effectRef>
+              <a:fontRef idx="minor">
+                <a:schemeClr val="lt1"/>
+              </a:fontRef>
+            </p:style>
+            <p:txBody>
+              <a:bodyPr rtlCol="0" anchor="ctr"/>
+              <a:lstStyle/>
+              <a:p>
+                <a:pPr algn="ctr"/>
+                <a:endParaRPr lang="it-IT"/>
+              </a:p>
+            </p:txBody>
+          </p:sp>
+          <p:cxnSp>
+            <p:nvCxnSpPr>
+              <p:cNvPr id="17" name="Connettore diritto 16">
+                <a:extLst>
+                  <a:ext uri="{FF2B5EF4-FFF2-40B4-BE49-F238E27FC236}">
+                    <a16:creationId xmlns:a16="http://schemas.microsoft.com/office/drawing/2014/main" id="{45598359-11C1-4ECD-9FF4-62BC4E47D143}"/>
+                  </a:ext>
+                </a:extLst>
+              </p:cNvPr>
+              <p:cNvCxnSpPr>
+                <a:stCxn id="10" idx="0"/>
+                <a:endCxn id="10" idx="2"/>
+              </p:cNvCxnSpPr>
+              <p:nvPr/>
+            </p:nvCxnSpPr>
+            <p:spPr>
+              <a:xfrm>
+                <a:off x="9362663" y="1451113"/>
+                <a:ext cx="0" cy="3273287"/>
+              </a:xfrm>
+              <a:prstGeom prst="line">
+                <a:avLst/>
+              </a:prstGeom>
+              <a:ln>
+                <a:prstDash val="dash"/>
+              </a:ln>
+            </p:spPr>
+            <p:style>
+              <a:lnRef idx="1">
+                <a:schemeClr val="dk1"/>
+              </a:lnRef>
+              <a:fillRef idx="0">
+                <a:schemeClr val="dk1"/>
+              </a:fillRef>
+              <a:effectRef idx="0">
+                <a:schemeClr val="dk1"/>
+              </a:effectRef>
+              <a:fontRef idx="minor">
+                <a:schemeClr val="tx1"/>
+              </a:fontRef>
+            </p:style>
+          </p:cxnSp>
+          <p:sp>
+            <p:nvSpPr>
+              <p:cNvPr id="19" name="Ovale 18">
+                <a:extLst>
+                  <a:ext uri="{FF2B5EF4-FFF2-40B4-BE49-F238E27FC236}">
+                    <a16:creationId xmlns:a16="http://schemas.microsoft.com/office/drawing/2014/main" id="{700F4F3A-A90B-4D46-94FF-3EBEC6BEDFB6}"/>
+                  </a:ext>
+                </a:extLst>
+              </p:cNvPr>
+              <p:cNvSpPr/>
+              <p:nvPr/>
+            </p:nvSpPr>
+            <p:spPr>
+              <a:xfrm>
+                <a:off x="9306342" y="3028126"/>
+                <a:ext cx="112641" cy="112641"/>
+              </a:xfrm>
+              <a:prstGeom prst="ellipse">
+                <a:avLst/>
+              </a:prstGeom>
+              <a:solidFill>
+                <a:schemeClr val="bg1"/>
+              </a:solidFill>
+            </p:spPr>
+            <p:style>
+              <a:lnRef idx="2">
+                <a:schemeClr val="dk1">
+                  <a:shade val="50000"/>
+                </a:schemeClr>
+              </a:lnRef>
+              <a:fillRef idx="1">
+                <a:schemeClr val="dk1"/>
+              </a:fillRef>
+              <a:effectRef idx="0">
+                <a:schemeClr val="dk1"/>
+              </a:effectRef>
+              <a:fontRef idx="minor">
+                <a:schemeClr val="lt1"/>
+              </a:fontRef>
+            </p:style>
+            <p:txBody>
+              <a:bodyPr rtlCol="0" anchor="ctr"/>
+              <a:lstStyle/>
+              <a:p>
+                <a:pPr algn="ctr"/>
+                <a:endParaRPr lang="it-IT"/>
+              </a:p>
+            </p:txBody>
+          </p:sp>
+          <p:sp>
+            <p:nvSpPr>
+              <p:cNvPr id="21" name="CasellaDiTesto 20">
+                <a:extLst>
+                  <a:ext uri="{FF2B5EF4-FFF2-40B4-BE49-F238E27FC236}">
+                    <a16:creationId xmlns:a16="http://schemas.microsoft.com/office/drawing/2014/main" id="{4B88DD1E-A48A-4821-94F5-0CABD828575E}"/>
+                  </a:ext>
+                </a:extLst>
+              </p:cNvPr>
+              <p:cNvSpPr txBox="1"/>
+              <p:nvPr/>
+            </p:nvSpPr>
+            <p:spPr>
+              <a:xfrm>
+                <a:off x="9418984" y="2766312"/>
+                <a:ext cx="414319" cy="369333"/>
+              </a:xfrm>
+              <a:prstGeom prst="rect">
+                <a:avLst/>
+              </a:prstGeom>
+              <a:noFill/>
+            </p:spPr>
+            <p:txBody>
+              <a:bodyPr wrap="square" rtlCol="0">
+                <a:spAutoFit/>
+              </a:bodyPr>
+              <a:lstStyle/>
+              <a:p>
+                <a:r>
+                  <a:rPr lang="it-IT" dirty="0"/>
+                  <a:t>P</a:t>
+                </a:r>
+              </a:p>
+            </p:txBody>
+          </p:sp>
+          <p:sp>
+            <p:nvSpPr>
+              <p:cNvPr id="22" name="CasellaDiTesto 21">
+                <a:extLst>
+                  <a:ext uri="{FF2B5EF4-FFF2-40B4-BE49-F238E27FC236}">
+                    <a16:creationId xmlns:a16="http://schemas.microsoft.com/office/drawing/2014/main" id="{390B99AE-39E3-4CFF-A771-910832B29931}"/>
+                  </a:ext>
+                </a:extLst>
+              </p:cNvPr>
+              <p:cNvSpPr txBox="1"/>
+              <p:nvPr/>
+            </p:nvSpPr>
+            <p:spPr>
+              <a:xfrm>
+                <a:off x="11062252" y="2745724"/>
+                <a:ext cx="414319" cy="369333"/>
+              </a:xfrm>
+              <a:prstGeom prst="rect">
+                <a:avLst/>
+              </a:prstGeom>
+              <a:noFill/>
+            </p:spPr>
+            <p:txBody>
+              <a:bodyPr wrap="square" rtlCol="0">
+                <a:spAutoFit/>
+              </a:bodyPr>
+              <a:lstStyle/>
+              <a:p>
+                <a:r>
+                  <a:rPr lang="it-IT" dirty="0"/>
+                  <a:t>D</a:t>
+                </a:r>
+              </a:p>
+            </p:txBody>
+          </p:sp>
+          <p:sp>
+            <p:nvSpPr>
+              <p:cNvPr id="23" name="CasellaDiTesto 22">
+                <a:extLst>
+                  <a:ext uri="{FF2B5EF4-FFF2-40B4-BE49-F238E27FC236}">
+                    <a16:creationId xmlns:a16="http://schemas.microsoft.com/office/drawing/2014/main" id="{5E94B702-F23F-4345-8B9E-93F677ABF085}"/>
+                  </a:ext>
+                </a:extLst>
+              </p:cNvPr>
+              <p:cNvSpPr txBox="1"/>
+              <p:nvPr/>
+            </p:nvSpPr>
+            <p:spPr>
+              <a:xfrm>
+                <a:off x="7786049" y="2766312"/>
+                <a:ext cx="414319" cy="369333"/>
+              </a:xfrm>
+              <a:prstGeom prst="rect">
+                <a:avLst/>
+              </a:prstGeom>
+              <a:noFill/>
+            </p:spPr>
+            <p:txBody>
+              <a:bodyPr wrap="square" rtlCol="0">
+                <a:spAutoFit/>
+              </a:bodyPr>
+              <a:lstStyle/>
+              <a:p>
+                <a:r>
+                  <a:rPr lang="it-IT" dirty="0"/>
+                  <a:t>U</a:t>
+                </a:r>
+              </a:p>
+            </p:txBody>
+          </p:sp>
+          <p:grpSp>
+            <p:nvGrpSpPr>
+              <p:cNvPr id="25" name="Gruppo 24">
+                <a:extLst>
+                  <a:ext uri="{FF2B5EF4-FFF2-40B4-BE49-F238E27FC236}">
+                    <a16:creationId xmlns:a16="http://schemas.microsoft.com/office/drawing/2014/main" id="{DB3E1DA3-41B1-43A9-8FE5-3D6BB7B75C27}"/>
+                  </a:ext>
+                </a:extLst>
+              </p:cNvPr>
+              <p:cNvGrpSpPr/>
+              <p:nvPr/>
+            </p:nvGrpSpPr>
+            <p:grpSpPr>
+              <a:xfrm>
+                <a:off x="2620565" y="2762308"/>
+                <a:ext cx="1274924" cy="665239"/>
+                <a:chOff x="3127006" y="2762308"/>
+                <a:chExt cx="1274924" cy="665239"/>
+              </a:xfrm>
+            </p:grpSpPr>
+            <p:sp>
+              <p:nvSpPr>
+                <p:cNvPr id="12" name="Ovale 11">
+                  <a:extLst>
+                    <a:ext uri="{FF2B5EF4-FFF2-40B4-BE49-F238E27FC236}">
+                      <a16:creationId xmlns:a16="http://schemas.microsoft.com/office/drawing/2014/main" id="{6F557097-C2E0-4C4D-82E7-72FFF6D6D7D8}"/>
+                    </a:ext>
+                  </a:extLst>
+                </p:cNvPr>
+                <p:cNvSpPr/>
+                <p:nvPr/>
+              </p:nvSpPr>
+              <p:spPr>
+                <a:xfrm>
+                  <a:off x="3127006" y="3028126"/>
+                  <a:ext cx="112641" cy="112641"/>
+                </a:xfrm>
+                <a:prstGeom prst="ellipse">
+                  <a:avLst/>
+                </a:prstGeom>
+              </p:spPr>
+              <p:style>
+                <a:lnRef idx="2">
+                  <a:schemeClr val="dk1">
+                    <a:shade val="50000"/>
+                  </a:schemeClr>
+                </a:lnRef>
+                <a:fillRef idx="1">
+                  <a:schemeClr val="dk1"/>
+                </a:fillRef>
+                <a:effectRef idx="0">
+                  <a:schemeClr val="dk1"/>
+                </a:effectRef>
+                <a:fontRef idx="minor">
+                  <a:schemeClr val="lt1"/>
+                </a:fontRef>
+              </p:style>
+              <p:txBody>
+                <a:bodyPr rtlCol="0" anchor="ctr"/>
+                <a:lstStyle/>
+                <a:p>
+                  <a:pPr algn="ctr"/>
+                  <a:endParaRPr lang="it-IT"/>
+                </a:p>
+              </p:txBody>
+            </p:sp>
+            <p:sp>
+              <p:nvSpPr>
+                <p:cNvPr id="24" name="CasellaDiTesto 23">
+                  <a:extLst>
+                    <a:ext uri="{FF2B5EF4-FFF2-40B4-BE49-F238E27FC236}">
+                      <a16:creationId xmlns:a16="http://schemas.microsoft.com/office/drawing/2014/main" id="{8B7E9719-A96A-44A2-8807-F8B6E3C010F9}"/>
+                    </a:ext>
+                  </a:extLst>
+                </p:cNvPr>
+                <p:cNvSpPr txBox="1"/>
+                <p:nvPr/>
+              </p:nvSpPr>
+              <p:spPr>
+                <a:xfrm>
+                  <a:off x="3239647" y="2762308"/>
+                  <a:ext cx="1162283" cy="665239"/>
+                </a:xfrm>
+                <a:prstGeom prst="rect">
+                  <a:avLst/>
+                </a:prstGeom>
+                <a:noFill/>
+              </p:spPr>
+              <p:txBody>
+                <a:bodyPr wrap="square" rtlCol="0">
+                  <a:spAutoFit/>
+                </a:bodyPr>
+                <a:lstStyle/>
+                <a:p>
+                  <a:r>
+                    <a:rPr lang="it-IT" dirty="0"/>
+                    <a:t>UU</a:t>
+                  </a:r>
+                </a:p>
+              </p:txBody>
+            </p:sp>
+          </p:grpSp>
+        </p:grpSp>
+        <p:sp>
+          <p:nvSpPr>
+            <p:cNvPr id="27" name="Rettangolo 26">
+              <a:extLst>
+                <a:ext uri="{FF2B5EF4-FFF2-40B4-BE49-F238E27FC236}">
+                  <a16:creationId xmlns:a16="http://schemas.microsoft.com/office/drawing/2014/main" id="{C4E207F8-7247-48B6-8687-FC8A23D0F2BC}"/>
+                </a:ext>
+              </a:extLst>
+            </p:cNvPr>
+            <p:cNvSpPr/>
+            <p:nvPr/>
+          </p:nvSpPr>
+          <p:spPr>
+            <a:xfrm>
+              <a:off x="9011177" y="2655229"/>
+              <a:ext cx="1580620" cy="1817288"/>
+            </a:xfrm>
+            <a:prstGeom prst="rect">
+              <a:avLst/>
+            </a:prstGeom>
+            <a:noFill/>
+            <a:ln>
+              <a:solidFill>
+                <a:schemeClr val="tx1"/>
+              </a:solidFill>
+            </a:ln>
+          </p:spPr>
+          <p:style>
+            <a:lnRef idx="2">
+              <a:schemeClr val="accent1">
+                <a:shade val="50000"/>
+              </a:schemeClr>
+            </a:lnRef>
+            <a:fillRef idx="1">
+              <a:schemeClr val="accent1"/>
+            </a:fillRef>
+            <a:effectRef idx="0">
+              <a:schemeClr val="accent1"/>
+            </a:effectRef>
+            <a:fontRef idx="minor">
+              <a:schemeClr val="lt1"/>
+            </a:fontRef>
+          </p:style>
+          <p:txBody>
+            <a:bodyPr rtlCol="0" anchor="ctr"/>
+            <a:lstStyle/>
+            <a:p>
+              <a:pPr algn="ctr"/>
+              <a:endParaRPr lang="it-IT"/>
+            </a:p>
+          </p:txBody>
+        </p:sp>
+        <p:sp>
+          <p:nvSpPr>
+            <p:cNvPr id="54" name="Rettangolo 53">
+              <a:extLst>
+                <a:ext uri="{FF2B5EF4-FFF2-40B4-BE49-F238E27FC236}">
+                  <a16:creationId xmlns:a16="http://schemas.microsoft.com/office/drawing/2014/main" id="{B7722F5C-0907-4000-94EF-736711972E37}"/>
+                </a:ext>
+              </a:extLst>
+            </p:cNvPr>
+            <p:cNvSpPr/>
+            <p:nvPr/>
+          </p:nvSpPr>
+          <p:spPr>
+            <a:xfrm>
+              <a:off x="1179871" y="2654773"/>
+              <a:ext cx="3208252" cy="1817288"/>
+            </a:xfrm>
+            <a:prstGeom prst="rect">
+              <a:avLst/>
+            </a:prstGeom>
+            <a:noFill/>
+            <a:ln>
+              <a:solidFill>
+                <a:schemeClr val="tx1"/>
+              </a:solidFill>
+            </a:ln>
+          </p:spPr>
+          <p:style>
+            <a:lnRef idx="2">
+              <a:schemeClr val="accent1">
+                <a:shade val="50000"/>
+              </a:schemeClr>
+            </a:lnRef>
+            <a:fillRef idx="1">
+              <a:schemeClr val="accent1"/>
+            </a:fillRef>
+            <a:effectRef idx="0">
+              <a:schemeClr val="accent1"/>
+            </a:effectRef>
+            <a:fontRef idx="minor">
+              <a:schemeClr val="lt1"/>
+            </a:fontRef>
+          </p:style>
+          <p:txBody>
+            <a:bodyPr rtlCol="0" anchor="ctr"/>
+            <a:lstStyle/>
+            <a:p>
+              <a:pPr algn="ctr"/>
+              <a:endParaRPr lang="it-IT"/>
+            </a:p>
+          </p:txBody>
+        </p:sp>
+        <p:cxnSp>
+          <p:nvCxnSpPr>
+            <p:cNvPr id="55" name="Connettore diritto 54">
+              <a:extLst>
+                <a:ext uri="{FF2B5EF4-FFF2-40B4-BE49-F238E27FC236}">
+                  <a16:creationId xmlns:a16="http://schemas.microsoft.com/office/drawing/2014/main" id="{BFD9550F-99C5-4DE0-8AEB-081B6B02B879}"/>
+                </a:ext>
+              </a:extLst>
+            </p:cNvPr>
+            <p:cNvCxnSpPr/>
+            <p:nvPr/>
+          </p:nvCxnSpPr>
+          <p:spPr>
+            <a:xfrm>
+              <a:off x="9779493" y="2655321"/>
+              <a:ext cx="0" cy="1817288"/>
+            </a:xfrm>
+            <a:prstGeom prst="line">
+              <a:avLst/>
+            </a:prstGeom>
+            <a:ln>
+              <a:prstDash val="dash"/>
+            </a:ln>
+          </p:spPr>
+          <p:style>
+            <a:lnRef idx="1">
+              <a:schemeClr val="dk1"/>
+            </a:lnRef>
+            <a:fillRef idx="0">
+              <a:schemeClr val="dk1"/>
+            </a:fillRef>
+            <a:effectRef idx="0">
+              <a:schemeClr val="dk1"/>
+            </a:effectRef>
+            <a:fontRef idx="minor">
+              <a:schemeClr val="tx1"/>
+            </a:fontRef>
+          </p:style>
+        </p:cxnSp>
+        <p:cxnSp>
+          <p:nvCxnSpPr>
+            <p:cNvPr id="56" name="Connettore diritto 55">
+              <a:extLst>
+                <a:ext uri="{FF2B5EF4-FFF2-40B4-BE49-F238E27FC236}">
+                  <a16:creationId xmlns:a16="http://schemas.microsoft.com/office/drawing/2014/main" id="{E31C88BE-AA12-407F-B7D4-2FCA03388F68}"/>
+                </a:ext>
+              </a:extLst>
+            </p:cNvPr>
+            <p:cNvCxnSpPr/>
+            <p:nvPr/>
+          </p:nvCxnSpPr>
+          <p:spPr>
+            <a:xfrm>
+              <a:off x="5807568" y="2664846"/>
+              <a:ext cx="0" cy="1817288"/>
+            </a:xfrm>
+            <a:prstGeom prst="line">
+              <a:avLst/>
+            </a:prstGeom>
+            <a:ln>
+              <a:prstDash val="dash"/>
+            </a:ln>
+          </p:spPr>
+          <p:style>
+            <a:lnRef idx="1">
+              <a:schemeClr val="dk1"/>
+            </a:lnRef>
+            <a:fillRef idx="0">
+              <a:schemeClr val="dk1"/>
+            </a:fillRef>
+            <a:effectRef idx="0">
+              <a:schemeClr val="dk1"/>
+            </a:effectRef>
+            <a:fontRef idx="minor">
+              <a:schemeClr val="tx1"/>
+            </a:fontRef>
+          </p:style>
+        </p:cxnSp>
+        <p:cxnSp>
+          <p:nvCxnSpPr>
+            <p:cNvPr id="57" name="Connettore diritto 56">
+              <a:extLst>
+                <a:ext uri="{FF2B5EF4-FFF2-40B4-BE49-F238E27FC236}">
+                  <a16:creationId xmlns:a16="http://schemas.microsoft.com/office/drawing/2014/main" id="{392925C6-0169-4272-A1E1-240E38FA5B04}"/>
+                </a:ext>
+              </a:extLst>
+            </p:cNvPr>
+            <p:cNvCxnSpPr/>
+            <p:nvPr/>
+          </p:nvCxnSpPr>
+          <p:spPr>
+            <a:xfrm>
+              <a:off x="2778618" y="2655321"/>
+              <a:ext cx="0" cy="1817288"/>
+            </a:xfrm>
+            <a:prstGeom prst="line">
+              <a:avLst/>
+            </a:prstGeom>
+            <a:ln>
+              <a:prstDash val="dash"/>
+            </a:ln>
+          </p:spPr>
+          <p:style>
+            <a:lnRef idx="1">
+              <a:schemeClr val="dk1"/>
+            </a:lnRef>
+            <a:fillRef idx="0">
+              <a:schemeClr val="dk1"/>
+            </a:fillRef>
+            <a:effectRef idx="0">
+              <a:schemeClr val="dk1"/>
+            </a:effectRef>
+            <a:fontRef idx="minor">
+              <a:schemeClr val="tx1"/>
+            </a:fontRef>
+          </p:style>
+        </p:cxnSp>
+        <p:cxnSp>
+          <p:nvCxnSpPr>
+            <p:cNvPr id="58" name="Connettore 2 57">
+              <a:extLst>
+                <a:ext uri="{FF2B5EF4-FFF2-40B4-BE49-F238E27FC236}">
+                  <a16:creationId xmlns:a16="http://schemas.microsoft.com/office/drawing/2014/main" id="{1BF1AF8A-9E29-445A-9826-7557578D2527}"/>
+                </a:ext>
+              </a:extLst>
+            </p:cNvPr>
+            <p:cNvCxnSpPr>
+              <a:cxnSpLocks/>
+            </p:cNvCxnSpPr>
+            <p:nvPr/>
+          </p:nvCxnSpPr>
+          <p:spPr>
+            <a:xfrm flipV="1">
+              <a:off x="2794554" y="3830145"/>
+              <a:ext cx="3013014" cy="9126"/>
+            </a:xfrm>
+            <a:prstGeom prst="straightConnector1">
+              <a:avLst/>
+            </a:prstGeom>
+            <a:ln>
+              <a:headEnd type="triangle"/>
+              <a:tailEnd type="triangle"/>
+            </a:ln>
+          </p:spPr>
+          <p:style>
+            <a:lnRef idx="1">
+              <a:schemeClr val="dk1"/>
+            </a:lnRef>
+            <a:fillRef idx="0">
+              <a:schemeClr val="dk1"/>
+            </a:fillRef>
+            <a:effectRef idx="0">
+              <a:schemeClr val="dk1"/>
+            </a:effectRef>
+            <a:fontRef idx="minor">
+              <a:schemeClr val="tx1"/>
+            </a:fontRef>
+          </p:style>
+        </p:cxnSp>
+        <p:cxnSp>
+          <p:nvCxnSpPr>
+            <p:cNvPr id="59" name="Connettore 2 58">
+              <a:extLst>
+                <a:ext uri="{FF2B5EF4-FFF2-40B4-BE49-F238E27FC236}">
+                  <a16:creationId xmlns:a16="http://schemas.microsoft.com/office/drawing/2014/main" id="{F1D61B3E-469D-4606-87C8-7C12A70BC158}"/>
+                </a:ext>
+              </a:extLst>
+            </p:cNvPr>
+            <p:cNvCxnSpPr>
+              <a:cxnSpLocks/>
+            </p:cNvCxnSpPr>
+            <p:nvPr/>
+          </p:nvCxnSpPr>
+          <p:spPr>
+            <a:xfrm>
+              <a:off x="5807568" y="3829746"/>
+              <a:ext cx="2294964" cy="0"/>
+            </a:xfrm>
+            <a:prstGeom prst="straightConnector1">
+              <a:avLst/>
+            </a:prstGeom>
+            <a:ln>
+              <a:headEnd type="triangle"/>
+              <a:tailEnd type="triangle"/>
+            </a:ln>
+          </p:spPr>
+          <p:style>
+            <a:lnRef idx="1">
+              <a:schemeClr val="dk1"/>
+            </a:lnRef>
+            <a:fillRef idx="0">
+              <a:schemeClr val="dk1"/>
+            </a:fillRef>
+            <a:effectRef idx="0">
+              <a:schemeClr val="dk1"/>
+            </a:effectRef>
+            <a:fontRef idx="minor">
+              <a:schemeClr val="tx1"/>
+            </a:fontRef>
+          </p:style>
+        </p:cxnSp>
+        <p:cxnSp>
+          <p:nvCxnSpPr>
+            <p:cNvPr id="60" name="Connettore 2 59">
+              <a:extLst>
+                <a:ext uri="{FF2B5EF4-FFF2-40B4-BE49-F238E27FC236}">
+                  <a16:creationId xmlns:a16="http://schemas.microsoft.com/office/drawing/2014/main" id="{8FF15AE6-1DCA-48C4-A604-5BD7EB0A7E0F}"/>
+                </a:ext>
+              </a:extLst>
+            </p:cNvPr>
+            <p:cNvCxnSpPr>
+              <a:cxnSpLocks/>
+            </p:cNvCxnSpPr>
+            <p:nvPr/>
+          </p:nvCxnSpPr>
+          <p:spPr>
+            <a:xfrm>
+              <a:off x="8105608" y="3827598"/>
+              <a:ext cx="1673885" cy="0"/>
+            </a:xfrm>
+            <a:prstGeom prst="straightConnector1">
+              <a:avLst/>
+            </a:prstGeom>
+            <a:ln>
+              <a:headEnd type="triangle"/>
+              <a:tailEnd type="triangle"/>
+            </a:ln>
+          </p:spPr>
+          <p:style>
+            <a:lnRef idx="1">
+              <a:schemeClr val="dk1"/>
+            </a:lnRef>
+            <a:fillRef idx="0">
+              <a:schemeClr val="dk1"/>
+            </a:fillRef>
+            <a:effectRef idx="0">
+              <a:schemeClr val="dk1"/>
+            </a:effectRef>
+            <a:fontRef idx="minor">
+              <a:schemeClr val="tx1"/>
+            </a:fontRef>
+          </p:style>
+        </p:cxnSp>
+        <p:sp>
+          <p:nvSpPr>
+            <p:cNvPr id="61" name="CasellaDiTesto 60">
+              <a:extLst>
+                <a:ext uri="{FF2B5EF4-FFF2-40B4-BE49-F238E27FC236}">
+                  <a16:creationId xmlns:a16="http://schemas.microsoft.com/office/drawing/2014/main" id="{AD0522D1-1366-44F4-B509-7A0CFAF99C28}"/>
+                </a:ext>
+              </a:extLst>
+            </p:cNvPr>
+            <p:cNvSpPr txBox="1"/>
+            <p:nvPr/>
+          </p:nvSpPr>
+          <p:spPr>
+            <a:xfrm>
+              <a:off x="3839237" y="3792560"/>
+              <a:ext cx="1111348" cy="369332"/>
+            </a:xfrm>
+            <a:prstGeom prst="rect">
+              <a:avLst/>
+            </a:prstGeom>
+            <a:noFill/>
+          </p:spPr>
+          <p:txBody>
+            <a:bodyPr wrap="square" rtlCol="0">
+              <a:spAutoFit/>
+            </a:bodyPr>
+            <a:lstStyle/>
+            <a:p>
+              <a:r>
+                <a:rPr lang="el-GR" i="1" dirty="0"/>
+                <a:t>Δ</a:t>
+              </a:r>
+              <a:r>
+                <a:rPr lang="it-IT" i="1" dirty="0"/>
+                <a:t>x</a:t>
+              </a:r>
+              <a:r>
+                <a:rPr lang="it-IT" baseline="-25000" dirty="0"/>
+                <a:t>UU</a:t>
+              </a:r>
+            </a:p>
+          </p:txBody>
+        </p:sp>
+        <p:sp>
+          <p:nvSpPr>
+            <p:cNvPr id="63" name="CasellaDiTesto 62">
+              <a:extLst>
+                <a:ext uri="{FF2B5EF4-FFF2-40B4-BE49-F238E27FC236}">
+                  <a16:creationId xmlns:a16="http://schemas.microsoft.com/office/drawing/2014/main" id="{3203C033-55E8-4925-9767-18AA772D327D}"/>
+                </a:ext>
+              </a:extLst>
+            </p:cNvPr>
+            <p:cNvSpPr txBox="1"/>
+            <p:nvPr/>
+          </p:nvSpPr>
+          <p:spPr>
+            <a:xfrm>
+              <a:off x="6761886" y="3752519"/>
+              <a:ext cx="1111348" cy="369332"/>
+            </a:xfrm>
+            <a:prstGeom prst="rect">
+              <a:avLst/>
+            </a:prstGeom>
+            <a:noFill/>
+          </p:spPr>
+          <p:txBody>
+            <a:bodyPr wrap="square" rtlCol="0">
+              <a:spAutoFit/>
+            </a:bodyPr>
+            <a:lstStyle/>
+            <a:p>
+              <a:r>
+                <a:rPr lang="el-GR" i="1" dirty="0"/>
+                <a:t>Δ</a:t>
+              </a:r>
+              <a:r>
+                <a:rPr lang="it-IT" i="1" dirty="0"/>
+                <a:t>x</a:t>
+              </a:r>
+              <a:r>
+                <a:rPr lang="it-IT" baseline="-25000" dirty="0"/>
+                <a:t>U</a:t>
+              </a:r>
+            </a:p>
+          </p:txBody>
+        </p:sp>
+        <p:sp>
+          <p:nvSpPr>
+            <p:cNvPr id="64" name="CasellaDiTesto 63">
+              <a:extLst>
+                <a:ext uri="{FF2B5EF4-FFF2-40B4-BE49-F238E27FC236}">
+                  <a16:creationId xmlns:a16="http://schemas.microsoft.com/office/drawing/2014/main" id="{573E0CC8-28BB-4598-A02A-E7CB7DD87C39}"/>
+                </a:ext>
+              </a:extLst>
+            </p:cNvPr>
+            <p:cNvSpPr txBox="1"/>
+            <p:nvPr/>
+          </p:nvSpPr>
+          <p:spPr>
+            <a:xfrm>
+              <a:off x="8589891" y="3747928"/>
+              <a:ext cx="572329" cy="369332"/>
+            </a:xfrm>
+            <a:prstGeom prst="rect">
+              <a:avLst/>
+            </a:prstGeom>
+            <a:noFill/>
+          </p:spPr>
+          <p:txBody>
+            <a:bodyPr wrap="square" rtlCol="0">
+              <a:spAutoFit/>
+            </a:bodyPr>
+            <a:lstStyle/>
+            <a:p>
+              <a:r>
+                <a:rPr lang="el-GR" i="1" dirty="0"/>
+                <a:t>Δ</a:t>
+              </a:r>
+              <a:r>
+                <a:rPr lang="it-IT" i="1" dirty="0"/>
+                <a:t>x</a:t>
+              </a:r>
+              <a:r>
+                <a:rPr lang="it-IT" baseline="-25000" dirty="0"/>
+                <a:t>D</a:t>
+              </a:r>
+            </a:p>
+          </p:txBody>
+        </p:sp>
+        <p:sp>
+          <p:nvSpPr>
+            <p:cNvPr id="65" name="Ovale 64">
+              <a:extLst>
+                <a:ext uri="{FF2B5EF4-FFF2-40B4-BE49-F238E27FC236}">
+                  <a16:creationId xmlns:a16="http://schemas.microsoft.com/office/drawing/2014/main" id="{00E6A5DC-8499-4328-8374-2271D228DE7B}"/>
+                </a:ext>
+              </a:extLst>
+            </p:cNvPr>
+            <p:cNvSpPr/>
+            <p:nvPr/>
+          </p:nvSpPr>
+          <p:spPr>
+            <a:xfrm>
+              <a:off x="9747828" y="3520829"/>
+              <a:ext cx="62537" cy="62537"/>
+            </a:xfrm>
+            <a:prstGeom prst="ellipse">
+              <a:avLst/>
+            </a:prstGeom>
+            <a:solidFill>
+              <a:schemeClr val="bg1"/>
+            </a:solidFill>
+          </p:spPr>
+          <p:style>
+            <a:lnRef idx="2">
+              <a:schemeClr val="dk1">
+                <a:shade val="50000"/>
+              </a:schemeClr>
+            </a:lnRef>
+            <a:fillRef idx="1">
+              <a:schemeClr val="dk1"/>
+            </a:fillRef>
+            <a:effectRef idx="0">
+              <a:schemeClr val="dk1"/>
+            </a:effectRef>
+            <a:fontRef idx="minor">
+              <a:schemeClr val="lt1"/>
+            </a:fontRef>
+          </p:style>
+          <p:txBody>
+            <a:bodyPr rtlCol="0" anchor="ctr"/>
+            <a:lstStyle/>
+            <a:p>
+              <a:pPr algn="ctr"/>
+              <a:endParaRPr lang="it-IT"/>
+            </a:p>
+          </p:txBody>
+        </p:sp>
+        <p:sp>
+          <p:nvSpPr>
+            <p:cNvPr id="66" name="Ovale 65">
+              <a:extLst>
+                <a:ext uri="{FF2B5EF4-FFF2-40B4-BE49-F238E27FC236}">
+                  <a16:creationId xmlns:a16="http://schemas.microsoft.com/office/drawing/2014/main" id="{DAC0E079-3F69-4971-8157-68522F255226}"/>
+                </a:ext>
+              </a:extLst>
+            </p:cNvPr>
+            <p:cNvSpPr/>
+            <p:nvPr/>
+          </p:nvSpPr>
+          <p:spPr>
+            <a:xfrm>
+              <a:off x="5779742" y="3543914"/>
+              <a:ext cx="62537" cy="62537"/>
+            </a:xfrm>
+            <a:prstGeom prst="ellipse">
+              <a:avLst/>
+            </a:prstGeom>
+            <a:solidFill>
+              <a:schemeClr val="bg1"/>
+            </a:solidFill>
+          </p:spPr>
+          <p:style>
+            <a:lnRef idx="2">
+              <a:schemeClr val="dk1">
+                <a:shade val="50000"/>
+              </a:schemeClr>
+            </a:lnRef>
+            <a:fillRef idx="1">
+              <a:schemeClr val="dk1"/>
+            </a:fillRef>
+            <a:effectRef idx="0">
+              <a:schemeClr val="dk1"/>
+            </a:effectRef>
+            <a:fontRef idx="minor">
+              <a:schemeClr val="lt1"/>
+            </a:fontRef>
+          </p:style>
+          <p:txBody>
+            <a:bodyPr rtlCol="0" anchor="ctr"/>
+            <a:lstStyle/>
+            <a:p>
+              <a:pPr algn="ctr"/>
+              <a:endParaRPr lang="it-IT"/>
+            </a:p>
+          </p:txBody>
+        </p:sp>
+        <p:sp>
+          <p:nvSpPr>
+            <p:cNvPr id="67" name="Ovale 66">
+              <a:extLst>
+                <a:ext uri="{FF2B5EF4-FFF2-40B4-BE49-F238E27FC236}">
+                  <a16:creationId xmlns:a16="http://schemas.microsoft.com/office/drawing/2014/main" id="{6FD7D677-7989-4C4C-8999-B8571520DFC5}"/>
+                </a:ext>
+              </a:extLst>
+            </p:cNvPr>
+            <p:cNvSpPr/>
+            <p:nvPr/>
+          </p:nvSpPr>
+          <p:spPr>
+            <a:xfrm>
+              <a:off x="2749146" y="3550957"/>
+              <a:ext cx="62537" cy="62537"/>
+            </a:xfrm>
+            <a:prstGeom prst="ellipse">
+              <a:avLst/>
+            </a:prstGeom>
+            <a:solidFill>
+              <a:schemeClr val="bg1"/>
+            </a:solidFill>
+          </p:spPr>
+          <p:style>
+            <a:lnRef idx="2">
+              <a:schemeClr val="dk1">
+                <a:shade val="50000"/>
+              </a:schemeClr>
+            </a:lnRef>
+            <a:fillRef idx="1">
+              <a:schemeClr val="dk1"/>
+            </a:fillRef>
+            <a:effectRef idx="0">
+              <a:schemeClr val="dk1"/>
+            </a:effectRef>
+            <a:fontRef idx="minor">
+              <a:schemeClr val="lt1"/>
+            </a:fontRef>
+          </p:style>
+          <p:txBody>
+            <a:bodyPr rtlCol="0" anchor="ctr"/>
+            <a:lstStyle/>
+            <a:p>
+              <a:pPr algn="ctr"/>
+              <a:endParaRPr lang="it-IT"/>
+            </a:p>
+          </p:txBody>
+        </p:sp>
+      </p:grpSp>
+      <p:sp>
+        <p:nvSpPr>
+          <p:cNvPr id="68" name="Ovale 67">
+            <a:extLst>
+              <a:ext uri="{FF2B5EF4-FFF2-40B4-BE49-F238E27FC236}">
+                <a16:creationId xmlns:a16="http://schemas.microsoft.com/office/drawing/2014/main" id="{3714F538-704C-49DC-8823-AA3DA4D4C5CA}"/>
+              </a:ext>
+            </a:extLst>
+          </p:cNvPr>
+          <p:cNvSpPr/>
+          <p:nvPr/>
+        </p:nvSpPr>
+        <p:spPr>
+          <a:xfrm>
+            <a:off x="3791544" y="4676037"/>
+            <a:ext cx="62537" cy="62537"/>
+          </a:xfrm>
+          <a:prstGeom prst="ellipse">
+            <a:avLst/>
+          </a:prstGeom>
+          <a:solidFill>
+            <a:schemeClr val="bg1"/>
+          </a:solidFill>
+        </p:spPr>
+        <p:style>
+          <a:lnRef idx="2">
+            <a:schemeClr val="dk1">
+              <a:shade val="50000"/>
+            </a:schemeClr>
+          </a:lnRef>
+          <a:fillRef idx="1">
+            <a:schemeClr val="dk1"/>
+          </a:fillRef>
+          <a:effectRef idx="0">
+            <a:schemeClr val="dk1"/>
+          </a:effectRef>
+          <a:fontRef idx="minor">
+            <a:schemeClr val="lt1"/>
+          </a:fontRef>
+        </p:style>
+        <p:txBody>
+          <a:bodyPr rtlCol="0" anchor="ctr"/>
+          <a:lstStyle/>
+          <a:p>
+            <a:pPr algn="ctr"/>
+            <a:endParaRPr lang="it-IT"/>
+          </a:p>
+        </p:txBody>
+      </p:sp>
+      <p:sp>
+        <p:nvSpPr>
+          <p:cNvPr id="69" name="Ovale 68">
+            <a:extLst>
+              <a:ext uri="{FF2B5EF4-FFF2-40B4-BE49-F238E27FC236}">
+                <a16:creationId xmlns:a16="http://schemas.microsoft.com/office/drawing/2014/main" id="{B40A95A7-DF1C-46C3-9F76-611DCBF90543}"/>
+              </a:ext>
+            </a:extLst>
+          </p:cNvPr>
+          <p:cNvSpPr/>
+          <p:nvPr/>
+        </p:nvSpPr>
+        <p:spPr>
+          <a:xfrm>
+            <a:off x="7311902" y="4676039"/>
+            <a:ext cx="62537" cy="62537"/>
+          </a:xfrm>
+          <a:prstGeom prst="ellipse">
+            <a:avLst/>
+          </a:prstGeom>
+        </p:spPr>
+        <p:style>
+          <a:lnRef idx="2">
+            <a:schemeClr val="dk1">
+              <a:shade val="50000"/>
+            </a:schemeClr>
+          </a:lnRef>
+          <a:fillRef idx="1">
+            <a:schemeClr val="dk1"/>
+          </a:fillRef>
+          <a:effectRef idx="0">
+            <a:schemeClr val="dk1"/>
+          </a:effectRef>
+          <a:fontRef idx="minor">
+            <a:schemeClr val="lt1"/>
+          </a:fontRef>
+        </p:style>
+        <p:txBody>
+          <a:bodyPr rtlCol="0" anchor="ctr"/>
+          <a:lstStyle/>
+          <a:p>
+            <a:pPr algn="ctr"/>
+            <a:endParaRPr lang="it-IT"/>
+          </a:p>
+        </p:txBody>
+      </p:sp>
+      <p:sp>
+        <p:nvSpPr>
+          <p:cNvPr id="8" name="CasellaDiTesto 7">
+            <a:extLst>
+              <a:ext uri="{FF2B5EF4-FFF2-40B4-BE49-F238E27FC236}">
+                <a16:creationId xmlns:a16="http://schemas.microsoft.com/office/drawing/2014/main" id="{96172DAC-FAE9-459C-BDA5-AE978FEEB41A}"/>
+              </a:ext>
+            </a:extLst>
+          </p:cNvPr>
+          <p:cNvSpPr txBox="1"/>
+          <p:nvPr/>
+        </p:nvSpPr>
+        <p:spPr>
+          <a:xfrm>
+            <a:off x="3826362" y="4549152"/>
+            <a:ext cx="2403566" cy="307777"/>
+          </a:xfrm>
+          <a:prstGeom prst="rect">
+            <a:avLst/>
+          </a:prstGeom>
+          <a:noFill/>
+        </p:spPr>
+        <p:txBody>
+          <a:bodyPr wrap="square" rtlCol="0">
+            <a:spAutoFit/>
+          </a:bodyPr>
+          <a:lstStyle/>
+          <a:p>
+            <a:r>
+              <a:rPr lang="it-IT" sz="1400" dirty="0"/>
+              <a:t>Cell centred variables</a:t>
+            </a:r>
+          </a:p>
+        </p:txBody>
+      </p:sp>
+      <p:sp>
+        <p:nvSpPr>
+          <p:cNvPr id="71" name="CasellaDiTesto 70">
+            <a:extLst>
+              <a:ext uri="{FF2B5EF4-FFF2-40B4-BE49-F238E27FC236}">
+                <a16:creationId xmlns:a16="http://schemas.microsoft.com/office/drawing/2014/main" id="{60EED823-34AE-45CE-8DFF-C6810A881D59}"/>
+              </a:ext>
+            </a:extLst>
+          </p:cNvPr>
+          <p:cNvSpPr txBox="1"/>
+          <p:nvPr/>
+        </p:nvSpPr>
+        <p:spPr>
+          <a:xfrm>
+            <a:off x="7357698" y="4544798"/>
+            <a:ext cx="2403566" cy="307777"/>
+          </a:xfrm>
+          <a:prstGeom prst="rect">
+            <a:avLst/>
+          </a:prstGeom>
+          <a:noFill/>
+        </p:spPr>
+        <p:txBody>
+          <a:bodyPr wrap="square" rtlCol="0">
+            <a:spAutoFit/>
+          </a:bodyPr>
+          <a:lstStyle/>
+          <a:p>
+            <a:r>
+              <a:rPr lang="it-IT" sz="1400" dirty="0"/>
+              <a:t>Face variables</a:t>
+            </a:r>
+          </a:p>
+        </p:txBody>
+      </p:sp>
+    </p:spTree>
+    <p:extLst>
+      <p:ext uri="{BB962C8B-B14F-4D97-AF65-F5344CB8AC3E}">
+        <p14:creationId xmlns:p14="http://schemas.microsoft.com/office/powerpoint/2010/main" val="452062570"/>
+      </p:ext>
+    </p:extLst>
+  </p:cSld>
+  <p:clrMapOvr>
+    <a:masterClrMapping/>
+  </p:clrMapOvr>
+</p:sld>
+</file>
+
+<file path=ppt/slides/slide12.xml><?xml version="1.0" encoding="utf-8"?>
 <p:sld xmlns:a="http://schemas.openxmlformats.org/drawingml/2006/main" xmlns:r="http://schemas.openxmlformats.org/officeDocument/2006/relationships" xmlns:p="http://schemas.openxmlformats.org/presentationml/2006/main">
   <p:cSld>
     <p:spTree>
@@ -10286,7 +12061,7 @@
 </p:sld>
 </file>
 
-<file path=ppt/slides/slide11.xml><?xml version="1.0" encoding="utf-8"?>
+<file path=ppt/slides/slide13.xml><?xml version="1.0" encoding="utf-8"?>
 <p:sld xmlns:a="http://schemas.openxmlformats.org/drawingml/2006/main" xmlns:r="http://schemas.openxmlformats.org/officeDocument/2006/relationships" xmlns:p="http://schemas.openxmlformats.org/presentationml/2006/main">
   <p:cSld>
     <p:spTree>
@@ -12750,7 +14525,7 @@
 </p:sld>
 </file>
 
-<file path=ppt/slides/slide12.xml><?xml version="1.0" encoding="utf-8"?>
+<file path=ppt/slides/slide14.xml><?xml version="1.0" encoding="utf-8"?>
 <p:sld xmlns:a="http://schemas.openxmlformats.org/drawingml/2006/main" xmlns:r="http://schemas.openxmlformats.org/officeDocument/2006/relationships" xmlns:p="http://schemas.openxmlformats.org/presentationml/2006/main">
   <p:cSld>
     <p:spTree>
@@ -14460,7 +16235,7 @@
 </p:sld>
 </file>
 
-<file path=ppt/slides/slide13.xml><?xml version="1.0" encoding="utf-8"?>
+<file path=ppt/slides/slide15.xml><?xml version="1.0" encoding="utf-8"?>
 <p:sld xmlns:a="http://schemas.openxmlformats.org/drawingml/2006/main" xmlns:r="http://schemas.openxmlformats.org/officeDocument/2006/relationships" xmlns:p="http://schemas.openxmlformats.org/presentationml/2006/main">
   <p:cSld>
     <p:spTree>
@@ -16569,7 +18344,7 @@
 </p:sld>
 </file>
 
-<file path=ppt/slides/slide14.xml><?xml version="1.0" encoding="utf-8"?>
+<file path=ppt/slides/slide16.xml><?xml version="1.0" encoding="utf-8"?>
 <p:sld xmlns:a="http://schemas.openxmlformats.org/drawingml/2006/main" xmlns:r="http://schemas.openxmlformats.org/officeDocument/2006/relationships" xmlns:p="http://schemas.openxmlformats.org/presentationml/2006/main">
   <p:cSld>
     <p:spTree>
@@ -16586,6 +18361,127 @@
           <a:chExt cx="0" cy="0"/>
         </a:xfrm>
       </p:grpSpPr>
+      <mc:AlternateContent xmlns:mc="http://schemas.openxmlformats.org/markup-compatibility/2006" xmlns:a14="http://schemas.microsoft.com/office/drawing/2010/main">
+        <mc:Choice Requires="a14">
+          <p:sp>
+            <p:nvSpPr>
+              <p:cNvPr id="47" name="CasellaDiTesto 46">
+                <a:extLst>
+                  <a:ext uri="{FF2B5EF4-FFF2-40B4-BE49-F238E27FC236}">
+                    <a16:creationId xmlns:a16="http://schemas.microsoft.com/office/drawing/2014/main" id="{07DFA70C-DC68-425A-AC23-0E13E4DA7578}"/>
+                  </a:ext>
+                </a:extLst>
+              </p:cNvPr>
+              <p:cNvSpPr txBox="1"/>
+              <p:nvPr/>
+            </p:nvSpPr>
+            <p:spPr>
+              <a:xfrm>
+                <a:off x="6480000" y="743339"/>
+                <a:ext cx="720000" cy="369332"/>
+              </a:xfrm>
+              <a:prstGeom prst="rect">
+                <a:avLst/>
+              </a:prstGeom>
+              <a:noFill/>
+            </p:spPr>
+            <p:txBody>
+              <a:bodyPr wrap="square" rtlCol="0">
+                <a:spAutoFit/>
+              </a:bodyPr>
+              <a:lstStyle/>
+              <a:p>
+                <a:pPr algn="ctr"/>
+                <a14:m>
+                  <m:oMathPara xmlns:m="http://schemas.openxmlformats.org/officeDocument/2006/math">
+                    <m:oMathParaPr>
+                      <m:jc m:val="center"/>
+                    </m:oMathParaPr>
+                    <m:oMath xmlns:m="http://schemas.openxmlformats.org/officeDocument/2006/math">
+                      <m:sSub>
+                        <m:sSubPr>
+                          <m:ctrlPr>
+                            <a:rPr lang="el-GR" i="1" smtClean="0">
+                              <a:latin typeface="Cambria Math" panose="02040503050406030204" pitchFamily="18" charset="0"/>
+                            </a:rPr>
+                          </m:ctrlPr>
+                        </m:sSubPr>
+                        <m:e>
+                          <m:r>
+                            <m:rPr>
+                              <m:sty m:val="p"/>
+                            </m:rPr>
+                            <a:rPr lang="el-GR" i="1">
+                              <a:latin typeface="Cambria Math" panose="02040503050406030204" pitchFamily="18" charset="0"/>
+                            </a:rPr>
+                            <m:t>Γ</m:t>
+                          </m:r>
+                        </m:e>
+                        <m:sub>
+                          <m:r>
+                            <m:rPr>
+                              <m:sty m:val="p"/>
+                            </m:rPr>
+                            <a:rPr lang="it-IT" b="0" i="0" smtClean="0">
+                              <a:latin typeface="Cambria Math" panose="02040503050406030204" pitchFamily="18" charset="0"/>
+                            </a:rPr>
+                            <m:t>int</m:t>
+                          </m:r>
+                        </m:sub>
+                      </m:sSub>
+                    </m:oMath>
+                  </m:oMathPara>
+                </a14:m>
+                <a:endParaRPr lang="it-IT" sz="1600" i="1" dirty="0"/>
+              </a:p>
+            </p:txBody>
+          </p:sp>
+        </mc:Choice>
+        <mc:Fallback xmlns="">
+          <p:sp>
+            <p:nvSpPr>
+              <p:cNvPr id="47" name="CasellaDiTesto 46">
+                <a:extLst>
+                  <a:ext uri="{FF2B5EF4-FFF2-40B4-BE49-F238E27FC236}">
+                    <a16:creationId xmlns:a16="http://schemas.microsoft.com/office/drawing/2014/main" id="{07DFA70C-DC68-425A-AC23-0E13E4DA7578}"/>
+                  </a:ext>
+                </a:extLst>
+              </p:cNvPr>
+              <p:cNvSpPr txBox="1">
+                <a:spLocks noRot="1" noChangeAspect="1" noMove="1" noResize="1" noEditPoints="1" noAdjustHandles="1" noChangeArrowheads="1" noChangeShapeType="1" noTextEdit="1"/>
+              </p:cNvSpPr>
+              <p:nvPr/>
+            </p:nvSpPr>
+            <p:spPr>
+              <a:xfrm>
+                <a:off x="6480000" y="743339"/>
+                <a:ext cx="720000" cy="369332"/>
+              </a:xfrm>
+              <a:prstGeom prst="rect">
+                <a:avLst/>
+              </a:prstGeom>
+              <a:blipFill>
+                <a:blip r:embed="rId2"/>
+                <a:stretch>
+                  <a:fillRect/>
+                </a:stretch>
+              </a:blipFill>
+            </p:spPr>
+            <p:txBody>
+              <a:bodyPr/>
+              <a:lstStyle/>
+              <a:p>
+                <a:r>
+                  <a:rPr lang="it-IT">
+                    <a:noFill/>
+                  </a:rPr>
+                  <a:t> </a:t>
+                </a:r>
+              </a:p>
+            </p:txBody>
+          </p:sp>
+        </mc:Fallback>
+      </mc:AlternateContent>
       <p:sp>
         <p:nvSpPr>
           <p:cNvPr id="33" name="CasellaDiTesto 32">
@@ -16600,7 +18496,7 @@
         </p:nvSpPr>
         <p:spPr>
           <a:xfrm>
-            <a:off x="6114600" y="464876"/>
+            <a:off x="6476400" y="464876"/>
             <a:ext cx="720000" cy="338554"/>
           </a:xfrm>
           <a:prstGeom prst="rect">
@@ -16637,7 +18533,7 @@
         <p:spPr>
           <a:xfrm>
             <a:off x="360000" y="360000"/>
-            <a:ext cx="7920000" cy="0"/>
+            <a:ext cx="8640000" cy="0"/>
           </a:xfrm>
           <a:prstGeom prst="line">
             <a:avLst/>
@@ -16714,7 +18610,7 @@
         </p:nvCxnSpPr>
         <p:spPr>
           <a:xfrm>
-            <a:off x="8280000" y="360000"/>
+            <a:off x="9000000" y="360000"/>
             <a:ext cx="0" cy="864000"/>
           </a:xfrm>
           <a:prstGeom prst="line">
@@ -16792,7 +18688,7 @@
         </p:nvCxnSpPr>
         <p:spPr>
           <a:xfrm>
-            <a:off x="6840000" y="1080000"/>
+            <a:off x="7560000" y="1080000"/>
             <a:ext cx="0" cy="144000"/>
           </a:xfrm>
           <a:prstGeom prst="line">
@@ -16948,8 +18844,8 @@
           </a:fontRef>
         </p:style>
       </p:cxnSp>
-      <mc:AlternateContent xmlns:mc="http://schemas.openxmlformats.org/markup-compatibility/2006">
-        <mc:Choice xmlns:a14="http://schemas.microsoft.com/office/drawing/2010/main" Requires="a14">
+      <mc:AlternateContent xmlns:mc="http://schemas.openxmlformats.org/markup-compatibility/2006" xmlns:a14="http://schemas.microsoft.com/office/drawing/2010/main">
+        <mc:Choice Requires="a14">
           <p:sp>
             <p:nvSpPr>
               <p:cNvPr id="18" name="CasellaDiTesto 17">
@@ -16964,7 +18860,7 @@
             </p:nvSpPr>
             <p:spPr>
               <a:xfrm>
-                <a:off x="7825797" y="809803"/>
+                <a:off x="8546400" y="809803"/>
                 <a:ext cx="540000" cy="369332"/>
               </a:xfrm>
               <a:prstGeom prst="rect">
@@ -17024,7 +18920,7 @@
             </p:txBody>
           </p:sp>
         </mc:Choice>
-        <mc:Fallback>
+        <mc:Fallback xmlns="">
           <p:sp>
             <p:nvSpPr>
               <p:cNvPr id="18" name="CasellaDiTesto 17">
@@ -17041,16 +18937,16 @@
             </p:nvSpPr>
             <p:spPr>
               <a:xfrm>
-                <a:off x="7825797" y="809803"/>
+                <a:off x="8546400" y="809803"/>
                 <a:ext cx="540000" cy="369332"/>
               </a:xfrm>
               <a:prstGeom prst="rect">
                 <a:avLst/>
               </a:prstGeom>
               <a:blipFill>
-                <a:blip r:embed="rId2"/>
+                <a:blip r:embed="rId3"/>
                 <a:stretch>
-                  <a:fillRect l="-5682"/>
+                  <a:fillRect l="-4494"/>
                 </a:stretch>
               </a:blipFill>
             </p:spPr>
@@ -17169,7 +19065,7 @@
                 <a:avLst/>
               </a:prstGeom>
               <a:blipFill>
-                <a:blip r:embed="rId3"/>
+                <a:blip r:embed="rId4"/>
                 <a:stretch>
                   <a:fillRect b="-1667"/>
                 </a:stretch>
@@ -17190,8 +19086,8 @@
           </p:sp>
         </mc:Fallback>
       </mc:AlternateContent>
-      <mc:AlternateContent xmlns:mc="http://schemas.openxmlformats.org/markup-compatibility/2006">
-        <mc:Choice xmlns:a14="http://schemas.microsoft.com/office/drawing/2010/main" Requires="a14">
+      <mc:AlternateContent xmlns:mc="http://schemas.openxmlformats.org/markup-compatibility/2006" xmlns:a14="http://schemas.microsoft.com/office/drawing/2010/main">
+        <mc:Choice Requires="a14">
           <p:sp>
             <p:nvSpPr>
               <p:cNvPr id="20" name="CasellaDiTesto 19">
@@ -17206,7 +19102,7 @@
             </p:nvSpPr>
             <p:spPr>
               <a:xfrm>
-                <a:off x="3713228" y="0"/>
+                <a:off x="4435200" y="0"/>
                 <a:ext cx="540000" cy="391261"/>
               </a:xfrm>
               <a:prstGeom prst="rect">
@@ -17266,7 +19162,7 @@
             </p:txBody>
           </p:sp>
         </mc:Choice>
-        <mc:Fallback>
+        <mc:Fallback xmlns="">
           <p:sp>
             <p:nvSpPr>
               <p:cNvPr id="20" name="CasellaDiTesto 19">
@@ -17283,16 +19179,16 @@
             </p:nvSpPr>
             <p:spPr>
               <a:xfrm>
-                <a:off x="3713228" y="0"/>
+                <a:off x="4435200" y="0"/>
                 <a:ext cx="540000" cy="391261"/>
               </a:xfrm>
               <a:prstGeom prst="rect">
                 <a:avLst/>
               </a:prstGeom>
               <a:blipFill>
-                <a:blip r:embed="rId4"/>
+                <a:blip r:embed="rId5"/>
                 <a:stretch>
-                  <a:fillRect l="-10112" b="-6250"/>
+                  <a:fillRect l="-11364" b="-6250"/>
                 </a:stretch>
               </a:blipFill>
             </p:spPr>
@@ -17311,8 +19207,8 @@
           </p:sp>
         </mc:Fallback>
       </mc:AlternateContent>
-      <mc:AlternateContent xmlns:mc="http://schemas.openxmlformats.org/markup-compatibility/2006">
-        <mc:Choice xmlns:a14="http://schemas.microsoft.com/office/drawing/2010/main" Requires="a14">
+      <mc:AlternateContent xmlns:mc="http://schemas.openxmlformats.org/markup-compatibility/2006" xmlns:a14="http://schemas.microsoft.com/office/drawing/2010/main">
+        <mc:Choice Requires="a14">
           <p:sp>
             <p:nvSpPr>
               <p:cNvPr id="21" name="CasellaDiTesto 20">
@@ -17327,7 +19223,7 @@
             </p:nvSpPr>
             <p:spPr>
               <a:xfrm>
-                <a:off x="3647481" y="900260"/>
+                <a:off x="4366800" y="1152000"/>
                 <a:ext cx="540000" cy="369332"/>
               </a:xfrm>
               <a:prstGeom prst="rect">
@@ -17384,7 +19280,7 @@
             </p:txBody>
           </p:sp>
         </mc:Choice>
-        <mc:Fallback>
+        <mc:Fallback xmlns="">
           <p:sp>
             <p:nvSpPr>
               <p:cNvPr id="21" name="CasellaDiTesto 20">
@@ -17401,14 +19297,14 @@
             </p:nvSpPr>
             <p:spPr>
               <a:xfrm>
-                <a:off x="3647481" y="900260"/>
+                <a:off x="4366800" y="1152000"/>
                 <a:ext cx="540000" cy="369332"/>
               </a:xfrm>
               <a:prstGeom prst="rect">
                 <a:avLst/>
               </a:prstGeom>
               <a:blipFill>
-                <a:blip r:embed="rId5"/>
+                <a:blip r:embed="rId6"/>
                 <a:stretch>
                   <a:fillRect/>
                 </a:stretch>
@@ -17460,7 +19356,7 @@
             <a:pPr algn="ctr"/>
             <a:r>
               <a:rPr lang="it-IT" sz="1600" dirty="0"/>
-              <a:t>4 m</a:t>
+              <a:t>4.5 m</a:t>
             </a:r>
           </a:p>
         </p:txBody>
@@ -17479,7 +19375,7 @@
         </p:nvSpPr>
         <p:spPr>
           <a:xfrm>
-            <a:off x="7201476" y="464145"/>
+            <a:off x="7920000" y="464145"/>
             <a:ext cx="720000" cy="338554"/>
           </a:xfrm>
           <a:prstGeom prst="rect">
@@ -17632,7 +19528,7 @@
         </p:nvCxnSpPr>
         <p:spPr>
           <a:xfrm>
-            <a:off x="6840000" y="1224000"/>
+            <a:off x="7560000" y="1224000"/>
             <a:ext cx="1440000" cy="0"/>
           </a:xfrm>
           <a:prstGeom prst="line">
@@ -17670,7 +19566,7 @@
         <p:spPr>
           <a:xfrm>
             <a:off x="6120000" y="1080000"/>
-            <a:ext cx="720000" cy="0"/>
+            <a:ext cx="1440000" cy="0"/>
           </a:xfrm>
           <a:prstGeom prst="line">
             <a:avLst/>
@@ -17711,7 +19607,7 @@
         <p:spPr>
           <a:xfrm>
             <a:off x="6120000" y="720000"/>
-            <a:ext cx="720000" cy="0"/>
+            <a:ext cx="1440000" cy="0"/>
           </a:xfrm>
           <a:prstGeom prst="straightConnector1">
             <a:avLst/>
@@ -17753,7 +19649,7 @@
         </p:nvCxnSpPr>
         <p:spPr>
           <a:xfrm>
-            <a:off x="6840000" y="720000"/>
+            <a:off x="7560000" y="720000"/>
             <a:ext cx="1440000" cy="0"/>
           </a:xfrm>
           <a:prstGeom prst="straightConnector1">
@@ -17796,7 +19692,7 @@
         </p:nvCxnSpPr>
         <p:spPr>
           <a:xfrm>
-            <a:off x="8460000" y="252000"/>
+            <a:off x="9180000" y="252000"/>
             <a:ext cx="0" cy="1116000"/>
           </a:xfrm>
           <a:prstGeom prst="straightConnector1">
@@ -17839,7 +19735,7 @@
         </p:nvCxnSpPr>
         <p:spPr>
           <a:xfrm>
-            <a:off x="8424000" y="1224000"/>
+            <a:off x="9144000" y="1224000"/>
             <a:ext cx="72000" cy="0"/>
           </a:xfrm>
           <a:prstGeom prst="line">
@@ -17866,8 +19762,8 @@
           </a:fontRef>
         </p:style>
       </p:cxnSp>
-      <mc:AlternateContent xmlns:mc="http://schemas.openxmlformats.org/markup-compatibility/2006">
-        <mc:Choice xmlns:a14="http://schemas.microsoft.com/office/drawing/2010/main" Requires="a14">
+      <mc:AlternateContent xmlns:mc="http://schemas.openxmlformats.org/markup-compatibility/2006" xmlns:a14="http://schemas.microsoft.com/office/drawing/2010/main">
+        <mc:Choice Requires="a14">
           <p:sp>
             <p:nvSpPr>
               <p:cNvPr id="41" name="CasellaDiTesto 40">
@@ -17882,7 +19778,7 @@
             </p:nvSpPr>
             <p:spPr>
               <a:xfrm>
-                <a:off x="8218800" y="-96988"/>
+                <a:off x="8938800" y="-96988"/>
                 <a:ext cx="540000" cy="369332"/>
               </a:xfrm>
               <a:prstGeom prst="rect">
@@ -17917,7 +19813,7 @@
             </p:txBody>
           </p:sp>
         </mc:Choice>
-        <mc:Fallback>
+        <mc:Fallback xmlns="">
           <p:sp>
             <p:nvSpPr>
               <p:cNvPr id="41" name="CasellaDiTesto 40">
@@ -17934,14 +19830,14 @@
             </p:nvSpPr>
             <p:spPr>
               <a:xfrm>
-                <a:off x="8218800" y="-96988"/>
+                <a:off x="8938800" y="-96988"/>
                 <a:ext cx="540000" cy="369332"/>
               </a:xfrm>
               <a:prstGeom prst="rect">
                 <a:avLst/>
               </a:prstGeom>
               <a:blipFill>
-                <a:blip r:embed="rId6"/>
+                <a:blip r:embed="rId7"/>
                 <a:stretch>
                   <a:fillRect b="-6557"/>
                 </a:stretch>
@@ -17962,8 +19858,8 @@
           </p:sp>
         </mc:Fallback>
       </mc:AlternateContent>
-      <mc:AlternateContent xmlns:mc="http://schemas.openxmlformats.org/markup-compatibility/2006">
-        <mc:Choice xmlns:a14="http://schemas.microsoft.com/office/drawing/2010/main" Requires="a14">
+      <mc:AlternateContent xmlns:mc="http://schemas.openxmlformats.org/markup-compatibility/2006" xmlns:a14="http://schemas.microsoft.com/office/drawing/2010/main">
+        <mc:Choice Requires="a14">
           <p:sp>
             <p:nvSpPr>
               <p:cNvPr id="42" name="CasellaDiTesto 41">
@@ -17978,7 +19874,7 @@
             </p:nvSpPr>
             <p:spPr>
               <a:xfrm>
-                <a:off x="8361764" y="1033200"/>
+                <a:off x="9082800" y="1033200"/>
                 <a:ext cx="486510" cy="369332"/>
               </a:xfrm>
               <a:prstGeom prst="rect">
@@ -18013,7 +19909,7 @@
             </p:txBody>
           </p:sp>
         </mc:Choice>
-        <mc:Fallback>
+        <mc:Fallback xmlns="">
           <p:sp>
             <p:nvSpPr>
               <p:cNvPr id="42" name="CasellaDiTesto 41">
@@ -18030,14 +19926,14 @@
             </p:nvSpPr>
             <p:spPr>
               <a:xfrm>
-                <a:off x="8361764" y="1033200"/>
+                <a:off x="9082800" y="1033200"/>
                 <a:ext cx="486510" cy="369332"/>
               </a:xfrm>
               <a:prstGeom prst="rect">
                 <a:avLst/>
               </a:prstGeom>
               <a:blipFill>
-                <a:blip r:embed="rId7"/>
+                <a:blip r:embed="rId8"/>
                 <a:stretch>
                   <a:fillRect/>
                 </a:stretch>
@@ -18133,7 +20029,7 @@
                 <a:avLst/>
               </a:prstGeom>
               <a:blipFill>
-                <a:blip r:embed="rId8"/>
+                <a:blip r:embed="rId9"/>
                 <a:stretch>
                   <a:fillRect/>
                 </a:stretch>
@@ -18313,7 +20209,7 @@
                 <a:avLst/>
               </a:prstGeom>
               <a:blipFill>
-                <a:blip r:embed="rId9"/>
+                <a:blip r:embed="rId10"/>
                 <a:stretch>
                   <a:fillRect/>
                 </a:stretch>
@@ -18349,7 +20245,7 @@
         <p:spPr>
           <a:xfrm>
             <a:off x="6120000" y="1224000"/>
-            <a:ext cx="720000" cy="0"/>
+            <a:ext cx="1440000" cy="0"/>
           </a:xfrm>
           <a:prstGeom prst="line">
             <a:avLst/>
@@ -18375,129 +20271,8 @@
           </a:fontRef>
         </p:style>
       </p:cxnSp>
-      <mc:AlternateContent xmlns:mc="http://schemas.openxmlformats.org/markup-compatibility/2006">
-        <mc:Choice xmlns:a14="http://schemas.microsoft.com/office/drawing/2010/main" Requires="a14">
-          <p:sp>
-            <p:nvSpPr>
-              <p:cNvPr id="47" name="CasellaDiTesto 46">
-                <a:extLst>
-                  <a:ext uri="{FF2B5EF4-FFF2-40B4-BE49-F238E27FC236}">
-                    <a16:creationId xmlns:a16="http://schemas.microsoft.com/office/drawing/2014/main" id="{07DFA70C-DC68-425A-AC23-0E13E4DA7578}"/>
-                  </a:ext>
-                </a:extLst>
-              </p:cNvPr>
-              <p:cNvSpPr txBox="1"/>
-              <p:nvPr/>
-            </p:nvSpPr>
-            <p:spPr>
-              <a:xfrm>
-                <a:off x="6118776" y="751728"/>
-                <a:ext cx="720000" cy="369332"/>
-              </a:xfrm>
-              <a:prstGeom prst="rect">
-                <a:avLst/>
-              </a:prstGeom>
-              <a:noFill/>
-            </p:spPr>
-            <p:txBody>
-              <a:bodyPr wrap="square" rtlCol="0">
-                <a:spAutoFit/>
-              </a:bodyPr>
-              <a:lstStyle/>
-              <a:p>
-                <a:pPr algn="ctr"/>
-                <a14:m>
-                  <m:oMathPara xmlns:m="http://schemas.openxmlformats.org/officeDocument/2006/math">
-                    <m:oMathParaPr>
-                      <m:jc m:val="center"/>
-                    </m:oMathParaPr>
-                    <m:oMath xmlns:m="http://schemas.openxmlformats.org/officeDocument/2006/math">
-                      <m:sSub>
-                        <m:sSubPr>
-                          <m:ctrlPr>
-                            <a:rPr lang="el-GR" i="1" smtClean="0">
-                              <a:latin typeface="Cambria Math" panose="02040503050406030204" pitchFamily="18" charset="0"/>
-                            </a:rPr>
-                          </m:ctrlPr>
-                        </m:sSubPr>
-                        <m:e>
-                          <m:r>
-                            <m:rPr>
-                              <m:sty m:val="p"/>
-                            </m:rPr>
-                            <a:rPr lang="el-GR" i="1">
-                              <a:latin typeface="Cambria Math" panose="02040503050406030204" pitchFamily="18" charset="0"/>
-                            </a:rPr>
-                            <m:t>Γ</m:t>
-                          </m:r>
-                        </m:e>
-                        <m:sub>
-                          <m:r>
-                            <m:rPr>
-                              <m:sty m:val="p"/>
-                            </m:rPr>
-                            <a:rPr lang="it-IT" b="0" i="0" smtClean="0">
-                              <a:latin typeface="Cambria Math" panose="02040503050406030204" pitchFamily="18" charset="0"/>
-                            </a:rPr>
-                            <m:t>int</m:t>
-                          </m:r>
-                        </m:sub>
-                      </m:sSub>
-                    </m:oMath>
-                  </m:oMathPara>
-                </a14:m>
-                <a:endParaRPr lang="it-IT" sz="1600" i="1" dirty="0"/>
-              </a:p>
-            </p:txBody>
-          </p:sp>
-        </mc:Choice>
-        <mc:Fallback>
-          <p:sp>
-            <p:nvSpPr>
-              <p:cNvPr id="47" name="CasellaDiTesto 46">
-                <a:extLst>
-                  <a:ext uri="{FF2B5EF4-FFF2-40B4-BE49-F238E27FC236}">
-                    <a16:creationId xmlns:a16="http://schemas.microsoft.com/office/drawing/2014/main" id="{07DFA70C-DC68-425A-AC23-0E13E4DA7578}"/>
-                  </a:ext>
-                </a:extLst>
-              </p:cNvPr>
-              <p:cNvSpPr txBox="1">
-                <a:spLocks noRot="1" noChangeAspect="1" noMove="1" noResize="1" noEditPoints="1" noAdjustHandles="1" noChangeArrowheads="1" noChangeShapeType="1" noTextEdit="1"/>
-              </p:cNvSpPr>
-              <p:nvPr/>
-            </p:nvSpPr>
-            <p:spPr>
-              <a:xfrm>
-                <a:off x="6118776" y="751728"/>
-                <a:ext cx="720000" cy="369332"/>
-              </a:xfrm>
-              <a:prstGeom prst="rect">
-                <a:avLst/>
-              </a:prstGeom>
-              <a:blipFill>
-                <a:blip r:embed="rId10"/>
-                <a:stretch>
-                  <a:fillRect/>
-                </a:stretch>
-              </a:blipFill>
-            </p:spPr>
-            <p:txBody>
-              <a:bodyPr/>
-              <a:lstStyle/>
-              <a:p>
-                <a:r>
-                  <a:rPr lang="it-IT">
-                    <a:noFill/>
-                  </a:rPr>
-                  <a:t> </a:t>
-                </a:r>
-              </a:p>
-            </p:txBody>
-          </p:sp>
-        </mc:Fallback>
-      </mc:AlternateContent>
-      <mc:AlternateContent xmlns:mc="http://schemas.openxmlformats.org/markup-compatibility/2006">
-        <mc:Choice xmlns:a14="http://schemas.microsoft.com/office/drawing/2010/main" Requires="a14">
+      <mc:AlternateContent xmlns:mc="http://schemas.openxmlformats.org/markup-compatibility/2006" xmlns:a14="http://schemas.microsoft.com/office/drawing/2010/main">
+        <mc:Choice Requires="a14">
           <p:sp>
             <p:nvSpPr>
               <p:cNvPr id="48" name="CasellaDiTesto 47">
@@ -18512,7 +20287,7 @@
             </p:nvSpPr>
             <p:spPr>
               <a:xfrm>
-                <a:off x="6298778" y="1152000"/>
+                <a:off x="6660000" y="1152000"/>
                 <a:ext cx="540000" cy="369332"/>
               </a:xfrm>
               <a:prstGeom prst="rect">
@@ -18572,7 +20347,7 @@
             </p:txBody>
           </p:sp>
         </mc:Choice>
-        <mc:Fallback>
+        <mc:Fallback xmlns="">
           <p:sp>
             <p:nvSpPr>
               <p:cNvPr id="48" name="CasellaDiTesto 47">
@@ -18589,7 +20364,7 @@
             </p:nvSpPr>
             <p:spPr>
               <a:xfrm>
-                <a:off x="6298778" y="1152000"/>
+                <a:off x="6660000" y="1152000"/>
                 <a:ext cx="540000" cy="369332"/>
               </a:xfrm>
               <a:prstGeom prst="rect">
@@ -18598,7 +20373,7 @@
               <a:blipFill>
                 <a:blip r:embed="rId11"/>
                 <a:stretch>
-                  <a:fillRect l="-13483"/>
+                  <a:fillRect l="-14773"/>
                 </a:stretch>
               </a:blipFill>
             </p:spPr>
@@ -18617,6 +20392,285 @@
           </p:sp>
         </mc:Fallback>
       </mc:AlternateContent>
+      <mc:AlternateContent xmlns:mc="http://schemas.openxmlformats.org/markup-compatibility/2006" xmlns:a14="http://schemas.microsoft.com/office/drawing/2010/main">
+        <mc:Choice Requires="a14">
+          <p:sp>
+            <p:nvSpPr>
+              <p:cNvPr id="35" name="CasellaDiTesto 34">
+                <a:extLst>
+                  <a:ext uri="{FF2B5EF4-FFF2-40B4-BE49-F238E27FC236}">
+                    <a16:creationId xmlns:a16="http://schemas.microsoft.com/office/drawing/2014/main" id="{8310F4EF-C238-48E8-B781-8CF2E8AC5F8C}"/>
+                  </a:ext>
+                </a:extLst>
+              </p:cNvPr>
+              <p:cNvSpPr txBox="1"/>
+              <p:nvPr/>
+            </p:nvSpPr>
+            <p:spPr>
+              <a:xfrm>
+                <a:off x="2779800" y="802062"/>
+                <a:ext cx="720000" cy="369332"/>
+              </a:xfrm>
+              <a:prstGeom prst="rect">
+                <a:avLst/>
+              </a:prstGeom>
+              <a:noFill/>
+            </p:spPr>
+            <p:txBody>
+              <a:bodyPr wrap="square" rtlCol="0">
+                <a:spAutoFit/>
+              </a:bodyPr>
+              <a:lstStyle/>
+              <a:p>
+                <a:pPr algn="ctr"/>
+                <a14:m>
+                  <m:oMathPara xmlns:m="http://schemas.openxmlformats.org/officeDocument/2006/math">
+                    <m:oMathParaPr>
+                      <m:jc m:val="center"/>
+                    </m:oMathParaPr>
+                    <m:oMath xmlns:m="http://schemas.openxmlformats.org/officeDocument/2006/math">
+                      <m:sSub>
+                        <m:sSubPr>
+                          <m:ctrlPr>
+                            <a:rPr lang="el-GR" i="1" smtClean="0">
+                              <a:latin typeface="Cambria Math" panose="02040503050406030204" pitchFamily="18" charset="0"/>
+                            </a:rPr>
+                          </m:ctrlPr>
+                        </m:sSubPr>
+                        <m:e>
+                          <m:r>
+                            <m:rPr>
+                              <m:sty m:val="p"/>
+                            </m:rPr>
+                            <a:rPr lang="el-GR" i="1" smtClean="0">
+                              <a:latin typeface="Cambria Math" panose="02040503050406030204" pitchFamily="18" charset="0"/>
+                            </a:rPr>
+                            <m:t>Ω</m:t>
+                          </m:r>
+                        </m:e>
+                        <m:sub>
+                          <m:r>
+                            <m:rPr>
+                              <m:sty m:val="p"/>
+                            </m:rPr>
+                            <a:rPr lang="it-IT" b="0" i="0" smtClean="0">
+                              <a:latin typeface="Cambria Math" panose="02040503050406030204" pitchFamily="18" charset="0"/>
+                            </a:rPr>
+                            <m:t>ff</m:t>
+                          </m:r>
+                        </m:sub>
+                      </m:sSub>
+                    </m:oMath>
+                  </m:oMathPara>
+                </a14:m>
+                <a:endParaRPr lang="it-IT" sz="1600" i="1" dirty="0"/>
+              </a:p>
+            </p:txBody>
+          </p:sp>
+        </mc:Choice>
+        <mc:Fallback xmlns="">
+          <p:sp>
+            <p:nvSpPr>
+              <p:cNvPr id="35" name="CasellaDiTesto 34">
+                <a:extLst>
+                  <a:ext uri="{FF2B5EF4-FFF2-40B4-BE49-F238E27FC236}">
+                    <a16:creationId xmlns:a16="http://schemas.microsoft.com/office/drawing/2014/main" id="{8310F4EF-C238-48E8-B781-8CF2E8AC5F8C}"/>
+                  </a:ext>
+                </a:extLst>
+              </p:cNvPr>
+              <p:cNvSpPr txBox="1">
+                <a:spLocks noRot="1" noChangeAspect="1" noMove="1" noResize="1" noEditPoints="1" noAdjustHandles="1" noChangeArrowheads="1" noChangeShapeType="1" noTextEdit="1"/>
+              </p:cNvSpPr>
+              <p:nvPr/>
+            </p:nvSpPr>
+            <p:spPr>
+              <a:xfrm>
+                <a:off x="2779800" y="802062"/>
+                <a:ext cx="720000" cy="369332"/>
+              </a:xfrm>
+              <a:prstGeom prst="rect">
+                <a:avLst/>
+              </a:prstGeom>
+              <a:blipFill>
+                <a:blip r:embed="rId12"/>
+                <a:stretch>
+                  <a:fillRect b="-1667"/>
+                </a:stretch>
+              </a:blipFill>
+            </p:spPr>
+            <p:txBody>
+              <a:bodyPr/>
+              <a:lstStyle/>
+              <a:p>
+                <a:r>
+                  <a:rPr lang="it-IT">
+                    <a:noFill/>
+                  </a:rPr>
+                  <a:t> </a:t>
+                </a:r>
+              </a:p>
+            </p:txBody>
+          </p:sp>
+        </mc:Fallback>
+      </mc:AlternateContent>
+      <mc:AlternateContent xmlns:mc="http://schemas.openxmlformats.org/markup-compatibility/2006" xmlns:a14="http://schemas.microsoft.com/office/drawing/2010/main">
+        <mc:Choice Requires="a14">
+          <p:sp>
+            <p:nvSpPr>
+              <p:cNvPr id="37" name="CasellaDiTesto 36">
+                <a:extLst>
+                  <a:ext uri="{FF2B5EF4-FFF2-40B4-BE49-F238E27FC236}">
+                    <a16:creationId xmlns:a16="http://schemas.microsoft.com/office/drawing/2014/main" id="{FB36C35A-6CD6-4BF0-873E-B05BED835E79}"/>
+                  </a:ext>
+                </a:extLst>
+              </p:cNvPr>
+              <p:cNvSpPr txBox="1"/>
+              <p:nvPr/>
+            </p:nvSpPr>
+            <p:spPr>
+              <a:xfrm>
+                <a:off x="7477200" y="1152000"/>
+                <a:ext cx="720000" cy="394019"/>
+              </a:xfrm>
+              <a:prstGeom prst="rect">
+                <a:avLst/>
+              </a:prstGeom>
+              <a:noFill/>
+            </p:spPr>
+            <p:txBody>
+              <a:bodyPr wrap="square" rtlCol="0">
+                <a:spAutoFit/>
+              </a:bodyPr>
+              <a:lstStyle/>
+              <a:p>
+                <a:pPr algn="ctr"/>
+                <a14:m>
+                  <m:oMathPara xmlns:m="http://schemas.openxmlformats.org/officeDocument/2006/math">
+                    <m:oMathParaPr>
+                      <m:jc m:val="center"/>
+                    </m:oMathParaPr>
+                    <m:oMath xmlns:m="http://schemas.openxmlformats.org/officeDocument/2006/math">
+                      <m:sSub>
+                        <m:sSubPr>
+                          <m:ctrlPr>
+                            <a:rPr lang="el-GR" i="1" smtClean="0">
+                              <a:latin typeface="Cambria Math" panose="02040503050406030204" pitchFamily="18" charset="0"/>
+                            </a:rPr>
+                          </m:ctrlPr>
+                        </m:sSubPr>
+                        <m:e>
+                          <m:r>
+                            <m:rPr>
+                              <m:sty m:val="p"/>
+                            </m:rPr>
+                            <a:rPr lang="el-GR" i="1" smtClean="0">
+                              <a:latin typeface="Cambria Math" panose="02040503050406030204" pitchFamily="18" charset="0"/>
+                            </a:rPr>
+                            <m:t>Ω</m:t>
+                          </m:r>
+                        </m:e>
+                        <m:sub>
+                          <m:r>
+                            <m:rPr>
+                              <m:sty m:val="p"/>
+                            </m:rPr>
+                            <a:rPr lang="it-IT" b="0" i="0" smtClean="0">
+                              <a:latin typeface="Cambria Math" panose="02040503050406030204" pitchFamily="18" charset="0"/>
+                            </a:rPr>
+                            <m:t>pm</m:t>
+                          </m:r>
+                        </m:sub>
+                      </m:sSub>
+                    </m:oMath>
+                  </m:oMathPara>
+                </a14:m>
+                <a:endParaRPr lang="it-IT" sz="1600" i="1" dirty="0"/>
+              </a:p>
+            </p:txBody>
+          </p:sp>
+        </mc:Choice>
+        <mc:Fallback xmlns="">
+          <p:sp>
+            <p:nvSpPr>
+              <p:cNvPr id="37" name="CasellaDiTesto 36">
+                <a:extLst>
+                  <a:ext uri="{FF2B5EF4-FFF2-40B4-BE49-F238E27FC236}">
+                    <a16:creationId xmlns:a16="http://schemas.microsoft.com/office/drawing/2014/main" id="{FB36C35A-6CD6-4BF0-873E-B05BED835E79}"/>
+                  </a:ext>
+                </a:extLst>
+              </p:cNvPr>
+              <p:cNvSpPr txBox="1">
+                <a:spLocks noRot="1" noChangeAspect="1" noMove="1" noResize="1" noEditPoints="1" noAdjustHandles="1" noChangeArrowheads="1" noChangeShapeType="1" noTextEdit="1"/>
+              </p:cNvSpPr>
+              <p:nvPr/>
+            </p:nvSpPr>
+            <p:spPr>
+              <a:xfrm>
+                <a:off x="7477200" y="1152000"/>
+                <a:ext cx="720000" cy="394019"/>
+              </a:xfrm>
+              <a:prstGeom prst="rect">
+                <a:avLst/>
+              </a:prstGeom>
+              <a:blipFill>
+                <a:blip r:embed="rId13"/>
+                <a:stretch>
+                  <a:fillRect b="-4615"/>
+                </a:stretch>
+              </a:blipFill>
+            </p:spPr>
+            <p:txBody>
+              <a:bodyPr/>
+              <a:lstStyle/>
+              <a:p>
+                <a:r>
+                  <a:rPr lang="it-IT">
+                    <a:noFill/>
+                  </a:rPr>
+                  <a:t> </a:t>
+                </a:r>
+              </a:p>
+            </p:txBody>
+          </p:sp>
+        </mc:Fallback>
+      </mc:AlternateContent>
+      <p:cxnSp>
+        <p:nvCxnSpPr>
+          <p:cNvPr id="3" name="Connettore diritto 2">
+            <a:extLst>
+              <a:ext uri="{FF2B5EF4-FFF2-40B4-BE49-F238E27FC236}">
+                <a16:creationId xmlns:a16="http://schemas.microsoft.com/office/drawing/2014/main" id="{7B603C14-F3F5-44E3-B98B-FC0C78C4F278}"/>
+              </a:ext>
+            </a:extLst>
+          </p:cNvPr>
+          <p:cNvCxnSpPr/>
+          <p:nvPr/>
+        </p:nvCxnSpPr>
+        <p:spPr>
+          <a:xfrm>
+            <a:off x="7306811" y="1130477"/>
+            <a:ext cx="253189" cy="206189"/>
+          </a:xfrm>
+          <a:prstGeom prst="line">
+            <a:avLst/>
+          </a:prstGeom>
+          <a:ln w="9525"/>
+        </p:spPr>
+        <p:style>
+          <a:lnRef idx="1">
+            <a:schemeClr val="dk1"/>
+          </a:lnRef>
+          <a:fillRef idx="0">
+            <a:schemeClr val="dk1"/>
+          </a:fillRef>
+          <a:effectRef idx="0">
+            <a:schemeClr val="dk1"/>
+          </a:effectRef>
+          <a:fontRef idx="minor">
+            <a:schemeClr val="tx1"/>
+          </a:fontRef>
+        </p:style>
+      </p:cxnSp>
     </p:spTree>
     <p:extLst>
       <p:ext uri="{BB962C8B-B14F-4D97-AF65-F5344CB8AC3E}">
@@ -18630,7 +20684,7 @@
 </p:sld>
 </file>
 
-<file path=ppt/slides/slide15.xml><?xml version="1.0" encoding="utf-8"?>
+<file path=ppt/slides/slide17.xml><?xml version="1.0" encoding="utf-8"?>
 <p:sld xmlns:a="http://schemas.openxmlformats.org/drawingml/2006/main" xmlns:r="http://schemas.openxmlformats.org/officeDocument/2006/relationships" xmlns:p="http://schemas.openxmlformats.org/presentationml/2006/main">
   <p:cSld>
     <p:spTree>
@@ -20192,7 +22246,7 @@
 </p:sld>
 </file>
 
-<file path=ppt/slides/slide16.xml><?xml version="1.0" encoding="utf-8"?>
+<file path=ppt/slides/slide18.xml><?xml version="1.0" encoding="utf-8"?>
 <p:sld xmlns:a="http://schemas.openxmlformats.org/drawingml/2006/main" xmlns:r="http://schemas.openxmlformats.org/officeDocument/2006/relationships" xmlns:p="http://schemas.openxmlformats.org/presentationml/2006/main">
   <p:cSld>
     <p:spTree>
@@ -21733,7 +23787,7 @@
 </p:sld>
 </file>
 
-<file path=ppt/slides/slide17.xml><?xml version="1.0" encoding="utf-8"?>
+<file path=ppt/slides/slide19.xml><?xml version="1.0" encoding="utf-8"?>
 <p:sld xmlns:a="http://schemas.openxmlformats.org/drawingml/2006/main" xmlns:r="http://schemas.openxmlformats.org/officeDocument/2006/relationships" xmlns:p="http://schemas.openxmlformats.org/presentationml/2006/main">
   <p:cSld>
     <p:spTree>
@@ -25173,7 +27227,572 @@
 </p:sld>
 </file>
 
-<file path=ppt/slides/slide18.xml><?xml version="1.0" encoding="utf-8"?>
+<file path=ppt/slides/slide2.xml><?xml version="1.0" encoding="utf-8"?>
+<p:sld xmlns:a="http://schemas.openxmlformats.org/drawingml/2006/main" xmlns:r="http://schemas.openxmlformats.org/officeDocument/2006/relationships" xmlns:p="http://schemas.openxmlformats.org/presentationml/2006/main">
+  <p:cSld>
+    <p:spTree>
+      <p:nvGrpSpPr>
+        <p:cNvPr id="1" name=""/>
+        <p:cNvGrpSpPr/>
+        <p:nvPr/>
+      </p:nvGrpSpPr>
+      <p:grpSpPr>
+        <a:xfrm>
+          <a:off x="0" y="0"/>
+          <a:ext cx="0" cy="0"/>
+          <a:chOff x="0" y="0"/>
+          <a:chExt cx="0" cy="0"/>
+        </a:xfrm>
+      </p:grpSpPr>
+      <p:grpSp>
+        <p:nvGrpSpPr>
+          <p:cNvPr id="14" name="Gruppo 13">
+            <a:extLst>
+              <a:ext uri="{FF2B5EF4-FFF2-40B4-BE49-F238E27FC236}">
+                <a16:creationId xmlns:a16="http://schemas.microsoft.com/office/drawing/2014/main" id="{DB87459C-F9DF-4A0C-A5D6-96A4FD31C74F}"/>
+              </a:ext>
+            </a:extLst>
+          </p:cNvPr>
+          <p:cNvGrpSpPr/>
+          <p:nvPr/>
+        </p:nvGrpSpPr>
+        <p:grpSpPr>
+          <a:xfrm>
+            <a:off x="-8389" y="418399"/>
+            <a:ext cx="12200389" cy="6021202"/>
+            <a:chOff x="-8389" y="418399"/>
+            <a:chExt cx="12200389" cy="6021202"/>
+          </a:xfrm>
+        </p:grpSpPr>
+        <p:pic>
+          <p:nvPicPr>
+            <p:cNvPr id="5" name="Immagine 4">
+              <a:extLst>
+                <a:ext uri="{FF2B5EF4-FFF2-40B4-BE49-F238E27FC236}">
+                  <a16:creationId xmlns:a16="http://schemas.microsoft.com/office/drawing/2014/main" id="{7EB9075A-F497-4B02-9A67-F47C4F1BE553}"/>
+                </a:ext>
+              </a:extLst>
+            </p:cNvPr>
+            <p:cNvPicPr>
+              <a:picLocks noChangeAspect="1"/>
+            </p:cNvPicPr>
+            <p:nvPr/>
+          </p:nvPicPr>
+          <p:blipFill>
+            <a:blip r:embed="rId2">
+              <a:extLst>
+                <a:ext uri="{28A0092B-C50C-407E-A947-70E740481C1C}">
+                  <a14:useLocalDpi xmlns:a14="http://schemas.microsoft.com/office/drawing/2010/main" val="0"/>
+                </a:ext>
+              </a:extLst>
+            </a:blip>
+            <a:stretch>
+              <a:fillRect/>
+            </a:stretch>
+          </p:blipFill>
+          <p:spPr>
+            <a:xfrm>
+              <a:off x="0" y="418399"/>
+              <a:ext cx="12192000" cy="6021202"/>
+            </a:xfrm>
+            <a:prstGeom prst="rect">
+              <a:avLst/>
+            </a:prstGeom>
+          </p:spPr>
+        </p:pic>
+        <mc:AlternateContent xmlns:mc="http://schemas.openxmlformats.org/markup-compatibility/2006">
+          <mc:Choice xmlns:a14="http://schemas.microsoft.com/office/drawing/2010/main" Requires="a14">
+            <p:sp>
+              <p:nvSpPr>
+                <p:cNvPr id="6" name="CasellaDiTesto 5">
+                  <a:extLst>
+                    <a:ext uri="{FF2B5EF4-FFF2-40B4-BE49-F238E27FC236}">
+                      <a16:creationId xmlns:a16="http://schemas.microsoft.com/office/drawing/2014/main" id="{E3FF0BAC-908C-4189-AFFA-E6DBC6CAB88A}"/>
+                    </a:ext>
+                  </a:extLst>
+                </p:cNvPr>
+                <p:cNvSpPr txBox="1"/>
+                <p:nvPr/>
+              </p:nvSpPr>
+              <p:spPr>
+                <a:xfrm>
+                  <a:off x="3703738" y="1939350"/>
+                  <a:ext cx="386644" cy="313350"/>
+                </a:xfrm>
+                <a:prstGeom prst="rect">
+                  <a:avLst/>
+                </a:prstGeom>
+                <a:solidFill>
+                  <a:schemeClr val="bg1"/>
+                </a:solidFill>
+                <a:effectLst>
+                  <a:softEdge rad="25400"/>
+                </a:effectLst>
+              </p:spPr>
+              <p:txBody>
+                <a:bodyPr wrap="none" lIns="0" tIns="0" rIns="0" bIns="36000" rtlCol="0">
+                  <a:spAutoFit/>
+                </a:bodyPr>
+                <a:lstStyle/>
+                <a:p>
+                  <a:pPr/>
+                  <a14:m>
+                    <m:oMathPara xmlns:m="http://schemas.openxmlformats.org/officeDocument/2006/math">
+                      <m:oMathParaPr>
+                        <m:jc m:val="centerGroup"/>
+                      </m:oMathParaPr>
+                      <m:oMath xmlns:m="http://schemas.openxmlformats.org/officeDocument/2006/math">
+                        <m:sSub>
+                          <m:sSubPr>
+                            <m:ctrlPr>
+                              <a:rPr lang="el-GR" i="1" smtClean="0">
+                                <a:latin typeface="Cambria Math" panose="02040503050406030204" pitchFamily="18" charset="0"/>
+                                <a:ea typeface="Cambria Math" panose="02040503050406030204" pitchFamily="18" charset="0"/>
+                              </a:rPr>
+                            </m:ctrlPr>
+                          </m:sSubPr>
+                          <m:e>
+                            <m:r>
+                              <m:rPr>
+                                <m:sty m:val="p"/>
+                              </m:rPr>
+                              <a:rPr lang="el-GR" i="1" smtClean="0">
+                                <a:latin typeface="Cambria Math" panose="02040503050406030204" pitchFamily="18" charset="0"/>
+                                <a:ea typeface="Cambria Math" panose="02040503050406030204" pitchFamily="18" charset="0"/>
+                              </a:rPr>
+                              <m:t>Γ</m:t>
+                            </m:r>
+                          </m:e>
+                          <m:sub>
+                            <m:r>
+                              <m:rPr>
+                                <m:sty m:val="p"/>
+                              </m:rPr>
+                              <a:rPr lang="it-IT" b="0" i="0" smtClean="0">
+                                <a:latin typeface="Cambria Math" panose="02040503050406030204" pitchFamily="18" charset="0"/>
+                                <a:ea typeface="Cambria Math" panose="02040503050406030204" pitchFamily="18" charset="0"/>
+                              </a:rPr>
+                              <m:t>int</m:t>
+                            </m:r>
+                          </m:sub>
+                        </m:sSub>
+                      </m:oMath>
+                    </m:oMathPara>
+                  </a14:m>
+                  <a:endParaRPr lang="it-IT" dirty="0"/>
+                </a:p>
+              </p:txBody>
+            </p:sp>
+          </mc:Choice>
+          <mc:Fallback>
+            <p:sp>
+              <p:nvSpPr>
+                <p:cNvPr id="6" name="CasellaDiTesto 5">
+                  <a:extLst>
+                    <a:ext uri="{FF2B5EF4-FFF2-40B4-BE49-F238E27FC236}">
+                      <a16:creationId xmlns:a16="http://schemas.microsoft.com/office/drawing/2014/main" id="{E3FF0BAC-908C-4189-AFFA-E6DBC6CAB88A}"/>
+                    </a:ext>
+                  </a:extLst>
+                </p:cNvPr>
+                <p:cNvSpPr txBox="1">
+                  <a:spLocks noRot="1" noChangeAspect="1" noMove="1" noResize="1" noEditPoints="1" noAdjustHandles="1" noChangeArrowheads="1" noChangeShapeType="1" noTextEdit="1"/>
+                </p:cNvSpPr>
+                <p:nvPr/>
+              </p:nvSpPr>
+              <p:spPr>
+                <a:xfrm>
+                  <a:off x="3703738" y="1939350"/>
+                  <a:ext cx="386644" cy="313350"/>
+                </a:xfrm>
+                <a:prstGeom prst="rect">
+                  <a:avLst/>
+                </a:prstGeom>
+                <a:blipFill>
+                  <a:blip r:embed="rId3"/>
+                  <a:stretch>
+                    <a:fillRect l="-14286" r="-7937" b="-3846"/>
+                  </a:stretch>
+                </a:blipFill>
+                <a:effectLst>
+                  <a:softEdge rad="25400"/>
+                </a:effectLst>
+              </p:spPr>
+              <p:txBody>
+                <a:bodyPr/>
+                <a:lstStyle/>
+                <a:p>
+                  <a:r>
+                    <a:rPr lang="it-IT">
+                      <a:noFill/>
+                    </a:rPr>
+                    <a:t> </a:t>
+                  </a:r>
+                </a:p>
+              </p:txBody>
+            </p:sp>
+          </mc:Fallback>
+        </mc:AlternateContent>
+        <mc:AlternateContent xmlns:mc="http://schemas.openxmlformats.org/markup-compatibility/2006">
+          <mc:Choice xmlns:a14="http://schemas.microsoft.com/office/drawing/2010/main" Requires="a14">
+            <p:sp>
+              <p:nvSpPr>
+                <p:cNvPr id="7" name="CasellaDiTesto 6">
+                  <a:extLst>
+                    <a:ext uri="{FF2B5EF4-FFF2-40B4-BE49-F238E27FC236}">
+                      <a16:creationId xmlns:a16="http://schemas.microsoft.com/office/drawing/2014/main" id="{9C48DA12-7EDE-46F2-9CA5-9FC175356BD5}"/>
+                    </a:ext>
+                  </a:extLst>
+                </p:cNvPr>
+                <p:cNvSpPr txBox="1"/>
+                <p:nvPr/>
+              </p:nvSpPr>
+              <p:spPr>
+                <a:xfrm>
+                  <a:off x="246954" y="616071"/>
+                  <a:ext cx="338169" cy="313350"/>
+                </a:xfrm>
+                <a:prstGeom prst="rect">
+                  <a:avLst/>
+                </a:prstGeom>
+                <a:solidFill>
+                  <a:schemeClr val="bg1"/>
+                </a:solidFill>
+                <a:effectLst>
+                  <a:softEdge rad="25400"/>
+                </a:effectLst>
+              </p:spPr>
+              <p:txBody>
+                <a:bodyPr wrap="none" lIns="0" tIns="0" rIns="0" bIns="36000" rtlCol="0">
+                  <a:spAutoFit/>
+                </a:bodyPr>
+                <a:lstStyle/>
+                <a:p>
+                  <a:pPr/>
+                  <a14:m>
+                    <m:oMathPara xmlns:m="http://schemas.openxmlformats.org/officeDocument/2006/math">
+                      <m:oMathParaPr>
+                        <m:jc m:val="centerGroup"/>
+                      </m:oMathParaPr>
+                      <m:oMath xmlns:m="http://schemas.openxmlformats.org/officeDocument/2006/math">
+                        <m:sSub>
+                          <m:sSubPr>
+                            <m:ctrlPr>
+                              <a:rPr lang="el-GR" i="1" smtClean="0">
+                                <a:latin typeface="Cambria Math" panose="02040503050406030204" pitchFamily="18" charset="0"/>
+                                <a:ea typeface="Cambria Math" panose="02040503050406030204" pitchFamily="18" charset="0"/>
+                              </a:rPr>
+                            </m:ctrlPr>
+                          </m:sSubPr>
+                          <m:e>
+                            <m:r>
+                              <m:rPr>
+                                <m:sty m:val="p"/>
+                              </m:rPr>
+                              <a:rPr lang="el-GR" i="1">
+                                <a:latin typeface="Cambria Math" panose="02040503050406030204" pitchFamily="18" charset="0"/>
+                                <a:ea typeface="Cambria Math" panose="02040503050406030204" pitchFamily="18" charset="0"/>
+                              </a:rPr>
+                              <m:t>Ω</m:t>
+                            </m:r>
+                          </m:e>
+                          <m:sub>
+                            <m:r>
+                              <m:rPr>
+                                <m:sty m:val="p"/>
+                              </m:rPr>
+                              <a:rPr lang="it-IT" b="0" i="0" smtClean="0">
+                                <a:latin typeface="Cambria Math" panose="02040503050406030204" pitchFamily="18" charset="0"/>
+                                <a:ea typeface="Cambria Math" panose="02040503050406030204" pitchFamily="18" charset="0"/>
+                              </a:rPr>
+                              <m:t>ff</m:t>
+                            </m:r>
+                          </m:sub>
+                        </m:sSub>
+                      </m:oMath>
+                    </m:oMathPara>
+                  </a14:m>
+                  <a:endParaRPr lang="it-IT" dirty="0"/>
+                </a:p>
+              </p:txBody>
+            </p:sp>
+          </mc:Choice>
+          <mc:Fallback>
+            <p:sp>
+              <p:nvSpPr>
+                <p:cNvPr id="7" name="CasellaDiTesto 6">
+                  <a:extLst>
+                    <a:ext uri="{FF2B5EF4-FFF2-40B4-BE49-F238E27FC236}">
+                      <a16:creationId xmlns:a16="http://schemas.microsoft.com/office/drawing/2014/main" id="{9C48DA12-7EDE-46F2-9CA5-9FC175356BD5}"/>
+                    </a:ext>
+                  </a:extLst>
+                </p:cNvPr>
+                <p:cNvSpPr txBox="1">
+                  <a:spLocks noRot="1" noChangeAspect="1" noMove="1" noResize="1" noEditPoints="1" noAdjustHandles="1" noChangeArrowheads="1" noChangeShapeType="1" noTextEdit="1"/>
+                </p:cNvSpPr>
+                <p:nvPr/>
+              </p:nvSpPr>
+              <p:spPr>
+                <a:xfrm>
+                  <a:off x="246954" y="616071"/>
+                  <a:ext cx="338169" cy="313350"/>
+                </a:xfrm>
+                <a:prstGeom prst="rect">
+                  <a:avLst/>
+                </a:prstGeom>
+                <a:blipFill>
+                  <a:blip r:embed="rId4"/>
+                  <a:stretch>
+                    <a:fillRect l="-16364" r="-9091" b="-5882"/>
+                  </a:stretch>
+                </a:blipFill>
+                <a:effectLst>
+                  <a:softEdge rad="25400"/>
+                </a:effectLst>
+              </p:spPr>
+              <p:txBody>
+                <a:bodyPr/>
+                <a:lstStyle/>
+                <a:p>
+                  <a:r>
+                    <a:rPr lang="it-IT">
+                      <a:noFill/>
+                    </a:rPr>
+                    <a:t> </a:t>
+                  </a:r>
+                </a:p>
+              </p:txBody>
+            </p:sp>
+          </mc:Fallback>
+        </mc:AlternateContent>
+        <mc:AlternateContent xmlns:mc="http://schemas.openxmlformats.org/markup-compatibility/2006">
+          <mc:Choice xmlns:a14="http://schemas.microsoft.com/office/drawing/2010/main" Requires="a14">
+            <p:sp>
+              <p:nvSpPr>
+                <p:cNvPr id="8" name="CasellaDiTesto 7">
+                  <a:extLst>
+                    <a:ext uri="{FF2B5EF4-FFF2-40B4-BE49-F238E27FC236}">
+                      <a16:creationId xmlns:a16="http://schemas.microsoft.com/office/drawing/2014/main" id="{67C2D6DB-4865-4E28-BAEA-B89390343BDF}"/>
+                    </a:ext>
+                  </a:extLst>
+                </p:cNvPr>
+                <p:cNvSpPr txBox="1"/>
+                <p:nvPr/>
+              </p:nvSpPr>
+              <p:spPr>
+                <a:xfrm>
+                  <a:off x="246954" y="5306755"/>
+                  <a:ext cx="480837" cy="338037"/>
+                </a:xfrm>
+                <a:prstGeom prst="rect">
+                  <a:avLst/>
+                </a:prstGeom>
+                <a:solidFill>
+                  <a:schemeClr val="bg1"/>
+                </a:solidFill>
+                <a:effectLst>
+                  <a:softEdge rad="25400"/>
+                </a:effectLst>
+              </p:spPr>
+              <p:txBody>
+                <a:bodyPr wrap="none" lIns="0" tIns="0" rIns="0" bIns="36000" rtlCol="0">
+                  <a:spAutoFit/>
+                </a:bodyPr>
+                <a:lstStyle/>
+                <a:p>
+                  <a:pPr/>
+                  <a14:m>
+                    <m:oMathPara xmlns:m="http://schemas.openxmlformats.org/officeDocument/2006/math">
+                      <m:oMathParaPr>
+                        <m:jc m:val="centerGroup"/>
+                      </m:oMathParaPr>
+                      <m:oMath xmlns:m="http://schemas.openxmlformats.org/officeDocument/2006/math">
+                        <m:sSub>
+                          <m:sSubPr>
+                            <m:ctrlPr>
+                              <a:rPr lang="el-GR" i="1" smtClean="0">
+                                <a:latin typeface="Cambria Math" panose="02040503050406030204" pitchFamily="18" charset="0"/>
+                                <a:ea typeface="Cambria Math" panose="02040503050406030204" pitchFamily="18" charset="0"/>
+                              </a:rPr>
+                            </m:ctrlPr>
+                          </m:sSubPr>
+                          <m:e>
+                            <m:r>
+                              <m:rPr>
+                                <m:sty m:val="p"/>
+                              </m:rPr>
+                              <a:rPr lang="el-GR" i="1">
+                                <a:latin typeface="Cambria Math" panose="02040503050406030204" pitchFamily="18" charset="0"/>
+                                <a:ea typeface="Cambria Math" panose="02040503050406030204" pitchFamily="18" charset="0"/>
+                              </a:rPr>
+                              <m:t>Ω</m:t>
+                            </m:r>
+                          </m:e>
+                          <m:sub>
+                            <m:r>
+                              <m:rPr>
+                                <m:sty m:val="p"/>
+                              </m:rPr>
+                              <a:rPr lang="it-IT" b="0" i="0" smtClean="0">
+                                <a:latin typeface="Cambria Math" panose="02040503050406030204" pitchFamily="18" charset="0"/>
+                                <a:ea typeface="Cambria Math" panose="02040503050406030204" pitchFamily="18" charset="0"/>
+                              </a:rPr>
+                              <m:t>pm</m:t>
+                            </m:r>
+                          </m:sub>
+                        </m:sSub>
+                      </m:oMath>
+                    </m:oMathPara>
+                  </a14:m>
+                  <a:endParaRPr lang="it-IT" dirty="0"/>
+                </a:p>
+              </p:txBody>
+            </p:sp>
+          </mc:Choice>
+          <mc:Fallback>
+            <p:sp>
+              <p:nvSpPr>
+                <p:cNvPr id="8" name="CasellaDiTesto 7">
+                  <a:extLst>
+                    <a:ext uri="{FF2B5EF4-FFF2-40B4-BE49-F238E27FC236}">
+                      <a16:creationId xmlns:a16="http://schemas.microsoft.com/office/drawing/2014/main" id="{67C2D6DB-4865-4E28-BAEA-B89390343BDF}"/>
+                    </a:ext>
+                  </a:extLst>
+                </p:cNvPr>
+                <p:cNvSpPr txBox="1">
+                  <a:spLocks noRot="1" noChangeAspect="1" noMove="1" noResize="1" noEditPoints="1" noAdjustHandles="1" noChangeArrowheads="1" noChangeShapeType="1" noTextEdit="1"/>
+                </p:cNvSpPr>
+                <p:nvPr/>
+              </p:nvSpPr>
+              <p:spPr>
+                <a:xfrm>
+                  <a:off x="246954" y="5306755"/>
+                  <a:ext cx="480837" cy="338037"/>
+                </a:xfrm>
+                <a:prstGeom prst="rect">
+                  <a:avLst/>
+                </a:prstGeom>
+                <a:blipFill>
+                  <a:blip r:embed="rId5"/>
+                  <a:stretch>
+                    <a:fillRect l="-11538" r="-7692" b="-9091"/>
+                  </a:stretch>
+                </a:blipFill>
+                <a:effectLst>
+                  <a:softEdge rad="25400"/>
+                </a:effectLst>
+              </p:spPr>
+              <p:txBody>
+                <a:bodyPr/>
+                <a:lstStyle/>
+                <a:p>
+                  <a:r>
+                    <a:rPr lang="it-IT">
+                      <a:noFill/>
+                    </a:rPr>
+                    <a:t> </a:t>
+                  </a:r>
+                </a:p>
+              </p:txBody>
+            </p:sp>
+          </mc:Fallback>
+        </mc:AlternateContent>
+        <p:cxnSp>
+          <p:nvCxnSpPr>
+            <p:cNvPr id="9" name="Connettore diritto 8">
+              <a:extLst>
+                <a:ext uri="{FF2B5EF4-FFF2-40B4-BE49-F238E27FC236}">
+                  <a16:creationId xmlns:a16="http://schemas.microsoft.com/office/drawing/2014/main" id="{FED60AF2-EB3F-437B-8BDD-E976EF596A42}"/>
+                </a:ext>
+              </a:extLst>
+            </p:cNvPr>
+            <p:cNvCxnSpPr>
+              <a:cxnSpLocks/>
+            </p:cNvCxnSpPr>
+            <p:nvPr/>
+          </p:nvCxnSpPr>
+          <p:spPr>
+            <a:xfrm>
+              <a:off x="-8389" y="2308321"/>
+              <a:ext cx="4739780" cy="0"/>
+            </a:xfrm>
+            <a:prstGeom prst="line">
+              <a:avLst/>
+            </a:prstGeom>
+            <a:ln w="28575">
+              <a:prstDash val="dash"/>
+            </a:ln>
+          </p:spPr>
+          <p:style>
+            <a:lnRef idx="1">
+              <a:schemeClr val="dk1"/>
+            </a:lnRef>
+            <a:fillRef idx="0">
+              <a:schemeClr val="dk1"/>
+            </a:fillRef>
+            <a:effectRef idx="0">
+              <a:schemeClr val="dk1"/>
+            </a:effectRef>
+            <a:fontRef idx="minor">
+              <a:schemeClr val="tx1"/>
+            </a:fontRef>
+          </p:style>
+        </p:cxnSp>
+        <p:cxnSp>
+          <p:nvCxnSpPr>
+            <p:cNvPr id="11" name="Connettore diritto 10">
+              <a:extLst>
+                <a:ext uri="{FF2B5EF4-FFF2-40B4-BE49-F238E27FC236}">
+                  <a16:creationId xmlns:a16="http://schemas.microsoft.com/office/drawing/2014/main" id="{69459918-027A-4036-8CD4-95DF545320E9}"/>
+                </a:ext>
+              </a:extLst>
+            </p:cNvPr>
+            <p:cNvCxnSpPr>
+              <a:cxnSpLocks/>
+            </p:cNvCxnSpPr>
+            <p:nvPr/>
+          </p:nvCxnSpPr>
+          <p:spPr>
+            <a:xfrm>
+              <a:off x="4748172" y="2308321"/>
+              <a:ext cx="0" cy="3471694"/>
+            </a:xfrm>
+            <a:prstGeom prst="line">
+              <a:avLst/>
+            </a:prstGeom>
+            <a:ln w="28575">
+              <a:prstDash val="dash"/>
+            </a:ln>
+          </p:spPr>
+          <p:style>
+            <a:lnRef idx="1">
+              <a:schemeClr val="dk1"/>
+            </a:lnRef>
+            <a:fillRef idx="0">
+              <a:schemeClr val="dk1"/>
+            </a:fillRef>
+            <a:effectRef idx="0">
+              <a:schemeClr val="dk1"/>
+            </a:effectRef>
+            <a:fontRef idx="minor">
+              <a:schemeClr val="tx1"/>
+            </a:fontRef>
+          </p:style>
+        </p:cxnSp>
+      </p:grpSp>
+    </p:spTree>
+    <p:extLst>
+      <p:ext uri="{BB962C8B-B14F-4D97-AF65-F5344CB8AC3E}">
+        <p14:creationId xmlns:p14="http://schemas.microsoft.com/office/powerpoint/2010/main" val="1824927035"/>
+      </p:ext>
+    </p:extLst>
+  </p:cSld>
+  <p:clrMapOvr>
+    <a:masterClrMapping/>
+  </p:clrMapOvr>
+</p:sld>
+</file>
+
+<file path=ppt/slides/slide20.xml><?xml version="1.0" encoding="utf-8"?>
 <p:sld xmlns:a="http://schemas.openxmlformats.org/drawingml/2006/main" xmlns:r="http://schemas.openxmlformats.org/officeDocument/2006/relationships" xmlns:p="http://schemas.openxmlformats.org/presentationml/2006/main">
   <p:cSld>
     <p:spTree>
@@ -29539,7 +32158,7 @@
 </p:sld>
 </file>
 
-<file path=ppt/slides/slide19.xml><?xml version="1.0" encoding="utf-8"?>
+<file path=ppt/slides/slide21.xml><?xml version="1.0" encoding="utf-8"?>
 <p:sld xmlns:a="http://schemas.openxmlformats.org/drawingml/2006/main" xmlns:r="http://schemas.openxmlformats.org/officeDocument/2006/relationships" xmlns:p="http://schemas.openxmlformats.org/presentationml/2006/main">
   <p:cSld>
     <p:spTree>
@@ -30007,572 +32626,7 @@
 </p:sld>
 </file>
 
-<file path=ppt/slides/slide2.xml><?xml version="1.0" encoding="utf-8"?>
-<p:sld xmlns:a="http://schemas.openxmlformats.org/drawingml/2006/main" xmlns:r="http://schemas.openxmlformats.org/officeDocument/2006/relationships" xmlns:p="http://schemas.openxmlformats.org/presentationml/2006/main">
-  <p:cSld>
-    <p:spTree>
-      <p:nvGrpSpPr>
-        <p:cNvPr id="1" name=""/>
-        <p:cNvGrpSpPr/>
-        <p:nvPr/>
-      </p:nvGrpSpPr>
-      <p:grpSpPr>
-        <a:xfrm>
-          <a:off x="0" y="0"/>
-          <a:ext cx="0" cy="0"/>
-          <a:chOff x="0" y="0"/>
-          <a:chExt cx="0" cy="0"/>
-        </a:xfrm>
-      </p:grpSpPr>
-      <p:grpSp>
-        <p:nvGrpSpPr>
-          <p:cNvPr id="14" name="Gruppo 13">
-            <a:extLst>
-              <a:ext uri="{FF2B5EF4-FFF2-40B4-BE49-F238E27FC236}">
-                <a16:creationId xmlns:a16="http://schemas.microsoft.com/office/drawing/2014/main" id="{8B812CBD-3474-4169-9F0B-34C79F892890}"/>
-              </a:ext>
-            </a:extLst>
-          </p:cNvPr>
-          <p:cNvGrpSpPr/>
-          <p:nvPr/>
-        </p:nvGrpSpPr>
-        <p:grpSpPr>
-          <a:xfrm>
-            <a:off x="0" y="127901"/>
-            <a:ext cx="12192000" cy="6602198"/>
-            <a:chOff x="0" y="127901"/>
-            <a:chExt cx="12192000" cy="6602198"/>
-          </a:xfrm>
-        </p:grpSpPr>
-        <p:pic>
-          <p:nvPicPr>
-            <p:cNvPr id="5" name="Immagine 4">
-              <a:extLst>
-                <a:ext uri="{FF2B5EF4-FFF2-40B4-BE49-F238E27FC236}">
-                  <a16:creationId xmlns:a16="http://schemas.microsoft.com/office/drawing/2014/main" id="{D9B810F3-CD02-4810-BA5E-D4CDC2EDDD88}"/>
-                </a:ext>
-              </a:extLst>
-            </p:cNvPr>
-            <p:cNvPicPr>
-              <a:picLocks noChangeAspect="1"/>
-            </p:cNvPicPr>
-            <p:nvPr/>
-          </p:nvPicPr>
-          <p:blipFill>
-            <a:blip r:embed="rId2">
-              <a:extLst>
-                <a:ext uri="{28A0092B-C50C-407E-A947-70E740481C1C}">
-                  <a14:useLocalDpi xmlns:a14="http://schemas.microsoft.com/office/drawing/2010/main" val="0"/>
-                </a:ext>
-              </a:extLst>
-            </a:blip>
-            <a:stretch>
-              <a:fillRect/>
-            </a:stretch>
-          </p:blipFill>
-          <p:spPr>
-            <a:xfrm>
-              <a:off x="0" y="127901"/>
-              <a:ext cx="12192000" cy="6602198"/>
-            </a:xfrm>
-            <a:prstGeom prst="rect">
-              <a:avLst/>
-            </a:prstGeom>
-          </p:spPr>
-        </p:pic>
-        <mc:AlternateContent xmlns:mc="http://schemas.openxmlformats.org/markup-compatibility/2006" xmlns:a14="http://schemas.microsoft.com/office/drawing/2010/main">
-          <mc:Choice Requires="a14">
-            <p:sp>
-              <p:nvSpPr>
-                <p:cNvPr id="6" name="CasellaDiTesto 5">
-                  <a:extLst>
-                    <a:ext uri="{FF2B5EF4-FFF2-40B4-BE49-F238E27FC236}">
-                      <a16:creationId xmlns:a16="http://schemas.microsoft.com/office/drawing/2014/main" id="{059B17EF-F48B-441A-82C0-AB30A82947AF}"/>
-                    </a:ext>
-                  </a:extLst>
-                </p:cNvPr>
-                <p:cNvSpPr txBox="1"/>
-                <p:nvPr/>
-              </p:nvSpPr>
-              <p:spPr>
-                <a:xfrm>
-                  <a:off x="8611297" y="1981295"/>
-                  <a:ext cx="386644" cy="313350"/>
-                </a:xfrm>
-                <a:prstGeom prst="rect">
-                  <a:avLst/>
-                </a:prstGeom>
-                <a:solidFill>
-                  <a:schemeClr val="bg1"/>
-                </a:solidFill>
-                <a:effectLst>
-                  <a:softEdge rad="25400"/>
-                </a:effectLst>
-              </p:spPr>
-              <p:txBody>
-                <a:bodyPr wrap="none" lIns="0" tIns="0" rIns="0" bIns="36000" rtlCol="0">
-                  <a:spAutoFit/>
-                </a:bodyPr>
-                <a:lstStyle/>
-                <a:p>
-                  <a:pPr/>
-                  <a14:m>
-                    <m:oMathPara xmlns:m="http://schemas.openxmlformats.org/officeDocument/2006/math">
-                      <m:oMathParaPr>
-                        <m:jc m:val="centerGroup"/>
-                      </m:oMathParaPr>
-                      <m:oMath xmlns:m="http://schemas.openxmlformats.org/officeDocument/2006/math">
-                        <m:sSub>
-                          <m:sSubPr>
-                            <m:ctrlPr>
-                              <a:rPr lang="el-GR" i="1" smtClean="0">
-                                <a:latin typeface="Cambria Math" panose="02040503050406030204" pitchFamily="18" charset="0"/>
-                                <a:ea typeface="Cambria Math" panose="02040503050406030204" pitchFamily="18" charset="0"/>
-                              </a:rPr>
-                            </m:ctrlPr>
-                          </m:sSubPr>
-                          <m:e>
-                            <m:r>
-                              <m:rPr>
-                                <m:sty m:val="p"/>
-                              </m:rPr>
-                              <a:rPr lang="el-GR" i="1" smtClean="0">
-                                <a:latin typeface="Cambria Math" panose="02040503050406030204" pitchFamily="18" charset="0"/>
-                                <a:ea typeface="Cambria Math" panose="02040503050406030204" pitchFamily="18" charset="0"/>
-                              </a:rPr>
-                              <m:t>Γ</m:t>
-                            </m:r>
-                          </m:e>
-                          <m:sub>
-                            <m:r>
-                              <m:rPr>
-                                <m:sty m:val="p"/>
-                              </m:rPr>
-                              <a:rPr lang="it-IT" b="0" i="0" smtClean="0">
-                                <a:latin typeface="Cambria Math" panose="02040503050406030204" pitchFamily="18" charset="0"/>
-                                <a:ea typeface="Cambria Math" panose="02040503050406030204" pitchFamily="18" charset="0"/>
-                              </a:rPr>
-                              <m:t>int</m:t>
-                            </m:r>
-                          </m:sub>
-                        </m:sSub>
-                      </m:oMath>
-                    </m:oMathPara>
-                  </a14:m>
-                  <a:endParaRPr lang="it-IT" dirty="0"/>
-                </a:p>
-              </p:txBody>
-            </p:sp>
-          </mc:Choice>
-          <mc:Fallback xmlns="">
-            <p:sp>
-              <p:nvSpPr>
-                <p:cNvPr id="6" name="CasellaDiTesto 5">
-                  <a:extLst>
-                    <a:ext uri="{FF2B5EF4-FFF2-40B4-BE49-F238E27FC236}">
-                      <a16:creationId xmlns:a16="http://schemas.microsoft.com/office/drawing/2014/main" id="{059B17EF-F48B-441A-82C0-AB30A82947AF}"/>
-                    </a:ext>
-                  </a:extLst>
-                </p:cNvPr>
-                <p:cNvSpPr txBox="1">
-                  <a:spLocks noRot="1" noChangeAspect="1" noMove="1" noResize="1" noEditPoints="1" noAdjustHandles="1" noChangeArrowheads="1" noChangeShapeType="1" noTextEdit="1"/>
-                </p:cNvSpPr>
-                <p:nvPr/>
-              </p:nvSpPr>
-              <p:spPr>
-                <a:xfrm>
-                  <a:off x="8611297" y="1981295"/>
-                  <a:ext cx="386644" cy="313350"/>
-                </a:xfrm>
-                <a:prstGeom prst="rect">
-                  <a:avLst/>
-                </a:prstGeom>
-                <a:blipFill>
-                  <a:blip r:embed="rId3"/>
-                  <a:stretch>
-                    <a:fillRect l="-14286" r="-7937" b="-5882"/>
-                  </a:stretch>
-                </a:blipFill>
-                <a:effectLst>
-                  <a:softEdge rad="25400"/>
-                </a:effectLst>
-              </p:spPr>
-              <p:txBody>
-                <a:bodyPr/>
-                <a:lstStyle/>
-                <a:p>
-                  <a:r>
-                    <a:rPr lang="it-IT">
-                      <a:noFill/>
-                    </a:rPr>
-                    <a:t> </a:t>
-                  </a:r>
-                </a:p>
-              </p:txBody>
-            </p:sp>
-          </mc:Fallback>
-        </mc:AlternateContent>
-        <mc:AlternateContent xmlns:mc="http://schemas.openxmlformats.org/markup-compatibility/2006" xmlns:a14="http://schemas.microsoft.com/office/drawing/2010/main">
-          <mc:Choice Requires="a14">
-            <p:sp>
-              <p:nvSpPr>
-                <p:cNvPr id="7" name="CasellaDiTesto 6">
-                  <a:extLst>
-                    <a:ext uri="{FF2B5EF4-FFF2-40B4-BE49-F238E27FC236}">
-                      <a16:creationId xmlns:a16="http://schemas.microsoft.com/office/drawing/2014/main" id="{81E6A2B8-ED0B-4759-A64F-C91CD7D604D3}"/>
-                    </a:ext>
-                  </a:extLst>
-                </p:cNvPr>
-                <p:cNvSpPr txBox="1"/>
-                <p:nvPr/>
-              </p:nvSpPr>
-              <p:spPr>
-                <a:xfrm>
-                  <a:off x="11776345" y="213399"/>
-                  <a:ext cx="338169" cy="313350"/>
-                </a:xfrm>
-                <a:prstGeom prst="rect">
-                  <a:avLst/>
-                </a:prstGeom>
-                <a:solidFill>
-                  <a:schemeClr val="bg1"/>
-                </a:solidFill>
-                <a:effectLst>
-                  <a:softEdge rad="25400"/>
-                </a:effectLst>
-              </p:spPr>
-              <p:txBody>
-                <a:bodyPr wrap="none" lIns="0" tIns="0" rIns="0" bIns="36000" rtlCol="0">
-                  <a:spAutoFit/>
-                </a:bodyPr>
-                <a:lstStyle/>
-                <a:p>
-                  <a:pPr/>
-                  <a14:m>
-                    <m:oMathPara xmlns:m="http://schemas.openxmlformats.org/officeDocument/2006/math">
-                      <m:oMathParaPr>
-                        <m:jc m:val="centerGroup"/>
-                      </m:oMathParaPr>
-                      <m:oMath xmlns:m="http://schemas.openxmlformats.org/officeDocument/2006/math">
-                        <m:sSub>
-                          <m:sSubPr>
-                            <m:ctrlPr>
-                              <a:rPr lang="el-GR" i="1" smtClean="0">
-                                <a:latin typeface="Cambria Math" panose="02040503050406030204" pitchFamily="18" charset="0"/>
-                                <a:ea typeface="Cambria Math" panose="02040503050406030204" pitchFamily="18" charset="0"/>
-                              </a:rPr>
-                            </m:ctrlPr>
-                          </m:sSubPr>
-                          <m:e>
-                            <m:r>
-                              <m:rPr>
-                                <m:sty m:val="p"/>
-                              </m:rPr>
-                              <a:rPr lang="el-GR" i="1">
-                                <a:latin typeface="Cambria Math" panose="02040503050406030204" pitchFamily="18" charset="0"/>
-                                <a:ea typeface="Cambria Math" panose="02040503050406030204" pitchFamily="18" charset="0"/>
-                              </a:rPr>
-                              <m:t>Ω</m:t>
-                            </m:r>
-                          </m:e>
-                          <m:sub>
-                            <m:r>
-                              <m:rPr>
-                                <m:sty m:val="p"/>
-                              </m:rPr>
-                              <a:rPr lang="it-IT" b="0" i="0" smtClean="0">
-                                <a:latin typeface="Cambria Math" panose="02040503050406030204" pitchFamily="18" charset="0"/>
-                                <a:ea typeface="Cambria Math" panose="02040503050406030204" pitchFamily="18" charset="0"/>
-                              </a:rPr>
-                              <m:t>ff</m:t>
-                            </m:r>
-                          </m:sub>
-                        </m:sSub>
-                      </m:oMath>
-                    </m:oMathPara>
-                  </a14:m>
-                  <a:endParaRPr lang="it-IT" dirty="0"/>
-                </a:p>
-              </p:txBody>
-            </p:sp>
-          </mc:Choice>
-          <mc:Fallback xmlns="">
-            <p:sp>
-              <p:nvSpPr>
-                <p:cNvPr id="7" name="CasellaDiTesto 6">
-                  <a:extLst>
-                    <a:ext uri="{FF2B5EF4-FFF2-40B4-BE49-F238E27FC236}">
-                      <a16:creationId xmlns:a16="http://schemas.microsoft.com/office/drawing/2014/main" id="{81E6A2B8-ED0B-4759-A64F-C91CD7D604D3}"/>
-                    </a:ext>
-                  </a:extLst>
-                </p:cNvPr>
-                <p:cNvSpPr txBox="1">
-                  <a:spLocks noRot="1" noChangeAspect="1" noMove="1" noResize="1" noEditPoints="1" noAdjustHandles="1" noChangeArrowheads="1" noChangeShapeType="1" noTextEdit="1"/>
-                </p:cNvSpPr>
-                <p:nvPr/>
-              </p:nvSpPr>
-              <p:spPr>
-                <a:xfrm>
-                  <a:off x="11776345" y="213399"/>
-                  <a:ext cx="338169" cy="313350"/>
-                </a:xfrm>
-                <a:prstGeom prst="rect">
-                  <a:avLst/>
-                </a:prstGeom>
-                <a:blipFill>
-                  <a:blip r:embed="rId4"/>
-                  <a:stretch>
-                    <a:fillRect l="-16364" r="-9091" b="-5882"/>
-                  </a:stretch>
-                </a:blipFill>
-                <a:effectLst>
-                  <a:softEdge rad="25400"/>
-                </a:effectLst>
-              </p:spPr>
-              <p:txBody>
-                <a:bodyPr/>
-                <a:lstStyle/>
-                <a:p>
-                  <a:r>
-                    <a:rPr lang="it-IT">
-                      <a:noFill/>
-                    </a:rPr>
-                    <a:t> </a:t>
-                  </a:r>
-                </a:p>
-              </p:txBody>
-            </p:sp>
-          </mc:Fallback>
-        </mc:AlternateContent>
-        <mc:AlternateContent xmlns:mc="http://schemas.openxmlformats.org/markup-compatibility/2006" xmlns:a14="http://schemas.microsoft.com/office/drawing/2010/main">
-          <mc:Choice Requires="a14">
-            <p:sp>
-              <p:nvSpPr>
-                <p:cNvPr id="8" name="CasellaDiTesto 7">
-                  <a:extLst>
-                    <a:ext uri="{FF2B5EF4-FFF2-40B4-BE49-F238E27FC236}">
-                      <a16:creationId xmlns:a16="http://schemas.microsoft.com/office/drawing/2014/main" id="{82DB9C2A-36AA-4731-9791-B815F73AAD52}"/>
-                    </a:ext>
-                  </a:extLst>
-                </p:cNvPr>
-                <p:cNvSpPr txBox="1"/>
-                <p:nvPr/>
-              </p:nvSpPr>
-              <p:spPr>
-                <a:xfrm>
-                  <a:off x="11633677" y="5675870"/>
-                  <a:ext cx="480837" cy="338037"/>
-                </a:xfrm>
-                <a:prstGeom prst="rect">
-                  <a:avLst/>
-                </a:prstGeom>
-                <a:solidFill>
-                  <a:schemeClr val="bg1"/>
-                </a:solidFill>
-                <a:effectLst>
-                  <a:softEdge rad="25400"/>
-                </a:effectLst>
-              </p:spPr>
-              <p:txBody>
-                <a:bodyPr wrap="none" lIns="0" tIns="0" rIns="0" bIns="36000" rtlCol="0">
-                  <a:spAutoFit/>
-                </a:bodyPr>
-                <a:lstStyle/>
-                <a:p>
-                  <a:pPr/>
-                  <a14:m>
-                    <m:oMathPara xmlns:m="http://schemas.openxmlformats.org/officeDocument/2006/math">
-                      <m:oMathParaPr>
-                        <m:jc m:val="centerGroup"/>
-                      </m:oMathParaPr>
-                      <m:oMath xmlns:m="http://schemas.openxmlformats.org/officeDocument/2006/math">
-                        <m:sSub>
-                          <m:sSubPr>
-                            <m:ctrlPr>
-                              <a:rPr lang="el-GR" i="1" smtClean="0">
-                                <a:latin typeface="Cambria Math" panose="02040503050406030204" pitchFamily="18" charset="0"/>
-                                <a:ea typeface="Cambria Math" panose="02040503050406030204" pitchFamily="18" charset="0"/>
-                              </a:rPr>
-                            </m:ctrlPr>
-                          </m:sSubPr>
-                          <m:e>
-                            <m:r>
-                              <m:rPr>
-                                <m:sty m:val="p"/>
-                              </m:rPr>
-                              <a:rPr lang="el-GR" i="1">
-                                <a:latin typeface="Cambria Math" panose="02040503050406030204" pitchFamily="18" charset="0"/>
-                                <a:ea typeface="Cambria Math" panose="02040503050406030204" pitchFamily="18" charset="0"/>
-                              </a:rPr>
-                              <m:t>Ω</m:t>
-                            </m:r>
-                          </m:e>
-                          <m:sub>
-                            <m:r>
-                              <m:rPr>
-                                <m:sty m:val="p"/>
-                              </m:rPr>
-                              <a:rPr lang="it-IT" b="0" i="0" smtClean="0">
-                                <a:latin typeface="Cambria Math" panose="02040503050406030204" pitchFamily="18" charset="0"/>
-                                <a:ea typeface="Cambria Math" panose="02040503050406030204" pitchFamily="18" charset="0"/>
-                              </a:rPr>
-                              <m:t>pm</m:t>
-                            </m:r>
-                          </m:sub>
-                        </m:sSub>
-                      </m:oMath>
-                    </m:oMathPara>
-                  </a14:m>
-                  <a:endParaRPr lang="it-IT" dirty="0"/>
-                </a:p>
-              </p:txBody>
-            </p:sp>
-          </mc:Choice>
-          <mc:Fallback xmlns="">
-            <p:sp>
-              <p:nvSpPr>
-                <p:cNvPr id="8" name="CasellaDiTesto 7">
-                  <a:extLst>
-                    <a:ext uri="{FF2B5EF4-FFF2-40B4-BE49-F238E27FC236}">
-                      <a16:creationId xmlns:a16="http://schemas.microsoft.com/office/drawing/2014/main" id="{82DB9C2A-36AA-4731-9791-B815F73AAD52}"/>
-                    </a:ext>
-                  </a:extLst>
-                </p:cNvPr>
-                <p:cNvSpPr txBox="1">
-                  <a:spLocks noRot="1" noChangeAspect="1" noMove="1" noResize="1" noEditPoints="1" noAdjustHandles="1" noChangeArrowheads="1" noChangeShapeType="1" noTextEdit="1"/>
-                </p:cNvSpPr>
-                <p:nvPr/>
-              </p:nvSpPr>
-              <p:spPr>
-                <a:xfrm>
-                  <a:off x="11633677" y="5675870"/>
-                  <a:ext cx="480837" cy="338037"/>
-                </a:xfrm>
-                <a:prstGeom prst="rect">
-                  <a:avLst/>
-                </a:prstGeom>
-                <a:blipFill>
-                  <a:blip r:embed="rId5"/>
-                  <a:stretch>
-                    <a:fillRect l="-10127" r="-7595" b="-8929"/>
-                  </a:stretch>
-                </a:blipFill>
-                <a:effectLst>
-                  <a:softEdge rad="25400"/>
-                </a:effectLst>
-              </p:spPr>
-              <p:txBody>
-                <a:bodyPr/>
-                <a:lstStyle/>
-                <a:p>
-                  <a:r>
-                    <a:rPr lang="it-IT">
-                      <a:noFill/>
-                    </a:rPr>
-                    <a:t> </a:t>
-                  </a:r>
-                </a:p>
-              </p:txBody>
-            </p:sp>
-          </mc:Fallback>
-        </mc:AlternateContent>
-        <p:cxnSp>
-          <p:nvCxnSpPr>
-            <p:cNvPr id="9" name="Connettore diritto 8">
-              <a:extLst>
-                <a:ext uri="{FF2B5EF4-FFF2-40B4-BE49-F238E27FC236}">
-                  <a16:creationId xmlns:a16="http://schemas.microsoft.com/office/drawing/2014/main" id="{F68B01F5-A184-4F0B-9017-35092B4FA318}"/>
-                </a:ext>
-              </a:extLst>
-            </p:cNvPr>
-            <p:cNvCxnSpPr>
-              <a:cxnSpLocks/>
-            </p:cNvCxnSpPr>
-            <p:nvPr/>
-          </p:nvCxnSpPr>
-          <p:spPr>
-            <a:xfrm>
-              <a:off x="9068937" y="873804"/>
-              <a:ext cx="3123063" cy="0"/>
-            </a:xfrm>
-            <a:prstGeom prst="line">
-              <a:avLst/>
-            </a:prstGeom>
-            <a:ln w="28575">
-              <a:prstDash val="dash"/>
-            </a:ln>
-          </p:spPr>
-          <p:style>
-            <a:lnRef idx="1">
-              <a:schemeClr val="dk1"/>
-            </a:lnRef>
-            <a:fillRef idx="0">
-              <a:schemeClr val="dk1"/>
-            </a:fillRef>
-            <a:effectRef idx="0">
-              <a:schemeClr val="dk1"/>
-            </a:effectRef>
-            <a:fontRef idx="minor">
-              <a:schemeClr val="tx1"/>
-            </a:fontRef>
-          </p:style>
-        </p:cxnSp>
-        <p:cxnSp>
-          <p:nvCxnSpPr>
-            <p:cNvPr id="11" name="Connettore diritto 10">
-              <a:extLst>
-                <a:ext uri="{FF2B5EF4-FFF2-40B4-BE49-F238E27FC236}">
-                  <a16:creationId xmlns:a16="http://schemas.microsoft.com/office/drawing/2014/main" id="{A3770720-FC61-40D3-BCF7-E7FCBDE3A234}"/>
-                </a:ext>
-              </a:extLst>
-            </p:cNvPr>
-            <p:cNvCxnSpPr>
-              <a:cxnSpLocks/>
-            </p:cNvCxnSpPr>
-            <p:nvPr/>
-          </p:nvCxnSpPr>
-          <p:spPr>
-            <a:xfrm>
-              <a:off x="9085280" y="880628"/>
-              <a:ext cx="0" cy="5226745"/>
-            </a:xfrm>
-            <a:prstGeom prst="line">
-              <a:avLst/>
-            </a:prstGeom>
-            <a:ln w="28575">
-              <a:prstDash val="dash"/>
-            </a:ln>
-          </p:spPr>
-          <p:style>
-            <a:lnRef idx="1">
-              <a:schemeClr val="dk1"/>
-            </a:lnRef>
-            <a:fillRef idx="0">
-              <a:schemeClr val="dk1"/>
-            </a:fillRef>
-            <a:effectRef idx="0">
-              <a:schemeClr val="dk1"/>
-            </a:effectRef>
-            <a:fontRef idx="minor">
-              <a:schemeClr val="tx1"/>
-            </a:fontRef>
-          </p:style>
-        </p:cxnSp>
-      </p:grpSp>
-    </p:spTree>
-    <p:extLst>
-      <p:ext uri="{BB962C8B-B14F-4D97-AF65-F5344CB8AC3E}">
-        <p14:creationId xmlns:p14="http://schemas.microsoft.com/office/powerpoint/2010/main" val="1180342296"/>
-      </p:ext>
-    </p:extLst>
-  </p:cSld>
-  <p:clrMapOvr>
-    <a:masterClrMapping/>
-  </p:clrMapOvr>
-</p:sld>
-</file>
-
-<file path=ppt/slides/slide20.xml><?xml version="1.0" encoding="utf-8"?>
+<file path=ppt/slides/slide22.xml><?xml version="1.0" encoding="utf-8"?>
 <p:sld xmlns:a="http://schemas.openxmlformats.org/drawingml/2006/main" xmlns:r="http://schemas.openxmlformats.org/officeDocument/2006/relationships" xmlns:p="http://schemas.openxmlformats.org/presentationml/2006/main">
   <p:cSld>
     <p:spTree>
@@ -31781,7 +33835,7 @@
 </p:sld>
 </file>
 
-<file path=ppt/slides/slide21.xml><?xml version="1.0" encoding="utf-8"?>
+<file path=ppt/slides/slide23.xml><?xml version="1.0" encoding="utf-8"?>
 <p:sld xmlns:a="http://schemas.openxmlformats.org/drawingml/2006/main" xmlns:r="http://schemas.openxmlformats.org/officeDocument/2006/relationships" xmlns:p="http://schemas.openxmlformats.org/presentationml/2006/main">
   <p:cSld>
     <p:spTree>
@@ -33285,7 +35339,7 @@
 </p:sld>
 </file>
 
-<file path=ppt/slides/slide22.xml><?xml version="1.0" encoding="utf-8"?>
+<file path=ppt/slides/slide24.xml><?xml version="1.0" encoding="utf-8"?>
 <p:sld xmlns:a="http://schemas.openxmlformats.org/drawingml/2006/main" xmlns:r="http://schemas.openxmlformats.org/officeDocument/2006/relationships" xmlns:p="http://schemas.openxmlformats.org/presentationml/2006/main">
   <p:cSld>
     <p:spTree>
@@ -34405,7 +36459,7 @@
 </p:sld>
 </file>
 
-<file path=ppt/slides/slide23.xml><?xml version="1.0" encoding="utf-8"?>
+<file path=ppt/slides/slide25.xml><?xml version="1.0" encoding="utf-8"?>
 <p:sld xmlns:a="http://schemas.openxmlformats.org/drawingml/2006/main" xmlns:r="http://schemas.openxmlformats.org/officeDocument/2006/relationships" xmlns:p="http://schemas.openxmlformats.org/presentationml/2006/main">
   <p:cSld>
     <p:spTree>
@@ -36497,7 +38551,7 @@
 </p:sld>
 </file>
 
-<file path=ppt/slides/slide24.xml><?xml version="1.0" encoding="utf-8"?>
+<file path=ppt/slides/slide26.xml><?xml version="1.0" encoding="utf-8"?>
 <p:sld xmlns:a="http://schemas.openxmlformats.org/drawingml/2006/main" xmlns:r="http://schemas.openxmlformats.org/officeDocument/2006/relationships" xmlns:p="http://schemas.openxmlformats.org/presentationml/2006/main">
   <p:cSld>
     <p:spTree>
@@ -37918,7 +39972,7 @@
 </p:sld>
 </file>
 
-<file path=ppt/slides/slide25.xml><?xml version="1.0" encoding="utf-8"?>
+<file path=ppt/slides/slide27.xml><?xml version="1.0" encoding="utf-8"?>
 <p:sld xmlns:a="http://schemas.openxmlformats.org/drawingml/2006/main" xmlns:r="http://schemas.openxmlformats.org/officeDocument/2006/relationships" xmlns:p="http://schemas.openxmlformats.org/presentationml/2006/main">
   <p:cSld>
     <p:spTree>
@@ -38682,7 +40736,7 @@
 </p:sld>
 </file>
 
-<file path=ppt/slides/slide26.xml><?xml version="1.0" encoding="utf-8"?>
+<file path=ppt/slides/slide28.xml><?xml version="1.0" encoding="utf-8"?>
 <p:sld xmlns:a="http://schemas.openxmlformats.org/drawingml/2006/main" xmlns:r="http://schemas.openxmlformats.org/officeDocument/2006/relationships" xmlns:p="http://schemas.openxmlformats.org/presentationml/2006/main">
   <p:cSld>
     <p:spTree>
@@ -39508,7 +41562,7 @@
 </p:sld>
 </file>
 
-<file path=ppt/slides/slide27.xml><?xml version="1.0" encoding="utf-8"?>
+<file path=ppt/slides/slide29.xml><?xml version="1.0" encoding="utf-8"?>
 <p:sld xmlns:a="http://schemas.openxmlformats.org/drawingml/2006/main" xmlns:r="http://schemas.openxmlformats.org/officeDocument/2006/relationships" xmlns:p="http://schemas.openxmlformats.org/presentationml/2006/main">
   <p:cSld>
     <p:spTree>
@@ -40293,7 +42347,572 @@
 </p:sld>
 </file>
 
-<file path=ppt/slides/slide28.xml><?xml version="1.0" encoding="utf-8"?>
+<file path=ppt/slides/slide3.xml><?xml version="1.0" encoding="utf-8"?>
+<p:sld xmlns:a="http://schemas.openxmlformats.org/drawingml/2006/main" xmlns:r="http://schemas.openxmlformats.org/officeDocument/2006/relationships" xmlns:p="http://schemas.openxmlformats.org/presentationml/2006/main">
+  <p:cSld>
+    <p:spTree>
+      <p:nvGrpSpPr>
+        <p:cNvPr id="1" name=""/>
+        <p:cNvGrpSpPr/>
+        <p:nvPr/>
+      </p:nvGrpSpPr>
+      <p:grpSpPr>
+        <a:xfrm>
+          <a:off x="0" y="0"/>
+          <a:ext cx="0" cy="0"/>
+          <a:chOff x="0" y="0"/>
+          <a:chExt cx="0" cy="0"/>
+        </a:xfrm>
+      </p:grpSpPr>
+      <p:grpSp>
+        <p:nvGrpSpPr>
+          <p:cNvPr id="14" name="Gruppo 13">
+            <a:extLst>
+              <a:ext uri="{FF2B5EF4-FFF2-40B4-BE49-F238E27FC236}">
+                <a16:creationId xmlns:a16="http://schemas.microsoft.com/office/drawing/2014/main" id="{160EEBD6-22C9-46FE-A7CB-F5D4B7D7C8D3}"/>
+              </a:ext>
+            </a:extLst>
+          </p:cNvPr>
+          <p:cNvGrpSpPr/>
+          <p:nvPr/>
+        </p:nvGrpSpPr>
+        <p:grpSpPr>
+          <a:xfrm>
+            <a:off x="0" y="479449"/>
+            <a:ext cx="12192000" cy="5899101"/>
+            <a:chOff x="0" y="479449"/>
+            <a:chExt cx="12192000" cy="5899101"/>
+          </a:xfrm>
+        </p:grpSpPr>
+        <p:pic>
+          <p:nvPicPr>
+            <p:cNvPr id="5" name="Immagine 4">
+              <a:extLst>
+                <a:ext uri="{FF2B5EF4-FFF2-40B4-BE49-F238E27FC236}">
+                  <a16:creationId xmlns:a16="http://schemas.microsoft.com/office/drawing/2014/main" id="{2D74A3D2-2070-4C42-BB63-8D67AFCB2515}"/>
+                </a:ext>
+              </a:extLst>
+            </p:cNvPr>
+            <p:cNvPicPr>
+              <a:picLocks noChangeAspect="1"/>
+            </p:cNvPicPr>
+            <p:nvPr/>
+          </p:nvPicPr>
+          <p:blipFill>
+            <a:blip r:embed="rId2">
+              <a:extLst>
+                <a:ext uri="{28A0092B-C50C-407E-A947-70E740481C1C}">
+                  <a14:useLocalDpi xmlns:a14="http://schemas.microsoft.com/office/drawing/2010/main" val="0"/>
+                </a:ext>
+              </a:extLst>
+            </a:blip>
+            <a:stretch>
+              <a:fillRect/>
+            </a:stretch>
+          </p:blipFill>
+          <p:spPr>
+            <a:xfrm>
+              <a:off x="0" y="479449"/>
+              <a:ext cx="12192000" cy="5899101"/>
+            </a:xfrm>
+            <a:prstGeom prst="rect">
+              <a:avLst/>
+            </a:prstGeom>
+          </p:spPr>
+        </p:pic>
+        <p:cxnSp>
+          <p:nvCxnSpPr>
+            <p:cNvPr id="6" name="Connettore diritto 5">
+              <a:extLst>
+                <a:ext uri="{FF2B5EF4-FFF2-40B4-BE49-F238E27FC236}">
+                  <a16:creationId xmlns:a16="http://schemas.microsoft.com/office/drawing/2014/main" id="{F4D02698-9A60-406C-819B-55A44A6BCDE1}"/>
+                </a:ext>
+              </a:extLst>
+            </p:cNvPr>
+            <p:cNvCxnSpPr>
+              <a:cxnSpLocks/>
+            </p:cNvCxnSpPr>
+            <p:nvPr/>
+          </p:nvCxnSpPr>
+          <p:spPr>
+            <a:xfrm>
+              <a:off x="5183569" y="2987749"/>
+              <a:ext cx="0" cy="2929270"/>
+            </a:xfrm>
+            <a:prstGeom prst="line">
+              <a:avLst/>
+            </a:prstGeom>
+            <a:ln w="28575">
+              <a:prstDash val="dash"/>
+            </a:ln>
+          </p:spPr>
+          <p:style>
+            <a:lnRef idx="1">
+              <a:schemeClr val="dk1"/>
+            </a:lnRef>
+            <a:fillRef idx="0">
+              <a:schemeClr val="dk1"/>
+            </a:fillRef>
+            <a:effectRef idx="0">
+              <a:schemeClr val="dk1"/>
+            </a:effectRef>
+            <a:fontRef idx="minor">
+              <a:schemeClr val="tx1"/>
+            </a:fontRef>
+          </p:style>
+        </p:cxnSp>
+        <mc:AlternateContent xmlns:mc="http://schemas.openxmlformats.org/markup-compatibility/2006">
+          <mc:Choice xmlns:a14="http://schemas.microsoft.com/office/drawing/2010/main" Requires="a14">
+            <p:sp>
+              <p:nvSpPr>
+                <p:cNvPr id="9" name="CasellaDiTesto 8">
+                  <a:extLst>
+                    <a:ext uri="{FF2B5EF4-FFF2-40B4-BE49-F238E27FC236}">
+                      <a16:creationId xmlns:a16="http://schemas.microsoft.com/office/drawing/2014/main" id="{4977E5C6-8F4F-441E-BBD0-07864A1FABBF}"/>
+                    </a:ext>
+                  </a:extLst>
+                </p:cNvPr>
+                <p:cNvSpPr txBox="1"/>
+                <p:nvPr/>
+              </p:nvSpPr>
+              <p:spPr>
+                <a:xfrm>
+                  <a:off x="9683119" y="2674399"/>
+                  <a:ext cx="386644" cy="313350"/>
+                </a:xfrm>
+                <a:prstGeom prst="rect">
+                  <a:avLst/>
+                </a:prstGeom>
+                <a:solidFill>
+                  <a:schemeClr val="bg1"/>
+                </a:solidFill>
+                <a:effectLst>
+                  <a:softEdge rad="25400"/>
+                </a:effectLst>
+              </p:spPr>
+              <p:txBody>
+                <a:bodyPr wrap="none" lIns="0" tIns="0" rIns="0" bIns="36000" rtlCol="0">
+                  <a:spAutoFit/>
+                </a:bodyPr>
+                <a:lstStyle/>
+                <a:p>
+                  <a:pPr/>
+                  <a14:m>
+                    <m:oMathPara xmlns:m="http://schemas.openxmlformats.org/officeDocument/2006/math">
+                      <m:oMathParaPr>
+                        <m:jc m:val="centerGroup"/>
+                      </m:oMathParaPr>
+                      <m:oMath xmlns:m="http://schemas.openxmlformats.org/officeDocument/2006/math">
+                        <m:sSub>
+                          <m:sSubPr>
+                            <m:ctrlPr>
+                              <a:rPr lang="el-GR" i="1" smtClean="0">
+                                <a:latin typeface="Cambria Math" panose="02040503050406030204" pitchFamily="18" charset="0"/>
+                                <a:ea typeface="Cambria Math" panose="02040503050406030204" pitchFamily="18" charset="0"/>
+                              </a:rPr>
+                            </m:ctrlPr>
+                          </m:sSubPr>
+                          <m:e>
+                            <m:r>
+                              <m:rPr>
+                                <m:sty m:val="p"/>
+                              </m:rPr>
+                              <a:rPr lang="el-GR" i="1" smtClean="0">
+                                <a:latin typeface="Cambria Math" panose="02040503050406030204" pitchFamily="18" charset="0"/>
+                                <a:ea typeface="Cambria Math" panose="02040503050406030204" pitchFamily="18" charset="0"/>
+                              </a:rPr>
+                              <m:t>Γ</m:t>
+                            </m:r>
+                          </m:e>
+                          <m:sub>
+                            <m:r>
+                              <m:rPr>
+                                <m:sty m:val="p"/>
+                              </m:rPr>
+                              <a:rPr lang="it-IT" b="0" i="0" smtClean="0">
+                                <a:latin typeface="Cambria Math" panose="02040503050406030204" pitchFamily="18" charset="0"/>
+                                <a:ea typeface="Cambria Math" panose="02040503050406030204" pitchFamily="18" charset="0"/>
+                              </a:rPr>
+                              <m:t>int</m:t>
+                            </m:r>
+                          </m:sub>
+                        </m:sSub>
+                      </m:oMath>
+                    </m:oMathPara>
+                  </a14:m>
+                  <a:endParaRPr lang="it-IT" dirty="0"/>
+                </a:p>
+              </p:txBody>
+            </p:sp>
+          </mc:Choice>
+          <mc:Fallback>
+            <p:sp>
+              <p:nvSpPr>
+                <p:cNvPr id="9" name="CasellaDiTesto 8">
+                  <a:extLst>
+                    <a:ext uri="{FF2B5EF4-FFF2-40B4-BE49-F238E27FC236}">
+                      <a16:creationId xmlns:a16="http://schemas.microsoft.com/office/drawing/2014/main" id="{4977E5C6-8F4F-441E-BBD0-07864A1FABBF}"/>
+                    </a:ext>
+                  </a:extLst>
+                </p:cNvPr>
+                <p:cNvSpPr txBox="1">
+                  <a:spLocks noRot="1" noChangeAspect="1" noMove="1" noResize="1" noEditPoints="1" noAdjustHandles="1" noChangeArrowheads="1" noChangeShapeType="1" noTextEdit="1"/>
+                </p:cNvSpPr>
+                <p:nvPr/>
+              </p:nvSpPr>
+              <p:spPr>
+                <a:xfrm>
+                  <a:off x="9683119" y="2674399"/>
+                  <a:ext cx="386644" cy="313350"/>
+                </a:xfrm>
+                <a:prstGeom prst="rect">
+                  <a:avLst/>
+                </a:prstGeom>
+                <a:blipFill>
+                  <a:blip r:embed="rId3"/>
+                  <a:stretch>
+                    <a:fillRect l="-12500" r="-7813" b="-3922"/>
+                  </a:stretch>
+                </a:blipFill>
+                <a:effectLst>
+                  <a:softEdge rad="25400"/>
+                </a:effectLst>
+              </p:spPr>
+              <p:txBody>
+                <a:bodyPr/>
+                <a:lstStyle/>
+                <a:p>
+                  <a:r>
+                    <a:rPr lang="it-IT">
+                      <a:noFill/>
+                    </a:rPr>
+                    <a:t> </a:t>
+                  </a:r>
+                </a:p>
+              </p:txBody>
+            </p:sp>
+          </mc:Fallback>
+        </mc:AlternateContent>
+        <p:cxnSp>
+          <p:nvCxnSpPr>
+            <p:cNvPr id="10" name="Connettore diritto 9">
+              <a:extLst>
+                <a:ext uri="{FF2B5EF4-FFF2-40B4-BE49-F238E27FC236}">
+                  <a16:creationId xmlns:a16="http://schemas.microsoft.com/office/drawing/2014/main" id="{00D33CE9-38A3-4606-94A5-65F15C861BC1}"/>
+                </a:ext>
+              </a:extLst>
+            </p:cNvPr>
+            <p:cNvCxnSpPr>
+              <a:cxnSpLocks/>
+            </p:cNvCxnSpPr>
+            <p:nvPr/>
+          </p:nvCxnSpPr>
+          <p:spPr>
+            <a:xfrm>
+              <a:off x="5183569" y="2990192"/>
+              <a:ext cx="7008431" cy="0"/>
+            </a:xfrm>
+            <a:prstGeom prst="line">
+              <a:avLst/>
+            </a:prstGeom>
+            <a:ln w="28575">
+              <a:prstDash val="dash"/>
+            </a:ln>
+          </p:spPr>
+          <p:style>
+            <a:lnRef idx="1">
+              <a:schemeClr val="dk1"/>
+            </a:lnRef>
+            <a:fillRef idx="0">
+              <a:schemeClr val="dk1"/>
+            </a:fillRef>
+            <a:effectRef idx="0">
+              <a:schemeClr val="dk1"/>
+            </a:effectRef>
+            <a:fontRef idx="minor">
+              <a:schemeClr val="tx1"/>
+            </a:fontRef>
+          </p:style>
+        </p:cxnSp>
+        <mc:AlternateContent xmlns:mc="http://schemas.openxmlformats.org/markup-compatibility/2006">
+          <mc:Choice xmlns:a14="http://schemas.microsoft.com/office/drawing/2010/main" Requires="a14">
+            <p:sp>
+              <p:nvSpPr>
+                <p:cNvPr id="12" name="CasellaDiTesto 11">
+                  <a:extLst>
+                    <a:ext uri="{FF2B5EF4-FFF2-40B4-BE49-F238E27FC236}">
+                      <a16:creationId xmlns:a16="http://schemas.microsoft.com/office/drawing/2014/main" id="{605D5A0D-8120-48FC-8A6F-1A79F13921C0}"/>
+                    </a:ext>
+                  </a:extLst>
+                </p:cNvPr>
+                <p:cNvSpPr txBox="1"/>
+                <p:nvPr/>
+              </p:nvSpPr>
+              <p:spPr>
+                <a:xfrm>
+                  <a:off x="11649125" y="663778"/>
+                  <a:ext cx="338169" cy="313350"/>
+                </a:xfrm>
+                <a:prstGeom prst="rect">
+                  <a:avLst/>
+                </a:prstGeom>
+                <a:solidFill>
+                  <a:schemeClr val="bg1"/>
+                </a:solidFill>
+                <a:effectLst>
+                  <a:softEdge rad="25400"/>
+                </a:effectLst>
+              </p:spPr>
+              <p:txBody>
+                <a:bodyPr wrap="none" lIns="0" tIns="0" rIns="0" bIns="36000" rtlCol="0">
+                  <a:spAutoFit/>
+                </a:bodyPr>
+                <a:lstStyle/>
+                <a:p>
+                  <a:pPr/>
+                  <a14:m>
+                    <m:oMathPara xmlns:m="http://schemas.openxmlformats.org/officeDocument/2006/math">
+                      <m:oMathParaPr>
+                        <m:jc m:val="centerGroup"/>
+                      </m:oMathParaPr>
+                      <m:oMath xmlns:m="http://schemas.openxmlformats.org/officeDocument/2006/math">
+                        <m:sSub>
+                          <m:sSubPr>
+                            <m:ctrlPr>
+                              <a:rPr lang="el-GR" i="1" smtClean="0">
+                                <a:latin typeface="Cambria Math" panose="02040503050406030204" pitchFamily="18" charset="0"/>
+                                <a:ea typeface="Cambria Math" panose="02040503050406030204" pitchFamily="18" charset="0"/>
+                              </a:rPr>
+                            </m:ctrlPr>
+                          </m:sSubPr>
+                          <m:e>
+                            <m:r>
+                              <m:rPr>
+                                <m:sty m:val="p"/>
+                              </m:rPr>
+                              <a:rPr lang="el-GR" i="1">
+                                <a:latin typeface="Cambria Math" panose="02040503050406030204" pitchFamily="18" charset="0"/>
+                                <a:ea typeface="Cambria Math" panose="02040503050406030204" pitchFamily="18" charset="0"/>
+                              </a:rPr>
+                              <m:t>Ω</m:t>
+                            </m:r>
+                          </m:e>
+                          <m:sub>
+                            <m:r>
+                              <m:rPr>
+                                <m:sty m:val="p"/>
+                              </m:rPr>
+                              <a:rPr lang="it-IT" b="0" i="0" smtClean="0">
+                                <a:latin typeface="Cambria Math" panose="02040503050406030204" pitchFamily="18" charset="0"/>
+                                <a:ea typeface="Cambria Math" panose="02040503050406030204" pitchFamily="18" charset="0"/>
+                              </a:rPr>
+                              <m:t>ff</m:t>
+                            </m:r>
+                          </m:sub>
+                        </m:sSub>
+                      </m:oMath>
+                    </m:oMathPara>
+                  </a14:m>
+                  <a:endParaRPr lang="it-IT" dirty="0"/>
+                </a:p>
+              </p:txBody>
+            </p:sp>
+          </mc:Choice>
+          <mc:Fallback>
+            <p:sp>
+              <p:nvSpPr>
+                <p:cNvPr id="12" name="CasellaDiTesto 11">
+                  <a:extLst>
+                    <a:ext uri="{FF2B5EF4-FFF2-40B4-BE49-F238E27FC236}">
+                      <a16:creationId xmlns:a16="http://schemas.microsoft.com/office/drawing/2014/main" id="{605D5A0D-8120-48FC-8A6F-1A79F13921C0}"/>
+                    </a:ext>
+                  </a:extLst>
+                </p:cNvPr>
+                <p:cNvSpPr txBox="1">
+                  <a:spLocks noRot="1" noChangeAspect="1" noMove="1" noResize="1" noEditPoints="1" noAdjustHandles="1" noChangeArrowheads="1" noChangeShapeType="1" noTextEdit="1"/>
+                </p:cNvSpPr>
+                <p:nvPr/>
+              </p:nvSpPr>
+              <p:spPr>
+                <a:xfrm>
+                  <a:off x="11649125" y="663778"/>
+                  <a:ext cx="338169" cy="313350"/>
+                </a:xfrm>
+                <a:prstGeom prst="rect">
+                  <a:avLst/>
+                </a:prstGeom>
+                <a:blipFill>
+                  <a:blip r:embed="rId4"/>
+                  <a:stretch>
+                    <a:fillRect l="-16364" r="-9091" b="-3922"/>
+                  </a:stretch>
+                </a:blipFill>
+                <a:effectLst>
+                  <a:softEdge rad="25400"/>
+                </a:effectLst>
+              </p:spPr>
+              <p:txBody>
+                <a:bodyPr/>
+                <a:lstStyle/>
+                <a:p>
+                  <a:r>
+                    <a:rPr lang="it-IT">
+                      <a:noFill/>
+                    </a:rPr>
+                    <a:t> </a:t>
+                  </a:r>
+                </a:p>
+              </p:txBody>
+            </p:sp>
+          </mc:Fallback>
+        </mc:AlternateContent>
+        <mc:AlternateContent xmlns:mc="http://schemas.openxmlformats.org/markup-compatibility/2006">
+          <mc:Choice xmlns:a14="http://schemas.microsoft.com/office/drawing/2010/main" Requires="a14">
+            <p:sp>
+              <p:nvSpPr>
+                <p:cNvPr id="13" name="CasellaDiTesto 12">
+                  <a:extLst>
+                    <a:ext uri="{FF2B5EF4-FFF2-40B4-BE49-F238E27FC236}">
+                      <a16:creationId xmlns:a16="http://schemas.microsoft.com/office/drawing/2014/main" id="{AC178C9A-DAD1-42D1-A165-F64EE6CE717A}"/>
+                    </a:ext>
+                  </a:extLst>
+                </p:cNvPr>
+                <p:cNvSpPr txBox="1"/>
+                <p:nvPr/>
+              </p:nvSpPr>
+              <p:spPr>
+                <a:xfrm>
+                  <a:off x="11506457" y="5426025"/>
+                  <a:ext cx="480837" cy="338037"/>
+                </a:xfrm>
+                <a:prstGeom prst="rect">
+                  <a:avLst/>
+                </a:prstGeom>
+                <a:solidFill>
+                  <a:schemeClr val="bg1"/>
+                </a:solidFill>
+                <a:effectLst>
+                  <a:softEdge rad="25400"/>
+                </a:effectLst>
+              </p:spPr>
+              <p:txBody>
+                <a:bodyPr wrap="none" lIns="0" tIns="0" rIns="0" bIns="36000" rtlCol="0">
+                  <a:spAutoFit/>
+                </a:bodyPr>
+                <a:lstStyle/>
+                <a:p>
+                  <a:pPr/>
+                  <a14:m>
+                    <m:oMathPara xmlns:m="http://schemas.openxmlformats.org/officeDocument/2006/math">
+                      <m:oMathParaPr>
+                        <m:jc m:val="centerGroup"/>
+                      </m:oMathParaPr>
+                      <m:oMath xmlns:m="http://schemas.openxmlformats.org/officeDocument/2006/math">
+                        <m:sSub>
+                          <m:sSubPr>
+                            <m:ctrlPr>
+                              <a:rPr lang="el-GR" i="1" smtClean="0">
+                                <a:latin typeface="Cambria Math" panose="02040503050406030204" pitchFamily="18" charset="0"/>
+                                <a:ea typeface="Cambria Math" panose="02040503050406030204" pitchFamily="18" charset="0"/>
+                              </a:rPr>
+                            </m:ctrlPr>
+                          </m:sSubPr>
+                          <m:e>
+                            <m:r>
+                              <m:rPr>
+                                <m:sty m:val="p"/>
+                              </m:rPr>
+                              <a:rPr lang="el-GR" i="1">
+                                <a:latin typeface="Cambria Math" panose="02040503050406030204" pitchFamily="18" charset="0"/>
+                                <a:ea typeface="Cambria Math" panose="02040503050406030204" pitchFamily="18" charset="0"/>
+                              </a:rPr>
+                              <m:t>Ω</m:t>
+                            </m:r>
+                          </m:e>
+                          <m:sub>
+                            <m:r>
+                              <m:rPr>
+                                <m:sty m:val="p"/>
+                              </m:rPr>
+                              <a:rPr lang="it-IT" b="0" i="0" smtClean="0">
+                                <a:latin typeface="Cambria Math" panose="02040503050406030204" pitchFamily="18" charset="0"/>
+                                <a:ea typeface="Cambria Math" panose="02040503050406030204" pitchFamily="18" charset="0"/>
+                              </a:rPr>
+                              <m:t>pm</m:t>
+                            </m:r>
+                          </m:sub>
+                        </m:sSub>
+                      </m:oMath>
+                    </m:oMathPara>
+                  </a14:m>
+                  <a:endParaRPr lang="it-IT" dirty="0"/>
+                </a:p>
+              </p:txBody>
+            </p:sp>
+          </mc:Choice>
+          <mc:Fallback>
+            <p:sp>
+              <p:nvSpPr>
+                <p:cNvPr id="13" name="CasellaDiTesto 12">
+                  <a:extLst>
+                    <a:ext uri="{FF2B5EF4-FFF2-40B4-BE49-F238E27FC236}">
+                      <a16:creationId xmlns:a16="http://schemas.microsoft.com/office/drawing/2014/main" id="{AC178C9A-DAD1-42D1-A165-F64EE6CE717A}"/>
+                    </a:ext>
+                  </a:extLst>
+                </p:cNvPr>
+                <p:cNvSpPr txBox="1">
+                  <a:spLocks noRot="1" noChangeAspect="1" noMove="1" noResize="1" noEditPoints="1" noAdjustHandles="1" noChangeArrowheads="1" noChangeShapeType="1" noTextEdit="1"/>
+                </p:cNvSpPr>
+                <p:nvPr/>
+              </p:nvSpPr>
+              <p:spPr>
+                <a:xfrm>
+                  <a:off x="11506457" y="5426025"/>
+                  <a:ext cx="480837" cy="338037"/>
+                </a:xfrm>
+                <a:prstGeom prst="rect">
+                  <a:avLst/>
+                </a:prstGeom>
+                <a:blipFill>
+                  <a:blip r:embed="rId5"/>
+                  <a:stretch>
+                    <a:fillRect l="-11538" r="-7692" b="-8929"/>
+                  </a:stretch>
+                </a:blipFill>
+                <a:effectLst>
+                  <a:softEdge rad="25400"/>
+                </a:effectLst>
+              </p:spPr>
+              <p:txBody>
+                <a:bodyPr/>
+                <a:lstStyle/>
+                <a:p>
+                  <a:r>
+                    <a:rPr lang="it-IT">
+                      <a:noFill/>
+                    </a:rPr>
+                    <a:t> </a:t>
+                  </a:r>
+                </a:p>
+              </p:txBody>
+            </p:sp>
+          </mc:Fallback>
+        </mc:AlternateContent>
+      </p:grpSp>
+    </p:spTree>
+    <p:extLst>
+      <p:ext uri="{BB962C8B-B14F-4D97-AF65-F5344CB8AC3E}">
+        <p14:creationId xmlns:p14="http://schemas.microsoft.com/office/powerpoint/2010/main" val="1313104249"/>
+      </p:ext>
+    </p:extLst>
+  </p:cSld>
+  <p:clrMapOvr>
+    <a:masterClrMapping/>
+  </p:clrMapOvr>
+</p:sld>
+</file>
+
+<file path=ppt/slides/slide30.xml><?xml version="1.0" encoding="utf-8"?>
 <p:sld xmlns:a="http://schemas.openxmlformats.org/drawingml/2006/main" xmlns:r="http://schemas.openxmlformats.org/officeDocument/2006/relationships" xmlns:p="http://schemas.openxmlformats.org/presentationml/2006/main">
   <p:cSld>
     <p:spTree>
@@ -40923,7 +43542,7 @@
 </p:sld>
 </file>
 
-<file path=ppt/slides/slide29.xml><?xml version="1.0" encoding="utf-8"?>
+<file path=ppt/slides/slide31.xml><?xml version="1.0" encoding="utf-8"?>
 <p:sld xmlns:a="http://schemas.openxmlformats.org/drawingml/2006/main" xmlns:r="http://schemas.openxmlformats.org/officeDocument/2006/relationships" xmlns:p="http://schemas.openxmlformats.org/presentationml/2006/main">
   <p:cSld>
     <p:spTree>
@@ -43812,7 +46431,572 @@
 </p:sld>
 </file>
 
-<file path=ppt/slides/slide3.xml><?xml version="1.0" encoding="utf-8"?>
+<file path=ppt/slides/slide4.xml><?xml version="1.0" encoding="utf-8"?>
+<p:sld xmlns:a="http://schemas.openxmlformats.org/drawingml/2006/main" xmlns:r="http://schemas.openxmlformats.org/officeDocument/2006/relationships" xmlns:p="http://schemas.openxmlformats.org/presentationml/2006/main">
+  <p:cSld>
+    <p:spTree>
+      <p:nvGrpSpPr>
+        <p:cNvPr id="1" name=""/>
+        <p:cNvGrpSpPr/>
+        <p:nvPr/>
+      </p:nvGrpSpPr>
+      <p:grpSpPr>
+        <a:xfrm>
+          <a:off x="0" y="0"/>
+          <a:ext cx="0" cy="0"/>
+          <a:chOff x="0" y="0"/>
+          <a:chExt cx="0" cy="0"/>
+        </a:xfrm>
+      </p:grpSpPr>
+      <p:grpSp>
+        <p:nvGrpSpPr>
+          <p:cNvPr id="14" name="Gruppo 13">
+            <a:extLst>
+              <a:ext uri="{FF2B5EF4-FFF2-40B4-BE49-F238E27FC236}">
+                <a16:creationId xmlns:a16="http://schemas.microsoft.com/office/drawing/2014/main" id="{8B812CBD-3474-4169-9F0B-34C79F892890}"/>
+              </a:ext>
+            </a:extLst>
+          </p:cNvPr>
+          <p:cNvGrpSpPr/>
+          <p:nvPr/>
+        </p:nvGrpSpPr>
+        <p:grpSpPr>
+          <a:xfrm>
+            <a:off x="0" y="127901"/>
+            <a:ext cx="12192000" cy="6602198"/>
+            <a:chOff x="0" y="127901"/>
+            <a:chExt cx="12192000" cy="6602198"/>
+          </a:xfrm>
+        </p:grpSpPr>
+        <p:pic>
+          <p:nvPicPr>
+            <p:cNvPr id="5" name="Immagine 4">
+              <a:extLst>
+                <a:ext uri="{FF2B5EF4-FFF2-40B4-BE49-F238E27FC236}">
+                  <a16:creationId xmlns:a16="http://schemas.microsoft.com/office/drawing/2014/main" id="{D9B810F3-CD02-4810-BA5E-D4CDC2EDDD88}"/>
+                </a:ext>
+              </a:extLst>
+            </p:cNvPr>
+            <p:cNvPicPr>
+              <a:picLocks noChangeAspect="1"/>
+            </p:cNvPicPr>
+            <p:nvPr/>
+          </p:nvPicPr>
+          <p:blipFill>
+            <a:blip r:embed="rId2">
+              <a:extLst>
+                <a:ext uri="{28A0092B-C50C-407E-A947-70E740481C1C}">
+                  <a14:useLocalDpi xmlns:a14="http://schemas.microsoft.com/office/drawing/2010/main" val="0"/>
+                </a:ext>
+              </a:extLst>
+            </a:blip>
+            <a:stretch>
+              <a:fillRect/>
+            </a:stretch>
+          </p:blipFill>
+          <p:spPr>
+            <a:xfrm>
+              <a:off x="0" y="127901"/>
+              <a:ext cx="12192000" cy="6602198"/>
+            </a:xfrm>
+            <a:prstGeom prst="rect">
+              <a:avLst/>
+            </a:prstGeom>
+          </p:spPr>
+        </p:pic>
+        <mc:AlternateContent xmlns:mc="http://schemas.openxmlformats.org/markup-compatibility/2006" xmlns:a14="http://schemas.microsoft.com/office/drawing/2010/main">
+          <mc:Choice Requires="a14">
+            <p:sp>
+              <p:nvSpPr>
+                <p:cNvPr id="6" name="CasellaDiTesto 5">
+                  <a:extLst>
+                    <a:ext uri="{FF2B5EF4-FFF2-40B4-BE49-F238E27FC236}">
+                      <a16:creationId xmlns:a16="http://schemas.microsoft.com/office/drawing/2014/main" id="{059B17EF-F48B-441A-82C0-AB30A82947AF}"/>
+                    </a:ext>
+                  </a:extLst>
+                </p:cNvPr>
+                <p:cNvSpPr txBox="1"/>
+                <p:nvPr/>
+              </p:nvSpPr>
+              <p:spPr>
+                <a:xfrm>
+                  <a:off x="8611297" y="1981295"/>
+                  <a:ext cx="386644" cy="313350"/>
+                </a:xfrm>
+                <a:prstGeom prst="rect">
+                  <a:avLst/>
+                </a:prstGeom>
+                <a:solidFill>
+                  <a:schemeClr val="bg1"/>
+                </a:solidFill>
+                <a:effectLst>
+                  <a:softEdge rad="25400"/>
+                </a:effectLst>
+              </p:spPr>
+              <p:txBody>
+                <a:bodyPr wrap="none" lIns="0" tIns="0" rIns="0" bIns="36000" rtlCol="0">
+                  <a:spAutoFit/>
+                </a:bodyPr>
+                <a:lstStyle/>
+                <a:p>
+                  <a:pPr/>
+                  <a14:m>
+                    <m:oMathPara xmlns:m="http://schemas.openxmlformats.org/officeDocument/2006/math">
+                      <m:oMathParaPr>
+                        <m:jc m:val="centerGroup"/>
+                      </m:oMathParaPr>
+                      <m:oMath xmlns:m="http://schemas.openxmlformats.org/officeDocument/2006/math">
+                        <m:sSub>
+                          <m:sSubPr>
+                            <m:ctrlPr>
+                              <a:rPr lang="el-GR" i="1" smtClean="0">
+                                <a:latin typeface="Cambria Math" panose="02040503050406030204" pitchFamily="18" charset="0"/>
+                                <a:ea typeface="Cambria Math" panose="02040503050406030204" pitchFamily="18" charset="0"/>
+                              </a:rPr>
+                            </m:ctrlPr>
+                          </m:sSubPr>
+                          <m:e>
+                            <m:r>
+                              <m:rPr>
+                                <m:sty m:val="p"/>
+                              </m:rPr>
+                              <a:rPr lang="el-GR" i="1" smtClean="0">
+                                <a:latin typeface="Cambria Math" panose="02040503050406030204" pitchFamily="18" charset="0"/>
+                                <a:ea typeface="Cambria Math" panose="02040503050406030204" pitchFamily="18" charset="0"/>
+                              </a:rPr>
+                              <m:t>Γ</m:t>
+                            </m:r>
+                          </m:e>
+                          <m:sub>
+                            <m:r>
+                              <m:rPr>
+                                <m:sty m:val="p"/>
+                              </m:rPr>
+                              <a:rPr lang="it-IT" b="0" i="0" smtClean="0">
+                                <a:latin typeface="Cambria Math" panose="02040503050406030204" pitchFamily="18" charset="0"/>
+                                <a:ea typeface="Cambria Math" panose="02040503050406030204" pitchFamily="18" charset="0"/>
+                              </a:rPr>
+                              <m:t>int</m:t>
+                            </m:r>
+                          </m:sub>
+                        </m:sSub>
+                      </m:oMath>
+                    </m:oMathPara>
+                  </a14:m>
+                  <a:endParaRPr lang="it-IT" dirty="0"/>
+                </a:p>
+              </p:txBody>
+            </p:sp>
+          </mc:Choice>
+          <mc:Fallback xmlns="">
+            <p:sp>
+              <p:nvSpPr>
+                <p:cNvPr id="6" name="CasellaDiTesto 5">
+                  <a:extLst>
+                    <a:ext uri="{FF2B5EF4-FFF2-40B4-BE49-F238E27FC236}">
+                      <a16:creationId xmlns:a16="http://schemas.microsoft.com/office/drawing/2014/main" id="{059B17EF-F48B-441A-82C0-AB30A82947AF}"/>
+                    </a:ext>
+                  </a:extLst>
+                </p:cNvPr>
+                <p:cNvSpPr txBox="1">
+                  <a:spLocks noRot="1" noChangeAspect="1" noMove="1" noResize="1" noEditPoints="1" noAdjustHandles="1" noChangeArrowheads="1" noChangeShapeType="1" noTextEdit="1"/>
+                </p:cNvSpPr>
+                <p:nvPr/>
+              </p:nvSpPr>
+              <p:spPr>
+                <a:xfrm>
+                  <a:off x="8611297" y="1981295"/>
+                  <a:ext cx="386644" cy="313350"/>
+                </a:xfrm>
+                <a:prstGeom prst="rect">
+                  <a:avLst/>
+                </a:prstGeom>
+                <a:blipFill>
+                  <a:blip r:embed="rId3"/>
+                  <a:stretch>
+                    <a:fillRect l="-14286" r="-7937" b="-5882"/>
+                  </a:stretch>
+                </a:blipFill>
+                <a:effectLst>
+                  <a:softEdge rad="25400"/>
+                </a:effectLst>
+              </p:spPr>
+              <p:txBody>
+                <a:bodyPr/>
+                <a:lstStyle/>
+                <a:p>
+                  <a:r>
+                    <a:rPr lang="it-IT">
+                      <a:noFill/>
+                    </a:rPr>
+                    <a:t> </a:t>
+                  </a:r>
+                </a:p>
+              </p:txBody>
+            </p:sp>
+          </mc:Fallback>
+        </mc:AlternateContent>
+        <mc:AlternateContent xmlns:mc="http://schemas.openxmlformats.org/markup-compatibility/2006" xmlns:a14="http://schemas.microsoft.com/office/drawing/2010/main">
+          <mc:Choice Requires="a14">
+            <p:sp>
+              <p:nvSpPr>
+                <p:cNvPr id="7" name="CasellaDiTesto 6">
+                  <a:extLst>
+                    <a:ext uri="{FF2B5EF4-FFF2-40B4-BE49-F238E27FC236}">
+                      <a16:creationId xmlns:a16="http://schemas.microsoft.com/office/drawing/2014/main" id="{81E6A2B8-ED0B-4759-A64F-C91CD7D604D3}"/>
+                    </a:ext>
+                  </a:extLst>
+                </p:cNvPr>
+                <p:cNvSpPr txBox="1"/>
+                <p:nvPr/>
+              </p:nvSpPr>
+              <p:spPr>
+                <a:xfrm>
+                  <a:off x="11776345" y="213399"/>
+                  <a:ext cx="338169" cy="313350"/>
+                </a:xfrm>
+                <a:prstGeom prst="rect">
+                  <a:avLst/>
+                </a:prstGeom>
+                <a:solidFill>
+                  <a:schemeClr val="bg1"/>
+                </a:solidFill>
+                <a:effectLst>
+                  <a:softEdge rad="25400"/>
+                </a:effectLst>
+              </p:spPr>
+              <p:txBody>
+                <a:bodyPr wrap="none" lIns="0" tIns="0" rIns="0" bIns="36000" rtlCol="0">
+                  <a:spAutoFit/>
+                </a:bodyPr>
+                <a:lstStyle/>
+                <a:p>
+                  <a:pPr/>
+                  <a14:m>
+                    <m:oMathPara xmlns:m="http://schemas.openxmlformats.org/officeDocument/2006/math">
+                      <m:oMathParaPr>
+                        <m:jc m:val="centerGroup"/>
+                      </m:oMathParaPr>
+                      <m:oMath xmlns:m="http://schemas.openxmlformats.org/officeDocument/2006/math">
+                        <m:sSub>
+                          <m:sSubPr>
+                            <m:ctrlPr>
+                              <a:rPr lang="el-GR" i="1" smtClean="0">
+                                <a:latin typeface="Cambria Math" panose="02040503050406030204" pitchFamily="18" charset="0"/>
+                                <a:ea typeface="Cambria Math" panose="02040503050406030204" pitchFamily="18" charset="0"/>
+                              </a:rPr>
+                            </m:ctrlPr>
+                          </m:sSubPr>
+                          <m:e>
+                            <m:r>
+                              <m:rPr>
+                                <m:sty m:val="p"/>
+                              </m:rPr>
+                              <a:rPr lang="el-GR" i="1">
+                                <a:latin typeface="Cambria Math" panose="02040503050406030204" pitchFamily="18" charset="0"/>
+                                <a:ea typeface="Cambria Math" panose="02040503050406030204" pitchFamily="18" charset="0"/>
+                              </a:rPr>
+                              <m:t>Ω</m:t>
+                            </m:r>
+                          </m:e>
+                          <m:sub>
+                            <m:r>
+                              <m:rPr>
+                                <m:sty m:val="p"/>
+                              </m:rPr>
+                              <a:rPr lang="it-IT" b="0" i="0" smtClean="0">
+                                <a:latin typeface="Cambria Math" panose="02040503050406030204" pitchFamily="18" charset="0"/>
+                                <a:ea typeface="Cambria Math" panose="02040503050406030204" pitchFamily="18" charset="0"/>
+                              </a:rPr>
+                              <m:t>ff</m:t>
+                            </m:r>
+                          </m:sub>
+                        </m:sSub>
+                      </m:oMath>
+                    </m:oMathPara>
+                  </a14:m>
+                  <a:endParaRPr lang="it-IT" dirty="0"/>
+                </a:p>
+              </p:txBody>
+            </p:sp>
+          </mc:Choice>
+          <mc:Fallback xmlns="">
+            <p:sp>
+              <p:nvSpPr>
+                <p:cNvPr id="7" name="CasellaDiTesto 6">
+                  <a:extLst>
+                    <a:ext uri="{FF2B5EF4-FFF2-40B4-BE49-F238E27FC236}">
+                      <a16:creationId xmlns:a16="http://schemas.microsoft.com/office/drawing/2014/main" id="{81E6A2B8-ED0B-4759-A64F-C91CD7D604D3}"/>
+                    </a:ext>
+                  </a:extLst>
+                </p:cNvPr>
+                <p:cNvSpPr txBox="1">
+                  <a:spLocks noRot="1" noChangeAspect="1" noMove="1" noResize="1" noEditPoints="1" noAdjustHandles="1" noChangeArrowheads="1" noChangeShapeType="1" noTextEdit="1"/>
+                </p:cNvSpPr>
+                <p:nvPr/>
+              </p:nvSpPr>
+              <p:spPr>
+                <a:xfrm>
+                  <a:off x="11776345" y="213399"/>
+                  <a:ext cx="338169" cy="313350"/>
+                </a:xfrm>
+                <a:prstGeom prst="rect">
+                  <a:avLst/>
+                </a:prstGeom>
+                <a:blipFill>
+                  <a:blip r:embed="rId4"/>
+                  <a:stretch>
+                    <a:fillRect l="-16364" r="-9091" b="-5882"/>
+                  </a:stretch>
+                </a:blipFill>
+                <a:effectLst>
+                  <a:softEdge rad="25400"/>
+                </a:effectLst>
+              </p:spPr>
+              <p:txBody>
+                <a:bodyPr/>
+                <a:lstStyle/>
+                <a:p>
+                  <a:r>
+                    <a:rPr lang="it-IT">
+                      <a:noFill/>
+                    </a:rPr>
+                    <a:t> </a:t>
+                  </a:r>
+                </a:p>
+              </p:txBody>
+            </p:sp>
+          </mc:Fallback>
+        </mc:AlternateContent>
+        <mc:AlternateContent xmlns:mc="http://schemas.openxmlformats.org/markup-compatibility/2006" xmlns:a14="http://schemas.microsoft.com/office/drawing/2010/main">
+          <mc:Choice Requires="a14">
+            <p:sp>
+              <p:nvSpPr>
+                <p:cNvPr id="8" name="CasellaDiTesto 7">
+                  <a:extLst>
+                    <a:ext uri="{FF2B5EF4-FFF2-40B4-BE49-F238E27FC236}">
+                      <a16:creationId xmlns:a16="http://schemas.microsoft.com/office/drawing/2014/main" id="{82DB9C2A-36AA-4731-9791-B815F73AAD52}"/>
+                    </a:ext>
+                  </a:extLst>
+                </p:cNvPr>
+                <p:cNvSpPr txBox="1"/>
+                <p:nvPr/>
+              </p:nvSpPr>
+              <p:spPr>
+                <a:xfrm>
+                  <a:off x="11633677" y="5675870"/>
+                  <a:ext cx="480837" cy="338037"/>
+                </a:xfrm>
+                <a:prstGeom prst="rect">
+                  <a:avLst/>
+                </a:prstGeom>
+                <a:solidFill>
+                  <a:schemeClr val="bg1"/>
+                </a:solidFill>
+                <a:effectLst>
+                  <a:softEdge rad="25400"/>
+                </a:effectLst>
+              </p:spPr>
+              <p:txBody>
+                <a:bodyPr wrap="none" lIns="0" tIns="0" rIns="0" bIns="36000" rtlCol="0">
+                  <a:spAutoFit/>
+                </a:bodyPr>
+                <a:lstStyle/>
+                <a:p>
+                  <a:pPr/>
+                  <a14:m>
+                    <m:oMathPara xmlns:m="http://schemas.openxmlformats.org/officeDocument/2006/math">
+                      <m:oMathParaPr>
+                        <m:jc m:val="centerGroup"/>
+                      </m:oMathParaPr>
+                      <m:oMath xmlns:m="http://schemas.openxmlformats.org/officeDocument/2006/math">
+                        <m:sSub>
+                          <m:sSubPr>
+                            <m:ctrlPr>
+                              <a:rPr lang="el-GR" i="1" smtClean="0">
+                                <a:latin typeface="Cambria Math" panose="02040503050406030204" pitchFamily="18" charset="0"/>
+                                <a:ea typeface="Cambria Math" panose="02040503050406030204" pitchFamily="18" charset="0"/>
+                              </a:rPr>
+                            </m:ctrlPr>
+                          </m:sSubPr>
+                          <m:e>
+                            <m:r>
+                              <m:rPr>
+                                <m:sty m:val="p"/>
+                              </m:rPr>
+                              <a:rPr lang="el-GR" i="1">
+                                <a:latin typeface="Cambria Math" panose="02040503050406030204" pitchFamily="18" charset="0"/>
+                                <a:ea typeface="Cambria Math" panose="02040503050406030204" pitchFamily="18" charset="0"/>
+                              </a:rPr>
+                              <m:t>Ω</m:t>
+                            </m:r>
+                          </m:e>
+                          <m:sub>
+                            <m:r>
+                              <m:rPr>
+                                <m:sty m:val="p"/>
+                              </m:rPr>
+                              <a:rPr lang="it-IT" b="0" i="0" smtClean="0">
+                                <a:latin typeface="Cambria Math" panose="02040503050406030204" pitchFamily="18" charset="0"/>
+                                <a:ea typeface="Cambria Math" panose="02040503050406030204" pitchFamily="18" charset="0"/>
+                              </a:rPr>
+                              <m:t>pm</m:t>
+                            </m:r>
+                          </m:sub>
+                        </m:sSub>
+                      </m:oMath>
+                    </m:oMathPara>
+                  </a14:m>
+                  <a:endParaRPr lang="it-IT" dirty="0"/>
+                </a:p>
+              </p:txBody>
+            </p:sp>
+          </mc:Choice>
+          <mc:Fallback xmlns="">
+            <p:sp>
+              <p:nvSpPr>
+                <p:cNvPr id="8" name="CasellaDiTesto 7">
+                  <a:extLst>
+                    <a:ext uri="{FF2B5EF4-FFF2-40B4-BE49-F238E27FC236}">
+                      <a16:creationId xmlns:a16="http://schemas.microsoft.com/office/drawing/2014/main" id="{82DB9C2A-36AA-4731-9791-B815F73AAD52}"/>
+                    </a:ext>
+                  </a:extLst>
+                </p:cNvPr>
+                <p:cNvSpPr txBox="1">
+                  <a:spLocks noRot="1" noChangeAspect="1" noMove="1" noResize="1" noEditPoints="1" noAdjustHandles="1" noChangeArrowheads="1" noChangeShapeType="1" noTextEdit="1"/>
+                </p:cNvSpPr>
+                <p:nvPr/>
+              </p:nvSpPr>
+              <p:spPr>
+                <a:xfrm>
+                  <a:off x="11633677" y="5675870"/>
+                  <a:ext cx="480837" cy="338037"/>
+                </a:xfrm>
+                <a:prstGeom prst="rect">
+                  <a:avLst/>
+                </a:prstGeom>
+                <a:blipFill>
+                  <a:blip r:embed="rId5"/>
+                  <a:stretch>
+                    <a:fillRect l="-10127" r="-7595" b="-8929"/>
+                  </a:stretch>
+                </a:blipFill>
+                <a:effectLst>
+                  <a:softEdge rad="25400"/>
+                </a:effectLst>
+              </p:spPr>
+              <p:txBody>
+                <a:bodyPr/>
+                <a:lstStyle/>
+                <a:p>
+                  <a:r>
+                    <a:rPr lang="it-IT">
+                      <a:noFill/>
+                    </a:rPr>
+                    <a:t> </a:t>
+                  </a:r>
+                </a:p>
+              </p:txBody>
+            </p:sp>
+          </mc:Fallback>
+        </mc:AlternateContent>
+        <p:cxnSp>
+          <p:nvCxnSpPr>
+            <p:cNvPr id="9" name="Connettore diritto 8">
+              <a:extLst>
+                <a:ext uri="{FF2B5EF4-FFF2-40B4-BE49-F238E27FC236}">
+                  <a16:creationId xmlns:a16="http://schemas.microsoft.com/office/drawing/2014/main" id="{F68B01F5-A184-4F0B-9017-35092B4FA318}"/>
+                </a:ext>
+              </a:extLst>
+            </p:cNvPr>
+            <p:cNvCxnSpPr>
+              <a:cxnSpLocks/>
+            </p:cNvCxnSpPr>
+            <p:nvPr/>
+          </p:nvCxnSpPr>
+          <p:spPr>
+            <a:xfrm>
+              <a:off x="9068937" y="873804"/>
+              <a:ext cx="3123063" cy="0"/>
+            </a:xfrm>
+            <a:prstGeom prst="line">
+              <a:avLst/>
+            </a:prstGeom>
+            <a:ln w="28575">
+              <a:prstDash val="dash"/>
+            </a:ln>
+          </p:spPr>
+          <p:style>
+            <a:lnRef idx="1">
+              <a:schemeClr val="dk1"/>
+            </a:lnRef>
+            <a:fillRef idx="0">
+              <a:schemeClr val="dk1"/>
+            </a:fillRef>
+            <a:effectRef idx="0">
+              <a:schemeClr val="dk1"/>
+            </a:effectRef>
+            <a:fontRef idx="minor">
+              <a:schemeClr val="tx1"/>
+            </a:fontRef>
+          </p:style>
+        </p:cxnSp>
+        <p:cxnSp>
+          <p:nvCxnSpPr>
+            <p:cNvPr id="11" name="Connettore diritto 10">
+              <a:extLst>
+                <a:ext uri="{FF2B5EF4-FFF2-40B4-BE49-F238E27FC236}">
+                  <a16:creationId xmlns:a16="http://schemas.microsoft.com/office/drawing/2014/main" id="{A3770720-FC61-40D3-BCF7-E7FCBDE3A234}"/>
+                </a:ext>
+              </a:extLst>
+            </p:cNvPr>
+            <p:cNvCxnSpPr>
+              <a:cxnSpLocks/>
+            </p:cNvCxnSpPr>
+            <p:nvPr/>
+          </p:nvCxnSpPr>
+          <p:spPr>
+            <a:xfrm>
+              <a:off x="9085280" y="880628"/>
+              <a:ext cx="0" cy="5226745"/>
+            </a:xfrm>
+            <a:prstGeom prst="line">
+              <a:avLst/>
+            </a:prstGeom>
+            <a:ln w="28575">
+              <a:prstDash val="dash"/>
+            </a:ln>
+          </p:spPr>
+          <p:style>
+            <a:lnRef idx="1">
+              <a:schemeClr val="dk1"/>
+            </a:lnRef>
+            <a:fillRef idx="0">
+              <a:schemeClr val="dk1"/>
+            </a:fillRef>
+            <a:effectRef idx="0">
+              <a:schemeClr val="dk1"/>
+            </a:effectRef>
+            <a:fontRef idx="minor">
+              <a:schemeClr val="tx1"/>
+            </a:fontRef>
+          </p:style>
+        </p:cxnSp>
+      </p:grpSp>
+    </p:spTree>
+    <p:extLst>
+      <p:ext uri="{BB962C8B-B14F-4D97-AF65-F5344CB8AC3E}">
+        <p14:creationId xmlns:p14="http://schemas.microsoft.com/office/powerpoint/2010/main" val="1180342296"/>
+      </p:ext>
+    </p:extLst>
+  </p:cSld>
+  <p:clrMapOvr>
+    <a:masterClrMapping/>
+  </p:clrMapOvr>
+</p:sld>
+</file>
+
+<file path=ppt/slides/slide5.xml><?xml version="1.0" encoding="utf-8"?>
 <p:sld xmlns:a="http://schemas.openxmlformats.org/drawingml/2006/main" xmlns:r="http://schemas.openxmlformats.org/officeDocument/2006/relationships" xmlns:p="http://schemas.openxmlformats.org/presentationml/2006/main">
   <p:cSld>
     <p:spTree>
@@ -44377,7 +47561,7 @@
 </p:sld>
 </file>
 
-<file path=ppt/slides/slide4.xml><?xml version="1.0" encoding="utf-8"?>
+<file path=ppt/slides/slide6.xml><?xml version="1.0" encoding="utf-8"?>
 <p:sld xmlns:a="http://schemas.openxmlformats.org/drawingml/2006/main" xmlns:r="http://schemas.openxmlformats.org/officeDocument/2006/relationships" xmlns:p="http://schemas.openxmlformats.org/presentationml/2006/main">
   <p:cSld>
     <p:spTree>
@@ -44942,7 +48126,7 @@
 </p:sld>
 </file>
 
-<file path=ppt/slides/slide5.xml><?xml version="1.0" encoding="utf-8"?>
+<file path=ppt/slides/slide7.xml><?xml version="1.0" encoding="utf-8"?>
 <p:sld xmlns:a="http://schemas.openxmlformats.org/drawingml/2006/main" xmlns:r="http://schemas.openxmlformats.org/officeDocument/2006/relationships" xmlns:p="http://schemas.openxmlformats.org/presentationml/2006/main">
   <p:cSld>
     <p:spTree>
@@ -45528,7 +48712,7 @@
 </p:sld>
 </file>
 
-<file path=ppt/slides/slide6.xml><?xml version="1.0" encoding="utf-8"?>
+<file path=ppt/slides/slide8.xml><?xml version="1.0" encoding="utf-8"?>
 <p:sld xmlns:a="http://schemas.openxmlformats.org/drawingml/2006/main" xmlns:r="http://schemas.openxmlformats.org/officeDocument/2006/relationships" xmlns:p="http://schemas.openxmlformats.org/presentationml/2006/main">
   <p:cSld>
     <p:spTree>
@@ -47049,7 +50233,7 @@
 </p:sld>
 </file>
 
-<file path=ppt/slides/slide7.xml><?xml version="1.0" encoding="utf-8"?>
+<file path=ppt/slides/slide9.xml><?xml version="1.0" encoding="utf-8"?>
 <p:sld xmlns:a="http://schemas.openxmlformats.org/drawingml/2006/main" xmlns:r="http://schemas.openxmlformats.org/officeDocument/2006/relationships" xmlns:p="http://schemas.openxmlformats.org/presentationml/2006/main">
   <p:cSld>
     <p:spTree>
@@ -48750,1779 +51934,6 @@
     <p:extLst>
       <p:ext uri="{BB962C8B-B14F-4D97-AF65-F5344CB8AC3E}">
         <p14:creationId xmlns:p14="http://schemas.microsoft.com/office/powerpoint/2010/main" val="165549263"/>
-      </p:ext>
-    </p:extLst>
-  </p:cSld>
-  <p:clrMapOvr>
-    <a:masterClrMapping/>
-  </p:clrMapOvr>
-</p:sld>
-</file>
-
-<file path=ppt/slides/slide8.xml><?xml version="1.0" encoding="utf-8"?>
-<p:sld xmlns:a="http://schemas.openxmlformats.org/drawingml/2006/main" xmlns:r="http://schemas.openxmlformats.org/officeDocument/2006/relationships" xmlns:p="http://schemas.openxmlformats.org/presentationml/2006/main">
-  <p:cSld>
-    <p:spTree>
-      <p:nvGrpSpPr>
-        <p:cNvPr id="1" name=""/>
-        <p:cNvGrpSpPr/>
-        <p:nvPr/>
-      </p:nvGrpSpPr>
-      <p:grpSpPr>
-        <a:xfrm>
-          <a:off x="0" y="0"/>
-          <a:ext cx="0" cy="0"/>
-          <a:chOff x="0" y="0"/>
-          <a:chExt cx="0" cy="0"/>
-        </a:xfrm>
-      </p:grpSpPr>
-      <p:grpSp>
-        <p:nvGrpSpPr>
-          <p:cNvPr id="3" name="Gruppo 2">
-            <a:extLst>
-              <a:ext uri="{FF2B5EF4-FFF2-40B4-BE49-F238E27FC236}">
-                <a16:creationId xmlns:a16="http://schemas.microsoft.com/office/drawing/2014/main" id="{872E7B81-B1D8-4352-85BE-BD2F22FFF37D}"/>
-              </a:ext>
-            </a:extLst>
-          </p:cNvPr>
-          <p:cNvGrpSpPr/>
-          <p:nvPr/>
-        </p:nvGrpSpPr>
-        <p:grpSpPr>
-          <a:xfrm>
-            <a:off x="3223095" y="113803"/>
-            <a:ext cx="6321288" cy="6321287"/>
-            <a:chOff x="1919578" y="651013"/>
-            <a:chExt cx="5555975" cy="5555974"/>
-          </a:xfrm>
-        </p:grpSpPr>
-        <p:sp>
-          <p:nvSpPr>
-            <p:cNvPr id="10" name="Rettangolo 9">
-              <a:extLst>
-                <a:ext uri="{FF2B5EF4-FFF2-40B4-BE49-F238E27FC236}">
-                  <a16:creationId xmlns:a16="http://schemas.microsoft.com/office/drawing/2014/main" id="{3564D526-CE79-47C6-9EE5-B2FDFB221312}"/>
-                </a:ext>
-              </a:extLst>
-            </p:cNvPr>
-            <p:cNvSpPr/>
-            <p:nvPr/>
-          </p:nvSpPr>
-          <p:spPr>
-            <a:xfrm>
-              <a:off x="1919579" y="651013"/>
-              <a:ext cx="2777987" cy="2777987"/>
-            </a:xfrm>
-            <a:prstGeom prst="rect">
-              <a:avLst/>
-            </a:prstGeom>
-            <a:noFill/>
-            <a:ln>
-              <a:solidFill>
-                <a:schemeClr val="tx1"/>
-              </a:solidFill>
-            </a:ln>
-          </p:spPr>
-          <p:style>
-            <a:lnRef idx="2">
-              <a:schemeClr val="accent1">
-                <a:shade val="50000"/>
-              </a:schemeClr>
-            </a:lnRef>
-            <a:fillRef idx="1">
-              <a:schemeClr val="accent1"/>
-            </a:fillRef>
-            <a:effectRef idx="0">
-              <a:schemeClr val="accent1"/>
-            </a:effectRef>
-            <a:fontRef idx="minor">
-              <a:schemeClr val="lt1"/>
-            </a:fontRef>
-          </p:style>
-          <p:txBody>
-            <a:bodyPr rtlCol="0" anchor="ctr"/>
-            <a:lstStyle/>
-            <a:p>
-              <a:pPr algn="ctr"/>
-              <a:endParaRPr lang="it-IT"/>
-            </a:p>
-          </p:txBody>
-        </p:sp>
-        <p:sp>
-          <p:nvSpPr>
-            <p:cNvPr id="27" name="Rettangolo 26">
-              <a:extLst>
-                <a:ext uri="{FF2B5EF4-FFF2-40B4-BE49-F238E27FC236}">
-                  <a16:creationId xmlns:a16="http://schemas.microsoft.com/office/drawing/2014/main" id="{85101526-E3F1-4555-A759-3A46B804B2B2}"/>
-                </a:ext>
-              </a:extLst>
-            </p:cNvPr>
-            <p:cNvSpPr/>
-            <p:nvPr/>
-          </p:nvSpPr>
-          <p:spPr>
-            <a:xfrm>
-              <a:off x="1919578" y="3429000"/>
-              <a:ext cx="2777987" cy="2777987"/>
-            </a:xfrm>
-            <a:prstGeom prst="rect">
-              <a:avLst/>
-            </a:prstGeom>
-            <a:noFill/>
-            <a:ln>
-              <a:solidFill>
-                <a:schemeClr val="tx1"/>
-              </a:solidFill>
-            </a:ln>
-          </p:spPr>
-          <p:style>
-            <a:lnRef idx="2">
-              <a:schemeClr val="accent1">
-                <a:shade val="50000"/>
-              </a:schemeClr>
-            </a:lnRef>
-            <a:fillRef idx="1">
-              <a:schemeClr val="accent1"/>
-            </a:fillRef>
-            <a:effectRef idx="0">
-              <a:schemeClr val="accent1"/>
-            </a:effectRef>
-            <a:fontRef idx="minor">
-              <a:schemeClr val="lt1"/>
-            </a:fontRef>
-          </p:style>
-          <p:txBody>
-            <a:bodyPr rtlCol="0" anchor="ctr"/>
-            <a:lstStyle/>
-            <a:p>
-              <a:pPr algn="ctr"/>
-              <a:endParaRPr lang="it-IT"/>
-            </a:p>
-          </p:txBody>
-        </p:sp>
-        <p:sp>
-          <p:nvSpPr>
-            <p:cNvPr id="29" name="Rettangolo 28">
-              <a:extLst>
-                <a:ext uri="{FF2B5EF4-FFF2-40B4-BE49-F238E27FC236}">
-                  <a16:creationId xmlns:a16="http://schemas.microsoft.com/office/drawing/2014/main" id="{C76FEF86-0F51-48C7-A589-3CB5ABE342E0}"/>
-                </a:ext>
-              </a:extLst>
-            </p:cNvPr>
-            <p:cNvSpPr/>
-            <p:nvPr/>
-          </p:nvSpPr>
-          <p:spPr>
-            <a:xfrm>
-              <a:off x="4697565" y="3429000"/>
-              <a:ext cx="2777987" cy="2777987"/>
-            </a:xfrm>
-            <a:prstGeom prst="rect">
-              <a:avLst/>
-            </a:prstGeom>
-            <a:noFill/>
-            <a:ln>
-              <a:solidFill>
-                <a:schemeClr val="tx1"/>
-              </a:solidFill>
-            </a:ln>
-          </p:spPr>
-          <p:style>
-            <a:lnRef idx="2">
-              <a:schemeClr val="accent1">
-                <a:shade val="50000"/>
-              </a:schemeClr>
-            </a:lnRef>
-            <a:fillRef idx="1">
-              <a:schemeClr val="accent1"/>
-            </a:fillRef>
-            <a:effectRef idx="0">
-              <a:schemeClr val="accent1"/>
-            </a:effectRef>
-            <a:fontRef idx="minor">
-              <a:schemeClr val="lt1"/>
-            </a:fontRef>
-          </p:style>
-          <p:txBody>
-            <a:bodyPr rtlCol="0" anchor="ctr"/>
-            <a:lstStyle/>
-            <a:p>
-              <a:pPr algn="ctr"/>
-              <a:endParaRPr lang="it-IT"/>
-            </a:p>
-          </p:txBody>
-        </p:sp>
-        <p:sp>
-          <p:nvSpPr>
-            <p:cNvPr id="36" name="Rettangolo 35">
-              <a:extLst>
-                <a:ext uri="{FF2B5EF4-FFF2-40B4-BE49-F238E27FC236}">
-                  <a16:creationId xmlns:a16="http://schemas.microsoft.com/office/drawing/2014/main" id="{BF69F4CC-E103-448F-A421-2AAC38F0CEB2}"/>
-                </a:ext>
-              </a:extLst>
-            </p:cNvPr>
-            <p:cNvSpPr/>
-            <p:nvPr/>
-          </p:nvSpPr>
-          <p:spPr>
-            <a:xfrm>
-              <a:off x="4697566" y="651013"/>
-              <a:ext cx="2777987" cy="2777987"/>
-            </a:xfrm>
-            <a:prstGeom prst="rect">
-              <a:avLst/>
-            </a:prstGeom>
-            <a:noFill/>
-            <a:ln>
-              <a:solidFill>
-                <a:schemeClr val="tx1"/>
-              </a:solidFill>
-            </a:ln>
-          </p:spPr>
-          <p:style>
-            <a:lnRef idx="2">
-              <a:schemeClr val="accent1">
-                <a:shade val="50000"/>
-              </a:schemeClr>
-            </a:lnRef>
-            <a:fillRef idx="1">
-              <a:schemeClr val="accent1"/>
-            </a:fillRef>
-            <a:effectRef idx="0">
-              <a:schemeClr val="accent1"/>
-            </a:effectRef>
-            <a:fontRef idx="minor">
-              <a:schemeClr val="lt1"/>
-            </a:fontRef>
-          </p:style>
-          <p:txBody>
-            <a:bodyPr rtlCol="0" anchor="ctr"/>
-            <a:lstStyle/>
-            <a:p>
-              <a:pPr algn="ctr"/>
-              <a:endParaRPr lang="it-IT"/>
-            </a:p>
-          </p:txBody>
-        </p:sp>
-      </p:grpSp>
-      <p:cxnSp>
-        <p:nvCxnSpPr>
-          <p:cNvPr id="5" name="Connettore diritto 4">
-            <a:extLst>
-              <a:ext uri="{FF2B5EF4-FFF2-40B4-BE49-F238E27FC236}">
-                <a16:creationId xmlns:a16="http://schemas.microsoft.com/office/drawing/2014/main" id="{21675BC8-62ED-4381-A697-47A99D9249B0}"/>
-              </a:ext>
-            </a:extLst>
-          </p:cNvPr>
-          <p:cNvCxnSpPr/>
-          <p:nvPr/>
-        </p:nvCxnSpPr>
-        <p:spPr>
-          <a:xfrm>
-            <a:off x="1451610" y="6435091"/>
-            <a:ext cx="9841230" cy="0"/>
-          </a:xfrm>
-          <a:prstGeom prst="line">
-            <a:avLst/>
-          </a:prstGeom>
-        </p:spPr>
-        <p:style>
-          <a:lnRef idx="2">
-            <a:schemeClr val="dk1"/>
-          </a:lnRef>
-          <a:fillRef idx="0">
-            <a:schemeClr val="dk1"/>
-          </a:fillRef>
-          <a:effectRef idx="1">
-            <a:schemeClr val="dk1"/>
-          </a:effectRef>
-          <a:fontRef idx="minor">
-            <a:schemeClr val="tx1"/>
-          </a:fontRef>
-        </p:style>
-      </p:cxnSp>
-      <p:cxnSp>
-        <p:nvCxnSpPr>
-          <p:cNvPr id="7" name="Connettore 2 6">
-            <a:extLst>
-              <a:ext uri="{FF2B5EF4-FFF2-40B4-BE49-F238E27FC236}">
-                <a16:creationId xmlns:a16="http://schemas.microsoft.com/office/drawing/2014/main" id="{5A725ECE-CFE5-4427-8DDC-321CF0C1DC75}"/>
-              </a:ext>
-            </a:extLst>
-          </p:cNvPr>
-          <p:cNvCxnSpPr>
-            <a:cxnSpLocks/>
-          </p:cNvCxnSpPr>
-          <p:nvPr/>
-        </p:nvCxnSpPr>
-        <p:spPr>
-          <a:xfrm>
-            <a:off x="6138000" y="1680210"/>
-            <a:ext cx="540000" cy="0"/>
-          </a:xfrm>
-          <a:prstGeom prst="straightConnector1">
-            <a:avLst/>
-          </a:prstGeom>
-          <a:ln w="38100">
-            <a:tailEnd type="triangle"/>
-          </a:ln>
-        </p:spPr>
-        <p:style>
-          <a:lnRef idx="3">
-            <a:schemeClr val="dk1"/>
-          </a:lnRef>
-          <a:fillRef idx="0">
-            <a:schemeClr val="dk1"/>
-          </a:fillRef>
-          <a:effectRef idx="2">
-            <a:schemeClr val="dk1"/>
-          </a:effectRef>
-          <a:fontRef idx="minor">
-            <a:schemeClr val="tx1"/>
-          </a:fontRef>
-        </p:style>
-      </p:cxnSp>
-      <p:cxnSp>
-        <p:nvCxnSpPr>
-          <p:cNvPr id="37" name="Connettore 2 36">
-            <a:extLst>
-              <a:ext uri="{FF2B5EF4-FFF2-40B4-BE49-F238E27FC236}">
-                <a16:creationId xmlns:a16="http://schemas.microsoft.com/office/drawing/2014/main" id="{C3420678-2091-4435-AB3E-44F7C318B2AD}"/>
-              </a:ext>
-            </a:extLst>
-          </p:cNvPr>
-          <p:cNvCxnSpPr/>
-          <p:nvPr/>
-        </p:nvCxnSpPr>
-        <p:spPr>
-          <a:xfrm>
-            <a:off x="6138000" y="4850130"/>
-            <a:ext cx="540000" cy="0"/>
-          </a:xfrm>
-          <a:prstGeom prst="straightConnector1">
-            <a:avLst/>
-          </a:prstGeom>
-          <a:ln w="38100">
-            <a:tailEnd type="triangle"/>
-          </a:ln>
-        </p:spPr>
-        <p:style>
-          <a:lnRef idx="3">
-            <a:schemeClr val="dk1"/>
-          </a:lnRef>
-          <a:fillRef idx="0">
-            <a:schemeClr val="dk1"/>
-          </a:fillRef>
-          <a:effectRef idx="2">
-            <a:schemeClr val="dk1"/>
-          </a:effectRef>
-          <a:fontRef idx="minor">
-            <a:schemeClr val="tx1"/>
-          </a:fontRef>
-        </p:style>
-      </p:cxnSp>
-      <p:cxnSp>
-        <p:nvCxnSpPr>
-          <p:cNvPr id="38" name="Connettore 2 37">
-            <a:extLst>
-              <a:ext uri="{FF2B5EF4-FFF2-40B4-BE49-F238E27FC236}">
-                <a16:creationId xmlns:a16="http://schemas.microsoft.com/office/drawing/2014/main" id="{41ACAC45-4455-42A8-AE03-517F241A29A8}"/>
-              </a:ext>
-            </a:extLst>
-          </p:cNvPr>
-          <p:cNvCxnSpPr/>
-          <p:nvPr/>
-        </p:nvCxnSpPr>
-        <p:spPr>
-          <a:xfrm>
-            <a:off x="6138000" y="6436857"/>
-            <a:ext cx="540000" cy="0"/>
-          </a:xfrm>
-          <a:prstGeom prst="straightConnector1">
-            <a:avLst/>
-          </a:prstGeom>
-          <a:ln w="38100">
-            <a:solidFill>
-              <a:schemeClr val="dk1">
-                <a:alpha val="99000"/>
-              </a:schemeClr>
-            </a:solidFill>
-            <a:tailEnd type="triangle"/>
-          </a:ln>
-        </p:spPr>
-        <p:style>
-          <a:lnRef idx="3">
-            <a:schemeClr val="dk1"/>
-          </a:lnRef>
-          <a:fillRef idx="0">
-            <a:schemeClr val="dk1"/>
-          </a:fillRef>
-          <a:effectRef idx="2">
-            <a:schemeClr val="dk1"/>
-          </a:effectRef>
-          <a:fontRef idx="minor">
-            <a:schemeClr val="tx1"/>
-          </a:fontRef>
-        </p:style>
-      </p:cxnSp>
-    </p:spTree>
-    <p:extLst>
-      <p:ext uri="{BB962C8B-B14F-4D97-AF65-F5344CB8AC3E}">
-        <p14:creationId xmlns:p14="http://schemas.microsoft.com/office/powerpoint/2010/main" val="546057721"/>
-      </p:ext>
-    </p:extLst>
-  </p:cSld>
-  <p:clrMapOvr>
-    <a:masterClrMapping/>
-  </p:clrMapOvr>
-</p:sld>
-</file>
-
-<file path=ppt/slides/slide9.xml><?xml version="1.0" encoding="utf-8"?>
-<p:sld xmlns:a="http://schemas.openxmlformats.org/drawingml/2006/main" xmlns:r="http://schemas.openxmlformats.org/officeDocument/2006/relationships" xmlns:p="http://schemas.openxmlformats.org/presentationml/2006/main">
-  <p:cSld>
-    <p:spTree>
-      <p:nvGrpSpPr>
-        <p:cNvPr id="1" name=""/>
-        <p:cNvGrpSpPr/>
-        <p:nvPr/>
-      </p:nvGrpSpPr>
-      <p:grpSpPr>
-        <a:xfrm>
-          <a:off x="0" y="0"/>
-          <a:ext cx="0" cy="0"/>
-          <a:chOff x="0" y="0"/>
-          <a:chExt cx="0" cy="0"/>
-        </a:xfrm>
-      </p:grpSpPr>
-      <p:grpSp>
-        <p:nvGrpSpPr>
-          <p:cNvPr id="7" name="Gruppo 6">
-            <a:extLst>
-              <a:ext uri="{FF2B5EF4-FFF2-40B4-BE49-F238E27FC236}">
-                <a16:creationId xmlns:a16="http://schemas.microsoft.com/office/drawing/2014/main" id="{F7356FE6-44F9-4FC1-AF5D-2E613163D1BB}"/>
-              </a:ext>
-            </a:extLst>
-          </p:cNvPr>
-          <p:cNvGrpSpPr/>
-          <p:nvPr/>
-        </p:nvGrpSpPr>
-        <p:grpSpPr>
-          <a:xfrm>
-            <a:off x="1179871" y="2654773"/>
-            <a:ext cx="9411926" cy="1827361"/>
-            <a:chOff x="1179871" y="2654773"/>
-            <a:chExt cx="9411926" cy="1827361"/>
-          </a:xfrm>
-        </p:grpSpPr>
-        <p:grpSp>
-          <p:nvGrpSpPr>
-            <p:cNvPr id="26" name="Gruppo 25">
-              <a:extLst>
-                <a:ext uri="{FF2B5EF4-FFF2-40B4-BE49-F238E27FC236}">
-                  <a16:creationId xmlns:a16="http://schemas.microsoft.com/office/drawing/2014/main" id="{2D6810B6-2C6B-442B-93DE-4A8D29D74893}"/>
-                </a:ext>
-              </a:extLst>
-            </p:cNvPr>
-            <p:cNvGrpSpPr/>
-            <p:nvPr/>
-          </p:nvGrpSpPr>
-          <p:grpSpPr>
-            <a:xfrm>
-              <a:off x="4359964" y="2655320"/>
-              <a:ext cx="4916745" cy="1817288"/>
-              <a:chOff x="2620565" y="1451113"/>
-              <a:chExt cx="8856006" cy="3273287"/>
-            </a:xfrm>
-          </p:grpSpPr>
-          <p:sp>
-            <p:nvSpPr>
-              <p:cNvPr id="9" name="Rettangolo 8">
-                <a:extLst>
-                  <a:ext uri="{FF2B5EF4-FFF2-40B4-BE49-F238E27FC236}">
-                    <a16:creationId xmlns:a16="http://schemas.microsoft.com/office/drawing/2014/main" id="{312E38FE-114C-4538-A669-14C9E214791C}"/>
-                  </a:ext>
-                </a:extLst>
-              </p:cNvPr>
-              <p:cNvSpPr/>
-              <p:nvPr/>
-            </p:nvSpPr>
-            <p:spPr>
-              <a:xfrm>
-                <a:off x="2672866" y="1451113"/>
-                <a:ext cx="5053153" cy="3273287"/>
-              </a:xfrm>
-              <a:prstGeom prst="rect">
-                <a:avLst/>
-              </a:prstGeom>
-              <a:noFill/>
-              <a:ln>
-                <a:solidFill>
-                  <a:schemeClr val="tx1"/>
-                </a:solidFill>
-              </a:ln>
-            </p:spPr>
-            <p:style>
-              <a:lnRef idx="2">
-                <a:schemeClr val="accent1">
-                  <a:shade val="50000"/>
-                </a:schemeClr>
-              </a:lnRef>
-              <a:fillRef idx="1">
-                <a:schemeClr val="accent1"/>
-              </a:fillRef>
-              <a:effectRef idx="0">
-                <a:schemeClr val="accent1"/>
-              </a:effectRef>
-              <a:fontRef idx="minor">
-                <a:schemeClr val="lt1"/>
-              </a:fontRef>
-            </p:style>
-            <p:txBody>
-              <a:bodyPr rtlCol="0" anchor="ctr"/>
-              <a:lstStyle/>
-              <a:p>
-                <a:pPr algn="ctr"/>
-                <a:endParaRPr lang="it-IT"/>
-              </a:p>
-            </p:txBody>
-          </p:sp>
-          <p:sp>
-            <p:nvSpPr>
-              <p:cNvPr id="10" name="Rettangolo 9">
-                <a:extLst>
-                  <a:ext uri="{FF2B5EF4-FFF2-40B4-BE49-F238E27FC236}">
-                    <a16:creationId xmlns:a16="http://schemas.microsoft.com/office/drawing/2014/main" id="{3564D526-CE79-47C6-9EE5-B2FDFB221312}"/>
-                  </a:ext>
-                </a:extLst>
-              </p:cNvPr>
-              <p:cNvSpPr/>
-              <p:nvPr/>
-            </p:nvSpPr>
-            <p:spPr>
-              <a:xfrm>
-                <a:off x="7726019" y="1451113"/>
-                <a:ext cx="3273287" cy="3273287"/>
-              </a:xfrm>
-              <a:prstGeom prst="rect">
-                <a:avLst/>
-              </a:prstGeom>
-              <a:noFill/>
-              <a:ln>
-                <a:solidFill>
-                  <a:schemeClr val="tx1"/>
-                </a:solidFill>
-              </a:ln>
-            </p:spPr>
-            <p:style>
-              <a:lnRef idx="2">
-                <a:schemeClr val="accent1">
-                  <a:shade val="50000"/>
-                </a:schemeClr>
-              </a:lnRef>
-              <a:fillRef idx="1">
-                <a:schemeClr val="accent1"/>
-              </a:fillRef>
-              <a:effectRef idx="0">
-                <a:schemeClr val="accent1"/>
-              </a:effectRef>
-              <a:fontRef idx="minor">
-                <a:schemeClr val="lt1"/>
-              </a:fontRef>
-            </p:style>
-            <p:txBody>
-              <a:bodyPr rtlCol="0" anchor="ctr"/>
-              <a:lstStyle/>
-              <a:p>
-                <a:pPr algn="ctr"/>
-                <a:endParaRPr lang="it-IT"/>
-              </a:p>
-            </p:txBody>
-          </p:sp>
-          <p:sp>
-            <p:nvSpPr>
-              <p:cNvPr id="13" name="Ovale 12">
-                <a:extLst>
-                  <a:ext uri="{FF2B5EF4-FFF2-40B4-BE49-F238E27FC236}">
-                    <a16:creationId xmlns:a16="http://schemas.microsoft.com/office/drawing/2014/main" id="{219D0818-7A21-4AC2-8FDC-C4FA04185824}"/>
-                  </a:ext>
-                </a:extLst>
-              </p:cNvPr>
-              <p:cNvSpPr/>
-              <p:nvPr/>
-            </p:nvSpPr>
-            <p:spPr>
-              <a:xfrm>
-                <a:off x="7663073" y="3028126"/>
-                <a:ext cx="112641" cy="112641"/>
-              </a:xfrm>
-              <a:prstGeom prst="ellipse">
-                <a:avLst/>
-              </a:prstGeom>
-            </p:spPr>
-            <p:style>
-              <a:lnRef idx="2">
-                <a:schemeClr val="dk1">
-                  <a:shade val="50000"/>
-                </a:schemeClr>
-              </a:lnRef>
-              <a:fillRef idx="1">
-                <a:schemeClr val="dk1"/>
-              </a:fillRef>
-              <a:effectRef idx="0">
-                <a:schemeClr val="dk1"/>
-              </a:effectRef>
-              <a:fontRef idx="minor">
-                <a:schemeClr val="lt1"/>
-              </a:fontRef>
-            </p:style>
-            <p:txBody>
-              <a:bodyPr rtlCol="0" anchor="ctr"/>
-              <a:lstStyle/>
-              <a:p>
-                <a:pPr algn="ctr"/>
-                <a:endParaRPr lang="it-IT"/>
-              </a:p>
-            </p:txBody>
-          </p:sp>
-          <p:sp>
-            <p:nvSpPr>
-              <p:cNvPr id="14" name="Ovale 13">
-                <a:extLst>
-                  <a:ext uri="{FF2B5EF4-FFF2-40B4-BE49-F238E27FC236}">
-                    <a16:creationId xmlns:a16="http://schemas.microsoft.com/office/drawing/2014/main" id="{A5B7620C-0992-4847-8FD0-B2CBC7905C47}"/>
-                  </a:ext>
-                </a:extLst>
-              </p:cNvPr>
-              <p:cNvSpPr/>
-              <p:nvPr/>
-            </p:nvSpPr>
-            <p:spPr>
-              <a:xfrm>
-                <a:off x="10946298" y="3018183"/>
-                <a:ext cx="112641" cy="112641"/>
-              </a:xfrm>
-              <a:prstGeom prst="ellipse">
-                <a:avLst/>
-              </a:prstGeom>
-            </p:spPr>
-            <p:style>
-              <a:lnRef idx="2">
-                <a:schemeClr val="dk1">
-                  <a:shade val="50000"/>
-                </a:schemeClr>
-              </a:lnRef>
-              <a:fillRef idx="1">
-                <a:schemeClr val="dk1"/>
-              </a:fillRef>
-              <a:effectRef idx="0">
-                <a:schemeClr val="dk1"/>
-              </a:effectRef>
-              <a:fontRef idx="minor">
-                <a:schemeClr val="lt1"/>
-              </a:fontRef>
-            </p:style>
-            <p:txBody>
-              <a:bodyPr rtlCol="0" anchor="ctr"/>
-              <a:lstStyle/>
-              <a:p>
-                <a:pPr algn="ctr"/>
-                <a:endParaRPr lang="it-IT"/>
-              </a:p>
-            </p:txBody>
-          </p:sp>
-          <p:cxnSp>
-            <p:nvCxnSpPr>
-              <p:cNvPr id="17" name="Connettore diritto 16">
-                <a:extLst>
-                  <a:ext uri="{FF2B5EF4-FFF2-40B4-BE49-F238E27FC236}">
-                    <a16:creationId xmlns:a16="http://schemas.microsoft.com/office/drawing/2014/main" id="{45598359-11C1-4ECD-9FF4-62BC4E47D143}"/>
-                  </a:ext>
-                </a:extLst>
-              </p:cNvPr>
-              <p:cNvCxnSpPr>
-                <a:stCxn id="10" idx="0"/>
-                <a:endCxn id="10" idx="2"/>
-              </p:cNvCxnSpPr>
-              <p:nvPr/>
-            </p:nvCxnSpPr>
-            <p:spPr>
-              <a:xfrm>
-                <a:off x="9362663" y="1451113"/>
-                <a:ext cx="0" cy="3273287"/>
-              </a:xfrm>
-              <a:prstGeom prst="line">
-                <a:avLst/>
-              </a:prstGeom>
-              <a:ln>
-                <a:prstDash val="dash"/>
-              </a:ln>
-            </p:spPr>
-            <p:style>
-              <a:lnRef idx="1">
-                <a:schemeClr val="dk1"/>
-              </a:lnRef>
-              <a:fillRef idx="0">
-                <a:schemeClr val="dk1"/>
-              </a:fillRef>
-              <a:effectRef idx="0">
-                <a:schemeClr val="dk1"/>
-              </a:effectRef>
-              <a:fontRef idx="minor">
-                <a:schemeClr val="tx1"/>
-              </a:fontRef>
-            </p:style>
-          </p:cxnSp>
-          <p:sp>
-            <p:nvSpPr>
-              <p:cNvPr id="19" name="Ovale 18">
-                <a:extLst>
-                  <a:ext uri="{FF2B5EF4-FFF2-40B4-BE49-F238E27FC236}">
-                    <a16:creationId xmlns:a16="http://schemas.microsoft.com/office/drawing/2014/main" id="{700F4F3A-A90B-4D46-94FF-3EBEC6BEDFB6}"/>
-                  </a:ext>
-                </a:extLst>
-              </p:cNvPr>
-              <p:cNvSpPr/>
-              <p:nvPr/>
-            </p:nvSpPr>
-            <p:spPr>
-              <a:xfrm>
-                <a:off x="9306342" y="3028126"/>
-                <a:ext cx="112641" cy="112641"/>
-              </a:xfrm>
-              <a:prstGeom prst="ellipse">
-                <a:avLst/>
-              </a:prstGeom>
-              <a:solidFill>
-                <a:schemeClr val="bg1"/>
-              </a:solidFill>
-            </p:spPr>
-            <p:style>
-              <a:lnRef idx="2">
-                <a:schemeClr val="dk1">
-                  <a:shade val="50000"/>
-                </a:schemeClr>
-              </a:lnRef>
-              <a:fillRef idx="1">
-                <a:schemeClr val="dk1"/>
-              </a:fillRef>
-              <a:effectRef idx="0">
-                <a:schemeClr val="dk1"/>
-              </a:effectRef>
-              <a:fontRef idx="minor">
-                <a:schemeClr val="lt1"/>
-              </a:fontRef>
-            </p:style>
-            <p:txBody>
-              <a:bodyPr rtlCol="0" anchor="ctr"/>
-              <a:lstStyle/>
-              <a:p>
-                <a:pPr algn="ctr"/>
-                <a:endParaRPr lang="it-IT"/>
-              </a:p>
-            </p:txBody>
-          </p:sp>
-          <p:sp>
-            <p:nvSpPr>
-              <p:cNvPr id="21" name="CasellaDiTesto 20">
-                <a:extLst>
-                  <a:ext uri="{FF2B5EF4-FFF2-40B4-BE49-F238E27FC236}">
-                    <a16:creationId xmlns:a16="http://schemas.microsoft.com/office/drawing/2014/main" id="{4B88DD1E-A48A-4821-94F5-0CABD828575E}"/>
-                  </a:ext>
-                </a:extLst>
-              </p:cNvPr>
-              <p:cNvSpPr txBox="1"/>
-              <p:nvPr/>
-            </p:nvSpPr>
-            <p:spPr>
-              <a:xfrm>
-                <a:off x="9418984" y="2766312"/>
-                <a:ext cx="414319" cy="369333"/>
-              </a:xfrm>
-              <a:prstGeom prst="rect">
-                <a:avLst/>
-              </a:prstGeom>
-              <a:noFill/>
-            </p:spPr>
-            <p:txBody>
-              <a:bodyPr wrap="square" rtlCol="0">
-                <a:spAutoFit/>
-              </a:bodyPr>
-              <a:lstStyle/>
-              <a:p>
-                <a:r>
-                  <a:rPr lang="it-IT" dirty="0"/>
-                  <a:t>P</a:t>
-                </a:r>
-              </a:p>
-            </p:txBody>
-          </p:sp>
-          <p:sp>
-            <p:nvSpPr>
-              <p:cNvPr id="22" name="CasellaDiTesto 21">
-                <a:extLst>
-                  <a:ext uri="{FF2B5EF4-FFF2-40B4-BE49-F238E27FC236}">
-                    <a16:creationId xmlns:a16="http://schemas.microsoft.com/office/drawing/2014/main" id="{390B99AE-39E3-4CFF-A771-910832B29931}"/>
-                  </a:ext>
-                </a:extLst>
-              </p:cNvPr>
-              <p:cNvSpPr txBox="1"/>
-              <p:nvPr/>
-            </p:nvSpPr>
-            <p:spPr>
-              <a:xfrm>
-                <a:off x="11062252" y="2745724"/>
-                <a:ext cx="414319" cy="369333"/>
-              </a:xfrm>
-              <a:prstGeom prst="rect">
-                <a:avLst/>
-              </a:prstGeom>
-              <a:noFill/>
-            </p:spPr>
-            <p:txBody>
-              <a:bodyPr wrap="square" rtlCol="0">
-                <a:spAutoFit/>
-              </a:bodyPr>
-              <a:lstStyle/>
-              <a:p>
-                <a:r>
-                  <a:rPr lang="it-IT" dirty="0"/>
-                  <a:t>D</a:t>
-                </a:r>
-              </a:p>
-            </p:txBody>
-          </p:sp>
-          <p:sp>
-            <p:nvSpPr>
-              <p:cNvPr id="23" name="CasellaDiTesto 22">
-                <a:extLst>
-                  <a:ext uri="{FF2B5EF4-FFF2-40B4-BE49-F238E27FC236}">
-                    <a16:creationId xmlns:a16="http://schemas.microsoft.com/office/drawing/2014/main" id="{5E94B702-F23F-4345-8B9E-93F677ABF085}"/>
-                  </a:ext>
-                </a:extLst>
-              </p:cNvPr>
-              <p:cNvSpPr txBox="1"/>
-              <p:nvPr/>
-            </p:nvSpPr>
-            <p:spPr>
-              <a:xfrm>
-                <a:off x="7786049" y="2766312"/>
-                <a:ext cx="414319" cy="369333"/>
-              </a:xfrm>
-              <a:prstGeom prst="rect">
-                <a:avLst/>
-              </a:prstGeom>
-              <a:noFill/>
-            </p:spPr>
-            <p:txBody>
-              <a:bodyPr wrap="square" rtlCol="0">
-                <a:spAutoFit/>
-              </a:bodyPr>
-              <a:lstStyle/>
-              <a:p>
-                <a:r>
-                  <a:rPr lang="it-IT" dirty="0"/>
-                  <a:t>U</a:t>
-                </a:r>
-              </a:p>
-            </p:txBody>
-          </p:sp>
-          <p:grpSp>
-            <p:nvGrpSpPr>
-              <p:cNvPr id="25" name="Gruppo 24">
-                <a:extLst>
-                  <a:ext uri="{FF2B5EF4-FFF2-40B4-BE49-F238E27FC236}">
-                    <a16:creationId xmlns:a16="http://schemas.microsoft.com/office/drawing/2014/main" id="{DB3E1DA3-41B1-43A9-8FE5-3D6BB7B75C27}"/>
-                  </a:ext>
-                </a:extLst>
-              </p:cNvPr>
-              <p:cNvGrpSpPr/>
-              <p:nvPr/>
-            </p:nvGrpSpPr>
-            <p:grpSpPr>
-              <a:xfrm>
-                <a:off x="2620565" y="2762308"/>
-                <a:ext cx="1274924" cy="665239"/>
-                <a:chOff x="3127006" y="2762308"/>
-                <a:chExt cx="1274924" cy="665239"/>
-              </a:xfrm>
-            </p:grpSpPr>
-            <p:sp>
-              <p:nvSpPr>
-                <p:cNvPr id="12" name="Ovale 11">
-                  <a:extLst>
-                    <a:ext uri="{FF2B5EF4-FFF2-40B4-BE49-F238E27FC236}">
-                      <a16:creationId xmlns:a16="http://schemas.microsoft.com/office/drawing/2014/main" id="{6F557097-C2E0-4C4D-82E7-72FFF6D6D7D8}"/>
-                    </a:ext>
-                  </a:extLst>
-                </p:cNvPr>
-                <p:cNvSpPr/>
-                <p:nvPr/>
-              </p:nvSpPr>
-              <p:spPr>
-                <a:xfrm>
-                  <a:off x="3127006" y="3028126"/>
-                  <a:ext cx="112641" cy="112641"/>
-                </a:xfrm>
-                <a:prstGeom prst="ellipse">
-                  <a:avLst/>
-                </a:prstGeom>
-              </p:spPr>
-              <p:style>
-                <a:lnRef idx="2">
-                  <a:schemeClr val="dk1">
-                    <a:shade val="50000"/>
-                  </a:schemeClr>
-                </a:lnRef>
-                <a:fillRef idx="1">
-                  <a:schemeClr val="dk1"/>
-                </a:fillRef>
-                <a:effectRef idx="0">
-                  <a:schemeClr val="dk1"/>
-                </a:effectRef>
-                <a:fontRef idx="minor">
-                  <a:schemeClr val="lt1"/>
-                </a:fontRef>
-              </p:style>
-              <p:txBody>
-                <a:bodyPr rtlCol="0" anchor="ctr"/>
-                <a:lstStyle/>
-                <a:p>
-                  <a:pPr algn="ctr"/>
-                  <a:endParaRPr lang="it-IT"/>
-                </a:p>
-              </p:txBody>
-            </p:sp>
-            <p:sp>
-              <p:nvSpPr>
-                <p:cNvPr id="24" name="CasellaDiTesto 23">
-                  <a:extLst>
-                    <a:ext uri="{FF2B5EF4-FFF2-40B4-BE49-F238E27FC236}">
-                      <a16:creationId xmlns:a16="http://schemas.microsoft.com/office/drawing/2014/main" id="{8B7E9719-A96A-44A2-8807-F8B6E3C010F9}"/>
-                    </a:ext>
-                  </a:extLst>
-                </p:cNvPr>
-                <p:cNvSpPr txBox="1"/>
-                <p:nvPr/>
-              </p:nvSpPr>
-              <p:spPr>
-                <a:xfrm>
-                  <a:off x="3239647" y="2762308"/>
-                  <a:ext cx="1162283" cy="665239"/>
-                </a:xfrm>
-                <a:prstGeom prst="rect">
-                  <a:avLst/>
-                </a:prstGeom>
-                <a:noFill/>
-              </p:spPr>
-              <p:txBody>
-                <a:bodyPr wrap="square" rtlCol="0">
-                  <a:spAutoFit/>
-                </a:bodyPr>
-                <a:lstStyle/>
-                <a:p>
-                  <a:r>
-                    <a:rPr lang="it-IT" dirty="0"/>
-                    <a:t>UU</a:t>
-                  </a:r>
-                </a:p>
-              </p:txBody>
-            </p:sp>
-          </p:grpSp>
-        </p:grpSp>
-        <p:sp>
-          <p:nvSpPr>
-            <p:cNvPr id="27" name="Rettangolo 26">
-              <a:extLst>
-                <a:ext uri="{FF2B5EF4-FFF2-40B4-BE49-F238E27FC236}">
-                  <a16:creationId xmlns:a16="http://schemas.microsoft.com/office/drawing/2014/main" id="{C4E207F8-7247-48B6-8687-FC8A23D0F2BC}"/>
-                </a:ext>
-              </a:extLst>
-            </p:cNvPr>
-            <p:cNvSpPr/>
-            <p:nvPr/>
-          </p:nvSpPr>
-          <p:spPr>
-            <a:xfrm>
-              <a:off x="9011177" y="2655229"/>
-              <a:ext cx="1580620" cy="1817288"/>
-            </a:xfrm>
-            <a:prstGeom prst="rect">
-              <a:avLst/>
-            </a:prstGeom>
-            <a:noFill/>
-            <a:ln>
-              <a:solidFill>
-                <a:schemeClr val="tx1"/>
-              </a:solidFill>
-            </a:ln>
-          </p:spPr>
-          <p:style>
-            <a:lnRef idx="2">
-              <a:schemeClr val="accent1">
-                <a:shade val="50000"/>
-              </a:schemeClr>
-            </a:lnRef>
-            <a:fillRef idx="1">
-              <a:schemeClr val="accent1"/>
-            </a:fillRef>
-            <a:effectRef idx="0">
-              <a:schemeClr val="accent1"/>
-            </a:effectRef>
-            <a:fontRef idx="minor">
-              <a:schemeClr val="lt1"/>
-            </a:fontRef>
-          </p:style>
-          <p:txBody>
-            <a:bodyPr rtlCol="0" anchor="ctr"/>
-            <a:lstStyle/>
-            <a:p>
-              <a:pPr algn="ctr"/>
-              <a:endParaRPr lang="it-IT"/>
-            </a:p>
-          </p:txBody>
-        </p:sp>
-        <p:sp>
-          <p:nvSpPr>
-            <p:cNvPr id="54" name="Rettangolo 53">
-              <a:extLst>
-                <a:ext uri="{FF2B5EF4-FFF2-40B4-BE49-F238E27FC236}">
-                  <a16:creationId xmlns:a16="http://schemas.microsoft.com/office/drawing/2014/main" id="{B7722F5C-0907-4000-94EF-736711972E37}"/>
-                </a:ext>
-              </a:extLst>
-            </p:cNvPr>
-            <p:cNvSpPr/>
-            <p:nvPr/>
-          </p:nvSpPr>
-          <p:spPr>
-            <a:xfrm>
-              <a:off x="1179871" y="2654773"/>
-              <a:ext cx="3208252" cy="1817288"/>
-            </a:xfrm>
-            <a:prstGeom prst="rect">
-              <a:avLst/>
-            </a:prstGeom>
-            <a:noFill/>
-            <a:ln>
-              <a:solidFill>
-                <a:schemeClr val="tx1"/>
-              </a:solidFill>
-            </a:ln>
-          </p:spPr>
-          <p:style>
-            <a:lnRef idx="2">
-              <a:schemeClr val="accent1">
-                <a:shade val="50000"/>
-              </a:schemeClr>
-            </a:lnRef>
-            <a:fillRef idx="1">
-              <a:schemeClr val="accent1"/>
-            </a:fillRef>
-            <a:effectRef idx="0">
-              <a:schemeClr val="accent1"/>
-            </a:effectRef>
-            <a:fontRef idx="minor">
-              <a:schemeClr val="lt1"/>
-            </a:fontRef>
-          </p:style>
-          <p:txBody>
-            <a:bodyPr rtlCol="0" anchor="ctr"/>
-            <a:lstStyle/>
-            <a:p>
-              <a:pPr algn="ctr"/>
-              <a:endParaRPr lang="it-IT"/>
-            </a:p>
-          </p:txBody>
-        </p:sp>
-        <p:cxnSp>
-          <p:nvCxnSpPr>
-            <p:cNvPr id="55" name="Connettore diritto 54">
-              <a:extLst>
-                <a:ext uri="{FF2B5EF4-FFF2-40B4-BE49-F238E27FC236}">
-                  <a16:creationId xmlns:a16="http://schemas.microsoft.com/office/drawing/2014/main" id="{BFD9550F-99C5-4DE0-8AEB-081B6B02B879}"/>
-                </a:ext>
-              </a:extLst>
-            </p:cNvPr>
-            <p:cNvCxnSpPr/>
-            <p:nvPr/>
-          </p:nvCxnSpPr>
-          <p:spPr>
-            <a:xfrm>
-              <a:off x="9779493" y="2655321"/>
-              <a:ext cx="0" cy="1817288"/>
-            </a:xfrm>
-            <a:prstGeom prst="line">
-              <a:avLst/>
-            </a:prstGeom>
-            <a:ln>
-              <a:prstDash val="dash"/>
-            </a:ln>
-          </p:spPr>
-          <p:style>
-            <a:lnRef idx="1">
-              <a:schemeClr val="dk1"/>
-            </a:lnRef>
-            <a:fillRef idx="0">
-              <a:schemeClr val="dk1"/>
-            </a:fillRef>
-            <a:effectRef idx="0">
-              <a:schemeClr val="dk1"/>
-            </a:effectRef>
-            <a:fontRef idx="minor">
-              <a:schemeClr val="tx1"/>
-            </a:fontRef>
-          </p:style>
-        </p:cxnSp>
-        <p:cxnSp>
-          <p:nvCxnSpPr>
-            <p:cNvPr id="56" name="Connettore diritto 55">
-              <a:extLst>
-                <a:ext uri="{FF2B5EF4-FFF2-40B4-BE49-F238E27FC236}">
-                  <a16:creationId xmlns:a16="http://schemas.microsoft.com/office/drawing/2014/main" id="{E31C88BE-AA12-407F-B7D4-2FCA03388F68}"/>
-                </a:ext>
-              </a:extLst>
-            </p:cNvPr>
-            <p:cNvCxnSpPr/>
-            <p:nvPr/>
-          </p:nvCxnSpPr>
-          <p:spPr>
-            <a:xfrm>
-              <a:off x="5807568" y="2664846"/>
-              <a:ext cx="0" cy="1817288"/>
-            </a:xfrm>
-            <a:prstGeom prst="line">
-              <a:avLst/>
-            </a:prstGeom>
-            <a:ln>
-              <a:prstDash val="dash"/>
-            </a:ln>
-          </p:spPr>
-          <p:style>
-            <a:lnRef idx="1">
-              <a:schemeClr val="dk1"/>
-            </a:lnRef>
-            <a:fillRef idx="0">
-              <a:schemeClr val="dk1"/>
-            </a:fillRef>
-            <a:effectRef idx="0">
-              <a:schemeClr val="dk1"/>
-            </a:effectRef>
-            <a:fontRef idx="minor">
-              <a:schemeClr val="tx1"/>
-            </a:fontRef>
-          </p:style>
-        </p:cxnSp>
-        <p:cxnSp>
-          <p:nvCxnSpPr>
-            <p:cNvPr id="57" name="Connettore diritto 56">
-              <a:extLst>
-                <a:ext uri="{FF2B5EF4-FFF2-40B4-BE49-F238E27FC236}">
-                  <a16:creationId xmlns:a16="http://schemas.microsoft.com/office/drawing/2014/main" id="{392925C6-0169-4272-A1E1-240E38FA5B04}"/>
-                </a:ext>
-              </a:extLst>
-            </p:cNvPr>
-            <p:cNvCxnSpPr/>
-            <p:nvPr/>
-          </p:nvCxnSpPr>
-          <p:spPr>
-            <a:xfrm>
-              <a:off x="2778618" y="2655321"/>
-              <a:ext cx="0" cy="1817288"/>
-            </a:xfrm>
-            <a:prstGeom prst="line">
-              <a:avLst/>
-            </a:prstGeom>
-            <a:ln>
-              <a:prstDash val="dash"/>
-            </a:ln>
-          </p:spPr>
-          <p:style>
-            <a:lnRef idx="1">
-              <a:schemeClr val="dk1"/>
-            </a:lnRef>
-            <a:fillRef idx="0">
-              <a:schemeClr val="dk1"/>
-            </a:fillRef>
-            <a:effectRef idx="0">
-              <a:schemeClr val="dk1"/>
-            </a:effectRef>
-            <a:fontRef idx="minor">
-              <a:schemeClr val="tx1"/>
-            </a:fontRef>
-          </p:style>
-        </p:cxnSp>
-        <p:cxnSp>
-          <p:nvCxnSpPr>
-            <p:cNvPr id="58" name="Connettore 2 57">
-              <a:extLst>
-                <a:ext uri="{FF2B5EF4-FFF2-40B4-BE49-F238E27FC236}">
-                  <a16:creationId xmlns:a16="http://schemas.microsoft.com/office/drawing/2014/main" id="{1BF1AF8A-9E29-445A-9826-7557578D2527}"/>
-                </a:ext>
-              </a:extLst>
-            </p:cNvPr>
-            <p:cNvCxnSpPr>
-              <a:cxnSpLocks/>
-            </p:cNvCxnSpPr>
-            <p:nvPr/>
-          </p:nvCxnSpPr>
-          <p:spPr>
-            <a:xfrm flipV="1">
-              <a:off x="2794554" y="3830145"/>
-              <a:ext cx="3013014" cy="9126"/>
-            </a:xfrm>
-            <a:prstGeom prst="straightConnector1">
-              <a:avLst/>
-            </a:prstGeom>
-            <a:ln>
-              <a:headEnd type="triangle"/>
-              <a:tailEnd type="triangle"/>
-            </a:ln>
-          </p:spPr>
-          <p:style>
-            <a:lnRef idx="1">
-              <a:schemeClr val="dk1"/>
-            </a:lnRef>
-            <a:fillRef idx="0">
-              <a:schemeClr val="dk1"/>
-            </a:fillRef>
-            <a:effectRef idx="0">
-              <a:schemeClr val="dk1"/>
-            </a:effectRef>
-            <a:fontRef idx="minor">
-              <a:schemeClr val="tx1"/>
-            </a:fontRef>
-          </p:style>
-        </p:cxnSp>
-        <p:cxnSp>
-          <p:nvCxnSpPr>
-            <p:cNvPr id="59" name="Connettore 2 58">
-              <a:extLst>
-                <a:ext uri="{FF2B5EF4-FFF2-40B4-BE49-F238E27FC236}">
-                  <a16:creationId xmlns:a16="http://schemas.microsoft.com/office/drawing/2014/main" id="{F1D61B3E-469D-4606-87C8-7C12A70BC158}"/>
-                </a:ext>
-              </a:extLst>
-            </p:cNvPr>
-            <p:cNvCxnSpPr>
-              <a:cxnSpLocks/>
-            </p:cNvCxnSpPr>
-            <p:nvPr/>
-          </p:nvCxnSpPr>
-          <p:spPr>
-            <a:xfrm>
-              <a:off x="5807568" y="3829746"/>
-              <a:ext cx="2294964" cy="0"/>
-            </a:xfrm>
-            <a:prstGeom prst="straightConnector1">
-              <a:avLst/>
-            </a:prstGeom>
-            <a:ln>
-              <a:headEnd type="triangle"/>
-              <a:tailEnd type="triangle"/>
-            </a:ln>
-          </p:spPr>
-          <p:style>
-            <a:lnRef idx="1">
-              <a:schemeClr val="dk1"/>
-            </a:lnRef>
-            <a:fillRef idx="0">
-              <a:schemeClr val="dk1"/>
-            </a:fillRef>
-            <a:effectRef idx="0">
-              <a:schemeClr val="dk1"/>
-            </a:effectRef>
-            <a:fontRef idx="minor">
-              <a:schemeClr val="tx1"/>
-            </a:fontRef>
-          </p:style>
-        </p:cxnSp>
-        <p:cxnSp>
-          <p:nvCxnSpPr>
-            <p:cNvPr id="60" name="Connettore 2 59">
-              <a:extLst>
-                <a:ext uri="{FF2B5EF4-FFF2-40B4-BE49-F238E27FC236}">
-                  <a16:creationId xmlns:a16="http://schemas.microsoft.com/office/drawing/2014/main" id="{8FF15AE6-1DCA-48C4-A604-5BD7EB0A7E0F}"/>
-                </a:ext>
-              </a:extLst>
-            </p:cNvPr>
-            <p:cNvCxnSpPr>
-              <a:cxnSpLocks/>
-            </p:cNvCxnSpPr>
-            <p:nvPr/>
-          </p:nvCxnSpPr>
-          <p:spPr>
-            <a:xfrm>
-              <a:off x="8105608" y="3827598"/>
-              <a:ext cx="1673885" cy="0"/>
-            </a:xfrm>
-            <a:prstGeom prst="straightConnector1">
-              <a:avLst/>
-            </a:prstGeom>
-            <a:ln>
-              <a:headEnd type="triangle"/>
-              <a:tailEnd type="triangle"/>
-            </a:ln>
-          </p:spPr>
-          <p:style>
-            <a:lnRef idx="1">
-              <a:schemeClr val="dk1"/>
-            </a:lnRef>
-            <a:fillRef idx="0">
-              <a:schemeClr val="dk1"/>
-            </a:fillRef>
-            <a:effectRef idx="0">
-              <a:schemeClr val="dk1"/>
-            </a:effectRef>
-            <a:fontRef idx="minor">
-              <a:schemeClr val="tx1"/>
-            </a:fontRef>
-          </p:style>
-        </p:cxnSp>
-        <p:sp>
-          <p:nvSpPr>
-            <p:cNvPr id="61" name="CasellaDiTesto 60">
-              <a:extLst>
-                <a:ext uri="{FF2B5EF4-FFF2-40B4-BE49-F238E27FC236}">
-                  <a16:creationId xmlns:a16="http://schemas.microsoft.com/office/drawing/2014/main" id="{AD0522D1-1366-44F4-B509-7A0CFAF99C28}"/>
-                </a:ext>
-              </a:extLst>
-            </p:cNvPr>
-            <p:cNvSpPr txBox="1"/>
-            <p:nvPr/>
-          </p:nvSpPr>
-          <p:spPr>
-            <a:xfrm>
-              <a:off x="3839237" y="3792560"/>
-              <a:ext cx="1111348" cy="369332"/>
-            </a:xfrm>
-            <a:prstGeom prst="rect">
-              <a:avLst/>
-            </a:prstGeom>
-            <a:noFill/>
-          </p:spPr>
-          <p:txBody>
-            <a:bodyPr wrap="square" rtlCol="0">
-              <a:spAutoFit/>
-            </a:bodyPr>
-            <a:lstStyle/>
-            <a:p>
-              <a:r>
-                <a:rPr lang="el-GR" i="1" dirty="0"/>
-                <a:t>Δ</a:t>
-              </a:r>
-              <a:r>
-                <a:rPr lang="it-IT" i="1" dirty="0"/>
-                <a:t>x</a:t>
-              </a:r>
-              <a:r>
-                <a:rPr lang="it-IT" baseline="-25000" dirty="0"/>
-                <a:t>UU</a:t>
-              </a:r>
-            </a:p>
-          </p:txBody>
-        </p:sp>
-        <p:sp>
-          <p:nvSpPr>
-            <p:cNvPr id="63" name="CasellaDiTesto 62">
-              <a:extLst>
-                <a:ext uri="{FF2B5EF4-FFF2-40B4-BE49-F238E27FC236}">
-                  <a16:creationId xmlns:a16="http://schemas.microsoft.com/office/drawing/2014/main" id="{3203C033-55E8-4925-9767-18AA772D327D}"/>
-                </a:ext>
-              </a:extLst>
-            </p:cNvPr>
-            <p:cNvSpPr txBox="1"/>
-            <p:nvPr/>
-          </p:nvSpPr>
-          <p:spPr>
-            <a:xfrm>
-              <a:off x="6761886" y="3752519"/>
-              <a:ext cx="1111348" cy="369332"/>
-            </a:xfrm>
-            <a:prstGeom prst="rect">
-              <a:avLst/>
-            </a:prstGeom>
-            <a:noFill/>
-          </p:spPr>
-          <p:txBody>
-            <a:bodyPr wrap="square" rtlCol="0">
-              <a:spAutoFit/>
-            </a:bodyPr>
-            <a:lstStyle/>
-            <a:p>
-              <a:r>
-                <a:rPr lang="el-GR" i="1" dirty="0"/>
-                <a:t>Δ</a:t>
-              </a:r>
-              <a:r>
-                <a:rPr lang="it-IT" i="1" dirty="0"/>
-                <a:t>x</a:t>
-              </a:r>
-              <a:r>
-                <a:rPr lang="it-IT" baseline="-25000" dirty="0"/>
-                <a:t>U</a:t>
-              </a:r>
-            </a:p>
-          </p:txBody>
-        </p:sp>
-        <p:sp>
-          <p:nvSpPr>
-            <p:cNvPr id="64" name="CasellaDiTesto 63">
-              <a:extLst>
-                <a:ext uri="{FF2B5EF4-FFF2-40B4-BE49-F238E27FC236}">
-                  <a16:creationId xmlns:a16="http://schemas.microsoft.com/office/drawing/2014/main" id="{573E0CC8-28BB-4598-A02A-E7CB7DD87C39}"/>
-                </a:ext>
-              </a:extLst>
-            </p:cNvPr>
-            <p:cNvSpPr txBox="1"/>
-            <p:nvPr/>
-          </p:nvSpPr>
-          <p:spPr>
-            <a:xfrm>
-              <a:off x="8589891" y="3747928"/>
-              <a:ext cx="572329" cy="369332"/>
-            </a:xfrm>
-            <a:prstGeom prst="rect">
-              <a:avLst/>
-            </a:prstGeom>
-            <a:noFill/>
-          </p:spPr>
-          <p:txBody>
-            <a:bodyPr wrap="square" rtlCol="0">
-              <a:spAutoFit/>
-            </a:bodyPr>
-            <a:lstStyle/>
-            <a:p>
-              <a:r>
-                <a:rPr lang="el-GR" i="1" dirty="0"/>
-                <a:t>Δ</a:t>
-              </a:r>
-              <a:r>
-                <a:rPr lang="it-IT" i="1" dirty="0"/>
-                <a:t>x</a:t>
-              </a:r>
-              <a:r>
-                <a:rPr lang="it-IT" baseline="-25000" dirty="0"/>
-                <a:t>D</a:t>
-              </a:r>
-            </a:p>
-          </p:txBody>
-        </p:sp>
-        <p:sp>
-          <p:nvSpPr>
-            <p:cNvPr id="65" name="Ovale 64">
-              <a:extLst>
-                <a:ext uri="{FF2B5EF4-FFF2-40B4-BE49-F238E27FC236}">
-                  <a16:creationId xmlns:a16="http://schemas.microsoft.com/office/drawing/2014/main" id="{00E6A5DC-8499-4328-8374-2271D228DE7B}"/>
-                </a:ext>
-              </a:extLst>
-            </p:cNvPr>
-            <p:cNvSpPr/>
-            <p:nvPr/>
-          </p:nvSpPr>
-          <p:spPr>
-            <a:xfrm>
-              <a:off x="9747828" y="3520829"/>
-              <a:ext cx="62537" cy="62537"/>
-            </a:xfrm>
-            <a:prstGeom prst="ellipse">
-              <a:avLst/>
-            </a:prstGeom>
-            <a:solidFill>
-              <a:schemeClr val="bg1"/>
-            </a:solidFill>
-          </p:spPr>
-          <p:style>
-            <a:lnRef idx="2">
-              <a:schemeClr val="dk1">
-                <a:shade val="50000"/>
-              </a:schemeClr>
-            </a:lnRef>
-            <a:fillRef idx="1">
-              <a:schemeClr val="dk1"/>
-            </a:fillRef>
-            <a:effectRef idx="0">
-              <a:schemeClr val="dk1"/>
-            </a:effectRef>
-            <a:fontRef idx="minor">
-              <a:schemeClr val="lt1"/>
-            </a:fontRef>
-          </p:style>
-          <p:txBody>
-            <a:bodyPr rtlCol="0" anchor="ctr"/>
-            <a:lstStyle/>
-            <a:p>
-              <a:pPr algn="ctr"/>
-              <a:endParaRPr lang="it-IT"/>
-            </a:p>
-          </p:txBody>
-        </p:sp>
-        <p:sp>
-          <p:nvSpPr>
-            <p:cNvPr id="66" name="Ovale 65">
-              <a:extLst>
-                <a:ext uri="{FF2B5EF4-FFF2-40B4-BE49-F238E27FC236}">
-                  <a16:creationId xmlns:a16="http://schemas.microsoft.com/office/drawing/2014/main" id="{DAC0E079-3F69-4971-8157-68522F255226}"/>
-                </a:ext>
-              </a:extLst>
-            </p:cNvPr>
-            <p:cNvSpPr/>
-            <p:nvPr/>
-          </p:nvSpPr>
-          <p:spPr>
-            <a:xfrm>
-              <a:off x="5779742" y="3543914"/>
-              <a:ext cx="62537" cy="62537"/>
-            </a:xfrm>
-            <a:prstGeom prst="ellipse">
-              <a:avLst/>
-            </a:prstGeom>
-            <a:solidFill>
-              <a:schemeClr val="bg1"/>
-            </a:solidFill>
-          </p:spPr>
-          <p:style>
-            <a:lnRef idx="2">
-              <a:schemeClr val="dk1">
-                <a:shade val="50000"/>
-              </a:schemeClr>
-            </a:lnRef>
-            <a:fillRef idx="1">
-              <a:schemeClr val="dk1"/>
-            </a:fillRef>
-            <a:effectRef idx="0">
-              <a:schemeClr val="dk1"/>
-            </a:effectRef>
-            <a:fontRef idx="minor">
-              <a:schemeClr val="lt1"/>
-            </a:fontRef>
-          </p:style>
-          <p:txBody>
-            <a:bodyPr rtlCol="0" anchor="ctr"/>
-            <a:lstStyle/>
-            <a:p>
-              <a:pPr algn="ctr"/>
-              <a:endParaRPr lang="it-IT"/>
-            </a:p>
-          </p:txBody>
-        </p:sp>
-        <p:sp>
-          <p:nvSpPr>
-            <p:cNvPr id="67" name="Ovale 66">
-              <a:extLst>
-                <a:ext uri="{FF2B5EF4-FFF2-40B4-BE49-F238E27FC236}">
-                  <a16:creationId xmlns:a16="http://schemas.microsoft.com/office/drawing/2014/main" id="{6FD7D677-7989-4C4C-8999-B8571520DFC5}"/>
-                </a:ext>
-              </a:extLst>
-            </p:cNvPr>
-            <p:cNvSpPr/>
-            <p:nvPr/>
-          </p:nvSpPr>
-          <p:spPr>
-            <a:xfrm>
-              <a:off x="2749146" y="3550957"/>
-              <a:ext cx="62537" cy="62537"/>
-            </a:xfrm>
-            <a:prstGeom prst="ellipse">
-              <a:avLst/>
-            </a:prstGeom>
-            <a:solidFill>
-              <a:schemeClr val="bg1"/>
-            </a:solidFill>
-          </p:spPr>
-          <p:style>
-            <a:lnRef idx="2">
-              <a:schemeClr val="dk1">
-                <a:shade val="50000"/>
-              </a:schemeClr>
-            </a:lnRef>
-            <a:fillRef idx="1">
-              <a:schemeClr val="dk1"/>
-            </a:fillRef>
-            <a:effectRef idx="0">
-              <a:schemeClr val="dk1"/>
-            </a:effectRef>
-            <a:fontRef idx="minor">
-              <a:schemeClr val="lt1"/>
-            </a:fontRef>
-          </p:style>
-          <p:txBody>
-            <a:bodyPr rtlCol="0" anchor="ctr"/>
-            <a:lstStyle/>
-            <a:p>
-              <a:pPr algn="ctr"/>
-              <a:endParaRPr lang="it-IT"/>
-            </a:p>
-          </p:txBody>
-        </p:sp>
-      </p:grpSp>
-      <p:sp>
-        <p:nvSpPr>
-          <p:cNvPr id="68" name="Ovale 67">
-            <a:extLst>
-              <a:ext uri="{FF2B5EF4-FFF2-40B4-BE49-F238E27FC236}">
-                <a16:creationId xmlns:a16="http://schemas.microsoft.com/office/drawing/2014/main" id="{3714F538-704C-49DC-8823-AA3DA4D4C5CA}"/>
-              </a:ext>
-            </a:extLst>
-          </p:cNvPr>
-          <p:cNvSpPr/>
-          <p:nvPr/>
-        </p:nvSpPr>
-        <p:spPr>
-          <a:xfrm>
-            <a:off x="3791544" y="4676037"/>
-            <a:ext cx="62537" cy="62537"/>
-          </a:xfrm>
-          <a:prstGeom prst="ellipse">
-            <a:avLst/>
-          </a:prstGeom>
-          <a:solidFill>
-            <a:schemeClr val="bg1"/>
-          </a:solidFill>
-        </p:spPr>
-        <p:style>
-          <a:lnRef idx="2">
-            <a:schemeClr val="dk1">
-              <a:shade val="50000"/>
-            </a:schemeClr>
-          </a:lnRef>
-          <a:fillRef idx="1">
-            <a:schemeClr val="dk1"/>
-          </a:fillRef>
-          <a:effectRef idx="0">
-            <a:schemeClr val="dk1"/>
-          </a:effectRef>
-          <a:fontRef idx="minor">
-            <a:schemeClr val="lt1"/>
-          </a:fontRef>
-        </p:style>
-        <p:txBody>
-          <a:bodyPr rtlCol="0" anchor="ctr"/>
-          <a:lstStyle/>
-          <a:p>
-            <a:pPr algn="ctr"/>
-            <a:endParaRPr lang="it-IT"/>
-          </a:p>
-        </p:txBody>
-      </p:sp>
-      <p:sp>
-        <p:nvSpPr>
-          <p:cNvPr id="69" name="Ovale 68">
-            <a:extLst>
-              <a:ext uri="{FF2B5EF4-FFF2-40B4-BE49-F238E27FC236}">
-                <a16:creationId xmlns:a16="http://schemas.microsoft.com/office/drawing/2014/main" id="{B40A95A7-DF1C-46C3-9F76-611DCBF90543}"/>
-              </a:ext>
-            </a:extLst>
-          </p:cNvPr>
-          <p:cNvSpPr/>
-          <p:nvPr/>
-        </p:nvSpPr>
-        <p:spPr>
-          <a:xfrm>
-            <a:off x="7311902" y="4676039"/>
-            <a:ext cx="62537" cy="62537"/>
-          </a:xfrm>
-          <a:prstGeom prst="ellipse">
-            <a:avLst/>
-          </a:prstGeom>
-        </p:spPr>
-        <p:style>
-          <a:lnRef idx="2">
-            <a:schemeClr val="dk1">
-              <a:shade val="50000"/>
-            </a:schemeClr>
-          </a:lnRef>
-          <a:fillRef idx="1">
-            <a:schemeClr val="dk1"/>
-          </a:fillRef>
-          <a:effectRef idx="0">
-            <a:schemeClr val="dk1"/>
-          </a:effectRef>
-          <a:fontRef idx="minor">
-            <a:schemeClr val="lt1"/>
-          </a:fontRef>
-        </p:style>
-        <p:txBody>
-          <a:bodyPr rtlCol="0" anchor="ctr"/>
-          <a:lstStyle/>
-          <a:p>
-            <a:pPr algn="ctr"/>
-            <a:endParaRPr lang="it-IT"/>
-          </a:p>
-        </p:txBody>
-      </p:sp>
-      <p:sp>
-        <p:nvSpPr>
-          <p:cNvPr id="8" name="CasellaDiTesto 7">
-            <a:extLst>
-              <a:ext uri="{FF2B5EF4-FFF2-40B4-BE49-F238E27FC236}">
-                <a16:creationId xmlns:a16="http://schemas.microsoft.com/office/drawing/2014/main" id="{96172DAC-FAE9-459C-BDA5-AE978FEEB41A}"/>
-              </a:ext>
-            </a:extLst>
-          </p:cNvPr>
-          <p:cNvSpPr txBox="1"/>
-          <p:nvPr/>
-        </p:nvSpPr>
-        <p:spPr>
-          <a:xfrm>
-            <a:off x="3826362" y="4549152"/>
-            <a:ext cx="2403566" cy="307777"/>
-          </a:xfrm>
-          <a:prstGeom prst="rect">
-            <a:avLst/>
-          </a:prstGeom>
-          <a:noFill/>
-        </p:spPr>
-        <p:txBody>
-          <a:bodyPr wrap="square" rtlCol="0">
-            <a:spAutoFit/>
-          </a:bodyPr>
-          <a:lstStyle/>
-          <a:p>
-            <a:r>
-              <a:rPr lang="it-IT" sz="1400" dirty="0"/>
-              <a:t>Cell centred variables</a:t>
-            </a:r>
-          </a:p>
-        </p:txBody>
-      </p:sp>
-      <p:sp>
-        <p:nvSpPr>
-          <p:cNvPr id="71" name="CasellaDiTesto 70">
-            <a:extLst>
-              <a:ext uri="{FF2B5EF4-FFF2-40B4-BE49-F238E27FC236}">
-                <a16:creationId xmlns:a16="http://schemas.microsoft.com/office/drawing/2014/main" id="{60EED823-34AE-45CE-8DFF-C6810A881D59}"/>
-              </a:ext>
-            </a:extLst>
-          </p:cNvPr>
-          <p:cNvSpPr txBox="1"/>
-          <p:nvPr/>
-        </p:nvSpPr>
-        <p:spPr>
-          <a:xfrm>
-            <a:off x="7357698" y="4544798"/>
-            <a:ext cx="2403566" cy="307777"/>
-          </a:xfrm>
-          <a:prstGeom prst="rect">
-            <a:avLst/>
-          </a:prstGeom>
-          <a:noFill/>
-        </p:spPr>
-        <p:txBody>
-          <a:bodyPr wrap="square" rtlCol="0">
-            <a:spAutoFit/>
-          </a:bodyPr>
-          <a:lstStyle/>
-          <a:p>
-            <a:r>
-              <a:rPr lang="it-IT" sz="1400" dirty="0"/>
-              <a:t>Face variables</a:t>
-            </a:r>
-          </a:p>
-        </p:txBody>
-      </p:sp>
-    </p:spTree>
-    <p:extLst>
-      <p:ext uri="{BB962C8B-B14F-4D97-AF65-F5344CB8AC3E}">
-        <p14:creationId xmlns:p14="http://schemas.microsoft.com/office/powerpoint/2010/main" val="452062570"/>
       </p:ext>
     </p:extLst>
   </p:cSld>

--- a/img/celle.pptx
+++ b/img/celle.pptx
@@ -6,7 +6,7 @@
     <p:sldMasterId id="2147483660" r:id="rId2"/>
   </p:sldMasterIdLst>
   <p:notesMasterIdLst>
-    <p:notesMasterId r:id="rId35"/>
+    <p:notesMasterId r:id="rId36"/>
   </p:notesMasterIdLst>
   <p:sldIdLst>
     <p:sldId id="256" r:id="rId3"/>
@@ -27,20 +27,21 @@
     <p:sldId id="262" r:id="rId18"/>
     <p:sldId id="287" r:id="rId19"/>
     <p:sldId id="263" r:id="rId20"/>
-    <p:sldId id="283" r:id="rId21"/>
-    <p:sldId id="265" r:id="rId22"/>
-    <p:sldId id="266" r:id="rId23"/>
-    <p:sldId id="270" r:id="rId24"/>
-    <p:sldId id="271" r:id="rId25"/>
-    <p:sldId id="267" r:id="rId26"/>
-    <p:sldId id="278" r:id="rId27"/>
-    <p:sldId id="279" r:id="rId28"/>
-    <p:sldId id="277" r:id="rId29"/>
-    <p:sldId id="272" r:id="rId30"/>
-    <p:sldId id="275" r:id="rId31"/>
-    <p:sldId id="276" r:id="rId32"/>
-    <p:sldId id="274" r:id="rId33"/>
-    <p:sldId id="280" r:id="rId34"/>
+    <p:sldId id="291" r:id="rId21"/>
+    <p:sldId id="283" r:id="rId22"/>
+    <p:sldId id="265" r:id="rId23"/>
+    <p:sldId id="266" r:id="rId24"/>
+    <p:sldId id="270" r:id="rId25"/>
+    <p:sldId id="271" r:id="rId26"/>
+    <p:sldId id="267" r:id="rId27"/>
+    <p:sldId id="278" r:id="rId28"/>
+    <p:sldId id="279" r:id="rId29"/>
+    <p:sldId id="277" r:id="rId30"/>
+    <p:sldId id="272" r:id="rId31"/>
+    <p:sldId id="275" r:id="rId32"/>
+    <p:sldId id="276" r:id="rId33"/>
+    <p:sldId id="274" r:id="rId34"/>
+    <p:sldId id="280" r:id="rId35"/>
   </p:sldIdLst>
   <p:sldSz cx="12192000" cy="6858000"/>
   <p:notesSz cx="6858000" cy="9144000"/>
@@ -229,7 +230,7 @@
           <a:p>
             <a:fld id="{76BCBF0C-CE44-499E-BCEB-7948FB131314}" type="datetimeFigureOut">
               <a:rPr lang="it-IT" smtClean="0"/>
-              <a:t>27/03/2019</a:t>
+              <a:t>11/04/2019</a:t>
             </a:fld>
             <a:endParaRPr lang="it-IT"/>
           </a:p>
@@ -643,7 +644,7 @@
           <a:p>
             <a:fld id="{73B341DB-7226-48ED-93C6-4CA0570B6B59}" type="datetimeFigureOut">
               <a:rPr lang="it-IT" smtClean="0"/>
-              <a:t>27/03/2019</a:t>
+              <a:t>11/04/2019</a:t>
             </a:fld>
             <a:endParaRPr lang="it-IT"/>
           </a:p>
@@ -841,7 +842,7 @@
           <a:p>
             <a:fld id="{73B341DB-7226-48ED-93C6-4CA0570B6B59}" type="datetimeFigureOut">
               <a:rPr lang="it-IT" smtClean="0"/>
-              <a:t>27/03/2019</a:t>
+              <a:t>11/04/2019</a:t>
             </a:fld>
             <a:endParaRPr lang="it-IT"/>
           </a:p>
@@ -1049,7 +1050,7 @@
           <a:p>
             <a:fld id="{73B341DB-7226-48ED-93C6-4CA0570B6B59}" type="datetimeFigureOut">
               <a:rPr lang="it-IT" smtClean="0"/>
-              <a:t>27/03/2019</a:t>
+              <a:t>11/04/2019</a:t>
             </a:fld>
             <a:endParaRPr lang="it-IT"/>
           </a:p>
@@ -1269,7 +1270,7 @@
           <a:p>
             <a:fld id="{6A95F648-2F94-41D1-A59D-39CB3696F9AB}" type="datetimeFigureOut">
               <a:rPr lang="it-IT" smtClean="0"/>
-              <a:t>27/03/2019</a:t>
+              <a:t>11/04/2019</a:t>
             </a:fld>
             <a:endParaRPr lang="it-IT"/>
           </a:p>
@@ -1467,7 +1468,7 @@
           <a:p>
             <a:fld id="{6A95F648-2F94-41D1-A59D-39CB3696F9AB}" type="datetimeFigureOut">
               <a:rPr lang="it-IT" smtClean="0"/>
-              <a:t>27/03/2019</a:t>
+              <a:t>11/04/2019</a:t>
             </a:fld>
             <a:endParaRPr lang="it-IT"/>
           </a:p>
@@ -1742,7 +1743,7 @@
           <a:p>
             <a:fld id="{6A95F648-2F94-41D1-A59D-39CB3696F9AB}" type="datetimeFigureOut">
               <a:rPr lang="it-IT" smtClean="0"/>
-              <a:t>27/03/2019</a:t>
+              <a:t>11/04/2019</a:t>
             </a:fld>
             <a:endParaRPr lang="it-IT"/>
           </a:p>
@@ -2007,7 +2008,7 @@
           <a:p>
             <a:fld id="{6A95F648-2F94-41D1-A59D-39CB3696F9AB}" type="datetimeFigureOut">
               <a:rPr lang="it-IT" smtClean="0"/>
-              <a:t>27/03/2019</a:t>
+              <a:t>11/04/2019</a:t>
             </a:fld>
             <a:endParaRPr lang="it-IT"/>
           </a:p>
@@ -2419,7 +2420,7 @@
           <a:p>
             <a:fld id="{6A95F648-2F94-41D1-A59D-39CB3696F9AB}" type="datetimeFigureOut">
               <a:rPr lang="it-IT" smtClean="0"/>
-              <a:t>27/03/2019</a:t>
+              <a:t>11/04/2019</a:t>
             </a:fld>
             <a:endParaRPr lang="it-IT"/>
           </a:p>
@@ -2560,7 +2561,7 @@
           <a:p>
             <a:fld id="{6A95F648-2F94-41D1-A59D-39CB3696F9AB}" type="datetimeFigureOut">
               <a:rPr lang="it-IT" smtClean="0"/>
-              <a:t>27/03/2019</a:t>
+              <a:t>11/04/2019</a:t>
             </a:fld>
             <a:endParaRPr lang="it-IT"/>
           </a:p>
@@ -2673,7 +2674,7 @@
           <a:p>
             <a:fld id="{6A95F648-2F94-41D1-A59D-39CB3696F9AB}" type="datetimeFigureOut">
               <a:rPr lang="it-IT" smtClean="0"/>
-              <a:t>27/03/2019</a:t>
+              <a:t>11/04/2019</a:t>
             </a:fld>
             <a:endParaRPr lang="it-IT"/>
           </a:p>
@@ -2984,7 +2985,7 @@
           <a:p>
             <a:fld id="{6A95F648-2F94-41D1-A59D-39CB3696F9AB}" type="datetimeFigureOut">
               <a:rPr lang="it-IT" smtClean="0"/>
-              <a:t>27/03/2019</a:t>
+              <a:t>11/04/2019</a:t>
             </a:fld>
             <a:endParaRPr lang="it-IT"/>
           </a:p>
@@ -3182,7 +3183,7 @@
           <a:p>
             <a:fld id="{73B341DB-7226-48ED-93C6-4CA0570B6B59}" type="datetimeFigureOut">
               <a:rPr lang="it-IT" smtClean="0"/>
-              <a:t>27/03/2019</a:t>
+              <a:t>11/04/2019</a:t>
             </a:fld>
             <a:endParaRPr lang="it-IT"/>
           </a:p>
@@ -3470,7 +3471,7 @@
           <a:p>
             <a:fld id="{6A95F648-2F94-41D1-A59D-39CB3696F9AB}" type="datetimeFigureOut">
               <a:rPr lang="it-IT" smtClean="0"/>
-              <a:t>27/03/2019</a:t>
+              <a:t>11/04/2019</a:t>
             </a:fld>
             <a:endParaRPr lang="it-IT"/>
           </a:p>
@@ -3668,7 +3669,7 @@
           <a:p>
             <a:fld id="{6A95F648-2F94-41D1-A59D-39CB3696F9AB}" type="datetimeFigureOut">
               <a:rPr lang="it-IT" smtClean="0"/>
-              <a:t>27/03/2019</a:t>
+              <a:t>11/04/2019</a:t>
             </a:fld>
             <a:endParaRPr lang="it-IT"/>
           </a:p>
@@ -3876,7 +3877,7 @@
           <a:p>
             <a:fld id="{6A95F648-2F94-41D1-A59D-39CB3696F9AB}" type="datetimeFigureOut">
               <a:rPr lang="it-IT" smtClean="0"/>
-              <a:t>27/03/2019</a:t>
+              <a:t>11/04/2019</a:t>
             </a:fld>
             <a:endParaRPr lang="it-IT"/>
           </a:p>
@@ -4151,7 +4152,7 @@
           <a:p>
             <a:fld id="{73B341DB-7226-48ED-93C6-4CA0570B6B59}" type="datetimeFigureOut">
               <a:rPr lang="it-IT" smtClean="0"/>
-              <a:t>27/03/2019</a:t>
+              <a:t>11/04/2019</a:t>
             </a:fld>
             <a:endParaRPr lang="it-IT"/>
           </a:p>
@@ -4416,7 +4417,7 @@
           <a:p>
             <a:fld id="{73B341DB-7226-48ED-93C6-4CA0570B6B59}" type="datetimeFigureOut">
               <a:rPr lang="it-IT" smtClean="0"/>
-              <a:t>27/03/2019</a:t>
+              <a:t>11/04/2019</a:t>
             </a:fld>
             <a:endParaRPr lang="it-IT"/>
           </a:p>
@@ -4828,7 +4829,7 @@
           <a:p>
             <a:fld id="{73B341DB-7226-48ED-93C6-4CA0570B6B59}" type="datetimeFigureOut">
               <a:rPr lang="it-IT" smtClean="0"/>
-              <a:t>27/03/2019</a:t>
+              <a:t>11/04/2019</a:t>
             </a:fld>
             <a:endParaRPr lang="it-IT"/>
           </a:p>
@@ -4969,7 +4970,7 @@
           <a:p>
             <a:fld id="{73B341DB-7226-48ED-93C6-4CA0570B6B59}" type="datetimeFigureOut">
               <a:rPr lang="it-IT" smtClean="0"/>
-              <a:t>27/03/2019</a:t>
+              <a:t>11/04/2019</a:t>
             </a:fld>
             <a:endParaRPr lang="it-IT"/>
           </a:p>
@@ -5082,7 +5083,7 @@
           <a:p>
             <a:fld id="{73B341DB-7226-48ED-93C6-4CA0570B6B59}" type="datetimeFigureOut">
               <a:rPr lang="it-IT" smtClean="0"/>
-              <a:t>27/03/2019</a:t>
+              <a:t>11/04/2019</a:t>
             </a:fld>
             <a:endParaRPr lang="it-IT"/>
           </a:p>
@@ -5393,7 +5394,7 @@
           <a:p>
             <a:fld id="{73B341DB-7226-48ED-93C6-4CA0570B6B59}" type="datetimeFigureOut">
               <a:rPr lang="it-IT" smtClean="0"/>
-              <a:t>27/03/2019</a:t>
+              <a:t>11/04/2019</a:t>
             </a:fld>
             <a:endParaRPr lang="it-IT"/>
           </a:p>
@@ -5681,7 +5682,7 @@
           <a:p>
             <a:fld id="{73B341DB-7226-48ED-93C6-4CA0570B6B59}" type="datetimeFigureOut">
               <a:rPr lang="it-IT" smtClean="0"/>
-              <a:t>27/03/2019</a:t>
+              <a:t>11/04/2019</a:t>
             </a:fld>
             <a:endParaRPr lang="it-IT"/>
           </a:p>
@@ -5922,7 +5923,7 @@
           <a:p>
             <a:fld id="{73B341DB-7226-48ED-93C6-4CA0570B6B59}" type="datetimeFigureOut">
               <a:rPr lang="it-IT" smtClean="0"/>
-              <a:t>27/03/2019</a:t>
+              <a:t>11/04/2019</a:t>
             </a:fld>
             <a:endParaRPr lang="it-IT"/>
           </a:p>
@@ -6490,7 +6491,7 @@
           <a:p>
             <a:fld id="{6A95F648-2F94-41D1-A59D-39CB3696F9AB}" type="datetimeFigureOut">
               <a:rPr lang="it-IT" smtClean="0"/>
-              <a:t>27/03/2019</a:t>
+              <a:t>11/04/2019</a:t>
             </a:fld>
             <a:endParaRPr lang="it-IT"/>
           </a:p>
@@ -23974,6 +23975,3144 @@
           <a:chExt cx="0" cy="0"/>
         </a:xfrm>
       </p:grpSpPr>
+      <p:sp>
+        <p:nvSpPr>
+          <p:cNvPr id="60" name="Rettangolo 59">
+            <a:extLst>
+              <a:ext uri="{FF2B5EF4-FFF2-40B4-BE49-F238E27FC236}">
+                <a16:creationId xmlns:a16="http://schemas.microsoft.com/office/drawing/2014/main" id="{38799141-2FBA-45CF-B5F7-811DB761CE67}"/>
+              </a:ext>
+            </a:extLst>
+          </p:cNvPr>
+          <p:cNvSpPr/>
+          <p:nvPr/>
+        </p:nvSpPr>
+        <p:spPr>
+          <a:xfrm>
+            <a:off x="4320000" y="2304000"/>
+            <a:ext cx="3240000" cy="324000"/>
+          </a:xfrm>
+          <a:prstGeom prst="rect">
+            <a:avLst/>
+          </a:prstGeom>
+          <a:solidFill>
+            <a:schemeClr val="accent4">
+              <a:lumMod val="20000"/>
+              <a:lumOff val="80000"/>
+            </a:schemeClr>
+          </a:solidFill>
+          <a:ln>
+            <a:noFill/>
+          </a:ln>
+        </p:spPr>
+        <p:style>
+          <a:lnRef idx="2">
+            <a:schemeClr val="accent1">
+              <a:shade val="50000"/>
+            </a:schemeClr>
+          </a:lnRef>
+          <a:fillRef idx="1">
+            <a:schemeClr val="accent1"/>
+          </a:fillRef>
+          <a:effectRef idx="0">
+            <a:schemeClr val="accent1"/>
+          </a:effectRef>
+          <a:fontRef idx="minor">
+            <a:schemeClr val="lt1"/>
+          </a:fontRef>
+        </p:style>
+        <p:txBody>
+          <a:bodyPr rtlCol="0" anchor="ctr"/>
+          <a:lstStyle/>
+          <a:p>
+            <a:pPr algn="ctr"/>
+            <a:endParaRPr lang="it-IT"/>
+          </a:p>
+        </p:txBody>
+      </p:sp>
+      <p:sp>
+        <p:nvSpPr>
+          <p:cNvPr id="59" name="Rettangolo 58">
+            <a:extLst>
+              <a:ext uri="{FF2B5EF4-FFF2-40B4-BE49-F238E27FC236}">
+                <a16:creationId xmlns:a16="http://schemas.microsoft.com/office/drawing/2014/main" id="{2545A873-9C45-45AD-B14A-E7D27557DA08}"/>
+              </a:ext>
+            </a:extLst>
+          </p:cNvPr>
+          <p:cNvSpPr/>
+          <p:nvPr/>
+        </p:nvSpPr>
+        <p:spPr>
+          <a:xfrm>
+            <a:off x="7560000" y="2304000"/>
+            <a:ext cx="1620000" cy="324000"/>
+          </a:xfrm>
+          <a:prstGeom prst="rect">
+            <a:avLst/>
+          </a:prstGeom>
+          <a:solidFill>
+            <a:schemeClr val="accent1">
+              <a:lumMod val="20000"/>
+              <a:lumOff val="80000"/>
+            </a:schemeClr>
+          </a:solidFill>
+          <a:ln>
+            <a:solidFill>
+              <a:schemeClr val="accent1">
+                <a:lumMod val="20000"/>
+                <a:lumOff val="80000"/>
+              </a:schemeClr>
+            </a:solidFill>
+          </a:ln>
+        </p:spPr>
+        <p:style>
+          <a:lnRef idx="2">
+            <a:schemeClr val="accent1">
+              <a:shade val="50000"/>
+            </a:schemeClr>
+          </a:lnRef>
+          <a:fillRef idx="1">
+            <a:schemeClr val="accent1"/>
+          </a:fillRef>
+          <a:effectRef idx="0">
+            <a:schemeClr val="accent1"/>
+          </a:effectRef>
+          <a:fontRef idx="minor">
+            <a:schemeClr val="lt1"/>
+          </a:fontRef>
+        </p:style>
+        <p:txBody>
+          <a:bodyPr rtlCol="0" anchor="ctr"/>
+          <a:lstStyle/>
+          <a:p>
+            <a:pPr algn="ctr"/>
+            <a:endParaRPr lang="it-IT"/>
+          </a:p>
+        </p:txBody>
+      </p:sp>
+      <p:sp>
+        <p:nvSpPr>
+          <p:cNvPr id="6" name="Rettangolo 5">
+            <a:extLst>
+              <a:ext uri="{FF2B5EF4-FFF2-40B4-BE49-F238E27FC236}">
+                <a16:creationId xmlns:a16="http://schemas.microsoft.com/office/drawing/2014/main" id="{EF5C7127-6E61-4D1C-88CF-47FDB9B76328}"/>
+              </a:ext>
+            </a:extLst>
+          </p:cNvPr>
+          <p:cNvSpPr/>
+          <p:nvPr/>
+        </p:nvSpPr>
+        <p:spPr>
+          <a:xfrm>
+            <a:off x="2700000" y="2304000"/>
+            <a:ext cx="1620000" cy="324000"/>
+          </a:xfrm>
+          <a:prstGeom prst="rect">
+            <a:avLst/>
+          </a:prstGeom>
+          <a:solidFill>
+            <a:schemeClr val="accent1">
+              <a:lumMod val="20000"/>
+              <a:lumOff val="80000"/>
+            </a:schemeClr>
+          </a:solidFill>
+          <a:ln>
+            <a:solidFill>
+              <a:schemeClr val="accent1">
+                <a:lumMod val="20000"/>
+                <a:lumOff val="80000"/>
+              </a:schemeClr>
+            </a:solidFill>
+          </a:ln>
+        </p:spPr>
+        <p:style>
+          <a:lnRef idx="2">
+            <a:schemeClr val="accent1">
+              <a:shade val="50000"/>
+            </a:schemeClr>
+          </a:lnRef>
+          <a:fillRef idx="1">
+            <a:schemeClr val="accent1"/>
+          </a:fillRef>
+          <a:effectRef idx="0">
+            <a:schemeClr val="accent1"/>
+          </a:effectRef>
+          <a:fontRef idx="minor">
+            <a:schemeClr val="lt1"/>
+          </a:fontRef>
+        </p:style>
+        <p:txBody>
+          <a:bodyPr rtlCol="0" anchor="ctr"/>
+          <a:lstStyle/>
+          <a:p>
+            <a:pPr algn="ctr"/>
+            <a:endParaRPr lang="it-IT"/>
+          </a:p>
+        </p:txBody>
+      </p:sp>
+      <p:sp>
+        <p:nvSpPr>
+          <p:cNvPr id="4" name="Rettangolo 3">
+            <a:extLst>
+              <a:ext uri="{FF2B5EF4-FFF2-40B4-BE49-F238E27FC236}">
+                <a16:creationId xmlns:a16="http://schemas.microsoft.com/office/drawing/2014/main" id="{D471129F-2C52-4BE2-AEFE-138B4DA6EDA4}"/>
+              </a:ext>
+            </a:extLst>
+          </p:cNvPr>
+          <p:cNvSpPr/>
+          <p:nvPr/>
+        </p:nvSpPr>
+        <p:spPr>
+          <a:xfrm>
+            <a:off x="540000" y="360000"/>
+            <a:ext cx="10800000" cy="1944000"/>
+          </a:xfrm>
+          <a:prstGeom prst="rect">
+            <a:avLst/>
+          </a:prstGeom>
+          <a:solidFill>
+            <a:schemeClr val="accent1">
+              <a:lumMod val="20000"/>
+              <a:lumOff val="80000"/>
+            </a:schemeClr>
+          </a:solidFill>
+          <a:ln>
+            <a:solidFill>
+              <a:schemeClr val="accent5">
+                <a:lumMod val="20000"/>
+                <a:lumOff val="80000"/>
+              </a:schemeClr>
+            </a:solidFill>
+          </a:ln>
+        </p:spPr>
+        <p:style>
+          <a:lnRef idx="2">
+            <a:schemeClr val="accent1">
+              <a:shade val="50000"/>
+            </a:schemeClr>
+          </a:lnRef>
+          <a:fillRef idx="1">
+            <a:schemeClr val="accent1"/>
+          </a:fillRef>
+          <a:effectRef idx="0">
+            <a:schemeClr val="accent1"/>
+          </a:effectRef>
+          <a:fontRef idx="minor">
+            <a:schemeClr val="lt1"/>
+          </a:fontRef>
+        </p:style>
+        <p:txBody>
+          <a:bodyPr rtlCol="0" anchor="ctr"/>
+          <a:lstStyle/>
+          <a:p>
+            <a:pPr algn="ctr"/>
+            <a:endParaRPr lang="it-IT"/>
+          </a:p>
+        </p:txBody>
+      </p:sp>
+      <p:sp>
+        <p:nvSpPr>
+          <p:cNvPr id="32" name="CasellaDiTesto 31">
+            <a:extLst>
+              <a:ext uri="{FF2B5EF4-FFF2-40B4-BE49-F238E27FC236}">
+                <a16:creationId xmlns:a16="http://schemas.microsoft.com/office/drawing/2014/main" id="{FB09336C-69A5-4E44-8B04-DB7DEA148F4E}"/>
+              </a:ext>
+            </a:extLst>
+          </p:cNvPr>
+          <p:cNvSpPr txBox="1"/>
+          <p:nvPr/>
+        </p:nvSpPr>
+        <p:spPr>
+          <a:xfrm>
+            <a:off x="2837165" y="2273611"/>
+            <a:ext cx="1063437" cy="338554"/>
+          </a:xfrm>
+          <a:prstGeom prst="rect">
+            <a:avLst/>
+          </a:prstGeom>
+          <a:noFill/>
+        </p:spPr>
+        <p:txBody>
+          <a:bodyPr wrap="square" rtlCol="0">
+            <a:spAutoFit/>
+          </a:bodyPr>
+          <a:lstStyle/>
+          <a:p>
+            <a:pPr algn="ctr"/>
+            <a:r>
+              <a:rPr lang="it-IT" sz="1600" i="1" dirty="0"/>
+              <a:t>h</a:t>
+            </a:r>
+            <a:r>
+              <a:rPr lang="it-IT" sz="1600" dirty="0"/>
+              <a:t> = 0.1 m</a:t>
+            </a:r>
+          </a:p>
+        </p:txBody>
+      </p:sp>
+      <p:cxnSp>
+        <p:nvCxnSpPr>
+          <p:cNvPr id="5" name="Connettore diritto 4">
+            <a:extLst>
+              <a:ext uri="{FF2B5EF4-FFF2-40B4-BE49-F238E27FC236}">
+                <a16:creationId xmlns:a16="http://schemas.microsoft.com/office/drawing/2014/main" id="{E452E3E4-5917-4DBC-AD34-4A62D67B7B8D}"/>
+              </a:ext>
+            </a:extLst>
+          </p:cNvPr>
+          <p:cNvCxnSpPr/>
+          <p:nvPr/>
+        </p:nvCxnSpPr>
+        <p:spPr>
+          <a:xfrm>
+            <a:off x="1620000" y="360000"/>
+            <a:ext cx="8640000" cy="0"/>
+          </a:xfrm>
+          <a:prstGeom prst="line">
+            <a:avLst/>
+          </a:prstGeom>
+          <a:ln w="12700" cap="sq"/>
+        </p:spPr>
+        <p:style>
+          <a:lnRef idx="1">
+            <a:schemeClr val="dk1"/>
+          </a:lnRef>
+          <a:fillRef idx="0">
+            <a:schemeClr val="dk1"/>
+          </a:fillRef>
+          <a:effectRef idx="0">
+            <a:schemeClr val="dk1"/>
+          </a:effectRef>
+          <a:fontRef idx="minor">
+            <a:schemeClr val="tx1"/>
+          </a:fontRef>
+        </p:style>
+      </p:cxnSp>
+      <p:cxnSp>
+        <p:nvCxnSpPr>
+          <p:cNvPr id="9" name="Connettore diritto 8">
+            <a:extLst>
+              <a:ext uri="{FF2B5EF4-FFF2-40B4-BE49-F238E27FC236}">
+                <a16:creationId xmlns:a16="http://schemas.microsoft.com/office/drawing/2014/main" id="{44E9C63B-2422-4843-8F90-1C07DFF81060}"/>
+              </a:ext>
+            </a:extLst>
+          </p:cNvPr>
+          <p:cNvCxnSpPr/>
+          <p:nvPr/>
+        </p:nvCxnSpPr>
+        <p:spPr>
+          <a:xfrm>
+            <a:off x="1620000" y="2304000"/>
+            <a:ext cx="1080000" cy="0"/>
+          </a:xfrm>
+          <a:prstGeom prst="line">
+            <a:avLst/>
+          </a:prstGeom>
+          <a:ln w="12700" cap="sq"/>
+        </p:spPr>
+        <p:style>
+          <a:lnRef idx="1">
+            <a:schemeClr val="dk1"/>
+          </a:lnRef>
+          <a:fillRef idx="0">
+            <a:schemeClr val="dk1"/>
+          </a:fillRef>
+          <a:effectRef idx="0">
+            <a:schemeClr val="dk1"/>
+          </a:effectRef>
+          <a:fontRef idx="minor">
+            <a:schemeClr val="tx1"/>
+          </a:fontRef>
+        </p:style>
+      </p:cxnSp>
+      <p:cxnSp>
+        <p:nvCxnSpPr>
+          <p:cNvPr id="10" name="Connettore diritto 9">
+            <a:extLst>
+              <a:ext uri="{FF2B5EF4-FFF2-40B4-BE49-F238E27FC236}">
+                <a16:creationId xmlns:a16="http://schemas.microsoft.com/office/drawing/2014/main" id="{A98EC082-797C-4DA4-84AE-2CE9B937620F}"/>
+              </a:ext>
+            </a:extLst>
+          </p:cNvPr>
+          <p:cNvCxnSpPr/>
+          <p:nvPr/>
+        </p:nvCxnSpPr>
+        <p:spPr>
+          <a:xfrm>
+            <a:off x="9180000" y="2304000"/>
+            <a:ext cx="1080000" cy="0"/>
+          </a:xfrm>
+          <a:prstGeom prst="line">
+            <a:avLst/>
+          </a:prstGeom>
+          <a:ln w="12700" cap="sq"/>
+        </p:spPr>
+        <p:style>
+          <a:lnRef idx="1">
+            <a:schemeClr val="dk1"/>
+          </a:lnRef>
+          <a:fillRef idx="0">
+            <a:schemeClr val="dk1"/>
+          </a:fillRef>
+          <a:effectRef idx="0">
+            <a:schemeClr val="dk1"/>
+          </a:effectRef>
+          <a:fontRef idx="minor">
+            <a:schemeClr val="tx1"/>
+          </a:fontRef>
+        </p:style>
+      </p:cxnSp>
+      <mc:AlternateContent xmlns:mc="http://schemas.openxmlformats.org/markup-compatibility/2006" xmlns:a14="http://schemas.microsoft.com/office/drawing/2010/main">
+        <mc:Choice Requires="a14">
+          <p:sp>
+            <p:nvSpPr>
+              <p:cNvPr id="20" name="CasellaDiTesto 19">
+                <a:extLst>
+                  <a:ext uri="{FF2B5EF4-FFF2-40B4-BE49-F238E27FC236}">
+                    <a16:creationId xmlns:a16="http://schemas.microsoft.com/office/drawing/2014/main" id="{A0F0FB08-051F-4C68-9860-C0CE1AE286CB}"/>
+                  </a:ext>
+                </a:extLst>
+              </p:cNvPr>
+              <p:cNvSpPr txBox="1"/>
+              <p:nvPr/>
+            </p:nvSpPr>
+            <p:spPr>
+              <a:xfrm>
+                <a:off x="5580720" y="267714"/>
+                <a:ext cx="720000" cy="424283"/>
+              </a:xfrm>
+              <a:prstGeom prst="rect">
+                <a:avLst/>
+              </a:prstGeom>
+              <a:noFill/>
+            </p:spPr>
+            <p:txBody>
+              <a:bodyPr wrap="square" rtlCol="0">
+                <a:spAutoFit/>
+              </a:bodyPr>
+              <a:lstStyle/>
+              <a:p>
+                <a:pPr algn="ctr"/>
+                <a14:m>
+                  <m:oMathPara xmlns:m="http://schemas.openxmlformats.org/officeDocument/2006/math">
+                    <m:oMathParaPr>
+                      <m:jc m:val="center"/>
+                    </m:oMathParaPr>
+                    <m:oMath xmlns:m="http://schemas.openxmlformats.org/officeDocument/2006/math">
+                      <m:sSub>
+                        <m:sSubPr>
+                          <m:ctrlPr>
+                            <a:rPr lang="el-GR" sz="2000" i="1" smtClean="0">
+                              <a:latin typeface="Cambria Math" panose="02040503050406030204" pitchFamily="18" charset="0"/>
+                            </a:rPr>
+                          </m:ctrlPr>
+                        </m:sSubPr>
+                        <m:e>
+                          <m:r>
+                            <m:rPr>
+                              <m:sty m:val="p"/>
+                            </m:rPr>
+                            <a:rPr lang="el-GR" sz="2000" i="1">
+                              <a:latin typeface="Cambria Math" panose="02040503050406030204" pitchFamily="18" charset="0"/>
+                            </a:rPr>
+                            <m:t>Γ</m:t>
+                          </m:r>
+                        </m:e>
+                        <m:sub>
+                          <m:r>
+                            <m:rPr>
+                              <m:sty m:val="p"/>
+                            </m:rPr>
+                            <a:rPr lang="it-IT" sz="2000" b="0" i="0" smtClean="0">
+                              <a:latin typeface="Cambria Math" panose="02040503050406030204" pitchFamily="18" charset="0"/>
+                            </a:rPr>
+                            <m:t>sym</m:t>
+                          </m:r>
+                        </m:sub>
+                      </m:sSub>
+                    </m:oMath>
+                  </m:oMathPara>
+                </a14:m>
+                <a:endParaRPr lang="it-IT" sz="1600" i="1" dirty="0"/>
+              </a:p>
+            </p:txBody>
+          </p:sp>
+        </mc:Choice>
+        <mc:Fallback xmlns="">
+          <p:sp>
+            <p:nvSpPr>
+              <p:cNvPr id="20" name="CasellaDiTesto 19">
+                <a:extLst>
+                  <a:ext uri="{FF2B5EF4-FFF2-40B4-BE49-F238E27FC236}">
+                    <a16:creationId xmlns:a16="http://schemas.microsoft.com/office/drawing/2014/main" id="{A0F0FB08-051F-4C68-9860-C0CE1AE286CB}"/>
+                  </a:ext>
+                </a:extLst>
+              </p:cNvPr>
+              <p:cNvSpPr txBox="1">
+                <a:spLocks noRot="1" noChangeAspect="1" noMove="1" noResize="1" noEditPoints="1" noAdjustHandles="1" noChangeArrowheads="1" noChangeShapeType="1" noTextEdit="1"/>
+              </p:cNvSpPr>
+              <p:nvPr/>
+            </p:nvSpPr>
+            <p:spPr>
+              <a:xfrm>
+                <a:off x="5580720" y="267714"/>
+                <a:ext cx="720000" cy="424283"/>
+              </a:xfrm>
+              <a:prstGeom prst="rect">
+                <a:avLst/>
+              </a:prstGeom>
+              <a:blipFill>
+                <a:blip r:embed="rId2"/>
+                <a:stretch>
+                  <a:fillRect b="-7143"/>
+                </a:stretch>
+              </a:blipFill>
+            </p:spPr>
+            <p:txBody>
+              <a:bodyPr/>
+              <a:lstStyle/>
+              <a:p>
+                <a:r>
+                  <a:rPr lang="it-IT">
+                    <a:noFill/>
+                  </a:rPr>
+                  <a:t> </a:t>
+                </a:r>
+              </a:p>
+            </p:txBody>
+          </p:sp>
+        </mc:Fallback>
+      </mc:AlternateContent>
+      <mc:AlternateContent xmlns:mc="http://schemas.openxmlformats.org/markup-compatibility/2006" xmlns:a14="http://schemas.microsoft.com/office/drawing/2010/main">
+        <mc:Choice Requires="a14">
+          <p:sp>
+            <p:nvSpPr>
+              <p:cNvPr id="21" name="CasellaDiTesto 20">
+                <a:extLst>
+                  <a:ext uri="{FF2B5EF4-FFF2-40B4-BE49-F238E27FC236}">
+                    <a16:creationId xmlns:a16="http://schemas.microsoft.com/office/drawing/2014/main" id="{0047343E-80C8-417A-BDFE-4E5213855482}"/>
+                  </a:ext>
+                </a:extLst>
+              </p:cNvPr>
+              <p:cNvSpPr txBox="1"/>
+              <p:nvPr/>
+            </p:nvSpPr>
+            <p:spPr>
+              <a:xfrm>
+                <a:off x="2429999" y="2582280"/>
+                <a:ext cx="540000" cy="400110"/>
+              </a:xfrm>
+              <a:prstGeom prst="rect">
+                <a:avLst/>
+              </a:prstGeom>
+              <a:noFill/>
+            </p:spPr>
+            <p:txBody>
+              <a:bodyPr wrap="square" rtlCol="0">
+                <a:spAutoFit/>
+              </a:bodyPr>
+              <a:lstStyle/>
+              <a:p>
+                <a:pPr algn="ctr"/>
+                <a14:m>
+                  <m:oMathPara xmlns:m="http://schemas.openxmlformats.org/officeDocument/2006/math">
+                    <m:oMathParaPr>
+                      <m:jc m:val="center"/>
+                    </m:oMathParaPr>
+                    <m:oMath xmlns:m="http://schemas.openxmlformats.org/officeDocument/2006/math">
+                      <m:sSub>
+                        <m:sSubPr>
+                          <m:ctrlPr>
+                            <a:rPr lang="el-GR" sz="2000" i="1" smtClean="0">
+                              <a:latin typeface="Cambria Math" panose="02040503050406030204" pitchFamily="18" charset="0"/>
+                            </a:rPr>
+                          </m:ctrlPr>
+                        </m:sSubPr>
+                        <m:e>
+                          <m:r>
+                            <m:rPr>
+                              <m:sty m:val="p"/>
+                            </m:rPr>
+                            <a:rPr lang="el-GR" sz="2000" i="1">
+                              <a:latin typeface="Cambria Math" panose="02040503050406030204" pitchFamily="18" charset="0"/>
+                            </a:rPr>
+                            <m:t>Γ</m:t>
+                          </m:r>
+                        </m:e>
+                        <m:sub>
+                          <m:r>
+                            <a:rPr lang="it-IT" sz="2000" b="0" i="1" smtClean="0">
+                              <a:latin typeface="Cambria Math" panose="02040503050406030204" pitchFamily="18" charset="0"/>
+                            </a:rPr>
+                            <m:t>𝑤</m:t>
+                          </m:r>
+                        </m:sub>
+                      </m:sSub>
+                    </m:oMath>
+                  </m:oMathPara>
+                </a14:m>
+                <a:endParaRPr lang="it-IT" sz="1600" i="1" dirty="0"/>
+              </a:p>
+            </p:txBody>
+          </p:sp>
+        </mc:Choice>
+        <mc:Fallback xmlns="">
+          <p:sp>
+            <p:nvSpPr>
+              <p:cNvPr id="21" name="CasellaDiTesto 20">
+                <a:extLst>
+                  <a:ext uri="{FF2B5EF4-FFF2-40B4-BE49-F238E27FC236}">
+                    <a16:creationId xmlns:a16="http://schemas.microsoft.com/office/drawing/2014/main" id="{0047343E-80C8-417A-BDFE-4E5213855482}"/>
+                  </a:ext>
+                </a:extLst>
+              </p:cNvPr>
+              <p:cNvSpPr txBox="1">
+                <a:spLocks noRot="1" noChangeAspect="1" noMove="1" noResize="1" noEditPoints="1" noAdjustHandles="1" noChangeArrowheads="1" noChangeShapeType="1" noTextEdit="1"/>
+              </p:cNvSpPr>
+              <p:nvPr/>
+            </p:nvSpPr>
+            <p:spPr>
+              <a:xfrm>
+                <a:off x="2429999" y="2582280"/>
+                <a:ext cx="540000" cy="400110"/>
+              </a:xfrm>
+              <a:prstGeom prst="rect">
+                <a:avLst/>
+              </a:prstGeom>
+              <a:blipFill>
+                <a:blip r:embed="rId3"/>
+                <a:stretch>
+                  <a:fillRect/>
+                </a:stretch>
+              </a:blipFill>
+            </p:spPr>
+            <p:txBody>
+              <a:bodyPr/>
+              <a:lstStyle/>
+              <a:p>
+                <a:r>
+                  <a:rPr lang="it-IT">
+                    <a:noFill/>
+                  </a:rPr>
+                  <a:t> </a:t>
+                </a:r>
+              </a:p>
+            </p:txBody>
+          </p:sp>
+        </mc:Fallback>
+      </mc:AlternateContent>
+      <p:cxnSp>
+        <p:nvCxnSpPr>
+          <p:cNvPr id="26" name="Connettore diritto 25">
+            <a:extLst>
+              <a:ext uri="{FF2B5EF4-FFF2-40B4-BE49-F238E27FC236}">
+                <a16:creationId xmlns:a16="http://schemas.microsoft.com/office/drawing/2014/main" id="{9D895C12-F1D8-466B-BC31-C1F6C427659E}"/>
+              </a:ext>
+            </a:extLst>
+          </p:cNvPr>
+          <p:cNvCxnSpPr/>
+          <p:nvPr/>
+        </p:nvCxnSpPr>
+        <p:spPr>
+          <a:xfrm>
+            <a:off x="9180000" y="2304000"/>
+            <a:ext cx="0" cy="324000"/>
+          </a:xfrm>
+          <a:prstGeom prst="line">
+            <a:avLst/>
+          </a:prstGeom>
+          <a:ln w="12700" cap="sq">
+            <a:solidFill>
+              <a:schemeClr val="tx1"/>
+            </a:solidFill>
+          </a:ln>
+        </p:spPr>
+        <p:style>
+          <a:lnRef idx="1">
+            <a:schemeClr val="accent1"/>
+          </a:lnRef>
+          <a:fillRef idx="0">
+            <a:schemeClr val="accent1"/>
+          </a:fillRef>
+          <a:effectRef idx="0">
+            <a:schemeClr val="accent1"/>
+          </a:effectRef>
+          <a:fontRef idx="minor">
+            <a:schemeClr val="tx1"/>
+          </a:fontRef>
+        </p:style>
+      </p:cxnSp>
+      <p:cxnSp>
+        <p:nvCxnSpPr>
+          <p:cNvPr id="28" name="Connettore diritto 27">
+            <a:extLst>
+              <a:ext uri="{FF2B5EF4-FFF2-40B4-BE49-F238E27FC236}">
+                <a16:creationId xmlns:a16="http://schemas.microsoft.com/office/drawing/2014/main" id="{55E41AE5-48A5-4C34-915E-04692A0CB9AD}"/>
+              </a:ext>
+            </a:extLst>
+          </p:cNvPr>
+          <p:cNvCxnSpPr/>
+          <p:nvPr/>
+        </p:nvCxnSpPr>
+        <p:spPr>
+          <a:xfrm>
+            <a:off x="2700000" y="2304000"/>
+            <a:ext cx="0" cy="324000"/>
+          </a:xfrm>
+          <a:prstGeom prst="line">
+            <a:avLst/>
+          </a:prstGeom>
+          <a:ln w="12700" cap="sq">
+            <a:solidFill>
+              <a:schemeClr val="tx1"/>
+            </a:solidFill>
+          </a:ln>
+        </p:spPr>
+        <p:style>
+          <a:lnRef idx="1">
+            <a:schemeClr val="accent1"/>
+          </a:lnRef>
+          <a:fillRef idx="0">
+            <a:schemeClr val="accent1"/>
+          </a:fillRef>
+          <a:effectRef idx="0">
+            <a:schemeClr val="accent1"/>
+          </a:effectRef>
+          <a:fontRef idx="minor">
+            <a:schemeClr val="tx1"/>
+          </a:fontRef>
+        </p:style>
+      </p:cxnSp>
+      <p:cxnSp>
+        <p:nvCxnSpPr>
+          <p:cNvPr id="30" name="Connettore diritto 29">
+            <a:extLst>
+              <a:ext uri="{FF2B5EF4-FFF2-40B4-BE49-F238E27FC236}">
+                <a16:creationId xmlns:a16="http://schemas.microsoft.com/office/drawing/2014/main" id="{BECEF64C-9884-43CE-9CFC-A993FF79C000}"/>
+              </a:ext>
+            </a:extLst>
+          </p:cNvPr>
+          <p:cNvCxnSpPr/>
+          <p:nvPr/>
+        </p:nvCxnSpPr>
+        <p:spPr>
+          <a:xfrm>
+            <a:off x="2700000" y="2628000"/>
+            <a:ext cx="1620000" cy="0"/>
+          </a:xfrm>
+          <a:prstGeom prst="line">
+            <a:avLst/>
+          </a:prstGeom>
+          <a:ln w="12700" cap="sq"/>
+        </p:spPr>
+        <p:style>
+          <a:lnRef idx="1">
+            <a:schemeClr val="dk1"/>
+          </a:lnRef>
+          <a:fillRef idx="0">
+            <a:schemeClr val="dk1"/>
+          </a:fillRef>
+          <a:effectRef idx="0">
+            <a:schemeClr val="dk1"/>
+          </a:effectRef>
+          <a:fontRef idx="minor">
+            <a:schemeClr val="tx1"/>
+          </a:fontRef>
+        </p:style>
+      </p:cxnSp>
+      <p:cxnSp>
+        <p:nvCxnSpPr>
+          <p:cNvPr id="31" name="Connettore diritto 30">
+            <a:extLst>
+              <a:ext uri="{FF2B5EF4-FFF2-40B4-BE49-F238E27FC236}">
+                <a16:creationId xmlns:a16="http://schemas.microsoft.com/office/drawing/2014/main" id="{65FA15EF-FC76-4DDF-A9FC-E47F25A0ADB3}"/>
+              </a:ext>
+            </a:extLst>
+          </p:cNvPr>
+          <p:cNvCxnSpPr/>
+          <p:nvPr/>
+        </p:nvCxnSpPr>
+        <p:spPr>
+          <a:xfrm>
+            <a:off x="7560000" y="2628000"/>
+            <a:ext cx="1620000" cy="0"/>
+          </a:xfrm>
+          <a:prstGeom prst="line">
+            <a:avLst/>
+          </a:prstGeom>
+          <a:ln w="12700" cap="sq"/>
+        </p:spPr>
+        <p:style>
+          <a:lnRef idx="1">
+            <a:schemeClr val="dk1"/>
+          </a:lnRef>
+          <a:fillRef idx="0">
+            <a:schemeClr val="dk1"/>
+          </a:fillRef>
+          <a:effectRef idx="0">
+            <a:schemeClr val="dk1"/>
+          </a:effectRef>
+          <a:fontRef idx="minor">
+            <a:schemeClr val="tx1"/>
+          </a:fontRef>
+        </p:style>
+      </p:cxnSp>
+      <p:grpSp>
+        <p:nvGrpSpPr>
+          <p:cNvPr id="3" name="Gruppo 2">
+            <a:extLst>
+              <a:ext uri="{FF2B5EF4-FFF2-40B4-BE49-F238E27FC236}">
+                <a16:creationId xmlns:a16="http://schemas.microsoft.com/office/drawing/2014/main" id="{4F6ECF50-4AF2-47BC-86BC-64B4B349F76A}"/>
+              </a:ext>
+            </a:extLst>
+          </p:cNvPr>
+          <p:cNvGrpSpPr/>
+          <p:nvPr/>
+        </p:nvGrpSpPr>
+        <p:grpSpPr>
+          <a:xfrm>
+            <a:off x="4320000" y="2304000"/>
+            <a:ext cx="3240000" cy="324000"/>
+            <a:chOff x="4320000" y="2304000"/>
+            <a:chExt cx="3240000" cy="324000"/>
+          </a:xfrm>
+        </p:grpSpPr>
+        <p:grpSp>
+          <p:nvGrpSpPr>
+            <p:cNvPr id="2" name="Gruppo 1">
+              <a:extLst>
+                <a:ext uri="{FF2B5EF4-FFF2-40B4-BE49-F238E27FC236}">
+                  <a16:creationId xmlns:a16="http://schemas.microsoft.com/office/drawing/2014/main" id="{EE15DEAB-3916-4B96-82F1-94ED16D96874}"/>
+                </a:ext>
+              </a:extLst>
+            </p:cNvPr>
+            <p:cNvGrpSpPr/>
+            <p:nvPr/>
+          </p:nvGrpSpPr>
+          <p:grpSpPr>
+            <a:xfrm>
+              <a:off x="4320000" y="2304000"/>
+              <a:ext cx="3240000" cy="324000"/>
+              <a:chOff x="4320000" y="2304000"/>
+              <a:chExt cx="3240000" cy="324000"/>
+            </a:xfrm>
+          </p:grpSpPr>
+          <p:cxnSp>
+            <p:nvCxnSpPr>
+              <p:cNvPr id="12" name="Connettore diritto 11">
+                <a:extLst>
+                  <a:ext uri="{FF2B5EF4-FFF2-40B4-BE49-F238E27FC236}">
+                    <a16:creationId xmlns:a16="http://schemas.microsoft.com/office/drawing/2014/main" id="{9D4A782E-E9AE-485A-9391-31209AB5A40D}"/>
+                  </a:ext>
+                </a:extLst>
+              </p:cNvPr>
+              <p:cNvCxnSpPr/>
+              <p:nvPr/>
+            </p:nvCxnSpPr>
+            <p:spPr>
+              <a:xfrm>
+                <a:off x="4320000" y="2304000"/>
+                <a:ext cx="0" cy="324000"/>
+              </a:xfrm>
+              <a:prstGeom prst="line">
+                <a:avLst/>
+              </a:prstGeom>
+              <a:ln w="19050" cap="sq">
+                <a:solidFill>
+                  <a:srgbClr val="FF0000"/>
+                </a:solidFill>
+              </a:ln>
+            </p:spPr>
+            <p:style>
+              <a:lnRef idx="1">
+                <a:schemeClr val="accent1"/>
+              </a:lnRef>
+              <a:fillRef idx="0">
+                <a:schemeClr val="accent1"/>
+              </a:fillRef>
+              <a:effectRef idx="0">
+                <a:schemeClr val="accent1"/>
+              </a:effectRef>
+              <a:fontRef idx="minor">
+                <a:schemeClr val="tx1"/>
+              </a:fontRef>
+            </p:style>
+          </p:cxnSp>
+          <p:cxnSp>
+            <p:nvCxnSpPr>
+              <p:cNvPr id="27" name="Connettore diritto 26">
+                <a:extLst>
+                  <a:ext uri="{FF2B5EF4-FFF2-40B4-BE49-F238E27FC236}">
+                    <a16:creationId xmlns:a16="http://schemas.microsoft.com/office/drawing/2014/main" id="{445D097D-A22D-4217-ACE9-10813839B06B}"/>
+                  </a:ext>
+                </a:extLst>
+              </p:cNvPr>
+              <p:cNvCxnSpPr/>
+              <p:nvPr/>
+            </p:nvCxnSpPr>
+            <p:spPr>
+              <a:xfrm>
+                <a:off x="7560000" y="2304000"/>
+                <a:ext cx="0" cy="324000"/>
+              </a:xfrm>
+              <a:prstGeom prst="line">
+                <a:avLst/>
+              </a:prstGeom>
+              <a:ln w="19050" cap="sq">
+                <a:solidFill>
+                  <a:srgbClr val="FF0000"/>
+                </a:solidFill>
+              </a:ln>
+            </p:spPr>
+            <p:style>
+              <a:lnRef idx="1">
+                <a:schemeClr val="accent1"/>
+              </a:lnRef>
+              <a:fillRef idx="0">
+                <a:schemeClr val="accent1"/>
+              </a:fillRef>
+              <a:effectRef idx="0">
+                <a:schemeClr val="accent1"/>
+              </a:effectRef>
+              <a:fontRef idx="minor">
+                <a:schemeClr val="tx1"/>
+              </a:fontRef>
+            </p:style>
+          </p:cxnSp>
+          <p:cxnSp>
+            <p:nvCxnSpPr>
+              <p:cNvPr id="29" name="Connettore diritto 28">
+                <a:extLst>
+                  <a:ext uri="{FF2B5EF4-FFF2-40B4-BE49-F238E27FC236}">
+                    <a16:creationId xmlns:a16="http://schemas.microsoft.com/office/drawing/2014/main" id="{B2C35225-5DE9-4955-A47F-01AE0002E245}"/>
+                  </a:ext>
+                </a:extLst>
+              </p:cNvPr>
+              <p:cNvCxnSpPr/>
+              <p:nvPr/>
+            </p:nvCxnSpPr>
+            <p:spPr>
+              <a:xfrm>
+                <a:off x="4320000" y="2304000"/>
+                <a:ext cx="3240000" cy="0"/>
+              </a:xfrm>
+              <a:prstGeom prst="line">
+                <a:avLst/>
+              </a:prstGeom>
+              <a:ln w="19050" cap="sq">
+                <a:solidFill>
+                  <a:srgbClr val="FF0000"/>
+                </a:solidFill>
+              </a:ln>
+            </p:spPr>
+            <p:style>
+              <a:lnRef idx="1">
+                <a:schemeClr val="dk1"/>
+              </a:lnRef>
+              <a:fillRef idx="0">
+                <a:schemeClr val="dk1"/>
+              </a:fillRef>
+              <a:effectRef idx="0">
+                <a:schemeClr val="dk1"/>
+              </a:effectRef>
+              <a:fontRef idx="minor">
+                <a:schemeClr val="tx1"/>
+              </a:fontRef>
+            </p:style>
+          </p:cxnSp>
+        </p:grpSp>
+        <p:cxnSp>
+          <p:nvCxnSpPr>
+            <p:cNvPr id="38" name="Connettore diritto 37">
+              <a:extLst>
+                <a:ext uri="{FF2B5EF4-FFF2-40B4-BE49-F238E27FC236}">
+                  <a16:creationId xmlns:a16="http://schemas.microsoft.com/office/drawing/2014/main" id="{B19A5D58-3AF7-478D-9CC0-19189F8F96A7}"/>
+                </a:ext>
+              </a:extLst>
+            </p:cNvPr>
+            <p:cNvCxnSpPr/>
+            <p:nvPr/>
+          </p:nvCxnSpPr>
+          <p:spPr>
+            <a:xfrm>
+              <a:off x="4320000" y="2628000"/>
+              <a:ext cx="3240000" cy="0"/>
+            </a:xfrm>
+            <a:prstGeom prst="line">
+              <a:avLst/>
+            </a:prstGeom>
+            <a:ln w="19050" cap="sq">
+              <a:solidFill>
+                <a:srgbClr val="00B050"/>
+              </a:solidFill>
+            </a:ln>
+          </p:spPr>
+          <p:style>
+            <a:lnRef idx="1">
+              <a:schemeClr val="dk1"/>
+            </a:lnRef>
+            <a:fillRef idx="0">
+              <a:schemeClr val="dk1"/>
+            </a:fillRef>
+            <a:effectRef idx="0">
+              <a:schemeClr val="dk1"/>
+            </a:effectRef>
+            <a:fontRef idx="minor">
+              <a:schemeClr val="tx1"/>
+            </a:fontRef>
+          </p:style>
+        </p:cxnSp>
+      </p:grpSp>
+      <p:cxnSp>
+        <p:nvCxnSpPr>
+          <p:cNvPr id="39" name="Connettore diritto 38">
+            <a:extLst>
+              <a:ext uri="{FF2B5EF4-FFF2-40B4-BE49-F238E27FC236}">
+                <a16:creationId xmlns:a16="http://schemas.microsoft.com/office/drawing/2014/main" id="{E366008C-B4FF-4653-9516-743E923E98D8}"/>
+              </a:ext>
+            </a:extLst>
+          </p:cNvPr>
+          <p:cNvCxnSpPr/>
+          <p:nvPr/>
+        </p:nvCxnSpPr>
+        <p:spPr>
+          <a:xfrm>
+            <a:off x="10800000" y="2304000"/>
+            <a:ext cx="540000" cy="0"/>
+          </a:xfrm>
+          <a:prstGeom prst="line">
+            <a:avLst/>
+          </a:prstGeom>
+          <a:ln w="12700" cap="sq">
+            <a:prstDash val="solid"/>
+          </a:ln>
+        </p:spPr>
+        <p:style>
+          <a:lnRef idx="1">
+            <a:schemeClr val="dk1"/>
+          </a:lnRef>
+          <a:fillRef idx="0">
+            <a:schemeClr val="dk1"/>
+          </a:fillRef>
+          <a:effectRef idx="0">
+            <a:schemeClr val="dk1"/>
+          </a:effectRef>
+          <a:fontRef idx="minor">
+            <a:schemeClr val="tx1"/>
+          </a:fontRef>
+        </p:style>
+      </p:cxnSp>
+      <p:cxnSp>
+        <p:nvCxnSpPr>
+          <p:cNvPr id="40" name="Connettore diritto 39">
+            <a:extLst>
+              <a:ext uri="{FF2B5EF4-FFF2-40B4-BE49-F238E27FC236}">
+                <a16:creationId xmlns:a16="http://schemas.microsoft.com/office/drawing/2014/main" id="{16C6B173-3E7E-4F85-B48C-8DFCE4E74055}"/>
+              </a:ext>
+            </a:extLst>
+          </p:cNvPr>
+          <p:cNvCxnSpPr/>
+          <p:nvPr/>
+        </p:nvCxnSpPr>
+        <p:spPr>
+          <a:xfrm>
+            <a:off x="10800000" y="360000"/>
+            <a:ext cx="540000" cy="0"/>
+          </a:xfrm>
+          <a:prstGeom prst="line">
+            <a:avLst/>
+          </a:prstGeom>
+          <a:ln w="12700" cap="sq">
+            <a:prstDash val="solid"/>
+          </a:ln>
+        </p:spPr>
+        <p:style>
+          <a:lnRef idx="1">
+            <a:schemeClr val="dk1"/>
+          </a:lnRef>
+          <a:fillRef idx="0">
+            <a:schemeClr val="dk1"/>
+          </a:fillRef>
+          <a:effectRef idx="0">
+            <a:schemeClr val="dk1"/>
+          </a:effectRef>
+          <a:fontRef idx="minor">
+            <a:schemeClr val="tx1"/>
+          </a:fontRef>
+        </p:style>
+      </p:cxnSp>
+      <p:cxnSp>
+        <p:nvCxnSpPr>
+          <p:cNvPr id="41" name="Connettore diritto 40">
+            <a:extLst>
+              <a:ext uri="{FF2B5EF4-FFF2-40B4-BE49-F238E27FC236}">
+                <a16:creationId xmlns:a16="http://schemas.microsoft.com/office/drawing/2014/main" id="{C2672F0D-64E3-4D21-8110-3E4D9521AEBC}"/>
+              </a:ext>
+            </a:extLst>
+          </p:cNvPr>
+          <p:cNvCxnSpPr/>
+          <p:nvPr/>
+        </p:nvCxnSpPr>
+        <p:spPr>
+          <a:xfrm>
+            <a:off x="1080000" y="360000"/>
+            <a:ext cx="540000" cy="0"/>
+          </a:xfrm>
+          <a:prstGeom prst="line">
+            <a:avLst/>
+          </a:prstGeom>
+          <a:ln w="12700" cap="sq">
+            <a:prstDash val="dash"/>
+          </a:ln>
+        </p:spPr>
+        <p:style>
+          <a:lnRef idx="1">
+            <a:schemeClr val="dk1"/>
+          </a:lnRef>
+          <a:fillRef idx="0">
+            <a:schemeClr val="dk1"/>
+          </a:fillRef>
+          <a:effectRef idx="0">
+            <a:schemeClr val="dk1"/>
+          </a:effectRef>
+          <a:fontRef idx="minor">
+            <a:schemeClr val="tx1"/>
+          </a:fontRef>
+        </p:style>
+      </p:cxnSp>
+      <p:cxnSp>
+        <p:nvCxnSpPr>
+          <p:cNvPr id="42" name="Connettore diritto 41">
+            <a:extLst>
+              <a:ext uri="{FF2B5EF4-FFF2-40B4-BE49-F238E27FC236}">
+                <a16:creationId xmlns:a16="http://schemas.microsoft.com/office/drawing/2014/main" id="{7DA2048B-06A9-4DAC-88E1-A95860FC1FD5}"/>
+              </a:ext>
+            </a:extLst>
+          </p:cNvPr>
+          <p:cNvCxnSpPr/>
+          <p:nvPr/>
+        </p:nvCxnSpPr>
+        <p:spPr>
+          <a:xfrm>
+            <a:off x="1080000" y="2304000"/>
+            <a:ext cx="540000" cy="0"/>
+          </a:xfrm>
+          <a:prstGeom prst="line">
+            <a:avLst/>
+          </a:prstGeom>
+          <a:ln w="12700" cap="sq">
+            <a:prstDash val="dash"/>
+          </a:ln>
+        </p:spPr>
+        <p:style>
+          <a:lnRef idx="1">
+            <a:schemeClr val="dk1"/>
+          </a:lnRef>
+          <a:fillRef idx="0">
+            <a:schemeClr val="dk1"/>
+          </a:fillRef>
+          <a:effectRef idx="0">
+            <a:schemeClr val="dk1"/>
+          </a:effectRef>
+          <a:fontRef idx="minor">
+            <a:schemeClr val="tx1"/>
+          </a:fontRef>
+        </p:style>
+      </p:cxnSp>
+      <mc:AlternateContent xmlns:mc="http://schemas.openxmlformats.org/markup-compatibility/2006" xmlns:a14="http://schemas.microsoft.com/office/drawing/2010/main">
+        <mc:Choice Requires="a14">
+          <p:sp>
+            <p:nvSpPr>
+              <p:cNvPr id="43" name="CasellaDiTesto 42">
+                <a:extLst>
+                  <a:ext uri="{FF2B5EF4-FFF2-40B4-BE49-F238E27FC236}">
+                    <a16:creationId xmlns:a16="http://schemas.microsoft.com/office/drawing/2014/main" id="{7AE1DE62-DE30-4427-AE4D-9058837FEFF2}"/>
+                  </a:ext>
+                </a:extLst>
+              </p:cNvPr>
+              <p:cNvSpPr txBox="1"/>
+              <p:nvPr/>
+            </p:nvSpPr>
+            <p:spPr>
+              <a:xfrm>
+                <a:off x="9059399" y="2582280"/>
+                <a:ext cx="540000" cy="400110"/>
+              </a:xfrm>
+              <a:prstGeom prst="rect">
+                <a:avLst/>
+              </a:prstGeom>
+              <a:noFill/>
+            </p:spPr>
+            <p:txBody>
+              <a:bodyPr wrap="square" rtlCol="0">
+                <a:spAutoFit/>
+              </a:bodyPr>
+              <a:lstStyle/>
+              <a:p>
+                <a:pPr algn="ctr"/>
+                <a14:m>
+                  <m:oMathPara xmlns:m="http://schemas.openxmlformats.org/officeDocument/2006/math">
+                    <m:oMathParaPr>
+                      <m:jc m:val="center"/>
+                    </m:oMathParaPr>
+                    <m:oMath xmlns:m="http://schemas.openxmlformats.org/officeDocument/2006/math">
+                      <m:sSub>
+                        <m:sSubPr>
+                          <m:ctrlPr>
+                            <a:rPr lang="el-GR" sz="2000" i="1" smtClean="0">
+                              <a:latin typeface="Cambria Math" panose="02040503050406030204" pitchFamily="18" charset="0"/>
+                            </a:rPr>
+                          </m:ctrlPr>
+                        </m:sSubPr>
+                        <m:e>
+                          <m:r>
+                            <m:rPr>
+                              <m:sty m:val="p"/>
+                            </m:rPr>
+                            <a:rPr lang="el-GR" sz="2000" i="1">
+                              <a:latin typeface="Cambria Math" panose="02040503050406030204" pitchFamily="18" charset="0"/>
+                            </a:rPr>
+                            <m:t>Γ</m:t>
+                          </m:r>
+                        </m:e>
+                        <m:sub>
+                          <m:r>
+                            <a:rPr lang="it-IT" sz="2000" b="0" i="1" smtClean="0">
+                              <a:latin typeface="Cambria Math" panose="02040503050406030204" pitchFamily="18" charset="0"/>
+                            </a:rPr>
+                            <m:t>𝑤</m:t>
+                          </m:r>
+                        </m:sub>
+                      </m:sSub>
+                    </m:oMath>
+                  </m:oMathPara>
+                </a14:m>
+                <a:endParaRPr lang="it-IT" sz="1600" i="1" dirty="0"/>
+              </a:p>
+            </p:txBody>
+          </p:sp>
+        </mc:Choice>
+        <mc:Fallback xmlns="">
+          <p:sp>
+            <p:nvSpPr>
+              <p:cNvPr id="43" name="CasellaDiTesto 42">
+                <a:extLst>
+                  <a:ext uri="{FF2B5EF4-FFF2-40B4-BE49-F238E27FC236}">
+                    <a16:creationId xmlns:a16="http://schemas.microsoft.com/office/drawing/2014/main" id="{7AE1DE62-DE30-4427-AE4D-9058837FEFF2}"/>
+                  </a:ext>
+                </a:extLst>
+              </p:cNvPr>
+              <p:cNvSpPr txBox="1">
+                <a:spLocks noRot="1" noChangeAspect="1" noMove="1" noResize="1" noEditPoints="1" noAdjustHandles="1" noChangeArrowheads="1" noChangeShapeType="1" noTextEdit="1"/>
+              </p:cNvSpPr>
+              <p:nvPr/>
+            </p:nvSpPr>
+            <p:spPr>
+              <a:xfrm>
+                <a:off x="9059399" y="2582280"/>
+                <a:ext cx="540000" cy="400110"/>
+              </a:xfrm>
+              <a:prstGeom prst="rect">
+                <a:avLst/>
+              </a:prstGeom>
+              <a:blipFill>
+                <a:blip r:embed="rId4"/>
+                <a:stretch>
+                  <a:fillRect/>
+                </a:stretch>
+              </a:blipFill>
+            </p:spPr>
+            <p:txBody>
+              <a:bodyPr/>
+              <a:lstStyle/>
+              <a:p>
+                <a:r>
+                  <a:rPr lang="it-IT">
+                    <a:noFill/>
+                  </a:rPr>
+                  <a:t> </a:t>
+                </a:r>
+              </a:p>
+            </p:txBody>
+          </p:sp>
+        </mc:Fallback>
+      </mc:AlternateContent>
+      <mc:AlternateContent xmlns:mc="http://schemas.openxmlformats.org/markup-compatibility/2006" xmlns:a14="http://schemas.microsoft.com/office/drawing/2010/main">
+        <mc:Choice Requires="a14">
+          <p:sp>
+            <p:nvSpPr>
+              <p:cNvPr id="44" name="CasellaDiTesto 43">
+                <a:extLst>
+                  <a:ext uri="{FF2B5EF4-FFF2-40B4-BE49-F238E27FC236}">
+                    <a16:creationId xmlns:a16="http://schemas.microsoft.com/office/drawing/2014/main" id="{343D6FBB-3070-49CD-9B29-0936957D059A}"/>
+                  </a:ext>
+                </a:extLst>
+              </p:cNvPr>
+              <p:cNvSpPr txBox="1"/>
+              <p:nvPr/>
+            </p:nvSpPr>
+            <p:spPr>
+              <a:xfrm>
+                <a:off x="5580000" y="1927979"/>
+                <a:ext cx="720000" cy="400110"/>
+              </a:xfrm>
+              <a:prstGeom prst="rect">
+                <a:avLst/>
+              </a:prstGeom>
+              <a:noFill/>
+            </p:spPr>
+            <p:txBody>
+              <a:bodyPr wrap="square" rtlCol="0">
+                <a:spAutoFit/>
+              </a:bodyPr>
+              <a:lstStyle/>
+              <a:p>
+                <a:pPr algn="ctr"/>
+                <a14:m>
+                  <m:oMathPara xmlns:m="http://schemas.openxmlformats.org/officeDocument/2006/math">
+                    <m:oMathParaPr>
+                      <m:jc m:val="center"/>
+                    </m:oMathParaPr>
+                    <m:oMath xmlns:m="http://schemas.openxmlformats.org/officeDocument/2006/math">
+                      <m:sSub>
+                        <m:sSubPr>
+                          <m:ctrlPr>
+                            <a:rPr lang="el-GR" sz="2000" i="1" smtClean="0">
+                              <a:latin typeface="Cambria Math" panose="02040503050406030204" pitchFamily="18" charset="0"/>
+                            </a:rPr>
+                          </m:ctrlPr>
+                        </m:sSubPr>
+                        <m:e>
+                          <m:r>
+                            <m:rPr>
+                              <m:sty m:val="p"/>
+                            </m:rPr>
+                            <a:rPr lang="el-GR" sz="2000" i="1">
+                              <a:latin typeface="Cambria Math" panose="02040503050406030204" pitchFamily="18" charset="0"/>
+                            </a:rPr>
+                            <m:t>Γ</m:t>
+                          </m:r>
+                        </m:e>
+                        <m:sub>
+                          <m:r>
+                            <m:rPr>
+                              <m:sty m:val="p"/>
+                            </m:rPr>
+                            <a:rPr lang="it-IT" sz="2000" b="0" i="0" smtClean="0">
+                              <a:latin typeface="Cambria Math" panose="02040503050406030204" pitchFamily="18" charset="0"/>
+                            </a:rPr>
+                            <m:t>int</m:t>
+                          </m:r>
+                        </m:sub>
+                      </m:sSub>
+                    </m:oMath>
+                  </m:oMathPara>
+                </a14:m>
+                <a:endParaRPr lang="it-IT" sz="1600" i="1" dirty="0"/>
+              </a:p>
+            </p:txBody>
+          </p:sp>
+        </mc:Choice>
+        <mc:Fallback xmlns="">
+          <p:sp>
+            <p:nvSpPr>
+              <p:cNvPr id="44" name="CasellaDiTesto 43">
+                <a:extLst>
+                  <a:ext uri="{FF2B5EF4-FFF2-40B4-BE49-F238E27FC236}">
+                    <a16:creationId xmlns:a16="http://schemas.microsoft.com/office/drawing/2014/main" id="{343D6FBB-3070-49CD-9B29-0936957D059A}"/>
+                  </a:ext>
+                </a:extLst>
+              </p:cNvPr>
+              <p:cNvSpPr txBox="1">
+                <a:spLocks noRot="1" noChangeAspect="1" noMove="1" noResize="1" noEditPoints="1" noAdjustHandles="1" noChangeArrowheads="1" noChangeShapeType="1" noTextEdit="1"/>
+              </p:cNvSpPr>
+              <p:nvPr/>
+            </p:nvSpPr>
+            <p:spPr>
+              <a:xfrm>
+                <a:off x="5580000" y="1927979"/>
+                <a:ext cx="720000" cy="400110"/>
+              </a:xfrm>
+              <a:prstGeom prst="rect">
+                <a:avLst/>
+              </a:prstGeom>
+              <a:blipFill>
+                <a:blip r:embed="rId5"/>
+                <a:stretch>
+                  <a:fillRect b="-1515"/>
+                </a:stretch>
+              </a:blipFill>
+            </p:spPr>
+            <p:txBody>
+              <a:bodyPr/>
+              <a:lstStyle/>
+              <a:p>
+                <a:r>
+                  <a:rPr lang="it-IT">
+                    <a:noFill/>
+                  </a:rPr>
+                  <a:t> </a:t>
+                </a:r>
+              </a:p>
+            </p:txBody>
+          </p:sp>
+        </mc:Fallback>
+      </mc:AlternateContent>
+      <mc:AlternateContent xmlns:mc="http://schemas.openxmlformats.org/markup-compatibility/2006" xmlns:a14="http://schemas.microsoft.com/office/drawing/2010/main">
+        <mc:Choice Requires="a14">
+          <p:sp>
+            <p:nvSpPr>
+              <p:cNvPr id="45" name="CasellaDiTesto 44">
+                <a:extLst>
+                  <a:ext uri="{FF2B5EF4-FFF2-40B4-BE49-F238E27FC236}">
+                    <a16:creationId xmlns:a16="http://schemas.microsoft.com/office/drawing/2014/main" id="{DD31B2E4-0B31-42A2-BC53-2828323D0B65}"/>
+                  </a:ext>
+                </a:extLst>
+              </p:cNvPr>
+              <p:cNvSpPr txBox="1"/>
+              <p:nvPr/>
+            </p:nvSpPr>
+            <p:spPr>
+              <a:xfrm>
+                <a:off x="5670000" y="2577200"/>
+                <a:ext cx="540000" cy="400110"/>
+              </a:xfrm>
+              <a:prstGeom prst="rect">
+                <a:avLst/>
+              </a:prstGeom>
+              <a:noFill/>
+            </p:spPr>
+            <p:txBody>
+              <a:bodyPr wrap="square" rtlCol="0">
+                <a:spAutoFit/>
+              </a:bodyPr>
+              <a:lstStyle/>
+              <a:p>
+                <a:pPr algn="ctr"/>
+                <a14:m>
+                  <m:oMathPara xmlns:m="http://schemas.openxmlformats.org/officeDocument/2006/math">
+                    <m:oMathParaPr>
+                      <m:jc m:val="center"/>
+                    </m:oMathParaPr>
+                    <m:oMath xmlns:m="http://schemas.openxmlformats.org/officeDocument/2006/math">
+                      <m:sSub>
+                        <m:sSubPr>
+                          <m:ctrlPr>
+                            <a:rPr lang="el-GR" sz="2000" i="1" smtClean="0">
+                              <a:latin typeface="Cambria Math" panose="02040503050406030204" pitchFamily="18" charset="0"/>
+                            </a:rPr>
+                          </m:ctrlPr>
+                        </m:sSubPr>
+                        <m:e>
+                          <m:r>
+                            <m:rPr>
+                              <m:sty m:val="p"/>
+                            </m:rPr>
+                            <a:rPr lang="el-GR" sz="2000" i="1">
+                              <a:latin typeface="Cambria Math" panose="02040503050406030204" pitchFamily="18" charset="0"/>
+                            </a:rPr>
+                            <m:t>Γ</m:t>
+                          </m:r>
+                        </m:e>
+                        <m:sub>
+                          <m:r>
+                            <m:rPr>
+                              <m:sty m:val="p"/>
+                            </m:rPr>
+                            <a:rPr lang="it-IT" sz="2000" b="0" i="0" smtClean="0">
+                              <a:latin typeface="Cambria Math" panose="02040503050406030204" pitchFamily="18" charset="0"/>
+                            </a:rPr>
+                            <m:t>base</m:t>
+                          </m:r>
+                        </m:sub>
+                      </m:sSub>
+                    </m:oMath>
+                  </m:oMathPara>
+                </a14:m>
+                <a:endParaRPr lang="it-IT" sz="1600" i="1" dirty="0"/>
+              </a:p>
+            </p:txBody>
+          </p:sp>
+        </mc:Choice>
+        <mc:Fallback xmlns="">
+          <p:sp>
+            <p:nvSpPr>
+              <p:cNvPr id="45" name="CasellaDiTesto 44">
+                <a:extLst>
+                  <a:ext uri="{FF2B5EF4-FFF2-40B4-BE49-F238E27FC236}">
+                    <a16:creationId xmlns:a16="http://schemas.microsoft.com/office/drawing/2014/main" id="{DD31B2E4-0B31-42A2-BC53-2828323D0B65}"/>
+                  </a:ext>
+                </a:extLst>
+              </p:cNvPr>
+              <p:cNvSpPr txBox="1">
+                <a:spLocks noRot="1" noChangeAspect="1" noMove="1" noResize="1" noEditPoints="1" noAdjustHandles="1" noChangeArrowheads="1" noChangeShapeType="1" noTextEdit="1"/>
+              </p:cNvSpPr>
+              <p:nvPr/>
+            </p:nvSpPr>
+            <p:spPr>
+              <a:xfrm>
+                <a:off x="5670000" y="2577200"/>
+                <a:ext cx="540000" cy="400110"/>
+              </a:xfrm>
+              <a:prstGeom prst="rect">
+                <a:avLst/>
+              </a:prstGeom>
+              <a:blipFill>
+                <a:blip r:embed="rId6"/>
+                <a:stretch>
+                  <a:fillRect l="-20225" r="-5618" b="-3077"/>
+                </a:stretch>
+              </a:blipFill>
+            </p:spPr>
+            <p:txBody>
+              <a:bodyPr/>
+              <a:lstStyle/>
+              <a:p>
+                <a:r>
+                  <a:rPr lang="it-IT">
+                    <a:noFill/>
+                  </a:rPr>
+                  <a:t> </a:t>
+                </a:r>
+              </a:p>
+            </p:txBody>
+          </p:sp>
+        </mc:Fallback>
+      </mc:AlternateContent>
+      <mc:AlternateContent xmlns:mc="http://schemas.openxmlformats.org/markup-compatibility/2006" xmlns:a14="http://schemas.microsoft.com/office/drawing/2010/main">
+        <mc:Choice Requires="a14">
+          <p:sp>
+            <p:nvSpPr>
+              <p:cNvPr id="48" name="CasellaDiTesto 47">
+                <a:extLst>
+                  <a:ext uri="{FF2B5EF4-FFF2-40B4-BE49-F238E27FC236}">
+                    <a16:creationId xmlns:a16="http://schemas.microsoft.com/office/drawing/2014/main" id="{38FF229A-1DC5-43AF-821D-5F7690D9A965}"/>
+                  </a:ext>
+                </a:extLst>
+              </p:cNvPr>
+              <p:cNvSpPr txBox="1"/>
+              <p:nvPr/>
+            </p:nvSpPr>
+            <p:spPr>
+              <a:xfrm>
+                <a:off x="6840000" y="1298209"/>
+                <a:ext cx="720000" cy="400110"/>
+              </a:xfrm>
+              <a:prstGeom prst="rect">
+                <a:avLst/>
+              </a:prstGeom>
+              <a:noFill/>
+            </p:spPr>
+            <p:txBody>
+              <a:bodyPr wrap="square" rtlCol="0">
+                <a:spAutoFit/>
+              </a:bodyPr>
+              <a:lstStyle/>
+              <a:p>
+                <a:pPr algn="ctr"/>
+                <a14:m>
+                  <m:oMathPara xmlns:m="http://schemas.openxmlformats.org/officeDocument/2006/math">
+                    <m:oMathParaPr>
+                      <m:jc m:val="center"/>
+                    </m:oMathParaPr>
+                    <m:oMath xmlns:m="http://schemas.openxmlformats.org/officeDocument/2006/math">
+                      <m:sSub>
+                        <m:sSubPr>
+                          <m:ctrlPr>
+                            <a:rPr lang="el-GR" sz="2000" i="1" smtClean="0">
+                              <a:latin typeface="Cambria Math" panose="02040503050406030204" pitchFamily="18" charset="0"/>
+                            </a:rPr>
+                          </m:ctrlPr>
+                        </m:sSubPr>
+                        <m:e>
+                          <m:r>
+                            <m:rPr>
+                              <m:sty m:val="p"/>
+                            </m:rPr>
+                            <a:rPr lang="el-GR" sz="2000" i="1" smtClean="0">
+                              <a:latin typeface="Cambria Math" panose="02040503050406030204" pitchFamily="18" charset="0"/>
+                            </a:rPr>
+                            <m:t>Ω</m:t>
+                          </m:r>
+                        </m:e>
+                        <m:sub>
+                          <m:r>
+                            <m:rPr>
+                              <m:sty m:val="p"/>
+                            </m:rPr>
+                            <a:rPr lang="it-IT" sz="2000" b="0" i="0" smtClean="0">
+                              <a:latin typeface="Cambria Math" panose="02040503050406030204" pitchFamily="18" charset="0"/>
+                            </a:rPr>
+                            <m:t>ff</m:t>
+                          </m:r>
+                        </m:sub>
+                      </m:sSub>
+                    </m:oMath>
+                  </m:oMathPara>
+                </a14:m>
+                <a:endParaRPr lang="it-IT" sz="1600" i="1" dirty="0"/>
+              </a:p>
+            </p:txBody>
+          </p:sp>
+        </mc:Choice>
+        <mc:Fallback xmlns="">
+          <p:sp>
+            <p:nvSpPr>
+              <p:cNvPr id="48" name="CasellaDiTesto 47">
+                <a:extLst>
+                  <a:ext uri="{FF2B5EF4-FFF2-40B4-BE49-F238E27FC236}">
+                    <a16:creationId xmlns:a16="http://schemas.microsoft.com/office/drawing/2014/main" id="{38FF229A-1DC5-43AF-821D-5F7690D9A965}"/>
+                  </a:ext>
+                </a:extLst>
+              </p:cNvPr>
+              <p:cNvSpPr txBox="1">
+                <a:spLocks noRot="1" noChangeAspect="1" noMove="1" noResize="1" noEditPoints="1" noAdjustHandles="1" noChangeArrowheads="1" noChangeShapeType="1" noTextEdit="1"/>
+              </p:cNvSpPr>
+              <p:nvPr/>
+            </p:nvSpPr>
+            <p:spPr>
+              <a:xfrm>
+                <a:off x="6840000" y="1298209"/>
+                <a:ext cx="720000" cy="400110"/>
+              </a:xfrm>
+              <a:prstGeom prst="rect">
+                <a:avLst/>
+              </a:prstGeom>
+              <a:blipFill>
+                <a:blip r:embed="rId7"/>
+                <a:stretch>
+                  <a:fillRect b="-1515"/>
+                </a:stretch>
+              </a:blipFill>
+            </p:spPr>
+            <p:txBody>
+              <a:bodyPr/>
+              <a:lstStyle/>
+              <a:p>
+                <a:r>
+                  <a:rPr lang="it-IT">
+                    <a:noFill/>
+                  </a:rPr>
+                  <a:t> </a:t>
+                </a:r>
+              </a:p>
+            </p:txBody>
+          </p:sp>
+        </mc:Fallback>
+      </mc:AlternateContent>
+      <mc:AlternateContent xmlns:mc="http://schemas.openxmlformats.org/markup-compatibility/2006" xmlns:a14="http://schemas.microsoft.com/office/drawing/2010/main">
+        <mc:Choice Requires="a14">
+          <p:sp>
+            <p:nvSpPr>
+              <p:cNvPr id="49" name="CasellaDiTesto 48">
+                <a:extLst>
+                  <a:ext uri="{FF2B5EF4-FFF2-40B4-BE49-F238E27FC236}">
+                    <a16:creationId xmlns:a16="http://schemas.microsoft.com/office/drawing/2014/main" id="{12D4378C-A42A-40DB-A3F5-8DB45B736E16}"/>
+                  </a:ext>
+                </a:extLst>
+              </p:cNvPr>
+              <p:cNvSpPr txBox="1"/>
+              <p:nvPr/>
+            </p:nvSpPr>
+            <p:spPr>
+              <a:xfrm>
+                <a:off x="6809399" y="2238958"/>
+                <a:ext cx="720000" cy="423770"/>
+              </a:xfrm>
+              <a:prstGeom prst="rect">
+                <a:avLst/>
+              </a:prstGeom>
+              <a:noFill/>
+            </p:spPr>
+            <p:txBody>
+              <a:bodyPr wrap="square" rtlCol="0">
+                <a:spAutoFit/>
+              </a:bodyPr>
+              <a:lstStyle/>
+              <a:p>
+                <a:pPr algn="ctr"/>
+                <a14:m>
+                  <m:oMathPara xmlns:m="http://schemas.openxmlformats.org/officeDocument/2006/math">
+                    <m:oMathParaPr>
+                      <m:jc m:val="center"/>
+                    </m:oMathParaPr>
+                    <m:oMath xmlns:m="http://schemas.openxmlformats.org/officeDocument/2006/math">
+                      <m:sSub>
+                        <m:sSubPr>
+                          <m:ctrlPr>
+                            <a:rPr lang="el-GR" sz="2000" i="1" smtClean="0">
+                              <a:latin typeface="Cambria Math" panose="02040503050406030204" pitchFamily="18" charset="0"/>
+                            </a:rPr>
+                          </m:ctrlPr>
+                        </m:sSubPr>
+                        <m:e>
+                          <m:r>
+                            <m:rPr>
+                              <m:sty m:val="p"/>
+                            </m:rPr>
+                            <a:rPr lang="el-GR" sz="2000" i="1" smtClean="0">
+                              <a:latin typeface="Cambria Math" panose="02040503050406030204" pitchFamily="18" charset="0"/>
+                            </a:rPr>
+                            <m:t>Ω</m:t>
+                          </m:r>
+                        </m:e>
+                        <m:sub>
+                          <m:r>
+                            <m:rPr>
+                              <m:sty m:val="p"/>
+                            </m:rPr>
+                            <a:rPr lang="it-IT" sz="2000" b="0" i="0" smtClean="0">
+                              <a:latin typeface="Cambria Math" panose="02040503050406030204" pitchFamily="18" charset="0"/>
+                            </a:rPr>
+                            <m:t>pm</m:t>
+                          </m:r>
+                        </m:sub>
+                      </m:sSub>
+                    </m:oMath>
+                  </m:oMathPara>
+                </a14:m>
+                <a:endParaRPr lang="it-IT" sz="1600" i="1" dirty="0"/>
+              </a:p>
+            </p:txBody>
+          </p:sp>
+        </mc:Choice>
+        <mc:Fallback xmlns="">
+          <p:sp>
+            <p:nvSpPr>
+              <p:cNvPr id="49" name="CasellaDiTesto 48">
+                <a:extLst>
+                  <a:ext uri="{FF2B5EF4-FFF2-40B4-BE49-F238E27FC236}">
+                    <a16:creationId xmlns:a16="http://schemas.microsoft.com/office/drawing/2014/main" id="{12D4378C-A42A-40DB-A3F5-8DB45B736E16}"/>
+                  </a:ext>
+                </a:extLst>
+              </p:cNvPr>
+              <p:cNvSpPr txBox="1">
+                <a:spLocks noRot="1" noChangeAspect="1" noMove="1" noResize="1" noEditPoints="1" noAdjustHandles="1" noChangeArrowheads="1" noChangeShapeType="1" noTextEdit="1"/>
+              </p:cNvSpPr>
+              <p:nvPr/>
+            </p:nvSpPr>
+            <p:spPr>
+              <a:xfrm>
+                <a:off x="6809399" y="2238958"/>
+                <a:ext cx="720000" cy="423770"/>
+              </a:xfrm>
+              <a:prstGeom prst="rect">
+                <a:avLst/>
+              </a:prstGeom>
+              <a:blipFill>
+                <a:blip r:embed="rId8"/>
+                <a:stretch>
+                  <a:fillRect b="-5714"/>
+                </a:stretch>
+              </a:blipFill>
+            </p:spPr>
+            <p:txBody>
+              <a:bodyPr/>
+              <a:lstStyle/>
+              <a:p>
+                <a:r>
+                  <a:rPr lang="it-IT">
+                    <a:noFill/>
+                  </a:rPr>
+                  <a:t> </a:t>
+                </a:r>
+              </a:p>
+            </p:txBody>
+          </p:sp>
+        </mc:Fallback>
+      </mc:AlternateContent>
+      <p:cxnSp>
+        <p:nvCxnSpPr>
+          <p:cNvPr id="25" name="Connettore 2 24">
+            <a:extLst>
+              <a:ext uri="{FF2B5EF4-FFF2-40B4-BE49-F238E27FC236}">
+                <a16:creationId xmlns:a16="http://schemas.microsoft.com/office/drawing/2014/main" id="{0A02C1CC-AEED-401C-95DD-8A9D8F3991E4}"/>
+              </a:ext>
+            </a:extLst>
+          </p:cNvPr>
+          <p:cNvCxnSpPr/>
+          <p:nvPr/>
+        </p:nvCxnSpPr>
+        <p:spPr>
+          <a:xfrm>
+            <a:off x="2908074" y="2304000"/>
+            <a:ext cx="0" cy="324000"/>
+          </a:xfrm>
+          <a:prstGeom prst="straightConnector1">
+            <a:avLst/>
+          </a:prstGeom>
+          <a:ln w="12700">
+            <a:solidFill>
+              <a:schemeClr val="tx1"/>
+            </a:solidFill>
+            <a:headEnd type="triangle"/>
+            <a:tailEnd type="triangle"/>
+          </a:ln>
+        </p:spPr>
+        <p:style>
+          <a:lnRef idx="1">
+            <a:schemeClr val="accent1"/>
+          </a:lnRef>
+          <a:fillRef idx="0">
+            <a:schemeClr val="accent1"/>
+          </a:fillRef>
+          <a:effectRef idx="0">
+            <a:schemeClr val="accent1"/>
+          </a:effectRef>
+          <a:fontRef idx="minor">
+            <a:schemeClr val="tx1"/>
+          </a:fontRef>
+        </p:style>
+      </p:cxnSp>
+      <p:cxnSp>
+        <p:nvCxnSpPr>
+          <p:cNvPr id="33" name="Connettore diritto 32">
+            <a:extLst>
+              <a:ext uri="{FF2B5EF4-FFF2-40B4-BE49-F238E27FC236}">
+                <a16:creationId xmlns:a16="http://schemas.microsoft.com/office/drawing/2014/main" id="{FBA2B428-0FB8-4C8D-93C7-58A1EE74361C}"/>
+              </a:ext>
+            </a:extLst>
+          </p:cNvPr>
+          <p:cNvCxnSpPr/>
+          <p:nvPr/>
+        </p:nvCxnSpPr>
+        <p:spPr>
+          <a:xfrm>
+            <a:off x="540000" y="360000"/>
+            <a:ext cx="540000" cy="0"/>
+          </a:xfrm>
+          <a:prstGeom prst="line">
+            <a:avLst/>
+          </a:prstGeom>
+          <a:ln w="12700" cap="sq">
+            <a:prstDash val="solid"/>
+          </a:ln>
+        </p:spPr>
+        <p:style>
+          <a:lnRef idx="1">
+            <a:schemeClr val="dk1"/>
+          </a:lnRef>
+          <a:fillRef idx="0">
+            <a:schemeClr val="dk1"/>
+          </a:fillRef>
+          <a:effectRef idx="0">
+            <a:schemeClr val="dk1"/>
+          </a:effectRef>
+          <a:fontRef idx="minor">
+            <a:schemeClr val="tx1"/>
+          </a:fontRef>
+        </p:style>
+      </p:cxnSp>
+      <p:cxnSp>
+        <p:nvCxnSpPr>
+          <p:cNvPr id="34" name="Connettore diritto 33">
+            <a:extLst>
+              <a:ext uri="{FF2B5EF4-FFF2-40B4-BE49-F238E27FC236}">
+                <a16:creationId xmlns:a16="http://schemas.microsoft.com/office/drawing/2014/main" id="{0C2AC331-7A4B-4AC6-BE9E-7AB0BEBE40C4}"/>
+              </a:ext>
+            </a:extLst>
+          </p:cNvPr>
+          <p:cNvCxnSpPr/>
+          <p:nvPr/>
+        </p:nvCxnSpPr>
+        <p:spPr>
+          <a:xfrm>
+            <a:off x="540000" y="2304000"/>
+            <a:ext cx="540000" cy="0"/>
+          </a:xfrm>
+          <a:prstGeom prst="line">
+            <a:avLst/>
+          </a:prstGeom>
+          <a:ln w="12700" cap="sq">
+            <a:prstDash val="solid"/>
+          </a:ln>
+        </p:spPr>
+        <p:style>
+          <a:lnRef idx="1">
+            <a:schemeClr val="dk1"/>
+          </a:lnRef>
+          <a:fillRef idx="0">
+            <a:schemeClr val="dk1"/>
+          </a:fillRef>
+          <a:effectRef idx="0">
+            <a:schemeClr val="dk1"/>
+          </a:effectRef>
+          <a:fontRef idx="minor">
+            <a:schemeClr val="tx1"/>
+          </a:fontRef>
+        </p:style>
+      </p:cxnSp>
+      <p:cxnSp>
+        <p:nvCxnSpPr>
+          <p:cNvPr id="35" name="Connettore diritto 34">
+            <a:extLst>
+              <a:ext uri="{FF2B5EF4-FFF2-40B4-BE49-F238E27FC236}">
+                <a16:creationId xmlns:a16="http://schemas.microsoft.com/office/drawing/2014/main" id="{C044AA8F-9D35-4A72-9459-63B1459B9E77}"/>
+              </a:ext>
+            </a:extLst>
+          </p:cNvPr>
+          <p:cNvCxnSpPr/>
+          <p:nvPr/>
+        </p:nvCxnSpPr>
+        <p:spPr>
+          <a:xfrm>
+            <a:off x="10260000" y="2304000"/>
+            <a:ext cx="540000" cy="0"/>
+          </a:xfrm>
+          <a:prstGeom prst="line">
+            <a:avLst/>
+          </a:prstGeom>
+          <a:ln w="12700" cap="sq">
+            <a:prstDash val="dash"/>
+          </a:ln>
+        </p:spPr>
+        <p:style>
+          <a:lnRef idx="1">
+            <a:schemeClr val="dk1"/>
+          </a:lnRef>
+          <a:fillRef idx="0">
+            <a:schemeClr val="dk1"/>
+          </a:fillRef>
+          <a:effectRef idx="0">
+            <a:schemeClr val="dk1"/>
+          </a:effectRef>
+          <a:fontRef idx="minor">
+            <a:schemeClr val="tx1"/>
+          </a:fontRef>
+        </p:style>
+      </p:cxnSp>
+      <p:cxnSp>
+        <p:nvCxnSpPr>
+          <p:cNvPr id="36" name="Connettore diritto 35">
+            <a:extLst>
+              <a:ext uri="{FF2B5EF4-FFF2-40B4-BE49-F238E27FC236}">
+                <a16:creationId xmlns:a16="http://schemas.microsoft.com/office/drawing/2014/main" id="{9F10C570-7BB1-4E29-A7E1-47F2A51658E4}"/>
+              </a:ext>
+            </a:extLst>
+          </p:cNvPr>
+          <p:cNvCxnSpPr/>
+          <p:nvPr/>
+        </p:nvCxnSpPr>
+        <p:spPr>
+          <a:xfrm>
+            <a:off x="10260000" y="360000"/>
+            <a:ext cx="540000" cy="0"/>
+          </a:xfrm>
+          <a:prstGeom prst="line">
+            <a:avLst/>
+          </a:prstGeom>
+          <a:ln w="12700" cap="sq">
+            <a:prstDash val="dash"/>
+          </a:ln>
+        </p:spPr>
+        <p:style>
+          <a:lnRef idx="1">
+            <a:schemeClr val="dk1"/>
+          </a:lnRef>
+          <a:fillRef idx="0">
+            <a:schemeClr val="dk1"/>
+          </a:fillRef>
+          <a:effectRef idx="0">
+            <a:schemeClr val="dk1"/>
+          </a:effectRef>
+          <a:fontRef idx="minor">
+            <a:schemeClr val="tx1"/>
+          </a:fontRef>
+        </p:style>
+      </p:cxnSp>
+      <p:cxnSp>
+        <p:nvCxnSpPr>
+          <p:cNvPr id="37" name="Connettore diritto 36">
+            <a:extLst>
+              <a:ext uri="{FF2B5EF4-FFF2-40B4-BE49-F238E27FC236}">
+                <a16:creationId xmlns:a16="http://schemas.microsoft.com/office/drawing/2014/main" id="{0C8FE680-51CF-4D12-B521-8CF4D9E5D874}"/>
+              </a:ext>
+            </a:extLst>
+          </p:cNvPr>
+          <p:cNvCxnSpPr/>
+          <p:nvPr/>
+        </p:nvCxnSpPr>
+        <p:spPr>
+          <a:xfrm>
+            <a:off x="540000" y="360000"/>
+            <a:ext cx="0" cy="1944000"/>
+          </a:xfrm>
+          <a:prstGeom prst="line">
+            <a:avLst/>
+          </a:prstGeom>
+          <a:ln w="12700" cap="sq">
+            <a:solidFill>
+              <a:schemeClr val="tx1"/>
+            </a:solidFill>
+          </a:ln>
+        </p:spPr>
+        <p:style>
+          <a:lnRef idx="1">
+            <a:schemeClr val="accent1"/>
+          </a:lnRef>
+          <a:fillRef idx="0">
+            <a:schemeClr val="accent1"/>
+          </a:fillRef>
+          <a:effectRef idx="0">
+            <a:schemeClr val="accent1"/>
+          </a:effectRef>
+          <a:fontRef idx="minor">
+            <a:schemeClr val="tx1"/>
+          </a:fontRef>
+        </p:style>
+      </p:cxnSp>
+      <p:cxnSp>
+        <p:nvCxnSpPr>
+          <p:cNvPr id="46" name="Connettore diritto 45">
+            <a:extLst>
+              <a:ext uri="{FF2B5EF4-FFF2-40B4-BE49-F238E27FC236}">
+                <a16:creationId xmlns:a16="http://schemas.microsoft.com/office/drawing/2014/main" id="{2F585E8B-ED62-47F7-96BB-434FB8B64EB5}"/>
+              </a:ext>
+            </a:extLst>
+          </p:cNvPr>
+          <p:cNvCxnSpPr/>
+          <p:nvPr/>
+        </p:nvCxnSpPr>
+        <p:spPr>
+          <a:xfrm>
+            <a:off x="11340000" y="360000"/>
+            <a:ext cx="0" cy="1944000"/>
+          </a:xfrm>
+          <a:prstGeom prst="line">
+            <a:avLst/>
+          </a:prstGeom>
+          <a:ln w="12700" cap="sq">
+            <a:solidFill>
+              <a:schemeClr val="tx1"/>
+            </a:solidFill>
+          </a:ln>
+        </p:spPr>
+        <p:style>
+          <a:lnRef idx="1">
+            <a:schemeClr val="accent1"/>
+          </a:lnRef>
+          <a:fillRef idx="0">
+            <a:schemeClr val="accent1"/>
+          </a:fillRef>
+          <a:effectRef idx="0">
+            <a:schemeClr val="accent1"/>
+          </a:effectRef>
+          <a:fontRef idx="minor">
+            <a:schemeClr val="tx1"/>
+          </a:fontRef>
+        </p:style>
+      </p:cxnSp>
+      <mc:AlternateContent xmlns:mc="http://schemas.openxmlformats.org/markup-compatibility/2006">
+        <mc:Choice xmlns:a14="http://schemas.microsoft.com/office/drawing/2010/main" Requires="a14">
+          <p:sp>
+            <p:nvSpPr>
+              <p:cNvPr id="47" name="CasellaDiTesto 46">
+                <a:extLst>
+                  <a:ext uri="{FF2B5EF4-FFF2-40B4-BE49-F238E27FC236}">
+                    <a16:creationId xmlns:a16="http://schemas.microsoft.com/office/drawing/2014/main" id="{22C20C18-A568-4EDF-864F-AC103ABD0B88}"/>
+                  </a:ext>
+                </a:extLst>
+              </p:cNvPr>
+              <p:cNvSpPr txBox="1"/>
+              <p:nvPr/>
+            </p:nvSpPr>
+            <p:spPr>
+              <a:xfrm>
+                <a:off x="379826" y="1098154"/>
+                <a:ext cx="720000" cy="400110"/>
+              </a:xfrm>
+              <a:prstGeom prst="rect">
+                <a:avLst/>
+              </a:prstGeom>
+              <a:noFill/>
+            </p:spPr>
+            <p:txBody>
+              <a:bodyPr wrap="square" rtlCol="0">
+                <a:spAutoFit/>
+              </a:bodyPr>
+              <a:lstStyle/>
+              <a:p>
+                <a:pPr algn="ctr"/>
+                <a14:m>
+                  <m:oMathPara xmlns:m="http://schemas.openxmlformats.org/officeDocument/2006/math">
+                    <m:oMathParaPr>
+                      <m:jc m:val="center"/>
+                    </m:oMathParaPr>
+                    <m:oMath xmlns:m="http://schemas.openxmlformats.org/officeDocument/2006/math">
+                      <m:sSub>
+                        <m:sSubPr>
+                          <m:ctrlPr>
+                            <a:rPr lang="el-GR" sz="2000" i="1" smtClean="0">
+                              <a:latin typeface="Cambria Math" panose="02040503050406030204" pitchFamily="18" charset="0"/>
+                            </a:rPr>
+                          </m:ctrlPr>
+                        </m:sSubPr>
+                        <m:e>
+                          <m:r>
+                            <m:rPr>
+                              <m:sty m:val="p"/>
+                            </m:rPr>
+                            <a:rPr lang="el-GR" sz="2000" i="1">
+                              <a:latin typeface="Cambria Math" panose="02040503050406030204" pitchFamily="18" charset="0"/>
+                            </a:rPr>
+                            <m:t>Γ</m:t>
+                          </m:r>
+                        </m:e>
+                        <m:sub>
+                          <m:r>
+                            <m:rPr>
+                              <m:sty m:val="p"/>
+                            </m:rPr>
+                            <a:rPr lang="it-IT" sz="2000" b="0" i="0" smtClean="0">
+                              <a:latin typeface="Cambria Math" panose="02040503050406030204" pitchFamily="18" charset="0"/>
+                            </a:rPr>
+                            <m:t>in</m:t>
+                          </m:r>
+                        </m:sub>
+                      </m:sSub>
+                    </m:oMath>
+                  </m:oMathPara>
+                </a14:m>
+                <a:endParaRPr lang="it-IT" sz="1600" i="1" dirty="0"/>
+              </a:p>
+            </p:txBody>
+          </p:sp>
+        </mc:Choice>
+        <mc:Fallback>
+          <p:sp>
+            <p:nvSpPr>
+              <p:cNvPr id="47" name="CasellaDiTesto 46">
+                <a:extLst>
+                  <a:ext uri="{FF2B5EF4-FFF2-40B4-BE49-F238E27FC236}">
+                    <a16:creationId xmlns:a16="http://schemas.microsoft.com/office/drawing/2014/main" id="{22C20C18-A568-4EDF-864F-AC103ABD0B88}"/>
+                  </a:ext>
+                </a:extLst>
+              </p:cNvPr>
+              <p:cNvSpPr txBox="1">
+                <a:spLocks noRot="1" noChangeAspect="1" noMove="1" noResize="1" noEditPoints="1" noAdjustHandles="1" noChangeArrowheads="1" noChangeShapeType="1" noTextEdit="1"/>
+              </p:cNvSpPr>
+              <p:nvPr/>
+            </p:nvSpPr>
+            <p:spPr>
+              <a:xfrm>
+                <a:off x="379826" y="1098154"/>
+                <a:ext cx="720000" cy="400110"/>
+              </a:xfrm>
+              <a:prstGeom prst="rect">
+                <a:avLst/>
+              </a:prstGeom>
+              <a:blipFill>
+                <a:blip r:embed="rId9"/>
+                <a:stretch>
+                  <a:fillRect b="-1515"/>
+                </a:stretch>
+              </a:blipFill>
+            </p:spPr>
+            <p:txBody>
+              <a:bodyPr/>
+              <a:lstStyle/>
+              <a:p>
+                <a:r>
+                  <a:rPr lang="it-IT">
+                    <a:noFill/>
+                  </a:rPr>
+                  <a:t> </a:t>
+                </a:r>
+              </a:p>
+            </p:txBody>
+          </p:sp>
+        </mc:Fallback>
+      </mc:AlternateContent>
+      <mc:AlternateContent xmlns:mc="http://schemas.openxmlformats.org/markup-compatibility/2006">
+        <mc:Choice xmlns:a14="http://schemas.microsoft.com/office/drawing/2010/main" Requires="a14">
+          <p:sp>
+            <p:nvSpPr>
+              <p:cNvPr id="50" name="CasellaDiTesto 49">
+                <a:extLst>
+                  <a:ext uri="{FF2B5EF4-FFF2-40B4-BE49-F238E27FC236}">
+                    <a16:creationId xmlns:a16="http://schemas.microsoft.com/office/drawing/2014/main" id="{D8BBBE52-A85B-4644-9FC1-AF64F1CD23F5}"/>
+                  </a:ext>
+                </a:extLst>
+              </p:cNvPr>
+              <p:cNvSpPr txBox="1"/>
+              <p:nvPr/>
+            </p:nvSpPr>
+            <p:spPr>
+              <a:xfrm>
+                <a:off x="10773496" y="1131945"/>
+                <a:ext cx="720000" cy="400110"/>
+              </a:xfrm>
+              <a:prstGeom prst="rect">
+                <a:avLst/>
+              </a:prstGeom>
+              <a:noFill/>
+            </p:spPr>
+            <p:txBody>
+              <a:bodyPr wrap="square" rtlCol="0">
+                <a:spAutoFit/>
+              </a:bodyPr>
+              <a:lstStyle/>
+              <a:p>
+                <a:pPr algn="ctr"/>
+                <a14:m>
+                  <m:oMathPara xmlns:m="http://schemas.openxmlformats.org/officeDocument/2006/math">
+                    <m:oMathParaPr>
+                      <m:jc m:val="center"/>
+                    </m:oMathParaPr>
+                    <m:oMath xmlns:m="http://schemas.openxmlformats.org/officeDocument/2006/math">
+                      <m:sSub>
+                        <m:sSubPr>
+                          <m:ctrlPr>
+                            <a:rPr lang="el-GR" sz="2000" i="1" smtClean="0">
+                              <a:latin typeface="Cambria Math" panose="02040503050406030204" pitchFamily="18" charset="0"/>
+                            </a:rPr>
+                          </m:ctrlPr>
+                        </m:sSubPr>
+                        <m:e>
+                          <m:r>
+                            <m:rPr>
+                              <m:sty m:val="p"/>
+                            </m:rPr>
+                            <a:rPr lang="el-GR" sz="2000" i="1">
+                              <a:latin typeface="Cambria Math" panose="02040503050406030204" pitchFamily="18" charset="0"/>
+                            </a:rPr>
+                            <m:t>Γ</m:t>
+                          </m:r>
+                        </m:e>
+                        <m:sub>
+                          <m:r>
+                            <m:rPr>
+                              <m:sty m:val="p"/>
+                            </m:rPr>
+                            <a:rPr lang="it-IT" sz="2000" b="0" i="0" smtClean="0">
+                              <a:latin typeface="Cambria Math" panose="02040503050406030204" pitchFamily="18" charset="0"/>
+                            </a:rPr>
+                            <m:t>out</m:t>
+                          </m:r>
+                        </m:sub>
+                      </m:sSub>
+                    </m:oMath>
+                  </m:oMathPara>
+                </a14:m>
+                <a:endParaRPr lang="it-IT" sz="1600" i="1" dirty="0"/>
+              </a:p>
+            </p:txBody>
+          </p:sp>
+        </mc:Choice>
+        <mc:Fallback>
+          <p:sp>
+            <p:nvSpPr>
+              <p:cNvPr id="50" name="CasellaDiTesto 49">
+                <a:extLst>
+                  <a:ext uri="{FF2B5EF4-FFF2-40B4-BE49-F238E27FC236}">
+                    <a16:creationId xmlns:a16="http://schemas.microsoft.com/office/drawing/2014/main" id="{D8BBBE52-A85B-4644-9FC1-AF64F1CD23F5}"/>
+                  </a:ext>
+                </a:extLst>
+              </p:cNvPr>
+              <p:cNvSpPr txBox="1">
+                <a:spLocks noRot="1" noChangeAspect="1" noMove="1" noResize="1" noEditPoints="1" noAdjustHandles="1" noChangeArrowheads="1" noChangeShapeType="1" noTextEdit="1"/>
+              </p:cNvSpPr>
+              <p:nvPr/>
+            </p:nvSpPr>
+            <p:spPr>
+              <a:xfrm>
+                <a:off x="10773496" y="1131945"/>
+                <a:ext cx="720000" cy="400110"/>
+              </a:xfrm>
+              <a:prstGeom prst="rect">
+                <a:avLst/>
+              </a:prstGeom>
+              <a:blipFill>
+                <a:blip r:embed="rId10"/>
+                <a:stretch>
+                  <a:fillRect/>
+                </a:stretch>
+              </a:blipFill>
+            </p:spPr>
+            <p:txBody>
+              <a:bodyPr/>
+              <a:lstStyle/>
+              <a:p>
+                <a:r>
+                  <a:rPr lang="it-IT">
+                    <a:noFill/>
+                  </a:rPr>
+                  <a:t> </a:t>
+                </a:r>
+              </a:p>
+            </p:txBody>
+          </p:sp>
+        </mc:Fallback>
+      </mc:AlternateContent>
+      <p:cxnSp>
+        <p:nvCxnSpPr>
+          <p:cNvPr id="61" name="Connettore 2 60">
+            <a:extLst>
+              <a:ext uri="{FF2B5EF4-FFF2-40B4-BE49-F238E27FC236}">
+                <a16:creationId xmlns:a16="http://schemas.microsoft.com/office/drawing/2014/main" id="{A2492631-2BD7-45C6-9FCE-5AD2C09FEE72}"/>
+              </a:ext>
+            </a:extLst>
+          </p:cNvPr>
+          <p:cNvCxnSpPr/>
+          <p:nvPr/>
+        </p:nvCxnSpPr>
+        <p:spPr>
+          <a:xfrm>
+            <a:off x="540000" y="1800000"/>
+            <a:ext cx="2160000" cy="0"/>
+          </a:xfrm>
+          <a:prstGeom prst="straightConnector1">
+            <a:avLst/>
+          </a:prstGeom>
+          <a:ln w="12700">
+            <a:solidFill>
+              <a:schemeClr val="tx1"/>
+            </a:solidFill>
+            <a:headEnd type="triangle"/>
+            <a:tailEnd type="triangle"/>
+          </a:ln>
+        </p:spPr>
+        <p:style>
+          <a:lnRef idx="1">
+            <a:schemeClr val="accent1"/>
+          </a:lnRef>
+          <a:fillRef idx="0">
+            <a:schemeClr val="accent1"/>
+          </a:fillRef>
+          <a:effectRef idx="0">
+            <a:schemeClr val="accent1"/>
+          </a:effectRef>
+          <a:fontRef idx="minor">
+            <a:schemeClr val="tx1"/>
+          </a:fontRef>
+        </p:style>
+      </p:cxnSp>
+      <p:cxnSp>
+        <p:nvCxnSpPr>
+          <p:cNvPr id="62" name="Connettore 2 61">
+            <a:extLst>
+              <a:ext uri="{FF2B5EF4-FFF2-40B4-BE49-F238E27FC236}">
+                <a16:creationId xmlns:a16="http://schemas.microsoft.com/office/drawing/2014/main" id="{05954F07-1CCD-425B-9489-CF879DF35AB6}"/>
+              </a:ext>
+            </a:extLst>
+          </p:cNvPr>
+          <p:cNvCxnSpPr/>
+          <p:nvPr/>
+        </p:nvCxnSpPr>
+        <p:spPr>
+          <a:xfrm>
+            <a:off x="2700000" y="1800000"/>
+            <a:ext cx="1620000" cy="0"/>
+          </a:xfrm>
+          <a:prstGeom prst="straightConnector1">
+            <a:avLst/>
+          </a:prstGeom>
+          <a:ln w="12700">
+            <a:solidFill>
+              <a:schemeClr val="tx1"/>
+            </a:solidFill>
+            <a:headEnd type="triangle"/>
+            <a:tailEnd type="triangle"/>
+          </a:ln>
+        </p:spPr>
+        <p:style>
+          <a:lnRef idx="1">
+            <a:schemeClr val="accent1"/>
+          </a:lnRef>
+          <a:fillRef idx="0">
+            <a:schemeClr val="accent1"/>
+          </a:fillRef>
+          <a:effectRef idx="0">
+            <a:schemeClr val="accent1"/>
+          </a:effectRef>
+          <a:fontRef idx="minor">
+            <a:schemeClr val="tx1"/>
+          </a:fontRef>
+        </p:style>
+      </p:cxnSp>
+      <p:cxnSp>
+        <p:nvCxnSpPr>
+          <p:cNvPr id="63" name="Connettore 2 62">
+            <a:extLst>
+              <a:ext uri="{FF2B5EF4-FFF2-40B4-BE49-F238E27FC236}">
+                <a16:creationId xmlns:a16="http://schemas.microsoft.com/office/drawing/2014/main" id="{E4F1FDA1-9EAC-4C08-B71E-BFE0BD443455}"/>
+              </a:ext>
+            </a:extLst>
+          </p:cNvPr>
+          <p:cNvCxnSpPr/>
+          <p:nvPr/>
+        </p:nvCxnSpPr>
+        <p:spPr>
+          <a:xfrm>
+            <a:off x="4320000" y="1800000"/>
+            <a:ext cx="3240000" cy="0"/>
+          </a:xfrm>
+          <a:prstGeom prst="straightConnector1">
+            <a:avLst/>
+          </a:prstGeom>
+          <a:ln w="12700">
+            <a:solidFill>
+              <a:schemeClr val="tx1"/>
+            </a:solidFill>
+            <a:headEnd type="triangle"/>
+            <a:tailEnd type="triangle"/>
+          </a:ln>
+        </p:spPr>
+        <p:style>
+          <a:lnRef idx="1">
+            <a:schemeClr val="accent1"/>
+          </a:lnRef>
+          <a:fillRef idx="0">
+            <a:schemeClr val="accent1"/>
+          </a:fillRef>
+          <a:effectRef idx="0">
+            <a:schemeClr val="accent1"/>
+          </a:effectRef>
+          <a:fontRef idx="minor">
+            <a:schemeClr val="tx1"/>
+          </a:fontRef>
+        </p:style>
+      </p:cxnSp>
+      <p:cxnSp>
+        <p:nvCxnSpPr>
+          <p:cNvPr id="64" name="Connettore 2 63">
+            <a:extLst>
+              <a:ext uri="{FF2B5EF4-FFF2-40B4-BE49-F238E27FC236}">
+                <a16:creationId xmlns:a16="http://schemas.microsoft.com/office/drawing/2014/main" id="{3A15269D-FA14-4D64-BB20-5C03628C07C7}"/>
+              </a:ext>
+            </a:extLst>
+          </p:cNvPr>
+          <p:cNvCxnSpPr/>
+          <p:nvPr/>
+        </p:nvCxnSpPr>
+        <p:spPr>
+          <a:xfrm>
+            <a:off x="9180000" y="1800000"/>
+            <a:ext cx="2160000" cy="0"/>
+          </a:xfrm>
+          <a:prstGeom prst="straightConnector1">
+            <a:avLst/>
+          </a:prstGeom>
+          <a:ln w="12700">
+            <a:solidFill>
+              <a:schemeClr val="tx1"/>
+            </a:solidFill>
+            <a:headEnd type="triangle"/>
+            <a:tailEnd type="triangle"/>
+          </a:ln>
+        </p:spPr>
+        <p:style>
+          <a:lnRef idx="1">
+            <a:schemeClr val="accent1"/>
+          </a:lnRef>
+          <a:fillRef idx="0">
+            <a:schemeClr val="accent1"/>
+          </a:fillRef>
+          <a:effectRef idx="0">
+            <a:schemeClr val="accent1"/>
+          </a:effectRef>
+          <a:fontRef idx="minor">
+            <a:schemeClr val="tx1"/>
+          </a:fontRef>
+        </p:style>
+      </p:cxnSp>
+      <p:cxnSp>
+        <p:nvCxnSpPr>
+          <p:cNvPr id="65" name="Connettore 2 64">
+            <a:extLst>
+              <a:ext uri="{FF2B5EF4-FFF2-40B4-BE49-F238E27FC236}">
+                <a16:creationId xmlns:a16="http://schemas.microsoft.com/office/drawing/2014/main" id="{11B7311E-0B77-4F34-8FD5-18CD2648E08F}"/>
+              </a:ext>
+            </a:extLst>
+          </p:cNvPr>
+          <p:cNvCxnSpPr/>
+          <p:nvPr/>
+        </p:nvCxnSpPr>
+        <p:spPr>
+          <a:xfrm>
+            <a:off x="7560000" y="1800000"/>
+            <a:ext cx="1620000" cy="0"/>
+          </a:xfrm>
+          <a:prstGeom prst="straightConnector1">
+            <a:avLst/>
+          </a:prstGeom>
+          <a:ln w="12700">
+            <a:solidFill>
+              <a:schemeClr val="tx1"/>
+            </a:solidFill>
+            <a:headEnd type="triangle"/>
+            <a:tailEnd type="triangle"/>
+          </a:ln>
+        </p:spPr>
+        <p:style>
+          <a:lnRef idx="1">
+            <a:schemeClr val="accent1"/>
+          </a:lnRef>
+          <a:fillRef idx="0">
+            <a:schemeClr val="accent1"/>
+          </a:fillRef>
+          <a:effectRef idx="0">
+            <a:schemeClr val="accent1"/>
+          </a:effectRef>
+          <a:fontRef idx="minor">
+            <a:schemeClr val="tx1"/>
+          </a:fontRef>
+        </p:style>
+      </p:cxnSp>
+      <p:sp>
+        <p:nvSpPr>
+          <p:cNvPr id="66" name="CasellaDiTesto 65">
+            <a:extLst>
+              <a:ext uri="{FF2B5EF4-FFF2-40B4-BE49-F238E27FC236}">
+                <a16:creationId xmlns:a16="http://schemas.microsoft.com/office/drawing/2014/main" id="{6B4AD4DC-782A-43A8-B4EE-2D52BA46E4DA}"/>
+              </a:ext>
+            </a:extLst>
+          </p:cNvPr>
+          <p:cNvSpPr txBox="1"/>
+          <p:nvPr/>
+        </p:nvSpPr>
+        <p:spPr>
+          <a:xfrm>
+            <a:off x="1175569" y="1530000"/>
+            <a:ext cx="1063437" cy="338554"/>
+          </a:xfrm>
+          <a:prstGeom prst="rect">
+            <a:avLst/>
+          </a:prstGeom>
+          <a:noFill/>
+        </p:spPr>
+        <p:txBody>
+          <a:bodyPr wrap="square" rtlCol="0">
+            <a:spAutoFit/>
+          </a:bodyPr>
+          <a:lstStyle/>
+          <a:p>
+            <a:pPr algn="ctr"/>
+            <a:r>
+              <a:rPr lang="it-IT" sz="1600" dirty="0"/>
+              <a:t>4 m</a:t>
+            </a:r>
+          </a:p>
+        </p:txBody>
+      </p:sp>
+      <p:sp>
+        <p:nvSpPr>
+          <p:cNvPr id="67" name="CasellaDiTesto 66">
+            <a:extLst>
+              <a:ext uri="{FF2B5EF4-FFF2-40B4-BE49-F238E27FC236}">
+                <a16:creationId xmlns:a16="http://schemas.microsoft.com/office/drawing/2014/main" id="{99157980-CBBF-479E-8C85-B38B80F1B0AF}"/>
+              </a:ext>
+            </a:extLst>
+          </p:cNvPr>
+          <p:cNvSpPr txBox="1"/>
+          <p:nvPr/>
+        </p:nvSpPr>
+        <p:spPr>
+          <a:xfrm>
+            <a:off x="2876817" y="1530000"/>
+            <a:ext cx="1063437" cy="338554"/>
+          </a:xfrm>
+          <a:prstGeom prst="rect">
+            <a:avLst/>
+          </a:prstGeom>
+          <a:noFill/>
+        </p:spPr>
+        <p:txBody>
+          <a:bodyPr wrap="square" rtlCol="0">
+            <a:spAutoFit/>
+          </a:bodyPr>
+          <a:lstStyle/>
+          <a:p>
+            <a:pPr algn="ctr"/>
+            <a:r>
+              <a:rPr lang="it-IT" sz="1600" dirty="0"/>
+              <a:t>0.5 m</a:t>
+            </a:r>
+          </a:p>
+        </p:txBody>
+      </p:sp>
+      <p:sp>
+        <p:nvSpPr>
+          <p:cNvPr id="68" name="CasellaDiTesto 67">
+            <a:extLst>
+              <a:ext uri="{FF2B5EF4-FFF2-40B4-BE49-F238E27FC236}">
+                <a16:creationId xmlns:a16="http://schemas.microsoft.com/office/drawing/2014/main" id="{369D114E-CAE5-4A8F-A760-3D9B22CA93B9}"/>
+              </a:ext>
+            </a:extLst>
+          </p:cNvPr>
+          <p:cNvSpPr txBox="1"/>
+          <p:nvPr/>
+        </p:nvSpPr>
+        <p:spPr>
+          <a:xfrm>
+            <a:off x="5336435" y="1530000"/>
+            <a:ext cx="1063437" cy="338554"/>
+          </a:xfrm>
+          <a:prstGeom prst="rect">
+            <a:avLst/>
+          </a:prstGeom>
+          <a:noFill/>
+        </p:spPr>
+        <p:txBody>
+          <a:bodyPr wrap="square" rtlCol="0">
+            <a:spAutoFit/>
+          </a:bodyPr>
+          <a:lstStyle/>
+          <a:p>
+            <a:pPr algn="ctr"/>
+            <a:r>
+              <a:rPr lang="it-IT" sz="1600" dirty="0"/>
+              <a:t>1 m</a:t>
+            </a:r>
+          </a:p>
+        </p:txBody>
+      </p:sp>
+      <p:sp>
+        <p:nvSpPr>
+          <p:cNvPr id="69" name="CasellaDiTesto 68">
+            <a:extLst>
+              <a:ext uri="{FF2B5EF4-FFF2-40B4-BE49-F238E27FC236}">
+                <a16:creationId xmlns:a16="http://schemas.microsoft.com/office/drawing/2014/main" id="{BC4BB103-B7B1-45A2-A88F-DEE4A0D092A7}"/>
+              </a:ext>
+            </a:extLst>
+          </p:cNvPr>
+          <p:cNvSpPr txBox="1"/>
+          <p:nvPr/>
+        </p:nvSpPr>
+        <p:spPr>
+          <a:xfrm>
+            <a:off x="7804845" y="1530000"/>
+            <a:ext cx="1063437" cy="338554"/>
+          </a:xfrm>
+          <a:prstGeom prst="rect">
+            <a:avLst/>
+          </a:prstGeom>
+          <a:noFill/>
+        </p:spPr>
+        <p:txBody>
+          <a:bodyPr wrap="square" rtlCol="0">
+            <a:spAutoFit/>
+          </a:bodyPr>
+          <a:lstStyle/>
+          <a:p>
+            <a:pPr algn="ctr"/>
+            <a:r>
+              <a:rPr lang="it-IT" sz="1600" dirty="0"/>
+              <a:t>0.5 m</a:t>
+            </a:r>
+          </a:p>
+        </p:txBody>
+      </p:sp>
+      <p:sp>
+        <p:nvSpPr>
+          <p:cNvPr id="70" name="CasellaDiTesto 69">
+            <a:extLst>
+              <a:ext uri="{FF2B5EF4-FFF2-40B4-BE49-F238E27FC236}">
+                <a16:creationId xmlns:a16="http://schemas.microsoft.com/office/drawing/2014/main" id="{D7147070-61D0-4562-8076-82A8B930E052}"/>
+              </a:ext>
+            </a:extLst>
+          </p:cNvPr>
+          <p:cNvSpPr txBox="1"/>
+          <p:nvPr/>
+        </p:nvSpPr>
+        <p:spPr>
+          <a:xfrm>
+            <a:off x="9667373" y="1530000"/>
+            <a:ext cx="1063437" cy="338554"/>
+          </a:xfrm>
+          <a:prstGeom prst="rect">
+            <a:avLst/>
+          </a:prstGeom>
+          <a:noFill/>
+        </p:spPr>
+        <p:txBody>
+          <a:bodyPr wrap="square" rtlCol="0">
+            <a:spAutoFit/>
+          </a:bodyPr>
+          <a:lstStyle/>
+          <a:p>
+            <a:pPr algn="ctr"/>
+            <a:r>
+              <a:rPr lang="it-IT" sz="1600" dirty="0"/>
+              <a:t>1 m</a:t>
+            </a:r>
+          </a:p>
+        </p:txBody>
+      </p:sp>
+      <p:cxnSp>
+        <p:nvCxnSpPr>
+          <p:cNvPr id="71" name="Connettore 2 70">
+            <a:extLst>
+              <a:ext uri="{FF2B5EF4-FFF2-40B4-BE49-F238E27FC236}">
+                <a16:creationId xmlns:a16="http://schemas.microsoft.com/office/drawing/2014/main" id="{766A81DA-B0EA-4C07-BD40-42DEC4635A41}"/>
+              </a:ext>
+            </a:extLst>
+          </p:cNvPr>
+          <p:cNvCxnSpPr/>
+          <p:nvPr/>
+        </p:nvCxnSpPr>
+        <p:spPr>
+          <a:xfrm>
+            <a:off x="2908800" y="360000"/>
+            <a:ext cx="0" cy="1944000"/>
+          </a:xfrm>
+          <a:prstGeom prst="straightConnector1">
+            <a:avLst/>
+          </a:prstGeom>
+          <a:ln w="12700">
+            <a:solidFill>
+              <a:schemeClr val="tx1"/>
+            </a:solidFill>
+            <a:headEnd type="triangle"/>
+            <a:tailEnd type="triangle"/>
+          </a:ln>
+        </p:spPr>
+        <p:style>
+          <a:lnRef idx="1">
+            <a:schemeClr val="accent1"/>
+          </a:lnRef>
+          <a:fillRef idx="0">
+            <a:schemeClr val="accent1"/>
+          </a:fillRef>
+          <a:effectRef idx="0">
+            <a:schemeClr val="accent1"/>
+          </a:effectRef>
+          <a:fontRef idx="minor">
+            <a:schemeClr val="tx1"/>
+          </a:fontRef>
+        </p:style>
+      </p:cxnSp>
+      <p:sp>
+        <p:nvSpPr>
+          <p:cNvPr id="72" name="CasellaDiTesto 71">
+            <a:extLst>
+              <a:ext uri="{FF2B5EF4-FFF2-40B4-BE49-F238E27FC236}">
+                <a16:creationId xmlns:a16="http://schemas.microsoft.com/office/drawing/2014/main" id="{B7FF1A8F-ACD1-4D3A-AFCF-CA2CC1DB7229}"/>
+              </a:ext>
+            </a:extLst>
+          </p:cNvPr>
+          <p:cNvSpPr txBox="1"/>
+          <p:nvPr/>
+        </p:nvSpPr>
+        <p:spPr>
+          <a:xfrm>
+            <a:off x="2119186" y="973723"/>
+            <a:ext cx="1063437" cy="338554"/>
+          </a:xfrm>
+          <a:prstGeom prst="rect">
+            <a:avLst/>
+          </a:prstGeom>
+          <a:noFill/>
+        </p:spPr>
+        <p:txBody>
+          <a:bodyPr wrap="square" rtlCol="0">
+            <a:spAutoFit/>
+          </a:bodyPr>
+          <a:lstStyle/>
+          <a:p>
+            <a:pPr algn="ctr"/>
+            <a:r>
+              <a:rPr lang="it-IT" sz="1600" dirty="0"/>
+              <a:t>0.6 m</a:t>
+            </a:r>
+          </a:p>
+        </p:txBody>
+      </p:sp>
+    </p:spTree>
+    <p:extLst>
+      <p:ext uri="{BB962C8B-B14F-4D97-AF65-F5344CB8AC3E}">
+        <p14:creationId xmlns:p14="http://schemas.microsoft.com/office/powerpoint/2010/main" val="1749299928"/>
+      </p:ext>
+    </p:extLst>
+  </p:cSld>
+  <p:clrMapOvr>
+    <a:masterClrMapping/>
+  </p:clrMapOvr>
+</p:sld>
+</file>
+
+<file path=ppt/slides/slide2.xml><?xml version="1.0" encoding="utf-8"?>
+<p:sld xmlns:a="http://schemas.openxmlformats.org/drawingml/2006/main" xmlns:r="http://schemas.openxmlformats.org/officeDocument/2006/relationships" xmlns:p="http://schemas.openxmlformats.org/presentationml/2006/main">
+  <p:cSld>
+    <p:spTree>
+      <p:nvGrpSpPr>
+        <p:cNvPr id="1" name=""/>
+        <p:cNvGrpSpPr/>
+        <p:nvPr/>
+      </p:nvGrpSpPr>
+      <p:grpSpPr>
+        <a:xfrm>
+          <a:off x="0" y="0"/>
+          <a:ext cx="0" cy="0"/>
+          <a:chOff x="0" y="0"/>
+          <a:chExt cx="0" cy="0"/>
+        </a:xfrm>
+      </p:grpSpPr>
+      <p:grpSp>
+        <p:nvGrpSpPr>
+          <p:cNvPr id="14" name="Gruppo 13">
+            <a:extLst>
+              <a:ext uri="{FF2B5EF4-FFF2-40B4-BE49-F238E27FC236}">
+                <a16:creationId xmlns:a16="http://schemas.microsoft.com/office/drawing/2014/main" id="{3A51FD34-A8CB-4665-832E-B2D4186332CF}"/>
+              </a:ext>
+            </a:extLst>
+          </p:cNvPr>
+          <p:cNvGrpSpPr/>
+          <p:nvPr/>
+        </p:nvGrpSpPr>
+        <p:grpSpPr>
+          <a:xfrm>
+            <a:off x="838899" y="1389826"/>
+            <a:ext cx="10431267" cy="4329790"/>
+            <a:chOff x="838899" y="1389826"/>
+            <a:chExt cx="10431267" cy="4329790"/>
+          </a:xfrm>
+        </p:grpSpPr>
+        <p:pic>
+          <p:nvPicPr>
+            <p:cNvPr id="5" name="Immagine 4">
+              <a:extLst>
+                <a:ext uri="{FF2B5EF4-FFF2-40B4-BE49-F238E27FC236}">
+                  <a16:creationId xmlns:a16="http://schemas.microsoft.com/office/drawing/2014/main" id="{72309BB8-2D6B-46A1-B307-E7E345905784}"/>
+                </a:ext>
+              </a:extLst>
+            </p:cNvPr>
+            <p:cNvPicPr>
+              <a:picLocks noChangeAspect="1"/>
+            </p:cNvPicPr>
+            <p:nvPr/>
+          </p:nvPicPr>
+          <p:blipFill>
+            <a:blip r:embed="rId2">
+              <a:extLst>
+                <a:ext uri="{28A0092B-C50C-407E-A947-70E740481C1C}">
+                  <a14:useLocalDpi xmlns:a14="http://schemas.microsoft.com/office/drawing/2010/main" val="0"/>
+                </a:ext>
+              </a:extLst>
+            </a:blip>
+            <a:stretch>
+              <a:fillRect/>
+            </a:stretch>
+          </p:blipFill>
+          <p:spPr>
+            <a:xfrm>
+              <a:off x="921833" y="1389826"/>
+              <a:ext cx="10348333" cy="4078348"/>
+            </a:xfrm>
+            <a:prstGeom prst="rect">
+              <a:avLst/>
+            </a:prstGeom>
+          </p:spPr>
+        </p:pic>
+        <p:cxnSp>
+          <p:nvCxnSpPr>
+            <p:cNvPr id="7" name="Connettore 2 6">
+              <a:extLst>
+                <a:ext uri="{FF2B5EF4-FFF2-40B4-BE49-F238E27FC236}">
+                  <a16:creationId xmlns:a16="http://schemas.microsoft.com/office/drawing/2014/main" id="{A72C0A93-A148-4A8A-A9D0-A5E14ECB3A91}"/>
+                </a:ext>
+              </a:extLst>
+            </p:cNvPr>
+            <p:cNvCxnSpPr>
+              <a:cxnSpLocks/>
+            </p:cNvCxnSpPr>
+            <p:nvPr/>
+          </p:nvCxnSpPr>
+          <p:spPr>
+            <a:xfrm>
+              <a:off x="838899" y="5544000"/>
+              <a:ext cx="4177718" cy="0"/>
+            </a:xfrm>
+            <a:prstGeom prst="straightConnector1">
+              <a:avLst/>
+            </a:prstGeom>
+            <a:ln w="19050">
+              <a:solidFill>
+                <a:schemeClr val="tx1"/>
+              </a:solidFill>
+              <a:tailEnd type="arrow" w="lg" len="lg"/>
+            </a:ln>
+          </p:spPr>
+          <p:style>
+            <a:lnRef idx="1">
+              <a:schemeClr val="accent1"/>
+            </a:lnRef>
+            <a:fillRef idx="0">
+              <a:schemeClr val="accent1"/>
+            </a:fillRef>
+            <a:effectRef idx="0">
+              <a:schemeClr val="accent1"/>
+            </a:effectRef>
+            <a:fontRef idx="minor">
+              <a:schemeClr val="tx1"/>
+            </a:fontRef>
+          </p:style>
+        </p:cxnSp>
+        <p:cxnSp>
+          <p:nvCxnSpPr>
+            <p:cNvPr id="10" name="Connettore diritto 9">
+              <a:extLst>
+                <a:ext uri="{FF2B5EF4-FFF2-40B4-BE49-F238E27FC236}">
+                  <a16:creationId xmlns:a16="http://schemas.microsoft.com/office/drawing/2014/main" id="{208F4A30-EE62-42E3-BF08-411FB9242613}"/>
+                </a:ext>
+              </a:extLst>
+            </p:cNvPr>
+            <p:cNvCxnSpPr>
+              <a:cxnSpLocks/>
+            </p:cNvCxnSpPr>
+            <p:nvPr/>
+          </p:nvCxnSpPr>
+          <p:spPr>
+            <a:xfrm>
+              <a:off x="1013346" y="5472000"/>
+              <a:ext cx="0" cy="144000"/>
+            </a:xfrm>
+            <a:prstGeom prst="line">
+              <a:avLst/>
+            </a:prstGeom>
+            <a:ln w="19050">
+              <a:solidFill>
+                <a:schemeClr val="tx1"/>
+              </a:solidFill>
+            </a:ln>
+          </p:spPr>
+          <p:style>
+            <a:lnRef idx="1">
+              <a:schemeClr val="accent1"/>
+            </a:lnRef>
+            <a:fillRef idx="0">
+              <a:schemeClr val="accent1"/>
+            </a:fillRef>
+            <a:effectRef idx="0">
+              <a:schemeClr val="accent1"/>
+            </a:effectRef>
+            <a:fontRef idx="minor">
+              <a:schemeClr val="tx1"/>
+            </a:fontRef>
+          </p:style>
+        </p:cxnSp>
+        <mc:AlternateContent xmlns:mc="http://schemas.openxmlformats.org/markup-compatibility/2006" xmlns:a14="http://schemas.microsoft.com/office/drawing/2010/main">
+          <mc:Choice Requires="a14">
+            <p:sp>
+              <p:nvSpPr>
+                <p:cNvPr id="12" name="CasellaDiTesto 11">
+                  <a:extLst>
+                    <a:ext uri="{FF2B5EF4-FFF2-40B4-BE49-F238E27FC236}">
+                      <a16:creationId xmlns:a16="http://schemas.microsoft.com/office/drawing/2014/main" id="{1D77C4A7-9957-422F-BCDC-8B1689AAB143}"/>
+                    </a:ext>
+                  </a:extLst>
+                </p:cNvPr>
+                <p:cNvSpPr txBox="1"/>
+                <p:nvPr/>
+              </p:nvSpPr>
+              <p:spPr>
+                <a:xfrm>
+                  <a:off x="884663" y="5073286"/>
+                  <a:ext cx="280525" cy="430887"/>
+                </a:xfrm>
+                <a:prstGeom prst="rect">
+                  <a:avLst/>
+                </a:prstGeom>
+                <a:noFill/>
+              </p:spPr>
+              <p:txBody>
+                <a:bodyPr wrap="none" lIns="0" tIns="0" rIns="0" bIns="0" rtlCol="0">
+                  <a:spAutoFit/>
+                </a:bodyPr>
+                <a:lstStyle/>
+                <a:p>
+                  <a:pPr/>
+                  <a14:m>
+                    <m:oMathPara xmlns:m="http://schemas.openxmlformats.org/officeDocument/2006/math">
+                      <m:oMathParaPr>
+                        <m:jc m:val="centerGroup"/>
+                      </m:oMathParaPr>
+                      <m:oMath xmlns:m="http://schemas.openxmlformats.org/officeDocument/2006/math">
+                        <m:r>
+                          <a:rPr lang="it-IT" sz="2800" b="0" i="1" smtClean="0">
+                            <a:latin typeface="Cambria Math" panose="02040503050406030204" pitchFamily="18" charset="0"/>
+                          </a:rPr>
+                          <m:t>0</m:t>
+                        </m:r>
+                      </m:oMath>
+                    </m:oMathPara>
+                  </a14:m>
+                  <a:endParaRPr lang="it-IT" dirty="0"/>
+                </a:p>
+              </p:txBody>
+            </p:sp>
+          </mc:Choice>
+          <mc:Fallback xmlns="">
+            <p:sp>
+              <p:nvSpPr>
+                <p:cNvPr id="12" name="CasellaDiTesto 11">
+                  <a:extLst>
+                    <a:ext uri="{FF2B5EF4-FFF2-40B4-BE49-F238E27FC236}">
+                      <a16:creationId xmlns:a16="http://schemas.microsoft.com/office/drawing/2014/main" id="{1D77C4A7-9957-422F-BCDC-8B1689AAB143}"/>
+                    </a:ext>
+                  </a:extLst>
+                </p:cNvPr>
+                <p:cNvSpPr txBox="1">
+                  <a:spLocks noRot="1" noChangeAspect="1" noMove="1" noResize="1" noEditPoints="1" noAdjustHandles="1" noChangeArrowheads="1" noChangeShapeType="1" noTextEdit="1"/>
+                </p:cNvSpPr>
+                <p:nvPr/>
+              </p:nvSpPr>
+              <p:spPr>
+                <a:xfrm>
+                  <a:off x="884663" y="5073286"/>
+                  <a:ext cx="280525" cy="430887"/>
+                </a:xfrm>
+                <a:prstGeom prst="rect">
+                  <a:avLst/>
+                </a:prstGeom>
+                <a:blipFill>
+                  <a:blip r:embed="rId3"/>
+                  <a:stretch>
+                    <a:fillRect/>
+                  </a:stretch>
+                </a:blipFill>
+              </p:spPr>
+              <p:txBody>
+                <a:bodyPr/>
+                <a:lstStyle/>
+                <a:p>
+                  <a:r>
+                    <a:rPr lang="it-IT">
+                      <a:noFill/>
+                    </a:rPr>
+                    <a:t> </a:t>
+                  </a:r>
+                </a:p>
+              </p:txBody>
+            </p:sp>
+          </mc:Fallback>
+        </mc:AlternateContent>
+        <mc:AlternateContent xmlns:mc="http://schemas.openxmlformats.org/markup-compatibility/2006" xmlns:a14="http://schemas.microsoft.com/office/drawing/2010/main">
+          <mc:Choice Requires="a14">
+            <p:sp>
+              <p:nvSpPr>
+                <p:cNvPr id="13" name="CasellaDiTesto 12">
+                  <a:extLst>
+                    <a:ext uri="{FF2B5EF4-FFF2-40B4-BE49-F238E27FC236}">
+                      <a16:creationId xmlns:a16="http://schemas.microsoft.com/office/drawing/2014/main" id="{7F8557EE-143D-4A4C-B26D-6CA51B36B048}"/>
+                    </a:ext>
+                  </a:extLst>
+                </p:cNvPr>
+                <p:cNvSpPr txBox="1"/>
+                <p:nvPr/>
+              </p:nvSpPr>
+              <p:spPr>
+                <a:xfrm>
+                  <a:off x="5003594" y="5288729"/>
+                  <a:ext cx="283411" cy="430887"/>
+                </a:xfrm>
+                <a:prstGeom prst="rect">
+                  <a:avLst/>
+                </a:prstGeom>
+                <a:noFill/>
+              </p:spPr>
+              <p:txBody>
+                <a:bodyPr wrap="none" lIns="0" tIns="0" rIns="0" bIns="0" rtlCol="0">
+                  <a:spAutoFit/>
+                </a:bodyPr>
+                <a:lstStyle/>
+                <a:p>
+                  <a:pPr/>
+                  <a14:m>
+                    <m:oMathPara xmlns:m="http://schemas.openxmlformats.org/officeDocument/2006/math">
+                      <m:oMathParaPr>
+                        <m:jc m:val="centerGroup"/>
+                      </m:oMathParaPr>
+                      <m:oMath xmlns:m="http://schemas.openxmlformats.org/officeDocument/2006/math">
+                        <m:r>
+                          <a:rPr lang="it-IT" sz="2800" b="0" i="1" smtClean="0">
+                            <a:latin typeface="Cambria Math" panose="02040503050406030204" pitchFamily="18" charset="0"/>
+                          </a:rPr>
+                          <m:t>𝑥</m:t>
+                        </m:r>
+                      </m:oMath>
+                    </m:oMathPara>
+                  </a14:m>
+                  <a:endParaRPr lang="it-IT" sz="2800" dirty="0"/>
+                </a:p>
+              </p:txBody>
+            </p:sp>
+          </mc:Choice>
+          <mc:Fallback xmlns="">
+            <p:sp>
+              <p:nvSpPr>
+                <p:cNvPr id="13" name="CasellaDiTesto 12">
+                  <a:extLst>
+                    <a:ext uri="{FF2B5EF4-FFF2-40B4-BE49-F238E27FC236}">
+                      <a16:creationId xmlns:a16="http://schemas.microsoft.com/office/drawing/2014/main" id="{7F8557EE-143D-4A4C-B26D-6CA51B36B048}"/>
+                    </a:ext>
+                  </a:extLst>
+                </p:cNvPr>
+                <p:cNvSpPr txBox="1">
+                  <a:spLocks noRot="1" noChangeAspect="1" noMove="1" noResize="1" noEditPoints="1" noAdjustHandles="1" noChangeArrowheads="1" noChangeShapeType="1" noTextEdit="1"/>
+                </p:cNvSpPr>
+                <p:nvPr/>
+              </p:nvSpPr>
+              <p:spPr>
+                <a:xfrm>
+                  <a:off x="5003594" y="5288729"/>
+                  <a:ext cx="283411" cy="430887"/>
+                </a:xfrm>
+                <a:prstGeom prst="rect">
+                  <a:avLst/>
+                </a:prstGeom>
+                <a:blipFill>
+                  <a:blip r:embed="rId4"/>
+                  <a:stretch>
+                    <a:fillRect/>
+                  </a:stretch>
+                </a:blipFill>
+              </p:spPr>
+              <p:txBody>
+                <a:bodyPr/>
+                <a:lstStyle/>
+                <a:p>
+                  <a:r>
+                    <a:rPr lang="it-IT">
+                      <a:noFill/>
+                    </a:rPr>
+                    <a:t> </a:t>
+                  </a:r>
+                </a:p>
+              </p:txBody>
+            </p:sp>
+          </mc:Fallback>
+        </mc:AlternateContent>
+      </p:grpSp>
+    </p:spTree>
+    <p:extLst>
+      <p:ext uri="{BB962C8B-B14F-4D97-AF65-F5344CB8AC3E}">
+        <p14:creationId xmlns:p14="http://schemas.microsoft.com/office/powerpoint/2010/main" val="2458533855"/>
+      </p:ext>
+    </p:extLst>
+  </p:cSld>
+  <p:clrMapOvr>
+    <a:masterClrMapping/>
+  </p:clrMapOvr>
+</p:sld>
+</file>
+
+<file path=ppt/slides/slide20.xml><?xml version="1.0" encoding="utf-8"?>
+<p:sld xmlns:a="http://schemas.openxmlformats.org/drawingml/2006/main" xmlns:r="http://schemas.openxmlformats.org/officeDocument/2006/relationships" xmlns:p="http://schemas.openxmlformats.org/presentationml/2006/main">
+  <p:cSld>
+    <p:spTree>
+      <p:nvGrpSpPr>
+        <p:cNvPr id="1" name=""/>
+        <p:cNvGrpSpPr/>
+        <p:nvPr/>
+      </p:nvGrpSpPr>
+      <p:grpSpPr>
+        <a:xfrm>
+          <a:off x="0" y="0"/>
+          <a:ext cx="0" cy="0"/>
+          <a:chOff x="0" y="0"/>
+          <a:chExt cx="0" cy="0"/>
+        </a:xfrm>
+      </p:grpSpPr>
       <mc:AlternateContent xmlns:mc="http://schemas.openxmlformats.org/markup-compatibility/2006" xmlns:a14="http://schemas.microsoft.com/office/drawing/2010/main">
         <mc:Choice Requires="a14">
           <p:sp>
@@ -25498,371 +28637,7 @@
 </p:sld>
 </file>
 
-<file path=ppt/slides/slide2.xml><?xml version="1.0" encoding="utf-8"?>
-<p:sld xmlns:a="http://schemas.openxmlformats.org/drawingml/2006/main" xmlns:r="http://schemas.openxmlformats.org/officeDocument/2006/relationships" xmlns:p="http://schemas.openxmlformats.org/presentationml/2006/main">
-  <p:cSld>
-    <p:spTree>
-      <p:nvGrpSpPr>
-        <p:cNvPr id="1" name=""/>
-        <p:cNvGrpSpPr/>
-        <p:nvPr/>
-      </p:nvGrpSpPr>
-      <p:grpSpPr>
-        <a:xfrm>
-          <a:off x="0" y="0"/>
-          <a:ext cx="0" cy="0"/>
-          <a:chOff x="0" y="0"/>
-          <a:chExt cx="0" cy="0"/>
-        </a:xfrm>
-      </p:grpSpPr>
-      <p:grpSp>
-        <p:nvGrpSpPr>
-          <p:cNvPr id="14" name="Gruppo 13">
-            <a:extLst>
-              <a:ext uri="{FF2B5EF4-FFF2-40B4-BE49-F238E27FC236}">
-                <a16:creationId xmlns:a16="http://schemas.microsoft.com/office/drawing/2014/main" id="{3A51FD34-A8CB-4665-832E-B2D4186332CF}"/>
-              </a:ext>
-            </a:extLst>
-          </p:cNvPr>
-          <p:cNvGrpSpPr/>
-          <p:nvPr/>
-        </p:nvGrpSpPr>
-        <p:grpSpPr>
-          <a:xfrm>
-            <a:off x="838899" y="1389826"/>
-            <a:ext cx="10431267" cy="4329790"/>
-            <a:chOff x="838899" y="1389826"/>
-            <a:chExt cx="10431267" cy="4329790"/>
-          </a:xfrm>
-        </p:grpSpPr>
-        <p:pic>
-          <p:nvPicPr>
-            <p:cNvPr id="5" name="Immagine 4">
-              <a:extLst>
-                <a:ext uri="{FF2B5EF4-FFF2-40B4-BE49-F238E27FC236}">
-                  <a16:creationId xmlns:a16="http://schemas.microsoft.com/office/drawing/2014/main" id="{72309BB8-2D6B-46A1-B307-E7E345905784}"/>
-                </a:ext>
-              </a:extLst>
-            </p:cNvPr>
-            <p:cNvPicPr>
-              <a:picLocks noChangeAspect="1"/>
-            </p:cNvPicPr>
-            <p:nvPr/>
-          </p:nvPicPr>
-          <p:blipFill>
-            <a:blip r:embed="rId2">
-              <a:extLst>
-                <a:ext uri="{28A0092B-C50C-407E-A947-70E740481C1C}">
-                  <a14:useLocalDpi xmlns:a14="http://schemas.microsoft.com/office/drawing/2010/main" val="0"/>
-                </a:ext>
-              </a:extLst>
-            </a:blip>
-            <a:stretch>
-              <a:fillRect/>
-            </a:stretch>
-          </p:blipFill>
-          <p:spPr>
-            <a:xfrm>
-              <a:off x="921833" y="1389826"/>
-              <a:ext cx="10348333" cy="4078348"/>
-            </a:xfrm>
-            <a:prstGeom prst="rect">
-              <a:avLst/>
-            </a:prstGeom>
-          </p:spPr>
-        </p:pic>
-        <p:cxnSp>
-          <p:nvCxnSpPr>
-            <p:cNvPr id="7" name="Connettore 2 6">
-              <a:extLst>
-                <a:ext uri="{FF2B5EF4-FFF2-40B4-BE49-F238E27FC236}">
-                  <a16:creationId xmlns:a16="http://schemas.microsoft.com/office/drawing/2014/main" id="{A72C0A93-A148-4A8A-A9D0-A5E14ECB3A91}"/>
-                </a:ext>
-              </a:extLst>
-            </p:cNvPr>
-            <p:cNvCxnSpPr>
-              <a:cxnSpLocks/>
-            </p:cNvCxnSpPr>
-            <p:nvPr/>
-          </p:nvCxnSpPr>
-          <p:spPr>
-            <a:xfrm>
-              <a:off x="838899" y="5544000"/>
-              <a:ext cx="4177718" cy="0"/>
-            </a:xfrm>
-            <a:prstGeom prst="straightConnector1">
-              <a:avLst/>
-            </a:prstGeom>
-            <a:ln w="19050">
-              <a:solidFill>
-                <a:schemeClr val="tx1"/>
-              </a:solidFill>
-              <a:tailEnd type="arrow" w="lg" len="lg"/>
-            </a:ln>
-          </p:spPr>
-          <p:style>
-            <a:lnRef idx="1">
-              <a:schemeClr val="accent1"/>
-            </a:lnRef>
-            <a:fillRef idx="0">
-              <a:schemeClr val="accent1"/>
-            </a:fillRef>
-            <a:effectRef idx="0">
-              <a:schemeClr val="accent1"/>
-            </a:effectRef>
-            <a:fontRef idx="minor">
-              <a:schemeClr val="tx1"/>
-            </a:fontRef>
-          </p:style>
-        </p:cxnSp>
-        <p:cxnSp>
-          <p:nvCxnSpPr>
-            <p:cNvPr id="10" name="Connettore diritto 9">
-              <a:extLst>
-                <a:ext uri="{FF2B5EF4-FFF2-40B4-BE49-F238E27FC236}">
-                  <a16:creationId xmlns:a16="http://schemas.microsoft.com/office/drawing/2014/main" id="{208F4A30-EE62-42E3-BF08-411FB9242613}"/>
-                </a:ext>
-              </a:extLst>
-            </p:cNvPr>
-            <p:cNvCxnSpPr>
-              <a:cxnSpLocks/>
-            </p:cNvCxnSpPr>
-            <p:nvPr/>
-          </p:nvCxnSpPr>
-          <p:spPr>
-            <a:xfrm>
-              <a:off x="1013346" y="5472000"/>
-              <a:ext cx="0" cy="144000"/>
-            </a:xfrm>
-            <a:prstGeom prst="line">
-              <a:avLst/>
-            </a:prstGeom>
-            <a:ln w="19050">
-              <a:solidFill>
-                <a:schemeClr val="tx1"/>
-              </a:solidFill>
-            </a:ln>
-          </p:spPr>
-          <p:style>
-            <a:lnRef idx="1">
-              <a:schemeClr val="accent1"/>
-            </a:lnRef>
-            <a:fillRef idx="0">
-              <a:schemeClr val="accent1"/>
-            </a:fillRef>
-            <a:effectRef idx="0">
-              <a:schemeClr val="accent1"/>
-            </a:effectRef>
-            <a:fontRef idx="minor">
-              <a:schemeClr val="tx1"/>
-            </a:fontRef>
-          </p:style>
-        </p:cxnSp>
-        <mc:AlternateContent xmlns:mc="http://schemas.openxmlformats.org/markup-compatibility/2006">
-          <mc:Choice xmlns:a14="http://schemas.microsoft.com/office/drawing/2010/main" Requires="a14">
-            <p:sp>
-              <p:nvSpPr>
-                <p:cNvPr id="12" name="CasellaDiTesto 11">
-                  <a:extLst>
-                    <a:ext uri="{FF2B5EF4-FFF2-40B4-BE49-F238E27FC236}">
-                      <a16:creationId xmlns:a16="http://schemas.microsoft.com/office/drawing/2014/main" id="{1D77C4A7-9957-422F-BCDC-8B1689AAB143}"/>
-                    </a:ext>
-                  </a:extLst>
-                </p:cNvPr>
-                <p:cNvSpPr txBox="1"/>
-                <p:nvPr/>
-              </p:nvSpPr>
-              <p:spPr>
-                <a:xfrm>
-                  <a:off x="884663" y="5073286"/>
-                  <a:ext cx="280525" cy="430887"/>
-                </a:xfrm>
-                <a:prstGeom prst="rect">
-                  <a:avLst/>
-                </a:prstGeom>
-                <a:noFill/>
-              </p:spPr>
-              <p:txBody>
-                <a:bodyPr wrap="none" lIns="0" tIns="0" rIns="0" bIns="0" rtlCol="0">
-                  <a:spAutoFit/>
-                </a:bodyPr>
-                <a:lstStyle/>
-                <a:p>
-                  <a14:m>
-                    <m:oMathPara xmlns:m="http://schemas.openxmlformats.org/officeDocument/2006/math">
-                      <m:oMathParaPr>
-                        <m:jc m:val="centerGroup"/>
-                      </m:oMathParaPr>
-                      <m:oMath xmlns:m="http://schemas.openxmlformats.org/officeDocument/2006/math">
-                        <m:r>
-                          <a:rPr lang="it-IT" sz="2800" b="0" i="1" smtClean="0">
-                            <a:latin typeface="Cambria Math" panose="02040503050406030204" pitchFamily="18" charset="0"/>
-                          </a:rPr>
-                          <m:t>0</m:t>
-                        </m:r>
-                      </m:oMath>
-                    </m:oMathPara>
-                  </a14:m>
-                  <a:endParaRPr lang="it-IT" dirty="0"/>
-                </a:p>
-              </p:txBody>
-            </p:sp>
-          </mc:Choice>
-          <mc:Fallback>
-            <p:sp>
-              <p:nvSpPr>
-                <p:cNvPr id="12" name="CasellaDiTesto 11">
-                  <a:extLst>
-                    <a:ext uri="{FF2B5EF4-FFF2-40B4-BE49-F238E27FC236}">
-                      <a16:creationId xmlns:a16="http://schemas.microsoft.com/office/drawing/2014/main" id="{1D77C4A7-9957-422F-BCDC-8B1689AAB143}"/>
-                    </a:ext>
-                  </a:extLst>
-                </p:cNvPr>
-                <p:cNvSpPr txBox="1">
-                  <a:spLocks noRot="1" noChangeAspect="1" noMove="1" noResize="1" noEditPoints="1" noAdjustHandles="1" noChangeArrowheads="1" noChangeShapeType="1" noTextEdit="1"/>
-                </p:cNvSpPr>
-                <p:nvPr/>
-              </p:nvSpPr>
-              <p:spPr>
-                <a:xfrm>
-                  <a:off x="884663" y="5073286"/>
-                  <a:ext cx="280525" cy="430887"/>
-                </a:xfrm>
-                <a:prstGeom prst="rect">
-                  <a:avLst/>
-                </a:prstGeom>
-                <a:blipFill>
-                  <a:blip r:embed="rId3"/>
-                  <a:stretch>
-                    <a:fillRect/>
-                  </a:stretch>
-                </a:blipFill>
-              </p:spPr>
-              <p:txBody>
-                <a:bodyPr/>
-                <a:lstStyle/>
-                <a:p>
-                  <a:r>
-                    <a:rPr lang="it-IT">
-                      <a:noFill/>
-                    </a:rPr>
-                    <a:t> </a:t>
-                  </a:r>
-                </a:p>
-              </p:txBody>
-            </p:sp>
-          </mc:Fallback>
-        </mc:AlternateContent>
-        <mc:AlternateContent xmlns:mc="http://schemas.openxmlformats.org/markup-compatibility/2006">
-          <mc:Choice xmlns:a14="http://schemas.microsoft.com/office/drawing/2010/main" Requires="a14">
-            <p:sp>
-              <p:nvSpPr>
-                <p:cNvPr id="13" name="CasellaDiTesto 12">
-                  <a:extLst>
-                    <a:ext uri="{FF2B5EF4-FFF2-40B4-BE49-F238E27FC236}">
-                      <a16:creationId xmlns:a16="http://schemas.microsoft.com/office/drawing/2014/main" id="{7F8557EE-143D-4A4C-B26D-6CA51B36B048}"/>
-                    </a:ext>
-                  </a:extLst>
-                </p:cNvPr>
-                <p:cNvSpPr txBox="1"/>
-                <p:nvPr/>
-              </p:nvSpPr>
-              <p:spPr>
-                <a:xfrm>
-                  <a:off x="5003594" y="5288729"/>
-                  <a:ext cx="283411" cy="430887"/>
-                </a:xfrm>
-                <a:prstGeom prst="rect">
-                  <a:avLst/>
-                </a:prstGeom>
-                <a:noFill/>
-              </p:spPr>
-              <p:txBody>
-                <a:bodyPr wrap="none" lIns="0" tIns="0" rIns="0" bIns="0" rtlCol="0">
-                  <a:spAutoFit/>
-                </a:bodyPr>
-                <a:lstStyle/>
-                <a:p>
-                  <a14:m>
-                    <m:oMathPara xmlns:m="http://schemas.openxmlformats.org/officeDocument/2006/math">
-                      <m:oMathParaPr>
-                        <m:jc m:val="centerGroup"/>
-                      </m:oMathParaPr>
-                      <m:oMath xmlns:m="http://schemas.openxmlformats.org/officeDocument/2006/math">
-                        <m:r>
-                          <a:rPr lang="it-IT" sz="2800" b="0" i="1" smtClean="0">
-                            <a:latin typeface="Cambria Math" panose="02040503050406030204" pitchFamily="18" charset="0"/>
-                          </a:rPr>
-                          <m:t>𝑥</m:t>
-                        </m:r>
-                      </m:oMath>
-                    </m:oMathPara>
-                  </a14:m>
-                  <a:endParaRPr lang="it-IT" sz="2800" dirty="0"/>
-                </a:p>
-              </p:txBody>
-            </p:sp>
-          </mc:Choice>
-          <mc:Fallback>
-            <p:sp>
-              <p:nvSpPr>
-                <p:cNvPr id="13" name="CasellaDiTesto 12">
-                  <a:extLst>
-                    <a:ext uri="{FF2B5EF4-FFF2-40B4-BE49-F238E27FC236}">
-                      <a16:creationId xmlns:a16="http://schemas.microsoft.com/office/drawing/2014/main" id="{7F8557EE-143D-4A4C-B26D-6CA51B36B048}"/>
-                    </a:ext>
-                  </a:extLst>
-                </p:cNvPr>
-                <p:cNvSpPr txBox="1">
-                  <a:spLocks noRot="1" noChangeAspect="1" noMove="1" noResize="1" noEditPoints="1" noAdjustHandles="1" noChangeArrowheads="1" noChangeShapeType="1" noTextEdit="1"/>
-                </p:cNvSpPr>
-                <p:nvPr/>
-              </p:nvSpPr>
-              <p:spPr>
-                <a:xfrm>
-                  <a:off x="5003594" y="5288729"/>
-                  <a:ext cx="283411" cy="430887"/>
-                </a:xfrm>
-                <a:prstGeom prst="rect">
-                  <a:avLst/>
-                </a:prstGeom>
-                <a:blipFill>
-                  <a:blip r:embed="rId4"/>
-                  <a:stretch>
-                    <a:fillRect/>
-                  </a:stretch>
-                </a:blipFill>
-              </p:spPr>
-              <p:txBody>
-                <a:bodyPr/>
-                <a:lstStyle/>
-                <a:p>
-                  <a:r>
-                    <a:rPr lang="it-IT">
-                      <a:noFill/>
-                    </a:rPr>
-                    <a:t> </a:t>
-                  </a:r>
-                </a:p>
-              </p:txBody>
-            </p:sp>
-          </mc:Fallback>
-        </mc:AlternateContent>
-      </p:grpSp>
-    </p:spTree>
-    <p:extLst>
-      <p:ext uri="{BB962C8B-B14F-4D97-AF65-F5344CB8AC3E}">
-        <p14:creationId xmlns:p14="http://schemas.microsoft.com/office/powerpoint/2010/main" val="2458533855"/>
-      </p:ext>
-    </p:extLst>
-  </p:cSld>
-  <p:clrMapOvr>
-    <a:masterClrMapping/>
-  </p:clrMapOvr>
-</p:sld>
-</file>
-
-<file path=ppt/slides/slide20.xml><?xml version="1.0" encoding="utf-8"?>
+<file path=ppt/slides/slide21.xml><?xml version="1.0" encoding="utf-8"?>
 <p:sld xmlns:a="http://schemas.openxmlformats.org/drawingml/2006/main" xmlns:r="http://schemas.openxmlformats.org/officeDocument/2006/relationships" xmlns:p="http://schemas.openxmlformats.org/presentationml/2006/main">
   <p:cSld>
     <p:spTree>
@@ -29302,7 +32077,7 @@
 </p:sld>
 </file>
 
-<file path=ppt/slides/slide21.xml><?xml version="1.0" encoding="utf-8"?>
+<file path=ppt/slides/slide22.xml><?xml version="1.0" encoding="utf-8"?>
 <p:sld xmlns:a="http://schemas.openxmlformats.org/drawingml/2006/main" xmlns:r="http://schemas.openxmlformats.org/officeDocument/2006/relationships" xmlns:p="http://schemas.openxmlformats.org/presentationml/2006/main">
   <p:cSld>
     <p:spTree>
@@ -33668,7 +36443,7 @@
 </p:sld>
 </file>
 
-<file path=ppt/slides/slide22.xml><?xml version="1.0" encoding="utf-8"?>
+<file path=ppt/slides/slide23.xml><?xml version="1.0" encoding="utf-8"?>
 <p:sld xmlns:a="http://schemas.openxmlformats.org/drawingml/2006/main" xmlns:r="http://schemas.openxmlformats.org/officeDocument/2006/relationships" xmlns:p="http://schemas.openxmlformats.org/presentationml/2006/main">
   <p:cSld>
     <p:spTree>
@@ -34136,7 +36911,7 @@
 </p:sld>
 </file>
 
-<file path=ppt/slides/slide23.xml><?xml version="1.0" encoding="utf-8"?>
+<file path=ppt/slides/slide24.xml><?xml version="1.0" encoding="utf-8"?>
 <p:sld xmlns:a="http://schemas.openxmlformats.org/drawingml/2006/main" xmlns:r="http://schemas.openxmlformats.org/officeDocument/2006/relationships" xmlns:p="http://schemas.openxmlformats.org/presentationml/2006/main">
   <p:cSld>
     <p:spTree>
@@ -35345,7 +38120,7 @@
 </p:sld>
 </file>
 
-<file path=ppt/slides/slide24.xml><?xml version="1.0" encoding="utf-8"?>
+<file path=ppt/slides/slide25.xml><?xml version="1.0" encoding="utf-8"?>
 <p:sld xmlns:a="http://schemas.openxmlformats.org/drawingml/2006/main" xmlns:r="http://schemas.openxmlformats.org/officeDocument/2006/relationships" xmlns:p="http://schemas.openxmlformats.org/presentationml/2006/main">
   <p:cSld>
     <p:spTree>
@@ -36849,7 +39624,7 @@
 </p:sld>
 </file>
 
-<file path=ppt/slides/slide25.xml><?xml version="1.0" encoding="utf-8"?>
+<file path=ppt/slides/slide26.xml><?xml version="1.0" encoding="utf-8"?>
 <p:sld xmlns:a="http://schemas.openxmlformats.org/drawingml/2006/main" xmlns:r="http://schemas.openxmlformats.org/officeDocument/2006/relationships" xmlns:p="http://schemas.openxmlformats.org/presentationml/2006/main">
   <p:cSld>
     <p:spTree>
@@ -37969,7 +40744,7 @@
 </p:sld>
 </file>
 
-<file path=ppt/slides/slide26.xml><?xml version="1.0" encoding="utf-8"?>
+<file path=ppt/slides/slide27.xml><?xml version="1.0" encoding="utf-8"?>
 <p:sld xmlns:a="http://schemas.openxmlformats.org/drawingml/2006/main" xmlns:r="http://schemas.openxmlformats.org/officeDocument/2006/relationships" xmlns:p="http://schemas.openxmlformats.org/presentationml/2006/main">
   <p:cSld>
     <p:spTree>
@@ -40061,7 +42836,7 @@
 </p:sld>
 </file>
 
-<file path=ppt/slides/slide27.xml><?xml version="1.0" encoding="utf-8"?>
+<file path=ppt/slides/slide28.xml><?xml version="1.0" encoding="utf-8"?>
 <p:sld xmlns:a="http://schemas.openxmlformats.org/drawingml/2006/main" xmlns:r="http://schemas.openxmlformats.org/officeDocument/2006/relationships" xmlns:p="http://schemas.openxmlformats.org/presentationml/2006/main">
   <p:cSld>
     <p:spTree>
@@ -41482,7 +44257,7 @@
 </p:sld>
 </file>
 
-<file path=ppt/slides/slide28.xml><?xml version="1.0" encoding="utf-8"?>
+<file path=ppt/slides/slide29.xml><?xml version="1.0" encoding="utf-8"?>
 <p:sld xmlns:a="http://schemas.openxmlformats.org/drawingml/2006/main" xmlns:r="http://schemas.openxmlformats.org/officeDocument/2006/relationships" xmlns:p="http://schemas.openxmlformats.org/presentationml/2006/main">
   <p:cSld>
     <p:spTree>
@@ -42237,832 +45012,6 @@
     <p:extLst>
       <p:ext uri="{BB962C8B-B14F-4D97-AF65-F5344CB8AC3E}">
         <p14:creationId xmlns:p14="http://schemas.microsoft.com/office/powerpoint/2010/main" val="2039644643"/>
-      </p:ext>
-    </p:extLst>
-  </p:cSld>
-  <p:clrMapOvr>
-    <a:masterClrMapping/>
-  </p:clrMapOvr>
-</p:sld>
-</file>
-
-<file path=ppt/slides/slide29.xml><?xml version="1.0" encoding="utf-8"?>
-<p:sld xmlns:a="http://schemas.openxmlformats.org/drawingml/2006/main" xmlns:r="http://schemas.openxmlformats.org/officeDocument/2006/relationships" xmlns:p="http://schemas.openxmlformats.org/presentationml/2006/main">
-  <p:cSld>
-    <p:spTree>
-      <p:nvGrpSpPr>
-        <p:cNvPr id="1" name=""/>
-        <p:cNvGrpSpPr/>
-        <p:nvPr/>
-      </p:nvGrpSpPr>
-      <p:grpSpPr>
-        <a:xfrm>
-          <a:off x="0" y="0"/>
-          <a:ext cx="0" cy="0"/>
-          <a:chOff x="0" y="0"/>
-          <a:chExt cx="0" cy="0"/>
-        </a:xfrm>
-      </p:grpSpPr>
-      <p:sp>
-        <p:nvSpPr>
-          <p:cNvPr id="4" name="Rettangolo 3">
-            <a:extLst>
-              <a:ext uri="{FF2B5EF4-FFF2-40B4-BE49-F238E27FC236}">
-                <a16:creationId xmlns:a16="http://schemas.microsoft.com/office/drawing/2014/main" id="{AFB5874D-EF80-44AA-947E-EF41029CBAFE}"/>
-              </a:ext>
-            </a:extLst>
-          </p:cNvPr>
-          <p:cNvSpPr/>
-          <p:nvPr/>
-        </p:nvSpPr>
-        <p:spPr>
-          <a:xfrm>
-            <a:off x="1440000" y="1440000"/>
-            <a:ext cx="2880000" cy="720000"/>
-          </a:xfrm>
-          <a:prstGeom prst="rect">
-            <a:avLst/>
-          </a:prstGeom>
-          <a:solidFill>
-            <a:schemeClr val="bg1"/>
-          </a:solidFill>
-          <a:ln>
-            <a:solidFill>
-              <a:schemeClr val="bg1">
-                <a:lumMod val="85000"/>
-              </a:schemeClr>
-            </a:solidFill>
-          </a:ln>
-        </p:spPr>
-        <p:style>
-          <a:lnRef idx="2">
-            <a:schemeClr val="dk1"/>
-          </a:lnRef>
-          <a:fillRef idx="1">
-            <a:schemeClr val="lt1"/>
-          </a:fillRef>
-          <a:effectRef idx="0">
-            <a:schemeClr val="dk1"/>
-          </a:effectRef>
-          <a:fontRef idx="minor">
-            <a:schemeClr val="dk1"/>
-          </a:fontRef>
-        </p:style>
-        <p:txBody>
-          <a:bodyPr rtlCol="0" anchor="ctr"/>
-          <a:lstStyle/>
-          <a:p>
-            <a:pPr algn="ctr"/>
-            <a:endParaRPr lang="it-IT"/>
-          </a:p>
-        </p:txBody>
-      </p:sp>
-      <p:cxnSp>
-        <p:nvCxnSpPr>
-          <p:cNvPr id="7" name="Connettore diritto 6">
-            <a:extLst>
-              <a:ext uri="{FF2B5EF4-FFF2-40B4-BE49-F238E27FC236}">
-                <a16:creationId xmlns:a16="http://schemas.microsoft.com/office/drawing/2014/main" id="{968C8501-EB46-4D62-8197-F723EF8E231B}"/>
-              </a:ext>
-            </a:extLst>
-          </p:cNvPr>
-          <p:cNvCxnSpPr/>
-          <p:nvPr/>
-        </p:nvCxnSpPr>
-        <p:spPr>
-          <a:xfrm>
-            <a:off x="1440000" y="2520000"/>
-            <a:ext cx="2880000" cy="0"/>
-          </a:xfrm>
-          <a:prstGeom prst="line">
-            <a:avLst/>
-          </a:prstGeom>
-          <a:ln w="12700"/>
-        </p:spPr>
-        <p:style>
-          <a:lnRef idx="1">
-            <a:schemeClr val="dk1"/>
-          </a:lnRef>
-          <a:fillRef idx="0">
-            <a:schemeClr val="dk1"/>
-          </a:fillRef>
-          <a:effectRef idx="0">
-            <a:schemeClr val="dk1"/>
-          </a:effectRef>
-          <a:fontRef idx="minor">
-            <a:schemeClr val="tx1"/>
-          </a:fontRef>
-        </p:style>
-      </p:cxnSp>
-      <p:cxnSp>
-        <p:nvCxnSpPr>
-          <p:cNvPr id="15" name="Connettore 2 14">
-            <a:extLst>
-              <a:ext uri="{FF2B5EF4-FFF2-40B4-BE49-F238E27FC236}">
-                <a16:creationId xmlns:a16="http://schemas.microsoft.com/office/drawing/2014/main" id="{C7879C29-1CA9-4779-9610-B8443E681323}"/>
-              </a:ext>
-            </a:extLst>
-          </p:cNvPr>
-          <p:cNvCxnSpPr/>
-          <p:nvPr/>
-        </p:nvCxnSpPr>
-        <p:spPr>
-          <a:xfrm flipV="1">
-            <a:off x="2700000" y="2250000"/>
-            <a:ext cx="0" cy="540000"/>
-          </a:xfrm>
-          <a:prstGeom prst="straightConnector1">
-            <a:avLst/>
-          </a:prstGeom>
-          <a:ln w="25400">
-            <a:solidFill>
-              <a:srgbClr val="FF0000"/>
-            </a:solidFill>
-            <a:headEnd w="lg" len="med"/>
-            <a:tailEnd type="triangle" w="lg" len="lg"/>
-          </a:ln>
-        </p:spPr>
-        <p:style>
-          <a:lnRef idx="1">
-            <a:schemeClr val="accent1"/>
-          </a:lnRef>
-          <a:fillRef idx="0">
-            <a:schemeClr val="accent1"/>
-          </a:fillRef>
-          <a:effectRef idx="0">
-            <a:schemeClr val="accent1"/>
-          </a:effectRef>
-          <a:fontRef idx="minor">
-            <a:schemeClr val="tx1"/>
-          </a:fontRef>
-        </p:style>
-      </p:cxnSp>
-      <p:cxnSp>
-        <p:nvCxnSpPr>
-          <p:cNvPr id="16" name="Connettore 2 15">
-            <a:extLst>
-              <a:ext uri="{FF2B5EF4-FFF2-40B4-BE49-F238E27FC236}">
-                <a16:creationId xmlns:a16="http://schemas.microsoft.com/office/drawing/2014/main" id="{CDCED0DE-53FB-4B5F-B85A-9E25C0F1E33E}"/>
-              </a:ext>
-            </a:extLst>
-          </p:cNvPr>
-          <p:cNvCxnSpPr/>
-          <p:nvPr/>
-        </p:nvCxnSpPr>
-        <p:spPr>
-          <a:xfrm flipV="1">
-            <a:off x="3060000" y="2250000"/>
-            <a:ext cx="0" cy="540000"/>
-          </a:xfrm>
-          <a:prstGeom prst="straightConnector1">
-            <a:avLst/>
-          </a:prstGeom>
-          <a:ln w="25400">
-            <a:solidFill>
-              <a:srgbClr val="FF0000"/>
-            </a:solidFill>
-            <a:headEnd type="triangle" w="lg" len="lg"/>
-            <a:tailEnd type="none"/>
-          </a:ln>
-        </p:spPr>
-        <p:style>
-          <a:lnRef idx="1">
-            <a:schemeClr val="accent1"/>
-          </a:lnRef>
-          <a:fillRef idx="0">
-            <a:schemeClr val="accent1"/>
-          </a:fillRef>
-          <a:effectRef idx="0">
-            <a:schemeClr val="accent1"/>
-          </a:effectRef>
-          <a:fontRef idx="minor">
-            <a:schemeClr val="tx1"/>
-          </a:fontRef>
-        </p:style>
-      </p:cxnSp>
-      <p:cxnSp>
-        <p:nvCxnSpPr>
-          <p:cNvPr id="26" name="Connettore diritto 25">
-            <a:extLst>
-              <a:ext uri="{FF2B5EF4-FFF2-40B4-BE49-F238E27FC236}">
-                <a16:creationId xmlns:a16="http://schemas.microsoft.com/office/drawing/2014/main" id="{3CD2C60A-9BDD-4343-B7E1-7F4BF68C7456}"/>
-              </a:ext>
-            </a:extLst>
-          </p:cNvPr>
-          <p:cNvCxnSpPr>
-            <a:cxnSpLocks/>
-          </p:cNvCxnSpPr>
-          <p:nvPr/>
-        </p:nvCxnSpPr>
-        <p:spPr>
-          <a:xfrm flipH="1">
-            <a:off x="3960000" y="3240000"/>
-            <a:ext cx="360000" cy="360000"/>
-          </a:xfrm>
-          <a:prstGeom prst="line">
-            <a:avLst/>
-          </a:prstGeom>
-          <a:ln>
-            <a:solidFill>
-              <a:schemeClr val="bg1">
-                <a:lumMod val="85000"/>
-              </a:schemeClr>
-            </a:solidFill>
-          </a:ln>
-        </p:spPr>
-        <p:style>
-          <a:lnRef idx="1">
-            <a:schemeClr val="accent1"/>
-          </a:lnRef>
-          <a:fillRef idx="0">
-            <a:schemeClr val="accent1"/>
-          </a:fillRef>
-          <a:effectRef idx="0">
-            <a:schemeClr val="accent1"/>
-          </a:effectRef>
-          <a:fontRef idx="minor">
-            <a:schemeClr val="tx1"/>
-          </a:fontRef>
-        </p:style>
-      </p:cxnSp>
-      <p:sp>
-        <p:nvSpPr>
-          <p:cNvPr id="32" name="Parallelogramma 31">
-            <a:extLst>
-              <a:ext uri="{FF2B5EF4-FFF2-40B4-BE49-F238E27FC236}">
-                <a16:creationId xmlns:a16="http://schemas.microsoft.com/office/drawing/2014/main" id="{36BD2991-4381-41B7-86CA-9690E40789B1}"/>
-              </a:ext>
-            </a:extLst>
-          </p:cNvPr>
-          <p:cNvSpPr>
-            <a:spLocks/>
-          </p:cNvSpPr>
-          <p:nvPr/>
-        </p:nvSpPr>
-        <p:spPr>
-          <a:xfrm>
-            <a:off x="1440000" y="2880000"/>
-            <a:ext cx="1080000" cy="720000"/>
-          </a:xfrm>
-          <a:prstGeom prst="parallelogram">
-            <a:avLst>
-              <a:gd name="adj" fmla="val 99999"/>
-            </a:avLst>
-          </a:prstGeom>
-          <a:ln w="6350">
-            <a:solidFill>
-              <a:schemeClr val="bg1">
-                <a:lumMod val="85000"/>
-              </a:schemeClr>
-            </a:solidFill>
-          </a:ln>
-        </p:spPr>
-        <p:style>
-          <a:lnRef idx="2">
-            <a:schemeClr val="dk1"/>
-          </a:lnRef>
-          <a:fillRef idx="1">
-            <a:schemeClr val="lt1"/>
-          </a:fillRef>
-          <a:effectRef idx="0">
-            <a:schemeClr val="dk1"/>
-          </a:effectRef>
-          <a:fontRef idx="minor">
-            <a:schemeClr val="dk1"/>
-          </a:fontRef>
-        </p:style>
-        <p:txBody>
-          <a:bodyPr rtlCol="0" anchor="ctr"/>
-          <a:lstStyle/>
-          <a:p>
-            <a:pPr algn="ctr"/>
-            <a:endParaRPr lang="it-IT"/>
-          </a:p>
-        </p:txBody>
-      </p:sp>
-      <p:sp>
-        <p:nvSpPr>
-          <p:cNvPr id="33" name="Parallelogramma 32">
-            <a:extLst>
-              <a:ext uri="{FF2B5EF4-FFF2-40B4-BE49-F238E27FC236}">
-                <a16:creationId xmlns:a16="http://schemas.microsoft.com/office/drawing/2014/main" id="{AAE07D06-E0D5-4AC6-9287-1331B1C391D1}"/>
-              </a:ext>
-            </a:extLst>
-          </p:cNvPr>
-          <p:cNvSpPr>
-            <a:spLocks/>
-          </p:cNvSpPr>
-          <p:nvPr/>
-        </p:nvSpPr>
-        <p:spPr>
-          <a:xfrm>
-            <a:off x="1800000" y="2880000"/>
-            <a:ext cx="1080000" cy="720000"/>
-          </a:xfrm>
-          <a:prstGeom prst="parallelogram">
-            <a:avLst>
-              <a:gd name="adj" fmla="val 99999"/>
-            </a:avLst>
-          </a:prstGeom>
-          <a:ln w="6350">
-            <a:solidFill>
-              <a:schemeClr val="bg1">
-                <a:lumMod val="85000"/>
-              </a:schemeClr>
-            </a:solidFill>
-          </a:ln>
-        </p:spPr>
-        <p:style>
-          <a:lnRef idx="2">
-            <a:schemeClr val="dk1"/>
-          </a:lnRef>
-          <a:fillRef idx="1">
-            <a:schemeClr val="lt1"/>
-          </a:fillRef>
-          <a:effectRef idx="0">
-            <a:schemeClr val="dk1"/>
-          </a:effectRef>
-          <a:fontRef idx="minor">
-            <a:schemeClr val="dk1"/>
-          </a:fontRef>
-        </p:style>
-        <p:txBody>
-          <a:bodyPr rtlCol="0" anchor="ctr"/>
-          <a:lstStyle/>
-          <a:p>
-            <a:pPr algn="ctr"/>
-            <a:endParaRPr lang="it-IT"/>
-          </a:p>
-        </p:txBody>
-      </p:sp>
-      <p:sp>
-        <p:nvSpPr>
-          <p:cNvPr id="34" name="Parallelogramma 33">
-            <a:extLst>
-              <a:ext uri="{FF2B5EF4-FFF2-40B4-BE49-F238E27FC236}">
-                <a16:creationId xmlns:a16="http://schemas.microsoft.com/office/drawing/2014/main" id="{A126DC85-DD00-4B04-B8AF-F7E20B67255B}"/>
-              </a:ext>
-            </a:extLst>
-          </p:cNvPr>
-          <p:cNvSpPr>
-            <a:spLocks/>
-          </p:cNvSpPr>
-          <p:nvPr/>
-        </p:nvSpPr>
-        <p:spPr>
-          <a:xfrm>
-            <a:off x="2520000" y="2880000"/>
-            <a:ext cx="1080000" cy="720000"/>
-          </a:xfrm>
-          <a:prstGeom prst="parallelogram">
-            <a:avLst>
-              <a:gd name="adj" fmla="val 99999"/>
-            </a:avLst>
-          </a:prstGeom>
-          <a:ln w="6350">
-            <a:solidFill>
-              <a:schemeClr val="bg1">
-                <a:lumMod val="85000"/>
-              </a:schemeClr>
-            </a:solidFill>
-          </a:ln>
-        </p:spPr>
-        <p:style>
-          <a:lnRef idx="2">
-            <a:schemeClr val="dk1"/>
-          </a:lnRef>
-          <a:fillRef idx="1">
-            <a:schemeClr val="lt1"/>
-          </a:fillRef>
-          <a:effectRef idx="0">
-            <a:schemeClr val="dk1"/>
-          </a:effectRef>
-          <a:fontRef idx="minor">
-            <a:schemeClr val="dk1"/>
-          </a:fontRef>
-        </p:style>
-        <p:txBody>
-          <a:bodyPr rtlCol="0" anchor="ctr"/>
-          <a:lstStyle/>
-          <a:p>
-            <a:pPr algn="ctr"/>
-            <a:endParaRPr lang="it-IT"/>
-          </a:p>
-        </p:txBody>
-      </p:sp>
-      <p:sp>
-        <p:nvSpPr>
-          <p:cNvPr id="36" name="Triangolo rettangolo 35">
-            <a:extLst>
-              <a:ext uri="{FF2B5EF4-FFF2-40B4-BE49-F238E27FC236}">
-                <a16:creationId xmlns:a16="http://schemas.microsoft.com/office/drawing/2014/main" id="{48650062-DE27-4055-AC8C-81E84FF78846}"/>
-              </a:ext>
-            </a:extLst>
-          </p:cNvPr>
-          <p:cNvSpPr/>
-          <p:nvPr/>
-        </p:nvSpPr>
-        <p:spPr>
-          <a:xfrm rot="5400000">
-            <a:off x="1440000" y="2880000"/>
-            <a:ext cx="360000" cy="360000"/>
-          </a:xfrm>
-          <a:prstGeom prst="rtTriangle">
-            <a:avLst/>
-          </a:prstGeom>
-          <a:ln w="6350">
-            <a:solidFill>
-              <a:schemeClr val="bg1">
-                <a:lumMod val="85000"/>
-              </a:schemeClr>
-            </a:solidFill>
-          </a:ln>
-        </p:spPr>
-        <p:style>
-          <a:lnRef idx="2">
-            <a:schemeClr val="dk1"/>
-          </a:lnRef>
-          <a:fillRef idx="1">
-            <a:schemeClr val="lt1"/>
-          </a:fillRef>
-          <a:effectRef idx="0">
-            <a:schemeClr val="dk1"/>
-          </a:effectRef>
-          <a:fontRef idx="minor">
-            <a:schemeClr val="dk1"/>
-          </a:fontRef>
-        </p:style>
-        <p:txBody>
-          <a:bodyPr rtlCol="0" anchor="ctr"/>
-          <a:lstStyle/>
-          <a:p>
-            <a:pPr algn="ctr"/>
-            <a:endParaRPr lang="it-IT"/>
-          </a:p>
-        </p:txBody>
-      </p:sp>
-      <p:sp>
-        <p:nvSpPr>
-          <p:cNvPr id="37" name="Parallelogramma 36">
-            <a:extLst>
-              <a:ext uri="{FF2B5EF4-FFF2-40B4-BE49-F238E27FC236}">
-                <a16:creationId xmlns:a16="http://schemas.microsoft.com/office/drawing/2014/main" id="{0AF42239-9121-43E6-8505-AC474381C9EF}"/>
-              </a:ext>
-            </a:extLst>
-          </p:cNvPr>
-          <p:cNvSpPr>
-            <a:spLocks/>
-          </p:cNvSpPr>
-          <p:nvPr/>
-        </p:nvSpPr>
-        <p:spPr>
-          <a:xfrm>
-            <a:off x="2880000" y="2880000"/>
-            <a:ext cx="1080000" cy="720000"/>
-          </a:xfrm>
-          <a:prstGeom prst="parallelogram">
-            <a:avLst>
-              <a:gd name="adj" fmla="val 99999"/>
-            </a:avLst>
-          </a:prstGeom>
-          <a:ln w="6350">
-            <a:solidFill>
-              <a:schemeClr val="bg1">
-                <a:lumMod val="85000"/>
-              </a:schemeClr>
-            </a:solidFill>
-          </a:ln>
-        </p:spPr>
-        <p:style>
-          <a:lnRef idx="2">
-            <a:schemeClr val="dk1"/>
-          </a:lnRef>
-          <a:fillRef idx="1">
-            <a:schemeClr val="lt1"/>
-          </a:fillRef>
-          <a:effectRef idx="0">
-            <a:schemeClr val="dk1"/>
-          </a:effectRef>
-          <a:fontRef idx="minor">
-            <a:schemeClr val="dk1"/>
-          </a:fontRef>
-        </p:style>
-        <p:txBody>
-          <a:bodyPr rtlCol="0" anchor="ctr"/>
-          <a:lstStyle/>
-          <a:p>
-            <a:pPr algn="ctr"/>
-            <a:endParaRPr lang="it-IT"/>
-          </a:p>
-        </p:txBody>
-      </p:sp>
-      <p:sp>
-        <p:nvSpPr>
-          <p:cNvPr id="38" name="Trapezio 37">
-            <a:extLst>
-              <a:ext uri="{FF2B5EF4-FFF2-40B4-BE49-F238E27FC236}">
-                <a16:creationId xmlns:a16="http://schemas.microsoft.com/office/drawing/2014/main" id="{C72CB81C-018B-4D12-8FA9-81966C55EABA}"/>
-              </a:ext>
-            </a:extLst>
-          </p:cNvPr>
-          <p:cNvSpPr/>
-          <p:nvPr/>
-        </p:nvSpPr>
-        <p:spPr>
-          <a:xfrm rot="8100000">
-            <a:off x="3541168" y="3202768"/>
-            <a:ext cx="1018800" cy="255600"/>
-          </a:xfrm>
-          <a:prstGeom prst="trapezoid">
-            <a:avLst>
-              <a:gd name="adj" fmla="val 102258"/>
-            </a:avLst>
-          </a:prstGeom>
-          <a:solidFill>
-            <a:schemeClr val="bg1"/>
-          </a:solidFill>
-          <a:ln w="6350">
-            <a:solidFill>
-              <a:schemeClr val="bg1">
-                <a:lumMod val="85000"/>
-              </a:schemeClr>
-            </a:solidFill>
-          </a:ln>
-        </p:spPr>
-        <p:style>
-          <a:lnRef idx="2">
-            <a:schemeClr val="dk1"/>
-          </a:lnRef>
-          <a:fillRef idx="1">
-            <a:schemeClr val="lt1"/>
-          </a:fillRef>
-          <a:effectRef idx="0">
-            <a:schemeClr val="dk1"/>
-          </a:effectRef>
-          <a:fontRef idx="minor">
-            <a:schemeClr val="dk1"/>
-          </a:fontRef>
-        </p:style>
-        <p:txBody>
-          <a:bodyPr rtlCol="0" anchor="ctr"/>
-          <a:lstStyle/>
-          <a:p>
-            <a:pPr algn="ctr"/>
-            <a:endParaRPr lang="it-IT"/>
-          </a:p>
-        </p:txBody>
-      </p:sp>
-      <p:sp>
-        <p:nvSpPr>
-          <p:cNvPr id="5" name="Rettangolo 4">
-            <a:extLst>
-              <a:ext uri="{FF2B5EF4-FFF2-40B4-BE49-F238E27FC236}">
-                <a16:creationId xmlns:a16="http://schemas.microsoft.com/office/drawing/2014/main" id="{A2866499-10D0-4275-8C25-6D6A8FA1F309}"/>
-              </a:ext>
-            </a:extLst>
-          </p:cNvPr>
-          <p:cNvSpPr/>
-          <p:nvPr/>
-        </p:nvSpPr>
-        <p:spPr>
-          <a:xfrm>
-            <a:off x="1440000" y="2880000"/>
-            <a:ext cx="2880000" cy="720000"/>
-          </a:xfrm>
-          <a:prstGeom prst="rect">
-            <a:avLst/>
-          </a:prstGeom>
-          <a:noFill/>
-          <a:ln>
-            <a:solidFill>
-              <a:schemeClr val="bg1">
-                <a:lumMod val="85000"/>
-              </a:schemeClr>
-            </a:solidFill>
-          </a:ln>
-        </p:spPr>
-        <p:style>
-          <a:lnRef idx="2">
-            <a:schemeClr val="dk1"/>
-          </a:lnRef>
-          <a:fillRef idx="1">
-            <a:schemeClr val="lt1"/>
-          </a:fillRef>
-          <a:effectRef idx="0">
-            <a:schemeClr val="dk1"/>
-          </a:effectRef>
-          <a:fontRef idx="minor">
-            <a:schemeClr val="dk1"/>
-          </a:fontRef>
-        </p:style>
-        <p:txBody>
-          <a:bodyPr rtlCol="0" anchor="ctr"/>
-          <a:lstStyle/>
-          <a:p>
-            <a:pPr algn="ctr"/>
-            <a:endParaRPr lang="it-IT"/>
-          </a:p>
-        </p:txBody>
-      </p:sp>
-      <p:sp>
-        <p:nvSpPr>
-          <p:cNvPr id="14" name="Arco 13">
-            <a:extLst>
-              <a:ext uri="{FF2B5EF4-FFF2-40B4-BE49-F238E27FC236}">
-                <a16:creationId xmlns:a16="http://schemas.microsoft.com/office/drawing/2014/main" id="{F09AE7F0-464E-406D-94C0-D73A462F593F}"/>
-              </a:ext>
-            </a:extLst>
-          </p:cNvPr>
-          <p:cNvSpPr/>
-          <p:nvPr/>
-        </p:nvSpPr>
-        <p:spPr>
-          <a:xfrm rot="10800000" flipH="1">
-            <a:off x="133350" y="983681"/>
-            <a:ext cx="4186650" cy="1176319"/>
-          </a:xfrm>
-          <a:prstGeom prst="arc">
-            <a:avLst>
-              <a:gd name="adj1" fmla="val 16128148"/>
-              <a:gd name="adj2" fmla="val 21567144"/>
-            </a:avLst>
-          </a:prstGeom>
-          <a:ln w="6350">
-            <a:solidFill>
-              <a:schemeClr val="bg1">
-                <a:lumMod val="85000"/>
-              </a:schemeClr>
-            </a:solidFill>
-          </a:ln>
-        </p:spPr>
-        <p:style>
-          <a:lnRef idx="1">
-            <a:schemeClr val="accent1"/>
-          </a:lnRef>
-          <a:fillRef idx="0">
-            <a:schemeClr val="accent1"/>
-          </a:fillRef>
-          <a:effectRef idx="0">
-            <a:schemeClr val="accent1"/>
-          </a:effectRef>
-          <a:fontRef idx="minor">
-            <a:schemeClr val="tx1"/>
-          </a:fontRef>
-        </p:style>
-        <p:txBody>
-          <a:bodyPr rtlCol="0" anchor="ctr"/>
-          <a:lstStyle/>
-          <a:p>
-            <a:pPr algn="ctr"/>
-            <a:endParaRPr lang="it-IT"/>
-          </a:p>
-        </p:txBody>
-      </p:sp>
-      <p:cxnSp>
-        <p:nvCxnSpPr>
-          <p:cNvPr id="17" name="Connettore 2 16">
-            <a:extLst>
-              <a:ext uri="{FF2B5EF4-FFF2-40B4-BE49-F238E27FC236}">
-                <a16:creationId xmlns:a16="http://schemas.microsoft.com/office/drawing/2014/main" id="{AE3B47E4-5BB5-46CE-9849-33DD23A3FF8E}"/>
-              </a:ext>
-            </a:extLst>
-          </p:cNvPr>
-          <p:cNvCxnSpPr>
-            <a:cxnSpLocks/>
-          </p:cNvCxnSpPr>
-          <p:nvPr/>
-        </p:nvCxnSpPr>
-        <p:spPr>
-          <a:xfrm flipV="1">
-            <a:off x="1440000" y="1620000"/>
-            <a:ext cx="2878790" cy="0"/>
-          </a:xfrm>
-          <a:prstGeom prst="straightConnector1">
-            <a:avLst/>
-          </a:prstGeom>
-          <a:ln w="6350">
-            <a:solidFill>
-              <a:schemeClr val="bg1">
-                <a:lumMod val="85000"/>
-              </a:schemeClr>
-            </a:solidFill>
-            <a:headEnd w="sm" len="med"/>
-            <a:tailEnd type="triangle" w="sm" len="med"/>
-          </a:ln>
-        </p:spPr>
-        <p:style>
-          <a:lnRef idx="1">
-            <a:schemeClr val="dk1"/>
-          </a:lnRef>
-          <a:fillRef idx="0">
-            <a:schemeClr val="dk1"/>
-          </a:fillRef>
-          <a:effectRef idx="0">
-            <a:schemeClr val="dk1"/>
-          </a:effectRef>
-          <a:fontRef idx="minor">
-            <a:schemeClr val="tx1"/>
-          </a:fontRef>
-        </p:style>
-      </p:cxnSp>
-      <p:cxnSp>
-        <p:nvCxnSpPr>
-          <p:cNvPr id="18" name="Connettore 2 17">
-            <a:extLst>
-              <a:ext uri="{FF2B5EF4-FFF2-40B4-BE49-F238E27FC236}">
-                <a16:creationId xmlns:a16="http://schemas.microsoft.com/office/drawing/2014/main" id="{46A89340-AAD0-4AAC-AAE8-373975150919}"/>
-              </a:ext>
-            </a:extLst>
-          </p:cNvPr>
-          <p:cNvCxnSpPr>
-            <a:cxnSpLocks/>
-          </p:cNvCxnSpPr>
-          <p:nvPr/>
-        </p:nvCxnSpPr>
-        <p:spPr>
-          <a:xfrm>
-            <a:off x="1440000" y="1800000"/>
-            <a:ext cx="2718000" cy="0"/>
-          </a:xfrm>
-          <a:prstGeom prst="straightConnector1">
-            <a:avLst/>
-          </a:prstGeom>
-          <a:ln w="6350">
-            <a:solidFill>
-              <a:schemeClr val="bg1">
-                <a:lumMod val="85000"/>
-              </a:schemeClr>
-            </a:solidFill>
-            <a:headEnd w="sm" len="med"/>
-            <a:tailEnd type="triangle" w="sm" len="med"/>
-          </a:ln>
-        </p:spPr>
-        <p:style>
-          <a:lnRef idx="1">
-            <a:schemeClr val="dk1"/>
-          </a:lnRef>
-          <a:fillRef idx="0">
-            <a:schemeClr val="dk1"/>
-          </a:fillRef>
-          <a:effectRef idx="0">
-            <a:schemeClr val="dk1"/>
-          </a:effectRef>
-          <a:fontRef idx="minor">
-            <a:schemeClr val="tx1"/>
-          </a:fontRef>
-        </p:style>
-      </p:cxnSp>
-      <p:cxnSp>
-        <p:nvCxnSpPr>
-          <p:cNvPr id="19" name="Connettore 2 18">
-            <a:extLst>
-              <a:ext uri="{FF2B5EF4-FFF2-40B4-BE49-F238E27FC236}">
-                <a16:creationId xmlns:a16="http://schemas.microsoft.com/office/drawing/2014/main" id="{A307914B-AFEC-48E3-9369-4B5BBCF639E2}"/>
-              </a:ext>
-            </a:extLst>
-          </p:cNvPr>
-          <p:cNvCxnSpPr>
-            <a:cxnSpLocks/>
-          </p:cNvCxnSpPr>
-          <p:nvPr/>
-        </p:nvCxnSpPr>
-        <p:spPr>
-          <a:xfrm>
-            <a:off x="1439999" y="1980000"/>
-            <a:ext cx="2268000" cy="0"/>
-          </a:xfrm>
-          <a:prstGeom prst="straightConnector1">
-            <a:avLst/>
-          </a:prstGeom>
-          <a:ln w="6350">
-            <a:solidFill>
-              <a:schemeClr val="bg1">
-                <a:lumMod val="85000"/>
-              </a:schemeClr>
-            </a:solidFill>
-            <a:headEnd w="sm" len="med"/>
-            <a:tailEnd type="triangle" w="sm" len="med"/>
-          </a:ln>
-        </p:spPr>
-        <p:style>
-          <a:lnRef idx="1">
-            <a:schemeClr val="dk1"/>
-          </a:lnRef>
-          <a:fillRef idx="0">
-            <a:schemeClr val="dk1"/>
-          </a:fillRef>
-          <a:effectRef idx="0">
-            <a:schemeClr val="dk1"/>
-          </a:effectRef>
-          <a:fontRef idx="minor">
-            <a:schemeClr val="tx1"/>
-          </a:fontRef>
-        </p:style>
-      </p:cxnSp>
-    </p:spTree>
-    <p:extLst>
-      <p:ext uri="{BB962C8B-B14F-4D97-AF65-F5344CB8AC3E}">
-        <p14:creationId xmlns:p14="http://schemas.microsoft.com/office/powerpoint/2010/main" val="1734765310"/>
       </p:ext>
     </p:extLst>
   </p:cSld>
@@ -43656,6 +45605,832 @@
       </p:grpSpPr>
       <p:sp>
         <p:nvSpPr>
+          <p:cNvPr id="4" name="Rettangolo 3">
+            <a:extLst>
+              <a:ext uri="{FF2B5EF4-FFF2-40B4-BE49-F238E27FC236}">
+                <a16:creationId xmlns:a16="http://schemas.microsoft.com/office/drawing/2014/main" id="{AFB5874D-EF80-44AA-947E-EF41029CBAFE}"/>
+              </a:ext>
+            </a:extLst>
+          </p:cNvPr>
+          <p:cNvSpPr/>
+          <p:nvPr/>
+        </p:nvSpPr>
+        <p:spPr>
+          <a:xfrm>
+            <a:off x="1440000" y="1440000"/>
+            <a:ext cx="2880000" cy="720000"/>
+          </a:xfrm>
+          <a:prstGeom prst="rect">
+            <a:avLst/>
+          </a:prstGeom>
+          <a:solidFill>
+            <a:schemeClr val="bg1"/>
+          </a:solidFill>
+          <a:ln>
+            <a:solidFill>
+              <a:schemeClr val="bg1">
+                <a:lumMod val="85000"/>
+              </a:schemeClr>
+            </a:solidFill>
+          </a:ln>
+        </p:spPr>
+        <p:style>
+          <a:lnRef idx="2">
+            <a:schemeClr val="dk1"/>
+          </a:lnRef>
+          <a:fillRef idx="1">
+            <a:schemeClr val="lt1"/>
+          </a:fillRef>
+          <a:effectRef idx="0">
+            <a:schemeClr val="dk1"/>
+          </a:effectRef>
+          <a:fontRef idx="minor">
+            <a:schemeClr val="dk1"/>
+          </a:fontRef>
+        </p:style>
+        <p:txBody>
+          <a:bodyPr rtlCol="0" anchor="ctr"/>
+          <a:lstStyle/>
+          <a:p>
+            <a:pPr algn="ctr"/>
+            <a:endParaRPr lang="it-IT"/>
+          </a:p>
+        </p:txBody>
+      </p:sp>
+      <p:cxnSp>
+        <p:nvCxnSpPr>
+          <p:cNvPr id="7" name="Connettore diritto 6">
+            <a:extLst>
+              <a:ext uri="{FF2B5EF4-FFF2-40B4-BE49-F238E27FC236}">
+                <a16:creationId xmlns:a16="http://schemas.microsoft.com/office/drawing/2014/main" id="{968C8501-EB46-4D62-8197-F723EF8E231B}"/>
+              </a:ext>
+            </a:extLst>
+          </p:cNvPr>
+          <p:cNvCxnSpPr/>
+          <p:nvPr/>
+        </p:nvCxnSpPr>
+        <p:spPr>
+          <a:xfrm>
+            <a:off x="1440000" y="2520000"/>
+            <a:ext cx="2880000" cy="0"/>
+          </a:xfrm>
+          <a:prstGeom prst="line">
+            <a:avLst/>
+          </a:prstGeom>
+          <a:ln w="12700"/>
+        </p:spPr>
+        <p:style>
+          <a:lnRef idx="1">
+            <a:schemeClr val="dk1"/>
+          </a:lnRef>
+          <a:fillRef idx="0">
+            <a:schemeClr val="dk1"/>
+          </a:fillRef>
+          <a:effectRef idx="0">
+            <a:schemeClr val="dk1"/>
+          </a:effectRef>
+          <a:fontRef idx="minor">
+            <a:schemeClr val="tx1"/>
+          </a:fontRef>
+        </p:style>
+      </p:cxnSp>
+      <p:cxnSp>
+        <p:nvCxnSpPr>
+          <p:cNvPr id="15" name="Connettore 2 14">
+            <a:extLst>
+              <a:ext uri="{FF2B5EF4-FFF2-40B4-BE49-F238E27FC236}">
+                <a16:creationId xmlns:a16="http://schemas.microsoft.com/office/drawing/2014/main" id="{C7879C29-1CA9-4779-9610-B8443E681323}"/>
+              </a:ext>
+            </a:extLst>
+          </p:cNvPr>
+          <p:cNvCxnSpPr/>
+          <p:nvPr/>
+        </p:nvCxnSpPr>
+        <p:spPr>
+          <a:xfrm flipV="1">
+            <a:off x="2700000" y="2250000"/>
+            <a:ext cx="0" cy="540000"/>
+          </a:xfrm>
+          <a:prstGeom prst="straightConnector1">
+            <a:avLst/>
+          </a:prstGeom>
+          <a:ln w="25400">
+            <a:solidFill>
+              <a:srgbClr val="FF0000"/>
+            </a:solidFill>
+            <a:headEnd w="lg" len="med"/>
+            <a:tailEnd type="triangle" w="lg" len="lg"/>
+          </a:ln>
+        </p:spPr>
+        <p:style>
+          <a:lnRef idx="1">
+            <a:schemeClr val="accent1"/>
+          </a:lnRef>
+          <a:fillRef idx="0">
+            <a:schemeClr val="accent1"/>
+          </a:fillRef>
+          <a:effectRef idx="0">
+            <a:schemeClr val="accent1"/>
+          </a:effectRef>
+          <a:fontRef idx="minor">
+            <a:schemeClr val="tx1"/>
+          </a:fontRef>
+        </p:style>
+      </p:cxnSp>
+      <p:cxnSp>
+        <p:nvCxnSpPr>
+          <p:cNvPr id="16" name="Connettore 2 15">
+            <a:extLst>
+              <a:ext uri="{FF2B5EF4-FFF2-40B4-BE49-F238E27FC236}">
+                <a16:creationId xmlns:a16="http://schemas.microsoft.com/office/drawing/2014/main" id="{CDCED0DE-53FB-4B5F-B85A-9E25C0F1E33E}"/>
+              </a:ext>
+            </a:extLst>
+          </p:cNvPr>
+          <p:cNvCxnSpPr/>
+          <p:nvPr/>
+        </p:nvCxnSpPr>
+        <p:spPr>
+          <a:xfrm flipV="1">
+            <a:off x="3060000" y="2250000"/>
+            <a:ext cx="0" cy="540000"/>
+          </a:xfrm>
+          <a:prstGeom prst="straightConnector1">
+            <a:avLst/>
+          </a:prstGeom>
+          <a:ln w="25400">
+            <a:solidFill>
+              <a:srgbClr val="FF0000"/>
+            </a:solidFill>
+            <a:headEnd type="triangle" w="lg" len="lg"/>
+            <a:tailEnd type="none"/>
+          </a:ln>
+        </p:spPr>
+        <p:style>
+          <a:lnRef idx="1">
+            <a:schemeClr val="accent1"/>
+          </a:lnRef>
+          <a:fillRef idx="0">
+            <a:schemeClr val="accent1"/>
+          </a:fillRef>
+          <a:effectRef idx="0">
+            <a:schemeClr val="accent1"/>
+          </a:effectRef>
+          <a:fontRef idx="minor">
+            <a:schemeClr val="tx1"/>
+          </a:fontRef>
+        </p:style>
+      </p:cxnSp>
+      <p:cxnSp>
+        <p:nvCxnSpPr>
+          <p:cNvPr id="26" name="Connettore diritto 25">
+            <a:extLst>
+              <a:ext uri="{FF2B5EF4-FFF2-40B4-BE49-F238E27FC236}">
+                <a16:creationId xmlns:a16="http://schemas.microsoft.com/office/drawing/2014/main" id="{3CD2C60A-9BDD-4343-B7E1-7F4BF68C7456}"/>
+              </a:ext>
+            </a:extLst>
+          </p:cNvPr>
+          <p:cNvCxnSpPr>
+            <a:cxnSpLocks/>
+          </p:cNvCxnSpPr>
+          <p:nvPr/>
+        </p:nvCxnSpPr>
+        <p:spPr>
+          <a:xfrm flipH="1">
+            <a:off x="3960000" y="3240000"/>
+            <a:ext cx="360000" cy="360000"/>
+          </a:xfrm>
+          <a:prstGeom prst="line">
+            <a:avLst/>
+          </a:prstGeom>
+          <a:ln>
+            <a:solidFill>
+              <a:schemeClr val="bg1">
+                <a:lumMod val="85000"/>
+              </a:schemeClr>
+            </a:solidFill>
+          </a:ln>
+        </p:spPr>
+        <p:style>
+          <a:lnRef idx="1">
+            <a:schemeClr val="accent1"/>
+          </a:lnRef>
+          <a:fillRef idx="0">
+            <a:schemeClr val="accent1"/>
+          </a:fillRef>
+          <a:effectRef idx="0">
+            <a:schemeClr val="accent1"/>
+          </a:effectRef>
+          <a:fontRef idx="minor">
+            <a:schemeClr val="tx1"/>
+          </a:fontRef>
+        </p:style>
+      </p:cxnSp>
+      <p:sp>
+        <p:nvSpPr>
+          <p:cNvPr id="32" name="Parallelogramma 31">
+            <a:extLst>
+              <a:ext uri="{FF2B5EF4-FFF2-40B4-BE49-F238E27FC236}">
+                <a16:creationId xmlns:a16="http://schemas.microsoft.com/office/drawing/2014/main" id="{36BD2991-4381-41B7-86CA-9690E40789B1}"/>
+              </a:ext>
+            </a:extLst>
+          </p:cNvPr>
+          <p:cNvSpPr>
+            <a:spLocks/>
+          </p:cNvSpPr>
+          <p:nvPr/>
+        </p:nvSpPr>
+        <p:spPr>
+          <a:xfrm>
+            <a:off x="1440000" y="2880000"/>
+            <a:ext cx="1080000" cy="720000"/>
+          </a:xfrm>
+          <a:prstGeom prst="parallelogram">
+            <a:avLst>
+              <a:gd name="adj" fmla="val 99999"/>
+            </a:avLst>
+          </a:prstGeom>
+          <a:ln w="6350">
+            <a:solidFill>
+              <a:schemeClr val="bg1">
+                <a:lumMod val="85000"/>
+              </a:schemeClr>
+            </a:solidFill>
+          </a:ln>
+        </p:spPr>
+        <p:style>
+          <a:lnRef idx="2">
+            <a:schemeClr val="dk1"/>
+          </a:lnRef>
+          <a:fillRef idx="1">
+            <a:schemeClr val="lt1"/>
+          </a:fillRef>
+          <a:effectRef idx="0">
+            <a:schemeClr val="dk1"/>
+          </a:effectRef>
+          <a:fontRef idx="minor">
+            <a:schemeClr val="dk1"/>
+          </a:fontRef>
+        </p:style>
+        <p:txBody>
+          <a:bodyPr rtlCol="0" anchor="ctr"/>
+          <a:lstStyle/>
+          <a:p>
+            <a:pPr algn="ctr"/>
+            <a:endParaRPr lang="it-IT"/>
+          </a:p>
+        </p:txBody>
+      </p:sp>
+      <p:sp>
+        <p:nvSpPr>
+          <p:cNvPr id="33" name="Parallelogramma 32">
+            <a:extLst>
+              <a:ext uri="{FF2B5EF4-FFF2-40B4-BE49-F238E27FC236}">
+                <a16:creationId xmlns:a16="http://schemas.microsoft.com/office/drawing/2014/main" id="{AAE07D06-E0D5-4AC6-9287-1331B1C391D1}"/>
+              </a:ext>
+            </a:extLst>
+          </p:cNvPr>
+          <p:cNvSpPr>
+            <a:spLocks/>
+          </p:cNvSpPr>
+          <p:nvPr/>
+        </p:nvSpPr>
+        <p:spPr>
+          <a:xfrm>
+            <a:off x="1800000" y="2880000"/>
+            <a:ext cx="1080000" cy="720000"/>
+          </a:xfrm>
+          <a:prstGeom prst="parallelogram">
+            <a:avLst>
+              <a:gd name="adj" fmla="val 99999"/>
+            </a:avLst>
+          </a:prstGeom>
+          <a:ln w="6350">
+            <a:solidFill>
+              <a:schemeClr val="bg1">
+                <a:lumMod val="85000"/>
+              </a:schemeClr>
+            </a:solidFill>
+          </a:ln>
+        </p:spPr>
+        <p:style>
+          <a:lnRef idx="2">
+            <a:schemeClr val="dk1"/>
+          </a:lnRef>
+          <a:fillRef idx="1">
+            <a:schemeClr val="lt1"/>
+          </a:fillRef>
+          <a:effectRef idx="0">
+            <a:schemeClr val="dk1"/>
+          </a:effectRef>
+          <a:fontRef idx="minor">
+            <a:schemeClr val="dk1"/>
+          </a:fontRef>
+        </p:style>
+        <p:txBody>
+          <a:bodyPr rtlCol="0" anchor="ctr"/>
+          <a:lstStyle/>
+          <a:p>
+            <a:pPr algn="ctr"/>
+            <a:endParaRPr lang="it-IT"/>
+          </a:p>
+        </p:txBody>
+      </p:sp>
+      <p:sp>
+        <p:nvSpPr>
+          <p:cNvPr id="34" name="Parallelogramma 33">
+            <a:extLst>
+              <a:ext uri="{FF2B5EF4-FFF2-40B4-BE49-F238E27FC236}">
+                <a16:creationId xmlns:a16="http://schemas.microsoft.com/office/drawing/2014/main" id="{A126DC85-DD00-4B04-B8AF-F7E20B67255B}"/>
+              </a:ext>
+            </a:extLst>
+          </p:cNvPr>
+          <p:cNvSpPr>
+            <a:spLocks/>
+          </p:cNvSpPr>
+          <p:nvPr/>
+        </p:nvSpPr>
+        <p:spPr>
+          <a:xfrm>
+            <a:off x="2520000" y="2880000"/>
+            <a:ext cx="1080000" cy="720000"/>
+          </a:xfrm>
+          <a:prstGeom prst="parallelogram">
+            <a:avLst>
+              <a:gd name="adj" fmla="val 99999"/>
+            </a:avLst>
+          </a:prstGeom>
+          <a:ln w="6350">
+            <a:solidFill>
+              <a:schemeClr val="bg1">
+                <a:lumMod val="85000"/>
+              </a:schemeClr>
+            </a:solidFill>
+          </a:ln>
+        </p:spPr>
+        <p:style>
+          <a:lnRef idx="2">
+            <a:schemeClr val="dk1"/>
+          </a:lnRef>
+          <a:fillRef idx="1">
+            <a:schemeClr val="lt1"/>
+          </a:fillRef>
+          <a:effectRef idx="0">
+            <a:schemeClr val="dk1"/>
+          </a:effectRef>
+          <a:fontRef idx="minor">
+            <a:schemeClr val="dk1"/>
+          </a:fontRef>
+        </p:style>
+        <p:txBody>
+          <a:bodyPr rtlCol="0" anchor="ctr"/>
+          <a:lstStyle/>
+          <a:p>
+            <a:pPr algn="ctr"/>
+            <a:endParaRPr lang="it-IT"/>
+          </a:p>
+        </p:txBody>
+      </p:sp>
+      <p:sp>
+        <p:nvSpPr>
+          <p:cNvPr id="36" name="Triangolo rettangolo 35">
+            <a:extLst>
+              <a:ext uri="{FF2B5EF4-FFF2-40B4-BE49-F238E27FC236}">
+                <a16:creationId xmlns:a16="http://schemas.microsoft.com/office/drawing/2014/main" id="{48650062-DE27-4055-AC8C-81E84FF78846}"/>
+              </a:ext>
+            </a:extLst>
+          </p:cNvPr>
+          <p:cNvSpPr/>
+          <p:nvPr/>
+        </p:nvSpPr>
+        <p:spPr>
+          <a:xfrm rot="5400000">
+            <a:off x="1440000" y="2880000"/>
+            <a:ext cx="360000" cy="360000"/>
+          </a:xfrm>
+          <a:prstGeom prst="rtTriangle">
+            <a:avLst/>
+          </a:prstGeom>
+          <a:ln w="6350">
+            <a:solidFill>
+              <a:schemeClr val="bg1">
+                <a:lumMod val="85000"/>
+              </a:schemeClr>
+            </a:solidFill>
+          </a:ln>
+        </p:spPr>
+        <p:style>
+          <a:lnRef idx="2">
+            <a:schemeClr val="dk1"/>
+          </a:lnRef>
+          <a:fillRef idx="1">
+            <a:schemeClr val="lt1"/>
+          </a:fillRef>
+          <a:effectRef idx="0">
+            <a:schemeClr val="dk1"/>
+          </a:effectRef>
+          <a:fontRef idx="minor">
+            <a:schemeClr val="dk1"/>
+          </a:fontRef>
+        </p:style>
+        <p:txBody>
+          <a:bodyPr rtlCol="0" anchor="ctr"/>
+          <a:lstStyle/>
+          <a:p>
+            <a:pPr algn="ctr"/>
+            <a:endParaRPr lang="it-IT"/>
+          </a:p>
+        </p:txBody>
+      </p:sp>
+      <p:sp>
+        <p:nvSpPr>
+          <p:cNvPr id="37" name="Parallelogramma 36">
+            <a:extLst>
+              <a:ext uri="{FF2B5EF4-FFF2-40B4-BE49-F238E27FC236}">
+                <a16:creationId xmlns:a16="http://schemas.microsoft.com/office/drawing/2014/main" id="{0AF42239-9121-43E6-8505-AC474381C9EF}"/>
+              </a:ext>
+            </a:extLst>
+          </p:cNvPr>
+          <p:cNvSpPr>
+            <a:spLocks/>
+          </p:cNvSpPr>
+          <p:nvPr/>
+        </p:nvSpPr>
+        <p:spPr>
+          <a:xfrm>
+            <a:off x="2880000" y="2880000"/>
+            <a:ext cx="1080000" cy="720000"/>
+          </a:xfrm>
+          <a:prstGeom prst="parallelogram">
+            <a:avLst>
+              <a:gd name="adj" fmla="val 99999"/>
+            </a:avLst>
+          </a:prstGeom>
+          <a:ln w="6350">
+            <a:solidFill>
+              <a:schemeClr val="bg1">
+                <a:lumMod val="85000"/>
+              </a:schemeClr>
+            </a:solidFill>
+          </a:ln>
+        </p:spPr>
+        <p:style>
+          <a:lnRef idx="2">
+            <a:schemeClr val="dk1"/>
+          </a:lnRef>
+          <a:fillRef idx="1">
+            <a:schemeClr val="lt1"/>
+          </a:fillRef>
+          <a:effectRef idx="0">
+            <a:schemeClr val="dk1"/>
+          </a:effectRef>
+          <a:fontRef idx="minor">
+            <a:schemeClr val="dk1"/>
+          </a:fontRef>
+        </p:style>
+        <p:txBody>
+          <a:bodyPr rtlCol="0" anchor="ctr"/>
+          <a:lstStyle/>
+          <a:p>
+            <a:pPr algn="ctr"/>
+            <a:endParaRPr lang="it-IT"/>
+          </a:p>
+        </p:txBody>
+      </p:sp>
+      <p:sp>
+        <p:nvSpPr>
+          <p:cNvPr id="38" name="Trapezio 37">
+            <a:extLst>
+              <a:ext uri="{FF2B5EF4-FFF2-40B4-BE49-F238E27FC236}">
+                <a16:creationId xmlns:a16="http://schemas.microsoft.com/office/drawing/2014/main" id="{C72CB81C-018B-4D12-8FA9-81966C55EABA}"/>
+              </a:ext>
+            </a:extLst>
+          </p:cNvPr>
+          <p:cNvSpPr/>
+          <p:nvPr/>
+        </p:nvSpPr>
+        <p:spPr>
+          <a:xfrm rot="8100000">
+            <a:off x="3541168" y="3202768"/>
+            <a:ext cx="1018800" cy="255600"/>
+          </a:xfrm>
+          <a:prstGeom prst="trapezoid">
+            <a:avLst>
+              <a:gd name="adj" fmla="val 102258"/>
+            </a:avLst>
+          </a:prstGeom>
+          <a:solidFill>
+            <a:schemeClr val="bg1"/>
+          </a:solidFill>
+          <a:ln w="6350">
+            <a:solidFill>
+              <a:schemeClr val="bg1">
+                <a:lumMod val="85000"/>
+              </a:schemeClr>
+            </a:solidFill>
+          </a:ln>
+        </p:spPr>
+        <p:style>
+          <a:lnRef idx="2">
+            <a:schemeClr val="dk1"/>
+          </a:lnRef>
+          <a:fillRef idx="1">
+            <a:schemeClr val="lt1"/>
+          </a:fillRef>
+          <a:effectRef idx="0">
+            <a:schemeClr val="dk1"/>
+          </a:effectRef>
+          <a:fontRef idx="minor">
+            <a:schemeClr val="dk1"/>
+          </a:fontRef>
+        </p:style>
+        <p:txBody>
+          <a:bodyPr rtlCol="0" anchor="ctr"/>
+          <a:lstStyle/>
+          <a:p>
+            <a:pPr algn="ctr"/>
+            <a:endParaRPr lang="it-IT"/>
+          </a:p>
+        </p:txBody>
+      </p:sp>
+      <p:sp>
+        <p:nvSpPr>
+          <p:cNvPr id="5" name="Rettangolo 4">
+            <a:extLst>
+              <a:ext uri="{FF2B5EF4-FFF2-40B4-BE49-F238E27FC236}">
+                <a16:creationId xmlns:a16="http://schemas.microsoft.com/office/drawing/2014/main" id="{A2866499-10D0-4275-8C25-6D6A8FA1F309}"/>
+              </a:ext>
+            </a:extLst>
+          </p:cNvPr>
+          <p:cNvSpPr/>
+          <p:nvPr/>
+        </p:nvSpPr>
+        <p:spPr>
+          <a:xfrm>
+            <a:off x="1440000" y="2880000"/>
+            <a:ext cx="2880000" cy="720000"/>
+          </a:xfrm>
+          <a:prstGeom prst="rect">
+            <a:avLst/>
+          </a:prstGeom>
+          <a:noFill/>
+          <a:ln>
+            <a:solidFill>
+              <a:schemeClr val="bg1">
+                <a:lumMod val="85000"/>
+              </a:schemeClr>
+            </a:solidFill>
+          </a:ln>
+        </p:spPr>
+        <p:style>
+          <a:lnRef idx="2">
+            <a:schemeClr val="dk1"/>
+          </a:lnRef>
+          <a:fillRef idx="1">
+            <a:schemeClr val="lt1"/>
+          </a:fillRef>
+          <a:effectRef idx="0">
+            <a:schemeClr val="dk1"/>
+          </a:effectRef>
+          <a:fontRef idx="minor">
+            <a:schemeClr val="dk1"/>
+          </a:fontRef>
+        </p:style>
+        <p:txBody>
+          <a:bodyPr rtlCol="0" anchor="ctr"/>
+          <a:lstStyle/>
+          <a:p>
+            <a:pPr algn="ctr"/>
+            <a:endParaRPr lang="it-IT"/>
+          </a:p>
+        </p:txBody>
+      </p:sp>
+      <p:sp>
+        <p:nvSpPr>
+          <p:cNvPr id="14" name="Arco 13">
+            <a:extLst>
+              <a:ext uri="{FF2B5EF4-FFF2-40B4-BE49-F238E27FC236}">
+                <a16:creationId xmlns:a16="http://schemas.microsoft.com/office/drawing/2014/main" id="{F09AE7F0-464E-406D-94C0-D73A462F593F}"/>
+              </a:ext>
+            </a:extLst>
+          </p:cNvPr>
+          <p:cNvSpPr/>
+          <p:nvPr/>
+        </p:nvSpPr>
+        <p:spPr>
+          <a:xfrm rot="10800000" flipH="1">
+            <a:off x="133350" y="983681"/>
+            <a:ext cx="4186650" cy="1176319"/>
+          </a:xfrm>
+          <a:prstGeom prst="arc">
+            <a:avLst>
+              <a:gd name="adj1" fmla="val 16128148"/>
+              <a:gd name="adj2" fmla="val 21567144"/>
+            </a:avLst>
+          </a:prstGeom>
+          <a:ln w="6350">
+            <a:solidFill>
+              <a:schemeClr val="bg1">
+                <a:lumMod val="85000"/>
+              </a:schemeClr>
+            </a:solidFill>
+          </a:ln>
+        </p:spPr>
+        <p:style>
+          <a:lnRef idx="1">
+            <a:schemeClr val="accent1"/>
+          </a:lnRef>
+          <a:fillRef idx="0">
+            <a:schemeClr val="accent1"/>
+          </a:fillRef>
+          <a:effectRef idx="0">
+            <a:schemeClr val="accent1"/>
+          </a:effectRef>
+          <a:fontRef idx="minor">
+            <a:schemeClr val="tx1"/>
+          </a:fontRef>
+        </p:style>
+        <p:txBody>
+          <a:bodyPr rtlCol="0" anchor="ctr"/>
+          <a:lstStyle/>
+          <a:p>
+            <a:pPr algn="ctr"/>
+            <a:endParaRPr lang="it-IT"/>
+          </a:p>
+        </p:txBody>
+      </p:sp>
+      <p:cxnSp>
+        <p:nvCxnSpPr>
+          <p:cNvPr id="17" name="Connettore 2 16">
+            <a:extLst>
+              <a:ext uri="{FF2B5EF4-FFF2-40B4-BE49-F238E27FC236}">
+                <a16:creationId xmlns:a16="http://schemas.microsoft.com/office/drawing/2014/main" id="{AE3B47E4-5BB5-46CE-9849-33DD23A3FF8E}"/>
+              </a:ext>
+            </a:extLst>
+          </p:cNvPr>
+          <p:cNvCxnSpPr>
+            <a:cxnSpLocks/>
+          </p:cNvCxnSpPr>
+          <p:nvPr/>
+        </p:nvCxnSpPr>
+        <p:spPr>
+          <a:xfrm flipV="1">
+            <a:off x="1440000" y="1620000"/>
+            <a:ext cx="2878790" cy="0"/>
+          </a:xfrm>
+          <a:prstGeom prst="straightConnector1">
+            <a:avLst/>
+          </a:prstGeom>
+          <a:ln w="6350">
+            <a:solidFill>
+              <a:schemeClr val="bg1">
+                <a:lumMod val="85000"/>
+              </a:schemeClr>
+            </a:solidFill>
+            <a:headEnd w="sm" len="med"/>
+            <a:tailEnd type="triangle" w="sm" len="med"/>
+          </a:ln>
+        </p:spPr>
+        <p:style>
+          <a:lnRef idx="1">
+            <a:schemeClr val="dk1"/>
+          </a:lnRef>
+          <a:fillRef idx="0">
+            <a:schemeClr val="dk1"/>
+          </a:fillRef>
+          <a:effectRef idx="0">
+            <a:schemeClr val="dk1"/>
+          </a:effectRef>
+          <a:fontRef idx="minor">
+            <a:schemeClr val="tx1"/>
+          </a:fontRef>
+        </p:style>
+      </p:cxnSp>
+      <p:cxnSp>
+        <p:nvCxnSpPr>
+          <p:cNvPr id="18" name="Connettore 2 17">
+            <a:extLst>
+              <a:ext uri="{FF2B5EF4-FFF2-40B4-BE49-F238E27FC236}">
+                <a16:creationId xmlns:a16="http://schemas.microsoft.com/office/drawing/2014/main" id="{46A89340-AAD0-4AAC-AAE8-373975150919}"/>
+              </a:ext>
+            </a:extLst>
+          </p:cNvPr>
+          <p:cNvCxnSpPr>
+            <a:cxnSpLocks/>
+          </p:cNvCxnSpPr>
+          <p:nvPr/>
+        </p:nvCxnSpPr>
+        <p:spPr>
+          <a:xfrm>
+            <a:off x="1440000" y="1800000"/>
+            <a:ext cx="2718000" cy="0"/>
+          </a:xfrm>
+          <a:prstGeom prst="straightConnector1">
+            <a:avLst/>
+          </a:prstGeom>
+          <a:ln w="6350">
+            <a:solidFill>
+              <a:schemeClr val="bg1">
+                <a:lumMod val="85000"/>
+              </a:schemeClr>
+            </a:solidFill>
+            <a:headEnd w="sm" len="med"/>
+            <a:tailEnd type="triangle" w="sm" len="med"/>
+          </a:ln>
+        </p:spPr>
+        <p:style>
+          <a:lnRef idx="1">
+            <a:schemeClr val="dk1"/>
+          </a:lnRef>
+          <a:fillRef idx="0">
+            <a:schemeClr val="dk1"/>
+          </a:fillRef>
+          <a:effectRef idx="0">
+            <a:schemeClr val="dk1"/>
+          </a:effectRef>
+          <a:fontRef idx="minor">
+            <a:schemeClr val="tx1"/>
+          </a:fontRef>
+        </p:style>
+      </p:cxnSp>
+      <p:cxnSp>
+        <p:nvCxnSpPr>
+          <p:cNvPr id="19" name="Connettore 2 18">
+            <a:extLst>
+              <a:ext uri="{FF2B5EF4-FFF2-40B4-BE49-F238E27FC236}">
+                <a16:creationId xmlns:a16="http://schemas.microsoft.com/office/drawing/2014/main" id="{A307914B-AFEC-48E3-9369-4B5BBCF639E2}"/>
+              </a:ext>
+            </a:extLst>
+          </p:cNvPr>
+          <p:cNvCxnSpPr>
+            <a:cxnSpLocks/>
+          </p:cNvCxnSpPr>
+          <p:nvPr/>
+        </p:nvCxnSpPr>
+        <p:spPr>
+          <a:xfrm>
+            <a:off x="1439999" y="1980000"/>
+            <a:ext cx="2268000" cy="0"/>
+          </a:xfrm>
+          <a:prstGeom prst="straightConnector1">
+            <a:avLst/>
+          </a:prstGeom>
+          <a:ln w="6350">
+            <a:solidFill>
+              <a:schemeClr val="bg1">
+                <a:lumMod val="85000"/>
+              </a:schemeClr>
+            </a:solidFill>
+            <a:headEnd w="sm" len="med"/>
+            <a:tailEnd type="triangle" w="sm" len="med"/>
+          </a:ln>
+        </p:spPr>
+        <p:style>
+          <a:lnRef idx="1">
+            <a:schemeClr val="dk1"/>
+          </a:lnRef>
+          <a:fillRef idx="0">
+            <a:schemeClr val="dk1"/>
+          </a:fillRef>
+          <a:effectRef idx="0">
+            <a:schemeClr val="dk1"/>
+          </a:effectRef>
+          <a:fontRef idx="minor">
+            <a:schemeClr val="tx1"/>
+          </a:fontRef>
+        </p:style>
+      </p:cxnSp>
+    </p:spTree>
+    <p:extLst>
+      <p:ext uri="{BB962C8B-B14F-4D97-AF65-F5344CB8AC3E}">
+        <p14:creationId xmlns:p14="http://schemas.microsoft.com/office/powerpoint/2010/main" val="1734765310"/>
+      </p:ext>
+    </p:extLst>
+  </p:cSld>
+  <p:clrMapOvr>
+    <a:masterClrMapping/>
+  </p:clrMapOvr>
+</p:sld>
+</file>
+
+<file path=ppt/slides/slide31.xml><?xml version="1.0" encoding="utf-8"?>
+<p:sld xmlns:a="http://schemas.openxmlformats.org/drawingml/2006/main" xmlns:r="http://schemas.openxmlformats.org/officeDocument/2006/relationships" xmlns:p="http://schemas.openxmlformats.org/presentationml/2006/main">
+  <p:cSld>
+    <p:spTree>
+      <p:nvGrpSpPr>
+        <p:cNvPr id="1" name=""/>
+        <p:cNvGrpSpPr/>
+        <p:nvPr/>
+      </p:nvGrpSpPr>
+      <p:grpSpPr>
+        <a:xfrm>
+          <a:off x="0" y="0"/>
+          <a:ext cx="0" cy="0"/>
+          <a:chOff x="0" y="0"/>
+          <a:chExt cx="0" cy="0"/>
+        </a:xfrm>
+      </p:grpSpPr>
+      <p:sp>
+        <p:nvSpPr>
           <p:cNvPr id="20" name="Triangolo rettangolo 19">
             <a:extLst>
               <a:ext uri="{FF2B5EF4-FFF2-40B4-BE49-F238E27FC236}">
@@ -44422,7 +47197,7 @@
 </p:sld>
 </file>
 
-<file path=ppt/slides/slide31.xml><?xml version="1.0" encoding="utf-8"?>
+<file path=ppt/slides/slide32.xml><?xml version="1.0" encoding="utf-8"?>
 <p:sld xmlns:a="http://schemas.openxmlformats.org/drawingml/2006/main" xmlns:r="http://schemas.openxmlformats.org/officeDocument/2006/relationships" xmlns:p="http://schemas.openxmlformats.org/presentationml/2006/main">
   <p:cSld>
     <p:spTree>
@@ -45052,7 +47827,7 @@
 </p:sld>
 </file>
 
-<file path=ppt/slides/slide32.xml><?xml version="1.0" encoding="utf-8"?>
+<file path=ppt/slides/slide33.xml><?xml version="1.0" encoding="utf-8"?>
 <p:sld xmlns:a="http://schemas.openxmlformats.org/drawingml/2006/main" xmlns:r="http://schemas.openxmlformats.org/officeDocument/2006/relationships" xmlns:p="http://schemas.openxmlformats.org/presentationml/2006/main">
   <p:cSld>
     <p:spTree>

--- a/img/celle.pptx
+++ b/img/celle.pptx
@@ -6,7 +6,7 @@
     <p:sldMasterId id="2147483660" r:id="rId2"/>
   </p:sldMasterIdLst>
   <p:notesMasterIdLst>
-    <p:notesMasterId r:id="rId36"/>
+    <p:notesMasterId r:id="rId37"/>
   </p:notesMasterIdLst>
   <p:sldIdLst>
     <p:sldId id="256" r:id="rId3"/>
@@ -40,8 +40,9 @@
     <p:sldId id="272" r:id="rId31"/>
     <p:sldId id="275" r:id="rId32"/>
     <p:sldId id="276" r:id="rId33"/>
-    <p:sldId id="274" r:id="rId34"/>
-    <p:sldId id="280" r:id="rId35"/>
+    <p:sldId id="292" r:id="rId34"/>
+    <p:sldId id="274" r:id="rId35"/>
+    <p:sldId id="280" r:id="rId36"/>
   </p:sldIdLst>
   <p:sldSz cx="12192000" cy="6858000"/>
   <p:notesSz cx="6858000" cy="9144000"/>
@@ -230,7 +231,7 @@
           <a:p>
             <a:fld id="{76BCBF0C-CE44-499E-BCEB-7948FB131314}" type="datetimeFigureOut">
               <a:rPr lang="it-IT" smtClean="0"/>
-              <a:t>11/04/2019</a:t>
+              <a:t>12/04/2019</a:t>
             </a:fld>
             <a:endParaRPr lang="it-IT"/>
           </a:p>
@@ -644,7 +645,7 @@
           <a:p>
             <a:fld id="{73B341DB-7226-48ED-93C6-4CA0570B6B59}" type="datetimeFigureOut">
               <a:rPr lang="it-IT" smtClean="0"/>
-              <a:t>11/04/2019</a:t>
+              <a:t>12/04/2019</a:t>
             </a:fld>
             <a:endParaRPr lang="it-IT"/>
           </a:p>
@@ -842,7 +843,7 @@
           <a:p>
             <a:fld id="{73B341DB-7226-48ED-93C6-4CA0570B6B59}" type="datetimeFigureOut">
               <a:rPr lang="it-IT" smtClean="0"/>
-              <a:t>11/04/2019</a:t>
+              <a:t>12/04/2019</a:t>
             </a:fld>
             <a:endParaRPr lang="it-IT"/>
           </a:p>
@@ -1050,7 +1051,7 @@
           <a:p>
             <a:fld id="{73B341DB-7226-48ED-93C6-4CA0570B6B59}" type="datetimeFigureOut">
               <a:rPr lang="it-IT" smtClean="0"/>
-              <a:t>11/04/2019</a:t>
+              <a:t>12/04/2019</a:t>
             </a:fld>
             <a:endParaRPr lang="it-IT"/>
           </a:p>
@@ -1270,7 +1271,7 @@
           <a:p>
             <a:fld id="{6A95F648-2F94-41D1-A59D-39CB3696F9AB}" type="datetimeFigureOut">
               <a:rPr lang="it-IT" smtClean="0"/>
-              <a:t>11/04/2019</a:t>
+              <a:t>12/04/2019</a:t>
             </a:fld>
             <a:endParaRPr lang="it-IT"/>
           </a:p>
@@ -1468,7 +1469,7 @@
           <a:p>
             <a:fld id="{6A95F648-2F94-41D1-A59D-39CB3696F9AB}" type="datetimeFigureOut">
               <a:rPr lang="it-IT" smtClean="0"/>
-              <a:t>11/04/2019</a:t>
+              <a:t>12/04/2019</a:t>
             </a:fld>
             <a:endParaRPr lang="it-IT"/>
           </a:p>
@@ -1743,7 +1744,7 @@
           <a:p>
             <a:fld id="{6A95F648-2F94-41D1-A59D-39CB3696F9AB}" type="datetimeFigureOut">
               <a:rPr lang="it-IT" smtClean="0"/>
-              <a:t>11/04/2019</a:t>
+              <a:t>12/04/2019</a:t>
             </a:fld>
             <a:endParaRPr lang="it-IT"/>
           </a:p>
@@ -2008,7 +2009,7 @@
           <a:p>
             <a:fld id="{6A95F648-2F94-41D1-A59D-39CB3696F9AB}" type="datetimeFigureOut">
               <a:rPr lang="it-IT" smtClean="0"/>
-              <a:t>11/04/2019</a:t>
+              <a:t>12/04/2019</a:t>
             </a:fld>
             <a:endParaRPr lang="it-IT"/>
           </a:p>
@@ -2420,7 +2421,7 @@
           <a:p>
             <a:fld id="{6A95F648-2F94-41D1-A59D-39CB3696F9AB}" type="datetimeFigureOut">
               <a:rPr lang="it-IT" smtClean="0"/>
-              <a:t>11/04/2019</a:t>
+              <a:t>12/04/2019</a:t>
             </a:fld>
             <a:endParaRPr lang="it-IT"/>
           </a:p>
@@ -2561,7 +2562,7 @@
           <a:p>
             <a:fld id="{6A95F648-2F94-41D1-A59D-39CB3696F9AB}" type="datetimeFigureOut">
               <a:rPr lang="it-IT" smtClean="0"/>
-              <a:t>11/04/2019</a:t>
+              <a:t>12/04/2019</a:t>
             </a:fld>
             <a:endParaRPr lang="it-IT"/>
           </a:p>
@@ -2674,7 +2675,7 @@
           <a:p>
             <a:fld id="{6A95F648-2F94-41D1-A59D-39CB3696F9AB}" type="datetimeFigureOut">
               <a:rPr lang="it-IT" smtClean="0"/>
-              <a:t>11/04/2019</a:t>
+              <a:t>12/04/2019</a:t>
             </a:fld>
             <a:endParaRPr lang="it-IT"/>
           </a:p>
@@ -2985,7 +2986,7 @@
           <a:p>
             <a:fld id="{6A95F648-2F94-41D1-A59D-39CB3696F9AB}" type="datetimeFigureOut">
               <a:rPr lang="it-IT" smtClean="0"/>
-              <a:t>11/04/2019</a:t>
+              <a:t>12/04/2019</a:t>
             </a:fld>
             <a:endParaRPr lang="it-IT"/>
           </a:p>
@@ -3183,7 +3184,7 @@
           <a:p>
             <a:fld id="{73B341DB-7226-48ED-93C6-4CA0570B6B59}" type="datetimeFigureOut">
               <a:rPr lang="it-IT" smtClean="0"/>
-              <a:t>11/04/2019</a:t>
+              <a:t>12/04/2019</a:t>
             </a:fld>
             <a:endParaRPr lang="it-IT"/>
           </a:p>
@@ -3471,7 +3472,7 @@
           <a:p>
             <a:fld id="{6A95F648-2F94-41D1-A59D-39CB3696F9AB}" type="datetimeFigureOut">
               <a:rPr lang="it-IT" smtClean="0"/>
-              <a:t>11/04/2019</a:t>
+              <a:t>12/04/2019</a:t>
             </a:fld>
             <a:endParaRPr lang="it-IT"/>
           </a:p>
@@ -3669,7 +3670,7 @@
           <a:p>
             <a:fld id="{6A95F648-2F94-41D1-A59D-39CB3696F9AB}" type="datetimeFigureOut">
               <a:rPr lang="it-IT" smtClean="0"/>
-              <a:t>11/04/2019</a:t>
+              <a:t>12/04/2019</a:t>
             </a:fld>
             <a:endParaRPr lang="it-IT"/>
           </a:p>
@@ -3877,7 +3878,7 @@
           <a:p>
             <a:fld id="{6A95F648-2F94-41D1-A59D-39CB3696F9AB}" type="datetimeFigureOut">
               <a:rPr lang="it-IT" smtClean="0"/>
-              <a:t>11/04/2019</a:t>
+              <a:t>12/04/2019</a:t>
             </a:fld>
             <a:endParaRPr lang="it-IT"/>
           </a:p>
@@ -4152,7 +4153,7 @@
           <a:p>
             <a:fld id="{73B341DB-7226-48ED-93C6-4CA0570B6B59}" type="datetimeFigureOut">
               <a:rPr lang="it-IT" smtClean="0"/>
-              <a:t>11/04/2019</a:t>
+              <a:t>12/04/2019</a:t>
             </a:fld>
             <a:endParaRPr lang="it-IT"/>
           </a:p>
@@ -4417,7 +4418,7 @@
           <a:p>
             <a:fld id="{73B341DB-7226-48ED-93C6-4CA0570B6B59}" type="datetimeFigureOut">
               <a:rPr lang="it-IT" smtClean="0"/>
-              <a:t>11/04/2019</a:t>
+              <a:t>12/04/2019</a:t>
             </a:fld>
             <a:endParaRPr lang="it-IT"/>
           </a:p>
@@ -4829,7 +4830,7 @@
           <a:p>
             <a:fld id="{73B341DB-7226-48ED-93C6-4CA0570B6B59}" type="datetimeFigureOut">
               <a:rPr lang="it-IT" smtClean="0"/>
-              <a:t>11/04/2019</a:t>
+              <a:t>12/04/2019</a:t>
             </a:fld>
             <a:endParaRPr lang="it-IT"/>
           </a:p>
@@ -4970,7 +4971,7 @@
           <a:p>
             <a:fld id="{73B341DB-7226-48ED-93C6-4CA0570B6B59}" type="datetimeFigureOut">
               <a:rPr lang="it-IT" smtClean="0"/>
-              <a:t>11/04/2019</a:t>
+              <a:t>12/04/2019</a:t>
             </a:fld>
             <a:endParaRPr lang="it-IT"/>
           </a:p>
@@ -5083,7 +5084,7 @@
           <a:p>
             <a:fld id="{73B341DB-7226-48ED-93C6-4CA0570B6B59}" type="datetimeFigureOut">
               <a:rPr lang="it-IT" smtClean="0"/>
-              <a:t>11/04/2019</a:t>
+              <a:t>12/04/2019</a:t>
             </a:fld>
             <a:endParaRPr lang="it-IT"/>
           </a:p>
@@ -5394,7 +5395,7 @@
           <a:p>
             <a:fld id="{73B341DB-7226-48ED-93C6-4CA0570B6B59}" type="datetimeFigureOut">
               <a:rPr lang="it-IT" smtClean="0"/>
-              <a:t>11/04/2019</a:t>
+              <a:t>12/04/2019</a:t>
             </a:fld>
             <a:endParaRPr lang="it-IT"/>
           </a:p>
@@ -5682,7 +5683,7 @@
           <a:p>
             <a:fld id="{73B341DB-7226-48ED-93C6-4CA0570B6B59}" type="datetimeFigureOut">
               <a:rPr lang="it-IT" smtClean="0"/>
-              <a:t>11/04/2019</a:t>
+              <a:t>12/04/2019</a:t>
             </a:fld>
             <a:endParaRPr lang="it-IT"/>
           </a:p>
@@ -5923,7 +5924,7 @@
           <a:p>
             <a:fld id="{73B341DB-7226-48ED-93C6-4CA0570B6B59}" type="datetimeFigureOut">
               <a:rPr lang="it-IT" smtClean="0"/>
-              <a:t>11/04/2019</a:t>
+              <a:t>12/04/2019</a:t>
             </a:fld>
             <a:endParaRPr lang="it-IT"/>
           </a:p>
@@ -6491,7 +6492,7 @@
           <a:p>
             <a:fld id="{6A95F648-2F94-41D1-A59D-39CB3696F9AB}" type="datetimeFigureOut">
               <a:rPr lang="it-IT" smtClean="0"/>
-              <a:t>11/04/2019</a:t>
+              <a:t>12/04/2019</a:t>
             </a:fld>
             <a:endParaRPr lang="it-IT"/>
           </a:p>
@@ -26001,8 +26002,8 @@
           </a:fontRef>
         </p:style>
       </p:cxnSp>
-      <mc:AlternateContent xmlns:mc="http://schemas.openxmlformats.org/markup-compatibility/2006">
-        <mc:Choice xmlns:a14="http://schemas.microsoft.com/office/drawing/2010/main" Requires="a14">
+      <mc:AlternateContent xmlns:mc="http://schemas.openxmlformats.org/markup-compatibility/2006" xmlns:a14="http://schemas.microsoft.com/office/drawing/2010/main">
+        <mc:Choice Requires="a14">
           <p:sp>
             <p:nvSpPr>
               <p:cNvPr id="47" name="CasellaDiTesto 46">
@@ -26077,7 +26078,7 @@
             </p:txBody>
           </p:sp>
         </mc:Choice>
-        <mc:Fallback>
+        <mc:Fallback xmlns="">
           <p:sp>
             <p:nvSpPr>
               <p:cNvPr id="47" name="CasellaDiTesto 46">
@@ -26122,8 +26123,8 @@
           </p:sp>
         </mc:Fallback>
       </mc:AlternateContent>
-      <mc:AlternateContent xmlns:mc="http://schemas.openxmlformats.org/markup-compatibility/2006">
-        <mc:Choice xmlns:a14="http://schemas.microsoft.com/office/drawing/2010/main" Requires="a14">
+      <mc:AlternateContent xmlns:mc="http://schemas.openxmlformats.org/markup-compatibility/2006" xmlns:a14="http://schemas.microsoft.com/office/drawing/2010/main">
+        <mc:Choice Requires="a14">
           <p:sp>
             <p:nvSpPr>
               <p:cNvPr id="50" name="CasellaDiTesto 49">
@@ -26198,7 +26199,7 @@
             </p:txBody>
           </p:sp>
         </mc:Choice>
-        <mc:Fallback>
+        <mc:Fallback xmlns="">
           <p:sp>
             <p:nvSpPr>
               <p:cNvPr id="50" name="CasellaDiTesto 49">
@@ -44274,56 +44275,6 @@
           <a:chExt cx="0" cy="0"/>
         </a:xfrm>
       </p:grpSpPr>
-      <p:sp>
-        <p:nvSpPr>
-          <p:cNvPr id="4" name="Rettangolo 3">
-            <a:extLst>
-              <a:ext uri="{FF2B5EF4-FFF2-40B4-BE49-F238E27FC236}">
-                <a16:creationId xmlns:a16="http://schemas.microsoft.com/office/drawing/2014/main" id="{AFB5874D-EF80-44AA-947E-EF41029CBAFE}"/>
-              </a:ext>
-            </a:extLst>
-          </p:cNvPr>
-          <p:cNvSpPr/>
-          <p:nvPr/>
-        </p:nvSpPr>
-        <p:spPr>
-          <a:xfrm>
-            <a:off x="1440000" y="1440000"/>
-            <a:ext cx="2880000" cy="720000"/>
-          </a:xfrm>
-          <a:prstGeom prst="rect">
-            <a:avLst/>
-          </a:prstGeom>
-          <a:solidFill>
-            <a:schemeClr val="accent5">
-              <a:lumMod val="20000"/>
-              <a:lumOff val="80000"/>
-            </a:schemeClr>
-          </a:solidFill>
-        </p:spPr>
-        <p:style>
-          <a:lnRef idx="2">
-            <a:schemeClr val="dk1"/>
-          </a:lnRef>
-          <a:fillRef idx="1">
-            <a:schemeClr val="lt1"/>
-          </a:fillRef>
-          <a:effectRef idx="0">
-            <a:schemeClr val="dk1"/>
-          </a:effectRef>
-          <a:fontRef idx="minor">
-            <a:schemeClr val="dk1"/>
-          </a:fontRef>
-        </p:style>
-        <p:txBody>
-          <a:bodyPr rtlCol="0" anchor="ctr"/>
-          <a:lstStyle/>
-          <a:p>
-            <a:pPr algn="ctr"/>
-            <a:endParaRPr lang="it-IT"/>
-          </a:p>
-        </p:txBody>
-      </p:sp>
       <p:cxnSp>
         <p:nvCxnSpPr>
           <p:cNvPr id="7" name="Connettore diritto 6">
@@ -44830,184 +44781,276 @@
           </p:sp>
         </p:grpSp>
       </p:grpSp>
-      <p:sp>
-        <p:nvSpPr>
-          <p:cNvPr id="70" name="Arco 69">
-            <a:extLst>
-              <a:ext uri="{FF2B5EF4-FFF2-40B4-BE49-F238E27FC236}">
-                <a16:creationId xmlns:a16="http://schemas.microsoft.com/office/drawing/2014/main" id="{8547B36D-0989-4538-BFA4-898357B07E3B}"/>
-              </a:ext>
-            </a:extLst>
-          </p:cNvPr>
-          <p:cNvSpPr/>
+      <p:grpSp>
+        <p:nvGrpSpPr>
+          <p:cNvPr id="6" name="Gruppo 5">
+            <a:extLst>
+              <a:ext uri="{FF2B5EF4-FFF2-40B4-BE49-F238E27FC236}">
+                <a16:creationId xmlns:a16="http://schemas.microsoft.com/office/drawing/2014/main" id="{6589D5BD-4893-4402-B2AF-8791DDEDEE32}"/>
+              </a:ext>
+            </a:extLst>
+          </p:cNvPr>
+          <p:cNvGrpSpPr/>
           <p:nvPr/>
-        </p:nvSpPr>
-        <p:spPr>
-          <a:xfrm rot="10800000" flipH="1">
+        </p:nvGrpSpPr>
+        <p:grpSpPr>
+          <a:xfrm>
             <a:off x="133350" y="983681"/>
             <a:ext cx="4186650" cy="1176319"/>
-          </a:xfrm>
-          <a:prstGeom prst="arc">
-            <a:avLst>
-              <a:gd name="adj1" fmla="val 16128148"/>
-              <a:gd name="adj2" fmla="val 21567144"/>
-            </a:avLst>
-          </a:prstGeom>
-          <a:ln w="6350">
-            <a:solidFill>
+            <a:chOff x="133350" y="983681"/>
+            <a:chExt cx="4186650" cy="1176319"/>
+          </a:xfrm>
+        </p:grpSpPr>
+        <p:grpSp>
+          <p:nvGrpSpPr>
+            <p:cNvPr id="3" name="Gruppo 2">
+              <a:extLst>
+                <a:ext uri="{FF2B5EF4-FFF2-40B4-BE49-F238E27FC236}">
+                  <a16:creationId xmlns:a16="http://schemas.microsoft.com/office/drawing/2014/main" id="{C20BDE2D-34E2-49D3-BE9E-A399C2C4B3C5}"/>
+                </a:ext>
+              </a:extLst>
+            </p:cNvPr>
+            <p:cNvGrpSpPr/>
+            <p:nvPr/>
+          </p:nvGrpSpPr>
+          <p:grpSpPr>
+            <a:xfrm>
+              <a:off x="1439999" y="1440000"/>
+              <a:ext cx="2880001" cy="720000"/>
+              <a:chOff x="1439999" y="1440000"/>
+              <a:chExt cx="2880001" cy="720000"/>
+            </a:xfrm>
+          </p:grpSpPr>
+          <p:sp>
+            <p:nvSpPr>
+              <p:cNvPr id="4" name="Rettangolo 3">
+                <a:extLst>
+                  <a:ext uri="{FF2B5EF4-FFF2-40B4-BE49-F238E27FC236}">
+                    <a16:creationId xmlns:a16="http://schemas.microsoft.com/office/drawing/2014/main" id="{AFB5874D-EF80-44AA-947E-EF41029CBAFE}"/>
+                  </a:ext>
+                </a:extLst>
+              </p:cNvPr>
+              <p:cNvSpPr/>
+              <p:nvPr/>
+            </p:nvSpPr>
+            <p:spPr>
+              <a:xfrm>
+                <a:off x="1440000" y="1440000"/>
+                <a:ext cx="2880000" cy="720000"/>
+              </a:xfrm>
+              <a:prstGeom prst="rect">
+                <a:avLst/>
+              </a:prstGeom>
+              <a:solidFill>
+                <a:schemeClr val="accent5">
+                  <a:lumMod val="20000"/>
+                  <a:lumOff val="80000"/>
+                </a:schemeClr>
+              </a:solidFill>
+            </p:spPr>
+            <p:style>
+              <a:lnRef idx="2">
+                <a:schemeClr val="dk1"/>
+              </a:lnRef>
+              <a:fillRef idx="1">
+                <a:schemeClr val="lt1"/>
+              </a:fillRef>
+              <a:effectRef idx="0">
+                <a:schemeClr val="dk1"/>
+              </a:effectRef>
+              <a:fontRef idx="minor">
+                <a:schemeClr val="dk1"/>
+              </a:fontRef>
+            </p:style>
+            <p:txBody>
+              <a:bodyPr rtlCol="0" anchor="ctr"/>
+              <a:lstStyle/>
+              <a:p>
+                <a:pPr algn="ctr"/>
+                <a:endParaRPr lang="it-IT"/>
+              </a:p>
+            </p:txBody>
+          </p:sp>
+          <p:cxnSp>
+            <p:nvCxnSpPr>
+              <p:cNvPr id="72" name="Connettore 2 71">
+                <a:extLst>
+                  <a:ext uri="{FF2B5EF4-FFF2-40B4-BE49-F238E27FC236}">
+                    <a16:creationId xmlns:a16="http://schemas.microsoft.com/office/drawing/2014/main" id="{6D31E893-4879-4C18-9A77-1A76446B8DCC}"/>
+                  </a:ext>
+                </a:extLst>
+              </p:cNvPr>
+              <p:cNvCxnSpPr>
+                <a:cxnSpLocks/>
+              </p:cNvCxnSpPr>
+              <p:nvPr/>
+            </p:nvCxnSpPr>
+            <p:spPr>
+              <a:xfrm flipV="1">
+                <a:off x="1440000" y="1620000"/>
+                <a:ext cx="2878790" cy="0"/>
+              </a:xfrm>
+              <a:prstGeom prst="straightConnector1">
+                <a:avLst/>
+              </a:prstGeom>
+              <a:ln w="6350">
+                <a:headEnd w="sm" len="med"/>
+                <a:tailEnd type="triangle" w="sm" len="med"/>
+              </a:ln>
+            </p:spPr>
+            <p:style>
+              <a:lnRef idx="1">
+                <a:schemeClr val="dk1"/>
+              </a:lnRef>
+              <a:fillRef idx="0">
+                <a:schemeClr val="dk1"/>
+              </a:fillRef>
+              <a:effectRef idx="0">
+                <a:schemeClr val="dk1"/>
+              </a:effectRef>
+              <a:fontRef idx="minor">
+                <a:schemeClr val="tx1"/>
+              </a:fontRef>
+            </p:style>
+          </p:cxnSp>
+          <p:cxnSp>
+            <p:nvCxnSpPr>
+              <p:cNvPr id="75" name="Connettore 2 74">
+                <a:extLst>
+                  <a:ext uri="{FF2B5EF4-FFF2-40B4-BE49-F238E27FC236}">
+                    <a16:creationId xmlns:a16="http://schemas.microsoft.com/office/drawing/2014/main" id="{5656CC5D-CED6-4A51-8CBD-A56E08FC1162}"/>
+                  </a:ext>
+                </a:extLst>
+              </p:cNvPr>
+              <p:cNvCxnSpPr>
+                <a:cxnSpLocks/>
+              </p:cNvCxnSpPr>
+              <p:nvPr/>
+            </p:nvCxnSpPr>
+            <p:spPr>
+              <a:xfrm>
+                <a:off x="1440000" y="1800000"/>
+                <a:ext cx="2718000" cy="0"/>
+              </a:xfrm>
+              <a:prstGeom prst="straightConnector1">
+                <a:avLst/>
+              </a:prstGeom>
+              <a:ln w="6350">
+                <a:headEnd w="sm" len="med"/>
+                <a:tailEnd type="triangle" w="sm" len="med"/>
+              </a:ln>
+            </p:spPr>
+            <p:style>
+              <a:lnRef idx="1">
+                <a:schemeClr val="dk1"/>
+              </a:lnRef>
+              <a:fillRef idx="0">
+                <a:schemeClr val="dk1"/>
+              </a:fillRef>
+              <a:effectRef idx="0">
+                <a:schemeClr val="dk1"/>
+              </a:effectRef>
+              <a:fontRef idx="minor">
+                <a:schemeClr val="tx1"/>
+              </a:fontRef>
+            </p:style>
+          </p:cxnSp>
+          <p:cxnSp>
+            <p:nvCxnSpPr>
+              <p:cNvPr id="78" name="Connettore 2 77">
+                <a:extLst>
+                  <a:ext uri="{FF2B5EF4-FFF2-40B4-BE49-F238E27FC236}">
+                    <a16:creationId xmlns:a16="http://schemas.microsoft.com/office/drawing/2014/main" id="{68282A5A-57ED-4BBA-94B0-3A41E6F2A8FF}"/>
+                  </a:ext>
+                </a:extLst>
+              </p:cNvPr>
+              <p:cNvCxnSpPr>
+                <a:cxnSpLocks/>
+              </p:cNvCxnSpPr>
+              <p:nvPr/>
+            </p:nvCxnSpPr>
+            <p:spPr>
+              <a:xfrm>
+                <a:off x="1439999" y="1980000"/>
+                <a:ext cx="2268000" cy="0"/>
+              </a:xfrm>
+              <a:prstGeom prst="straightConnector1">
+                <a:avLst/>
+              </a:prstGeom>
+              <a:ln w="6350">
+                <a:headEnd w="sm" len="med"/>
+                <a:tailEnd type="triangle" w="sm" len="med"/>
+              </a:ln>
+            </p:spPr>
+            <p:style>
+              <a:lnRef idx="1">
+                <a:schemeClr val="dk1"/>
+              </a:lnRef>
+              <a:fillRef idx="0">
+                <a:schemeClr val="dk1"/>
+              </a:fillRef>
+              <a:effectRef idx="0">
+                <a:schemeClr val="dk1"/>
+              </a:effectRef>
+              <a:fontRef idx="minor">
+                <a:schemeClr val="tx1"/>
+              </a:fontRef>
+            </p:style>
+          </p:cxnSp>
+        </p:grpSp>
+        <p:sp>
+          <p:nvSpPr>
+            <p:cNvPr id="70" name="Arco 69">
+              <a:extLst>
+                <a:ext uri="{FF2B5EF4-FFF2-40B4-BE49-F238E27FC236}">
+                  <a16:creationId xmlns:a16="http://schemas.microsoft.com/office/drawing/2014/main" id="{8547B36D-0989-4538-BFA4-898357B07E3B}"/>
+                </a:ext>
+              </a:extLst>
+            </p:cNvPr>
+            <p:cNvSpPr/>
+            <p:nvPr/>
+          </p:nvSpPr>
+          <p:spPr>
+            <a:xfrm rot="10800000" flipH="1">
+              <a:off x="133350" y="983681"/>
+              <a:ext cx="4186650" cy="1176319"/>
+            </a:xfrm>
+            <a:prstGeom prst="arc">
+              <a:avLst>
+                <a:gd name="adj1" fmla="val 16128148"/>
+                <a:gd name="adj2" fmla="val 21567144"/>
+              </a:avLst>
+            </a:prstGeom>
+            <a:ln w="6350">
+              <a:solidFill>
+                <a:schemeClr val="tx1"/>
+              </a:solidFill>
+            </a:ln>
+          </p:spPr>
+          <p:style>
+            <a:lnRef idx="1">
+              <a:schemeClr val="accent1"/>
+            </a:lnRef>
+            <a:fillRef idx="0">
+              <a:schemeClr val="accent1"/>
+            </a:fillRef>
+            <a:effectRef idx="0">
+              <a:schemeClr val="accent1"/>
+            </a:effectRef>
+            <a:fontRef idx="minor">
               <a:schemeClr val="tx1"/>
-            </a:solidFill>
-          </a:ln>
-        </p:spPr>
-        <p:style>
-          <a:lnRef idx="1">
-            <a:schemeClr val="accent1"/>
-          </a:lnRef>
-          <a:fillRef idx="0">
-            <a:schemeClr val="accent1"/>
-          </a:fillRef>
-          <a:effectRef idx="0">
-            <a:schemeClr val="accent1"/>
-          </a:effectRef>
-          <a:fontRef idx="minor">
-            <a:schemeClr val="tx1"/>
-          </a:fontRef>
-        </p:style>
-        <p:txBody>
-          <a:bodyPr rtlCol="0" anchor="ctr"/>
-          <a:lstStyle/>
-          <a:p>
-            <a:pPr algn="ctr"/>
-            <a:endParaRPr lang="it-IT"/>
-          </a:p>
-        </p:txBody>
-      </p:sp>
-      <p:cxnSp>
-        <p:nvCxnSpPr>
-          <p:cNvPr id="72" name="Connettore 2 71">
-            <a:extLst>
-              <a:ext uri="{FF2B5EF4-FFF2-40B4-BE49-F238E27FC236}">
-                <a16:creationId xmlns:a16="http://schemas.microsoft.com/office/drawing/2014/main" id="{6D31E893-4879-4C18-9A77-1A76446B8DCC}"/>
-              </a:ext>
-            </a:extLst>
-          </p:cNvPr>
-          <p:cNvCxnSpPr>
-            <a:cxnSpLocks/>
-          </p:cNvCxnSpPr>
-          <p:nvPr/>
-        </p:nvCxnSpPr>
-        <p:spPr>
-          <a:xfrm flipV="1">
-            <a:off x="1440000" y="1620000"/>
-            <a:ext cx="2878790" cy="0"/>
-          </a:xfrm>
-          <a:prstGeom prst="straightConnector1">
-            <a:avLst/>
-          </a:prstGeom>
-          <a:ln w="6350">
-            <a:headEnd w="sm" len="med"/>
-            <a:tailEnd type="triangle" w="sm" len="med"/>
-          </a:ln>
-        </p:spPr>
-        <p:style>
-          <a:lnRef idx="1">
-            <a:schemeClr val="dk1"/>
-          </a:lnRef>
-          <a:fillRef idx="0">
-            <a:schemeClr val="dk1"/>
-          </a:fillRef>
-          <a:effectRef idx="0">
-            <a:schemeClr val="dk1"/>
-          </a:effectRef>
-          <a:fontRef idx="minor">
-            <a:schemeClr val="tx1"/>
-          </a:fontRef>
-        </p:style>
-      </p:cxnSp>
-      <p:cxnSp>
-        <p:nvCxnSpPr>
-          <p:cNvPr id="75" name="Connettore 2 74">
-            <a:extLst>
-              <a:ext uri="{FF2B5EF4-FFF2-40B4-BE49-F238E27FC236}">
-                <a16:creationId xmlns:a16="http://schemas.microsoft.com/office/drawing/2014/main" id="{5656CC5D-CED6-4A51-8CBD-A56E08FC1162}"/>
-              </a:ext>
-            </a:extLst>
-          </p:cNvPr>
-          <p:cNvCxnSpPr>
-            <a:cxnSpLocks/>
-          </p:cNvCxnSpPr>
-          <p:nvPr/>
-        </p:nvCxnSpPr>
-        <p:spPr>
-          <a:xfrm>
-            <a:off x="1440000" y="1800000"/>
-            <a:ext cx="2718000" cy="0"/>
-          </a:xfrm>
-          <a:prstGeom prst="straightConnector1">
-            <a:avLst/>
-          </a:prstGeom>
-          <a:ln w="6350">
-            <a:headEnd w="sm" len="med"/>
-            <a:tailEnd type="triangle" w="sm" len="med"/>
-          </a:ln>
-        </p:spPr>
-        <p:style>
-          <a:lnRef idx="1">
-            <a:schemeClr val="dk1"/>
-          </a:lnRef>
-          <a:fillRef idx="0">
-            <a:schemeClr val="dk1"/>
-          </a:fillRef>
-          <a:effectRef idx="0">
-            <a:schemeClr val="dk1"/>
-          </a:effectRef>
-          <a:fontRef idx="minor">
-            <a:schemeClr val="tx1"/>
-          </a:fontRef>
-        </p:style>
-      </p:cxnSp>
-      <p:cxnSp>
-        <p:nvCxnSpPr>
-          <p:cNvPr id="78" name="Connettore 2 77">
-            <a:extLst>
-              <a:ext uri="{FF2B5EF4-FFF2-40B4-BE49-F238E27FC236}">
-                <a16:creationId xmlns:a16="http://schemas.microsoft.com/office/drawing/2014/main" id="{68282A5A-57ED-4BBA-94B0-3A41E6F2A8FF}"/>
-              </a:ext>
-            </a:extLst>
-          </p:cNvPr>
-          <p:cNvCxnSpPr>
-            <a:cxnSpLocks/>
-          </p:cNvCxnSpPr>
-          <p:nvPr/>
-        </p:nvCxnSpPr>
-        <p:spPr>
-          <a:xfrm>
-            <a:off x="1439999" y="1980000"/>
-            <a:ext cx="2268000" cy="0"/>
-          </a:xfrm>
-          <a:prstGeom prst="straightConnector1">
-            <a:avLst/>
-          </a:prstGeom>
-          <a:ln w="6350">
-            <a:headEnd w="sm" len="med"/>
-            <a:tailEnd type="triangle" w="sm" len="med"/>
-          </a:ln>
-        </p:spPr>
-        <p:style>
-          <a:lnRef idx="1">
-            <a:schemeClr val="dk1"/>
-          </a:lnRef>
-          <a:fillRef idx="0">
-            <a:schemeClr val="dk1"/>
-          </a:fillRef>
-          <a:effectRef idx="0">
-            <a:schemeClr val="dk1"/>
-          </a:effectRef>
-          <a:fontRef idx="minor">
-            <a:schemeClr val="tx1"/>
-          </a:fontRef>
-        </p:style>
-      </p:cxnSp>
+            </a:fontRef>
+          </p:style>
+          <p:txBody>
+            <a:bodyPr rtlCol="0" anchor="ctr"/>
+            <a:lstStyle/>
+            <a:p>
+              <a:pPr algn="ctr"/>
+              <a:endParaRPr lang="it-IT"/>
+            </a:p>
+          </p:txBody>
+        </p:sp>
+      </p:grpSp>
     </p:spTree>
     <p:extLst>
       <p:ext uri="{BB962C8B-B14F-4D97-AF65-F5344CB8AC3E}">
@@ -47216,6 +47259,882 @@
       </p:grpSpPr>
       <p:sp>
         <p:nvSpPr>
+          <p:cNvPr id="20" name="Triangolo rettangolo 19">
+            <a:extLst>
+              <a:ext uri="{FF2B5EF4-FFF2-40B4-BE49-F238E27FC236}">
+                <a16:creationId xmlns:a16="http://schemas.microsoft.com/office/drawing/2014/main" id="{7A2B1C96-51B5-4D01-AD53-4FC01D7927A0}"/>
+              </a:ext>
+            </a:extLst>
+          </p:cNvPr>
+          <p:cNvSpPr/>
+          <p:nvPr/>
+        </p:nvSpPr>
+        <p:spPr>
+          <a:xfrm rot="-5400000">
+            <a:off x="3958790" y="3239998"/>
+            <a:ext cx="360000" cy="360000"/>
+          </a:xfrm>
+          <a:prstGeom prst="rtTriangle">
+            <a:avLst/>
+          </a:prstGeom>
+          <a:solidFill>
+            <a:schemeClr val="bg1">
+              <a:lumMod val="65000"/>
+            </a:schemeClr>
+          </a:solidFill>
+          <a:ln w="6350"/>
+        </p:spPr>
+        <p:style>
+          <a:lnRef idx="2">
+            <a:schemeClr val="dk1"/>
+          </a:lnRef>
+          <a:fillRef idx="1">
+            <a:schemeClr val="lt1"/>
+          </a:fillRef>
+          <a:effectRef idx="0">
+            <a:schemeClr val="dk1"/>
+          </a:effectRef>
+          <a:fontRef idx="minor">
+            <a:schemeClr val="dk1"/>
+          </a:fontRef>
+        </p:style>
+        <p:txBody>
+          <a:bodyPr rtlCol="0" anchor="ctr"/>
+          <a:lstStyle/>
+          <a:p>
+            <a:pPr algn="ctr"/>
+            <a:endParaRPr lang="it-IT"/>
+          </a:p>
+        </p:txBody>
+      </p:sp>
+      <p:cxnSp>
+        <p:nvCxnSpPr>
+          <p:cNvPr id="26" name="Connettore diritto 25">
+            <a:extLst>
+              <a:ext uri="{FF2B5EF4-FFF2-40B4-BE49-F238E27FC236}">
+                <a16:creationId xmlns:a16="http://schemas.microsoft.com/office/drawing/2014/main" id="{3CD2C60A-9BDD-4343-B7E1-7F4BF68C7456}"/>
+              </a:ext>
+            </a:extLst>
+          </p:cNvPr>
+          <p:cNvCxnSpPr>
+            <a:cxnSpLocks/>
+          </p:cNvCxnSpPr>
+          <p:nvPr/>
+        </p:nvCxnSpPr>
+        <p:spPr>
+          <a:xfrm flipH="1">
+            <a:off x="3960000" y="3240000"/>
+            <a:ext cx="360000" cy="360000"/>
+          </a:xfrm>
+          <a:prstGeom prst="line">
+            <a:avLst/>
+          </a:prstGeom>
+          <a:ln>
+            <a:solidFill>
+              <a:schemeClr val="tx1"/>
+            </a:solidFill>
+          </a:ln>
+        </p:spPr>
+        <p:style>
+          <a:lnRef idx="1">
+            <a:schemeClr val="accent1"/>
+          </a:lnRef>
+          <a:fillRef idx="0">
+            <a:schemeClr val="accent1"/>
+          </a:fillRef>
+          <a:effectRef idx="0">
+            <a:schemeClr val="accent1"/>
+          </a:effectRef>
+          <a:fontRef idx="minor">
+            <a:schemeClr val="tx1"/>
+          </a:fontRef>
+        </p:style>
+      </p:cxnSp>
+      <p:sp>
+        <p:nvSpPr>
+          <p:cNvPr id="32" name="Parallelogramma 31">
+            <a:extLst>
+              <a:ext uri="{FF2B5EF4-FFF2-40B4-BE49-F238E27FC236}">
+                <a16:creationId xmlns:a16="http://schemas.microsoft.com/office/drawing/2014/main" id="{36BD2991-4381-41B7-86CA-9690E40789B1}"/>
+              </a:ext>
+            </a:extLst>
+          </p:cNvPr>
+          <p:cNvSpPr>
+            <a:spLocks/>
+          </p:cNvSpPr>
+          <p:nvPr/>
+        </p:nvSpPr>
+        <p:spPr>
+          <a:xfrm>
+            <a:off x="1440000" y="2880000"/>
+            <a:ext cx="1080000" cy="720000"/>
+          </a:xfrm>
+          <a:prstGeom prst="parallelogram">
+            <a:avLst>
+              <a:gd name="adj" fmla="val 99999"/>
+            </a:avLst>
+          </a:prstGeom>
+          <a:solidFill>
+            <a:schemeClr val="accent1">
+              <a:lumMod val="75000"/>
+            </a:schemeClr>
+          </a:solidFill>
+          <a:ln w="6350"/>
+        </p:spPr>
+        <p:style>
+          <a:lnRef idx="2">
+            <a:schemeClr val="dk1"/>
+          </a:lnRef>
+          <a:fillRef idx="1">
+            <a:schemeClr val="lt1"/>
+          </a:fillRef>
+          <a:effectRef idx="0">
+            <a:schemeClr val="dk1"/>
+          </a:effectRef>
+          <a:fontRef idx="minor">
+            <a:schemeClr val="dk1"/>
+          </a:fontRef>
+        </p:style>
+        <p:txBody>
+          <a:bodyPr rtlCol="0" anchor="ctr"/>
+          <a:lstStyle/>
+          <a:p>
+            <a:pPr algn="ctr"/>
+            <a:endParaRPr lang="it-IT"/>
+          </a:p>
+        </p:txBody>
+      </p:sp>
+      <p:sp>
+        <p:nvSpPr>
+          <p:cNvPr id="33" name="Parallelogramma 32">
+            <a:extLst>
+              <a:ext uri="{FF2B5EF4-FFF2-40B4-BE49-F238E27FC236}">
+                <a16:creationId xmlns:a16="http://schemas.microsoft.com/office/drawing/2014/main" id="{AAE07D06-E0D5-4AC6-9287-1331B1C391D1}"/>
+              </a:ext>
+            </a:extLst>
+          </p:cNvPr>
+          <p:cNvSpPr>
+            <a:spLocks/>
+          </p:cNvSpPr>
+          <p:nvPr/>
+        </p:nvSpPr>
+        <p:spPr>
+          <a:xfrm>
+            <a:off x="1800000" y="2880000"/>
+            <a:ext cx="1080000" cy="720000"/>
+          </a:xfrm>
+          <a:prstGeom prst="parallelogram">
+            <a:avLst>
+              <a:gd name="adj" fmla="val 99999"/>
+            </a:avLst>
+          </a:prstGeom>
+          <a:solidFill>
+            <a:schemeClr val="bg1">
+              <a:lumMod val="65000"/>
+            </a:schemeClr>
+          </a:solidFill>
+          <a:ln w="6350"/>
+        </p:spPr>
+        <p:style>
+          <a:lnRef idx="2">
+            <a:schemeClr val="dk1"/>
+          </a:lnRef>
+          <a:fillRef idx="1">
+            <a:schemeClr val="lt1"/>
+          </a:fillRef>
+          <a:effectRef idx="0">
+            <a:schemeClr val="dk1"/>
+          </a:effectRef>
+          <a:fontRef idx="minor">
+            <a:schemeClr val="dk1"/>
+          </a:fontRef>
+        </p:style>
+        <p:txBody>
+          <a:bodyPr rtlCol="0" anchor="ctr"/>
+          <a:lstStyle/>
+          <a:p>
+            <a:pPr algn="ctr"/>
+            <a:endParaRPr lang="it-IT"/>
+          </a:p>
+        </p:txBody>
+      </p:sp>
+      <p:sp>
+        <p:nvSpPr>
+          <p:cNvPr id="34" name="Parallelogramma 33">
+            <a:extLst>
+              <a:ext uri="{FF2B5EF4-FFF2-40B4-BE49-F238E27FC236}">
+                <a16:creationId xmlns:a16="http://schemas.microsoft.com/office/drawing/2014/main" id="{A126DC85-DD00-4B04-B8AF-F7E20B67255B}"/>
+              </a:ext>
+            </a:extLst>
+          </p:cNvPr>
+          <p:cNvSpPr>
+            <a:spLocks/>
+          </p:cNvSpPr>
+          <p:nvPr/>
+        </p:nvSpPr>
+        <p:spPr>
+          <a:xfrm>
+            <a:off x="2520000" y="2880000"/>
+            <a:ext cx="1080000" cy="720000"/>
+          </a:xfrm>
+          <a:prstGeom prst="parallelogram">
+            <a:avLst>
+              <a:gd name="adj" fmla="val 99999"/>
+            </a:avLst>
+          </a:prstGeom>
+          <a:solidFill>
+            <a:schemeClr val="accent1">
+              <a:lumMod val="75000"/>
+            </a:schemeClr>
+          </a:solidFill>
+          <a:ln w="6350"/>
+        </p:spPr>
+        <p:style>
+          <a:lnRef idx="2">
+            <a:schemeClr val="dk1"/>
+          </a:lnRef>
+          <a:fillRef idx="1">
+            <a:schemeClr val="lt1"/>
+          </a:fillRef>
+          <a:effectRef idx="0">
+            <a:schemeClr val="dk1"/>
+          </a:effectRef>
+          <a:fontRef idx="minor">
+            <a:schemeClr val="dk1"/>
+          </a:fontRef>
+        </p:style>
+        <p:txBody>
+          <a:bodyPr rtlCol="0" anchor="ctr"/>
+          <a:lstStyle/>
+          <a:p>
+            <a:pPr algn="ctr"/>
+            <a:endParaRPr lang="it-IT"/>
+          </a:p>
+        </p:txBody>
+      </p:sp>
+      <p:sp>
+        <p:nvSpPr>
+          <p:cNvPr id="36" name="Triangolo rettangolo 35">
+            <a:extLst>
+              <a:ext uri="{FF2B5EF4-FFF2-40B4-BE49-F238E27FC236}">
+                <a16:creationId xmlns:a16="http://schemas.microsoft.com/office/drawing/2014/main" id="{48650062-DE27-4055-AC8C-81E84FF78846}"/>
+              </a:ext>
+            </a:extLst>
+          </p:cNvPr>
+          <p:cNvSpPr/>
+          <p:nvPr/>
+        </p:nvSpPr>
+        <p:spPr>
+          <a:xfrm rot="5400000">
+            <a:off x="1440000" y="2880000"/>
+            <a:ext cx="360000" cy="360000"/>
+          </a:xfrm>
+          <a:prstGeom prst="rtTriangle">
+            <a:avLst/>
+          </a:prstGeom>
+          <a:solidFill>
+            <a:schemeClr val="bg1">
+              <a:lumMod val="65000"/>
+            </a:schemeClr>
+          </a:solidFill>
+          <a:ln w="6350"/>
+        </p:spPr>
+        <p:style>
+          <a:lnRef idx="2">
+            <a:schemeClr val="dk1"/>
+          </a:lnRef>
+          <a:fillRef idx="1">
+            <a:schemeClr val="lt1"/>
+          </a:fillRef>
+          <a:effectRef idx="0">
+            <a:schemeClr val="dk1"/>
+          </a:effectRef>
+          <a:fontRef idx="minor">
+            <a:schemeClr val="dk1"/>
+          </a:fontRef>
+        </p:style>
+        <p:txBody>
+          <a:bodyPr rtlCol="0" anchor="ctr"/>
+          <a:lstStyle/>
+          <a:p>
+            <a:pPr algn="ctr"/>
+            <a:endParaRPr lang="it-IT"/>
+          </a:p>
+        </p:txBody>
+      </p:sp>
+      <p:sp>
+        <p:nvSpPr>
+          <p:cNvPr id="37" name="Parallelogramma 36">
+            <a:extLst>
+              <a:ext uri="{FF2B5EF4-FFF2-40B4-BE49-F238E27FC236}">
+                <a16:creationId xmlns:a16="http://schemas.microsoft.com/office/drawing/2014/main" id="{0AF42239-9121-43E6-8505-AC474381C9EF}"/>
+              </a:ext>
+            </a:extLst>
+          </p:cNvPr>
+          <p:cNvSpPr>
+            <a:spLocks/>
+          </p:cNvSpPr>
+          <p:nvPr/>
+        </p:nvSpPr>
+        <p:spPr>
+          <a:xfrm>
+            <a:off x="2880000" y="2880000"/>
+            <a:ext cx="1080000" cy="720000"/>
+          </a:xfrm>
+          <a:prstGeom prst="parallelogram">
+            <a:avLst>
+              <a:gd name="adj" fmla="val 99999"/>
+            </a:avLst>
+          </a:prstGeom>
+          <a:solidFill>
+            <a:schemeClr val="bg1">
+              <a:lumMod val="65000"/>
+            </a:schemeClr>
+          </a:solidFill>
+          <a:ln w="6350"/>
+        </p:spPr>
+        <p:style>
+          <a:lnRef idx="2">
+            <a:schemeClr val="dk1"/>
+          </a:lnRef>
+          <a:fillRef idx="1">
+            <a:schemeClr val="lt1"/>
+          </a:fillRef>
+          <a:effectRef idx="0">
+            <a:schemeClr val="dk1"/>
+          </a:effectRef>
+          <a:fontRef idx="minor">
+            <a:schemeClr val="dk1"/>
+          </a:fontRef>
+        </p:style>
+        <p:txBody>
+          <a:bodyPr rtlCol="0" anchor="ctr"/>
+          <a:lstStyle/>
+          <a:p>
+            <a:pPr algn="ctr"/>
+            <a:endParaRPr lang="it-IT"/>
+          </a:p>
+        </p:txBody>
+      </p:sp>
+      <p:sp>
+        <p:nvSpPr>
+          <p:cNvPr id="38" name="Trapezio 37">
+            <a:extLst>
+              <a:ext uri="{FF2B5EF4-FFF2-40B4-BE49-F238E27FC236}">
+                <a16:creationId xmlns:a16="http://schemas.microsoft.com/office/drawing/2014/main" id="{C72CB81C-018B-4D12-8FA9-81966C55EABA}"/>
+              </a:ext>
+            </a:extLst>
+          </p:cNvPr>
+          <p:cNvSpPr/>
+          <p:nvPr/>
+        </p:nvSpPr>
+        <p:spPr>
+          <a:xfrm rot="8100000">
+            <a:off x="3541168" y="3202768"/>
+            <a:ext cx="1018800" cy="255600"/>
+          </a:xfrm>
+          <a:prstGeom prst="trapezoid">
+            <a:avLst>
+              <a:gd name="adj" fmla="val 102258"/>
+            </a:avLst>
+          </a:prstGeom>
+          <a:solidFill>
+            <a:schemeClr val="accent1">
+              <a:lumMod val="75000"/>
+            </a:schemeClr>
+          </a:solidFill>
+          <a:ln w="6350"/>
+        </p:spPr>
+        <p:style>
+          <a:lnRef idx="2">
+            <a:schemeClr val="dk1"/>
+          </a:lnRef>
+          <a:fillRef idx="1">
+            <a:schemeClr val="lt1"/>
+          </a:fillRef>
+          <a:effectRef idx="0">
+            <a:schemeClr val="dk1"/>
+          </a:effectRef>
+          <a:fontRef idx="minor">
+            <a:schemeClr val="dk1"/>
+          </a:fontRef>
+        </p:style>
+        <p:txBody>
+          <a:bodyPr rtlCol="0" anchor="ctr"/>
+          <a:lstStyle/>
+          <a:p>
+            <a:pPr algn="ctr"/>
+            <a:endParaRPr lang="it-IT"/>
+          </a:p>
+        </p:txBody>
+      </p:sp>
+      <p:sp>
+        <p:nvSpPr>
+          <p:cNvPr id="5" name="Rettangolo 4">
+            <a:extLst>
+              <a:ext uri="{FF2B5EF4-FFF2-40B4-BE49-F238E27FC236}">
+                <a16:creationId xmlns:a16="http://schemas.microsoft.com/office/drawing/2014/main" id="{A2866499-10D0-4275-8C25-6D6A8FA1F309}"/>
+              </a:ext>
+            </a:extLst>
+          </p:cNvPr>
+          <p:cNvSpPr/>
+          <p:nvPr/>
+        </p:nvSpPr>
+        <p:spPr>
+          <a:xfrm>
+            <a:off x="1440000" y="2880000"/>
+            <a:ext cx="2880000" cy="720000"/>
+          </a:xfrm>
+          <a:prstGeom prst="rect">
+            <a:avLst/>
+          </a:prstGeom>
+          <a:noFill/>
+          <a:ln>
+            <a:solidFill>
+              <a:schemeClr val="dk1">
+                <a:alpha val="91000"/>
+              </a:schemeClr>
+            </a:solidFill>
+          </a:ln>
+        </p:spPr>
+        <p:style>
+          <a:lnRef idx="2">
+            <a:schemeClr val="dk1"/>
+          </a:lnRef>
+          <a:fillRef idx="1">
+            <a:schemeClr val="lt1"/>
+          </a:fillRef>
+          <a:effectRef idx="0">
+            <a:schemeClr val="dk1"/>
+          </a:effectRef>
+          <a:fontRef idx="minor">
+            <a:schemeClr val="dk1"/>
+          </a:fontRef>
+        </p:style>
+        <p:txBody>
+          <a:bodyPr rtlCol="0" anchor="ctr"/>
+          <a:lstStyle/>
+          <a:p>
+            <a:pPr algn="ctr"/>
+            <a:endParaRPr lang="it-IT"/>
+          </a:p>
+        </p:txBody>
+      </p:sp>
+      <p:grpSp>
+        <p:nvGrpSpPr>
+          <p:cNvPr id="22" name="Gruppo 21">
+            <a:extLst>
+              <a:ext uri="{FF2B5EF4-FFF2-40B4-BE49-F238E27FC236}">
+                <a16:creationId xmlns:a16="http://schemas.microsoft.com/office/drawing/2014/main" id="{D8E4D7CC-E991-41C8-BD30-B2BAD2FAF6CB}"/>
+              </a:ext>
+            </a:extLst>
+          </p:cNvPr>
+          <p:cNvGrpSpPr/>
+          <p:nvPr/>
+        </p:nvGrpSpPr>
+        <p:grpSpPr>
+          <a:xfrm>
+            <a:off x="133350" y="1702800"/>
+            <a:ext cx="4186650" cy="1176319"/>
+            <a:chOff x="133350" y="983681"/>
+            <a:chExt cx="4186650" cy="1176319"/>
+          </a:xfrm>
+        </p:grpSpPr>
+        <p:grpSp>
+          <p:nvGrpSpPr>
+            <p:cNvPr id="23" name="Gruppo 22">
+              <a:extLst>
+                <a:ext uri="{FF2B5EF4-FFF2-40B4-BE49-F238E27FC236}">
+                  <a16:creationId xmlns:a16="http://schemas.microsoft.com/office/drawing/2014/main" id="{957D04C1-0FCC-4BF8-893C-185E5E3DF907}"/>
+                </a:ext>
+              </a:extLst>
+            </p:cNvPr>
+            <p:cNvGrpSpPr/>
+            <p:nvPr/>
+          </p:nvGrpSpPr>
+          <p:grpSpPr>
+            <a:xfrm>
+              <a:off x="1439999" y="1440000"/>
+              <a:ext cx="2880001" cy="720000"/>
+              <a:chOff x="1439999" y="1440000"/>
+              <a:chExt cx="2880001" cy="720000"/>
+            </a:xfrm>
+          </p:grpSpPr>
+          <p:sp>
+            <p:nvSpPr>
+              <p:cNvPr id="25" name="Rettangolo 24">
+                <a:extLst>
+                  <a:ext uri="{FF2B5EF4-FFF2-40B4-BE49-F238E27FC236}">
+                    <a16:creationId xmlns:a16="http://schemas.microsoft.com/office/drawing/2014/main" id="{FA9BB5CE-D76A-4B46-8A66-F8DC6F93123A}"/>
+                  </a:ext>
+                </a:extLst>
+              </p:cNvPr>
+              <p:cNvSpPr/>
+              <p:nvPr/>
+            </p:nvSpPr>
+            <p:spPr>
+              <a:xfrm>
+                <a:off x="1440000" y="1440000"/>
+                <a:ext cx="2880000" cy="720000"/>
+              </a:xfrm>
+              <a:prstGeom prst="rect">
+                <a:avLst/>
+              </a:prstGeom>
+              <a:solidFill>
+                <a:schemeClr val="accent5">
+                  <a:lumMod val="20000"/>
+                  <a:lumOff val="80000"/>
+                </a:schemeClr>
+              </a:solidFill>
+            </p:spPr>
+            <p:style>
+              <a:lnRef idx="2">
+                <a:schemeClr val="dk1"/>
+              </a:lnRef>
+              <a:fillRef idx="1">
+                <a:schemeClr val="lt1"/>
+              </a:fillRef>
+              <a:effectRef idx="0">
+                <a:schemeClr val="dk1"/>
+              </a:effectRef>
+              <a:fontRef idx="minor">
+                <a:schemeClr val="dk1"/>
+              </a:fontRef>
+            </p:style>
+            <p:txBody>
+              <a:bodyPr rtlCol="0" anchor="ctr"/>
+              <a:lstStyle/>
+              <a:p>
+                <a:pPr algn="ctr"/>
+                <a:endParaRPr lang="it-IT"/>
+              </a:p>
+            </p:txBody>
+          </p:sp>
+          <p:cxnSp>
+            <p:nvCxnSpPr>
+              <p:cNvPr id="27" name="Connettore 2 26">
+                <a:extLst>
+                  <a:ext uri="{FF2B5EF4-FFF2-40B4-BE49-F238E27FC236}">
+                    <a16:creationId xmlns:a16="http://schemas.microsoft.com/office/drawing/2014/main" id="{F32BBBD8-CEFE-442D-A1CF-25C0453B35DF}"/>
+                  </a:ext>
+                </a:extLst>
+              </p:cNvPr>
+              <p:cNvCxnSpPr>
+                <a:cxnSpLocks/>
+              </p:cNvCxnSpPr>
+              <p:nvPr/>
+            </p:nvCxnSpPr>
+            <p:spPr>
+              <a:xfrm flipV="1">
+                <a:off x="1440000" y="1620000"/>
+                <a:ext cx="2878790" cy="0"/>
+              </a:xfrm>
+              <a:prstGeom prst="straightConnector1">
+                <a:avLst/>
+              </a:prstGeom>
+              <a:ln w="6350">
+                <a:headEnd w="sm" len="med"/>
+                <a:tailEnd type="triangle" w="sm" len="med"/>
+              </a:ln>
+            </p:spPr>
+            <p:style>
+              <a:lnRef idx="1">
+                <a:schemeClr val="dk1"/>
+              </a:lnRef>
+              <a:fillRef idx="0">
+                <a:schemeClr val="dk1"/>
+              </a:fillRef>
+              <a:effectRef idx="0">
+                <a:schemeClr val="dk1"/>
+              </a:effectRef>
+              <a:fontRef idx="minor">
+                <a:schemeClr val="tx1"/>
+              </a:fontRef>
+            </p:style>
+          </p:cxnSp>
+          <p:cxnSp>
+            <p:nvCxnSpPr>
+              <p:cNvPr id="28" name="Connettore 2 27">
+                <a:extLst>
+                  <a:ext uri="{FF2B5EF4-FFF2-40B4-BE49-F238E27FC236}">
+                    <a16:creationId xmlns:a16="http://schemas.microsoft.com/office/drawing/2014/main" id="{D9DAE660-2DF5-4C53-9E02-B19CC274547F}"/>
+                  </a:ext>
+                </a:extLst>
+              </p:cNvPr>
+              <p:cNvCxnSpPr>
+                <a:cxnSpLocks/>
+              </p:cNvCxnSpPr>
+              <p:nvPr/>
+            </p:nvCxnSpPr>
+            <p:spPr>
+              <a:xfrm>
+                <a:off x="1440000" y="1800000"/>
+                <a:ext cx="2718000" cy="0"/>
+              </a:xfrm>
+              <a:prstGeom prst="straightConnector1">
+                <a:avLst/>
+              </a:prstGeom>
+              <a:ln w="6350">
+                <a:headEnd w="sm" len="med"/>
+                <a:tailEnd type="triangle" w="sm" len="med"/>
+              </a:ln>
+            </p:spPr>
+            <p:style>
+              <a:lnRef idx="1">
+                <a:schemeClr val="dk1"/>
+              </a:lnRef>
+              <a:fillRef idx="0">
+                <a:schemeClr val="dk1"/>
+              </a:fillRef>
+              <a:effectRef idx="0">
+                <a:schemeClr val="dk1"/>
+              </a:effectRef>
+              <a:fontRef idx="minor">
+                <a:schemeClr val="tx1"/>
+              </a:fontRef>
+            </p:style>
+          </p:cxnSp>
+          <p:cxnSp>
+            <p:nvCxnSpPr>
+              <p:cNvPr id="29" name="Connettore 2 28">
+                <a:extLst>
+                  <a:ext uri="{FF2B5EF4-FFF2-40B4-BE49-F238E27FC236}">
+                    <a16:creationId xmlns:a16="http://schemas.microsoft.com/office/drawing/2014/main" id="{328D9928-CB25-4DBD-8F27-DEAB963D4BFB}"/>
+                  </a:ext>
+                </a:extLst>
+              </p:cNvPr>
+              <p:cNvCxnSpPr>
+                <a:cxnSpLocks/>
+              </p:cNvCxnSpPr>
+              <p:nvPr/>
+            </p:nvCxnSpPr>
+            <p:spPr>
+              <a:xfrm>
+                <a:off x="1439999" y="1980000"/>
+                <a:ext cx="2268000" cy="0"/>
+              </a:xfrm>
+              <a:prstGeom prst="straightConnector1">
+                <a:avLst/>
+              </a:prstGeom>
+              <a:ln w="6350">
+                <a:headEnd w="sm" len="med"/>
+                <a:tailEnd type="triangle" w="sm" len="med"/>
+              </a:ln>
+            </p:spPr>
+            <p:style>
+              <a:lnRef idx="1">
+                <a:schemeClr val="dk1"/>
+              </a:lnRef>
+              <a:fillRef idx="0">
+                <a:schemeClr val="dk1"/>
+              </a:fillRef>
+              <a:effectRef idx="0">
+                <a:schemeClr val="dk1"/>
+              </a:effectRef>
+              <a:fontRef idx="minor">
+                <a:schemeClr val="tx1"/>
+              </a:fontRef>
+            </p:style>
+          </p:cxnSp>
+        </p:grpSp>
+        <p:sp>
+          <p:nvSpPr>
+            <p:cNvPr id="24" name="Arco 23">
+              <a:extLst>
+                <a:ext uri="{FF2B5EF4-FFF2-40B4-BE49-F238E27FC236}">
+                  <a16:creationId xmlns:a16="http://schemas.microsoft.com/office/drawing/2014/main" id="{752FAB82-F9B0-4E1F-BB79-7E0B806EC41E}"/>
+                </a:ext>
+              </a:extLst>
+            </p:cNvPr>
+            <p:cNvSpPr/>
+            <p:nvPr/>
+          </p:nvSpPr>
+          <p:spPr>
+            <a:xfrm rot="10800000" flipH="1">
+              <a:off x="133350" y="983681"/>
+              <a:ext cx="4186650" cy="1176319"/>
+            </a:xfrm>
+            <a:prstGeom prst="arc">
+              <a:avLst>
+                <a:gd name="adj1" fmla="val 16128148"/>
+                <a:gd name="adj2" fmla="val 21567144"/>
+              </a:avLst>
+            </a:prstGeom>
+            <a:ln w="6350">
+              <a:solidFill>
+                <a:schemeClr val="tx1"/>
+              </a:solidFill>
+            </a:ln>
+          </p:spPr>
+          <p:style>
+            <a:lnRef idx="1">
+              <a:schemeClr val="accent1"/>
+            </a:lnRef>
+            <a:fillRef idx="0">
+              <a:schemeClr val="accent1"/>
+            </a:fillRef>
+            <a:effectRef idx="0">
+              <a:schemeClr val="accent1"/>
+            </a:effectRef>
+            <a:fontRef idx="minor">
+              <a:schemeClr val="tx1"/>
+            </a:fontRef>
+          </p:style>
+          <p:txBody>
+            <a:bodyPr rtlCol="0" anchor="ctr"/>
+            <a:lstStyle/>
+            <a:p>
+              <a:pPr algn="ctr"/>
+              <a:endParaRPr lang="it-IT"/>
+            </a:p>
+          </p:txBody>
+        </p:sp>
+      </p:grpSp>
+      <p:sp>
+        <p:nvSpPr>
+          <p:cNvPr id="2" name="CasellaDiTesto 1">
+            <a:extLst>
+              <a:ext uri="{FF2B5EF4-FFF2-40B4-BE49-F238E27FC236}">
+                <a16:creationId xmlns:a16="http://schemas.microsoft.com/office/drawing/2014/main" id="{D8FC5A3E-BEAF-4D09-AC2F-E39B27719039}"/>
+              </a:ext>
+            </a:extLst>
+          </p:cNvPr>
+          <p:cNvSpPr txBox="1"/>
+          <p:nvPr/>
+        </p:nvSpPr>
+        <p:spPr>
+          <a:xfrm>
+            <a:off x="940905" y="2277190"/>
+            <a:ext cx="728860" cy="584775"/>
+          </a:xfrm>
+          <a:prstGeom prst="rect">
+            <a:avLst/>
+          </a:prstGeom>
+          <a:noFill/>
+        </p:spPr>
+        <p:txBody>
+          <a:bodyPr wrap="square" rtlCol="0">
+            <a:spAutoFit/>
+          </a:bodyPr>
+          <a:lstStyle/>
+          <a:p>
+            <a:r>
+              <a:rPr lang="it-IT" sz="3200" dirty="0"/>
+              <a:t>ff</a:t>
+            </a:r>
+            <a:endParaRPr lang="it-IT" sz="2400" dirty="0"/>
+          </a:p>
+        </p:txBody>
+      </p:sp>
+      <p:sp>
+        <p:nvSpPr>
+          <p:cNvPr id="30" name="CasellaDiTesto 29">
+            <a:extLst>
+              <a:ext uri="{FF2B5EF4-FFF2-40B4-BE49-F238E27FC236}">
+                <a16:creationId xmlns:a16="http://schemas.microsoft.com/office/drawing/2014/main" id="{D9346468-C641-4E70-8011-4E1934524FAA}"/>
+              </a:ext>
+            </a:extLst>
+          </p:cNvPr>
+          <p:cNvSpPr txBox="1"/>
+          <p:nvPr/>
+        </p:nvSpPr>
+        <p:spPr>
+          <a:xfrm>
+            <a:off x="746504" y="2958371"/>
+            <a:ext cx="1002773" cy="584775"/>
+          </a:xfrm>
+          <a:prstGeom prst="rect">
+            <a:avLst/>
+          </a:prstGeom>
+          <a:noFill/>
+        </p:spPr>
+        <p:txBody>
+          <a:bodyPr wrap="square" rtlCol="0">
+            <a:spAutoFit/>
+          </a:bodyPr>
+          <a:lstStyle/>
+          <a:p>
+            <a:r>
+              <a:rPr lang="it-IT" sz="3200" dirty="0"/>
+              <a:t>pm</a:t>
+            </a:r>
+            <a:endParaRPr lang="it-IT" sz="2400" dirty="0"/>
+          </a:p>
+        </p:txBody>
+      </p:sp>
+      <p:cxnSp>
+        <p:nvCxnSpPr>
+          <p:cNvPr id="6" name="Connettore diritto 5">
+            <a:extLst>
+              <a:ext uri="{FF2B5EF4-FFF2-40B4-BE49-F238E27FC236}">
+                <a16:creationId xmlns:a16="http://schemas.microsoft.com/office/drawing/2014/main" id="{C030832F-3967-48AE-9B9F-5D6D1017B0F5}"/>
+              </a:ext>
+            </a:extLst>
+          </p:cNvPr>
+          <p:cNvCxnSpPr/>
+          <p:nvPr/>
+        </p:nvCxnSpPr>
+        <p:spPr>
+          <a:xfrm>
+            <a:off x="1439999" y="2880000"/>
+            <a:ext cx="2878791" cy="0"/>
+          </a:xfrm>
+          <a:prstGeom prst="line">
+            <a:avLst/>
+          </a:prstGeom>
+          <a:ln w="38100">
+            <a:solidFill>
+              <a:srgbClr val="FF0000"/>
+            </a:solidFill>
+          </a:ln>
+        </p:spPr>
+        <p:style>
+          <a:lnRef idx="1">
+            <a:schemeClr val="dk1"/>
+          </a:lnRef>
+          <a:fillRef idx="0">
+            <a:schemeClr val="dk1"/>
+          </a:fillRef>
+          <a:effectRef idx="0">
+            <a:schemeClr val="dk1"/>
+          </a:effectRef>
+          <a:fontRef idx="minor">
+            <a:schemeClr val="tx1"/>
+          </a:fontRef>
+        </p:style>
+      </p:cxnSp>
+    </p:spTree>
+    <p:extLst>
+      <p:ext uri="{BB962C8B-B14F-4D97-AF65-F5344CB8AC3E}">
+        <p14:creationId xmlns:p14="http://schemas.microsoft.com/office/powerpoint/2010/main" val="115656853"/>
+      </p:ext>
+    </p:extLst>
+  </p:cSld>
+  <p:clrMapOvr>
+    <a:masterClrMapping/>
+  </p:clrMapOvr>
+</p:sld>
+</file>
+
+<file path=ppt/slides/slide33.xml><?xml version="1.0" encoding="utf-8"?>
+<p:sld xmlns:a="http://schemas.openxmlformats.org/drawingml/2006/main" xmlns:r="http://schemas.openxmlformats.org/officeDocument/2006/relationships" xmlns:p="http://schemas.openxmlformats.org/presentationml/2006/main">
+  <p:cSld>
+    <p:spTree>
+      <p:nvGrpSpPr>
+        <p:cNvPr id="1" name=""/>
+        <p:cNvGrpSpPr/>
+        <p:nvPr/>
+      </p:nvGrpSpPr>
+      <p:grpSpPr>
+        <a:xfrm>
+          <a:off x="0" y="0"/>
+          <a:ext cx="0" cy="0"/>
+          <a:chOff x="0" y="0"/>
+          <a:chExt cx="0" cy="0"/>
+        </a:xfrm>
+      </p:grpSpPr>
+      <p:sp>
+        <p:nvSpPr>
           <p:cNvPr id="4" name="Rettangolo 3">
             <a:extLst>
               <a:ext uri="{FF2B5EF4-FFF2-40B4-BE49-F238E27FC236}">
@@ -47827,7 +48746,7 @@
 </p:sld>
 </file>
 
-<file path=ppt/slides/slide33.xml><?xml version="1.0" encoding="utf-8"?>
+<file path=ppt/slides/slide34.xml><?xml version="1.0" encoding="utf-8"?>
 <p:sld xmlns:a="http://schemas.openxmlformats.org/drawingml/2006/main" xmlns:r="http://schemas.openxmlformats.org/officeDocument/2006/relationships" xmlns:p="http://schemas.openxmlformats.org/presentationml/2006/main">
   <p:cSld>
     <p:spTree>
